--- a/Slides/graph-maker.pptx
+++ b/Slides/graph-maker.pptx
@@ -7,6 +7,9 @@
   <p:sldIdLst>
     <p:sldId id="256" r:id="rId2"/>
     <p:sldId id="257" r:id="rId3"/>
+    <p:sldId id="258" r:id="rId4"/>
+    <p:sldId id="259" r:id="rId5"/>
+    <p:sldId id="260" r:id="rId6"/>
   </p:sldIdLst>
   <p:sldSz cx="12192000" cy="6858000"/>
   <p:notesSz cx="6858000" cy="9144000"/>
@@ -105,6 +108,11 @@
       </a:defRPr>
     </a:lvl9pPr>
   </p:defaultTextStyle>
+  <p:extLst>
+    <p:ext uri="{EFAFB233-063F-42B5-8137-9DF3F51BA10A}">
+      <p15:sldGuideLst xmlns:p15="http://schemas.microsoft.com/office/powerpoint/2012/main"/>
+    </p:ext>
+  </p:extLst>
 </p:presentation>
 </file>
 
@@ -3406,8 +3414,8 @@
           </a:fontRef>
         </p:style>
       </p:cxnSp>
-      <mc:AlternateContent xmlns:mc="http://schemas.openxmlformats.org/markup-compatibility/2006">
-        <mc:Choice xmlns:a14="http://schemas.microsoft.com/office/drawing/2010/main" Requires="a14">
+      <mc:AlternateContent xmlns:mc="http://schemas.openxmlformats.org/markup-compatibility/2006" xmlns:a14="http://schemas.microsoft.com/office/drawing/2010/main">
+        <mc:Choice Requires="a14">
           <p:sp>
             <p:nvSpPr>
               <p:cNvPr id="18" name="TextBox 17">
@@ -3436,6 +3444,7 @@
               </a:bodyPr>
               <a:lstStyle/>
               <a:p>
+                <a:pPr/>
                 <a14:m>
                   <m:oMathPara xmlns:m="http://schemas.openxmlformats.org/officeDocument/2006/math">
                     <m:oMathParaPr>
@@ -3488,7 +3497,7 @@
             </p:txBody>
           </p:sp>
         </mc:Choice>
-        <mc:Fallback>
+        <mc:Fallback xmlns="">
           <p:sp>
             <p:nvSpPr>
               <p:cNvPr id="18" name="TextBox 17">
@@ -3533,8 +3542,8 @@
           </p:sp>
         </mc:Fallback>
       </mc:AlternateContent>
-      <mc:AlternateContent xmlns:mc="http://schemas.openxmlformats.org/markup-compatibility/2006">
-        <mc:Choice xmlns:a14="http://schemas.microsoft.com/office/drawing/2010/main" Requires="a14">
+      <mc:AlternateContent xmlns:mc="http://schemas.openxmlformats.org/markup-compatibility/2006" xmlns:a14="http://schemas.microsoft.com/office/drawing/2010/main">
+        <mc:Choice Requires="a14">
           <p:sp>
             <p:nvSpPr>
               <p:cNvPr id="19" name="TextBox 18">
@@ -3563,6 +3572,7 @@
               </a:bodyPr>
               <a:lstStyle/>
               <a:p>
+                <a:pPr/>
                 <a14:m>
                   <m:oMathPara xmlns:m="http://schemas.openxmlformats.org/officeDocument/2006/math">
                     <m:oMathParaPr>
@@ -3626,7 +3636,7 @@
             </p:txBody>
           </p:sp>
         </mc:Choice>
-        <mc:Fallback>
+        <mc:Fallback xmlns="">
           <p:sp>
             <p:nvSpPr>
               <p:cNvPr id="19" name="TextBox 18">
@@ -3671,8 +3681,8 @@
           </p:sp>
         </mc:Fallback>
       </mc:AlternateContent>
-      <mc:AlternateContent xmlns:mc="http://schemas.openxmlformats.org/markup-compatibility/2006">
-        <mc:Choice xmlns:a14="http://schemas.microsoft.com/office/drawing/2010/main" Requires="a14">
+      <mc:AlternateContent xmlns:mc="http://schemas.openxmlformats.org/markup-compatibility/2006" xmlns:a14="http://schemas.microsoft.com/office/drawing/2010/main">
+        <mc:Choice Requires="a14">
           <p:sp>
             <p:nvSpPr>
               <p:cNvPr id="21" name="TextBox 20">
@@ -3701,6 +3711,7 @@
               </a:bodyPr>
               <a:lstStyle/>
               <a:p>
+                <a:pPr/>
                 <a14:m>
                   <m:oMathPara xmlns:m="http://schemas.openxmlformats.org/officeDocument/2006/math">
                     <m:oMathParaPr>
@@ -3728,7 +3739,7 @@
             </p:txBody>
           </p:sp>
         </mc:Choice>
-        <mc:Fallback>
+        <mc:Fallback xmlns="">
           <p:sp>
             <p:nvSpPr>
               <p:cNvPr id="21" name="TextBox 20">
@@ -3773,8 +3784,8 @@
           </p:sp>
         </mc:Fallback>
       </mc:AlternateContent>
-      <mc:AlternateContent xmlns:mc="http://schemas.openxmlformats.org/markup-compatibility/2006">
-        <mc:Choice xmlns:a14="http://schemas.microsoft.com/office/drawing/2010/main" Requires="a14">
+      <mc:AlternateContent xmlns:mc="http://schemas.openxmlformats.org/markup-compatibility/2006" xmlns:a14="http://schemas.microsoft.com/office/drawing/2010/main">
+        <mc:Choice Requires="a14">
           <p:sp>
             <p:nvSpPr>
               <p:cNvPr id="25" name="TextBox 24">
@@ -3803,6 +3814,7 @@
               </a:bodyPr>
               <a:lstStyle/>
               <a:p>
+                <a:pPr/>
                 <a14:m>
                   <m:oMathPara xmlns:m="http://schemas.openxmlformats.org/officeDocument/2006/math">
                     <m:oMathParaPr>
@@ -3839,7 +3851,7 @@
             </p:txBody>
           </p:sp>
         </mc:Choice>
-        <mc:Fallback>
+        <mc:Fallback xmlns="">
           <p:sp>
             <p:nvSpPr>
               <p:cNvPr id="25" name="TextBox 24">
@@ -3884,8 +3896,8 @@
           </p:sp>
         </mc:Fallback>
       </mc:AlternateContent>
-      <mc:AlternateContent xmlns:mc="http://schemas.openxmlformats.org/markup-compatibility/2006">
-        <mc:Choice xmlns:a14="http://schemas.microsoft.com/office/drawing/2010/main" Requires="a14">
+      <mc:AlternateContent xmlns:mc="http://schemas.openxmlformats.org/markup-compatibility/2006" xmlns:a14="http://schemas.microsoft.com/office/drawing/2010/main">
+        <mc:Choice Requires="a14">
           <p:sp>
             <p:nvSpPr>
               <p:cNvPr id="26" name="TextBox 25">
@@ -3914,6 +3926,7 @@
               </a:bodyPr>
               <a:lstStyle/>
               <a:p>
+                <a:pPr/>
                 <a14:m>
                   <m:oMathPara xmlns:m="http://schemas.openxmlformats.org/officeDocument/2006/math">
                     <m:oMathParaPr>
@@ -3977,7 +3990,7 @@
             </p:txBody>
           </p:sp>
         </mc:Choice>
-        <mc:Fallback>
+        <mc:Fallback xmlns="">
           <p:sp>
             <p:nvSpPr>
               <p:cNvPr id="26" name="TextBox 25">
@@ -4022,8 +4035,8 @@
           </p:sp>
         </mc:Fallback>
       </mc:AlternateContent>
-      <mc:AlternateContent xmlns:mc="http://schemas.openxmlformats.org/markup-compatibility/2006">
-        <mc:Choice xmlns:a14="http://schemas.microsoft.com/office/drawing/2010/main" Requires="a14">
+      <mc:AlternateContent xmlns:mc="http://schemas.openxmlformats.org/markup-compatibility/2006" xmlns:a14="http://schemas.microsoft.com/office/drawing/2010/main">
+        <mc:Choice Requires="a14">
           <p:sp>
             <p:nvSpPr>
               <p:cNvPr id="27" name="TextBox 26">
@@ -4052,6 +4065,7 @@
               </a:bodyPr>
               <a:lstStyle/>
               <a:p>
+                <a:pPr/>
                 <a14:m>
                   <m:oMathPara xmlns:m="http://schemas.openxmlformats.org/officeDocument/2006/math">
                     <m:oMathParaPr>
@@ -4104,7 +4118,7 @@
             </p:txBody>
           </p:sp>
         </mc:Choice>
-        <mc:Fallback>
+        <mc:Fallback xmlns="">
           <p:sp>
             <p:nvSpPr>
               <p:cNvPr id="27" name="TextBox 26">
@@ -4149,8 +4163,8 @@
           </p:sp>
         </mc:Fallback>
       </mc:AlternateContent>
-      <mc:AlternateContent xmlns:mc="http://schemas.openxmlformats.org/markup-compatibility/2006">
-        <mc:Choice xmlns:a14="http://schemas.microsoft.com/office/drawing/2010/main" Requires="a14">
+      <mc:AlternateContent xmlns:mc="http://schemas.openxmlformats.org/markup-compatibility/2006" xmlns:a14="http://schemas.microsoft.com/office/drawing/2010/main">
+        <mc:Choice Requires="a14">
           <p:sp>
             <p:nvSpPr>
               <p:cNvPr id="31" name="TextBox 30">
@@ -4179,6 +4193,7 @@
               </a:bodyPr>
               <a:lstStyle/>
               <a:p>
+                <a:pPr/>
                 <a14:m>
                   <m:oMathPara xmlns:m="http://schemas.openxmlformats.org/officeDocument/2006/math">
                     <m:oMathParaPr>
@@ -4206,7 +4221,7 @@
             </p:txBody>
           </p:sp>
         </mc:Choice>
-        <mc:Fallback>
+        <mc:Fallback xmlns="">
           <p:sp>
             <p:nvSpPr>
               <p:cNvPr id="31" name="TextBox 30">
@@ -4295,8 +4310,8 @@
           </a:fontRef>
         </p:style>
       </p:cxnSp>
-      <mc:AlternateContent xmlns:mc="http://schemas.openxmlformats.org/markup-compatibility/2006">
-        <mc:Choice xmlns:a14="http://schemas.microsoft.com/office/drawing/2010/main" Requires="a14">
+      <mc:AlternateContent xmlns:mc="http://schemas.openxmlformats.org/markup-compatibility/2006" xmlns:a14="http://schemas.microsoft.com/office/drawing/2010/main">
+        <mc:Choice Requires="a14">
           <p:sp>
             <p:nvSpPr>
               <p:cNvPr id="52" name="TextBox 51">
@@ -4325,6 +4340,7 @@
               </a:bodyPr>
               <a:lstStyle/>
               <a:p>
+                <a:pPr/>
                 <a14:m>
                   <m:oMathPara xmlns:m="http://schemas.openxmlformats.org/officeDocument/2006/math">
                     <m:oMathParaPr>
@@ -4352,7 +4368,7 @@
             </p:txBody>
           </p:sp>
         </mc:Choice>
-        <mc:Fallback>
+        <mc:Fallback xmlns="">
           <p:sp>
             <p:nvSpPr>
               <p:cNvPr id="52" name="TextBox 51">
@@ -4604,8 +4620,8 @@
           </a:fontRef>
         </p:style>
       </p:cxnSp>
-      <mc:AlternateContent xmlns:mc="http://schemas.openxmlformats.org/markup-compatibility/2006">
-        <mc:Choice xmlns:a14="http://schemas.microsoft.com/office/drawing/2010/main" Requires="a14">
+      <mc:AlternateContent xmlns:mc="http://schemas.openxmlformats.org/markup-compatibility/2006" xmlns:a14="http://schemas.microsoft.com/office/drawing/2010/main">
+        <mc:Choice Requires="a14">
           <p:sp>
             <p:nvSpPr>
               <p:cNvPr id="60" name="TextBox 59">
@@ -4634,6 +4650,7 @@
               </a:bodyPr>
               <a:lstStyle/>
               <a:p>
+                <a:pPr/>
                 <a14:m>
                   <m:oMathPara xmlns:m="http://schemas.openxmlformats.org/officeDocument/2006/math">
                     <m:oMathParaPr>
@@ -4707,7 +4724,7 @@
             </p:txBody>
           </p:sp>
         </mc:Choice>
-        <mc:Fallback>
+        <mc:Fallback xmlns="">
           <p:sp>
             <p:nvSpPr>
               <p:cNvPr id="60" name="TextBox 59">
@@ -4752,8 +4769,8 @@
           </p:sp>
         </mc:Fallback>
       </mc:AlternateContent>
-      <mc:AlternateContent xmlns:mc="http://schemas.openxmlformats.org/markup-compatibility/2006">
-        <mc:Choice xmlns:a14="http://schemas.microsoft.com/office/drawing/2010/main" Requires="a14">
+      <mc:AlternateContent xmlns:mc="http://schemas.openxmlformats.org/markup-compatibility/2006" xmlns:a14="http://schemas.microsoft.com/office/drawing/2010/main">
+        <mc:Choice Requires="a14">
           <p:sp>
             <p:nvSpPr>
               <p:cNvPr id="61" name="TextBox 60">
@@ -4859,7 +4876,7 @@
             </p:txBody>
           </p:sp>
         </mc:Choice>
-        <mc:Fallback>
+        <mc:Fallback xmlns="">
           <p:sp>
             <p:nvSpPr>
               <p:cNvPr id="61" name="TextBox 60">
@@ -4904,8 +4921,8 @@
           </p:sp>
         </mc:Fallback>
       </mc:AlternateContent>
-      <mc:AlternateContent xmlns:mc="http://schemas.openxmlformats.org/markup-compatibility/2006">
-        <mc:Choice xmlns:a14="http://schemas.microsoft.com/office/drawing/2010/main" Requires="a14">
+      <mc:AlternateContent xmlns:mc="http://schemas.openxmlformats.org/markup-compatibility/2006" xmlns:a14="http://schemas.microsoft.com/office/drawing/2010/main">
+        <mc:Choice Requires="a14">
           <p:sp>
             <p:nvSpPr>
               <p:cNvPr id="62" name="TextBox 61">
@@ -4934,6 +4951,7 @@
               </a:bodyPr>
               <a:lstStyle/>
               <a:p>
+                <a:pPr/>
                 <a14:m>
                   <m:oMathPara xmlns:m="http://schemas.openxmlformats.org/officeDocument/2006/math">
                     <m:oMathParaPr>
@@ -4961,7 +4979,7 @@
             </p:txBody>
           </p:sp>
         </mc:Choice>
-        <mc:Fallback>
+        <mc:Fallback xmlns="">
           <p:sp>
             <p:nvSpPr>
               <p:cNvPr id="62" name="TextBox 61">
@@ -5036,8 +5054,8 @@
           <a:chExt cx="0" cy="0"/>
         </a:xfrm>
       </p:grpSpPr>
-      <mc:AlternateContent xmlns:mc="http://schemas.openxmlformats.org/markup-compatibility/2006">
-        <mc:Choice xmlns:a14="http://schemas.microsoft.com/office/drawing/2010/main" Requires="a14">
+      <mc:AlternateContent xmlns:mc="http://schemas.openxmlformats.org/markup-compatibility/2006" xmlns:a14="http://schemas.microsoft.com/office/drawing/2010/main">
+        <mc:Choice Requires="a14">
           <p:sp>
             <p:nvSpPr>
               <p:cNvPr id="26" name="TextBox 25">
@@ -5130,7 +5148,7 @@
             </p:txBody>
           </p:sp>
         </mc:Choice>
-        <mc:Fallback>
+        <mc:Fallback xmlns="">
           <p:sp>
             <p:nvSpPr>
               <p:cNvPr id="26" name="TextBox 25">
@@ -5175,8 +5193,8 @@
           </p:sp>
         </mc:Fallback>
       </mc:AlternateContent>
-      <mc:AlternateContent xmlns:mc="http://schemas.openxmlformats.org/markup-compatibility/2006">
-        <mc:Choice xmlns:a14="http://schemas.microsoft.com/office/drawing/2010/main" Requires="a14">
+      <mc:AlternateContent xmlns:mc="http://schemas.openxmlformats.org/markup-compatibility/2006" xmlns:a14="http://schemas.microsoft.com/office/drawing/2010/main">
+        <mc:Choice Requires="a14">
           <p:sp>
             <p:nvSpPr>
               <p:cNvPr id="27" name="TextBox 26">
@@ -5258,7 +5276,7 @@
             </p:txBody>
           </p:sp>
         </mc:Choice>
-        <mc:Fallback>
+        <mc:Fallback xmlns="">
           <p:sp>
             <p:nvSpPr>
               <p:cNvPr id="27" name="TextBox 26">
@@ -5599,8 +5617,8 @@
           </a:p>
         </p:txBody>
       </p:sp>
-      <mc:AlternateContent xmlns:mc="http://schemas.openxmlformats.org/markup-compatibility/2006">
-        <mc:Choice xmlns:a14="http://schemas.microsoft.com/office/drawing/2010/main" Requires="a14">
+      <mc:AlternateContent xmlns:mc="http://schemas.openxmlformats.org/markup-compatibility/2006" xmlns:a14="http://schemas.microsoft.com/office/drawing/2010/main">
+        <mc:Choice Requires="a14">
           <p:sp>
             <p:nvSpPr>
               <p:cNvPr id="7" name="TextBox 6">
@@ -5629,6 +5647,7 @@
               </a:bodyPr>
               <a:lstStyle/>
               <a:p>
+                <a:pPr/>
                 <a14:m>
                   <m:oMathPara xmlns:m="http://schemas.openxmlformats.org/officeDocument/2006/math">
                     <m:oMathParaPr>
@@ -5681,7 +5700,7 @@
             </p:txBody>
           </p:sp>
         </mc:Choice>
-        <mc:Fallback>
+        <mc:Fallback xmlns="">
           <p:sp>
             <p:nvSpPr>
               <p:cNvPr id="7" name="TextBox 6">
@@ -5726,8 +5745,8 @@
           </p:sp>
         </mc:Fallback>
       </mc:AlternateContent>
-      <mc:AlternateContent xmlns:mc="http://schemas.openxmlformats.org/markup-compatibility/2006">
-        <mc:Choice xmlns:a14="http://schemas.microsoft.com/office/drawing/2010/main" Requires="a14">
+      <mc:AlternateContent xmlns:mc="http://schemas.openxmlformats.org/markup-compatibility/2006" xmlns:a14="http://schemas.microsoft.com/office/drawing/2010/main">
+        <mc:Choice Requires="a14">
           <p:sp>
             <p:nvSpPr>
               <p:cNvPr id="9" name="TextBox 8">
@@ -5756,6 +5775,7 @@
               </a:bodyPr>
               <a:lstStyle/>
               <a:p>
+                <a:pPr/>
                 <a14:m>
                   <m:oMathPara xmlns:m="http://schemas.openxmlformats.org/officeDocument/2006/math">
                     <m:oMathParaPr>
@@ -5819,7 +5839,7 @@
             </p:txBody>
           </p:sp>
         </mc:Choice>
-        <mc:Fallback>
+        <mc:Fallback xmlns="">
           <p:sp>
             <p:nvSpPr>
               <p:cNvPr id="9" name="TextBox 8">
@@ -5864,8 +5884,8 @@
           </p:sp>
         </mc:Fallback>
       </mc:AlternateContent>
-      <mc:AlternateContent xmlns:mc="http://schemas.openxmlformats.org/markup-compatibility/2006">
-        <mc:Choice xmlns:a14="http://schemas.microsoft.com/office/drawing/2010/main" Requires="a14">
+      <mc:AlternateContent xmlns:mc="http://schemas.openxmlformats.org/markup-compatibility/2006" xmlns:a14="http://schemas.microsoft.com/office/drawing/2010/main">
+        <mc:Choice Requires="a14">
           <p:sp>
             <p:nvSpPr>
               <p:cNvPr id="10" name="TextBox 9">
@@ -5894,6 +5914,7 @@
               </a:bodyPr>
               <a:lstStyle/>
               <a:p>
+                <a:pPr/>
                 <a14:m>
                   <m:oMathPara xmlns:m="http://schemas.openxmlformats.org/officeDocument/2006/math">
                     <m:oMathParaPr>
@@ -5967,7 +5988,7 @@
             </p:txBody>
           </p:sp>
         </mc:Choice>
-        <mc:Fallback>
+        <mc:Fallback xmlns="">
           <p:sp>
             <p:nvSpPr>
               <p:cNvPr id="10" name="TextBox 9">
@@ -6095,6 +6116,3606 @@
     <p:extLst>
       <p:ext uri="{BB962C8B-B14F-4D97-AF65-F5344CB8AC3E}">
         <p14:creationId xmlns:p14="http://schemas.microsoft.com/office/powerpoint/2010/main" val="3839737813"/>
+      </p:ext>
+    </p:extLst>
+  </p:cSld>
+  <p:clrMapOvr>
+    <a:masterClrMapping/>
+  </p:clrMapOvr>
+</p:sld>
+</file>
+
+<file path=ppt/slides/slide3.xml><?xml version="1.0" encoding="utf-8"?>
+<p:sld xmlns:a="http://schemas.openxmlformats.org/drawingml/2006/main" xmlns:r="http://schemas.openxmlformats.org/officeDocument/2006/relationships" xmlns:p="http://schemas.openxmlformats.org/presentationml/2006/main">
+  <p:cSld>
+    <p:spTree>
+      <p:nvGrpSpPr>
+        <p:cNvPr id="1" name=""/>
+        <p:cNvGrpSpPr/>
+        <p:nvPr/>
+      </p:nvGrpSpPr>
+      <p:grpSpPr>
+        <a:xfrm>
+          <a:off x="0" y="0"/>
+          <a:ext cx="0" cy="0"/>
+          <a:chOff x="0" y="0"/>
+          <a:chExt cx="0" cy="0"/>
+        </a:xfrm>
+      </p:grpSpPr>
+      <mc:AlternateContent xmlns:mc="http://schemas.openxmlformats.org/markup-compatibility/2006">
+        <mc:Choice xmlns:a14="http://schemas.microsoft.com/office/drawing/2010/main" Requires="a14">
+          <p:sp>
+            <p:nvSpPr>
+              <p:cNvPr id="26" name="TextBox 25">
+                <a:extLst>
+                  <a:ext uri="{FF2B5EF4-FFF2-40B4-BE49-F238E27FC236}">
+                    <a16:creationId xmlns:a16="http://schemas.microsoft.com/office/drawing/2014/main" id="{7F93BDE7-A731-C302-19A1-DCAFA5C13CF4}"/>
+                  </a:ext>
+                </a:extLst>
+              </p:cNvPr>
+              <p:cNvSpPr txBox="1"/>
+              <p:nvPr/>
+            </p:nvSpPr>
+            <p:spPr>
+              <a:xfrm>
+                <a:off x="9681954" y="5796407"/>
+                <a:ext cx="807396" cy="369332"/>
+              </a:xfrm>
+              <a:prstGeom prst="rect">
+                <a:avLst/>
+              </a:prstGeom>
+              <a:noFill/>
+            </p:spPr>
+            <p:txBody>
+              <a:bodyPr wrap="square" rtlCol="0">
+                <a:spAutoFit/>
+              </a:bodyPr>
+              <a:lstStyle/>
+              <a:p>
+                <a:pPr/>
+                <a14:m>
+                  <m:oMathPara xmlns:m="http://schemas.openxmlformats.org/officeDocument/2006/math">
+                    <m:oMathParaPr>
+                      <m:jc m:val="centerGroup"/>
+                    </m:oMathParaPr>
+                    <m:oMath xmlns:m="http://schemas.openxmlformats.org/officeDocument/2006/math">
+                      <m:r>
+                        <a:rPr lang="en-US" b="1" i="1" smtClean="0">
+                          <a:solidFill>
+                            <a:schemeClr val="tx1"/>
+                          </a:solidFill>
+                          <a:latin typeface="Cambria Math" panose="02040503050406030204" pitchFamily="18" charset="0"/>
+                        </a:rPr>
+                        <m:t>𝑿</m:t>
+                      </m:r>
+                    </m:oMath>
+                  </m:oMathPara>
+                </a14:m>
+                <a:endParaRPr lang="en-US" b="1" dirty="0">
+                  <a:solidFill>
+                    <a:schemeClr val="tx1"/>
+                  </a:solidFill>
+                </a:endParaRPr>
+              </a:p>
+            </p:txBody>
+          </p:sp>
+        </mc:Choice>
+        <mc:Fallback>
+          <p:sp>
+            <p:nvSpPr>
+              <p:cNvPr id="26" name="TextBox 25">
+                <a:extLst>
+                  <a:ext uri="{FF2B5EF4-FFF2-40B4-BE49-F238E27FC236}">
+                    <a16:creationId xmlns:a16="http://schemas.microsoft.com/office/drawing/2014/main" id="{7F93BDE7-A731-C302-19A1-DCAFA5C13CF4}"/>
+                  </a:ext>
+                </a:extLst>
+              </p:cNvPr>
+              <p:cNvSpPr txBox="1">
+                <a:spLocks noRot="1" noChangeAspect="1" noMove="1" noResize="1" noEditPoints="1" noAdjustHandles="1" noChangeArrowheads="1" noChangeShapeType="1" noTextEdit="1"/>
+              </p:cNvSpPr>
+              <p:nvPr/>
+            </p:nvSpPr>
+            <p:spPr>
+              <a:xfrm>
+                <a:off x="9681954" y="5796407"/>
+                <a:ext cx="807396" cy="369332"/>
+              </a:xfrm>
+              <a:prstGeom prst="rect">
+                <a:avLst/>
+              </a:prstGeom>
+              <a:blipFill>
+                <a:blip r:embed="rId2"/>
+                <a:stretch>
+                  <a:fillRect/>
+                </a:stretch>
+              </a:blipFill>
+            </p:spPr>
+            <p:txBody>
+              <a:bodyPr/>
+              <a:lstStyle/>
+              <a:p>
+                <a:r>
+                  <a:rPr lang="en-US">
+                    <a:noFill/>
+                  </a:rPr>
+                  <a:t> </a:t>
+                </a:r>
+              </a:p>
+            </p:txBody>
+          </p:sp>
+        </mc:Fallback>
+      </mc:AlternateContent>
+      <mc:AlternateContent xmlns:mc="http://schemas.openxmlformats.org/markup-compatibility/2006">
+        <mc:Choice xmlns:a14="http://schemas.microsoft.com/office/drawing/2010/main" Requires="a14">
+          <p:sp>
+            <p:nvSpPr>
+              <p:cNvPr id="27" name="TextBox 26">
+                <a:extLst>
+                  <a:ext uri="{FF2B5EF4-FFF2-40B4-BE49-F238E27FC236}">
+                    <a16:creationId xmlns:a16="http://schemas.microsoft.com/office/drawing/2014/main" id="{0DDA7B57-B430-94C9-FFC6-65F76A85F963}"/>
+                  </a:ext>
+                </a:extLst>
+              </p:cNvPr>
+              <p:cNvSpPr txBox="1"/>
+              <p:nvPr/>
+            </p:nvSpPr>
+            <p:spPr>
+              <a:xfrm>
+                <a:off x="1645109" y="210640"/>
+                <a:ext cx="807396" cy="369332"/>
+              </a:xfrm>
+              <a:prstGeom prst="rect">
+                <a:avLst/>
+              </a:prstGeom>
+              <a:noFill/>
+            </p:spPr>
+            <p:txBody>
+              <a:bodyPr wrap="square" rtlCol="0">
+                <a:spAutoFit/>
+              </a:bodyPr>
+              <a:lstStyle/>
+              <a:p>
+                <a:pPr/>
+                <a14:m>
+                  <m:oMathPara xmlns:m="http://schemas.openxmlformats.org/officeDocument/2006/math">
+                    <m:oMathParaPr>
+                      <m:jc m:val="centerGroup"/>
+                    </m:oMathParaPr>
+                    <m:oMath xmlns:m="http://schemas.openxmlformats.org/officeDocument/2006/math">
+                      <m:r>
+                        <a:rPr lang="en-US" b="1" i="1" smtClean="0">
+                          <a:solidFill>
+                            <a:schemeClr val="tx1"/>
+                          </a:solidFill>
+                          <a:latin typeface="Cambria Math" panose="02040503050406030204" pitchFamily="18" charset="0"/>
+                        </a:rPr>
+                        <m:t>𝒀</m:t>
+                      </m:r>
+                    </m:oMath>
+                  </m:oMathPara>
+                </a14:m>
+                <a:endParaRPr lang="en-US" b="1" dirty="0">
+                  <a:solidFill>
+                    <a:schemeClr val="tx1"/>
+                  </a:solidFill>
+                </a:endParaRPr>
+              </a:p>
+            </p:txBody>
+          </p:sp>
+        </mc:Choice>
+        <mc:Fallback>
+          <p:sp>
+            <p:nvSpPr>
+              <p:cNvPr id="27" name="TextBox 26">
+                <a:extLst>
+                  <a:ext uri="{FF2B5EF4-FFF2-40B4-BE49-F238E27FC236}">
+                    <a16:creationId xmlns:a16="http://schemas.microsoft.com/office/drawing/2014/main" id="{0DDA7B57-B430-94C9-FFC6-65F76A85F963}"/>
+                  </a:ext>
+                </a:extLst>
+              </p:cNvPr>
+              <p:cNvSpPr txBox="1">
+                <a:spLocks noRot="1" noChangeAspect="1" noMove="1" noResize="1" noEditPoints="1" noAdjustHandles="1" noChangeArrowheads="1" noChangeShapeType="1" noTextEdit="1"/>
+              </p:cNvSpPr>
+              <p:nvPr/>
+            </p:nvSpPr>
+            <p:spPr>
+              <a:xfrm>
+                <a:off x="1645109" y="210640"/>
+                <a:ext cx="807396" cy="369332"/>
+              </a:xfrm>
+              <a:prstGeom prst="rect">
+                <a:avLst/>
+              </a:prstGeom>
+              <a:blipFill>
+                <a:blip r:embed="rId3"/>
+                <a:stretch>
+                  <a:fillRect/>
+                </a:stretch>
+              </a:blipFill>
+            </p:spPr>
+            <p:txBody>
+              <a:bodyPr/>
+              <a:lstStyle/>
+              <a:p>
+                <a:r>
+                  <a:rPr lang="en-US">
+                    <a:noFill/>
+                  </a:rPr>
+                  <a:t> </a:t>
+                </a:r>
+              </a:p>
+            </p:txBody>
+          </p:sp>
+        </mc:Fallback>
+      </mc:AlternateContent>
+      <p:sp>
+        <p:nvSpPr>
+          <p:cNvPr id="6" name="Freeform: Shape 5">
+            <a:extLst>
+              <a:ext uri="{FF2B5EF4-FFF2-40B4-BE49-F238E27FC236}">
+                <a16:creationId xmlns:a16="http://schemas.microsoft.com/office/drawing/2014/main" id="{0CF6D7D9-CF42-B396-29A8-52DACB5F1FF9}"/>
+              </a:ext>
+            </a:extLst>
+          </p:cNvPr>
+          <p:cNvSpPr/>
+          <p:nvPr/>
+        </p:nvSpPr>
+        <p:spPr>
+          <a:xfrm>
+            <a:off x="2286000" y="395306"/>
+            <a:ext cx="7601613" cy="5637321"/>
+          </a:xfrm>
+          <a:custGeom>
+            <a:avLst/>
+            <a:gdLst>
+              <a:gd name="connsiteX0" fmla="*/ 0 w 10227076"/>
+              <a:gd name="connsiteY0" fmla="*/ 0 h 5637321"/>
+              <a:gd name="connsiteX1" fmla="*/ 35511 w 10227076"/>
+              <a:gd name="connsiteY1" fmla="*/ 5637321 h 5637321"/>
+              <a:gd name="connsiteX2" fmla="*/ 10227076 w 10227076"/>
+              <a:gd name="connsiteY2" fmla="*/ 5584055 h 5637321"/>
+            </a:gdLst>
+            <a:ahLst/>
+            <a:cxnLst>
+              <a:cxn ang="0">
+                <a:pos x="connsiteX0" y="connsiteY0"/>
+              </a:cxn>
+              <a:cxn ang="0">
+                <a:pos x="connsiteX1" y="connsiteY1"/>
+              </a:cxn>
+              <a:cxn ang="0">
+                <a:pos x="connsiteX2" y="connsiteY2"/>
+              </a:cxn>
+            </a:cxnLst>
+            <a:rect l="l" t="t" r="r" b="b"/>
+            <a:pathLst>
+              <a:path w="10227076" h="5637321">
+                <a:moveTo>
+                  <a:pt x="0" y="0"/>
+                </a:moveTo>
+                <a:lnTo>
+                  <a:pt x="35511" y="5637321"/>
+                </a:lnTo>
+                <a:lnTo>
+                  <a:pt x="10227076" y="5584055"/>
+                </a:lnTo>
+              </a:path>
+            </a:pathLst>
+          </a:custGeom>
+          <a:ln w="38100"/>
+        </p:spPr>
+        <p:style>
+          <a:lnRef idx="3">
+            <a:schemeClr val="dk1"/>
+          </a:lnRef>
+          <a:fillRef idx="0">
+            <a:schemeClr val="dk1"/>
+          </a:fillRef>
+          <a:effectRef idx="2">
+            <a:schemeClr val="dk1"/>
+          </a:effectRef>
+          <a:fontRef idx="minor">
+            <a:schemeClr val="tx1"/>
+          </a:fontRef>
+        </p:style>
+        <p:txBody>
+          <a:bodyPr rtlCol="0" anchor="ctr"/>
+          <a:lstStyle/>
+          <a:p>
+            <a:pPr algn="ctr"/>
+            <a:endParaRPr lang="en-US"/>
+          </a:p>
+        </p:txBody>
+      </p:sp>
+      <p:cxnSp>
+        <p:nvCxnSpPr>
+          <p:cNvPr id="8" name="Straight Connector 7">
+            <a:extLst>
+              <a:ext uri="{FF2B5EF4-FFF2-40B4-BE49-F238E27FC236}">
+                <a16:creationId xmlns:a16="http://schemas.microsoft.com/office/drawing/2014/main" id="{B16F4518-E948-C3F6-AAE1-784E53A694CC}"/>
+              </a:ext>
+            </a:extLst>
+          </p:cNvPr>
+          <p:cNvCxnSpPr>
+            <a:cxnSpLocks/>
+          </p:cNvCxnSpPr>
+          <p:nvPr/>
+        </p:nvCxnSpPr>
+        <p:spPr>
+          <a:xfrm>
+            <a:off x="2286000" y="1544715"/>
+            <a:ext cx="5816600" cy="4430635"/>
+          </a:xfrm>
+          <a:prstGeom prst="line">
+            <a:avLst/>
+          </a:prstGeom>
+          <a:ln w="38100"/>
+        </p:spPr>
+        <p:style>
+          <a:lnRef idx="1">
+            <a:schemeClr val="accent1"/>
+          </a:lnRef>
+          <a:fillRef idx="0">
+            <a:schemeClr val="accent1"/>
+          </a:fillRef>
+          <a:effectRef idx="0">
+            <a:schemeClr val="accent1"/>
+          </a:effectRef>
+          <a:fontRef idx="minor">
+            <a:schemeClr val="tx1"/>
+          </a:fontRef>
+        </p:style>
+      </p:cxnSp>
+      <p:sp>
+        <p:nvSpPr>
+          <p:cNvPr id="13" name="Oval 12">
+            <a:extLst>
+              <a:ext uri="{FF2B5EF4-FFF2-40B4-BE49-F238E27FC236}">
+                <a16:creationId xmlns:a16="http://schemas.microsoft.com/office/drawing/2014/main" id="{74860EB7-06C0-20B7-720F-A37B0040C65B}"/>
+              </a:ext>
+            </a:extLst>
+          </p:cNvPr>
+          <p:cNvSpPr/>
+          <p:nvPr/>
+        </p:nvSpPr>
+        <p:spPr>
+          <a:xfrm>
+            <a:off x="2230040" y="1489103"/>
+            <a:ext cx="111919" cy="119063"/>
+          </a:xfrm>
+          <a:prstGeom prst="ellipse">
+            <a:avLst/>
+          </a:prstGeom>
+          <a:solidFill>
+            <a:srgbClr val="FF0000"/>
+          </a:solidFill>
+          <a:ln>
+            <a:solidFill>
+              <a:schemeClr val="tx1"/>
+            </a:solidFill>
+          </a:ln>
+        </p:spPr>
+        <p:style>
+          <a:lnRef idx="1">
+            <a:schemeClr val="accent2"/>
+          </a:lnRef>
+          <a:fillRef idx="3">
+            <a:schemeClr val="accent2"/>
+          </a:fillRef>
+          <a:effectRef idx="2">
+            <a:schemeClr val="accent2"/>
+          </a:effectRef>
+          <a:fontRef idx="minor">
+            <a:schemeClr val="lt1"/>
+          </a:fontRef>
+        </p:style>
+        <p:txBody>
+          <a:bodyPr rtlCol="0" anchor="ctr"/>
+          <a:lstStyle/>
+          <a:p>
+            <a:pPr algn="ctr"/>
+            <a:endParaRPr lang="en-US"/>
+          </a:p>
+        </p:txBody>
+      </p:sp>
+      <p:sp>
+        <p:nvSpPr>
+          <p:cNvPr id="14" name="Oval 13">
+            <a:extLst>
+              <a:ext uri="{FF2B5EF4-FFF2-40B4-BE49-F238E27FC236}">
+                <a16:creationId xmlns:a16="http://schemas.microsoft.com/office/drawing/2014/main" id="{E4511A1E-CACA-0C9B-9CC9-09A5F1B05BE1}"/>
+              </a:ext>
+            </a:extLst>
+          </p:cNvPr>
+          <p:cNvSpPr/>
+          <p:nvPr/>
+        </p:nvSpPr>
+        <p:spPr>
+          <a:xfrm>
+            <a:off x="8046640" y="5911899"/>
+            <a:ext cx="111919" cy="119063"/>
+          </a:xfrm>
+          <a:prstGeom prst="ellipse">
+            <a:avLst/>
+          </a:prstGeom>
+          <a:solidFill>
+            <a:srgbClr val="FF0000"/>
+          </a:solidFill>
+          <a:ln>
+            <a:solidFill>
+              <a:schemeClr val="tx1"/>
+            </a:solidFill>
+          </a:ln>
+        </p:spPr>
+        <p:style>
+          <a:lnRef idx="1">
+            <a:schemeClr val="accent2"/>
+          </a:lnRef>
+          <a:fillRef idx="3">
+            <a:schemeClr val="accent2"/>
+          </a:fillRef>
+          <a:effectRef idx="2">
+            <a:schemeClr val="accent2"/>
+          </a:effectRef>
+          <a:fontRef idx="minor">
+            <a:schemeClr val="lt1"/>
+          </a:fontRef>
+        </p:style>
+        <p:txBody>
+          <a:bodyPr rtlCol="0" anchor="ctr"/>
+          <a:lstStyle/>
+          <a:p>
+            <a:pPr algn="ctr"/>
+            <a:endParaRPr lang="en-US"/>
+          </a:p>
+        </p:txBody>
+      </p:sp>
+      <mc:AlternateContent xmlns:mc="http://schemas.openxmlformats.org/markup-compatibility/2006">
+        <mc:Choice xmlns:a14="http://schemas.microsoft.com/office/drawing/2010/main" Requires="a14">
+          <p:sp>
+            <p:nvSpPr>
+              <p:cNvPr id="15" name="TextBox 14">
+                <a:extLst>
+                  <a:ext uri="{FF2B5EF4-FFF2-40B4-BE49-F238E27FC236}">
+                    <a16:creationId xmlns:a16="http://schemas.microsoft.com/office/drawing/2014/main" id="{5E296CC9-8ED3-C80C-2298-0927D064BF83}"/>
+                  </a:ext>
+                </a:extLst>
+              </p:cNvPr>
+              <p:cNvSpPr txBox="1"/>
+              <p:nvPr/>
+            </p:nvSpPr>
+            <p:spPr>
+              <a:xfrm>
+                <a:off x="7698901" y="6032627"/>
+                <a:ext cx="807396" cy="657552"/>
+              </a:xfrm>
+              <a:prstGeom prst="rect">
+                <a:avLst/>
+              </a:prstGeom>
+              <a:noFill/>
+            </p:spPr>
+            <p:txBody>
+              <a:bodyPr wrap="square" rtlCol="0">
+                <a:spAutoFit/>
+              </a:bodyPr>
+              <a:lstStyle/>
+              <a:p>
+                <a:pPr/>
+                <a14:m>
+                  <m:oMathPara xmlns:m="http://schemas.openxmlformats.org/officeDocument/2006/math">
+                    <m:oMathParaPr>
+                      <m:jc m:val="centerGroup"/>
+                    </m:oMathParaPr>
+                    <m:oMath xmlns:m="http://schemas.openxmlformats.org/officeDocument/2006/math">
+                      <m:f>
+                        <m:fPr>
+                          <m:ctrlPr>
+                            <a:rPr lang="en-US" b="1" i="1" smtClean="0">
+                              <a:solidFill>
+                                <a:schemeClr val="tx1"/>
+                              </a:solidFill>
+                              <a:latin typeface="Cambria Math" panose="02040503050406030204" pitchFamily="18" charset="0"/>
+                            </a:rPr>
+                          </m:ctrlPr>
+                        </m:fPr>
+                        <m:num>
+                          <m:r>
+                            <a:rPr lang="en-US" b="1" i="1" smtClean="0">
+                              <a:solidFill>
+                                <a:schemeClr val="tx1"/>
+                              </a:solidFill>
+                              <a:latin typeface="Cambria Math" panose="02040503050406030204" pitchFamily="18" charset="0"/>
+                            </a:rPr>
+                            <m:t>𝑴</m:t>
+                          </m:r>
+                        </m:num>
+                        <m:den>
+                          <m:sSub>
+                            <m:sSubPr>
+                              <m:ctrlPr>
+                                <a:rPr lang="en-US" b="1" i="1" smtClean="0">
+                                  <a:solidFill>
+                                    <a:schemeClr val="tx1"/>
+                                  </a:solidFill>
+                                  <a:latin typeface="Cambria Math" panose="02040503050406030204" pitchFamily="18" charset="0"/>
+                                </a:rPr>
+                              </m:ctrlPr>
+                            </m:sSubPr>
+                            <m:e>
+                              <m:r>
+                                <a:rPr lang="en-US" b="1" i="1" smtClean="0">
+                                  <a:solidFill>
+                                    <a:schemeClr val="tx1"/>
+                                  </a:solidFill>
+                                  <a:latin typeface="Cambria Math" panose="02040503050406030204" pitchFamily="18" charset="0"/>
+                                </a:rPr>
+                                <m:t>𝑷</m:t>
+                              </m:r>
+                            </m:e>
+                            <m:sub>
+                              <m:r>
+                                <a:rPr lang="en-US" b="1" i="1" smtClean="0">
+                                  <a:solidFill>
+                                    <a:schemeClr val="tx1"/>
+                                  </a:solidFill>
+                                  <a:latin typeface="Cambria Math" panose="02040503050406030204" pitchFamily="18" charset="0"/>
+                                </a:rPr>
+                                <m:t>𝒙</m:t>
+                              </m:r>
+                            </m:sub>
+                          </m:sSub>
+                        </m:den>
+                      </m:f>
+                    </m:oMath>
+                  </m:oMathPara>
+                </a14:m>
+                <a:endParaRPr lang="en-US" b="1" dirty="0">
+                  <a:solidFill>
+                    <a:schemeClr val="tx1"/>
+                  </a:solidFill>
+                </a:endParaRPr>
+              </a:p>
+            </p:txBody>
+          </p:sp>
+        </mc:Choice>
+        <mc:Fallback>
+          <p:sp>
+            <p:nvSpPr>
+              <p:cNvPr id="15" name="TextBox 14">
+                <a:extLst>
+                  <a:ext uri="{FF2B5EF4-FFF2-40B4-BE49-F238E27FC236}">
+                    <a16:creationId xmlns:a16="http://schemas.microsoft.com/office/drawing/2014/main" id="{5E296CC9-8ED3-C80C-2298-0927D064BF83}"/>
+                  </a:ext>
+                </a:extLst>
+              </p:cNvPr>
+              <p:cNvSpPr txBox="1">
+                <a:spLocks noRot="1" noChangeAspect="1" noMove="1" noResize="1" noEditPoints="1" noAdjustHandles="1" noChangeArrowheads="1" noChangeShapeType="1" noTextEdit="1"/>
+              </p:cNvSpPr>
+              <p:nvPr/>
+            </p:nvSpPr>
+            <p:spPr>
+              <a:xfrm>
+                <a:off x="7698901" y="6032627"/>
+                <a:ext cx="807396" cy="657552"/>
+              </a:xfrm>
+              <a:prstGeom prst="rect">
+                <a:avLst/>
+              </a:prstGeom>
+              <a:blipFill>
+                <a:blip r:embed="rId4"/>
+                <a:stretch>
+                  <a:fillRect/>
+                </a:stretch>
+              </a:blipFill>
+            </p:spPr>
+            <p:txBody>
+              <a:bodyPr/>
+              <a:lstStyle/>
+              <a:p>
+                <a:r>
+                  <a:rPr lang="en-US">
+                    <a:noFill/>
+                  </a:rPr>
+                  <a:t> </a:t>
+                </a:r>
+              </a:p>
+            </p:txBody>
+          </p:sp>
+        </mc:Fallback>
+      </mc:AlternateContent>
+      <mc:AlternateContent xmlns:mc="http://schemas.openxmlformats.org/markup-compatibility/2006">
+        <mc:Choice xmlns:a14="http://schemas.microsoft.com/office/drawing/2010/main" Requires="a14">
+          <p:sp>
+            <p:nvSpPr>
+              <p:cNvPr id="16" name="TextBox 15">
+                <a:extLst>
+                  <a:ext uri="{FF2B5EF4-FFF2-40B4-BE49-F238E27FC236}">
+                    <a16:creationId xmlns:a16="http://schemas.microsoft.com/office/drawing/2014/main" id="{ECC1AEE7-E434-1760-5BD5-630C90A0234A}"/>
+                  </a:ext>
+                </a:extLst>
+              </p:cNvPr>
+              <p:cNvSpPr txBox="1"/>
+              <p:nvPr/>
+            </p:nvSpPr>
+            <p:spPr>
+              <a:xfrm>
+                <a:off x="1561857" y="1215939"/>
+                <a:ext cx="807396" cy="692177"/>
+              </a:xfrm>
+              <a:prstGeom prst="rect">
+                <a:avLst/>
+              </a:prstGeom>
+              <a:noFill/>
+            </p:spPr>
+            <p:txBody>
+              <a:bodyPr wrap="square" rtlCol="0">
+                <a:spAutoFit/>
+              </a:bodyPr>
+              <a:lstStyle/>
+              <a:p>
+                <a:pPr/>
+                <a14:m>
+                  <m:oMathPara xmlns:m="http://schemas.openxmlformats.org/officeDocument/2006/math">
+                    <m:oMathParaPr>
+                      <m:jc m:val="centerGroup"/>
+                    </m:oMathParaPr>
+                    <m:oMath xmlns:m="http://schemas.openxmlformats.org/officeDocument/2006/math">
+                      <m:f>
+                        <m:fPr>
+                          <m:ctrlPr>
+                            <a:rPr lang="en-US" b="1" i="1" smtClean="0">
+                              <a:solidFill>
+                                <a:schemeClr val="tx1"/>
+                              </a:solidFill>
+                              <a:latin typeface="Cambria Math" panose="02040503050406030204" pitchFamily="18" charset="0"/>
+                            </a:rPr>
+                          </m:ctrlPr>
+                        </m:fPr>
+                        <m:num>
+                          <m:r>
+                            <a:rPr lang="en-US" b="1" i="1" smtClean="0">
+                              <a:solidFill>
+                                <a:schemeClr val="tx1"/>
+                              </a:solidFill>
+                              <a:latin typeface="Cambria Math" panose="02040503050406030204" pitchFamily="18" charset="0"/>
+                            </a:rPr>
+                            <m:t>𝑴</m:t>
+                          </m:r>
+                        </m:num>
+                        <m:den>
+                          <m:sSub>
+                            <m:sSubPr>
+                              <m:ctrlPr>
+                                <a:rPr lang="en-US" b="1" i="1" smtClean="0">
+                                  <a:solidFill>
+                                    <a:schemeClr val="tx1"/>
+                                  </a:solidFill>
+                                  <a:latin typeface="Cambria Math" panose="02040503050406030204" pitchFamily="18" charset="0"/>
+                                </a:rPr>
+                              </m:ctrlPr>
+                            </m:sSubPr>
+                            <m:e>
+                              <m:r>
+                                <a:rPr lang="en-US" b="1" i="1" smtClean="0">
+                                  <a:solidFill>
+                                    <a:schemeClr val="tx1"/>
+                                  </a:solidFill>
+                                  <a:latin typeface="Cambria Math" panose="02040503050406030204" pitchFamily="18" charset="0"/>
+                                </a:rPr>
+                                <m:t>𝑷</m:t>
+                              </m:r>
+                            </m:e>
+                            <m:sub>
+                              <m:r>
+                                <a:rPr lang="en-US" b="1" i="1" smtClean="0">
+                                  <a:solidFill>
+                                    <a:schemeClr val="tx1"/>
+                                  </a:solidFill>
+                                  <a:latin typeface="Cambria Math" panose="02040503050406030204" pitchFamily="18" charset="0"/>
+                                </a:rPr>
+                                <m:t>𝒚</m:t>
+                              </m:r>
+                            </m:sub>
+                          </m:sSub>
+                        </m:den>
+                      </m:f>
+                    </m:oMath>
+                  </m:oMathPara>
+                </a14:m>
+                <a:endParaRPr lang="en-US" b="1" dirty="0">
+                  <a:solidFill>
+                    <a:schemeClr val="tx1"/>
+                  </a:solidFill>
+                </a:endParaRPr>
+              </a:p>
+            </p:txBody>
+          </p:sp>
+        </mc:Choice>
+        <mc:Fallback>
+          <p:sp>
+            <p:nvSpPr>
+              <p:cNvPr id="16" name="TextBox 15">
+                <a:extLst>
+                  <a:ext uri="{FF2B5EF4-FFF2-40B4-BE49-F238E27FC236}">
+                    <a16:creationId xmlns:a16="http://schemas.microsoft.com/office/drawing/2014/main" id="{ECC1AEE7-E434-1760-5BD5-630C90A0234A}"/>
+                  </a:ext>
+                </a:extLst>
+              </p:cNvPr>
+              <p:cNvSpPr txBox="1">
+                <a:spLocks noRot="1" noChangeAspect="1" noMove="1" noResize="1" noEditPoints="1" noAdjustHandles="1" noChangeArrowheads="1" noChangeShapeType="1" noTextEdit="1"/>
+              </p:cNvSpPr>
+              <p:nvPr/>
+            </p:nvSpPr>
+            <p:spPr>
+              <a:xfrm>
+                <a:off x="1561857" y="1215939"/>
+                <a:ext cx="807396" cy="692177"/>
+              </a:xfrm>
+              <a:prstGeom prst="rect">
+                <a:avLst/>
+              </a:prstGeom>
+              <a:blipFill>
+                <a:blip r:embed="rId5"/>
+                <a:stretch>
+                  <a:fillRect/>
+                </a:stretch>
+              </a:blipFill>
+            </p:spPr>
+            <p:txBody>
+              <a:bodyPr/>
+              <a:lstStyle/>
+              <a:p>
+                <a:r>
+                  <a:rPr lang="en-US">
+                    <a:noFill/>
+                  </a:rPr>
+                  <a:t> </a:t>
+                </a:r>
+              </a:p>
+            </p:txBody>
+          </p:sp>
+        </mc:Fallback>
+      </mc:AlternateContent>
+    </p:spTree>
+    <p:extLst>
+      <p:ext uri="{BB962C8B-B14F-4D97-AF65-F5344CB8AC3E}">
+        <p14:creationId xmlns:p14="http://schemas.microsoft.com/office/powerpoint/2010/main" val="2243848489"/>
+      </p:ext>
+    </p:extLst>
+  </p:cSld>
+  <p:clrMapOvr>
+    <a:masterClrMapping/>
+  </p:clrMapOvr>
+</p:sld>
+</file>
+
+<file path=ppt/slides/slide4.xml><?xml version="1.0" encoding="utf-8"?>
+<p:sld xmlns:a="http://schemas.openxmlformats.org/drawingml/2006/main" xmlns:r="http://schemas.openxmlformats.org/officeDocument/2006/relationships" xmlns:p="http://schemas.openxmlformats.org/presentationml/2006/main">
+  <p:cSld>
+    <p:spTree>
+      <p:nvGrpSpPr>
+        <p:cNvPr id="1" name=""/>
+        <p:cNvGrpSpPr/>
+        <p:nvPr/>
+      </p:nvGrpSpPr>
+      <p:grpSpPr>
+        <a:xfrm>
+          <a:off x="0" y="0"/>
+          <a:ext cx="0" cy="0"/>
+          <a:chOff x="0" y="0"/>
+          <a:chExt cx="0" cy="0"/>
+        </a:xfrm>
+      </p:grpSpPr>
+      <mc:AlternateContent xmlns:mc="http://schemas.openxmlformats.org/markup-compatibility/2006">
+        <mc:Choice xmlns:a14="http://schemas.microsoft.com/office/drawing/2010/main" Requires="a14">
+          <p:sp>
+            <p:nvSpPr>
+              <p:cNvPr id="26" name="TextBox 25">
+                <a:extLst>
+                  <a:ext uri="{FF2B5EF4-FFF2-40B4-BE49-F238E27FC236}">
+                    <a16:creationId xmlns:a16="http://schemas.microsoft.com/office/drawing/2014/main" id="{7F93BDE7-A731-C302-19A1-DCAFA5C13CF4}"/>
+                  </a:ext>
+                </a:extLst>
+              </p:cNvPr>
+              <p:cNvSpPr txBox="1"/>
+              <p:nvPr/>
+            </p:nvSpPr>
+            <p:spPr>
+              <a:xfrm>
+                <a:off x="9681954" y="5796407"/>
+                <a:ext cx="807396" cy="369332"/>
+              </a:xfrm>
+              <a:prstGeom prst="rect">
+                <a:avLst/>
+              </a:prstGeom>
+              <a:noFill/>
+            </p:spPr>
+            <p:txBody>
+              <a:bodyPr wrap="square" rtlCol="0">
+                <a:spAutoFit/>
+              </a:bodyPr>
+              <a:lstStyle/>
+              <a:p>
+                <a:pPr/>
+                <a14:m>
+                  <m:oMathPara xmlns:m="http://schemas.openxmlformats.org/officeDocument/2006/math">
+                    <m:oMathParaPr>
+                      <m:jc m:val="centerGroup"/>
+                    </m:oMathParaPr>
+                    <m:oMath xmlns:m="http://schemas.openxmlformats.org/officeDocument/2006/math">
+                      <m:r>
+                        <a:rPr lang="en-US" b="1" i="1" smtClean="0">
+                          <a:solidFill>
+                            <a:schemeClr val="tx1"/>
+                          </a:solidFill>
+                          <a:latin typeface="Cambria Math" panose="02040503050406030204" pitchFamily="18" charset="0"/>
+                        </a:rPr>
+                        <m:t>𝑿</m:t>
+                      </m:r>
+                    </m:oMath>
+                  </m:oMathPara>
+                </a14:m>
+                <a:endParaRPr lang="en-US" b="1" dirty="0">
+                  <a:solidFill>
+                    <a:schemeClr val="tx1"/>
+                  </a:solidFill>
+                </a:endParaRPr>
+              </a:p>
+            </p:txBody>
+          </p:sp>
+        </mc:Choice>
+        <mc:Fallback>
+          <p:sp>
+            <p:nvSpPr>
+              <p:cNvPr id="26" name="TextBox 25">
+                <a:extLst>
+                  <a:ext uri="{FF2B5EF4-FFF2-40B4-BE49-F238E27FC236}">
+                    <a16:creationId xmlns:a16="http://schemas.microsoft.com/office/drawing/2014/main" id="{7F93BDE7-A731-C302-19A1-DCAFA5C13CF4}"/>
+                  </a:ext>
+                </a:extLst>
+              </p:cNvPr>
+              <p:cNvSpPr txBox="1">
+                <a:spLocks noRot="1" noChangeAspect="1" noMove="1" noResize="1" noEditPoints="1" noAdjustHandles="1" noChangeArrowheads="1" noChangeShapeType="1" noTextEdit="1"/>
+              </p:cNvSpPr>
+              <p:nvPr/>
+            </p:nvSpPr>
+            <p:spPr>
+              <a:xfrm>
+                <a:off x="9681954" y="5796407"/>
+                <a:ext cx="807396" cy="369332"/>
+              </a:xfrm>
+              <a:prstGeom prst="rect">
+                <a:avLst/>
+              </a:prstGeom>
+              <a:blipFill>
+                <a:blip r:embed="rId2"/>
+                <a:stretch>
+                  <a:fillRect/>
+                </a:stretch>
+              </a:blipFill>
+            </p:spPr>
+            <p:txBody>
+              <a:bodyPr/>
+              <a:lstStyle/>
+              <a:p>
+                <a:r>
+                  <a:rPr lang="en-US">
+                    <a:noFill/>
+                  </a:rPr>
+                  <a:t> </a:t>
+                </a:r>
+              </a:p>
+            </p:txBody>
+          </p:sp>
+        </mc:Fallback>
+      </mc:AlternateContent>
+      <mc:AlternateContent xmlns:mc="http://schemas.openxmlformats.org/markup-compatibility/2006">
+        <mc:Choice xmlns:a14="http://schemas.microsoft.com/office/drawing/2010/main" Requires="a14">
+          <p:sp>
+            <p:nvSpPr>
+              <p:cNvPr id="27" name="TextBox 26">
+                <a:extLst>
+                  <a:ext uri="{FF2B5EF4-FFF2-40B4-BE49-F238E27FC236}">
+                    <a16:creationId xmlns:a16="http://schemas.microsoft.com/office/drawing/2014/main" id="{0DDA7B57-B430-94C9-FFC6-65F76A85F963}"/>
+                  </a:ext>
+                </a:extLst>
+              </p:cNvPr>
+              <p:cNvSpPr txBox="1"/>
+              <p:nvPr/>
+            </p:nvSpPr>
+            <p:spPr>
+              <a:xfrm>
+                <a:off x="1645109" y="210640"/>
+                <a:ext cx="807396" cy="369332"/>
+              </a:xfrm>
+              <a:prstGeom prst="rect">
+                <a:avLst/>
+              </a:prstGeom>
+              <a:noFill/>
+            </p:spPr>
+            <p:txBody>
+              <a:bodyPr wrap="square" rtlCol="0">
+                <a:spAutoFit/>
+              </a:bodyPr>
+              <a:lstStyle/>
+              <a:p>
+                <a:pPr/>
+                <a14:m>
+                  <m:oMathPara xmlns:m="http://schemas.openxmlformats.org/officeDocument/2006/math">
+                    <m:oMathParaPr>
+                      <m:jc m:val="centerGroup"/>
+                    </m:oMathParaPr>
+                    <m:oMath xmlns:m="http://schemas.openxmlformats.org/officeDocument/2006/math">
+                      <m:r>
+                        <a:rPr lang="en-US" b="1" i="1" smtClean="0">
+                          <a:solidFill>
+                            <a:schemeClr val="tx1"/>
+                          </a:solidFill>
+                          <a:latin typeface="Cambria Math" panose="02040503050406030204" pitchFamily="18" charset="0"/>
+                        </a:rPr>
+                        <m:t>𝒀</m:t>
+                      </m:r>
+                    </m:oMath>
+                  </m:oMathPara>
+                </a14:m>
+                <a:endParaRPr lang="en-US" b="1" dirty="0">
+                  <a:solidFill>
+                    <a:schemeClr val="tx1"/>
+                  </a:solidFill>
+                </a:endParaRPr>
+              </a:p>
+            </p:txBody>
+          </p:sp>
+        </mc:Choice>
+        <mc:Fallback>
+          <p:sp>
+            <p:nvSpPr>
+              <p:cNvPr id="27" name="TextBox 26">
+                <a:extLst>
+                  <a:ext uri="{FF2B5EF4-FFF2-40B4-BE49-F238E27FC236}">
+                    <a16:creationId xmlns:a16="http://schemas.microsoft.com/office/drawing/2014/main" id="{0DDA7B57-B430-94C9-FFC6-65F76A85F963}"/>
+                  </a:ext>
+                </a:extLst>
+              </p:cNvPr>
+              <p:cNvSpPr txBox="1">
+                <a:spLocks noRot="1" noChangeAspect="1" noMove="1" noResize="1" noEditPoints="1" noAdjustHandles="1" noChangeArrowheads="1" noChangeShapeType="1" noTextEdit="1"/>
+              </p:cNvSpPr>
+              <p:nvPr/>
+            </p:nvSpPr>
+            <p:spPr>
+              <a:xfrm>
+                <a:off x="1645109" y="210640"/>
+                <a:ext cx="807396" cy="369332"/>
+              </a:xfrm>
+              <a:prstGeom prst="rect">
+                <a:avLst/>
+              </a:prstGeom>
+              <a:blipFill>
+                <a:blip r:embed="rId3"/>
+                <a:stretch>
+                  <a:fillRect/>
+                </a:stretch>
+              </a:blipFill>
+            </p:spPr>
+            <p:txBody>
+              <a:bodyPr/>
+              <a:lstStyle/>
+              <a:p>
+                <a:r>
+                  <a:rPr lang="en-US">
+                    <a:noFill/>
+                  </a:rPr>
+                  <a:t> </a:t>
+                </a:r>
+              </a:p>
+            </p:txBody>
+          </p:sp>
+        </mc:Fallback>
+      </mc:AlternateContent>
+      <p:cxnSp>
+        <p:nvCxnSpPr>
+          <p:cNvPr id="8" name="Straight Connector 7">
+            <a:extLst>
+              <a:ext uri="{FF2B5EF4-FFF2-40B4-BE49-F238E27FC236}">
+                <a16:creationId xmlns:a16="http://schemas.microsoft.com/office/drawing/2014/main" id="{B16F4518-E948-C3F6-AAE1-784E53A694CC}"/>
+              </a:ext>
+            </a:extLst>
+          </p:cNvPr>
+          <p:cNvCxnSpPr>
+            <a:cxnSpLocks/>
+          </p:cNvCxnSpPr>
+          <p:nvPr/>
+        </p:nvCxnSpPr>
+        <p:spPr>
+          <a:xfrm>
+            <a:off x="2286000" y="1544715"/>
+            <a:ext cx="5816600" cy="4430635"/>
+          </a:xfrm>
+          <a:prstGeom prst="line">
+            <a:avLst/>
+          </a:prstGeom>
+          <a:ln w="38100">
+            <a:solidFill>
+              <a:schemeClr val="accent6"/>
+            </a:solidFill>
+          </a:ln>
+        </p:spPr>
+        <p:style>
+          <a:lnRef idx="1">
+            <a:schemeClr val="accent1"/>
+          </a:lnRef>
+          <a:fillRef idx="0">
+            <a:schemeClr val="accent1"/>
+          </a:fillRef>
+          <a:effectRef idx="0">
+            <a:schemeClr val="accent1"/>
+          </a:effectRef>
+          <a:fontRef idx="minor">
+            <a:schemeClr val="tx1"/>
+          </a:fontRef>
+        </p:style>
+      </p:cxnSp>
+      <mc:AlternateContent xmlns:mc="http://schemas.openxmlformats.org/markup-compatibility/2006">
+        <mc:Choice xmlns:a14="http://schemas.microsoft.com/office/drawing/2010/main" Requires="a14">
+          <p:sp>
+            <p:nvSpPr>
+              <p:cNvPr id="15" name="TextBox 14">
+                <a:extLst>
+                  <a:ext uri="{FF2B5EF4-FFF2-40B4-BE49-F238E27FC236}">
+                    <a16:creationId xmlns:a16="http://schemas.microsoft.com/office/drawing/2014/main" id="{5E296CC9-8ED3-C80C-2298-0927D064BF83}"/>
+                  </a:ext>
+                </a:extLst>
+              </p:cNvPr>
+              <p:cNvSpPr txBox="1"/>
+              <p:nvPr/>
+            </p:nvSpPr>
+            <p:spPr>
+              <a:xfrm>
+                <a:off x="7698901" y="6032627"/>
+                <a:ext cx="807396" cy="657552"/>
+              </a:xfrm>
+              <a:prstGeom prst="rect">
+                <a:avLst/>
+              </a:prstGeom>
+              <a:noFill/>
+            </p:spPr>
+            <p:txBody>
+              <a:bodyPr wrap="square" rtlCol="0">
+                <a:spAutoFit/>
+              </a:bodyPr>
+              <a:lstStyle/>
+              <a:p>
+                <a:pPr/>
+                <a14:m>
+                  <m:oMathPara xmlns:m="http://schemas.openxmlformats.org/officeDocument/2006/math">
+                    <m:oMathParaPr>
+                      <m:jc m:val="centerGroup"/>
+                    </m:oMathParaPr>
+                    <m:oMath xmlns:m="http://schemas.openxmlformats.org/officeDocument/2006/math">
+                      <m:f>
+                        <m:fPr>
+                          <m:ctrlPr>
+                            <a:rPr lang="en-US" b="1" i="1" smtClean="0">
+                              <a:solidFill>
+                                <a:schemeClr val="tx1"/>
+                              </a:solidFill>
+                              <a:latin typeface="Cambria Math" panose="02040503050406030204" pitchFamily="18" charset="0"/>
+                            </a:rPr>
+                          </m:ctrlPr>
+                        </m:fPr>
+                        <m:num>
+                          <m:r>
+                            <a:rPr lang="en-US" b="1" i="1" smtClean="0">
+                              <a:solidFill>
+                                <a:schemeClr val="tx1"/>
+                              </a:solidFill>
+                              <a:latin typeface="Cambria Math" panose="02040503050406030204" pitchFamily="18" charset="0"/>
+                            </a:rPr>
+                            <m:t>𝑴</m:t>
+                          </m:r>
+                        </m:num>
+                        <m:den>
+                          <m:sSub>
+                            <m:sSubPr>
+                              <m:ctrlPr>
+                                <a:rPr lang="en-US" b="1" i="1" smtClean="0">
+                                  <a:solidFill>
+                                    <a:schemeClr val="tx1"/>
+                                  </a:solidFill>
+                                  <a:latin typeface="Cambria Math" panose="02040503050406030204" pitchFamily="18" charset="0"/>
+                                </a:rPr>
+                              </m:ctrlPr>
+                            </m:sSubPr>
+                            <m:e>
+                              <m:r>
+                                <a:rPr lang="en-US" b="1" i="1" smtClean="0">
+                                  <a:solidFill>
+                                    <a:schemeClr val="tx1"/>
+                                  </a:solidFill>
+                                  <a:latin typeface="Cambria Math" panose="02040503050406030204" pitchFamily="18" charset="0"/>
+                                </a:rPr>
+                                <m:t>𝑷</m:t>
+                              </m:r>
+                            </m:e>
+                            <m:sub>
+                              <m:r>
+                                <a:rPr lang="en-US" b="1" i="1" smtClean="0">
+                                  <a:solidFill>
+                                    <a:schemeClr val="tx1"/>
+                                  </a:solidFill>
+                                  <a:latin typeface="Cambria Math" panose="02040503050406030204" pitchFamily="18" charset="0"/>
+                                </a:rPr>
+                                <m:t>𝒙</m:t>
+                              </m:r>
+                            </m:sub>
+                          </m:sSub>
+                        </m:den>
+                      </m:f>
+                    </m:oMath>
+                  </m:oMathPara>
+                </a14:m>
+                <a:endParaRPr lang="en-US" b="1" dirty="0">
+                  <a:solidFill>
+                    <a:schemeClr val="tx1"/>
+                  </a:solidFill>
+                </a:endParaRPr>
+              </a:p>
+            </p:txBody>
+          </p:sp>
+        </mc:Choice>
+        <mc:Fallback>
+          <p:sp>
+            <p:nvSpPr>
+              <p:cNvPr id="15" name="TextBox 14">
+                <a:extLst>
+                  <a:ext uri="{FF2B5EF4-FFF2-40B4-BE49-F238E27FC236}">
+                    <a16:creationId xmlns:a16="http://schemas.microsoft.com/office/drawing/2014/main" id="{5E296CC9-8ED3-C80C-2298-0927D064BF83}"/>
+                  </a:ext>
+                </a:extLst>
+              </p:cNvPr>
+              <p:cNvSpPr txBox="1">
+                <a:spLocks noRot="1" noChangeAspect="1" noMove="1" noResize="1" noEditPoints="1" noAdjustHandles="1" noChangeArrowheads="1" noChangeShapeType="1" noTextEdit="1"/>
+              </p:cNvSpPr>
+              <p:nvPr/>
+            </p:nvSpPr>
+            <p:spPr>
+              <a:xfrm>
+                <a:off x="7698901" y="6032627"/>
+                <a:ext cx="807396" cy="657552"/>
+              </a:xfrm>
+              <a:prstGeom prst="rect">
+                <a:avLst/>
+              </a:prstGeom>
+              <a:blipFill>
+                <a:blip r:embed="rId4"/>
+                <a:stretch>
+                  <a:fillRect/>
+                </a:stretch>
+              </a:blipFill>
+            </p:spPr>
+            <p:txBody>
+              <a:bodyPr/>
+              <a:lstStyle/>
+              <a:p>
+                <a:r>
+                  <a:rPr lang="en-US">
+                    <a:noFill/>
+                  </a:rPr>
+                  <a:t> </a:t>
+                </a:r>
+              </a:p>
+            </p:txBody>
+          </p:sp>
+        </mc:Fallback>
+      </mc:AlternateContent>
+      <mc:AlternateContent xmlns:mc="http://schemas.openxmlformats.org/markup-compatibility/2006">
+        <mc:Choice xmlns:a14="http://schemas.microsoft.com/office/drawing/2010/main" Requires="a14">
+          <p:sp>
+            <p:nvSpPr>
+              <p:cNvPr id="16" name="TextBox 15">
+                <a:extLst>
+                  <a:ext uri="{FF2B5EF4-FFF2-40B4-BE49-F238E27FC236}">
+                    <a16:creationId xmlns:a16="http://schemas.microsoft.com/office/drawing/2014/main" id="{ECC1AEE7-E434-1760-5BD5-630C90A0234A}"/>
+                  </a:ext>
+                </a:extLst>
+              </p:cNvPr>
+              <p:cNvSpPr txBox="1"/>
+              <p:nvPr/>
+            </p:nvSpPr>
+            <p:spPr>
+              <a:xfrm>
+                <a:off x="1585632" y="1198626"/>
+                <a:ext cx="807396" cy="692177"/>
+              </a:xfrm>
+              <a:prstGeom prst="rect">
+                <a:avLst/>
+              </a:prstGeom>
+              <a:noFill/>
+            </p:spPr>
+            <p:txBody>
+              <a:bodyPr wrap="square" rtlCol="0">
+                <a:spAutoFit/>
+              </a:bodyPr>
+              <a:lstStyle/>
+              <a:p>
+                <a:pPr/>
+                <a14:m>
+                  <m:oMathPara xmlns:m="http://schemas.openxmlformats.org/officeDocument/2006/math">
+                    <m:oMathParaPr>
+                      <m:jc m:val="centerGroup"/>
+                    </m:oMathParaPr>
+                    <m:oMath xmlns:m="http://schemas.openxmlformats.org/officeDocument/2006/math">
+                      <m:f>
+                        <m:fPr>
+                          <m:ctrlPr>
+                            <a:rPr lang="en-US" b="1" i="1" smtClean="0">
+                              <a:solidFill>
+                                <a:schemeClr val="tx1"/>
+                              </a:solidFill>
+                              <a:latin typeface="Cambria Math" panose="02040503050406030204" pitchFamily="18" charset="0"/>
+                            </a:rPr>
+                          </m:ctrlPr>
+                        </m:fPr>
+                        <m:num>
+                          <m:r>
+                            <a:rPr lang="en-US" b="1" i="1" smtClean="0">
+                              <a:solidFill>
+                                <a:schemeClr val="tx1"/>
+                              </a:solidFill>
+                              <a:latin typeface="Cambria Math" panose="02040503050406030204" pitchFamily="18" charset="0"/>
+                            </a:rPr>
+                            <m:t>𝑴</m:t>
+                          </m:r>
+                        </m:num>
+                        <m:den>
+                          <m:sSub>
+                            <m:sSubPr>
+                              <m:ctrlPr>
+                                <a:rPr lang="en-US" b="1" i="1" smtClean="0">
+                                  <a:solidFill>
+                                    <a:schemeClr val="tx1"/>
+                                  </a:solidFill>
+                                  <a:latin typeface="Cambria Math" panose="02040503050406030204" pitchFamily="18" charset="0"/>
+                                </a:rPr>
+                              </m:ctrlPr>
+                            </m:sSubPr>
+                            <m:e>
+                              <m:r>
+                                <a:rPr lang="en-US" b="1" i="1" smtClean="0">
+                                  <a:solidFill>
+                                    <a:schemeClr val="tx1"/>
+                                  </a:solidFill>
+                                  <a:latin typeface="Cambria Math" panose="02040503050406030204" pitchFamily="18" charset="0"/>
+                                </a:rPr>
+                                <m:t>𝑷</m:t>
+                              </m:r>
+                            </m:e>
+                            <m:sub>
+                              <m:r>
+                                <a:rPr lang="en-US" b="1" i="1" smtClean="0">
+                                  <a:solidFill>
+                                    <a:schemeClr val="tx1"/>
+                                  </a:solidFill>
+                                  <a:latin typeface="Cambria Math" panose="02040503050406030204" pitchFamily="18" charset="0"/>
+                                </a:rPr>
+                                <m:t>𝒚</m:t>
+                              </m:r>
+                            </m:sub>
+                          </m:sSub>
+                        </m:den>
+                      </m:f>
+                    </m:oMath>
+                  </m:oMathPara>
+                </a14:m>
+                <a:endParaRPr lang="en-US" b="1" dirty="0">
+                  <a:solidFill>
+                    <a:schemeClr val="tx1"/>
+                  </a:solidFill>
+                </a:endParaRPr>
+              </a:p>
+            </p:txBody>
+          </p:sp>
+        </mc:Choice>
+        <mc:Fallback>
+          <p:sp>
+            <p:nvSpPr>
+              <p:cNvPr id="16" name="TextBox 15">
+                <a:extLst>
+                  <a:ext uri="{FF2B5EF4-FFF2-40B4-BE49-F238E27FC236}">
+                    <a16:creationId xmlns:a16="http://schemas.microsoft.com/office/drawing/2014/main" id="{ECC1AEE7-E434-1760-5BD5-630C90A0234A}"/>
+                  </a:ext>
+                </a:extLst>
+              </p:cNvPr>
+              <p:cNvSpPr txBox="1">
+                <a:spLocks noRot="1" noChangeAspect="1" noMove="1" noResize="1" noEditPoints="1" noAdjustHandles="1" noChangeArrowheads="1" noChangeShapeType="1" noTextEdit="1"/>
+              </p:cNvSpPr>
+              <p:nvPr/>
+            </p:nvSpPr>
+            <p:spPr>
+              <a:xfrm>
+                <a:off x="1585632" y="1198626"/>
+                <a:ext cx="807396" cy="692177"/>
+              </a:xfrm>
+              <a:prstGeom prst="rect">
+                <a:avLst/>
+              </a:prstGeom>
+              <a:blipFill>
+                <a:blip r:embed="rId5"/>
+                <a:stretch>
+                  <a:fillRect/>
+                </a:stretch>
+              </a:blipFill>
+            </p:spPr>
+            <p:txBody>
+              <a:bodyPr/>
+              <a:lstStyle/>
+              <a:p>
+                <a:r>
+                  <a:rPr lang="en-US">
+                    <a:noFill/>
+                  </a:rPr>
+                  <a:t> </a:t>
+                </a:r>
+              </a:p>
+            </p:txBody>
+          </p:sp>
+        </mc:Fallback>
+      </mc:AlternateContent>
+      <p:cxnSp>
+        <p:nvCxnSpPr>
+          <p:cNvPr id="2" name="Straight Connector 1">
+            <a:extLst>
+              <a:ext uri="{FF2B5EF4-FFF2-40B4-BE49-F238E27FC236}">
+                <a16:creationId xmlns:a16="http://schemas.microsoft.com/office/drawing/2014/main" id="{EF31A2F2-A117-2BE4-2D65-13043E037080}"/>
+              </a:ext>
+            </a:extLst>
+          </p:cNvPr>
+          <p:cNvCxnSpPr>
+            <a:cxnSpLocks/>
+          </p:cNvCxnSpPr>
+          <p:nvPr/>
+        </p:nvCxnSpPr>
+        <p:spPr>
+          <a:xfrm>
+            <a:off x="2285999" y="1544714"/>
+            <a:ext cx="4167210" cy="4430636"/>
+          </a:xfrm>
+          <a:prstGeom prst="line">
+            <a:avLst/>
+          </a:prstGeom>
+          <a:ln w="38100"/>
+        </p:spPr>
+        <p:style>
+          <a:lnRef idx="1">
+            <a:schemeClr val="accent1"/>
+          </a:lnRef>
+          <a:fillRef idx="0">
+            <a:schemeClr val="accent1"/>
+          </a:fillRef>
+          <a:effectRef idx="0">
+            <a:schemeClr val="accent1"/>
+          </a:effectRef>
+          <a:fontRef idx="minor">
+            <a:schemeClr val="tx1"/>
+          </a:fontRef>
+        </p:style>
+      </p:cxnSp>
+      <p:cxnSp>
+        <p:nvCxnSpPr>
+          <p:cNvPr id="4" name="Straight Connector 3">
+            <a:extLst>
+              <a:ext uri="{FF2B5EF4-FFF2-40B4-BE49-F238E27FC236}">
+                <a16:creationId xmlns:a16="http://schemas.microsoft.com/office/drawing/2014/main" id="{4EC7C22C-F756-AEAC-81D1-9C763D58E603}"/>
+              </a:ext>
+            </a:extLst>
+          </p:cNvPr>
+          <p:cNvCxnSpPr>
+            <a:cxnSpLocks/>
+          </p:cNvCxnSpPr>
+          <p:nvPr/>
+        </p:nvCxnSpPr>
+        <p:spPr>
+          <a:xfrm>
+            <a:off x="2285999" y="1544714"/>
+            <a:ext cx="2083605" cy="4430636"/>
+          </a:xfrm>
+          <a:prstGeom prst="line">
+            <a:avLst/>
+          </a:prstGeom>
+          <a:ln w="38100">
+            <a:solidFill>
+              <a:schemeClr val="accent2"/>
+            </a:solidFill>
+          </a:ln>
+        </p:spPr>
+        <p:style>
+          <a:lnRef idx="1">
+            <a:schemeClr val="accent1"/>
+          </a:lnRef>
+          <a:fillRef idx="0">
+            <a:schemeClr val="accent1"/>
+          </a:fillRef>
+          <a:effectRef idx="0">
+            <a:schemeClr val="accent1"/>
+          </a:effectRef>
+          <a:fontRef idx="minor">
+            <a:schemeClr val="tx1"/>
+          </a:fontRef>
+        </p:style>
+      </p:cxnSp>
+      <mc:AlternateContent xmlns:mc="http://schemas.openxmlformats.org/markup-compatibility/2006">
+        <mc:Choice xmlns:a14="http://schemas.microsoft.com/office/drawing/2010/main" Requires="a14">
+          <p:sp>
+            <p:nvSpPr>
+              <p:cNvPr id="7" name="TextBox 6">
+                <a:extLst>
+                  <a:ext uri="{FF2B5EF4-FFF2-40B4-BE49-F238E27FC236}">
+                    <a16:creationId xmlns:a16="http://schemas.microsoft.com/office/drawing/2014/main" id="{0BC3A4DA-9F52-F1F8-93EC-F1A1A1F31CF2}"/>
+                  </a:ext>
+                </a:extLst>
+              </p:cNvPr>
+              <p:cNvSpPr txBox="1"/>
+              <p:nvPr/>
+            </p:nvSpPr>
+            <p:spPr>
+              <a:xfrm>
+                <a:off x="6049511" y="6032627"/>
+                <a:ext cx="807396" cy="657552"/>
+              </a:xfrm>
+              <a:prstGeom prst="rect">
+                <a:avLst/>
+              </a:prstGeom>
+              <a:noFill/>
+            </p:spPr>
+            <p:txBody>
+              <a:bodyPr wrap="square" rtlCol="0">
+                <a:spAutoFit/>
+              </a:bodyPr>
+              <a:lstStyle/>
+              <a:p>
+                <a:pPr/>
+                <a14:m>
+                  <m:oMathPara xmlns:m="http://schemas.openxmlformats.org/officeDocument/2006/math">
+                    <m:oMathParaPr>
+                      <m:jc m:val="centerGroup"/>
+                    </m:oMathParaPr>
+                    <m:oMath xmlns:m="http://schemas.openxmlformats.org/officeDocument/2006/math">
+                      <m:f>
+                        <m:fPr>
+                          <m:ctrlPr>
+                            <a:rPr lang="en-US" b="1" i="1" smtClean="0">
+                              <a:solidFill>
+                                <a:schemeClr val="tx1"/>
+                              </a:solidFill>
+                              <a:latin typeface="Cambria Math" panose="02040503050406030204" pitchFamily="18" charset="0"/>
+                            </a:rPr>
+                          </m:ctrlPr>
+                        </m:fPr>
+                        <m:num>
+                          <m:r>
+                            <a:rPr lang="en-US" b="1" i="1" smtClean="0">
+                              <a:solidFill>
+                                <a:schemeClr val="tx1"/>
+                              </a:solidFill>
+                              <a:latin typeface="Cambria Math" panose="02040503050406030204" pitchFamily="18" charset="0"/>
+                            </a:rPr>
+                            <m:t>𝑴</m:t>
+                          </m:r>
+                        </m:num>
+                        <m:den>
+                          <m:sSub>
+                            <m:sSubPr>
+                              <m:ctrlPr>
+                                <a:rPr lang="en-US" b="1" i="1" smtClean="0">
+                                  <a:solidFill>
+                                    <a:schemeClr val="tx1"/>
+                                  </a:solidFill>
+                                  <a:latin typeface="Cambria Math" panose="02040503050406030204" pitchFamily="18" charset="0"/>
+                                </a:rPr>
+                              </m:ctrlPr>
+                            </m:sSubPr>
+                            <m:e>
+                              <m:r>
+                                <a:rPr lang="en-US" b="1" i="1" smtClean="0">
+                                  <a:solidFill>
+                                    <a:schemeClr val="tx1"/>
+                                  </a:solidFill>
+                                  <a:latin typeface="Cambria Math" panose="02040503050406030204" pitchFamily="18" charset="0"/>
+                                </a:rPr>
+                                <m:t>𝑷</m:t>
+                              </m:r>
+                            </m:e>
+                            <m:sub>
+                              <m:r>
+                                <a:rPr lang="en-US" b="1" i="1" smtClean="0">
+                                  <a:solidFill>
+                                    <a:schemeClr val="tx1"/>
+                                  </a:solidFill>
+                                  <a:latin typeface="Cambria Math" panose="02040503050406030204" pitchFamily="18" charset="0"/>
+                                </a:rPr>
+                                <m:t>𝒙</m:t>
+                              </m:r>
+                            </m:sub>
+                          </m:sSub>
+                        </m:den>
+                      </m:f>
+                    </m:oMath>
+                  </m:oMathPara>
+                </a14:m>
+                <a:endParaRPr lang="en-US" b="1" dirty="0">
+                  <a:solidFill>
+                    <a:schemeClr val="tx1"/>
+                  </a:solidFill>
+                </a:endParaRPr>
+              </a:p>
+            </p:txBody>
+          </p:sp>
+        </mc:Choice>
+        <mc:Fallback>
+          <p:sp>
+            <p:nvSpPr>
+              <p:cNvPr id="7" name="TextBox 6">
+                <a:extLst>
+                  <a:ext uri="{FF2B5EF4-FFF2-40B4-BE49-F238E27FC236}">
+                    <a16:creationId xmlns:a16="http://schemas.microsoft.com/office/drawing/2014/main" id="{0BC3A4DA-9F52-F1F8-93EC-F1A1A1F31CF2}"/>
+                  </a:ext>
+                </a:extLst>
+              </p:cNvPr>
+              <p:cNvSpPr txBox="1">
+                <a:spLocks noRot="1" noChangeAspect="1" noMove="1" noResize="1" noEditPoints="1" noAdjustHandles="1" noChangeArrowheads="1" noChangeShapeType="1" noTextEdit="1"/>
+              </p:cNvSpPr>
+              <p:nvPr/>
+            </p:nvSpPr>
+            <p:spPr>
+              <a:xfrm>
+                <a:off x="6049511" y="6032627"/>
+                <a:ext cx="807396" cy="657552"/>
+              </a:xfrm>
+              <a:prstGeom prst="rect">
+                <a:avLst/>
+              </a:prstGeom>
+              <a:blipFill>
+                <a:blip r:embed="rId6"/>
+                <a:stretch>
+                  <a:fillRect/>
+                </a:stretch>
+              </a:blipFill>
+            </p:spPr>
+            <p:txBody>
+              <a:bodyPr/>
+              <a:lstStyle/>
+              <a:p>
+                <a:r>
+                  <a:rPr lang="en-US">
+                    <a:noFill/>
+                  </a:rPr>
+                  <a:t> </a:t>
+                </a:r>
+              </a:p>
+            </p:txBody>
+          </p:sp>
+        </mc:Fallback>
+      </mc:AlternateContent>
+      <mc:AlternateContent xmlns:mc="http://schemas.openxmlformats.org/markup-compatibility/2006">
+        <mc:Choice xmlns:a14="http://schemas.microsoft.com/office/drawing/2010/main" Requires="a14">
+          <p:sp>
+            <p:nvSpPr>
+              <p:cNvPr id="9" name="TextBox 8">
+                <a:extLst>
+                  <a:ext uri="{FF2B5EF4-FFF2-40B4-BE49-F238E27FC236}">
+                    <a16:creationId xmlns:a16="http://schemas.microsoft.com/office/drawing/2014/main" id="{F85F37D3-1F3F-75A2-4519-A8C0982570EA}"/>
+                  </a:ext>
+                </a:extLst>
+              </p:cNvPr>
+              <p:cNvSpPr txBox="1"/>
+              <p:nvPr/>
+            </p:nvSpPr>
+            <p:spPr>
+              <a:xfrm>
+                <a:off x="3965906" y="6032627"/>
+                <a:ext cx="807396" cy="657552"/>
+              </a:xfrm>
+              <a:prstGeom prst="rect">
+                <a:avLst/>
+              </a:prstGeom>
+              <a:noFill/>
+            </p:spPr>
+            <p:txBody>
+              <a:bodyPr wrap="square" rtlCol="0">
+                <a:spAutoFit/>
+              </a:bodyPr>
+              <a:lstStyle/>
+              <a:p>
+                <a:pPr/>
+                <a14:m>
+                  <m:oMathPara xmlns:m="http://schemas.openxmlformats.org/officeDocument/2006/math">
+                    <m:oMathParaPr>
+                      <m:jc m:val="centerGroup"/>
+                    </m:oMathParaPr>
+                    <m:oMath xmlns:m="http://schemas.openxmlformats.org/officeDocument/2006/math">
+                      <m:f>
+                        <m:fPr>
+                          <m:ctrlPr>
+                            <a:rPr lang="en-US" b="1" i="1" smtClean="0">
+                              <a:solidFill>
+                                <a:schemeClr val="tx1"/>
+                              </a:solidFill>
+                              <a:latin typeface="Cambria Math" panose="02040503050406030204" pitchFamily="18" charset="0"/>
+                            </a:rPr>
+                          </m:ctrlPr>
+                        </m:fPr>
+                        <m:num>
+                          <m:r>
+                            <a:rPr lang="en-US" b="1" i="1" smtClean="0">
+                              <a:solidFill>
+                                <a:schemeClr val="tx1"/>
+                              </a:solidFill>
+                              <a:latin typeface="Cambria Math" panose="02040503050406030204" pitchFamily="18" charset="0"/>
+                            </a:rPr>
+                            <m:t>𝑴</m:t>
+                          </m:r>
+                        </m:num>
+                        <m:den>
+                          <m:sSub>
+                            <m:sSubPr>
+                              <m:ctrlPr>
+                                <a:rPr lang="en-US" b="1" i="1" smtClean="0">
+                                  <a:solidFill>
+                                    <a:schemeClr val="tx1"/>
+                                  </a:solidFill>
+                                  <a:latin typeface="Cambria Math" panose="02040503050406030204" pitchFamily="18" charset="0"/>
+                                </a:rPr>
+                              </m:ctrlPr>
+                            </m:sSubPr>
+                            <m:e>
+                              <m:r>
+                                <a:rPr lang="en-US" b="1" i="1" smtClean="0">
+                                  <a:solidFill>
+                                    <a:schemeClr val="tx1"/>
+                                  </a:solidFill>
+                                  <a:latin typeface="Cambria Math" panose="02040503050406030204" pitchFamily="18" charset="0"/>
+                                </a:rPr>
+                                <m:t>𝑷</m:t>
+                              </m:r>
+                            </m:e>
+                            <m:sub>
+                              <m:r>
+                                <a:rPr lang="en-US" b="1" i="1" smtClean="0">
+                                  <a:solidFill>
+                                    <a:schemeClr val="tx1"/>
+                                  </a:solidFill>
+                                  <a:latin typeface="Cambria Math" panose="02040503050406030204" pitchFamily="18" charset="0"/>
+                                </a:rPr>
+                                <m:t>𝒙</m:t>
+                              </m:r>
+                            </m:sub>
+                          </m:sSub>
+                        </m:den>
+                      </m:f>
+                    </m:oMath>
+                  </m:oMathPara>
+                </a14:m>
+                <a:endParaRPr lang="en-US" b="1" dirty="0">
+                  <a:solidFill>
+                    <a:schemeClr val="tx1"/>
+                  </a:solidFill>
+                </a:endParaRPr>
+              </a:p>
+            </p:txBody>
+          </p:sp>
+        </mc:Choice>
+        <mc:Fallback>
+          <p:sp>
+            <p:nvSpPr>
+              <p:cNvPr id="9" name="TextBox 8">
+                <a:extLst>
+                  <a:ext uri="{FF2B5EF4-FFF2-40B4-BE49-F238E27FC236}">
+                    <a16:creationId xmlns:a16="http://schemas.microsoft.com/office/drawing/2014/main" id="{F85F37D3-1F3F-75A2-4519-A8C0982570EA}"/>
+                  </a:ext>
+                </a:extLst>
+              </p:cNvPr>
+              <p:cNvSpPr txBox="1">
+                <a:spLocks noRot="1" noChangeAspect="1" noMove="1" noResize="1" noEditPoints="1" noAdjustHandles="1" noChangeArrowheads="1" noChangeShapeType="1" noTextEdit="1"/>
+              </p:cNvSpPr>
+              <p:nvPr/>
+            </p:nvSpPr>
+            <p:spPr>
+              <a:xfrm>
+                <a:off x="3965906" y="6032627"/>
+                <a:ext cx="807396" cy="657552"/>
+              </a:xfrm>
+              <a:prstGeom prst="rect">
+                <a:avLst/>
+              </a:prstGeom>
+              <a:blipFill>
+                <a:blip r:embed="rId7"/>
+                <a:stretch>
+                  <a:fillRect/>
+                </a:stretch>
+              </a:blipFill>
+            </p:spPr>
+            <p:txBody>
+              <a:bodyPr/>
+              <a:lstStyle/>
+              <a:p>
+                <a:r>
+                  <a:rPr lang="en-US">
+                    <a:noFill/>
+                  </a:rPr>
+                  <a:t> </a:t>
+                </a:r>
+              </a:p>
+            </p:txBody>
+          </p:sp>
+        </mc:Fallback>
+      </mc:AlternateContent>
+      <mc:AlternateContent xmlns:mc="http://schemas.openxmlformats.org/markup-compatibility/2006">
+        <mc:Choice xmlns:a14="http://schemas.microsoft.com/office/drawing/2010/main" Requires="a14">
+          <p:sp>
+            <p:nvSpPr>
+              <p:cNvPr id="10" name="TextBox 9">
+                <a:extLst>
+                  <a:ext uri="{FF2B5EF4-FFF2-40B4-BE49-F238E27FC236}">
+                    <a16:creationId xmlns:a16="http://schemas.microsoft.com/office/drawing/2014/main" id="{F0D09E51-0C6C-A8D4-EC24-D1A8DB26C74E}"/>
+                  </a:ext>
+                </a:extLst>
+              </p:cNvPr>
+              <p:cNvSpPr txBox="1"/>
+              <p:nvPr/>
+            </p:nvSpPr>
+            <p:spPr>
+              <a:xfrm>
+                <a:off x="4193125" y="5280775"/>
+                <a:ext cx="1160353" cy="523220"/>
+              </a:xfrm>
+              <a:prstGeom prst="rect">
+                <a:avLst/>
+              </a:prstGeom>
+              <a:noFill/>
+            </p:spPr>
+            <p:txBody>
+              <a:bodyPr wrap="square" rtlCol="0">
+                <a:spAutoFit/>
+              </a:bodyPr>
+              <a:lstStyle/>
+              <a:p>
+                <a:pPr/>
+                <a14:m>
+                  <m:oMathPara xmlns:m="http://schemas.openxmlformats.org/officeDocument/2006/math">
+                    <m:oMathParaPr>
+                      <m:jc m:val="centerGroup"/>
+                    </m:oMathParaPr>
+                    <m:oMath xmlns:m="http://schemas.openxmlformats.org/officeDocument/2006/math">
+                      <m:sSub>
+                        <m:sSubPr>
+                          <m:ctrlPr>
+                            <a:rPr lang="en-US" sz="2800" b="1" i="1" smtClean="0">
+                              <a:solidFill>
+                                <a:schemeClr val="accent2"/>
+                              </a:solidFill>
+                              <a:latin typeface="Cambria Math" panose="02040503050406030204" pitchFamily="18" charset="0"/>
+                            </a:rPr>
+                          </m:ctrlPr>
+                        </m:sSubPr>
+                        <m:e>
+                          <m:r>
+                            <a:rPr lang="en-US" sz="2800" b="1" i="1" smtClean="0">
+                              <a:solidFill>
+                                <a:schemeClr val="accent2"/>
+                              </a:solidFill>
+                              <a:latin typeface="Cambria Math" panose="02040503050406030204" pitchFamily="18" charset="0"/>
+                            </a:rPr>
+                            <m:t>𝑷</m:t>
+                          </m:r>
+                        </m:e>
+                        <m:sub>
+                          <m:r>
+                            <a:rPr lang="en-US" sz="2800" b="1" i="1" smtClean="0">
+                              <a:solidFill>
+                                <a:schemeClr val="accent2"/>
+                              </a:solidFill>
+                              <a:latin typeface="Cambria Math" panose="02040503050406030204" pitchFamily="18" charset="0"/>
+                            </a:rPr>
+                            <m:t>𝒙</m:t>
+                          </m:r>
+                        </m:sub>
+                      </m:sSub>
+                      <m:r>
+                        <a:rPr lang="en-US" sz="2800" b="1" i="1" smtClean="0">
+                          <a:solidFill>
+                            <a:schemeClr val="accent2"/>
+                          </a:solidFill>
+                          <a:latin typeface="Cambria Math" panose="02040503050406030204" pitchFamily="18" charset="0"/>
+                        </a:rPr>
+                        <m:t>↑</m:t>
+                      </m:r>
+                    </m:oMath>
+                  </m:oMathPara>
+                </a14:m>
+                <a:endParaRPr lang="en-US" sz="2800" b="1" dirty="0">
+                  <a:solidFill>
+                    <a:schemeClr val="accent2"/>
+                  </a:solidFill>
+                </a:endParaRPr>
+              </a:p>
+            </p:txBody>
+          </p:sp>
+        </mc:Choice>
+        <mc:Fallback>
+          <p:sp>
+            <p:nvSpPr>
+              <p:cNvPr id="10" name="TextBox 9">
+                <a:extLst>
+                  <a:ext uri="{FF2B5EF4-FFF2-40B4-BE49-F238E27FC236}">
+                    <a16:creationId xmlns:a16="http://schemas.microsoft.com/office/drawing/2014/main" id="{F0D09E51-0C6C-A8D4-EC24-D1A8DB26C74E}"/>
+                  </a:ext>
+                </a:extLst>
+              </p:cNvPr>
+              <p:cNvSpPr txBox="1">
+                <a:spLocks noRot="1" noChangeAspect="1" noMove="1" noResize="1" noEditPoints="1" noAdjustHandles="1" noChangeArrowheads="1" noChangeShapeType="1" noTextEdit="1"/>
+              </p:cNvSpPr>
+              <p:nvPr/>
+            </p:nvSpPr>
+            <p:spPr>
+              <a:xfrm>
+                <a:off x="4193125" y="5280775"/>
+                <a:ext cx="1160353" cy="523220"/>
+              </a:xfrm>
+              <a:prstGeom prst="rect">
+                <a:avLst/>
+              </a:prstGeom>
+              <a:blipFill>
+                <a:blip r:embed="rId8"/>
+                <a:stretch>
+                  <a:fillRect/>
+                </a:stretch>
+              </a:blipFill>
+            </p:spPr>
+            <p:txBody>
+              <a:bodyPr/>
+              <a:lstStyle/>
+              <a:p>
+                <a:r>
+                  <a:rPr lang="en-US">
+                    <a:noFill/>
+                  </a:rPr>
+                  <a:t> </a:t>
+                </a:r>
+              </a:p>
+            </p:txBody>
+          </p:sp>
+        </mc:Fallback>
+      </mc:AlternateContent>
+      <mc:AlternateContent xmlns:mc="http://schemas.openxmlformats.org/markup-compatibility/2006">
+        <mc:Choice xmlns:a14="http://schemas.microsoft.com/office/drawing/2010/main" Requires="a14">
+          <p:sp>
+            <p:nvSpPr>
+              <p:cNvPr id="11" name="TextBox 10">
+                <a:extLst>
+                  <a:ext uri="{FF2B5EF4-FFF2-40B4-BE49-F238E27FC236}">
+                    <a16:creationId xmlns:a16="http://schemas.microsoft.com/office/drawing/2014/main" id="{D0439795-E0F5-6E9A-F1DC-5F79F0CED195}"/>
+                  </a:ext>
+                </a:extLst>
+              </p:cNvPr>
+              <p:cNvSpPr txBox="1"/>
+              <p:nvPr/>
+            </p:nvSpPr>
+            <p:spPr>
+              <a:xfrm>
+                <a:off x="7612425" y="5280775"/>
+                <a:ext cx="1314011" cy="523220"/>
+              </a:xfrm>
+              <a:prstGeom prst="rect">
+                <a:avLst/>
+              </a:prstGeom>
+              <a:noFill/>
+            </p:spPr>
+            <p:txBody>
+              <a:bodyPr wrap="square" rtlCol="0">
+                <a:spAutoFit/>
+              </a:bodyPr>
+              <a:lstStyle/>
+              <a:p>
+                <a:pPr/>
+                <a14:m>
+                  <m:oMathPara xmlns:m="http://schemas.openxmlformats.org/officeDocument/2006/math">
+                    <m:oMathParaPr>
+                      <m:jc m:val="centerGroup"/>
+                    </m:oMathParaPr>
+                    <m:oMath xmlns:m="http://schemas.openxmlformats.org/officeDocument/2006/math">
+                      <m:sSub>
+                        <m:sSubPr>
+                          <m:ctrlPr>
+                            <a:rPr lang="en-US" sz="2800" b="1" i="1" smtClean="0">
+                              <a:solidFill>
+                                <a:schemeClr val="accent6"/>
+                              </a:solidFill>
+                              <a:latin typeface="Cambria Math" panose="02040503050406030204" pitchFamily="18" charset="0"/>
+                            </a:rPr>
+                          </m:ctrlPr>
+                        </m:sSubPr>
+                        <m:e>
+                          <m:r>
+                            <a:rPr lang="en-US" sz="2800" b="1" i="1" smtClean="0">
+                              <a:solidFill>
+                                <a:schemeClr val="accent6"/>
+                              </a:solidFill>
+                              <a:latin typeface="Cambria Math" panose="02040503050406030204" pitchFamily="18" charset="0"/>
+                            </a:rPr>
+                            <m:t>𝑷</m:t>
+                          </m:r>
+                        </m:e>
+                        <m:sub>
+                          <m:r>
+                            <a:rPr lang="en-US" sz="2800" b="1" i="1" smtClean="0">
+                              <a:solidFill>
+                                <a:schemeClr val="accent6"/>
+                              </a:solidFill>
+                              <a:latin typeface="Cambria Math" panose="02040503050406030204" pitchFamily="18" charset="0"/>
+                            </a:rPr>
+                            <m:t>𝒙</m:t>
+                          </m:r>
+                        </m:sub>
+                      </m:sSub>
+                      <m:r>
+                        <a:rPr lang="en-US" sz="2800" b="1" i="1" smtClean="0">
+                          <a:solidFill>
+                            <a:schemeClr val="accent6"/>
+                          </a:solidFill>
+                          <a:latin typeface="Cambria Math" panose="02040503050406030204" pitchFamily="18" charset="0"/>
+                        </a:rPr>
+                        <m:t>↓</m:t>
+                      </m:r>
+                    </m:oMath>
+                  </m:oMathPara>
+                </a14:m>
+                <a:endParaRPr lang="en-US" sz="2800" b="1" dirty="0">
+                  <a:solidFill>
+                    <a:schemeClr val="accent6"/>
+                  </a:solidFill>
+                </a:endParaRPr>
+              </a:p>
+            </p:txBody>
+          </p:sp>
+        </mc:Choice>
+        <mc:Fallback>
+          <p:sp>
+            <p:nvSpPr>
+              <p:cNvPr id="11" name="TextBox 10">
+                <a:extLst>
+                  <a:ext uri="{FF2B5EF4-FFF2-40B4-BE49-F238E27FC236}">
+                    <a16:creationId xmlns:a16="http://schemas.microsoft.com/office/drawing/2014/main" id="{D0439795-E0F5-6E9A-F1DC-5F79F0CED195}"/>
+                  </a:ext>
+                </a:extLst>
+              </p:cNvPr>
+              <p:cNvSpPr txBox="1">
+                <a:spLocks noRot="1" noChangeAspect="1" noMove="1" noResize="1" noEditPoints="1" noAdjustHandles="1" noChangeArrowheads="1" noChangeShapeType="1" noTextEdit="1"/>
+              </p:cNvSpPr>
+              <p:nvPr/>
+            </p:nvSpPr>
+            <p:spPr>
+              <a:xfrm>
+                <a:off x="7612425" y="5280775"/>
+                <a:ext cx="1314011" cy="523220"/>
+              </a:xfrm>
+              <a:prstGeom prst="rect">
+                <a:avLst/>
+              </a:prstGeom>
+              <a:blipFill>
+                <a:blip r:embed="rId9"/>
+                <a:stretch>
+                  <a:fillRect/>
+                </a:stretch>
+              </a:blipFill>
+            </p:spPr>
+            <p:txBody>
+              <a:bodyPr/>
+              <a:lstStyle/>
+              <a:p>
+                <a:r>
+                  <a:rPr lang="en-US">
+                    <a:noFill/>
+                  </a:rPr>
+                  <a:t> </a:t>
+                </a:r>
+              </a:p>
+            </p:txBody>
+          </p:sp>
+        </mc:Fallback>
+      </mc:AlternateContent>
+      <p:cxnSp>
+        <p:nvCxnSpPr>
+          <p:cNvPr id="17" name="Straight Arrow Connector 16">
+            <a:extLst>
+              <a:ext uri="{FF2B5EF4-FFF2-40B4-BE49-F238E27FC236}">
+                <a16:creationId xmlns:a16="http://schemas.microsoft.com/office/drawing/2014/main" id="{2336FE25-AA9F-E1BC-8A8A-8A3FB0A9E8E3}"/>
+              </a:ext>
+            </a:extLst>
+          </p:cNvPr>
+          <p:cNvCxnSpPr>
+            <a:cxnSpLocks/>
+            <a:stCxn id="7" idx="1"/>
+            <a:endCxn id="9" idx="3"/>
+          </p:cNvCxnSpPr>
+          <p:nvPr/>
+        </p:nvCxnSpPr>
+        <p:spPr>
+          <a:xfrm flipH="1">
+            <a:off x="4773302" y="6361403"/>
+            <a:ext cx="1276209" cy="0"/>
+          </a:xfrm>
+          <a:prstGeom prst="straightConnector1">
+            <a:avLst/>
+          </a:prstGeom>
+          <a:ln w="57150">
+            <a:solidFill>
+              <a:schemeClr val="accent2"/>
+            </a:solidFill>
+            <a:tailEnd type="triangle"/>
+          </a:ln>
+        </p:spPr>
+        <p:style>
+          <a:lnRef idx="1">
+            <a:schemeClr val="accent1"/>
+          </a:lnRef>
+          <a:fillRef idx="0">
+            <a:schemeClr val="accent1"/>
+          </a:fillRef>
+          <a:effectRef idx="0">
+            <a:schemeClr val="accent1"/>
+          </a:effectRef>
+          <a:fontRef idx="minor">
+            <a:schemeClr val="tx1"/>
+          </a:fontRef>
+        </p:style>
+      </p:cxnSp>
+      <p:cxnSp>
+        <p:nvCxnSpPr>
+          <p:cNvPr id="20" name="Straight Arrow Connector 19">
+            <a:extLst>
+              <a:ext uri="{FF2B5EF4-FFF2-40B4-BE49-F238E27FC236}">
+                <a16:creationId xmlns:a16="http://schemas.microsoft.com/office/drawing/2014/main" id="{680B5365-1936-EBE1-64F3-26357CDAB416}"/>
+              </a:ext>
+            </a:extLst>
+          </p:cNvPr>
+          <p:cNvCxnSpPr>
+            <a:cxnSpLocks/>
+            <a:stCxn id="7" idx="3"/>
+            <a:endCxn id="15" idx="1"/>
+          </p:cNvCxnSpPr>
+          <p:nvPr/>
+        </p:nvCxnSpPr>
+        <p:spPr>
+          <a:xfrm>
+            <a:off x="6856907" y="6361403"/>
+            <a:ext cx="841994" cy="0"/>
+          </a:xfrm>
+          <a:prstGeom prst="straightConnector1">
+            <a:avLst/>
+          </a:prstGeom>
+          <a:ln w="57150">
+            <a:solidFill>
+              <a:schemeClr val="accent6"/>
+            </a:solidFill>
+            <a:tailEnd type="triangle"/>
+          </a:ln>
+        </p:spPr>
+        <p:style>
+          <a:lnRef idx="1">
+            <a:schemeClr val="accent1"/>
+          </a:lnRef>
+          <a:fillRef idx="0">
+            <a:schemeClr val="accent1"/>
+          </a:fillRef>
+          <a:effectRef idx="0">
+            <a:schemeClr val="accent1"/>
+          </a:effectRef>
+          <a:fontRef idx="minor">
+            <a:schemeClr val="tx1"/>
+          </a:fontRef>
+        </p:style>
+      </p:cxnSp>
+      <p:sp>
+        <p:nvSpPr>
+          <p:cNvPr id="6" name="Freeform: Shape 5">
+            <a:extLst>
+              <a:ext uri="{FF2B5EF4-FFF2-40B4-BE49-F238E27FC236}">
+                <a16:creationId xmlns:a16="http://schemas.microsoft.com/office/drawing/2014/main" id="{0CF6D7D9-CF42-B396-29A8-52DACB5F1FF9}"/>
+              </a:ext>
+            </a:extLst>
+          </p:cNvPr>
+          <p:cNvSpPr/>
+          <p:nvPr/>
+        </p:nvSpPr>
+        <p:spPr>
+          <a:xfrm>
+            <a:off x="2286000" y="395306"/>
+            <a:ext cx="7601613" cy="5637321"/>
+          </a:xfrm>
+          <a:custGeom>
+            <a:avLst/>
+            <a:gdLst>
+              <a:gd name="connsiteX0" fmla="*/ 0 w 10227076"/>
+              <a:gd name="connsiteY0" fmla="*/ 0 h 5637321"/>
+              <a:gd name="connsiteX1" fmla="*/ 35511 w 10227076"/>
+              <a:gd name="connsiteY1" fmla="*/ 5637321 h 5637321"/>
+              <a:gd name="connsiteX2" fmla="*/ 10227076 w 10227076"/>
+              <a:gd name="connsiteY2" fmla="*/ 5584055 h 5637321"/>
+            </a:gdLst>
+            <a:ahLst/>
+            <a:cxnLst>
+              <a:cxn ang="0">
+                <a:pos x="connsiteX0" y="connsiteY0"/>
+              </a:cxn>
+              <a:cxn ang="0">
+                <a:pos x="connsiteX1" y="connsiteY1"/>
+              </a:cxn>
+              <a:cxn ang="0">
+                <a:pos x="connsiteX2" y="connsiteY2"/>
+              </a:cxn>
+            </a:cxnLst>
+            <a:rect l="l" t="t" r="r" b="b"/>
+            <a:pathLst>
+              <a:path w="10227076" h="5637321">
+                <a:moveTo>
+                  <a:pt x="0" y="0"/>
+                </a:moveTo>
+                <a:lnTo>
+                  <a:pt x="35511" y="5637321"/>
+                </a:lnTo>
+                <a:lnTo>
+                  <a:pt x="10227076" y="5584055"/>
+                </a:lnTo>
+              </a:path>
+            </a:pathLst>
+          </a:custGeom>
+          <a:ln w="38100"/>
+        </p:spPr>
+        <p:style>
+          <a:lnRef idx="3">
+            <a:schemeClr val="dk1"/>
+          </a:lnRef>
+          <a:fillRef idx="0">
+            <a:schemeClr val="dk1"/>
+          </a:fillRef>
+          <a:effectRef idx="2">
+            <a:schemeClr val="dk1"/>
+          </a:effectRef>
+          <a:fontRef idx="minor">
+            <a:schemeClr val="tx1"/>
+          </a:fontRef>
+        </p:style>
+        <p:txBody>
+          <a:bodyPr rtlCol="0" anchor="ctr"/>
+          <a:lstStyle/>
+          <a:p>
+            <a:pPr algn="ctr"/>
+            <a:endParaRPr lang="en-US" dirty="0"/>
+          </a:p>
+        </p:txBody>
+      </p:sp>
+    </p:spTree>
+    <p:extLst>
+      <p:ext uri="{BB962C8B-B14F-4D97-AF65-F5344CB8AC3E}">
+        <p14:creationId xmlns:p14="http://schemas.microsoft.com/office/powerpoint/2010/main" val="2513106465"/>
+      </p:ext>
+    </p:extLst>
+  </p:cSld>
+  <p:clrMapOvr>
+    <a:masterClrMapping/>
+  </p:clrMapOvr>
+</p:sld>
+</file>
+
+<file path=ppt/slides/slide5.xml><?xml version="1.0" encoding="utf-8"?>
+<p:sld xmlns:a="http://schemas.openxmlformats.org/drawingml/2006/main" xmlns:r="http://schemas.openxmlformats.org/officeDocument/2006/relationships" xmlns:p="http://schemas.openxmlformats.org/presentationml/2006/main">
+  <p:cSld>
+    <p:spTree>
+      <p:nvGrpSpPr>
+        <p:cNvPr id="1" name=""/>
+        <p:cNvGrpSpPr/>
+        <p:nvPr/>
+      </p:nvGrpSpPr>
+      <p:grpSpPr>
+        <a:xfrm>
+          <a:off x="0" y="0"/>
+          <a:ext cx="0" cy="0"/>
+          <a:chOff x="0" y="0"/>
+          <a:chExt cx="0" cy="0"/>
+        </a:xfrm>
+      </p:grpSpPr>
+      <mc:AlternateContent xmlns:mc="http://schemas.openxmlformats.org/markup-compatibility/2006">
+        <mc:Choice xmlns:a14="http://schemas.microsoft.com/office/drawing/2010/main" Requires="a14">
+          <p:sp>
+            <p:nvSpPr>
+              <p:cNvPr id="26" name="TextBox 25">
+                <a:extLst>
+                  <a:ext uri="{FF2B5EF4-FFF2-40B4-BE49-F238E27FC236}">
+                    <a16:creationId xmlns:a16="http://schemas.microsoft.com/office/drawing/2014/main" id="{7F93BDE7-A731-C302-19A1-DCAFA5C13CF4}"/>
+                  </a:ext>
+                </a:extLst>
+              </p:cNvPr>
+              <p:cNvSpPr txBox="1"/>
+              <p:nvPr/>
+            </p:nvSpPr>
+            <p:spPr>
+              <a:xfrm>
+                <a:off x="9681954" y="5796407"/>
+                <a:ext cx="807396" cy="369332"/>
+              </a:xfrm>
+              <a:prstGeom prst="rect">
+                <a:avLst/>
+              </a:prstGeom>
+              <a:noFill/>
+            </p:spPr>
+            <p:txBody>
+              <a:bodyPr wrap="square" rtlCol="0">
+                <a:spAutoFit/>
+              </a:bodyPr>
+              <a:lstStyle/>
+              <a:p>
+                <a:pPr/>
+                <a14:m>
+                  <m:oMathPara xmlns:m="http://schemas.openxmlformats.org/officeDocument/2006/math">
+                    <m:oMathParaPr>
+                      <m:jc m:val="centerGroup"/>
+                    </m:oMathParaPr>
+                    <m:oMath xmlns:m="http://schemas.openxmlformats.org/officeDocument/2006/math">
+                      <m:r>
+                        <a:rPr lang="en-US" b="1" i="1" smtClean="0">
+                          <a:solidFill>
+                            <a:schemeClr val="tx1"/>
+                          </a:solidFill>
+                          <a:latin typeface="Cambria Math" panose="02040503050406030204" pitchFamily="18" charset="0"/>
+                        </a:rPr>
+                        <m:t>𝑿</m:t>
+                      </m:r>
+                    </m:oMath>
+                  </m:oMathPara>
+                </a14:m>
+                <a:endParaRPr lang="en-US" b="1" dirty="0">
+                  <a:solidFill>
+                    <a:schemeClr val="tx1"/>
+                  </a:solidFill>
+                </a:endParaRPr>
+              </a:p>
+            </p:txBody>
+          </p:sp>
+        </mc:Choice>
+        <mc:Fallback>
+          <p:sp>
+            <p:nvSpPr>
+              <p:cNvPr id="26" name="TextBox 25">
+                <a:extLst>
+                  <a:ext uri="{FF2B5EF4-FFF2-40B4-BE49-F238E27FC236}">
+                    <a16:creationId xmlns:a16="http://schemas.microsoft.com/office/drawing/2014/main" id="{7F93BDE7-A731-C302-19A1-DCAFA5C13CF4}"/>
+                  </a:ext>
+                </a:extLst>
+              </p:cNvPr>
+              <p:cNvSpPr txBox="1">
+                <a:spLocks noRot="1" noChangeAspect="1" noMove="1" noResize="1" noEditPoints="1" noAdjustHandles="1" noChangeArrowheads="1" noChangeShapeType="1" noTextEdit="1"/>
+              </p:cNvSpPr>
+              <p:nvPr/>
+            </p:nvSpPr>
+            <p:spPr>
+              <a:xfrm>
+                <a:off x="9681954" y="5796407"/>
+                <a:ext cx="807396" cy="369332"/>
+              </a:xfrm>
+              <a:prstGeom prst="rect">
+                <a:avLst/>
+              </a:prstGeom>
+              <a:blipFill>
+                <a:blip r:embed="rId2"/>
+                <a:stretch>
+                  <a:fillRect/>
+                </a:stretch>
+              </a:blipFill>
+            </p:spPr>
+            <p:txBody>
+              <a:bodyPr/>
+              <a:lstStyle/>
+              <a:p>
+                <a:r>
+                  <a:rPr lang="en-US">
+                    <a:noFill/>
+                  </a:rPr>
+                  <a:t> </a:t>
+                </a:r>
+              </a:p>
+            </p:txBody>
+          </p:sp>
+        </mc:Fallback>
+      </mc:AlternateContent>
+      <mc:AlternateContent xmlns:mc="http://schemas.openxmlformats.org/markup-compatibility/2006">
+        <mc:Choice xmlns:a14="http://schemas.microsoft.com/office/drawing/2010/main" Requires="a14">
+          <p:sp>
+            <p:nvSpPr>
+              <p:cNvPr id="27" name="TextBox 26">
+                <a:extLst>
+                  <a:ext uri="{FF2B5EF4-FFF2-40B4-BE49-F238E27FC236}">
+                    <a16:creationId xmlns:a16="http://schemas.microsoft.com/office/drawing/2014/main" id="{0DDA7B57-B430-94C9-FFC6-65F76A85F963}"/>
+                  </a:ext>
+                </a:extLst>
+              </p:cNvPr>
+              <p:cNvSpPr txBox="1"/>
+              <p:nvPr/>
+            </p:nvSpPr>
+            <p:spPr>
+              <a:xfrm>
+                <a:off x="1645109" y="210640"/>
+                <a:ext cx="807396" cy="369332"/>
+              </a:xfrm>
+              <a:prstGeom prst="rect">
+                <a:avLst/>
+              </a:prstGeom>
+              <a:noFill/>
+            </p:spPr>
+            <p:txBody>
+              <a:bodyPr wrap="square" rtlCol="0">
+                <a:spAutoFit/>
+              </a:bodyPr>
+              <a:lstStyle/>
+              <a:p>
+                <a:pPr/>
+                <a14:m>
+                  <m:oMathPara xmlns:m="http://schemas.openxmlformats.org/officeDocument/2006/math">
+                    <m:oMathParaPr>
+                      <m:jc m:val="centerGroup"/>
+                    </m:oMathParaPr>
+                    <m:oMath xmlns:m="http://schemas.openxmlformats.org/officeDocument/2006/math">
+                      <m:r>
+                        <a:rPr lang="en-US" b="1" i="1" smtClean="0">
+                          <a:solidFill>
+                            <a:schemeClr val="tx1"/>
+                          </a:solidFill>
+                          <a:latin typeface="Cambria Math" panose="02040503050406030204" pitchFamily="18" charset="0"/>
+                        </a:rPr>
+                        <m:t>𝒀</m:t>
+                      </m:r>
+                    </m:oMath>
+                  </m:oMathPara>
+                </a14:m>
+                <a:endParaRPr lang="en-US" b="1" dirty="0">
+                  <a:solidFill>
+                    <a:schemeClr val="tx1"/>
+                  </a:solidFill>
+                </a:endParaRPr>
+              </a:p>
+            </p:txBody>
+          </p:sp>
+        </mc:Choice>
+        <mc:Fallback>
+          <p:sp>
+            <p:nvSpPr>
+              <p:cNvPr id="27" name="TextBox 26">
+                <a:extLst>
+                  <a:ext uri="{FF2B5EF4-FFF2-40B4-BE49-F238E27FC236}">
+                    <a16:creationId xmlns:a16="http://schemas.microsoft.com/office/drawing/2014/main" id="{0DDA7B57-B430-94C9-FFC6-65F76A85F963}"/>
+                  </a:ext>
+                </a:extLst>
+              </p:cNvPr>
+              <p:cNvSpPr txBox="1">
+                <a:spLocks noRot="1" noChangeAspect="1" noMove="1" noResize="1" noEditPoints="1" noAdjustHandles="1" noChangeArrowheads="1" noChangeShapeType="1" noTextEdit="1"/>
+              </p:cNvSpPr>
+              <p:nvPr/>
+            </p:nvSpPr>
+            <p:spPr>
+              <a:xfrm>
+                <a:off x="1645109" y="210640"/>
+                <a:ext cx="807396" cy="369332"/>
+              </a:xfrm>
+              <a:prstGeom prst="rect">
+                <a:avLst/>
+              </a:prstGeom>
+              <a:blipFill>
+                <a:blip r:embed="rId3"/>
+                <a:stretch>
+                  <a:fillRect/>
+                </a:stretch>
+              </a:blipFill>
+            </p:spPr>
+            <p:txBody>
+              <a:bodyPr/>
+              <a:lstStyle/>
+              <a:p>
+                <a:r>
+                  <a:rPr lang="en-US">
+                    <a:noFill/>
+                  </a:rPr>
+                  <a:t> </a:t>
+                </a:r>
+              </a:p>
+            </p:txBody>
+          </p:sp>
+        </mc:Fallback>
+      </mc:AlternateContent>
+      <p:cxnSp>
+        <p:nvCxnSpPr>
+          <p:cNvPr id="8" name="Straight Connector 7">
+            <a:extLst>
+              <a:ext uri="{FF2B5EF4-FFF2-40B4-BE49-F238E27FC236}">
+                <a16:creationId xmlns:a16="http://schemas.microsoft.com/office/drawing/2014/main" id="{B16F4518-E948-C3F6-AAE1-784E53A694CC}"/>
+              </a:ext>
+            </a:extLst>
+          </p:cNvPr>
+          <p:cNvCxnSpPr>
+            <a:cxnSpLocks/>
+          </p:cNvCxnSpPr>
+          <p:nvPr/>
+        </p:nvCxnSpPr>
+        <p:spPr>
+          <a:xfrm>
+            <a:off x="2304387" y="1067316"/>
+            <a:ext cx="4148822" cy="4908034"/>
+          </a:xfrm>
+          <a:prstGeom prst="line">
+            <a:avLst/>
+          </a:prstGeom>
+          <a:ln w="38100">
+            <a:solidFill>
+              <a:schemeClr val="accent6"/>
+            </a:solidFill>
+          </a:ln>
+        </p:spPr>
+        <p:style>
+          <a:lnRef idx="1">
+            <a:schemeClr val="accent1"/>
+          </a:lnRef>
+          <a:fillRef idx="0">
+            <a:schemeClr val="accent1"/>
+          </a:fillRef>
+          <a:effectRef idx="0">
+            <a:schemeClr val="accent1"/>
+          </a:effectRef>
+          <a:fontRef idx="minor">
+            <a:schemeClr val="tx1"/>
+          </a:fontRef>
+        </p:style>
+      </p:cxnSp>
+      <mc:AlternateContent xmlns:mc="http://schemas.openxmlformats.org/markup-compatibility/2006">
+        <mc:Choice xmlns:a14="http://schemas.microsoft.com/office/drawing/2010/main" Requires="a14">
+          <p:sp>
+            <p:nvSpPr>
+              <p:cNvPr id="16" name="TextBox 15">
+                <a:extLst>
+                  <a:ext uri="{FF2B5EF4-FFF2-40B4-BE49-F238E27FC236}">
+                    <a16:creationId xmlns:a16="http://schemas.microsoft.com/office/drawing/2014/main" id="{ECC1AEE7-E434-1760-5BD5-630C90A0234A}"/>
+                  </a:ext>
+                </a:extLst>
+              </p:cNvPr>
+              <p:cNvSpPr txBox="1"/>
+              <p:nvPr/>
+            </p:nvSpPr>
+            <p:spPr>
+              <a:xfrm>
+                <a:off x="1580244" y="2176625"/>
+                <a:ext cx="807396" cy="692177"/>
+              </a:xfrm>
+              <a:prstGeom prst="rect">
+                <a:avLst/>
+              </a:prstGeom>
+              <a:noFill/>
+            </p:spPr>
+            <p:txBody>
+              <a:bodyPr wrap="square" rtlCol="0">
+                <a:spAutoFit/>
+              </a:bodyPr>
+              <a:lstStyle/>
+              <a:p>
+                <a:pPr/>
+                <a14:m>
+                  <m:oMathPara xmlns:m="http://schemas.openxmlformats.org/officeDocument/2006/math">
+                    <m:oMathParaPr>
+                      <m:jc m:val="centerGroup"/>
+                    </m:oMathParaPr>
+                    <m:oMath xmlns:m="http://schemas.openxmlformats.org/officeDocument/2006/math">
+                      <m:f>
+                        <m:fPr>
+                          <m:ctrlPr>
+                            <a:rPr lang="en-US" b="1" i="1" smtClean="0">
+                              <a:solidFill>
+                                <a:schemeClr val="tx1"/>
+                              </a:solidFill>
+                              <a:latin typeface="Cambria Math" panose="02040503050406030204" pitchFamily="18" charset="0"/>
+                            </a:rPr>
+                          </m:ctrlPr>
+                        </m:fPr>
+                        <m:num>
+                          <m:r>
+                            <a:rPr lang="en-US" b="1" i="1" smtClean="0">
+                              <a:solidFill>
+                                <a:schemeClr val="tx1"/>
+                              </a:solidFill>
+                              <a:latin typeface="Cambria Math" panose="02040503050406030204" pitchFamily="18" charset="0"/>
+                            </a:rPr>
+                            <m:t>𝑴</m:t>
+                          </m:r>
+                        </m:num>
+                        <m:den>
+                          <m:sSub>
+                            <m:sSubPr>
+                              <m:ctrlPr>
+                                <a:rPr lang="en-US" b="1" i="1" smtClean="0">
+                                  <a:solidFill>
+                                    <a:schemeClr val="tx1"/>
+                                  </a:solidFill>
+                                  <a:latin typeface="Cambria Math" panose="02040503050406030204" pitchFamily="18" charset="0"/>
+                                </a:rPr>
+                              </m:ctrlPr>
+                            </m:sSubPr>
+                            <m:e>
+                              <m:r>
+                                <a:rPr lang="en-US" b="1" i="1" smtClean="0">
+                                  <a:solidFill>
+                                    <a:schemeClr val="tx1"/>
+                                  </a:solidFill>
+                                  <a:latin typeface="Cambria Math" panose="02040503050406030204" pitchFamily="18" charset="0"/>
+                                </a:rPr>
+                                <m:t>𝑷</m:t>
+                              </m:r>
+                            </m:e>
+                            <m:sub>
+                              <m:r>
+                                <a:rPr lang="en-US" b="1" i="1" smtClean="0">
+                                  <a:solidFill>
+                                    <a:schemeClr val="tx1"/>
+                                  </a:solidFill>
+                                  <a:latin typeface="Cambria Math" panose="02040503050406030204" pitchFamily="18" charset="0"/>
+                                </a:rPr>
+                                <m:t>𝒚</m:t>
+                              </m:r>
+                            </m:sub>
+                          </m:sSub>
+                        </m:den>
+                      </m:f>
+                    </m:oMath>
+                  </m:oMathPara>
+                </a14:m>
+                <a:endParaRPr lang="en-US" b="1" dirty="0">
+                  <a:solidFill>
+                    <a:schemeClr val="tx1"/>
+                  </a:solidFill>
+                </a:endParaRPr>
+              </a:p>
+            </p:txBody>
+          </p:sp>
+        </mc:Choice>
+        <mc:Fallback>
+          <p:sp>
+            <p:nvSpPr>
+              <p:cNvPr id="16" name="TextBox 15">
+                <a:extLst>
+                  <a:ext uri="{FF2B5EF4-FFF2-40B4-BE49-F238E27FC236}">
+                    <a16:creationId xmlns:a16="http://schemas.microsoft.com/office/drawing/2014/main" id="{ECC1AEE7-E434-1760-5BD5-630C90A0234A}"/>
+                  </a:ext>
+                </a:extLst>
+              </p:cNvPr>
+              <p:cNvSpPr txBox="1">
+                <a:spLocks noRot="1" noChangeAspect="1" noMove="1" noResize="1" noEditPoints="1" noAdjustHandles="1" noChangeArrowheads="1" noChangeShapeType="1" noTextEdit="1"/>
+              </p:cNvSpPr>
+              <p:nvPr/>
+            </p:nvSpPr>
+            <p:spPr>
+              <a:xfrm>
+                <a:off x="1580244" y="2176625"/>
+                <a:ext cx="807396" cy="692177"/>
+              </a:xfrm>
+              <a:prstGeom prst="rect">
+                <a:avLst/>
+              </a:prstGeom>
+              <a:blipFill>
+                <a:blip r:embed="rId4"/>
+                <a:stretch>
+                  <a:fillRect/>
+                </a:stretch>
+              </a:blipFill>
+            </p:spPr>
+            <p:txBody>
+              <a:bodyPr/>
+              <a:lstStyle/>
+              <a:p>
+                <a:r>
+                  <a:rPr lang="en-US">
+                    <a:noFill/>
+                  </a:rPr>
+                  <a:t> </a:t>
+                </a:r>
+              </a:p>
+            </p:txBody>
+          </p:sp>
+        </mc:Fallback>
+      </mc:AlternateContent>
+      <p:cxnSp>
+        <p:nvCxnSpPr>
+          <p:cNvPr id="2" name="Straight Connector 1">
+            <a:extLst>
+              <a:ext uri="{FF2B5EF4-FFF2-40B4-BE49-F238E27FC236}">
+                <a16:creationId xmlns:a16="http://schemas.microsoft.com/office/drawing/2014/main" id="{EF31A2F2-A117-2BE4-2D65-13043E037080}"/>
+              </a:ext>
+            </a:extLst>
+          </p:cNvPr>
+          <p:cNvCxnSpPr>
+            <a:cxnSpLocks/>
+          </p:cNvCxnSpPr>
+          <p:nvPr/>
+        </p:nvCxnSpPr>
+        <p:spPr>
+          <a:xfrm>
+            <a:off x="2304387" y="2509457"/>
+            <a:ext cx="4148822" cy="3465893"/>
+          </a:xfrm>
+          <a:prstGeom prst="line">
+            <a:avLst/>
+          </a:prstGeom>
+          <a:ln w="38100"/>
+        </p:spPr>
+        <p:style>
+          <a:lnRef idx="1">
+            <a:schemeClr val="accent1"/>
+          </a:lnRef>
+          <a:fillRef idx="0">
+            <a:schemeClr val="accent1"/>
+          </a:fillRef>
+          <a:effectRef idx="0">
+            <a:schemeClr val="accent1"/>
+          </a:effectRef>
+          <a:fontRef idx="minor">
+            <a:schemeClr val="tx1"/>
+          </a:fontRef>
+        </p:style>
+      </p:cxnSp>
+      <p:cxnSp>
+        <p:nvCxnSpPr>
+          <p:cNvPr id="4" name="Straight Connector 3">
+            <a:extLst>
+              <a:ext uri="{FF2B5EF4-FFF2-40B4-BE49-F238E27FC236}">
+                <a16:creationId xmlns:a16="http://schemas.microsoft.com/office/drawing/2014/main" id="{4EC7C22C-F756-AEAC-81D1-9C763D58E603}"/>
+              </a:ext>
+            </a:extLst>
+          </p:cNvPr>
+          <p:cNvCxnSpPr>
+            <a:cxnSpLocks/>
+          </p:cNvCxnSpPr>
+          <p:nvPr/>
+        </p:nvCxnSpPr>
+        <p:spPr>
+          <a:xfrm>
+            <a:off x="2339514" y="4199924"/>
+            <a:ext cx="4113695" cy="1775426"/>
+          </a:xfrm>
+          <a:prstGeom prst="line">
+            <a:avLst/>
+          </a:prstGeom>
+          <a:ln w="38100">
+            <a:solidFill>
+              <a:schemeClr val="accent2"/>
+            </a:solidFill>
+          </a:ln>
+        </p:spPr>
+        <p:style>
+          <a:lnRef idx="1">
+            <a:schemeClr val="accent1"/>
+          </a:lnRef>
+          <a:fillRef idx="0">
+            <a:schemeClr val="accent1"/>
+          </a:fillRef>
+          <a:effectRef idx="0">
+            <a:schemeClr val="accent1"/>
+          </a:effectRef>
+          <a:fontRef idx="minor">
+            <a:schemeClr val="tx1"/>
+          </a:fontRef>
+        </p:style>
+      </p:cxnSp>
+      <mc:AlternateContent xmlns:mc="http://schemas.openxmlformats.org/markup-compatibility/2006">
+        <mc:Choice xmlns:a14="http://schemas.microsoft.com/office/drawing/2010/main" Requires="a14">
+          <p:sp>
+            <p:nvSpPr>
+              <p:cNvPr id="7" name="TextBox 6">
+                <a:extLst>
+                  <a:ext uri="{FF2B5EF4-FFF2-40B4-BE49-F238E27FC236}">
+                    <a16:creationId xmlns:a16="http://schemas.microsoft.com/office/drawing/2014/main" id="{0BC3A4DA-9F52-F1F8-93EC-F1A1A1F31CF2}"/>
+                  </a:ext>
+                </a:extLst>
+              </p:cNvPr>
+              <p:cNvSpPr txBox="1"/>
+              <p:nvPr/>
+            </p:nvSpPr>
+            <p:spPr>
+              <a:xfrm>
+                <a:off x="6049511" y="6032627"/>
+                <a:ext cx="807396" cy="657552"/>
+              </a:xfrm>
+              <a:prstGeom prst="rect">
+                <a:avLst/>
+              </a:prstGeom>
+              <a:noFill/>
+            </p:spPr>
+            <p:txBody>
+              <a:bodyPr wrap="square" rtlCol="0">
+                <a:spAutoFit/>
+              </a:bodyPr>
+              <a:lstStyle/>
+              <a:p>
+                <a:pPr/>
+                <a14:m>
+                  <m:oMathPara xmlns:m="http://schemas.openxmlformats.org/officeDocument/2006/math">
+                    <m:oMathParaPr>
+                      <m:jc m:val="centerGroup"/>
+                    </m:oMathParaPr>
+                    <m:oMath xmlns:m="http://schemas.openxmlformats.org/officeDocument/2006/math">
+                      <m:f>
+                        <m:fPr>
+                          <m:ctrlPr>
+                            <a:rPr lang="en-US" b="1" i="1" smtClean="0">
+                              <a:solidFill>
+                                <a:schemeClr val="tx1"/>
+                              </a:solidFill>
+                              <a:latin typeface="Cambria Math" panose="02040503050406030204" pitchFamily="18" charset="0"/>
+                            </a:rPr>
+                          </m:ctrlPr>
+                        </m:fPr>
+                        <m:num>
+                          <m:r>
+                            <a:rPr lang="en-US" b="1" i="1" smtClean="0">
+                              <a:solidFill>
+                                <a:schemeClr val="tx1"/>
+                              </a:solidFill>
+                              <a:latin typeface="Cambria Math" panose="02040503050406030204" pitchFamily="18" charset="0"/>
+                            </a:rPr>
+                            <m:t>𝑴</m:t>
+                          </m:r>
+                        </m:num>
+                        <m:den>
+                          <m:sSub>
+                            <m:sSubPr>
+                              <m:ctrlPr>
+                                <a:rPr lang="en-US" b="1" i="1" smtClean="0">
+                                  <a:solidFill>
+                                    <a:schemeClr val="tx1"/>
+                                  </a:solidFill>
+                                  <a:latin typeface="Cambria Math" panose="02040503050406030204" pitchFamily="18" charset="0"/>
+                                </a:rPr>
+                              </m:ctrlPr>
+                            </m:sSubPr>
+                            <m:e>
+                              <m:r>
+                                <a:rPr lang="en-US" b="1" i="1" smtClean="0">
+                                  <a:solidFill>
+                                    <a:schemeClr val="tx1"/>
+                                  </a:solidFill>
+                                  <a:latin typeface="Cambria Math" panose="02040503050406030204" pitchFamily="18" charset="0"/>
+                                </a:rPr>
+                                <m:t>𝑷</m:t>
+                              </m:r>
+                            </m:e>
+                            <m:sub>
+                              <m:r>
+                                <a:rPr lang="en-US" b="1" i="1" smtClean="0">
+                                  <a:solidFill>
+                                    <a:schemeClr val="tx1"/>
+                                  </a:solidFill>
+                                  <a:latin typeface="Cambria Math" panose="02040503050406030204" pitchFamily="18" charset="0"/>
+                                </a:rPr>
+                                <m:t>𝒙</m:t>
+                              </m:r>
+                            </m:sub>
+                          </m:sSub>
+                        </m:den>
+                      </m:f>
+                    </m:oMath>
+                  </m:oMathPara>
+                </a14:m>
+                <a:endParaRPr lang="en-US" b="1" dirty="0">
+                  <a:solidFill>
+                    <a:schemeClr val="tx1"/>
+                  </a:solidFill>
+                </a:endParaRPr>
+              </a:p>
+            </p:txBody>
+          </p:sp>
+        </mc:Choice>
+        <mc:Fallback>
+          <p:sp>
+            <p:nvSpPr>
+              <p:cNvPr id="7" name="TextBox 6">
+                <a:extLst>
+                  <a:ext uri="{FF2B5EF4-FFF2-40B4-BE49-F238E27FC236}">
+                    <a16:creationId xmlns:a16="http://schemas.microsoft.com/office/drawing/2014/main" id="{0BC3A4DA-9F52-F1F8-93EC-F1A1A1F31CF2}"/>
+                  </a:ext>
+                </a:extLst>
+              </p:cNvPr>
+              <p:cNvSpPr txBox="1">
+                <a:spLocks noRot="1" noChangeAspect="1" noMove="1" noResize="1" noEditPoints="1" noAdjustHandles="1" noChangeArrowheads="1" noChangeShapeType="1" noTextEdit="1"/>
+              </p:cNvSpPr>
+              <p:nvPr/>
+            </p:nvSpPr>
+            <p:spPr>
+              <a:xfrm>
+                <a:off x="6049511" y="6032627"/>
+                <a:ext cx="807396" cy="657552"/>
+              </a:xfrm>
+              <a:prstGeom prst="rect">
+                <a:avLst/>
+              </a:prstGeom>
+              <a:blipFill>
+                <a:blip r:embed="rId5"/>
+                <a:stretch>
+                  <a:fillRect/>
+                </a:stretch>
+              </a:blipFill>
+            </p:spPr>
+            <p:txBody>
+              <a:bodyPr/>
+              <a:lstStyle/>
+              <a:p>
+                <a:r>
+                  <a:rPr lang="en-US">
+                    <a:noFill/>
+                  </a:rPr>
+                  <a:t> </a:t>
+                </a:r>
+              </a:p>
+            </p:txBody>
+          </p:sp>
+        </mc:Fallback>
+      </mc:AlternateContent>
+      <mc:AlternateContent xmlns:mc="http://schemas.openxmlformats.org/markup-compatibility/2006">
+        <mc:Choice xmlns:a14="http://schemas.microsoft.com/office/drawing/2010/main" Requires="a14">
+          <p:sp>
+            <p:nvSpPr>
+              <p:cNvPr id="10" name="TextBox 9">
+                <a:extLst>
+                  <a:ext uri="{FF2B5EF4-FFF2-40B4-BE49-F238E27FC236}">
+                    <a16:creationId xmlns:a16="http://schemas.microsoft.com/office/drawing/2014/main" id="{F0D09E51-0C6C-A8D4-EC24-D1A8DB26C74E}"/>
+                  </a:ext>
+                </a:extLst>
+              </p:cNvPr>
+              <p:cNvSpPr txBox="1"/>
+              <p:nvPr/>
+            </p:nvSpPr>
+            <p:spPr>
+              <a:xfrm>
+                <a:off x="2393028" y="4564417"/>
+                <a:ext cx="1160353" cy="562718"/>
+              </a:xfrm>
+              <a:prstGeom prst="rect">
+                <a:avLst/>
+              </a:prstGeom>
+              <a:noFill/>
+            </p:spPr>
+            <p:txBody>
+              <a:bodyPr wrap="square" rtlCol="0">
+                <a:spAutoFit/>
+              </a:bodyPr>
+              <a:lstStyle/>
+              <a:p>
+                <a:pPr/>
+                <a14:m>
+                  <m:oMathPara xmlns:m="http://schemas.openxmlformats.org/officeDocument/2006/math">
+                    <m:oMathParaPr>
+                      <m:jc m:val="centerGroup"/>
+                    </m:oMathParaPr>
+                    <m:oMath xmlns:m="http://schemas.openxmlformats.org/officeDocument/2006/math">
+                      <m:sSub>
+                        <m:sSubPr>
+                          <m:ctrlPr>
+                            <a:rPr lang="en-US" sz="2800" b="1" i="1" smtClean="0">
+                              <a:solidFill>
+                                <a:schemeClr val="accent2"/>
+                              </a:solidFill>
+                              <a:latin typeface="Cambria Math" panose="02040503050406030204" pitchFamily="18" charset="0"/>
+                            </a:rPr>
+                          </m:ctrlPr>
+                        </m:sSubPr>
+                        <m:e>
+                          <m:r>
+                            <a:rPr lang="en-US" sz="2800" b="1" i="1" smtClean="0">
+                              <a:solidFill>
+                                <a:schemeClr val="accent2"/>
+                              </a:solidFill>
+                              <a:latin typeface="Cambria Math" panose="02040503050406030204" pitchFamily="18" charset="0"/>
+                            </a:rPr>
+                            <m:t>𝑷</m:t>
+                          </m:r>
+                        </m:e>
+                        <m:sub>
+                          <m:r>
+                            <a:rPr lang="en-US" sz="2800" b="1" i="1" smtClean="0">
+                              <a:solidFill>
+                                <a:schemeClr val="accent2"/>
+                              </a:solidFill>
+                              <a:latin typeface="Cambria Math" panose="02040503050406030204" pitchFamily="18" charset="0"/>
+                            </a:rPr>
+                            <m:t>𝒚</m:t>
+                          </m:r>
+                        </m:sub>
+                      </m:sSub>
+                      <m:r>
+                        <a:rPr lang="en-US" sz="2800" b="1" i="1" smtClean="0">
+                          <a:solidFill>
+                            <a:schemeClr val="accent2"/>
+                          </a:solidFill>
+                          <a:latin typeface="Cambria Math" panose="02040503050406030204" pitchFamily="18" charset="0"/>
+                        </a:rPr>
+                        <m:t>↑</m:t>
+                      </m:r>
+                    </m:oMath>
+                  </m:oMathPara>
+                </a14:m>
+                <a:endParaRPr lang="en-US" sz="2800" b="1" dirty="0">
+                  <a:solidFill>
+                    <a:schemeClr val="accent2"/>
+                  </a:solidFill>
+                </a:endParaRPr>
+              </a:p>
+            </p:txBody>
+          </p:sp>
+        </mc:Choice>
+        <mc:Fallback>
+          <p:sp>
+            <p:nvSpPr>
+              <p:cNvPr id="10" name="TextBox 9">
+                <a:extLst>
+                  <a:ext uri="{FF2B5EF4-FFF2-40B4-BE49-F238E27FC236}">
+                    <a16:creationId xmlns:a16="http://schemas.microsoft.com/office/drawing/2014/main" id="{F0D09E51-0C6C-A8D4-EC24-D1A8DB26C74E}"/>
+                  </a:ext>
+                </a:extLst>
+              </p:cNvPr>
+              <p:cNvSpPr txBox="1">
+                <a:spLocks noRot="1" noChangeAspect="1" noMove="1" noResize="1" noEditPoints="1" noAdjustHandles="1" noChangeArrowheads="1" noChangeShapeType="1" noTextEdit="1"/>
+              </p:cNvSpPr>
+              <p:nvPr/>
+            </p:nvSpPr>
+            <p:spPr>
+              <a:xfrm>
+                <a:off x="2393028" y="4564417"/>
+                <a:ext cx="1160353" cy="562718"/>
+              </a:xfrm>
+              <a:prstGeom prst="rect">
+                <a:avLst/>
+              </a:prstGeom>
+              <a:blipFill>
+                <a:blip r:embed="rId6"/>
+                <a:stretch>
+                  <a:fillRect/>
+                </a:stretch>
+              </a:blipFill>
+            </p:spPr>
+            <p:txBody>
+              <a:bodyPr/>
+              <a:lstStyle/>
+              <a:p>
+                <a:r>
+                  <a:rPr lang="en-US">
+                    <a:noFill/>
+                  </a:rPr>
+                  <a:t> </a:t>
+                </a:r>
+              </a:p>
+            </p:txBody>
+          </p:sp>
+        </mc:Fallback>
+      </mc:AlternateContent>
+      <mc:AlternateContent xmlns:mc="http://schemas.openxmlformats.org/markup-compatibility/2006">
+        <mc:Choice xmlns:a14="http://schemas.microsoft.com/office/drawing/2010/main" Requires="a14">
+          <p:sp>
+            <p:nvSpPr>
+              <p:cNvPr id="11" name="TextBox 10">
+                <a:extLst>
+                  <a:ext uri="{FF2B5EF4-FFF2-40B4-BE49-F238E27FC236}">
+                    <a16:creationId xmlns:a16="http://schemas.microsoft.com/office/drawing/2014/main" id="{D0439795-E0F5-6E9A-F1DC-5F79F0CED195}"/>
+                  </a:ext>
+                </a:extLst>
+              </p:cNvPr>
+              <p:cNvSpPr txBox="1"/>
+              <p:nvPr/>
+            </p:nvSpPr>
+            <p:spPr>
+              <a:xfrm>
+                <a:off x="2536369" y="882650"/>
+                <a:ext cx="1314011" cy="562718"/>
+              </a:xfrm>
+              <a:prstGeom prst="rect">
+                <a:avLst/>
+              </a:prstGeom>
+              <a:noFill/>
+            </p:spPr>
+            <p:txBody>
+              <a:bodyPr wrap="square" rtlCol="0">
+                <a:spAutoFit/>
+              </a:bodyPr>
+              <a:lstStyle/>
+              <a:p>
+                <a:pPr/>
+                <a14:m>
+                  <m:oMathPara xmlns:m="http://schemas.openxmlformats.org/officeDocument/2006/math">
+                    <m:oMathParaPr>
+                      <m:jc m:val="centerGroup"/>
+                    </m:oMathParaPr>
+                    <m:oMath xmlns:m="http://schemas.openxmlformats.org/officeDocument/2006/math">
+                      <m:sSub>
+                        <m:sSubPr>
+                          <m:ctrlPr>
+                            <a:rPr lang="en-US" sz="2800" b="1" i="1" smtClean="0">
+                              <a:solidFill>
+                                <a:schemeClr val="accent6"/>
+                              </a:solidFill>
+                              <a:latin typeface="Cambria Math" panose="02040503050406030204" pitchFamily="18" charset="0"/>
+                            </a:rPr>
+                          </m:ctrlPr>
+                        </m:sSubPr>
+                        <m:e>
+                          <m:r>
+                            <a:rPr lang="en-US" sz="2800" b="1" i="1" smtClean="0">
+                              <a:solidFill>
+                                <a:schemeClr val="accent6"/>
+                              </a:solidFill>
+                              <a:latin typeface="Cambria Math" panose="02040503050406030204" pitchFamily="18" charset="0"/>
+                            </a:rPr>
+                            <m:t>𝑷</m:t>
+                          </m:r>
+                        </m:e>
+                        <m:sub>
+                          <m:r>
+                            <a:rPr lang="en-US" sz="2800" b="1" i="1" smtClean="0">
+                              <a:solidFill>
+                                <a:schemeClr val="accent6"/>
+                              </a:solidFill>
+                              <a:latin typeface="Cambria Math" panose="02040503050406030204" pitchFamily="18" charset="0"/>
+                            </a:rPr>
+                            <m:t>𝒚</m:t>
+                          </m:r>
+                        </m:sub>
+                      </m:sSub>
+                      <m:r>
+                        <a:rPr lang="en-US" sz="2800" b="1" i="1" smtClean="0">
+                          <a:solidFill>
+                            <a:schemeClr val="accent6"/>
+                          </a:solidFill>
+                          <a:latin typeface="Cambria Math" panose="02040503050406030204" pitchFamily="18" charset="0"/>
+                        </a:rPr>
+                        <m:t>↓</m:t>
+                      </m:r>
+                    </m:oMath>
+                  </m:oMathPara>
+                </a14:m>
+                <a:endParaRPr lang="en-US" sz="2800" b="1" dirty="0">
+                  <a:solidFill>
+                    <a:schemeClr val="accent6"/>
+                  </a:solidFill>
+                </a:endParaRPr>
+              </a:p>
+            </p:txBody>
+          </p:sp>
+        </mc:Choice>
+        <mc:Fallback>
+          <p:sp>
+            <p:nvSpPr>
+              <p:cNvPr id="11" name="TextBox 10">
+                <a:extLst>
+                  <a:ext uri="{FF2B5EF4-FFF2-40B4-BE49-F238E27FC236}">
+                    <a16:creationId xmlns:a16="http://schemas.microsoft.com/office/drawing/2014/main" id="{D0439795-E0F5-6E9A-F1DC-5F79F0CED195}"/>
+                  </a:ext>
+                </a:extLst>
+              </p:cNvPr>
+              <p:cNvSpPr txBox="1">
+                <a:spLocks noRot="1" noChangeAspect="1" noMove="1" noResize="1" noEditPoints="1" noAdjustHandles="1" noChangeArrowheads="1" noChangeShapeType="1" noTextEdit="1"/>
+              </p:cNvSpPr>
+              <p:nvPr/>
+            </p:nvSpPr>
+            <p:spPr>
+              <a:xfrm>
+                <a:off x="2536369" y="882650"/>
+                <a:ext cx="1314011" cy="562718"/>
+              </a:xfrm>
+              <a:prstGeom prst="rect">
+                <a:avLst/>
+              </a:prstGeom>
+              <a:blipFill>
+                <a:blip r:embed="rId7"/>
+                <a:stretch>
+                  <a:fillRect/>
+                </a:stretch>
+              </a:blipFill>
+            </p:spPr>
+            <p:txBody>
+              <a:bodyPr/>
+              <a:lstStyle/>
+              <a:p>
+                <a:r>
+                  <a:rPr lang="en-US">
+                    <a:noFill/>
+                  </a:rPr>
+                  <a:t> </a:t>
+                </a:r>
+              </a:p>
+            </p:txBody>
+          </p:sp>
+        </mc:Fallback>
+      </mc:AlternateContent>
+      <p:cxnSp>
+        <p:nvCxnSpPr>
+          <p:cNvPr id="17" name="Straight Arrow Connector 16">
+            <a:extLst>
+              <a:ext uri="{FF2B5EF4-FFF2-40B4-BE49-F238E27FC236}">
+                <a16:creationId xmlns:a16="http://schemas.microsoft.com/office/drawing/2014/main" id="{2336FE25-AA9F-E1BC-8A8A-8A3FB0A9E8E3}"/>
+              </a:ext>
+            </a:extLst>
+          </p:cNvPr>
+          <p:cNvCxnSpPr>
+            <a:cxnSpLocks/>
+            <a:stCxn id="16" idx="2"/>
+            <a:endCxn id="18" idx="0"/>
+          </p:cNvCxnSpPr>
+          <p:nvPr/>
+        </p:nvCxnSpPr>
+        <p:spPr>
+          <a:xfrm>
+            <a:off x="1983942" y="2868802"/>
+            <a:ext cx="0" cy="1002346"/>
+          </a:xfrm>
+          <a:prstGeom prst="straightConnector1">
+            <a:avLst/>
+          </a:prstGeom>
+          <a:ln w="57150">
+            <a:solidFill>
+              <a:schemeClr val="accent2"/>
+            </a:solidFill>
+            <a:tailEnd type="triangle"/>
+          </a:ln>
+        </p:spPr>
+        <p:style>
+          <a:lnRef idx="1">
+            <a:schemeClr val="accent1"/>
+          </a:lnRef>
+          <a:fillRef idx="0">
+            <a:schemeClr val="accent1"/>
+          </a:fillRef>
+          <a:effectRef idx="0">
+            <a:schemeClr val="accent1"/>
+          </a:effectRef>
+          <a:fontRef idx="minor">
+            <a:schemeClr val="tx1"/>
+          </a:fontRef>
+        </p:style>
+      </p:cxnSp>
+      <p:cxnSp>
+        <p:nvCxnSpPr>
+          <p:cNvPr id="20" name="Straight Arrow Connector 19">
+            <a:extLst>
+              <a:ext uri="{FF2B5EF4-FFF2-40B4-BE49-F238E27FC236}">
+                <a16:creationId xmlns:a16="http://schemas.microsoft.com/office/drawing/2014/main" id="{680B5365-1936-EBE1-64F3-26357CDAB416}"/>
+              </a:ext>
+            </a:extLst>
+          </p:cNvPr>
+          <p:cNvCxnSpPr>
+            <a:cxnSpLocks/>
+            <a:stCxn id="16" idx="0"/>
+            <a:endCxn id="19" idx="2"/>
+          </p:cNvCxnSpPr>
+          <p:nvPr/>
+        </p:nvCxnSpPr>
+        <p:spPr>
+          <a:xfrm flipV="1">
+            <a:off x="1983942" y="1427233"/>
+            <a:ext cx="0" cy="749392"/>
+          </a:xfrm>
+          <a:prstGeom prst="straightConnector1">
+            <a:avLst/>
+          </a:prstGeom>
+          <a:ln w="57150">
+            <a:solidFill>
+              <a:schemeClr val="accent6"/>
+            </a:solidFill>
+            <a:tailEnd type="triangle"/>
+          </a:ln>
+        </p:spPr>
+        <p:style>
+          <a:lnRef idx="1">
+            <a:schemeClr val="accent1"/>
+          </a:lnRef>
+          <a:fillRef idx="0">
+            <a:schemeClr val="accent1"/>
+          </a:fillRef>
+          <a:effectRef idx="0">
+            <a:schemeClr val="accent1"/>
+          </a:effectRef>
+          <a:fontRef idx="minor">
+            <a:schemeClr val="tx1"/>
+          </a:fontRef>
+        </p:style>
+      </p:cxnSp>
+      <p:sp>
+        <p:nvSpPr>
+          <p:cNvPr id="6" name="Freeform: Shape 5">
+            <a:extLst>
+              <a:ext uri="{FF2B5EF4-FFF2-40B4-BE49-F238E27FC236}">
+                <a16:creationId xmlns:a16="http://schemas.microsoft.com/office/drawing/2014/main" id="{0CF6D7D9-CF42-B396-29A8-52DACB5F1FF9}"/>
+              </a:ext>
+            </a:extLst>
+          </p:cNvPr>
+          <p:cNvSpPr/>
+          <p:nvPr/>
+        </p:nvSpPr>
+        <p:spPr>
+          <a:xfrm>
+            <a:off x="2286000" y="395306"/>
+            <a:ext cx="7601613" cy="5637321"/>
+          </a:xfrm>
+          <a:custGeom>
+            <a:avLst/>
+            <a:gdLst>
+              <a:gd name="connsiteX0" fmla="*/ 0 w 10227076"/>
+              <a:gd name="connsiteY0" fmla="*/ 0 h 5637321"/>
+              <a:gd name="connsiteX1" fmla="*/ 35511 w 10227076"/>
+              <a:gd name="connsiteY1" fmla="*/ 5637321 h 5637321"/>
+              <a:gd name="connsiteX2" fmla="*/ 10227076 w 10227076"/>
+              <a:gd name="connsiteY2" fmla="*/ 5584055 h 5637321"/>
+            </a:gdLst>
+            <a:ahLst/>
+            <a:cxnLst>
+              <a:cxn ang="0">
+                <a:pos x="connsiteX0" y="connsiteY0"/>
+              </a:cxn>
+              <a:cxn ang="0">
+                <a:pos x="connsiteX1" y="connsiteY1"/>
+              </a:cxn>
+              <a:cxn ang="0">
+                <a:pos x="connsiteX2" y="connsiteY2"/>
+              </a:cxn>
+            </a:cxnLst>
+            <a:rect l="l" t="t" r="r" b="b"/>
+            <a:pathLst>
+              <a:path w="10227076" h="5637321">
+                <a:moveTo>
+                  <a:pt x="0" y="0"/>
+                </a:moveTo>
+                <a:lnTo>
+                  <a:pt x="35511" y="5637321"/>
+                </a:lnTo>
+                <a:lnTo>
+                  <a:pt x="10227076" y="5584055"/>
+                </a:lnTo>
+              </a:path>
+            </a:pathLst>
+          </a:custGeom>
+          <a:ln w="38100"/>
+        </p:spPr>
+        <p:style>
+          <a:lnRef idx="3">
+            <a:schemeClr val="dk1"/>
+          </a:lnRef>
+          <a:fillRef idx="0">
+            <a:schemeClr val="dk1"/>
+          </a:fillRef>
+          <a:effectRef idx="2">
+            <a:schemeClr val="dk1"/>
+          </a:effectRef>
+          <a:fontRef idx="minor">
+            <a:schemeClr val="tx1"/>
+          </a:fontRef>
+        </p:style>
+        <p:txBody>
+          <a:bodyPr rtlCol="0" anchor="ctr"/>
+          <a:lstStyle/>
+          <a:p>
+            <a:pPr algn="ctr"/>
+            <a:endParaRPr lang="en-US" dirty="0"/>
+          </a:p>
+        </p:txBody>
+      </p:sp>
+      <mc:AlternateContent xmlns:mc="http://schemas.openxmlformats.org/markup-compatibility/2006">
+        <mc:Choice xmlns:a14="http://schemas.microsoft.com/office/drawing/2010/main" Requires="a14">
+          <p:sp>
+            <p:nvSpPr>
+              <p:cNvPr id="18" name="TextBox 17">
+                <a:extLst>
+                  <a:ext uri="{FF2B5EF4-FFF2-40B4-BE49-F238E27FC236}">
+                    <a16:creationId xmlns:a16="http://schemas.microsoft.com/office/drawing/2014/main" id="{246CB4B2-1BEC-10CD-2309-5826C69EA0EB}"/>
+                  </a:ext>
+                </a:extLst>
+              </p:cNvPr>
+              <p:cNvSpPr txBox="1"/>
+              <p:nvPr/>
+            </p:nvSpPr>
+            <p:spPr>
+              <a:xfrm>
+                <a:off x="1580244" y="3871148"/>
+                <a:ext cx="807396" cy="692177"/>
+              </a:xfrm>
+              <a:prstGeom prst="rect">
+                <a:avLst/>
+              </a:prstGeom>
+              <a:noFill/>
+            </p:spPr>
+            <p:txBody>
+              <a:bodyPr wrap="square" rtlCol="0">
+                <a:spAutoFit/>
+              </a:bodyPr>
+              <a:lstStyle/>
+              <a:p>
+                <a:pPr/>
+                <a14:m>
+                  <m:oMathPara xmlns:m="http://schemas.openxmlformats.org/officeDocument/2006/math">
+                    <m:oMathParaPr>
+                      <m:jc m:val="centerGroup"/>
+                    </m:oMathParaPr>
+                    <m:oMath xmlns:m="http://schemas.openxmlformats.org/officeDocument/2006/math">
+                      <m:f>
+                        <m:fPr>
+                          <m:ctrlPr>
+                            <a:rPr lang="en-US" b="1" i="1" smtClean="0">
+                              <a:solidFill>
+                                <a:schemeClr val="tx1"/>
+                              </a:solidFill>
+                              <a:latin typeface="Cambria Math" panose="02040503050406030204" pitchFamily="18" charset="0"/>
+                            </a:rPr>
+                          </m:ctrlPr>
+                        </m:fPr>
+                        <m:num>
+                          <m:r>
+                            <a:rPr lang="en-US" b="1" i="1" smtClean="0">
+                              <a:solidFill>
+                                <a:schemeClr val="tx1"/>
+                              </a:solidFill>
+                              <a:latin typeface="Cambria Math" panose="02040503050406030204" pitchFamily="18" charset="0"/>
+                            </a:rPr>
+                            <m:t>𝑴</m:t>
+                          </m:r>
+                        </m:num>
+                        <m:den>
+                          <m:sSub>
+                            <m:sSubPr>
+                              <m:ctrlPr>
+                                <a:rPr lang="en-US" b="1" i="1" smtClean="0">
+                                  <a:solidFill>
+                                    <a:schemeClr val="tx1"/>
+                                  </a:solidFill>
+                                  <a:latin typeface="Cambria Math" panose="02040503050406030204" pitchFamily="18" charset="0"/>
+                                </a:rPr>
+                              </m:ctrlPr>
+                            </m:sSubPr>
+                            <m:e>
+                              <m:r>
+                                <a:rPr lang="en-US" b="1" i="1" smtClean="0">
+                                  <a:solidFill>
+                                    <a:schemeClr val="tx1"/>
+                                  </a:solidFill>
+                                  <a:latin typeface="Cambria Math" panose="02040503050406030204" pitchFamily="18" charset="0"/>
+                                </a:rPr>
+                                <m:t>𝑷</m:t>
+                              </m:r>
+                            </m:e>
+                            <m:sub>
+                              <m:r>
+                                <a:rPr lang="en-US" b="1" i="1" smtClean="0">
+                                  <a:solidFill>
+                                    <a:schemeClr val="tx1"/>
+                                  </a:solidFill>
+                                  <a:latin typeface="Cambria Math" panose="02040503050406030204" pitchFamily="18" charset="0"/>
+                                </a:rPr>
+                                <m:t>𝒚</m:t>
+                              </m:r>
+                            </m:sub>
+                          </m:sSub>
+                        </m:den>
+                      </m:f>
+                    </m:oMath>
+                  </m:oMathPara>
+                </a14:m>
+                <a:endParaRPr lang="en-US" b="1" dirty="0">
+                  <a:solidFill>
+                    <a:schemeClr val="tx1"/>
+                  </a:solidFill>
+                </a:endParaRPr>
+              </a:p>
+            </p:txBody>
+          </p:sp>
+        </mc:Choice>
+        <mc:Fallback>
+          <p:sp>
+            <p:nvSpPr>
+              <p:cNvPr id="18" name="TextBox 17">
+                <a:extLst>
+                  <a:ext uri="{FF2B5EF4-FFF2-40B4-BE49-F238E27FC236}">
+                    <a16:creationId xmlns:a16="http://schemas.microsoft.com/office/drawing/2014/main" id="{246CB4B2-1BEC-10CD-2309-5826C69EA0EB}"/>
+                  </a:ext>
+                </a:extLst>
+              </p:cNvPr>
+              <p:cNvSpPr txBox="1">
+                <a:spLocks noRot="1" noChangeAspect="1" noMove="1" noResize="1" noEditPoints="1" noAdjustHandles="1" noChangeArrowheads="1" noChangeShapeType="1" noTextEdit="1"/>
+              </p:cNvSpPr>
+              <p:nvPr/>
+            </p:nvSpPr>
+            <p:spPr>
+              <a:xfrm>
+                <a:off x="1580244" y="3871148"/>
+                <a:ext cx="807396" cy="692177"/>
+              </a:xfrm>
+              <a:prstGeom prst="rect">
+                <a:avLst/>
+              </a:prstGeom>
+              <a:blipFill>
+                <a:blip r:embed="rId8"/>
+                <a:stretch>
+                  <a:fillRect/>
+                </a:stretch>
+              </a:blipFill>
+            </p:spPr>
+            <p:txBody>
+              <a:bodyPr/>
+              <a:lstStyle/>
+              <a:p>
+                <a:r>
+                  <a:rPr lang="en-US">
+                    <a:noFill/>
+                  </a:rPr>
+                  <a:t> </a:t>
+                </a:r>
+              </a:p>
+            </p:txBody>
+          </p:sp>
+        </mc:Fallback>
+      </mc:AlternateContent>
+      <mc:AlternateContent xmlns:mc="http://schemas.openxmlformats.org/markup-compatibility/2006">
+        <mc:Choice xmlns:a14="http://schemas.microsoft.com/office/drawing/2010/main" Requires="a14">
+          <p:sp>
+            <p:nvSpPr>
+              <p:cNvPr id="19" name="TextBox 18">
+                <a:extLst>
+                  <a:ext uri="{FF2B5EF4-FFF2-40B4-BE49-F238E27FC236}">
+                    <a16:creationId xmlns:a16="http://schemas.microsoft.com/office/drawing/2014/main" id="{6321E2FD-A659-65D8-B5C2-22853296692B}"/>
+                  </a:ext>
+                </a:extLst>
+              </p:cNvPr>
+              <p:cNvSpPr txBox="1"/>
+              <p:nvPr/>
+            </p:nvSpPr>
+            <p:spPr>
+              <a:xfrm>
+                <a:off x="1580244" y="735056"/>
+                <a:ext cx="807396" cy="692177"/>
+              </a:xfrm>
+              <a:prstGeom prst="rect">
+                <a:avLst/>
+              </a:prstGeom>
+              <a:noFill/>
+            </p:spPr>
+            <p:txBody>
+              <a:bodyPr wrap="square" rtlCol="0">
+                <a:spAutoFit/>
+              </a:bodyPr>
+              <a:lstStyle/>
+              <a:p>
+                <a:pPr/>
+                <a14:m>
+                  <m:oMathPara xmlns:m="http://schemas.openxmlformats.org/officeDocument/2006/math">
+                    <m:oMathParaPr>
+                      <m:jc m:val="centerGroup"/>
+                    </m:oMathParaPr>
+                    <m:oMath xmlns:m="http://schemas.openxmlformats.org/officeDocument/2006/math">
+                      <m:f>
+                        <m:fPr>
+                          <m:ctrlPr>
+                            <a:rPr lang="en-US" b="1" i="1" smtClean="0">
+                              <a:solidFill>
+                                <a:schemeClr val="tx1"/>
+                              </a:solidFill>
+                              <a:latin typeface="Cambria Math" panose="02040503050406030204" pitchFamily="18" charset="0"/>
+                            </a:rPr>
+                          </m:ctrlPr>
+                        </m:fPr>
+                        <m:num>
+                          <m:r>
+                            <a:rPr lang="en-US" b="1" i="1" smtClean="0">
+                              <a:solidFill>
+                                <a:schemeClr val="tx1"/>
+                              </a:solidFill>
+                              <a:latin typeface="Cambria Math" panose="02040503050406030204" pitchFamily="18" charset="0"/>
+                            </a:rPr>
+                            <m:t>𝑴</m:t>
+                          </m:r>
+                        </m:num>
+                        <m:den>
+                          <m:sSub>
+                            <m:sSubPr>
+                              <m:ctrlPr>
+                                <a:rPr lang="en-US" b="1" i="1" smtClean="0">
+                                  <a:solidFill>
+                                    <a:schemeClr val="tx1"/>
+                                  </a:solidFill>
+                                  <a:latin typeface="Cambria Math" panose="02040503050406030204" pitchFamily="18" charset="0"/>
+                                </a:rPr>
+                              </m:ctrlPr>
+                            </m:sSubPr>
+                            <m:e>
+                              <m:r>
+                                <a:rPr lang="en-US" b="1" i="1" smtClean="0">
+                                  <a:solidFill>
+                                    <a:schemeClr val="tx1"/>
+                                  </a:solidFill>
+                                  <a:latin typeface="Cambria Math" panose="02040503050406030204" pitchFamily="18" charset="0"/>
+                                </a:rPr>
+                                <m:t>𝑷</m:t>
+                              </m:r>
+                            </m:e>
+                            <m:sub>
+                              <m:r>
+                                <a:rPr lang="en-US" b="1" i="1" smtClean="0">
+                                  <a:solidFill>
+                                    <a:schemeClr val="tx1"/>
+                                  </a:solidFill>
+                                  <a:latin typeface="Cambria Math" panose="02040503050406030204" pitchFamily="18" charset="0"/>
+                                </a:rPr>
+                                <m:t>𝒚</m:t>
+                              </m:r>
+                            </m:sub>
+                          </m:sSub>
+                        </m:den>
+                      </m:f>
+                    </m:oMath>
+                  </m:oMathPara>
+                </a14:m>
+                <a:endParaRPr lang="en-US" b="1" dirty="0">
+                  <a:solidFill>
+                    <a:schemeClr val="tx1"/>
+                  </a:solidFill>
+                </a:endParaRPr>
+              </a:p>
+            </p:txBody>
+          </p:sp>
+        </mc:Choice>
+        <mc:Fallback>
+          <p:sp>
+            <p:nvSpPr>
+              <p:cNvPr id="19" name="TextBox 18">
+                <a:extLst>
+                  <a:ext uri="{FF2B5EF4-FFF2-40B4-BE49-F238E27FC236}">
+                    <a16:creationId xmlns:a16="http://schemas.microsoft.com/office/drawing/2014/main" id="{6321E2FD-A659-65D8-B5C2-22853296692B}"/>
+                  </a:ext>
+                </a:extLst>
+              </p:cNvPr>
+              <p:cNvSpPr txBox="1">
+                <a:spLocks noRot="1" noChangeAspect="1" noMove="1" noResize="1" noEditPoints="1" noAdjustHandles="1" noChangeArrowheads="1" noChangeShapeType="1" noTextEdit="1"/>
+              </p:cNvSpPr>
+              <p:nvPr/>
+            </p:nvSpPr>
+            <p:spPr>
+              <a:xfrm>
+                <a:off x="1580244" y="735056"/>
+                <a:ext cx="807396" cy="692177"/>
+              </a:xfrm>
+              <a:prstGeom prst="rect">
+                <a:avLst/>
+              </a:prstGeom>
+              <a:blipFill>
+                <a:blip r:embed="rId9"/>
+                <a:stretch>
+                  <a:fillRect/>
+                </a:stretch>
+              </a:blipFill>
+            </p:spPr>
+            <p:txBody>
+              <a:bodyPr/>
+              <a:lstStyle/>
+              <a:p>
+                <a:r>
+                  <a:rPr lang="en-US">
+                    <a:noFill/>
+                  </a:rPr>
+                  <a:t> </a:t>
+                </a:r>
+              </a:p>
+            </p:txBody>
+          </p:sp>
+        </mc:Fallback>
+      </mc:AlternateContent>
+    </p:spTree>
+    <p:extLst>
+      <p:ext uri="{BB962C8B-B14F-4D97-AF65-F5344CB8AC3E}">
+        <p14:creationId xmlns:p14="http://schemas.microsoft.com/office/powerpoint/2010/main" val="24738882"/>
       </p:ext>
     </p:extLst>
   </p:cSld>

--- a/Slides/graph-maker.pptx
+++ b/Slides/graph-maker.pptx
@@ -10,6 +10,12 @@
     <p:sldId id="258" r:id="rId4"/>
     <p:sldId id="259" r:id="rId5"/>
     <p:sldId id="260" r:id="rId6"/>
+    <p:sldId id="266" r:id="rId7"/>
+    <p:sldId id="261" r:id="rId8"/>
+    <p:sldId id="262" r:id="rId9"/>
+    <p:sldId id="263" r:id="rId10"/>
+    <p:sldId id="264" r:id="rId11"/>
+    <p:sldId id="265" r:id="rId12"/>
   </p:sldIdLst>
   <p:sldSz cx="12192000" cy="6858000"/>
   <p:notesSz cx="6858000" cy="9144000"/>
@@ -263,7 +269,7 @@
           <a:p>
             <a:fld id="{B3C0BABF-8EDA-4B51-8A1B-0A9A6121571D}" type="datetimeFigureOut">
               <a:rPr lang="en-US" smtClean="0"/>
-              <a:t>1/2/2024</a:t>
+              <a:t>1/3/2024</a:t>
             </a:fld>
             <a:endParaRPr lang="en-US"/>
           </a:p>
@@ -461,7 +467,7 @@
           <a:p>
             <a:fld id="{B3C0BABF-8EDA-4B51-8A1B-0A9A6121571D}" type="datetimeFigureOut">
               <a:rPr lang="en-US" smtClean="0"/>
-              <a:t>1/2/2024</a:t>
+              <a:t>1/3/2024</a:t>
             </a:fld>
             <a:endParaRPr lang="en-US"/>
           </a:p>
@@ -669,7 +675,7 @@
           <a:p>
             <a:fld id="{B3C0BABF-8EDA-4B51-8A1B-0A9A6121571D}" type="datetimeFigureOut">
               <a:rPr lang="en-US" smtClean="0"/>
-              <a:t>1/2/2024</a:t>
+              <a:t>1/3/2024</a:t>
             </a:fld>
             <a:endParaRPr lang="en-US"/>
           </a:p>
@@ -867,7 +873,7 @@
           <a:p>
             <a:fld id="{B3C0BABF-8EDA-4B51-8A1B-0A9A6121571D}" type="datetimeFigureOut">
               <a:rPr lang="en-US" smtClean="0"/>
-              <a:t>1/2/2024</a:t>
+              <a:t>1/3/2024</a:t>
             </a:fld>
             <a:endParaRPr lang="en-US"/>
           </a:p>
@@ -1142,7 +1148,7 @@
           <a:p>
             <a:fld id="{B3C0BABF-8EDA-4B51-8A1B-0A9A6121571D}" type="datetimeFigureOut">
               <a:rPr lang="en-US" smtClean="0"/>
-              <a:t>1/2/2024</a:t>
+              <a:t>1/3/2024</a:t>
             </a:fld>
             <a:endParaRPr lang="en-US"/>
           </a:p>
@@ -1407,7 +1413,7 @@
           <a:p>
             <a:fld id="{B3C0BABF-8EDA-4B51-8A1B-0A9A6121571D}" type="datetimeFigureOut">
               <a:rPr lang="en-US" smtClean="0"/>
-              <a:t>1/2/2024</a:t>
+              <a:t>1/3/2024</a:t>
             </a:fld>
             <a:endParaRPr lang="en-US"/>
           </a:p>
@@ -1819,7 +1825,7 @@
           <a:p>
             <a:fld id="{B3C0BABF-8EDA-4B51-8A1B-0A9A6121571D}" type="datetimeFigureOut">
               <a:rPr lang="en-US" smtClean="0"/>
-              <a:t>1/2/2024</a:t>
+              <a:t>1/3/2024</a:t>
             </a:fld>
             <a:endParaRPr lang="en-US"/>
           </a:p>
@@ -1960,7 +1966,7 @@
           <a:p>
             <a:fld id="{B3C0BABF-8EDA-4B51-8A1B-0A9A6121571D}" type="datetimeFigureOut">
               <a:rPr lang="en-US" smtClean="0"/>
-              <a:t>1/2/2024</a:t>
+              <a:t>1/3/2024</a:t>
             </a:fld>
             <a:endParaRPr lang="en-US"/>
           </a:p>
@@ -2073,7 +2079,7 @@
           <a:p>
             <a:fld id="{B3C0BABF-8EDA-4B51-8A1B-0A9A6121571D}" type="datetimeFigureOut">
               <a:rPr lang="en-US" smtClean="0"/>
-              <a:t>1/2/2024</a:t>
+              <a:t>1/3/2024</a:t>
             </a:fld>
             <a:endParaRPr lang="en-US"/>
           </a:p>
@@ -2384,7 +2390,7 @@
           <a:p>
             <a:fld id="{B3C0BABF-8EDA-4B51-8A1B-0A9A6121571D}" type="datetimeFigureOut">
               <a:rPr lang="en-US" smtClean="0"/>
-              <a:t>1/2/2024</a:t>
+              <a:t>1/3/2024</a:t>
             </a:fld>
             <a:endParaRPr lang="en-US"/>
           </a:p>
@@ -2672,7 +2678,7 @@
           <a:p>
             <a:fld id="{B3C0BABF-8EDA-4B51-8A1B-0A9A6121571D}" type="datetimeFigureOut">
               <a:rPr lang="en-US" smtClean="0"/>
-              <a:t>1/2/2024</a:t>
+              <a:t>1/3/2024</a:t>
             </a:fld>
             <a:endParaRPr lang="en-US"/>
           </a:p>
@@ -2913,7 +2919,7 @@
           <a:p>
             <a:fld id="{B3C0BABF-8EDA-4B51-8A1B-0A9A6121571D}" type="datetimeFigureOut">
               <a:rPr lang="en-US" smtClean="0"/>
-              <a:t>1/2/2024</a:t>
+              <a:t>1/3/2024</a:t>
             </a:fld>
             <a:endParaRPr lang="en-US"/>
           </a:p>
@@ -5037,6 +5043,1419 @@
 </p:sld>
 </file>
 
+<file path=ppt/slides/slide10.xml><?xml version="1.0" encoding="utf-8"?>
+<p:sld xmlns:a="http://schemas.openxmlformats.org/drawingml/2006/main" xmlns:r="http://schemas.openxmlformats.org/officeDocument/2006/relationships" xmlns:p="http://schemas.openxmlformats.org/presentationml/2006/main">
+  <p:cSld>
+    <p:spTree>
+      <p:nvGrpSpPr>
+        <p:cNvPr id="1" name=""/>
+        <p:cNvGrpSpPr/>
+        <p:nvPr/>
+      </p:nvGrpSpPr>
+      <p:grpSpPr>
+        <a:xfrm>
+          <a:off x="0" y="0"/>
+          <a:ext cx="0" cy="0"/>
+          <a:chOff x="0" y="0"/>
+          <a:chExt cx="0" cy="0"/>
+        </a:xfrm>
+      </p:grpSpPr>
+      <p:sp>
+        <p:nvSpPr>
+          <p:cNvPr id="3" name="Freeform: Shape 2">
+            <a:extLst>
+              <a:ext uri="{FF2B5EF4-FFF2-40B4-BE49-F238E27FC236}">
+                <a16:creationId xmlns:a16="http://schemas.microsoft.com/office/drawing/2014/main" id="{10DC7D1B-509A-43D2-8502-FDB95A405C25}"/>
+              </a:ext>
+            </a:extLst>
+          </p:cNvPr>
+          <p:cNvSpPr/>
+          <p:nvPr/>
+        </p:nvSpPr>
+        <p:spPr>
+          <a:xfrm>
+            <a:off x="2286000" y="395306"/>
+            <a:ext cx="7601613" cy="5637321"/>
+          </a:xfrm>
+          <a:custGeom>
+            <a:avLst/>
+            <a:gdLst>
+              <a:gd name="connsiteX0" fmla="*/ 0 w 10227076"/>
+              <a:gd name="connsiteY0" fmla="*/ 0 h 5637321"/>
+              <a:gd name="connsiteX1" fmla="*/ 35511 w 10227076"/>
+              <a:gd name="connsiteY1" fmla="*/ 5637321 h 5637321"/>
+              <a:gd name="connsiteX2" fmla="*/ 10227076 w 10227076"/>
+              <a:gd name="connsiteY2" fmla="*/ 5584055 h 5637321"/>
+            </a:gdLst>
+            <a:ahLst/>
+            <a:cxnLst>
+              <a:cxn ang="0">
+                <a:pos x="connsiteX0" y="connsiteY0"/>
+              </a:cxn>
+              <a:cxn ang="0">
+                <a:pos x="connsiteX1" y="connsiteY1"/>
+              </a:cxn>
+              <a:cxn ang="0">
+                <a:pos x="connsiteX2" y="connsiteY2"/>
+              </a:cxn>
+            </a:cxnLst>
+            <a:rect l="l" t="t" r="r" b="b"/>
+            <a:pathLst>
+              <a:path w="10227076" h="5637321">
+                <a:moveTo>
+                  <a:pt x="0" y="0"/>
+                </a:moveTo>
+                <a:lnTo>
+                  <a:pt x="35511" y="5637321"/>
+                </a:lnTo>
+                <a:lnTo>
+                  <a:pt x="10227076" y="5584055"/>
+                </a:lnTo>
+              </a:path>
+            </a:pathLst>
+          </a:custGeom>
+          <a:ln w="38100"/>
+        </p:spPr>
+        <p:style>
+          <a:lnRef idx="3">
+            <a:schemeClr val="dk1"/>
+          </a:lnRef>
+          <a:fillRef idx="0">
+            <a:schemeClr val="dk1"/>
+          </a:fillRef>
+          <a:effectRef idx="2">
+            <a:schemeClr val="dk1"/>
+          </a:effectRef>
+          <a:fontRef idx="minor">
+            <a:schemeClr val="tx1"/>
+          </a:fontRef>
+        </p:style>
+        <p:txBody>
+          <a:bodyPr rtlCol="0" anchor="ctr"/>
+          <a:lstStyle/>
+          <a:p>
+            <a:pPr algn="ctr"/>
+            <a:endParaRPr lang="en-US" dirty="0"/>
+          </a:p>
+        </p:txBody>
+      </p:sp>
+      <p:sp>
+        <p:nvSpPr>
+          <p:cNvPr id="4" name="Freeform: Shape 3">
+            <a:extLst>
+              <a:ext uri="{FF2B5EF4-FFF2-40B4-BE49-F238E27FC236}">
+                <a16:creationId xmlns:a16="http://schemas.microsoft.com/office/drawing/2014/main" id="{1D94C972-1905-FD37-1289-37B4E825BA7B}"/>
+              </a:ext>
+            </a:extLst>
+          </p:cNvPr>
+          <p:cNvSpPr/>
+          <p:nvPr/>
+        </p:nvSpPr>
+        <p:spPr>
+          <a:xfrm rot="526040">
+            <a:off x="3373513" y="1811044"/>
+            <a:ext cx="5681709" cy="3187083"/>
+          </a:xfrm>
+          <a:custGeom>
+            <a:avLst/>
+            <a:gdLst>
+              <a:gd name="connsiteX0" fmla="*/ 0 w 5681709"/>
+              <a:gd name="connsiteY0" fmla="*/ 0 h 3187083"/>
+              <a:gd name="connsiteX1" fmla="*/ 514905 w 5681709"/>
+              <a:gd name="connsiteY1" fmla="*/ 1189608 h 3187083"/>
+              <a:gd name="connsiteX2" fmla="*/ 1997476 w 5681709"/>
+              <a:gd name="connsiteY2" fmla="*/ 2414726 h 3187083"/>
+              <a:gd name="connsiteX3" fmla="*/ 4136994 w 5681709"/>
+              <a:gd name="connsiteY3" fmla="*/ 3053918 h 3187083"/>
+              <a:gd name="connsiteX4" fmla="*/ 5681709 w 5681709"/>
+              <a:gd name="connsiteY4" fmla="*/ 3187083 h 3187083"/>
+            </a:gdLst>
+            <a:ahLst/>
+            <a:cxnLst>
+              <a:cxn ang="0">
+                <a:pos x="connsiteX0" y="connsiteY0"/>
+              </a:cxn>
+              <a:cxn ang="0">
+                <a:pos x="connsiteX1" y="connsiteY1"/>
+              </a:cxn>
+              <a:cxn ang="0">
+                <a:pos x="connsiteX2" y="connsiteY2"/>
+              </a:cxn>
+              <a:cxn ang="0">
+                <a:pos x="connsiteX3" y="connsiteY3"/>
+              </a:cxn>
+              <a:cxn ang="0">
+                <a:pos x="connsiteX4" y="connsiteY4"/>
+              </a:cxn>
+            </a:cxnLst>
+            <a:rect l="l" t="t" r="r" b="b"/>
+            <a:pathLst>
+              <a:path w="5681709" h="3187083">
+                <a:moveTo>
+                  <a:pt x="0" y="0"/>
+                </a:moveTo>
+                <a:cubicBezTo>
+                  <a:pt x="90996" y="393577"/>
+                  <a:pt x="181992" y="787154"/>
+                  <a:pt x="514905" y="1189608"/>
+                </a:cubicBezTo>
+                <a:cubicBezTo>
+                  <a:pt x="847818" y="1592062"/>
+                  <a:pt x="1393795" y="2104008"/>
+                  <a:pt x="1997476" y="2414726"/>
+                </a:cubicBezTo>
+                <a:cubicBezTo>
+                  <a:pt x="2601157" y="2725444"/>
+                  <a:pt x="3522955" y="2925192"/>
+                  <a:pt x="4136994" y="3053918"/>
+                </a:cubicBezTo>
+                <a:cubicBezTo>
+                  <a:pt x="4751033" y="3182644"/>
+                  <a:pt x="5434614" y="3133817"/>
+                  <a:pt x="5681709" y="3187083"/>
+                </a:cubicBezTo>
+              </a:path>
+            </a:pathLst>
+          </a:custGeom>
+          <a:noFill/>
+          <a:ln w="57150"/>
+        </p:spPr>
+        <p:style>
+          <a:lnRef idx="2">
+            <a:schemeClr val="accent1">
+              <a:shade val="15000"/>
+            </a:schemeClr>
+          </a:lnRef>
+          <a:fillRef idx="1">
+            <a:schemeClr val="accent1"/>
+          </a:fillRef>
+          <a:effectRef idx="0">
+            <a:schemeClr val="accent1"/>
+          </a:effectRef>
+          <a:fontRef idx="minor">
+            <a:schemeClr val="lt1"/>
+          </a:fontRef>
+        </p:style>
+        <p:txBody>
+          <a:bodyPr rtlCol="0" anchor="ctr"/>
+          <a:lstStyle/>
+          <a:p>
+            <a:pPr algn="ctr"/>
+            <a:endParaRPr lang="en-US"/>
+          </a:p>
+        </p:txBody>
+      </p:sp>
+      <p:cxnSp>
+        <p:nvCxnSpPr>
+          <p:cNvPr id="6" name="Straight Connector 5">
+            <a:extLst>
+              <a:ext uri="{FF2B5EF4-FFF2-40B4-BE49-F238E27FC236}">
+                <a16:creationId xmlns:a16="http://schemas.microsoft.com/office/drawing/2014/main" id="{9FC99EBC-E3F4-AA38-2E97-D46626409665}"/>
+              </a:ext>
+            </a:extLst>
+          </p:cNvPr>
+          <p:cNvCxnSpPr>
+            <a:cxnSpLocks/>
+          </p:cNvCxnSpPr>
+          <p:nvPr/>
+        </p:nvCxnSpPr>
+        <p:spPr>
+          <a:xfrm>
+            <a:off x="3710866" y="1935332"/>
+            <a:ext cx="4136994" cy="3279886"/>
+          </a:xfrm>
+          <a:prstGeom prst="line">
+            <a:avLst/>
+          </a:prstGeom>
+          <a:ln w="38100">
+            <a:solidFill>
+              <a:schemeClr val="accent2">
+                <a:lumMod val="75000"/>
+              </a:schemeClr>
+            </a:solidFill>
+          </a:ln>
+        </p:spPr>
+        <p:style>
+          <a:lnRef idx="1">
+            <a:schemeClr val="accent2"/>
+          </a:lnRef>
+          <a:fillRef idx="0">
+            <a:schemeClr val="accent2"/>
+          </a:fillRef>
+          <a:effectRef idx="0">
+            <a:schemeClr val="accent2"/>
+          </a:effectRef>
+          <a:fontRef idx="minor">
+            <a:schemeClr val="tx1"/>
+          </a:fontRef>
+        </p:style>
+      </p:cxnSp>
+      <p:sp>
+        <p:nvSpPr>
+          <p:cNvPr id="15" name="Oval 14">
+            <a:extLst>
+              <a:ext uri="{FF2B5EF4-FFF2-40B4-BE49-F238E27FC236}">
+                <a16:creationId xmlns:a16="http://schemas.microsoft.com/office/drawing/2014/main" id="{3808E5D0-048F-870F-BF6A-4E9C76857F67}"/>
+              </a:ext>
+            </a:extLst>
+          </p:cNvPr>
+          <p:cNvSpPr/>
+          <p:nvPr/>
+        </p:nvSpPr>
+        <p:spPr>
+          <a:xfrm>
+            <a:off x="3604334" y="1828799"/>
+            <a:ext cx="177553" cy="168677"/>
+          </a:xfrm>
+          <a:prstGeom prst="ellipse">
+            <a:avLst/>
+          </a:prstGeom>
+          <a:ln w="28575"/>
+        </p:spPr>
+        <p:style>
+          <a:lnRef idx="2">
+            <a:schemeClr val="accent2">
+              <a:shade val="15000"/>
+            </a:schemeClr>
+          </a:lnRef>
+          <a:fillRef idx="1">
+            <a:schemeClr val="accent2"/>
+          </a:fillRef>
+          <a:effectRef idx="0">
+            <a:schemeClr val="accent2"/>
+          </a:effectRef>
+          <a:fontRef idx="minor">
+            <a:schemeClr val="lt1"/>
+          </a:fontRef>
+        </p:style>
+        <p:txBody>
+          <a:bodyPr rtlCol="0" anchor="ctr"/>
+          <a:lstStyle/>
+          <a:p>
+            <a:pPr algn="ctr"/>
+            <a:endParaRPr lang="en-US"/>
+          </a:p>
+        </p:txBody>
+      </p:sp>
+      <p:sp>
+        <p:nvSpPr>
+          <p:cNvPr id="16" name="TextBox 15">
+            <a:extLst>
+              <a:ext uri="{FF2B5EF4-FFF2-40B4-BE49-F238E27FC236}">
+                <a16:creationId xmlns:a16="http://schemas.microsoft.com/office/drawing/2014/main" id="{A37AC625-6D6F-F2DD-4655-4A67354FB31A}"/>
+              </a:ext>
+            </a:extLst>
+          </p:cNvPr>
+          <p:cNvSpPr txBox="1"/>
+          <p:nvPr/>
+        </p:nvSpPr>
+        <p:spPr>
+          <a:xfrm>
+            <a:off x="3250929" y="1826453"/>
+            <a:ext cx="353406" cy="523220"/>
+          </a:xfrm>
+          <a:prstGeom prst="rect">
+            <a:avLst/>
+          </a:prstGeom>
+          <a:noFill/>
+        </p:spPr>
+        <p:txBody>
+          <a:bodyPr wrap="square" rtlCol="0">
+            <a:spAutoFit/>
+          </a:bodyPr>
+          <a:lstStyle/>
+          <a:p>
+            <a:pPr algn="ctr"/>
+            <a:r>
+              <a:rPr lang="en-US" sz="2800" b="1" dirty="0"/>
+              <a:t>A</a:t>
+            </a:r>
+          </a:p>
+        </p:txBody>
+      </p:sp>
+      <p:sp>
+        <p:nvSpPr>
+          <p:cNvPr id="17" name="Oval 16">
+            <a:extLst>
+              <a:ext uri="{FF2B5EF4-FFF2-40B4-BE49-F238E27FC236}">
+                <a16:creationId xmlns:a16="http://schemas.microsoft.com/office/drawing/2014/main" id="{E4F267A6-A52E-4071-24EC-2887ACF3C227}"/>
+              </a:ext>
+            </a:extLst>
+          </p:cNvPr>
+          <p:cNvSpPr/>
+          <p:nvPr/>
+        </p:nvSpPr>
+        <p:spPr>
+          <a:xfrm>
+            <a:off x="7716174" y="5130879"/>
+            <a:ext cx="177553" cy="168677"/>
+          </a:xfrm>
+          <a:prstGeom prst="ellipse">
+            <a:avLst/>
+          </a:prstGeom>
+          <a:ln w="28575"/>
+        </p:spPr>
+        <p:style>
+          <a:lnRef idx="2">
+            <a:schemeClr val="accent2">
+              <a:shade val="15000"/>
+            </a:schemeClr>
+          </a:lnRef>
+          <a:fillRef idx="1">
+            <a:schemeClr val="accent2"/>
+          </a:fillRef>
+          <a:effectRef idx="0">
+            <a:schemeClr val="accent2"/>
+          </a:effectRef>
+          <a:fontRef idx="minor">
+            <a:schemeClr val="lt1"/>
+          </a:fontRef>
+        </p:style>
+        <p:txBody>
+          <a:bodyPr rtlCol="0" anchor="ctr"/>
+          <a:lstStyle/>
+          <a:p>
+            <a:pPr algn="ctr"/>
+            <a:endParaRPr lang="en-US"/>
+          </a:p>
+        </p:txBody>
+      </p:sp>
+      <p:sp>
+        <p:nvSpPr>
+          <p:cNvPr id="18" name="TextBox 17">
+            <a:extLst>
+              <a:ext uri="{FF2B5EF4-FFF2-40B4-BE49-F238E27FC236}">
+                <a16:creationId xmlns:a16="http://schemas.microsoft.com/office/drawing/2014/main" id="{02F176CE-039F-CA94-6317-EE90686C4B3C}"/>
+              </a:ext>
+            </a:extLst>
+          </p:cNvPr>
+          <p:cNvSpPr txBox="1"/>
+          <p:nvPr/>
+        </p:nvSpPr>
+        <p:spPr>
+          <a:xfrm>
+            <a:off x="7362769" y="5128533"/>
+            <a:ext cx="353406" cy="523220"/>
+          </a:xfrm>
+          <a:prstGeom prst="rect">
+            <a:avLst/>
+          </a:prstGeom>
+          <a:noFill/>
+        </p:spPr>
+        <p:txBody>
+          <a:bodyPr wrap="square" rtlCol="0">
+            <a:spAutoFit/>
+          </a:bodyPr>
+          <a:lstStyle/>
+          <a:p>
+            <a:pPr algn="ctr"/>
+            <a:r>
+              <a:rPr lang="en-US" sz="2800" b="1" dirty="0"/>
+              <a:t>B</a:t>
+            </a:r>
+          </a:p>
+        </p:txBody>
+      </p:sp>
+      <p:sp>
+        <p:nvSpPr>
+          <p:cNvPr id="19" name="Oval 18">
+            <a:extLst>
+              <a:ext uri="{FF2B5EF4-FFF2-40B4-BE49-F238E27FC236}">
+                <a16:creationId xmlns:a16="http://schemas.microsoft.com/office/drawing/2014/main" id="{457A1D05-EFF5-58F8-5B76-EFCC7C38F043}"/>
+              </a:ext>
+            </a:extLst>
+          </p:cNvPr>
+          <p:cNvSpPr/>
+          <p:nvPr/>
+        </p:nvSpPr>
+        <p:spPr>
+          <a:xfrm>
+            <a:off x="5390226" y="3260323"/>
+            <a:ext cx="177553" cy="168677"/>
+          </a:xfrm>
+          <a:prstGeom prst="ellipse">
+            <a:avLst/>
+          </a:prstGeom>
+          <a:ln w="28575"/>
+        </p:spPr>
+        <p:style>
+          <a:lnRef idx="2">
+            <a:schemeClr val="accent2">
+              <a:shade val="15000"/>
+            </a:schemeClr>
+          </a:lnRef>
+          <a:fillRef idx="1">
+            <a:schemeClr val="accent2"/>
+          </a:fillRef>
+          <a:effectRef idx="0">
+            <a:schemeClr val="accent2"/>
+          </a:effectRef>
+          <a:fontRef idx="minor">
+            <a:schemeClr val="lt1"/>
+          </a:fontRef>
+        </p:style>
+        <p:txBody>
+          <a:bodyPr rtlCol="0" anchor="ctr"/>
+          <a:lstStyle/>
+          <a:p>
+            <a:pPr algn="ctr"/>
+            <a:endParaRPr lang="en-US"/>
+          </a:p>
+        </p:txBody>
+      </p:sp>
+      <p:sp>
+        <p:nvSpPr>
+          <p:cNvPr id="20" name="TextBox 19">
+            <a:extLst>
+              <a:ext uri="{FF2B5EF4-FFF2-40B4-BE49-F238E27FC236}">
+                <a16:creationId xmlns:a16="http://schemas.microsoft.com/office/drawing/2014/main" id="{C013C7E6-B80E-70C3-F1D1-A09C09E40EEA}"/>
+              </a:ext>
+            </a:extLst>
+          </p:cNvPr>
+          <p:cNvSpPr txBox="1"/>
+          <p:nvPr/>
+        </p:nvSpPr>
+        <p:spPr>
+          <a:xfrm>
+            <a:off x="5567779" y="2998713"/>
+            <a:ext cx="353406" cy="523220"/>
+          </a:xfrm>
+          <a:prstGeom prst="rect">
+            <a:avLst/>
+          </a:prstGeom>
+          <a:noFill/>
+        </p:spPr>
+        <p:txBody>
+          <a:bodyPr wrap="square" rtlCol="0">
+            <a:spAutoFit/>
+          </a:bodyPr>
+          <a:lstStyle/>
+          <a:p>
+            <a:pPr algn="ctr"/>
+            <a:r>
+              <a:rPr lang="en-US" sz="2800" b="1" dirty="0"/>
+              <a:t>C</a:t>
+            </a:r>
+          </a:p>
+        </p:txBody>
+      </p:sp>
+    </p:spTree>
+    <p:extLst>
+      <p:ext uri="{BB962C8B-B14F-4D97-AF65-F5344CB8AC3E}">
+        <p14:creationId xmlns:p14="http://schemas.microsoft.com/office/powerpoint/2010/main" val="838079956"/>
+      </p:ext>
+    </p:extLst>
+  </p:cSld>
+  <p:clrMapOvr>
+    <a:masterClrMapping/>
+  </p:clrMapOvr>
+</p:sld>
+</file>
+
+<file path=ppt/slides/slide11.xml><?xml version="1.0" encoding="utf-8"?>
+<p:sld xmlns:a="http://schemas.openxmlformats.org/drawingml/2006/main" xmlns:r="http://schemas.openxmlformats.org/officeDocument/2006/relationships" xmlns:p="http://schemas.openxmlformats.org/presentationml/2006/main">
+  <p:cSld>
+    <p:spTree>
+      <p:nvGrpSpPr>
+        <p:cNvPr id="1" name=""/>
+        <p:cNvGrpSpPr/>
+        <p:nvPr/>
+      </p:nvGrpSpPr>
+      <p:grpSpPr>
+        <a:xfrm>
+          <a:off x="0" y="0"/>
+          <a:ext cx="0" cy="0"/>
+          <a:chOff x="0" y="0"/>
+          <a:chExt cx="0" cy="0"/>
+        </a:xfrm>
+      </p:grpSpPr>
+      <p:sp>
+        <p:nvSpPr>
+          <p:cNvPr id="7" name="Freeform: Shape 6">
+            <a:extLst>
+              <a:ext uri="{FF2B5EF4-FFF2-40B4-BE49-F238E27FC236}">
+                <a16:creationId xmlns:a16="http://schemas.microsoft.com/office/drawing/2014/main" id="{91023604-1A59-7D71-766A-5C4DE5808057}"/>
+              </a:ext>
+            </a:extLst>
+          </p:cNvPr>
+          <p:cNvSpPr/>
+          <p:nvPr/>
+        </p:nvSpPr>
+        <p:spPr>
+          <a:xfrm>
+            <a:off x="3639845" y="559294"/>
+            <a:ext cx="5184559" cy="4785064"/>
+          </a:xfrm>
+          <a:custGeom>
+            <a:avLst/>
+            <a:gdLst>
+              <a:gd name="connsiteX0" fmla="*/ 8878 w 4962618"/>
+              <a:gd name="connsiteY0" fmla="*/ 0 h 4287915"/>
+              <a:gd name="connsiteX1" fmla="*/ 0 w 4962618"/>
+              <a:gd name="connsiteY1" fmla="*/ 781235 h 4287915"/>
+              <a:gd name="connsiteX2" fmla="*/ 168676 w 4962618"/>
+              <a:gd name="connsiteY2" fmla="*/ 1367161 h 4287915"/>
+              <a:gd name="connsiteX3" fmla="*/ 346229 w 4962618"/>
+              <a:gd name="connsiteY3" fmla="*/ 1766656 h 4287915"/>
+              <a:gd name="connsiteX4" fmla="*/ 736847 w 4962618"/>
+              <a:gd name="connsiteY4" fmla="*/ 2343705 h 4287915"/>
+              <a:gd name="connsiteX5" fmla="*/ 1136342 w 4962618"/>
+              <a:gd name="connsiteY5" fmla="*/ 2752078 h 4287915"/>
+              <a:gd name="connsiteX6" fmla="*/ 1669002 w 4962618"/>
+              <a:gd name="connsiteY6" fmla="*/ 3160451 h 4287915"/>
+              <a:gd name="connsiteX7" fmla="*/ 2343705 w 4962618"/>
+              <a:gd name="connsiteY7" fmla="*/ 3533313 h 4287915"/>
+              <a:gd name="connsiteX8" fmla="*/ 3311371 w 4962618"/>
+              <a:gd name="connsiteY8" fmla="*/ 3923930 h 4287915"/>
+              <a:gd name="connsiteX9" fmla="*/ 4190260 w 4962618"/>
+              <a:gd name="connsiteY9" fmla="*/ 4145872 h 4287915"/>
+              <a:gd name="connsiteX10" fmla="*/ 4962618 w 4962618"/>
+              <a:gd name="connsiteY10" fmla="*/ 4287915 h 4287915"/>
+              <a:gd name="connsiteX11" fmla="*/ 4864963 w 4962618"/>
+              <a:gd name="connsiteY11" fmla="*/ 26633 h 4287915"/>
+              <a:gd name="connsiteX12" fmla="*/ 8878 w 4962618"/>
+              <a:gd name="connsiteY12" fmla="*/ 0 h 4287915"/>
+            </a:gdLst>
+            <a:ahLst/>
+            <a:cxnLst>
+              <a:cxn ang="0">
+                <a:pos x="connsiteX0" y="connsiteY0"/>
+              </a:cxn>
+              <a:cxn ang="0">
+                <a:pos x="connsiteX1" y="connsiteY1"/>
+              </a:cxn>
+              <a:cxn ang="0">
+                <a:pos x="connsiteX2" y="connsiteY2"/>
+              </a:cxn>
+              <a:cxn ang="0">
+                <a:pos x="connsiteX3" y="connsiteY3"/>
+              </a:cxn>
+              <a:cxn ang="0">
+                <a:pos x="connsiteX4" y="connsiteY4"/>
+              </a:cxn>
+              <a:cxn ang="0">
+                <a:pos x="connsiteX5" y="connsiteY5"/>
+              </a:cxn>
+              <a:cxn ang="0">
+                <a:pos x="connsiteX6" y="connsiteY6"/>
+              </a:cxn>
+              <a:cxn ang="0">
+                <a:pos x="connsiteX7" y="connsiteY7"/>
+              </a:cxn>
+              <a:cxn ang="0">
+                <a:pos x="connsiteX8" y="connsiteY8"/>
+              </a:cxn>
+              <a:cxn ang="0">
+                <a:pos x="connsiteX9" y="connsiteY9"/>
+              </a:cxn>
+              <a:cxn ang="0">
+                <a:pos x="connsiteX10" y="connsiteY10"/>
+              </a:cxn>
+              <a:cxn ang="0">
+                <a:pos x="connsiteX11" y="connsiteY11"/>
+              </a:cxn>
+              <a:cxn ang="0">
+                <a:pos x="connsiteX12" y="connsiteY12"/>
+              </a:cxn>
+            </a:cxnLst>
+            <a:rect l="l" t="t" r="r" b="b"/>
+            <a:pathLst>
+              <a:path w="4962618" h="4287915">
+                <a:moveTo>
+                  <a:pt x="8878" y="0"/>
+                </a:moveTo>
+                <a:cubicBezTo>
+                  <a:pt x="5919" y="260412"/>
+                  <a:pt x="2959" y="520823"/>
+                  <a:pt x="0" y="781235"/>
+                </a:cubicBezTo>
+                <a:lnTo>
+                  <a:pt x="168676" y="1367161"/>
+                </a:lnTo>
+                <a:lnTo>
+                  <a:pt x="346229" y="1766656"/>
+                </a:lnTo>
+                <a:lnTo>
+                  <a:pt x="736847" y="2343705"/>
+                </a:lnTo>
+                <a:lnTo>
+                  <a:pt x="1136342" y="2752078"/>
+                </a:lnTo>
+                <a:lnTo>
+                  <a:pt x="1669002" y="3160451"/>
+                </a:lnTo>
+                <a:lnTo>
+                  <a:pt x="2343705" y="3533313"/>
+                </a:lnTo>
+                <a:lnTo>
+                  <a:pt x="3311371" y="3923930"/>
+                </a:lnTo>
+                <a:lnTo>
+                  <a:pt x="4190260" y="4145872"/>
+                </a:lnTo>
+                <a:lnTo>
+                  <a:pt x="4962618" y="4287915"/>
+                </a:lnTo>
+                <a:lnTo>
+                  <a:pt x="4864963" y="26633"/>
+                </a:lnTo>
+                <a:lnTo>
+                  <a:pt x="8878" y="0"/>
+                </a:lnTo>
+                <a:close/>
+              </a:path>
+            </a:pathLst>
+          </a:custGeom>
+          <a:solidFill>
+            <a:schemeClr val="accent6">
+              <a:alpha val="50000"/>
+            </a:schemeClr>
+          </a:solidFill>
+          <a:ln>
+            <a:noFill/>
+          </a:ln>
+        </p:spPr>
+        <p:style>
+          <a:lnRef idx="0">
+            <a:scrgbClr r="0" g="0" b="0"/>
+          </a:lnRef>
+          <a:fillRef idx="0">
+            <a:scrgbClr r="0" g="0" b="0"/>
+          </a:fillRef>
+          <a:effectRef idx="0">
+            <a:scrgbClr r="0" g="0" b="0"/>
+          </a:effectRef>
+          <a:fontRef idx="minor">
+            <a:schemeClr val="lt1"/>
+          </a:fontRef>
+        </p:style>
+        <p:txBody>
+          <a:bodyPr rtlCol="0" anchor="ctr"/>
+          <a:lstStyle/>
+          <a:p>
+            <a:pPr algn="ctr"/>
+            <a:endParaRPr lang="en-US"/>
+          </a:p>
+        </p:txBody>
+      </p:sp>
+      <p:sp>
+        <p:nvSpPr>
+          <p:cNvPr id="3" name="Freeform: Shape 2">
+            <a:extLst>
+              <a:ext uri="{FF2B5EF4-FFF2-40B4-BE49-F238E27FC236}">
+                <a16:creationId xmlns:a16="http://schemas.microsoft.com/office/drawing/2014/main" id="{10DC7D1B-509A-43D2-8502-FDB95A405C25}"/>
+              </a:ext>
+            </a:extLst>
+          </p:cNvPr>
+          <p:cNvSpPr/>
+          <p:nvPr/>
+        </p:nvSpPr>
+        <p:spPr>
+          <a:xfrm>
+            <a:off x="2286000" y="395306"/>
+            <a:ext cx="7601613" cy="5637321"/>
+          </a:xfrm>
+          <a:custGeom>
+            <a:avLst/>
+            <a:gdLst>
+              <a:gd name="connsiteX0" fmla="*/ 0 w 10227076"/>
+              <a:gd name="connsiteY0" fmla="*/ 0 h 5637321"/>
+              <a:gd name="connsiteX1" fmla="*/ 35511 w 10227076"/>
+              <a:gd name="connsiteY1" fmla="*/ 5637321 h 5637321"/>
+              <a:gd name="connsiteX2" fmla="*/ 10227076 w 10227076"/>
+              <a:gd name="connsiteY2" fmla="*/ 5584055 h 5637321"/>
+            </a:gdLst>
+            <a:ahLst/>
+            <a:cxnLst>
+              <a:cxn ang="0">
+                <a:pos x="connsiteX0" y="connsiteY0"/>
+              </a:cxn>
+              <a:cxn ang="0">
+                <a:pos x="connsiteX1" y="connsiteY1"/>
+              </a:cxn>
+              <a:cxn ang="0">
+                <a:pos x="connsiteX2" y="connsiteY2"/>
+              </a:cxn>
+            </a:cxnLst>
+            <a:rect l="l" t="t" r="r" b="b"/>
+            <a:pathLst>
+              <a:path w="10227076" h="5637321">
+                <a:moveTo>
+                  <a:pt x="0" y="0"/>
+                </a:moveTo>
+                <a:lnTo>
+                  <a:pt x="35511" y="5637321"/>
+                </a:lnTo>
+                <a:lnTo>
+                  <a:pt x="10227076" y="5584055"/>
+                </a:lnTo>
+              </a:path>
+            </a:pathLst>
+          </a:custGeom>
+          <a:ln w="38100"/>
+        </p:spPr>
+        <p:style>
+          <a:lnRef idx="3">
+            <a:schemeClr val="dk1"/>
+          </a:lnRef>
+          <a:fillRef idx="0">
+            <a:schemeClr val="dk1"/>
+          </a:fillRef>
+          <a:effectRef idx="2">
+            <a:schemeClr val="dk1"/>
+          </a:effectRef>
+          <a:fontRef idx="minor">
+            <a:schemeClr val="tx1"/>
+          </a:fontRef>
+        </p:style>
+        <p:txBody>
+          <a:bodyPr rtlCol="0" anchor="ctr"/>
+          <a:lstStyle/>
+          <a:p>
+            <a:pPr algn="ctr"/>
+            <a:endParaRPr lang="en-US" dirty="0"/>
+          </a:p>
+        </p:txBody>
+      </p:sp>
+      <p:sp>
+        <p:nvSpPr>
+          <p:cNvPr id="4" name="Freeform: Shape 3">
+            <a:extLst>
+              <a:ext uri="{FF2B5EF4-FFF2-40B4-BE49-F238E27FC236}">
+                <a16:creationId xmlns:a16="http://schemas.microsoft.com/office/drawing/2014/main" id="{1D94C972-1905-FD37-1289-37B4E825BA7B}"/>
+              </a:ext>
+            </a:extLst>
+          </p:cNvPr>
+          <p:cNvSpPr/>
+          <p:nvPr/>
+        </p:nvSpPr>
+        <p:spPr>
+          <a:xfrm rot="526040">
+            <a:off x="3373513" y="1811044"/>
+            <a:ext cx="5681709" cy="3187083"/>
+          </a:xfrm>
+          <a:custGeom>
+            <a:avLst/>
+            <a:gdLst>
+              <a:gd name="connsiteX0" fmla="*/ 0 w 5681709"/>
+              <a:gd name="connsiteY0" fmla="*/ 0 h 3187083"/>
+              <a:gd name="connsiteX1" fmla="*/ 514905 w 5681709"/>
+              <a:gd name="connsiteY1" fmla="*/ 1189608 h 3187083"/>
+              <a:gd name="connsiteX2" fmla="*/ 1997476 w 5681709"/>
+              <a:gd name="connsiteY2" fmla="*/ 2414726 h 3187083"/>
+              <a:gd name="connsiteX3" fmla="*/ 4136994 w 5681709"/>
+              <a:gd name="connsiteY3" fmla="*/ 3053918 h 3187083"/>
+              <a:gd name="connsiteX4" fmla="*/ 5681709 w 5681709"/>
+              <a:gd name="connsiteY4" fmla="*/ 3187083 h 3187083"/>
+            </a:gdLst>
+            <a:ahLst/>
+            <a:cxnLst>
+              <a:cxn ang="0">
+                <a:pos x="connsiteX0" y="connsiteY0"/>
+              </a:cxn>
+              <a:cxn ang="0">
+                <a:pos x="connsiteX1" y="connsiteY1"/>
+              </a:cxn>
+              <a:cxn ang="0">
+                <a:pos x="connsiteX2" y="connsiteY2"/>
+              </a:cxn>
+              <a:cxn ang="0">
+                <a:pos x="connsiteX3" y="connsiteY3"/>
+              </a:cxn>
+              <a:cxn ang="0">
+                <a:pos x="connsiteX4" y="connsiteY4"/>
+              </a:cxn>
+            </a:cxnLst>
+            <a:rect l="l" t="t" r="r" b="b"/>
+            <a:pathLst>
+              <a:path w="5681709" h="3187083">
+                <a:moveTo>
+                  <a:pt x="0" y="0"/>
+                </a:moveTo>
+                <a:cubicBezTo>
+                  <a:pt x="90996" y="393577"/>
+                  <a:pt x="181992" y="787154"/>
+                  <a:pt x="514905" y="1189608"/>
+                </a:cubicBezTo>
+                <a:cubicBezTo>
+                  <a:pt x="847818" y="1592062"/>
+                  <a:pt x="1393795" y="2104008"/>
+                  <a:pt x="1997476" y="2414726"/>
+                </a:cubicBezTo>
+                <a:cubicBezTo>
+                  <a:pt x="2601157" y="2725444"/>
+                  <a:pt x="3522955" y="2925192"/>
+                  <a:pt x="4136994" y="3053918"/>
+                </a:cubicBezTo>
+                <a:cubicBezTo>
+                  <a:pt x="4751033" y="3182644"/>
+                  <a:pt x="5434614" y="3133817"/>
+                  <a:pt x="5681709" y="3187083"/>
+                </a:cubicBezTo>
+              </a:path>
+            </a:pathLst>
+          </a:custGeom>
+          <a:noFill/>
+          <a:ln w="57150"/>
+        </p:spPr>
+        <p:style>
+          <a:lnRef idx="2">
+            <a:schemeClr val="accent1">
+              <a:shade val="15000"/>
+            </a:schemeClr>
+          </a:lnRef>
+          <a:fillRef idx="1">
+            <a:schemeClr val="accent1"/>
+          </a:fillRef>
+          <a:effectRef idx="0">
+            <a:schemeClr val="accent1"/>
+          </a:effectRef>
+          <a:fontRef idx="minor">
+            <a:schemeClr val="lt1"/>
+          </a:fontRef>
+        </p:style>
+        <p:txBody>
+          <a:bodyPr rtlCol="0" anchor="ctr"/>
+          <a:lstStyle/>
+          <a:p>
+            <a:pPr algn="ctr"/>
+            <a:endParaRPr lang="en-US"/>
+          </a:p>
+        </p:txBody>
+      </p:sp>
+      <p:cxnSp>
+        <p:nvCxnSpPr>
+          <p:cNvPr id="6" name="Straight Connector 5">
+            <a:extLst>
+              <a:ext uri="{FF2B5EF4-FFF2-40B4-BE49-F238E27FC236}">
+                <a16:creationId xmlns:a16="http://schemas.microsoft.com/office/drawing/2014/main" id="{9FC99EBC-E3F4-AA38-2E97-D46626409665}"/>
+              </a:ext>
+            </a:extLst>
+          </p:cNvPr>
+          <p:cNvCxnSpPr>
+            <a:cxnSpLocks/>
+          </p:cNvCxnSpPr>
+          <p:nvPr/>
+        </p:nvCxnSpPr>
+        <p:spPr>
+          <a:xfrm>
+            <a:off x="3710866" y="1935332"/>
+            <a:ext cx="4136994" cy="3279886"/>
+          </a:xfrm>
+          <a:prstGeom prst="line">
+            <a:avLst/>
+          </a:prstGeom>
+          <a:ln w="38100">
+            <a:solidFill>
+              <a:schemeClr val="accent2">
+                <a:lumMod val="75000"/>
+              </a:schemeClr>
+            </a:solidFill>
+          </a:ln>
+        </p:spPr>
+        <p:style>
+          <a:lnRef idx="1">
+            <a:schemeClr val="accent2"/>
+          </a:lnRef>
+          <a:fillRef idx="0">
+            <a:schemeClr val="accent2"/>
+          </a:fillRef>
+          <a:effectRef idx="0">
+            <a:schemeClr val="accent2"/>
+          </a:effectRef>
+          <a:fontRef idx="minor">
+            <a:schemeClr val="tx1"/>
+          </a:fontRef>
+        </p:style>
+      </p:cxnSp>
+      <p:sp>
+        <p:nvSpPr>
+          <p:cNvPr id="2" name="Freeform: Shape 1">
+            <a:extLst>
+              <a:ext uri="{FF2B5EF4-FFF2-40B4-BE49-F238E27FC236}">
+                <a16:creationId xmlns:a16="http://schemas.microsoft.com/office/drawing/2014/main" id="{9C924B4E-D0E0-5256-D5F8-DABDE9A6AEB4}"/>
+              </a:ext>
+            </a:extLst>
+          </p:cNvPr>
+          <p:cNvSpPr/>
+          <p:nvPr/>
+        </p:nvSpPr>
+        <p:spPr>
+          <a:xfrm rot="526040">
+            <a:off x="3552546" y="1604532"/>
+            <a:ext cx="5681709" cy="3187083"/>
+          </a:xfrm>
+          <a:custGeom>
+            <a:avLst/>
+            <a:gdLst>
+              <a:gd name="connsiteX0" fmla="*/ 0 w 5681709"/>
+              <a:gd name="connsiteY0" fmla="*/ 0 h 3187083"/>
+              <a:gd name="connsiteX1" fmla="*/ 514905 w 5681709"/>
+              <a:gd name="connsiteY1" fmla="*/ 1189608 h 3187083"/>
+              <a:gd name="connsiteX2" fmla="*/ 1997476 w 5681709"/>
+              <a:gd name="connsiteY2" fmla="*/ 2414726 h 3187083"/>
+              <a:gd name="connsiteX3" fmla="*/ 4136994 w 5681709"/>
+              <a:gd name="connsiteY3" fmla="*/ 3053918 h 3187083"/>
+              <a:gd name="connsiteX4" fmla="*/ 5681709 w 5681709"/>
+              <a:gd name="connsiteY4" fmla="*/ 3187083 h 3187083"/>
+            </a:gdLst>
+            <a:ahLst/>
+            <a:cxnLst>
+              <a:cxn ang="0">
+                <a:pos x="connsiteX0" y="connsiteY0"/>
+              </a:cxn>
+              <a:cxn ang="0">
+                <a:pos x="connsiteX1" y="connsiteY1"/>
+              </a:cxn>
+              <a:cxn ang="0">
+                <a:pos x="connsiteX2" y="connsiteY2"/>
+              </a:cxn>
+              <a:cxn ang="0">
+                <a:pos x="connsiteX3" y="connsiteY3"/>
+              </a:cxn>
+              <a:cxn ang="0">
+                <a:pos x="connsiteX4" y="connsiteY4"/>
+              </a:cxn>
+            </a:cxnLst>
+            <a:rect l="l" t="t" r="r" b="b"/>
+            <a:pathLst>
+              <a:path w="5681709" h="3187083">
+                <a:moveTo>
+                  <a:pt x="0" y="0"/>
+                </a:moveTo>
+                <a:cubicBezTo>
+                  <a:pt x="90996" y="393577"/>
+                  <a:pt x="181992" y="787154"/>
+                  <a:pt x="514905" y="1189608"/>
+                </a:cubicBezTo>
+                <a:cubicBezTo>
+                  <a:pt x="847818" y="1592062"/>
+                  <a:pt x="1393795" y="2104008"/>
+                  <a:pt x="1997476" y="2414726"/>
+                </a:cubicBezTo>
+                <a:cubicBezTo>
+                  <a:pt x="2601157" y="2725444"/>
+                  <a:pt x="3522955" y="2925192"/>
+                  <a:pt x="4136994" y="3053918"/>
+                </a:cubicBezTo>
+                <a:cubicBezTo>
+                  <a:pt x="4751033" y="3182644"/>
+                  <a:pt x="5434614" y="3133817"/>
+                  <a:pt x="5681709" y="3187083"/>
+                </a:cubicBezTo>
+              </a:path>
+            </a:pathLst>
+          </a:custGeom>
+          <a:noFill/>
+          <a:ln w="19050">
+            <a:solidFill>
+              <a:schemeClr val="accent1">
+                <a:lumMod val="75000"/>
+              </a:schemeClr>
+            </a:solidFill>
+            <a:prstDash val="sysDash"/>
+          </a:ln>
+        </p:spPr>
+        <p:style>
+          <a:lnRef idx="2">
+            <a:schemeClr val="accent1">
+              <a:shade val="15000"/>
+            </a:schemeClr>
+          </a:lnRef>
+          <a:fillRef idx="1">
+            <a:schemeClr val="accent1"/>
+          </a:fillRef>
+          <a:effectRef idx="0">
+            <a:schemeClr val="accent1"/>
+          </a:effectRef>
+          <a:fontRef idx="minor">
+            <a:schemeClr val="lt1"/>
+          </a:fontRef>
+        </p:style>
+        <p:txBody>
+          <a:bodyPr rtlCol="0" anchor="ctr"/>
+          <a:lstStyle/>
+          <a:p>
+            <a:pPr algn="ctr"/>
+            <a:endParaRPr lang="en-US"/>
+          </a:p>
+        </p:txBody>
+      </p:sp>
+      <p:sp>
+        <p:nvSpPr>
+          <p:cNvPr id="5" name="Freeform: Shape 4">
+            <a:extLst>
+              <a:ext uri="{FF2B5EF4-FFF2-40B4-BE49-F238E27FC236}">
+                <a16:creationId xmlns:a16="http://schemas.microsoft.com/office/drawing/2014/main" id="{0450E930-838C-A33E-B157-1FEE1071644E}"/>
+              </a:ext>
+            </a:extLst>
+          </p:cNvPr>
+          <p:cNvSpPr/>
+          <p:nvPr/>
+        </p:nvSpPr>
+        <p:spPr>
+          <a:xfrm rot="526040">
+            <a:off x="3731581" y="1370559"/>
+            <a:ext cx="5681709" cy="3187083"/>
+          </a:xfrm>
+          <a:custGeom>
+            <a:avLst/>
+            <a:gdLst>
+              <a:gd name="connsiteX0" fmla="*/ 0 w 5681709"/>
+              <a:gd name="connsiteY0" fmla="*/ 0 h 3187083"/>
+              <a:gd name="connsiteX1" fmla="*/ 514905 w 5681709"/>
+              <a:gd name="connsiteY1" fmla="*/ 1189608 h 3187083"/>
+              <a:gd name="connsiteX2" fmla="*/ 1997476 w 5681709"/>
+              <a:gd name="connsiteY2" fmla="*/ 2414726 h 3187083"/>
+              <a:gd name="connsiteX3" fmla="*/ 4136994 w 5681709"/>
+              <a:gd name="connsiteY3" fmla="*/ 3053918 h 3187083"/>
+              <a:gd name="connsiteX4" fmla="*/ 5681709 w 5681709"/>
+              <a:gd name="connsiteY4" fmla="*/ 3187083 h 3187083"/>
+            </a:gdLst>
+            <a:ahLst/>
+            <a:cxnLst>
+              <a:cxn ang="0">
+                <a:pos x="connsiteX0" y="connsiteY0"/>
+              </a:cxn>
+              <a:cxn ang="0">
+                <a:pos x="connsiteX1" y="connsiteY1"/>
+              </a:cxn>
+              <a:cxn ang="0">
+                <a:pos x="connsiteX2" y="connsiteY2"/>
+              </a:cxn>
+              <a:cxn ang="0">
+                <a:pos x="connsiteX3" y="connsiteY3"/>
+              </a:cxn>
+              <a:cxn ang="0">
+                <a:pos x="connsiteX4" y="connsiteY4"/>
+              </a:cxn>
+            </a:cxnLst>
+            <a:rect l="l" t="t" r="r" b="b"/>
+            <a:pathLst>
+              <a:path w="5681709" h="3187083">
+                <a:moveTo>
+                  <a:pt x="0" y="0"/>
+                </a:moveTo>
+                <a:cubicBezTo>
+                  <a:pt x="90996" y="393577"/>
+                  <a:pt x="181992" y="787154"/>
+                  <a:pt x="514905" y="1189608"/>
+                </a:cubicBezTo>
+                <a:cubicBezTo>
+                  <a:pt x="847818" y="1592062"/>
+                  <a:pt x="1393795" y="2104008"/>
+                  <a:pt x="1997476" y="2414726"/>
+                </a:cubicBezTo>
+                <a:cubicBezTo>
+                  <a:pt x="2601157" y="2725444"/>
+                  <a:pt x="3522955" y="2925192"/>
+                  <a:pt x="4136994" y="3053918"/>
+                </a:cubicBezTo>
+                <a:cubicBezTo>
+                  <a:pt x="4751033" y="3182644"/>
+                  <a:pt x="5434614" y="3133817"/>
+                  <a:pt x="5681709" y="3187083"/>
+                </a:cubicBezTo>
+              </a:path>
+            </a:pathLst>
+          </a:custGeom>
+          <a:noFill/>
+          <a:ln w="19050">
+            <a:solidFill>
+              <a:schemeClr val="accent1">
+                <a:lumMod val="75000"/>
+              </a:schemeClr>
+            </a:solidFill>
+            <a:prstDash val="sysDash"/>
+          </a:ln>
+        </p:spPr>
+        <p:style>
+          <a:lnRef idx="2">
+            <a:schemeClr val="accent1">
+              <a:shade val="15000"/>
+            </a:schemeClr>
+          </a:lnRef>
+          <a:fillRef idx="1">
+            <a:schemeClr val="accent1"/>
+          </a:fillRef>
+          <a:effectRef idx="0">
+            <a:schemeClr val="accent1"/>
+          </a:effectRef>
+          <a:fontRef idx="minor">
+            <a:schemeClr val="lt1"/>
+          </a:fontRef>
+        </p:style>
+        <p:txBody>
+          <a:bodyPr rtlCol="0" anchor="ctr"/>
+          <a:lstStyle/>
+          <a:p>
+            <a:pPr algn="ctr"/>
+            <a:endParaRPr lang="en-US"/>
+          </a:p>
+        </p:txBody>
+      </p:sp>
+      <p:sp>
+        <p:nvSpPr>
+          <p:cNvPr id="10" name="Oval 9">
+            <a:extLst>
+              <a:ext uri="{FF2B5EF4-FFF2-40B4-BE49-F238E27FC236}">
+                <a16:creationId xmlns:a16="http://schemas.microsoft.com/office/drawing/2014/main" id="{B02FA2FC-5A5B-9316-3BC3-2A132A34F96F}"/>
+              </a:ext>
+            </a:extLst>
+          </p:cNvPr>
+          <p:cNvSpPr/>
+          <p:nvPr/>
+        </p:nvSpPr>
+        <p:spPr>
+          <a:xfrm>
+            <a:off x="3604334" y="1828799"/>
+            <a:ext cx="177553" cy="168677"/>
+          </a:xfrm>
+          <a:prstGeom prst="ellipse">
+            <a:avLst/>
+          </a:prstGeom>
+          <a:ln w="28575"/>
+        </p:spPr>
+        <p:style>
+          <a:lnRef idx="2">
+            <a:schemeClr val="accent2">
+              <a:shade val="15000"/>
+            </a:schemeClr>
+          </a:lnRef>
+          <a:fillRef idx="1">
+            <a:schemeClr val="accent2"/>
+          </a:fillRef>
+          <a:effectRef idx="0">
+            <a:schemeClr val="accent2"/>
+          </a:effectRef>
+          <a:fontRef idx="minor">
+            <a:schemeClr val="lt1"/>
+          </a:fontRef>
+        </p:style>
+        <p:txBody>
+          <a:bodyPr rtlCol="0" anchor="ctr"/>
+          <a:lstStyle/>
+          <a:p>
+            <a:pPr algn="ctr"/>
+            <a:endParaRPr lang="en-US"/>
+          </a:p>
+        </p:txBody>
+      </p:sp>
+      <p:sp>
+        <p:nvSpPr>
+          <p:cNvPr id="11" name="TextBox 10">
+            <a:extLst>
+              <a:ext uri="{FF2B5EF4-FFF2-40B4-BE49-F238E27FC236}">
+                <a16:creationId xmlns:a16="http://schemas.microsoft.com/office/drawing/2014/main" id="{73221AD2-6D2F-450F-57EE-8F0AA6DED7C1}"/>
+              </a:ext>
+            </a:extLst>
+          </p:cNvPr>
+          <p:cNvSpPr txBox="1"/>
+          <p:nvPr/>
+        </p:nvSpPr>
+        <p:spPr>
+          <a:xfrm>
+            <a:off x="3250929" y="1826453"/>
+            <a:ext cx="353406" cy="523220"/>
+          </a:xfrm>
+          <a:prstGeom prst="rect">
+            <a:avLst/>
+          </a:prstGeom>
+          <a:noFill/>
+        </p:spPr>
+        <p:txBody>
+          <a:bodyPr wrap="square" rtlCol="0">
+            <a:spAutoFit/>
+          </a:bodyPr>
+          <a:lstStyle/>
+          <a:p>
+            <a:pPr algn="ctr"/>
+            <a:r>
+              <a:rPr lang="en-US" sz="2800" b="1" dirty="0"/>
+              <a:t>A</a:t>
+            </a:r>
+          </a:p>
+        </p:txBody>
+      </p:sp>
+      <p:sp>
+        <p:nvSpPr>
+          <p:cNvPr id="12" name="Oval 11">
+            <a:extLst>
+              <a:ext uri="{FF2B5EF4-FFF2-40B4-BE49-F238E27FC236}">
+                <a16:creationId xmlns:a16="http://schemas.microsoft.com/office/drawing/2014/main" id="{0CBA94EE-BA86-E0C5-8F6B-1DEBC036C254}"/>
+              </a:ext>
+            </a:extLst>
+          </p:cNvPr>
+          <p:cNvSpPr/>
+          <p:nvPr/>
+        </p:nvSpPr>
+        <p:spPr>
+          <a:xfrm>
+            <a:off x="7716174" y="5130879"/>
+            <a:ext cx="177553" cy="168677"/>
+          </a:xfrm>
+          <a:prstGeom prst="ellipse">
+            <a:avLst/>
+          </a:prstGeom>
+          <a:ln w="28575"/>
+        </p:spPr>
+        <p:style>
+          <a:lnRef idx="2">
+            <a:schemeClr val="accent2">
+              <a:shade val="15000"/>
+            </a:schemeClr>
+          </a:lnRef>
+          <a:fillRef idx="1">
+            <a:schemeClr val="accent2"/>
+          </a:fillRef>
+          <a:effectRef idx="0">
+            <a:schemeClr val="accent2"/>
+          </a:effectRef>
+          <a:fontRef idx="minor">
+            <a:schemeClr val="lt1"/>
+          </a:fontRef>
+        </p:style>
+        <p:txBody>
+          <a:bodyPr rtlCol="0" anchor="ctr"/>
+          <a:lstStyle/>
+          <a:p>
+            <a:pPr algn="ctr"/>
+            <a:endParaRPr lang="en-US"/>
+          </a:p>
+        </p:txBody>
+      </p:sp>
+      <p:sp>
+        <p:nvSpPr>
+          <p:cNvPr id="13" name="TextBox 12">
+            <a:extLst>
+              <a:ext uri="{FF2B5EF4-FFF2-40B4-BE49-F238E27FC236}">
+                <a16:creationId xmlns:a16="http://schemas.microsoft.com/office/drawing/2014/main" id="{B262B0BD-8128-20C8-754C-E2E0A7AC91D5}"/>
+              </a:ext>
+            </a:extLst>
+          </p:cNvPr>
+          <p:cNvSpPr txBox="1"/>
+          <p:nvPr/>
+        </p:nvSpPr>
+        <p:spPr>
+          <a:xfrm>
+            <a:off x="7362769" y="5128533"/>
+            <a:ext cx="353406" cy="523220"/>
+          </a:xfrm>
+          <a:prstGeom prst="rect">
+            <a:avLst/>
+          </a:prstGeom>
+          <a:noFill/>
+        </p:spPr>
+        <p:txBody>
+          <a:bodyPr wrap="square" rtlCol="0">
+            <a:spAutoFit/>
+          </a:bodyPr>
+          <a:lstStyle/>
+          <a:p>
+            <a:pPr algn="ctr"/>
+            <a:r>
+              <a:rPr lang="en-US" sz="2800" b="1" dirty="0"/>
+              <a:t>B</a:t>
+            </a:r>
+          </a:p>
+        </p:txBody>
+      </p:sp>
+      <p:sp>
+        <p:nvSpPr>
+          <p:cNvPr id="14" name="Oval 13">
+            <a:extLst>
+              <a:ext uri="{FF2B5EF4-FFF2-40B4-BE49-F238E27FC236}">
+                <a16:creationId xmlns:a16="http://schemas.microsoft.com/office/drawing/2014/main" id="{BC52FB88-7863-0C1F-9DEB-1ED62CA11BF8}"/>
+              </a:ext>
+            </a:extLst>
+          </p:cNvPr>
+          <p:cNvSpPr/>
+          <p:nvPr/>
+        </p:nvSpPr>
+        <p:spPr>
+          <a:xfrm>
+            <a:off x="5390226" y="3260323"/>
+            <a:ext cx="177553" cy="168677"/>
+          </a:xfrm>
+          <a:prstGeom prst="ellipse">
+            <a:avLst/>
+          </a:prstGeom>
+          <a:ln w="28575"/>
+        </p:spPr>
+        <p:style>
+          <a:lnRef idx="2">
+            <a:schemeClr val="accent2">
+              <a:shade val="15000"/>
+            </a:schemeClr>
+          </a:lnRef>
+          <a:fillRef idx="1">
+            <a:schemeClr val="accent2"/>
+          </a:fillRef>
+          <a:effectRef idx="0">
+            <a:schemeClr val="accent2"/>
+          </a:effectRef>
+          <a:fontRef idx="minor">
+            <a:schemeClr val="lt1"/>
+          </a:fontRef>
+        </p:style>
+        <p:txBody>
+          <a:bodyPr rtlCol="0" anchor="ctr"/>
+          <a:lstStyle/>
+          <a:p>
+            <a:pPr algn="ctr"/>
+            <a:endParaRPr lang="en-US"/>
+          </a:p>
+        </p:txBody>
+      </p:sp>
+      <p:sp>
+        <p:nvSpPr>
+          <p:cNvPr id="15" name="TextBox 14">
+            <a:extLst>
+              <a:ext uri="{FF2B5EF4-FFF2-40B4-BE49-F238E27FC236}">
+                <a16:creationId xmlns:a16="http://schemas.microsoft.com/office/drawing/2014/main" id="{CD82037B-E53A-AC5B-2CD0-244CF52C841A}"/>
+              </a:ext>
+            </a:extLst>
+          </p:cNvPr>
+          <p:cNvSpPr txBox="1"/>
+          <p:nvPr/>
+        </p:nvSpPr>
+        <p:spPr>
+          <a:xfrm>
+            <a:off x="5567779" y="2998713"/>
+            <a:ext cx="353406" cy="523220"/>
+          </a:xfrm>
+          <a:prstGeom prst="rect">
+            <a:avLst/>
+          </a:prstGeom>
+          <a:noFill/>
+        </p:spPr>
+        <p:txBody>
+          <a:bodyPr wrap="square" rtlCol="0">
+            <a:spAutoFit/>
+          </a:bodyPr>
+          <a:lstStyle/>
+          <a:p>
+            <a:pPr algn="ctr"/>
+            <a:r>
+              <a:rPr lang="en-US" sz="2800" b="1" dirty="0"/>
+              <a:t>C</a:t>
+            </a:r>
+          </a:p>
+        </p:txBody>
+      </p:sp>
+    </p:spTree>
+    <p:extLst>
+      <p:ext uri="{BB962C8B-B14F-4D97-AF65-F5344CB8AC3E}">
+        <p14:creationId xmlns:p14="http://schemas.microsoft.com/office/powerpoint/2010/main" val="2185732622"/>
+      </p:ext>
+    </p:extLst>
+  </p:cSld>
+  <p:clrMapOvr>
+    <a:masterClrMapping/>
+  </p:clrMapOvr>
+</p:sld>
+</file>
+
 <file path=ppt/slides/slide2.xml><?xml version="1.0" encoding="utf-8"?>
 <p:sld xmlns:a="http://schemas.openxmlformats.org/drawingml/2006/main" xmlns:r="http://schemas.openxmlformats.org/officeDocument/2006/relationships" xmlns:p="http://schemas.openxmlformats.org/presentationml/2006/main">
   <p:cSld>
@@ -6142,8 +7561,8 @@
           <a:chExt cx="0" cy="0"/>
         </a:xfrm>
       </p:grpSpPr>
-      <mc:AlternateContent xmlns:mc="http://schemas.openxmlformats.org/markup-compatibility/2006">
-        <mc:Choice xmlns:a14="http://schemas.microsoft.com/office/drawing/2010/main" Requires="a14">
+      <mc:AlternateContent xmlns:mc="http://schemas.openxmlformats.org/markup-compatibility/2006" xmlns:a14="http://schemas.microsoft.com/office/drawing/2010/main">
+        <mc:Choice Requires="a14">
           <p:sp>
             <p:nvSpPr>
               <p:cNvPr id="26" name="TextBox 25">
@@ -6200,7 +7619,7 @@
             </p:txBody>
           </p:sp>
         </mc:Choice>
-        <mc:Fallback>
+        <mc:Fallback xmlns="">
           <p:sp>
             <p:nvSpPr>
               <p:cNvPr id="26" name="TextBox 25">
@@ -6245,8 +7664,8 @@
           </p:sp>
         </mc:Fallback>
       </mc:AlternateContent>
-      <mc:AlternateContent xmlns:mc="http://schemas.openxmlformats.org/markup-compatibility/2006">
-        <mc:Choice xmlns:a14="http://schemas.microsoft.com/office/drawing/2010/main" Requires="a14">
+      <mc:AlternateContent xmlns:mc="http://schemas.openxmlformats.org/markup-compatibility/2006" xmlns:a14="http://schemas.microsoft.com/office/drawing/2010/main">
+        <mc:Choice Requires="a14">
           <p:sp>
             <p:nvSpPr>
               <p:cNvPr id="27" name="TextBox 26">
@@ -6303,7 +7722,7 @@
             </p:txBody>
           </p:sp>
         </mc:Choice>
-        <mc:Fallback>
+        <mc:Fallback xmlns="">
           <p:sp>
             <p:nvSpPr>
               <p:cNvPr id="27" name="TextBox 26">
@@ -6570,8 +7989,8 @@
           </a:p>
         </p:txBody>
       </p:sp>
-      <mc:AlternateContent xmlns:mc="http://schemas.openxmlformats.org/markup-compatibility/2006">
-        <mc:Choice xmlns:a14="http://schemas.microsoft.com/office/drawing/2010/main" Requires="a14">
+      <mc:AlternateContent xmlns:mc="http://schemas.openxmlformats.org/markup-compatibility/2006" xmlns:a14="http://schemas.microsoft.com/office/drawing/2010/main">
+        <mc:Choice Requires="a14">
           <p:sp>
             <p:nvSpPr>
               <p:cNvPr id="15" name="TextBox 14">
@@ -6678,7 +8097,7 @@
             </p:txBody>
           </p:sp>
         </mc:Choice>
-        <mc:Fallback>
+        <mc:Fallback xmlns="">
           <p:sp>
             <p:nvSpPr>
               <p:cNvPr id="15" name="TextBox 14">
@@ -6723,8 +8142,8 @@
           </p:sp>
         </mc:Fallback>
       </mc:AlternateContent>
-      <mc:AlternateContent xmlns:mc="http://schemas.openxmlformats.org/markup-compatibility/2006">
-        <mc:Choice xmlns:a14="http://schemas.microsoft.com/office/drawing/2010/main" Requires="a14">
+      <mc:AlternateContent xmlns:mc="http://schemas.openxmlformats.org/markup-compatibility/2006" xmlns:a14="http://schemas.microsoft.com/office/drawing/2010/main">
+        <mc:Choice Requires="a14">
           <p:sp>
             <p:nvSpPr>
               <p:cNvPr id="16" name="TextBox 15">
@@ -6831,7 +8250,7 @@
             </p:txBody>
           </p:sp>
         </mc:Choice>
-        <mc:Fallback>
+        <mc:Fallback xmlns="">
           <p:sp>
             <p:nvSpPr>
               <p:cNvPr id="16" name="TextBox 15">
@@ -6906,8 +8325,8 @@
           <a:chExt cx="0" cy="0"/>
         </a:xfrm>
       </p:grpSpPr>
-      <mc:AlternateContent xmlns:mc="http://schemas.openxmlformats.org/markup-compatibility/2006">
-        <mc:Choice xmlns:a14="http://schemas.microsoft.com/office/drawing/2010/main" Requires="a14">
+      <mc:AlternateContent xmlns:mc="http://schemas.openxmlformats.org/markup-compatibility/2006" xmlns:a14="http://schemas.microsoft.com/office/drawing/2010/main">
+        <mc:Choice Requires="a14">
           <p:sp>
             <p:nvSpPr>
               <p:cNvPr id="26" name="TextBox 25">
@@ -6964,7 +8383,7 @@
             </p:txBody>
           </p:sp>
         </mc:Choice>
-        <mc:Fallback>
+        <mc:Fallback xmlns="">
           <p:sp>
             <p:nvSpPr>
               <p:cNvPr id="26" name="TextBox 25">
@@ -7009,8 +8428,8 @@
           </p:sp>
         </mc:Fallback>
       </mc:AlternateContent>
-      <mc:AlternateContent xmlns:mc="http://schemas.openxmlformats.org/markup-compatibility/2006">
-        <mc:Choice xmlns:a14="http://schemas.microsoft.com/office/drawing/2010/main" Requires="a14">
+      <mc:AlternateContent xmlns:mc="http://schemas.openxmlformats.org/markup-compatibility/2006" xmlns:a14="http://schemas.microsoft.com/office/drawing/2010/main">
+        <mc:Choice Requires="a14">
           <p:sp>
             <p:nvSpPr>
               <p:cNvPr id="27" name="TextBox 26">
@@ -7067,7 +8486,7 @@
             </p:txBody>
           </p:sp>
         </mc:Choice>
-        <mc:Fallback>
+        <mc:Fallback xmlns="">
           <p:sp>
             <p:nvSpPr>
               <p:cNvPr id="27" name="TextBox 26">
@@ -7155,8 +8574,8 @@
           </a:fontRef>
         </p:style>
       </p:cxnSp>
-      <mc:AlternateContent xmlns:mc="http://schemas.openxmlformats.org/markup-compatibility/2006">
-        <mc:Choice xmlns:a14="http://schemas.microsoft.com/office/drawing/2010/main" Requires="a14">
+      <mc:AlternateContent xmlns:mc="http://schemas.openxmlformats.org/markup-compatibility/2006" xmlns:a14="http://schemas.microsoft.com/office/drawing/2010/main">
+        <mc:Choice Requires="a14">
           <p:sp>
             <p:nvSpPr>
               <p:cNvPr id="15" name="TextBox 14">
@@ -7263,7 +8682,7 @@
             </p:txBody>
           </p:sp>
         </mc:Choice>
-        <mc:Fallback>
+        <mc:Fallback xmlns="">
           <p:sp>
             <p:nvSpPr>
               <p:cNvPr id="15" name="TextBox 14">
@@ -7308,8 +8727,8 @@
           </p:sp>
         </mc:Fallback>
       </mc:AlternateContent>
-      <mc:AlternateContent xmlns:mc="http://schemas.openxmlformats.org/markup-compatibility/2006">
-        <mc:Choice xmlns:a14="http://schemas.microsoft.com/office/drawing/2010/main" Requires="a14">
+      <mc:AlternateContent xmlns:mc="http://schemas.openxmlformats.org/markup-compatibility/2006" xmlns:a14="http://schemas.microsoft.com/office/drawing/2010/main">
+        <mc:Choice Requires="a14">
           <p:sp>
             <p:nvSpPr>
               <p:cNvPr id="16" name="TextBox 15">
@@ -7416,7 +8835,7 @@
             </p:txBody>
           </p:sp>
         </mc:Choice>
-        <mc:Fallback>
+        <mc:Fallback xmlns="">
           <p:sp>
             <p:nvSpPr>
               <p:cNvPr id="16" name="TextBox 15">
@@ -7543,8 +8962,8 @@
           </a:fontRef>
         </p:style>
       </p:cxnSp>
-      <mc:AlternateContent xmlns:mc="http://schemas.openxmlformats.org/markup-compatibility/2006">
-        <mc:Choice xmlns:a14="http://schemas.microsoft.com/office/drawing/2010/main" Requires="a14">
+      <mc:AlternateContent xmlns:mc="http://schemas.openxmlformats.org/markup-compatibility/2006" xmlns:a14="http://schemas.microsoft.com/office/drawing/2010/main">
+        <mc:Choice Requires="a14">
           <p:sp>
             <p:nvSpPr>
               <p:cNvPr id="7" name="TextBox 6">
@@ -7651,7 +9070,7 @@
             </p:txBody>
           </p:sp>
         </mc:Choice>
-        <mc:Fallback>
+        <mc:Fallback xmlns="">
           <p:sp>
             <p:nvSpPr>
               <p:cNvPr id="7" name="TextBox 6">
@@ -7696,8 +9115,8 @@
           </p:sp>
         </mc:Fallback>
       </mc:AlternateContent>
-      <mc:AlternateContent xmlns:mc="http://schemas.openxmlformats.org/markup-compatibility/2006">
-        <mc:Choice xmlns:a14="http://schemas.microsoft.com/office/drawing/2010/main" Requires="a14">
+      <mc:AlternateContent xmlns:mc="http://schemas.openxmlformats.org/markup-compatibility/2006" xmlns:a14="http://schemas.microsoft.com/office/drawing/2010/main">
+        <mc:Choice Requires="a14">
           <p:sp>
             <p:nvSpPr>
               <p:cNvPr id="9" name="TextBox 8">
@@ -7804,7 +9223,7 @@
             </p:txBody>
           </p:sp>
         </mc:Choice>
-        <mc:Fallback>
+        <mc:Fallback xmlns="">
           <p:sp>
             <p:nvSpPr>
               <p:cNvPr id="9" name="TextBox 8">
@@ -7849,8 +9268,8 @@
           </p:sp>
         </mc:Fallback>
       </mc:AlternateContent>
-      <mc:AlternateContent xmlns:mc="http://schemas.openxmlformats.org/markup-compatibility/2006">
-        <mc:Choice xmlns:a14="http://schemas.microsoft.com/office/drawing/2010/main" Requires="a14">
+      <mc:AlternateContent xmlns:mc="http://schemas.openxmlformats.org/markup-compatibility/2006" xmlns:a14="http://schemas.microsoft.com/office/drawing/2010/main">
+        <mc:Choice Requires="a14">
           <p:sp>
             <p:nvSpPr>
               <p:cNvPr id="10" name="TextBox 9">
@@ -7941,7 +9360,7 @@
             </p:txBody>
           </p:sp>
         </mc:Choice>
-        <mc:Fallback>
+        <mc:Fallback xmlns="">
           <p:sp>
             <p:nvSpPr>
               <p:cNvPr id="10" name="TextBox 9">
@@ -7986,8 +9405,8 @@
           </p:sp>
         </mc:Fallback>
       </mc:AlternateContent>
-      <mc:AlternateContent xmlns:mc="http://schemas.openxmlformats.org/markup-compatibility/2006">
-        <mc:Choice xmlns:a14="http://schemas.microsoft.com/office/drawing/2010/main" Requires="a14">
+      <mc:AlternateContent xmlns:mc="http://schemas.openxmlformats.org/markup-compatibility/2006" xmlns:a14="http://schemas.microsoft.com/office/drawing/2010/main">
+        <mc:Choice Requires="a14">
           <p:sp>
             <p:nvSpPr>
               <p:cNvPr id="11" name="TextBox 10">
@@ -8078,7 +9497,7 @@
             </p:txBody>
           </p:sp>
         </mc:Choice>
-        <mc:Fallback>
+        <mc:Fallback xmlns="">
           <p:sp>
             <p:nvSpPr>
               <p:cNvPr id="11" name="TextBox 10">
@@ -8324,8 +9743,8 @@
           <a:chExt cx="0" cy="0"/>
         </a:xfrm>
       </p:grpSpPr>
-      <mc:AlternateContent xmlns:mc="http://schemas.openxmlformats.org/markup-compatibility/2006">
-        <mc:Choice xmlns:a14="http://schemas.microsoft.com/office/drawing/2010/main" Requires="a14">
+      <mc:AlternateContent xmlns:mc="http://schemas.openxmlformats.org/markup-compatibility/2006" xmlns:a14="http://schemas.microsoft.com/office/drawing/2010/main">
+        <mc:Choice Requires="a14">
           <p:sp>
             <p:nvSpPr>
               <p:cNvPr id="26" name="TextBox 25">
@@ -8382,7 +9801,7 @@
             </p:txBody>
           </p:sp>
         </mc:Choice>
-        <mc:Fallback>
+        <mc:Fallback xmlns="">
           <p:sp>
             <p:nvSpPr>
               <p:cNvPr id="26" name="TextBox 25">
@@ -8427,8 +9846,8 @@
           </p:sp>
         </mc:Fallback>
       </mc:AlternateContent>
-      <mc:AlternateContent xmlns:mc="http://schemas.openxmlformats.org/markup-compatibility/2006">
-        <mc:Choice xmlns:a14="http://schemas.microsoft.com/office/drawing/2010/main" Requires="a14">
+      <mc:AlternateContent xmlns:mc="http://schemas.openxmlformats.org/markup-compatibility/2006" xmlns:a14="http://schemas.microsoft.com/office/drawing/2010/main">
+        <mc:Choice Requires="a14">
           <p:sp>
             <p:nvSpPr>
               <p:cNvPr id="27" name="TextBox 26">
@@ -8485,7 +9904,7 @@
             </p:txBody>
           </p:sp>
         </mc:Choice>
-        <mc:Fallback>
+        <mc:Fallback xmlns="">
           <p:sp>
             <p:nvSpPr>
               <p:cNvPr id="27" name="TextBox 26">
@@ -8573,8 +9992,8 @@
           </a:fontRef>
         </p:style>
       </p:cxnSp>
-      <mc:AlternateContent xmlns:mc="http://schemas.openxmlformats.org/markup-compatibility/2006">
-        <mc:Choice xmlns:a14="http://schemas.microsoft.com/office/drawing/2010/main" Requires="a14">
+      <mc:AlternateContent xmlns:mc="http://schemas.openxmlformats.org/markup-compatibility/2006" xmlns:a14="http://schemas.microsoft.com/office/drawing/2010/main">
+        <mc:Choice Requires="a14">
           <p:sp>
             <p:nvSpPr>
               <p:cNvPr id="16" name="TextBox 15">
@@ -8681,7 +10100,7 @@
             </p:txBody>
           </p:sp>
         </mc:Choice>
-        <mc:Fallback>
+        <mc:Fallback xmlns="">
           <p:sp>
             <p:nvSpPr>
               <p:cNvPr id="16" name="TextBox 15">
@@ -8808,8 +10227,8 @@
           </a:fontRef>
         </p:style>
       </p:cxnSp>
-      <mc:AlternateContent xmlns:mc="http://schemas.openxmlformats.org/markup-compatibility/2006">
-        <mc:Choice xmlns:a14="http://schemas.microsoft.com/office/drawing/2010/main" Requires="a14">
+      <mc:AlternateContent xmlns:mc="http://schemas.openxmlformats.org/markup-compatibility/2006" xmlns:a14="http://schemas.microsoft.com/office/drawing/2010/main">
+        <mc:Choice Requires="a14">
           <p:sp>
             <p:nvSpPr>
               <p:cNvPr id="7" name="TextBox 6">
@@ -8916,7 +10335,7 @@
             </p:txBody>
           </p:sp>
         </mc:Choice>
-        <mc:Fallback>
+        <mc:Fallback xmlns="">
           <p:sp>
             <p:nvSpPr>
               <p:cNvPr id="7" name="TextBox 6">
@@ -8961,8 +10380,8 @@
           </p:sp>
         </mc:Fallback>
       </mc:AlternateContent>
-      <mc:AlternateContent xmlns:mc="http://schemas.openxmlformats.org/markup-compatibility/2006">
-        <mc:Choice xmlns:a14="http://schemas.microsoft.com/office/drawing/2010/main" Requires="a14">
+      <mc:AlternateContent xmlns:mc="http://schemas.openxmlformats.org/markup-compatibility/2006" xmlns:a14="http://schemas.microsoft.com/office/drawing/2010/main">
+        <mc:Choice Requires="a14">
           <p:sp>
             <p:nvSpPr>
               <p:cNvPr id="10" name="TextBox 9">
@@ -9053,7 +10472,7 @@
             </p:txBody>
           </p:sp>
         </mc:Choice>
-        <mc:Fallback>
+        <mc:Fallback xmlns="">
           <p:sp>
             <p:nvSpPr>
               <p:cNvPr id="10" name="TextBox 9">
@@ -9098,8 +10517,8 @@
           </p:sp>
         </mc:Fallback>
       </mc:AlternateContent>
-      <mc:AlternateContent xmlns:mc="http://schemas.openxmlformats.org/markup-compatibility/2006">
-        <mc:Choice xmlns:a14="http://schemas.microsoft.com/office/drawing/2010/main" Requires="a14">
+      <mc:AlternateContent xmlns:mc="http://schemas.openxmlformats.org/markup-compatibility/2006" xmlns:a14="http://schemas.microsoft.com/office/drawing/2010/main">
+        <mc:Choice Requires="a14">
           <p:sp>
             <p:nvSpPr>
               <p:cNvPr id="11" name="TextBox 10">
@@ -9190,7 +10609,7 @@
             </p:txBody>
           </p:sp>
         </mc:Choice>
-        <mc:Fallback>
+        <mc:Fallback xmlns="">
           <p:sp>
             <p:nvSpPr>
               <p:cNvPr id="11" name="TextBox 10">
@@ -9406,8 +10825,8 @@
           </a:p>
         </p:txBody>
       </p:sp>
-      <mc:AlternateContent xmlns:mc="http://schemas.openxmlformats.org/markup-compatibility/2006">
-        <mc:Choice xmlns:a14="http://schemas.microsoft.com/office/drawing/2010/main" Requires="a14">
+      <mc:AlternateContent xmlns:mc="http://schemas.openxmlformats.org/markup-compatibility/2006" xmlns:a14="http://schemas.microsoft.com/office/drawing/2010/main">
+        <mc:Choice Requires="a14">
           <p:sp>
             <p:nvSpPr>
               <p:cNvPr id="18" name="TextBox 17">
@@ -9514,7 +10933,7 @@
             </p:txBody>
           </p:sp>
         </mc:Choice>
-        <mc:Fallback>
+        <mc:Fallback xmlns="">
           <p:sp>
             <p:nvSpPr>
               <p:cNvPr id="18" name="TextBox 17">
@@ -9559,8 +10978,8 @@
           </p:sp>
         </mc:Fallback>
       </mc:AlternateContent>
-      <mc:AlternateContent xmlns:mc="http://schemas.openxmlformats.org/markup-compatibility/2006">
-        <mc:Choice xmlns:a14="http://schemas.microsoft.com/office/drawing/2010/main" Requires="a14">
+      <mc:AlternateContent xmlns:mc="http://schemas.openxmlformats.org/markup-compatibility/2006" xmlns:a14="http://schemas.microsoft.com/office/drawing/2010/main">
+        <mc:Choice Requires="a14">
           <p:sp>
             <p:nvSpPr>
               <p:cNvPr id="19" name="TextBox 18">
@@ -9667,7 +11086,7 @@
             </p:txBody>
           </p:sp>
         </mc:Choice>
-        <mc:Fallback>
+        <mc:Fallback xmlns="">
           <p:sp>
             <p:nvSpPr>
               <p:cNvPr id="19" name="TextBox 18">
@@ -9716,6 +11135,3627 @@
     <p:extLst>
       <p:ext uri="{BB962C8B-B14F-4D97-AF65-F5344CB8AC3E}">
         <p14:creationId xmlns:p14="http://schemas.microsoft.com/office/powerpoint/2010/main" val="24738882"/>
+      </p:ext>
+    </p:extLst>
+  </p:cSld>
+  <p:clrMapOvr>
+    <a:masterClrMapping/>
+  </p:clrMapOvr>
+</p:sld>
+</file>
+
+<file path=ppt/slides/slide6.xml><?xml version="1.0" encoding="utf-8"?>
+<p:sld xmlns:a="http://schemas.openxmlformats.org/drawingml/2006/main" xmlns:r="http://schemas.openxmlformats.org/officeDocument/2006/relationships" xmlns:p="http://schemas.openxmlformats.org/presentationml/2006/main">
+  <p:cSld>
+    <p:spTree>
+      <p:nvGrpSpPr>
+        <p:cNvPr id="1" name=""/>
+        <p:cNvGrpSpPr/>
+        <p:nvPr/>
+      </p:nvGrpSpPr>
+      <p:grpSpPr>
+        <a:xfrm>
+          <a:off x="0" y="0"/>
+          <a:ext cx="0" cy="0"/>
+          <a:chOff x="0" y="0"/>
+          <a:chExt cx="0" cy="0"/>
+        </a:xfrm>
+      </p:grpSpPr>
+      <p:sp>
+        <p:nvSpPr>
+          <p:cNvPr id="4" name="Freeform: Shape 3">
+            <a:extLst>
+              <a:ext uri="{FF2B5EF4-FFF2-40B4-BE49-F238E27FC236}">
+                <a16:creationId xmlns:a16="http://schemas.microsoft.com/office/drawing/2014/main" id="{B65C9A94-CBFB-F814-7A05-17AB5DA3F79D}"/>
+              </a:ext>
+            </a:extLst>
+          </p:cNvPr>
+          <p:cNvSpPr/>
+          <p:nvPr/>
+        </p:nvSpPr>
+        <p:spPr>
+          <a:xfrm>
+            <a:off x="2286000" y="395306"/>
+            <a:ext cx="7601613" cy="5637321"/>
+          </a:xfrm>
+          <a:custGeom>
+            <a:avLst/>
+            <a:gdLst>
+              <a:gd name="connsiteX0" fmla="*/ 0 w 10227076"/>
+              <a:gd name="connsiteY0" fmla="*/ 0 h 5637321"/>
+              <a:gd name="connsiteX1" fmla="*/ 35511 w 10227076"/>
+              <a:gd name="connsiteY1" fmla="*/ 5637321 h 5637321"/>
+              <a:gd name="connsiteX2" fmla="*/ 10227076 w 10227076"/>
+              <a:gd name="connsiteY2" fmla="*/ 5584055 h 5637321"/>
+            </a:gdLst>
+            <a:ahLst/>
+            <a:cxnLst>
+              <a:cxn ang="0">
+                <a:pos x="connsiteX0" y="connsiteY0"/>
+              </a:cxn>
+              <a:cxn ang="0">
+                <a:pos x="connsiteX1" y="connsiteY1"/>
+              </a:cxn>
+              <a:cxn ang="0">
+                <a:pos x="connsiteX2" y="connsiteY2"/>
+              </a:cxn>
+            </a:cxnLst>
+            <a:rect l="l" t="t" r="r" b="b"/>
+            <a:pathLst>
+              <a:path w="10227076" h="5637321">
+                <a:moveTo>
+                  <a:pt x="0" y="0"/>
+                </a:moveTo>
+                <a:lnTo>
+                  <a:pt x="35511" y="5637321"/>
+                </a:lnTo>
+                <a:lnTo>
+                  <a:pt x="10227076" y="5584055"/>
+                </a:lnTo>
+              </a:path>
+            </a:pathLst>
+          </a:custGeom>
+          <a:ln w="38100"/>
+        </p:spPr>
+        <p:style>
+          <a:lnRef idx="3">
+            <a:schemeClr val="dk1"/>
+          </a:lnRef>
+          <a:fillRef idx="0">
+            <a:schemeClr val="dk1"/>
+          </a:fillRef>
+          <a:effectRef idx="2">
+            <a:schemeClr val="dk1"/>
+          </a:effectRef>
+          <a:fontRef idx="minor">
+            <a:schemeClr val="tx1"/>
+          </a:fontRef>
+        </p:style>
+        <p:txBody>
+          <a:bodyPr rtlCol="0" anchor="ctr"/>
+          <a:lstStyle/>
+          <a:p>
+            <a:pPr algn="ctr"/>
+            <a:endParaRPr lang="en-US" dirty="0"/>
+          </a:p>
+        </p:txBody>
+      </p:sp>
+      <mc:AlternateContent xmlns:mc="http://schemas.openxmlformats.org/markup-compatibility/2006">
+        <mc:Choice xmlns:a14="http://schemas.microsoft.com/office/drawing/2010/main" Requires="a14">
+          <p:sp>
+            <p:nvSpPr>
+              <p:cNvPr id="12" name="TextBox 11">
+                <a:extLst>
+                  <a:ext uri="{FF2B5EF4-FFF2-40B4-BE49-F238E27FC236}">
+                    <a16:creationId xmlns:a16="http://schemas.microsoft.com/office/drawing/2014/main" id="{DAED415C-CF0F-CC44-8622-A9FD8ADB6B6C}"/>
+                  </a:ext>
+                </a:extLst>
+              </p:cNvPr>
+              <p:cNvSpPr txBox="1"/>
+              <p:nvPr/>
+            </p:nvSpPr>
+            <p:spPr>
+              <a:xfrm>
+                <a:off x="8704284" y="4532693"/>
+                <a:ext cx="1001647" cy="707886"/>
+              </a:xfrm>
+              <a:prstGeom prst="rect">
+                <a:avLst/>
+              </a:prstGeom>
+              <a:noFill/>
+            </p:spPr>
+            <p:txBody>
+              <a:bodyPr wrap="square" rtlCol="0">
+                <a:spAutoFit/>
+              </a:bodyPr>
+              <a:lstStyle/>
+              <a:p>
+                <a:pPr/>
+                <a14:m>
+                  <m:oMathPara xmlns:m="http://schemas.openxmlformats.org/officeDocument/2006/math">
+                    <m:oMathParaPr>
+                      <m:jc m:val="centerGroup"/>
+                    </m:oMathParaPr>
+                    <m:oMath xmlns:m="http://schemas.openxmlformats.org/officeDocument/2006/math">
+                      <m:acc>
+                        <m:accPr>
+                          <m:chr m:val="̅"/>
+                          <m:ctrlPr>
+                            <a:rPr lang="en-US" sz="4000" b="1" i="1" smtClean="0">
+                              <a:solidFill>
+                                <a:schemeClr val="accent1"/>
+                              </a:solidFill>
+                              <a:latin typeface="Cambria Math" panose="02040503050406030204" pitchFamily="18" charset="0"/>
+                            </a:rPr>
+                          </m:ctrlPr>
+                        </m:accPr>
+                        <m:e>
+                          <m:r>
+                            <a:rPr lang="en-US" sz="4000" b="1" i="1" smtClean="0">
+                              <a:solidFill>
+                                <a:schemeClr val="accent1"/>
+                              </a:solidFill>
+                              <a:latin typeface="Cambria Math" panose="02040503050406030204" pitchFamily="18" charset="0"/>
+                            </a:rPr>
+                            <m:t>𝑼</m:t>
+                          </m:r>
+                        </m:e>
+                      </m:acc>
+                    </m:oMath>
+                  </m:oMathPara>
+                </a14:m>
+                <a:endParaRPr lang="en-US" sz="4000" b="1" dirty="0">
+                  <a:solidFill>
+                    <a:schemeClr val="accent1"/>
+                  </a:solidFill>
+                </a:endParaRPr>
+              </a:p>
+            </p:txBody>
+          </p:sp>
+        </mc:Choice>
+        <mc:Fallback>
+          <p:sp>
+            <p:nvSpPr>
+              <p:cNvPr id="12" name="TextBox 11">
+                <a:extLst>
+                  <a:ext uri="{FF2B5EF4-FFF2-40B4-BE49-F238E27FC236}">
+                    <a16:creationId xmlns:a16="http://schemas.microsoft.com/office/drawing/2014/main" id="{DAED415C-CF0F-CC44-8622-A9FD8ADB6B6C}"/>
+                  </a:ext>
+                </a:extLst>
+              </p:cNvPr>
+              <p:cNvSpPr txBox="1">
+                <a:spLocks noRot="1" noChangeAspect="1" noMove="1" noResize="1" noEditPoints="1" noAdjustHandles="1" noChangeArrowheads="1" noChangeShapeType="1" noTextEdit="1"/>
+              </p:cNvSpPr>
+              <p:nvPr/>
+            </p:nvSpPr>
+            <p:spPr>
+              <a:xfrm>
+                <a:off x="8704284" y="4532693"/>
+                <a:ext cx="1001647" cy="707886"/>
+              </a:xfrm>
+              <a:prstGeom prst="rect">
+                <a:avLst/>
+              </a:prstGeom>
+              <a:blipFill>
+                <a:blip r:embed="rId2"/>
+                <a:stretch>
+                  <a:fillRect/>
+                </a:stretch>
+              </a:blipFill>
+            </p:spPr>
+            <p:txBody>
+              <a:bodyPr/>
+              <a:lstStyle/>
+              <a:p>
+                <a:r>
+                  <a:rPr lang="en-US">
+                    <a:noFill/>
+                  </a:rPr>
+                  <a:t> </a:t>
+                </a:r>
+              </a:p>
+            </p:txBody>
+          </p:sp>
+        </mc:Fallback>
+      </mc:AlternateContent>
+      <p:sp>
+        <p:nvSpPr>
+          <p:cNvPr id="7" name="Freeform: Shape 6">
+            <a:extLst>
+              <a:ext uri="{FF2B5EF4-FFF2-40B4-BE49-F238E27FC236}">
+                <a16:creationId xmlns:a16="http://schemas.microsoft.com/office/drawing/2014/main" id="{380AAB9F-7B45-44A9-20E9-9D867D4082A5}"/>
+              </a:ext>
+            </a:extLst>
+          </p:cNvPr>
+          <p:cNvSpPr/>
+          <p:nvPr/>
+        </p:nvSpPr>
+        <p:spPr>
+          <a:xfrm rot="315851">
+            <a:off x="3678426" y="1560514"/>
+            <a:ext cx="5442371" cy="3052073"/>
+          </a:xfrm>
+          <a:custGeom>
+            <a:avLst/>
+            <a:gdLst>
+              <a:gd name="connsiteX0" fmla="*/ 0 w 5308846"/>
+              <a:gd name="connsiteY0" fmla="*/ 0 h 3062796"/>
+              <a:gd name="connsiteX1" fmla="*/ 665825 w 5308846"/>
+              <a:gd name="connsiteY1" fmla="*/ 1242874 h 3062796"/>
+              <a:gd name="connsiteX2" fmla="*/ 1899821 w 5308846"/>
+              <a:gd name="connsiteY2" fmla="*/ 2219417 h 3062796"/>
+              <a:gd name="connsiteX3" fmla="*/ 3559945 w 5308846"/>
+              <a:gd name="connsiteY3" fmla="*/ 2823099 h 3062796"/>
+              <a:gd name="connsiteX4" fmla="*/ 5308846 w 5308846"/>
+              <a:gd name="connsiteY4" fmla="*/ 3062796 h 3062796"/>
+            </a:gdLst>
+            <a:ahLst/>
+            <a:cxnLst>
+              <a:cxn ang="0">
+                <a:pos x="connsiteX0" y="connsiteY0"/>
+              </a:cxn>
+              <a:cxn ang="0">
+                <a:pos x="connsiteX1" y="connsiteY1"/>
+              </a:cxn>
+              <a:cxn ang="0">
+                <a:pos x="connsiteX2" y="connsiteY2"/>
+              </a:cxn>
+              <a:cxn ang="0">
+                <a:pos x="connsiteX3" y="connsiteY3"/>
+              </a:cxn>
+              <a:cxn ang="0">
+                <a:pos x="connsiteX4" y="connsiteY4"/>
+              </a:cxn>
+            </a:cxnLst>
+            <a:rect l="l" t="t" r="r" b="b"/>
+            <a:pathLst>
+              <a:path w="5308846" h="3062796">
+                <a:moveTo>
+                  <a:pt x="0" y="0"/>
+                </a:moveTo>
+                <a:cubicBezTo>
+                  <a:pt x="174594" y="436485"/>
+                  <a:pt x="349188" y="872971"/>
+                  <a:pt x="665825" y="1242874"/>
+                </a:cubicBezTo>
+                <a:cubicBezTo>
+                  <a:pt x="982462" y="1612777"/>
+                  <a:pt x="1417468" y="1956046"/>
+                  <a:pt x="1899821" y="2219417"/>
+                </a:cubicBezTo>
+                <a:cubicBezTo>
+                  <a:pt x="2382174" y="2482788"/>
+                  <a:pt x="2991774" y="2682536"/>
+                  <a:pt x="3559945" y="2823099"/>
+                </a:cubicBezTo>
+                <a:cubicBezTo>
+                  <a:pt x="4128116" y="2963662"/>
+                  <a:pt x="4718481" y="3013229"/>
+                  <a:pt x="5308846" y="3062796"/>
+                </a:cubicBezTo>
+              </a:path>
+            </a:pathLst>
+          </a:custGeom>
+          <a:ln w="57150" cap="flat" cmpd="sng" algn="ctr">
+            <a:solidFill>
+              <a:schemeClr val="accent1"/>
+            </a:solidFill>
+            <a:prstDash val="solid"/>
+            <a:round/>
+            <a:headEnd type="none" w="med" len="med"/>
+            <a:tailEnd type="arrow" w="med" len="med"/>
+          </a:ln>
+        </p:spPr>
+        <p:style>
+          <a:lnRef idx="0">
+            <a:scrgbClr r="0" g="0" b="0"/>
+          </a:lnRef>
+          <a:fillRef idx="0">
+            <a:scrgbClr r="0" g="0" b="0"/>
+          </a:fillRef>
+          <a:effectRef idx="0">
+            <a:scrgbClr r="0" g="0" b="0"/>
+          </a:effectRef>
+          <a:fontRef idx="minor">
+            <a:schemeClr val="tx1"/>
+          </a:fontRef>
+        </p:style>
+        <p:txBody>
+          <a:bodyPr rtlCol="0" anchor="ctr"/>
+          <a:lstStyle/>
+          <a:p>
+            <a:pPr algn="ctr"/>
+            <a:endParaRPr lang="en-US"/>
+          </a:p>
+        </p:txBody>
+      </p:sp>
+    </p:spTree>
+    <p:extLst>
+      <p:ext uri="{BB962C8B-B14F-4D97-AF65-F5344CB8AC3E}">
+        <p14:creationId xmlns:p14="http://schemas.microsoft.com/office/powerpoint/2010/main" val="2274035504"/>
+      </p:ext>
+    </p:extLst>
+  </p:cSld>
+  <p:clrMapOvr>
+    <a:masterClrMapping/>
+  </p:clrMapOvr>
+</p:sld>
+</file>
+
+<file path=ppt/slides/slide7.xml><?xml version="1.0" encoding="utf-8"?>
+<p:sld xmlns:a="http://schemas.openxmlformats.org/drawingml/2006/main" xmlns:r="http://schemas.openxmlformats.org/officeDocument/2006/relationships" xmlns:p="http://schemas.openxmlformats.org/presentationml/2006/main">
+  <p:cSld>
+    <p:spTree>
+      <p:nvGrpSpPr>
+        <p:cNvPr id="1" name=""/>
+        <p:cNvGrpSpPr/>
+        <p:nvPr/>
+      </p:nvGrpSpPr>
+      <p:grpSpPr>
+        <a:xfrm>
+          <a:off x="0" y="0"/>
+          <a:ext cx="0" cy="0"/>
+          <a:chOff x="0" y="0"/>
+          <a:chExt cx="0" cy="0"/>
+        </a:xfrm>
+      </p:grpSpPr>
+      <p:sp>
+        <p:nvSpPr>
+          <p:cNvPr id="9" name="Freeform: Shape 8">
+            <a:extLst>
+              <a:ext uri="{FF2B5EF4-FFF2-40B4-BE49-F238E27FC236}">
+                <a16:creationId xmlns:a16="http://schemas.microsoft.com/office/drawing/2014/main" id="{B3520715-9BCC-CDEC-70B0-AABB2CC160CF}"/>
+              </a:ext>
+            </a:extLst>
+          </p:cNvPr>
+          <p:cNvSpPr/>
+          <p:nvPr/>
+        </p:nvSpPr>
+        <p:spPr>
+          <a:xfrm>
+            <a:off x="3848468" y="459022"/>
+            <a:ext cx="4962618" cy="4287915"/>
+          </a:xfrm>
+          <a:custGeom>
+            <a:avLst/>
+            <a:gdLst>
+              <a:gd name="connsiteX0" fmla="*/ 8878 w 4962618"/>
+              <a:gd name="connsiteY0" fmla="*/ 0 h 4287915"/>
+              <a:gd name="connsiteX1" fmla="*/ 0 w 4962618"/>
+              <a:gd name="connsiteY1" fmla="*/ 781235 h 4287915"/>
+              <a:gd name="connsiteX2" fmla="*/ 168676 w 4962618"/>
+              <a:gd name="connsiteY2" fmla="*/ 1367161 h 4287915"/>
+              <a:gd name="connsiteX3" fmla="*/ 346229 w 4962618"/>
+              <a:gd name="connsiteY3" fmla="*/ 1766656 h 4287915"/>
+              <a:gd name="connsiteX4" fmla="*/ 736847 w 4962618"/>
+              <a:gd name="connsiteY4" fmla="*/ 2343705 h 4287915"/>
+              <a:gd name="connsiteX5" fmla="*/ 1136342 w 4962618"/>
+              <a:gd name="connsiteY5" fmla="*/ 2752078 h 4287915"/>
+              <a:gd name="connsiteX6" fmla="*/ 1669002 w 4962618"/>
+              <a:gd name="connsiteY6" fmla="*/ 3160451 h 4287915"/>
+              <a:gd name="connsiteX7" fmla="*/ 2343705 w 4962618"/>
+              <a:gd name="connsiteY7" fmla="*/ 3533313 h 4287915"/>
+              <a:gd name="connsiteX8" fmla="*/ 3311371 w 4962618"/>
+              <a:gd name="connsiteY8" fmla="*/ 3923930 h 4287915"/>
+              <a:gd name="connsiteX9" fmla="*/ 4190260 w 4962618"/>
+              <a:gd name="connsiteY9" fmla="*/ 4145872 h 4287915"/>
+              <a:gd name="connsiteX10" fmla="*/ 4962618 w 4962618"/>
+              <a:gd name="connsiteY10" fmla="*/ 4287915 h 4287915"/>
+              <a:gd name="connsiteX11" fmla="*/ 4864963 w 4962618"/>
+              <a:gd name="connsiteY11" fmla="*/ 26633 h 4287915"/>
+              <a:gd name="connsiteX12" fmla="*/ 8878 w 4962618"/>
+              <a:gd name="connsiteY12" fmla="*/ 0 h 4287915"/>
+            </a:gdLst>
+            <a:ahLst/>
+            <a:cxnLst>
+              <a:cxn ang="0">
+                <a:pos x="connsiteX0" y="connsiteY0"/>
+              </a:cxn>
+              <a:cxn ang="0">
+                <a:pos x="connsiteX1" y="connsiteY1"/>
+              </a:cxn>
+              <a:cxn ang="0">
+                <a:pos x="connsiteX2" y="connsiteY2"/>
+              </a:cxn>
+              <a:cxn ang="0">
+                <a:pos x="connsiteX3" y="connsiteY3"/>
+              </a:cxn>
+              <a:cxn ang="0">
+                <a:pos x="connsiteX4" y="connsiteY4"/>
+              </a:cxn>
+              <a:cxn ang="0">
+                <a:pos x="connsiteX5" y="connsiteY5"/>
+              </a:cxn>
+              <a:cxn ang="0">
+                <a:pos x="connsiteX6" y="connsiteY6"/>
+              </a:cxn>
+              <a:cxn ang="0">
+                <a:pos x="connsiteX7" y="connsiteY7"/>
+              </a:cxn>
+              <a:cxn ang="0">
+                <a:pos x="connsiteX8" y="connsiteY8"/>
+              </a:cxn>
+              <a:cxn ang="0">
+                <a:pos x="connsiteX9" y="connsiteY9"/>
+              </a:cxn>
+              <a:cxn ang="0">
+                <a:pos x="connsiteX10" y="connsiteY10"/>
+              </a:cxn>
+              <a:cxn ang="0">
+                <a:pos x="connsiteX11" y="connsiteY11"/>
+              </a:cxn>
+              <a:cxn ang="0">
+                <a:pos x="connsiteX12" y="connsiteY12"/>
+              </a:cxn>
+            </a:cxnLst>
+            <a:rect l="l" t="t" r="r" b="b"/>
+            <a:pathLst>
+              <a:path w="4962618" h="4287915">
+                <a:moveTo>
+                  <a:pt x="8878" y="0"/>
+                </a:moveTo>
+                <a:cubicBezTo>
+                  <a:pt x="5919" y="260412"/>
+                  <a:pt x="2959" y="520823"/>
+                  <a:pt x="0" y="781235"/>
+                </a:cubicBezTo>
+                <a:lnTo>
+                  <a:pt x="168676" y="1367161"/>
+                </a:lnTo>
+                <a:lnTo>
+                  <a:pt x="346229" y="1766656"/>
+                </a:lnTo>
+                <a:lnTo>
+                  <a:pt x="736847" y="2343705"/>
+                </a:lnTo>
+                <a:lnTo>
+                  <a:pt x="1136342" y="2752078"/>
+                </a:lnTo>
+                <a:lnTo>
+                  <a:pt x="1669002" y="3160451"/>
+                </a:lnTo>
+                <a:lnTo>
+                  <a:pt x="2343705" y="3533313"/>
+                </a:lnTo>
+                <a:lnTo>
+                  <a:pt x="3311371" y="3923930"/>
+                </a:lnTo>
+                <a:lnTo>
+                  <a:pt x="4190260" y="4145872"/>
+                </a:lnTo>
+                <a:lnTo>
+                  <a:pt x="4962618" y="4287915"/>
+                </a:lnTo>
+                <a:lnTo>
+                  <a:pt x="4864963" y="26633"/>
+                </a:lnTo>
+                <a:lnTo>
+                  <a:pt x="8878" y="0"/>
+                </a:lnTo>
+                <a:close/>
+              </a:path>
+            </a:pathLst>
+          </a:custGeom>
+          <a:solidFill>
+            <a:schemeClr val="accent6">
+              <a:alpha val="50000"/>
+            </a:schemeClr>
+          </a:solidFill>
+          <a:ln>
+            <a:noFill/>
+          </a:ln>
+        </p:spPr>
+        <p:style>
+          <a:lnRef idx="0">
+            <a:scrgbClr r="0" g="0" b="0"/>
+          </a:lnRef>
+          <a:fillRef idx="0">
+            <a:scrgbClr r="0" g="0" b="0"/>
+          </a:fillRef>
+          <a:effectRef idx="0">
+            <a:scrgbClr r="0" g="0" b="0"/>
+          </a:effectRef>
+          <a:fontRef idx="minor">
+            <a:schemeClr val="lt1"/>
+          </a:fontRef>
+        </p:style>
+        <p:txBody>
+          <a:bodyPr rtlCol="0" anchor="ctr"/>
+          <a:lstStyle/>
+          <a:p>
+            <a:pPr algn="ctr"/>
+            <a:endParaRPr lang="en-US"/>
+          </a:p>
+        </p:txBody>
+      </p:sp>
+      <p:sp>
+        <p:nvSpPr>
+          <p:cNvPr id="4" name="Freeform: Shape 3">
+            <a:extLst>
+              <a:ext uri="{FF2B5EF4-FFF2-40B4-BE49-F238E27FC236}">
+                <a16:creationId xmlns:a16="http://schemas.microsoft.com/office/drawing/2014/main" id="{B65C9A94-CBFB-F814-7A05-17AB5DA3F79D}"/>
+              </a:ext>
+            </a:extLst>
+          </p:cNvPr>
+          <p:cNvSpPr/>
+          <p:nvPr/>
+        </p:nvSpPr>
+        <p:spPr>
+          <a:xfrm>
+            <a:off x="2286000" y="395306"/>
+            <a:ext cx="7601613" cy="5637321"/>
+          </a:xfrm>
+          <a:custGeom>
+            <a:avLst/>
+            <a:gdLst>
+              <a:gd name="connsiteX0" fmla="*/ 0 w 10227076"/>
+              <a:gd name="connsiteY0" fmla="*/ 0 h 5637321"/>
+              <a:gd name="connsiteX1" fmla="*/ 35511 w 10227076"/>
+              <a:gd name="connsiteY1" fmla="*/ 5637321 h 5637321"/>
+              <a:gd name="connsiteX2" fmla="*/ 10227076 w 10227076"/>
+              <a:gd name="connsiteY2" fmla="*/ 5584055 h 5637321"/>
+            </a:gdLst>
+            <a:ahLst/>
+            <a:cxnLst>
+              <a:cxn ang="0">
+                <a:pos x="connsiteX0" y="connsiteY0"/>
+              </a:cxn>
+              <a:cxn ang="0">
+                <a:pos x="connsiteX1" y="connsiteY1"/>
+              </a:cxn>
+              <a:cxn ang="0">
+                <a:pos x="connsiteX2" y="connsiteY2"/>
+              </a:cxn>
+            </a:cxnLst>
+            <a:rect l="l" t="t" r="r" b="b"/>
+            <a:pathLst>
+              <a:path w="10227076" h="5637321">
+                <a:moveTo>
+                  <a:pt x="0" y="0"/>
+                </a:moveTo>
+                <a:lnTo>
+                  <a:pt x="35511" y="5637321"/>
+                </a:lnTo>
+                <a:lnTo>
+                  <a:pt x="10227076" y="5584055"/>
+                </a:lnTo>
+              </a:path>
+            </a:pathLst>
+          </a:custGeom>
+          <a:ln w="38100"/>
+        </p:spPr>
+        <p:style>
+          <a:lnRef idx="3">
+            <a:schemeClr val="dk1"/>
+          </a:lnRef>
+          <a:fillRef idx="0">
+            <a:schemeClr val="dk1"/>
+          </a:fillRef>
+          <a:effectRef idx="2">
+            <a:schemeClr val="dk1"/>
+          </a:effectRef>
+          <a:fontRef idx="minor">
+            <a:schemeClr val="tx1"/>
+          </a:fontRef>
+        </p:style>
+        <p:txBody>
+          <a:bodyPr rtlCol="0" anchor="ctr"/>
+          <a:lstStyle/>
+          <a:p>
+            <a:pPr algn="ctr"/>
+            <a:endParaRPr lang="en-US" dirty="0"/>
+          </a:p>
+        </p:txBody>
+      </p:sp>
+      <p:sp>
+        <p:nvSpPr>
+          <p:cNvPr id="11" name="Freeform: Shape 10">
+            <a:extLst>
+              <a:ext uri="{FF2B5EF4-FFF2-40B4-BE49-F238E27FC236}">
+                <a16:creationId xmlns:a16="http://schemas.microsoft.com/office/drawing/2014/main" id="{87492711-C7A0-B614-54D2-C3AA84313493}"/>
+              </a:ext>
+            </a:extLst>
+          </p:cNvPr>
+          <p:cNvSpPr/>
+          <p:nvPr/>
+        </p:nvSpPr>
+        <p:spPr>
+          <a:xfrm>
+            <a:off x="2325950" y="1269507"/>
+            <a:ext cx="6533965" cy="4740676"/>
+          </a:xfrm>
+          <a:custGeom>
+            <a:avLst/>
+            <a:gdLst>
+              <a:gd name="connsiteX0" fmla="*/ 0 w 6533965"/>
+              <a:gd name="connsiteY0" fmla="*/ 0 h 4740676"/>
+              <a:gd name="connsiteX1" fmla="*/ 1455937 w 6533965"/>
+              <a:gd name="connsiteY1" fmla="*/ 0 h 4740676"/>
+              <a:gd name="connsiteX2" fmla="*/ 1633491 w 6533965"/>
+              <a:gd name="connsiteY2" fmla="*/ 541538 h 4740676"/>
+              <a:gd name="connsiteX3" fmla="*/ 1846555 w 6533965"/>
+              <a:gd name="connsiteY3" fmla="*/ 1047565 h 4740676"/>
+              <a:gd name="connsiteX4" fmla="*/ 2201662 w 6533965"/>
+              <a:gd name="connsiteY4" fmla="*/ 1571347 h 4740676"/>
+              <a:gd name="connsiteX5" fmla="*/ 2618912 w 6533965"/>
+              <a:gd name="connsiteY5" fmla="*/ 2015231 h 4740676"/>
+              <a:gd name="connsiteX6" fmla="*/ 3222594 w 6533965"/>
+              <a:gd name="connsiteY6" fmla="*/ 2467992 h 4740676"/>
+              <a:gd name="connsiteX7" fmla="*/ 4110361 w 6533965"/>
+              <a:gd name="connsiteY7" fmla="*/ 2938509 h 4740676"/>
+              <a:gd name="connsiteX8" fmla="*/ 4918229 w 6533965"/>
+              <a:gd name="connsiteY8" fmla="*/ 3222594 h 4740676"/>
+              <a:gd name="connsiteX9" fmla="*/ 5983549 w 6533965"/>
+              <a:gd name="connsiteY9" fmla="*/ 3497802 h 4740676"/>
+              <a:gd name="connsiteX10" fmla="*/ 6489576 w 6533965"/>
+              <a:gd name="connsiteY10" fmla="*/ 3559945 h 4740676"/>
+              <a:gd name="connsiteX11" fmla="*/ 6533965 w 6533965"/>
+              <a:gd name="connsiteY11" fmla="*/ 4705165 h 4740676"/>
+              <a:gd name="connsiteX12" fmla="*/ 26633 w 6533965"/>
+              <a:gd name="connsiteY12" fmla="*/ 4740676 h 4740676"/>
+              <a:gd name="connsiteX13" fmla="*/ 0 w 6533965"/>
+              <a:gd name="connsiteY13" fmla="*/ 0 h 4740676"/>
+            </a:gdLst>
+            <a:ahLst/>
+            <a:cxnLst>
+              <a:cxn ang="0">
+                <a:pos x="connsiteX0" y="connsiteY0"/>
+              </a:cxn>
+              <a:cxn ang="0">
+                <a:pos x="connsiteX1" y="connsiteY1"/>
+              </a:cxn>
+              <a:cxn ang="0">
+                <a:pos x="connsiteX2" y="connsiteY2"/>
+              </a:cxn>
+              <a:cxn ang="0">
+                <a:pos x="connsiteX3" y="connsiteY3"/>
+              </a:cxn>
+              <a:cxn ang="0">
+                <a:pos x="connsiteX4" y="connsiteY4"/>
+              </a:cxn>
+              <a:cxn ang="0">
+                <a:pos x="connsiteX5" y="connsiteY5"/>
+              </a:cxn>
+              <a:cxn ang="0">
+                <a:pos x="connsiteX6" y="connsiteY6"/>
+              </a:cxn>
+              <a:cxn ang="0">
+                <a:pos x="connsiteX7" y="connsiteY7"/>
+              </a:cxn>
+              <a:cxn ang="0">
+                <a:pos x="connsiteX8" y="connsiteY8"/>
+              </a:cxn>
+              <a:cxn ang="0">
+                <a:pos x="connsiteX9" y="connsiteY9"/>
+              </a:cxn>
+              <a:cxn ang="0">
+                <a:pos x="connsiteX10" y="connsiteY10"/>
+              </a:cxn>
+              <a:cxn ang="0">
+                <a:pos x="connsiteX11" y="connsiteY11"/>
+              </a:cxn>
+              <a:cxn ang="0">
+                <a:pos x="connsiteX12" y="connsiteY12"/>
+              </a:cxn>
+              <a:cxn ang="0">
+                <a:pos x="connsiteX13" y="connsiteY13"/>
+              </a:cxn>
+            </a:cxnLst>
+            <a:rect l="l" t="t" r="r" b="b"/>
+            <a:pathLst>
+              <a:path w="6533965" h="4740676">
+                <a:moveTo>
+                  <a:pt x="0" y="0"/>
+                </a:moveTo>
+                <a:lnTo>
+                  <a:pt x="1455937" y="0"/>
+                </a:lnTo>
+                <a:lnTo>
+                  <a:pt x="1633491" y="541538"/>
+                </a:lnTo>
+                <a:lnTo>
+                  <a:pt x="1846555" y="1047565"/>
+                </a:lnTo>
+                <a:lnTo>
+                  <a:pt x="2201662" y="1571347"/>
+                </a:lnTo>
+                <a:lnTo>
+                  <a:pt x="2618912" y="2015231"/>
+                </a:lnTo>
+                <a:lnTo>
+                  <a:pt x="3222594" y="2467992"/>
+                </a:lnTo>
+                <a:lnTo>
+                  <a:pt x="4110361" y="2938509"/>
+                </a:lnTo>
+                <a:lnTo>
+                  <a:pt x="4918229" y="3222594"/>
+                </a:lnTo>
+                <a:lnTo>
+                  <a:pt x="5983549" y="3497802"/>
+                </a:lnTo>
+                <a:lnTo>
+                  <a:pt x="6489576" y="3559945"/>
+                </a:lnTo>
+                <a:lnTo>
+                  <a:pt x="6533965" y="4705165"/>
+                </a:lnTo>
+                <a:lnTo>
+                  <a:pt x="26633" y="4740676"/>
+                </a:lnTo>
+                <a:cubicBezTo>
+                  <a:pt x="20714" y="3172287"/>
+                  <a:pt x="14796" y="1603899"/>
+                  <a:pt x="0" y="0"/>
+                </a:cubicBezTo>
+                <a:close/>
+              </a:path>
+            </a:pathLst>
+          </a:custGeom>
+          <a:solidFill>
+            <a:schemeClr val="accent2">
+              <a:alpha val="50000"/>
+            </a:schemeClr>
+          </a:solidFill>
+          <a:ln>
+            <a:noFill/>
+          </a:ln>
+        </p:spPr>
+        <p:style>
+          <a:lnRef idx="0">
+            <a:scrgbClr r="0" g="0" b="0"/>
+          </a:lnRef>
+          <a:fillRef idx="0">
+            <a:scrgbClr r="0" g="0" b="0"/>
+          </a:fillRef>
+          <a:effectRef idx="0">
+            <a:scrgbClr r="0" g="0" b="0"/>
+          </a:effectRef>
+          <a:fontRef idx="minor">
+            <a:schemeClr val="lt1"/>
+          </a:fontRef>
+        </p:style>
+        <p:txBody>
+          <a:bodyPr rtlCol="0" anchor="ctr"/>
+          <a:lstStyle/>
+          <a:p>
+            <a:pPr algn="ctr"/>
+            <a:endParaRPr lang="en-US"/>
+          </a:p>
+        </p:txBody>
+      </p:sp>
+      <mc:AlternateContent xmlns:mc="http://schemas.openxmlformats.org/markup-compatibility/2006">
+        <mc:Choice xmlns:a14="http://schemas.microsoft.com/office/drawing/2010/main" Requires="a14">
+          <p:sp>
+            <p:nvSpPr>
+              <p:cNvPr id="12" name="TextBox 11">
+                <a:extLst>
+                  <a:ext uri="{FF2B5EF4-FFF2-40B4-BE49-F238E27FC236}">
+                    <a16:creationId xmlns:a16="http://schemas.microsoft.com/office/drawing/2014/main" id="{DAED415C-CF0F-CC44-8622-A9FD8ADB6B6C}"/>
+                  </a:ext>
+                </a:extLst>
+              </p:cNvPr>
+              <p:cNvSpPr txBox="1"/>
+              <p:nvPr/>
+            </p:nvSpPr>
+            <p:spPr>
+              <a:xfrm>
+                <a:off x="8704284" y="4532693"/>
+                <a:ext cx="1001647" cy="707886"/>
+              </a:xfrm>
+              <a:prstGeom prst="rect">
+                <a:avLst/>
+              </a:prstGeom>
+              <a:noFill/>
+            </p:spPr>
+            <p:txBody>
+              <a:bodyPr wrap="square" rtlCol="0">
+                <a:spAutoFit/>
+              </a:bodyPr>
+              <a:lstStyle/>
+              <a:p>
+                <a14:m>
+                  <m:oMathPara xmlns:m="http://schemas.openxmlformats.org/officeDocument/2006/math">
+                    <m:oMathParaPr>
+                      <m:jc m:val="centerGroup"/>
+                    </m:oMathParaPr>
+                    <m:oMath xmlns:m="http://schemas.openxmlformats.org/officeDocument/2006/math">
+                      <m:acc>
+                        <m:accPr>
+                          <m:chr m:val="̅"/>
+                          <m:ctrlPr>
+                            <a:rPr lang="en-US" sz="4000" b="1" i="1" smtClean="0">
+                              <a:solidFill>
+                                <a:schemeClr val="accent1"/>
+                              </a:solidFill>
+                              <a:latin typeface="Cambria Math" panose="02040503050406030204" pitchFamily="18" charset="0"/>
+                            </a:rPr>
+                          </m:ctrlPr>
+                        </m:accPr>
+                        <m:e>
+                          <m:r>
+                            <a:rPr lang="en-US" sz="4000" b="1" i="1" smtClean="0">
+                              <a:solidFill>
+                                <a:schemeClr val="accent1"/>
+                              </a:solidFill>
+                              <a:latin typeface="Cambria Math" panose="02040503050406030204" pitchFamily="18" charset="0"/>
+                            </a:rPr>
+                            <m:t>𝑼</m:t>
+                          </m:r>
+                        </m:e>
+                      </m:acc>
+                    </m:oMath>
+                  </m:oMathPara>
+                </a14:m>
+                <a:endParaRPr lang="en-US" sz="4000" b="1" dirty="0">
+                  <a:solidFill>
+                    <a:schemeClr val="accent1"/>
+                  </a:solidFill>
+                </a:endParaRPr>
+              </a:p>
+            </p:txBody>
+          </p:sp>
+        </mc:Choice>
+        <mc:Fallback>
+          <p:sp>
+            <p:nvSpPr>
+              <p:cNvPr id="12" name="TextBox 11">
+                <a:extLst>
+                  <a:ext uri="{FF2B5EF4-FFF2-40B4-BE49-F238E27FC236}">
+                    <a16:creationId xmlns:a16="http://schemas.microsoft.com/office/drawing/2014/main" id="{DAED415C-CF0F-CC44-8622-A9FD8ADB6B6C}"/>
+                  </a:ext>
+                </a:extLst>
+              </p:cNvPr>
+              <p:cNvSpPr txBox="1">
+                <a:spLocks noRot="1" noChangeAspect="1" noMove="1" noResize="1" noEditPoints="1" noAdjustHandles="1" noChangeArrowheads="1" noChangeShapeType="1" noTextEdit="1"/>
+              </p:cNvSpPr>
+              <p:nvPr/>
+            </p:nvSpPr>
+            <p:spPr>
+              <a:xfrm>
+                <a:off x="8704284" y="4532693"/>
+                <a:ext cx="1001647" cy="707886"/>
+              </a:xfrm>
+              <a:prstGeom prst="rect">
+                <a:avLst/>
+              </a:prstGeom>
+              <a:blipFill>
+                <a:blip r:embed="rId2"/>
+                <a:stretch>
+                  <a:fillRect/>
+                </a:stretch>
+              </a:blipFill>
+            </p:spPr>
+            <p:txBody>
+              <a:bodyPr/>
+              <a:lstStyle/>
+              <a:p>
+                <a:r>
+                  <a:rPr lang="en-US">
+                    <a:noFill/>
+                  </a:rPr>
+                  <a:t> </a:t>
+                </a:r>
+              </a:p>
+            </p:txBody>
+          </p:sp>
+        </mc:Fallback>
+      </mc:AlternateContent>
+      <p:sp>
+        <p:nvSpPr>
+          <p:cNvPr id="15" name="TextBox 14">
+            <a:extLst>
+              <a:ext uri="{FF2B5EF4-FFF2-40B4-BE49-F238E27FC236}">
+                <a16:creationId xmlns:a16="http://schemas.microsoft.com/office/drawing/2014/main" id="{3D8183F6-4312-1197-AB7C-8255E63478C7}"/>
+              </a:ext>
+            </a:extLst>
+          </p:cNvPr>
+          <p:cNvSpPr txBox="1"/>
+          <p:nvPr/>
+        </p:nvSpPr>
+        <p:spPr>
+          <a:xfrm>
+            <a:off x="4886681" y="1129808"/>
+            <a:ext cx="3160451" cy="1446550"/>
+          </a:xfrm>
+          <a:prstGeom prst="rect">
+            <a:avLst/>
+          </a:prstGeom>
+          <a:noFill/>
+        </p:spPr>
+        <p:txBody>
+          <a:bodyPr wrap="square" rtlCol="0">
+            <a:spAutoFit/>
+          </a:bodyPr>
+          <a:lstStyle/>
+          <a:p>
+            <a:pPr algn="ctr"/>
+            <a:r>
+              <a:rPr lang="en-US" sz="4400" b="1" dirty="0"/>
+              <a:t>BETTER THAN SET</a:t>
+            </a:r>
+          </a:p>
+        </p:txBody>
+      </p:sp>
+      <p:sp>
+        <p:nvSpPr>
+          <p:cNvPr id="16" name="TextBox 15">
+            <a:extLst>
+              <a:ext uri="{FF2B5EF4-FFF2-40B4-BE49-F238E27FC236}">
+                <a16:creationId xmlns:a16="http://schemas.microsoft.com/office/drawing/2014/main" id="{C8C31DE6-4F6B-77E0-97A4-D13ADC94D6E2}"/>
+              </a:ext>
+            </a:extLst>
+          </p:cNvPr>
+          <p:cNvSpPr txBox="1"/>
+          <p:nvPr/>
+        </p:nvSpPr>
+        <p:spPr>
+          <a:xfrm>
+            <a:off x="2553254" y="3763207"/>
+            <a:ext cx="3160451" cy="1446550"/>
+          </a:xfrm>
+          <a:prstGeom prst="rect">
+            <a:avLst/>
+          </a:prstGeom>
+          <a:noFill/>
+        </p:spPr>
+        <p:txBody>
+          <a:bodyPr wrap="square" rtlCol="0">
+            <a:spAutoFit/>
+          </a:bodyPr>
+          <a:lstStyle/>
+          <a:p>
+            <a:pPr algn="ctr"/>
+            <a:r>
+              <a:rPr lang="en-US" sz="4400" b="1" dirty="0"/>
+              <a:t>WORSE THAN SET</a:t>
+            </a:r>
+          </a:p>
+        </p:txBody>
+      </p:sp>
+      <p:sp>
+        <p:nvSpPr>
+          <p:cNvPr id="7" name="Freeform: Shape 6">
+            <a:extLst>
+              <a:ext uri="{FF2B5EF4-FFF2-40B4-BE49-F238E27FC236}">
+                <a16:creationId xmlns:a16="http://schemas.microsoft.com/office/drawing/2014/main" id="{380AAB9F-7B45-44A9-20E9-9D867D4082A5}"/>
+              </a:ext>
+            </a:extLst>
+          </p:cNvPr>
+          <p:cNvSpPr/>
+          <p:nvPr/>
+        </p:nvSpPr>
+        <p:spPr>
+          <a:xfrm rot="315851">
+            <a:off x="3678426" y="1560514"/>
+            <a:ext cx="5442371" cy="3052073"/>
+          </a:xfrm>
+          <a:custGeom>
+            <a:avLst/>
+            <a:gdLst>
+              <a:gd name="connsiteX0" fmla="*/ 0 w 5308846"/>
+              <a:gd name="connsiteY0" fmla="*/ 0 h 3062796"/>
+              <a:gd name="connsiteX1" fmla="*/ 665825 w 5308846"/>
+              <a:gd name="connsiteY1" fmla="*/ 1242874 h 3062796"/>
+              <a:gd name="connsiteX2" fmla="*/ 1899821 w 5308846"/>
+              <a:gd name="connsiteY2" fmla="*/ 2219417 h 3062796"/>
+              <a:gd name="connsiteX3" fmla="*/ 3559945 w 5308846"/>
+              <a:gd name="connsiteY3" fmla="*/ 2823099 h 3062796"/>
+              <a:gd name="connsiteX4" fmla="*/ 5308846 w 5308846"/>
+              <a:gd name="connsiteY4" fmla="*/ 3062796 h 3062796"/>
+            </a:gdLst>
+            <a:ahLst/>
+            <a:cxnLst>
+              <a:cxn ang="0">
+                <a:pos x="connsiteX0" y="connsiteY0"/>
+              </a:cxn>
+              <a:cxn ang="0">
+                <a:pos x="connsiteX1" y="connsiteY1"/>
+              </a:cxn>
+              <a:cxn ang="0">
+                <a:pos x="connsiteX2" y="connsiteY2"/>
+              </a:cxn>
+              <a:cxn ang="0">
+                <a:pos x="connsiteX3" y="connsiteY3"/>
+              </a:cxn>
+              <a:cxn ang="0">
+                <a:pos x="connsiteX4" y="connsiteY4"/>
+              </a:cxn>
+            </a:cxnLst>
+            <a:rect l="l" t="t" r="r" b="b"/>
+            <a:pathLst>
+              <a:path w="5308846" h="3062796">
+                <a:moveTo>
+                  <a:pt x="0" y="0"/>
+                </a:moveTo>
+                <a:cubicBezTo>
+                  <a:pt x="174594" y="436485"/>
+                  <a:pt x="349188" y="872971"/>
+                  <a:pt x="665825" y="1242874"/>
+                </a:cubicBezTo>
+                <a:cubicBezTo>
+                  <a:pt x="982462" y="1612777"/>
+                  <a:pt x="1417468" y="1956046"/>
+                  <a:pt x="1899821" y="2219417"/>
+                </a:cubicBezTo>
+                <a:cubicBezTo>
+                  <a:pt x="2382174" y="2482788"/>
+                  <a:pt x="2991774" y="2682536"/>
+                  <a:pt x="3559945" y="2823099"/>
+                </a:cubicBezTo>
+                <a:cubicBezTo>
+                  <a:pt x="4128116" y="2963662"/>
+                  <a:pt x="4718481" y="3013229"/>
+                  <a:pt x="5308846" y="3062796"/>
+                </a:cubicBezTo>
+              </a:path>
+            </a:pathLst>
+          </a:custGeom>
+          <a:ln w="57150" cap="flat" cmpd="sng" algn="ctr">
+            <a:solidFill>
+              <a:schemeClr val="accent1"/>
+            </a:solidFill>
+            <a:prstDash val="solid"/>
+            <a:round/>
+            <a:headEnd type="none" w="med" len="med"/>
+            <a:tailEnd type="arrow" w="med" len="med"/>
+          </a:ln>
+        </p:spPr>
+        <p:style>
+          <a:lnRef idx="0">
+            <a:scrgbClr r="0" g="0" b="0"/>
+          </a:lnRef>
+          <a:fillRef idx="0">
+            <a:scrgbClr r="0" g="0" b="0"/>
+          </a:fillRef>
+          <a:effectRef idx="0">
+            <a:scrgbClr r="0" g="0" b="0"/>
+          </a:effectRef>
+          <a:fontRef idx="minor">
+            <a:schemeClr val="tx1"/>
+          </a:fontRef>
+        </p:style>
+        <p:txBody>
+          <a:bodyPr rtlCol="0" anchor="ctr"/>
+          <a:lstStyle/>
+          <a:p>
+            <a:pPr algn="ctr"/>
+            <a:endParaRPr lang="en-US"/>
+          </a:p>
+        </p:txBody>
+      </p:sp>
+    </p:spTree>
+    <p:extLst>
+      <p:ext uri="{BB962C8B-B14F-4D97-AF65-F5344CB8AC3E}">
+        <p14:creationId xmlns:p14="http://schemas.microsoft.com/office/powerpoint/2010/main" val="3710309959"/>
+      </p:ext>
+    </p:extLst>
+  </p:cSld>
+  <p:clrMapOvr>
+    <a:masterClrMapping/>
+  </p:clrMapOvr>
+</p:sld>
+</file>
+
+<file path=ppt/slides/slide8.xml><?xml version="1.0" encoding="utf-8"?>
+<p:sld xmlns:a="http://schemas.openxmlformats.org/drawingml/2006/main" xmlns:r="http://schemas.openxmlformats.org/officeDocument/2006/relationships" xmlns:p="http://schemas.openxmlformats.org/presentationml/2006/main">
+  <p:cSld>
+    <p:spTree>
+      <p:nvGrpSpPr>
+        <p:cNvPr id="1" name=""/>
+        <p:cNvGrpSpPr/>
+        <p:nvPr/>
+      </p:nvGrpSpPr>
+      <p:grpSpPr>
+        <a:xfrm>
+          <a:off x="0" y="0"/>
+          <a:ext cx="0" cy="0"/>
+          <a:chOff x="0" y="0"/>
+          <a:chExt cx="0" cy="0"/>
+        </a:xfrm>
+      </p:grpSpPr>
+      <p:sp>
+        <p:nvSpPr>
+          <p:cNvPr id="3" name="Freeform: Shape 2">
+            <a:extLst>
+              <a:ext uri="{FF2B5EF4-FFF2-40B4-BE49-F238E27FC236}">
+                <a16:creationId xmlns:a16="http://schemas.microsoft.com/office/drawing/2014/main" id="{FF5D75F9-C0FC-2C19-3B1C-067B506D0EFF}"/>
+              </a:ext>
+            </a:extLst>
+          </p:cNvPr>
+          <p:cNvSpPr/>
+          <p:nvPr/>
+        </p:nvSpPr>
+        <p:spPr>
+          <a:xfrm>
+            <a:off x="2286000" y="395306"/>
+            <a:ext cx="7601613" cy="5637321"/>
+          </a:xfrm>
+          <a:custGeom>
+            <a:avLst/>
+            <a:gdLst>
+              <a:gd name="connsiteX0" fmla="*/ 0 w 10227076"/>
+              <a:gd name="connsiteY0" fmla="*/ 0 h 5637321"/>
+              <a:gd name="connsiteX1" fmla="*/ 35511 w 10227076"/>
+              <a:gd name="connsiteY1" fmla="*/ 5637321 h 5637321"/>
+              <a:gd name="connsiteX2" fmla="*/ 10227076 w 10227076"/>
+              <a:gd name="connsiteY2" fmla="*/ 5584055 h 5637321"/>
+            </a:gdLst>
+            <a:ahLst/>
+            <a:cxnLst>
+              <a:cxn ang="0">
+                <a:pos x="connsiteX0" y="connsiteY0"/>
+              </a:cxn>
+              <a:cxn ang="0">
+                <a:pos x="connsiteX1" y="connsiteY1"/>
+              </a:cxn>
+              <a:cxn ang="0">
+                <a:pos x="connsiteX2" y="connsiteY2"/>
+              </a:cxn>
+            </a:cxnLst>
+            <a:rect l="l" t="t" r="r" b="b"/>
+            <a:pathLst>
+              <a:path w="10227076" h="5637321">
+                <a:moveTo>
+                  <a:pt x="0" y="0"/>
+                </a:moveTo>
+                <a:lnTo>
+                  <a:pt x="35511" y="5637321"/>
+                </a:lnTo>
+                <a:lnTo>
+                  <a:pt x="10227076" y="5584055"/>
+                </a:lnTo>
+              </a:path>
+            </a:pathLst>
+          </a:custGeom>
+          <a:ln w="38100"/>
+        </p:spPr>
+        <p:style>
+          <a:lnRef idx="3">
+            <a:schemeClr val="dk1"/>
+          </a:lnRef>
+          <a:fillRef idx="0">
+            <a:schemeClr val="dk1"/>
+          </a:fillRef>
+          <a:effectRef idx="2">
+            <a:schemeClr val="dk1"/>
+          </a:effectRef>
+          <a:fontRef idx="minor">
+            <a:schemeClr val="tx1"/>
+          </a:fontRef>
+        </p:style>
+        <p:txBody>
+          <a:bodyPr rtlCol="0" anchor="ctr"/>
+          <a:lstStyle/>
+          <a:p>
+            <a:pPr algn="ctr"/>
+            <a:endParaRPr lang="en-US" dirty="0"/>
+          </a:p>
+        </p:txBody>
+      </p:sp>
+      <p:sp>
+        <p:nvSpPr>
+          <p:cNvPr id="6" name="Freeform: Shape 5">
+            <a:extLst>
+              <a:ext uri="{FF2B5EF4-FFF2-40B4-BE49-F238E27FC236}">
+                <a16:creationId xmlns:a16="http://schemas.microsoft.com/office/drawing/2014/main" id="{FDCC9557-1A72-D3C9-D64B-2F6B2C29574F}"/>
+              </a:ext>
+            </a:extLst>
+          </p:cNvPr>
+          <p:cNvSpPr/>
+          <p:nvPr/>
+        </p:nvSpPr>
+        <p:spPr>
+          <a:xfrm>
+            <a:off x="3409025" y="1349406"/>
+            <a:ext cx="5681709" cy="3187083"/>
+          </a:xfrm>
+          <a:custGeom>
+            <a:avLst/>
+            <a:gdLst>
+              <a:gd name="connsiteX0" fmla="*/ 0 w 5681709"/>
+              <a:gd name="connsiteY0" fmla="*/ 0 h 3187083"/>
+              <a:gd name="connsiteX1" fmla="*/ 514905 w 5681709"/>
+              <a:gd name="connsiteY1" fmla="*/ 1189608 h 3187083"/>
+              <a:gd name="connsiteX2" fmla="*/ 1997476 w 5681709"/>
+              <a:gd name="connsiteY2" fmla="*/ 2414726 h 3187083"/>
+              <a:gd name="connsiteX3" fmla="*/ 4136994 w 5681709"/>
+              <a:gd name="connsiteY3" fmla="*/ 3053918 h 3187083"/>
+              <a:gd name="connsiteX4" fmla="*/ 5681709 w 5681709"/>
+              <a:gd name="connsiteY4" fmla="*/ 3187083 h 3187083"/>
+            </a:gdLst>
+            <a:ahLst/>
+            <a:cxnLst>
+              <a:cxn ang="0">
+                <a:pos x="connsiteX0" y="connsiteY0"/>
+              </a:cxn>
+              <a:cxn ang="0">
+                <a:pos x="connsiteX1" y="connsiteY1"/>
+              </a:cxn>
+              <a:cxn ang="0">
+                <a:pos x="connsiteX2" y="connsiteY2"/>
+              </a:cxn>
+              <a:cxn ang="0">
+                <a:pos x="connsiteX3" y="connsiteY3"/>
+              </a:cxn>
+              <a:cxn ang="0">
+                <a:pos x="connsiteX4" y="connsiteY4"/>
+              </a:cxn>
+            </a:cxnLst>
+            <a:rect l="l" t="t" r="r" b="b"/>
+            <a:pathLst>
+              <a:path w="5681709" h="3187083">
+                <a:moveTo>
+                  <a:pt x="0" y="0"/>
+                </a:moveTo>
+                <a:cubicBezTo>
+                  <a:pt x="90996" y="393577"/>
+                  <a:pt x="181992" y="787154"/>
+                  <a:pt x="514905" y="1189608"/>
+                </a:cubicBezTo>
+                <a:cubicBezTo>
+                  <a:pt x="847818" y="1592062"/>
+                  <a:pt x="1393795" y="2104008"/>
+                  <a:pt x="1997476" y="2414726"/>
+                </a:cubicBezTo>
+                <a:cubicBezTo>
+                  <a:pt x="2601157" y="2725444"/>
+                  <a:pt x="3522955" y="2925192"/>
+                  <a:pt x="4136994" y="3053918"/>
+                </a:cubicBezTo>
+                <a:cubicBezTo>
+                  <a:pt x="4751033" y="3182644"/>
+                  <a:pt x="5434614" y="3133817"/>
+                  <a:pt x="5681709" y="3187083"/>
+                </a:cubicBezTo>
+              </a:path>
+            </a:pathLst>
+          </a:custGeom>
+          <a:noFill/>
+          <a:ln w="57150"/>
+        </p:spPr>
+        <p:style>
+          <a:lnRef idx="2">
+            <a:schemeClr val="accent1">
+              <a:shade val="15000"/>
+            </a:schemeClr>
+          </a:lnRef>
+          <a:fillRef idx="1">
+            <a:schemeClr val="accent1"/>
+          </a:fillRef>
+          <a:effectRef idx="0">
+            <a:schemeClr val="accent1"/>
+          </a:effectRef>
+          <a:fontRef idx="minor">
+            <a:schemeClr val="lt1"/>
+          </a:fontRef>
+        </p:style>
+        <p:txBody>
+          <a:bodyPr rtlCol="0" anchor="ctr"/>
+          <a:lstStyle/>
+          <a:p>
+            <a:pPr algn="ctr"/>
+            <a:endParaRPr lang="en-US"/>
+          </a:p>
+        </p:txBody>
+      </p:sp>
+      <p:sp>
+        <p:nvSpPr>
+          <p:cNvPr id="7" name="Freeform: Shape 6">
+            <a:extLst>
+              <a:ext uri="{FF2B5EF4-FFF2-40B4-BE49-F238E27FC236}">
+                <a16:creationId xmlns:a16="http://schemas.microsoft.com/office/drawing/2014/main" id="{30E43AFF-DB5F-D805-2C4F-7E4DB098325C}"/>
+              </a:ext>
+            </a:extLst>
+          </p:cNvPr>
+          <p:cNvSpPr/>
+          <p:nvPr/>
+        </p:nvSpPr>
+        <p:spPr>
+          <a:xfrm>
+            <a:off x="3807464" y="825373"/>
+            <a:ext cx="5681709" cy="3187083"/>
+          </a:xfrm>
+          <a:custGeom>
+            <a:avLst/>
+            <a:gdLst>
+              <a:gd name="connsiteX0" fmla="*/ 0 w 5681709"/>
+              <a:gd name="connsiteY0" fmla="*/ 0 h 3187083"/>
+              <a:gd name="connsiteX1" fmla="*/ 514905 w 5681709"/>
+              <a:gd name="connsiteY1" fmla="*/ 1189608 h 3187083"/>
+              <a:gd name="connsiteX2" fmla="*/ 1997476 w 5681709"/>
+              <a:gd name="connsiteY2" fmla="*/ 2414726 h 3187083"/>
+              <a:gd name="connsiteX3" fmla="*/ 4136994 w 5681709"/>
+              <a:gd name="connsiteY3" fmla="*/ 3053918 h 3187083"/>
+              <a:gd name="connsiteX4" fmla="*/ 5681709 w 5681709"/>
+              <a:gd name="connsiteY4" fmla="*/ 3187083 h 3187083"/>
+            </a:gdLst>
+            <a:ahLst/>
+            <a:cxnLst>
+              <a:cxn ang="0">
+                <a:pos x="connsiteX0" y="connsiteY0"/>
+              </a:cxn>
+              <a:cxn ang="0">
+                <a:pos x="connsiteX1" y="connsiteY1"/>
+              </a:cxn>
+              <a:cxn ang="0">
+                <a:pos x="connsiteX2" y="connsiteY2"/>
+              </a:cxn>
+              <a:cxn ang="0">
+                <a:pos x="connsiteX3" y="connsiteY3"/>
+              </a:cxn>
+              <a:cxn ang="0">
+                <a:pos x="connsiteX4" y="connsiteY4"/>
+              </a:cxn>
+            </a:cxnLst>
+            <a:rect l="l" t="t" r="r" b="b"/>
+            <a:pathLst>
+              <a:path w="5681709" h="3187083">
+                <a:moveTo>
+                  <a:pt x="0" y="0"/>
+                </a:moveTo>
+                <a:cubicBezTo>
+                  <a:pt x="90996" y="393577"/>
+                  <a:pt x="181992" y="787154"/>
+                  <a:pt x="514905" y="1189608"/>
+                </a:cubicBezTo>
+                <a:cubicBezTo>
+                  <a:pt x="847818" y="1592062"/>
+                  <a:pt x="1393795" y="2104008"/>
+                  <a:pt x="1997476" y="2414726"/>
+                </a:cubicBezTo>
+                <a:cubicBezTo>
+                  <a:pt x="2601157" y="2725444"/>
+                  <a:pt x="3522955" y="2925192"/>
+                  <a:pt x="4136994" y="3053918"/>
+                </a:cubicBezTo>
+                <a:cubicBezTo>
+                  <a:pt x="4751033" y="3182644"/>
+                  <a:pt x="5434614" y="3133817"/>
+                  <a:pt x="5681709" y="3187083"/>
+                </a:cubicBezTo>
+              </a:path>
+            </a:pathLst>
+          </a:custGeom>
+          <a:noFill/>
+          <a:ln w="57150"/>
+        </p:spPr>
+        <p:style>
+          <a:lnRef idx="2">
+            <a:schemeClr val="accent1">
+              <a:shade val="15000"/>
+            </a:schemeClr>
+          </a:lnRef>
+          <a:fillRef idx="1">
+            <a:schemeClr val="accent1"/>
+          </a:fillRef>
+          <a:effectRef idx="0">
+            <a:schemeClr val="accent1"/>
+          </a:effectRef>
+          <a:fontRef idx="minor">
+            <a:schemeClr val="lt1"/>
+          </a:fontRef>
+        </p:style>
+        <p:txBody>
+          <a:bodyPr rtlCol="0" anchor="ctr"/>
+          <a:lstStyle/>
+          <a:p>
+            <a:pPr algn="ctr"/>
+            <a:endParaRPr lang="en-US"/>
+          </a:p>
+        </p:txBody>
+      </p:sp>
+      <p:sp>
+        <p:nvSpPr>
+          <p:cNvPr id="8" name="Freeform: Shape 7">
+            <a:extLst>
+              <a:ext uri="{FF2B5EF4-FFF2-40B4-BE49-F238E27FC236}">
+                <a16:creationId xmlns:a16="http://schemas.microsoft.com/office/drawing/2014/main" id="{2FCFDE5D-9DBE-AEB7-CBB0-725101A74BFC}"/>
+              </a:ext>
+            </a:extLst>
+          </p:cNvPr>
+          <p:cNvSpPr/>
+          <p:nvPr/>
+        </p:nvSpPr>
+        <p:spPr>
+          <a:xfrm>
+            <a:off x="3010585" y="2003760"/>
+            <a:ext cx="5681709" cy="3187083"/>
+          </a:xfrm>
+          <a:custGeom>
+            <a:avLst/>
+            <a:gdLst>
+              <a:gd name="connsiteX0" fmla="*/ 0 w 5681709"/>
+              <a:gd name="connsiteY0" fmla="*/ 0 h 3187083"/>
+              <a:gd name="connsiteX1" fmla="*/ 514905 w 5681709"/>
+              <a:gd name="connsiteY1" fmla="*/ 1189608 h 3187083"/>
+              <a:gd name="connsiteX2" fmla="*/ 1997476 w 5681709"/>
+              <a:gd name="connsiteY2" fmla="*/ 2414726 h 3187083"/>
+              <a:gd name="connsiteX3" fmla="*/ 4136994 w 5681709"/>
+              <a:gd name="connsiteY3" fmla="*/ 3053918 h 3187083"/>
+              <a:gd name="connsiteX4" fmla="*/ 5681709 w 5681709"/>
+              <a:gd name="connsiteY4" fmla="*/ 3187083 h 3187083"/>
+            </a:gdLst>
+            <a:ahLst/>
+            <a:cxnLst>
+              <a:cxn ang="0">
+                <a:pos x="connsiteX0" y="connsiteY0"/>
+              </a:cxn>
+              <a:cxn ang="0">
+                <a:pos x="connsiteX1" y="connsiteY1"/>
+              </a:cxn>
+              <a:cxn ang="0">
+                <a:pos x="connsiteX2" y="connsiteY2"/>
+              </a:cxn>
+              <a:cxn ang="0">
+                <a:pos x="connsiteX3" y="connsiteY3"/>
+              </a:cxn>
+              <a:cxn ang="0">
+                <a:pos x="connsiteX4" y="connsiteY4"/>
+              </a:cxn>
+            </a:cxnLst>
+            <a:rect l="l" t="t" r="r" b="b"/>
+            <a:pathLst>
+              <a:path w="5681709" h="3187083">
+                <a:moveTo>
+                  <a:pt x="0" y="0"/>
+                </a:moveTo>
+                <a:cubicBezTo>
+                  <a:pt x="90996" y="393577"/>
+                  <a:pt x="181992" y="787154"/>
+                  <a:pt x="514905" y="1189608"/>
+                </a:cubicBezTo>
+                <a:cubicBezTo>
+                  <a:pt x="847818" y="1592062"/>
+                  <a:pt x="1393795" y="2104008"/>
+                  <a:pt x="1997476" y="2414726"/>
+                </a:cubicBezTo>
+                <a:cubicBezTo>
+                  <a:pt x="2601157" y="2725444"/>
+                  <a:pt x="3522955" y="2925192"/>
+                  <a:pt x="4136994" y="3053918"/>
+                </a:cubicBezTo>
+                <a:cubicBezTo>
+                  <a:pt x="4751033" y="3182644"/>
+                  <a:pt x="5434614" y="3133817"/>
+                  <a:pt x="5681709" y="3187083"/>
+                </a:cubicBezTo>
+              </a:path>
+            </a:pathLst>
+          </a:custGeom>
+          <a:noFill/>
+          <a:ln w="57150"/>
+        </p:spPr>
+        <p:style>
+          <a:lnRef idx="2">
+            <a:schemeClr val="accent1">
+              <a:shade val="15000"/>
+            </a:schemeClr>
+          </a:lnRef>
+          <a:fillRef idx="1">
+            <a:schemeClr val="accent1"/>
+          </a:fillRef>
+          <a:effectRef idx="0">
+            <a:schemeClr val="accent1"/>
+          </a:effectRef>
+          <a:fontRef idx="minor">
+            <a:schemeClr val="lt1"/>
+          </a:fontRef>
+        </p:style>
+        <p:txBody>
+          <a:bodyPr rtlCol="0" anchor="ctr"/>
+          <a:lstStyle/>
+          <a:p>
+            <a:pPr algn="ctr"/>
+            <a:endParaRPr lang="en-US"/>
+          </a:p>
+        </p:txBody>
+      </p:sp>
+      <p:sp>
+        <p:nvSpPr>
+          <p:cNvPr id="9" name="Freeform: Shape 8">
+            <a:extLst>
+              <a:ext uri="{FF2B5EF4-FFF2-40B4-BE49-F238E27FC236}">
+                <a16:creationId xmlns:a16="http://schemas.microsoft.com/office/drawing/2014/main" id="{0DF9E95A-0946-9D87-77F1-56A5381A0696}"/>
+              </a:ext>
+            </a:extLst>
+          </p:cNvPr>
+          <p:cNvSpPr/>
+          <p:nvPr/>
+        </p:nvSpPr>
+        <p:spPr>
+          <a:xfrm>
+            <a:off x="4224291" y="301340"/>
+            <a:ext cx="5681709" cy="3187083"/>
+          </a:xfrm>
+          <a:custGeom>
+            <a:avLst/>
+            <a:gdLst>
+              <a:gd name="connsiteX0" fmla="*/ 0 w 5681709"/>
+              <a:gd name="connsiteY0" fmla="*/ 0 h 3187083"/>
+              <a:gd name="connsiteX1" fmla="*/ 514905 w 5681709"/>
+              <a:gd name="connsiteY1" fmla="*/ 1189608 h 3187083"/>
+              <a:gd name="connsiteX2" fmla="*/ 1997476 w 5681709"/>
+              <a:gd name="connsiteY2" fmla="*/ 2414726 h 3187083"/>
+              <a:gd name="connsiteX3" fmla="*/ 4136994 w 5681709"/>
+              <a:gd name="connsiteY3" fmla="*/ 3053918 h 3187083"/>
+              <a:gd name="connsiteX4" fmla="*/ 5681709 w 5681709"/>
+              <a:gd name="connsiteY4" fmla="*/ 3187083 h 3187083"/>
+            </a:gdLst>
+            <a:ahLst/>
+            <a:cxnLst>
+              <a:cxn ang="0">
+                <a:pos x="connsiteX0" y="connsiteY0"/>
+              </a:cxn>
+              <a:cxn ang="0">
+                <a:pos x="connsiteX1" y="connsiteY1"/>
+              </a:cxn>
+              <a:cxn ang="0">
+                <a:pos x="connsiteX2" y="connsiteY2"/>
+              </a:cxn>
+              <a:cxn ang="0">
+                <a:pos x="connsiteX3" y="connsiteY3"/>
+              </a:cxn>
+              <a:cxn ang="0">
+                <a:pos x="connsiteX4" y="connsiteY4"/>
+              </a:cxn>
+            </a:cxnLst>
+            <a:rect l="l" t="t" r="r" b="b"/>
+            <a:pathLst>
+              <a:path w="5681709" h="3187083">
+                <a:moveTo>
+                  <a:pt x="0" y="0"/>
+                </a:moveTo>
+                <a:cubicBezTo>
+                  <a:pt x="90996" y="393577"/>
+                  <a:pt x="181992" y="787154"/>
+                  <a:pt x="514905" y="1189608"/>
+                </a:cubicBezTo>
+                <a:cubicBezTo>
+                  <a:pt x="847818" y="1592062"/>
+                  <a:pt x="1393795" y="2104008"/>
+                  <a:pt x="1997476" y="2414726"/>
+                </a:cubicBezTo>
+                <a:cubicBezTo>
+                  <a:pt x="2601157" y="2725444"/>
+                  <a:pt x="3522955" y="2925192"/>
+                  <a:pt x="4136994" y="3053918"/>
+                </a:cubicBezTo>
+                <a:cubicBezTo>
+                  <a:pt x="4751033" y="3182644"/>
+                  <a:pt x="5434614" y="3133817"/>
+                  <a:pt x="5681709" y="3187083"/>
+                </a:cubicBezTo>
+              </a:path>
+            </a:pathLst>
+          </a:custGeom>
+          <a:noFill/>
+          <a:ln w="57150"/>
+        </p:spPr>
+        <p:style>
+          <a:lnRef idx="2">
+            <a:schemeClr val="accent1">
+              <a:shade val="15000"/>
+            </a:schemeClr>
+          </a:lnRef>
+          <a:fillRef idx="1">
+            <a:schemeClr val="accent1"/>
+          </a:fillRef>
+          <a:effectRef idx="0">
+            <a:schemeClr val="accent1"/>
+          </a:effectRef>
+          <a:fontRef idx="minor">
+            <a:schemeClr val="lt1"/>
+          </a:fontRef>
+        </p:style>
+        <p:txBody>
+          <a:bodyPr rtlCol="0" anchor="ctr"/>
+          <a:lstStyle/>
+          <a:p>
+            <a:pPr algn="ctr"/>
+            <a:endParaRPr lang="en-US"/>
+          </a:p>
+        </p:txBody>
+      </p:sp>
+      <p:sp>
+        <p:nvSpPr>
+          <p:cNvPr id="10" name="Freeform: Shape 9">
+            <a:extLst>
+              <a:ext uri="{FF2B5EF4-FFF2-40B4-BE49-F238E27FC236}">
+                <a16:creationId xmlns:a16="http://schemas.microsoft.com/office/drawing/2014/main" id="{728A6B87-90A9-4E7A-65A1-3D89C4CE2CC8}"/>
+              </a:ext>
+            </a:extLst>
+          </p:cNvPr>
+          <p:cNvSpPr/>
+          <p:nvPr/>
+        </p:nvSpPr>
+        <p:spPr>
+          <a:xfrm>
+            <a:off x="2540493" y="2549235"/>
+            <a:ext cx="5681709" cy="3187083"/>
+          </a:xfrm>
+          <a:custGeom>
+            <a:avLst/>
+            <a:gdLst>
+              <a:gd name="connsiteX0" fmla="*/ 0 w 5681709"/>
+              <a:gd name="connsiteY0" fmla="*/ 0 h 3187083"/>
+              <a:gd name="connsiteX1" fmla="*/ 514905 w 5681709"/>
+              <a:gd name="connsiteY1" fmla="*/ 1189608 h 3187083"/>
+              <a:gd name="connsiteX2" fmla="*/ 1997476 w 5681709"/>
+              <a:gd name="connsiteY2" fmla="*/ 2414726 h 3187083"/>
+              <a:gd name="connsiteX3" fmla="*/ 4136994 w 5681709"/>
+              <a:gd name="connsiteY3" fmla="*/ 3053918 h 3187083"/>
+              <a:gd name="connsiteX4" fmla="*/ 5681709 w 5681709"/>
+              <a:gd name="connsiteY4" fmla="*/ 3187083 h 3187083"/>
+            </a:gdLst>
+            <a:ahLst/>
+            <a:cxnLst>
+              <a:cxn ang="0">
+                <a:pos x="connsiteX0" y="connsiteY0"/>
+              </a:cxn>
+              <a:cxn ang="0">
+                <a:pos x="connsiteX1" y="connsiteY1"/>
+              </a:cxn>
+              <a:cxn ang="0">
+                <a:pos x="connsiteX2" y="connsiteY2"/>
+              </a:cxn>
+              <a:cxn ang="0">
+                <a:pos x="connsiteX3" y="connsiteY3"/>
+              </a:cxn>
+              <a:cxn ang="0">
+                <a:pos x="connsiteX4" y="connsiteY4"/>
+              </a:cxn>
+            </a:cxnLst>
+            <a:rect l="l" t="t" r="r" b="b"/>
+            <a:pathLst>
+              <a:path w="5681709" h="3187083">
+                <a:moveTo>
+                  <a:pt x="0" y="0"/>
+                </a:moveTo>
+                <a:cubicBezTo>
+                  <a:pt x="90996" y="393577"/>
+                  <a:pt x="181992" y="787154"/>
+                  <a:pt x="514905" y="1189608"/>
+                </a:cubicBezTo>
+                <a:cubicBezTo>
+                  <a:pt x="847818" y="1592062"/>
+                  <a:pt x="1393795" y="2104008"/>
+                  <a:pt x="1997476" y="2414726"/>
+                </a:cubicBezTo>
+                <a:cubicBezTo>
+                  <a:pt x="2601157" y="2725444"/>
+                  <a:pt x="3522955" y="2925192"/>
+                  <a:pt x="4136994" y="3053918"/>
+                </a:cubicBezTo>
+                <a:cubicBezTo>
+                  <a:pt x="4751033" y="3182644"/>
+                  <a:pt x="5434614" y="3133817"/>
+                  <a:pt x="5681709" y="3187083"/>
+                </a:cubicBezTo>
+              </a:path>
+            </a:pathLst>
+          </a:custGeom>
+          <a:noFill/>
+          <a:ln w="57150"/>
+        </p:spPr>
+        <p:style>
+          <a:lnRef idx="2">
+            <a:schemeClr val="accent1">
+              <a:shade val="15000"/>
+            </a:schemeClr>
+          </a:lnRef>
+          <a:fillRef idx="1">
+            <a:schemeClr val="accent1"/>
+          </a:fillRef>
+          <a:effectRef idx="0">
+            <a:schemeClr val="accent1"/>
+          </a:effectRef>
+          <a:fontRef idx="minor">
+            <a:schemeClr val="lt1"/>
+          </a:fontRef>
+        </p:style>
+        <p:txBody>
+          <a:bodyPr rtlCol="0" anchor="ctr"/>
+          <a:lstStyle/>
+          <a:p>
+            <a:pPr algn="ctr"/>
+            <a:endParaRPr lang="en-US"/>
+          </a:p>
+        </p:txBody>
+      </p:sp>
+      <mc:AlternateContent xmlns:mc="http://schemas.openxmlformats.org/markup-compatibility/2006">
+        <mc:Choice xmlns:a14="http://schemas.microsoft.com/office/drawing/2010/main" Requires="a14">
+          <p:sp>
+            <p:nvSpPr>
+              <p:cNvPr id="11" name="TextBox 10">
+                <a:extLst>
+                  <a:ext uri="{FF2B5EF4-FFF2-40B4-BE49-F238E27FC236}">
+                    <a16:creationId xmlns:a16="http://schemas.microsoft.com/office/drawing/2014/main" id="{D0D05DC2-5FC0-7B58-8CA2-EA0E5D59C62B}"/>
+                  </a:ext>
+                </a:extLst>
+              </p:cNvPr>
+              <p:cNvSpPr txBox="1"/>
+              <p:nvPr/>
+            </p:nvSpPr>
+            <p:spPr>
+              <a:xfrm>
+                <a:off x="8377242" y="5490589"/>
+                <a:ext cx="451777" cy="461665"/>
+              </a:xfrm>
+              <a:prstGeom prst="rect">
+                <a:avLst/>
+              </a:prstGeom>
+              <a:noFill/>
+            </p:spPr>
+            <p:txBody>
+              <a:bodyPr wrap="square" rtlCol="0">
+                <a:spAutoFit/>
+              </a:bodyPr>
+              <a:lstStyle/>
+              <a:p>
+                <a:pPr algn="ctr"/>
+                <a14:m>
+                  <m:oMathPara xmlns:m="http://schemas.openxmlformats.org/officeDocument/2006/math">
+                    <m:oMathParaPr>
+                      <m:jc m:val="centerGroup"/>
+                    </m:oMathParaPr>
+                    <m:oMath xmlns:m="http://schemas.openxmlformats.org/officeDocument/2006/math">
+                      <m:sSub>
+                        <m:sSubPr>
+                          <m:ctrlPr>
+                            <a:rPr lang="en-US" sz="2400" b="1" i="1" smtClean="0">
+                              <a:solidFill>
+                                <a:schemeClr val="accent1">
+                                  <a:lumMod val="50000"/>
+                                </a:schemeClr>
+                              </a:solidFill>
+                              <a:latin typeface="Cambria Math" panose="02040503050406030204" pitchFamily="18" charset="0"/>
+                            </a:rPr>
+                          </m:ctrlPr>
+                        </m:sSubPr>
+                        <m:e>
+                          <m:r>
+                            <a:rPr lang="en-US" sz="2400" b="1" i="1" smtClean="0">
+                              <a:solidFill>
+                                <a:schemeClr val="accent1">
+                                  <a:lumMod val="50000"/>
+                                </a:schemeClr>
+                              </a:solidFill>
+                              <a:latin typeface="Cambria Math" panose="02040503050406030204" pitchFamily="18" charset="0"/>
+                            </a:rPr>
+                            <m:t>𝑼</m:t>
+                          </m:r>
+                        </m:e>
+                        <m:sub>
+                          <m:r>
+                            <a:rPr lang="en-US" sz="2400" b="1" i="1" smtClean="0">
+                              <a:solidFill>
+                                <a:schemeClr val="accent1">
+                                  <a:lumMod val="50000"/>
+                                </a:schemeClr>
+                              </a:solidFill>
+                              <a:latin typeface="Cambria Math" panose="02040503050406030204" pitchFamily="18" charset="0"/>
+                            </a:rPr>
+                            <m:t>𝟏</m:t>
+                          </m:r>
+                        </m:sub>
+                      </m:sSub>
+                    </m:oMath>
+                  </m:oMathPara>
+                </a14:m>
+                <a:endParaRPr lang="en-US" sz="2400" b="1" dirty="0">
+                  <a:solidFill>
+                    <a:schemeClr val="accent1"/>
+                  </a:solidFill>
+                </a:endParaRPr>
+              </a:p>
+            </p:txBody>
+          </p:sp>
+        </mc:Choice>
+        <mc:Fallback>
+          <p:sp>
+            <p:nvSpPr>
+              <p:cNvPr id="11" name="TextBox 10">
+                <a:extLst>
+                  <a:ext uri="{FF2B5EF4-FFF2-40B4-BE49-F238E27FC236}">
+                    <a16:creationId xmlns:a16="http://schemas.microsoft.com/office/drawing/2014/main" id="{D0D05DC2-5FC0-7B58-8CA2-EA0E5D59C62B}"/>
+                  </a:ext>
+                </a:extLst>
+              </p:cNvPr>
+              <p:cNvSpPr txBox="1">
+                <a:spLocks noRot="1" noChangeAspect="1" noMove="1" noResize="1" noEditPoints="1" noAdjustHandles="1" noChangeArrowheads="1" noChangeShapeType="1" noTextEdit="1"/>
+              </p:cNvSpPr>
+              <p:nvPr/>
+            </p:nvSpPr>
+            <p:spPr>
+              <a:xfrm>
+                <a:off x="8377242" y="5490589"/>
+                <a:ext cx="451777" cy="461665"/>
+              </a:xfrm>
+              <a:prstGeom prst="rect">
+                <a:avLst/>
+              </a:prstGeom>
+              <a:blipFill>
+                <a:blip r:embed="rId2"/>
+                <a:stretch>
+                  <a:fillRect l="-21622" b="-2667"/>
+                </a:stretch>
+              </a:blipFill>
+            </p:spPr>
+            <p:txBody>
+              <a:bodyPr/>
+              <a:lstStyle/>
+              <a:p>
+                <a:r>
+                  <a:rPr lang="en-US">
+                    <a:noFill/>
+                  </a:rPr>
+                  <a:t> </a:t>
+                </a:r>
+              </a:p>
+            </p:txBody>
+          </p:sp>
+        </mc:Fallback>
+      </mc:AlternateContent>
+      <mc:AlternateContent xmlns:mc="http://schemas.openxmlformats.org/markup-compatibility/2006">
+        <mc:Choice xmlns:a14="http://schemas.microsoft.com/office/drawing/2010/main" Requires="a14">
+          <p:sp>
+            <p:nvSpPr>
+              <p:cNvPr id="12" name="TextBox 11">
+                <a:extLst>
+                  <a:ext uri="{FF2B5EF4-FFF2-40B4-BE49-F238E27FC236}">
+                    <a16:creationId xmlns:a16="http://schemas.microsoft.com/office/drawing/2014/main" id="{555CB225-8FB3-7B3A-A651-F76C99F8C857}"/>
+                  </a:ext>
+                </a:extLst>
+              </p:cNvPr>
+              <p:cNvSpPr txBox="1"/>
+              <p:nvPr/>
+            </p:nvSpPr>
+            <p:spPr>
+              <a:xfrm>
+                <a:off x="8780368" y="4985881"/>
+                <a:ext cx="451777" cy="461665"/>
+              </a:xfrm>
+              <a:prstGeom prst="rect">
+                <a:avLst/>
+              </a:prstGeom>
+              <a:noFill/>
+            </p:spPr>
+            <p:txBody>
+              <a:bodyPr wrap="square" rtlCol="0">
+                <a:spAutoFit/>
+              </a:bodyPr>
+              <a:lstStyle/>
+              <a:p>
+                <a:pPr algn="ctr"/>
+                <a14:m>
+                  <m:oMathPara xmlns:m="http://schemas.openxmlformats.org/officeDocument/2006/math">
+                    <m:oMathParaPr>
+                      <m:jc m:val="centerGroup"/>
+                    </m:oMathParaPr>
+                    <m:oMath xmlns:m="http://schemas.openxmlformats.org/officeDocument/2006/math">
+                      <m:sSub>
+                        <m:sSubPr>
+                          <m:ctrlPr>
+                            <a:rPr lang="en-US" sz="2400" b="1" i="1" smtClean="0">
+                              <a:solidFill>
+                                <a:schemeClr val="accent1">
+                                  <a:lumMod val="50000"/>
+                                </a:schemeClr>
+                              </a:solidFill>
+                              <a:latin typeface="Cambria Math" panose="02040503050406030204" pitchFamily="18" charset="0"/>
+                            </a:rPr>
+                          </m:ctrlPr>
+                        </m:sSubPr>
+                        <m:e>
+                          <m:r>
+                            <a:rPr lang="en-US" sz="2400" b="1" i="1" smtClean="0">
+                              <a:solidFill>
+                                <a:schemeClr val="accent1">
+                                  <a:lumMod val="50000"/>
+                                </a:schemeClr>
+                              </a:solidFill>
+                              <a:latin typeface="Cambria Math" panose="02040503050406030204" pitchFamily="18" charset="0"/>
+                            </a:rPr>
+                            <m:t>𝑼</m:t>
+                          </m:r>
+                        </m:e>
+                        <m:sub>
+                          <m:r>
+                            <a:rPr lang="en-US" sz="2400" b="1" i="1" smtClean="0">
+                              <a:solidFill>
+                                <a:schemeClr val="accent1">
+                                  <a:lumMod val="50000"/>
+                                </a:schemeClr>
+                              </a:solidFill>
+                              <a:latin typeface="Cambria Math" panose="02040503050406030204" pitchFamily="18" charset="0"/>
+                            </a:rPr>
+                            <m:t>𝟐</m:t>
+                          </m:r>
+                        </m:sub>
+                      </m:sSub>
+                    </m:oMath>
+                  </m:oMathPara>
+                </a14:m>
+                <a:endParaRPr lang="en-US" sz="2400" b="1" dirty="0">
+                  <a:solidFill>
+                    <a:schemeClr val="accent1"/>
+                  </a:solidFill>
+                </a:endParaRPr>
+              </a:p>
+            </p:txBody>
+          </p:sp>
+        </mc:Choice>
+        <mc:Fallback>
+          <p:sp>
+            <p:nvSpPr>
+              <p:cNvPr id="12" name="TextBox 11">
+                <a:extLst>
+                  <a:ext uri="{FF2B5EF4-FFF2-40B4-BE49-F238E27FC236}">
+                    <a16:creationId xmlns:a16="http://schemas.microsoft.com/office/drawing/2014/main" id="{555CB225-8FB3-7B3A-A651-F76C99F8C857}"/>
+                  </a:ext>
+                </a:extLst>
+              </p:cNvPr>
+              <p:cNvSpPr txBox="1">
+                <a:spLocks noRot="1" noChangeAspect="1" noMove="1" noResize="1" noEditPoints="1" noAdjustHandles="1" noChangeArrowheads="1" noChangeShapeType="1" noTextEdit="1"/>
+              </p:cNvSpPr>
+              <p:nvPr/>
+            </p:nvSpPr>
+            <p:spPr>
+              <a:xfrm>
+                <a:off x="8780368" y="4985881"/>
+                <a:ext cx="451777" cy="461665"/>
+              </a:xfrm>
+              <a:prstGeom prst="rect">
+                <a:avLst/>
+              </a:prstGeom>
+              <a:blipFill>
+                <a:blip r:embed="rId3"/>
+                <a:stretch>
+                  <a:fillRect l="-21622" b="-1316"/>
+                </a:stretch>
+              </a:blipFill>
+            </p:spPr>
+            <p:txBody>
+              <a:bodyPr/>
+              <a:lstStyle/>
+              <a:p>
+                <a:r>
+                  <a:rPr lang="en-US">
+                    <a:noFill/>
+                  </a:rPr>
+                  <a:t> </a:t>
+                </a:r>
+              </a:p>
+            </p:txBody>
+          </p:sp>
+        </mc:Fallback>
+      </mc:AlternateContent>
+      <mc:AlternateContent xmlns:mc="http://schemas.openxmlformats.org/markup-compatibility/2006">
+        <mc:Choice xmlns:a14="http://schemas.microsoft.com/office/drawing/2010/main" Requires="a14">
+          <p:sp>
+            <p:nvSpPr>
+              <p:cNvPr id="13" name="TextBox 12">
+                <a:extLst>
+                  <a:ext uri="{FF2B5EF4-FFF2-40B4-BE49-F238E27FC236}">
+                    <a16:creationId xmlns:a16="http://schemas.microsoft.com/office/drawing/2014/main" id="{0392C4BC-7ED7-87B0-B0FA-752126D5B8BA}"/>
+                  </a:ext>
+                </a:extLst>
+              </p:cNvPr>
+              <p:cNvSpPr txBox="1"/>
+              <p:nvPr/>
+            </p:nvSpPr>
+            <p:spPr>
+              <a:xfrm>
+                <a:off x="9199730" y="4305656"/>
+                <a:ext cx="451777" cy="461665"/>
+              </a:xfrm>
+              <a:prstGeom prst="rect">
+                <a:avLst/>
+              </a:prstGeom>
+              <a:noFill/>
+            </p:spPr>
+            <p:txBody>
+              <a:bodyPr wrap="square" rtlCol="0">
+                <a:spAutoFit/>
+              </a:bodyPr>
+              <a:lstStyle/>
+              <a:p>
+                <a:pPr algn="ctr"/>
+                <a14:m>
+                  <m:oMathPara xmlns:m="http://schemas.openxmlformats.org/officeDocument/2006/math">
+                    <m:oMathParaPr>
+                      <m:jc m:val="centerGroup"/>
+                    </m:oMathParaPr>
+                    <m:oMath xmlns:m="http://schemas.openxmlformats.org/officeDocument/2006/math">
+                      <m:sSub>
+                        <m:sSubPr>
+                          <m:ctrlPr>
+                            <a:rPr lang="en-US" sz="2400" b="1" i="1" smtClean="0">
+                              <a:solidFill>
+                                <a:schemeClr val="accent1">
+                                  <a:lumMod val="50000"/>
+                                </a:schemeClr>
+                              </a:solidFill>
+                              <a:latin typeface="Cambria Math" panose="02040503050406030204" pitchFamily="18" charset="0"/>
+                            </a:rPr>
+                          </m:ctrlPr>
+                        </m:sSubPr>
+                        <m:e>
+                          <m:r>
+                            <a:rPr lang="en-US" sz="2400" b="1" i="1" smtClean="0">
+                              <a:solidFill>
+                                <a:schemeClr val="accent1">
+                                  <a:lumMod val="50000"/>
+                                </a:schemeClr>
+                              </a:solidFill>
+                              <a:latin typeface="Cambria Math" panose="02040503050406030204" pitchFamily="18" charset="0"/>
+                            </a:rPr>
+                            <m:t>𝑼</m:t>
+                          </m:r>
+                        </m:e>
+                        <m:sub>
+                          <m:r>
+                            <a:rPr lang="en-US" sz="2400" b="1" i="1" smtClean="0">
+                              <a:solidFill>
+                                <a:schemeClr val="accent1">
+                                  <a:lumMod val="50000"/>
+                                </a:schemeClr>
+                              </a:solidFill>
+                              <a:latin typeface="Cambria Math" panose="02040503050406030204" pitchFamily="18" charset="0"/>
+                            </a:rPr>
+                            <m:t>𝟑</m:t>
+                          </m:r>
+                        </m:sub>
+                      </m:sSub>
+                    </m:oMath>
+                  </m:oMathPara>
+                </a14:m>
+                <a:endParaRPr lang="en-US" sz="2400" b="1" dirty="0">
+                  <a:solidFill>
+                    <a:schemeClr val="accent1"/>
+                  </a:solidFill>
+                </a:endParaRPr>
+              </a:p>
+            </p:txBody>
+          </p:sp>
+        </mc:Choice>
+        <mc:Fallback>
+          <p:sp>
+            <p:nvSpPr>
+              <p:cNvPr id="13" name="TextBox 12">
+                <a:extLst>
+                  <a:ext uri="{FF2B5EF4-FFF2-40B4-BE49-F238E27FC236}">
+                    <a16:creationId xmlns:a16="http://schemas.microsoft.com/office/drawing/2014/main" id="{0392C4BC-7ED7-87B0-B0FA-752126D5B8BA}"/>
+                  </a:ext>
+                </a:extLst>
+              </p:cNvPr>
+              <p:cNvSpPr txBox="1">
+                <a:spLocks noRot="1" noChangeAspect="1" noMove="1" noResize="1" noEditPoints="1" noAdjustHandles="1" noChangeArrowheads="1" noChangeShapeType="1" noTextEdit="1"/>
+              </p:cNvSpPr>
+              <p:nvPr/>
+            </p:nvSpPr>
+            <p:spPr>
+              <a:xfrm>
+                <a:off x="9199730" y="4305656"/>
+                <a:ext cx="451777" cy="461665"/>
+              </a:xfrm>
+              <a:prstGeom prst="rect">
+                <a:avLst/>
+              </a:prstGeom>
+              <a:blipFill>
+                <a:blip r:embed="rId4"/>
+                <a:stretch>
+                  <a:fillRect l="-21622" b="-2632"/>
+                </a:stretch>
+              </a:blipFill>
+            </p:spPr>
+            <p:txBody>
+              <a:bodyPr/>
+              <a:lstStyle/>
+              <a:p>
+                <a:r>
+                  <a:rPr lang="en-US">
+                    <a:noFill/>
+                  </a:rPr>
+                  <a:t> </a:t>
+                </a:r>
+              </a:p>
+            </p:txBody>
+          </p:sp>
+        </mc:Fallback>
+      </mc:AlternateContent>
+      <mc:AlternateContent xmlns:mc="http://schemas.openxmlformats.org/markup-compatibility/2006">
+        <mc:Choice xmlns:a14="http://schemas.microsoft.com/office/drawing/2010/main" Requires="a14">
+          <p:sp>
+            <p:nvSpPr>
+              <p:cNvPr id="14" name="TextBox 13">
+                <a:extLst>
+                  <a:ext uri="{FF2B5EF4-FFF2-40B4-BE49-F238E27FC236}">
+                    <a16:creationId xmlns:a16="http://schemas.microsoft.com/office/drawing/2014/main" id="{2B60FF16-740B-FE48-55B9-20C8E09C230E}"/>
+                  </a:ext>
+                </a:extLst>
+              </p:cNvPr>
+              <p:cNvSpPr txBox="1"/>
+              <p:nvPr/>
+            </p:nvSpPr>
+            <p:spPr>
+              <a:xfrm>
+                <a:off x="9608387" y="3781623"/>
+                <a:ext cx="451777" cy="461665"/>
+              </a:xfrm>
+              <a:prstGeom prst="rect">
+                <a:avLst/>
+              </a:prstGeom>
+              <a:noFill/>
+            </p:spPr>
+            <p:txBody>
+              <a:bodyPr wrap="square" rtlCol="0">
+                <a:spAutoFit/>
+              </a:bodyPr>
+              <a:lstStyle/>
+              <a:p>
+                <a:pPr algn="ctr"/>
+                <a14:m>
+                  <m:oMathPara xmlns:m="http://schemas.openxmlformats.org/officeDocument/2006/math">
+                    <m:oMathParaPr>
+                      <m:jc m:val="centerGroup"/>
+                    </m:oMathParaPr>
+                    <m:oMath xmlns:m="http://schemas.openxmlformats.org/officeDocument/2006/math">
+                      <m:sSub>
+                        <m:sSubPr>
+                          <m:ctrlPr>
+                            <a:rPr lang="en-US" sz="2400" b="1" i="1" smtClean="0">
+                              <a:solidFill>
+                                <a:schemeClr val="accent1">
+                                  <a:lumMod val="50000"/>
+                                </a:schemeClr>
+                              </a:solidFill>
+                              <a:latin typeface="Cambria Math" panose="02040503050406030204" pitchFamily="18" charset="0"/>
+                            </a:rPr>
+                          </m:ctrlPr>
+                        </m:sSubPr>
+                        <m:e>
+                          <m:r>
+                            <a:rPr lang="en-US" sz="2400" b="1" i="1" smtClean="0">
+                              <a:solidFill>
+                                <a:schemeClr val="accent1">
+                                  <a:lumMod val="50000"/>
+                                </a:schemeClr>
+                              </a:solidFill>
+                              <a:latin typeface="Cambria Math" panose="02040503050406030204" pitchFamily="18" charset="0"/>
+                            </a:rPr>
+                            <m:t>𝑼</m:t>
+                          </m:r>
+                        </m:e>
+                        <m:sub>
+                          <m:r>
+                            <a:rPr lang="en-US" sz="2400" b="1" i="1" smtClean="0">
+                              <a:solidFill>
+                                <a:schemeClr val="accent1">
+                                  <a:lumMod val="50000"/>
+                                </a:schemeClr>
+                              </a:solidFill>
+                              <a:latin typeface="Cambria Math" panose="02040503050406030204" pitchFamily="18" charset="0"/>
+                            </a:rPr>
+                            <m:t>𝟒</m:t>
+                          </m:r>
+                        </m:sub>
+                      </m:sSub>
+                    </m:oMath>
+                  </m:oMathPara>
+                </a14:m>
+                <a:endParaRPr lang="en-US" sz="2400" b="1" dirty="0">
+                  <a:solidFill>
+                    <a:schemeClr val="accent1"/>
+                  </a:solidFill>
+                </a:endParaRPr>
+              </a:p>
+            </p:txBody>
+          </p:sp>
+        </mc:Choice>
+        <mc:Fallback>
+          <p:sp>
+            <p:nvSpPr>
+              <p:cNvPr id="14" name="TextBox 13">
+                <a:extLst>
+                  <a:ext uri="{FF2B5EF4-FFF2-40B4-BE49-F238E27FC236}">
+                    <a16:creationId xmlns:a16="http://schemas.microsoft.com/office/drawing/2014/main" id="{2B60FF16-740B-FE48-55B9-20C8E09C230E}"/>
+                  </a:ext>
+                </a:extLst>
+              </p:cNvPr>
+              <p:cNvSpPr txBox="1">
+                <a:spLocks noRot="1" noChangeAspect="1" noMove="1" noResize="1" noEditPoints="1" noAdjustHandles="1" noChangeArrowheads="1" noChangeShapeType="1" noTextEdit="1"/>
+              </p:cNvSpPr>
+              <p:nvPr/>
+            </p:nvSpPr>
+            <p:spPr>
+              <a:xfrm>
+                <a:off x="9608387" y="3781623"/>
+                <a:ext cx="451777" cy="461665"/>
+              </a:xfrm>
+              <a:prstGeom prst="rect">
+                <a:avLst/>
+              </a:prstGeom>
+              <a:blipFill>
+                <a:blip r:embed="rId5"/>
+                <a:stretch>
+                  <a:fillRect l="-21622" b="-2632"/>
+                </a:stretch>
+              </a:blipFill>
+            </p:spPr>
+            <p:txBody>
+              <a:bodyPr/>
+              <a:lstStyle/>
+              <a:p>
+                <a:r>
+                  <a:rPr lang="en-US">
+                    <a:noFill/>
+                  </a:rPr>
+                  <a:t> </a:t>
+                </a:r>
+              </a:p>
+            </p:txBody>
+          </p:sp>
+        </mc:Fallback>
+      </mc:AlternateContent>
+      <mc:AlternateContent xmlns:mc="http://schemas.openxmlformats.org/markup-compatibility/2006">
+        <mc:Choice xmlns:a14="http://schemas.microsoft.com/office/drawing/2010/main" Requires="a14">
+          <p:sp>
+            <p:nvSpPr>
+              <p:cNvPr id="15" name="TextBox 14">
+                <a:extLst>
+                  <a:ext uri="{FF2B5EF4-FFF2-40B4-BE49-F238E27FC236}">
+                    <a16:creationId xmlns:a16="http://schemas.microsoft.com/office/drawing/2014/main" id="{DB528996-E903-9069-D184-29A3885690D7}"/>
+                  </a:ext>
+                </a:extLst>
+              </p:cNvPr>
+              <p:cNvSpPr txBox="1"/>
+              <p:nvPr/>
+            </p:nvSpPr>
+            <p:spPr>
+              <a:xfrm>
+                <a:off x="10011513" y="3257590"/>
+                <a:ext cx="451777" cy="461665"/>
+              </a:xfrm>
+              <a:prstGeom prst="rect">
+                <a:avLst/>
+              </a:prstGeom>
+              <a:noFill/>
+            </p:spPr>
+            <p:txBody>
+              <a:bodyPr wrap="square" rtlCol="0">
+                <a:spAutoFit/>
+              </a:bodyPr>
+              <a:lstStyle/>
+              <a:p>
+                <a:pPr algn="ctr"/>
+                <a14:m>
+                  <m:oMathPara xmlns:m="http://schemas.openxmlformats.org/officeDocument/2006/math">
+                    <m:oMathParaPr>
+                      <m:jc m:val="centerGroup"/>
+                    </m:oMathParaPr>
+                    <m:oMath xmlns:m="http://schemas.openxmlformats.org/officeDocument/2006/math">
+                      <m:sSub>
+                        <m:sSubPr>
+                          <m:ctrlPr>
+                            <a:rPr lang="en-US" sz="2400" b="1" i="1" smtClean="0">
+                              <a:solidFill>
+                                <a:schemeClr val="accent1">
+                                  <a:lumMod val="50000"/>
+                                </a:schemeClr>
+                              </a:solidFill>
+                              <a:latin typeface="Cambria Math" panose="02040503050406030204" pitchFamily="18" charset="0"/>
+                            </a:rPr>
+                          </m:ctrlPr>
+                        </m:sSubPr>
+                        <m:e>
+                          <m:r>
+                            <a:rPr lang="en-US" sz="2400" b="1" i="1" smtClean="0">
+                              <a:solidFill>
+                                <a:schemeClr val="accent1">
+                                  <a:lumMod val="50000"/>
+                                </a:schemeClr>
+                              </a:solidFill>
+                              <a:latin typeface="Cambria Math" panose="02040503050406030204" pitchFamily="18" charset="0"/>
+                            </a:rPr>
+                            <m:t>𝑼</m:t>
+                          </m:r>
+                        </m:e>
+                        <m:sub>
+                          <m:r>
+                            <a:rPr lang="en-US" sz="2400" b="1" i="1" smtClean="0">
+                              <a:solidFill>
+                                <a:schemeClr val="accent1">
+                                  <a:lumMod val="50000"/>
+                                </a:schemeClr>
+                              </a:solidFill>
+                              <a:latin typeface="Cambria Math" panose="02040503050406030204" pitchFamily="18" charset="0"/>
+                            </a:rPr>
+                            <m:t>𝟓</m:t>
+                          </m:r>
+                        </m:sub>
+                      </m:sSub>
+                    </m:oMath>
+                  </m:oMathPara>
+                </a14:m>
+                <a:endParaRPr lang="en-US" sz="2400" b="1" dirty="0">
+                  <a:solidFill>
+                    <a:schemeClr val="accent1"/>
+                  </a:solidFill>
+                </a:endParaRPr>
+              </a:p>
+            </p:txBody>
+          </p:sp>
+        </mc:Choice>
+        <mc:Fallback>
+          <p:sp>
+            <p:nvSpPr>
+              <p:cNvPr id="15" name="TextBox 14">
+                <a:extLst>
+                  <a:ext uri="{FF2B5EF4-FFF2-40B4-BE49-F238E27FC236}">
+                    <a16:creationId xmlns:a16="http://schemas.microsoft.com/office/drawing/2014/main" id="{DB528996-E903-9069-D184-29A3885690D7}"/>
+                  </a:ext>
+                </a:extLst>
+              </p:cNvPr>
+              <p:cNvSpPr txBox="1">
+                <a:spLocks noRot="1" noChangeAspect="1" noMove="1" noResize="1" noEditPoints="1" noAdjustHandles="1" noChangeArrowheads="1" noChangeShapeType="1" noTextEdit="1"/>
+              </p:cNvSpPr>
+              <p:nvPr/>
+            </p:nvSpPr>
+            <p:spPr>
+              <a:xfrm>
+                <a:off x="10011513" y="3257590"/>
+                <a:ext cx="451777" cy="461665"/>
+              </a:xfrm>
+              <a:prstGeom prst="rect">
+                <a:avLst/>
+              </a:prstGeom>
+              <a:blipFill>
+                <a:blip r:embed="rId6"/>
+                <a:stretch>
+                  <a:fillRect l="-21622" b="-2632"/>
+                </a:stretch>
+              </a:blipFill>
+            </p:spPr>
+            <p:txBody>
+              <a:bodyPr/>
+              <a:lstStyle/>
+              <a:p>
+                <a:r>
+                  <a:rPr lang="en-US">
+                    <a:noFill/>
+                  </a:rPr>
+                  <a:t> </a:t>
+                </a:r>
+              </a:p>
+            </p:txBody>
+          </p:sp>
+        </mc:Fallback>
+      </mc:AlternateContent>
+    </p:spTree>
+    <p:extLst>
+      <p:ext uri="{BB962C8B-B14F-4D97-AF65-F5344CB8AC3E}">
+        <p14:creationId xmlns:p14="http://schemas.microsoft.com/office/powerpoint/2010/main" val="3743402072"/>
+      </p:ext>
+    </p:extLst>
+  </p:cSld>
+  <p:clrMapOvr>
+    <a:masterClrMapping/>
+  </p:clrMapOvr>
+</p:sld>
+</file>
+
+<file path=ppt/slides/slide9.xml><?xml version="1.0" encoding="utf-8"?>
+<p:sld xmlns:a="http://schemas.openxmlformats.org/drawingml/2006/main" xmlns:r="http://schemas.openxmlformats.org/officeDocument/2006/relationships" xmlns:p="http://schemas.openxmlformats.org/presentationml/2006/main">
+  <p:cSld>
+    <p:spTree>
+      <p:nvGrpSpPr>
+        <p:cNvPr id="1" name=""/>
+        <p:cNvGrpSpPr/>
+        <p:nvPr/>
+      </p:nvGrpSpPr>
+      <p:grpSpPr>
+        <a:xfrm>
+          <a:off x="0" y="0"/>
+          <a:ext cx="0" cy="0"/>
+          <a:chOff x="0" y="0"/>
+          <a:chExt cx="0" cy="0"/>
+        </a:xfrm>
+      </p:grpSpPr>
+      <p:sp>
+        <p:nvSpPr>
+          <p:cNvPr id="2" name="Freeform: Shape 1">
+            <a:extLst>
+              <a:ext uri="{FF2B5EF4-FFF2-40B4-BE49-F238E27FC236}">
+                <a16:creationId xmlns:a16="http://schemas.microsoft.com/office/drawing/2014/main" id="{D68EDA48-D74D-45EB-44D7-69F41E2846F4}"/>
+              </a:ext>
+            </a:extLst>
+          </p:cNvPr>
+          <p:cNvSpPr/>
+          <p:nvPr/>
+        </p:nvSpPr>
+        <p:spPr>
+          <a:xfrm>
+            <a:off x="2286000" y="395306"/>
+            <a:ext cx="7601613" cy="5637321"/>
+          </a:xfrm>
+          <a:custGeom>
+            <a:avLst/>
+            <a:gdLst>
+              <a:gd name="connsiteX0" fmla="*/ 0 w 10227076"/>
+              <a:gd name="connsiteY0" fmla="*/ 0 h 5637321"/>
+              <a:gd name="connsiteX1" fmla="*/ 35511 w 10227076"/>
+              <a:gd name="connsiteY1" fmla="*/ 5637321 h 5637321"/>
+              <a:gd name="connsiteX2" fmla="*/ 10227076 w 10227076"/>
+              <a:gd name="connsiteY2" fmla="*/ 5584055 h 5637321"/>
+            </a:gdLst>
+            <a:ahLst/>
+            <a:cxnLst>
+              <a:cxn ang="0">
+                <a:pos x="connsiteX0" y="connsiteY0"/>
+              </a:cxn>
+              <a:cxn ang="0">
+                <a:pos x="connsiteX1" y="connsiteY1"/>
+              </a:cxn>
+              <a:cxn ang="0">
+                <a:pos x="connsiteX2" y="connsiteY2"/>
+              </a:cxn>
+            </a:cxnLst>
+            <a:rect l="l" t="t" r="r" b="b"/>
+            <a:pathLst>
+              <a:path w="10227076" h="5637321">
+                <a:moveTo>
+                  <a:pt x="0" y="0"/>
+                </a:moveTo>
+                <a:lnTo>
+                  <a:pt x="35511" y="5637321"/>
+                </a:lnTo>
+                <a:lnTo>
+                  <a:pt x="10227076" y="5584055"/>
+                </a:lnTo>
+              </a:path>
+            </a:pathLst>
+          </a:custGeom>
+          <a:ln w="38100"/>
+        </p:spPr>
+        <p:style>
+          <a:lnRef idx="3">
+            <a:schemeClr val="dk1"/>
+          </a:lnRef>
+          <a:fillRef idx="0">
+            <a:schemeClr val="dk1"/>
+          </a:fillRef>
+          <a:effectRef idx="2">
+            <a:schemeClr val="dk1"/>
+          </a:effectRef>
+          <a:fontRef idx="minor">
+            <a:schemeClr val="tx1"/>
+          </a:fontRef>
+        </p:style>
+        <p:txBody>
+          <a:bodyPr rtlCol="0" anchor="ctr"/>
+          <a:lstStyle/>
+          <a:p>
+            <a:pPr algn="ctr"/>
+            <a:endParaRPr lang="en-US" dirty="0"/>
+          </a:p>
+        </p:txBody>
+      </p:sp>
+      <p:sp>
+        <p:nvSpPr>
+          <p:cNvPr id="3" name="Freeform: Shape 2">
+            <a:extLst>
+              <a:ext uri="{FF2B5EF4-FFF2-40B4-BE49-F238E27FC236}">
+                <a16:creationId xmlns:a16="http://schemas.microsoft.com/office/drawing/2014/main" id="{5307EFDA-60D6-DA65-C642-2EC9B9650D66}"/>
+              </a:ext>
+            </a:extLst>
+          </p:cNvPr>
+          <p:cNvSpPr/>
+          <p:nvPr/>
+        </p:nvSpPr>
+        <p:spPr>
+          <a:xfrm rot="20865587">
+            <a:off x="3027367" y="1320180"/>
+            <a:ext cx="5681709" cy="3187083"/>
+          </a:xfrm>
+          <a:custGeom>
+            <a:avLst/>
+            <a:gdLst>
+              <a:gd name="connsiteX0" fmla="*/ 0 w 5681709"/>
+              <a:gd name="connsiteY0" fmla="*/ 0 h 3187083"/>
+              <a:gd name="connsiteX1" fmla="*/ 514905 w 5681709"/>
+              <a:gd name="connsiteY1" fmla="*/ 1189608 h 3187083"/>
+              <a:gd name="connsiteX2" fmla="*/ 1997476 w 5681709"/>
+              <a:gd name="connsiteY2" fmla="*/ 2414726 h 3187083"/>
+              <a:gd name="connsiteX3" fmla="*/ 4136994 w 5681709"/>
+              <a:gd name="connsiteY3" fmla="*/ 3053918 h 3187083"/>
+              <a:gd name="connsiteX4" fmla="*/ 5681709 w 5681709"/>
+              <a:gd name="connsiteY4" fmla="*/ 3187083 h 3187083"/>
+            </a:gdLst>
+            <a:ahLst/>
+            <a:cxnLst>
+              <a:cxn ang="0">
+                <a:pos x="connsiteX0" y="connsiteY0"/>
+              </a:cxn>
+              <a:cxn ang="0">
+                <a:pos x="connsiteX1" y="connsiteY1"/>
+              </a:cxn>
+              <a:cxn ang="0">
+                <a:pos x="connsiteX2" y="connsiteY2"/>
+              </a:cxn>
+              <a:cxn ang="0">
+                <a:pos x="connsiteX3" y="connsiteY3"/>
+              </a:cxn>
+              <a:cxn ang="0">
+                <a:pos x="connsiteX4" y="connsiteY4"/>
+              </a:cxn>
+            </a:cxnLst>
+            <a:rect l="l" t="t" r="r" b="b"/>
+            <a:pathLst>
+              <a:path w="5681709" h="3187083">
+                <a:moveTo>
+                  <a:pt x="0" y="0"/>
+                </a:moveTo>
+                <a:cubicBezTo>
+                  <a:pt x="90996" y="393577"/>
+                  <a:pt x="181992" y="787154"/>
+                  <a:pt x="514905" y="1189608"/>
+                </a:cubicBezTo>
+                <a:cubicBezTo>
+                  <a:pt x="847818" y="1592062"/>
+                  <a:pt x="1393795" y="2104008"/>
+                  <a:pt x="1997476" y="2414726"/>
+                </a:cubicBezTo>
+                <a:cubicBezTo>
+                  <a:pt x="2601157" y="2725444"/>
+                  <a:pt x="3522955" y="2925192"/>
+                  <a:pt x="4136994" y="3053918"/>
+                </a:cubicBezTo>
+                <a:cubicBezTo>
+                  <a:pt x="4751033" y="3182644"/>
+                  <a:pt x="5434614" y="3133817"/>
+                  <a:pt x="5681709" y="3187083"/>
+                </a:cubicBezTo>
+              </a:path>
+            </a:pathLst>
+          </a:custGeom>
+          <a:noFill/>
+          <a:ln w="57150"/>
+        </p:spPr>
+        <p:style>
+          <a:lnRef idx="2">
+            <a:schemeClr val="accent1">
+              <a:shade val="15000"/>
+            </a:schemeClr>
+          </a:lnRef>
+          <a:fillRef idx="1">
+            <a:schemeClr val="accent1"/>
+          </a:fillRef>
+          <a:effectRef idx="0">
+            <a:schemeClr val="accent1"/>
+          </a:effectRef>
+          <a:fontRef idx="minor">
+            <a:schemeClr val="lt1"/>
+          </a:fontRef>
+        </p:style>
+        <p:txBody>
+          <a:bodyPr rtlCol="0" anchor="ctr"/>
+          <a:lstStyle/>
+          <a:p>
+            <a:pPr algn="ctr"/>
+            <a:endParaRPr lang="en-US"/>
+          </a:p>
+        </p:txBody>
+      </p:sp>
+      <p:sp>
+        <p:nvSpPr>
+          <p:cNvPr id="4" name="Freeform: Shape 3">
+            <a:extLst>
+              <a:ext uri="{FF2B5EF4-FFF2-40B4-BE49-F238E27FC236}">
+                <a16:creationId xmlns:a16="http://schemas.microsoft.com/office/drawing/2014/main" id="{CABC5D48-6001-2E19-50C0-0C0D75D1F06D}"/>
+              </a:ext>
+            </a:extLst>
+          </p:cNvPr>
+          <p:cNvSpPr/>
+          <p:nvPr/>
+        </p:nvSpPr>
+        <p:spPr>
+          <a:xfrm rot="563085">
+            <a:off x="3534367" y="1620425"/>
+            <a:ext cx="5681709" cy="3187083"/>
+          </a:xfrm>
+          <a:custGeom>
+            <a:avLst/>
+            <a:gdLst>
+              <a:gd name="connsiteX0" fmla="*/ 0 w 5681709"/>
+              <a:gd name="connsiteY0" fmla="*/ 0 h 3187083"/>
+              <a:gd name="connsiteX1" fmla="*/ 514905 w 5681709"/>
+              <a:gd name="connsiteY1" fmla="*/ 1189608 h 3187083"/>
+              <a:gd name="connsiteX2" fmla="*/ 1997476 w 5681709"/>
+              <a:gd name="connsiteY2" fmla="*/ 2414726 h 3187083"/>
+              <a:gd name="connsiteX3" fmla="*/ 4136994 w 5681709"/>
+              <a:gd name="connsiteY3" fmla="*/ 3053918 h 3187083"/>
+              <a:gd name="connsiteX4" fmla="*/ 5681709 w 5681709"/>
+              <a:gd name="connsiteY4" fmla="*/ 3187083 h 3187083"/>
+            </a:gdLst>
+            <a:ahLst/>
+            <a:cxnLst>
+              <a:cxn ang="0">
+                <a:pos x="connsiteX0" y="connsiteY0"/>
+              </a:cxn>
+              <a:cxn ang="0">
+                <a:pos x="connsiteX1" y="connsiteY1"/>
+              </a:cxn>
+              <a:cxn ang="0">
+                <a:pos x="connsiteX2" y="connsiteY2"/>
+              </a:cxn>
+              <a:cxn ang="0">
+                <a:pos x="connsiteX3" y="connsiteY3"/>
+              </a:cxn>
+              <a:cxn ang="0">
+                <a:pos x="connsiteX4" y="connsiteY4"/>
+              </a:cxn>
+            </a:cxnLst>
+            <a:rect l="l" t="t" r="r" b="b"/>
+            <a:pathLst>
+              <a:path w="5681709" h="3187083">
+                <a:moveTo>
+                  <a:pt x="0" y="0"/>
+                </a:moveTo>
+                <a:cubicBezTo>
+                  <a:pt x="90996" y="393577"/>
+                  <a:pt x="181992" y="787154"/>
+                  <a:pt x="514905" y="1189608"/>
+                </a:cubicBezTo>
+                <a:cubicBezTo>
+                  <a:pt x="847818" y="1592062"/>
+                  <a:pt x="1393795" y="2104008"/>
+                  <a:pt x="1997476" y="2414726"/>
+                </a:cubicBezTo>
+                <a:cubicBezTo>
+                  <a:pt x="2601157" y="2725444"/>
+                  <a:pt x="3522955" y="2925192"/>
+                  <a:pt x="4136994" y="3053918"/>
+                </a:cubicBezTo>
+                <a:cubicBezTo>
+                  <a:pt x="4751033" y="3182644"/>
+                  <a:pt x="5434614" y="3133817"/>
+                  <a:pt x="5681709" y="3187083"/>
+                </a:cubicBezTo>
+              </a:path>
+            </a:pathLst>
+          </a:custGeom>
+          <a:noFill/>
+          <a:ln w="57150"/>
+        </p:spPr>
+        <p:style>
+          <a:lnRef idx="2">
+            <a:schemeClr val="accent1">
+              <a:shade val="15000"/>
+            </a:schemeClr>
+          </a:lnRef>
+          <a:fillRef idx="1">
+            <a:schemeClr val="accent1"/>
+          </a:fillRef>
+          <a:effectRef idx="0">
+            <a:schemeClr val="accent1"/>
+          </a:effectRef>
+          <a:fontRef idx="minor">
+            <a:schemeClr val="lt1"/>
+          </a:fontRef>
+        </p:style>
+        <p:txBody>
+          <a:bodyPr rtlCol="0" anchor="ctr"/>
+          <a:lstStyle/>
+          <a:p>
+            <a:pPr algn="ctr"/>
+            <a:endParaRPr lang="en-US"/>
+          </a:p>
+        </p:txBody>
+      </p:sp>
+      <p:sp>
+        <p:nvSpPr>
+          <p:cNvPr id="5" name="Oval 4">
+            <a:extLst>
+              <a:ext uri="{FF2B5EF4-FFF2-40B4-BE49-F238E27FC236}">
+                <a16:creationId xmlns:a16="http://schemas.microsoft.com/office/drawing/2014/main" id="{42A7851D-22A8-51B5-F97F-CFF8B814B351}"/>
+              </a:ext>
+            </a:extLst>
+          </p:cNvPr>
+          <p:cNvSpPr/>
+          <p:nvPr/>
+        </p:nvSpPr>
+        <p:spPr>
+          <a:xfrm>
+            <a:off x="3799644" y="1695635"/>
+            <a:ext cx="213064" cy="213065"/>
+          </a:xfrm>
+          <a:prstGeom prst="ellipse">
+            <a:avLst/>
+          </a:prstGeom>
+          <a:ln w="28575"/>
+        </p:spPr>
+        <p:style>
+          <a:lnRef idx="2">
+            <a:schemeClr val="accent2">
+              <a:shade val="15000"/>
+            </a:schemeClr>
+          </a:lnRef>
+          <a:fillRef idx="1">
+            <a:schemeClr val="accent2"/>
+          </a:fillRef>
+          <a:effectRef idx="0">
+            <a:schemeClr val="accent2"/>
+          </a:effectRef>
+          <a:fontRef idx="minor">
+            <a:schemeClr val="lt1"/>
+          </a:fontRef>
+        </p:style>
+        <p:txBody>
+          <a:bodyPr rtlCol="0" anchor="ctr"/>
+          <a:lstStyle/>
+          <a:p>
+            <a:pPr algn="ctr"/>
+            <a:endParaRPr lang="en-US"/>
+          </a:p>
+        </p:txBody>
+      </p:sp>
+      <p:sp>
+        <p:nvSpPr>
+          <p:cNvPr id="6" name="Oval 5">
+            <a:extLst>
+              <a:ext uri="{FF2B5EF4-FFF2-40B4-BE49-F238E27FC236}">
+                <a16:creationId xmlns:a16="http://schemas.microsoft.com/office/drawing/2014/main" id="{54BE53CE-48E6-EA8E-A8EE-C13DDD64332C}"/>
+              </a:ext>
+            </a:extLst>
+          </p:cNvPr>
+          <p:cNvSpPr/>
+          <p:nvPr/>
+        </p:nvSpPr>
+        <p:spPr>
+          <a:xfrm>
+            <a:off x="3206009" y="2700656"/>
+            <a:ext cx="213064" cy="213065"/>
+          </a:xfrm>
+          <a:prstGeom prst="ellipse">
+            <a:avLst/>
+          </a:prstGeom>
+          <a:ln w="28575"/>
+        </p:spPr>
+        <p:style>
+          <a:lnRef idx="2">
+            <a:schemeClr val="accent2">
+              <a:shade val="15000"/>
+            </a:schemeClr>
+          </a:lnRef>
+          <a:fillRef idx="1">
+            <a:schemeClr val="accent2"/>
+          </a:fillRef>
+          <a:effectRef idx="0">
+            <a:schemeClr val="accent2"/>
+          </a:effectRef>
+          <a:fontRef idx="minor">
+            <a:schemeClr val="lt1"/>
+          </a:fontRef>
+        </p:style>
+        <p:txBody>
+          <a:bodyPr rtlCol="0" anchor="ctr"/>
+          <a:lstStyle/>
+          <a:p>
+            <a:pPr algn="ctr"/>
+            <a:endParaRPr lang="en-US"/>
+          </a:p>
+        </p:txBody>
+      </p:sp>
+      <p:sp>
+        <p:nvSpPr>
+          <p:cNvPr id="7" name="Oval 6">
+            <a:extLst>
+              <a:ext uri="{FF2B5EF4-FFF2-40B4-BE49-F238E27FC236}">
+                <a16:creationId xmlns:a16="http://schemas.microsoft.com/office/drawing/2014/main" id="{9A8511C9-2EEC-AF61-0A6E-5EFBC7B49780}"/>
+              </a:ext>
+            </a:extLst>
+          </p:cNvPr>
+          <p:cNvSpPr/>
+          <p:nvPr/>
+        </p:nvSpPr>
+        <p:spPr>
+          <a:xfrm>
+            <a:off x="8195570" y="3854388"/>
+            <a:ext cx="213064" cy="213065"/>
+          </a:xfrm>
+          <a:prstGeom prst="ellipse">
+            <a:avLst/>
+          </a:prstGeom>
+          <a:ln w="28575"/>
+        </p:spPr>
+        <p:style>
+          <a:lnRef idx="2">
+            <a:schemeClr val="accent2">
+              <a:shade val="15000"/>
+            </a:schemeClr>
+          </a:lnRef>
+          <a:fillRef idx="1">
+            <a:schemeClr val="accent2"/>
+          </a:fillRef>
+          <a:effectRef idx="0">
+            <a:schemeClr val="accent2"/>
+          </a:effectRef>
+          <a:fontRef idx="minor">
+            <a:schemeClr val="lt1"/>
+          </a:fontRef>
+        </p:style>
+        <p:txBody>
+          <a:bodyPr rtlCol="0" anchor="ctr"/>
+          <a:lstStyle/>
+          <a:p>
+            <a:pPr algn="ctr"/>
+            <a:endParaRPr lang="en-US"/>
+          </a:p>
+        </p:txBody>
+      </p:sp>
+      <p:sp>
+        <p:nvSpPr>
+          <p:cNvPr id="8" name="Oval 7">
+            <a:extLst>
+              <a:ext uri="{FF2B5EF4-FFF2-40B4-BE49-F238E27FC236}">
+                <a16:creationId xmlns:a16="http://schemas.microsoft.com/office/drawing/2014/main" id="{C61D24B5-CA0D-F517-200D-2002127E228F}"/>
+              </a:ext>
+            </a:extLst>
+          </p:cNvPr>
+          <p:cNvSpPr/>
+          <p:nvPr/>
+        </p:nvSpPr>
+        <p:spPr>
+          <a:xfrm>
+            <a:off x="7565256" y="4835116"/>
+            <a:ext cx="213064" cy="213065"/>
+          </a:xfrm>
+          <a:prstGeom prst="ellipse">
+            <a:avLst/>
+          </a:prstGeom>
+          <a:ln w="28575"/>
+        </p:spPr>
+        <p:style>
+          <a:lnRef idx="2">
+            <a:schemeClr val="accent2">
+              <a:shade val="15000"/>
+            </a:schemeClr>
+          </a:lnRef>
+          <a:fillRef idx="1">
+            <a:schemeClr val="accent2"/>
+          </a:fillRef>
+          <a:effectRef idx="0">
+            <a:schemeClr val="accent2"/>
+          </a:effectRef>
+          <a:fontRef idx="minor">
+            <a:schemeClr val="lt1"/>
+          </a:fontRef>
+        </p:style>
+        <p:txBody>
+          <a:bodyPr rtlCol="0" anchor="ctr"/>
+          <a:lstStyle/>
+          <a:p>
+            <a:pPr algn="ctr"/>
+            <a:endParaRPr lang="en-US"/>
+          </a:p>
+        </p:txBody>
+      </p:sp>
+      <p:sp>
+        <p:nvSpPr>
+          <p:cNvPr id="9" name="TextBox 8">
+            <a:extLst>
+              <a:ext uri="{FF2B5EF4-FFF2-40B4-BE49-F238E27FC236}">
+                <a16:creationId xmlns:a16="http://schemas.microsoft.com/office/drawing/2014/main" id="{2B8D1283-CA27-D912-86AA-E2F59D2519DE}"/>
+              </a:ext>
+            </a:extLst>
+          </p:cNvPr>
+          <p:cNvSpPr txBox="1"/>
+          <p:nvPr/>
+        </p:nvSpPr>
+        <p:spPr>
+          <a:xfrm>
+            <a:off x="8243154" y="3331168"/>
+            <a:ext cx="451777" cy="523220"/>
+          </a:xfrm>
+          <a:prstGeom prst="rect">
+            <a:avLst/>
+          </a:prstGeom>
+          <a:noFill/>
+        </p:spPr>
+        <p:txBody>
+          <a:bodyPr wrap="square" rtlCol="0">
+            <a:spAutoFit/>
+          </a:bodyPr>
+          <a:lstStyle/>
+          <a:p>
+            <a:pPr algn="ctr"/>
+            <a:r>
+              <a:rPr lang="en-US" sz="2800" b="1" dirty="0"/>
+              <a:t>D</a:t>
+            </a:r>
+          </a:p>
+        </p:txBody>
+      </p:sp>
+      <p:sp>
+        <p:nvSpPr>
+          <p:cNvPr id="10" name="TextBox 9">
+            <a:extLst>
+              <a:ext uri="{FF2B5EF4-FFF2-40B4-BE49-F238E27FC236}">
+                <a16:creationId xmlns:a16="http://schemas.microsoft.com/office/drawing/2014/main" id="{705C2E80-25F0-A131-6518-E24ABB48165E}"/>
+              </a:ext>
+            </a:extLst>
+          </p:cNvPr>
+          <p:cNvSpPr txBox="1"/>
+          <p:nvPr/>
+        </p:nvSpPr>
+        <p:spPr>
+          <a:xfrm>
+            <a:off x="7658963" y="5029758"/>
+            <a:ext cx="451777" cy="523220"/>
+          </a:xfrm>
+          <a:prstGeom prst="rect">
+            <a:avLst/>
+          </a:prstGeom>
+          <a:noFill/>
+        </p:spPr>
+        <p:txBody>
+          <a:bodyPr wrap="square" rtlCol="0">
+            <a:spAutoFit/>
+          </a:bodyPr>
+          <a:lstStyle/>
+          <a:p>
+            <a:pPr algn="ctr"/>
+            <a:r>
+              <a:rPr lang="en-US" sz="2800" b="1" dirty="0"/>
+              <a:t>B</a:t>
+            </a:r>
+          </a:p>
+        </p:txBody>
+      </p:sp>
+      <p:sp>
+        <p:nvSpPr>
+          <p:cNvPr id="11" name="TextBox 10">
+            <a:extLst>
+              <a:ext uri="{FF2B5EF4-FFF2-40B4-BE49-F238E27FC236}">
+                <a16:creationId xmlns:a16="http://schemas.microsoft.com/office/drawing/2014/main" id="{BE8CAC74-4248-763A-E1C8-C7729058D8FF}"/>
+              </a:ext>
+            </a:extLst>
+          </p:cNvPr>
+          <p:cNvSpPr txBox="1"/>
+          <p:nvPr/>
+        </p:nvSpPr>
+        <p:spPr>
+          <a:xfrm>
+            <a:off x="3937614" y="1346971"/>
+            <a:ext cx="451777" cy="523220"/>
+          </a:xfrm>
+          <a:prstGeom prst="rect">
+            <a:avLst/>
+          </a:prstGeom>
+          <a:noFill/>
+        </p:spPr>
+        <p:txBody>
+          <a:bodyPr wrap="square" rtlCol="0">
+            <a:spAutoFit/>
+          </a:bodyPr>
+          <a:lstStyle/>
+          <a:p>
+            <a:pPr algn="ctr"/>
+            <a:r>
+              <a:rPr lang="en-US" sz="2800" b="1" dirty="0"/>
+              <a:t>C</a:t>
+            </a:r>
+          </a:p>
+        </p:txBody>
+      </p:sp>
+      <p:sp>
+        <p:nvSpPr>
+          <p:cNvPr id="12" name="TextBox 11">
+            <a:extLst>
+              <a:ext uri="{FF2B5EF4-FFF2-40B4-BE49-F238E27FC236}">
+                <a16:creationId xmlns:a16="http://schemas.microsoft.com/office/drawing/2014/main" id="{86371DE3-D71C-02CC-D2D9-B3480243C680}"/>
+              </a:ext>
+            </a:extLst>
+          </p:cNvPr>
+          <p:cNvSpPr txBox="1"/>
+          <p:nvPr/>
+        </p:nvSpPr>
+        <p:spPr>
+          <a:xfrm>
+            <a:off x="2852603" y="2698310"/>
+            <a:ext cx="451777" cy="523220"/>
+          </a:xfrm>
+          <a:prstGeom prst="rect">
+            <a:avLst/>
+          </a:prstGeom>
+          <a:noFill/>
+        </p:spPr>
+        <p:txBody>
+          <a:bodyPr wrap="square" rtlCol="0">
+            <a:spAutoFit/>
+          </a:bodyPr>
+          <a:lstStyle/>
+          <a:p>
+            <a:pPr algn="ctr"/>
+            <a:r>
+              <a:rPr lang="en-US" sz="2800" b="1" dirty="0"/>
+              <a:t>A</a:t>
+            </a:r>
+          </a:p>
+        </p:txBody>
+      </p:sp>
+      <mc:AlternateContent xmlns:mc="http://schemas.openxmlformats.org/markup-compatibility/2006">
+        <mc:Choice xmlns:a14="http://schemas.microsoft.com/office/drawing/2010/main" Requires="a14">
+          <p:sp>
+            <p:nvSpPr>
+              <p:cNvPr id="13" name="TextBox 12">
+                <a:extLst>
+                  <a:ext uri="{FF2B5EF4-FFF2-40B4-BE49-F238E27FC236}">
+                    <a16:creationId xmlns:a16="http://schemas.microsoft.com/office/drawing/2014/main" id="{43AA751F-FA41-5FE8-D780-7D2F389D9090}"/>
+                  </a:ext>
+                </a:extLst>
+              </p:cNvPr>
+              <p:cNvSpPr txBox="1"/>
+              <p:nvPr/>
+            </p:nvSpPr>
+            <p:spPr>
+              <a:xfrm>
+                <a:off x="9088876" y="3592778"/>
+                <a:ext cx="451777" cy="461665"/>
+              </a:xfrm>
+              <a:prstGeom prst="rect">
+                <a:avLst/>
+              </a:prstGeom>
+              <a:noFill/>
+            </p:spPr>
+            <p:txBody>
+              <a:bodyPr wrap="square" rtlCol="0">
+                <a:spAutoFit/>
+              </a:bodyPr>
+              <a:lstStyle/>
+              <a:p>
+                <a:pPr algn="ctr"/>
+                <a14:m>
+                  <m:oMathPara xmlns:m="http://schemas.openxmlformats.org/officeDocument/2006/math">
+                    <m:oMathParaPr>
+                      <m:jc m:val="centerGroup"/>
+                    </m:oMathParaPr>
+                    <m:oMath xmlns:m="http://schemas.openxmlformats.org/officeDocument/2006/math">
+                      <m:sSub>
+                        <m:sSubPr>
+                          <m:ctrlPr>
+                            <a:rPr lang="en-US" sz="2400" b="1" i="1" smtClean="0">
+                              <a:solidFill>
+                                <a:schemeClr val="accent1"/>
+                              </a:solidFill>
+                              <a:latin typeface="Cambria Math" panose="02040503050406030204" pitchFamily="18" charset="0"/>
+                            </a:rPr>
+                          </m:ctrlPr>
+                        </m:sSubPr>
+                        <m:e>
+                          <m:r>
+                            <a:rPr lang="en-US" sz="2400" b="1" i="1" smtClean="0">
+                              <a:solidFill>
+                                <a:schemeClr val="accent1"/>
+                              </a:solidFill>
+                              <a:latin typeface="Cambria Math" panose="02040503050406030204" pitchFamily="18" charset="0"/>
+                            </a:rPr>
+                            <m:t>𝑼</m:t>
+                          </m:r>
+                        </m:e>
+                        <m:sub>
+                          <m:r>
+                            <a:rPr lang="en-US" sz="2400" b="1" i="1" smtClean="0">
+                              <a:solidFill>
+                                <a:schemeClr val="accent1"/>
+                              </a:solidFill>
+                              <a:latin typeface="Cambria Math" panose="02040503050406030204" pitchFamily="18" charset="0"/>
+                            </a:rPr>
+                            <m:t>𝟐</m:t>
+                          </m:r>
+                        </m:sub>
+                      </m:sSub>
+                    </m:oMath>
+                  </m:oMathPara>
+                </a14:m>
+                <a:endParaRPr lang="en-US" sz="2400" b="1" dirty="0">
+                  <a:solidFill>
+                    <a:schemeClr val="accent1"/>
+                  </a:solidFill>
+                </a:endParaRPr>
+              </a:p>
+            </p:txBody>
+          </p:sp>
+        </mc:Choice>
+        <mc:Fallback>
+          <p:sp>
+            <p:nvSpPr>
+              <p:cNvPr id="13" name="TextBox 12">
+                <a:extLst>
+                  <a:ext uri="{FF2B5EF4-FFF2-40B4-BE49-F238E27FC236}">
+                    <a16:creationId xmlns:a16="http://schemas.microsoft.com/office/drawing/2014/main" id="{43AA751F-FA41-5FE8-D780-7D2F389D9090}"/>
+                  </a:ext>
+                </a:extLst>
+              </p:cNvPr>
+              <p:cNvSpPr txBox="1">
+                <a:spLocks noRot="1" noChangeAspect="1" noMove="1" noResize="1" noEditPoints="1" noAdjustHandles="1" noChangeArrowheads="1" noChangeShapeType="1" noTextEdit="1"/>
+              </p:cNvSpPr>
+              <p:nvPr/>
+            </p:nvSpPr>
+            <p:spPr>
+              <a:xfrm>
+                <a:off x="9088876" y="3592778"/>
+                <a:ext cx="451777" cy="461665"/>
+              </a:xfrm>
+              <a:prstGeom prst="rect">
+                <a:avLst/>
+              </a:prstGeom>
+              <a:blipFill>
+                <a:blip r:embed="rId2"/>
+                <a:stretch>
+                  <a:fillRect l="-21622" b="-2632"/>
+                </a:stretch>
+              </a:blipFill>
+            </p:spPr>
+            <p:txBody>
+              <a:bodyPr/>
+              <a:lstStyle/>
+              <a:p>
+                <a:r>
+                  <a:rPr lang="en-US">
+                    <a:noFill/>
+                  </a:rPr>
+                  <a:t> </a:t>
+                </a:r>
+              </a:p>
+            </p:txBody>
+          </p:sp>
+        </mc:Fallback>
+      </mc:AlternateContent>
+      <mc:AlternateContent xmlns:mc="http://schemas.openxmlformats.org/markup-compatibility/2006">
+        <mc:Choice xmlns:a14="http://schemas.microsoft.com/office/drawing/2010/main" Requires="a14">
+          <p:sp>
+            <p:nvSpPr>
+              <p:cNvPr id="14" name="TextBox 13">
+                <a:extLst>
+                  <a:ext uri="{FF2B5EF4-FFF2-40B4-BE49-F238E27FC236}">
+                    <a16:creationId xmlns:a16="http://schemas.microsoft.com/office/drawing/2014/main" id="{DBF186C8-06FF-FFC3-C20C-C55A5D0E1D3D}"/>
+                  </a:ext>
+                </a:extLst>
+              </p:cNvPr>
+              <p:cNvSpPr txBox="1"/>
+              <p:nvPr/>
+            </p:nvSpPr>
+            <p:spPr>
+              <a:xfrm>
+                <a:off x="9037500" y="5018586"/>
+                <a:ext cx="451777" cy="461665"/>
+              </a:xfrm>
+              <a:prstGeom prst="rect">
+                <a:avLst/>
+              </a:prstGeom>
+              <a:noFill/>
+            </p:spPr>
+            <p:txBody>
+              <a:bodyPr wrap="square" rtlCol="0">
+                <a:spAutoFit/>
+              </a:bodyPr>
+              <a:lstStyle/>
+              <a:p>
+                <a:pPr algn="ctr"/>
+                <a14:m>
+                  <m:oMathPara xmlns:m="http://schemas.openxmlformats.org/officeDocument/2006/math">
+                    <m:oMathParaPr>
+                      <m:jc m:val="centerGroup"/>
+                    </m:oMathParaPr>
+                    <m:oMath xmlns:m="http://schemas.openxmlformats.org/officeDocument/2006/math">
+                      <m:sSub>
+                        <m:sSubPr>
+                          <m:ctrlPr>
+                            <a:rPr lang="en-US" sz="2400" b="1" i="1" smtClean="0">
+                              <a:solidFill>
+                                <a:schemeClr val="accent1"/>
+                              </a:solidFill>
+                              <a:latin typeface="Cambria Math" panose="02040503050406030204" pitchFamily="18" charset="0"/>
+                            </a:rPr>
+                          </m:ctrlPr>
+                        </m:sSubPr>
+                        <m:e>
+                          <m:r>
+                            <a:rPr lang="en-US" sz="2400" b="1" i="1" smtClean="0">
+                              <a:solidFill>
+                                <a:schemeClr val="accent1"/>
+                              </a:solidFill>
+                              <a:latin typeface="Cambria Math" panose="02040503050406030204" pitchFamily="18" charset="0"/>
+                            </a:rPr>
+                            <m:t>𝑼</m:t>
+                          </m:r>
+                        </m:e>
+                        <m:sub>
+                          <m:r>
+                            <a:rPr lang="en-US" sz="2400" b="1" i="1" smtClean="0">
+                              <a:solidFill>
+                                <a:schemeClr val="accent1"/>
+                              </a:solidFill>
+                              <a:latin typeface="Cambria Math" panose="02040503050406030204" pitchFamily="18" charset="0"/>
+                            </a:rPr>
+                            <m:t>𝟏</m:t>
+                          </m:r>
+                        </m:sub>
+                      </m:sSub>
+                    </m:oMath>
+                  </m:oMathPara>
+                </a14:m>
+                <a:endParaRPr lang="en-US" sz="2400" b="1" dirty="0">
+                  <a:solidFill>
+                    <a:schemeClr val="accent1"/>
+                  </a:solidFill>
+                </a:endParaRPr>
+              </a:p>
+            </p:txBody>
+          </p:sp>
+        </mc:Choice>
+        <mc:Fallback>
+          <p:sp>
+            <p:nvSpPr>
+              <p:cNvPr id="14" name="TextBox 13">
+                <a:extLst>
+                  <a:ext uri="{FF2B5EF4-FFF2-40B4-BE49-F238E27FC236}">
+                    <a16:creationId xmlns:a16="http://schemas.microsoft.com/office/drawing/2014/main" id="{DBF186C8-06FF-FFC3-C20C-C55A5D0E1D3D}"/>
+                  </a:ext>
+                </a:extLst>
+              </p:cNvPr>
+              <p:cNvSpPr txBox="1">
+                <a:spLocks noRot="1" noChangeAspect="1" noMove="1" noResize="1" noEditPoints="1" noAdjustHandles="1" noChangeArrowheads="1" noChangeShapeType="1" noTextEdit="1"/>
+              </p:cNvSpPr>
+              <p:nvPr/>
+            </p:nvSpPr>
+            <p:spPr>
+              <a:xfrm>
+                <a:off x="9037500" y="5018586"/>
+                <a:ext cx="451777" cy="461665"/>
+              </a:xfrm>
+              <a:prstGeom prst="rect">
+                <a:avLst/>
+              </a:prstGeom>
+              <a:blipFill>
+                <a:blip r:embed="rId3"/>
+                <a:stretch>
+                  <a:fillRect l="-22973" b="-2632"/>
+                </a:stretch>
+              </a:blipFill>
+            </p:spPr>
+            <p:txBody>
+              <a:bodyPr/>
+              <a:lstStyle/>
+              <a:p>
+                <a:r>
+                  <a:rPr lang="en-US">
+                    <a:noFill/>
+                  </a:rPr>
+                  <a:t> </a:t>
+                </a:r>
+              </a:p>
+            </p:txBody>
+          </p:sp>
+        </mc:Fallback>
+      </mc:AlternateContent>
+      <mc:AlternateContent xmlns:mc="http://schemas.openxmlformats.org/markup-compatibility/2006">
+        <mc:Choice xmlns:a14="http://schemas.microsoft.com/office/drawing/2010/main" Requires="a14">
+          <p:sp>
+            <p:nvSpPr>
+              <p:cNvPr id="15" name="TextBox 14">
+                <a:extLst>
+                  <a:ext uri="{FF2B5EF4-FFF2-40B4-BE49-F238E27FC236}">
+                    <a16:creationId xmlns:a16="http://schemas.microsoft.com/office/drawing/2014/main" id="{2E6C6B36-FAB8-F9E8-B292-CD466B86CF99}"/>
+                  </a:ext>
+                </a:extLst>
+              </p:cNvPr>
+              <p:cNvSpPr txBox="1"/>
+              <p:nvPr/>
+            </p:nvSpPr>
+            <p:spPr>
+              <a:xfrm>
+                <a:off x="5679190" y="2058479"/>
+                <a:ext cx="1633490" cy="1077218"/>
+              </a:xfrm>
+              <a:prstGeom prst="rect">
+                <a:avLst/>
+              </a:prstGeom>
+              <a:noFill/>
+            </p:spPr>
+            <p:txBody>
+              <a:bodyPr wrap="square" rtlCol="0">
+                <a:spAutoFit/>
+              </a:bodyPr>
+              <a:lstStyle/>
+              <a:p>
+                <a14:m>
+                  <m:oMathPara xmlns:m="http://schemas.openxmlformats.org/officeDocument/2006/math">
+                    <m:oMathParaPr>
+                      <m:jc m:val="centerGroup"/>
+                    </m:oMathParaPr>
+                    <m:oMath xmlns:m="http://schemas.openxmlformats.org/officeDocument/2006/math">
+                      <m:r>
+                        <a:rPr lang="en-US" sz="3200" b="1" i="1" smtClean="0">
+                          <a:latin typeface="Cambria Math" panose="02040503050406030204" pitchFamily="18" charset="0"/>
+                        </a:rPr>
+                        <m:t>𝑨</m:t>
+                      </m:r>
+                      <m:r>
+                        <a:rPr lang="en-US" sz="3200" b="1" i="1" smtClean="0">
+                          <a:latin typeface="Cambria Math" panose="02040503050406030204" pitchFamily="18" charset="0"/>
+                        </a:rPr>
+                        <m:t>&gt;</m:t>
+                      </m:r>
+                      <m:r>
+                        <a:rPr lang="en-US" sz="3200" b="1" i="1" smtClean="0">
+                          <a:latin typeface="Cambria Math" panose="02040503050406030204" pitchFamily="18" charset="0"/>
+                        </a:rPr>
+                        <m:t>𝑩</m:t>
+                      </m:r>
+                    </m:oMath>
+                  </m:oMathPara>
+                </a14:m>
+                <a:endParaRPr lang="en-US" sz="3200" b="1" dirty="0"/>
+              </a:p>
+              <a:p>
+                <a14:m>
+                  <m:oMathPara xmlns:m="http://schemas.openxmlformats.org/officeDocument/2006/math">
+                    <m:oMathParaPr>
+                      <m:jc m:val="centerGroup"/>
+                    </m:oMathParaPr>
+                    <m:oMath xmlns:m="http://schemas.openxmlformats.org/officeDocument/2006/math">
+                      <m:r>
+                        <a:rPr lang="en-US" sz="3200" b="1" i="1" smtClean="0">
+                          <a:latin typeface="Cambria Math" panose="02040503050406030204" pitchFamily="18" charset="0"/>
+                        </a:rPr>
+                        <m:t>𝑩</m:t>
+                      </m:r>
+                      <m:r>
+                        <a:rPr lang="en-US" sz="3200" b="1" i="1" smtClean="0">
+                          <a:latin typeface="Cambria Math" panose="02040503050406030204" pitchFamily="18" charset="0"/>
+                        </a:rPr>
+                        <m:t>&gt;</m:t>
+                      </m:r>
+                      <m:r>
+                        <a:rPr lang="en-US" sz="3200" b="1" i="1" smtClean="0">
+                          <a:latin typeface="Cambria Math" panose="02040503050406030204" pitchFamily="18" charset="0"/>
+                        </a:rPr>
+                        <m:t>𝑨</m:t>
+                      </m:r>
+                    </m:oMath>
+                  </m:oMathPara>
+                </a14:m>
+                <a:endParaRPr lang="en-US" sz="3200" b="1" dirty="0"/>
+              </a:p>
+            </p:txBody>
+          </p:sp>
+        </mc:Choice>
+        <mc:Fallback>
+          <p:sp>
+            <p:nvSpPr>
+              <p:cNvPr id="15" name="TextBox 14">
+                <a:extLst>
+                  <a:ext uri="{FF2B5EF4-FFF2-40B4-BE49-F238E27FC236}">
+                    <a16:creationId xmlns:a16="http://schemas.microsoft.com/office/drawing/2014/main" id="{2E6C6B36-FAB8-F9E8-B292-CD466B86CF99}"/>
+                  </a:ext>
+                </a:extLst>
+              </p:cNvPr>
+              <p:cNvSpPr txBox="1">
+                <a:spLocks noRot="1" noChangeAspect="1" noMove="1" noResize="1" noEditPoints="1" noAdjustHandles="1" noChangeArrowheads="1" noChangeShapeType="1" noTextEdit="1"/>
+              </p:cNvSpPr>
+              <p:nvPr/>
+            </p:nvSpPr>
+            <p:spPr>
+              <a:xfrm>
+                <a:off x="5679190" y="2058479"/>
+                <a:ext cx="1633490" cy="1077218"/>
+              </a:xfrm>
+              <a:prstGeom prst="rect">
+                <a:avLst/>
+              </a:prstGeom>
+              <a:blipFill>
+                <a:blip r:embed="rId4"/>
+                <a:stretch>
+                  <a:fillRect/>
+                </a:stretch>
+              </a:blipFill>
+            </p:spPr>
+            <p:txBody>
+              <a:bodyPr/>
+              <a:lstStyle/>
+              <a:p>
+                <a:r>
+                  <a:rPr lang="en-US">
+                    <a:noFill/>
+                  </a:rPr>
+                  <a:t> </a:t>
+                </a:r>
+              </a:p>
+            </p:txBody>
+          </p:sp>
+        </mc:Fallback>
+      </mc:AlternateContent>
+      <mc:AlternateContent xmlns:mc="http://schemas.openxmlformats.org/markup-compatibility/2006">
+        <mc:Choice xmlns:a14="http://schemas.microsoft.com/office/drawing/2010/main" Requires="a14">
+          <p:sp>
+            <p:nvSpPr>
+              <p:cNvPr id="16" name="TextBox 15">
+                <a:extLst>
+                  <a:ext uri="{FF2B5EF4-FFF2-40B4-BE49-F238E27FC236}">
+                    <a16:creationId xmlns:a16="http://schemas.microsoft.com/office/drawing/2014/main" id="{0024F0E8-50F0-3AB8-49F7-3972CC0BB117}"/>
+                  </a:ext>
+                </a:extLst>
+              </p:cNvPr>
+              <p:cNvSpPr txBox="1"/>
+              <p:nvPr/>
+            </p:nvSpPr>
+            <p:spPr>
+              <a:xfrm>
+                <a:off x="7851041" y="2057107"/>
+                <a:ext cx="1733004" cy="1077218"/>
+              </a:xfrm>
+              <a:prstGeom prst="rect">
+                <a:avLst/>
+              </a:prstGeom>
+              <a:noFill/>
+            </p:spPr>
+            <p:txBody>
+              <a:bodyPr wrap="square" rtlCol="0">
+                <a:spAutoFit/>
+              </a:bodyPr>
+              <a:lstStyle/>
+              <a:p>
+                <a14:m>
+                  <m:oMathPara xmlns:m="http://schemas.openxmlformats.org/officeDocument/2006/math">
+                    <m:oMathParaPr>
+                      <m:jc m:val="centerGroup"/>
+                    </m:oMathParaPr>
+                    <m:oMath xmlns:m="http://schemas.openxmlformats.org/officeDocument/2006/math">
+                      <m:r>
+                        <a:rPr lang="en-US" sz="3200" b="1" i="1" smtClean="0">
+                          <a:latin typeface="Cambria Math" panose="02040503050406030204" pitchFamily="18" charset="0"/>
+                        </a:rPr>
+                        <m:t>𝑪</m:t>
+                      </m:r>
+                      <m:r>
+                        <a:rPr lang="en-US" sz="3200" b="1" i="1" smtClean="0">
+                          <a:latin typeface="Cambria Math" panose="02040503050406030204" pitchFamily="18" charset="0"/>
+                        </a:rPr>
+                        <m:t>&gt;</m:t>
+                      </m:r>
+                      <m:r>
+                        <a:rPr lang="en-US" sz="3200" b="1" i="1" smtClean="0">
+                          <a:latin typeface="Cambria Math" panose="02040503050406030204" pitchFamily="18" charset="0"/>
+                        </a:rPr>
+                        <m:t>𝑫</m:t>
+                      </m:r>
+                    </m:oMath>
+                  </m:oMathPara>
+                </a14:m>
+                <a:endParaRPr lang="en-US" sz="3200" b="1" dirty="0"/>
+              </a:p>
+              <a:p>
+                <a14:m>
+                  <m:oMathPara xmlns:m="http://schemas.openxmlformats.org/officeDocument/2006/math">
+                    <m:oMathParaPr>
+                      <m:jc m:val="centerGroup"/>
+                    </m:oMathParaPr>
+                    <m:oMath xmlns:m="http://schemas.openxmlformats.org/officeDocument/2006/math">
+                      <m:r>
+                        <a:rPr lang="en-US" sz="3200" b="1" i="1" smtClean="0">
+                          <a:latin typeface="Cambria Math" panose="02040503050406030204" pitchFamily="18" charset="0"/>
+                        </a:rPr>
+                        <m:t>𝑫</m:t>
+                      </m:r>
+                      <m:r>
+                        <a:rPr lang="en-US" sz="3200" b="1" i="1" smtClean="0">
+                          <a:latin typeface="Cambria Math" panose="02040503050406030204" pitchFamily="18" charset="0"/>
+                        </a:rPr>
+                        <m:t>&gt;</m:t>
+                      </m:r>
+                      <m:r>
+                        <a:rPr lang="en-US" sz="3200" b="1" i="1" smtClean="0">
+                          <a:latin typeface="Cambria Math" panose="02040503050406030204" pitchFamily="18" charset="0"/>
+                        </a:rPr>
+                        <m:t>𝑪</m:t>
+                      </m:r>
+                    </m:oMath>
+                  </m:oMathPara>
+                </a14:m>
+                <a:endParaRPr lang="en-US" sz="3200" b="1" dirty="0"/>
+              </a:p>
+            </p:txBody>
+          </p:sp>
+        </mc:Choice>
+        <mc:Fallback>
+          <p:sp>
+            <p:nvSpPr>
+              <p:cNvPr id="16" name="TextBox 15">
+                <a:extLst>
+                  <a:ext uri="{FF2B5EF4-FFF2-40B4-BE49-F238E27FC236}">
+                    <a16:creationId xmlns:a16="http://schemas.microsoft.com/office/drawing/2014/main" id="{0024F0E8-50F0-3AB8-49F7-3972CC0BB117}"/>
+                  </a:ext>
+                </a:extLst>
+              </p:cNvPr>
+              <p:cNvSpPr txBox="1">
+                <a:spLocks noRot="1" noChangeAspect="1" noMove="1" noResize="1" noEditPoints="1" noAdjustHandles="1" noChangeArrowheads="1" noChangeShapeType="1" noTextEdit="1"/>
+              </p:cNvSpPr>
+              <p:nvPr/>
+            </p:nvSpPr>
+            <p:spPr>
+              <a:xfrm>
+                <a:off x="7851041" y="2057107"/>
+                <a:ext cx="1733004" cy="1077218"/>
+              </a:xfrm>
+              <a:prstGeom prst="rect">
+                <a:avLst/>
+              </a:prstGeom>
+              <a:blipFill>
+                <a:blip r:embed="rId5"/>
+                <a:stretch>
+                  <a:fillRect/>
+                </a:stretch>
+              </a:blipFill>
+            </p:spPr>
+            <p:txBody>
+              <a:bodyPr/>
+              <a:lstStyle/>
+              <a:p>
+                <a:r>
+                  <a:rPr lang="en-US">
+                    <a:noFill/>
+                  </a:rPr>
+                  <a:t> </a:t>
+                </a:r>
+              </a:p>
+            </p:txBody>
+          </p:sp>
+        </mc:Fallback>
+      </mc:AlternateContent>
+      <p:sp>
+        <p:nvSpPr>
+          <p:cNvPr id="17" name="TextBox 16">
+            <a:extLst>
+              <a:ext uri="{FF2B5EF4-FFF2-40B4-BE49-F238E27FC236}">
+                <a16:creationId xmlns:a16="http://schemas.microsoft.com/office/drawing/2014/main" id="{615ACE95-673B-3454-D2DF-B7B2FF224A25}"/>
+              </a:ext>
+            </a:extLst>
+          </p:cNvPr>
+          <p:cNvSpPr txBox="1"/>
+          <p:nvPr/>
+        </p:nvSpPr>
+        <p:spPr>
+          <a:xfrm>
+            <a:off x="5321371" y="850765"/>
+            <a:ext cx="4584629" cy="1200329"/>
+          </a:xfrm>
+          <a:prstGeom prst="rect">
+            <a:avLst/>
+          </a:prstGeom>
+          <a:noFill/>
+        </p:spPr>
+        <p:txBody>
+          <a:bodyPr wrap="square" rtlCol="0">
+            <a:spAutoFit/>
+          </a:bodyPr>
+          <a:lstStyle/>
+          <a:p>
+            <a:pPr algn="ctr"/>
+            <a:r>
+              <a:rPr lang="en-US" sz="2400" b="1" dirty="0"/>
+              <a:t>THIS GRAPH SAYS THE FOLLOWING ABOUT THESE BUNDLES:</a:t>
+            </a:r>
+          </a:p>
+        </p:txBody>
+      </p:sp>
+    </p:spTree>
+    <p:extLst>
+      <p:ext uri="{BB962C8B-B14F-4D97-AF65-F5344CB8AC3E}">
+        <p14:creationId xmlns:p14="http://schemas.microsoft.com/office/powerpoint/2010/main" val="1592041748"/>
       </p:ext>
     </p:extLst>
   </p:cSld>

--- a/Slides/graph-maker.pptx
+++ b/Slides/graph-maker.pptx
@@ -16,6 +16,10 @@
     <p:sldId id="263" r:id="rId10"/>
     <p:sldId id="264" r:id="rId11"/>
     <p:sldId id="265" r:id="rId12"/>
+    <p:sldId id="267" r:id="rId13"/>
+    <p:sldId id="268" r:id="rId14"/>
+    <p:sldId id="269" r:id="rId15"/>
+    <p:sldId id="270" r:id="rId16"/>
   </p:sldIdLst>
   <p:sldSz cx="12192000" cy="6858000"/>
   <p:notesSz cx="6858000" cy="9144000"/>
@@ -269,7 +273,7 @@
           <a:p>
             <a:fld id="{B3C0BABF-8EDA-4B51-8A1B-0A9A6121571D}" type="datetimeFigureOut">
               <a:rPr lang="en-US" smtClean="0"/>
-              <a:t>1/3/2024</a:t>
+              <a:t>1/22/2024</a:t>
             </a:fld>
             <a:endParaRPr lang="en-US"/>
           </a:p>
@@ -467,7 +471,7 @@
           <a:p>
             <a:fld id="{B3C0BABF-8EDA-4B51-8A1B-0A9A6121571D}" type="datetimeFigureOut">
               <a:rPr lang="en-US" smtClean="0"/>
-              <a:t>1/3/2024</a:t>
+              <a:t>1/22/2024</a:t>
             </a:fld>
             <a:endParaRPr lang="en-US"/>
           </a:p>
@@ -675,7 +679,7 @@
           <a:p>
             <a:fld id="{B3C0BABF-8EDA-4B51-8A1B-0A9A6121571D}" type="datetimeFigureOut">
               <a:rPr lang="en-US" smtClean="0"/>
-              <a:t>1/3/2024</a:t>
+              <a:t>1/22/2024</a:t>
             </a:fld>
             <a:endParaRPr lang="en-US"/>
           </a:p>
@@ -873,7 +877,7 @@
           <a:p>
             <a:fld id="{B3C0BABF-8EDA-4B51-8A1B-0A9A6121571D}" type="datetimeFigureOut">
               <a:rPr lang="en-US" smtClean="0"/>
-              <a:t>1/3/2024</a:t>
+              <a:t>1/22/2024</a:t>
             </a:fld>
             <a:endParaRPr lang="en-US"/>
           </a:p>
@@ -1148,7 +1152,7 @@
           <a:p>
             <a:fld id="{B3C0BABF-8EDA-4B51-8A1B-0A9A6121571D}" type="datetimeFigureOut">
               <a:rPr lang="en-US" smtClean="0"/>
-              <a:t>1/3/2024</a:t>
+              <a:t>1/22/2024</a:t>
             </a:fld>
             <a:endParaRPr lang="en-US"/>
           </a:p>
@@ -1413,7 +1417,7 @@
           <a:p>
             <a:fld id="{B3C0BABF-8EDA-4B51-8A1B-0A9A6121571D}" type="datetimeFigureOut">
               <a:rPr lang="en-US" smtClean="0"/>
-              <a:t>1/3/2024</a:t>
+              <a:t>1/22/2024</a:t>
             </a:fld>
             <a:endParaRPr lang="en-US"/>
           </a:p>
@@ -1825,7 +1829,7 @@
           <a:p>
             <a:fld id="{B3C0BABF-8EDA-4B51-8A1B-0A9A6121571D}" type="datetimeFigureOut">
               <a:rPr lang="en-US" smtClean="0"/>
-              <a:t>1/3/2024</a:t>
+              <a:t>1/22/2024</a:t>
             </a:fld>
             <a:endParaRPr lang="en-US"/>
           </a:p>
@@ -1966,7 +1970,7 @@
           <a:p>
             <a:fld id="{B3C0BABF-8EDA-4B51-8A1B-0A9A6121571D}" type="datetimeFigureOut">
               <a:rPr lang="en-US" smtClean="0"/>
-              <a:t>1/3/2024</a:t>
+              <a:t>1/22/2024</a:t>
             </a:fld>
             <a:endParaRPr lang="en-US"/>
           </a:p>
@@ -2079,7 +2083,7 @@
           <a:p>
             <a:fld id="{B3C0BABF-8EDA-4B51-8A1B-0A9A6121571D}" type="datetimeFigureOut">
               <a:rPr lang="en-US" smtClean="0"/>
-              <a:t>1/3/2024</a:t>
+              <a:t>1/22/2024</a:t>
             </a:fld>
             <a:endParaRPr lang="en-US"/>
           </a:p>
@@ -2390,7 +2394,7 @@
           <a:p>
             <a:fld id="{B3C0BABF-8EDA-4B51-8A1B-0A9A6121571D}" type="datetimeFigureOut">
               <a:rPr lang="en-US" smtClean="0"/>
-              <a:t>1/3/2024</a:t>
+              <a:t>1/22/2024</a:t>
             </a:fld>
             <a:endParaRPr lang="en-US"/>
           </a:p>
@@ -2678,7 +2682,7 @@
           <a:p>
             <a:fld id="{B3C0BABF-8EDA-4B51-8A1B-0A9A6121571D}" type="datetimeFigureOut">
               <a:rPr lang="en-US" smtClean="0"/>
-              <a:t>1/3/2024</a:t>
+              <a:t>1/22/2024</a:t>
             </a:fld>
             <a:endParaRPr lang="en-US"/>
           </a:p>
@@ -2919,7 +2923,7 @@
           <a:p>
             <a:fld id="{B3C0BABF-8EDA-4B51-8A1B-0A9A6121571D}" type="datetimeFigureOut">
               <a:rPr lang="en-US" smtClean="0"/>
-              <a:t>1/3/2024</a:t>
+              <a:t>1/22/2024</a:t>
             </a:fld>
             <a:endParaRPr lang="en-US"/>
           </a:p>
@@ -6447,6 +6451,2583 @@
     <p:extLst>
       <p:ext uri="{BB962C8B-B14F-4D97-AF65-F5344CB8AC3E}">
         <p14:creationId xmlns:p14="http://schemas.microsoft.com/office/powerpoint/2010/main" val="2185732622"/>
+      </p:ext>
+    </p:extLst>
+  </p:cSld>
+  <p:clrMapOvr>
+    <a:masterClrMapping/>
+  </p:clrMapOvr>
+</p:sld>
+</file>
+
+<file path=ppt/slides/slide12.xml><?xml version="1.0" encoding="utf-8"?>
+<p:sld xmlns:a="http://schemas.openxmlformats.org/drawingml/2006/main" xmlns:r="http://schemas.openxmlformats.org/officeDocument/2006/relationships" xmlns:p="http://schemas.openxmlformats.org/presentationml/2006/main">
+  <p:cSld>
+    <p:spTree>
+      <p:nvGrpSpPr>
+        <p:cNvPr id="1" name=""/>
+        <p:cNvGrpSpPr/>
+        <p:nvPr/>
+      </p:nvGrpSpPr>
+      <p:grpSpPr>
+        <a:xfrm>
+          <a:off x="0" y="0"/>
+          <a:ext cx="0" cy="0"/>
+          <a:chOff x="0" y="0"/>
+          <a:chExt cx="0" cy="0"/>
+        </a:xfrm>
+      </p:grpSpPr>
+      <mc:AlternateContent xmlns:mc="http://schemas.openxmlformats.org/markup-compatibility/2006" xmlns:a14="http://schemas.microsoft.com/office/drawing/2010/main">
+        <mc:Choice Requires="a14">
+          <p:sp>
+            <p:nvSpPr>
+              <p:cNvPr id="26" name="TextBox 25">
+                <a:extLst>
+                  <a:ext uri="{FF2B5EF4-FFF2-40B4-BE49-F238E27FC236}">
+                    <a16:creationId xmlns:a16="http://schemas.microsoft.com/office/drawing/2014/main" id="{7F93BDE7-A731-C302-19A1-DCAFA5C13CF4}"/>
+                  </a:ext>
+                </a:extLst>
+              </p:cNvPr>
+              <p:cNvSpPr txBox="1"/>
+              <p:nvPr/>
+            </p:nvSpPr>
+            <p:spPr>
+              <a:xfrm>
+                <a:off x="9681954" y="5796407"/>
+                <a:ext cx="807396" cy="369332"/>
+              </a:xfrm>
+              <a:prstGeom prst="rect">
+                <a:avLst/>
+              </a:prstGeom>
+              <a:noFill/>
+            </p:spPr>
+            <p:txBody>
+              <a:bodyPr wrap="square" rtlCol="0">
+                <a:spAutoFit/>
+              </a:bodyPr>
+              <a:lstStyle/>
+              <a:p>
+                <a:pPr/>
+                <a14:m>
+                  <m:oMathPara xmlns:m="http://schemas.openxmlformats.org/officeDocument/2006/math">
+                    <m:oMathParaPr>
+                      <m:jc m:val="centerGroup"/>
+                    </m:oMathParaPr>
+                    <m:oMath xmlns:m="http://schemas.openxmlformats.org/officeDocument/2006/math">
+                      <m:r>
+                        <a:rPr lang="en-US" b="1" i="1" smtClean="0">
+                          <a:solidFill>
+                            <a:schemeClr val="tx1"/>
+                          </a:solidFill>
+                          <a:latin typeface="Cambria Math" panose="02040503050406030204" pitchFamily="18" charset="0"/>
+                        </a:rPr>
+                        <m:t>𝑿</m:t>
+                      </m:r>
+                    </m:oMath>
+                  </m:oMathPara>
+                </a14:m>
+                <a:endParaRPr lang="en-US" b="1" dirty="0">
+                  <a:solidFill>
+                    <a:schemeClr val="tx1"/>
+                  </a:solidFill>
+                </a:endParaRPr>
+              </a:p>
+            </p:txBody>
+          </p:sp>
+        </mc:Choice>
+        <mc:Fallback xmlns="">
+          <p:sp>
+            <p:nvSpPr>
+              <p:cNvPr id="26" name="TextBox 25">
+                <a:extLst>
+                  <a:ext uri="{FF2B5EF4-FFF2-40B4-BE49-F238E27FC236}">
+                    <a16:creationId xmlns:a16="http://schemas.microsoft.com/office/drawing/2014/main" id="{7F93BDE7-A731-C302-19A1-DCAFA5C13CF4}"/>
+                  </a:ext>
+                </a:extLst>
+              </p:cNvPr>
+              <p:cNvSpPr txBox="1">
+                <a:spLocks noRot="1" noChangeAspect="1" noMove="1" noResize="1" noEditPoints="1" noAdjustHandles="1" noChangeArrowheads="1" noChangeShapeType="1" noTextEdit="1"/>
+              </p:cNvSpPr>
+              <p:nvPr/>
+            </p:nvSpPr>
+            <p:spPr>
+              <a:xfrm>
+                <a:off x="9681954" y="5796407"/>
+                <a:ext cx="807396" cy="369332"/>
+              </a:xfrm>
+              <a:prstGeom prst="rect">
+                <a:avLst/>
+              </a:prstGeom>
+              <a:blipFill>
+                <a:blip r:embed="rId2"/>
+                <a:stretch>
+                  <a:fillRect/>
+                </a:stretch>
+              </a:blipFill>
+            </p:spPr>
+            <p:txBody>
+              <a:bodyPr/>
+              <a:lstStyle/>
+              <a:p>
+                <a:r>
+                  <a:rPr lang="en-US">
+                    <a:noFill/>
+                  </a:rPr>
+                  <a:t> </a:t>
+                </a:r>
+              </a:p>
+            </p:txBody>
+          </p:sp>
+        </mc:Fallback>
+      </mc:AlternateContent>
+      <mc:AlternateContent xmlns:mc="http://schemas.openxmlformats.org/markup-compatibility/2006" xmlns:a14="http://schemas.microsoft.com/office/drawing/2010/main">
+        <mc:Choice Requires="a14">
+          <p:sp>
+            <p:nvSpPr>
+              <p:cNvPr id="27" name="TextBox 26">
+                <a:extLst>
+                  <a:ext uri="{FF2B5EF4-FFF2-40B4-BE49-F238E27FC236}">
+                    <a16:creationId xmlns:a16="http://schemas.microsoft.com/office/drawing/2014/main" id="{0DDA7B57-B430-94C9-FFC6-65F76A85F963}"/>
+                  </a:ext>
+                </a:extLst>
+              </p:cNvPr>
+              <p:cNvSpPr txBox="1"/>
+              <p:nvPr/>
+            </p:nvSpPr>
+            <p:spPr>
+              <a:xfrm>
+                <a:off x="1645109" y="210640"/>
+                <a:ext cx="807396" cy="369332"/>
+              </a:xfrm>
+              <a:prstGeom prst="rect">
+                <a:avLst/>
+              </a:prstGeom>
+              <a:noFill/>
+            </p:spPr>
+            <p:txBody>
+              <a:bodyPr wrap="square" rtlCol="0">
+                <a:spAutoFit/>
+              </a:bodyPr>
+              <a:lstStyle/>
+              <a:p>
+                <a:pPr/>
+                <a14:m>
+                  <m:oMathPara xmlns:m="http://schemas.openxmlformats.org/officeDocument/2006/math">
+                    <m:oMathParaPr>
+                      <m:jc m:val="centerGroup"/>
+                    </m:oMathParaPr>
+                    <m:oMath xmlns:m="http://schemas.openxmlformats.org/officeDocument/2006/math">
+                      <m:r>
+                        <a:rPr lang="en-US" b="1" i="1" smtClean="0">
+                          <a:solidFill>
+                            <a:schemeClr val="tx1"/>
+                          </a:solidFill>
+                          <a:latin typeface="Cambria Math" panose="02040503050406030204" pitchFamily="18" charset="0"/>
+                        </a:rPr>
+                        <m:t>𝒀</m:t>
+                      </m:r>
+                    </m:oMath>
+                  </m:oMathPara>
+                </a14:m>
+                <a:endParaRPr lang="en-US" b="1" dirty="0">
+                  <a:solidFill>
+                    <a:schemeClr val="tx1"/>
+                  </a:solidFill>
+                </a:endParaRPr>
+              </a:p>
+            </p:txBody>
+          </p:sp>
+        </mc:Choice>
+        <mc:Fallback xmlns="">
+          <p:sp>
+            <p:nvSpPr>
+              <p:cNvPr id="27" name="TextBox 26">
+                <a:extLst>
+                  <a:ext uri="{FF2B5EF4-FFF2-40B4-BE49-F238E27FC236}">
+                    <a16:creationId xmlns:a16="http://schemas.microsoft.com/office/drawing/2014/main" id="{0DDA7B57-B430-94C9-FFC6-65F76A85F963}"/>
+                  </a:ext>
+                </a:extLst>
+              </p:cNvPr>
+              <p:cNvSpPr txBox="1">
+                <a:spLocks noRot="1" noChangeAspect="1" noMove="1" noResize="1" noEditPoints="1" noAdjustHandles="1" noChangeArrowheads="1" noChangeShapeType="1" noTextEdit="1"/>
+              </p:cNvSpPr>
+              <p:nvPr/>
+            </p:nvSpPr>
+            <p:spPr>
+              <a:xfrm>
+                <a:off x="1645109" y="210640"/>
+                <a:ext cx="807396" cy="369332"/>
+              </a:xfrm>
+              <a:prstGeom prst="rect">
+                <a:avLst/>
+              </a:prstGeom>
+              <a:blipFill>
+                <a:blip r:embed="rId3"/>
+                <a:stretch>
+                  <a:fillRect/>
+                </a:stretch>
+              </a:blipFill>
+            </p:spPr>
+            <p:txBody>
+              <a:bodyPr/>
+              <a:lstStyle/>
+              <a:p>
+                <a:r>
+                  <a:rPr lang="en-US">
+                    <a:noFill/>
+                  </a:rPr>
+                  <a:t> </a:t>
+                </a:r>
+              </a:p>
+            </p:txBody>
+          </p:sp>
+        </mc:Fallback>
+      </mc:AlternateContent>
+      <p:sp>
+        <p:nvSpPr>
+          <p:cNvPr id="6" name="Freeform: Shape 5">
+            <a:extLst>
+              <a:ext uri="{FF2B5EF4-FFF2-40B4-BE49-F238E27FC236}">
+                <a16:creationId xmlns:a16="http://schemas.microsoft.com/office/drawing/2014/main" id="{0CF6D7D9-CF42-B396-29A8-52DACB5F1FF9}"/>
+              </a:ext>
+            </a:extLst>
+          </p:cNvPr>
+          <p:cNvSpPr/>
+          <p:nvPr/>
+        </p:nvSpPr>
+        <p:spPr>
+          <a:xfrm>
+            <a:off x="2286000" y="395306"/>
+            <a:ext cx="7601613" cy="5637321"/>
+          </a:xfrm>
+          <a:custGeom>
+            <a:avLst/>
+            <a:gdLst>
+              <a:gd name="connsiteX0" fmla="*/ 0 w 10227076"/>
+              <a:gd name="connsiteY0" fmla="*/ 0 h 5637321"/>
+              <a:gd name="connsiteX1" fmla="*/ 35511 w 10227076"/>
+              <a:gd name="connsiteY1" fmla="*/ 5637321 h 5637321"/>
+              <a:gd name="connsiteX2" fmla="*/ 10227076 w 10227076"/>
+              <a:gd name="connsiteY2" fmla="*/ 5584055 h 5637321"/>
+            </a:gdLst>
+            <a:ahLst/>
+            <a:cxnLst>
+              <a:cxn ang="0">
+                <a:pos x="connsiteX0" y="connsiteY0"/>
+              </a:cxn>
+              <a:cxn ang="0">
+                <a:pos x="connsiteX1" y="connsiteY1"/>
+              </a:cxn>
+              <a:cxn ang="0">
+                <a:pos x="connsiteX2" y="connsiteY2"/>
+              </a:cxn>
+            </a:cxnLst>
+            <a:rect l="l" t="t" r="r" b="b"/>
+            <a:pathLst>
+              <a:path w="10227076" h="5637321">
+                <a:moveTo>
+                  <a:pt x="0" y="0"/>
+                </a:moveTo>
+                <a:lnTo>
+                  <a:pt x="35511" y="5637321"/>
+                </a:lnTo>
+                <a:lnTo>
+                  <a:pt x="10227076" y="5584055"/>
+                </a:lnTo>
+              </a:path>
+            </a:pathLst>
+          </a:custGeom>
+          <a:ln w="38100"/>
+        </p:spPr>
+        <p:style>
+          <a:lnRef idx="3">
+            <a:schemeClr val="dk1"/>
+          </a:lnRef>
+          <a:fillRef idx="0">
+            <a:schemeClr val="dk1"/>
+          </a:fillRef>
+          <a:effectRef idx="2">
+            <a:schemeClr val="dk1"/>
+          </a:effectRef>
+          <a:fontRef idx="minor">
+            <a:schemeClr val="tx1"/>
+          </a:fontRef>
+        </p:style>
+        <p:txBody>
+          <a:bodyPr rtlCol="0" anchor="ctr"/>
+          <a:lstStyle/>
+          <a:p>
+            <a:pPr algn="ctr"/>
+            <a:endParaRPr lang="en-US"/>
+          </a:p>
+        </p:txBody>
+      </p:sp>
+      <p:cxnSp>
+        <p:nvCxnSpPr>
+          <p:cNvPr id="8" name="Straight Connector 7">
+            <a:extLst>
+              <a:ext uri="{FF2B5EF4-FFF2-40B4-BE49-F238E27FC236}">
+                <a16:creationId xmlns:a16="http://schemas.microsoft.com/office/drawing/2014/main" id="{B16F4518-E948-C3F6-AAE1-784E53A694CC}"/>
+              </a:ext>
+            </a:extLst>
+          </p:cNvPr>
+          <p:cNvCxnSpPr>
+            <a:cxnSpLocks/>
+          </p:cNvCxnSpPr>
+          <p:nvPr/>
+        </p:nvCxnSpPr>
+        <p:spPr>
+          <a:xfrm>
+            <a:off x="2286000" y="1544715"/>
+            <a:ext cx="5816600" cy="4430635"/>
+          </a:xfrm>
+          <a:prstGeom prst="line">
+            <a:avLst/>
+          </a:prstGeom>
+          <a:ln w="38100"/>
+        </p:spPr>
+        <p:style>
+          <a:lnRef idx="1">
+            <a:schemeClr val="accent1"/>
+          </a:lnRef>
+          <a:fillRef idx="0">
+            <a:schemeClr val="accent1"/>
+          </a:fillRef>
+          <a:effectRef idx="0">
+            <a:schemeClr val="accent1"/>
+          </a:effectRef>
+          <a:fontRef idx="minor">
+            <a:schemeClr val="tx1"/>
+          </a:fontRef>
+        </p:style>
+      </p:cxnSp>
+      <p:sp>
+        <p:nvSpPr>
+          <p:cNvPr id="2" name="TextBox 1">
+            <a:extLst>
+              <a:ext uri="{FF2B5EF4-FFF2-40B4-BE49-F238E27FC236}">
+                <a16:creationId xmlns:a16="http://schemas.microsoft.com/office/drawing/2014/main" id="{0049B0CF-F5F1-AC87-559E-AB38618E5C00}"/>
+              </a:ext>
+            </a:extLst>
+          </p:cNvPr>
+          <p:cNvSpPr txBox="1"/>
+          <p:nvPr/>
+        </p:nvSpPr>
+        <p:spPr>
+          <a:xfrm>
+            <a:off x="4616521" y="2019860"/>
+            <a:ext cx="4584629" cy="461665"/>
+          </a:xfrm>
+          <a:prstGeom prst="rect">
+            <a:avLst/>
+          </a:prstGeom>
+          <a:noFill/>
+        </p:spPr>
+        <p:txBody>
+          <a:bodyPr wrap="square" rtlCol="0">
+            <a:spAutoFit/>
+          </a:bodyPr>
+          <a:lstStyle/>
+          <a:p>
+            <a:pPr algn="ctr"/>
+            <a:r>
+              <a:rPr lang="en-US" sz="2400" b="1" dirty="0">
+                <a:solidFill>
+                  <a:schemeClr val="accent1">
+                    <a:lumMod val="75000"/>
+                  </a:schemeClr>
+                </a:solidFill>
+              </a:rPr>
+              <a:t>BUDGET CONSTRAINT</a:t>
+            </a:r>
+          </a:p>
+        </p:txBody>
+      </p:sp>
+    </p:spTree>
+    <p:extLst>
+      <p:ext uri="{BB962C8B-B14F-4D97-AF65-F5344CB8AC3E}">
+        <p14:creationId xmlns:p14="http://schemas.microsoft.com/office/powerpoint/2010/main" val="4107487112"/>
+      </p:ext>
+    </p:extLst>
+  </p:cSld>
+  <p:clrMapOvr>
+    <a:masterClrMapping/>
+  </p:clrMapOvr>
+</p:sld>
+</file>
+
+<file path=ppt/slides/slide13.xml><?xml version="1.0" encoding="utf-8"?>
+<p:sld xmlns:a="http://schemas.openxmlformats.org/drawingml/2006/main" xmlns:r="http://schemas.openxmlformats.org/officeDocument/2006/relationships" xmlns:p="http://schemas.openxmlformats.org/presentationml/2006/main">
+  <p:cSld>
+    <p:spTree>
+      <p:nvGrpSpPr>
+        <p:cNvPr id="1" name=""/>
+        <p:cNvGrpSpPr/>
+        <p:nvPr/>
+      </p:nvGrpSpPr>
+      <p:grpSpPr>
+        <a:xfrm>
+          <a:off x="0" y="0"/>
+          <a:ext cx="0" cy="0"/>
+          <a:chOff x="0" y="0"/>
+          <a:chExt cx="0" cy="0"/>
+        </a:xfrm>
+      </p:grpSpPr>
+      <p:sp>
+        <p:nvSpPr>
+          <p:cNvPr id="3" name="Freeform: Shape 2">
+            <a:extLst>
+              <a:ext uri="{FF2B5EF4-FFF2-40B4-BE49-F238E27FC236}">
+                <a16:creationId xmlns:a16="http://schemas.microsoft.com/office/drawing/2014/main" id="{10DC7D1B-509A-43D2-8502-FDB95A405C25}"/>
+              </a:ext>
+            </a:extLst>
+          </p:cNvPr>
+          <p:cNvSpPr/>
+          <p:nvPr/>
+        </p:nvSpPr>
+        <p:spPr>
+          <a:xfrm>
+            <a:off x="2286000" y="395306"/>
+            <a:ext cx="7601613" cy="5637321"/>
+          </a:xfrm>
+          <a:custGeom>
+            <a:avLst/>
+            <a:gdLst>
+              <a:gd name="connsiteX0" fmla="*/ 0 w 10227076"/>
+              <a:gd name="connsiteY0" fmla="*/ 0 h 5637321"/>
+              <a:gd name="connsiteX1" fmla="*/ 35511 w 10227076"/>
+              <a:gd name="connsiteY1" fmla="*/ 5637321 h 5637321"/>
+              <a:gd name="connsiteX2" fmla="*/ 10227076 w 10227076"/>
+              <a:gd name="connsiteY2" fmla="*/ 5584055 h 5637321"/>
+            </a:gdLst>
+            <a:ahLst/>
+            <a:cxnLst>
+              <a:cxn ang="0">
+                <a:pos x="connsiteX0" y="connsiteY0"/>
+              </a:cxn>
+              <a:cxn ang="0">
+                <a:pos x="connsiteX1" y="connsiteY1"/>
+              </a:cxn>
+              <a:cxn ang="0">
+                <a:pos x="connsiteX2" y="connsiteY2"/>
+              </a:cxn>
+            </a:cxnLst>
+            <a:rect l="l" t="t" r="r" b="b"/>
+            <a:pathLst>
+              <a:path w="10227076" h="5637321">
+                <a:moveTo>
+                  <a:pt x="0" y="0"/>
+                </a:moveTo>
+                <a:lnTo>
+                  <a:pt x="35511" y="5637321"/>
+                </a:lnTo>
+                <a:lnTo>
+                  <a:pt x="10227076" y="5584055"/>
+                </a:lnTo>
+              </a:path>
+            </a:pathLst>
+          </a:custGeom>
+          <a:ln w="38100"/>
+        </p:spPr>
+        <p:style>
+          <a:lnRef idx="3">
+            <a:schemeClr val="dk1"/>
+          </a:lnRef>
+          <a:fillRef idx="0">
+            <a:schemeClr val="dk1"/>
+          </a:fillRef>
+          <a:effectRef idx="2">
+            <a:schemeClr val="dk1"/>
+          </a:effectRef>
+          <a:fontRef idx="minor">
+            <a:schemeClr val="tx1"/>
+          </a:fontRef>
+        </p:style>
+        <p:txBody>
+          <a:bodyPr rtlCol="0" anchor="ctr"/>
+          <a:lstStyle/>
+          <a:p>
+            <a:pPr algn="ctr"/>
+            <a:endParaRPr lang="en-US" dirty="0"/>
+          </a:p>
+        </p:txBody>
+      </p:sp>
+      <p:sp>
+        <p:nvSpPr>
+          <p:cNvPr id="4" name="Freeform: Shape 3">
+            <a:extLst>
+              <a:ext uri="{FF2B5EF4-FFF2-40B4-BE49-F238E27FC236}">
+                <a16:creationId xmlns:a16="http://schemas.microsoft.com/office/drawing/2014/main" id="{1D94C972-1905-FD37-1289-37B4E825BA7B}"/>
+              </a:ext>
+            </a:extLst>
+          </p:cNvPr>
+          <p:cNvSpPr/>
+          <p:nvPr/>
+        </p:nvSpPr>
+        <p:spPr>
+          <a:xfrm rot="526040">
+            <a:off x="3373513" y="1811044"/>
+            <a:ext cx="5681709" cy="3187083"/>
+          </a:xfrm>
+          <a:custGeom>
+            <a:avLst/>
+            <a:gdLst>
+              <a:gd name="connsiteX0" fmla="*/ 0 w 5681709"/>
+              <a:gd name="connsiteY0" fmla="*/ 0 h 3187083"/>
+              <a:gd name="connsiteX1" fmla="*/ 514905 w 5681709"/>
+              <a:gd name="connsiteY1" fmla="*/ 1189608 h 3187083"/>
+              <a:gd name="connsiteX2" fmla="*/ 1997476 w 5681709"/>
+              <a:gd name="connsiteY2" fmla="*/ 2414726 h 3187083"/>
+              <a:gd name="connsiteX3" fmla="*/ 4136994 w 5681709"/>
+              <a:gd name="connsiteY3" fmla="*/ 3053918 h 3187083"/>
+              <a:gd name="connsiteX4" fmla="*/ 5681709 w 5681709"/>
+              <a:gd name="connsiteY4" fmla="*/ 3187083 h 3187083"/>
+            </a:gdLst>
+            <a:ahLst/>
+            <a:cxnLst>
+              <a:cxn ang="0">
+                <a:pos x="connsiteX0" y="connsiteY0"/>
+              </a:cxn>
+              <a:cxn ang="0">
+                <a:pos x="connsiteX1" y="connsiteY1"/>
+              </a:cxn>
+              <a:cxn ang="0">
+                <a:pos x="connsiteX2" y="connsiteY2"/>
+              </a:cxn>
+              <a:cxn ang="0">
+                <a:pos x="connsiteX3" y="connsiteY3"/>
+              </a:cxn>
+              <a:cxn ang="0">
+                <a:pos x="connsiteX4" y="connsiteY4"/>
+              </a:cxn>
+            </a:cxnLst>
+            <a:rect l="l" t="t" r="r" b="b"/>
+            <a:pathLst>
+              <a:path w="5681709" h="3187083">
+                <a:moveTo>
+                  <a:pt x="0" y="0"/>
+                </a:moveTo>
+                <a:cubicBezTo>
+                  <a:pt x="90996" y="393577"/>
+                  <a:pt x="181992" y="787154"/>
+                  <a:pt x="514905" y="1189608"/>
+                </a:cubicBezTo>
+                <a:cubicBezTo>
+                  <a:pt x="847818" y="1592062"/>
+                  <a:pt x="1393795" y="2104008"/>
+                  <a:pt x="1997476" y="2414726"/>
+                </a:cubicBezTo>
+                <a:cubicBezTo>
+                  <a:pt x="2601157" y="2725444"/>
+                  <a:pt x="3522955" y="2925192"/>
+                  <a:pt x="4136994" y="3053918"/>
+                </a:cubicBezTo>
+                <a:cubicBezTo>
+                  <a:pt x="4751033" y="3182644"/>
+                  <a:pt x="5434614" y="3133817"/>
+                  <a:pt x="5681709" y="3187083"/>
+                </a:cubicBezTo>
+              </a:path>
+            </a:pathLst>
+          </a:custGeom>
+          <a:noFill/>
+          <a:ln w="57150">
+            <a:solidFill>
+              <a:schemeClr val="accent2">
+                <a:lumMod val="75000"/>
+              </a:schemeClr>
+            </a:solidFill>
+          </a:ln>
+        </p:spPr>
+        <p:style>
+          <a:lnRef idx="2">
+            <a:schemeClr val="accent1">
+              <a:shade val="15000"/>
+            </a:schemeClr>
+          </a:lnRef>
+          <a:fillRef idx="1">
+            <a:schemeClr val="accent1"/>
+          </a:fillRef>
+          <a:effectRef idx="0">
+            <a:schemeClr val="accent1"/>
+          </a:effectRef>
+          <a:fontRef idx="minor">
+            <a:schemeClr val="lt1"/>
+          </a:fontRef>
+        </p:style>
+        <p:txBody>
+          <a:bodyPr rtlCol="0" anchor="ctr"/>
+          <a:lstStyle/>
+          <a:p>
+            <a:pPr algn="ctr"/>
+            <a:endParaRPr lang="en-US"/>
+          </a:p>
+        </p:txBody>
+      </p:sp>
+      <mc:AlternateContent xmlns:mc="http://schemas.openxmlformats.org/markup-compatibility/2006">
+        <mc:Choice xmlns:a14="http://schemas.microsoft.com/office/drawing/2010/main" Requires="a14">
+          <p:sp>
+            <p:nvSpPr>
+              <p:cNvPr id="2" name="TextBox 1">
+                <a:extLst>
+                  <a:ext uri="{FF2B5EF4-FFF2-40B4-BE49-F238E27FC236}">
+                    <a16:creationId xmlns:a16="http://schemas.microsoft.com/office/drawing/2014/main" id="{0ADA4F55-C014-FD97-F2DB-32E13967CA23}"/>
+                  </a:ext>
+                </a:extLst>
+              </p:cNvPr>
+              <p:cNvSpPr txBox="1"/>
+              <p:nvPr/>
+            </p:nvSpPr>
+            <p:spPr>
+              <a:xfrm>
+                <a:off x="9681954" y="5767832"/>
+                <a:ext cx="807396" cy="369332"/>
+              </a:xfrm>
+              <a:prstGeom prst="rect">
+                <a:avLst/>
+              </a:prstGeom>
+              <a:noFill/>
+            </p:spPr>
+            <p:txBody>
+              <a:bodyPr wrap="square" rtlCol="0">
+                <a:spAutoFit/>
+              </a:bodyPr>
+              <a:lstStyle/>
+              <a:p>
+                <a:pPr/>
+                <a14:m>
+                  <m:oMathPara xmlns:m="http://schemas.openxmlformats.org/officeDocument/2006/math">
+                    <m:oMathParaPr>
+                      <m:jc m:val="centerGroup"/>
+                    </m:oMathParaPr>
+                    <m:oMath xmlns:m="http://schemas.openxmlformats.org/officeDocument/2006/math">
+                      <m:r>
+                        <a:rPr lang="en-US" b="1" i="1" smtClean="0">
+                          <a:solidFill>
+                            <a:schemeClr val="tx1"/>
+                          </a:solidFill>
+                          <a:latin typeface="Cambria Math" panose="02040503050406030204" pitchFamily="18" charset="0"/>
+                        </a:rPr>
+                        <m:t>𝑿</m:t>
+                      </m:r>
+                    </m:oMath>
+                  </m:oMathPara>
+                </a14:m>
+                <a:endParaRPr lang="en-US" b="1" dirty="0">
+                  <a:solidFill>
+                    <a:schemeClr val="tx1"/>
+                  </a:solidFill>
+                </a:endParaRPr>
+              </a:p>
+            </p:txBody>
+          </p:sp>
+        </mc:Choice>
+        <mc:Fallback>
+          <p:sp>
+            <p:nvSpPr>
+              <p:cNvPr id="2" name="TextBox 1">
+                <a:extLst>
+                  <a:ext uri="{FF2B5EF4-FFF2-40B4-BE49-F238E27FC236}">
+                    <a16:creationId xmlns:a16="http://schemas.microsoft.com/office/drawing/2014/main" id="{0ADA4F55-C014-FD97-F2DB-32E13967CA23}"/>
+                  </a:ext>
+                </a:extLst>
+              </p:cNvPr>
+              <p:cNvSpPr txBox="1">
+                <a:spLocks noRot="1" noChangeAspect="1" noMove="1" noResize="1" noEditPoints="1" noAdjustHandles="1" noChangeArrowheads="1" noChangeShapeType="1" noTextEdit="1"/>
+              </p:cNvSpPr>
+              <p:nvPr/>
+            </p:nvSpPr>
+            <p:spPr>
+              <a:xfrm>
+                <a:off x="9681954" y="5767832"/>
+                <a:ext cx="807396" cy="369332"/>
+              </a:xfrm>
+              <a:prstGeom prst="rect">
+                <a:avLst/>
+              </a:prstGeom>
+              <a:blipFill>
+                <a:blip r:embed="rId2"/>
+                <a:stretch>
+                  <a:fillRect/>
+                </a:stretch>
+              </a:blipFill>
+            </p:spPr>
+            <p:txBody>
+              <a:bodyPr/>
+              <a:lstStyle/>
+              <a:p>
+                <a:r>
+                  <a:rPr lang="en-US">
+                    <a:noFill/>
+                  </a:rPr>
+                  <a:t> </a:t>
+                </a:r>
+              </a:p>
+            </p:txBody>
+          </p:sp>
+        </mc:Fallback>
+      </mc:AlternateContent>
+      <mc:AlternateContent xmlns:mc="http://schemas.openxmlformats.org/markup-compatibility/2006">
+        <mc:Choice xmlns:a14="http://schemas.microsoft.com/office/drawing/2010/main" Requires="a14">
+          <p:sp>
+            <p:nvSpPr>
+              <p:cNvPr id="5" name="TextBox 4">
+                <a:extLst>
+                  <a:ext uri="{FF2B5EF4-FFF2-40B4-BE49-F238E27FC236}">
+                    <a16:creationId xmlns:a16="http://schemas.microsoft.com/office/drawing/2014/main" id="{A0EE53E3-26A5-88F7-4875-8858F34B4149}"/>
+                  </a:ext>
+                </a:extLst>
+              </p:cNvPr>
+              <p:cNvSpPr txBox="1"/>
+              <p:nvPr/>
+            </p:nvSpPr>
+            <p:spPr>
+              <a:xfrm>
+                <a:off x="1645109" y="182065"/>
+                <a:ext cx="807396" cy="369332"/>
+              </a:xfrm>
+              <a:prstGeom prst="rect">
+                <a:avLst/>
+              </a:prstGeom>
+              <a:noFill/>
+            </p:spPr>
+            <p:txBody>
+              <a:bodyPr wrap="square" rtlCol="0">
+                <a:spAutoFit/>
+              </a:bodyPr>
+              <a:lstStyle/>
+              <a:p>
+                <a:pPr/>
+                <a14:m>
+                  <m:oMathPara xmlns:m="http://schemas.openxmlformats.org/officeDocument/2006/math">
+                    <m:oMathParaPr>
+                      <m:jc m:val="centerGroup"/>
+                    </m:oMathParaPr>
+                    <m:oMath xmlns:m="http://schemas.openxmlformats.org/officeDocument/2006/math">
+                      <m:r>
+                        <a:rPr lang="en-US" b="1" i="1" smtClean="0">
+                          <a:solidFill>
+                            <a:schemeClr val="tx1"/>
+                          </a:solidFill>
+                          <a:latin typeface="Cambria Math" panose="02040503050406030204" pitchFamily="18" charset="0"/>
+                        </a:rPr>
+                        <m:t>𝒀</m:t>
+                      </m:r>
+                    </m:oMath>
+                  </m:oMathPara>
+                </a14:m>
+                <a:endParaRPr lang="en-US" b="1" dirty="0">
+                  <a:solidFill>
+                    <a:schemeClr val="tx1"/>
+                  </a:solidFill>
+                </a:endParaRPr>
+              </a:p>
+            </p:txBody>
+          </p:sp>
+        </mc:Choice>
+        <mc:Fallback>
+          <p:sp>
+            <p:nvSpPr>
+              <p:cNvPr id="5" name="TextBox 4">
+                <a:extLst>
+                  <a:ext uri="{FF2B5EF4-FFF2-40B4-BE49-F238E27FC236}">
+                    <a16:creationId xmlns:a16="http://schemas.microsoft.com/office/drawing/2014/main" id="{A0EE53E3-26A5-88F7-4875-8858F34B4149}"/>
+                  </a:ext>
+                </a:extLst>
+              </p:cNvPr>
+              <p:cNvSpPr txBox="1">
+                <a:spLocks noRot="1" noChangeAspect="1" noMove="1" noResize="1" noEditPoints="1" noAdjustHandles="1" noChangeArrowheads="1" noChangeShapeType="1" noTextEdit="1"/>
+              </p:cNvSpPr>
+              <p:nvPr/>
+            </p:nvSpPr>
+            <p:spPr>
+              <a:xfrm>
+                <a:off x="1645109" y="182065"/>
+                <a:ext cx="807396" cy="369332"/>
+              </a:xfrm>
+              <a:prstGeom prst="rect">
+                <a:avLst/>
+              </a:prstGeom>
+              <a:blipFill>
+                <a:blip r:embed="rId3"/>
+                <a:stretch>
+                  <a:fillRect/>
+                </a:stretch>
+              </a:blipFill>
+            </p:spPr>
+            <p:txBody>
+              <a:bodyPr/>
+              <a:lstStyle/>
+              <a:p>
+                <a:r>
+                  <a:rPr lang="en-US">
+                    <a:noFill/>
+                  </a:rPr>
+                  <a:t> </a:t>
+                </a:r>
+              </a:p>
+            </p:txBody>
+          </p:sp>
+        </mc:Fallback>
+      </mc:AlternateContent>
+      <p:sp>
+        <p:nvSpPr>
+          <p:cNvPr id="7" name="TextBox 6">
+            <a:extLst>
+              <a:ext uri="{FF2B5EF4-FFF2-40B4-BE49-F238E27FC236}">
+                <a16:creationId xmlns:a16="http://schemas.microsoft.com/office/drawing/2014/main" id="{972AF9AB-0111-3590-DBBF-066A6E46AC74}"/>
+              </a:ext>
+            </a:extLst>
+          </p:cNvPr>
+          <p:cNvSpPr txBox="1"/>
+          <p:nvPr/>
+        </p:nvSpPr>
+        <p:spPr>
+          <a:xfrm>
+            <a:off x="4816546" y="2105585"/>
+            <a:ext cx="4584629" cy="461665"/>
+          </a:xfrm>
+          <a:prstGeom prst="rect">
+            <a:avLst/>
+          </a:prstGeom>
+          <a:noFill/>
+        </p:spPr>
+        <p:txBody>
+          <a:bodyPr wrap="square" rtlCol="0">
+            <a:spAutoFit/>
+          </a:bodyPr>
+          <a:lstStyle/>
+          <a:p>
+            <a:pPr algn="ctr"/>
+            <a:r>
+              <a:rPr lang="en-US" sz="2400" b="1" dirty="0">
+                <a:solidFill>
+                  <a:schemeClr val="accent2">
+                    <a:lumMod val="75000"/>
+                  </a:schemeClr>
+                </a:solidFill>
+              </a:rPr>
+              <a:t>INDIFFERENCE CURVE</a:t>
+            </a:r>
+          </a:p>
+        </p:txBody>
+      </p:sp>
+    </p:spTree>
+    <p:extLst>
+      <p:ext uri="{BB962C8B-B14F-4D97-AF65-F5344CB8AC3E}">
+        <p14:creationId xmlns:p14="http://schemas.microsoft.com/office/powerpoint/2010/main" val="3794569359"/>
+      </p:ext>
+    </p:extLst>
+  </p:cSld>
+  <p:clrMapOvr>
+    <a:masterClrMapping/>
+  </p:clrMapOvr>
+</p:sld>
+</file>
+
+<file path=ppt/slides/slide14.xml><?xml version="1.0" encoding="utf-8"?>
+<p:sld xmlns:a="http://schemas.openxmlformats.org/drawingml/2006/main" xmlns:r="http://schemas.openxmlformats.org/officeDocument/2006/relationships" xmlns:p="http://schemas.openxmlformats.org/presentationml/2006/main">
+  <p:cSld>
+    <p:spTree>
+      <p:nvGrpSpPr>
+        <p:cNvPr id="1" name=""/>
+        <p:cNvGrpSpPr/>
+        <p:nvPr/>
+      </p:nvGrpSpPr>
+      <p:grpSpPr>
+        <a:xfrm>
+          <a:off x="0" y="0"/>
+          <a:ext cx="0" cy="0"/>
+          <a:chOff x="0" y="0"/>
+          <a:chExt cx="0" cy="0"/>
+        </a:xfrm>
+      </p:grpSpPr>
+      <mc:AlternateContent xmlns:mc="http://schemas.openxmlformats.org/markup-compatibility/2006">
+        <mc:Choice xmlns:a14="http://schemas.microsoft.com/office/drawing/2010/main" Requires="a14">
+          <p:sp>
+            <p:nvSpPr>
+              <p:cNvPr id="26" name="TextBox 25">
+                <a:extLst>
+                  <a:ext uri="{FF2B5EF4-FFF2-40B4-BE49-F238E27FC236}">
+                    <a16:creationId xmlns:a16="http://schemas.microsoft.com/office/drawing/2014/main" id="{7F93BDE7-A731-C302-19A1-DCAFA5C13CF4}"/>
+                  </a:ext>
+                </a:extLst>
+              </p:cNvPr>
+              <p:cNvSpPr txBox="1"/>
+              <p:nvPr/>
+            </p:nvSpPr>
+            <p:spPr>
+              <a:xfrm>
+                <a:off x="9681954" y="5796407"/>
+                <a:ext cx="807396" cy="369332"/>
+              </a:xfrm>
+              <a:prstGeom prst="rect">
+                <a:avLst/>
+              </a:prstGeom>
+              <a:noFill/>
+            </p:spPr>
+            <p:txBody>
+              <a:bodyPr wrap="square" rtlCol="0">
+                <a:spAutoFit/>
+              </a:bodyPr>
+              <a:lstStyle/>
+              <a:p>
+                <a:pPr/>
+                <a14:m>
+                  <m:oMathPara xmlns:m="http://schemas.openxmlformats.org/officeDocument/2006/math">
+                    <m:oMathParaPr>
+                      <m:jc m:val="centerGroup"/>
+                    </m:oMathParaPr>
+                    <m:oMath xmlns:m="http://schemas.openxmlformats.org/officeDocument/2006/math">
+                      <m:r>
+                        <a:rPr lang="en-US" b="1" i="1" smtClean="0">
+                          <a:solidFill>
+                            <a:schemeClr val="tx1"/>
+                          </a:solidFill>
+                          <a:latin typeface="Cambria Math" panose="02040503050406030204" pitchFamily="18" charset="0"/>
+                        </a:rPr>
+                        <m:t>𝑿</m:t>
+                      </m:r>
+                    </m:oMath>
+                  </m:oMathPara>
+                </a14:m>
+                <a:endParaRPr lang="en-US" b="1" dirty="0">
+                  <a:solidFill>
+                    <a:schemeClr val="tx1"/>
+                  </a:solidFill>
+                </a:endParaRPr>
+              </a:p>
+            </p:txBody>
+          </p:sp>
+        </mc:Choice>
+        <mc:Fallback>
+          <p:sp>
+            <p:nvSpPr>
+              <p:cNvPr id="26" name="TextBox 25">
+                <a:extLst>
+                  <a:ext uri="{FF2B5EF4-FFF2-40B4-BE49-F238E27FC236}">
+                    <a16:creationId xmlns:a16="http://schemas.microsoft.com/office/drawing/2014/main" id="{7F93BDE7-A731-C302-19A1-DCAFA5C13CF4}"/>
+                  </a:ext>
+                </a:extLst>
+              </p:cNvPr>
+              <p:cNvSpPr txBox="1">
+                <a:spLocks noRot="1" noChangeAspect="1" noMove="1" noResize="1" noEditPoints="1" noAdjustHandles="1" noChangeArrowheads="1" noChangeShapeType="1" noTextEdit="1"/>
+              </p:cNvSpPr>
+              <p:nvPr/>
+            </p:nvSpPr>
+            <p:spPr>
+              <a:xfrm>
+                <a:off x="9681954" y="5796407"/>
+                <a:ext cx="807396" cy="369332"/>
+              </a:xfrm>
+              <a:prstGeom prst="rect">
+                <a:avLst/>
+              </a:prstGeom>
+              <a:blipFill>
+                <a:blip r:embed="rId2"/>
+                <a:stretch>
+                  <a:fillRect/>
+                </a:stretch>
+              </a:blipFill>
+            </p:spPr>
+            <p:txBody>
+              <a:bodyPr/>
+              <a:lstStyle/>
+              <a:p>
+                <a:r>
+                  <a:rPr lang="en-US">
+                    <a:noFill/>
+                  </a:rPr>
+                  <a:t> </a:t>
+                </a:r>
+              </a:p>
+            </p:txBody>
+          </p:sp>
+        </mc:Fallback>
+      </mc:AlternateContent>
+      <mc:AlternateContent xmlns:mc="http://schemas.openxmlformats.org/markup-compatibility/2006">
+        <mc:Choice xmlns:a14="http://schemas.microsoft.com/office/drawing/2010/main" Requires="a14">
+          <p:sp>
+            <p:nvSpPr>
+              <p:cNvPr id="27" name="TextBox 26">
+                <a:extLst>
+                  <a:ext uri="{FF2B5EF4-FFF2-40B4-BE49-F238E27FC236}">
+                    <a16:creationId xmlns:a16="http://schemas.microsoft.com/office/drawing/2014/main" id="{0DDA7B57-B430-94C9-FFC6-65F76A85F963}"/>
+                  </a:ext>
+                </a:extLst>
+              </p:cNvPr>
+              <p:cNvSpPr txBox="1"/>
+              <p:nvPr/>
+            </p:nvSpPr>
+            <p:spPr>
+              <a:xfrm>
+                <a:off x="1645109" y="210640"/>
+                <a:ext cx="807396" cy="369332"/>
+              </a:xfrm>
+              <a:prstGeom prst="rect">
+                <a:avLst/>
+              </a:prstGeom>
+              <a:noFill/>
+            </p:spPr>
+            <p:txBody>
+              <a:bodyPr wrap="square" rtlCol="0">
+                <a:spAutoFit/>
+              </a:bodyPr>
+              <a:lstStyle/>
+              <a:p>
+                <a:pPr/>
+                <a14:m>
+                  <m:oMathPara xmlns:m="http://schemas.openxmlformats.org/officeDocument/2006/math">
+                    <m:oMathParaPr>
+                      <m:jc m:val="centerGroup"/>
+                    </m:oMathParaPr>
+                    <m:oMath xmlns:m="http://schemas.openxmlformats.org/officeDocument/2006/math">
+                      <m:r>
+                        <a:rPr lang="en-US" b="1" i="1" smtClean="0">
+                          <a:solidFill>
+                            <a:schemeClr val="tx1"/>
+                          </a:solidFill>
+                          <a:latin typeface="Cambria Math" panose="02040503050406030204" pitchFamily="18" charset="0"/>
+                        </a:rPr>
+                        <m:t>𝒀</m:t>
+                      </m:r>
+                    </m:oMath>
+                  </m:oMathPara>
+                </a14:m>
+                <a:endParaRPr lang="en-US" b="1" dirty="0">
+                  <a:solidFill>
+                    <a:schemeClr val="tx1"/>
+                  </a:solidFill>
+                </a:endParaRPr>
+              </a:p>
+            </p:txBody>
+          </p:sp>
+        </mc:Choice>
+        <mc:Fallback>
+          <p:sp>
+            <p:nvSpPr>
+              <p:cNvPr id="27" name="TextBox 26">
+                <a:extLst>
+                  <a:ext uri="{FF2B5EF4-FFF2-40B4-BE49-F238E27FC236}">
+                    <a16:creationId xmlns:a16="http://schemas.microsoft.com/office/drawing/2014/main" id="{0DDA7B57-B430-94C9-FFC6-65F76A85F963}"/>
+                  </a:ext>
+                </a:extLst>
+              </p:cNvPr>
+              <p:cNvSpPr txBox="1">
+                <a:spLocks noRot="1" noChangeAspect="1" noMove="1" noResize="1" noEditPoints="1" noAdjustHandles="1" noChangeArrowheads="1" noChangeShapeType="1" noTextEdit="1"/>
+              </p:cNvSpPr>
+              <p:nvPr/>
+            </p:nvSpPr>
+            <p:spPr>
+              <a:xfrm>
+                <a:off x="1645109" y="210640"/>
+                <a:ext cx="807396" cy="369332"/>
+              </a:xfrm>
+              <a:prstGeom prst="rect">
+                <a:avLst/>
+              </a:prstGeom>
+              <a:blipFill>
+                <a:blip r:embed="rId3"/>
+                <a:stretch>
+                  <a:fillRect/>
+                </a:stretch>
+              </a:blipFill>
+            </p:spPr>
+            <p:txBody>
+              <a:bodyPr/>
+              <a:lstStyle/>
+              <a:p>
+                <a:r>
+                  <a:rPr lang="en-US">
+                    <a:noFill/>
+                  </a:rPr>
+                  <a:t> </a:t>
+                </a:r>
+              </a:p>
+            </p:txBody>
+          </p:sp>
+        </mc:Fallback>
+      </mc:AlternateContent>
+      <p:sp>
+        <p:nvSpPr>
+          <p:cNvPr id="6" name="Freeform: Shape 5">
+            <a:extLst>
+              <a:ext uri="{FF2B5EF4-FFF2-40B4-BE49-F238E27FC236}">
+                <a16:creationId xmlns:a16="http://schemas.microsoft.com/office/drawing/2014/main" id="{0CF6D7D9-CF42-B396-29A8-52DACB5F1FF9}"/>
+              </a:ext>
+            </a:extLst>
+          </p:cNvPr>
+          <p:cNvSpPr/>
+          <p:nvPr/>
+        </p:nvSpPr>
+        <p:spPr>
+          <a:xfrm>
+            <a:off x="2286000" y="395306"/>
+            <a:ext cx="7601613" cy="5637321"/>
+          </a:xfrm>
+          <a:custGeom>
+            <a:avLst/>
+            <a:gdLst>
+              <a:gd name="connsiteX0" fmla="*/ 0 w 10227076"/>
+              <a:gd name="connsiteY0" fmla="*/ 0 h 5637321"/>
+              <a:gd name="connsiteX1" fmla="*/ 35511 w 10227076"/>
+              <a:gd name="connsiteY1" fmla="*/ 5637321 h 5637321"/>
+              <a:gd name="connsiteX2" fmla="*/ 10227076 w 10227076"/>
+              <a:gd name="connsiteY2" fmla="*/ 5584055 h 5637321"/>
+            </a:gdLst>
+            <a:ahLst/>
+            <a:cxnLst>
+              <a:cxn ang="0">
+                <a:pos x="connsiteX0" y="connsiteY0"/>
+              </a:cxn>
+              <a:cxn ang="0">
+                <a:pos x="connsiteX1" y="connsiteY1"/>
+              </a:cxn>
+              <a:cxn ang="0">
+                <a:pos x="connsiteX2" y="connsiteY2"/>
+              </a:cxn>
+            </a:cxnLst>
+            <a:rect l="l" t="t" r="r" b="b"/>
+            <a:pathLst>
+              <a:path w="10227076" h="5637321">
+                <a:moveTo>
+                  <a:pt x="0" y="0"/>
+                </a:moveTo>
+                <a:lnTo>
+                  <a:pt x="35511" y="5637321"/>
+                </a:lnTo>
+                <a:lnTo>
+                  <a:pt x="10227076" y="5584055"/>
+                </a:lnTo>
+              </a:path>
+            </a:pathLst>
+          </a:custGeom>
+          <a:ln w="38100"/>
+        </p:spPr>
+        <p:style>
+          <a:lnRef idx="3">
+            <a:schemeClr val="dk1"/>
+          </a:lnRef>
+          <a:fillRef idx="0">
+            <a:schemeClr val="dk1"/>
+          </a:fillRef>
+          <a:effectRef idx="2">
+            <a:schemeClr val="dk1"/>
+          </a:effectRef>
+          <a:fontRef idx="minor">
+            <a:schemeClr val="tx1"/>
+          </a:fontRef>
+        </p:style>
+        <p:txBody>
+          <a:bodyPr rtlCol="0" anchor="ctr"/>
+          <a:lstStyle/>
+          <a:p>
+            <a:pPr algn="ctr"/>
+            <a:endParaRPr lang="en-US"/>
+          </a:p>
+        </p:txBody>
+      </p:sp>
+      <p:cxnSp>
+        <p:nvCxnSpPr>
+          <p:cNvPr id="8" name="Straight Connector 7">
+            <a:extLst>
+              <a:ext uri="{FF2B5EF4-FFF2-40B4-BE49-F238E27FC236}">
+                <a16:creationId xmlns:a16="http://schemas.microsoft.com/office/drawing/2014/main" id="{B16F4518-E948-C3F6-AAE1-784E53A694CC}"/>
+              </a:ext>
+            </a:extLst>
+          </p:cNvPr>
+          <p:cNvCxnSpPr>
+            <a:cxnSpLocks/>
+          </p:cNvCxnSpPr>
+          <p:nvPr/>
+        </p:nvCxnSpPr>
+        <p:spPr>
+          <a:xfrm>
+            <a:off x="2286000" y="1544715"/>
+            <a:ext cx="5816600" cy="4430635"/>
+          </a:xfrm>
+          <a:prstGeom prst="line">
+            <a:avLst/>
+          </a:prstGeom>
+          <a:ln w="38100"/>
+        </p:spPr>
+        <p:style>
+          <a:lnRef idx="1">
+            <a:schemeClr val="accent1"/>
+          </a:lnRef>
+          <a:fillRef idx="0">
+            <a:schemeClr val="accent1"/>
+          </a:fillRef>
+          <a:effectRef idx="0">
+            <a:schemeClr val="accent1"/>
+          </a:effectRef>
+          <a:fontRef idx="minor">
+            <a:schemeClr val="tx1"/>
+          </a:fontRef>
+        </p:style>
+      </p:cxnSp>
+      <p:sp>
+        <p:nvSpPr>
+          <p:cNvPr id="3" name="Freeform: Shape 2">
+            <a:extLst>
+              <a:ext uri="{FF2B5EF4-FFF2-40B4-BE49-F238E27FC236}">
+                <a16:creationId xmlns:a16="http://schemas.microsoft.com/office/drawing/2014/main" id="{266E565D-1331-8923-6DEB-D95211F49C84}"/>
+              </a:ext>
+            </a:extLst>
+          </p:cNvPr>
+          <p:cNvSpPr/>
+          <p:nvPr/>
+        </p:nvSpPr>
+        <p:spPr>
+          <a:xfrm rot="526040">
+            <a:off x="2662203" y="2039645"/>
+            <a:ext cx="5681709" cy="3187083"/>
+          </a:xfrm>
+          <a:custGeom>
+            <a:avLst/>
+            <a:gdLst>
+              <a:gd name="connsiteX0" fmla="*/ 0 w 5681709"/>
+              <a:gd name="connsiteY0" fmla="*/ 0 h 3187083"/>
+              <a:gd name="connsiteX1" fmla="*/ 514905 w 5681709"/>
+              <a:gd name="connsiteY1" fmla="*/ 1189608 h 3187083"/>
+              <a:gd name="connsiteX2" fmla="*/ 1997476 w 5681709"/>
+              <a:gd name="connsiteY2" fmla="*/ 2414726 h 3187083"/>
+              <a:gd name="connsiteX3" fmla="*/ 4136994 w 5681709"/>
+              <a:gd name="connsiteY3" fmla="*/ 3053918 h 3187083"/>
+              <a:gd name="connsiteX4" fmla="*/ 5681709 w 5681709"/>
+              <a:gd name="connsiteY4" fmla="*/ 3187083 h 3187083"/>
+            </a:gdLst>
+            <a:ahLst/>
+            <a:cxnLst>
+              <a:cxn ang="0">
+                <a:pos x="connsiteX0" y="connsiteY0"/>
+              </a:cxn>
+              <a:cxn ang="0">
+                <a:pos x="connsiteX1" y="connsiteY1"/>
+              </a:cxn>
+              <a:cxn ang="0">
+                <a:pos x="connsiteX2" y="connsiteY2"/>
+              </a:cxn>
+              <a:cxn ang="0">
+                <a:pos x="connsiteX3" y="connsiteY3"/>
+              </a:cxn>
+              <a:cxn ang="0">
+                <a:pos x="connsiteX4" y="connsiteY4"/>
+              </a:cxn>
+            </a:cxnLst>
+            <a:rect l="l" t="t" r="r" b="b"/>
+            <a:pathLst>
+              <a:path w="5681709" h="3187083">
+                <a:moveTo>
+                  <a:pt x="0" y="0"/>
+                </a:moveTo>
+                <a:cubicBezTo>
+                  <a:pt x="90996" y="393577"/>
+                  <a:pt x="181992" y="787154"/>
+                  <a:pt x="514905" y="1189608"/>
+                </a:cubicBezTo>
+                <a:cubicBezTo>
+                  <a:pt x="847818" y="1592062"/>
+                  <a:pt x="1393795" y="2104008"/>
+                  <a:pt x="1997476" y="2414726"/>
+                </a:cubicBezTo>
+                <a:cubicBezTo>
+                  <a:pt x="2601157" y="2725444"/>
+                  <a:pt x="3522955" y="2925192"/>
+                  <a:pt x="4136994" y="3053918"/>
+                </a:cubicBezTo>
+                <a:cubicBezTo>
+                  <a:pt x="4751033" y="3182644"/>
+                  <a:pt x="5434614" y="3133817"/>
+                  <a:pt x="5681709" y="3187083"/>
+                </a:cubicBezTo>
+              </a:path>
+            </a:pathLst>
+          </a:custGeom>
+          <a:noFill/>
+          <a:ln w="57150">
+            <a:solidFill>
+              <a:schemeClr val="accent2">
+                <a:lumMod val="75000"/>
+              </a:schemeClr>
+            </a:solidFill>
+          </a:ln>
+        </p:spPr>
+        <p:style>
+          <a:lnRef idx="2">
+            <a:schemeClr val="accent1">
+              <a:shade val="15000"/>
+            </a:schemeClr>
+          </a:lnRef>
+          <a:fillRef idx="1">
+            <a:schemeClr val="accent1"/>
+          </a:fillRef>
+          <a:effectRef idx="0">
+            <a:schemeClr val="accent1"/>
+          </a:effectRef>
+          <a:fontRef idx="minor">
+            <a:schemeClr val="lt1"/>
+          </a:fontRef>
+        </p:style>
+        <p:txBody>
+          <a:bodyPr rtlCol="0" anchor="ctr"/>
+          <a:lstStyle/>
+          <a:p>
+            <a:pPr algn="ctr"/>
+            <a:endParaRPr lang="en-US"/>
+          </a:p>
+        </p:txBody>
+      </p:sp>
+      <p:sp>
+        <p:nvSpPr>
+          <p:cNvPr id="4" name="Freeform: Shape 3">
+            <a:extLst>
+              <a:ext uri="{FF2B5EF4-FFF2-40B4-BE49-F238E27FC236}">
+                <a16:creationId xmlns:a16="http://schemas.microsoft.com/office/drawing/2014/main" id="{5C89BC48-AA8A-31A1-479F-44760C5F573E}"/>
+              </a:ext>
+            </a:extLst>
+          </p:cNvPr>
+          <p:cNvSpPr/>
+          <p:nvPr/>
+        </p:nvSpPr>
+        <p:spPr>
+          <a:xfrm rot="526040">
+            <a:off x="3554487" y="1620424"/>
+            <a:ext cx="5681709" cy="3187083"/>
+          </a:xfrm>
+          <a:custGeom>
+            <a:avLst/>
+            <a:gdLst>
+              <a:gd name="connsiteX0" fmla="*/ 0 w 5681709"/>
+              <a:gd name="connsiteY0" fmla="*/ 0 h 3187083"/>
+              <a:gd name="connsiteX1" fmla="*/ 514905 w 5681709"/>
+              <a:gd name="connsiteY1" fmla="*/ 1189608 h 3187083"/>
+              <a:gd name="connsiteX2" fmla="*/ 1997476 w 5681709"/>
+              <a:gd name="connsiteY2" fmla="*/ 2414726 h 3187083"/>
+              <a:gd name="connsiteX3" fmla="*/ 4136994 w 5681709"/>
+              <a:gd name="connsiteY3" fmla="*/ 3053918 h 3187083"/>
+              <a:gd name="connsiteX4" fmla="*/ 5681709 w 5681709"/>
+              <a:gd name="connsiteY4" fmla="*/ 3187083 h 3187083"/>
+            </a:gdLst>
+            <a:ahLst/>
+            <a:cxnLst>
+              <a:cxn ang="0">
+                <a:pos x="connsiteX0" y="connsiteY0"/>
+              </a:cxn>
+              <a:cxn ang="0">
+                <a:pos x="connsiteX1" y="connsiteY1"/>
+              </a:cxn>
+              <a:cxn ang="0">
+                <a:pos x="connsiteX2" y="connsiteY2"/>
+              </a:cxn>
+              <a:cxn ang="0">
+                <a:pos x="connsiteX3" y="connsiteY3"/>
+              </a:cxn>
+              <a:cxn ang="0">
+                <a:pos x="connsiteX4" y="connsiteY4"/>
+              </a:cxn>
+            </a:cxnLst>
+            <a:rect l="l" t="t" r="r" b="b"/>
+            <a:pathLst>
+              <a:path w="5681709" h="3187083">
+                <a:moveTo>
+                  <a:pt x="0" y="0"/>
+                </a:moveTo>
+                <a:cubicBezTo>
+                  <a:pt x="90996" y="393577"/>
+                  <a:pt x="181992" y="787154"/>
+                  <a:pt x="514905" y="1189608"/>
+                </a:cubicBezTo>
+                <a:cubicBezTo>
+                  <a:pt x="847818" y="1592062"/>
+                  <a:pt x="1393795" y="2104008"/>
+                  <a:pt x="1997476" y="2414726"/>
+                </a:cubicBezTo>
+                <a:cubicBezTo>
+                  <a:pt x="2601157" y="2725444"/>
+                  <a:pt x="3522955" y="2925192"/>
+                  <a:pt x="4136994" y="3053918"/>
+                </a:cubicBezTo>
+                <a:cubicBezTo>
+                  <a:pt x="4751033" y="3182644"/>
+                  <a:pt x="5434614" y="3133817"/>
+                  <a:pt x="5681709" y="3187083"/>
+                </a:cubicBezTo>
+              </a:path>
+            </a:pathLst>
+          </a:custGeom>
+          <a:noFill/>
+          <a:ln w="57150">
+            <a:solidFill>
+              <a:schemeClr val="accent2">
+                <a:lumMod val="75000"/>
+              </a:schemeClr>
+            </a:solidFill>
+          </a:ln>
+        </p:spPr>
+        <p:style>
+          <a:lnRef idx="2">
+            <a:schemeClr val="accent1">
+              <a:shade val="15000"/>
+            </a:schemeClr>
+          </a:lnRef>
+          <a:fillRef idx="1">
+            <a:schemeClr val="accent1"/>
+          </a:fillRef>
+          <a:effectRef idx="0">
+            <a:schemeClr val="accent1"/>
+          </a:effectRef>
+          <a:fontRef idx="minor">
+            <a:schemeClr val="lt1"/>
+          </a:fontRef>
+        </p:style>
+        <p:txBody>
+          <a:bodyPr rtlCol="0" anchor="ctr"/>
+          <a:lstStyle/>
+          <a:p>
+            <a:pPr algn="ctr"/>
+            <a:endParaRPr lang="en-US"/>
+          </a:p>
+        </p:txBody>
+      </p:sp>
+      <p:sp>
+        <p:nvSpPr>
+          <p:cNvPr id="5" name="Freeform: Shape 4">
+            <a:extLst>
+              <a:ext uri="{FF2B5EF4-FFF2-40B4-BE49-F238E27FC236}">
+                <a16:creationId xmlns:a16="http://schemas.microsoft.com/office/drawing/2014/main" id="{44668290-6CAE-68AB-5753-39F450E18225}"/>
+              </a:ext>
+            </a:extLst>
+          </p:cNvPr>
+          <p:cNvSpPr/>
+          <p:nvPr/>
+        </p:nvSpPr>
+        <p:spPr>
+          <a:xfrm rot="526040">
+            <a:off x="4442349" y="994362"/>
+            <a:ext cx="5681709" cy="3187083"/>
+          </a:xfrm>
+          <a:custGeom>
+            <a:avLst/>
+            <a:gdLst>
+              <a:gd name="connsiteX0" fmla="*/ 0 w 5681709"/>
+              <a:gd name="connsiteY0" fmla="*/ 0 h 3187083"/>
+              <a:gd name="connsiteX1" fmla="*/ 514905 w 5681709"/>
+              <a:gd name="connsiteY1" fmla="*/ 1189608 h 3187083"/>
+              <a:gd name="connsiteX2" fmla="*/ 1997476 w 5681709"/>
+              <a:gd name="connsiteY2" fmla="*/ 2414726 h 3187083"/>
+              <a:gd name="connsiteX3" fmla="*/ 4136994 w 5681709"/>
+              <a:gd name="connsiteY3" fmla="*/ 3053918 h 3187083"/>
+              <a:gd name="connsiteX4" fmla="*/ 5681709 w 5681709"/>
+              <a:gd name="connsiteY4" fmla="*/ 3187083 h 3187083"/>
+            </a:gdLst>
+            <a:ahLst/>
+            <a:cxnLst>
+              <a:cxn ang="0">
+                <a:pos x="connsiteX0" y="connsiteY0"/>
+              </a:cxn>
+              <a:cxn ang="0">
+                <a:pos x="connsiteX1" y="connsiteY1"/>
+              </a:cxn>
+              <a:cxn ang="0">
+                <a:pos x="connsiteX2" y="connsiteY2"/>
+              </a:cxn>
+              <a:cxn ang="0">
+                <a:pos x="connsiteX3" y="connsiteY3"/>
+              </a:cxn>
+              <a:cxn ang="0">
+                <a:pos x="connsiteX4" y="connsiteY4"/>
+              </a:cxn>
+            </a:cxnLst>
+            <a:rect l="l" t="t" r="r" b="b"/>
+            <a:pathLst>
+              <a:path w="5681709" h="3187083">
+                <a:moveTo>
+                  <a:pt x="0" y="0"/>
+                </a:moveTo>
+                <a:cubicBezTo>
+                  <a:pt x="90996" y="393577"/>
+                  <a:pt x="181992" y="787154"/>
+                  <a:pt x="514905" y="1189608"/>
+                </a:cubicBezTo>
+                <a:cubicBezTo>
+                  <a:pt x="847818" y="1592062"/>
+                  <a:pt x="1393795" y="2104008"/>
+                  <a:pt x="1997476" y="2414726"/>
+                </a:cubicBezTo>
+                <a:cubicBezTo>
+                  <a:pt x="2601157" y="2725444"/>
+                  <a:pt x="3522955" y="2925192"/>
+                  <a:pt x="4136994" y="3053918"/>
+                </a:cubicBezTo>
+                <a:cubicBezTo>
+                  <a:pt x="4751033" y="3182644"/>
+                  <a:pt x="5434614" y="3133817"/>
+                  <a:pt x="5681709" y="3187083"/>
+                </a:cubicBezTo>
+              </a:path>
+            </a:pathLst>
+          </a:custGeom>
+          <a:noFill/>
+          <a:ln w="57150">
+            <a:solidFill>
+              <a:schemeClr val="accent2">
+                <a:lumMod val="75000"/>
+              </a:schemeClr>
+            </a:solidFill>
+          </a:ln>
+        </p:spPr>
+        <p:style>
+          <a:lnRef idx="2">
+            <a:schemeClr val="accent1">
+              <a:shade val="15000"/>
+            </a:schemeClr>
+          </a:lnRef>
+          <a:fillRef idx="1">
+            <a:schemeClr val="accent1"/>
+          </a:fillRef>
+          <a:effectRef idx="0">
+            <a:schemeClr val="accent1"/>
+          </a:effectRef>
+          <a:fontRef idx="minor">
+            <a:schemeClr val="lt1"/>
+          </a:fontRef>
+        </p:style>
+        <p:txBody>
+          <a:bodyPr rtlCol="0" anchor="ctr"/>
+          <a:lstStyle/>
+          <a:p>
+            <a:pPr algn="ctr"/>
+            <a:endParaRPr lang="en-US"/>
+          </a:p>
+        </p:txBody>
+      </p:sp>
+    </p:spTree>
+    <p:extLst>
+      <p:ext uri="{BB962C8B-B14F-4D97-AF65-F5344CB8AC3E}">
+        <p14:creationId xmlns:p14="http://schemas.microsoft.com/office/powerpoint/2010/main" val="371531130"/>
+      </p:ext>
+    </p:extLst>
+  </p:cSld>
+  <p:clrMapOvr>
+    <a:masterClrMapping/>
+  </p:clrMapOvr>
+</p:sld>
+</file>
+
+<file path=ppt/slides/slide15.xml><?xml version="1.0" encoding="utf-8"?>
+<p:sld xmlns:a="http://schemas.openxmlformats.org/drawingml/2006/main" xmlns:r="http://schemas.openxmlformats.org/officeDocument/2006/relationships" xmlns:p="http://schemas.openxmlformats.org/presentationml/2006/main">
+  <p:cSld>
+    <p:spTree>
+      <p:nvGrpSpPr>
+        <p:cNvPr id="1" name=""/>
+        <p:cNvGrpSpPr/>
+        <p:nvPr/>
+      </p:nvGrpSpPr>
+      <p:grpSpPr>
+        <a:xfrm>
+          <a:off x="0" y="0"/>
+          <a:ext cx="0" cy="0"/>
+          <a:chOff x="0" y="0"/>
+          <a:chExt cx="0" cy="0"/>
+        </a:xfrm>
+      </p:grpSpPr>
+      <mc:AlternateContent xmlns:mc="http://schemas.openxmlformats.org/markup-compatibility/2006">
+        <mc:Choice xmlns:a14="http://schemas.microsoft.com/office/drawing/2010/main" Requires="a14">
+          <p:sp>
+            <p:nvSpPr>
+              <p:cNvPr id="26" name="TextBox 25">
+                <a:extLst>
+                  <a:ext uri="{FF2B5EF4-FFF2-40B4-BE49-F238E27FC236}">
+                    <a16:creationId xmlns:a16="http://schemas.microsoft.com/office/drawing/2014/main" id="{7F93BDE7-A731-C302-19A1-DCAFA5C13CF4}"/>
+                  </a:ext>
+                </a:extLst>
+              </p:cNvPr>
+              <p:cNvSpPr txBox="1"/>
+              <p:nvPr/>
+            </p:nvSpPr>
+            <p:spPr>
+              <a:xfrm>
+                <a:off x="9681954" y="5796407"/>
+                <a:ext cx="807396" cy="369332"/>
+              </a:xfrm>
+              <a:prstGeom prst="rect">
+                <a:avLst/>
+              </a:prstGeom>
+              <a:noFill/>
+            </p:spPr>
+            <p:txBody>
+              <a:bodyPr wrap="square" rtlCol="0">
+                <a:spAutoFit/>
+              </a:bodyPr>
+              <a:lstStyle/>
+              <a:p>
+                <a:pPr/>
+                <a14:m>
+                  <m:oMathPara xmlns:m="http://schemas.openxmlformats.org/officeDocument/2006/math">
+                    <m:oMathParaPr>
+                      <m:jc m:val="centerGroup"/>
+                    </m:oMathParaPr>
+                    <m:oMath xmlns:m="http://schemas.openxmlformats.org/officeDocument/2006/math">
+                      <m:r>
+                        <a:rPr lang="en-US" b="1" i="1" smtClean="0">
+                          <a:solidFill>
+                            <a:schemeClr val="tx1"/>
+                          </a:solidFill>
+                          <a:latin typeface="Cambria Math" panose="02040503050406030204" pitchFamily="18" charset="0"/>
+                        </a:rPr>
+                        <m:t>𝑿</m:t>
+                      </m:r>
+                    </m:oMath>
+                  </m:oMathPara>
+                </a14:m>
+                <a:endParaRPr lang="en-US" b="1" dirty="0">
+                  <a:solidFill>
+                    <a:schemeClr val="tx1"/>
+                  </a:solidFill>
+                </a:endParaRPr>
+              </a:p>
+            </p:txBody>
+          </p:sp>
+        </mc:Choice>
+        <mc:Fallback>
+          <p:sp>
+            <p:nvSpPr>
+              <p:cNvPr id="26" name="TextBox 25">
+                <a:extLst>
+                  <a:ext uri="{FF2B5EF4-FFF2-40B4-BE49-F238E27FC236}">
+                    <a16:creationId xmlns:a16="http://schemas.microsoft.com/office/drawing/2014/main" id="{7F93BDE7-A731-C302-19A1-DCAFA5C13CF4}"/>
+                  </a:ext>
+                </a:extLst>
+              </p:cNvPr>
+              <p:cNvSpPr txBox="1">
+                <a:spLocks noRot="1" noChangeAspect="1" noMove="1" noResize="1" noEditPoints="1" noAdjustHandles="1" noChangeArrowheads="1" noChangeShapeType="1" noTextEdit="1"/>
+              </p:cNvSpPr>
+              <p:nvPr/>
+            </p:nvSpPr>
+            <p:spPr>
+              <a:xfrm>
+                <a:off x="9681954" y="5796407"/>
+                <a:ext cx="807396" cy="369332"/>
+              </a:xfrm>
+              <a:prstGeom prst="rect">
+                <a:avLst/>
+              </a:prstGeom>
+              <a:blipFill>
+                <a:blip r:embed="rId2"/>
+                <a:stretch>
+                  <a:fillRect/>
+                </a:stretch>
+              </a:blipFill>
+            </p:spPr>
+            <p:txBody>
+              <a:bodyPr/>
+              <a:lstStyle/>
+              <a:p>
+                <a:r>
+                  <a:rPr lang="en-US">
+                    <a:noFill/>
+                  </a:rPr>
+                  <a:t> </a:t>
+                </a:r>
+              </a:p>
+            </p:txBody>
+          </p:sp>
+        </mc:Fallback>
+      </mc:AlternateContent>
+      <mc:AlternateContent xmlns:mc="http://schemas.openxmlformats.org/markup-compatibility/2006">
+        <mc:Choice xmlns:a14="http://schemas.microsoft.com/office/drawing/2010/main" Requires="a14">
+          <p:sp>
+            <p:nvSpPr>
+              <p:cNvPr id="27" name="TextBox 26">
+                <a:extLst>
+                  <a:ext uri="{FF2B5EF4-FFF2-40B4-BE49-F238E27FC236}">
+                    <a16:creationId xmlns:a16="http://schemas.microsoft.com/office/drawing/2014/main" id="{0DDA7B57-B430-94C9-FFC6-65F76A85F963}"/>
+                  </a:ext>
+                </a:extLst>
+              </p:cNvPr>
+              <p:cNvSpPr txBox="1"/>
+              <p:nvPr/>
+            </p:nvSpPr>
+            <p:spPr>
+              <a:xfrm>
+                <a:off x="1645109" y="210640"/>
+                <a:ext cx="807396" cy="369332"/>
+              </a:xfrm>
+              <a:prstGeom prst="rect">
+                <a:avLst/>
+              </a:prstGeom>
+              <a:noFill/>
+            </p:spPr>
+            <p:txBody>
+              <a:bodyPr wrap="square" rtlCol="0">
+                <a:spAutoFit/>
+              </a:bodyPr>
+              <a:lstStyle/>
+              <a:p>
+                <a:pPr/>
+                <a14:m>
+                  <m:oMathPara xmlns:m="http://schemas.openxmlformats.org/officeDocument/2006/math">
+                    <m:oMathParaPr>
+                      <m:jc m:val="centerGroup"/>
+                    </m:oMathParaPr>
+                    <m:oMath xmlns:m="http://schemas.openxmlformats.org/officeDocument/2006/math">
+                      <m:r>
+                        <a:rPr lang="en-US" b="1" i="1" smtClean="0">
+                          <a:solidFill>
+                            <a:schemeClr val="tx1"/>
+                          </a:solidFill>
+                          <a:latin typeface="Cambria Math" panose="02040503050406030204" pitchFamily="18" charset="0"/>
+                        </a:rPr>
+                        <m:t>𝒀</m:t>
+                      </m:r>
+                    </m:oMath>
+                  </m:oMathPara>
+                </a14:m>
+                <a:endParaRPr lang="en-US" b="1" dirty="0">
+                  <a:solidFill>
+                    <a:schemeClr val="tx1"/>
+                  </a:solidFill>
+                </a:endParaRPr>
+              </a:p>
+            </p:txBody>
+          </p:sp>
+        </mc:Choice>
+        <mc:Fallback>
+          <p:sp>
+            <p:nvSpPr>
+              <p:cNvPr id="27" name="TextBox 26">
+                <a:extLst>
+                  <a:ext uri="{FF2B5EF4-FFF2-40B4-BE49-F238E27FC236}">
+                    <a16:creationId xmlns:a16="http://schemas.microsoft.com/office/drawing/2014/main" id="{0DDA7B57-B430-94C9-FFC6-65F76A85F963}"/>
+                  </a:ext>
+                </a:extLst>
+              </p:cNvPr>
+              <p:cNvSpPr txBox="1">
+                <a:spLocks noRot="1" noChangeAspect="1" noMove="1" noResize="1" noEditPoints="1" noAdjustHandles="1" noChangeArrowheads="1" noChangeShapeType="1" noTextEdit="1"/>
+              </p:cNvSpPr>
+              <p:nvPr/>
+            </p:nvSpPr>
+            <p:spPr>
+              <a:xfrm>
+                <a:off x="1645109" y="210640"/>
+                <a:ext cx="807396" cy="369332"/>
+              </a:xfrm>
+              <a:prstGeom prst="rect">
+                <a:avLst/>
+              </a:prstGeom>
+              <a:blipFill>
+                <a:blip r:embed="rId3"/>
+                <a:stretch>
+                  <a:fillRect/>
+                </a:stretch>
+              </a:blipFill>
+            </p:spPr>
+            <p:txBody>
+              <a:bodyPr/>
+              <a:lstStyle/>
+              <a:p>
+                <a:r>
+                  <a:rPr lang="en-US">
+                    <a:noFill/>
+                  </a:rPr>
+                  <a:t> </a:t>
+                </a:r>
+              </a:p>
+            </p:txBody>
+          </p:sp>
+        </mc:Fallback>
+      </mc:AlternateContent>
+      <p:sp>
+        <p:nvSpPr>
+          <p:cNvPr id="6" name="Freeform: Shape 5">
+            <a:extLst>
+              <a:ext uri="{FF2B5EF4-FFF2-40B4-BE49-F238E27FC236}">
+                <a16:creationId xmlns:a16="http://schemas.microsoft.com/office/drawing/2014/main" id="{0CF6D7D9-CF42-B396-29A8-52DACB5F1FF9}"/>
+              </a:ext>
+            </a:extLst>
+          </p:cNvPr>
+          <p:cNvSpPr/>
+          <p:nvPr/>
+        </p:nvSpPr>
+        <p:spPr>
+          <a:xfrm>
+            <a:off x="2286000" y="395306"/>
+            <a:ext cx="7601613" cy="5637321"/>
+          </a:xfrm>
+          <a:custGeom>
+            <a:avLst/>
+            <a:gdLst>
+              <a:gd name="connsiteX0" fmla="*/ 0 w 10227076"/>
+              <a:gd name="connsiteY0" fmla="*/ 0 h 5637321"/>
+              <a:gd name="connsiteX1" fmla="*/ 35511 w 10227076"/>
+              <a:gd name="connsiteY1" fmla="*/ 5637321 h 5637321"/>
+              <a:gd name="connsiteX2" fmla="*/ 10227076 w 10227076"/>
+              <a:gd name="connsiteY2" fmla="*/ 5584055 h 5637321"/>
+            </a:gdLst>
+            <a:ahLst/>
+            <a:cxnLst>
+              <a:cxn ang="0">
+                <a:pos x="connsiteX0" y="connsiteY0"/>
+              </a:cxn>
+              <a:cxn ang="0">
+                <a:pos x="connsiteX1" y="connsiteY1"/>
+              </a:cxn>
+              <a:cxn ang="0">
+                <a:pos x="connsiteX2" y="connsiteY2"/>
+              </a:cxn>
+            </a:cxnLst>
+            <a:rect l="l" t="t" r="r" b="b"/>
+            <a:pathLst>
+              <a:path w="10227076" h="5637321">
+                <a:moveTo>
+                  <a:pt x="0" y="0"/>
+                </a:moveTo>
+                <a:lnTo>
+                  <a:pt x="35511" y="5637321"/>
+                </a:lnTo>
+                <a:lnTo>
+                  <a:pt x="10227076" y="5584055"/>
+                </a:lnTo>
+              </a:path>
+            </a:pathLst>
+          </a:custGeom>
+          <a:ln w="38100"/>
+        </p:spPr>
+        <p:style>
+          <a:lnRef idx="3">
+            <a:schemeClr val="dk1"/>
+          </a:lnRef>
+          <a:fillRef idx="0">
+            <a:schemeClr val="dk1"/>
+          </a:fillRef>
+          <a:effectRef idx="2">
+            <a:schemeClr val="dk1"/>
+          </a:effectRef>
+          <a:fontRef idx="minor">
+            <a:schemeClr val="tx1"/>
+          </a:fontRef>
+        </p:style>
+        <p:txBody>
+          <a:bodyPr rtlCol="0" anchor="ctr"/>
+          <a:lstStyle/>
+          <a:p>
+            <a:pPr algn="ctr"/>
+            <a:endParaRPr lang="en-US"/>
+          </a:p>
+        </p:txBody>
+      </p:sp>
+      <p:cxnSp>
+        <p:nvCxnSpPr>
+          <p:cNvPr id="8" name="Straight Connector 7">
+            <a:extLst>
+              <a:ext uri="{FF2B5EF4-FFF2-40B4-BE49-F238E27FC236}">
+                <a16:creationId xmlns:a16="http://schemas.microsoft.com/office/drawing/2014/main" id="{B16F4518-E948-C3F6-AAE1-784E53A694CC}"/>
+              </a:ext>
+            </a:extLst>
+          </p:cNvPr>
+          <p:cNvCxnSpPr>
+            <a:cxnSpLocks/>
+          </p:cNvCxnSpPr>
+          <p:nvPr/>
+        </p:nvCxnSpPr>
+        <p:spPr>
+          <a:xfrm>
+            <a:off x="2286000" y="1544715"/>
+            <a:ext cx="5816600" cy="4430635"/>
+          </a:xfrm>
+          <a:prstGeom prst="line">
+            <a:avLst/>
+          </a:prstGeom>
+          <a:ln w="38100"/>
+        </p:spPr>
+        <p:style>
+          <a:lnRef idx="1">
+            <a:schemeClr val="accent1"/>
+          </a:lnRef>
+          <a:fillRef idx="0">
+            <a:schemeClr val="accent1"/>
+          </a:fillRef>
+          <a:effectRef idx="0">
+            <a:schemeClr val="accent1"/>
+          </a:effectRef>
+          <a:fontRef idx="minor">
+            <a:schemeClr val="tx1"/>
+          </a:fontRef>
+        </p:style>
+      </p:cxnSp>
+      <p:sp>
+        <p:nvSpPr>
+          <p:cNvPr id="3" name="Freeform: Shape 2">
+            <a:extLst>
+              <a:ext uri="{FF2B5EF4-FFF2-40B4-BE49-F238E27FC236}">
+                <a16:creationId xmlns:a16="http://schemas.microsoft.com/office/drawing/2014/main" id="{266E565D-1331-8923-6DEB-D95211F49C84}"/>
+              </a:ext>
+            </a:extLst>
+          </p:cNvPr>
+          <p:cNvSpPr/>
+          <p:nvPr/>
+        </p:nvSpPr>
+        <p:spPr>
+          <a:xfrm rot="526040">
+            <a:off x="2662203" y="2039645"/>
+            <a:ext cx="5681709" cy="3187083"/>
+          </a:xfrm>
+          <a:custGeom>
+            <a:avLst/>
+            <a:gdLst>
+              <a:gd name="connsiteX0" fmla="*/ 0 w 5681709"/>
+              <a:gd name="connsiteY0" fmla="*/ 0 h 3187083"/>
+              <a:gd name="connsiteX1" fmla="*/ 514905 w 5681709"/>
+              <a:gd name="connsiteY1" fmla="*/ 1189608 h 3187083"/>
+              <a:gd name="connsiteX2" fmla="*/ 1997476 w 5681709"/>
+              <a:gd name="connsiteY2" fmla="*/ 2414726 h 3187083"/>
+              <a:gd name="connsiteX3" fmla="*/ 4136994 w 5681709"/>
+              <a:gd name="connsiteY3" fmla="*/ 3053918 h 3187083"/>
+              <a:gd name="connsiteX4" fmla="*/ 5681709 w 5681709"/>
+              <a:gd name="connsiteY4" fmla="*/ 3187083 h 3187083"/>
+            </a:gdLst>
+            <a:ahLst/>
+            <a:cxnLst>
+              <a:cxn ang="0">
+                <a:pos x="connsiteX0" y="connsiteY0"/>
+              </a:cxn>
+              <a:cxn ang="0">
+                <a:pos x="connsiteX1" y="connsiteY1"/>
+              </a:cxn>
+              <a:cxn ang="0">
+                <a:pos x="connsiteX2" y="connsiteY2"/>
+              </a:cxn>
+              <a:cxn ang="0">
+                <a:pos x="connsiteX3" y="connsiteY3"/>
+              </a:cxn>
+              <a:cxn ang="0">
+                <a:pos x="connsiteX4" y="connsiteY4"/>
+              </a:cxn>
+            </a:cxnLst>
+            <a:rect l="l" t="t" r="r" b="b"/>
+            <a:pathLst>
+              <a:path w="5681709" h="3187083">
+                <a:moveTo>
+                  <a:pt x="0" y="0"/>
+                </a:moveTo>
+                <a:cubicBezTo>
+                  <a:pt x="90996" y="393577"/>
+                  <a:pt x="181992" y="787154"/>
+                  <a:pt x="514905" y="1189608"/>
+                </a:cubicBezTo>
+                <a:cubicBezTo>
+                  <a:pt x="847818" y="1592062"/>
+                  <a:pt x="1393795" y="2104008"/>
+                  <a:pt x="1997476" y="2414726"/>
+                </a:cubicBezTo>
+                <a:cubicBezTo>
+                  <a:pt x="2601157" y="2725444"/>
+                  <a:pt x="3522955" y="2925192"/>
+                  <a:pt x="4136994" y="3053918"/>
+                </a:cubicBezTo>
+                <a:cubicBezTo>
+                  <a:pt x="4751033" y="3182644"/>
+                  <a:pt x="5434614" y="3133817"/>
+                  <a:pt x="5681709" y="3187083"/>
+                </a:cubicBezTo>
+              </a:path>
+            </a:pathLst>
+          </a:custGeom>
+          <a:noFill/>
+          <a:ln w="57150">
+            <a:solidFill>
+              <a:schemeClr val="accent2">
+                <a:lumMod val="75000"/>
+              </a:schemeClr>
+            </a:solidFill>
+          </a:ln>
+        </p:spPr>
+        <p:style>
+          <a:lnRef idx="2">
+            <a:schemeClr val="accent1">
+              <a:shade val="15000"/>
+            </a:schemeClr>
+          </a:lnRef>
+          <a:fillRef idx="1">
+            <a:schemeClr val="accent1"/>
+          </a:fillRef>
+          <a:effectRef idx="0">
+            <a:schemeClr val="accent1"/>
+          </a:effectRef>
+          <a:fontRef idx="minor">
+            <a:schemeClr val="lt1"/>
+          </a:fontRef>
+        </p:style>
+        <p:txBody>
+          <a:bodyPr rtlCol="0" anchor="ctr"/>
+          <a:lstStyle/>
+          <a:p>
+            <a:pPr algn="ctr"/>
+            <a:endParaRPr lang="en-US"/>
+          </a:p>
+        </p:txBody>
+      </p:sp>
+      <p:sp>
+        <p:nvSpPr>
+          <p:cNvPr id="4" name="Freeform: Shape 3">
+            <a:extLst>
+              <a:ext uri="{FF2B5EF4-FFF2-40B4-BE49-F238E27FC236}">
+                <a16:creationId xmlns:a16="http://schemas.microsoft.com/office/drawing/2014/main" id="{5C89BC48-AA8A-31A1-479F-44760C5F573E}"/>
+              </a:ext>
+            </a:extLst>
+          </p:cNvPr>
+          <p:cNvSpPr/>
+          <p:nvPr/>
+        </p:nvSpPr>
+        <p:spPr>
+          <a:xfrm rot="526040">
+            <a:off x="3554487" y="1620424"/>
+            <a:ext cx="5681709" cy="3187083"/>
+          </a:xfrm>
+          <a:custGeom>
+            <a:avLst/>
+            <a:gdLst>
+              <a:gd name="connsiteX0" fmla="*/ 0 w 5681709"/>
+              <a:gd name="connsiteY0" fmla="*/ 0 h 3187083"/>
+              <a:gd name="connsiteX1" fmla="*/ 514905 w 5681709"/>
+              <a:gd name="connsiteY1" fmla="*/ 1189608 h 3187083"/>
+              <a:gd name="connsiteX2" fmla="*/ 1997476 w 5681709"/>
+              <a:gd name="connsiteY2" fmla="*/ 2414726 h 3187083"/>
+              <a:gd name="connsiteX3" fmla="*/ 4136994 w 5681709"/>
+              <a:gd name="connsiteY3" fmla="*/ 3053918 h 3187083"/>
+              <a:gd name="connsiteX4" fmla="*/ 5681709 w 5681709"/>
+              <a:gd name="connsiteY4" fmla="*/ 3187083 h 3187083"/>
+            </a:gdLst>
+            <a:ahLst/>
+            <a:cxnLst>
+              <a:cxn ang="0">
+                <a:pos x="connsiteX0" y="connsiteY0"/>
+              </a:cxn>
+              <a:cxn ang="0">
+                <a:pos x="connsiteX1" y="connsiteY1"/>
+              </a:cxn>
+              <a:cxn ang="0">
+                <a:pos x="connsiteX2" y="connsiteY2"/>
+              </a:cxn>
+              <a:cxn ang="0">
+                <a:pos x="connsiteX3" y="connsiteY3"/>
+              </a:cxn>
+              <a:cxn ang="0">
+                <a:pos x="connsiteX4" y="connsiteY4"/>
+              </a:cxn>
+            </a:cxnLst>
+            <a:rect l="l" t="t" r="r" b="b"/>
+            <a:pathLst>
+              <a:path w="5681709" h="3187083">
+                <a:moveTo>
+                  <a:pt x="0" y="0"/>
+                </a:moveTo>
+                <a:cubicBezTo>
+                  <a:pt x="90996" y="393577"/>
+                  <a:pt x="181992" y="787154"/>
+                  <a:pt x="514905" y="1189608"/>
+                </a:cubicBezTo>
+                <a:cubicBezTo>
+                  <a:pt x="847818" y="1592062"/>
+                  <a:pt x="1393795" y="2104008"/>
+                  <a:pt x="1997476" y="2414726"/>
+                </a:cubicBezTo>
+                <a:cubicBezTo>
+                  <a:pt x="2601157" y="2725444"/>
+                  <a:pt x="3522955" y="2925192"/>
+                  <a:pt x="4136994" y="3053918"/>
+                </a:cubicBezTo>
+                <a:cubicBezTo>
+                  <a:pt x="4751033" y="3182644"/>
+                  <a:pt x="5434614" y="3133817"/>
+                  <a:pt x="5681709" y="3187083"/>
+                </a:cubicBezTo>
+              </a:path>
+            </a:pathLst>
+          </a:custGeom>
+          <a:noFill/>
+          <a:ln w="57150">
+            <a:solidFill>
+              <a:schemeClr val="accent2">
+                <a:lumMod val="75000"/>
+              </a:schemeClr>
+            </a:solidFill>
+          </a:ln>
+        </p:spPr>
+        <p:style>
+          <a:lnRef idx="2">
+            <a:schemeClr val="accent1">
+              <a:shade val="15000"/>
+            </a:schemeClr>
+          </a:lnRef>
+          <a:fillRef idx="1">
+            <a:schemeClr val="accent1"/>
+          </a:fillRef>
+          <a:effectRef idx="0">
+            <a:schemeClr val="accent1"/>
+          </a:effectRef>
+          <a:fontRef idx="minor">
+            <a:schemeClr val="lt1"/>
+          </a:fontRef>
+        </p:style>
+        <p:txBody>
+          <a:bodyPr rtlCol="0" anchor="ctr"/>
+          <a:lstStyle/>
+          <a:p>
+            <a:pPr algn="ctr"/>
+            <a:endParaRPr lang="en-US"/>
+          </a:p>
+        </p:txBody>
+      </p:sp>
+      <p:sp>
+        <p:nvSpPr>
+          <p:cNvPr id="5" name="Freeform: Shape 4">
+            <a:extLst>
+              <a:ext uri="{FF2B5EF4-FFF2-40B4-BE49-F238E27FC236}">
+                <a16:creationId xmlns:a16="http://schemas.microsoft.com/office/drawing/2014/main" id="{44668290-6CAE-68AB-5753-39F450E18225}"/>
+              </a:ext>
+            </a:extLst>
+          </p:cNvPr>
+          <p:cNvSpPr/>
+          <p:nvPr/>
+        </p:nvSpPr>
+        <p:spPr>
+          <a:xfrm rot="526040">
+            <a:off x="4442349" y="994362"/>
+            <a:ext cx="5681709" cy="3187083"/>
+          </a:xfrm>
+          <a:custGeom>
+            <a:avLst/>
+            <a:gdLst>
+              <a:gd name="connsiteX0" fmla="*/ 0 w 5681709"/>
+              <a:gd name="connsiteY0" fmla="*/ 0 h 3187083"/>
+              <a:gd name="connsiteX1" fmla="*/ 514905 w 5681709"/>
+              <a:gd name="connsiteY1" fmla="*/ 1189608 h 3187083"/>
+              <a:gd name="connsiteX2" fmla="*/ 1997476 w 5681709"/>
+              <a:gd name="connsiteY2" fmla="*/ 2414726 h 3187083"/>
+              <a:gd name="connsiteX3" fmla="*/ 4136994 w 5681709"/>
+              <a:gd name="connsiteY3" fmla="*/ 3053918 h 3187083"/>
+              <a:gd name="connsiteX4" fmla="*/ 5681709 w 5681709"/>
+              <a:gd name="connsiteY4" fmla="*/ 3187083 h 3187083"/>
+            </a:gdLst>
+            <a:ahLst/>
+            <a:cxnLst>
+              <a:cxn ang="0">
+                <a:pos x="connsiteX0" y="connsiteY0"/>
+              </a:cxn>
+              <a:cxn ang="0">
+                <a:pos x="connsiteX1" y="connsiteY1"/>
+              </a:cxn>
+              <a:cxn ang="0">
+                <a:pos x="connsiteX2" y="connsiteY2"/>
+              </a:cxn>
+              <a:cxn ang="0">
+                <a:pos x="connsiteX3" y="connsiteY3"/>
+              </a:cxn>
+              <a:cxn ang="0">
+                <a:pos x="connsiteX4" y="connsiteY4"/>
+              </a:cxn>
+            </a:cxnLst>
+            <a:rect l="l" t="t" r="r" b="b"/>
+            <a:pathLst>
+              <a:path w="5681709" h="3187083">
+                <a:moveTo>
+                  <a:pt x="0" y="0"/>
+                </a:moveTo>
+                <a:cubicBezTo>
+                  <a:pt x="90996" y="393577"/>
+                  <a:pt x="181992" y="787154"/>
+                  <a:pt x="514905" y="1189608"/>
+                </a:cubicBezTo>
+                <a:cubicBezTo>
+                  <a:pt x="847818" y="1592062"/>
+                  <a:pt x="1393795" y="2104008"/>
+                  <a:pt x="1997476" y="2414726"/>
+                </a:cubicBezTo>
+                <a:cubicBezTo>
+                  <a:pt x="2601157" y="2725444"/>
+                  <a:pt x="3522955" y="2925192"/>
+                  <a:pt x="4136994" y="3053918"/>
+                </a:cubicBezTo>
+                <a:cubicBezTo>
+                  <a:pt x="4751033" y="3182644"/>
+                  <a:pt x="5434614" y="3133817"/>
+                  <a:pt x="5681709" y="3187083"/>
+                </a:cubicBezTo>
+              </a:path>
+            </a:pathLst>
+          </a:custGeom>
+          <a:noFill/>
+          <a:ln w="57150">
+            <a:solidFill>
+              <a:schemeClr val="accent2">
+                <a:lumMod val="75000"/>
+              </a:schemeClr>
+            </a:solidFill>
+          </a:ln>
+        </p:spPr>
+        <p:style>
+          <a:lnRef idx="2">
+            <a:schemeClr val="accent1">
+              <a:shade val="15000"/>
+            </a:schemeClr>
+          </a:lnRef>
+          <a:fillRef idx="1">
+            <a:schemeClr val="accent1"/>
+          </a:fillRef>
+          <a:effectRef idx="0">
+            <a:schemeClr val="accent1"/>
+          </a:effectRef>
+          <a:fontRef idx="minor">
+            <a:schemeClr val="lt1"/>
+          </a:fontRef>
+        </p:style>
+        <p:txBody>
+          <a:bodyPr rtlCol="0" anchor="ctr"/>
+          <a:lstStyle/>
+          <a:p>
+            <a:pPr algn="ctr"/>
+            <a:endParaRPr lang="en-US"/>
+          </a:p>
+        </p:txBody>
+      </p:sp>
+      <p:sp>
+        <p:nvSpPr>
+          <p:cNvPr id="2" name="Oval 1">
+            <a:extLst>
+              <a:ext uri="{FF2B5EF4-FFF2-40B4-BE49-F238E27FC236}">
+                <a16:creationId xmlns:a16="http://schemas.microsoft.com/office/drawing/2014/main" id="{8892936E-40EF-D066-A784-FAE831DD99D5}"/>
+              </a:ext>
+            </a:extLst>
+          </p:cNvPr>
+          <p:cNvSpPr/>
+          <p:nvPr/>
+        </p:nvSpPr>
+        <p:spPr>
+          <a:xfrm>
+            <a:off x="2889357" y="1981199"/>
+            <a:ext cx="177553" cy="168677"/>
+          </a:xfrm>
+          <a:prstGeom prst="ellipse">
+            <a:avLst/>
+          </a:prstGeom>
+          <a:ln w="28575"/>
+        </p:spPr>
+        <p:style>
+          <a:lnRef idx="2">
+            <a:schemeClr val="accent2">
+              <a:shade val="15000"/>
+            </a:schemeClr>
+          </a:lnRef>
+          <a:fillRef idx="1">
+            <a:schemeClr val="accent2"/>
+          </a:fillRef>
+          <a:effectRef idx="0">
+            <a:schemeClr val="accent2"/>
+          </a:effectRef>
+          <a:fontRef idx="minor">
+            <a:schemeClr val="lt1"/>
+          </a:fontRef>
+        </p:style>
+        <p:txBody>
+          <a:bodyPr rtlCol="0" anchor="ctr"/>
+          <a:lstStyle/>
+          <a:p>
+            <a:pPr algn="ctr"/>
+            <a:endParaRPr lang="en-US"/>
+          </a:p>
+        </p:txBody>
+      </p:sp>
+      <p:sp>
+        <p:nvSpPr>
+          <p:cNvPr id="7" name="TextBox 6">
+            <a:extLst>
+              <a:ext uri="{FF2B5EF4-FFF2-40B4-BE49-F238E27FC236}">
+                <a16:creationId xmlns:a16="http://schemas.microsoft.com/office/drawing/2014/main" id="{39D43C85-148C-E24C-B4E6-D16B0184F2C7}"/>
+              </a:ext>
+            </a:extLst>
+          </p:cNvPr>
+          <p:cNvSpPr txBox="1"/>
+          <p:nvPr/>
+        </p:nvSpPr>
+        <p:spPr>
+          <a:xfrm>
+            <a:off x="2535952" y="1978853"/>
+            <a:ext cx="353406" cy="523220"/>
+          </a:xfrm>
+          <a:prstGeom prst="rect">
+            <a:avLst/>
+          </a:prstGeom>
+          <a:noFill/>
+        </p:spPr>
+        <p:txBody>
+          <a:bodyPr wrap="square" rtlCol="0">
+            <a:spAutoFit/>
+          </a:bodyPr>
+          <a:lstStyle/>
+          <a:p>
+            <a:pPr algn="ctr"/>
+            <a:r>
+              <a:rPr lang="en-US" sz="2800" b="1" dirty="0"/>
+              <a:t>A</a:t>
+            </a:r>
+          </a:p>
+        </p:txBody>
+      </p:sp>
+      <p:sp>
+        <p:nvSpPr>
+          <p:cNvPr id="9" name="Oval 8">
+            <a:extLst>
+              <a:ext uri="{FF2B5EF4-FFF2-40B4-BE49-F238E27FC236}">
+                <a16:creationId xmlns:a16="http://schemas.microsoft.com/office/drawing/2014/main" id="{429BE89B-8621-6A72-DBD3-4F83C8109C22}"/>
+              </a:ext>
+            </a:extLst>
+          </p:cNvPr>
+          <p:cNvSpPr/>
+          <p:nvPr/>
+        </p:nvSpPr>
+        <p:spPr>
+          <a:xfrm>
+            <a:off x="4232651" y="4044140"/>
+            <a:ext cx="177553" cy="168677"/>
+          </a:xfrm>
+          <a:prstGeom prst="ellipse">
+            <a:avLst/>
+          </a:prstGeom>
+          <a:ln w="28575"/>
+        </p:spPr>
+        <p:style>
+          <a:lnRef idx="2">
+            <a:schemeClr val="accent2">
+              <a:shade val="15000"/>
+            </a:schemeClr>
+          </a:lnRef>
+          <a:fillRef idx="1">
+            <a:schemeClr val="accent2"/>
+          </a:fillRef>
+          <a:effectRef idx="0">
+            <a:schemeClr val="accent2"/>
+          </a:effectRef>
+          <a:fontRef idx="minor">
+            <a:schemeClr val="lt1"/>
+          </a:fontRef>
+        </p:style>
+        <p:txBody>
+          <a:bodyPr rtlCol="0" anchor="ctr"/>
+          <a:lstStyle/>
+          <a:p>
+            <a:pPr algn="ctr"/>
+            <a:endParaRPr lang="en-US"/>
+          </a:p>
+        </p:txBody>
+      </p:sp>
+      <p:sp>
+        <p:nvSpPr>
+          <p:cNvPr id="10" name="TextBox 9">
+            <a:extLst>
+              <a:ext uri="{FF2B5EF4-FFF2-40B4-BE49-F238E27FC236}">
+                <a16:creationId xmlns:a16="http://schemas.microsoft.com/office/drawing/2014/main" id="{0742AAFE-696C-F80F-C2C4-91B305FDF314}"/>
+              </a:ext>
+            </a:extLst>
+          </p:cNvPr>
+          <p:cNvSpPr txBox="1"/>
+          <p:nvPr/>
+        </p:nvSpPr>
+        <p:spPr>
+          <a:xfrm>
+            <a:off x="3879246" y="4041794"/>
+            <a:ext cx="353406" cy="523220"/>
+          </a:xfrm>
+          <a:prstGeom prst="rect">
+            <a:avLst/>
+          </a:prstGeom>
+          <a:noFill/>
+        </p:spPr>
+        <p:txBody>
+          <a:bodyPr wrap="square" rtlCol="0">
+            <a:spAutoFit/>
+          </a:bodyPr>
+          <a:lstStyle/>
+          <a:p>
+            <a:pPr algn="ctr"/>
+            <a:r>
+              <a:rPr lang="en-US" sz="2800" b="1" dirty="0"/>
+              <a:t>B</a:t>
+            </a:r>
+          </a:p>
+        </p:txBody>
+      </p:sp>
+      <p:sp>
+        <p:nvSpPr>
+          <p:cNvPr id="11" name="Oval 10">
+            <a:extLst>
+              <a:ext uri="{FF2B5EF4-FFF2-40B4-BE49-F238E27FC236}">
+                <a16:creationId xmlns:a16="http://schemas.microsoft.com/office/drawing/2014/main" id="{078E2A7E-B0EF-E895-FC06-4F147ADBC49B}"/>
+              </a:ext>
+            </a:extLst>
+          </p:cNvPr>
+          <p:cNvSpPr/>
+          <p:nvPr/>
+        </p:nvSpPr>
+        <p:spPr>
+          <a:xfrm>
+            <a:off x="5220846" y="3746091"/>
+            <a:ext cx="177553" cy="168677"/>
+          </a:xfrm>
+          <a:prstGeom prst="ellipse">
+            <a:avLst/>
+          </a:prstGeom>
+          <a:ln w="28575"/>
+        </p:spPr>
+        <p:style>
+          <a:lnRef idx="2">
+            <a:schemeClr val="accent2">
+              <a:shade val="15000"/>
+            </a:schemeClr>
+          </a:lnRef>
+          <a:fillRef idx="1">
+            <a:schemeClr val="accent2"/>
+          </a:fillRef>
+          <a:effectRef idx="0">
+            <a:schemeClr val="accent2"/>
+          </a:effectRef>
+          <a:fontRef idx="minor">
+            <a:schemeClr val="lt1"/>
+          </a:fontRef>
+        </p:style>
+        <p:txBody>
+          <a:bodyPr rtlCol="0" anchor="ctr"/>
+          <a:lstStyle/>
+          <a:p>
+            <a:pPr algn="ctr"/>
+            <a:endParaRPr lang="en-US"/>
+          </a:p>
+        </p:txBody>
+      </p:sp>
+      <p:sp>
+        <p:nvSpPr>
+          <p:cNvPr id="12" name="TextBox 11">
+            <a:extLst>
+              <a:ext uri="{FF2B5EF4-FFF2-40B4-BE49-F238E27FC236}">
+                <a16:creationId xmlns:a16="http://schemas.microsoft.com/office/drawing/2014/main" id="{8BD9739B-E3CC-13EE-221F-92D0F9BFFF8B}"/>
+              </a:ext>
+            </a:extLst>
+          </p:cNvPr>
+          <p:cNvSpPr txBox="1"/>
+          <p:nvPr/>
+        </p:nvSpPr>
+        <p:spPr>
+          <a:xfrm>
+            <a:off x="4867441" y="3743745"/>
+            <a:ext cx="353406" cy="523220"/>
+          </a:xfrm>
+          <a:prstGeom prst="rect">
+            <a:avLst/>
+          </a:prstGeom>
+          <a:noFill/>
+        </p:spPr>
+        <p:txBody>
+          <a:bodyPr wrap="square" rtlCol="0">
+            <a:spAutoFit/>
+          </a:bodyPr>
+          <a:lstStyle/>
+          <a:p>
+            <a:pPr algn="ctr"/>
+            <a:r>
+              <a:rPr lang="en-US" sz="2800" b="1" dirty="0"/>
+              <a:t>C</a:t>
+            </a:r>
+          </a:p>
+        </p:txBody>
+      </p:sp>
+      <p:sp>
+        <p:nvSpPr>
+          <p:cNvPr id="13" name="Oval 12">
+            <a:extLst>
+              <a:ext uri="{FF2B5EF4-FFF2-40B4-BE49-F238E27FC236}">
+                <a16:creationId xmlns:a16="http://schemas.microsoft.com/office/drawing/2014/main" id="{03800F03-F305-FFC7-BB30-B19E6FDC5423}"/>
+              </a:ext>
+            </a:extLst>
+          </p:cNvPr>
+          <p:cNvSpPr/>
+          <p:nvPr/>
+        </p:nvSpPr>
+        <p:spPr>
+          <a:xfrm>
+            <a:off x="6096000" y="3086099"/>
+            <a:ext cx="177553" cy="168677"/>
+          </a:xfrm>
+          <a:prstGeom prst="ellipse">
+            <a:avLst/>
+          </a:prstGeom>
+          <a:ln w="28575"/>
+        </p:spPr>
+        <p:style>
+          <a:lnRef idx="2">
+            <a:schemeClr val="accent2">
+              <a:shade val="15000"/>
+            </a:schemeClr>
+          </a:lnRef>
+          <a:fillRef idx="1">
+            <a:schemeClr val="accent2"/>
+          </a:fillRef>
+          <a:effectRef idx="0">
+            <a:schemeClr val="accent2"/>
+          </a:effectRef>
+          <a:fontRef idx="minor">
+            <a:schemeClr val="lt1"/>
+          </a:fontRef>
+        </p:style>
+        <p:txBody>
+          <a:bodyPr rtlCol="0" anchor="ctr"/>
+          <a:lstStyle/>
+          <a:p>
+            <a:pPr algn="ctr"/>
+            <a:endParaRPr lang="en-US"/>
+          </a:p>
+        </p:txBody>
+      </p:sp>
+      <p:sp>
+        <p:nvSpPr>
+          <p:cNvPr id="14" name="TextBox 13">
+            <a:extLst>
+              <a:ext uri="{FF2B5EF4-FFF2-40B4-BE49-F238E27FC236}">
+                <a16:creationId xmlns:a16="http://schemas.microsoft.com/office/drawing/2014/main" id="{13D217CC-4F51-9DAF-00E9-9FB7829A21D6}"/>
+              </a:ext>
+            </a:extLst>
+          </p:cNvPr>
+          <p:cNvSpPr txBox="1"/>
+          <p:nvPr/>
+        </p:nvSpPr>
+        <p:spPr>
+          <a:xfrm>
+            <a:off x="5742595" y="3083753"/>
+            <a:ext cx="353406" cy="523220"/>
+          </a:xfrm>
+          <a:prstGeom prst="rect">
+            <a:avLst/>
+          </a:prstGeom>
+          <a:noFill/>
+        </p:spPr>
+        <p:txBody>
+          <a:bodyPr wrap="square" rtlCol="0">
+            <a:spAutoFit/>
+          </a:bodyPr>
+          <a:lstStyle/>
+          <a:p>
+            <a:pPr algn="ctr"/>
+            <a:r>
+              <a:rPr lang="en-US" sz="2800" b="1" dirty="0"/>
+              <a:t>D</a:t>
+            </a:r>
+          </a:p>
+        </p:txBody>
+      </p:sp>
+    </p:spTree>
+    <p:extLst>
+      <p:ext uri="{BB962C8B-B14F-4D97-AF65-F5344CB8AC3E}">
+        <p14:creationId xmlns:p14="http://schemas.microsoft.com/office/powerpoint/2010/main" val="379518092"/>
       </p:ext>
     </p:extLst>
   </p:cSld>
@@ -11240,8 +13821,8 @@
           </a:p>
         </p:txBody>
       </p:sp>
-      <mc:AlternateContent xmlns:mc="http://schemas.openxmlformats.org/markup-compatibility/2006">
-        <mc:Choice xmlns:a14="http://schemas.microsoft.com/office/drawing/2010/main" Requires="a14">
+      <mc:AlternateContent xmlns:mc="http://schemas.openxmlformats.org/markup-compatibility/2006" xmlns:a14="http://schemas.microsoft.com/office/drawing/2010/main">
+        <mc:Choice Requires="a14">
           <p:sp>
             <p:nvSpPr>
               <p:cNvPr id="12" name="TextBox 11">
@@ -11313,7 +13894,7 @@
             </p:txBody>
           </p:sp>
         </mc:Choice>
-        <mc:Fallback>
+        <mc:Fallback xmlns="">
           <p:sp>
             <p:nvSpPr>
               <p:cNvPr id="12" name="TextBox 11">
@@ -11924,8 +14505,8 @@
           </a:p>
         </p:txBody>
       </p:sp>
-      <mc:AlternateContent xmlns:mc="http://schemas.openxmlformats.org/markup-compatibility/2006">
-        <mc:Choice xmlns:a14="http://schemas.microsoft.com/office/drawing/2010/main" Requires="a14">
+      <mc:AlternateContent xmlns:mc="http://schemas.openxmlformats.org/markup-compatibility/2006" xmlns:a14="http://schemas.microsoft.com/office/drawing/2010/main">
+        <mc:Choice Requires="a14">
           <p:sp>
             <p:nvSpPr>
               <p:cNvPr id="12" name="TextBox 11">
@@ -11954,6 +14535,7 @@
               </a:bodyPr>
               <a:lstStyle/>
               <a:p>
+                <a:pPr/>
                 <a14:m>
                   <m:oMathPara xmlns:m="http://schemas.openxmlformats.org/officeDocument/2006/math">
                     <m:oMathParaPr>
@@ -11996,7 +14578,7 @@
             </p:txBody>
           </p:sp>
         </mc:Choice>
-        <mc:Fallback>
+        <mc:Fallback xmlns="">
           <p:sp>
             <p:nvSpPr>
               <p:cNvPr id="12" name="TextBox 11">
@@ -12863,8 +15445,8 @@
           </a:p>
         </p:txBody>
       </p:sp>
-      <mc:AlternateContent xmlns:mc="http://schemas.openxmlformats.org/markup-compatibility/2006">
-        <mc:Choice xmlns:a14="http://schemas.microsoft.com/office/drawing/2010/main" Requires="a14">
+      <mc:AlternateContent xmlns:mc="http://schemas.openxmlformats.org/markup-compatibility/2006" xmlns:a14="http://schemas.microsoft.com/office/drawing/2010/main">
+        <mc:Choice Requires="a14">
           <p:sp>
             <p:nvSpPr>
               <p:cNvPr id="11" name="TextBox 10">
@@ -12952,7 +15534,7 @@
             </p:txBody>
           </p:sp>
         </mc:Choice>
-        <mc:Fallback>
+        <mc:Fallback xmlns="">
           <p:sp>
             <p:nvSpPr>
               <p:cNvPr id="11" name="TextBox 10">
@@ -12997,8 +15579,8 @@
           </p:sp>
         </mc:Fallback>
       </mc:AlternateContent>
-      <mc:AlternateContent xmlns:mc="http://schemas.openxmlformats.org/markup-compatibility/2006">
-        <mc:Choice xmlns:a14="http://schemas.microsoft.com/office/drawing/2010/main" Requires="a14">
+      <mc:AlternateContent xmlns:mc="http://schemas.openxmlformats.org/markup-compatibility/2006" xmlns:a14="http://schemas.microsoft.com/office/drawing/2010/main">
+        <mc:Choice Requires="a14">
           <p:sp>
             <p:nvSpPr>
               <p:cNvPr id="12" name="TextBox 11">
@@ -13086,7 +15668,7 @@
             </p:txBody>
           </p:sp>
         </mc:Choice>
-        <mc:Fallback>
+        <mc:Fallback xmlns="">
           <p:sp>
             <p:nvSpPr>
               <p:cNvPr id="12" name="TextBox 11">
@@ -13131,8 +15713,8 @@
           </p:sp>
         </mc:Fallback>
       </mc:AlternateContent>
-      <mc:AlternateContent xmlns:mc="http://schemas.openxmlformats.org/markup-compatibility/2006">
-        <mc:Choice xmlns:a14="http://schemas.microsoft.com/office/drawing/2010/main" Requires="a14">
+      <mc:AlternateContent xmlns:mc="http://schemas.openxmlformats.org/markup-compatibility/2006" xmlns:a14="http://schemas.microsoft.com/office/drawing/2010/main">
+        <mc:Choice Requires="a14">
           <p:sp>
             <p:nvSpPr>
               <p:cNvPr id="13" name="TextBox 12">
@@ -13220,7 +15802,7 @@
             </p:txBody>
           </p:sp>
         </mc:Choice>
-        <mc:Fallback>
+        <mc:Fallback xmlns="">
           <p:sp>
             <p:nvSpPr>
               <p:cNvPr id="13" name="TextBox 12">
@@ -13265,8 +15847,8 @@
           </p:sp>
         </mc:Fallback>
       </mc:AlternateContent>
-      <mc:AlternateContent xmlns:mc="http://schemas.openxmlformats.org/markup-compatibility/2006">
-        <mc:Choice xmlns:a14="http://schemas.microsoft.com/office/drawing/2010/main" Requires="a14">
+      <mc:AlternateContent xmlns:mc="http://schemas.openxmlformats.org/markup-compatibility/2006" xmlns:a14="http://schemas.microsoft.com/office/drawing/2010/main">
+        <mc:Choice Requires="a14">
           <p:sp>
             <p:nvSpPr>
               <p:cNvPr id="14" name="TextBox 13">
@@ -13354,7 +15936,7 @@
             </p:txBody>
           </p:sp>
         </mc:Choice>
-        <mc:Fallback>
+        <mc:Fallback xmlns="">
           <p:sp>
             <p:nvSpPr>
               <p:cNvPr id="14" name="TextBox 13">
@@ -13399,8 +15981,8 @@
           </p:sp>
         </mc:Fallback>
       </mc:AlternateContent>
-      <mc:AlternateContent xmlns:mc="http://schemas.openxmlformats.org/markup-compatibility/2006">
-        <mc:Choice xmlns:a14="http://schemas.microsoft.com/office/drawing/2010/main" Requires="a14">
+      <mc:AlternateContent xmlns:mc="http://schemas.openxmlformats.org/markup-compatibility/2006" xmlns:a14="http://schemas.microsoft.com/office/drawing/2010/main">
+        <mc:Choice Requires="a14">
           <p:sp>
             <p:nvSpPr>
               <p:cNvPr id="15" name="TextBox 14">
@@ -13488,7 +16070,7 @@
             </p:txBody>
           </p:sp>
         </mc:Choice>
-        <mc:Fallback>
+        <mc:Fallback xmlns="">
           <p:sp>
             <p:nvSpPr>
               <p:cNvPr id="15" name="TextBox 14">
@@ -14186,8 +16768,8 @@
           </a:p>
         </p:txBody>
       </p:sp>
-      <mc:AlternateContent xmlns:mc="http://schemas.openxmlformats.org/markup-compatibility/2006">
-        <mc:Choice xmlns:a14="http://schemas.microsoft.com/office/drawing/2010/main" Requires="a14">
+      <mc:AlternateContent xmlns:mc="http://schemas.openxmlformats.org/markup-compatibility/2006" xmlns:a14="http://schemas.microsoft.com/office/drawing/2010/main">
+        <mc:Choice Requires="a14">
           <p:sp>
             <p:nvSpPr>
               <p:cNvPr id="13" name="TextBox 12">
@@ -14269,7 +16851,7 @@
             </p:txBody>
           </p:sp>
         </mc:Choice>
-        <mc:Fallback>
+        <mc:Fallback xmlns="">
           <p:sp>
             <p:nvSpPr>
               <p:cNvPr id="13" name="TextBox 12">
@@ -14314,8 +16896,8 @@
           </p:sp>
         </mc:Fallback>
       </mc:AlternateContent>
-      <mc:AlternateContent xmlns:mc="http://schemas.openxmlformats.org/markup-compatibility/2006">
-        <mc:Choice xmlns:a14="http://schemas.microsoft.com/office/drawing/2010/main" Requires="a14">
+      <mc:AlternateContent xmlns:mc="http://schemas.openxmlformats.org/markup-compatibility/2006" xmlns:a14="http://schemas.microsoft.com/office/drawing/2010/main">
+        <mc:Choice Requires="a14">
           <p:sp>
             <p:nvSpPr>
               <p:cNvPr id="14" name="TextBox 13">
@@ -14397,7 +16979,7 @@
             </p:txBody>
           </p:sp>
         </mc:Choice>
-        <mc:Fallback>
+        <mc:Fallback xmlns="">
           <p:sp>
             <p:nvSpPr>
               <p:cNvPr id="14" name="TextBox 13">
@@ -14442,8 +17024,8 @@
           </p:sp>
         </mc:Fallback>
       </mc:AlternateContent>
-      <mc:AlternateContent xmlns:mc="http://schemas.openxmlformats.org/markup-compatibility/2006">
-        <mc:Choice xmlns:a14="http://schemas.microsoft.com/office/drawing/2010/main" Requires="a14">
+      <mc:AlternateContent xmlns:mc="http://schemas.openxmlformats.org/markup-compatibility/2006" xmlns:a14="http://schemas.microsoft.com/office/drawing/2010/main">
+        <mc:Choice Requires="a14">
           <p:sp>
             <p:nvSpPr>
               <p:cNvPr id="15" name="TextBox 14">
@@ -14472,6 +17054,7 @@
               </a:bodyPr>
               <a:lstStyle/>
               <a:p>
+                <a:pPr/>
                 <a14:m>
                   <m:oMathPara xmlns:m="http://schemas.openxmlformats.org/officeDocument/2006/math">
                     <m:oMathParaPr>
@@ -14502,6 +17085,7 @@
                 <a:endParaRPr lang="en-US" sz="3200" b="1" dirty="0"/>
               </a:p>
               <a:p>
+                <a:pPr/>
                 <a14:m>
                   <m:oMathPara xmlns:m="http://schemas.openxmlformats.org/officeDocument/2006/math">
                     <m:oMathParaPr>
@@ -14534,7 +17118,7 @@
             </p:txBody>
           </p:sp>
         </mc:Choice>
-        <mc:Fallback>
+        <mc:Fallback xmlns="">
           <p:sp>
             <p:nvSpPr>
               <p:cNvPr id="15" name="TextBox 14">
@@ -14579,8 +17163,8 @@
           </p:sp>
         </mc:Fallback>
       </mc:AlternateContent>
-      <mc:AlternateContent xmlns:mc="http://schemas.openxmlformats.org/markup-compatibility/2006">
-        <mc:Choice xmlns:a14="http://schemas.microsoft.com/office/drawing/2010/main" Requires="a14">
+      <mc:AlternateContent xmlns:mc="http://schemas.openxmlformats.org/markup-compatibility/2006" xmlns:a14="http://schemas.microsoft.com/office/drawing/2010/main">
+        <mc:Choice Requires="a14">
           <p:sp>
             <p:nvSpPr>
               <p:cNvPr id="16" name="TextBox 15">
@@ -14609,6 +17193,7 @@
               </a:bodyPr>
               <a:lstStyle/>
               <a:p>
+                <a:pPr/>
                 <a14:m>
                   <m:oMathPara xmlns:m="http://schemas.openxmlformats.org/officeDocument/2006/math">
                     <m:oMathParaPr>
@@ -14639,6 +17224,7 @@
                 <a:endParaRPr lang="en-US" sz="3200" b="1" dirty="0"/>
               </a:p>
               <a:p>
+                <a:pPr/>
                 <a14:m>
                   <m:oMathPara xmlns:m="http://schemas.openxmlformats.org/officeDocument/2006/math">
                     <m:oMathParaPr>
@@ -14671,7 +17257,7 @@
             </p:txBody>
           </p:sp>
         </mc:Choice>
-        <mc:Fallback>
+        <mc:Fallback xmlns="">
           <p:sp>
             <p:nvSpPr>
               <p:cNvPr id="16" name="TextBox 15">

--- a/Slides/graph-maker.pptx
+++ b/Slides/graph-maker.pptx
@@ -9,17 +9,18 @@
     <p:sldId id="257" r:id="rId3"/>
     <p:sldId id="258" r:id="rId4"/>
     <p:sldId id="259" r:id="rId5"/>
-    <p:sldId id="260" r:id="rId6"/>
-    <p:sldId id="266" r:id="rId7"/>
-    <p:sldId id="261" r:id="rId8"/>
-    <p:sldId id="262" r:id="rId9"/>
-    <p:sldId id="263" r:id="rId10"/>
-    <p:sldId id="264" r:id="rId11"/>
-    <p:sldId id="265" r:id="rId12"/>
-    <p:sldId id="267" r:id="rId13"/>
-    <p:sldId id="268" r:id="rId14"/>
-    <p:sldId id="269" r:id="rId15"/>
-    <p:sldId id="270" r:id="rId16"/>
+    <p:sldId id="271" r:id="rId6"/>
+    <p:sldId id="260" r:id="rId7"/>
+    <p:sldId id="266" r:id="rId8"/>
+    <p:sldId id="261" r:id="rId9"/>
+    <p:sldId id="262" r:id="rId10"/>
+    <p:sldId id="263" r:id="rId11"/>
+    <p:sldId id="264" r:id="rId12"/>
+    <p:sldId id="265" r:id="rId13"/>
+    <p:sldId id="267" r:id="rId14"/>
+    <p:sldId id="268" r:id="rId15"/>
+    <p:sldId id="269" r:id="rId16"/>
+    <p:sldId id="270" r:id="rId17"/>
   </p:sldIdLst>
   <p:sldSz cx="12192000" cy="6858000"/>
   <p:notesSz cx="6858000" cy="9144000"/>
@@ -273,7 +274,7 @@
           <a:p>
             <a:fld id="{B3C0BABF-8EDA-4B51-8A1B-0A9A6121571D}" type="datetimeFigureOut">
               <a:rPr lang="en-US" smtClean="0"/>
-              <a:t>1/22/2024</a:t>
+              <a:t>1/23/2024</a:t>
             </a:fld>
             <a:endParaRPr lang="en-US"/>
           </a:p>
@@ -471,7 +472,7 @@
           <a:p>
             <a:fld id="{B3C0BABF-8EDA-4B51-8A1B-0A9A6121571D}" type="datetimeFigureOut">
               <a:rPr lang="en-US" smtClean="0"/>
-              <a:t>1/22/2024</a:t>
+              <a:t>1/23/2024</a:t>
             </a:fld>
             <a:endParaRPr lang="en-US"/>
           </a:p>
@@ -679,7 +680,7 @@
           <a:p>
             <a:fld id="{B3C0BABF-8EDA-4B51-8A1B-0A9A6121571D}" type="datetimeFigureOut">
               <a:rPr lang="en-US" smtClean="0"/>
-              <a:t>1/22/2024</a:t>
+              <a:t>1/23/2024</a:t>
             </a:fld>
             <a:endParaRPr lang="en-US"/>
           </a:p>
@@ -877,7 +878,7 @@
           <a:p>
             <a:fld id="{B3C0BABF-8EDA-4B51-8A1B-0A9A6121571D}" type="datetimeFigureOut">
               <a:rPr lang="en-US" smtClean="0"/>
-              <a:t>1/22/2024</a:t>
+              <a:t>1/23/2024</a:t>
             </a:fld>
             <a:endParaRPr lang="en-US"/>
           </a:p>
@@ -1152,7 +1153,7 @@
           <a:p>
             <a:fld id="{B3C0BABF-8EDA-4B51-8A1B-0A9A6121571D}" type="datetimeFigureOut">
               <a:rPr lang="en-US" smtClean="0"/>
-              <a:t>1/22/2024</a:t>
+              <a:t>1/23/2024</a:t>
             </a:fld>
             <a:endParaRPr lang="en-US"/>
           </a:p>
@@ -1417,7 +1418,7 @@
           <a:p>
             <a:fld id="{B3C0BABF-8EDA-4B51-8A1B-0A9A6121571D}" type="datetimeFigureOut">
               <a:rPr lang="en-US" smtClean="0"/>
-              <a:t>1/22/2024</a:t>
+              <a:t>1/23/2024</a:t>
             </a:fld>
             <a:endParaRPr lang="en-US"/>
           </a:p>
@@ -1829,7 +1830,7 @@
           <a:p>
             <a:fld id="{B3C0BABF-8EDA-4B51-8A1B-0A9A6121571D}" type="datetimeFigureOut">
               <a:rPr lang="en-US" smtClean="0"/>
-              <a:t>1/22/2024</a:t>
+              <a:t>1/23/2024</a:t>
             </a:fld>
             <a:endParaRPr lang="en-US"/>
           </a:p>
@@ -1970,7 +1971,7 @@
           <a:p>
             <a:fld id="{B3C0BABF-8EDA-4B51-8A1B-0A9A6121571D}" type="datetimeFigureOut">
               <a:rPr lang="en-US" smtClean="0"/>
-              <a:t>1/22/2024</a:t>
+              <a:t>1/23/2024</a:t>
             </a:fld>
             <a:endParaRPr lang="en-US"/>
           </a:p>
@@ -2083,7 +2084,7 @@
           <a:p>
             <a:fld id="{B3C0BABF-8EDA-4B51-8A1B-0A9A6121571D}" type="datetimeFigureOut">
               <a:rPr lang="en-US" smtClean="0"/>
-              <a:t>1/22/2024</a:t>
+              <a:t>1/23/2024</a:t>
             </a:fld>
             <a:endParaRPr lang="en-US"/>
           </a:p>
@@ -2394,7 +2395,7 @@
           <a:p>
             <a:fld id="{B3C0BABF-8EDA-4B51-8A1B-0A9A6121571D}" type="datetimeFigureOut">
               <a:rPr lang="en-US" smtClean="0"/>
-              <a:t>1/22/2024</a:t>
+              <a:t>1/23/2024</a:t>
             </a:fld>
             <a:endParaRPr lang="en-US"/>
           </a:p>
@@ -2682,7 +2683,7 @@
           <a:p>
             <a:fld id="{B3C0BABF-8EDA-4B51-8A1B-0A9A6121571D}" type="datetimeFigureOut">
               <a:rPr lang="en-US" smtClean="0"/>
-              <a:t>1/22/2024</a:t>
+              <a:t>1/23/2024</a:t>
             </a:fld>
             <a:endParaRPr lang="en-US"/>
           </a:p>
@@ -2923,7 +2924,7 @@
           <a:p>
             <a:fld id="{B3C0BABF-8EDA-4B51-8A1B-0A9A6121571D}" type="datetimeFigureOut">
               <a:rPr lang="en-US" smtClean="0"/>
-              <a:t>1/22/2024</a:t>
+              <a:t>1/23/2024</a:t>
             </a:fld>
             <a:endParaRPr lang="en-US"/>
           </a:p>
@@ -5066,6 +5067,1229 @@
       </p:grpSpPr>
       <p:sp>
         <p:nvSpPr>
+          <p:cNvPr id="2" name="Freeform: Shape 1">
+            <a:extLst>
+              <a:ext uri="{FF2B5EF4-FFF2-40B4-BE49-F238E27FC236}">
+                <a16:creationId xmlns:a16="http://schemas.microsoft.com/office/drawing/2014/main" id="{D68EDA48-D74D-45EB-44D7-69F41E2846F4}"/>
+              </a:ext>
+            </a:extLst>
+          </p:cNvPr>
+          <p:cNvSpPr/>
+          <p:nvPr/>
+        </p:nvSpPr>
+        <p:spPr>
+          <a:xfrm>
+            <a:off x="2286000" y="395306"/>
+            <a:ext cx="7601613" cy="5637321"/>
+          </a:xfrm>
+          <a:custGeom>
+            <a:avLst/>
+            <a:gdLst>
+              <a:gd name="connsiteX0" fmla="*/ 0 w 10227076"/>
+              <a:gd name="connsiteY0" fmla="*/ 0 h 5637321"/>
+              <a:gd name="connsiteX1" fmla="*/ 35511 w 10227076"/>
+              <a:gd name="connsiteY1" fmla="*/ 5637321 h 5637321"/>
+              <a:gd name="connsiteX2" fmla="*/ 10227076 w 10227076"/>
+              <a:gd name="connsiteY2" fmla="*/ 5584055 h 5637321"/>
+            </a:gdLst>
+            <a:ahLst/>
+            <a:cxnLst>
+              <a:cxn ang="0">
+                <a:pos x="connsiteX0" y="connsiteY0"/>
+              </a:cxn>
+              <a:cxn ang="0">
+                <a:pos x="connsiteX1" y="connsiteY1"/>
+              </a:cxn>
+              <a:cxn ang="0">
+                <a:pos x="connsiteX2" y="connsiteY2"/>
+              </a:cxn>
+            </a:cxnLst>
+            <a:rect l="l" t="t" r="r" b="b"/>
+            <a:pathLst>
+              <a:path w="10227076" h="5637321">
+                <a:moveTo>
+                  <a:pt x="0" y="0"/>
+                </a:moveTo>
+                <a:lnTo>
+                  <a:pt x="35511" y="5637321"/>
+                </a:lnTo>
+                <a:lnTo>
+                  <a:pt x="10227076" y="5584055"/>
+                </a:lnTo>
+              </a:path>
+            </a:pathLst>
+          </a:custGeom>
+          <a:ln w="38100"/>
+        </p:spPr>
+        <p:style>
+          <a:lnRef idx="3">
+            <a:schemeClr val="dk1"/>
+          </a:lnRef>
+          <a:fillRef idx="0">
+            <a:schemeClr val="dk1"/>
+          </a:fillRef>
+          <a:effectRef idx="2">
+            <a:schemeClr val="dk1"/>
+          </a:effectRef>
+          <a:fontRef idx="minor">
+            <a:schemeClr val="tx1"/>
+          </a:fontRef>
+        </p:style>
+        <p:txBody>
+          <a:bodyPr rtlCol="0" anchor="ctr"/>
+          <a:lstStyle/>
+          <a:p>
+            <a:pPr algn="ctr"/>
+            <a:endParaRPr lang="en-US" dirty="0"/>
+          </a:p>
+        </p:txBody>
+      </p:sp>
+      <p:sp>
+        <p:nvSpPr>
+          <p:cNvPr id="3" name="Freeform: Shape 2">
+            <a:extLst>
+              <a:ext uri="{FF2B5EF4-FFF2-40B4-BE49-F238E27FC236}">
+                <a16:creationId xmlns:a16="http://schemas.microsoft.com/office/drawing/2014/main" id="{5307EFDA-60D6-DA65-C642-2EC9B9650D66}"/>
+              </a:ext>
+            </a:extLst>
+          </p:cNvPr>
+          <p:cNvSpPr/>
+          <p:nvPr/>
+        </p:nvSpPr>
+        <p:spPr>
+          <a:xfrm rot="20865587">
+            <a:off x="3027367" y="1320180"/>
+            <a:ext cx="5681709" cy="3187083"/>
+          </a:xfrm>
+          <a:custGeom>
+            <a:avLst/>
+            <a:gdLst>
+              <a:gd name="connsiteX0" fmla="*/ 0 w 5681709"/>
+              <a:gd name="connsiteY0" fmla="*/ 0 h 3187083"/>
+              <a:gd name="connsiteX1" fmla="*/ 514905 w 5681709"/>
+              <a:gd name="connsiteY1" fmla="*/ 1189608 h 3187083"/>
+              <a:gd name="connsiteX2" fmla="*/ 1997476 w 5681709"/>
+              <a:gd name="connsiteY2" fmla="*/ 2414726 h 3187083"/>
+              <a:gd name="connsiteX3" fmla="*/ 4136994 w 5681709"/>
+              <a:gd name="connsiteY3" fmla="*/ 3053918 h 3187083"/>
+              <a:gd name="connsiteX4" fmla="*/ 5681709 w 5681709"/>
+              <a:gd name="connsiteY4" fmla="*/ 3187083 h 3187083"/>
+            </a:gdLst>
+            <a:ahLst/>
+            <a:cxnLst>
+              <a:cxn ang="0">
+                <a:pos x="connsiteX0" y="connsiteY0"/>
+              </a:cxn>
+              <a:cxn ang="0">
+                <a:pos x="connsiteX1" y="connsiteY1"/>
+              </a:cxn>
+              <a:cxn ang="0">
+                <a:pos x="connsiteX2" y="connsiteY2"/>
+              </a:cxn>
+              <a:cxn ang="0">
+                <a:pos x="connsiteX3" y="connsiteY3"/>
+              </a:cxn>
+              <a:cxn ang="0">
+                <a:pos x="connsiteX4" y="connsiteY4"/>
+              </a:cxn>
+            </a:cxnLst>
+            <a:rect l="l" t="t" r="r" b="b"/>
+            <a:pathLst>
+              <a:path w="5681709" h="3187083">
+                <a:moveTo>
+                  <a:pt x="0" y="0"/>
+                </a:moveTo>
+                <a:cubicBezTo>
+                  <a:pt x="90996" y="393577"/>
+                  <a:pt x="181992" y="787154"/>
+                  <a:pt x="514905" y="1189608"/>
+                </a:cubicBezTo>
+                <a:cubicBezTo>
+                  <a:pt x="847818" y="1592062"/>
+                  <a:pt x="1393795" y="2104008"/>
+                  <a:pt x="1997476" y="2414726"/>
+                </a:cubicBezTo>
+                <a:cubicBezTo>
+                  <a:pt x="2601157" y="2725444"/>
+                  <a:pt x="3522955" y="2925192"/>
+                  <a:pt x="4136994" y="3053918"/>
+                </a:cubicBezTo>
+                <a:cubicBezTo>
+                  <a:pt x="4751033" y="3182644"/>
+                  <a:pt x="5434614" y="3133817"/>
+                  <a:pt x="5681709" y="3187083"/>
+                </a:cubicBezTo>
+              </a:path>
+            </a:pathLst>
+          </a:custGeom>
+          <a:noFill/>
+          <a:ln w="57150"/>
+        </p:spPr>
+        <p:style>
+          <a:lnRef idx="2">
+            <a:schemeClr val="accent1">
+              <a:shade val="15000"/>
+            </a:schemeClr>
+          </a:lnRef>
+          <a:fillRef idx="1">
+            <a:schemeClr val="accent1"/>
+          </a:fillRef>
+          <a:effectRef idx="0">
+            <a:schemeClr val="accent1"/>
+          </a:effectRef>
+          <a:fontRef idx="minor">
+            <a:schemeClr val="lt1"/>
+          </a:fontRef>
+        </p:style>
+        <p:txBody>
+          <a:bodyPr rtlCol="0" anchor="ctr"/>
+          <a:lstStyle/>
+          <a:p>
+            <a:pPr algn="ctr"/>
+            <a:endParaRPr lang="en-US"/>
+          </a:p>
+        </p:txBody>
+      </p:sp>
+      <p:sp>
+        <p:nvSpPr>
+          <p:cNvPr id="4" name="Freeform: Shape 3">
+            <a:extLst>
+              <a:ext uri="{FF2B5EF4-FFF2-40B4-BE49-F238E27FC236}">
+                <a16:creationId xmlns:a16="http://schemas.microsoft.com/office/drawing/2014/main" id="{CABC5D48-6001-2E19-50C0-0C0D75D1F06D}"/>
+              </a:ext>
+            </a:extLst>
+          </p:cNvPr>
+          <p:cNvSpPr/>
+          <p:nvPr/>
+        </p:nvSpPr>
+        <p:spPr>
+          <a:xfrm rot="563085">
+            <a:off x="3534367" y="1620425"/>
+            <a:ext cx="5681709" cy="3187083"/>
+          </a:xfrm>
+          <a:custGeom>
+            <a:avLst/>
+            <a:gdLst>
+              <a:gd name="connsiteX0" fmla="*/ 0 w 5681709"/>
+              <a:gd name="connsiteY0" fmla="*/ 0 h 3187083"/>
+              <a:gd name="connsiteX1" fmla="*/ 514905 w 5681709"/>
+              <a:gd name="connsiteY1" fmla="*/ 1189608 h 3187083"/>
+              <a:gd name="connsiteX2" fmla="*/ 1997476 w 5681709"/>
+              <a:gd name="connsiteY2" fmla="*/ 2414726 h 3187083"/>
+              <a:gd name="connsiteX3" fmla="*/ 4136994 w 5681709"/>
+              <a:gd name="connsiteY3" fmla="*/ 3053918 h 3187083"/>
+              <a:gd name="connsiteX4" fmla="*/ 5681709 w 5681709"/>
+              <a:gd name="connsiteY4" fmla="*/ 3187083 h 3187083"/>
+            </a:gdLst>
+            <a:ahLst/>
+            <a:cxnLst>
+              <a:cxn ang="0">
+                <a:pos x="connsiteX0" y="connsiteY0"/>
+              </a:cxn>
+              <a:cxn ang="0">
+                <a:pos x="connsiteX1" y="connsiteY1"/>
+              </a:cxn>
+              <a:cxn ang="0">
+                <a:pos x="connsiteX2" y="connsiteY2"/>
+              </a:cxn>
+              <a:cxn ang="0">
+                <a:pos x="connsiteX3" y="connsiteY3"/>
+              </a:cxn>
+              <a:cxn ang="0">
+                <a:pos x="connsiteX4" y="connsiteY4"/>
+              </a:cxn>
+            </a:cxnLst>
+            <a:rect l="l" t="t" r="r" b="b"/>
+            <a:pathLst>
+              <a:path w="5681709" h="3187083">
+                <a:moveTo>
+                  <a:pt x="0" y="0"/>
+                </a:moveTo>
+                <a:cubicBezTo>
+                  <a:pt x="90996" y="393577"/>
+                  <a:pt x="181992" y="787154"/>
+                  <a:pt x="514905" y="1189608"/>
+                </a:cubicBezTo>
+                <a:cubicBezTo>
+                  <a:pt x="847818" y="1592062"/>
+                  <a:pt x="1393795" y="2104008"/>
+                  <a:pt x="1997476" y="2414726"/>
+                </a:cubicBezTo>
+                <a:cubicBezTo>
+                  <a:pt x="2601157" y="2725444"/>
+                  <a:pt x="3522955" y="2925192"/>
+                  <a:pt x="4136994" y="3053918"/>
+                </a:cubicBezTo>
+                <a:cubicBezTo>
+                  <a:pt x="4751033" y="3182644"/>
+                  <a:pt x="5434614" y="3133817"/>
+                  <a:pt x="5681709" y="3187083"/>
+                </a:cubicBezTo>
+              </a:path>
+            </a:pathLst>
+          </a:custGeom>
+          <a:noFill/>
+          <a:ln w="57150"/>
+        </p:spPr>
+        <p:style>
+          <a:lnRef idx="2">
+            <a:schemeClr val="accent1">
+              <a:shade val="15000"/>
+            </a:schemeClr>
+          </a:lnRef>
+          <a:fillRef idx="1">
+            <a:schemeClr val="accent1"/>
+          </a:fillRef>
+          <a:effectRef idx="0">
+            <a:schemeClr val="accent1"/>
+          </a:effectRef>
+          <a:fontRef idx="minor">
+            <a:schemeClr val="lt1"/>
+          </a:fontRef>
+        </p:style>
+        <p:txBody>
+          <a:bodyPr rtlCol="0" anchor="ctr"/>
+          <a:lstStyle/>
+          <a:p>
+            <a:pPr algn="ctr"/>
+            <a:endParaRPr lang="en-US"/>
+          </a:p>
+        </p:txBody>
+      </p:sp>
+      <p:sp>
+        <p:nvSpPr>
+          <p:cNvPr id="5" name="Oval 4">
+            <a:extLst>
+              <a:ext uri="{FF2B5EF4-FFF2-40B4-BE49-F238E27FC236}">
+                <a16:creationId xmlns:a16="http://schemas.microsoft.com/office/drawing/2014/main" id="{42A7851D-22A8-51B5-F97F-CFF8B814B351}"/>
+              </a:ext>
+            </a:extLst>
+          </p:cNvPr>
+          <p:cNvSpPr/>
+          <p:nvPr/>
+        </p:nvSpPr>
+        <p:spPr>
+          <a:xfrm>
+            <a:off x="3799644" y="1695635"/>
+            <a:ext cx="213064" cy="213065"/>
+          </a:xfrm>
+          <a:prstGeom prst="ellipse">
+            <a:avLst/>
+          </a:prstGeom>
+          <a:ln w="28575"/>
+        </p:spPr>
+        <p:style>
+          <a:lnRef idx="2">
+            <a:schemeClr val="accent2">
+              <a:shade val="15000"/>
+            </a:schemeClr>
+          </a:lnRef>
+          <a:fillRef idx="1">
+            <a:schemeClr val="accent2"/>
+          </a:fillRef>
+          <a:effectRef idx="0">
+            <a:schemeClr val="accent2"/>
+          </a:effectRef>
+          <a:fontRef idx="minor">
+            <a:schemeClr val="lt1"/>
+          </a:fontRef>
+        </p:style>
+        <p:txBody>
+          <a:bodyPr rtlCol="0" anchor="ctr"/>
+          <a:lstStyle/>
+          <a:p>
+            <a:pPr algn="ctr"/>
+            <a:endParaRPr lang="en-US"/>
+          </a:p>
+        </p:txBody>
+      </p:sp>
+      <p:sp>
+        <p:nvSpPr>
+          <p:cNvPr id="6" name="Oval 5">
+            <a:extLst>
+              <a:ext uri="{FF2B5EF4-FFF2-40B4-BE49-F238E27FC236}">
+                <a16:creationId xmlns:a16="http://schemas.microsoft.com/office/drawing/2014/main" id="{54BE53CE-48E6-EA8E-A8EE-C13DDD64332C}"/>
+              </a:ext>
+            </a:extLst>
+          </p:cNvPr>
+          <p:cNvSpPr/>
+          <p:nvPr/>
+        </p:nvSpPr>
+        <p:spPr>
+          <a:xfrm>
+            <a:off x="3206009" y="2700656"/>
+            <a:ext cx="213064" cy="213065"/>
+          </a:xfrm>
+          <a:prstGeom prst="ellipse">
+            <a:avLst/>
+          </a:prstGeom>
+          <a:ln w="28575"/>
+        </p:spPr>
+        <p:style>
+          <a:lnRef idx="2">
+            <a:schemeClr val="accent2">
+              <a:shade val="15000"/>
+            </a:schemeClr>
+          </a:lnRef>
+          <a:fillRef idx="1">
+            <a:schemeClr val="accent2"/>
+          </a:fillRef>
+          <a:effectRef idx="0">
+            <a:schemeClr val="accent2"/>
+          </a:effectRef>
+          <a:fontRef idx="minor">
+            <a:schemeClr val="lt1"/>
+          </a:fontRef>
+        </p:style>
+        <p:txBody>
+          <a:bodyPr rtlCol="0" anchor="ctr"/>
+          <a:lstStyle/>
+          <a:p>
+            <a:pPr algn="ctr"/>
+            <a:endParaRPr lang="en-US"/>
+          </a:p>
+        </p:txBody>
+      </p:sp>
+      <p:sp>
+        <p:nvSpPr>
+          <p:cNvPr id="7" name="Oval 6">
+            <a:extLst>
+              <a:ext uri="{FF2B5EF4-FFF2-40B4-BE49-F238E27FC236}">
+                <a16:creationId xmlns:a16="http://schemas.microsoft.com/office/drawing/2014/main" id="{9A8511C9-2EEC-AF61-0A6E-5EFBC7B49780}"/>
+              </a:ext>
+            </a:extLst>
+          </p:cNvPr>
+          <p:cNvSpPr/>
+          <p:nvPr/>
+        </p:nvSpPr>
+        <p:spPr>
+          <a:xfrm>
+            <a:off x="8195570" y="3854388"/>
+            <a:ext cx="213064" cy="213065"/>
+          </a:xfrm>
+          <a:prstGeom prst="ellipse">
+            <a:avLst/>
+          </a:prstGeom>
+          <a:ln w="28575"/>
+        </p:spPr>
+        <p:style>
+          <a:lnRef idx="2">
+            <a:schemeClr val="accent2">
+              <a:shade val="15000"/>
+            </a:schemeClr>
+          </a:lnRef>
+          <a:fillRef idx="1">
+            <a:schemeClr val="accent2"/>
+          </a:fillRef>
+          <a:effectRef idx="0">
+            <a:schemeClr val="accent2"/>
+          </a:effectRef>
+          <a:fontRef idx="minor">
+            <a:schemeClr val="lt1"/>
+          </a:fontRef>
+        </p:style>
+        <p:txBody>
+          <a:bodyPr rtlCol="0" anchor="ctr"/>
+          <a:lstStyle/>
+          <a:p>
+            <a:pPr algn="ctr"/>
+            <a:endParaRPr lang="en-US"/>
+          </a:p>
+        </p:txBody>
+      </p:sp>
+      <p:sp>
+        <p:nvSpPr>
+          <p:cNvPr id="8" name="Oval 7">
+            <a:extLst>
+              <a:ext uri="{FF2B5EF4-FFF2-40B4-BE49-F238E27FC236}">
+                <a16:creationId xmlns:a16="http://schemas.microsoft.com/office/drawing/2014/main" id="{C61D24B5-CA0D-F517-200D-2002127E228F}"/>
+              </a:ext>
+            </a:extLst>
+          </p:cNvPr>
+          <p:cNvSpPr/>
+          <p:nvPr/>
+        </p:nvSpPr>
+        <p:spPr>
+          <a:xfrm>
+            <a:off x="7565256" y="4835116"/>
+            <a:ext cx="213064" cy="213065"/>
+          </a:xfrm>
+          <a:prstGeom prst="ellipse">
+            <a:avLst/>
+          </a:prstGeom>
+          <a:ln w="28575"/>
+        </p:spPr>
+        <p:style>
+          <a:lnRef idx="2">
+            <a:schemeClr val="accent2">
+              <a:shade val="15000"/>
+            </a:schemeClr>
+          </a:lnRef>
+          <a:fillRef idx="1">
+            <a:schemeClr val="accent2"/>
+          </a:fillRef>
+          <a:effectRef idx="0">
+            <a:schemeClr val="accent2"/>
+          </a:effectRef>
+          <a:fontRef idx="minor">
+            <a:schemeClr val="lt1"/>
+          </a:fontRef>
+        </p:style>
+        <p:txBody>
+          <a:bodyPr rtlCol="0" anchor="ctr"/>
+          <a:lstStyle/>
+          <a:p>
+            <a:pPr algn="ctr"/>
+            <a:endParaRPr lang="en-US"/>
+          </a:p>
+        </p:txBody>
+      </p:sp>
+      <p:sp>
+        <p:nvSpPr>
+          <p:cNvPr id="9" name="TextBox 8">
+            <a:extLst>
+              <a:ext uri="{FF2B5EF4-FFF2-40B4-BE49-F238E27FC236}">
+                <a16:creationId xmlns:a16="http://schemas.microsoft.com/office/drawing/2014/main" id="{2B8D1283-CA27-D912-86AA-E2F59D2519DE}"/>
+              </a:ext>
+            </a:extLst>
+          </p:cNvPr>
+          <p:cNvSpPr txBox="1"/>
+          <p:nvPr/>
+        </p:nvSpPr>
+        <p:spPr>
+          <a:xfrm>
+            <a:off x="8243154" y="3331168"/>
+            <a:ext cx="451777" cy="523220"/>
+          </a:xfrm>
+          <a:prstGeom prst="rect">
+            <a:avLst/>
+          </a:prstGeom>
+          <a:noFill/>
+        </p:spPr>
+        <p:txBody>
+          <a:bodyPr wrap="square" rtlCol="0">
+            <a:spAutoFit/>
+          </a:bodyPr>
+          <a:lstStyle/>
+          <a:p>
+            <a:pPr algn="ctr"/>
+            <a:r>
+              <a:rPr lang="en-US" sz="2800" b="1" dirty="0"/>
+              <a:t>D</a:t>
+            </a:r>
+          </a:p>
+        </p:txBody>
+      </p:sp>
+      <p:sp>
+        <p:nvSpPr>
+          <p:cNvPr id="10" name="TextBox 9">
+            <a:extLst>
+              <a:ext uri="{FF2B5EF4-FFF2-40B4-BE49-F238E27FC236}">
+                <a16:creationId xmlns:a16="http://schemas.microsoft.com/office/drawing/2014/main" id="{705C2E80-25F0-A131-6518-E24ABB48165E}"/>
+              </a:ext>
+            </a:extLst>
+          </p:cNvPr>
+          <p:cNvSpPr txBox="1"/>
+          <p:nvPr/>
+        </p:nvSpPr>
+        <p:spPr>
+          <a:xfrm>
+            <a:off x="7658963" y="5029758"/>
+            <a:ext cx="451777" cy="523220"/>
+          </a:xfrm>
+          <a:prstGeom prst="rect">
+            <a:avLst/>
+          </a:prstGeom>
+          <a:noFill/>
+        </p:spPr>
+        <p:txBody>
+          <a:bodyPr wrap="square" rtlCol="0">
+            <a:spAutoFit/>
+          </a:bodyPr>
+          <a:lstStyle/>
+          <a:p>
+            <a:pPr algn="ctr"/>
+            <a:r>
+              <a:rPr lang="en-US" sz="2800" b="1" dirty="0"/>
+              <a:t>B</a:t>
+            </a:r>
+          </a:p>
+        </p:txBody>
+      </p:sp>
+      <p:sp>
+        <p:nvSpPr>
+          <p:cNvPr id="11" name="TextBox 10">
+            <a:extLst>
+              <a:ext uri="{FF2B5EF4-FFF2-40B4-BE49-F238E27FC236}">
+                <a16:creationId xmlns:a16="http://schemas.microsoft.com/office/drawing/2014/main" id="{BE8CAC74-4248-763A-E1C8-C7729058D8FF}"/>
+              </a:ext>
+            </a:extLst>
+          </p:cNvPr>
+          <p:cNvSpPr txBox="1"/>
+          <p:nvPr/>
+        </p:nvSpPr>
+        <p:spPr>
+          <a:xfrm>
+            <a:off x="3937614" y="1346971"/>
+            <a:ext cx="451777" cy="523220"/>
+          </a:xfrm>
+          <a:prstGeom prst="rect">
+            <a:avLst/>
+          </a:prstGeom>
+          <a:noFill/>
+        </p:spPr>
+        <p:txBody>
+          <a:bodyPr wrap="square" rtlCol="0">
+            <a:spAutoFit/>
+          </a:bodyPr>
+          <a:lstStyle/>
+          <a:p>
+            <a:pPr algn="ctr"/>
+            <a:r>
+              <a:rPr lang="en-US" sz="2800" b="1" dirty="0"/>
+              <a:t>C</a:t>
+            </a:r>
+          </a:p>
+        </p:txBody>
+      </p:sp>
+      <p:sp>
+        <p:nvSpPr>
+          <p:cNvPr id="12" name="TextBox 11">
+            <a:extLst>
+              <a:ext uri="{FF2B5EF4-FFF2-40B4-BE49-F238E27FC236}">
+                <a16:creationId xmlns:a16="http://schemas.microsoft.com/office/drawing/2014/main" id="{86371DE3-D71C-02CC-D2D9-B3480243C680}"/>
+              </a:ext>
+            </a:extLst>
+          </p:cNvPr>
+          <p:cNvSpPr txBox="1"/>
+          <p:nvPr/>
+        </p:nvSpPr>
+        <p:spPr>
+          <a:xfrm>
+            <a:off x="2852603" y="2698310"/>
+            <a:ext cx="451777" cy="523220"/>
+          </a:xfrm>
+          <a:prstGeom prst="rect">
+            <a:avLst/>
+          </a:prstGeom>
+          <a:noFill/>
+        </p:spPr>
+        <p:txBody>
+          <a:bodyPr wrap="square" rtlCol="0">
+            <a:spAutoFit/>
+          </a:bodyPr>
+          <a:lstStyle/>
+          <a:p>
+            <a:pPr algn="ctr"/>
+            <a:r>
+              <a:rPr lang="en-US" sz="2800" b="1" dirty="0"/>
+              <a:t>A</a:t>
+            </a:r>
+          </a:p>
+        </p:txBody>
+      </p:sp>
+      <mc:AlternateContent xmlns:mc="http://schemas.openxmlformats.org/markup-compatibility/2006" xmlns:a14="http://schemas.microsoft.com/office/drawing/2010/main">
+        <mc:Choice Requires="a14">
+          <p:sp>
+            <p:nvSpPr>
+              <p:cNvPr id="13" name="TextBox 12">
+                <a:extLst>
+                  <a:ext uri="{FF2B5EF4-FFF2-40B4-BE49-F238E27FC236}">
+                    <a16:creationId xmlns:a16="http://schemas.microsoft.com/office/drawing/2014/main" id="{43AA751F-FA41-5FE8-D780-7D2F389D9090}"/>
+                  </a:ext>
+                </a:extLst>
+              </p:cNvPr>
+              <p:cNvSpPr txBox="1"/>
+              <p:nvPr/>
+            </p:nvSpPr>
+            <p:spPr>
+              <a:xfrm>
+                <a:off x="9088876" y="3592778"/>
+                <a:ext cx="451777" cy="461665"/>
+              </a:xfrm>
+              <a:prstGeom prst="rect">
+                <a:avLst/>
+              </a:prstGeom>
+              <a:noFill/>
+            </p:spPr>
+            <p:txBody>
+              <a:bodyPr wrap="square" rtlCol="0">
+                <a:spAutoFit/>
+              </a:bodyPr>
+              <a:lstStyle/>
+              <a:p>
+                <a:pPr algn="ctr"/>
+                <a14:m>
+                  <m:oMathPara xmlns:m="http://schemas.openxmlformats.org/officeDocument/2006/math">
+                    <m:oMathParaPr>
+                      <m:jc m:val="centerGroup"/>
+                    </m:oMathParaPr>
+                    <m:oMath xmlns:m="http://schemas.openxmlformats.org/officeDocument/2006/math">
+                      <m:sSub>
+                        <m:sSubPr>
+                          <m:ctrlPr>
+                            <a:rPr lang="en-US" sz="2400" b="1" i="1" smtClean="0">
+                              <a:solidFill>
+                                <a:schemeClr val="accent1"/>
+                              </a:solidFill>
+                              <a:latin typeface="Cambria Math" panose="02040503050406030204" pitchFamily="18" charset="0"/>
+                            </a:rPr>
+                          </m:ctrlPr>
+                        </m:sSubPr>
+                        <m:e>
+                          <m:r>
+                            <a:rPr lang="en-US" sz="2400" b="1" i="1" smtClean="0">
+                              <a:solidFill>
+                                <a:schemeClr val="accent1"/>
+                              </a:solidFill>
+                              <a:latin typeface="Cambria Math" panose="02040503050406030204" pitchFamily="18" charset="0"/>
+                            </a:rPr>
+                            <m:t>𝑼</m:t>
+                          </m:r>
+                        </m:e>
+                        <m:sub>
+                          <m:r>
+                            <a:rPr lang="en-US" sz="2400" b="1" i="1" smtClean="0">
+                              <a:solidFill>
+                                <a:schemeClr val="accent1"/>
+                              </a:solidFill>
+                              <a:latin typeface="Cambria Math" panose="02040503050406030204" pitchFamily="18" charset="0"/>
+                            </a:rPr>
+                            <m:t>𝟐</m:t>
+                          </m:r>
+                        </m:sub>
+                      </m:sSub>
+                    </m:oMath>
+                  </m:oMathPara>
+                </a14:m>
+                <a:endParaRPr lang="en-US" sz="2400" b="1" dirty="0">
+                  <a:solidFill>
+                    <a:schemeClr val="accent1"/>
+                  </a:solidFill>
+                </a:endParaRPr>
+              </a:p>
+            </p:txBody>
+          </p:sp>
+        </mc:Choice>
+        <mc:Fallback xmlns="">
+          <p:sp>
+            <p:nvSpPr>
+              <p:cNvPr id="13" name="TextBox 12">
+                <a:extLst>
+                  <a:ext uri="{FF2B5EF4-FFF2-40B4-BE49-F238E27FC236}">
+                    <a16:creationId xmlns:a16="http://schemas.microsoft.com/office/drawing/2014/main" id="{43AA751F-FA41-5FE8-D780-7D2F389D9090}"/>
+                  </a:ext>
+                </a:extLst>
+              </p:cNvPr>
+              <p:cNvSpPr txBox="1">
+                <a:spLocks noRot="1" noChangeAspect="1" noMove="1" noResize="1" noEditPoints="1" noAdjustHandles="1" noChangeArrowheads="1" noChangeShapeType="1" noTextEdit="1"/>
+              </p:cNvSpPr>
+              <p:nvPr/>
+            </p:nvSpPr>
+            <p:spPr>
+              <a:xfrm>
+                <a:off x="9088876" y="3592778"/>
+                <a:ext cx="451777" cy="461665"/>
+              </a:xfrm>
+              <a:prstGeom prst="rect">
+                <a:avLst/>
+              </a:prstGeom>
+              <a:blipFill>
+                <a:blip r:embed="rId2"/>
+                <a:stretch>
+                  <a:fillRect l="-21622" b="-2632"/>
+                </a:stretch>
+              </a:blipFill>
+            </p:spPr>
+            <p:txBody>
+              <a:bodyPr/>
+              <a:lstStyle/>
+              <a:p>
+                <a:r>
+                  <a:rPr lang="en-US">
+                    <a:noFill/>
+                  </a:rPr>
+                  <a:t> </a:t>
+                </a:r>
+              </a:p>
+            </p:txBody>
+          </p:sp>
+        </mc:Fallback>
+      </mc:AlternateContent>
+      <mc:AlternateContent xmlns:mc="http://schemas.openxmlformats.org/markup-compatibility/2006" xmlns:a14="http://schemas.microsoft.com/office/drawing/2010/main">
+        <mc:Choice Requires="a14">
+          <p:sp>
+            <p:nvSpPr>
+              <p:cNvPr id="14" name="TextBox 13">
+                <a:extLst>
+                  <a:ext uri="{FF2B5EF4-FFF2-40B4-BE49-F238E27FC236}">
+                    <a16:creationId xmlns:a16="http://schemas.microsoft.com/office/drawing/2014/main" id="{DBF186C8-06FF-FFC3-C20C-C55A5D0E1D3D}"/>
+                  </a:ext>
+                </a:extLst>
+              </p:cNvPr>
+              <p:cNvSpPr txBox="1"/>
+              <p:nvPr/>
+            </p:nvSpPr>
+            <p:spPr>
+              <a:xfrm>
+                <a:off x="9037500" y="5018586"/>
+                <a:ext cx="451777" cy="461665"/>
+              </a:xfrm>
+              <a:prstGeom prst="rect">
+                <a:avLst/>
+              </a:prstGeom>
+              <a:noFill/>
+            </p:spPr>
+            <p:txBody>
+              <a:bodyPr wrap="square" rtlCol="0">
+                <a:spAutoFit/>
+              </a:bodyPr>
+              <a:lstStyle/>
+              <a:p>
+                <a:pPr algn="ctr"/>
+                <a14:m>
+                  <m:oMathPara xmlns:m="http://schemas.openxmlformats.org/officeDocument/2006/math">
+                    <m:oMathParaPr>
+                      <m:jc m:val="centerGroup"/>
+                    </m:oMathParaPr>
+                    <m:oMath xmlns:m="http://schemas.openxmlformats.org/officeDocument/2006/math">
+                      <m:sSub>
+                        <m:sSubPr>
+                          <m:ctrlPr>
+                            <a:rPr lang="en-US" sz="2400" b="1" i="1" smtClean="0">
+                              <a:solidFill>
+                                <a:schemeClr val="accent1"/>
+                              </a:solidFill>
+                              <a:latin typeface="Cambria Math" panose="02040503050406030204" pitchFamily="18" charset="0"/>
+                            </a:rPr>
+                          </m:ctrlPr>
+                        </m:sSubPr>
+                        <m:e>
+                          <m:r>
+                            <a:rPr lang="en-US" sz="2400" b="1" i="1" smtClean="0">
+                              <a:solidFill>
+                                <a:schemeClr val="accent1"/>
+                              </a:solidFill>
+                              <a:latin typeface="Cambria Math" panose="02040503050406030204" pitchFamily="18" charset="0"/>
+                            </a:rPr>
+                            <m:t>𝑼</m:t>
+                          </m:r>
+                        </m:e>
+                        <m:sub>
+                          <m:r>
+                            <a:rPr lang="en-US" sz="2400" b="1" i="1" smtClean="0">
+                              <a:solidFill>
+                                <a:schemeClr val="accent1"/>
+                              </a:solidFill>
+                              <a:latin typeface="Cambria Math" panose="02040503050406030204" pitchFamily="18" charset="0"/>
+                            </a:rPr>
+                            <m:t>𝟏</m:t>
+                          </m:r>
+                        </m:sub>
+                      </m:sSub>
+                    </m:oMath>
+                  </m:oMathPara>
+                </a14:m>
+                <a:endParaRPr lang="en-US" sz="2400" b="1" dirty="0">
+                  <a:solidFill>
+                    <a:schemeClr val="accent1"/>
+                  </a:solidFill>
+                </a:endParaRPr>
+              </a:p>
+            </p:txBody>
+          </p:sp>
+        </mc:Choice>
+        <mc:Fallback xmlns="">
+          <p:sp>
+            <p:nvSpPr>
+              <p:cNvPr id="14" name="TextBox 13">
+                <a:extLst>
+                  <a:ext uri="{FF2B5EF4-FFF2-40B4-BE49-F238E27FC236}">
+                    <a16:creationId xmlns:a16="http://schemas.microsoft.com/office/drawing/2014/main" id="{DBF186C8-06FF-FFC3-C20C-C55A5D0E1D3D}"/>
+                  </a:ext>
+                </a:extLst>
+              </p:cNvPr>
+              <p:cNvSpPr txBox="1">
+                <a:spLocks noRot="1" noChangeAspect="1" noMove="1" noResize="1" noEditPoints="1" noAdjustHandles="1" noChangeArrowheads="1" noChangeShapeType="1" noTextEdit="1"/>
+              </p:cNvSpPr>
+              <p:nvPr/>
+            </p:nvSpPr>
+            <p:spPr>
+              <a:xfrm>
+                <a:off x="9037500" y="5018586"/>
+                <a:ext cx="451777" cy="461665"/>
+              </a:xfrm>
+              <a:prstGeom prst="rect">
+                <a:avLst/>
+              </a:prstGeom>
+              <a:blipFill>
+                <a:blip r:embed="rId3"/>
+                <a:stretch>
+                  <a:fillRect l="-22973" b="-2632"/>
+                </a:stretch>
+              </a:blipFill>
+            </p:spPr>
+            <p:txBody>
+              <a:bodyPr/>
+              <a:lstStyle/>
+              <a:p>
+                <a:r>
+                  <a:rPr lang="en-US">
+                    <a:noFill/>
+                  </a:rPr>
+                  <a:t> </a:t>
+                </a:r>
+              </a:p>
+            </p:txBody>
+          </p:sp>
+        </mc:Fallback>
+      </mc:AlternateContent>
+      <mc:AlternateContent xmlns:mc="http://schemas.openxmlformats.org/markup-compatibility/2006" xmlns:a14="http://schemas.microsoft.com/office/drawing/2010/main">
+        <mc:Choice Requires="a14">
+          <p:sp>
+            <p:nvSpPr>
+              <p:cNvPr id="15" name="TextBox 14">
+                <a:extLst>
+                  <a:ext uri="{FF2B5EF4-FFF2-40B4-BE49-F238E27FC236}">
+                    <a16:creationId xmlns:a16="http://schemas.microsoft.com/office/drawing/2014/main" id="{2E6C6B36-FAB8-F9E8-B292-CD466B86CF99}"/>
+                  </a:ext>
+                </a:extLst>
+              </p:cNvPr>
+              <p:cNvSpPr txBox="1"/>
+              <p:nvPr/>
+            </p:nvSpPr>
+            <p:spPr>
+              <a:xfrm>
+                <a:off x="5679190" y="2058479"/>
+                <a:ext cx="1633490" cy="1077218"/>
+              </a:xfrm>
+              <a:prstGeom prst="rect">
+                <a:avLst/>
+              </a:prstGeom>
+              <a:noFill/>
+            </p:spPr>
+            <p:txBody>
+              <a:bodyPr wrap="square" rtlCol="0">
+                <a:spAutoFit/>
+              </a:bodyPr>
+              <a:lstStyle/>
+              <a:p>
+                <a:pPr/>
+                <a14:m>
+                  <m:oMathPara xmlns:m="http://schemas.openxmlformats.org/officeDocument/2006/math">
+                    <m:oMathParaPr>
+                      <m:jc m:val="centerGroup"/>
+                    </m:oMathParaPr>
+                    <m:oMath xmlns:m="http://schemas.openxmlformats.org/officeDocument/2006/math">
+                      <m:r>
+                        <a:rPr lang="en-US" sz="3200" b="1" i="1" smtClean="0">
+                          <a:latin typeface="Cambria Math" panose="02040503050406030204" pitchFamily="18" charset="0"/>
+                        </a:rPr>
+                        <m:t>𝑨</m:t>
+                      </m:r>
+                      <m:r>
+                        <a:rPr lang="en-US" sz="3200" b="1" i="1" smtClean="0">
+                          <a:latin typeface="Cambria Math" panose="02040503050406030204" pitchFamily="18" charset="0"/>
+                        </a:rPr>
+                        <m:t>&gt;</m:t>
+                      </m:r>
+                      <m:r>
+                        <a:rPr lang="en-US" sz="3200" b="1" i="1" smtClean="0">
+                          <a:latin typeface="Cambria Math" panose="02040503050406030204" pitchFamily="18" charset="0"/>
+                        </a:rPr>
+                        <m:t>𝑩</m:t>
+                      </m:r>
+                    </m:oMath>
+                  </m:oMathPara>
+                </a14:m>
+                <a:endParaRPr lang="en-US" sz="3200" b="1" dirty="0"/>
+              </a:p>
+              <a:p>
+                <a:pPr/>
+                <a14:m>
+                  <m:oMathPara xmlns:m="http://schemas.openxmlformats.org/officeDocument/2006/math">
+                    <m:oMathParaPr>
+                      <m:jc m:val="centerGroup"/>
+                    </m:oMathParaPr>
+                    <m:oMath xmlns:m="http://schemas.openxmlformats.org/officeDocument/2006/math">
+                      <m:r>
+                        <a:rPr lang="en-US" sz="3200" b="1" i="1" smtClean="0">
+                          <a:latin typeface="Cambria Math" panose="02040503050406030204" pitchFamily="18" charset="0"/>
+                        </a:rPr>
+                        <m:t>𝑩</m:t>
+                      </m:r>
+                      <m:r>
+                        <a:rPr lang="en-US" sz="3200" b="1" i="1" smtClean="0">
+                          <a:latin typeface="Cambria Math" panose="02040503050406030204" pitchFamily="18" charset="0"/>
+                        </a:rPr>
+                        <m:t>&gt;</m:t>
+                      </m:r>
+                      <m:r>
+                        <a:rPr lang="en-US" sz="3200" b="1" i="1" smtClean="0">
+                          <a:latin typeface="Cambria Math" panose="02040503050406030204" pitchFamily="18" charset="0"/>
+                        </a:rPr>
+                        <m:t>𝑨</m:t>
+                      </m:r>
+                    </m:oMath>
+                  </m:oMathPara>
+                </a14:m>
+                <a:endParaRPr lang="en-US" sz="3200" b="1" dirty="0"/>
+              </a:p>
+            </p:txBody>
+          </p:sp>
+        </mc:Choice>
+        <mc:Fallback xmlns="">
+          <p:sp>
+            <p:nvSpPr>
+              <p:cNvPr id="15" name="TextBox 14">
+                <a:extLst>
+                  <a:ext uri="{FF2B5EF4-FFF2-40B4-BE49-F238E27FC236}">
+                    <a16:creationId xmlns:a16="http://schemas.microsoft.com/office/drawing/2014/main" id="{2E6C6B36-FAB8-F9E8-B292-CD466B86CF99}"/>
+                  </a:ext>
+                </a:extLst>
+              </p:cNvPr>
+              <p:cNvSpPr txBox="1">
+                <a:spLocks noRot="1" noChangeAspect="1" noMove="1" noResize="1" noEditPoints="1" noAdjustHandles="1" noChangeArrowheads="1" noChangeShapeType="1" noTextEdit="1"/>
+              </p:cNvSpPr>
+              <p:nvPr/>
+            </p:nvSpPr>
+            <p:spPr>
+              <a:xfrm>
+                <a:off x="5679190" y="2058479"/>
+                <a:ext cx="1633490" cy="1077218"/>
+              </a:xfrm>
+              <a:prstGeom prst="rect">
+                <a:avLst/>
+              </a:prstGeom>
+              <a:blipFill>
+                <a:blip r:embed="rId4"/>
+                <a:stretch>
+                  <a:fillRect/>
+                </a:stretch>
+              </a:blipFill>
+            </p:spPr>
+            <p:txBody>
+              <a:bodyPr/>
+              <a:lstStyle/>
+              <a:p>
+                <a:r>
+                  <a:rPr lang="en-US">
+                    <a:noFill/>
+                  </a:rPr>
+                  <a:t> </a:t>
+                </a:r>
+              </a:p>
+            </p:txBody>
+          </p:sp>
+        </mc:Fallback>
+      </mc:AlternateContent>
+      <mc:AlternateContent xmlns:mc="http://schemas.openxmlformats.org/markup-compatibility/2006" xmlns:a14="http://schemas.microsoft.com/office/drawing/2010/main">
+        <mc:Choice Requires="a14">
+          <p:sp>
+            <p:nvSpPr>
+              <p:cNvPr id="16" name="TextBox 15">
+                <a:extLst>
+                  <a:ext uri="{FF2B5EF4-FFF2-40B4-BE49-F238E27FC236}">
+                    <a16:creationId xmlns:a16="http://schemas.microsoft.com/office/drawing/2014/main" id="{0024F0E8-50F0-3AB8-49F7-3972CC0BB117}"/>
+                  </a:ext>
+                </a:extLst>
+              </p:cNvPr>
+              <p:cNvSpPr txBox="1"/>
+              <p:nvPr/>
+            </p:nvSpPr>
+            <p:spPr>
+              <a:xfrm>
+                <a:off x="7851041" y="2057107"/>
+                <a:ext cx="1733004" cy="1077218"/>
+              </a:xfrm>
+              <a:prstGeom prst="rect">
+                <a:avLst/>
+              </a:prstGeom>
+              <a:noFill/>
+            </p:spPr>
+            <p:txBody>
+              <a:bodyPr wrap="square" rtlCol="0">
+                <a:spAutoFit/>
+              </a:bodyPr>
+              <a:lstStyle/>
+              <a:p>
+                <a:pPr/>
+                <a14:m>
+                  <m:oMathPara xmlns:m="http://schemas.openxmlformats.org/officeDocument/2006/math">
+                    <m:oMathParaPr>
+                      <m:jc m:val="centerGroup"/>
+                    </m:oMathParaPr>
+                    <m:oMath xmlns:m="http://schemas.openxmlformats.org/officeDocument/2006/math">
+                      <m:r>
+                        <a:rPr lang="en-US" sz="3200" b="1" i="1" smtClean="0">
+                          <a:latin typeface="Cambria Math" panose="02040503050406030204" pitchFamily="18" charset="0"/>
+                        </a:rPr>
+                        <m:t>𝑪</m:t>
+                      </m:r>
+                      <m:r>
+                        <a:rPr lang="en-US" sz="3200" b="1" i="1" smtClean="0">
+                          <a:latin typeface="Cambria Math" panose="02040503050406030204" pitchFamily="18" charset="0"/>
+                        </a:rPr>
+                        <m:t>&gt;</m:t>
+                      </m:r>
+                      <m:r>
+                        <a:rPr lang="en-US" sz="3200" b="1" i="1" smtClean="0">
+                          <a:latin typeface="Cambria Math" panose="02040503050406030204" pitchFamily="18" charset="0"/>
+                        </a:rPr>
+                        <m:t>𝑫</m:t>
+                      </m:r>
+                    </m:oMath>
+                  </m:oMathPara>
+                </a14:m>
+                <a:endParaRPr lang="en-US" sz="3200" b="1" dirty="0"/>
+              </a:p>
+              <a:p>
+                <a:pPr/>
+                <a14:m>
+                  <m:oMathPara xmlns:m="http://schemas.openxmlformats.org/officeDocument/2006/math">
+                    <m:oMathParaPr>
+                      <m:jc m:val="centerGroup"/>
+                    </m:oMathParaPr>
+                    <m:oMath xmlns:m="http://schemas.openxmlformats.org/officeDocument/2006/math">
+                      <m:r>
+                        <a:rPr lang="en-US" sz="3200" b="1" i="1" smtClean="0">
+                          <a:latin typeface="Cambria Math" panose="02040503050406030204" pitchFamily="18" charset="0"/>
+                        </a:rPr>
+                        <m:t>𝑫</m:t>
+                      </m:r>
+                      <m:r>
+                        <a:rPr lang="en-US" sz="3200" b="1" i="1" smtClean="0">
+                          <a:latin typeface="Cambria Math" panose="02040503050406030204" pitchFamily="18" charset="0"/>
+                        </a:rPr>
+                        <m:t>&gt;</m:t>
+                      </m:r>
+                      <m:r>
+                        <a:rPr lang="en-US" sz="3200" b="1" i="1" smtClean="0">
+                          <a:latin typeface="Cambria Math" panose="02040503050406030204" pitchFamily="18" charset="0"/>
+                        </a:rPr>
+                        <m:t>𝑪</m:t>
+                      </m:r>
+                    </m:oMath>
+                  </m:oMathPara>
+                </a14:m>
+                <a:endParaRPr lang="en-US" sz="3200" b="1" dirty="0"/>
+              </a:p>
+            </p:txBody>
+          </p:sp>
+        </mc:Choice>
+        <mc:Fallback xmlns="">
+          <p:sp>
+            <p:nvSpPr>
+              <p:cNvPr id="16" name="TextBox 15">
+                <a:extLst>
+                  <a:ext uri="{FF2B5EF4-FFF2-40B4-BE49-F238E27FC236}">
+                    <a16:creationId xmlns:a16="http://schemas.microsoft.com/office/drawing/2014/main" id="{0024F0E8-50F0-3AB8-49F7-3972CC0BB117}"/>
+                  </a:ext>
+                </a:extLst>
+              </p:cNvPr>
+              <p:cNvSpPr txBox="1">
+                <a:spLocks noRot="1" noChangeAspect="1" noMove="1" noResize="1" noEditPoints="1" noAdjustHandles="1" noChangeArrowheads="1" noChangeShapeType="1" noTextEdit="1"/>
+              </p:cNvSpPr>
+              <p:nvPr/>
+            </p:nvSpPr>
+            <p:spPr>
+              <a:xfrm>
+                <a:off x="7851041" y="2057107"/>
+                <a:ext cx="1733004" cy="1077218"/>
+              </a:xfrm>
+              <a:prstGeom prst="rect">
+                <a:avLst/>
+              </a:prstGeom>
+              <a:blipFill>
+                <a:blip r:embed="rId5"/>
+                <a:stretch>
+                  <a:fillRect/>
+                </a:stretch>
+              </a:blipFill>
+            </p:spPr>
+            <p:txBody>
+              <a:bodyPr/>
+              <a:lstStyle/>
+              <a:p>
+                <a:r>
+                  <a:rPr lang="en-US">
+                    <a:noFill/>
+                  </a:rPr>
+                  <a:t> </a:t>
+                </a:r>
+              </a:p>
+            </p:txBody>
+          </p:sp>
+        </mc:Fallback>
+      </mc:AlternateContent>
+      <p:sp>
+        <p:nvSpPr>
+          <p:cNvPr id="17" name="TextBox 16">
+            <a:extLst>
+              <a:ext uri="{FF2B5EF4-FFF2-40B4-BE49-F238E27FC236}">
+                <a16:creationId xmlns:a16="http://schemas.microsoft.com/office/drawing/2014/main" id="{615ACE95-673B-3454-D2DF-B7B2FF224A25}"/>
+              </a:ext>
+            </a:extLst>
+          </p:cNvPr>
+          <p:cNvSpPr txBox="1"/>
+          <p:nvPr/>
+        </p:nvSpPr>
+        <p:spPr>
+          <a:xfrm>
+            <a:off x="5321371" y="850765"/>
+            <a:ext cx="4584629" cy="1200329"/>
+          </a:xfrm>
+          <a:prstGeom prst="rect">
+            <a:avLst/>
+          </a:prstGeom>
+          <a:noFill/>
+        </p:spPr>
+        <p:txBody>
+          <a:bodyPr wrap="square" rtlCol="0">
+            <a:spAutoFit/>
+          </a:bodyPr>
+          <a:lstStyle/>
+          <a:p>
+            <a:pPr algn="ctr"/>
+            <a:r>
+              <a:rPr lang="en-US" sz="2400" b="1" dirty="0"/>
+              <a:t>THIS GRAPH SAYS THE FOLLOWING ABOUT THESE BUNDLES:</a:t>
+            </a:r>
+          </a:p>
+        </p:txBody>
+      </p:sp>
+    </p:spTree>
+    <p:extLst>
+      <p:ext uri="{BB962C8B-B14F-4D97-AF65-F5344CB8AC3E}">
+        <p14:creationId xmlns:p14="http://schemas.microsoft.com/office/powerpoint/2010/main" val="1592041748"/>
+      </p:ext>
+    </p:extLst>
+  </p:cSld>
+  <p:clrMapOvr>
+    <a:masterClrMapping/>
+  </p:clrMapOvr>
+</p:sld>
+</file>
+
+<file path=ppt/slides/slide11.xml><?xml version="1.0" encoding="utf-8"?>
+<p:sld xmlns:a="http://schemas.openxmlformats.org/drawingml/2006/main" xmlns:r="http://schemas.openxmlformats.org/officeDocument/2006/relationships" xmlns:p="http://schemas.openxmlformats.org/presentationml/2006/main">
+  <p:cSld>
+    <p:spTree>
+      <p:nvGrpSpPr>
+        <p:cNvPr id="1" name=""/>
+        <p:cNvGrpSpPr/>
+        <p:nvPr/>
+      </p:nvGrpSpPr>
+      <p:grpSpPr>
+        <a:xfrm>
+          <a:off x="0" y="0"/>
+          <a:ext cx="0" cy="0"/>
+          <a:chOff x="0" y="0"/>
+          <a:chExt cx="0" cy="0"/>
+        </a:xfrm>
+      </p:grpSpPr>
+      <p:sp>
+        <p:nvSpPr>
           <p:cNvPr id="3" name="Freeform: Shape 2">
             <a:extLst>
               <a:ext uri="{FF2B5EF4-FFF2-40B4-BE49-F238E27FC236}">
@@ -5556,7 +6780,7 @@
 </p:sld>
 </file>
 
-<file path=ppt/slides/slide11.xml><?xml version="1.0" encoding="utf-8"?>
+<file path=ppt/slides/slide12.xml><?xml version="1.0" encoding="utf-8"?>
 <p:sld xmlns:a="http://schemas.openxmlformats.org/drawingml/2006/main" xmlns:r="http://schemas.openxmlformats.org/officeDocument/2006/relationships" xmlns:p="http://schemas.openxmlformats.org/presentationml/2006/main">
   <p:cSld>
     <p:spTree>
@@ -6460,7 +7684,7 @@
 </p:sld>
 </file>
 
-<file path=ppt/slides/slide12.xml><?xml version="1.0" encoding="utf-8"?>
+<file path=ppt/slides/slide13.xml><?xml version="1.0" encoding="utf-8"?>
 <p:sld xmlns:a="http://schemas.openxmlformats.org/drawingml/2006/main" xmlns:r="http://schemas.openxmlformats.org/officeDocument/2006/relationships" xmlns:p="http://schemas.openxmlformats.org/presentationml/2006/main">
   <p:cSld>
     <p:spTree>
@@ -6856,7 +8080,7 @@
 </p:sld>
 </file>
 
-<file path=ppt/slides/slide13.xml><?xml version="1.0" encoding="utf-8"?>
+<file path=ppt/slides/slide14.xml><?xml version="1.0" encoding="utf-8"?>
 <p:sld xmlns:a="http://schemas.openxmlformats.org/drawingml/2006/main" xmlns:r="http://schemas.openxmlformats.org/officeDocument/2006/relationships" xmlns:p="http://schemas.openxmlformats.org/presentationml/2006/main">
   <p:cSld>
     <p:spTree>
@@ -7064,8 +8288,8 @@
           </a:p>
         </p:txBody>
       </p:sp>
-      <mc:AlternateContent xmlns:mc="http://schemas.openxmlformats.org/markup-compatibility/2006">
-        <mc:Choice xmlns:a14="http://schemas.microsoft.com/office/drawing/2010/main" Requires="a14">
+      <mc:AlternateContent xmlns:mc="http://schemas.openxmlformats.org/markup-compatibility/2006" xmlns:a14="http://schemas.microsoft.com/office/drawing/2010/main">
+        <mc:Choice Requires="a14">
           <p:sp>
             <p:nvSpPr>
               <p:cNvPr id="2" name="TextBox 1">
@@ -7122,7 +8346,7 @@
             </p:txBody>
           </p:sp>
         </mc:Choice>
-        <mc:Fallback>
+        <mc:Fallback xmlns="">
           <p:sp>
             <p:nvSpPr>
               <p:cNvPr id="2" name="TextBox 1">
@@ -7167,8 +8391,8 @@
           </p:sp>
         </mc:Fallback>
       </mc:AlternateContent>
-      <mc:AlternateContent xmlns:mc="http://schemas.openxmlformats.org/markup-compatibility/2006">
-        <mc:Choice xmlns:a14="http://schemas.microsoft.com/office/drawing/2010/main" Requires="a14">
+      <mc:AlternateContent xmlns:mc="http://schemas.openxmlformats.org/markup-compatibility/2006" xmlns:a14="http://schemas.microsoft.com/office/drawing/2010/main">
+        <mc:Choice Requires="a14">
           <p:sp>
             <p:nvSpPr>
               <p:cNvPr id="5" name="TextBox 4">
@@ -7225,7 +8449,7 @@
             </p:txBody>
           </p:sp>
         </mc:Choice>
-        <mc:Fallback>
+        <mc:Fallback xmlns="">
           <p:sp>
             <p:nvSpPr>
               <p:cNvPr id="5" name="TextBox 4">
@@ -7325,7 +8549,7 @@
 </p:sld>
 </file>
 
-<file path=ppt/slides/slide14.xml><?xml version="1.0" encoding="utf-8"?>
+<file path=ppt/slides/slide15.xml><?xml version="1.0" encoding="utf-8"?>
 <p:sld xmlns:a="http://schemas.openxmlformats.org/drawingml/2006/main" xmlns:r="http://schemas.openxmlformats.org/officeDocument/2006/relationships" xmlns:p="http://schemas.openxmlformats.org/presentationml/2006/main">
   <p:cSld>
     <p:spTree>
@@ -7342,8 +8566,8 @@
           <a:chExt cx="0" cy="0"/>
         </a:xfrm>
       </p:grpSpPr>
-      <mc:AlternateContent xmlns:mc="http://schemas.openxmlformats.org/markup-compatibility/2006">
-        <mc:Choice xmlns:a14="http://schemas.microsoft.com/office/drawing/2010/main" Requires="a14">
+      <mc:AlternateContent xmlns:mc="http://schemas.openxmlformats.org/markup-compatibility/2006" xmlns:a14="http://schemas.microsoft.com/office/drawing/2010/main">
+        <mc:Choice Requires="a14">
           <p:sp>
             <p:nvSpPr>
               <p:cNvPr id="26" name="TextBox 25">
@@ -7400,7 +8624,7 @@
             </p:txBody>
           </p:sp>
         </mc:Choice>
-        <mc:Fallback>
+        <mc:Fallback xmlns="">
           <p:sp>
             <p:nvSpPr>
               <p:cNvPr id="26" name="TextBox 25">
@@ -7445,8 +8669,8 @@
           </p:sp>
         </mc:Fallback>
       </mc:AlternateContent>
-      <mc:AlternateContent xmlns:mc="http://schemas.openxmlformats.org/markup-compatibility/2006">
-        <mc:Choice xmlns:a14="http://schemas.microsoft.com/office/drawing/2010/main" Requires="a14">
+      <mc:AlternateContent xmlns:mc="http://schemas.openxmlformats.org/markup-compatibility/2006" xmlns:a14="http://schemas.microsoft.com/office/drawing/2010/main">
+        <mc:Choice Requires="a14">
           <p:sp>
             <p:nvSpPr>
               <p:cNvPr id="27" name="TextBox 26">
@@ -7503,7 +8727,7 @@
             </p:txBody>
           </p:sp>
         </mc:Choice>
-        <mc:Fallback>
+        <mc:Fallback xmlns="">
           <p:sp>
             <p:nvSpPr>
               <p:cNvPr id="27" name="TextBox 26">
@@ -8015,7 +9239,7 @@
 </p:sld>
 </file>
 
-<file path=ppt/slides/slide15.xml><?xml version="1.0" encoding="utf-8"?>
+<file path=ppt/slides/slide16.xml><?xml version="1.0" encoding="utf-8"?>
 <p:sld xmlns:a="http://schemas.openxmlformats.org/drawingml/2006/main" xmlns:r="http://schemas.openxmlformats.org/officeDocument/2006/relationships" xmlns:p="http://schemas.openxmlformats.org/presentationml/2006/main">
   <p:cSld>
     <p:spTree>
@@ -8032,8 +9256,8 @@
           <a:chExt cx="0" cy="0"/>
         </a:xfrm>
       </p:grpSpPr>
-      <mc:AlternateContent xmlns:mc="http://schemas.openxmlformats.org/markup-compatibility/2006">
-        <mc:Choice xmlns:a14="http://schemas.microsoft.com/office/drawing/2010/main" Requires="a14">
+      <mc:AlternateContent xmlns:mc="http://schemas.openxmlformats.org/markup-compatibility/2006" xmlns:a14="http://schemas.microsoft.com/office/drawing/2010/main">
+        <mc:Choice Requires="a14">
           <p:sp>
             <p:nvSpPr>
               <p:cNvPr id="26" name="TextBox 25">
@@ -8090,7 +9314,7 @@
             </p:txBody>
           </p:sp>
         </mc:Choice>
-        <mc:Fallback>
+        <mc:Fallback xmlns="">
           <p:sp>
             <p:nvSpPr>
               <p:cNvPr id="26" name="TextBox 25">
@@ -8135,8 +9359,8 @@
           </p:sp>
         </mc:Fallback>
       </mc:AlternateContent>
-      <mc:AlternateContent xmlns:mc="http://schemas.openxmlformats.org/markup-compatibility/2006">
-        <mc:Choice xmlns:a14="http://schemas.microsoft.com/office/drawing/2010/main" Requires="a14">
+      <mc:AlternateContent xmlns:mc="http://schemas.openxmlformats.org/markup-compatibility/2006" xmlns:a14="http://schemas.microsoft.com/office/drawing/2010/main">
+        <mc:Choice Requires="a14">
           <p:sp>
             <p:nvSpPr>
               <p:cNvPr id="27" name="TextBox 26">
@@ -8193,7 +9417,7 @@
             </p:txBody>
           </p:sp>
         </mc:Choice>
-        <mc:Fallback>
+        <mc:Fallback xmlns="">
           <p:sp>
             <p:nvSpPr>
               <p:cNvPr id="27" name="TextBox 26">
@@ -12324,6 +13548,1778 @@
           <a:chExt cx="0" cy="0"/>
         </a:xfrm>
       </p:grpSpPr>
+      <mc:AlternateContent xmlns:mc="http://schemas.openxmlformats.org/markup-compatibility/2006">
+        <mc:Choice xmlns:a14="http://schemas.microsoft.com/office/drawing/2010/main" Requires="a14">
+          <p:sp>
+            <p:nvSpPr>
+              <p:cNvPr id="26" name="TextBox 25">
+                <a:extLst>
+                  <a:ext uri="{FF2B5EF4-FFF2-40B4-BE49-F238E27FC236}">
+                    <a16:creationId xmlns:a16="http://schemas.microsoft.com/office/drawing/2014/main" id="{7F93BDE7-A731-C302-19A1-DCAFA5C13CF4}"/>
+                  </a:ext>
+                </a:extLst>
+              </p:cNvPr>
+              <p:cNvSpPr txBox="1"/>
+              <p:nvPr/>
+            </p:nvSpPr>
+            <p:spPr>
+              <a:xfrm>
+                <a:off x="9681954" y="5796407"/>
+                <a:ext cx="807396" cy="369332"/>
+              </a:xfrm>
+              <a:prstGeom prst="rect">
+                <a:avLst/>
+              </a:prstGeom>
+              <a:noFill/>
+            </p:spPr>
+            <p:txBody>
+              <a:bodyPr wrap="square" rtlCol="0">
+                <a:spAutoFit/>
+              </a:bodyPr>
+              <a:lstStyle/>
+              <a:p>
+                <a:pPr/>
+                <a14:m>
+                  <m:oMathPara xmlns:m="http://schemas.openxmlformats.org/officeDocument/2006/math">
+                    <m:oMathParaPr>
+                      <m:jc m:val="centerGroup"/>
+                    </m:oMathParaPr>
+                    <m:oMath xmlns:m="http://schemas.openxmlformats.org/officeDocument/2006/math">
+                      <m:r>
+                        <a:rPr lang="en-US" b="1" i="1" smtClean="0">
+                          <a:solidFill>
+                            <a:schemeClr val="tx1"/>
+                          </a:solidFill>
+                          <a:latin typeface="Cambria Math" panose="02040503050406030204" pitchFamily="18" charset="0"/>
+                        </a:rPr>
+                        <m:t>𝑿</m:t>
+                      </m:r>
+                    </m:oMath>
+                  </m:oMathPara>
+                </a14:m>
+                <a:endParaRPr lang="en-US" b="1" dirty="0">
+                  <a:solidFill>
+                    <a:schemeClr val="tx1"/>
+                  </a:solidFill>
+                </a:endParaRPr>
+              </a:p>
+            </p:txBody>
+          </p:sp>
+        </mc:Choice>
+        <mc:Fallback>
+          <p:sp>
+            <p:nvSpPr>
+              <p:cNvPr id="26" name="TextBox 25">
+                <a:extLst>
+                  <a:ext uri="{FF2B5EF4-FFF2-40B4-BE49-F238E27FC236}">
+                    <a16:creationId xmlns:a16="http://schemas.microsoft.com/office/drawing/2014/main" id="{7F93BDE7-A731-C302-19A1-DCAFA5C13CF4}"/>
+                  </a:ext>
+                </a:extLst>
+              </p:cNvPr>
+              <p:cNvSpPr txBox="1">
+                <a:spLocks noRot="1" noChangeAspect="1" noMove="1" noResize="1" noEditPoints="1" noAdjustHandles="1" noChangeArrowheads="1" noChangeShapeType="1" noTextEdit="1"/>
+              </p:cNvSpPr>
+              <p:nvPr/>
+            </p:nvSpPr>
+            <p:spPr>
+              <a:xfrm>
+                <a:off x="9681954" y="5796407"/>
+                <a:ext cx="807396" cy="369332"/>
+              </a:xfrm>
+              <a:prstGeom prst="rect">
+                <a:avLst/>
+              </a:prstGeom>
+              <a:blipFill>
+                <a:blip r:embed="rId2"/>
+                <a:stretch>
+                  <a:fillRect/>
+                </a:stretch>
+              </a:blipFill>
+            </p:spPr>
+            <p:txBody>
+              <a:bodyPr/>
+              <a:lstStyle/>
+              <a:p>
+                <a:r>
+                  <a:rPr lang="en-US">
+                    <a:noFill/>
+                  </a:rPr>
+                  <a:t> </a:t>
+                </a:r>
+              </a:p>
+            </p:txBody>
+          </p:sp>
+        </mc:Fallback>
+      </mc:AlternateContent>
+      <mc:AlternateContent xmlns:mc="http://schemas.openxmlformats.org/markup-compatibility/2006">
+        <mc:Choice xmlns:a14="http://schemas.microsoft.com/office/drawing/2010/main" Requires="a14">
+          <p:sp>
+            <p:nvSpPr>
+              <p:cNvPr id="27" name="TextBox 26">
+                <a:extLst>
+                  <a:ext uri="{FF2B5EF4-FFF2-40B4-BE49-F238E27FC236}">
+                    <a16:creationId xmlns:a16="http://schemas.microsoft.com/office/drawing/2014/main" id="{0DDA7B57-B430-94C9-FFC6-65F76A85F963}"/>
+                  </a:ext>
+                </a:extLst>
+              </p:cNvPr>
+              <p:cNvSpPr txBox="1"/>
+              <p:nvPr/>
+            </p:nvSpPr>
+            <p:spPr>
+              <a:xfrm>
+                <a:off x="1645109" y="210640"/>
+                <a:ext cx="807396" cy="369332"/>
+              </a:xfrm>
+              <a:prstGeom prst="rect">
+                <a:avLst/>
+              </a:prstGeom>
+              <a:noFill/>
+            </p:spPr>
+            <p:txBody>
+              <a:bodyPr wrap="square" rtlCol="0">
+                <a:spAutoFit/>
+              </a:bodyPr>
+              <a:lstStyle/>
+              <a:p>
+                <a:pPr/>
+                <a14:m>
+                  <m:oMathPara xmlns:m="http://schemas.openxmlformats.org/officeDocument/2006/math">
+                    <m:oMathParaPr>
+                      <m:jc m:val="centerGroup"/>
+                    </m:oMathParaPr>
+                    <m:oMath xmlns:m="http://schemas.openxmlformats.org/officeDocument/2006/math">
+                      <m:r>
+                        <a:rPr lang="en-US" b="1" i="1" smtClean="0">
+                          <a:solidFill>
+                            <a:schemeClr val="tx1"/>
+                          </a:solidFill>
+                          <a:latin typeface="Cambria Math" panose="02040503050406030204" pitchFamily="18" charset="0"/>
+                        </a:rPr>
+                        <m:t>𝒀</m:t>
+                      </m:r>
+                    </m:oMath>
+                  </m:oMathPara>
+                </a14:m>
+                <a:endParaRPr lang="en-US" b="1" dirty="0">
+                  <a:solidFill>
+                    <a:schemeClr val="tx1"/>
+                  </a:solidFill>
+                </a:endParaRPr>
+              </a:p>
+            </p:txBody>
+          </p:sp>
+        </mc:Choice>
+        <mc:Fallback>
+          <p:sp>
+            <p:nvSpPr>
+              <p:cNvPr id="27" name="TextBox 26">
+                <a:extLst>
+                  <a:ext uri="{FF2B5EF4-FFF2-40B4-BE49-F238E27FC236}">
+                    <a16:creationId xmlns:a16="http://schemas.microsoft.com/office/drawing/2014/main" id="{0DDA7B57-B430-94C9-FFC6-65F76A85F963}"/>
+                  </a:ext>
+                </a:extLst>
+              </p:cNvPr>
+              <p:cNvSpPr txBox="1">
+                <a:spLocks noRot="1" noChangeAspect="1" noMove="1" noResize="1" noEditPoints="1" noAdjustHandles="1" noChangeArrowheads="1" noChangeShapeType="1" noTextEdit="1"/>
+              </p:cNvSpPr>
+              <p:nvPr/>
+            </p:nvSpPr>
+            <p:spPr>
+              <a:xfrm>
+                <a:off x="1645109" y="210640"/>
+                <a:ext cx="807396" cy="369332"/>
+              </a:xfrm>
+              <a:prstGeom prst="rect">
+                <a:avLst/>
+              </a:prstGeom>
+              <a:blipFill>
+                <a:blip r:embed="rId3"/>
+                <a:stretch>
+                  <a:fillRect/>
+                </a:stretch>
+              </a:blipFill>
+            </p:spPr>
+            <p:txBody>
+              <a:bodyPr/>
+              <a:lstStyle/>
+              <a:p>
+                <a:r>
+                  <a:rPr lang="en-US">
+                    <a:noFill/>
+                  </a:rPr>
+                  <a:t> </a:t>
+                </a:r>
+              </a:p>
+            </p:txBody>
+          </p:sp>
+        </mc:Fallback>
+      </mc:AlternateContent>
+      <p:cxnSp>
+        <p:nvCxnSpPr>
+          <p:cNvPr id="8" name="Straight Connector 7">
+            <a:extLst>
+              <a:ext uri="{FF2B5EF4-FFF2-40B4-BE49-F238E27FC236}">
+                <a16:creationId xmlns:a16="http://schemas.microsoft.com/office/drawing/2014/main" id="{B16F4518-E948-C3F6-AAE1-784E53A694CC}"/>
+              </a:ext>
+            </a:extLst>
+          </p:cNvPr>
+          <p:cNvCxnSpPr>
+            <a:cxnSpLocks/>
+          </p:cNvCxnSpPr>
+          <p:nvPr/>
+        </p:nvCxnSpPr>
+        <p:spPr>
+          <a:xfrm>
+            <a:off x="2304387" y="3362325"/>
+            <a:ext cx="2248563" cy="2613025"/>
+          </a:xfrm>
+          <a:prstGeom prst="line">
+            <a:avLst/>
+          </a:prstGeom>
+          <a:ln w="38100">
+            <a:solidFill>
+              <a:schemeClr val="accent6"/>
+            </a:solidFill>
+          </a:ln>
+        </p:spPr>
+        <p:style>
+          <a:lnRef idx="1">
+            <a:schemeClr val="accent1"/>
+          </a:lnRef>
+          <a:fillRef idx="0">
+            <a:schemeClr val="accent1"/>
+          </a:fillRef>
+          <a:effectRef idx="0">
+            <a:schemeClr val="accent1"/>
+          </a:effectRef>
+          <a:fontRef idx="minor">
+            <a:schemeClr val="tx1"/>
+          </a:fontRef>
+        </p:style>
+      </p:cxnSp>
+      <mc:AlternateContent xmlns:mc="http://schemas.openxmlformats.org/markup-compatibility/2006">
+        <mc:Choice xmlns:a14="http://schemas.microsoft.com/office/drawing/2010/main" Requires="a14">
+          <p:sp>
+            <p:nvSpPr>
+              <p:cNvPr id="15" name="TextBox 14">
+                <a:extLst>
+                  <a:ext uri="{FF2B5EF4-FFF2-40B4-BE49-F238E27FC236}">
+                    <a16:creationId xmlns:a16="http://schemas.microsoft.com/office/drawing/2014/main" id="{5E296CC9-8ED3-C80C-2298-0927D064BF83}"/>
+                  </a:ext>
+                </a:extLst>
+              </p:cNvPr>
+              <p:cNvSpPr txBox="1"/>
+              <p:nvPr/>
+            </p:nvSpPr>
+            <p:spPr>
+              <a:xfrm>
+                <a:off x="6830376" y="6064584"/>
+                <a:ext cx="807396" cy="657552"/>
+              </a:xfrm>
+              <a:prstGeom prst="rect">
+                <a:avLst/>
+              </a:prstGeom>
+              <a:noFill/>
+            </p:spPr>
+            <p:txBody>
+              <a:bodyPr wrap="square" rtlCol="0">
+                <a:spAutoFit/>
+              </a:bodyPr>
+              <a:lstStyle/>
+              <a:p>
+                <a:pPr/>
+                <a14:m>
+                  <m:oMathPara xmlns:m="http://schemas.openxmlformats.org/officeDocument/2006/math">
+                    <m:oMathParaPr>
+                      <m:jc m:val="centerGroup"/>
+                    </m:oMathParaPr>
+                    <m:oMath xmlns:m="http://schemas.openxmlformats.org/officeDocument/2006/math">
+                      <m:f>
+                        <m:fPr>
+                          <m:ctrlPr>
+                            <a:rPr lang="en-US" b="1" i="1" smtClean="0">
+                              <a:solidFill>
+                                <a:schemeClr val="tx1"/>
+                              </a:solidFill>
+                              <a:latin typeface="Cambria Math" panose="02040503050406030204" pitchFamily="18" charset="0"/>
+                            </a:rPr>
+                          </m:ctrlPr>
+                        </m:fPr>
+                        <m:num>
+                          <m:r>
+                            <a:rPr lang="en-US" b="1" i="1" smtClean="0">
+                              <a:solidFill>
+                                <a:schemeClr val="accent2">
+                                  <a:lumMod val="75000"/>
+                                </a:schemeClr>
+                              </a:solidFill>
+                              <a:latin typeface="Cambria Math" panose="02040503050406030204" pitchFamily="18" charset="0"/>
+                            </a:rPr>
+                            <m:t>𝑴</m:t>
+                          </m:r>
+                        </m:num>
+                        <m:den>
+                          <m:sSub>
+                            <m:sSubPr>
+                              <m:ctrlPr>
+                                <a:rPr lang="en-US" b="1" i="1" smtClean="0">
+                                  <a:solidFill>
+                                    <a:schemeClr val="tx1"/>
+                                  </a:solidFill>
+                                  <a:latin typeface="Cambria Math" panose="02040503050406030204" pitchFamily="18" charset="0"/>
+                                </a:rPr>
+                              </m:ctrlPr>
+                            </m:sSubPr>
+                            <m:e>
+                              <m:r>
+                                <a:rPr lang="en-US" b="1" i="1" smtClean="0">
+                                  <a:solidFill>
+                                    <a:schemeClr val="tx1"/>
+                                  </a:solidFill>
+                                  <a:latin typeface="Cambria Math" panose="02040503050406030204" pitchFamily="18" charset="0"/>
+                                </a:rPr>
+                                <m:t>𝑷</m:t>
+                              </m:r>
+                            </m:e>
+                            <m:sub>
+                              <m:r>
+                                <a:rPr lang="en-US" b="1" i="1" smtClean="0">
+                                  <a:solidFill>
+                                    <a:schemeClr val="tx1"/>
+                                  </a:solidFill>
+                                  <a:latin typeface="Cambria Math" panose="02040503050406030204" pitchFamily="18" charset="0"/>
+                                </a:rPr>
+                                <m:t>𝒙</m:t>
+                              </m:r>
+                            </m:sub>
+                          </m:sSub>
+                        </m:den>
+                      </m:f>
+                    </m:oMath>
+                  </m:oMathPara>
+                </a14:m>
+                <a:endParaRPr lang="en-US" b="1" dirty="0">
+                  <a:solidFill>
+                    <a:schemeClr val="tx1"/>
+                  </a:solidFill>
+                </a:endParaRPr>
+              </a:p>
+            </p:txBody>
+          </p:sp>
+        </mc:Choice>
+        <mc:Fallback>
+          <p:sp>
+            <p:nvSpPr>
+              <p:cNvPr id="15" name="TextBox 14">
+                <a:extLst>
+                  <a:ext uri="{FF2B5EF4-FFF2-40B4-BE49-F238E27FC236}">
+                    <a16:creationId xmlns:a16="http://schemas.microsoft.com/office/drawing/2014/main" id="{5E296CC9-8ED3-C80C-2298-0927D064BF83}"/>
+                  </a:ext>
+                </a:extLst>
+              </p:cNvPr>
+              <p:cNvSpPr txBox="1">
+                <a:spLocks noRot="1" noChangeAspect="1" noMove="1" noResize="1" noEditPoints="1" noAdjustHandles="1" noChangeArrowheads="1" noChangeShapeType="1" noTextEdit="1"/>
+              </p:cNvSpPr>
+              <p:nvPr/>
+            </p:nvSpPr>
+            <p:spPr>
+              <a:xfrm>
+                <a:off x="6830376" y="6064584"/>
+                <a:ext cx="807396" cy="657552"/>
+              </a:xfrm>
+              <a:prstGeom prst="rect">
+                <a:avLst/>
+              </a:prstGeom>
+              <a:blipFill>
+                <a:blip r:embed="rId4"/>
+                <a:stretch>
+                  <a:fillRect/>
+                </a:stretch>
+              </a:blipFill>
+            </p:spPr>
+            <p:txBody>
+              <a:bodyPr/>
+              <a:lstStyle/>
+              <a:p>
+                <a:r>
+                  <a:rPr lang="en-US">
+                    <a:noFill/>
+                  </a:rPr>
+                  <a:t> </a:t>
+                </a:r>
+              </a:p>
+            </p:txBody>
+          </p:sp>
+        </mc:Fallback>
+      </mc:AlternateContent>
+      <mc:AlternateContent xmlns:mc="http://schemas.openxmlformats.org/markup-compatibility/2006">
+        <mc:Choice xmlns:a14="http://schemas.microsoft.com/office/drawing/2010/main" Requires="a14">
+          <p:sp>
+            <p:nvSpPr>
+              <p:cNvPr id="16" name="TextBox 15">
+                <a:extLst>
+                  <a:ext uri="{FF2B5EF4-FFF2-40B4-BE49-F238E27FC236}">
+                    <a16:creationId xmlns:a16="http://schemas.microsoft.com/office/drawing/2014/main" id="{ECC1AEE7-E434-1760-5BD5-630C90A0234A}"/>
+                  </a:ext>
+                </a:extLst>
+              </p:cNvPr>
+              <p:cNvSpPr txBox="1"/>
+              <p:nvPr/>
+            </p:nvSpPr>
+            <p:spPr>
+              <a:xfrm>
+                <a:off x="1618518" y="1715822"/>
+                <a:ext cx="807396" cy="692177"/>
+              </a:xfrm>
+              <a:prstGeom prst="rect">
+                <a:avLst/>
+              </a:prstGeom>
+              <a:noFill/>
+            </p:spPr>
+            <p:txBody>
+              <a:bodyPr wrap="square" rtlCol="0">
+                <a:spAutoFit/>
+              </a:bodyPr>
+              <a:lstStyle/>
+              <a:p>
+                <a:pPr/>
+                <a14:m>
+                  <m:oMathPara xmlns:m="http://schemas.openxmlformats.org/officeDocument/2006/math">
+                    <m:oMathParaPr>
+                      <m:jc m:val="centerGroup"/>
+                    </m:oMathParaPr>
+                    <m:oMath xmlns:m="http://schemas.openxmlformats.org/officeDocument/2006/math">
+                      <m:f>
+                        <m:fPr>
+                          <m:ctrlPr>
+                            <a:rPr lang="en-US" b="1" i="1" smtClean="0">
+                              <a:solidFill>
+                                <a:schemeClr val="tx1"/>
+                              </a:solidFill>
+                              <a:latin typeface="Cambria Math" panose="02040503050406030204" pitchFamily="18" charset="0"/>
+                            </a:rPr>
+                          </m:ctrlPr>
+                        </m:fPr>
+                        <m:num>
+                          <m:r>
+                            <a:rPr lang="en-US" b="1" i="1" smtClean="0">
+                              <a:solidFill>
+                                <a:schemeClr val="tx1"/>
+                              </a:solidFill>
+                              <a:latin typeface="Cambria Math" panose="02040503050406030204" pitchFamily="18" charset="0"/>
+                            </a:rPr>
+                            <m:t>𝑴</m:t>
+                          </m:r>
+                        </m:num>
+                        <m:den>
+                          <m:sSub>
+                            <m:sSubPr>
+                              <m:ctrlPr>
+                                <a:rPr lang="en-US" b="1" i="1" smtClean="0">
+                                  <a:solidFill>
+                                    <a:schemeClr val="tx1"/>
+                                  </a:solidFill>
+                                  <a:latin typeface="Cambria Math" panose="02040503050406030204" pitchFamily="18" charset="0"/>
+                                </a:rPr>
+                              </m:ctrlPr>
+                            </m:sSubPr>
+                            <m:e>
+                              <m:r>
+                                <a:rPr lang="en-US" b="1" i="1" smtClean="0">
+                                  <a:solidFill>
+                                    <a:schemeClr val="tx1"/>
+                                  </a:solidFill>
+                                  <a:latin typeface="Cambria Math" panose="02040503050406030204" pitchFamily="18" charset="0"/>
+                                </a:rPr>
+                                <m:t>𝑷</m:t>
+                              </m:r>
+                            </m:e>
+                            <m:sub>
+                              <m:r>
+                                <a:rPr lang="en-US" b="1" i="1" smtClean="0">
+                                  <a:solidFill>
+                                    <a:schemeClr val="tx1"/>
+                                  </a:solidFill>
+                                  <a:latin typeface="Cambria Math" panose="02040503050406030204" pitchFamily="18" charset="0"/>
+                                </a:rPr>
+                                <m:t>𝒚</m:t>
+                              </m:r>
+                            </m:sub>
+                          </m:sSub>
+                        </m:den>
+                      </m:f>
+                    </m:oMath>
+                  </m:oMathPara>
+                </a14:m>
+                <a:endParaRPr lang="en-US" b="1" dirty="0">
+                  <a:solidFill>
+                    <a:schemeClr val="tx1"/>
+                  </a:solidFill>
+                </a:endParaRPr>
+              </a:p>
+            </p:txBody>
+          </p:sp>
+        </mc:Choice>
+        <mc:Fallback>
+          <p:sp>
+            <p:nvSpPr>
+              <p:cNvPr id="16" name="TextBox 15">
+                <a:extLst>
+                  <a:ext uri="{FF2B5EF4-FFF2-40B4-BE49-F238E27FC236}">
+                    <a16:creationId xmlns:a16="http://schemas.microsoft.com/office/drawing/2014/main" id="{ECC1AEE7-E434-1760-5BD5-630C90A0234A}"/>
+                  </a:ext>
+                </a:extLst>
+              </p:cNvPr>
+              <p:cNvSpPr txBox="1">
+                <a:spLocks noRot="1" noChangeAspect="1" noMove="1" noResize="1" noEditPoints="1" noAdjustHandles="1" noChangeArrowheads="1" noChangeShapeType="1" noTextEdit="1"/>
+              </p:cNvSpPr>
+              <p:nvPr/>
+            </p:nvSpPr>
+            <p:spPr>
+              <a:xfrm>
+                <a:off x="1618518" y="1715822"/>
+                <a:ext cx="807396" cy="692177"/>
+              </a:xfrm>
+              <a:prstGeom prst="rect">
+                <a:avLst/>
+              </a:prstGeom>
+              <a:blipFill>
+                <a:blip r:embed="rId5"/>
+                <a:stretch>
+                  <a:fillRect/>
+                </a:stretch>
+              </a:blipFill>
+            </p:spPr>
+            <p:txBody>
+              <a:bodyPr/>
+              <a:lstStyle/>
+              <a:p>
+                <a:r>
+                  <a:rPr lang="en-US">
+                    <a:noFill/>
+                  </a:rPr>
+                  <a:t> </a:t>
+                </a:r>
+              </a:p>
+            </p:txBody>
+          </p:sp>
+        </mc:Fallback>
+      </mc:AlternateContent>
+      <p:cxnSp>
+        <p:nvCxnSpPr>
+          <p:cNvPr id="2" name="Straight Connector 1">
+            <a:extLst>
+              <a:ext uri="{FF2B5EF4-FFF2-40B4-BE49-F238E27FC236}">
+                <a16:creationId xmlns:a16="http://schemas.microsoft.com/office/drawing/2014/main" id="{EF31A2F2-A117-2BE4-2D65-13043E037080}"/>
+              </a:ext>
+            </a:extLst>
+          </p:cNvPr>
+          <p:cNvCxnSpPr>
+            <a:cxnSpLocks/>
+          </p:cNvCxnSpPr>
+          <p:nvPr/>
+        </p:nvCxnSpPr>
+        <p:spPr>
+          <a:xfrm>
+            <a:off x="2304387" y="2075469"/>
+            <a:ext cx="3594288" cy="3899881"/>
+          </a:xfrm>
+          <a:prstGeom prst="line">
+            <a:avLst/>
+          </a:prstGeom>
+          <a:ln w="38100"/>
+        </p:spPr>
+        <p:style>
+          <a:lnRef idx="1">
+            <a:schemeClr val="accent1"/>
+          </a:lnRef>
+          <a:fillRef idx="0">
+            <a:schemeClr val="accent1"/>
+          </a:fillRef>
+          <a:effectRef idx="0">
+            <a:schemeClr val="accent1"/>
+          </a:effectRef>
+          <a:fontRef idx="minor">
+            <a:schemeClr val="tx1"/>
+          </a:fontRef>
+        </p:style>
+      </p:cxnSp>
+      <mc:AlternateContent xmlns:mc="http://schemas.openxmlformats.org/markup-compatibility/2006">
+        <mc:Choice xmlns:a14="http://schemas.microsoft.com/office/drawing/2010/main" Requires="a14">
+          <p:sp>
+            <p:nvSpPr>
+              <p:cNvPr id="7" name="TextBox 6">
+                <a:extLst>
+                  <a:ext uri="{FF2B5EF4-FFF2-40B4-BE49-F238E27FC236}">
+                    <a16:creationId xmlns:a16="http://schemas.microsoft.com/office/drawing/2014/main" id="{0BC3A4DA-9F52-F1F8-93EC-F1A1A1F31CF2}"/>
+                  </a:ext>
+                </a:extLst>
+              </p:cNvPr>
+              <p:cNvSpPr txBox="1"/>
+              <p:nvPr/>
+            </p:nvSpPr>
+            <p:spPr>
+              <a:xfrm>
+                <a:off x="5494977" y="6064584"/>
+                <a:ext cx="807396" cy="657552"/>
+              </a:xfrm>
+              <a:prstGeom prst="rect">
+                <a:avLst/>
+              </a:prstGeom>
+              <a:noFill/>
+            </p:spPr>
+            <p:txBody>
+              <a:bodyPr wrap="square" rtlCol="0">
+                <a:spAutoFit/>
+              </a:bodyPr>
+              <a:lstStyle/>
+              <a:p>
+                <a:pPr/>
+                <a14:m>
+                  <m:oMathPara xmlns:m="http://schemas.openxmlformats.org/officeDocument/2006/math">
+                    <m:oMathParaPr>
+                      <m:jc m:val="centerGroup"/>
+                    </m:oMathParaPr>
+                    <m:oMath xmlns:m="http://schemas.openxmlformats.org/officeDocument/2006/math">
+                      <m:f>
+                        <m:fPr>
+                          <m:ctrlPr>
+                            <a:rPr lang="en-US" b="1" i="1" smtClean="0">
+                              <a:solidFill>
+                                <a:schemeClr val="tx1"/>
+                              </a:solidFill>
+                              <a:latin typeface="Cambria Math" panose="02040503050406030204" pitchFamily="18" charset="0"/>
+                            </a:rPr>
+                          </m:ctrlPr>
+                        </m:fPr>
+                        <m:num>
+                          <m:r>
+                            <a:rPr lang="en-US" b="1" i="1" smtClean="0">
+                              <a:solidFill>
+                                <a:schemeClr val="tx1"/>
+                              </a:solidFill>
+                              <a:latin typeface="Cambria Math" panose="02040503050406030204" pitchFamily="18" charset="0"/>
+                            </a:rPr>
+                            <m:t>𝑴</m:t>
+                          </m:r>
+                        </m:num>
+                        <m:den>
+                          <m:sSub>
+                            <m:sSubPr>
+                              <m:ctrlPr>
+                                <a:rPr lang="en-US" b="1" i="1" smtClean="0">
+                                  <a:solidFill>
+                                    <a:schemeClr val="tx1"/>
+                                  </a:solidFill>
+                                  <a:latin typeface="Cambria Math" panose="02040503050406030204" pitchFamily="18" charset="0"/>
+                                </a:rPr>
+                              </m:ctrlPr>
+                            </m:sSubPr>
+                            <m:e>
+                              <m:r>
+                                <a:rPr lang="en-US" b="1" i="1" smtClean="0">
+                                  <a:solidFill>
+                                    <a:schemeClr val="tx1"/>
+                                  </a:solidFill>
+                                  <a:latin typeface="Cambria Math" panose="02040503050406030204" pitchFamily="18" charset="0"/>
+                                </a:rPr>
+                                <m:t>𝑷</m:t>
+                              </m:r>
+                            </m:e>
+                            <m:sub>
+                              <m:r>
+                                <a:rPr lang="en-US" b="1" i="1" smtClean="0">
+                                  <a:solidFill>
+                                    <a:schemeClr val="tx1"/>
+                                  </a:solidFill>
+                                  <a:latin typeface="Cambria Math" panose="02040503050406030204" pitchFamily="18" charset="0"/>
+                                </a:rPr>
+                                <m:t>𝒙</m:t>
+                              </m:r>
+                            </m:sub>
+                          </m:sSub>
+                        </m:den>
+                      </m:f>
+                    </m:oMath>
+                  </m:oMathPara>
+                </a14:m>
+                <a:endParaRPr lang="en-US" b="1" dirty="0">
+                  <a:solidFill>
+                    <a:schemeClr val="tx1"/>
+                  </a:solidFill>
+                </a:endParaRPr>
+              </a:p>
+            </p:txBody>
+          </p:sp>
+        </mc:Choice>
+        <mc:Fallback>
+          <p:sp>
+            <p:nvSpPr>
+              <p:cNvPr id="7" name="TextBox 6">
+                <a:extLst>
+                  <a:ext uri="{FF2B5EF4-FFF2-40B4-BE49-F238E27FC236}">
+                    <a16:creationId xmlns:a16="http://schemas.microsoft.com/office/drawing/2014/main" id="{0BC3A4DA-9F52-F1F8-93EC-F1A1A1F31CF2}"/>
+                  </a:ext>
+                </a:extLst>
+              </p:cNvPr>
+              <p:cNvSpPr txBox="1">
+                <a:spLocks noRot="1" noChangeAspect="1" noMove="1" noResize="1" noEditPoints="1" noAdjustHandles="1" noChangeArrowheads="1" noChangeShapeType="1" noTextEdit="1"/>
+              </p:cNvSpPr>
+              <p:nvPr/>
+            </p:nvSpPr>
+            <p:spPr>
+              <a:xfrm>
+                <a:off x="5494977" y="6064584"/>
+                <a:ext cx="807396" cy="657552"/>
+              </a:xfrm>
+              <a:prstGeom prst="rect">
+                <a:avLst/>
+              </a:prstGeom>
+              <a:blipFill>
+                <a:blip r:embed="rId6"/>
+                <a:stretch>
+                  <a:fillRect/>
+                </a:stretch>
+              </a:blipFill>
+            </p:spPr>
+            <p:txBody>
+              <a:bodyPr/>
+              <a:lstStyle/>
+              <a:p>
+                <a:r>
+                  <a:rPr lang="en-US">
+                    <a:noFill/>
+                  </a:rPr>
+                  <a:t> </a:t>
+                </a:r>
+              </a:p>
+            </p:txBody>
+          </p:sp>
+        </mc:Fallback>
+      </mc:AlternateContent>
+      <mc:AlternateContent xmlns:mc="http://schemas.openxmlformats.org/markup-compatibility/2006">
+        <mc:Choice xmlns:a14="http://schemas.microsoft.com/office/drawing/2010/main" Requires="a14">
+          <p:sp>
+            <p:nvSpPr>
+              <p:cNvPr id="9" name="TextBox 8">
+                <a:extLst>
+                  <a:ext uri="{FF2B5EF4-FFF2-40B4-BE49-F238E27FC236}">
+                    <a16:creationId xmlns:a16="http://schemas.microsoft.com/office/drawing/2014/main" id="{F85F37D3-1F3F-75A2-4519-A8C0982570EA}"/>
+                  </a:ext>
+                </a:extLst>
+              </p:cNvPr>
+              <p:cNvSpPr txBox="1"/>
+              <p:nvPr/>
+            </p:nvSpPr>
+            <p:spPr>
+              <a:xfrm>
+                <a:off x="3965906" y="6032627"/>
+                <a:ext cx="807396" cy="657552"/>
+              </a:xfrm>
+              <a:prstGeom prst="rect">
+                <a:avLst/>
+              </a:prstGeom>
+              <a:noFill/>
+            </p:spPr>
+            <p:txBody>
+              <a:bodyPr wrap="square" rtlCol="0">
+                <a:spAutoFit/>
+              </a:bodyPr>
+              <a:lstStyle/>
+              <a:p>
+                <a:pPr/>
+                <a14:m>
+                  <m:oMathPara xmlns:m="http://schemas.openxmlformats.org/officeDocument/2006/math">
+                    <m:oMathParaPr>
+                      <m:jc m:val="centerGroup"/>
+                    </m:oMathParaPr>
+                    <m:oMath xmlns:m="http://schemas.openxmlformats.org/officeDocument/2006/math">
+                      <m:f>
+                        <m:fPr>
+                          <m:ctrlPr>
+                            <a:rPr lang="en-US" b="1" i="1" smtClean="0">
+                              <a:solidFill>
+                                <a:schemeClr val="tx1"/>
+                              </a:solidFill>
+                              <a:latin typeface="Cambria Math" panose="02040503050406030204" pitchFamily="18" charset="0"/>
+                            </a:rPr>
+                          </m:ctrlPr>
+                        </m:fPr>
+                        <m:num>
+                          <m:r>
+                            <a:rPr lang="en-US" b="1" i="1" smtClean="0">
+                              <a:solidFill>
+                                <a:schemeClr val="accent6"/>
+                              </a:solidFill>
+                              <a:latin typeface="Cambria Math" panose="02040503050406030204" pitchFamily="18" charset="0"/>
+                            </a:rPr>
+                            <m:t>𝑴</m:t>
+                          </m:r>
+                        </m:num>
+                        <m:den>
+                          <m:sSub>
+                            <m:sSubPr>
+                              <m:ctrlPr>
+                                <a:rPr lang="en-US" b="1" i="1" smtClean="0">
+                                  <a:solidFill>
+                                    <a:schemeClr val="tx1"/>
+                                  </a:solidFill>
+                                  <a:latin typeface="Cambria Math" panose="02040503050406030204" pitchFamily="18" charset="0"/>
+                                </a:rPr>
+                              </m:ctrlPr>
+                            </m:sSubPr>
+                            <m:e>
+                              <m:r>
+                                <a:rPr lang="en-US" b="1" i="1" smtClean="0">
+                                  <a:solidFill>
+                                    <a:schemeClr val="tx1"/>
+                                  </a:solidFill>
+                                  <a:latin typeface="Cambria Math" panose="02040503050406030204" pitchFamily="18" charset="0"/>
+                                </a:rPr>
+                                <m:t>𝑷</m:t>
+                              </m:r>
+                            </m:e>
+                            <m:sub>
+                              <m:r>
+                                <a:rPr lang="en-US" b="1" i="1" smtClean="0">
+                                  <a:solidFill>
+                                    <a:schemeClr val="tx1"/>
+                                  </a:solidFill>
+                                  <a:latin typeface="Cambria Math" panose="02040503050406030204" pitchFamily="18" charset="0"/>
+                                </a:rPr>
+                                <m:t>𝒙</m:t>
+                              </m:r>
+                            </m:sub>
+                          </m:sSub>
+                        </m:den>
+                      </m:f>
+                    </m:oMath>
+                  </m:oMathPara>
+                </a14:m>
+                <a:endParaRPr lang="en-US" b="1" dirty="0">
+                  <a:solidFill>
+                    <a:schemeClr val="tx1"/>
+                  </a:solidFill>
+                </a:endParaRPr>
+              </a:p>
+            </p:txBody>
+          </p:sp>
+        </mc:Choice>
+        <mc:Fallback>
+          <p:sp>
+            <p:nvSpPr>
+              <p:cNvPr id="9" name="TextBox 8">
+                <a:extLst>
+                  <a:ext uri="{FF2B5EF4-FFF2-40B4-BE49-F238E27FC236}">
+                    <a16:creationId xmlns:a16="http://schemas.microsoft.com/office/drawing/2014/main" id="{F85F37D3-1F3F-75A2-4519-A8C0982570EA}"/>
+                  </a:ext>
+                </a:extLst>
+              </p:cNvPr>
+              <p:cNvSpPr txBox="1">
+                <a:spLocks noRot="1" noChangeAspect="1" noMove="1" noResize="1" noEditPoints="1" noAdjustHandles="1" noChangeArrowheads="1" noChangeShapeType="1" noTextEdit="1"/>
+              </p:cNvSpPr>
+              <p:nvPr/>
+            </p:nvSpPr>
+            <p:spPr>
+              <a:xfrm>
+                <a:off x="3965906" y="6032627"/>
+                <a:ext cx="807396" cy="657552"/>
+              </a:xfrm>
+              <a:prstGeom prst="rect">
+                <a:avLst/>
+              </a:prstGeom>
+              <a:blipFill>
+                <a:blip r:embed="rId7"/>
+                <a:stretch>
+                  <a:fillRect/>
+                </a:stretch>
+              </a:blipFill>
+            </p:spPr>
+            <p:txBody>
+              <a:bodyPr/>
+              <a:lstStyle/>
+              <a:p>
+                <a:r>
+                  <a:rPr lang="en-US">
+                    <a:noFill/>
+                  </a:rPr>
+                  <a:t> </a:t>
+                </a:r>
+              </a:p>
+            </p:txBody>
+          </p:sp>
+        </mc:Fallback>
+      </mc:AlternateContent>
+      <mc:AlternateContent xmlns:mc="http://schemas.openxmlformats.org/markup-compatibility/2006">
+        <mc:Choice xmlns:a14="http://schemas.microsoft.com/office/drawing/2010/main" Requires="a14">
+          <p:sp>
+            <p:nvSpPr>
+              <p:cNvPr id="10" name="TextBox 9">
+                <a:extLst>
+                  <a:ext uri="{FF2B5EF4-FFF2-40B4-BE49-F238E27FC236}">
+                    <a16:creationId xmlns:a16="http://schemas.microsoft.com/office/drawing/2014/main" id="{F0D09E51-0C6C-A8D4-EC24-D1A8DB26C74E}"/>
+                  </a:ext>
+                </a:extLst>
+              </p:cNvPr>
+              <p:cNvSpPr txBox="1"/>
+              <p:nvPr/>
+            </p:nvSpPr>
+            <p:spPr>
+              <a:xfrm>
+                <a:off x="6697727" y="5269223"/>
+                <a:ext cx="1160353" cy="523220"/>
+              </a:xfrm>
+              <a:prstGeom prst="rect">
+                <a:avLst/>
+              </a:prstGeom>
+              <a:noFill/>
+            </p:spPr>
+            <p:txBody>
+              <a:bodyPr wrap="square" rtlCol="0">
+                <a:spAutoFit/>
+              </a:bodyPr>
+              <a:lstStyle/>
+              <a:p>
+                <a:pPr/>
+                <a14:m>
+                  <m:oMathPara xmlns:m="http://schemas.openxmlformats.org/officeDocument/2006/math">
+                    <m:oMathParaPr>
+                      <m:jc m:val="centerGroup"/>
+                    </m:oMathParaPr>
+                    <m:oMath xmlns:m="http://schemas.openxmlformats.org/officeDocument/2006/math">
+                      <m:r>
+                        <a:rPr lang="en-US" sz="2800" b="1" i="1" smtClean="0">
+                          <a:solidFill>
+                            <a:schemeClr val="accent2"/>
+                          </a:solidFill>
+                          <a:latin typeface="Cambria Math" panose="02040503050406030204" pitchFamily="18" charset="0"/>
+                        </a:rPr>
+                        <m:t>𝑴</m:t>
+                      </m:r>
+                      <m:r>
+                        <a:rPr lang="en-US" sz="2800" b="1" i="1" smtClean="0">
+                          <a:solidFill>
+                            <a:schemeClr val="accent2"/>
+                          </a:solidFill>
+                          <a:latin typeface="Cambria Math" panose="02040503050406030204" pitchFamily="18" charset="0"/>
+                        </a:rPr>
+                        <m:t>↑</m:t>
+                      </m:r>
+                    </m:oMath>
+                  </m:oMathPara>
+                </a14:m>
+                <a:endParaRPr lang="en-US" sz="2800" b="1" dirty="0">
+                  <a:solidFill>
+                    <a:schemeClr val="accent2"/>
+                  </a:solidFill>
+                </a:endParaRPr>
+              </a:p>
+            </p:txBody>
+          </p:sp>
+        </mc:Choice>
+        <mc:Fallback>
+          <p:sp>
+            <p:nvSpPr>
+              <p:cNvPr id="10" name="TextBox 9">
+                <a:extLst>
+                  <a:ext uri="{FF2B5EF4-FFF2-40B4-BE49-F238E27FC236}">
+                    <a16:creationId xmlns:a16="http://schemas.microsoft.com/office/drawing/2014/main" id="{F0D09E51-0C6C-A8D4-EC24-D1A8DB26C74E}"/>
+                  </a:ext>
+                </a:extLst>
+              </p:cNvPr>
+              <p:cNvSpPr txBox="1">
+                <a:spLocks noRot="1" noChangeAspect="1" noMove="1" noResize="1" noEditPoints="1" noAdjustHandles="1" noChangeArrowheads="1" noChangeShapeType="1" noTextEdit="1"/>
+              </p:cNvSpPr>
+              <p:nvPr/>
+            </p:nvSpPr>
+            <p:spPr>
+              <a:xfrm>
+                <a:off x="6697727" y="5269223"/>
+                <a:ext cx="1160353" cy="523220"/>
+              </a:xfrm>
+              <a:prstGeom prst="rect">
+                <a:avLst/>
+              </a:prstGeom>
+              <a:blipFill>
+                <a:blip r:embed="rId8"/>
+                <a:stretch>
+                  <a:fillRect/>
+                </a:stretch>
+              </a:blipFill>
+            </p:spPr>
+            <p:txBody>
+              <a:bodyPr/>
+              <a:lstStyle/>
+              <a:p>
+                <a:r>
+                  <a:rPr lang="en-US">
+                    <a:noFill/>
+                  </a:rPr>
+                  <a:t> </a:t>
+                </a:r>
+              </a:p>
+            </p:txBody>
+          </p:sp>
+        </mc:Fallback>
+      </mc:AlternateContent>
+      <mc:AlternateContent xmlns:mc="http://schemas.openxmlformats.org/markup-compatibility/2006">
+        <mc:Choice xmlns:a14="http://schemas.microsoft.com/office/drawing/2010/main" Requires="a14">
+          <p:sp>
+            <p:nvSpPr>
+              <p:cNvPr id="11" name="TextBox 10">
+                <a:extLst>
+                  <a:ext uri="{FF2B5EF4-FFF2-40B4-BE49-F238E27FC236}">
+                    <a16:creationId xmlns:a16="http://schemas.microsoft.com/office/drawing/2014/main" id="{D0439795-E0F5-6E9A-F1DC-5F79F0CED195}"/>
+                  </a:ext>
+                </a:extLst>
+              </p:cNvPr>
+              <p:cNvSpPr txBox="1"/>
+              <p:nvPr/>
+            </p:nvSpPr>
+            <p:spPr>
+              <a:xfrm>
+                <a:off x="2822435" y="5155464"/>
+                <a:ext cx="1314011" cy="523220"/>
+              </a:xfrm>
+              <a:prstGeom prst="rect">
+                <a:avLst/>
+              </a:prstGeom>
+              <a:noFill/>
+            </p:spPr>
+            <p:txBody>
+              <a:bodyPr wrap="square" rtlCol="0">
+                <a:spAutoFit/>
+              </a:bodyPr>
+              <a:lstStyle/>
+              <a:p>
+                <a:pPr/>
+                <a14:m>
+                  <m:oMathPara xmlns:m="http://schemas.openxmlformats.org/officeDocument/2006/math">
+                    <m:oMathParaPr>
+                      <m:jc m:val="centerGroup"/>
+                    </m:oMathParaPr>
+                    <m:oMath xmlns:m="http://schemas.openxmlformats.org/officeDocument/2006/math">
+                      <m:r>
+                        <a:rPr lang="en-US" sz="2800" b="1" i="1" smtClean="0">
+                          <a:solidFill>
+                            <a:schemeClr val="accent6"/>
+                          </a:solidFill>
+                          <a:latin typeface="Cambria Math" panose="02040503050406030204" pitchFamily="18" charset="0"/>
+                        </a:rPr>
+                        <m:t>𝑴</m:t>
+                      </m:r>
+                      <m:r>
+                        <a:rPr lang="en-US" sz="2800" b="1" i="1" smtClean="0">
+                          <a:solidFill>
+                            <a:schemeClr val="accent6"/>
+                          </a:solidFill>
+                          <a:latin typeface="Cambria Math" panose="02040503050406030204" pitchFamily="18" charset="0"/>
+                        </a:rPr>
+                        <m:t>↓</m:t>
+                      </m:r>
+                    </m:oMath>
+                  </m:oMathPara>
+                </a14:m>
+                <a:endParaRPr lang="en-US" sz="2800" b="1" dirty="0">
+                  <a:solidFill>
+                    <a:schemeClr val="accent6"/>
+                  </a:solidFill>
+                </a:endParaRPr>
+              </a:p>
+            </p:txBody>
+          </p:sp>
+        </mc:Choice>
+        <mc:Fallback>
+          <p:sp>
+            <p:nvSpPr>
+              <p:cNvPr id="11" name="TextBox 10">
+                <a:extLst>
+                  <a:ext uri="{FF2B5EF4-FFF2-40B4-BE49-F238E27FC236}">
+                    <a16:creationId xmlns:a16="http://schemas.microsoft.com/office/drawing/2014/main" id="{D0439795-E0F5-6E9A-F1DC-5F79F0CED195}"/>
+                  </a:ext>
+                </a:extLst>
+              </p:cNvPr>
+              <p:cNvSpPr txBox="1">
+                <a:spLocks noRot="1" noChangeAspect="1" noMove="1" noResize="1" noEditPoints="1" noAdjustHandles="1" noChangeArrowheads="1" noChangeShapeType="1" noTextEdit="1"/>
+              </p:cNvSpPr>
+              <p:nvPr/>
+            </p:nvSpPr>
+            <p:spPr>
+              <a:xfrm>
+                <a:off x="2822435" y="5155464"/>
+                <a:ext cx="1314011" cy="523220"/>
+              </a:xfrm>
+              <a:prstGeom prst="rect">
+                <a:avLst/>
+              </a:prstGeom>
+              <a:blipFill>
+                <a:blip r:embed="rId9"/>
+                <a:stretch>
+                  <a:fillRect/>
+                </a:stretch>
+              </a:blipFill>
+            </p:spPr>
+            <p:txBody>
+              <a:bodyPr/>
+              <a:lstStyle/>
+              <a:p>
+                <a:r>
+                  <a:rPr lang="en-US">
+                    <a:noFill/>
+                  </a:rPr>
+                  <a:t> </a:t>
+                </a:r>
+              </a:p>
+            </p:txBody>
+          </p:sp>
+        </mc:Fallback>
+      </mc:AlternateContent>
+      <p:cxnSp>
+        <p:nvCxnSpPr>
+          <p:cNvPr id="17" name="Straight Arrow Connector 16">
+            <a:extLst>
+              <a:ext uri="{FF2B5EF4-FFF2-40B4-BE49-F238E27FC236}">
+                <a16:creationId xmlns:a16="http://schemas.microsoft.com/office/drawing/2014/main" id="{2336FE25-AA9F-E1BC-8A8A-8A3FB0A9E8E3}"/>
+              </a:ext>
+            </a:extLst>
+          </p:cNvPr>
+          <p:cNvCxnSpPr>
+            <a:cxnSpLocks/>
+            <a:endCxn id="9" idx="3"/>
+          </p:cNvCxnSpPr>
+          <p:nvPr/>
+        </p:nvCxnSpPr>
+        <p:spPr>
+          <a:xfrm flipH="1">
+            <a:off x="4773302" y="6361403"/>
+            <a:ext cx="636898" cy="0"/>
+          </a:xfrm>
+          <a:prstGeom prst="straightConnector1">
+            <a:avLst/>
+          </a:prstGeom>
+          <a:ln w="57150">
+            <a:solidFill>
+              <a:schemeClr val="accent6"/>
+            </a:solidFill>
+            <a:tailEnd type="triangle"/>
+          </a:ln>
+        </p:spPr>
+        <p:style>
+          <a:lnRef idx="1">
+            <a:schemeClr val="accent1"/>
+          </a:lnRef>
+          <a:fillRef idx="0">
+            <a:schemeClr val="accent1"/>
+          </a:fillRef>
+          <a:effectRef idx="0">
+            <a:schemeClr val="accent1"/>
+          </a:effectRef>
+          <a:fontRef idx="minor">
+            <a:schemeClr val="tx1"/>
+          </a:fontRef>
+        </p:style>
+      </p:cxnSp>
+      <p:cxnSp>
+        <p:nvCxnSpPr>
+          <p:cNvPr id="20" name="Straight Arrow Connector 19">
+            <a:extLst>
+              <a:ext uri="{FF2B5EF4-FFF2-40B4-BE49-F238E27FC236}">
+                <a16:creationId xmlns:a16="http://schemas.microsoft.com/office/drawing/2014/main" id="{680B5365-1936-EBE1-64F3-26357CDAB416}"/>
+              </a:ext>
+            </a:extLst>
+          </p:cNvPr>
+          <p:cNvCxnSpPr>
+            <a:cxnSpLocks/>
+          </p:cNvCxnSpPr>
+          <p:nvPr/>
+        </p:nvCxnSpPr>
+        <p:spPr>
+          <a:xfrm>
+            <a:off x="6226102" y="6361403"/>
+            <a:ext cx="721604" cy="0"/>
+          </a:xfrm>
+          <a:prstGeom prst="straightConnector1">
+            <a:avLst/>
+          </a:prstGeom>
+          <a:ln w="57150">
+            <a:solidFill>
+              <a:schemeClr val="accent2">
+                <a:lumMod val="75000"/>
+              </a:schemeClr>
+            </a:solidFill>
+            <a:tailEnd type="triangle"/>
+          </a:ln>
+        </p:spPr>
+        <p:style>
+          <a:lnRef idx="1">
+            <a:schemeClr val="accent1"/>
+          </a:lnRef>
+          <a:fillRef idx="0">
+            <a:schemeClr val="accent1"/>
+          </a:fillRef>
+          <a:effectRef idx="0">
+            <a:schemeClr val="accent1"/>
+          </a:effectRef>
+          <a:fontRef idx="minor">
+            <a:schemeClr val="tx1"/>
+          </a:fontRef>
+        </p:style>
+      </p:cxnSp>
+      <p:sp>
+        <p:nvSpPr>
+          <p:cNvPr id="6" name="Freeform: Shape 5">
+            <a:extLst>
+              <a:ext uri="{FF2B5EF4-FFF2-40B4-BE49-F238E27FC236}">
+                <a16:creationId xmlns:a16="http://schemas.microsoft.com/office/drawing/2014/main" id="{0CF6D7D9-CF42-B396-29A8-52DACB5F1FF9}"/>
+              </a:ext>
+            </a:extLst>
+          </p:cNvPr>
+          <p:cNvSpPr/>
+          <p:nvPr/>
+        </p:nvSpPr>
+        <p:spPr>
+          <a:xfrm>
+            <a:off x="2286000" y="395306"/>
+            <a:ext cx="7601613" cy="5637321"/>
+          </a:xfrm>
+          <a:custGeom>
+            <a:avLst/>
+            <a:gdLst>
+              <a:gd name="connsiteX0" fmla="*/ 0 w 10227076"/>
+              <a:gd name="connsiteY0" fmla="*/ 0 h 5637321"/>
+              <a:gd name="connsiteX1" fmla="*/ 35511 w 10227076"/>
+              <a:gd name="connsiteY1" fmla="*/ 5637321 h 5637321"/>
+              <a:gd name="connsiteX2" fmla="*/ 10227076 w 10227076"/>
+              <a:gd name="connsiteY2" fmla="*/ 5584055 h 5637321"/>
+            </a:gdLst>
+            <a:ahLst/>
+            <a:cxnLst>
+              <a:cxn ang="0">
+                <a:pos x="connsiteX0" y="connsiteY0"/>
+              </a:cxn>
+              <a:cxn ang="0">
+                <a:pos x="connsiteX1" y="connsiteY1"/>
+              </a:cxn>
+              <a:cxn ang="0">
+                <a:pos x="connsiteX2" y="connsiteY2"/>
+              </a:cxn>
+            </a:cxnLst>
+            <a:rect l="l" t="t" r="r" b="b"/>
+            <a:pathLst>
+              <a:path w="10227076" h="5637321">
+                <a:moveTo>
+                  <a:pt x="0" y="0"/>
+                </a:moveTo>
+                <a:lnTo>
+                  <a:pt x="35511" y="5637321"/>
+                </a:lnTo>
+                <a:lnTo>
+                  <a:pt x="10227076" y="5584055"/>
+                </a:lnTo>
+              </a:path>
+            </a:pathLst>
+          </a:custGeom>
+          <a:ln w="38100"/>
+        </p:spPr>
+        <p:style>
+          <a:lnRef idx="3">
+            <a:schemeClr val="dk1"/>
+          </a:lnRef>
+          <a:fillRef idx="0">
+            <a:schemeClr val="dk1"/>
+          </a:fillRef>
+          <a:effectRef idx="2">
+            <a:schemeClr val="dk1"/>
+          </a:effectRef>
+          <a:fontRef idx="minor">
+            <a:schemeClr val="tx1"/>
+          </a:fontRef>
+        </p:style>
+        <p:txBody>
+          <a:bodyPr rtlCol="0" anchor="ctr"/>
+          <a:lstStyle/>
+          <a:p>
+            <a:pPr algn="ctr"/>
+            <a:endParaRPr lang="en-US" dirty="0"/>
+          </a:p>
+        </p:txBody>
+      </p:sp>
+      <p:cxnSp>
+        <p:nvCxnSpPr>
+          <p:cNvPr id="12" name="Straight Connector 11">
+            <a:extLst>
+              <a:ext uri="{FF2B5EF4-FFF2-40B4-BE49-F238E27FC236}">
+                <a16:creationId xmlns:a16="http://schemas.microsoft.com/office/drawing/2014/main" id="{7381AF00-5F52-DC9B-5764-2D797464A5FC}"/>
+              </a:ext>
+            </a:extLst>
+          </p:cNvPr>
+          <p:cNvCxnSpPr>
+            <a:cxnSpLocks/>
+          </p:cNvCxnSpPr>
+          <p:nvPr/>
+        </p:nvCxnSpPr>
+        <p:spPr>
+          <a:xfrm>
+            <a:off x="2286000" y="825373"/>
+            <a:ext cx="4756344" cy="5149977"/>
+          </a:xfrm>
+          <a:prstGeom prst="line">
+            <a:avLst/>
+          </a:prstGeom>
+          <a:ln w="38100">
+            <a:solidFill>
+              <a:schemeClr val="accent2">
+                <a:lumMod val="75000"/>
+              </a:schemeClr>
+            </a:solidFill>
+          </a:ln>
+        </p:spPr>
+        <p:style>
+          <a:lnRef idx="1">
+            <a:schemeClr val="accent1"/>
+          </a:lnRef>
+          <a:fillRef idx="0">
+            <a:schemeClr val="accent1"/>
+          </a:fillRef>
+          <a:effectRef idx="0">
+            <a:schemeClr val="accent1"/>
+          </a:effectRef>
+          <a:fontRef idx="minor">
+            <a:schemeClr val="tx1"/>
+          </a:fontRef>
+        </p:style>
+      </p:cxnSp>
+      <mc:AlternateContent xmlns:mc="http://schemas.openxmlformats.org/markup-compatibility/2006">
+        <mc:Choice xmlns:a14="http://schemas.microsoft.com/office/drawing/2010/main" Requires="a14">
+          <p:sp>
+            <p:nvSpPr>
+              <p:cNvPr id="23" name="TextBox 22">
+                <a:extLst>
+                  <a:ext uri="{FF2B5EF4-FFF2-40B4-BE49-F238E27FC236}">
+                    <a16:creationId xmlns:a16="http://schemas.microsoft.com/office/drawing/2014/main" id="{03E15CB9-113E-4BAC-56AC-0043BEE52486}"/>
+                  </a:ext>
+                </a:extLst>
+              </p:cNvPr>
+              <p:cNvSpPr txBox="1"/>
+              <p:nvPr/>
+            </p:nvSpPr>
+            <p:spPr>
+              <a:xfrm>
+                <a:off x="1618518" y="3033549"/>
+                <a:ext cx="807396" cy="692177"/>
+              </a:xfrm>
+              <a:prstGeom prst="rect">
+                <a:avLst/>
+              </a:prstGeom>
+              <a:noFill/>
+            </p:spPr>
+            <p:txBody>
+              <a:bodyPr wrap="square" rtlCol="0">
+                <a:spAutoFit/>
+              </a:bodyPr>
+              <a:lstStyle/>
+              <a:p>
+                <a:pPr/>
+                <a14:m>
+                  <m:oMathPara xmlns:m="http://schemas.openxmlformats.org/officeDocument/2006/math">
+                    <m:oMathParaPr>
+                      <m:jc m:val="centerGroup"/>
+                    </m:oMathParaPr>
+                    <m:oMath xmlns:m="http://schemas.openxmlformats.org/officeDocument/2006/math">
+                      <m:f>
+                        <m:fPr>
+                          <m:ctrlPr>
+                            <a:rPr lang="en-US" b="1" i="1" smtClean="0">
+                              <a:solidFill>
+                                <a:schemeClr val="tx1"/>
+                              </a:solidFill>
+                              <a:latin typeface="Cambria Math" panose="02040503050406030204" pitchFamily="18" charset="0"/>
+                            </a:rPr>
+                          </m:ctrlPr>
+                        </m:fPr>
+                        <m:num>
+                          <m:r>
+                            <a:rPr lang="en-US" b="1" i="1" smtClean="0">
+                              <a:solidFill>
+                                <a:schemeClr val="accent6"/>
+                              </a:solidFill>
+                              <a:latin typeface="Cambria Math" panose="02040503050406030204" pitchFamily="18" charset="0"/>
+                            </a:rPr>
+                            <m:t>𝑴</m:t>
+                          </m:r>
+                        </m:num>
+                        <m:den>
+                          <m:sSub>
+                            <m:sSubPr>
+                              <m:ctrlPr>
+                                <a:rPr lang="en-US" b="1" i="1" smtClean="0">
+                                  <a:solidFill>
+                                    <a:schemeClr val="tx1"/>
+                                  </a:solidFill>
+                                  <a:latin typeface="Cambria Math" panose="02040503050406030204" pitchFamily="18" charset="0"/>
+                                </a:rPr>
+                              </m:ctrlPr>
+                            </m:sSubPr>
+                            <m:e>
+                              <m:r>
+                                <a:rPr lang="en-US" b="1" i="1" smtClean="0">
+                                  <a:solidFill>
+                                    <a:schemeClr val="tx1"/>
+                                  </a:solidFill>
+                                  <a:latin typeface="Cambria Math" panose="02040503050406030204" pitchFamily="18" charset="0"/>
+                                </a:rPr>
+                                <m:t>𝑷</m:t>
+                              </m:r>
+                            </m:e>
+                            <m:sub>
+                              <m:r>
+                                <a:rPr lang="en-US" b="1" i="1" smtClean="0">
+                                  <a:solidFill>
+                                    <a:schemeClr val="tx1"/>
+                                  </a:solidFill>
+                                  <a:latin typeface="Cambria Math" panose="02040503050406030204" pitchFamily="18" charset="0"/>
+                                </a:rPr>
+                                <m:t>𝒚</m:t>
+                              </m:r>
+                            </m:sub>
+                          </m:sSub>
+                        </m:den>
+                      </m:f>
+                    </m:oMath>
+                  </m:oMathPara>
+                </a14:m>
+                <a:endParaRPr lang="en-US" b="1" dirty="0">
+                  <a:solidFill>
+                    <a:schemeClr val="tx1"/>
+                  </a:solidFill>
+                </a:endParaRPr>
+              </a:p>
+            </p:txBody>
+          </p:sp>
+        </mc:Choice>
+        <mc:Fallback>
+          <p:sp>
+            <p:nvSpPr>
+              <p:cNvPr id="23" name="TextBox 22">
+                <a:extLst>
+                  <a:ext uri="{FF2B5EF4-FFF2-40B4-BE49-F238E27FC236}">
+                    <a16:creationId xmlns:a16="http://schemas.microsoft.com/office/drawing/2014/main" id="{03E15CB9-113E-4BAC-56AC-0043BEE52486}"/>
+                  </a:ext>
+                </a:extLst>
+              </p:cNvPr>
+              <p:cNvSpPr txBox="1">
+                <a:spLocks noRot="1" noChangeAspect="1" noMove="1" noResize="1" noEditPoints="1" noAdjustHandles="1" noChangeArrowheads="1" noChangeShapeType="1" noTextEdit="1"/>
+              </p:cNvSpPr>
+              <p:nvPr/>
+            </p:nvSpPr>
+            <p:spPr>
+              <a:xfrm>
+                <a:off x="1618518" y="3033549"/>
+                <a:ext cx="807396" cy="692177"/>
+              </a:xfrm>
+              <a:prstGeom prst="rect">
+                <a:avLst/>
+              </a:prstGeom>
+              <a:blipFill>
+                <a:blip r:embed="rId10"/>
+                <a:stretch>
+                  <a:fillRect/>
+                </a:stretch>
+              </a:blipFill>
+            </p:spPr>
+            <p:txBody>
+              <a:bodyPr/>
+              <a:lstStyle/>
+              <a:p>
+                <a:r>
+                  <a:rPr lang="en-US">
+                    <a:noFill/>
+                  </a:rPr>
+                  <a:t> </a:t>
+                </a:r>
+              </a:p>
+            </p:txBody>
+          </p:sp>
+        </mc:Fallback>
+      </mc:AlternateContent>
+      <mc:AlternateContent xmlns:mc="http://schemas.openxmlformats.org/markup-compatibility/2006">
+        <mc:Choice xmlns:a14="http://schemas.microsoft.com/office/drawing/2010/main" Requires="a14">
+          <p:sp>
+            <p:nvSpPr>
+              <p:cNvPr id="24" name="TextBox 23">
+                <a:extLst>
+                  <a:ext uri="{FF2B5EF4-FFF2-40B4-BE49-F238E27FC236}">
+                    <a16:creationId xmlns:a16="http://schemas.microsoft.com/office/drawing/2014/main" id="{1CE3BA45-6E4C-D8E2-DAC0-A69FC8987649}"/>
+                  </a:ext>
+                </a:extLst>
+              </p:cNvPr>
+              <p:cNvSpPr txBox="1"/>
+              <p:nvPr/>
+            </p:nvSpPr>
+            <p:spPr>
+              <a:xfrm>
+                <a:off x="1618518" y="531223"/>
+                <a:ext cx="807396" cy="692177"/>
+              </a:xfrm>
+              <a:prstGeom prst="rect">
+                <a:avLst/>
+              </a:prstGeom>
+              <a:noFill/>
+            </p:spPr>
+            <p:txBody>
+              <a:bodyPr wrap="square" rtlCol="0">
+                <a:spAutoFit/>
+              </a:bodyPr>
+              <a:lstStyle/>
+              <a:p>
+                <a:pPr/>
+                <a14:m>
+                  <m:oMathPara xmlns:m="http://schemas.openxmlformats.org/officeDocument/2006/math">
+                    <m:oMathParaPr>
+                      <m:jc m:val="centerGroup"/>
+                    </m:oMathParaPr>
+                    <m:oMath xmlns:m="http://schemas.openxmlformats.org/officeDocument/2006/math">
+                      <m:f>
+                        <m:fPr>
+                          <m:ctrlPr>
+                            <a:rPr lang="en-US" b="1" i="1" smtClean="0">
+                              <a:solidFill>
+                                <a:schemeClr val="tx1"/>
+                              </a:solidFill>
+                              <a:latin typeface="Cambria Math" panose="02040503050406030204" pitchFamily="18" charset="0"/>
+                            </a:rPr>
+                          </m:ctrlPr>
+                        </m:fPr>
+                        <m:num>
+                          <m:r>
+                            <a:rPr lang="en-US" b="1" i="1" smtClean="0">
+                              <a:solidFill>
+                                <a:schemeClr val="accent2">
+                                  <a:lumMod val="75000"/>
+                                </a:schemeClr>
+                              </a:solidFill>
+                              <a:latin typeface="Cambria Math" panose="02040503050406030204" pitchFamily="18" charset="0"/>
+                            </a:rPr>
+                            <m:t>𝑴</m:t>
+                          </m:r>
+                        </m:num>
+                        <m:den>
+                          <m:sSub>
+                            <m:sSubPr>
+                              <m:ctrlPr>
+                                <a:rPr lang="en-US" b="1" i="1" smtClean="0">
+                                  <a:solidFill>
+                                    <a:schemeClr val="tx1"/>
+                                  </a:solidFill>
+                                  <a:latin typeface="Cambria Math" panose="02040503050406030204" pitchFamily="18" charset="0"/>
+                                </a:rPr>
+                              </m:ctrlPr>
+                            </m:sSubPr>
+                            <m:e>
+                              <m:r>
+                                <a:rPr lang="en-US" b="1" i="1" smtClean="0">
+                                  <a:solidFill>
+                                    <a:schemeClr val="tx1"/>
+                                  </a:solidFill>
+                                  <a:latin typeface="Cambria Math" panose="02040503050406030204" pitchFamily="18" charset="0"/>
+                                </a:rPr>
+                                <m:t>𝑷</m:t>
+                              </m:r>
+                            </m:e>
+                            <m:sub>
+                              <m:r>
+                                <a:rPr lang="en-US" b="1" i="1" smtClean="0">
+                                  <a:solidFill>
+                                    <a:schemeClr val="tx1"/>
+                                  </a:solidFill>
+                                  <a:latin typeface="Cambria Math" panose="02040503050406030204" pitchFamily="18" charset="0"/>
+                                </a:rPr>
+                                <m:t>𝒚</m:t>
+                              </m:r>
+                            </m:sub>
+                          </m:sSub>
+                        </m:den>
+                      </m:f>
+                    </m:oMath>
+                  </m:oMathPara>
+                </a14:m>
+                <a:endParaRPr lang="en-US" b="1" dirty="0">
+                  <a:solidFill>
+                    <a:schemeClr val="tx1"/>
+                  </a:solidFill>
+                </a:endParaRPr>
+              </a:p>
+            </p:txBody>
+          </p:sp>
+        </mc:Choice>
+        <mc:Fallback>
+          <p:sp>
+            <p:nvSpPr>
+              <p:cNvPr id="24" name="TextBox 23">
+                <a:extLst>
+                  <a:ext uri="{FF2B5EF4-FFF2-40B4-BE49-F238E27FC236}">
+                    <a16:creationId xmlns:a16="http://schemas.microsoft.com/office/drawing/2014/main" id="{1CE3BA45-6E4C-D8E2-DAC0-A69FC8987649}"/>
+                  </a:ext>
+                </a:extLst>
+              </p:cNvPr>
+              <p:cNvSpPr txBox="1">
+                <a:spLocks noRot="1" noChangeAspect="1" noMove="1" noResize="1" noEditPoints="1" noAdjustHandles="1" noChangeArrowheads="1" noChangeShapeType="1" noTextEdit="1"/>
+              </p:cNvSpPr>
+              <p:nvPr/>
+            </p:nvSpPr>
+            <p:spPr>
+              <a:xfrm>
+                <a:off x="1618518" y="531223"/>
+                <a:ext cx="807396" cy="692177"/>
+              </a:xfrm>
+              <a:prstGeom prst="rect">
+                <a:avLst/>
+              </a:prstGeom>
+              <a:blipFill>
+                <a:blip r:embed="rId11"/>
+                <a:stretch>
+                  <a:fillRect/>
+                </a:stretch>
+              </a:blipFill>
+            </p:spPr>
+            <p:txBody>
+              <a:bodyPr/>
+              <a:lstStyle/>
+              <a:p>
+                <a:r>
+                  <a:rPr lang="en-US">
+                    <a:noFill/>
+                  </a:rPr>
+                  <a:t> </a:t>
+                </a:r>
+              </a:p>
+            </p:txBody>
+          </p:sp>
+        </mc:Fallback>
+      </mc:AlternateContent>
+      <p:cxnSp>
+        <p:nvCxnSpPr>
+          <p:cNvPr id="34" name="Straight Arrow Connector 33">
+            <a:extLst>
+              <a:ext uri="{FF2B5EF4-FFF2-40B4-BE49-F238E27FC236}">
+                <a16:creationId xmlns:a16="http://schemas.microsoft.com/office/drawing/2014/main" id="{4A1CBDD6-7CC5-6903-867D-C8A8D5BAF293}"/>
+              </a:ext>
+            </a:extLst>
+          </p:cNvPr>
+          <p:cNvCxnSpPr>
+            <a:cxnSpLocks/>
+            <a:endCxn id="23" idx="0"/>
+          </p:cNvCxnSpPr>
+          <p:nvPr/>
+        </p:nvCxnSpPr>
+        <p:spPr>
+          <a:xfrm>
+            <a:off x="2022216" y="2455888"/>
+            <a:ext cx="0" cy="577661"/>
+          </a:xfrm>
+          <a:prstGeom prst="straightConnector1">
+            <a:avLst/>
+          </a:prstGeom>
+          <a:ln w="57150">
+            <a:solidFill>
+              <a:schemeClr val="accent6"/>
+            </a:solidFill>
+            <a:tailEnd type="triangle"/>
+          </a:ln>
+        </p:spPr>
+        <p:style>
+          <a:lnRef idx="1">
+            <a:schemeClr val="accent1"/>
+          </a:lnRef>
+          <a:fillRef idx="0">
+            <a:schemeClr val="accent1"/>
+          </a:fillRef>
+          <a:effectRef idx="0">
+            <a:schemeClr val="accent1"/>
+          </a:effectRef>
+          <a:fontRef idx="minor">
+            <a:schemeClr val="tx1"/>
+          </a:fontRef>
+        </p:style>
+      </p:cxnSp>
+      <p:cxnSp>
+        <p:nvCxnSpPr>
+          <p:cNvPr id="37" name="Straight Arrow Connector 36">
+            <a:extLst>
+              <a:ext uri="{FF2B5EF4-FFF2-40B4-BE49-F238E27FC236}">
+                <a16:creationId xmlns:a16="http://schemas.microsoft.com/office/drawing/2014/main" id="{A56EEC58-920D-E87D-D3B1-AEE79979699D}"/>
+              </a:ext>
+            </a:extLst>
+          </p:cNvPr>
+          <p:cNvCxnSpPr>
+            <a:cxnSpLocks/>
+            <a:stCxn id="16" idx="0"/>
+            <a:endCxn id="24" idx="2"/>
+          </p:cNvCxnSpPr>
+          <p:nvPr/>
+        </p:nvCxnSpPr>
+        <p:spPr>
+          <a:xfrm flipV="1">
+            <a:off x="2022216" y="1223400"/>
+            <a:ext cx="0" cy="492422"/>
+          </a:xfrm>
+          <a:prstGeom prst="straightConnector1">
+            <a:avLst/>
+          </a:prstGeom>
+          <a:ln w="57150">
+            <a:solidFill>
+              <a:schemeClr val="accent2">
+                <a:lumMod val="75000"/>
+              </a:schemeClr>
+            </a:solidFill>
+            <a:tailEnd type="triangle"/>
+          </a:ln>
+        </p:spPr>
+        <p:style>
+          <a:lnRef idx="1">
+            <a:schemeClr val="accent1"/>
+          </a:lnRef>
+          <a:fillRef idx="0">
+            <a:schemeClr val="accent1"/>
+          </a:fillRef>
+          <a:effectRef idx="0">
+            <a:schemeClr val="accent1"/>
+          </a:effectRef>
+          <a:fontRef idx="minor">
+            <a:schemeClr val="tx1"/>
+          </a:fontRef>
+        </p:style>
+      </p:cxnSp>
+    </p:spTree>
+    <p:extLst>
+      <p:ext uri="{BB962C8B-B14F-4D97-AF65-F5344CB8AC3E}">
+        <p14:creationId xmlns:p14="http://schemas.microsoft.com/office/powerpoint/2010/main" val="1445790999"/>
+      </p:ext>
+    </p:extLst>
+  </p:cSld>
+  <p:clrMapOvr>
+    <a:masterClrMapping/>
+  </p:clrMapOvr>
+</p:sld>
+</file>
+
+<file path=ppt/slides/slide6.xml><?xml version="1.0" encoding="utf-8"?>
+<p:sld xmlns:a="http://schemas.openxmlformats.org/drawingml/2006/main" xmlns:r="http://schemas.openxmlformats.org/officeDocument/2006/relationships" xmlns:p="http://schemas.openxmlformats.org/presentationml/2006/main">
+  <p:cSld>
+    <p:spTree>
+      <p:nvGrpSpPr>
+        <p:cNvPr id="1" name=""/>
+        <p:cNvGrpSpPr/>
+        <p:nvPr/>
+      </p:nvGrpSpPr>
+      <p:grpSpPr>
+        <a:xfrm>
+          <a:off x="0" y="0"/>
+          <a:ext cx="0" cy="0"/>
+          <a:chOff x="0" y="0"/>
+          <a:chExt cx="0" cy="0"/>
+        </a:xfrm>
+      </p:grpSpPr>
       <mc:AlternateContent xmlns:mc="http://schemas.openxmlformats.org/markup-compatibility/2006" xmlns:a14="http://schemas.microsoft.com/office/drawing/2010/main">
         <mc:Choice Requires="a14">
           <p:sp>
@@ -13725,7 +16721,7 @@
 </p:sld>
 </file>
 
-<file path=ppt/slides/slide6.xml><?xml version="1.0" encoding="utf-8"?>
+<file path=ppt/slides/slide7.xml><?xml version="1.0" encoding="utf-8"?>
 <p:sld xmlns:a="http://schemas.openxmlformats.org/drawingml/2006/main" xmlns:r="http://schemas.openxmlformats.org/officeDocument/2006/relationships" xmlns:p="http://schemas.openxmlformats.org/presentationml/2006/main">
   <p:cSld>
     <p:spTree>
@@ -14063,7 +17059,7 @@
 </p:sld>
 </file>
 
-<file path=ppt/slides/slide7.xml><?xml version="1.0" encoding="utf-8"?>
+<file path=ppt/slides/slide8.xml><?xml version="1.0" encoding="utf-8"?>
 <p:sld xmlns:a="http://schemas.openxmlformats.org/drawingml/2006/main" xmlns:r="http://schemas.openxmlformats.org/officeDocument/2006/relationships" xmlns:p="http://schemas.openxmlformats.org/presentationml/2006/main">
   <p:cSld>
     <p:spTree>
@@ -14819,7 +17815,7 @@
 </p:sld>
 </file>
 
-<file path=ppt/slides/slide8.xml><?xml version="1.0" encoding="utf-8"?>
+<file path=ppt/slides/slide9.xml><?xml version="1.0" encoding="utf-8"?>
 <p:sld xmlns:a="http://schemas.openxmlformats.org/drawingml/2006/main" xmlns:r="http://schemas.openxmlformats.org/officeDocument/2006/relationships" xmlns:p="http://schemas.openxmlformats.org/presentationml/2006/main">
   <p:cSld>
     <p:spTree>
@@ -16128,1229 +19124,6 @@
 </p:sld>
 </file>
 
-<file path=ppt/slides/slide9.xml><?xml version="1.0" encoding="utf-8"?>
-<p:sld xmlns:a="http://schemas.openxmlformats.org/drawingml/2006/main" xmlns:r="http://schemas.openxmlformats.org/officeDocument/2006/relationships" xmlns:p="http://schemas.openxmlformats.org/presentationml/2006/main">
-  <p:cSld>
-    <p:spTree>
-      <p:nvGrpSpPr>
-        <p:cNvPr id="1" name=""/>
-        <p:cNvGrpSpPr/>
-        <p:nvPr/>
-      </p:nvGrpSpPr>
-      <p:grpSpPr>
-        <a:xfrm>
-          <a:off x="0" y="0"/>
-          <a:ext cx="0" cy="0"/>
-          <a:chOff x="0" y="0"/>
-          <a:chExt cx="0" cy="0"/>
-        </a:xfrm>
-      </p:grpSpPr>
-      <p:sp>
-        <p:nvSpPr>
-          <p:cNvPr id="2" name="Freeform: Shape 1">
-            <a:extLst>
-              <a:ext uri="{FF2B5EF4-FFF2-40B4-BE49-F238E27FC236}">
-                <a16:creationId xmlns:a16="http://schemas.microsoft.com/office/drawing/2014/main" id="{D68EDA48-D74D-45EB-44D7-69F41E2846F4}"/>
-              </a:ext>
-            </a:extLst>
-          </p:cNvPr>
-          <p:cNvSpPr/>
-          <p:nvPr/>
-        </p:nvSpPr>
-        <p:spPr>
-          <a:xfrm>
-            <a:off x="2286000" y="395306"/>
-            <a:ext cx="7601613" cy="5637321"/>
-          </a:xfrm>
-          <a:custGeom>
-            <a:avLst/>
-            <a:gdLst>
-              <a:gd name="connsiteX0" fmla="*/ 0 w 10227076"/>
-              <a:gd name="connsiteY0" fmla="*/ 0 h 5637321"/>
-              <a:gd name="connsiteX1" fmla="*/ 35511 w 10227076"/>
-              <a:gd name="connsiteY1" fmla="*/ 5637321 h 5637321"/>
-              <a:gd name="connsiteX2" fmla="*/ 10227076 w 10227076"/>
-              <a:gd name="connsiteY2" fmla="*/ 5584055 h 5637321"/>
-            </a:gdLst>
-            <a:ahLst/>
-            <a:cxnLst>
-              <a:cxn ang="0">
-                <a:pos x="connsiteX0" y="connsiteY0"/>
-              </a:cxn>
-              <a:cxn ang="0">
-                <a:pos x="connsiteX1" y="connsiteY1"/>
-              </a:cxn>
-              <a:cxn ang="0">
-                <a:pos x="connsiteX2" y="connsiteY2"/>
-              </a:cxn>
-            </a:cxnLst>
-            <a:rect l="l" t="t" r="r" b="b"/>
-            <a:pathLst>
-              <a:path w="10227076" h="5637321">
-                <a:moveTo>
-                  <a:pt x="0" y="0"/>
-                </a:moveTo>
-                <a:lnTo>
-                  <a:pt x="35511" y="5637321"/>
-                </a:lnTo>
-                <a:lnTo>
-                  <a:pt x="10227076" y="5584055"/>
-                </a:lnTo>
-              </a:path>
-            </a:pathLst>
-          </a:custGeom>
-          <a:ln w="38100"/>
-        </p:spPr>
-        <p:style>
-          <a:lnRef idx="3">
-            <a:schemeClr val="dk1"/>
-          </a:lnRef>
-          <a:fillRef idx="0">
-            <a:schemeClr val="dk1"/>
-          </a:fillRef>
-          <a:effectRef idx="2">
-            <a:schemeClr val="dk1"/>
-          </a:effectRef>
-          <a:fontRef idx="minor">
-            <a:schemeClr val="tx1"/>
-          </a:fontRef>
-        </p:style>
-        <p:txBody>
-          <a:bodyPr rtlCol="0" anchor="ctr"/>
-          <a:lstStyle/>
-          <a:p>
-            <a:pPr algn="ctr"/>
-            <a:endParaRPr lang="en-US" dirty="0"/>
-          </a:p>
-        </p:txBody>
-      </p:sp>
-      <p:sp>
-        <p:nvSpPr>
-          <p:cNvPr id="3" name="Freeform: Shape 2">
-            <a:extLst>
-              <a:ext uri="{FF2B5EF4-FFF2-40B4-BE49-F238E27FC236}">
-                <a16:creationId xmlns:a16="http://schemas.microsoft.com/office/drawing/2014/main" id="{5307EFDA-60D6-DA65-C642-2EC9B9650D66}"/>
-              </a:ext>
-            </a:extLst>
-          </p:cNvPr>
-          <p:cNvSpPr/>
-          <p:nvPr/>
-        </p:nvSpPr>
-        <p:spPr>
-          <a:xfrm rot="20865587">
-            <a:off x="3027367" y="1320180"/>
-            <a:ext cx="5681709" cy="3187083"/>
-          </a:xfrm>
-          <a:custGeom>
-            <a:avLst/>
-            <a:gdLst>
-              <a:gd name="connsiteX0" fmla="*/ 0 w 5681709"/>
-              <a:gd name="connsiteY0" fmla="*/ 0 h 3187083"/>
-              <a:gd name="connsiteX1" fmla="*/ 514905 w 5681709"/>
-              <a:gd name="connsiteY1" fmla="*/ 1189608 h 3187083"/>
-              <a:gd name="connsiteX2" fmla="*/ 1997476 w 5681709"/>
-              <a:gd name="connsiteY2" fmla="*/ 2414726 h 3187083"/>
-              <a:gd name="connsiteX3" fmla="*/ 4136994 w 5681709"/>
-              <a:gd name="connsiteY3" fmla="*/ 3053918 h 3187083"/>
-              <a:gd name="connsiteX4" fmla="*/ 5681709 w 5681709"/>
-              <a:gd name="connsiteY4" fmla="*/ 3187083 h 3187083"/>
-            </a:gdLst>
-            <a:ahLst/>
-            <a:cxnLst>
-              <a:cxn ang="0">
-                <a:pos x="connsiteX0" y="connsiteY0"/>
-              </a:cxn>
-              <a:cxn ang="0">
-                <a:pos x="connsiteX1" y="connsiteY1"/>
-              </a:cxn>
-              <a:cxn ang="0">
-                <a:pos x="connsiteX2" y="connsiteY2"/>
-              </a:cxn>
-              <a:cxn ang="0">
-                <a:pos x="connsiteX3" y="connsiteY3"/>
-              </a:cxn>
-              <a:cxn ang="0">
-                <a:pos x="connsiteX4" y="connsiteY4"/>
-              </a:cxn>
-            </a:cxnLst>
-            <a:rect l="l" t="t" r="r" b="b"/>
-            <a:pathLst>
-              <a:path w="5681709" h="3187083">
-                <a:moveTo>
-                  <a:pt x="0" y="0"/>
-                </a:moveTo>
-                <a:cubicBezTo>
-                  <a:pt x="90996" y="393577"/>
-                  <a:pt x="181992" y="787154"/>
-                  <a:pt x="514905" y="1189608"/>
-                </a:cubicBezTo>
-                <a:cubicBezTo>
-                  <a:pt x="847818" y="1592062"/>
-                  <a:pt x="1393795" y="2104008"/>
-                  <a:pt x="1997476" y="2414726"/>
-                </a:cubicBezTo>
-                <a:cubicBezTo>
-                  <a:pt x="2601157" y="2725444"/>
-                  <a:pt x="3522955" y="2925192"/>
-                  <a:pt x="4136994" y="3053918"/>
-                </a:cubicBezTo>
-                <a:cubicBezTo>
-                  <a:pt x="4751033" y="3182644"/>
-                  <a:pt x="5434614" y="3133817"/>
-                  <a:pt x="5681709" y="3187083"/>
-                </a:cubicBezTo>
-              </a:path>
-            </a:pathLst>
-          </a:custGeom>
-          <a:noFill/>
-          <a:ln w="57150"/>
-        </p:spPr>
-        <p:style>
-          <a:lnRef idx="2">
-            <a:schemeClr val="accent1">
-              <a:shade val="15000"/>
-            </a:schemeClr>
-          </a:lnRef>
-          <a:fillRef idx="1">
-            <a:schemeClr val="accent1"/>
-          </a:fillRef>
-          <a:effectRef idx="0">
-            <a:schemeClr val="accent1"/>
-          </a:effectRef>
-          <a:fontRef idx="minor">
-            <a:schemeClr val="lt1"/>
-          </a:fontRef>
-        </p:style>
-        <p:txBody>
-          <a:bodyPr rtlCol="0" anchor="ctr"/>
-          <a:lstStyle/>
-          <a:p>
-            <a:pPr algn="ctr"/>
-            <a:endParaRPr lang="en-US"/>
-          </a:p>
-        </p:txBody>
-      </p:sp>
-      <p:sp>
-        <p:nvSpPr>
-          <p:cNvPr id="4" name="Freeform: Shape 3">
-            <a:extLst>
-              <a:ext uri="{FF2B5EF4-FFF2-40B4-BE49-F238E27FC236}">
-                <a16:creationId xmlns:a16="http://schemas.microsoft.com/office/drawing/2014/main" id="{CABC5D48-6001-2E19-50C0-0C0D75D1F06D}"/>
-              </a:ext>
-            </a:extLst>
-          </p:cNvPr>
-          <p:cNvSpPr/>
-          <p:nvPr/>
-        </p:nvSpPr>
-        <p:spPr>
-          <a:xfrm rot="563085">
-            <a:off x="3534367" y="1620425"/>
-            <a:ext cx="5681709" cy="3187083"/>
-          </a:xfrm>
-          <a:custGeom>
-            <a:avLst/>
-            <a:gdLst>
-              <a:gd name="connsiteX0" fmla="*/ 0 w 5681709"/>
-              <a:gd name="connsiteY0" fmla="*/ 0 h 3187083"/>
-              <a:gd name="connsiteX1" fmla="*/ 514905 w 5681709"/>
-              <a:gd name="connsiteY1" fmla="*/ 1189608 h 3187083"/>
-              <a:gd name="connsiteX2" fmla="*/ 1997476 w 5681709"/>
-              <a:gd name="connsiteY2" fmla="*/ 2414726 h 3187083"/>
-              <a:gd name="connsiteX3" fmla="*/ 4136994 w 5681709"/>
-              <a:gd name="connsiteY3" fmla="*/ 3053918 h 3187083"/>
-              <a:gd name="connsiteX4" fmla="*/ 5681709 w 5681709"/>
-              <a:gd name="connsiteY4" fmla="*/ 3187083 h 3187083"/>
-            </a:gdLst>
-            <a:ahLst/>
-            <a:cxnLst>
-              <a:cxn ang="0">
-                <a:pos x="connsiteX0" y="connsiteY0"/>
-              </a:cxn>
-              <a:cxn ang="0">
-                <a:pos x="connsiteX1" y="connsiteY1"/>
-              </a:cxn>
-              <a:cxn ang="0">
-                <a:pos x="connsiteX2" y="connsiteY2"/>
-              </a:cxn>
-              <a:cxn ang="0">
-                <a:pos x="connsiteX3" y="connsiteY3"/>
-              </a:cxn>
-              <a:cxn ang="0">
-                <a:pos x="connsiteX4" y="connsiteY4"/>
-              </a:cxn>
-            </a:cxnLst>
-            <a:rect l="l" t="t" r="r" b="b"/>
-            <a:pathLst>
-              <a:path w="5681709" h="3187083">
-                <a:moveTo>
-                  <a:pt x="0" y="0"/>
-                </a:moveTo>
-                <a:cubicBezTo>
-                  <a:pt x="90996" y="393577"/>
-                  <a:pt x="181992" y="787154"/>
-                  <a:pt x="514905" y="1189608"/>
-                </a:cubicBezTo>
-                <a:cubicBezTo>
-                  <a:pt x="847818" y="1592062"/>
-                  <a:pt x="1393795" y="2104008"/>
-                  <a:pt x="1997476" y="2414726"/>
-                </a:cubicBezTo>
-                <a:cubicBezTo>
-                  <a:pt x="2601157" y="2725444"/>
-                  <a:pt x="3522955" y="2925192"/>
-                  <a:pt x="4136994" y="3053918"/>
-                </a:cubicBezTo>
-                <a:cubicBezTo>
-                  <a:pt x="4751033" y="3182644"/>
-                  <a:pt x="5434614" y="3133817"/>
-                  <a:pt x="5681709" y="3187083"/>
-                </a:cubicBezTo>
-              </a:path>
-            </a:pathLst>
-          </a:custGeom>
-          <a:noFill/>
-          <a:ln w="57150"/>
-        </p:spPr>
-        <p:style>
-          <a:lnRef idx="2">
-            <a:schemeClr val="accent1">
-              <a:shade val="15000"/>
-            </a:schemeClr>
-          </a:lnRef>
-          <a:fillRef idx="1">
-            <a:schemeClr val="accent1"/>
-          </a:fillRef>
-          <a:effectRef idx="0">
-            <a:schemeClr val="accent1"/>
-          </a:effectRef>
-          <a:fontRef idx="minor">
-            <a:schemeClr val="lt1"/>
-          </a:fontRef>
-        </p:style>
-        <p:txBody>
-          <a:bodyPr rtlCol="0" anchor="ctr"/>
-          <a:lstStyle/>
-          <a:p>
-            <a:pPr algn="ctr"/>
-            <a:endParaRPr lang="en-US"/>
-          </a:p>
-        </p:txBody>
-      </p:sp>
-      <p:sp>
-        <p:nvSpPr>
-          <p:cNvPr id="5" name="Oval 4">
-            <a:extLst>
-              <a:ext uri="{FF2B5EF4-FFF2-40B4-BE49-F238E27FC236}">
-                <a16:creationId xmlns:a16="http://schemas.microsoft.com/office/drawing/2014/main" id="{42A7851D-22A8-51B5-F97F-CFF8B814B351}"/>
-              </a:ext>
-            </a:extLst>
-          </p:cNvPr>
-          <p:cNvSpPr/>
-          <p:nvPr/>
-        </p:nvSpPr>
-        <p:spPr>
-          <a:xfrm>
-            <a:off x="3799644" y="1695635"/>
-            <a:ext cx="213064" cy="213065"/>
-          </a:xfrm>
-          <a:prstGeom prst="ellipse">
-            <a:avLst/>
-          </a:prstGeom>
-          <a:ln w="28575"/>
-        </p:spPr>
-        <p:style>
-          <a:lnRef idx="2">
-            <a:schemeClr val="accent2">
-              <a:shade val="15000"/>
-            </a:schemeClr>
-          </a:lnRef>
-          <a:fillRef idx="1">
-            <a:schemeClr val="accent2"/>
-          </a:fillRef>
-          <a:effectRef idx="0">
-            <a:schemeClr val="accent2"/>
-          </a:effectRef>
-          <a:fontRef idx="minor">
-            <a:schemeClr val="lt1"/>
-          </a:fontRef>
-        </p:style>
-        <p:txBody>
-          <a:bodyPr rtlCol="0" anchor="ctr"/>
-          <a:lstStyle/>
-          <a:p>
-            <a:pPr algn="ctr"/>
-            <a:endParaRPr lang="en-US"/>
-          </a:p>
-        </p:txBody>
-      </p:sp>
-      <p:sp>
-        <p:nvSpPr>
-          <p:cNvPr id="6" name="Oval 5">
-            <a:extLst>
-              <a:ext uri="{FF2B5EF4-FFF2-40B4-BE49-F238E27FC236}">
-                <a16:creationId xmlns:a16="http://schemas.microsoft.com/office/drawing/2014/main" id="{54BE53CE-48E6-EA8E-A8EE-C13DDD64332C}"/>
-              </a:ext>
-            </a:extLst>
-          </p:cNvPr>
-          <p:cNvSpPr/>
-          <p:nvPr/>
-        </p:nvSpPr>
-        <p:spPr>
-          <a:xfrm>
-            <a:off x="3206009" y="2700656"/>
-            <a:ext cx="213064" cy="213065"/>
-          </a:xfrm>
-          <a:prstGeom prst="ellipse">
-            <a:avLst/>
-          </a:prstGeom>
-          <a:ln w="28575"/>
-        </p:spPr>
-        <p:style>
-          <a:lnRef idx="2">
-            <a:schemeClr val="accent2">
-              <a:shade val="15000"/>
-            </a:schemeClr>
-          </a:lnRef>
-          <a:fillRef idx="1">
-            <a:schemeClr val="accent2"/>
-          </a:fillRef>
-          <a:effectRef idx="0">
-            <a:schemeClr val="accent2"/>
-          </a:effectRef>
-          <a:fontRef idx="minor">
-            <a:schemeClr val="lt1"/>
-          </a:fontRef>
-        </p:style>
-        <p:txBody>
-          <a:bodyPr rtlCol="0" anchor="ctr"/>
-          <a:lstStyle/>
-          <a:p>
-            <a:pPr algn="ctr"/>
-            <a:endParaRPr lang="en-US"/>
-          </a:p>
-        </p:txBody>
-      </p:sp>
-      <p:sp>
-        <p:nvSpPr>
-          <p:cNvPr id="7" name="Oval 6">
-            <a:extLst>
-              <a:ext uri="{FF2B5EF4-FFF2-40B4-BE49-F238E27FC236}">
-                <a16:creationId xmlns:a16="http://schemas.microsoft.com/office/drawing/2014/main" id="{9A8511C9-2EEC-AF61-0A6E-5EFBC7B49780}"/>
-              </a:ext>
-            </a:extLst>
-          </p:cNvPr>
-          <p:cNvSpPr/>
-          <p:nvPr/>
-        </p:nvSpPr>
-        <p:spPr>
-          <a:xfrm>
-            <a:off x="8195570" y="3854388"/>
-            <a:ext cx="213064" cy="213065"/>
-          </a:xfrm>
-          <a:prstGeom prst="ellipse">
-            <a:avLst/>
-          </a:prstGeom>
-          <a:ln w="28575"/>
-        </p:spPr>
-        <p:style>
-          <a:lnRef idx="2">
-            <a:schemeClr val="accent2">
-              <a:shade val="15000"/>
-            </a:schemeClr>
-          </a:lnRef>
-          <a:fillRef idx="1">
-            <a:schemeClr val="accent2"/>
-          </a:fillRef>
-          <a:effectRef idx="0">
-            <a:schemeClr val="accent2"/>
-          </a:effectRef>
-          <a:fontRef idx="minor">
-            <a:schemeClr val="lt1"/>
-          </a:fontRef>
-        </p:style>
-        <p:txBody>
-          <a:bodyPr rtlCol="0" anchor="ctr"/>
-          <a:lstStyle/>
-          <a:p>
-            <a:pPr algn="ctr"/>
-            <a:endParaRPr lang="en-US"/>
-          </a:p>
-        </p:txBody>
-      </p:sp>
-      <p:sp>
-        <p:nvSpPr>
-          <p:cNvPr id="8" name="Oval 7">
-            <a:extLst>
-              <a:ext uri="{FF2B5EF4-FFF2-40B4-BE49-F238E27FC236}">
-                <a16:creationId xmlns:a16="http://schemas.microsoft.com/office/drawing/2014/main" id="{C61D24B5-CA0D-F517-200D-2002127E228F}"/>
-              </a:ext>
-            </a:extLst>
-          </p:cNvPr>
-          <p:cNvSpPr/>
-          <p:nvPr/>
-        </p:nvSpPr>
-        <p:spPr>
-          <a:xfrm>
-            <a:off x="7565256" y="4835116"/>
-            <a:ext cx="213064" cy="213065"/>
-          </a:xfrm>
-          <a:prstGeom prst="ellipse">
-            <a:avLst/>
-          </a:prstGeom>
-          <a:ln w="28575"/>
-        </p:spPr>
-        <p:style>
-          <a:lnRef idx="2">
-            <a:schemeClr val="accent2">
-              <a:shade val="15000"/>
-            </a:schemeClr>
-          </a:lnRef>
-          <a:fillRef idx="1">
-            <a:schemeClr val="accent2"/>
-          </a:fillRef>
-          <a:effectRef idx="0">
-            <a:schemeClr val="accent2"/>
-          </a:effectRef>
-          <a:fontRef idx="minor">
-            <a:schemeClr val="lt1"/>
-          </a:fontRef>
-        </p:style>
-        <p:txBody>
-          <a:bodyPr rtlCol="0" anchor="ctr"/>
-          <a:lstStyle/>
-          <a:p>
-            <a:pPr algn="ctr"/>
-            <a:endParaRPr lang="en-US"/>
-          </a:p>
-        </p:txBody>
-      </p:sp>
-      <p:sp>
-        <p:nvSpPr>
-          <p:cNvPr id="9" name="TextBox 8">
-            <a:extLst>
-              <a:ext uri="{FF2B5EF4-FFF2-40B4-BE49-F238E27FC236}">
-                <a16:creationId xmlns:a16="http://schemas.microsoft.com/office/drawing/2014/main" id="{2B8D1283-CA27-D912-86AA-E2F59D2519DE}"/>
-              </a:ext>
-            </a:extLst>
-          </p:cNvPr>
-          <p:cNvSpPr txBox="1"/>
-          <p:nvPr/>
-        </p:nvSpPr>
-        <p:spPr>
-          <a:xfrm>
-            <a:off x="8243154" y="3331168"/>
-            <a:ext cx="451777" cy="523220"/>
-          </a:xfrm>
-          <a:prstGeom prst="rect">
-            <a:avLst/>
-          </a:prstGeom>
-          <a:noFill/>
-        </p:spPr>
-        <p:txBody>
-          <a:bodyPr wrap="square" rtlCol="0">
-            <a:spAutoFit/>
-          </a:bodyPr>
-          <a:lstStyle/>
-          <a:p>
-            <a:pPr algn="ctr"/>
-            <a:r>
-              <a:rPr lang="en-US" sz="2800" b="1" dirty="0"/>
-              <a:t>D</a:t>
-            </a:r>
-          </a:p>
-        </p:txBody>
-      </p:sp>
-      <p:sp>
-        <p:nvSpPr>
-          <p:cNvPr id="10" name="TextBox 9">
-            <a:extLst>
-              <a:ext uri="{FF2B5EF4-FFF2-40B4-BE49-F238E27FC236}">
-                <a16:creationId xmlns:a16="http://schemas.microsoft.com/office/drawing/2014/main" id="{705C2E80-25F0-A131-6518-E24ABB48165E}"/>
-              </a:ext>
-            </a:extLst>
-          </p:cNvPr>
-          <p:cNvSpPr txBox="1"/>
-          <p:nvPr/>
-        </p:nvSpPr>
-        <p:spPr>
-          <a:xfrm>
-            <a:off x="7658963" y="5029758"/>
-            <a:ext cx="451777" cy="523220"/>
-          </a:xfrm>
-          <a:prstGeom prst="rect">
-            <a:avLst/>
-          </a:prstGeom>
-          <a:noFill/>
-        </p:spPr>
-        <p:txBody>
-          <a:bodyPr wrap="square" rtlCol="0">
-            <a:spAutoFit/>
-          </a:bodyPr>
-          <a:lstStyle/>
-          <a:p>
-            <a:pPr algn="ctr"/>
-            <a:r>
-              <a:rPr lang="en-US" sz="2800" b="1" dirty="0"/>
-              <a:t>B</a:t>
-            </a:r>
-          </a:p>
-        </p:txBody>
-      </p:sp>
-      <p:sp>
-        <p:nvSpPr>
-          <p:cNvPr id="11" name="TextBox 10">
-            <a:extLst>
-              <a:ext uri="{FF2B5EF4-FFF2-40B4-BE49-F238E27FC236}">
-                <a16:creationId xmlns:a16="http://schemas.microsoft.com/office/drawing/2014/main" id="{BE8CAC74-4248-763A-E1C8-C7729058D8FF}"/>
-              </a:ext>
-            </a:extLst>
-          </p:cNvPr>
-          <p:cNvSpPr txBox="1"/>
-          <p:nvPr/>
-        </p:nvSpPr>
-        <p:spPr>
-          <a:xfrm>
-            <a:off x="3937614" y="1346971"/>
-            <a:ext cx="451777" cy="523220"/>
-          </a:xfrm>
-          <a:prstGeom prst="rect">
-            <a:avLst/>
-          </a:prstGeom>
-          <a:noFill/>
-        </p:spPr>
-        <p:txBody>
-          <a:bodyPr wrap="square" rtlCol="0">
-            <a:spAutoFit/>
-          </a:bodyPr>
-          <a:lstStyle/>
-          <a:p>
-            <a:pPr algn="ctr"/>
-            <a:r>
-              <a:rPr lang="en-US" sz="2800" b="1" dirty="0"/>
-              <a:t>C</a:t>
-            </a:r>
-          </a:p>
-        </p:txBody>
-      </p:sp>
-      <p:sp>
-        <p:nvSpPr>
-          <p:cNvPr id="12" name="TextBox 11">
-            <a:extLst>
-              <a:ext uri="{FF2B5EF4-FFF2-40B4-BE49-F238E27FC236}">
-                <a16:creationId xmlns:a16="http://schemas.microsoft.com/office/drawing/2014/main" id="{86371DE3-D71C-02CC-D2D9-B3480243C680}"/>
-              </a:ext>
-            </a:extLst>
-          </p:cNvPr>
-          <p:cNvSpPr txBox="1"/>
-          <p:nvPr/>
-        </p:nvSpPr>
-        <p:spPr>
-          <a:xfrm>
-            <a:off x="2852603" y="2698310"/>
-            <a:ext cx="451777" cy="523220"/>
-          </a:xfrm>
-          <a:prstGeom prst="rect">
-            <a:avLst/>
-          </a:prstGeom>
-          <a:noFill/>
-        </p:spPr>
-        <p:txBody>
-          <a:bodyPr wrap="square" rtlCol="0">
-            <a:spAutoFit/>
-          </a:bodyPr>
-          <a:lstStyle/>
-          <a:p>
-            <a:pPr algn="ctr"/>
-            <a:r>
-              <a:rPr lang="en-US" sz="2800" b="1" dirty="0"/>
-              <a:t>A</a:t>
-            </a:r>
-          </a:p>
-        </p:txBody>
-      </p:sp>
-      <mc:AlternateContent xmlns:mc="http://schemas.openxmlformats.org/markup-compatibility/2006" xmlns:a14="http://schemas.microsoft.com/office/drawing/2010/main">
-        <mc:Choice Requires="a14">
-          <p:sp>
-            <p:nvSpPr>
-              <p:cNvPr id="13" name="TextBox 12">
-                <a:extLst>
-                  <a:ext uri="{FF2B5EF4-FFF2-40B4-BE49-F238E27FC236}">
-                    <a16:creationId xmlns:a16="http://schemas.microsoft.com/office/drawing/2014/main" id="{43AA751F-FA41-5FE8-D780-7D2F389D9090}"/>
-                  </a:ext>
-                </a:extLst>
-              </p:cNvPr>
-              <p:cNvSpPr txBox="1"/>
-              <p:nvPr/>
-            </p:nvSpPr>
-            <p:spPr>
-              <a:xfrm>
-                <a:off x="9088876" y="3592778"/>
-                <a:ext cx="451777" cy="461665"/>
-              </a:xfrm>
-              <a:prstGeom prst="rect">
-                <a:avLst/>
-              </a:prstGeom>
-              <a:noFill/>
-            </p:spPr>
-            <p:txBody>
-              <a:bodyPr wrap="square" rtlCol="0">
-                <a:spAutoFit/>
-              </a:bodyPr>
-              <a:lstStyle/>
-              <a:p>
-                <a:pPr algn="ctr"/>
-                <a14:m>
-                  <m:oMathPara xmlns:m="http://schemas.openxmlformats.org/officeDocument/2006/math">
-                    <m:oMathParaPr>
-                      <m:jc m:val="centerGroup"/>
-                    </m:oMathParaPr>
-                    <m:oMath xmlns:m="http://schemas.openxmlformats.org/officeDocument/2006/math">
-                      <m:sSub>
-                        <m:sSubPr>
-                          <m:ctrlPr>
-                            <a:rPr lang="en-US" sz="2400" b="1" i="1" smtClean="0">
-                              <a:solidFill>
-                                <a:schemeClr val="accent1"/>
-                              </a:solidFill>
-                              <a:latin typeface="Cambria Math" panose="02040503050406030204" pitchFamily="18" charset="0"/>
-                            </a:rPr>
-                          </m:ctrlPr>
-                        </m:sSubPr>
-                        <m:e>
-                          <m:r>
-                            <a:rPr lang="en-US" sz="2400" b="1" i="1" smtClean="0">
-                              <a:solidFill>
-                                <a:schemeClr val="accent1"/>
-                              </a:solidFill>
-                              <a:latin typeface="Cambria Math" panose="02040503050406030204" pitchFamily="18" charset="0"/>
-                            </a:rPr>
-                            <m:t>𝑼</m:t>
-                          </m:r>
-                        </m:e>
-                        <m:sub>
-                          <m:r>
-                            <a:rPr lang="en-US" sz="2400" b="1" i="1" smtClean="0">
-                              <a:solidFill>
-                                <a:schemeClr val="accent1"/>
-                              </a:solidFill>
-                              <a:latin typeface="Cambria Math" panose="02040503050406030204" pitchFamily="18" charset="0"/>
-                            </a:rPr>
-                            <m:t>𝟐</m:t>
-                          </m:r>
-                        </m:sub>
-                      </m:sSub>
-                    </m:oMath>
-                  </m:oMathPara>
-                </a14:m>
-                <a:endParaRPr lang="en-US" sz="2400" b="1" dirty="0">
-                  <a:solidFill>
-                    <a:schemeClr val="accent1"/>
-                  </a:solidFill>
-                </a:endParaRPr>
-              </a:p>
-            </p:txBody>
-          </p:sp>
-        </mc:Choice>
-        <mc:Fallback xmlns="">
-          <p:sp>
-            <p:nvSpPr>
-              <p:cNvPr id="13" name="TextBox 12">
-                <a:extLst>
-                  <a:ext uri="{FF2B5EF4-FFF2-40B4-BE49-F238E27FC236}">
-                    <a16:creationId xmlns:a16="http://schemas.microsoft.com/office/drawing/2014/main" id="{43AA751F-FA41-5FE8-D780-7D2F389D9090}"/>
-                  </a:ext>
-                </a:extLst>
-              </p:cNvPr>
-              <p:cNvSpPr txBox="1">
-                <a:spLocks noRot="1" noChangeAspect="1" noMove="1" noResize="1" noEditPoints="1" noAdjustHandles="1" noChangeArrowheads="1" noChangeShapeType="1" noTextEdit="1"/>
-              </p:cNvSpPr>
-              <p:nvPr/>
-            </p:nvSpPr>
-            <p:spPr>
-              <a:xfrm>
-                <a:off x="9088876" y="3592778"/>
-                <a:ext cx="451777" cy="461665"/>
-              </a:xfrm>
-              <a:prstGeom prst="rect">
-                <a:avLst/>
-              </a:prstGeom>
-              <a:blipFill>
-                <a:blip r:embed="rId2"/>
-                <a:stretch>
-                  <a:fillRect l="-21622" b="-2632"/>
-                </a:stretch>
-              </a:blipFill>
-            </p:spPr>
-            <p:txBody>
-              <a:bodyPr/>
-              <a:lstStyle/>
-              <a:p>
-                <a:r>
-                  <a:rPr lang="en-US">
-                    <a:noFill/>
-                  </a:rPr>
-                  <a:t> </a:t>
-                </a:r>
-              </a:p>
-            </p:txBody>
-          </p:sp>
-        </mc:Fallback>
-      </mc:AlternateContent>
-      <mc:AlternateContent xmlns:mc="http://schemas.openxmlformats.org/markup-compatibility/2006" xmlns:a14="http://schemas.microsoft.com/office/drawing/2010/main">
-        <mc:Choice Requires="a14">
-          <p:sp>
-            <p:nvSpPr>
-              <p:cNvPr id="14" name="TextBox 13">
-                <a:extLst>
-                  <a:ext uri="{FF2B5EF4-FFF2-40B4-BE49-F238E27FC236}">
-                    <a16:creationId xmlns:a16="http://schemas.microsoft.com/office/drawing/2014/main" id="{DBF186C8-06FF-FFC3-C20C-C55A5D0E1D3D}"/>
-                  </a:ext>
-                </a:extLst>
-              </p:cNvPr>
-              <p:cNvSpPr txBox="1"/>
-              <p:nvPr/>
-            </p:nvSpPr>
-            <p:spPr>
-              <a:xfrm>
-                <a:off x="9037500" y="5018586"/>
-                <a:ext cx="451777" cy="461665"/>
-              </a:xfrm>
-              <a:prstGeom prst="rect">
-                <a:avLst/>
-              </a:prstGeom>
-              <a:noFill/>
-            </p:spPr>
-            <p:txBody>
-              <a:bodyPr wrap="square" rtlCol="0">
-                <a:spAutoFit/>
-              </a:bodyPr>
-              <a:lstStyle/>
-              <a:p>
-                <a:pPr algn="ctr"/>
-                <a14:m>
-                  <m:oMathPara xmlns:m="http://schemas.openxmlformats.org/officeDocument/2006/math">
-                    <m:oMathParaPr>
-                      <m:jc m:val="centerGroup"/>
-                    </m:oMathParaPr>
-                    <m:oMath xmlns:m="http://schemas.openxmlformats.org/officeDocument/2006/math">
-                      <m:sSub>
-                        <m:sSubPr>
-                          <m:ctrlPr>
-                            <a:rPr lang="en-US" sz="2400" b="1" i="1" smtClean="0">
-                              <a:solidFill>
-                                <a:schemeClr val="accent1"/>
-                              </a:solidFill>
-                              <a:latin typeface="Cambria Math" panose="02040503050406030204" pitchFamily="18" charset="0"/>
-                            </a:rPr>
-                          </m:ctrlPr>
-                        </m:sSubPr>
-                        <m:e>
-                          <m:r>
-                            <a:rPr lang="en-US" sz="2400" b="1" i="1" smtClean="0">
-                              <a:solidFill>
-                                <a:schemeClr val="accent1"/>
-                              </a:solidFill>
-                              <a:latin typeface="Cambria Math" panose="02040503050406030204" pitchFamily="18" charset="0"/>
-                            </a:rPr>
-                            <m:t>𝑼</m:t>
-                          </m:r>
-                        </m:e>
-                        <m:sub>
-                          <m:r>
-                            <a:rPr lang="en-US" sz="2400" b="1" i="1" smtClean="0">
-                              <a:solidFill>
-                                <a:schemeClr val="accent1"/>
-                              </a:solidFill>
-                              <a:latin typeface="Cambria Math" panose="02040503050406030204" pitchFamily="18" charset="0"/>
-                            </a:rPr>
-                            <m:t>𝟏</m:t>
-                          </m:r>
-                        </m:sub>
-                      </m:sSub>
-                    </m:oMath>
-                  </m:oMathPara>
-                </a14:m>
-                <a:endParaRPr lang="en-US" sz="2400" b="1" dirty="0">
-                  <a:solidFill>
-                    <a:schemeClr val="accent1"/>
-                  </a:solidFill>
-                </a:endParaRPr>
-              </a:p>
-            </p:txBody>
-          </p:sp>
-        </mc:Choice>
-        <mc:Fallback xmlns="">
-          <p:sp>
-            <p:nvSpPr>
-              <p:cNvPr id="14" name="TextBox 13">
-                <a:extLst>
-                  <a:ext uri="{FF2B5EF4-FFF2-40B4-BE49-F238E27FC236}">
-                    <a16:creationId xmlns:a16="http://schemas.microsoft.com/office/drawing/2014/main" id="{DBF186C8-06FF-FFC3-C20C-C55A5D0E1D3D}"/>
-                  </a:ext>
-                </a:extLst>
-              </p:cNvPr>
-              <p:cNvSpPr txBox="1">
-                <a:spLocks noRot="1" noChangeAspect="1" noMove="1" noResize="1" noEditPoints="1" noAdjustHandles="1" noChangeArrowheads="1" noChangeShapeType="1" noTextEdit="1"/>
-              </p:cNvSpPr>
-              <p:nvPr/>
-            </p:nvSpPr>
-            <p:spPr>
-              <a:xfrm>
-                <a:off x="9037500" y="5018586"/>
-                <a:ext cx="451777" cy="461665"/>
-              </a:xfrm>
-              <a:prstGeom prst="rect">
-                <a:avLst/>
-              </a:prstGeom>
-              <a:blipFill>
-                <a:blip r:embed="rId3"/>
-                <a:stretch>
-                  <a:fillRect l="-22973" b="-2632"/>
-                </a:stretch>
-              </a:blipFill>
-            </p:spPr>
-            <p:txBody>
-              <a:bodyPr/>
-              <a:lstStyle/>
-              <a:p>
-                <a:r>
-                  <a:rPr lang="en-US">
-                    <a:noFill/>
-                  </a:rPr>
-                  <a:t> </a:t>
-                </a:r>
-              </a:p>
-            </p:txBody>
-          </p:sp>
-        </mc:Fallback>
-      </mc:AlternateContent>
-      <mc:AlternateContent xmlns:mc="http://schemas.openxmlformats.org/markup-compatibility/2006" xmlns:a14="http://schemas.microsoft.com/office/drawing/2010/main">
-        <mc:Choice Requires="a14">
-          <p:sp>
-            <p:nvSpPr>
-              <p:cNvPr id="15" name="TextBox 14">
-                <a:extLst>
-                  <a:ext uri="{FF2B5EF4-FFF2-40B4-BE49-F238E27FC236}">
-                    <a16:creationId xmlns:a16="http://schemas.microsoft.com/office/drawing/2014/main" id="{2E6C6B36-FAB8-F9E8-B292-CD466B86CF99}"/>
-                  </a:ext>
-                </a:extLst>
-              </p:cNvPr>
-              <p:cNvSpPr txBox="1"/>
-              <p:nvPr/>
-            </p:nvSpPr>
-            <p:spPr>
-              <a:xfrm>
-                <a:off x="5679190" y="2058479"/>
-                <a:ext cx="1633490" cy="1077218"/>
-              </a:xfrm>
-              <a:prstGeom prst="rect">
-                <a:avLst/>
-              </a:prstGeom>
-              <a:noFill/>
-            </p:spPr>
-            <p:txBody>
-              <a:bodyPr wrap="square" rtlCol="0">
-                <a:spAutoFit/>
-              </a:bodyPr>
-              <a:lstStyle/>
-              <a:p>
-                <a:pPr/>
-                <a14:m>
-                  <m:oMathPara xmlns:m="http://schemas.openxmlformats.org/officeDocument/2006/math">
-                    <m:oMathParaPr>
-                      <m:jc m:val="centerGroup"/>
-                    </m:oMathParaPr>
-                    <m:oMath xmlns:m="http://schemas.openxmlformats.org/officeDocument/2006/math">
-                      <m:r>
-                        <a:rPr lang="en-US" sz="3200" b="1" i="1" smtClean="0">
-                          <a:latin typeface="Cambria Math" panose="02040503050406030204" pitchFamily="18" charset="0"/>
-                        </a:rPr>
-                        <m:t>𝑨</m:t>
-                      </m:r>
-                      <m:r>
-                        <a:rPr lang="en-US" sz="3200" b="1" i="1" smtClean="0">
-                          <a:latin typeface="Cambria Math" panose="02040503050406030204" pitchFamily="18" charset="0"/>
-                        </a:rPr>
-                        <m:t>&gt;</m:t>
-                      </m:r>
-                      <m:r>
-                        <a:rPr lang="en-US" sz="3200" b="1" i="1" smtClean="0">
-                          <a:latin typeface="Cambria Math" panose="02040503050406030204" pitchFamily="18" charset="0"/>
-                        </a:rPr>
-                        <m:t>𝑩</m:t>
-                      </m:r>
-                    </m:oMath>
-                  </m:oMathPara>
-                </a14:m>
-                <a:endParaRPr lang="en-US" sz="3200" b="1" dirty="0"/>
-              </a:p>
-              <a:p>
-                <a:pPr/>
-                <a14:m>
-                  <m:oMathPara xmlns:m="http://schemas.openxmlformats.org/officeDocument/2006/math">
-                    <m:oMathParaPr>
-                      <m:jc m:val="centerGroup"/>
-                    </m:oMathParaPr>
-                    <m:oMath xmlns:m="http://schemas.openxmlformats.org/officeDocument/2006/math">
-                      <m:r>
-                        <a:rPr lang="en-US" sz="3200" b="1" i="1" smtClean="0">
-                          <a:latin typeface="Cambria Math" panose="02040503050406030204" pitchFamily="18" charset="0"/>
-                        </a:rPr>
-                        <m:t>𝑩</m:t>
-                      </m:r>
-                      <m:r>
-                        <a:rPr lang="en-US" sz="3200" b="1" i="1" smtClean="0">
-                          <a:latin typeface="Cambria Math" panose="02040503050406030204" pitchFamily="18" charset="0"/>
-                        </a:rPr>
-                        <m:t>&gt;</m:t>
-                      </m:r>
-                      <m:r>
-                        <a:rPr lang="en-US" sz="3200" b="1" i="1" smtClean="0">
-                          <a:latin typeface="Cambria Math" panose="02040503050406030204" pitchFamily="18" charset="0"/>
-                        </a:rPr>
-                        <m:t>𝑨</m:t>
-                      </m:r>
-                    </m:oMath>
-                  </m:oMathPara>
-                </a14:m>
-                <a:endParaRPr lang="en-US" sz="3200" b="1" dirty="0"/>
-              </a:p>
-            </p:txBody>
-          </p:sp>
-        </mc:Choice>
-        <mc:Fallback xmlns="">
-          <p:sp>
-            <p:nvSpPr>
-              <p:cNvPr id="15" name="TextBox 14">
-                <a:extLst>
-                  <a:ext uri="{FF2B5EF4-FFF2-40B4-BE49-F238E27FC236}">
-                    <a16:creationId xmlns:a16="http://schemas.microsoft.com/office/drawing/2014/main" id="{2E6C6B36-FAB8-F9E8-B292-CD466B86CF99}"/>
-                  </a:ext>
-                </a:extLst>
-              </p:cNvPr>
-              <p:cNvSpPr txBox="1">
-                <a:spLocks noRot="1" noChangeAspect="1" noMove="1" noResize="1" noEditPoints="1" noAdjustHandles="1" noChangeArrowheads="1" noChangeShapeType="1" noTextEdit="1"/>
-              </p:cNvSpPr>
-              <p:nvPr/>
-            </p:nvSpPr>
-            <p:spPr>
-              <a:xfrm>
-                <a:off x="5679190" y="2058479"/>
-                <a:ext cx="1633490" cy="1077218"/>
-              </a:xfrm>
-              <a:prstGeom prst="rect">
-                <a:avLst/>
-              </a:prstGeom>
-              <a:blipFill>
-                <a:blip r:embed="rId4"/>
-                <a:stretch>
-                  <a:fillRect/>
-                </a:stretch>
-              </a:blipFill>
-            </p:spPr>
-            <p:txBody>
-              <a:bodyPr/>
-              <a:lstStyle/>
-              <a:p>
-                <a:r>
-                  <a:rPr lang="en-US">
-                    <a:noFill/>
-                  </a:rPr>
-                  <a:t> </a:t>
-                </a:r>
-              </a:p>
-            </p:txBody>
-          </p:sp>
-        </mc:Fallback>
-      </mc:AlternateContent>
-      <mc:AlternateContent xmlns:mc="http://schemas.openxmlformats.org/markup-compatibility/2006" xmlns:a14="http://schemas.microsoft.com/office/drawing/2010/main">
-        <mc:Choice Requires="a14">
-          <p:sp>
-            <p:nvSpPr>
-              <p:cNvPr id="16" name="TextBox 15">
-                <a:extLst>
-                  <a:ext uri="{FF2B5EF4-FFF2-40B4-BE49-F238E27FC236}">
-                    <a16:creationId xmlns:a16="http://schemas.microsoft.com/office/drawing/2014/main" id="{0024F0E8-50F0-3AB8-49F7-3972CC0BB117}"/>
-                  </a:ext>
-                </a:extLst>
-              </p:cNvPr>
-              <p:cNvSpPr txBox="1"/>
-              <p:nvPr/>
-            </p:nvSpPr>
-            <p:spPr>
-              <a:xfrm>
-                <a:off x="7851041" y="2057107"/>
-                <a:ext cx="1733004" cy="1077218"/>
-              </a:xfrm>
-              <a:prstGeom prst="rect">
-                <a:avLst/>
-              </a:prstGeom>
-              <a:noFill/>
-            </p:spPr>
-            <p:txBody>
-              <a:bodyPr wrap="square" rtlCol="0">
-                <a:spAutoFit/>
-              </a:bodyPr>
-              <a:lstStyle/>
-              <a:p>
-                <a:pPr/>
-                <a14:m>
-                  <m:oMathPara xmlns:m="http://schemas.openxmlformats.org/officeDocument/2006/math">
-                    <m:oMathParaPr>
-                      <m:jc m:val="centerGroup"/>
-                    </m:oMathParaPr>
-                    <m:oMath xmlns:m="http://schemas.openxmlformats.org/officeDocument/2006/math">
-                      <m:r>
-                        <a:rPr lang="en-US" sz="3200" b="1" i="1" smtClean="0">
-                          <a:latin typeface="Cambria Math" panose="02040503050406030204" pitchFamily="18" charset="0"/>
-                        </a:rPr>
-                        <m:t>𝑪</m:t>
-                      </m:r>
-                      <m:r>
-                        <a:rPr lang="en-US" sz="3200" b="1" i="1" smtClean="0">
-                          <a:latin typeface="Cambria Math" panose="02040503050406030204" pitchFamily="18" charset="0"/>
-                        </a:rPr>
-                        <m:t>&gt;</m:t>
-                      </m:r>
-                      <m:r>
-                        <a:rPr lang="en-US" sz="3200" b="1" i="1" smtClean="0">
-                          <a:latin typeface="Cambria Math" panose="02040503050406030204" pitchFamily="18" charset="0"/>
-                        </a:rPr>
-                        <m:t>𝑫</m:t>
-                      </m:r>
-                    </m:oMath>
-                  </m:oMathPara>
-                </a14:m>
-                <a:endParaRPr lang="en-US" sz="3200" b="1" dirty="0"/>
-              </a:p>
-              <a:p>
-                <a:pPr/>
-                <a14:m>
-                  <m:oMathPara xmlns:m="http://schemas.openxmlformats.org/officeDocument/2006/math">
-                    <m:oMathParaPr>
-                      <m:jc m:val="centerGroup"/>
-                    </m:oMathParaPr>
-                    <m:oMath xmlns:m="http://schemas.openxmlformats.org/officeDocument/2006/math">
-                      <m:r>
-                        <a:rPr lang="en-US" sz="3200" b="1" i="1" smtClean="0">
-                          <a:latin typeface="Cambria Math" panose="02040503050406030204" pitchFamily="18" charset="0"/>
-                        </a:rPr>
-                        <m:t>𝑫</m:t>
-                      </m:r>
-                      <m:r>
-                        <a:rPr lang="en-US" sz="3200" b="1" i="1" smtClean="0">
-                          <a:latin typeface="Cambria Math" panose="02040503050406030204" pitchFamily="18" charset="0"/>
-                        </a:rPr>
-                        <m:t>&gt;</m:t>
-                      </m:r>
-                      <m:r>
-                        <a:rPr lang="en-US" sz="3200" b="1" i="1" smtClean="0">
-                          <a:latin typeface="Cambria Math" panose="02040503050406030204" pitchFamily="18" charset="0"/>
-                        </a:rPr>
-                        <m:t>𝑪</m:t>
-                      </m:r>
-                    </m:oMath>
-                  </m:oMathPara>
-                </a14:m>
-                <a:endParaRPr lang="en-US" sz="3200" b="1" dirty="0"/>
-              </a:p>
-            </p:txBody>
-          </p:sp>
-        </mc:Choice>
-        <mc:Fallback xmlns="">
-          <p:sp>
-            <p:nvSpPr>
-              <p:cNvPr id="16" name="TextBox 15">
-                <a:extLst>
-                  <a:ext uri="{FF2B5EF4-FFF2-40B4-BE49-F238E27FC236}">
-                    <a16:creationId xmlns:a16="http://schemas.microsoft.com/office/drawing/2014/main" id="{0024F0E8-50F0-3AB8-49F7-3972CC0BB117}"/>
-                  </a:ext>
-                </a:extLst>
-              </p:cNvPr>
-              <p:cNvSpPr txBox="1">
-                <a:spLocks noRot="1" noChangeAspect="1" noMove="1" noResize="1" noEditPoints="1" noAdjustHandles="1" noChangeArrowheads="1" noChangeShapeType="1" noTextEdit="1"/>
-              </p:cNvSpPr>
-              <p:nvPr/>
-            </p:nvSpPr>
-            <p:spPr>
-              <a:xfrm>
-                <a:off x="7851041" y="2057107"/>
-                <a:ext cx="1733004" cy="1077218"/>
-              </a:xfrm>
-              <a:prstGeom prst="rect">
-                <a:avLst/>
-              </a:prstGeom>
-              <a:blipFill>
-                <a:blip r:embed="rId5"/>
-                <a:stretch>
-                  <a:fillRect/>
-                </a:stretch>
-              </a:blipFill>
-            </p:spPr>
-            <p:txBody>
-              <a:bodyPr/>
-              <a:lstStyle/>
-              <a:p>
-                <a:r>
-                  <a:rPr lang="en-US">
-                    <a:noFill/>
-                  </a:rPr>
-                  <a:t> </a:t>
-                </a:r>
-              </a:p>
-            </p:txBody>
-          </p:sp>
-        </mc:Fallback>
-      </mc:AlternateContent>
-      <p:sp>
-        <p:nvSpPr>
-          <p:cNvPr id="17" name="TextBox 16">
-            <a:extLst>
-              <a:ext uri="{FF2B5EF4-FFF2-40B4-BE49-F238E27FC236}">
-                <a16:creationId xmlns:a16="http://schemas.microsoft.com/office/drawing/2014/main" id="{615ACE95-673B-3454-D2DF-B7B2FF224A25}"/>
-              </a:ext>
-            </a:extLst>
-          </p:cNvPr>
-          <p:cNvSpPr txBox="1"/>
-          <p:nvPr/>
-        </p:nvSpPr>
-        <p:spPr>
-          <a:xfrm>
-            <a:off x="5321371" y="850765"/>
-            <a:ext cx="4584629" cy="1200329"/>
-          </a:xfrm>
-          <a:prstGeom prst="rect">
-            <a:avLst/>
-          </a:prstGeom>
-          <a:noFill/>
-        </p:spPr>
-        <p:txBody>
-          <a:bodyPr wrap="square" rtlCol="0">
-            <a:spAutoFit/>
-          </a:bodyPr>
-          <a:lstStyle/>
-          <a:p>
-            <a:pPr algn="ctr"/>
-            <a:r>
-              <a:rPr lang="en-US" sz="2400" b="1" dirty="0"/>
-              <a:t>THIS GRAPH SAYS THE FOLLOWING ABOUT THESE BUNDLES:</a:t>
-            </a:r>
-          </a:p>
-        </p:txBody>
-      </p:sp>
-    </p:spTree>
-    <p:extLst>
-      <p:ext uri="{BB962C8B-B14F-4D97-AF65-F5344CB8AC3E}">
-        <p14:creationId xmlns:p14="http://schemas.microsoft.com/office/powerpoint/2010/main" val="1592041748"/>
-      </p:ext>
-    </p:extLst>
-  </p:cSld>
-  <p:clrMapOvr>
-    <a:masterClrMapping/>
-  </p:clrMapOvr>
-</p:sld>
-</file>
-
 <file path=ppt/theme/theme1.xml><?xml version="1.0" encoding="utf-8"?>
 <a:theme xmlns:a="http://schemas.openxmlformats.org/drawingml/2006/main" name="Office Theme">
   <a:themeElements>

--- a/Slides/graph-maker.pptx
+++ b/Slides/graph-maker.pptx
@@ -21,6 +21,7 @@
     <p:sldId id="268" r:id="rId15"/>
     <p:sldId id="269" r:id="rId16"/>
     <p:sldId id="270" r:id="rId17"/>
+    <p:sldId id="272" r:id="rId18"/>
   </p:sldIdLst>
   <p:sldSz cx="12192000" cy="6858000"/>
   <p:notesSz cx="6858000" cy="9144000"/>
@@ -274,7 +275,7 @@
           <a:p>
             <a:fld id="{B3C0BABF-8EDA-4B51-8A1B-0A9A6121571D}" type="datetimeFigureOut">
               <a:rPr lang="en-US" smtClean="0"/>
-              <a:t>1/23/2024</a:t>
+              <a:t>1/31/2024</a:t>
             </a:fld>
             <a:endParaRPr lang="en-US"/>
           </a:p>
@@ -472,7 +473,7 @@
           <a:p>
             <a:fld id="{B3C0BABF-8EDA-4B51-8A1B-0A9A6121571D}" type="datetimeFigureOut">
               <a:rPr lang="en-US" smtClean="0"/>
-              <a:t>1/23/2024</a:t>
+              <a:t>1/31/2024</a:t>
             </a:fld>
             <a:endParaRPr lang="en-US"/>
           </a:p>
@@ -680,7 +681,7 @@
           <a:p>
             <a:fld id="{B3C0BABF-8EDA-4B51-8A1B-0A9A6121571D}" type="datetimeFigureOut">
               <a:rPr lang="en-US" smtClean="0"/>
-              <a:t>1/23/2024</a:t>
+              <a:t>1/31/2024</a:t>
             </a:fld>
             <a:endParaRPr lang="en-US"/>
           </a:p>
@@ -878,7 +879,7 @@
           <a:p>
             <a:fld id="{B3C0BABF-8EDA-4B51-8A1B-0A9A6121571D}" type="datetimeFigureOut">
               <a:rPr lang="en-US" smtClean="0"/>
-              <a:t>1/23/2024</a:t>
+              <a:t>1/31/2024</a:t>
             </a:fld>
             <a:endParaRPr lang="en-US"/>
           </a:p>
@@ -1153,7 +1154,7 @@
           <a:p>
             <a:fld id="{B3C0BABF-8EDA-4B51-8A1B-0A9A6121571D}" type="datetimeFigureOut">
               <a:rPr lang="en-US" smtClean="0"/>
-              <a:t>1/23/2024</a:t>
+              <a:t>1/31/2024</a:t>
             </a:fld>
             <a:endParaRPr lang="en-US"/>
           </a:p>
@@ -1418,7 +1419,7 @@
           <a:p>
             <a:fld id="{B3C0BABF-8EDA-4B51-8A1B-0A9A6121571D}" type="datetimeFigureOut">
               <a:rPr lang="en-US" smtClean="0"/>
-              <a:t>1/23/2024</a:t>
+              <a:t>1/31/2024</a:t>
             </a:fld>
             <a:endParaRPr lang="en-US"/>
           </a:p>
@@ -1830,7 +1831,7 @@
           <a:p>
             <a:fld id="{B3C0BABF-8EDA-4B51-8A1B-0A9A6121571D}" type="datetimeFigureOut">
               <a:rPr lang="en-US" smtClean="0"/>
-              <a:t>1/23/2024</a:t>
+              <a:t>1/31/2024</a:t>
             </a:fld>
             <a:endParaRPr lang="en-US"/>
           </a:p>
@@ -1971,7 +1972,7 @@
           <a:p>
             <a:fld id="{B3C0BABF-8EDA-4B51-8A1B-0A9A6121571D}" type="datetimeFigureOut">
               <a:rPr lang="en-US" smtClean="0"/>
-              <a:t>1/23/2024</a:t>
+              <a:t>1/31/2024</a:t>
             </a:fld>
             <a:endParaRPr lang="en-US"/>
           </a:p>
@@ -2084,7 +2085,7 @@
           <a:p>
             <a:fld id="{B3C0BABF-8EDA-4B51-8A1B-0A9A6121571D}" type="datetimeFigureOut">
               <a:rPr lang="en-US" smtClean="0"/>
-              <a:t>1/23/2024</a:t>
+              <a:t>1/31/2024</a:t>
             </a:fld>
             <a:endParaRPr lang="en-US"/>
           </a:p>
@@ -2395,7 +2396,7 @@
           <a:p>
             <a:fld id="{B3C0BABF-8EDA-4B51-8A1B-0A9A6121571D}" type="datetimeFigureOut">
               <a:rPr lang="en-US" smtClean="0"/>
-              <a:t>1/23/2024</a:t>
+              <a:t>1/31/2024</a:t>
             </a:fld>
             <a:endParaRPr lang="en-US"/>
           </a:p>
@@ -2683,7 +2684,7 @@
           <a:p>
             <a:fld id="{B3C0BABF-8EDA-4B51-8A1B-0A9A6121571D}" type="datetimeFigureOut">
               <a:rPr lang="en-US" smtClean="0"/>
-              <a:t>1/23/2024</a:t>
+              <a:t>1/31/2024</a:t>
             </a:fld>
             <a:endParaRPr lang="en-US"/>
           </a:p>
@@ -2924,7 +2925,7 @@
           <a:p>
             <a:fld id="{B3C0BABF-8EDA-4B51-8A1B-0A9A6121571D}" type="datetimeFigureOut">
               <a:rPr lang="en-US" smtClean="0"/>
-              <a:t>1/23/2024</a:t>
+              <a:t>1/31/2024</a:t>
             </a:fld>
             <a:endParaRPr lang="en-US"/>
           </a:p>
@@ -10252,6 +10253,1347 @@
     <p:extLst>
       <p:ext uri="{BB962C8B-B14F-4D97-AF65-F5344CB8AC3E}">
         <p14:creationId xmlns:p14="http://schemas.microsoft.com/office/powerpoint/2010/main" val="379518092"/>
+      </p:ext>
+    </p:extLst>
+  </p:cSld>
+  <p:clrMapOvr>
+    <a:masterClrMapping/>
+  </p:clrMapOvr>
+</p:sld>
+</file>
+
+<file path=ppt/slides/slide17.xml><?xml version="1.0" encoding="utf-8"?>
+<p:sld xmlns:a="http://schemas.openxmlformats.org/drawingml/2006/main" xmlns:r="http://schemas.openxmlformats.org/officeDocument/2006/relationships" xmlns:p="http://schemas.openxmlformats.org/presentationml/2006/main">
+  <p:cSld>
+    <p:spTree>
+      <p:nvGrpSpPr>
+        <p:cNvPr id="1" name=""/>
+        <p:cNvGrpSpPr/>
+        <p:nvPr/>
+      </p:nvGrpSpPr>
+      <p:grpSpPr>
+        <a:xfrm>
+          <a:off x="0" y="0"/>
+          <a:ext cx="0" cy="0"/>
+          <a:chOff x="0" y="0"/>
+          <a:chExt cx="0" cy="0"/>
+        </a:xfrm>
+      </p:grpSpPr>
+      <p:pic>
+        <p:nvPicPr>
+          <p:cNvPr id="3" name="Picture 2">
+            <a:extLst>
+              <a:ext uri="{FF2B5EF4-FFF2-40B4-BE49-F238E27FC236}">
+                <a16:creationId xmlns:a16="http://schemas.microsoft.com/office/drawing/2014/main" id="{6D668F10-70A6-405E-20D2-8A156387690D}"/>
+              </a:ext>
+            </a:extLst>
+          </p:cNvPr>
+          <p:cNvPicPr>
+            <a:picLocks noChangeAspect="1"/>
+          </p:cNvPicPr>
+          <p:nvPr/>
+        </p:nvPicPr>
+        <p:blipFill>
+          <a:blip r:embed="rId2"/>
+          <a:stretch>
+            <a:fillRect/>
+          </a:stretch>
+        </p:blipFill>
+        <p:spPr>
+          <a:xfrm>
+            <a:off x="3083817" y="420822"/>
+            <a:ext cx="6024366" cy="6016355"/>
+          </a:xfrm>
+          <a:prstGeom prst="rect">
+            <a:avLst/>
+          </a:prstGeom>
+        </p:spPr>
+      </p:pic>
+      <p:cxnSp>
+        <p:nvCxnSpPr>
+          <p:cNvPr id="4" name="Straight Connector 3">
+            <a:extLst>
+              <a:ext uri="{FF2B5EF4-FFF2-40B4-BE49-F238E27FC236}">
+                <a16:creationId xmlns:a16="http://schemas.microsoft.com/office/drawing/2014/main" id="{4689EFD8-6085-149C-9976-18168166B103}"/>
+              </a:ext>
+            </a:extLst>
+          </p:cNvPr>
+          <p:cNvCxnSpPr>
+            <a:cxnSpLocks/>
+          </p:cNvCxnSpPr>
+          <p:nvPr/>
+        </p:nvCxnSpPr>
+        <p:spPr>
+          <a:xfrm>
+            <a:off x="3552825" y="4210050"/>
+            <a:ext cx="3571875" cy="1800225"/>
+          </a:xfrm>
+          <a:prstGeom prst="line">
+            <a:avLst/>
+          </a:prstGeom>
+          <a:ln w="38100"/>
+        </p:spPr>
+        <p:style>
+          <a:lnRef idx="1">
+            <a:schemeClr val="accent1"/>
+          </a:lnRef>
+          <a:fillRef idx="0">
+            <a:schemeClr val="accent1"/>
+          </a:fillRef>
+          <a:effectRef idx="0">
+            <a:schemeClr val="accent1"/>
+          </a:effectRef>
+          <a:fontRef idx="minor">
+            <a:schemeClr val="tx1"/>
+          </a:fontRef>
+        </p:style>
+      </p:cxnSp>
+      <mc:AlternateContent xmlns:mc="http://schemas.openxmlformats.org/markup-compatibility/2006">
+        <mc:Choice xmlns:a14="http://schemas.microsoft.com/office/drawing/2010/main" Requires="a14">
+          <p:sp>
+            <p:nvSpPr>
+              <p:cNvPr id="13" name="TextBox 12">
+                <a:extLst>
+                  <a:ext uri="{FF2B5EF4-FFF2-40B4-BE49-F238E27FC236}">
+                    <a16:creationId xmlns:a16="http://schemas.microsoft.com/office/drawing/2014/main" id="{B20D4832-F1B8-CF95-8FA7-A39CC51B103C}"/>
+                  </a:ext>
+                </a:extLst>
+              </p:cNvPr>
+              <p:cNvSpPr txBox="1"/>
+              <p:nvPr/>
+            </p:nvSpPr>
+            <p:spPr>
+              <a:xfrm>
+                <a:off x="6124379" y="5702646"/>
+                <a:ext cx="673992" cy="307777"/>
+              </a:xfrm>
+              <a:prstGeom prst="rect">
+                <a:avLst/>
+              </a:prstGeom>
+              <a:noFill/>
+            </p:spPr>
+            <p:txBody>
+              <a:bodyPr wrap="square" rtlCol="0">
+                <a:spAutoFit/>
+              </a:bodyPr>
+              <a:lstStyle/>
+              <a:p>
+                <a14:m>
+                  <m:oMathPara xmlns:m="http://schemas.openxmlformats.org/officeDocument/2006/math">
+                    <m:oMathParaPr>
+                      <m:jc m:val="centerGroup"/>
+                    </m:oMathParaPr>
+                    <m:oMath xmlns:m="http://schemas.openxmlformats.org/officeDocument/2006/math">
+                      <m:r>
+                        <a:rPr lang="en-US" sz="1400" b="1" i="1" smtClean="0">
+                          <a:solidFill>
+                            <a:schemeClr val="accent1">
+                              <a:lumMod val="75000"/>
+                            </a:schemeClr>
+                          </a:solidFill>
+                          <a:latin typeface="Cambria Math" panose="02040503050406030204" pitchFamily="18" charset="0"/>
+                        </a:rPr>
+                        <m:t>𝑩</m:t>
+                      </m:r>
+                      <m:sSub>
+                        <m:sSubPr>
+                          <m:ctrlPr>
+                            <a:rPr lang="en-US" sz="1400" b="1" i="1" smtClean="0">
+                              <a:solidFill>
+                                <a:schemeClr val="accent1">
+                                  <a:lumMod val="75000"/>
+                                </a:schemeClr>
+                              </a:solidFill>
+                              <a:latin typeface="Cambria Math" panose="02040503050406030204" pitchFamily="18" charset="0"/>
+                            </a:rPr>
+                          </m:ctrlPr>
+                        </m:sSubPr>
+                        <m:e>
+                          <m:r>
+                            <a:rPr lang="en-US" sz="1400" b="1" i="1" smtClean="0">
+                              <a:solidFill>
+                                <a:schemeClr val="accent1">
+                                  <a:lumMod val="75000"/>
+                                </a:schemeClr>
+                              </a:solidFill>
+                              <a:latin typeface="Cambria Math" panose="02040503050406030204" pitchFamily="18" charset="0"/>
+                            </a:rPr>
+                            <m:t>𝑪</m:t>
+                          </m:r>
+                        </m:e>
+                        <m:sub>
+                          <m:r>
+                            <a:rPr lang="en-US" sz="1400" b="1" i="1" smtClean="0">
+                              <a:solidFill>
+                                <a:schemeClr val="accent1">
+                                  <a:lumMod val="75000"/>
+                                </a:schemeClr>
+                              </a:solidFill>
+                              <a:latin typeface="Cambria Math" panose="02040503050406030204" pitchFamily="18" charset="0"/>
+                            </a:rPr>
+                            <m:t>𝟏</m:t>
+                          </m:r>
+                        </m:sub>
+                      </m:sSub>
+                    </m:oMath>
+                  </m:oMathPara>
+                </a14:m>
+                <a:endParaRPr lang="en-US" sz="1400" b="1" dirty="0">
+                  <a:solidFill>
+                    <a:schemeClr val="accent1">
+                      <a:lumMod val="75000"/>
+                    </a:schemeClr>
+                  </a:solidFill>
+                </a:endParaRPr>
+              </a:p>
+            </p:txBody>
+          </p:sp>
+        </mc:Choice>
+        <mc:Fallback>
+          <p:sp>
+            <p:nvSpPr>
+              <p:cNvPr id="13" name="TextBox 12">
+                <a:extLst>
+                  <a:ext uri="{FF2B5EF4-FFF2-40B4-BE49-F238E27FC236}">
+                    <a16:creationId xmlns:a16="http://schemas.microsoft.com/office/drawing/2014/main" id="{B20D4832-F1B8-CF95-8FA7-A39CC51B103C}"/>
+                  </a:ext>
+                </a:extLst>
+              </p:cNvPr>
+              <p:cNvSpPr txBox="1">
+                <a:spLocks noRot="1" noChangeAspect="1" noMove="1" noResize="1" noEditPoints="1" noAdjustHandles="1" noChangeArrowheads="1" noChangeShapeType="1" noTextEdit="1"/>
+              </p:cNvSpPr>
+              <p:nvPr/>
+            </p:nvSpPr>
+            <p:spPr>
+              <a:xfrm>
+                <a:off x="6124379" y="5702646"/>
+                <a:ext cx="673992" cy="307777"/>
+              </a:xfrm>
+              <a:prstGeom prst="rect">
+                <a:avLst/>
+              </a:prstGeom>
+              <a:blipFill>
+                <a:blip r:embed="rId3"/>
+                <a:stretch>
+                  <a:fillRect/>
+                </a:stretch>
+              </a:blipFill>
+            </p:spPr>
+            <p:txBody>
+              <a:bodyPr/>
+              <a:lstStyle/>
+              <a:p>
+                <a:r>
+                  <a:rPr lang="en-US">
+                    <a:noFill/>
+                  </a:rPr>
+                  <a:t> </a:t>
+                </a:r>
+              </a:p>
+            </p:txBody>
+          </p:sp>
+        </mc:Fallback>
+      </mc:AlternateContent>
+      <mc:AlternateContent xmlns:mc="http://schemas.openxmlformats.org/markup-compatibility/2006">
+        <mc:Choice xmlns:a14="http://schemas.microsoft.com/office/drawing/2010/main" Requires="a14">
+          <p:sp>
+            <p:nvSpPr>
+              <p:cNvPr id="16" name="TextBox 15">
+                <a:extLst>
+                  <a:ext uri="{FF2B5EF4-FFF2-40B4-BE49-F238E27FC236}">
+                    <a16:creationId xmlns:a16="http://schemas.microsoft.com/office/drawing/2014/main" id="{26310B9B-3157-1068-DD48-FE2A09660323}"/>
+                  </a:ext>
+                </a:extLst>
+              </p:cNvPr>
+              <p:cNvSpPr txBox="1"/>
+              <p:nvPr/>
+            </p:nvSpPr>
+            <p:spPr>
+              <a:xfrm>
+                <a:off x="7317729" y="3698922"/>
+                <a:ext cx="673992" cy="307777"/>
+              </a:xfrm>
+              <a:prstGeom prst="rect">
+                <a:avLst/>
+              </a:prstGeom>
+              <a:noFill/>
+            </p:spPr>
+            <p:txBody>
+              <a:bodyPr wrap="square" rtlCol="0">
+                <a:spAutoFit/>
+              </a:bodyPr>
+              <a:lstStyle/>
+              <a:p>
+                <a14:m>
+                  <m:oMathPara xmlns:m="http://schemas.openxmlformats.org/officeDocument/2006/math">
+                    <m:oMathParaPr>
+                      <m:jc m:val="centerGroup"/>
+                    </m:oMathParaPr>
+                    <m:oMath xmlns:m="http://schemas.openxmlformats.org/officeDocument/2006/math">
+                      <m:sSub>
+                        <m:sSubPr>
+                          <m:ctrlPr>
+                            <a:rPr lang="en-US" sz="1400" b="1" i="1" smtClean="0">
+                              <a:solidFill>
+                                <a:schemeClr val="accent6"/>
+                              </a:solidFill>
+                              <a:latin typeface="Cambria Math" panose="02040503050406030204" pitchFamily="18" charset="0"/>
+                            </a:rPr>
+                          </m:ctrlPr>
+                        </m:sSubPr>
+                        <m:e>
+                          <m:r>
+                            <a:rPr lang="en-US" sz="1400" b="1" i="1" smtClean="0">
+                              <a:solidFill>
+                                <a:schemeClr val="accent6"/>
+                              </a:solidFill>
+                              <a:latin typeface="Cambria Math" panose="02040503050406030204" pitchFamily="18" charset="0"/>
+                            </a:rPr>
+                            <m:t>𝑼</m:t>
+                          </m:r>
+                        </m:e>
+                        <m:sub>
+                          <m:r>
+                            <a:rPr lang="en-US" sz="1400" b="1" i="1" smtClean="0">
+                              <a:solidFill>
+                                <a:schemeClr val="accent6"/>
+                              </a:solidFill>
+                              <a:latin typeface="Cambria Math" panose="02040503050406030204" pitchFamily="18" charset="0"/>
+                            </a:rPr>
+                            <m:t>𝟐</m:t>
+                          </m:r>
+                        </m:sub>
+                      </m:sSub>
+                    </m:oMath>
+                  </m:oMathPara>
+                </a14:m>
+                <a:endParaRPr lang="en-US" sz="1400" b="1" dirty="0">
+                  <a:solidFill>
+                    <a:schemeClr val="accent6"/>
+                  </a:solidFill>
+                </a:endParaRPr>
+              </a:p>
+            </p:txBody>
+          </p:sp>
+        </mc:Choice>
+        <mc:Fallback>
+          <p:sp>
+            <p:nvSpPr>
+              <p:cNvPr id="16" name="TextBox 15">
+                <a:extLst>
+                  <a:ext uri="{FF2B5EF4-FFF2-40B4-BE49-F238E27FC236}">
+                    <a16:creationId xmlns:a16="http://schemas.microsoft.com/office/drawing/2014/main" id="{26310B9B-3157-1068-DD48-FE2A09660323}"/>
+                  </a:ext>
+                </a:extLst>
+              </p:cNvPr>
+              <p:cNvSpPr txBox="1">
+                <a:spLocks noRot="1" noChangeAspect="1" noMove="1" noResize="1" noEditPoints="1" noAdjustHandles="1" noChangeArrowheads="1" noChangeShapeType="1" noTextEdit="1"/>
+              </p:cNvSpPr>
+              <p:nvPr/>
+            </p:nvSpPr>
+            <p:spPr>
+              <a:xfrm>
+                <a:off x="7317729" y="3698922"/>
+                <a:ext cx="673992" cy="307777"/>
+              </a:xfrm>
+              <a:prstGeom prst="rect">
+                <a:avLst/>
+              </a:prstGeom>
+              <a:blipFill>
+                <a:blip r:embed="rId4"/>
+                <a:stretch>
+                  <a:fillRect/>
+                </a:stretch>
+              </a:blipFill>
+            </p:spPr>
+            <p:txBody>
+              <a:bodyPr/>
+              <a:lstStyle/>
+              <a:p>
+                <a:r>
+                  <a:rPr lang="en-US">
+                    <a:noFill/>
+                  </a:rPr>
+                  <a:t> </a:t>
+                </a:r>
+              </a:p>
+            </p:txBody>
+          </p:sp>
+        </mc:Fallback>
+      </mc:AlternateContent>
+      <p:cxnSp>
+        <p:nvCxnSpPr>
+          <p:cNvPr id="17" name="Straight Connector 16">
+            <a:extLst>
+              <a:ext uri="{FF2B5EF4-FFF2-40B4-BE49-F238E27FC236}">
+                <a16:creationId xmlns:a16="http://schemas.microsoft.com/office/drawing/2014/main" id="{179A3FE6-BB4B-6015-9CAE-EEAD919AE76A}"/>
+              </a:ext>
+            </a:extLst>
+          </p:cNvPr>
+          <p:cNvCxnSpPr>
+            <a:cxnSpLocks/>
+          </p:cNvCxnSpPr>
+          <p:nvPr/>
+        </p:nvCxnSpPr>
+        <p:spPr>
+          <a:xfrm>
+            <a:off x="3552825" y="1762125"/>
+            <a:ext cx="3593208" cy="4248150"/>
+          </a:xfrm>
+          <a:prstGeom prst="line">
+            <a:avLst/>
+          </a:prstGeom>
+          <a:ln w="38100"/>
+        </p:spPr>
+        <p:style>
+          <a:lnRef idx="1">
+            <a:schemeClr val="accent1"/>
+          </a:lnRef>
+          <a:fillRef idx="0">
+            <a:schemeClr val="accent1"/>
+          </a:fillRef>
+          <a:effectRef idx="0">
+            <a:schemeClr val="accent1"/>
+          </a:effectRef>
+          <a:fontRef idx="minor">
+            <a:schemeClr val="tx1"/>
+          </a:fontRef>
+        </p:style>
+      </p:cxnSp>
+      <mc:AlternateContent xmlns:mc="http://schemas.openxmlformats.org/markup-compatibility/2006">
+        <mc:Choice xmlns:a14="http://schemas.microsoft.com/office/drawing/2010/main" Requires="a14">
+          <p:sp>
+            <p:nvSpPr>
+              <p:cNvPr id="27" name="TextBox 26">
+                <a:extLst>
+                  <a:ext uri="{FF2B5EF4-FFF2-40B4-BE49-F238E27FC236}">
+                    <a16:creationId xmlns:a16="http://schemas.microsoft.com/office/drawing/2014/main" id="{59DC7453-20E7-1FC2-1B9D-E45E400FB607}"/>
+                  </a:ext>
+                </a:extLst>
+              </p:cNvPr>
+              <p:cNvSpPr txBox="1"/>
+              <p:nvPr/>
+            </p:nvSpPr>
+            <p:spPr>
+              <a:xfrm>
+                <a:off x="6781685" y="5465703"/>
+                <a:ext cx="673992" cy="307777"/>
+              </a:xfrm>
+              <a:prstGeom prst="rect">
+                <a:avLst/>
+              </a:prstGeom>
+              <a:noFill/>
+            </p:spPr>
+            <p:txBody>
+              <a:bodyPr wrap="square" rtlCol="0">
+                <a:spAutoFit/>
+              </a:bodyPr>
+              <a:lstStyle/>
+              <a:p>
+                <a14:m>
+                  <m:oMathPara xmlns:m="http://schemas.openxmlformats.org/officeDocument/2006/math">
+                    <m:oMathParaPr>
+                      <m:jc m:val="centerGroup"/>
+                    </m:oMathParaPr>
+                    <m:oMath xmlns:m="http://schemas.openxmlformats.org/officeDocument/2006/math">
+                      <m:r>
+                        <a:rPr lang="en-US" sz="1400" b="1" i="1" smtClean="0">
+                          <a:solidFill>
+                            <a:schemeClr val="accent1">
+                              <a:lumMod val="75000"/>
+                            </a:schemeClr>
+                          </a:solidFill>
+                          <a:latin typeface="Cambria Math" panose="02040503050406030204" pitchFamily="18" charset="0"/>
+                        </a:rPr>
+                        <m:t>𝑩</m:t>
+                      </m:r>
+                      <m:sSub>
+                        <m:sSubPr>
+                          <m:ctrlPr>
+                            <a:rPr lang="en-US" sz="1400" b="1" i="1" smtClean="0">
+                              <a:solidFill>
+                                <a:schemeClr val="accent1">
+                                  <a:lumMod val="75000"/>
+                                </a:schemeClr>
+                              </a:solidFill>
+                              <a:latin typeface="Cambria Math" panose="02040503050406030204" pitchFamily="18" charset="0"/>
+                            </a:rPr>
+                          </m:ctrlPr>
+                        </m:sSubPr>
+                        <m:e>
+                          <m:r>
+                            <a:rPr lang="en-US" sz="1400" b="1" i="1" smtClean="0">
+                              <a:solidFill>
+                                <a:schemeClr val="accent1">
+                                  <a:lumMod val="75000"/>
+                                </a:schemeClr>
+                              </a:solidFill>
+                              <a:latin typeface="Cambria Math" panose="02040503050406030204" pitchFamily="18" charset="0"/>
+                            </a:rPr>
+                            <m:t>𝑪</m:t>
+                          </m:r>
+                        </m:e>
+                        <m:sub>
+                          <m:r>
+                            <a:rPr lang="en-US" sz="1400" b="1" i="1" smtClean="0">
+                              <a:solidFill>
+                                <a:schemeClr val="accent1">
+                                  <a:lumMod val="75000"/>
+                                </a:schemeClr>
+                              </a:solidFill>
+                              <a:latin typeface="Cambria Math" panose="02040503050406030204" pitchFamily="18" charset="0"/>
+                            </a:rPr>
+                            <m:t>𝟐</m:t>
+                          </m:r>
+                        </m:sub>
+                      </m:sSub>
+                    </m:oMath>
+                  </m:oMathPara>
+                </a14:m>
+                <a:endParaRPr lang="en-US" sz="1400" b="1" dirty="0">
+                  <a:solidFill>
+                    <a:schemeClr val="accent1">
+                      <a:lumMod val="75000"/>
+                    </a:schemeClr>
+                  </a:solidFill>
+                </a:endParaRPr>
+              </a:p>
+            </p:txBody>
+          </p:sp>
+        </mc:Choice>
+        <mc:Fallback>
+          <p:sp>
+            <p:nvSpPr>
+              <p:cNvPr id="27" name="TextBox 26">
+                <a:extLst>
+                  <a:ext uri="{FF2B5EF4-FFF2-40B4-BE49-F238E27FC236}">
+                    <a16:creationId xmlns:a16="http://schemas.microsoft.com/office/drawing/2014/main" id="{59DC7453-20E7-1FC2-1B9D-E45E400FB607}"/>
+                  </a:ext>
+                </a:extLst>
+              </p:cNvPr>
+              <p:cNvSpPr txBox="1">
+                <a:spLocks noRot="1" noChangeAspect="1" noMove="1" noResize="1" noEditPoints="1" noAdjustHandles="1" noChangeArrowheads="1" noChangeShapeType="1" noTextEdit="1"/>
+              </p:cNvSpPr>
+              <p:nvPr/>
+            </p:nvSpPr>
+            <p:spPr>
+              <a:xfrm>
+                <a:off x="6781685" y="5465703"/>
+                <a:ext cx="673992" cy="307777"/>
+              </a:xfrm>
+              <a:prstGeom prst="rect">
+                <a:avLst/>
+              </a:prstGeom>
+              <a:blipFill>
+                <a:blip r:embed="rId5"/>
+                <a:stretch>
+                  <a:fillRect/>
+                </a:stretch>
+              </a:blipFill>
+            </p:spPr>
+            <p:txBody>
+              <a:bodyPr/>
+              <a:lstStyle/>
+              <a:p>
+                <a:r>
+                  <a:rPr lang="en-US">
+                    <a:noFill/>
+                  </a:rPr>
+                  <a:t> </a:t>
+                </a:r>
+              </a:p>
+            </p:txBody>
+          </p:sp>
+        </mc:Fallback>
+      </mc:AlternateContent>
+      <p:cxnSp>
+        <p:nvCxnSpPr>
+          <p:cNvPr id="28" name="Straight Connector 27">
+            <a:extLst>
+              <a:ext uri="{FF2B5EF4-FFF2-40B4-BE49-F238E27FC236}">
+                <a16:creationId xmlns:a16="http://schemas.microsoft.com/office/drawing/2014/main" id="{8E010CA0-31F3-4BBE-015B-C2CE59560B41}"/>
+              </a:ext>
+            </a:extLst>
+          </p:cNvPr>
+          <p:cNvCxnSpPr>
+            <a:cxnSpLocks/>
+          </p:cNvCxnSpPr>
+          <p:nvPr/>
+        </p:nvCxnSpPr>
+        <p:spPr>
+          <a:xfrm>
+            <a:off x="3552825" y="3055292"/>
+            <a:ext cx="2229755" cy="2954983"/>
+          </a:xfrm>
+          <a:prstGeom prst="line">
+            <a:avLst/>
+          </a:prstGeom>
+          <a:ln w="38100">
+            <a:prstDash val="dashDot"/>
+          </a:ln>
+        </p:spPr>
+        <p:style>
+          <a:lnRef idx="1">
+            <a:schemeClr val="accent1"/>
+          </a:lnRef>
+          <a:fillRef idx="0">
+            <a:schemeClr val="accent1"/>
+          </a:fillRef>
+          <a:effectRef idx="0">
+            <a:schemeClr val="accent1"/>
+          </a:effectRef>
+          <a:fontRef idx="minor">
+            <a:schemeClr val="tx1"/>
+          </a:fontRef>
+        </p:style>
+      </p:cxnSp>
+      <mc:AlternateContent xmlns:mc="http://schemas.openxmlformats.org/markup-compatibility/2006">
+        <mc:Choice xmlns:a14="http://schemas.microsoft.com/office/drawing/2010/main" Requires="a14">
+          <p:sp>
+            <p:nvSpPr>
+              <p:cNvPr id="32" name="TextBox 31">
+                <a:extLst>
+                  <a:ext uri="{FF2B5EF4-FFF2-40B4-BE49-F238E27FC236}">
+                    <a16:creationId xmlns:a16="http://schemas.microsoft.com/office/drawing/2014/main" id="{ECC8054A-6C68-D4BF-1C27-FF6DF0475069}"/>
+                  </a:ext>
+                </a:extLst>
+              </p:cNvPr>
+              <p:cNvSpPr txBox="1"/>
+              <p:nvPr/>
+            </p:nvSpPr>
+            <p:spPr>
+              <a:xfrm>
+                <a:off x="5001887" y="5693549"/>
+                <a:ext cx="673992" cy="314766"/>
+              </a:xfrm>
+              <a:prstGeom prst="rect">
+                <a:avLst/>
+              </a:prstGeom>
+              <a:noFill/>
+            </p:spPr>
+            <p:txBody>
+              <a:bodyPr wrap="square" rtlCol="0">
+                <a:spAutoFit/>
+              </a:bodyPr>
+              <a:lstStyle/>
+              <a:p>
+                <a14:m>
+                  <m:oMathPara xmlns:m="http://schemas.openxmlformats.org/officeDocument/2006/math">
+                    <m:oMathParaPr>
+                      <m:jc m:val="centerGroup"/>
+                    </m:oMathParaPr>
+                    <m:oMath xmlns:m="http://schemas.openxmlformats.org/officeDocument/2006/math">
+                      <m:r>
+                        <a:rPr lang="en-US" sz="1400" b="1" i="1" smtClean="0">
+                          <a:solidFill>
+                            <a:schemeClr val="accent1">
+                              <a:lumMod val="75000"/>
+                            </a:schemeClr>
+                          </a:solidFill>
+                          <a:latin typeface="Cambria Math" panose="02040503050406030204" pitchFamily="18" charset="0"/>
+                        </a:rPr>
+                        <m:t>𝑩𝑪</m:t>
+                      </m:r>
+                      <m:r>
+                        <a:rPr lang="en-US" sz="1400" b="1" i="1" smtClean="0">
+                          <a:solidFill>
+                            <a:schemeClr val="accent1">
+                              <a:lumMod val="75000"/>
+                            </a:schemeClr>
+                          </a:solidFill>
+                          <a:latin typeface="Cambria Math" panose="02040503050406030204" pitchFamily="18" charset="0"/>
+                        </a:rPr>
+                        <m:t>′</m:t>
+                      </m:r>
+                    </m:oMath>
+                  </m:oMathPara>
+                </a14:m>
+                <a:endParaRPr lang="en-US" sz="1400" b="1" dirty="0">
+                  <a:solidFill>
+                    <a:schemeClr val="accent1">
+                      <a:lumMod val="75000"/>
+                    </a:schemeClr>
+                  </a:solidFill>
+                </a:endParaRPr>
+              </a:p>
+            </p:txBody>
+          </p:sp>
+        </mc:Choice>
+        <mc:Fallback>
+          <p:sp>
+            <p:nvSpPr>
+              <p:cNvPr id="32" name="TextBox 31">
+                <a:extLst>
+                  <a:ext uri="{FF2B5EF4-FFF2-40B4-BE49-F238E27FC236}">
+                    <a16:creationId xmlns:a16="http://schemas.microsoft.com/office/drawing/2014/main" id="{ECC8054A-6C68-D4BF-1C27-FF6DF0475069}"/>
+                  </a:ext>
+                </a:extLst>
+              </p:cNvPr>
+              <p:cNvSpPr txBox="1">
+                <a:spLocks noRot="1" noChangeAspect="1" noMove="1" noResize="1" noEditPoints="1" noAdjustHandles="1" noChangeArrowheads="1" noChangeShapeType="1" noTextEdit="1"/>
+              </p:cNvSpPr>
+              <p:nvPr/>
+            </p:nvSpPr>
+            <p:spPr>
+              <a:xfrm>
+                <a:off x="5001887" y="5693549"/>
+                <a:ext cx="673992" cy="314766"/>
+              </a:xfrm>
+              <a:prstGeom prst="rect">
+                <a:avLst/>
+              </a:prstGeom>
+              <a:blipFill>
+                <a:blip r:embed="rId6"/>
+                <a:stretch>
+                  <a:fillRect/>
+                </a:stretch>
+              </a:blipFill>
+            </p:spPr>
+            <p:txBody>
+              <a:bodyPr/>
+              <a:lstStyle/>
+              <a:p>
+                <a:r>
+                  <a:rPr lang="en-US">
+                    <a:noFill/>
+                  </a:rPr>
+                  <a:t> </a:t>
+                </a:r>
+              </a:p>
+            </p:txBody>
+          </p:sp>
+        </mc:Fallback>
+      </mc:AlternateContent>
+      <mc:AlternateContent xmlns:mc="http://schemas.openxmlformats.org/markup-compatibility/2006">
+        <mc:Choice xmlns:a14="http://schemas.microsoft.com/office/drawing/2010/main" Requires="a14">
+          <p:sp>
+            <p:nvSpPr>
+              <p:cNvPr id="43" name="TextBox 42">
+                <a:extLst>
+                  <a:ext uri="{FF2B5EF4-FFF2-40B4-BE49-F238E27FC236}">
+                    <a16:creationId xmlns:a16="http://schemas.microsoft.com/office/drawing/2014/main" id="{7A96D7D0-67F1-889F-3237-BA896F1276E4}"/>
+                  </a:ext>
+                </a:extLst>
+              </p:cNvPr>
+              <p:cNvSpPr txBox="1"/>
+              <p:nvPr/>
+            </p:nvSpPr>
+            <p:spPr>
+              <a:xfrm>
+                <a:off x="7072116" y="4839787"/>
+                <a:ext cx="673992" cy="307777"/>
+              </a:xfrm>
+              <a:prstGeom prst="rect">
+                <a:avLst/>
+              </a:prstGeom>
+              <a:noFill/>
+            </p:spPr>
+            <p:txBody>
+              <a:bodyPr wrap="square" rtlCol="0">
+                <a:spAutoFit/>
+              </a:bodyPr>
+              <a:lstStyle/>
+              <a:p>
+                <a14:m>
+                  <m:oMathPara xmlns:m="http://schemas.openxmlformats.org/officeDocument/2006/math">
+                    <m:oMathParaPr>
+                      <m:jc m:val="centerGroup"/>
+                    </m:oMathParaPr>
+                    <m:oMath xmlns:m="http://schemas.openxmlformats.org/officeDocument/2006/math">
+                      <m:sSub>
+                        <m:sSubPr>
+                          <m:ctrlPr>
+                            <a:rPr lang="en-US" sz="1400" b="1" i="1" smtClean="0">
+                              <a:solidFill>
+                                <a:schemeClr val="accent6"/>
+                              </a:solidFill>
+                              <a:latin typeface="Cambria Math" panose="02040503050406030204" pitchFamily="18" charset="0"/>
+                            </a:rPr>
+                          </m:ctrlPr>
+                        </m:sSubPr>
+                        <m:e>
+                          <m:r>
+                            <a:rPr lang="en-US" sz="1400" b="1" i="1" smtClean="0">
+                              <a:solidFill>
+                                <a:schemeClr val="accent6"/>
+                              </a:solidFill>
+                              <a:latin typeface="Cambria Math" panose="02040503050406030204" pitchFamily="18" charset="0"/>
+                            </a:rPr>
+                            <m:t>𝑼</m:t>
+                          </m:r>
+                        </m:e>
+                        <m:sub>
+                          <m:r>
+                            <a:rPr lang="en-US" sz="1400" b="1" i="1" smtClean="0">
+                              <a:solidFill>
+                                <a:schemeClr val="accent6"/>
+                              </a:solidFill>
+                              <a:latin typeface="Cambria Math" panose="02040503050406030204" pitchFamily="18" charset="0"/>
+                            </a:rPr>
+                            <m:t>𝟏</m:t>
+                          </m:r>
+                        </m:sub>
+                      </m:sSub>
+                    </m:oMath>
+                  </m:oMathPara>
+                </a14:m>
+                <a:endParaRPr lang="en-US" sz="1400" b="1" dirty="0">
+                  <a:solidFill>
+                    <a:schemeClr val="accent6"/>
+                  </a:solidFill>
+                </a:endParaRPr>
+              </a:p>
+            </p:txBody>
+          </p:sp>
+        </mc:Choice>
+        <mc:Fallback>
+          <p:sp>
+            <p:nvSpPr>
+              <p:cNvPr id="43" name="TextBox 42">
+                <a:extLst>
+                  <a:ext uri="{FF2B5EF4-FFF2-40B4-BE49-F238E27FC236}">
+                    <a16:creationId xmlns:a16="http://schemas.microsoft.com/office/drawing/2014/main" id="{7A96D7D0-67F1-889F-3237-BA896F1276E4}"/>
+                  </a:ext>
+                </a:extLst>
+              </p:cNvPr>
+              <p:cNvSpPr txBox="1">
+                <a:spLocks noRot="1" noChangeAspect="1" noMove="1" noResize="1" noEditPoints="1" noAdjustHandles="1" noChangeArrowheads="1" noChangeShapeType="1" noTextEdit="1"/>
+              </p:cNvSpPr>
+              <p:nvPr/>
+            </p:nvSpPr>
+            <p:spPr>
+              <a:xfrm>
+                <a:off x="7072116" y="4839787"/>
+                <a:ext cx="673992" cy="307777"/>
+              </a:xfrm>
+              <a:prstGeom prst="rect">
+                <a:avLst/>
+              </a:prstGeom>
+              <a:blipFill>
+                <a:blip r:embed="rId7"/>
+                <a:stretch>
+                  <a:fillRect/>
+                </a:stretch>
+              </a:blipFill>
+            </p:spPr>
+            <p:txBody>
+              <a:bodyPr/>
+              <a:lstStyle/>
+              <a:p>
+                <a:r>
+                  <a:rPr lang="en-US">
+                    <a:noFill/>
+                  </a:rPr>
+                  <a:t> </a:t>
+                </a:r>
+              </a:p>
+            </p:txBody>
+          </p:sp>
+        </mc:Fallback>
+      </mc:AlternateContent>
+      <p:sp>
+        <p:nvSpPr>
+          <p:cNvPr id="44" name="TextBox 43">
+            <a:extLst>
+              <a:ext uri="{FF2B5EF4-FFF2-40B4-BE49-F238E27FC236}">
+                <a16:creationId xmlns:a16="http://schemas.microsoft.com/office/drawing/2014/main" id="{836AEB86-4638-6B0B-05D7-C97A02684B9C}"/>
+              </a:ext>
+            </a:extLst>
+          </p:cNvPr>
+          <p:cNvSpPr txBox="1"/>
+          <p:nvPr/>
+        </p:nvSpPr>
+        <p:spPr>
+          <a:xfrm>
+            <a:off x="4849487" y="3019334"/>
+            <a:ext cx="304800" cy="369332"/>
+          </a:xfrm>
+          <a:prstGeom prst="rect">
+            <a:avLst/>
+          </a:prstGeom>
+          <a:noFill/>
+        </p:spPr>
+        <p:txBody>
+          <a:bodyPr wrap="square" rtlCol="0">
+            <a:spAutoFit/>
+          </a:bodyPr>
+          <a:lstStyle/>
+          <a:p>
+            <a:r>
+              <a:rPr lang="en-US" b="1" dirty="0"/>
+              <a:t>C</a:t>
+            </a:r>
+          </a:p>
+        </p:txBody>
+      </p:sp>
+      <p:sp>
+        <p:nvSpPr>
+          <p:cNvPr id="46" name="TextBox 45">
+            <a:extLst>
+              <a:ext uri="{FF2B5EF4-FFF2-40B4-BE49-F238E27FC236}">
+                <a16:creationId xmlns:a16="http://schemas.microsoft.com/office/drawing/2014/main" id="{58EF8286-CDD2-F615-0200-BCAB3D23FB10}"/>
+              </a:ext>
+            </a:extLst>
+          </p:cNvPr>
+          <p:cNvSpPr txBox="1"/>
+          <p:nvPr/>
+        </p:nvSpPr>
+        <p:spPr>
+          <a:xfrm>
+            <a:off x="4413132" y="3913668"/>
+            <a:ext cx="304800" cy="369332"/>
+          </a:xfrm>
+          <a:prstGeom prst="rect">
+            <a:avLst/>
+          </a:prstGeom>
+          <a:noFill/>
+        </p:spPr>
+        <p:txBody>
+          <a:bodyPr wrap="square" rtlCol="0">
+            <a:spAutoFit/>
+          </a:bodyPr>
+          <a:lstStyle/>
+          <a:p>
+            <a:r>
+              <a:rPr lang="en-US" b="1" dirty="0"/>
+              <a:t>B</a:t>
+            </a:r>
+          </a:p>
+        </p:txBody>
+      </p:sp>
+      <p:sp>
+        <p:nvSpPr>
+          <p:cNvPr id="47" name="TextBox 46">
+            <a:extLst>
+              <a:ext uri="{FF2B5EF4-FFF2-40B4-BE49-F238E27FC236}">
+                <a16:creationId xmlns:a16="http://schemas.microsoft.com/office/drawing/2014/main" id="{485C5E2A-A540-2381-584E-957F11FD2177}"/>
+              </a:ext>
+            </a:extLst>
+          </p:cNvPr>
+          <p:cNvSpPr txBox="1"/>
+          <p:nvPr/>
+        </p:nvSpPr>
+        <p:spPr>
+          <a:xfrm>
+            <a:off x="5333096" y="4744830"/>
+            <a:ext cx="304800" cy="369332"/>
+          </a:xfrm>
+          <a:prstGeom prst="rect">
+            <a:avLst/>
+          </a:prstGeom>
+          <a:noFill/>
+        </p:spPr>
+        <p:txBody>
+          <a:bodyPr wrap="square" rtlCol="0">
+            <a:spAutoFit/>
+          </a:bodyPr>
+          <a:lstStyle/>
+          <a:p>
+            <a:r>
+              <a:rPr lang="en-US" b="1" dirty="0"/>
+              <a:t>A</a:t>
+            </a:r>
+          </a:p>
+        </p:txBody>
+      </p:sp>
+      <p:sp>
+        <p:nvSpPr>
+          <p:cNvPr id="50" name="Freeform: Shape 49">
+            <a:extLst>
+              <a:ext uri="{FF2B5EF4-FFF2-40B4-BE49-F238E27FC236}">
+                <a16:creationId xmlns:a16="http://schemas.microsoft.com/office/drawing/2014/main" id="{EEB17328-D88D-CD83-16B1-EAB210DE0244}"/>
+              </a:ext>
+            </a:extLst>
+          </p:cNvPr>
+          <p:cNvSpPr/>
+          <p:nvPr/>
+        </p:nvSpPr>
+        <p:spPr>
+          <a:xfrm rot="21273352">
+            <a:off x="4131609" y="2914784"/>
+            <a:ext cx="3038475" cy="2367101"/>
+          </a:xfrm>
+          <a:custGeom>
+            <a:avLst/>
+            <a:gdLst>
+              <a:gd name="connsiteX0" fmla="*/ 0 w 3038475"/>
+              <a:gd name="connsiteY0" fmla="*/ 0 h 2367101"/>
+              <a:gd name="connsiteX1" fmla="*/ 400050 w 3038475"/>
+              <a:gd name="connsiteY1" fmla="*/ 1314450 h 2367101"/>
+              <a:gd name="connsiteX2" fmla="*/ 1285875 w 3038475"/>
+              <a:gd name="connsiteY2" fmla="*/ 2171700 h 2367101"/>
+              <a:gd name="connsiteX3" fmla="*/ 3038475 w 3038475"/>
+              <a:gd name="connsiteY3" fmla="*/ 2324100 h 2367101"/>
+            </a:gdLst>
+            <a:ahLst/>
+            <a:cxnLst>
+              <a:cxn ang="0">
+                <a:pos x="connsiteX0" y="connsiteY0"/>
+              </a:cxn>
+              <a:cxn ang="0">
+                <a:pos x="connsiteX1" y="connsiteY1"/>
+              </a:cxn>
+              <a:cxn ang="0">
+                <a:pos x="connsiteX2" y="connsiteY2"/>
+              </a:cxn>
+              <a:cxn ang="0">
+                <a:pos x="connsiteX3" y="connsiteY3"/>
+              </a:cxn>
+            </a:cxnLst>
+            <a:rect l="l" t="t" r="r" b="b"/>
+            <a:pathLst>
+              <a:path w="3038475" h="2367101">
+                <a:moveTo>
+                  <a:pt x="0" y="0"/>
+                </a:moveTo>
+                <a:cubicBezTo>
+                  <a:pt x="92869" y="476250"/>
+                  <a:pt x="185738" y="952500"/>
+                  <a:pt x="400050" y="1314450"/>
+                </a:cubicBezTo>
+                <a:cubicBezTo>
+                  <a:pt x="614362" y="1676400"/>
+                  <a:pt x="846138" y="2003425"/>
+                  <a:pt x="1285875" y="2171700"/>
+                </a:cubicBezTo>
+                <a:cubicBezTo>
+                  <a:pt x="1725612" y="2339975"/>
+                  <a:pt x="2906713" y="2424112"/>
+                  <a:pt x="3038475" y="2324100"/>
+                </a:cubicBezTo>
+              </a:path>
+            </a:pathLst>
+          </a:custGeom>
+          <a:ln w="38100"/>
+        </p:spPr>
+        <p:style>
+          <a:lnRef idx="3">
+            <a:schemeClr val="accent6"/>
+          </a:lnRef>
+          <a:fillRef idx="0">
+            <a:schemeClr val="accent6"/>
+          </a:fillRef>
+          <a:effectRef idx="2">
+            <a:schemeClr val="accent6"/>
+          </a:effectRef>
+          <a:fontRef idx="minor">
+            <a:schemeClr val="tx1"/>
+          </a:fontRef>
+        </p:style>
+        <p:txBody>
+          <a:bodyPr rtlCol="0" anchor="ctr"/>
+          <a:lstStyle/>
+          <a:p>
+            <a:pPr algn="ctr"/>
+            <a:endParaRPr lang="en-US"/>
+          </a:p>
+        </p:txBody>
+      </p:sp>
+      <p:sp>
+        <p:nvSpPr>
+          <p:cNvPr id="42" name="Oval 41">
+            <a:extLst>
+              <a:ext uri="{FF2B5EF4-FFF2-40B4-BE49-F238E27FC236}">
+                <a16:creationId xmlns:a16="http://schemas.microsoft.com/office/drawing/2014/main" id="{7F51AE43-3D40-F2EC-CBD4-212C9A03C201}"/>
+              </a:ext>
+            </a:extLst>
+          </p:cNvPr>
+          <p:cNvSpPr/>
+          <p:nvPr/>
+        </p:nvSpPr>
+        <p:spPr>
+          <a:xfrm>
+            <a:off x="5271184" y="5009732"/>
+            <a:ext cx="123825" cy="133350"/>
+          </a:xfrm>
+          <a:prstGeom prst="ellipse">
+            <a:avLst/>
+          </a:prstGeom>
+        </p:spPr>
+        <p:style>
+          <a:lnRef idx="2">
+            <a:schemeClr val="dk1">
+              <a:shade val="15000"/>
+            </a:schemeClr>
+          </a:lnRef>
+          <a:fillRef idx="1">
+            <a:schemeClr val="dk1"/>
+          </a:fillRef>
+          <a:effectRef idx="0">
+            <a:schemeClr val="dk1"/>
+          </a:effectRef>
+          <a:fontRef idx="minor">
+            <a:schemeClr val="lt1"/>
+          </a:fontRef>
+        </p:style>
+        <p:txBody>
+          <a:bodyPr rtlCol="0" anchor="ctr"/>
+          <a:lstStyle/>
+          <a:p>
+            <a:pPr algn="ctr"/>
+            <a:endParaRPr lang="en-US"/>
+          </a:p>
+        </p:txBody>
+      </p:sp>
+      <p:sp>
+        <p:nvSpPr>
+          <p:cNvPr id="41" name="Oval 40">
+            <a:extLst>
+              <a:ext uri="{FF2B5EF4-FFF2-40B4-BE49-F238E27FC236}">
+                <a16:creationId xmlns:a16="http://schemas.microsoft.com/office/drawing/2014/main" id="{FA790D94-2843-8941-273D-B5F26199375A}"/>
+              </a:ext>
+            </a:extLst>
+          </p:cNvPr>
+          <p:cNvSpPr/>
+          <p:nvPr/>
+        </p:nvSpPr>
+        <p:spPr>
+          <a:xfrm>
+            <a:off x="4360167" y="4143375"/>
+            <a:ext cx="123825" cy="133350"/>
+          </a:xfrm>
+          <a:prstGeom prst="ellipse">
+            <a:avLst/>
+          </a:prstGeom>
+        </p:spPr>
+        <p:style>
+          <a:lnRef idx="2">
+            <a:schemeClr val="dk1">
+              <a:shade val="15000"/>
+            </a:schemeClr>
+          </a:lnRef>
+          <a:fillRef idx="1">
+            <a:schemeClr val="dk1"/>
+          </a:fillRef>
+          <a:effectRef idx="0">
+            <a:schemeClr val="dk1"/>
+          </a:effectRef>
+          <a:fontRef idx="minor">
+            <a:schemeClr val="lt1"/>
+          </a:fontRef>
+        </p:style>
+        <p:txBody>
+          <a:bodyPr rtlCol="0" anchor="ctr"/>
+          <a:lstStyle/>
+          <a:p>
+            <a:pPr algn="ctr"/>
+            <a:endParaRPr lang="en-US"/>
+          </a:p>
+        </p:txBody>
+      </p:sp>
+      <p:sp>
+        <p:nvSpPr>
+          <p:cNvPr id="52" name="Freeform: Shape 51">
+            <a:extLst>
+              <a:ext uri="{FF2B5EF4-FFF2-40B4-BE49-F238E27FC236}">
+                <a16:creationId xmlns:a16="http://schemas.microsoft.com/office/drawing/2014/main" id="{FDDBD831-337B-6084-6D42-D4DCEE8EF727}"/>
+              </a:ext>
+            </a:extLst>
+          </p:cNvPr>
+          <p:cNvSpPr/>
+          <p:nvPr/>
+        </p:nvSpPr>
+        <p:spPr>
+          <a:xfrm rot="21236934">
+            <a:off x="4294688" y="1648478"/>
+            <a:ext cx="3038475" cy="2367101"/>
+          </a:xfrm>
+          <a:custGeom>
+            <a:avLst/>
+            <a:gdLst>
+              <a:gd name="connsiteX0" fmla="*/ 0 w 3038475"/>
+              <a:gd name="connsiteY0" fmla="*/ 0 h 2367101"/>
+              <a:gd name="connsiteX1" fmla="*/ 400050 w 3038475"/>
+              <a:gd name="connsiteY1" fmla="*/ 1314450 h 2367101"/>
+              <a:gd name="connsiteX2" fmla="*/ 1285875 w 3038475"/>
+              <a:gd name="connsiteY2" fmla="*/ 2171700 h 2367101"/>
+              <a:gd name="connsiteX3" fmla="*/ 3038475 w 3038475"/>
+              <a:gd name="connsiteY3" fmla="*/ 2324100 h 2367101"/>
+            </a:gdLst>
+            <a:ahLst/>
+            <a:cxnLst>
+              <a:cxn ang="0">
+                <a:pos x="connsiteX0" y="connsiteY0"/>
+              </a:cxn>
+              <a:cxn ang="0">
+                <a:pos x="connsiteX1" y="connsiteY1"/>
+              </a:cxn>
+              <a:cxn ang="0">
+                <a:pos x="connsiteX2" y="connsiteY2"/>
+              </a:cxn>
+              <a:cxn ang="0">
+                <a:pos x="connsiteX3" y="connsiteY3"/>
+              </a:cxn>
+            </a:cxnLst>
+            <a:rect l="l" t="t" r="r" b="b"/>
+            <a:pathLst>
+              <a:path w="3038475" h="2367101">
+                <a:moveTo>
+                  <a:pt x="0" y="0"/>
+                </a:moveTo>
+                <a:cubicBezTo>
+                  <a:pt x="92869" y="476250"/>
+                  <a:pt x="185738" y="952500"/>
+                  <a:pt x="400050" y="1314450"/>
+                </a:cubicBezTo>
+                <a:cubicBezTo>
+                  <a:pt x="614362" y="1676400"/>
+                  <a:pt x="846138" y="2003425"/>
+                  <a:pt x="1285875" y="2171700"/>
+                </a:cubicBezTo>
+                <a:cubicBezTo>
+                  <a:pt x="1725612" y="2339975"/>
+                  <a:pt x="2906713" y="2424112"/>
+                  <a:pt x="3038475" y="2324100"/>
+                </a:cubicBezTo>
+              </a:path>
+            </a:pathLst>
+          </a:custGeom>
+          <a:ln w="38100"/>
+        </p:spPr>
+        <p:style>
+          <a:lnRef idx="3">
+            <a:schemeClr val="accent6"/>
+          </a:lnRef>
+          <a:fillRef idx="0">
+            <a:schemeClr val="accent6"/>
+          </a:fillRef>
+          <a:effectRef idx="2">
+            <a:schemeClr val="accent6"/>
+          </a:effectRef>
+          <a:fontRef idx="minor">
+            <a:schemeClr val="tx1"/>
+          </a:fontRef>
+        </p:style>
+        <p:txBody>
+          <a:bodyPr rtlCol="0" anchor="ctr"/>
+          <a:lstStyle/>
+          <a:p>
+            <a:pPr algn="ctr"/>
+            <a:endParaRPr lang="en-US"/>
+          </a:p>
+        </p:txBody>
+      </p:sp>
+      <p:sp>
+        <p:nvSpPr>
+          <p:cNvPr id="40" name="Oval 39">
+            <a:extLst>
+              <a:ext uri="{FF2B5EF4-FFF2-40B4-BE49-F238E27FC236}">
+                <a16:creationId xmlns:a16="http://schemas.microsoft.com/office/drawing/2014/main" id="{6F9812BE-A418-F4A3-C2EC-909BA7C1253C}"/>
+              </a:ext>
+            </a:extLst>
+          </p:cNvPr>
+          <p:cNvSpPr/>
+          <p:nvPr/>
+        </p:nvSpPr>
+        <p:spPr>
+          <a:xfrm>
+            <a:off x="4800600" y="3257550"/>
+            <a:ext cx="123825" cy="133350"/>
+          </a:xfrm>
+          <a:prstGeom prst="ellipse">
+            <a:avLst/>
+          </a:prstGeom>
+        </p:spPr>
+        <p:style>
+          <a:lnRef idx="2">
+            <a:schemeClr val="dk1">
+              <a:shade val="15000"/>
+            </a:schemeClr>
+          </a:lnRef>
+          <a:fillRef idx="1">
+            <a:schemeClr val="dk1"/>
+          </a:fillRef>
+          <a:effectRef idx="0">
+            <a:schemeClr val="dk1"/>
+          </a:effectRef>
+          <a:fontRef idx="minor">
+            <a:schemeClr val="lt1"/>
+          </a:fontRef>
+        </p:style>
+        <p:txBody>
+          <a:bodyPr rtlCol="0" anchor="ctr"/>
+          <a:lstStyle/>
+          <a:p>
+            <a:pPr algn="ctr"/>
+            <a:endParaRPr lang="en-US"/>
+          </a:p>
+        </p:txBody>
+      </p:sp>
+      <p:sp>
+        <p:nvSpPr>
+          <p:cNvPr id="53" name="TextBox 52">
+            <a:extLst>
+              <a:ext uri="{FF2B5EF4-FFF2-40B4-BE49-F238E27FC236}">
+                <a16:creationId xmlns:a16="http://schemas.microsoft.com/office/drawing/2014/main" id="{F40619C6-CE48-7DB9-E446-A44013F77FF6}"/>
+              </a:ext>
+            </a:extLst>
+          </p:cNvPr>
+          <p:cNvSpPr txBox="1"/>
+          <p:nvPr/>
+        </p:nvSpPr>
+        <p:spPr>
+          <a:xfrm>
+            <a:off x="9076207" y="5825608"/>
+            <a:ext cx="572618" cy="369332"/>
+          </a:xfrm>
+          <a:prstGeom prst="rect">
+            <a:avLst/>
+          </a:prstGeom>
+          <a:noFill/>
+        </p:spPr>
+        <p:txBody>
+          <a:bodyPr wrap="square" rtlCol="0">
+            <a:spAutoFit/>
+          </a:bodyPr>
+          <a:lstStyle/>
+          <a:p>
+            <a:r>
+              <a:rPr lang="en-US" b="1" dirty="0"/>
+              <a:t>Fish</a:t>
+            </a:r>
+          </a:p>
+        </p:txBody>
+      </p:sp>
+      <p:sp>
+        <p:nvSpPr>
+          <p:cNvPr id="54" name="TextBox 53">
+            <a:extLst>
+              <a:ext uri="{FF2B5EF4-FFF2-40B4-BE49-F238E27FC236}">
+                <a16:creationId xmlns:a16="http://schemas.microsoft.com/office/drawing/2014/main" id="{45193CAD-7A7A-D0C3-6D29-516619741AA9}"/>
+              </a:ext>
+            </a:extLst>
+          </p:cNvPr>
+          <p:cNvSpPr txBox="1"/>
+          <p:nvPr/>
+        </p:nvSpPr>
+        <p:spPr>
+          <a:xfrm>
+            <a:off x="3222791" y="131891"/>
+            <a:ext cx="660067" cy="369332"/>
+          </a:xfrm>
+          <a:prstGeom prst="rect">
+            <a:avLst/>
+          </a:prstGeom>
+          <a:noFill/>
+        </p:spPr>
+        <p:txBody>
+          <a:bodyPr wrap="square" rtlCol="0">
+            <a:spAutoFit/>
+          </a:bodyPr>
+          <a:lstStyle/>
+          <a:p>
+            <a:r>
+              <a:rPr lang="en-US" b="1" dirty="0"/>
+              <a:t>Rice</a:t>
+            </a:r>
+          </a:p>
+        </p:txBody>
+      </p:sp>
+    </p:spTree>
+    <p:extLst>
+      <p:ext uri="{BB962C8B-B14F-4D97-AF65-F5344CB8AC3E}">
+        <p14:creationId xmlns:p14="http://schemas.microsoft.com/office/powerpoint/2010/main" val="3550727609"/>
       </p:ext>
     </p:extLst>
   </p:cSld>
@@ -13548,8 +14890,8 @@
           <a:chExt cx="0" cy="0"/>
         </a:xfrm>
       </p:grpSpPr>
-      <mc:AlternateContent xmlns:mc="http://schemas.openxmlformats.org/markup-compatibility/2006">
-        <mc:Choice xmlns:a14="http://schemas.microsoft.com/office/drawing/2010/main" Requires="a14">
+      <mc:AlternateContent xmlns:mc="http://schemas.openxmlformats.org/markup-compatibility/2006" xmlns:a14="http://schemas.microsoft.com/office/drawing/2010/main">
+        <mc:Choice Requires="a14">
           <p:sp>
             <p:nvSpPr>
               <p:cNvPr id="26" name="TextBox 25">
@@ -13606,7 +14948,7 @@
             </p:txBody>
           </p:sp>
         </mc:Choice>
-        <mc:Fallback>
+        <mc:Fallback xmlns="">
           <p:sp>
             <p:nvSpPr>
               <p:cNvPr id="26" name="TextBox 25">
@@ -13651,8 +14993,8 @@
           </p:sp>
         </mc:Fallback>
       </mc:AlternateContent>
-      <mc:AlternateContent xmlns:mc="http://schemas.openxmlformats.org/markup-compatibility/2006">
-        <mc:Choice xmlns:a14="http://schemas.microsoft.com/office/drawing/2010/main" Requires="a14">
+      <mc:AlternateContent xmlns:mc="http://schemas.openxmlformats.org/markup-compatibility/2006" xmlns:a14="http://schemas.microsoft.com/office/drawing/2010/main">
+        <mc:Choice Requires="a14">
           <p:sp>
             <p:nvSpPr>
               <p:cNvPr id="27" name="TextBox 26">
@@ -13709,7 +15051,7 @@
             </p:txBody>
           </p:sp>
         </mc:Choice>
-        <mc:Fallback>
+        <mc:Fallback xmlns="">
           <p:sp>
             <p:nvSpPr>
               <p:cNvPr id="27" name="TextBox 26">
@@ -13797,8 +15139,8 @@
           </a:fontRef>
         </p:style>
       </p:cxnSp>
-      <mc:AlternateContent xmlns:mc="http://schemas.openxmlformats.org/markup-compatibility/2006">
-        <mc:Choice xmlns:a14="http://schemas.microsoft.com/office/drawing/2010/main" Requires="a14">
+      <mc:AlternateContent xmlns:mc="http://schemas.openxmlformats.org/markup-compatibility/2006" xmlns:a14="http://schemas.microsoft.com/office/drawing/2010/main">
+        <mc:Choice Requires="a14">
           <p:sp>
             <p:nvSpPr>
               <p:cNvPr id="15" name="TextBox 14">
@@ -13907,7 +15249,7 @@
             </p:txBody>
           </p:sp>
         </mc:Choice>
-        <mc:Fallback>
+        <mc:Fallback xmlns="">
           <p:sp>
             <p:nvSpPr>
               <p:cNvPr id="15" name="TextBox 14">
@@ -13952,8 +15294,8 @@
           </p:sp>
         </mc:Fallback>
       </mc:AlternateContent>
-      <mc:AlternateContent xmlns:mc="http://schemas.openxmlformats.org/markup-compatibility/2006">
-        <mc:Choice xmlns:a14="http://schemas.microsoft.com/office/drawing/2010/main" Requires="a14">
+      <mc:AlternateContent xmlns:mc="http://schemas.openxmlformats.org/markup-compatibility/2006" xmlns:a14="http://schemas.microsoft.com/office/drawing/2010/main">
+        <mc:Choice Requires="a14">
           <p:sp>
             <p:nvSpPr>
               <p:cNvPr id="16" name="TextBox 15">
@@ -14060,7 +15402,7 @@
             </p:txBody>
           </p:sp>
         </mc:Choice>
-        <mc:Fallback>
+        <mc:Fallback xmlns="">
           <p:sp>
             <p:nvSpPr>
               <p:cNvPr id="16" name="TextBox 15">
@@ -14144,8 +15486,8 @@
           </a:fontRef>
         </p:style>
       </p:cxnSp>
-      <mc:AlternateContent xmlns:mc="http://schemas.openxmlformats.org/markup-compatibility/2006">
-        <mc:Choice xmlns:a14="http://schemas.microsoft.com/office/drawing/2010/main" Requires="a14">
+      <mc:AlternateContent xmlns:mc="http://schemas.openxmlformats.org/markup-compatibility/2006" xmlns:a14="http://schemas.microsoft.com/office/drawing/2010/main">
+        <mc:Choice Requires="a14">
           <p:sp>
             <p:nvSpPr>
               <p:cNvPr id="7" name="TextBox 6">
@@ -14252,7 +15594,7 @@
             </p:txBody>
           </p:sp>
         </mc:Choice>
-        <mc:Fallback>
+        <mc:Fallback xmlns="">
           <p:sp>
             <p:nvSpPr>
               <p:cNvPr id="7" name="TextBox 6">
@@ -14297,8 +15639,8 @@
           </p:sp>
         </mc:Fallback>
       </mc:AlternateContent>
-      <mc:AlternateContent xmlns:mc="http://schemas.openxmlformats.org/markup-compatibility/2006">
-        <mc:Choice xmlns:a14="http://schemas.microsoft.com/office/drawing/2010/main" Requires="a14">
+      <mc:AlternateContent xmlns:mc="http://schemas.openxmlformats.org/markup-compatibility/2006" xmlns:a14="http://schemas.microsoft.com/office/drawing/2010/main">
+        <mc:Choice Requires="a14">
           <p:sp>
             <p:nvSpPr>
               <p:cNvPr id="9" name="TextBox 8">
@@ -14405,7 +15747,7 @@
             </p:txBody>
           </p:sp>
         </mc:Choice>
-        <mc:Fallback>
+        <mc:Fallback xmlns="">
           <p:sp>
             <p:nvSpPr>
               <p:cNvPr id="9" name="TextBox 8">
@@ -14450,8 +15792,8 @@
           </p:sp>
         </mc:Fallback>
       </mc:AlternateContent>
-      <mc:AlternateContent xmlns:mc="http://schemas.openxmlformats.org/markup-compatibility/2006">
-        <mc:Choice xmlns:a14="http://schemas.microsoft.com/office/drawing/2010/main" Requires="a14">
+      <mc:AlternateContent xmlns:mc="http://schemas.openxmlformats.org/markup-compatibility/2006" xmlns:a14="http://schemas.microsoft.com/office/drawing/2010/main">
+        <mc:Choice Requires="a14">
           <p:sp>
             <p:nvSpPr>
               <p:cNvPr id="10" name="TextBox 9">
@@ -14517,7 +15859,7 @@
             </p:txBody>
           </p:sp>
         </mc:Choice>
-        <mc:Fallback>
+        <mc:Fallback xmlns="">
           <p:sp>
             <p:nvSpPr>
               <p:cNvPr id="10" name="TextBox 9">
@@ -14562,8 +15904,8 @@
           </p:sp>
         </mc:Fallback>
       </mc:AlternateContent>
-      <mc:AlternateContent xmlns:mc="http://schemas.openxmlformats.org/markup-compatibility/2006">
-        <mc:Choice xmlns:a14="http://schemas.microsoft.com/office/drawing/2010/main" Requires="a14">
+      <mc:AlternateContent xmlns:mc="http://schemas.openxmlformats.org/markup-compatibility/2006" xmlns:a14="http://schemas.microsoft.com/office/drawing/2010/main">
+        <mc:Choice Requires="a14">
           <p:sp>
             <p:nvSpPr>
               <p:cNvPr id="11" name="TextBox 10">
@@ -14629,7 +15971,7 @@
             </p:txBody>
           </p:sp>
         </mc:Choice>
-        <mc:Fallback>
+        <mc:Fallback xmlns="">
           <p:sp>
             <p:nvSpPr>
               <p:cNvPr id="11" name="TextBox 10">
@@ -14889,8 +16231,8 @@
           </a:fontRef>
         </p:style>
       </p:cxnSp>
-      <mc:AlternateContent xmlns:mc="http://schemas.openxmlformats.org/markup-compatibility/2006">
-        <mc:Choice xmlns:a14="http://schemas.microsoft.com/office/drawing/2010/main" Requires="a14">
+      <mc:AlternateContent xmlns:mc="http://schemas.openxmlformats.org/markup-compatibility/2006" xmlns:a14="http://schemas.microsoft.com/office/drawing/2010/main">
+        <mc:Choice Requires="a14">
           <p:sp>
             <p:nvSpPr>
               <p:cNvPr id="23" name="TextBox 22">
@@ -14997,7 +16339,7 @@
             </p:txBody>
           </p:sp>
         </mc:Choice>
-        <mc:Fallback>
+        <mc:Fallback xmlns="">
           <p:sp>
             <p:nvSpPr>
               <p:cNvPr id="23" name="TextBox 22">
@@ -15042,8 +16384,8 @@
           </p:sp>
         </mc:Fallback>
       </mc:AlternateContent>
-      <mc:AlternateContent xmlns:mc="http://schemas.openxmlformats.org/markup-compatibility/2006">
-        <mc:Choice xmlns:a14="http://schemas.microsoft.com/office/drawing/2010/main" Requires="a14">
+      <mc:AlternateContent xmlns:mc="http://schemas.openxmlformats.org/markup-compatibility/2006" xmlns:a14="http://schemas.microsoft.com/office/drawing/2010/main">
+        <mc:Choice Requires="a14">
           <p:sp>
             <p:nvSpPr>
               <p:cNvPr id="24" name="TextBox 23">
@@ -15152,7 +16494,7 @@
             </p:txBody>
           </p:sp>
         </mc:Choice>
-        <mc:Fallback>
+        <mc:Fallback xmlns="">
           <p:sp>
             <p:nvSpPr>
               <p:cNvPr id="24" name="TextBox 23">

--- a/Slides/graph-maker.pptx
+++ b/Slides/graph-maker.pptx
@@ -22,6 +22,7 @@
     <p:sldId id="269" r:id="rId16"/>
     <p:sldId id="270" r:id="rId17"/>
     <p:sldId id="272" r:id="rId18"/>
+    <p:sldId id="273" r:id="rId19"/>
   </p:sldIdLst>
   <p:sldSz cx="12192000" cy="6858000"/>
   <p:notesSz cx="6858000" cy="9144000"/>
@@ -275,7 +276,7 @@
           <a:p>
             <a:fld id="{B3C0BABF-8EDA-4B51-8A1B-0A9A6121571D}" type="datetimeFigureOut">
               <a:rPr lang="en-US" smtClean="0"/>
-              <a:t>1/31/2024</a:t>
+              <a:t>2/2/2024</a:t>
             </a:fld>
             <a:endParaRPr lang="en-US"/>
           </a:p>
@@ -473,7 +474,7 @@
           <a:p>
             <a:fld id="{B3C0BABF-8EDA-4B51-8A1B-0A9A6121571D}" type="datetimeFigureOut">
               <a:rPr lang="en-US" smtClean="0"/>
-              <a:t>1/31/2024</a:t>
+              <a:t>2/2/2024</a:t>
             </a:fld>
             <a:endParaRPr lang="en-US"/>
           </a:p>
@@ -681,7 +682,7 @@
           <a:p>
             <a:fld id="{B3C0BABF-8EDA-4B51-8A1B-0A9A6121571D}" type="datetimeFigureOut">
               <a:rPr lang="en-US" smtClean="0"/>
-              <a:t>1/31/2024</a:t>
+              <a:t>2/2/2024</a:t>
             </a:fld>
             <a:endParaRPr lang="en-US"/>
           </a:p>
@@ -879,7 +880,7 @@
           <a:p>
             <a:fld id="{B3C0BABF-8EDA-4B51-8A1B-0A9A6121571D}" type="datetimeFigureOut">
               <a:rPr lang="en-US" smtClean="0"/>
-              <a:t>1/31/2024</a:t>
+              <a:t>2/2/2024</a:t>
             </a:fld>
             <a:endParaRPr lang="en-US"/>
           </a:p>
@@ -1154,7 +1155,7 @@
           <a:p>
             <a:fld id="{B3C0BABF-8EDA-4B51-8A1B-0A9A6121571D}" type="datetimeFigureOut">
               <a:rPr lang="en-US" smtClean="0"/>
-              <a:t>1/31/2024</a:t>
+              <a:t>2/2/2024</a:t>
             </a:fld>
             <a:endParaRPr lang="en-US"/>
           </a:p>
@@ -1419,7 +1420,7 @@
           <a:p>
             <a:fld id="{B3C0BABF-8EDA-4B51-8A1B-0A9A6121571D}" type="datetimeFigureOut">
               <a:rPr lang="en-US" smtClean="0"/>
-              <a:t>1/31/2024</a:t>
+              <a:t>2/2/2024</a:t>
             </a:fld>
             <a:endParaRPr lang="en-US"/>
           </a:p>
@@ -1831,7 +1832,7 @@
           <a:p>
             <a:fld id="{B3C0BABF-8EDA-4B51-8A1B-0A9A6121571D}" type="datetimeFigureOut">
               <a:rPr lang="en-US" smtClean="0"/>
-              <a:t>1/31/2024</a:t>
+              <a:t>2/2/2024</a:t>
             </a:fld>
             <a:endParaRPr lang="en-US"/>
           </a:p>
@@ -1972,7 +1973,7 @@
           <a:p>
             <a:fld id="{B3C0BABF-8EDA-4B51-8A1B-0A9A6121571D}" type="datetimeFigureOut">
               <a:rPr lang="en-US" smtClean="0"/>
-              <a:t>1/31/2024</a:t>
+              <a:t>2/2/2024</a:t>
             </a:fld>
             <a:endParaRPr lang="en-US"/>
           </a:p>
@@ -2085,7 +2086,7 @@
           <a:p>
             <a:fld id="{B3C0BABF-8EDA-4B51-8A1B-0A9A6121571D}" type="datetimeFigureOut">
               <a:rPr lang="en-US" smtClean="0"/>
-              <a:t>1/31/2024</a:t>
+              <a:t>2/2/2024</a:t>
             </a:fld>
             <a:endParaRPr lang="en-US"/>
           </a:p>
@@ -2396,7 +2397,7 @@
           <a:p>
             <a:fld id="{B3C0BABF-8EDA-4B51-8A1B-0A9A6121571D}" type="datetimeFigureOut">
               <a:rPr lang="en-US" smtClean="0"/>
-              <a:t>1/31/2024</a:t>
+              <a:t>2/2/2024</a:t>
             </a:fld>
             <a:endParaRPr lang="en-US"/>
           </a:p>
@@ -2684,7 +2685,7 @@
           <a:p>
             <a:fld id="{B3C0BABF-8EDA-4B51-8A1B-0A9A6121571D}" type="datetimeFigureOut">
               <a:rPr lang="en-US" smtClean="0"/>
-              <a:t>1/31/2024</a:t>
+              <a:t>2/2/2024</a:t>
             </a:fld>
             <a:endParaRPr lang="en-US"/>
           </a:p>
@@ -2925,7 +2926,7 @@
           <a:p>
             <a:fld id="{B3C0BABF-8EDA-4B51-8A1B-0A9A6121571D}" type="datetimeFigureOut">
               <a:rPr lang="en-US" smtClean="0"/>
-              <a:t>1/31/2024</a:t>
+              <a:t>2/2/2024</a:t>
             </a:fld>
             <a:endParaRPr lang="en-US"/>
           </a:p>
@@ -10348,8 +10349,8 @@
           </a:fontRef>
         </p:style>
       </p:cxnSp>
-      <mc:AlternateContent xmlns:mc="http://schemas.openxmlformats.org/markup-compatibility/2006">
-        <mc:Choice xmlns:a14="http://schemas.microsoft.com/office/drawing/2010/main" Requires="a14">
+      <mc:AlternateContent xmlns:mc="http://schemas.openxmlformats.org/markup-compatibility/2006" xmlns:a14="http://schemas.microsoft.com/office/drawing/2010/main">
+        <mc:Choice Requires="a14">
           <p:sp>
             <p:nvSpPr>
               <p:cNvPr id="13" name="TextBox 12">
@@ -10378,6 +10379,7 @@
               </a:bodyPr>
               <a:lstStyle/>
               <a:p>
+                <a:pPr/>
                 <a14:m>
                   <m:oMathPara xmlns:m="http://schemas.openxmlformats.org/officeDocument/2006/math">
                     <m:oMathParaPr>
@@ -10449,7 +10451,7 @@
             </p:txBody>
           </p:sp>
         </mc:Choice>
-        <mc:Fallback>
+        <mc:Fallback xmlns="">
           <p:sp>
             <p:nvSpPr>
               <p:cNvPr id="13" name="TextBox 12">
@@ -10494,8 +10496,8 @@
           </p:sp>
         </mc:Fallback>
       </mc:AlternateContent>
-      <mc:AlternateContent xmlns:mc="http://schemas.openxmlformats.org/markup-compatibility/2006">
-        <mc:Choice xmlns:a14="http://schemas.microsoft.com/office/drawing/2010/main" Requires="a14">
+      <mc:AlternateContent xmlns:mc="http://schemas.openxmlformats.org/markup-compatibility/2006" xmlns:a14="http://schemas.microsoft.com/office/drawing/2010/main">
+        <mc:Choice Requires="a14">
           <p:sp>
             <p:nvSpPr>
               <p:cNvPr id="16" name="TextBox 15">
@@ -10524,6 +10526,7 @@
               </a:bodyPr>
               <a:lstStyle/>
               <a:p>
+                <a:pPr/>
                 <a14:m>
                   <m:oMathPara xmlns:m="http://schemas.openxmlformats.org/officeDocument/2006/math">
                     <m:oMathParaPr>
@@ -10576,7 +10579,7 @@
             </p:txBody>
           </p:sp>
         </mc:Choice>
-        <mc:Fallback>
+        <mc:Fallback xmlns="">
           <p:sp>
             <p:nvSpPr>
               <p:cNvPr id="16" name="TextBox 15">
@@ -10660,8 +10663,8 @@
           </a:fontRef>
         </p:style>
       </p:cxnSp>
-      <mc:AlternateContent xmlns:mc="http://schemas.openxmlformats.org/markup-compatibility/2006">
-        <mc:Choice xmlns:a14="http://schemas.microsoft.com/office/drawing/2010/main" Requires="a14">
+      <mc:AlternateContent xmlns:mc="http://schemas.openxmlformats.org/markup-compatibility/2006" xmlns:a14="http://schemas.microsoft.com/office/drawing/2010/main">
+        <mc:Choice Requires="a14">
           <p:sp>
             <p:nvSpPr>
               <p:cNvPr id="27" name="TextBox 26">
@@ -10690,6 +10693,7 @@
               </a:bodyPr>
               <a:lstStyle/>
               <a:p>
+                <a:pPr/>
                 <a14:m>
                   <m:oMathPara xmlns:m="http://schemas.openxmlformats.org/officeDocument/2006/math">
                     <m:oMathParaPr>
@@ -10761,7 +10765,7 @@
             </p:txBody>
           </p:sp>
         </mc:Choice>
-        <mc:Fallback>
+        <mc:Fallback xmlns="">
           <p:sp>
             <p:nvSpPr>
               <p:cNvPr id="27" name="TextBox 26">
@@ -10847,8 +10851,8 @@
           </a:fontRef>
         </p:style>
       </p:cxnSp>
-      <mc:AlternateContent xmlns:mc="http://schemas.openxmlformats.org/markup-compatibility/2006">
-        <mc:Choice xmlns:a14="http://schemas.microsoft.com/office/drawing/2010/main" Requires="a14">
+      <mc:AlternateContent xmlns:mc="http://schemas.openxmlformats.org/markup-compatibility/2006" xmlns:a14="http://schemas.microsoft.com/office/drawing/2010/main">
+        <mc:Choice Requires="a14">
           <p:sp>
             <p:nvSpPr>
               <p:cNvPr id="32" name="TextBox 31">
@@ -10877,6 +10881,7 @@
               </a:bodyPr>
               <a:lstStyle/>
               <a:p>
+                <a:pPr/>
                 <a14:m>
                   <m:oMathPara xmlns:m="http://schemas.openxmlformats.org/officeDocument/2006/math">
                     <m:oMathParaPr>
@@ -10919,7 +10924,7 @@
             </p:txBody>
           </p:sp>
         </mc:Choice>
-        <mc:Fallback>
+        <mc:Fallback xmlns="">
           <p:sp>
             <p:nvSpPr>
               <p:cNvPr id="32" name="TextBox 31">
@@ -10964,8 +10969,8 @@
           </p:sp>
         </mc:Fallback>
       </mc:AlternateContent>
-      <mc:AlternateContent xmlns:mc="http://schemas.openxmlformats.org/markup-compatibility/2006">
-        <mc:Choice xmlns:a14="http://schemas.microsoft.com/office/drawing/2010/main" Requires="a14">
+      <mc:AlternateContent xmlns:mc="http://schemas.openxmlformats.org/markup-compatibility/2006" xmlns:a14="http://schemas.microsoft.com/office/drawing/2010/main">
+        <mc:Choice Requires="a14">
           <p:sp>
             <p:nvSpPr>
               <p:cNvPr id="43" name="TextBox 42">
@@ -10994,6 +10999,7 @@
               </a:bodyPr>
               <a:lstStyle/>
               <a:p>
+                <a:pPr/>
                 <a14:m>
                   <m:oMathPara xmlns:m="http://schemas.openxmlformats.org/officeDocument/2006/math">
                     <m:oMathParaPr>
@@ -11046,7 +11052,7 @@
             </p:txBody>
           </p:sp>
         </mc:Choice>
-        <mc:Fallback>
+        <mc:Fallback xmlns="">
           <p:sp>
             <p:nvSpPr>
               <p:cNvPr id="43" name="TextBox 42">
@@ -11594,6 +11600,36 @@
     <p:extLst>
       <p:ext uri="{BB962C8B-B14F-4D97-AF65-F5344CB8AC3E}">
         <p14:creationId xmlns:p14="http://schemas.microsoft.com/office/powerpoint/2010/main" val="3550727609"/>
+      </p:ext>
+    </p:extLst>
+  </p:cSld>
+  <p:clrMapOvr>
+    <a:masterClrMapping/>
+  </p:clrMapOvr>
+</p:sld>
+</file>
+
+<file path=ppt/slides/slide18.xml><?xml version="1.0" encoding="utf-8"?>
+<p:sld xmlns:a="http://schemas.openxmlformats.org/drawingml/2006/main" xmlns:r="http://schemas.openxmlformats.org/officeDocument/2006/relationships" xmlns:p="http://schemas.openxmlformats.org/presentationml/2006/main">
+  <p:cSld>
+    <p:spTree>
+      <p:nvGrpSpPr>
+        <p:cNvPr id="1" name=""/>
+        <p:cNvGrpSpPr/>
+        <p:nvPr/>
+      </p:nvGrpSpPr>
+      <p:grpSpPr>
+        <a:xfrm>
+          <a:off x="0" y="0"/>
+          <a:ext cx="0" cy="0"/>
+          <a:chOff x="0" y="0"/>
+          <a:chExt cx="0" cy="0"/>
+        </a:xfrm>
+      </p:grpSpPr>
+    </p:spTree>
+    <p:extLst>
+      <p:ext uri="{BB962C8B-B14F-4D97-AF65-F5344CB8AC3E}">
+        <p14:creationId xmlns:p14="http://schemas.microsoft.com/office/powerpoint/2010/main" val="3436951045"/>
       </p:ext>
     </p:extLst>
   </p:cSld>

--- a/Slides/graph-maker.pptx
+++ b/Slides/graph-maker.pptx
@@ -276,7 +276,7 @@
           <a:p>
             <a:fld id="{B3C0BABF-8EDA-4B51-8A1B-0A9A6121571D}" type="datetimeFigureOut">
               <a:rPr lang="en-US" smtClean="0"/>
-              <a:t>2/2/2024</a:t>
+              <a:t>2/12/2024</a:t>
             </a:fld>
             <a:endParaRPr lang="en-US"/>
           </a:p>
@@ -474,7 +474,7 @@
           <a:p>
             <a:fld id="{B3C0BABF-8EDA-4B51-8A1B-0A9A6121571D}" type="datetimeFigureOut">
               <a:rPr lang="en-US" smtClean="0"/>
-              <a:t>2/2/2024</a:t>
+              <a:t>2/12/2024</a:t>
             </a:fld>
             <a:endParaRPr lang="en-US"/>
           </a:p>
@@ -682,7 +682,7 @@
           <a:p>
             <a:fld id="{B3C0BABF-8EDA-4B51-8A1B-0A9A6121571D}" type="datetimeFigureOut">
               <a:rPr lang="en-US" smtClean="0"/>
-              <a:t>2/2/2024</a:t>
+              <a:t>2/12/2024</a:t>
             </a:fld>
             <a:endParaRPr lang="en-US"/>
           </a:p>
@@ -880,7 +880,7 @@
           <a:p>
             <a:fld id="{B3C0BABF-8EDA-4B51-8A1B-0A9A6121571D}" type="datetimeFigureOut">
               <a:rPr lang="en-US" smtClean="0"/>
-              <a:t>2/2/2024</a:t>
+              <a:t>2/12/2024</a:t>
             </a:fld>
             <a:endParaRPr lang="en-US"/>
           </a:p>
@@ -1155,7 +1155,7 @@
           <a:p>
             <a:fld id="{B3C0BABF-8EDA-4B51-8A1B-0A9A6121571D}" type="datetimeFigureOut">
               <a:rPr lang="en-US" smtClean="0"/>
-              <a:t>2/2/2024</a:t>
+              <a:t>2/12/2024</a:t>
             </a:fld>
             <a:endParaRPr lang="en-US"/>
           </a:p>
@@ -1420,7 +1420,7 @@
           <a:p>
             <a:fld id="{B3C0BABF-8EDA-4B51-8A1B-0A9A6121571D}" type="datetimeFigureOut">
               <a:rPr lang="en-US" smtClean="0"/>
-              <a:t>2/2/2024</a:t>
+              <a:t>2/12/2024</a:t>
             </a:fld>
             <a:endParaRPr lang="en-US"/>
           </a:p>
@@ -1832,7 +1832,7 @@
           <a:p>
             <a:fld id="{B3C0BABF-8EDA-4B51-8A1B-0A9A6121571D}" type="datetimeFigureOut">
               <a:rPr lang="en-US" smtClean="0"/>
-              <a:t>2/2/2024</a:t>
+              <a:t>2/12/2024</a:t>
             </a:fld>
             <a:endParaRPr lang="en-US"/>
           </a:p>
@@ -1973,7 +1973,7 @@
           <a:p>
             <a:fld id="{B3C0BABF-8EDA-4B51-8A1B-0A9A6121571D}" type="datetimeFigureOut">
               <a:rPr lang="en-US" smtClean="0"/>
-              <a:t>2/2/2024</a:t>
+              <a:t>2/12/2024</a:t>
             </a:fld>
             <a:endParaRPr lang="en-US"/>
           </a:p>
@@ -2086,7 +2086,7 @@
           <a:p>
             <a:fld id="{B3C0BABF-8EDA-4B51-8A1B-0A9A6121571D}" type="datetimeFigureOut">
               <a:rPr lang="en-US" smtClean="0"/>
-              <a:t>2/2/2024</a:t>
+              <a:t>2/12/2024</a:t>
             </a:fld>
             <a:endParaRPr lang="en-US"/>
           </a:p>
@@ -2397,7 +2397,7 @@
           <a:p>
             <a:fld id="{B3C0BABF-8EDA-4B51-8A1B-0A9A6121571D}" type="datetimeFigureOut">
               <a:rPr lang="en-US" smtClean="0"/>
-              <a:t>2/2/2024</a:t>
+              <a:t>2/12/2024</a:t>
             </a:fld>
             <a:endParaRPr lang="en-US"/>
           </a:p>
@@ -2685,7 +2685,7 @@
           <a:p>
             <a:fld id="{B3C0BABF-8EDA-4B51-8A1B-0A9A6121571D}" type="datetimeFigureOut">
               <a:rPr lang="en-US" smtClean="0"/>
-              <a:t>2/2/2024</a:t>
+              <a:t>2/12/2024</a:t>
             </a:fld>
             <a:endParaRPr lang="en-US"/>
           </a:p>
@@ -2926,7 +2926,7 @@
           <a:p>
             <a:fld id="{B3C0BABF-8EDA-4B51-8A1B-0A9A6121571D}" type="datetimeFigureOut">
               <a:rPr lang="en-US" smtClean="0"/>
-              <a:t>2/2/2024</a:t>
+              <a:t>2/12/2024</a:t>
             </a:fld>
             <a:endParaRPr lang="en-US"/>
           </a:p>
@@ -11626,6 +11626,2131 @@
           <a:chExt cx="0" cy="0"/>
         </a:xfrm>
       </p:grpSpPr>
+      <p:cxnSp>
+        <p:nvCxnSpPr>
+          <p:cNvPr id="12" name="Straight Connector 11">
+            <a:extLst>
+              <a:ext uri="{FF2B5EF4-FFF2-40B4-BE49-F238E27FC236}">
+                <a16:creationId xmlns:a16="http://schemas.microsoft.com/office/drawing/2014/main" id="{9DEF815E-EECD-95E3-917E-0B986BFE4302}"/>
+              </a:ext>
+            </a:extLst>
+          </p:cNvPr>
+          <p:cNvCxnSpPr>
+            <a:cxnSpLocks/>
+            <a:endCxn id="8" idx="4"/>
+          </p:cNvCxnSpPr>
+          <p:nvPr/>
+        </p:nvCxnSpPr>
+        <p:spPr>
+          <a:xfrm flipV="1">
+            <a:off x="3428171" y="5418251"/>
+            <a:ext cx="1" cy="777855"/>
+          </a:xfrm>
+          <a:prstGeom prst="line">
+            <a:avLst/>
+          </a:prstGeom>
+          <a:ln w="28575">
+            <a:prstDash val="dash"/>
+          </a:ln>
+        </p:spPr>
+        <p:style>
+          <a:lnRef idx="1">
+            <a:schemeClr val="accent1"/>
+          </a:lnRef>
+          <a:fillRef idx="0">
+            <a:schemeClr val="accent1"/>
+          </a:fillRef>
+          <a:effectRef idx="0">
+            <a:schemeClr val="accent1"/>
+          </a:effectRef>
+          <a:fontRef idx="minor">
+            <a:schemeClr val="tx1"/>
+          </a:fontRef>
+        </p:style>
+      </p:cxnSp>
+      <p:cxnSp>
+        <p:nvCxnSpPr>
+          <p:cNvPr id="15" name="Straight Connector 14">
+            <a:extLst>
+              <a:ext uri="{FF2B5EF4-FFF2-40B4-BE49-F238E27FC236}">
+                <a16:creationId xmlns:a16="http://schemas.microsoft.com/office/drawing/2014/main" id="{28D7C0F8-DABC-D139-ACD6-B0CFE5A8932A}"/>
+              </a:ext>
+            </a:extLst>
+          </p:cNvPr>
+          <p:cNvCxnSpPr>
+            <a:cxnSpLocks/>
+          </p:cNvCxnSpPr>
+          <p:nvPr/>
+        </p:nvCxnSpPr>
+        <p:spPr>
+          <a:xfrm flipV="1">
+            <a:off x="4834407" y="4265324"/>
+            <a:ext cx="0" cy="1930782"/>
+          </a:xfrm>
+          <a:prstGeom prst="line">
+            <a:avLst/>
+          </a:prstGeom>
+          <a:ln w="28575">
+            <a:prstDash val="dash"/>
+          </a:ln>
+        </p:spPr>
+        <p:style>
+          <a:lnRef idx="1">
+            <a:schemeClr val="accent1"/>
+          </a:lnRef>
+          <a:fillRef idx="0">
+            <a:schemeClr val="accent1"/>
+          </a:fillRef>
+          <a:effectRef idx="0">
+            <a:schemeClr val="accent1"/>
+          </a:effectRef>
+          <a:fontRef idx="minor">
+            <a:schemeClr val="tx1"/>
+          </a:fontRef>
+        </p:style>
+      </p:cxnSp>
+      <p:cxnSp>
+        <p:nvCxnSpPr>
+          <p:cNvPr id="18" name="Straight Connector 17">
+            <a:extLst>
+              <a:ext uri="{FF2B5EF4-FFF2-40B4-BE49-F238E27FC236}">
+                <a16:creationId xmlns:a16="http://schemas.microsoft.com/office/drawing/2014/main" id="{230797A6-7EBD-7410-EE02-D14B3EDEB5D1}"/>
+              </a:ext>
+            </a:extLst>
+          </p:cNvPr>
+          <p:cNvCxnSpPr>
+            <a:cxnSpLocks/>
+          </p:cNvCxnSpPr>
+          <p:nvPr/>
+        </p:nvCxnSpPr>
+        <p:spPr>
+          <a:xfrm flipV="1">
+            <a:off x="6095998" y="3056790"/>
+            <a:ext cx="0" cy="3190870"/>
+          </a:xfrm>
+          <a:prstGeom prst="line">
+            <a:avLst/>
+          </a:prstGeom>
+          <a:ln w="28575">
+            <a:prstDash val="dash"/>
+          </a:ln>
+        </p:spPr>
+        <p:style>
+          <a:lnRef idx="1">
+            <a:schemeClr val="accent1"/>
+          </a:lnRef>
+          <a:fillRef idx="0">
+            <a:schemeClr val="accent1"/>
+          </a:fillRef>
+          <a:effectRef idx="0">
+            <a:schemeClr val="accent1"/>
+          </a:effectRef>
+          <a:fontRef idx="minor">
+            <a:schemeClr val="tx1"/>
+          </a:fontRef>
+        </p:style>
+      </p:cxnSp>
+      <p:cxnSp>
+        <p:nvCxnSpPr>
+          <p:cNvPr id="21" name="Straight Connector 20">
+            <a:extLst>
+              <a:ext uri="{FF2B5EF4-FFF2-40B4-BE49-F238E27FC236}">
+                <a16:creationId xmlns:a16="http://schemas.microsoft.com/office/drawing/2014/main" id="{59FB1559-938F-CEB1-DBCC-C14FC3EF9C50}"/>
+              </a:ext>
+            </a:extLst>
+          </p:cNvPr>
+          <p:cNvCxnSpPr>
+            <a:cxnSpLocks/>
+          </p:cNvCxnSpPr>
+          <p:nvPr/>
+        </p:nvCxnSpPr>
+        <p:spPr>
+          <a:xfrm>
+            <a:off x="2321821" y="3059529"/>
+            <a:ext cx="3774177" cy="4254"/>
+          </a:xfrm>
+          <a:prstGeom prst="line">
+            <a:avLst/>
+          </a:prstGeom>
+          <a:ln w="28575">
+            <a:prstDash val="dash"/>
+          </a:ln>
+        </p:spPr>
+        <p:style>
+          <a:lnRef idx="1">
+            <a:schemeClr val="accent1"/>
+          </a:lnRef>
+          <a:fillRef idx="0">
+            <a:schemeClr val="accent1"/>
+          </a:fillRef>
+          <a:effectRef idx="0">
+            <a:schemeClr val="accent1"/>
+          </a:effectRef>
+          <a:fontRef idx="minor">
+            <a:schemeClr val="tx1"/>
+          </a:fontRef>
+        </p:style>
+      </p:cxnSp>
+      <p:cxnSp>
+        <p:nvCxnSpPr>
+          <p:cNvPr id="24" name="Straight Connector 23">
+            <a:extLst>
+              <a:ext uri="{FF2B5EF4-FFF2-40B4-BE49-F238E27FC236}">
+                <a16:creationId xmlns:a16="http://schemas.microsoft.com/office/drawing/2014/main" id="{F453482C-CBAE-7313-A62D-6C67A0D207F0}"/>
+              </a:ext>
+            </a:extLst>
+          </p:cNvPr>
+          <p:cNvCxnSpPr>
+            <a:cxnSpLocks/>
+          </p:cNvCxnSpPr>
+          <p:nvPr/>
+        </p:nvCxnSpPr>
+        <p:spPr>
+          <a:xfrm>
+            <a:off x="2295193" y="4180985"/>
+            <a:ext cx="2539214" cy="0"/>
+          </a:xfrm>
+          <a:prstGeom prst="line">
+            <a:avLst/>
+          </a:prstGeom>
+          <a:ln w="28575">
+            <a:prstDash val="dash"/>
+          </a:ln>
+        </p:spPr>
+        <p:style>
+          <a:lnRef idx="1">
+            <a:schemeClr val="accent1"/>
+          </a:lnRef>
+          <a:fillRef idx="0">
+            <a:schemeClr val="accent1"/>
+          </a:fillRef>
+          <a:effectRef idx="0">
+            <a:schemeClr val="accent1"/>
+          </a:effectRef>
+          <a:fontRef idx="minor">
+            <a:schemeClr val="tx1"/>
+          </a:fontRef>
+        </p:style>
+      </p:cxnSp>
+      <p:cxnSp>
+        <p:nvCxnSpPr>
+          <p:cNvPr id="26" name="Straight Connector 25">
+            <a:extLst>
+              <a:ext uri="{FF2B5EF4-FFF2-40B4-BE49-F238E27FC236}">
+                <a16:creationId xmlns:a16="http://schemas.microsoft.com/office/drawing/2014/main" id="{7E24E2CC-A8DD-A0BA-76A4-F09A63C4A750}"/>
+              </a:ext>
+            </a:extLst>
+          </p:cNvPr>
+          <p:cNvCxnSpPr>
+            <a:cxnSpLocks/>
+          </p:cNvCxnSpPr>
+          <p:nvPr/>
+        </p:nvCxnSpPr>
+        <p:spPr>
+          <a:xfrm flipV="1">
+            <a:off x="2321821" y="5344194"/>
+            <a:ext cx="1106350" cy="7501"/>
+          </a:xfrm>
+          <a:prstGeom prst="line">
+            <a:avLst/>
+          </a:prstGeom>
+          <a:ln w="28575">
+            <a:prstDash val="dash"/>
+          </a:ln>
+        </p:spPr>
+        <p:style>
+          <a:lnRef idx="1">
+            <a:schemeClr val="accent1"/>
+          </a:lnRef>
+          <a:fillRef idx="0">
+            <a:schemeClr val="accent1"/>
+          </a:fillRef>
+          <a:effectRef idx="0">
+            <a:schemeClr val="accent1"/>
+          </a:effectRef>
+          <a:fontRef idx="minor">
+            <a:schemeClr val="tx1"/>
+          </a:fontRef>
+        </p:style>
+      </p:cxnSp>
+      <mc:AlternateContent xmlns:mc="http://schemas.openxmlformats.org/markup-compatibility/2006">
+        <mc:Choice xmlns:a14="http://schemas.microsoft.com/office/drawing/2010/main" Requires="a14">
+          <p:sp>
+            <p:nvSpPr>
+              <p:cNvPr id="2" name="TextBox 1">
+                <a:extLst>
+                  <a:ext uri="{FF2B5EF4-FFF2-40B4-BE49-F238E27FC236}">
+                    <a16:creationId xmlns:a16="http://schemas.microsoft.com/office/drawing/2014/main" id="{D4BAE51C-D8DE-5CCD-C6A4-E6AE5C84D977}"/>
+                  </a:ext>
+                </a:extLst>
+              </p:cNvPr>
+              <p:cNvSpPr txBox="1"/>
+              <p:nvPr/>
+            </p:nvSpPr>
+            <p:spPr>
+              <a:xfrm>
+                <a:off x="9691147" y="6011440"/>
+                <a:ext cx="807396" cy="369332"/>
+              </a:xfrm>
+              <a:prstGeom prst="rect">
+                <a:avLst/>
+              </a:prstGeom>
+              <a:noFill/>
+            </p:spPr>
+            <p:txBody>
+              <a:bodyPr wrap="square" rtlCol="0">
+                <a:spAutoFit/>
+              </a:bodyPr>
+              <a:lstStyle/>
+              <a:p>
+                <a:pPr/>
+                <a14:m>
+                  <m:oMathPara xmlns:m="http://schemas.openxmlformats.org/officeDocument/2006/math">
+                    <m:oMathParaPr>
+                      <m:jc m:val="centerGroup"/>
+                    </m:oMathParaPr>
+                    <m:oMath xmlns:m="http://schemas.openxmlformats.org/officeDocument/2006/math">
+                      <m:r>
+                        <a:rPr lang="en-US" b="1" i="1" smtClean="0">
+                          <a:solidFill>
+                            <a:schemeClr val="tx1"/>
+                          </a:solidFill>
+                          <a:latin typeface="Cambria Math" panose="02040503050406030204" pitchFamily="18" charset="0"/>
+                        </a:rPr>
+                        <m:t>𝑳</m:t>
+                      </m:r>
+                    </m:oMath>
+                  </m:oMathPara>
+                </a14:m>
+                <a:endParaRPr lang="en-US" b="1" dirty="0">
+                  <a:solidFill>
+                    <a:schemeClr val="tx1"/>
+                  </a:solidFill>
+                </a:endParaRPr>
+              </a:p>
+            </p:txBody>
+          </p:sp>
+        </mc:Choice>
+        <mc:Fallback>
+          <p:sp>
+            <p:nvSpPr>
+              <p:cNvPr id="2" name="TextBox 1">
+                <a:extLst>
+                  <a:ext uri="{FF2B5EF4-FFF2-40B4-BE49-F238E27FC236}">
+                    <a16:creationId xmlns:a16="http://schemas.microsoft.com/office/drawing/2014/main" id="{D4BAE51C-D8DE-5CCD-C6A4-E6AE5C84D977}"/>
+                  </a:ext>
+                </a:extLst>
+              </p:cNvPr>
+              <p:cNvSpPr txBox="1">
+                <a:spLocks noRot="1" noChangeAspect="1" noMove="1" noResize="1" noEditPoints="1" noAdjustHandles="1" noChangeArrowheads="1" noChangeShapeType="1" noTextEdit="1"/>
+              </p:cNvSpPr>
+              <p:nvPr/>
+            </p:nvSpPr>
+            <p:spPr>
+              <a:xfrm>
+                <a:off x="9691147" y="6011440"/>
+                <a:ext cx="807396" cy="369332"/>
+              </a:xfrm>
+              <a:prstGeom prst="rect">
+                <a:avLst/>
+              </a:prstGeom>
+              <a:blipFill>
+                <a:blip r:embed="rId2"/>
+                <a:stretch>
+                  <a:fillRect/>
+                </a:stretch>
+              </a:blipFill>
+            </p:spPr>
+            <p:txBody>
+              <a:bodyPr/>
+              <a:lstStyle/>
+              <a:p>
+                <a:r>
+                  <a:rPr lang="en-US">
+                    <a:noFill/>
+                  </a:rPr>
+                  <a:t> </a:t>
+                </a:r>
+              </a:p>
+            </p:txBody>
+          </p:sp>
+        </mc:Fallback>
+      </mc:AlternateContent>
+      <mc:AlternateContent xmlns:mc="http://schemas.openxmlformats.org/markup-compatibility/2006">
+        <mc:Choice xmlns:a14="http://schemas.microsoft.com/office/drawing/2010/main" Requires="a14">
+          <p:sp>
+            <p:nvSpPr>
+              <p:cNvPr id="3" name="TextBox 2">
+                <a:extLst>
+                  <a:ext uri="{FF2B5EF4-FFF2-40B4-BE49-F238E27FC236}">
+                    <a16:creationId xmlns:a16="http://schemas.microsoft.com/office/drawing/2014/main" id="{4E8F55FA-32B9-63BF-C8F5-C1BC0B240C43}"/>
+                  </a:ext>
+                </a:extLst>
+              </p:cNvPr>
+              <p:cNvSpPr txBox="1"/>
+              <p:nvPr/>
+            </p:nvSpPr>
+            <p:spPr>
+              <a:xfrm>
+                <a:off x="1654302" y="425673"/>
+                <a:ext cx="807396" cy="369332"/>
+              </a:xfrm>
+              <a:prstGeom prst="rect">
+                <a:avLst/>
+              </a:prstGeom>
+              <a:noFill/>
+            </p:spPr>
+            <p:txBody>
+              <a:bodyPr wrap="square" rtlCol="0">
+                <a:spAutoFit/>
+              </a:bodyPr>
+              <a:lstStyle/>
+              <a:p>
+                <a:pPr/>
+                <a14:m>
+                  <m:oMathPara xmlns:m="http://schemas.openxmlformats.org/officeDocument/2006/math">
+                    <m:oMathParaPr>
+                      <m:jc m:val="centerGroup"/>
+                    </m:oMathParaPr>
+                    <m:oMath xmlns:m="http://schemas.openxmlformats.org/officeDocument/2006/math">
+                      <m:r>
+                        <a:rPr lang="en-US" b="1" i="1" smtClean="0">
+                          <a:solidFill>
+                            <a:schemeClr val="tx1"/>
+                          </a:solidFill>
+                          <a:latin typeface="Cambria Math" panose="02040503050406030204" pitchFamily="18" charset="0"/>
+                        </a:rPr>
+                        <m:t>𝑲</m:t>
+                      </m:r>
+                    </m:oMath>
+                  </m:oMathPara>
+                </a14:m>
+                <a:endParaRPr lang="en-US" b="1" dirty="0">
+                  <a:solidFill>
+                    <a:schemeClr val="tx1"/>
+                  </a:solidFill>
+                </a:endParaRPr>
+              </a:p>
+            </p:txBody>
+          </p:sp>
+        </mc:Choice>
+        <mc:Fallback>
+          <p:sp>
+            <p:nvSpPr>
+              <p:cNvPr id="3" name="TextBox 2">
+                <a:extLst>
+                  <a:ext uri="{FF2B5EF4-FFF2-40B4-BE49-F238E27FC236}">
+                    <a16:creationId xmlns:a16="http://schemas.microsoft.com/office/drawing/2014/main" id="{4E8F55FA-32B9-63BF-C8F5-C1BC0B240C43}"/>
+                  </a:ext>
+                </a:extLst>
+              </p:cNvPr>
+              <p:cNvSpPr txBox="1">
+                <a:spLocks noRot="1" noChangeAspect="1" noMove="1" noResize="1" noEditPoints="1" noAdjustHandles="1" noChangeArrowheads="1" noChangeShapeType="1" noTextEdit="1"/>
+              </p:cNvSpPr>
+              <p:nvPr/>
+            </p:nvSpPr>
+            <p:spPr>
+              <a:xfrm>
+                <a:off x="1654302" y="425673"/>
+                <a:ext cx="807396" cy="369332"/>
+              </a:xfrm>
+              <a:prstGeom prst="rect">
+                <a:avLst/>
+              </a:prstGeom>
+              <a:blipFill>
+                <a:blip r:embed="rId3"/>
+                <a:stretch>
+                  <a:fillRect/>
+                </a:stretch>
+              </a:blipFill>
+            </p:spPr>
+            <p:txBody>
+              <a:bodyPr/>
+              <a:lstStyle/>
+              <a:p>
+                <a:r>
+                  <a:rPr lang="en-US">
+                    <a:noFill/>
+                  </a:rPr>
+                  <a:t> </a:t>
+                </a:r>
+              </a:p>
+            </p:txBody>
+          </p:sp>
+        </mc:Fallback>
+      </mc:AlternateContent>
+      <p:sp>
+        <p:nvSpPr>
+          <p:cNvPr id="4" name="Freeform: Shape 3">
+            <a:extLst>
+              <a:ext uri="{FF2B5EF4-FFF2-40B4-BE49-F238E27FC236}">
+                <a16:creationId xmlns:a16="http://schemas.microsoft.com/office/drawing/2014/main" id="{7DCA9688-1176-B727-63D7-5BF93EE96E1B}"/>
+              </a:ext>
+            </a:extLst>
+          </p:cNvPr>
+          <p:cNvSpPr/>
+          <p:nvPr/>
+        </p:nvSpPr>
+        <p:spPr>
+          <a:xfrm>
+            <a:off x="2295193" y="610339"/>
+            <a:ext cx="7601613" cy="5637321"/>
+          </a:xfrm>
+          <a:custGeom>
+            <a:avLst/>
+            <a:gdLst>
+              <a:gd name="connsiteX0" fmla="*/ 0 w 10227076"/>
+              <a:gd name="connsiteY0" fmla="*/ 0 h 5637321"/>
+              <a:gd name="connsiteX1" fmla="*/ 35511 w 10227076"/>
+              <a:gd name="connsiteY1" fmla="*/ 5637321 h 5637321"/>
+              <a:gd name="connsiteX2" fmla="*/ 10227076 w 10227076"/>
+              <a:gd name="connsiteY2" fmla="*/ 5584055 h 5637321"/>
+            </a:gdLst>
+            <a:ahLst/>
+            <a:cxnLst>
+              <a:cxn ang="0">
+                <a:pos x="connsiteX0" y="connsiteY0"/>
+              </a:cxn>
+              <a:cxn ang="0">
+                <a:pos x="connsiteX1" y="connsiteY1"/>
+              </a:cxn>
+              <a:cxn ang="0">
+                <a:pos x="connsiteX2" y="connsiteY2"/>
+              </a:cxn>
+            </a:cxnLst>
+            <a:rect l="l" t="t" r="r" b="b"/>
+            <a:pathLst>
+              <a:path w="10227076" h="5637321">
+                <a:moveTo>
+                  <a:pt x="0" y="0"/>
+                </a:moveTo>
+                <a:lnTo>
+                  <a:pt x="35511" y="5637321"/>
+                </a:lnTo>
+                <a:lnTo>
+                  <a:pt x="10227076" y="5584055"/>
+                </a:lnTo>
+              </a:path>
+            </a:pathLst>
+          </a:custGeom>
+          <a:ln w="57150"/>
+        </p:spPr>
+        <p:style>
+          <a:lnRef idx="3">
+            <a:schemeClr val="dk1"/>
+          </a:lnRef>
+          <a:fillRef idx="0">
+            <a:schemeClr val="dk1"/>
+          </a:fillRef>
+          <a:effectRef idx="2">
+            <a:schemeClr val="dk1"/>
+          </a:effectRef>
+          <a:fontRef idx="minor">
+            <a:schemeClr val="tx1"/>
+          </a:fontRef>
+        </p:style>
+        <p:txBody>
+          <a:bodyPr rtlCol="0" anchor="ctr"/>
+          <a:lstStyle/>
+          <a:p>
+            <a:pPr algn="ctr"/>
+            <a:endParaRPr lang="en-US"/>
+          </a:p>
+        </p:txBody>
+      </p:sp>
+      <p:sp>
+        <p:nvSpPr>
+          <p:cNvPr id="5" name="Freeform: Shape 4">
+            <a:extLst>
+              <a:ext uri="{FF2B5EF4-FFF2-40B4-BE49-F238E27FC236}">
+                <a16:creationId xmlns:a16="http://schemas.microsoft.com/office/drawing/2014/main" id="{353FCE07-0A1C-045E-C3B4-295E3A688B02}"/>
+              </a:ext>
+            </a:extLst>
+          </p:cNvPr>
+          <p:cNvSpPr/>
+          <p:nvPr/>
+        </p:nvSpPr>
+        <p:spPr>
+          <a:xfrm>
+            <a:off x="3428172" y="2553817"/>
+            <a:ext cx="4600538" cy="2797878"/>
+          </a:xfrm>
+          <a:custGeom>
+            <a:avLst/>
+            <a:gdLst>
+              <a:gd name="connsiteX0" fmla="*/ 0 w 10227076"/>
+              <a:gd name="connsiteY0" fmla="*/ 0 h 5637321"/>
+              <a:gd name="connsiteX1" fmla="*/ 35511 w 10227076"/>
+              <a:gd name="connsiteY1" fmla="*/ 5637321 h 5637321"/>
+              <a:gd name="connsiteX2" fmla="*/ 10227076 w 10227076"/>
+              <a:gd name="connsiteY2" fmla="*/ 5584055 h 5637321"/>
+            </a:gdLst>
+            <a:ahLst/>
+            <a:cxnLst>
+              <a:cxn ang="0">
+                <a:pos x="connsiteX0" y="connsiteY0"/>
+              </a:cxn>
+              <a:cxn ang="0">
+                <a:pos x="connsiteX1" y="connsiteY1"/>
+              </a:cxn>
+              <a:cxn ang="0">
+                <a:pos x="connsiteX2" y="connsiteY2"/>
+              </a:cxn>
+            </a:cxnLst>
+            <a:rect l="l" t="t" r="r" b="b"/>
+            <a:pathLst>
+              <a:path w="10227076" h="5637321">
+                <a:moveTo>
+                  <a:pt x="0" y="0"/>
+                </a:moveTo>
+                <a:lnTo>
+                  <a:pt x="35511" y="5637321"/>
+                </a:lnTo>
+                <a:lnTo>
+                  <a:pt x="10227076" y="5584055"/>
+                </a:lnTo>
+              </a:path>
+            </a:pathLst>
+          </a:custGeom>
+          <a:ln w="57150"/>
+        </p:spPr>
+        <p:style>
+          <a:lnRef idx="3">
+            <a:schemeClr val="dk1"/>
+          </a:lnRef>
+          <a:fillRef idx="0">
+            <a:schemeClr val="dk1"/>
+          </a:fillRef>
+          <a:effectRef idx="2">
+            <a:schemeClr val="dk1"/>
+          </a:effectRef>
+          <a:fontRef idx="minor">
+            <a:schemeClr val="tx1"/>
+          </a:fontRef>
+        </p:style>
+        <p:txBody>
+          <a:bodyPr rtlCol="0" anchor="ctr"/>
+          <a:lstStyle/>
+          <a:p>
+            <a:pPr algn="ctr"/>
+            <a:endParaRPr lang="en-US"/>
+          </a:p>
+        </p:txBody>
+      </p:sp>
+      <p:sp>
+        <p:nvSpPr>
+          <p:cNvPr id="6" name="Freeform: Shape 5">
+            <a:extLst>
+              <a:ext uri="{FF2B5EF4-FFF2-40B4-BE49-F238E27FC236}">
+                <a16:creationId xmlns:a16="http://schemas.microsoft.com/office/drawing/2014/main" id="{603D9BA7-34BD-D492-8EB7-6C44ACB2417F}"/>
+              </a:ext>
+            </a:extLst>
+          </p:cNvPr>
+          <p:cNvSpPr/>
+          <p:nvPr/>
+        </p:nvSpPr>
+        <p:spPr>
+          <a:xfrm>
+            <a:off x="4834408" y="1383108"/>
+            <a:ext cx="4600538" cy="2797878"/>
+          </a:xfrm>
+          <a:custGeom>
+            <a:avLst/>
+            <a:gdLst>
+              <a:gd name="connsiteX0" fmla="*/ 0 w 10227076"/>
+              <a:gd name="connsiteY0" fmla="*/ 0 h 5637321"/>
+              <a:gd name="connsiteX1" fmla="*/ 35511 w 10227076"/>
+              <a:gd name="connsiteY1" fmla="*/ 5637321 h 5637321"/>
+              <a:gd name="connsiteX2" fmla="*/ 10227076 w 10227076"/>
+              <a:gd name="connsiteY2" fmla="*/ 5584055 h 5637321"/>
+            </a:gdLst>
+            <a:ahLst/>
+            <a:cxnLst>
+              <a:cxn ang="0">
+                <a:pos x="connsiteX0" y="connsiteY0"/>
+              </a:cxn>
+              <a:cxn ang="0">
+                <a:pos x="connsiteX1" y="connsiteY1"/>
+              </a:cxn>
+              <a:cxn ang="0">
+                <a:pos x="connsiteX2" y="connsiteY2"/>
+              </a:cxn>
+            </a:cxnLst>
+            <a:rect l="l" t="t" r="r" b="b"/>
+            <a:pathLst>
+              <a:path w="10227076" h="5637321">
+                <a:moveTo>
+                  <a:pt x="0" y="0"/>
+                </a:moveTo>
+                <a:lnTo>
+                  <a:pt x="35511" y="5637321"/>
+                </a:lnTo>
+                <a:lnTo>
+                  <a:pt x="10227076" y="5584055"/>
+                </a:lnTo>
+              </a:path>
+            </a:pathLst>
+          </a:custGeom>
+          <a:ln w="57150"/>
+        </p:spPr>
+        <p:style>
+          <a:lnRef idx="3">
+            <a:schemeClr val="dk1"/>
+          </a:lnRef>
+          <a:fillRef idx="0">
+            <a:schemeClr val="dk1"/>
+          </a:fillRef>
+          <a:effectRef idx="2">
+            <a:schemeClr val="dk1"/>
+          </a:effectRef>
+          <a:fontRef idx="minor">
+            <a:schemeClr val="tx1"/>
+          </a:fontRef>
+        </p:style>
+        <p:txBody>
+          <a:bodyPr rtlCol="0" anchor="ctr"/>
+          <a:lstStyle/>
+          <a:p>
+            <a:pPr algn="ctr"/>
+            <a:endParaRPr lang="en-US" dirty="0"/>
+          </a:p>
+        </p:txBody>
+      </p:sp>
+      <p:sp>
+        <p:nvSpPr>
+          <p:cNvPr id="7" name="Freeform: Shape 6">
+            <a:extLst>
+              <a:ext uri="{FF2B5EF4-FFF2-40B4-BE49-F238E27FC236}">
+                <a16:creationId xmlns:a16="http://schemas.microsoft.com/office/drawing/2014/main" id="{8A358151-4151-5ABC-023B-5157D79CA2F2}"/>
+              </a:ext>
+            </a:extLst>
+          </p:cNvPr>
+          <p:cNvSpPr/>
+          <p:nvPr/>
+        </p:nvSpPr>
+        <p:spPr>
+          <a:xfrm>
+            <a:off x="6095999" y="258913"/>
+            <a:ext cx="3702206" cy="2797878"/>
+          </a:xfrm>
+          <a:custGeom>
+            <a:avLst/>
+            <a:gdLst>
+              <a:gd name="connsiteX0" fmla="*/ 0 w 10227076"/>
+              <a:gd name="connsiteY0" fmla="*/ 0 h 5637321"/>
+              <a:gd name="connsiteX1" fmla="*/ 35511 w 10227076"/>
+              <a:gd name="connsiteY1" fmla="*/ 5637321 h 5637321"/>
+              <a:gd name="connsiteX2" fmla="*/ 10227076 w 10227076"/>
+              <a:gd name="connsiteY2" fmla="*/ 5584055 h 5637321"/>
+            </a:gdLst>
+            <a:ahLst/>
+            <a:cxnLst>
+              <a:cxn ang="0">
+                <a:pos x="connsiteX0" y="connsiteY0"/>
+              </a:cxn>
+              <a:cxn ang="0">
+                <a:pos x="connsiteX1" y="connsiteY1"/>
+              </a:cxn>
+              <a:cxn ang="0">
+                <a:pos x="connsiteX2" y="connsiteY2"/>
+              </a:cxn>
+            </a:cxnLst>
+            <a:rect l="l" t="t" r="r" b="b"/>
+            <a:pathLst>
+              <a:path w="10227076" h="5637321">
+                <a:moveTo>
+                  <a:pt x="0" y="0"/>
+                </a:moveTo>
+                <a:lnTo>
+                  <a:pt x="35511" y="5637321"/>
+                </a:lnTo>
+                <a:lnTo>
+                  <a:pt x="10227076" y="5584055"/>
+                </a:lnTo>
+              </a:path>
+            </a:pathLst>
+          </a:custGeom>
+          <a:ln w="57150"/>
+        </p:spPr>
+        <p:style>
+          <a:lnRef idx="3">
+            <a:schemeClr val="dk1"/>
+          </a:lnRef>
+          <a:fillRef idx="0">
+            <a:schemeClr val="dk1"/>
+          </a:fillRef>
+          <a:effectRef idx="2">
+            <a:schemeClr val="dk1"/>
+          </a:effectRef>
+          <a:fontRef idx="minor">
+            <a:schemeClr val="tx1"/>
+          </a:fontRef>
+        </p:style>
+        <p:txBody>
+          <a:bodyPr rtlCol="0" anchor="ctr"/>
+          <a:lstStyle/>
+          <a:p>
+            <a:pPr algn="ctr"/>
+            <a:endParaRPr lang="en-US"/>
+          </a:p>
+        </p:txBody>
+      </p:sp>
+      <p:sp>
+        <p:nvSpPr>
+          <p:cNvPr id="8" name="Oval 7">
+            <a:extLst>
+              <a:ext uri="{FF2B5EF4-FFF2-40B4-BE49-F238E27FC236}">
+                <a16:creationId xmlns:a16="http://schemas.microsoft.com/office/drawing/2014/main" id="{D43D3BFE-9C40-6976-829B-3716066588B3}"/>
+              </a:ext>
+            </a:extLst>
+          </p:cNvPr>
+          <p:cNvSpPr/>
+          <p:nvPr/>
+        </p:nvSpPr>
+        <p:spPr>
+          <a:xfrm>
+            <a:off x="3339395" y="5249574"/>
+            <a:ext cx="177553" cy="168677"/>
+          </a:xfrm>
+          <a:prstGeom prst="ellipse">
+            <a:avLst/>
+          </a:prstGeom>
+          <a:ln w="28575"/>
+        </p:spPr>
+        <p:style>
+          <a:lnRef idx="2">
+            <a:schemeClr val="accent2">
+              <a:shade val="15000"/>
+            </a:schemeClr>
+          </a:lnRef>
+          <a:fillRef idx="1">
+            <a:schemeClr val="accent2"/>
+          </a:fillRef>
+          <a:effectRef idx="0">
+            <a:schemeClr val="accent2"/>
+          </a:effectRef>
+          <a:fontRef idx="minor">
+            <a:schemeClr val="lt1"/>
+          </a:fontRef>
+        </p:style>
+        <p:txBody>
+          <a:bodyPr rtlCol="0" anchor="ctr"/>
+          <a:lstStyle/>
+          <a:p>
+            <a:pPr algn="ctr"/>
+            <a:endParaRPr lang="en-US"/>
+          </a:p>
+        </p:txBody>
+      </p:sp>
+      <p:sp>
+        <p:nvSpPr>
+          <p:cNvPr id="9" name="Oval 8">
+            <a:extLst>
+              <a:ext uri="{FF2B5EF4-FFF2-40B4-BE49-F238E27FC236}">
+                <a16:creationId xmlns:a16="http://schemas.microsoft.com/office/drawing/2014/main" id="{8B3E9552-4081-6499-AFE0-BACCFA32613A}"/>
+              </a:ext>
+            </a:extLst>
+          </p:cNvPr>
+          <p:cNvSpPr/>
+          <p:nvPr/>
+        </p:nvSpPr>
+        <p:spPr>
+          <a:xfrm>
+            <a:off x="4745631" y="4096647"/>
+            <a:ext cx="177553" cy="168677"/>
+          </a:xfrm>
+          <a:prstGeom prst="ellipse">
+            <a:avLst/>
+          </a:prstGeom>
+          <a:ln w="28575"/>
+        </p:spPr>
+        <p:style>
+          <a:lnRef idx="2">
+            <a:schemeClr val="accent2">
+              <a:shade val="15000"/>
+            </a:schemeClr>
+          </a:lnRef>
+          <a:fillRef idx="1">
+            <a:schemeClr val="accent2"/>
+          </a:fillRef>
+          <a:effectRef idx="0">
+            <a:schemeClr val="accent2"/>
+          </a:effectRef>
+          <a:fontRef idx="minor">
+            <a:schemeClr val="lt1"/>
+          </a:fontRef>
+        </p:style>
+        <p:txBody>
+          <a:bodyPr rtlCol="0" anchor="ctr"/>
+          <a:lstStyle/>
+          <a:p>
+            <a:pPr algn="ctr"/>
+            <a:endParaRPr lang="en-US"/>
+          </a:p>
+        </p:txBody>
+      </p:sp>
+      <p:sp>
+        <p:nvSpPr>
+          <p:cNvPr id="10" name="Oval 9">
+            <a:extLst>
+              <a:ext uri="{FF2B5EF4-FFF2-40B4-BE49-F238E27FC236}">
+                <a16:creationId xmlns:a16="http://schemas.microsoft.com/office/drawing/2014/main" id="{6495B82C-33F8-2EEA-34C7-D8BC611B2179}"/>
+              </a:ext>
+            </a:extLst>
+          </p:cNvPr>
+          <p:cNvSpPr/>
+          <p:nvPr/>
+        </p:nvSpPr>
+        <p:spPr>
+          <a:xfrm>
+            <a:off x="6007222" y="2972452"/>
+            <a:ext cx="177553" cy="168677"/>
+          </a:xfrm>
+          <a:prstGeom prst="ellipse">
+            <a:avLst/>
+          </a:prstGeom>
+          <a:ln w="28575"/>
+        </p:spPr>
+        <p:style>
+          <a:lnRef idx="2">
+            <a:schemeClr val="accent2">
+              <a:shade val="15000"/>
+            </a:schemeClr>
+          </a:lnRef>
+          <a:fillRef idx="1">
+            <a:schemeClr val="accent2"/>
+          </a:fillRef>
+          <a:effectRef idx="0">
+            <a:schemeClr val="accent2"/>
+          </a:effectRef>
+          <a:fontRef idx="minor">
+            <a:schemeClr val="lt1"/>
+          </a:fontRef>
+        </p:style>
+        <p:txBody>
+          <a:bodyPr rtlCol="0" anchor="ctr"/>
+          <a:lstStyle/>
+          <a:p>
+            <a:pPr algn="ctr"/>
+            <a:endParaRPr lang="en-US"/>
+          </a:p>
+        </p:txBody>
+      </p:sp>
+      <mc:AlternateContent xmlns:mc="http://schemas.openxmlformats.org/markup-compatibility/2006">
+        <mc:Choice xmlns:a14="http://schemas.microsoft.com/office/drawing/2010/main" Requires="a14">
+          <p:sp>
+            <p:nvSpPr>
+              <p:cNvPr id="29" name="TextBox 28">
+                <a:extLst>
+                  <a:ext uri="{FF2B5EF4-FFF2-40B4-BE49-F238E27FC236}">
+                    <a16:creationId xmlns:a16="http://schemas.microsoft.com/office/drawing/2014/main" id="{350D4FE8-0CCC-3024-598A-D2FC6AAB135C}"/>
+                  </a:ext>
+                </a:extLst>
+              </p:cNvPr>
+              <p:cNvSpPr txBox="1"/>
+              <p:nvPr/>
+            </p:nvSpPr>
+            <p:spPr>
+              <a:xfrm>
+                <a:off x="3024473" y="6293032"/>
+                <a:ext cx="807396" cy="369332"/>
+              </a:xfrm>
+              <a:prstGeom prst="rect">
+                <a:avLst/>
+              </a:prstGeom>
+              <a:noFill/>
+            </p:spPr>
+            <p:txBody>
+              <a:bodyPr wrap="square" rtlCol="0">
+                <a:spAutoFit/>
+              </a:bodyPr>
+              <a:lstStyle/>
+              <a:p>
+                <a:pPr/>
+                <a14:m>
+                  <m:oMathPara xmlns:m="http://schemas.openxmlformats.org/officeDocument/2006/math">
+                    <m:oMathParaPr>
+                      <m:jc m:val="centerGroup"/>
+                    </m:oMathParaPr>
+                    <m:oMath xmlns:m="http://schemas.openxmlformats.org/officeDocument/2006/math">
+                      <m:r>
+                        <a:rPr lang="en-US" b="1" i="1" smtClean="0">
+                          <a:solidFill>
+                            <a:schemeClr val="tx1"/>
+                          </a:solidFill>
+                          <a:latin typeface="Cambria Math" panose="02040503050406030204" pitchFamily="18" charset="0"/>
+                        </a:rPr>
+                        <m:t>𝟏</m:t>
+                      </m:r>
+                      <m:r>
+                        <a:rPr lang="en-US" b="1" i="1" smtClean="0">
+                          <a:solidFill>
+                            <a:schemeClr val="tx1"/>
+                          </a:solidFill>
+                          <a:latin typeface="Cambria Math" panose="02040503050406030204" pitchFamily="18" charset="0"/>
+                        </a:rPr>
+                        <m:t>/</m:t>
+                      </m:r>
+                      <m:r>
+                        <a:rPr lang="en-US" b="1" i="1" smtClean="0">
+                          <a:solidFill>
+                            <a:schemeClr val="tx1"/>
+                          </a:solidFill>
+                          <a:latin typeface="Cambria Math" panose="02040503050406030204" pitchFamily="18" charset="0"/>
+                        </a:rPr>
+                        <m:t>𝟑</m:t>
+                      </m:r>
+                    </m:oMath>
+                  </m:oMathPara>
+                </a14:m>
+                <a:endParaRPr lang="en-US" b="1" dirty="0">
+                  <a:solidFill>
+                    <a:schemeClr val="tx1"/>
+                  </a:solidFill>
+                </a:endParaRPr>
+              </a:p>
+            </p:txBody>
+          </p:sp>
+        </mc:Choice>
+        <mc:Fallback>
+          <p:sp>
+            <p:nvSpPr>
+              <p:cNvPr id="29" name="TextBox 28">
+                <a:extLst>
+                  <a:ext uri="{FF2B5EF4-FFF2-40B4-BE49-F238E27FC236}">
+                    <a16:creationId xmlns:a16="http://schemas.microsoft.com/office/drawing/2014/main" id="{350D4FE8-0CCC-3024-598A-D2FC6AAB135C}"/>
+                  </a:ext>
+                </a:extLst>
+              </p:cNvPr>
+              <p:cNvSpPr txBox="1">
+                <a:spLocks noRot="1" noChangeAspect="1" noMove="1" noResize="1" noEditPoints="1" noAdjustHandles="1" noChangeArrowheads="1" noChangeShapeType="1" noTextEdit="1"/>
+              </p:cNvSpPr>
+              <p:nvPr/>
+            </p:nvSpPr>
+            <p:spPr>
+              <a:xfrm>
+                <a:off x="3024473" y="6293032"/>
+                <a:ext cx="807396" cy="369332"/>
+              </a:xfrm>
+              <a:prstGeom prst="rect">
+                <a:avLst/>
+              </a:prstGeom>
+              <a:blipFill>
+                <a:blip r:embed="rId4"/>
+                <a:stretch>
+                  <a:fillRect b="-13115"/>
+                </a:stretch>
+              </a:blipFill>
+            </p:spPr>
+            <p:txBody>
+              <a:bodyPr/>
+              <a:lstStyle/>
+              <a:p>
+                <a:r>
+                  <a:rPr lang="en-US">
+                    <a:noFill/>
+                  </a:rPr>
+                  <a:t> </a:t>
+                </a:r>
+              </a:p>
+            </p:txBody>
+          </p:sp>
+        </mc:Fallback>
+      </mc:AlternateContent>
+      <mc:AlternateContent xmlns:mc="http://schemas.openxmlformats.org/markup-compatibility/2006">
+        <mc:Choice xmlns:a14="http://schemas.microsoft.com/office/drawing/2010/main" Requires="a14">
+          <p:sp>
+            <p:nvSpPr>
+              <p:cNvPr id="30" name="TextBox 29">
+                <a:extLst>
+                  <a:ext uri="{FF2B5EF4-FFF2-40B4-BE49-F238E27FC236}">
+                    <a16:creationId xmlns:a16="http://schemas.microsoft.com/office/drawing/2014/main" id="{251A731A-D606-EF1F-5C9E-47CF8E144EEA}"/>
+                  </a:ext>
+                </a:extLst>
+              </p:cNvPr>
+              <p:cNvSpPr txBox="1"/>
+              <p:nvPr/>
+            </p:nvSpPr>
+            <p:spPr>
+              <a:xfrm>
+                <a:off x="4440136" y="6293032"/>
+                <a:ext cx="807396" cy="369332"/>
+              </a:xfrm>
+              <a:prstGeom prst="rect">
+                <a:avLst/>
+              </a:prstGeom>
+              <a:noFill/>
+            </p:spPr>
+            <p:txBody>
+              <a:bodyPr wrap="square" rtlCol="0">
+                <a:spAutoFit/>
+              </a:bodyPr>
+              <a:lstStyle/>
+              <a:p>
+                <a:pPr/>
+                <a14:m>
+                  <m:oMathPara xmlns:m="http://schemas.openxmlformats.org/officeDocument/2006/math">
+                    <m:oMathParaPr>
+                      <m:jc m:val="centerGroup"/>
+                    </m:oMathParaPr>
+                    <m:oMath xmlns:m="http://schemas.openxmlformats.org/officeDocument/2006/math">
+                      <m:r>
+                        <a:rPr lang="en-US" b="1" i="1" smtClean="0">
+                          <a:solidFill>
+                            <a:schemeClr val="tx1"/>
+                          </a:solidFill>
+                          <a:latin typeface="Cambria Math" panose="02040503050406030204" pitchFamily="18" charset="0"/>
+                        </a:rPr>
+                        <m:t>𝟐</m:t>
+                      </m:r>
+                      <m:r>
+                        <a:rPr lang="en-US" b="1" i="1" smtClean="0">
+                          <a:solidFill>
+                            <a:schemeClr val="tx1"/>
+                          </a:solidFill>
+                          <a:latin typeface="Cambria Math" panose="02040503050406030204" pitchFamily="18" charset="0"/>
+                        </a:rPr>
+                        <m:t>/</m:t>
+                      </m:r>
+                      <m:r>
+                        <a:rPr lang="en-US" b="1" i="1" smtClean="0">
+                          <a:solidFill>
+                            <a:schemeClr val="tx1"/>
+                          </a:solidFill>
+                          <a:latin typeface="Cambria Math" panose="02040503050406030204" pitchFamily="18" charset="0"/>
+                        </a:rPr>
+                        <m:t>𝟑</m:t>
+                      </m:r>
+                    </m:oMath>
+                  </m:oMathPara>
+                </a14:m>
+                <a:endParaRPr lang="en-US" b="1" dirty="0">
+                  <a:solidFill>
+                    <a:schemeClr val="tx1"/>
+                  </a:solidFill>
+                </a:endParaRPr>
+              </a:p>
+            </p:txBody>
+          </p:sp>
+        </mc:Choice>
+        <mc:Fallback>
+          <p:sp>
+            <p:nvSpPr>
+              <p:cNvPr id="30" name="TextBox 29">
+                <a:extLst>
+                  <a:ext uri="{FF2B5EF4-FFF2-40B4-BE49-F238E27FC236}">
+                    <a16:creationId xmlns:a16="http://schemas.microsoft.com/office/drawing/2014/main" id="{251A731A-D606-EF1F-5C9E-47CF8E144EEA}"/>
+                  </a:ext>
+                </a:extLst>
+              </p:cNvPr>
+              <p:cNvSpPr txBox="1">
+                <a:spLocks noRot="1" noChangeAspect="1" noMove="1" noResize="1" noEditPoints="1" noAdjustHandles="1" noChangeArrowheads="1" noChangeShapeType="1" noTextEdit="1"/>
+              </p:cNvSpPr>
+              <p:nvPr/>
+            </p:nvSpPr>
+            <p:spPr>
+              <a:xfrm>
+                <a:off x="4440136" y="6293032"/>
+                <a:ext cx="807396" cy="369332"/>
+              </a:xfrm>
+              <a:prstGeom prst="rect">
+                <a:avLst/>
+              </a:prstGeom>
+              <a:blipFill>
+                <a:blip r:embed="rId5"/>
+                <a:stretch>
+                  <a:fillRect b="-13115"/>
+                </a:stretch>
+              </a:blipFill>
+            </p:spPr>
+            <p:txBody>
+              <a:bodyPr/>
+              <a:lstStyle/>
+              <a:p>
+                <a:r>
+                  <a:rPr lang="en-US">
+                    <a:noFill/>
+                  </a:rPr>
+                  <a:t> </a:t>
+                </a:r>
+              </a:p>
+            </p:txBody>
+          </p:sp>
+        </mc:Fallback>
+      </mc:AlternateContent>
+      <mc:AlternateContent xmlns:mc="http://schemas.openxmlformats.org/markup-compatibility/2006">
+        <mc:Choice xmlns:a14="http://schemas.microsoft.com/office/drawing/2010/main" Requires="a14">
+          <p:sp>
+            <p:nvSpPr>
+              <p:cNvPr id="31" name="TextBox 30">
+                <a:extLst>
+                  <a:ext uri="{FF2B5EF4-FFF2-40B4-BE49-F238E27FC236}">
+                    <a16:creationId xmlns:a16="http://schemas.microsoft.com/office/drawing/2014/main" id="{AC7C9DAF-23F0-0A0A-DD7E-C42674E294CC}"/>
+                  </a:ext>
+                </a:extLst>
+              </p:cNvPr>
+              <p:cNvSpPr txBox="1"/>
+              <p:nvPr/>
+            </p:nvSpPr>
+            <p:spPr>
+              <a:xfrm>
+                <a:off x="5728441" y="6300533"/>
+                <a:ext cx="807396" cy="369332"/>
+              </a:xfrm>
+              <a:prstGeom prst="rect">
+                <a:avLst/>
+              </a:prstGeom>
+              <a:noFill/>
+            </p:spPr>
+            <p:txBody>
+              <a:bodyPr wrap="square" rtlCol="0">
+                <a:spAutoFit/>
+              </a:bodyPr>
+              <a:lstStyle/>
+              <a:p>
+                <a:pPr/>
+                <a14:m>
+                  <m:oMathPara xmlns:m="http://schemas.openxmlformats.org/officeDocument/2006/math">
+                    <m:oMathParaPr>
+                      <m:jc m:val="centerGroup"/>
+                    </m:oMathParaPr>
+                    <m:oMath xmlns:m="http://schemas.openxmlformats.org/officeDocument/2006/math">
+                      <m:r>
+                        <a:rPr lang="en-US" b="1" i="1" smtClean="0">
+                          <a:solidFill>
+                            <a:schemeClr val="tx1"/>
+                          </a:solidFill>
+                          <a:latin typeface="Cambria Math" panose="02040503050406030204" pitchFamily="18" charset="0"/>
+                        </a:rPr>
+                        <m:t>𝟏</m:t>
+                      </m:r>
+                    </m:oMath>
+                  </m:oMathPara>
+                </a14:m>
+                <a:endParaRPr lang="en-US" b="1" dirty="0">
+                  <a:solidFill>
+                    <a:schemeClr val="tx1"/>
+                  </a:solidFill>
+                </a:endParaRPr>
+              </a:p>
+            </p:txBody>
+          </p:sp>
+        </mc:Choice>
+        <mc:Fallback>
+          <p:sp>
+            <p:nvSpPr>
+              <p:cNvPr id="31" name="TextBox 30">
+                <a:extLst>
+                  <a:ext uri="{FF2B5EF4-FFF2-40B4-BE49-F238E27FC236}">
+                    <a16:creationId xmlns:a16="http://schemas.microsoft.com/office/drawing/2014/main" id="{AC7C9DAF-23F0-0A0A-DD7E-C42674E294CC}"/>
+                  </a:ext>
+                </a:extLst>
+              </p:cNvPr>
+              <p:cNvSpPr txBox="1">
+                <a:spLocks noRot="1" noChangeAspect="1" noMove="1" noResize="1" noEditPoints="1" noAdjustHandles="1" noChangeArrowheads="1" noChangeShapeType="1" noTextEdit="1"/>
+              </p:cNvSpPr>
+              <p:nvPr/>
+            </p:nvSpPr>
+            <p:spPr>
+              <a:xfrm>
+                <a:off x="5728441" y="6300533"/>
+                <a:ext cx="807396" cy="369332"/>
+              </a:xfrm>
+              <a:prstGeom prst="rect">
+                <a:avLst/>
+              </a:prstGeom>
+              <a:blipFill>
+                <a:blip r:embed="rId6"/>
+                <a:stretch>
+                  <a:fillRect/>
+                </a:stretch>
+              </a:blipFill>
+            </p:spPr>
+            <p:txBody>
+              <a:bodyPr/>
+              <a:lstStyle/>
+              <a:p>
+                <a:r>
+                  <a:rPr lang="en-US">
+                    <a:noFill/>
+                  </a:rPr>
+                  <a:t> </a:t>
+                </a:r>
+              </a:p>
+            </p:txBody>
+          </p:sp>
+        </mc:Fallback>
+      </mc:AlternateContent>
+      <mc:AlternateContent xmlns:mc="http://schemas.openxmlformats.org/markup-compatibility/2006">
+        <mc:Choice xmlns:a14="http://schemas.microsoft.com/office/drawing/2010/main" Requires="a14">
+          <p:sp>
+            <p:nvSpPr>
+              <p:cNvPr id="32" name="TextBox 31">
+                <a:extLst>
+                  <a:ext uri="{FF2B5EF4-FFF2-40B4-BE49-F238E27FC236}">
+                    <a16:creationId xmlns:a16="http://schemas.microsoft.com/office/drawing/2014/main" id="{542032D6-13BF-DCB3-CF81-C1FFDCDAED69}"/>
+                  </a:ext>
+                </a:extLst>
+              </p:cNvPr>
+              <p:cNvSpPr txBox="1"/>
+              <p:nvPr/>
+            </p:nvSpPr>
+            <p:spPr>
+              <a:xfrm>
+                <a:off x="1598900" y="5159528"/>
+                <a:ext cx="807396" cy="369332"/>
+              </a:xfrm>
+              <a:prstGeom prst="rect">
+                <a:avLst/>
+              </a:prstGeom>
+              <a:noFill/>
+            </p:spPr>
+            <p:txBody>
+              <a:bodyPr wrap="square" rtlCol="0">
+                <a:spAutoFit/>
+              </a:bodyPr>
+              <a:lstStyle/>
+              <a:p>
+                <a:pPr/>
+                <a14:m>
+                  <m:oMathPara xmlns:m="http://schemas.openxmlformats.org/officeDocument/2006/math">
+                    <m:oMathParaPr>
+                      <m:jc m:val="centerGroup"/>
+                    </m:oMathParaPr>
+                    <m:oMath xmlns:m="http://schemas.openxmlformats.org/officeDocument/2006/math">
+                      <m:r>
+                        <a:rPr lang="en-US" b="1" i="1" smtClean="0">
+                          <a:solidFill>
+                            <a:schemeClr val="tx1"/>
+                          </a:solidFill>
+                          <a:latin typeface="Cambria Math" panose="02040503050406030204" pitchFamily="18" charset="0"/>
+                        </a:rPr>
+                        <m:t>𝟏𝟎</m:t>
+                      </m:r>
+                    </m:oMath>
+                  </m:oMathPara>
+                </a14:m>
+                <a:endParaRPr lang="en-US" b="1" dirty="0">
+                  <a:solidFill>
+                    <a:schemeClr val="tx1"/>
+                  </a:solidFill>
+                </a:endParaRPr>
+              </a:p>
+            </p:txBody>
+          </p:sp>
+        </mc:Choice>
+        <mc:Fallback>
+          <p:sp>
+            <p:nvSpPr>
+              <p:cNvPr id="32" name="TextBox 31">
+                <a:extLst>
+                  <a:ext uri="{FF2B5EF4-FFF2-40B4-BE49-F238E27FC236}">
+                    <a16:creationId xmlns:a16="http://schemas.microsoft.com/office/drawing/2014/main" id="{542032D6-13BF-DCB3-CF81-C1FFDCDAED69}"/>
+                  </a:ext>
+                </a:extLst>
+              </p:cNvPr>
+              <p:cNvSpPr txBox="1">
+                <a:spLocks noRot="1" noChangeAspect="1" noMove="1" noResize="1" noEditPoints="1" noAdjustHandles="1" noChangeArrowheads="1" noChangeShapeType="1" noTextEdit="1"/>
+              </p:cNvSpPr>
+              <p:nvPr/>
+            </p:nvSpPr>
+            <p:spPr>
+              <a:xfrm>
+                <a:off x="1598900" y="5159528"/>
+                <a:ext cx="807396" cy="369332"/>
+              </a:xfrm>
+              <a:prstGeom prst="rect">
+                <a:avLst/>
+              </a:prstGeom>
+              <a:blipFill>
+                <a:blip r:embed="rId7"/>
+                <a:stretch>
+                  <a:fillRect/>
+                </a:stretch>
+              </a:blipFill>
+            </p:spPr>
+            <p:txBody>
+              <a:bodyPr/>
+              <a:lstStyle/>
+              <a:p>
+                <a:r>
+                  <a:rPr lang="en-US">
+                    <a:noFill/>
+                  </a:rPr>
+                  <a:t> </a:t>
+                </a:r>
+              </a:p>
+            </p:txBody>
+          </p:sp>
+        </mc:Fallback>
+      </mc:AlternateContent>
+      <mc:AlternateContent xmlns:mc="http://schemas.openxmlformats.org/markup-compatibility/2006">
+        <mc:Choice xmlns:a14="http://schemas.microsoft.com/office/drawing/2010/main" Requires="a14">
+          <p:sp>
+            <p:nvSpPr>
+              <p:cNvPr id="33" name="TextBox 32">
+                <a:extLst>
+                  <a:ext uri="{FF2B5EF4-FFF2-40B4-BE49-F238E27FC236}">
+                    <a16:creationId xmlns:a16="http://schemas.microsoft.com/office/drawing/2014/main" id="{CACB42DD-CD3F-55FB-6870-E2FB00C4E33B}"/>
+                  </a:ext>
+                </a:extLst>
+              </p:cNvPr>
+              <p:cNvSpPr txBox="1"/>
+              <p:nvPr/>
+            </p:nvSpPr>
+            <p:spPr>
+              <a:xfrm>
+                <a:off x="1595061" y="3996319"/>
+                <a:ext cx="807396" cy="369332"/>
+              </a:xfrm>
+              <a:prstGeom prst="rect">
+                <a:avLst/>
+              </a:prstGeom>
+              <a:noFill/>
+            </p:spPr>
+            <p:txBody>
+              <a:bodyPr wrap="square" rtlCol="0">
+                <a:spAutoFit/>
+              </a:bodyPr>
+              <a:lstStyle/>
+              <a:p>
+                <a:pPr/>
+                <a14:m>
+                  <m:oMathPara xmlns:m="http://schemas.openxmlformats.org/officeDocument/2006/math">
+                    <m:oMathParaPr>
+                      <m:jc m:val="centerGroup"/>
+                    </m:oMathParaPr>
+                    <m:oMath xmlns:m="http://schemas.openxmlformats.org/officeDocument/2006/math">
+                      <m:r>
+                        <a:rPr lang="en-US" b="1" i="1" smtClean="0">
+                          <a:solidFill>
+                            <a:schemeClr val="tx1"/>
+                          </a:solidFill>
+                          <a:latin typeface="Cambria Math" panose="02040503050406030204" pitchFamily="18" charset="0"/>
+                        </a:rPr>
+                        <m:t>𝟐𝟎</m:t>
+                      </m:r>
+                    </m:oMath>
+                  </m:oMathPara>
+                </a14:m>
+                <a:endParaRPr lang="en-US" b="1" dirty="0">
+                  <a:solidFill>
+                    <a:schemeClr val="tx1"/>
+                  </a:solidFill>
+                </a:endParaRPr>
+              </a:p>
+            </p:txBody>
+          </p:sp>
+        </mc:Choice>
+        <mc:Fallback>
+          <p:sp>
+            <p:nvSpPr>
+              <p:cNvPr id="33" name="TextBox 32">
+                <a:extLst>
+                  <a:ext uri="{FF2B5EF4-FFF2-40B4-BE49-F238E27FC236}">
+                    <a16:creationId xmlns:a16="http://schemas.microsoft.com/office/drawing/2014/main" id="{CACB42DD-CD3F-55FB-6870-E2FB00C4E33B}"/>
+                  </a:ext>
+                </a:extLst>
+              </p:cNvPr>
+              <p:cNvSpPr txBox="1">
+                <a:spLocks noRot="1" noChangeAspect="1" noMove="1" noResize="1" noEditPoints="1" noAdjustHandles="1" noChangeArrowheads="1" noChangeShapeType="1" noTextEdit="1"/>
+              </p:cNvSpPr>
+              <p:nvPr/>
+            </p:nvSpPr>
+            <p:spPr>
+              <a:xfrm>
+                <a:off x="1595061" y="3996319"/>
+                <a:ext cx="807396" cy="369332"/>
+              </a:xfrm>
+              <a:prstGeom prst="rect">
+                <a:avLst/>
+              </a:prstGeom>
+              <a:blipFill>
+                <a:blip r:embed="rId8"/>
+                <a:stretch>
+                  <a:fillRect/>
+                </a:stretch>
+              </a:blipFill>
+            </p:spPr>
+            <p:txBody>
+              <a:bodyPr/>
+              <a:lstStyle/>
+              <a:p>
+                <a:r>
+                  <a:rPr lang="en-US">
+                    <a:noFill/>
+                  </a:rPr>
+                  <a:t> </a:t>
+                </a:r>
+              </a:p>
+            </p:txBody>
+          </p:sp>
+        </mc:Fallback>
+      </mc:AlternateContent>
+      <mc:AlternateContent xmlns:mc="http://schemas.openxmlformats.org/markup-compatibility/2006">
+        <mc:Choice xmlns:a14="http://schemas.microsoft.com/office/drawing/2010/main" Requires="a14">
+          <p:sp>
+            <p:nvSpPr>
+              <p:cNvPr id="34" name="TextBox 33">
+                <a:extLst>
+                  <a:ext uri="{FF2B5EF4-FFF2-40B4-BE49-F238E27FC236}">
+                    <a16:creationId xmlns:a16="http://schemas.microsoft.com/office/drawing/2014/main" id="{DF39B518-A913-3027-4412-A7728B80F914}"/>
+                  </a:ext>
+                </a:extLst>
+              </p:cNvPr>
+              <p:cNvSpPr txBox="1"/>
+              <p:nvPr/>
+            </p:nvSpPr>
+            <p:spPr>
+              <a:xfrm>
+                <a:off x="1595061" y="2883720"/>
+                <a:ext cx="807396" cy="369332"/>
+              </a:xfrm>
+              <a:prstGeom prst="rect">
+                <a:avLst/>
+              </a:prstGeom>
+              <a:noFill/>
+            </p:spPr>
+            <p:txBody>
+              <a:bodyPr wrap="square" rtlCol="0">
+                <a:spAutoFit/>
+              </a:bodyPr>
+              <a:lstStyle/>
+              <a:p>
+                <a:pPr/>
+                <a14:m>
+                  <m:oMathPara xmlns:m="http://schemas.openxmlformats.org/officeDocument/2006/math">
+                    <m:oMathParaPr>
+                      <m:jc m:val="centerGroup"/>
+                    </m:oMathParaPr>
+                    <m:oMath xmlns:m="http://schemas.openxmlformats.org/officeDocument/2006/math">
+                      <m:r>
+                        <a:rPr lang="en-US" b="1" i="1" smtClean="0">
+                          <a:solidFill>
+                            <a:schemeClr val="tx1"/>
+                          </a:solidFill>
+                          <a:latin typeface="Cambria Math" panose="02040503050406030204" pitchFamily="18" charset="0"/>
+                        </a:rPr>
+                        <m:t>𝟑𝟎</m:t>
+                      </m:r>
+                    </m:oMath>
+                  </m:oMathPara>
+                </a14:m>
+                <a:endParaRPr lang="en-US" b="1" dirty="0">
+                  <a:solidFill>
+                    <a:schemeClr val="tx1"/>
+                  </a:solidFill>
+                </a:endParaRPr>
+              </a:p>
+            </p:txBody>
+          </p:sp>
+        </mc:Choice>
+        <mc:Fallback>
+          <p:sp>
+            <p:nvSpPr>
+              <p:cNvPr id="34" name="TextBox 33">
+                <a:extLst>
+                  <a:ext uri="{FF2B5EF4-FFF2-40B4-BE49-F238E27FC236}">
+                    <a16:creationId xmlns:a16="http://schemas.microsoft.com/office/drawing/2014/main" id="{DF39B518-A913-3027-4412-A7728B80F914}"/>
+                  </a:ext>
+                </a:extLst>
+              </p:cNvPr>
+              <p:cNvSpPr txBox="1">
+                <a:spLocks noRot="1" noChangeAspect="1" noMove="1" noResize="1" noEditPoints="1" noAdjustHandles="1" noChangeArrowheads="1" noChangeShapeType="1" noTextEdit="1"/>
+              </p:cNvSpPr>
+              <p:nvPr/>
+            </p:nvSpPr>
+            <p:spPr>
+              <a:xfrm>
+                <a:off x="1595061" y="2883720"/>
+                <a:ext cx="807396" cy="369332"/>
+              </a:xfrm>
+              <a:prstGeom prst="rect">
+                <a:avLst/>
+              </a:prstGeom>
+              <a:blipFill>
+                <a:blip r:embed="rId9"/>
+                <a:stretch>
+                  <a:fillRect/>
+                </a:stretch>
+              </a:blipFill>
+            </p:spPr>
+            <p:txBody>
+              <a:bodyPr/>
+              <a:lstStyle/>
+              <a:p>
+                <a:r>
+                  <a:rPr lang="en-US">
+                    <a:noFill/>
+                  </a:rPr>
+                  <a:t> </a:t>
+                </a:r>
+              </a:p>
+            </p:txBody>
+          </p:sp>
+        </mc:Fallback>
+      </mc:AlternateContent>
+      <mc:AlternateContent xmlns:mc="http://schemas.openxmlformats.org/markup-compatibility/2006">
+        <mc:Choice xmlns:a14="http://schemas.microsoft.com/office/drawing/2010/main" Requires="a14">
+          <p:sp>
+            <p:nvSpPr>
+              <p:cNvPr id="35" name="TextBox 34">
+                <a:extLst>
+                  <a:ext uri="{FF2B5EF4-FFF2-40B4-BE49-F238E27FC236}">
+                    <a16:creationId xmlns:a16="http://schemas.microsoft.com/office/drawing/2014/main" id="{35F93467-8F03-3000-0921-754B46D08375}"/>
+                  </a:ext>
+                </a:extLst>
+              </p:cNvPr>
+              <p:cNvSpPr txBox="1"/>
+              <p:nvPr/>
+            </p:nvSpPr>
+            <p:spPr>
+              <a:xfrm>
+                <a:off x="8111517" y="5137226"/>
+                <a:ext cx="807396" cy="369332"/>
+              </a:xfrm>
+              <a:prstGeom prst="rect">
+                <a:avLst/>
+              </a:prstGeom>
+              <a:noFill/>
+            </p:spPr>
+            <p:txBody>
+              <a:bodyPr wrap="square" rtlCol="0">
+                <a:spAutoFit/>
+              </a:bodyPr>
+              <a:lstStyle/>
+              <a:p>
+                <a:pPr/>
+                <a14:m>
+                  <m:oMathPara xmlns:m="http://schemas.openxmlformats.org/officeDocument/2006/math">
+                    <m:oMathParaPr>
+                      <m:jc m:val="centerGroup"/>
+                    </m:oMathParaPr>
+                    <m:oMath xmlns:m="http://schemas.openxmlformats.org/officeDocument/2006/math">
+                      <m:r>
+                        <a:rPr lang="en-US" b="1" i="1" smtClean="0">
+                          <a:solidFill>
+                            <a:schemeClr val="tx1"/>
+                          </a:solidFill>
+                          <a:latin typeface="Cambria Math" panose="02040503050406030204" pitchFamily="18" charset="0"/>
+                        </a:rPr>
+                        <m:t>𝑸</m:t>
+                      </m:r>
+                      <m:r>
+                        <a:rPr lang="en-US" b="1" i="1" smtClean="0">
+                          <a:solidFill>
+                            <a:schemeClr val="tx1"/>
+                          </a:solidFill>
+                          <a:latin typeface="Cambria Math" panose="02040503050406030204" pitchFamily="18" charset="0"/>
+                        </a:rPr>
+                        <m:t>=</m:t>
+                      </m:r>
+                      <m:r>
+                        <a:rPr lang="en-US" b="1" i="1" smtClean="0">
+                          <a:solidFill>
+                            <a:schemeClr val="tx1"/>
+                          </a:solidFill>
+                          <a:latin typeface="Cambria Math" panose="02040503050406030204" pitchFamily="18" charset="0"/>
+                        </a:rPr>
+                        <m:t>𝟏</m:t>
+                      </m:r>
+                    </m:oMath>
+                  </m:oMathPara>
+                </a14:m>
+                <a:endParaRPr lang="en-US" b="1" dirty="0">
+                  <a:solidFill>
+                    <a:schemeClr val="tx1"/>
+                  </a:solidFill>
+                </a:endParaRPr>
+              </a:p>
+            </p:txBody>
+          </p:sp>
+        </mc:Choice>
+        <mc:Fallback>
+          <p:sp>
+            <p:nvSpPr>
+              <p:cNvPr id="35" name="TextBox 34">
+                <a:extLst>
+                  <a:ext uri="{FF2B5EF4-FFF2-40B4-BE49-F238E27FC236}">
+                    <a16:creationId xmlns:a16="http://schemas.microsoft.com/office/drawing/2014/main" id="{35F93467-8F03-3000-0921-754B46D08375}"/>
+                  </a:ext>
+                </a:extLst>
+              </p:cNvPr>
+              <p:cNvSpPr txBox="1">
+                <a:spLocks noRot="1" noChangeAspect="1" noMove="1" noResize="1" noEditPoints="1" noAdjustHandles="1" noChangeArrowheads="1" noChangeShapeType="1" noTextEdit="1"/>
+              </p:cNvSpPr>
+              <p:nvPr/>
+            </p:nvSpPr>
+            <p:spPr>
+              <a:xfrm>
+                <a:off x="8111517" y="5137226"/>
+                <a:ext cx="807396" cy="369332"/>
+              </a:xfrm>
+              <a:prstGeom prst="rect">
+                <a:avLst/>
+              </a:prstGeom>
+              <a:blipFill>
+                <a:blip r:embed="rId10"/>
+                <a:stretch>
+                  <a:fillRect b="-10000"/>
+                </a:stretch>
+              </a:blipFill>
+            </p:spPr>
+            <p:txBody>
+              <a:bodyPr/>
+              <a:lstStyle/>
+              <a:p>
+                <a:r>
+                  <a:rPr lang="en-US">
+                    <a:noFill/>
+                  </a:rPr>
+                  <a:t> </a:t>
+                </a:r>
+              </a:p>
+            </p:txBody>
+          </p:sp>
+        </mc:Fallback>
+      </mc:AlternateContent>
+      <mc:AlternateContent xmlns:mc="http://schemas.openxmlformats.org/markup-compatibility/2006">
+        <mc:Choice xmlns:a14="http://schemas.microsoft.com/office/drawing/2010/main" Requires="a14">
+          <p:sp>
+            <p:nvSpPr>
+              <p:cNvPr id="36" name="TextBox 35">
+                <a:extLst>
+                  <a:ext uri="{FF2B5EF4-FFF2-40B4-BE49-F238E27FC236}">
+                    <a16:creationId xmlns:a16="http://schemas.microsoft.com/office/drawing/2014/main" id="{7F26E330-F730-3B82-F760-5B8269798B80}"/>
+                  </a:ext>
+                </a:extLst>
+              </p:cNvPr>
+              <p:cNvSpPr txBox="1"/>
+              <p:nvPr/>
+            </p:nvSpPr>
+            <p:spPr>
+              <a:xfrm>
+                <a:off x="9489276" y="3964293"/>
+                <a:ext cx="807396" cy="369332"/>
+              </a:xfrm>
+              <a:prstGeom prst="rect">
+                <a:avLst/>
+              </a:prstGeom>
+              <a:noFill/>
+            </p:spPr>
+            <p:txBody>
+              <a:bodyPr wrap="square" rtlCol="0">
+                <a:spAutoFit/>
+              </a:bodyPr>
+              <a:lstStyle/>
+              <a:p>
+                <a:pPr/>
+                <a14:m>
+                  <m:oMathPara xmlns:m="http://schemas.openxmlformats.org/officeDocument/2006/math">
+                    <m:oMathParaPr>
+                      <m:jc m:val="centerGroup"/>
+                    </m:oMathParaPr>
+                    <m:oMath xmlns:m="http://schemas.openxmlformats.org/officeDocument/2006/math">
+                      <m:r>
+                        <a:rPr lang="en-US" b="1" i="1" smtClean="0">
+                          <a:solidFill>
+                            <a:schemeClr val="tx1"/>
+                          </a:solidFill>
+                          <a:latin typeface="Cambria Math" panose="02040503050406030204" pitchFamily="18" charset="0"/>
+                        </a:rPr>
+                        <m:t>𝑸</m:t>
+                      </m:r>
+                      <m:r>
+                        <a:rPr lang="en-US" b="1" i="1" smtClean="0">
+                          <a:solidFill>
+                            <a:schemeClr val="tx1"/>
+                          </a:solidFill>
+                          <a:latin typeface="Cambria Math" panose="02040503050406030204" pitchFamily="18" charset="0"/>
+                        </a:rPr>
+                        <m:t>=</m:t>
+                      </m:r>
+                      <m:r>
+                        <a:rPr lang="en-US" b="1" i="1" smtClean="0">
+                          <a:solidFill>
+                            <a:schemeClr val="tx1"/>
+                          </a:solidFill>
+                          <a:latin typeface="Cambria Math" panose="02040503050406030204" pitchFamily="18" charset="0"/>
+                        </a:rPr>
+                        <m:t>𝟐</m:t>
+                      </m:r>
+                    </m:oMath>
+                  </m:oMathPara>
+                </a14:m>
+                <a:endParaRPr lang="en-US" b="1" dirty="0">
+                  <a:solidFill>
+                    <a:schemeClr val="tx1"/>
+                  </a:solidFill>
+                </a:endParaRPr>
+              </a:p>
+            </p:txBody>
+          </p:sp>
+        </mc:Choice>
+        <mc:Fallback>
+          <p:sp>
+            <p:nvSpPr>
+              <p:cNvPr id="36" name="TextBox 35">
+                <a:extLst>
+                  <a:ext uri="{FF2B5EF4-FFF2-40B4-BE49-F238E27FC236}">
+                    <a16:creationId xmlns:a16="http://schemas.microsoft.com/office/drawing/2014/main" id="{7F26E330-F730-3B82-F760-5B8269798B80}"/>
+                  </a:ext>
+                </a:extLst>
+              </p:cNvPr>
+              <p:cNvSpPr txBox="1">
+                <a:spLocks noRot="1" noChangeAspect="1" noMove="1" noResize="1" noEditPoints="1" noAdjustHandles="1" noChangeArrowheads="1" noChangeShapeType="1" noTextEdit="1"/>
+              </p:cNvSpPr>
+              <p:nvPr/>
+            </p:nvSpPr>
+            <p:spPr>
+              <a:xfrm>
+                <a:off x="9489276" y="3964293"/>
+                <a:ext cx="807396" cy="369332"/>
+              </a:xfrm>
+              <a:prstGeom prst="rect">
+                <a:avLst/>
+              </a:prstGeom>
+              <a:blipFill>
+                <a:blip r:embed="rId11"/>
+                <a:stretch>
+                  <a:fillRect b="-9836"/>
+                </a:stretch>
+              </a:blipFill>
+            </p:spPr>
+            <p:txBody>
+              <a:bodyPr/>
+              <a:lstStyle/>
+              <a:p>
+                <a:r>
+                  <a:rPr lang="en-US">
+                    <a:noFill/>
+                  </a:rPr>
+                  <a:t> </a:t>
+                </a:r>
+              </a:p>
+            </p:txBody>
+          </p:sp>
+        </mc:Fallback>
+      </mc:AlternateContent>
+      <mc:AlternateContent xmlns:mc="http://schemas.openxmlformats.org/markup-compatibility/2006">
+        <mc:Choice xmlns:a14="http://schemas.microsoft.com/office/drawing/2010/main" Requires="a14">
+          <p:sp>
+            <p:nvSpPr>
+              <p:cNvPr id="37" name="TextBox 36">
+                <a:extLst>
+                  <a:ext uri="{FF2B5EF4-FFF2-40B4-BE49-F238E27FC236}">
+                    <a16:creationId xmlns:a16="http://schemas.microsoft.com/office/drawing/2014/main" id="{F64D0A60-A799-88DB-1232-9F6790DADA12}"/>
+                  </a:ext>
+                </a:extLst>
+              </p:cNvPr>
+              <p:cNvSpPr txBox="1"/>
+              <p:nvPr/>
+            </p:nvSpPr>
+            <p:spPr>
+              <a:xfrm>
+                <a:off x="9848169" y="2842388"/>
+                <a:ext cx="807396" cy="369332"/>
+              </a:xfrm>
+              <a:prstGeom prst="rect">
+                <a:avLst/>
+              </a:prstGeom>
+              <a:noFill/>
+            </p:spPr>
+            <p:txBody>
+              <a:bodyPr wrap="square" rtlCol="0">
+                <a:spAutoFit/>
+              </a:bodyPr>
+              <a:lstStyle/>
+              <a:p>
+                <a:pPr/>
+                <a14:m>
+                  <m:oMathPara xmlns:m="http://schemas.openxmlformats.org/officeDocument/2006/math">
+                    <m:oMathParaPr>
+                      <m:jc m:val="centerGroup"/>
+                    </m:oMathParaPr>
+                    <m:oMath xmlns:m="http://schemas.openxmlformats.org/officeDocument/2006/math">
+                      <m:r>
+                        <a:rPr lang="en-US" b="1" i="1" smtClean="0">
+                          <a:solidFill>
+                            <a:schemeClr val="tx1"/>
+                          </a:solidFill>
+                          <a:latin typeface="Cambria Math" panose="02040503050406030204" pitchFamily="18" charset="0"/>
+                        </a:rPr>
+                        <m:t>𝑸</m:t>
+                      </m:r>
+                      <m:r>
+                        <a:rPr lang="en-US" b="1" i="1" smtClean="0">
+                          <a:solidFill>
+                            <a:schemeClr val="tx1"/>
+                          </a:solidFill>
+                          <a:latin typeface="Cambria Math" panose="02040503050406030204" pitchFamily="18" charset="0"/>
+                        </a:rPr>
+                        <m:t>=</m:t>
+                      </m:r>
+                      <m:r>
+                        <a:rPr lang="en-US" b="1" i="1" smtClean="0">
+                          <a:solidFill>
+                            <a:schemeClr val="tx1"/>
+                          </a:solidFill>
+                          <a:latin typeface="Cambria Math" panose="02040503050406030204" pitchFamily="18" charset="0"/>
+                        </a:rPr>
+                        <m:t>𝟑</m:t>
+                      </m:r>
+                    </m:oMath>
+                  </m:oMathPara>
+                </a14:m>
+                <a:endParaRPr lang="en-US" b="1" dirty="0">
+                  <a:solidFill>
+                    <a:schemeClr val="tx1"/>
+                  </a:solidFill>
+                </a:endParaRPr>
+              </a:p>
+            </p:txBody>
+          </p:sp>
+        </mc:Choice>
+        <mc:Fallback>
+          <p:sp>
+            <p:nvSpPr>
+              <p:cNvPr id="37" name="TextBox 36">
+                <a:extLst>
+                  <a:ext uri="{FF2B5EF4-FFF2-40B4-BE49-F238E27FC236}">
+                    <a16:creationId xmlns:a16="http://schemas.microsoft.com/office/drawing/2014/main" id="{F64D0A60-A799-88DB-1232-9F6790DADA12}"/>
+                  </a:ext>
+                </a:extLst>
+              </p:cNvPr>
+              <p:cNvSpPr txBox="1">
+                <a:spLocks noRot="1" noChangeAspect="1" noMove="1" noResize="1" noEditPoints="1" noAdjustHandles="1" noChangeArrowheads="1" noChangeShapeType="1" noTextEdit="1"/>
+              </p:cNvSpPr>
+              <p:nvPr/>
+            </p:nvSpPr>
+            <p:spPr>
+              <a:xfrm>
+                <a:off x="9848169" y="2842388"/>
+                <a:ext cx="807396" cy="369332"/>
+              </a:xfrm>
+              <a:prstGeom prst="rect">
+                <a:avLst/>
+              </a:prstGeom>
+              <a:blipFill>
+                <a:blip r:embed="rId12"/>
+                <a:stretch>
+                  <a:fillRect b="-9836"/>
+                </a:stretch>
+              </a:blipFill>
+            </p:spPr>
+            <p:txBody>
+              <a:bodyPr/>
+              <a:lstStyle/>
+              <a:p>
+                <a:r>
+                  <a:rPr lang="en-US">
+                    <a:noFill/>
+                  </a:rPr>
+                  <a:t> </a:t>
+                </a:r>
+              </a:p>
+            </p:txBody>
+          </p:sp>
+        </mc:Fallback>
+      </mc:AlternateContent>
+      <mc:AlternateContent xmlns:mc="http://schemas.openxmlformats.org/markup-compatibility/2006">
+        <mc:Choice xmlns:a14="http://schemas.microsoft.com/office/drawing/2010/main" Requires="a14">
+          <p:sp>
+            <p:nvSpPr>
+              <p:cNvPr id="38" name="TextBox 37">
+                <a:extLst>
+                  <a:ext uri="{FF2B5EF4-FFF2-40B4-BE49-F238E27FC236}">
+                    <a16:creationId xmlns:a16="http://schemas.microsoft.com/office/drawing/2014/main" id="{AAD1ED92-F65E-7EA7-9348-DD26C4042585}"/>
+                  </a:ext>
+                </a:extLst>
+              </p:cNvPr>
+              <p:cNvSpPr txBox="1"/>
+              <p:nvPr/>
+            </p:nvSpPr>
+            <p:spPr>
+              <a:xfrm>
+                <a:off x="6808688" y="876002"/>
+                <a:ext cx="4349149" cy="1328120"/>
+              </a:xfrm>
+              <a:prstGeom prst="rect">
+                <a:avLst/>
+              </a:prstGeom>
+              <a:noFill/>
+            </p:spPr>
+            <p:txBody>
+              <a:bodyPr wrap="square" rtlCol="0">
+                <a:spAutoFit/>
+              </a:bodyPr>
+              <a:lstStyle/>
+              <a:p>
+                <a:pPr/>
+                <a14:m>
+                  <m:oMathPara xmlns:m="http://schemas.openxmlformats.org/officeDocument/2006/math">
+                    <m:oMathParaPr>
+                      <m:jc m:val="centerGroup"/>
+                    </m:oMathParaPr>
+                    <m:oMath xmlns:m="http://schemas.openxmlformats.org/officeDocument/2006/math">
+                      <m:r>
+                        <a:rPr lang="en-US" sz="3600" b="1" i="1" smtClean="0">
+                          <a:solidFill>
+                            <a:schemeClr val="tx1"/>
+                          </a:solidFill>
+                          <a:latin typeface="Cambria Math" panose="02040503050406030204" pitchFamily="18" charset="0"/>
+                        </a:rPr>
+                        <m:t>𝑸</m:t>
+                      </m:r>
+                      <m:r>
+                        <a:rPr lang="en-US" sz="3600" b="1" i="1" smtClean="0">
+                          <a:solidFill>
+                            <a:schemeClr val="tx1"/>
+                          </a:solidFill>
+                          <a:latin typeface="Cambria Math" panose="02040503050406030204" pitchFamily="18" charset="0"/>
+                        </a:rPr>
+                        <m:t>=</m:t>
+                      </m:r>
+                      <m:r>
+                        <a:rPr lang="en-US" sz="3600" b="1" i="1" smtClean="0">
+                          <a:solidFill>
+                            <a:schemeClr val="tx1"/>
+                          </a:solidFill>
+                          <a:latin typeface="Cambria Math" panose="02040503050406030204" pitchFamily="18" charset="0"/>
+                        </a:rPr>
+                        <m:t>𝒎𝒊𝒏</m:t>
+                      </m:r>
+                      <m:d>
+                        <m:dPr>
+                          <m:begChr m:val="{"/>
+                          <m:endChr m:val="}"/>
+                          <m:ctrlPr>
+                            <a:rPr lang="en-US" sz="3600" b="1" i="1" smtClean="0">
+                              <a:solidFill>
+                                <a:schemeClr val="tx1"/>
+                              </a:solidFill>
+                              <a:latin typeface="Cambria Math" panose="02040503050406030204" pitchFamily="18" charset="0"/>
+                            </a:rPr>
+                          </m:ctrlPr>
+                        </m:dPr>
+                        <m:e>
+                          <m:r>
+                            <a:rPr lang="en-US" sz="3600" b="1" i="1" smtClean="0">
+                              <a:solidFill>
+                                <a:schemeClr val="tx1"/>
+                              </a:solidFill>
+                              <a:latin typeface="Cambria Math" panose="02040503050406030204" pitchFamily="18" charset="0"/>
+                            </a:rPr>
+                            <m:t>𝟑</m:t>
+                          </m:r>
+                          <m:r>
+                            <a:rPr lang="en-US" sz="3600" b="1" i="1" smtClean="0">
+                              <a:solidFill>
+                                <a:schemeClr val="tx1"/>
+                              </a:solidFill>
+                              <a:latin typeface="Cambria Math" panose="02040503050406030204" pitchFamily="18" charset="0"/>
+                            </a:rPr>
+                            <m:t>𝑳</m:t>
+                          </m:r>
+                          <m:r>
+                            <a:rPr lang="en-US" sz="3600" b="1" i="1" smtClean="0">
+                              <a:solidFill>
+                                <a:schemeClr val="tx1"/>
+                              </a:solidFill>
+                              <a:latin typeface="Cambria Math" panose="02040503050406030204" pitchFamily="18" charset="0"/>
+                            </a:rPr>
+                            <m:t>,</m:t>
+                          </m:r>
+                          <m:f>
+                            <m:fPr>
+                              <m:ctrlPr>
+                                <a:rPr lang="en-US" sz="3600" b="1" i="1" smtClean="0">
+                                  <a:solidFill>
+                                    <a:schemeClr val="tx1"/>
+                                  </a:solidFill>
+                                  <a:latin typeface="Cambria Math" panose="02040503050406030204" pitchFamily="18" charset="0"/>
+                                </a:rPr>
+                              </m:ctrlPr>
+                            </m:fPr>
+                            <m:num>
+                              <m:r>
+                                <a:rPr lang="en-US" sz="3600" b="1" i="1" smtClean="0">
+                                  <a:solidFill>
+                                    <a:schemeClr val="tx1"/>
+                                  </a:solidFill>
+                                  <a:latin typeface="Cambria Math" panose="02040503050406030204" pitchFamily="18" charset="0"/>
+                                </a:rPr>
+                                <m:t>𝑲</m:t>
+                              </m:r>
+                            </m:num>
+                            <m:den>
+                              <m:r>
+                                <a:rPr lang="en-US" sz="3600" b="1" i="1" smtClean="0">
+                                  <a:solidFill>
+                                    <a:schemeClr val="tx1"/>
+                                  </a:solidFill>
+                                  <a:latin typeface="Cambria Math" panose="02040503050406030204" pitchFamily="18" charset="0"/>
+                                </a:rPr>
+                                <m:t>𝟏𝟎</m:t>
+                              </m:r>
+                            </m:den>
+                          </m:f>
+                        </m:e>
+                      </m:d>
+                    </m:oMath>
+                  </m:oMathPara>
+                </a14:m>
+                <a:endParaRPr lang="en-US" sz="3600" b="1" dirty="0">
+                  <a:solidFill>
+                    <a:schemeClr val="tx1"/>
+                  </a:solidFill>
+                </a:endParaRPr>
+              </a:p>
+            </p:txBody>
+          </p:sp>
+        </mc:Choice>
+        <mc:Fallback>
+          <p:sp>
+            <p:nvSpPr>
+              <p:cNvPr id="38" name="TextBox 37">
+                <a:extLst>
+                  <a:ext uri="{FF2B5EF4-FFF2-40B4-BE49-F238E27FC236}">
+                    <a16:creationId xmlns:a16="http://schemas.microsoft.com/office/drawing/2014/main" id="{AAD1ED92-F65E-7EA7-9348-DD26C4042585}"/>
+                  </a:ext>
+                </a:extLst>
+              </p:cNvPr>
+              <p:cNvSpPr txBox="1">
+                <a:spLocks noRot="1" noChangeAspect="1" noMove="1" noResize="1" noEditPoints="1" noAdjustHandles="1" noChangeArrowheads="1" noChangeShapeType="1" noTextEdit="1"/>
+              </p:cNvSpPr>
+              <p:nvPr/>
+            </p:nvSpPr>
+            <p:spPr>
+              <a:xfrm>
+                <a:off x="6808688" y="876002"/>
+                <a:ext cx="4349149" cy="1328120"/>
+              </a:xfrm>
+              <a:prstGeom prst="rect">
+                <a:avLst/>
+              </a:prstGeom>
+              <a:blipFill>
+                <a:blip r:embed="rId13"/>
+                <a:stretch>
+                  <a:fillRect/>
+                </a:stretch>
+              </a:blipFill>
+            </p:spPr>
+            <p:txBody>
+              <a:bodyPr/>
+              <a:lstStyle/>
+              <a:p>
+                <a:r>
+                  <a:rPr lang="en-US">
+                    <a:noFill/>
+                  </a:rPr>
+                  <a:t> </a:t>
+                </a:r>
+              </a:p>
+            </p:txBody>
+          </p:sp>
+        </mc:Fallback>
+      </mc:AlternateContent>
     </p:spTree>
     <p:extLst>
       <p:ext uri="{BB962C8B-B14F-4D97-AF65-F5344CB8AC3E}">

--- a/Slides/graph-maker.pptx
+++ b/Slides/graph-maker.pptx
@@ -23,6 +23,18 @@
     <p:sldId id="270" r:id="rId17"/>
     <p:sldId id="272" r:id="rId18"/>
     <p:sldId id="273" r:id="rId19"/>
+    <p:sldId id="274" r:id="rId20"/>
+    <p:sldId id="275" r:id="rId21"/>
+    <p:sldId id="276" r:id="rId22"/>
+    <p:sldId id="277" r:id="rId23"/>
+    <p:sldId id="278" r:id="rId24"/>
+    <p:sldId id="279" r:id="rId25"/>
+    <p:sldId id="280" r:id="rId26"/>
+    <p:sldId id="281" r:id="rId27"/>
+    <p:sldId id="282" r:id="rId28"/>
+    <p:sldId id="283" r:id="rId29"/>
+    <p:sldId id="284" r:id="rId30"/>
+    <p:sldId id="285" r:id="rId31"/>
   </p:sldIdLst>
   <p:sldSz cx="12192000" cy="6858000"/>
   <p:notesSz cx="6858000" cy="9144000"/>
@@ -276,7 +288,7 @@
           <a:p>
             <a:fld id="{B3C0BABF-8EDA-4B51-8A1B-0A9A6121571D}" type="datetimeFigureOut">
               <a:rPr lang="en-US" smtClean="0"/>
-              <a:t>2/12/2024</a:t>
+              <a:t>2/19/2024</a:t>
             </a:fld>
             <a:endParaRPr lang="en-US"/>
           </a:p>
@@ -474,7 +486,7 @@
           <a:p>
             <a:fld id="{B3C0BABF-8EDA-4B51-8A1B-0A9A6121571D}" type="datetimeFigureOut">
               <a:rPr lang="en-US" smtClean="0"/>
-              <a:t>2/12/2024</a:t>
+              <a:t>2/19/2024</a:t>
             </a:fld>
             <a:endParaRPr lang="en-US"/>
           </a:p>
@@ -682,7 +694,7 @@
           <a:p>
             <a:fld id="{B3C0BABF-8EDA-4B51-8A1B-0A9A6121571D}" type="datetimeFigureOut">
               <a:rPr lang="en-US" smtClean="0"/>
-              <a:t>2/12/2024</a:t>
+              <a:t>2/19/2024</a:t>
             </a:fld>
             <a:endParaRPr lang="en-US"/>
           </a:p>
@@ -880,7 +892,7 @@
           <a:p>
             <a:fld id="{B3C0BABF-8EDA-4B51-8A1B-0A9A6121571D}" type="datetimeFigureOut">
               <a:rPr lang="en-US" smtClean="0"/>
-              <a:t>2/12/2024</a:t>
+              <a:t>2/19/2024</a:t>
             </a:fld>
             <a:endParaRPr lang="en-US"/>
           </a:p>
@@ -1155,7 +1167,7 @@
           <a:p>
             <a:fld id="{B3C0BABF-8EDA-4B51-8A1B-0A9A6121571D}" type="datetimeFigureOut">
               <a:rPr lang="en-US" smtClean="0"/>
-              <a:t>2/12/2024</a:t>
+              <a:t>2/19/2024</a:t>
             </a:fld>
             <a:endParaRPr lang="en-US"/>
           </a:p>
@@ -1420,7 +1432,7 @@
           <a:p>
             <a:fld id="{B3C0BABF-8EDA-4B51-8A1B-0A9A6121571D}" type="datetimeFigureOut">
               <a:rPr lang="en-US" smtClean="0"/>
-              <a:t>2/12/2024</a:t>
+              <a:t>2/19/2024</a:t>
             </a:fld>
             <a:endParaRPr lang="en-US"/>
           </a:p>
@@ -1832,7 +1844,7 @@
           <a:p>
             <a:fld id="{B3C0BABF-8EDA-4B51-8A1B-0A9A6121571D}" type="datetimeFigureOut">
               <a:rPr lang="en-US" smtClean="0"/>
-              <a:t>2/12/2024</a:t>
+              <a:t>2/19/2024</a:t>
             </a:fld>
             <a:endParaRPr lang="en-US"/>
           </a:p>
@@ -1973,7 +1985,7 @@
           <a:p>
             <a:fld id="{B3C0BABF-8EDA-4B51-8A1B-0A9A6121571D}" type="datetimeFigureOut">
               <a:rPr lang="en-US" smtClean="0"/>
-              <a:t>2/12/2024</a:t>
+              <a:t>2/19/2024</a:t>
             </a:fld>
             <a:endParaRPr lang="en-US"/>
           </a:p>
@@ -2086,7 +2098,7 @@
           <a:p>
             <a:fld id="{B3C0BABF-8EDA-4B51-8A1B-0A9A6121571D}" type="datetimeFigureOut">
               <a:rPr lang="en-US" smtClean="0"/>
-              <a:t>2/12/2024</a:t>
+              <a:t>2/19/2024</a:t>
             </a:fld>
             <a:endParaRPr lang="en-US"/>
           </a:p>
@@ -2397,7 +2409,7 @@
           <a:p>
             <a:fld id="{B3C0BABF-8EDA-4B51-8A1B-0A9A6121571D}" type="datetimeFigureOut">
               <a:rPr lang="en-US" smtClean="0"/>
-              <a:t>2/12/2024</a:t>
+              <a:t>2/19/2024</a:t>
             </a:fld>
             <a:endParaRPr lang="en-US"/>
           </a:p>
@@ -2685,7 +2697,7 @@
           <a:p>
             <a:fld id="{B3C0BABF-8EDA-4B51-8A1B-0A9A6121571D}" type="datetimeFigureOut">
               <a:rPr lang="en-US" smtClean="0"/>
-              <a:t>2/12/2024</a:t>
+              <a:t>2/19/2024</a:t>
             </a:fld>
             <a:endParaRPr lang="en-US"/>
           </a:p>
@@ -2926,7 +2938,7 @@
           <a:p>
             <a:fld id="{B3C0BABF-8EDA-4B51-8A1B-0A9A6121571D}" type="datetimeFigureOut">
               <a:rPr lang="en-US" smtClean="0"/>
-              <a:t>2/12/2024</a:t>
+              <a:t>2/19/2024</a:t>
             </a:fld>
             <a:endParaRPr lang="en-US"/>
           </a:p>
@@ -11873,8 +11885,8 @@
           </a:fontRef>
         </p:style>
       </p:cxnSp>
-      <mc:AlternateContent xmlns:mc="http://schemas.openxmlformats.org/markup-compatibility/2006">
-        <mc:Choice xmlns:a14="http://schemas.microsoft.com/office/drawing/2010/main" Requires="a14">
+      <mc:AlternateContent xmlns:mc="http://schemas.openxmlformats.org/markup-compatibility/2006" xmlns:a14="http://schemas.microsoft.com/office/drawing/2010/main">
+        <mc:Choice Requires="a14">
           <p:sp>
             <p:nvSpPr>
               <p:cNvPr id="2" name="TextBox 1">
@@ -11931,7 +11943,7 @@
             </p:txBody>
           </p:sp>
         </mc:Choice>
-        <mc:Fallback>
+        <mc:Fallback xmlns="">
           <p:sp>
             <p:nvSpPr>
               <p:cNvPr id="2" name="TextBox 1">
@@ -11976,8 +11988,8 @@
           </p:sp>
         </mc:Fallback>
       </mc:AlternateContent>
-      <mc:AlternateContent xmlns:mc="http://schemas.openxmlformats.org/markup-compatibility/2006">
-        <mc:Choice xmlns:a14="http://schemas.microsoft.com/office/drawing/2010/main" Requires="a14">
+      <mc:AlternateContent xmlns:mc="http://schemas.openxmlformats.org/markup-compatibility/2006" xmlns:a14="http://schemas.microsoft.com/office/drawing/2010/main">
+        <mc:Choice Requires="a14">
           <p:sp>
             <p:nvSpPr>
               <p:cNvPr id="3" name="TextBox 2">
@@ -12034,7 +12046,7 @@
             </p:txBody>
           </p:sp>
         </mc:Choice>
-        <mc:Fallback>
+        <mc:Fallback xmlns="">
           <p:sp>
             <p:nvSpPr>
               <p:cNvPr id="3" name="TextBox 2">
@@ -12536,8 +12548,8 @@
           </a:p>
         </p:txBody>
       </p:sp>
-      <mc:AlternateContent xmlns:mc="http://schemas.openxmlformats.org/markup-compatibility/2006">
-        <mc:Choice xmlns:a14="http://schemas.microsoft.com/office/drawing/2010/main" Requires="a14">
+      <mc:AlternateContent xmlns:mc="http://schemas.openxmlformats.org/markup-compatibility/2006" xmlns:a14="http://schemas.microsoft.com/office/drawing/2010/main">
+        <mc:Choice Requires="a14">
           <p:sp>
             <p:nvSpPr>
               <p:cNvPr id="29" name="TextBox 28">
@@ -12612,7 +12624,7 @@
             </p:txBody>
           </p:sp>
         </mc:Choice>
-        <mc:Fallback>
+        <mc:Fallback xmlns="">
           <p:sp>
             <p:nvSpPr>
               <p:cNvPr id="29" name="TextBox 28">
@@ -12657,8 +12669,8 @@
           </p:sp>
         </mc:Fallback>
       </mc:AlternateContent>
-      <mc:AlternateContent xmlns:mc="http://schemas.openxmlformats.org/markup-compatibility/2006">
-        <mc:Choice xmlns:a14="http://schemas.microsoft.com/office/drawing/2010/main" Requires="a14">
+      <mc:AlternateContent xmlns:mc="http://schemas.openxmlformats.org/markup-compatibility/2006" xmlns:a14="http://schemas.microsoft.com/office/drawing/2010/main">
+        <mc:Choice Requires="a14">
           <p:sp>
             <p:nvSpPr>
               <p:cNvPr id="30" name="TextBox 29">
@@ -12733,7 +12745,7 @@
             </p:txBody>
           </p:sp>
         </mc:Choice>
-        <mc:Fallback>
+        <mc:Fallback xmlns="">
           <p:sp>
             <p:nvSpPr>
               <p:cNvPr id="30" name="TextBox 29">
@@ -12778,8 +12790,8 @@
           </p:sp>
         </mc:Fallback>
       </mc:AlternateContent>
-      <mc:AlternateContent xmlns:mc="http://schemas.openxmlformats.org/markup-compatibility/2006">
-        <mc:Choice xmlns:a14="http://schemas.microsoft.com/office/drawing/2010/main" Requires="a14">
+      <mc:AlternateContent xmlns:mc="http://schemas.openxmlformats.org/markup-compatibility/2006" xmlns:a14="http://schemas.microsoft.com/office/drawing/2010/main">
+        <mc:Choice Requires="a14">
           <p:sp>
             <p:nvSpPr>
               <p:cNvPr id="31" name="TextBox 30">
@@ -12836,7 +12848,7 @@
             </p:txBody>
           </p:sp>
         </mc:Choice>
-        <mc:Fallback>
+        <mc:Fallback xmlns="">
           <p:sp>
             <p:nvSpPr>
               <p:cNvPr id="31" name="TextBox 30">
@@ -12881,8 +12893,8 @@
           </p:sp>
         </mc:Fallback>
       </mc:AlternateContent>
-      <mc:AlternateContent xmlns:mc="http://schemas.openxmlformats.org/markup-compatibility/2006">
-        <mc:Choice xmlns:a14="http://schemas.microsoft.com/office/drawing/2010/main" Requires="a14">
+      <mc:AlternateContent xmlns:mc="http://schemas.openxmlformats.org/markup-compatibility/2006" xmlns:a14="http://schemas.microsoft.com/office/drawing/2010/main">
+        <mc:Choice Requires="a14">
           <p:sp>
             <p:nvSpPr>
               <p:cNvPr id="32" name="TextBox 31">
@@ -12939,7 +12951,7 @@
             </p:txBody>
           </p:sp>
         </mc:Choice>
-        <mc:Fallback>
+        <mc:Fallback xmlns="">
           <p:sp>
             <p:nvSpPr>
               <p:cNvPr id="32" name="TextBox 31">
@@ -12984,8 +12996,8 @@
           </p:sp>
         </mc:Fallback>
       </mc:AlternateContent>
-      <mc:AlternateContent xmlns:mc="http://schemas.openxmlformats.org/markup-compatibility/2006">
-        <mc:Choice xmlns:a14="http://schemas.microsoft.com/office/drawing/2010/main" Requires="a14">
+      <mc:AlternateContent xmlns:mc="http://schemas.openxmlformats.org/markup-compatibility/2006" xmlns:a14="http://schemas.microsoft.com/office/drawing/2010/main">
+        <mc:Choice Requires="a14">
           <p:sp>
             <p:nvSpPr>
               <p:cNvPr id="33" name="TextBox 32">
@@ -13042,7 +13054,7 @@
             </p:txBody>
           </p:sp>
         </mc:Choice>
-        <mc:Fallback>
+        <mc:Fallback xmlns="">
           <p:sp>
             <p:nvSpPr>
               <p:cNvPr id="33" name="TextBox 32">
@@ -13087,8 +13099,8 @@
           </p:sp>
         </mc:Fallback>
       </mc:AlternateContent>
-      <mc:AlternateContent xmlns:mc="http://schemas.openxmlformats.org/markup-compatibility/2006">
-        <mc:Choice xmlns:a14="http://schemas.microsoft.com/office/drawing/2010/main" Requires="a14">
+      <mc:AlternateContent xmlns:mc="http://schemas.openxmlformats.org/markup-compatibility/2006" xmlns:a14="http://schemas.microsoft.com/office/drawing/2010/main">
+        <mc:Choice Requires="a14">
           <p:sp>
             <p:nvSpPr>
               <p:cNvPr id="34" name="TextBox 33">
@@ -13145,7 +13157,7 @@
             </p:txBody>
           </p:sp>
         </mc:Choice>
-        <mc:Fallback>
+        <mc:Fallback xmlns="">
           <p:sp>
             <p:nvSpPr>
               <p:cNvPr id="34" name="TextBox 33">
@@ -13190,8 +13202,8 @@
           </p:sp>
         </mc:Fallback>
       </mc:AlternateContent>
-      <mc:AlternateContent xmlns:mc="http://schemas.openxmlformats.org/markup-compatibility/2006">
-        <mc:Choice xmlns:a14="http://schemas.microsoft.com/office/drawing/2010/main" Requires="a14">
+      <mc:AlternateContent xmlns:mc="http://schemas.openxmlformats.org/markup-compatibility/2006" xmlns:a14="http://schemas.microsoft.com/office/drawing/2010/main">
+        <mc:Choice Requires="a14">
           <p:sp>
             <p:nvSpPr>
               <p:cNvPr id="35" name="TextBox 34">
@@ -13266,7 +13278,7 @@
             </p:txBody>
           </p:sp>
         </mc:Choice>
-        <mc:Fallback>
+        <mc:Fallback xmlns="">
           <p:sp>
             <p:nvSpPr>
               <p:cNvPr id="35" name="TextBox 34">
@@ -13311,8 +13323,8 @@
           </p:sp>
         </mc:Fallback>
       </mc:AlternateContent>
-      <mc:AlternateContent xmlns:mc="http://schemas.openxmlformats.org/markup-compatibility/2006">
-        <mc:Choice xmlns:a14="http://schemas.microsoft.com/office/drawing/2010/main" Requires="a14">
+      <mc:AlternateContent xmlns:mc="http://schemas.openxmlformats.org/markup-compatibility/2006" xmlns:a14="http://schemas.microsoft.com/office/drawing/2010/main">
+        <mc:Choice Requires="a14">
           <p:sp>
             <p:nvSpPr>
               <p:cNvPr id="36" name="TextBox 35">
@@ -13387,7 +13399,7 @@
             </p:txBody>
           </p:sp>
         </mc:Choice>
-        <mc:Fallback>
+        <mc:Fallback xmlns="">
           <p:sp>
             <p:nvSpPr>
               <p:cNvPr id="36" name="TextBox 35">
@@ -13432,8 +13444,8 @@
           </p:sp>
         </mc:Fallback>
       </mc:AlternateContent>
-      <mc:AlternateContent xmlns:mc="http://schemas.openxmlformats.org/markup-compatibility/2006">
-        <mc:Choice xmlns:a14="http://schemas.microsoft.com/office/drawing/2010/main" Requires="a14">
+      <mc:AlternateContent xmlns:mc="http://schemas.openxmlformats.org/markup-compatibility/2006" xmlns:a14="http://schemas.microsoft.com/office/drawing/2010/main">
+        <mc:Choice Requires="a14">
           <p:sp>
             <p:nvSpPr>
               <p:cNvPr id="37" name="TextBox 36">
@@ -13508,7 +13520,7 @@
             </p:txBody>
           </p:sp>
         </mc:Choice>
-        <mc:Fallback>
+        <mc:Fallback xmlns="">
           <p:sp>
             <p:nvSpPr>
               <p:cNvPr id="37" name="TextBox 36">
@@ -13553,8 +13565,8 @@
           </p:sp>
         </mc:Fallback>
       </mc:AlternateContent>
-      <mc:AlternateContent xmlns:mc="http://schemas.openxmlformats.org/markup-compatibility/2006">
-        <mc:Choice xmlns:a14="http://schemas.microsoft.com/office/drawing/2010/main" Requires="a14">
+      <mc:AlternateContent xmlns:mc="http://schemas.openxmlformats.org/markup-compatibility/2006" xmlns:a14="http://schemas.microsoft.com/office/drawing/2010/main">
+        <mc:Choice Requires="a14">
           <p:sp>
             <p:nvSpPr>
               <p:cNvPr id="38" name="TextBox 37">
@@ -13706,7 +13718,7 @@
             </p:txBody>
           </p:sp>
         </mc:Choice>
-        <mc:Fallback>
+        <mc:Fallback xmlns="">
           <p:sp>
             <p:nvSpPr>
               <p:cNvPr id="38" name="TextBox 37">
@@ -13755,6 +13767,591 @@
     <p:extLst>
       <p:ext uri="{BB962C8B-B14F-4D97-AF65-F5344CB8AC3E}">
         <p14:creationId xmlns:p14="http://schemas.microsoft.com/office/powerpoint/2010/main" val="3436951045"/>
+      </p:ext>
+    </p:extLst>
+  </p:cSld>
+  <p:clrMapOvr>
+    <a:masterClrMapping/>
+  </p:clrMapOvr>
+</p:sld>
+</file>
+
+<file path=ppt/slides/slide19.xml><?xml version="1.0" encoding="utf-8"?>
+<p:sld xmlns:a="http://schemas.openxmlformats.org/drawingml/2006/main" xmlns:r="http://schemas.openxmlformats.org/officeDocument/2006/relationships" xmlns:p="http://schemas.openxmlformats.org/presentationml/2006/main">
+  <p:cSld>
+    <p:spTree>
+      <p:nvGrpSpPr>
+        <p:cNvPr id="1" name=""/>
+        <p:cNvGrpSpPr/>
+        <p:nvPr/>
+      </p:nvGrpSpPr>
+      <p:grpSpPr>
+        <a:xfrm>
+          <a:off x="0" y="0"/>
+          <a:ext cx="0" cy="0"/>
+          <a:chOff x="0" y="0"/>
+          <a:chExt cx="0" cy="0"/>
+        </a:xfrm>
+      </p:grpSpPr>
+      <mc:AlternateContent xmlns:mc="http://schemas.openxmlformats.org/markup-compatibility/2006" xmlns:a14="http://schemas.microsoft.com/office/drawing/2010/main">
+        <mc:Choice Requires="a14">
+          <p:sp>
+            <p:nvSpPr>
+              <p:cNvPr id="2" name="TextBox 1">
+                <a:extLst>
+                  <a:ext uri="{FF2B5EF4-FFF2-40B4-BE49-F238E27FC236}">
+                    <a16:creationId xmlns:a16="http://schemas.microsoft.com/office/drawing/2014/main" id="{037D3408-A7A0-8758-6C39-56CF1D310398}"/>
+                  </a:ext>
+                </a:extLst>
+              </p:cNvPr>
+              <p:cNvSpPr txBox="1"/>
+              <p:nvPr/>
+            </p:nvSpPr>
+            <p:spPr>
+              <a:xfrm>
+                <a:off x="9691147" y="6011440"/>
+                <a:ext cx="807396" cy="369332"/>
+              </a:xfrm>
+              <a:prstGeom prst="rect">
+                <a:avLst/>
+              </a:prstGeom>
+              <a:noFill/>
+            </p:spPr>
+            <p:txBody>
+              <a:bodyPr wrap="square" rtlCol="0">
+                <a:spAutoFit/>
+              </a:bodyPr>
+              <a:lstStyle/>
+              <a:p>
+                <a:pPr/>
+                <a14:m>
+                  <m:oMathPara xmlns:m="http://schemas.openxmlformats.org/officeDocument/2006/math">
+                    <m:oMathParaPr>
+                      <m:jc m:val="centerGroup"/>
+                    </m:oMathParaPr>
+                    <m:oMath xmlns:m="http://schemas.openxmlformats.org/officeDocument/2006/math">
+                      <m:r>
+                        <a:rPr lang="en-US" b="1" i="1" smtClean="0">
+                          <a:solidFill>
+                            <a:schemeClr val="tx1"/>
+                          </a:solidFill>
+                          <a:latin typeface="Cambria Math" panose="02040503050406030204" pitchFamily="18" charset="0"/>
+                        </a:rPr>
+                        <m:t>𝑸</m:t>
+                      </m:r>
+                    </m:oMath>
+                  </m:oMathPara>
+                </a14:m>
+                <a:endParaRPr lang="en-US" b="1" dirty="0">
+                  <a:solidFill>
+                    <a:schemeClr val="tx1"/>
+                  </a:solidFill>
+                </a:endParaRPr>
+              </a:p>
+            </p:txBody>
+          </p:sp>
+        </mc:Choice>
+        <mc:Fallback xmlns="">
+          <p:sp>
+            <p:nvSpPr>
+              <p:cNvPr id="2" name="TextBox 1">
+                <a:extLst>
+                  <a:ext uri="{FF2B5EF4-FFF2-40B4-BE49-F238E27FC236}">
+                    <a16:creationId xmlns:a16="http://schemas.microsoft.com/office/drawing/2014/main" id="{037D3408-A7A0-8758-6C39-56CF1D310398}"/>
+                  </a:ext>
+                </a:extLst>
+              </p:cNvPr>
+              <p:cNvSpPr txBox="1">
+                <a:spLocks noRot="1" noChangeAspect="1" noMove="1" noResize="1" noEditPoints="1" noAdjustHandles="1" noChangeArrowheads="1" noChangeShapeType="1" noTextEdit="1"/>
+              </p:cNvSpPr>
+              <p:nvPr/>
+            </p:nvSpPr>
+            <p:spPr>
+              <a:xfrm>
+                <a:off x="9691147" y="6011440"/>
+                <a:ext cx="807396" cy="369332"/>
+              </a:xfrm>
+              <a:prstGeom prst="rect">
+                <a:avLst/>
+              </a:prstGeom>
+              <a:blipFill>
+                <a:blip r:embed="rId2"/>
+                <a:stretch>
+                  <a:fillRect b="-9836"/>
+                </a:stretch>
+              </a:blipFill>
+            </p:spPr>
+            <p:txBody>
+              <a:bodyPr/>
+              <a:lstStyle/>
+              <a:p>
+                <a:r>
+                  <a:rPr lang="en-US">
+                    <a:noFill/>
+                  </a:rPr>
+                  <a:t> </a:t>
+                </a:r>
+              </a:p>
+            </p:txBody>
+          </p:sp>
+        </mc:Fallback>
+      </mc:AlternateContent>
+      <mc:AlternateContent xmlns:mc="http://schemas.openxmlformats.org/markup-compatibility/2006" xmlns:a14="http://schemas.microsoft.com/office/drawing/2010/main">
+        <mc:Choice Requires="a14">
+          <p:sp>
+            <p:nvSpPr>
+              <p:cNvPr id="3" name="TextBox 2">
+                <a:extLst>
+                  <a:ext uri="{FF2B5EF4-FFF2-40B4-BE49-F238E27FC236}">
+                    <a16:creationId xmlns:a16="http://schemas.microsoft.com/office/drawing/2014/main" id="{BC99D01B-9A4E-D99A-6E68-9EF07D7FAD75}"/>
+                  </a:ext>
+                </a:extLst>
+              </p:cNvPr>
+              <p:cNvSpPr txBox="1"/>
+              <p:nvPr/>
+            </p:nvSpPr>
+            <p:spPr>
+              <a:xfrm>
+                <a:off x="1370284" y="425673"/>
+                <a:ext cx="807396" cy="369332"/>
+              </a:xfrm>
+              <a:prstGeom prst="rect">
+                <a:avLst/>
+              </a:prstGeom>
+              <a:noFill/>
+            </p:spPr>
+            <p:txBody>
+              <a:bodyPr wrap="square" rtlCol="0">
+                <a:spAutoFit/>
+              </a:bodyPr>
+              <a:lstStyle/>
+              <a:p>
+                <a:pPr/>
+                <a14:m>
+                  <m:oMathPara xmlns:m="http://schemas.openxmlformats.org/officeDocument/2006/math">
+                    <m:oMathParaPr>
+                      <m:jc m:val="centerGroup"/>
+                    </m:oMathParaPr>
+                    <m:oMath xmlns:m="http://schemas.openxmlformats.org/officeDocument/2006/math">
+                      <m:r>
+                        <a:rPr lang="en-US" b="1" i="1" smtClean="0">
+                          <a:solidFill>
+                            <a:schemeClr val="tx1"/>
+                          </a:solidFill>
+                          <a:latin typeface="Cambria Math" panose="02040503050406030204" pitchFamily="18" charset="0"/>
+                        </a:rPr>
+                        <m:t>𝑪𝒐𝒔𝒕𝒔</m:t>
+                      </m:r>
+                    </m:oMath>
+                  </m:oMathPara>
+                </a14:m>
+                <a:endParaRPr lang="en-US" b="1" dirty="0">
+                  <a:solidFill>
+                    <a:schemeClr val="tx1"/>
+                  </a:solidFill>
+                </a:endParaRPr>
+              </a:p>
+            </p:txBody>
+          </p:sp>
+        </mc:Choice>
+        <mc:Fallback xmlns="">
+          <p:sp>
+            <p:nvSpPr>
+              <p:cNvPr id="3" name="TextBox 2">
+                <a:extLst>
+                  <a:ext uri="{FF2B5EF4-FFF2-40B4-BE49-F238E27FC236}">
+                    <a16:creationId xmlns:a16="http://schemas.microsoft.com/office/drawing/2014/main" id="{BC99D01B-9A4E-D99A-6E68-9EF07D7FAD75}"/>
+                  </a:ext>
+                </a:extLst>
+              </p:cNvPr>
+              <p:cNvSpPr txBox="1">
+                <a:spLocks noRot="1" noChangeAspect="1" noMove="1" noResize="1" noEditPoints="1" noAdjustHandles="1" noChangeArrowheads="1" noChangeShapeType="1" noTextEdit="1"/>
+              </p:cNvSpPr>
+              <p:nvPr/>
+            </p:nvSpPr>
+            <p:spPr>
+              <a:xfrm>
+                <a:off x="1370284" y="425673"/>
+                <a:ext cx="807396" cy="369332"/>
+              </a:xfrm>
+              <a:prstGeom prst="rect">
+                <a:avLst/>
+              </a:prstGeom>
+              <a:blipFill>
+                <a:blip r:embed="rId3"/>
+                <a:stretch>
+                  <a:fillRect/>
+                </a:stretch>
+              </a:blipFill>
+            </p:spPr>
+            <p:txBody>
+              <a:bodyPr/>
+              <a:lstStyle/>
+              <a:p>
+                <a:r>
+                  <a:rPr lang="en-US">
+                    <a:noFill/>
+                  </a:rPr>
+                  <a:t> </a:t>
+                </a:r>
+              </a:p>
+            </p:txBody>
+          </p:sp>
+        </mc:Fallback>
+      </mc:AlternateContent>
+      <p:sp>
+        <p:nvSpPr>
+          <p:cNvPr id="4" name="Freeform: Shape 3">
+            <a:extLst>
+              <a:ext uri="{FF2B5EF4-FFF2-40B4-BE49-F238E27FC236}">
+                <a16:creationId xmlns:a16="http://schemas.microsoft.com/office/drawing/2014/main" id="{94465AA2-B7B2-D4A6-6EFF-59377BA3048B}"/>
+              </a:ext>
+            </a:extLst>
+          </p:cNvPr>
+          <p:cNvSpPr/>
+          <p:nvPr/>
+        </p:nvSpPr>
+        <p:spPr>
+          <a:xfrm>
+            <a:off x="2295193" y="610339"/>
+            <a:ext cx="7601613" cy="5637321"/>
+          </a:xfrm>
+          <a:custGeom>
+            <a:avLst/>
+            <a:gdLst>
+              <a:gd name="connsiteX0" fmla="*/ 0 w 10227076"/>
+              <a:gd name="connsiteY0" fmla="*/ 0 h 5637321"/>
+              <a:gd name="connsiteX1" fmla="*/ 35511 w 10227076"/>
+              <a:gd name="connsiteY1" fmla="*/ 5637321 h 5637321"/>
+              <a:gd name="connsiteX2" fmla="*/ 10227076 w 10227076"/>
+              <a:gd name="connsiteY2" fmla="*/ 5584055 h 5637321"/>
+            </a:gdLst>
+            <a:ahLst/>
+            <a:cxnLst>
+              <a:cxn ang="0">
+                <a:pos x="connsiteX0" y="connsiteY0"/>
+              </a:cxn>
+              <a:cxn ang="0">
+                <a:pos x="connsiteX1" y="connsiteY1"/>
+              </a:cxn>
+              <a:cxn ang="0">
+                <a:pos x="connsiteX2" y="connsiteY2"/>
+              </a:cxn>
+            </a:cxnLst>
+            <a:rect l="l" t="t" r="r" b="b"/>
+            <a:pathLst>
+              <a:path w="10227076" h="5637321">
+                <a:moveTo>
+                  <a:pt x="0" y="0"/>
+                </a:moveTo>
+                <a:lnTo>
+                  <a:pt x="35511" y="5637321"/>
+                </a:lnTo>
+                <a:lnTo>
+                  <a:pt x="10227076" y="5584055"/>
+                </a:lnTo>
+              </a:path>
+            </a:pathLst>
+          </a:custGeom>
+          <a:ln w="57150"/>
+        </p:spPr>
+        <p:style>
+          <a:lnRef idx="3">
+            <a:schemeClr val="dk1"/>
+          </a:lnRef>
+          <a:fillRef idx="0">
+            <a:schemeClr val="dk1"/>
+          </a:fillRef>
+          <a:effectRef idx="2">
+            <a:schemeClr val="dk1"/>
+          </a:effectRef>
+          <a:fontRef idx="minor">
+            <a:schemeClr val="tx1"/>
+          </a:fontRef>
+        </p:style>
+        <p:txBody>
+          <a:bodyPr rtlCol="0" anchor="ctr"/>
+          <a:lstStyle/>
+          <a:p>
+            <a:pPr algn="ctr"/>
+            <a:endParaRPr lang="en-US"/>
+          </a:p>
+        </p:txBody>
+      </p:sp>
+      <p:cxnSp>
+        <p:nvCxnSpPr>
+          <p:cNvPr id="6" name="Straight Connector 5">
+            <a:extLst>
+              <a:ext uri="{FF2B5EF4-FFF2-40B4-BE49-F238E27FC236}">
+                <a16:creationId xmlns:a16="http://schemas.microsoft.com/office/drawing/2014/main" id="{177D77E9-742E-2A52-8661-BC30CE3C0C01}"/>
+              </a:ext>
+            </a:extLst>
+          </p:cNvPr>
+          <p:cNvCxnSpPr>
+            <a:cxnSpLocks/>
+            <a:stCxn id="4" idx="1"/>
+          </p:cNvCxnSpPr>
+          <p:nvPr/>
+        </p:nvCxnSpPr>
+        <p:spPr>
+          <a:xfrm flipV="1">
+            <a:off x="2321588" y="1323109"/>
+            <a:ext cx="6060412" cy="4924551"/>
+          </a:xfrm>
+          <a:prstGeom prst="line">
+            <a:avLst/>
+          </a:prstGeom>
+          <a:ln w="57150">
+            <a:solidFill>
+              <a:schemeClr val="accent6">
+                <a:lumMod val="60000"/>
+                <a:lumOff val="40000"/>
+              </a:schemeClr>
+            </a:solidFill>
+          </a:ln>
+        </p:spPr>
+        <p:style>
+          <a:lnRef idx="1">
+            <a:schemeClr val="accent1"/>
+          </a:lnRef>
+          <a:fillRef idx="0">
+            <a:schemeClr val="accent1"/>
+          </a:fillRef>
+          <a:effectRef idx="0">
+            <a:schemeClr val="accent1"/>
+          </a:effectRef>
+          <a:fontRef idx="minor">
+            <a:schemeClr val="tx1"/>
+          </a:fontRef>
+        </p:style>
+      </p:cxnSp>
+      <mc:AlternateContent xmlns:mc="http://schemas.openxmlformats.org/markup-compatibility/2006" xmlns:a14="http://schemas.microsoft.com/office/drawing/2010/main">
+        <mc:Choice Requires="a14">
+          <p:sp>
+            <p:nvSpPr>
+              <p:cNvPr id="9" name="TextBox 8">
+                <a:extLst>
+                  <a:ext uri="{FF2B5EF4-FFF2-40B4-BE49-F238E27FC236}">
+                    <a16:creationId xmlns:a16="http://schemas.microsoft.com/office/drawing/2014/main" id="{C42D9311-F85B-CF86-B9B6-8DBC2F97FE3E}"/>
+                  </a:ext>
+                </a:extLst>
+              </p:cNvPr>
+              <p:cNvSpPr txBox="1"/>
+              <p:nvPr/>
+            </p:nvSpPr>
+            <p:spPr>
+              <a:xfrm>
+                <a:off x="6004397" y="3558262"/>
+                <a:ext cx="3804621" cy="992836"/>
+              </a:xfrm>
+              <a:prstGeom prst="rect">
+                <a:avLst/>
+              </a:prstGeom>
+              <a:noFill/>
+            </p:spPr>
+            <p:txBody>
+              <a:bodyPr wrap="square" rtlCol="0">
+                <a:spAutoFit/>
+              </a:bodyPr>
+              <a:lstStyle/>
+              <a:p>
+                <a:pPr/>
+                <a14:m>
+                  <m:oMathPara xmlns:m="http://schemas.openxmlformats.org/officeDocument/2006/math">
+                    <m:oMathParaPr>
+                      <m:jc m:val="centerGroup"/>
+                    </m:oMathParaPr>
+                    <m:oMath xmlns:m="http://schemas.openxmlformats.org/officeDocument/2006/math">
+                      <m:f>
+                        <m:fPr>
+                          <m:ctrlPr>
+                            <a:rPr lang="en-US" sz="2800" b="1" i="1" smtClean="0">
+                              <a:solidFill>
+                                <a:schemeClr val="accent6"/>
+                              </a:solidFill>
+                              <a:latin typeface="Cambria Math" panose="02040503050406030204" pitchFamily="18" charset="0"/>
+                            </a:rPr>
+                          </m:ctrlPr>
+                        </m:fPr>
+                        <m:num>
+                          <m:r>
+                            <a:rPr lang="en-US" sz="2800" b="1" i="1" smtClean="0">
+                              <a:solidFill>
+                                <a:schemeClr val="accent6"/>
+                              </a:solidFill>
+                              <a:latin typeface="Cambria Math" panose="02040503050406030204" pitchFamily="18" charset="0"/>
+                            </a:rPr>
+                            <m:t>𝝏</m:t>
+                          </m:r>
+                          <m:r>
+                            <a:rPr lang="en-US" sz="2800" b="1" i="1" smtClean="0">
+                              <a:solidFill>
+                                <a:schemeClr val="accent6"/>
+                              </a:solidFill>
+                              <a:latin typeface="Cambria Math" panose="02040503050406030204" pitchFamily="18" charset="0"/>
+                            </a:rPr>
+                            <m:t>𝑪</m:t>
+                          </m:r>
+                          <m:d>
+                            <m:dPr>
+                              <m:ctrlPr>
+                                <a:rPr lang="en-US" sz="2800" b="1" i="1" smtClean="0">
+                                  <a:solidFill>
+                                    <a:schemeClr val="accent6"/>
+                                  </a:solidFill>
+                                  <a:latin typeface="Cambria Math" panose="02040503050406030204" pitchFamily="18" charset="0"/>
+                                </a:rPr>
+                              </m:ctrlPr>
+                            </m:dPr>
+                            <m:e>
+                              <m:r>
+                                <a:rPr lang="en-US" sz="2800" b="1" i="1" smtClean="0">
+                                  <a:solidFill>
+                                    <a:schemeClr val="accent6"/>
+                                  </a:solidFill>
+                                  <a:latin typeface="Cambria Math" panose="02040503050406030204" pitchFamily="18" charset="0"/>
+                                </a:rPr>
+                                <m:t>𝑸</m:t>
+                              </m:r>
+                            </m:e>
+                          </m:d>
+                        </m:num>
+                        <m:den>
+                          <m:r>
+                            <a:rPr lang="en-US" sz="2800" b="1" i="1" smtClean="0">
+                              <a:solidFill>
+                                <a:schemeClr val="accent6"/>
+                              </a:solidFill>
+                              <a:latin typeface="Cambria Math" panose="02040503050406030204" pitchFamily="18" charset="0"/>
+                            </a:rPr>
+                            <m:t>𝝏</m:t>
+                          </m:r>
+                          <m:r>
+                            <a:rPr lang="en-US" sz="2800" b="1" i="1" smtClean="0">
+                              <a:solidFill>
+                                <a:schemeClr val="accent6"/>
+                              </a:solidFill>
+                              <a:latin typeface="Cambria Math" panose="02040503050406030204" pitchFamily="18" charset="0"/>
+                            </a:rPr>
+                            <m:t>𝑸</m:t>
+                          </m:r>
+                        </m:den>
+                      </m:f>
+                      <m:r>
+                        <a:rPr lang="en-US" sz="2800" b="1" i="1" smtClean="0">
+                          <a:solidFill>
+                            <a:schemeClr val="accent6"/>
+                          </a:solidFill>
+                          <a:latin typeface="Cambria Math" panose="02040503050406030204" pitchFamily="18" charset="0"/>
+                        </a:rPr>
+                        <m:t>=</m:t>
+                      </m:r>
+                      <m:r>
+                        <a:rPr lang="en-US" sz="2800" b="1" i="1" smtClean="0">
+                          <a:solidFill>
+                            <a:schemeClr val="accent6"/>
+                          </a:solidFill>
+                          <a:latin typeface="Cambria Math" panose="02040503050406030204" pitchFamily="18" charset="0"/>
+                        </a:rPr>
+                        <m:t>𝑴𝑪</m:t>
+                      </m:r>
+                      <m:r>
+                        <a:rPr lang="en-US" sz="2800" b="1" i="1" smtClean="0">
+                          <a:solidFill>
+                            <a:schemeClr val="accent6"/>
+                          </a:solidFill>
+                          <a:latin typeface="Cambria Math" panose="02040503050406030204" pitchFamily="18" charset="0"/>
+                        </a:rPr>
+                        <m:t>(</m:t>
+                      </m:r>
+                      <m:r>
+                        <a:rPr lang="en-US" sz="2800" b="1" i="1" smtClean="0">
+                          <a:solidFill>
+                            <a:schemeClr val="accent6"/>
+                          </a:solidFill>
+                          <a:latin typeface="Cambria Math" panose="02040503050406030204" pitchFamily="18" charset="0"/>
+                        </a:rPr>
+                        <m:t>𝑸</m:t>
+                      </m:r>
+                      <m:r>
+                        <a:rPr lang="en-US" sz="2800" b="1" i="1" smtClean="0">
+                          <a:solidFill>
+                            <a:schemeClr val="accent6"/>
+                          </a:solidFill>
+                          <a:latin typeface="Cambria Math" panose="02040503050406030204" pitchFamily="18" charset="0"/>
+                        </a:rPr>
+                        <m:t>)&gt;</m:t>
+                      </m:r>
+                      <m:r>
+                        <a:rPr lang="en-US" sz="2800" b="1" i="1" smtClean="0">
+                          <a:solidFill>
+                            <a:schemeClr val="accent6"/>
+                          </a:solidFill>
+                          <a:latin typeface="Cambria Math" panose="02040503050406030204" pitchFamily="18" charset="0"/>
+                        </a:rPr>
+                        <m:t>𝟎</m:t>
+                      </m:r>
+                    </m:oMath>
+                  </m:oMathPara>
+                </a14:m>
+                <a:endParaRPr lang="en-US" sz="2800" b="1" dirty="0">
+                  <a:solidFill>
+                    <a:schemeClr val="accent6"/>
+                  </a:solidFill>
+                </a:endParaRPr>
+              </a:p>
+            </p:txBody>
+          </p:sp>
+        </mc:Choice>
+        <mc:Fallback xmlns="">
+          <p:sp>
+            <p:nvSpPr>
+              <p:cNvPr id="9" name="TextBox 8">
+                <a:extLst>
+                  <a:ext uri="{FF2B5EF4-FFF2-40B4-BE49-F238E27FC236}">
+                    <a16:creationId xmlns:a16="http://schemas.microsoft.com/office/drawing/2014/main" id="{C42D9311-F85B-CF86-B9B6-8DBC2F97FE3E}"/>
+                  </a:ext>
+                </a:extLst>
+              </p:cNvPr>
+              <p:cNvSpPr txBox="1">
+                <a:spLocks noRot="1" noChangeAspect="1" noMove="1" noResize="1" noEditPoints="1" noAdjustHandles="1" noChangeArrowheads="1" noChangeShapeType="1" noTextEdit="1"/>
+              </p:cNvSpPr>
+              <p:nvPr/>
+            </p:nvSpPr>
+            <p:spPr>
+              <a:xfrm>
+                <a:off x="6004397" y="3558262"/>
+                <a:ext cx="3804621" cy="992836"/>
+              </a:xfrm>
+              <a:prstGeom prst="rect">
+                <a:avLst/>
+              </a:prstGeom>
+              <a:blipFill>
+                <a:blip r:embed="rId4"/>
+                <a:stretch>
+                  <a:fillRect/>
+                </a:stretch>
+              </a:blipFill>
+            </p:spPr>
+            <p:txBody>
+              <a:bodyPr/>
+              <a:lstStyle/>
+              <a:p>
+                <a:r>
+                  <a:rPr lang="en-US">
+                    <a:noFill/>
+                  </a:rPr>
+                  <a:t> </a:t>
+                </a:r>
+              </a:p>
+            </p:txBody>
+          </p:sp>
+        </mc:Fallback>
+      </mc:AlternateContent>
+    </p:spTree>
+    <p:extLst>
+      <p:ext uri="{BB962C8B-B14F-4D97-AF65-F5344CB8AC3E}">
+        <p14:creationId xmlns:p14="http://schemas.microsoft.com/office/powerpoint/2010/main" val="2525246166"/>
       </p:ext>
     </p:extLst>
   </p:cSld>
@@ -14852,6 +15449,7731 @@
 </p:sld>
 </file>
 
+<file path=ppt/slides/slide20.xml><?xml version="1.0" encoding="utf-8"?>
+<p:sld xmlns:a="http://schemas.openxmlformats.org/drawingml/2006/main" xmlns:r="http://schemas.openxmlformats.org/officeDocument/2006/relationships" xmlns:p="http://schemas.openxmlformats.org/presentationml/2006/main">
+  <p:cSld>
+    <p:spTree>
+      <p:nvGrpSpPr>
+        <p:cNvPr id="1" name="">
+          <a:extLst>
+            <a:ext uri="{FF2B5EF4-FFF2-40B4-BE49-F238E27FC236}">
+              <a16:creationId xmlns:a16="http://schemas.microsoft.com/office/drawing/2014/main" id="{DBCA6D86-ECD9-933B-6B34-353F68B5A433}"/>
+            </a:ext>
+          </a:extLst>
+        </p:cNvPr>
+        <p:cNvGrpSpPr/>
+        <p:nvPr/>
+      </p:nvGrpSpPr>
+      <p:grpSpPr>
+        <a:xfrm>
+          <a:off x="0" y="0"/>
+          <a:ext cx="0" cy="0"/>
+          <a:chOff x="0" y="0"/>
+          <a:chExt cx="0" cy="0"/>
+        </a:xfrm>
+      </p:grpSpPr>
+      <mc:AlternateContent xmlns:mc="http://schemas.openxmlformats.org/markup-compatibility/2006" xmlns:a14="http://schemas.microsoft.com/office/drawing/2010/main">
+        <mc:Choice Requires="a14">
+          <p:sp>
+            <p:nvSpPr>
+              <p:cNvPr id="2" name="TextBox 1">
+                <a:extLst>
+                  <a:ext uri="{FF2B5EF4-FFF2-40B4-BE49-F238E27FC236}">
+                    <a16:creationId xmlns:a16="http://schemas.microsoft.com/office/drawing/2014/main" id="{AE3AE489-676C-A43F-DFB2-A51EFFD2234B}"/>
+                  </a:ext>
+                </a:extLst>
+              </p:cNvPr>
+              <p:cNvSpPr txBox="1"/>
+              <p:nvPr/>
+            </p:nvSpPr>
+            <p:spPr>
+              <a:xfrm>
+                <a:off x="9691147" y="6011440"/>
+                <a:ext cx="807396" cy="369332"/>
+              </a:xfrm>
+              <a:prstGeom prst="rect">
+                <a:avLst/>
+              </a:prstGeom>
+              <a:noFill/>
+            </p:spPr>
+            <p:txBody>
+              <a:bodyPr wrap="square" rtlCol="0">
+                <a:spAutoFit/>
+              </a:bodyPr>
+              <a:lstStyle/>
+              <a:p>
+                <a:pPr/>
+                <a14:m>
+                  <m:oMathPara xmlns:m="http://schemas.openxmlformats.org/officeDocument/2006/math">
+                    <m:oMathParaPr>
+                      <m:jc m:val="centerGroup"/>
+                    </m:oMathParaPr>
+                    <m:oMath xmlns:m="http://schemas.openxmlformats.org/officeDocument/2006/math">
+                      <m:r>
+                        <a:rPr lang="en-US" b="1" i="1" smtClean="0">
+                          <a:solidFill>
+                            <a:schemeClr val="tx1"/>
+                          </a:solidFill>
+                          <a:latin typeface="Cambria Math" panose="02040503050406030204" pitchFamily="18" charset="0"/>
+                        </a:rPr>
+                        <m:t>𝑸</m:t>
+                      </m:r>
+                    </m:oMath>
+                  </m:oMathPara>
+                </a14:m>
+                <a:endParaRPr lang="en-US" b="1" dirty="0">
+                  <a:solidFill>
+                    <a:schemeClr val="tx1"/>
+                  </a:solidFill>
+                </a:endParaRPr>
+              </a:p>
+            </p:txBody>
+          </p:sp>
+        </mc:Choice>
+        <mc:Fallback xmlns="">
+          <p:sp>
+            <p:nvSpPr>
+              <p:cNvPr id="2" name="TextBox 1">
+                <a:extLst>
+                  <a:ext uri="{FF2B5EF4-FFF2-40B4-BE49-F238E27FC236}">
+                    <a16:creationId xmlns:a16="http://schemas.microsoft.com/office/drawing/2014/main" id="{AE3AE489-676C-A43F-DFB2-A51EFFD2234B}"/>
+                  </a:ext>
+                </a:extLst>
+              </p:cNvPr>
+              <p:cNvSpPr txBox="1">
+                <a:spLocks noRot="1" noChangeAspect="1" noMove="1" noResize="1" noEditPoints="1" noAdjustHandles="1" noChangeArrowheads="1" noChangeShapeType="1" noTextEdit="1"/>
+              </p:cNvSpPr>
+              <p:nvPr/>
+            </p:nvSpPr>
+            <p:spPr>
+              <a:xfrm>
+                <a:off x="9691147" y="6011440"/>
+                <a:ext cx="807396" cy="369332"/>
+              </a:xfrm>
+              <a:prstGeom prst="rect">
+                <a:avLst/>
+              </a:prstGeom>
+              <a:blipFill>
+                <a:blip r:embed="rId2"/>
+                <a:stretch>
+                  <a:fillRect b="-9836"/>
+                </a:stretch>
+              </a:blipFill>
+            </p:spPr>
+            <p:txBody>
+              <a:bodyPr/>
+              <a:lstStyle/>
+              <a:p>
+                <a:r>
+                  <a:rPr lang="en-US">
+                    <a:noFill/>
+                  </a:rPr>
+                  <a:t> </a:t>
+                </a:r>
+              </a:p>
+            </p:txBody>
+          </p:sp>
+        </mc:Fallback>
+      </mc:AlternateContent>
+      <mc:AlternateContent xmlns:mc="http://schemas.openxmlformats.org/markup-compatibility/2006" xmlns:a14="http://schemas.microsoft.com/office/drawing/2010/main">
+        <mc:Choice Requires="a14">
+          <p:sp>
+            <p:nvSpPr>
+              <p:cNvPr id="3" name="TextBox 2">
+                <a:extLst>
+                  <a:ext uri="{FF2B5EF4-FFF2-40B4-BE49-F238E27FC236}">
+                    <a16:creationId xmlns:a16="http://schemas.microsoft.com/office/drawing/2014/main" id="{0AF6EC2F-84BA-4EBF-933D-28FB0F496B5E}"/>
+                  </a:ext>
+                </a:extLst>
+              </p:cNvPr>
+              <p:cNvSpPr txBox="1"/>
+              <p:nvPr/>
+            </p:nvSpPr>
+            <p:spPr>
+              <a:xfrm>
+                <a:off x="1370284" y="425673"/>
+                <a:ext cx="807396" cy="369332"/>
+              </a:xfrm>
+              <a:prstGeom prst="rect">
+                <a:avLst/>
+              </a:prstGeom>
+              <a:noFill/>
+            </p:spPr>
+            <p:txBody>
+              <a:bodyPr wrap="square" rtlCol="0">
+                <a:spAutoFit/>
+              </a:bodyPr>
+              <a:lstStyle/>
+              <a:p>
+                <a:pPr/>
+                <a14:m>
+                  <m:oMathPara xmlns:m="http://schemas.openxmlformats.org/officeDocument/2006/math">
+                    <m:oMathParaPr>
+                      <m:jc m:val="centerGroup"/>
+                    </m:oMathParaPr>
+                    <m:oMath xmlns:m="http://schemas.openxmlformats.org/officeDocument/2006/math">
+                      <m:r>
+                        <a:rPr lang="en-US" b="1" i="1" smtClean="0">
+                          <a:solidFill>
+                            <a:schemeClr val="tx1"/>
+                          </a:solidFill>
+                          <a:latin typeface="Cambria Math" panose="02040503050406030204" pitchFamily="18" charset="0"/>
+                        </a:rPr>
+                        <m:t>𝑪𝒐𝒔𝒕𝒔</m:t>
+                      </m:r>
+                    </m:oMath>
+                  </m:oMathPara>
+                </a14:m>
+                <a:endParaRPr lang="en-US" b="1" dirty="0">
+                  <a:solidFill>
+                    <a:schemeClr val="tx1"/>
+                  </a:solidFill>
+                </a:endParaRPr>
+              </a:p>
+            </p:txBody>
+          </p:sp>
+        </mc:Choice>
+        <mc:Fallback xmlns="">
+          <p:sp>
+            <p:nvSpPr>
+              <p:cNvPr id="3" name="TextBox 2">
+                <a:extLst>
+                  <a:ext uri="{FF2B5EF4-FFF2-40B4-BE49-F238E27FC236}">
+                    <a16:creationId xmlns:a16="http://schemas.microsoft.com/office/drawing/2014/main" id="{0AF6EC2F-84BA-4EBF-933D-28FB0F496B5E}"/>
+                  </a:ext>
+                </a:extLst>
+              </p:cNvPr>
+              <p:cNvSpPr txBox="1">
+                <a:spLocks noRot="1" noChangeAspect="1" noMove="1" noResize="1" noEditPoints="1" noAdjustHandles="1" noChangeArrowheads="1" noChangeShapeType="1" noTextEdit="1"/>
+              </p:cNvSpPr>
+              <p:nvPr/>
+            </p:nvSpPr>
+            <p:spPr>
+              <a:xfrm>
+                <a:off x="1370284" y="425673"/>
+                <a:ext cx="807396" cy="369332"/>
+              </a:xfrm>
+              <a:prstGeom prst="rect">
+                <a:avLst/>
+              </a:prstGeom>
+              <a:blipFill>
+                <a:blip r:embed="rId3"/>
+                <a:stretch>
+                  <a:fillRect/>
+                </a:stretch>
+              </a:blipFill>
+            </p:spPr>
+            <p:txBody>
+              <a:bodyPr/>
+              <a:lstStyle/>
+              <a:p>
+                <a:r>
+                  <a:rPr lang="en-US">
+                    <a:noFill/>
+                  </a:rPr>
+                  <a:t> </a:t>
+                </a:r>
+              </a:p>
+            </p:txBody>
+          </p:sp>
+        </mc:Fallback>
+      </mc:AlternateContent>
+      <p:sp>
+        <p:nvSpPr>
+          <p:cNvPr id="4" name="Freeform: Shape 3">
+            <a:extLst>
+              <a:ext uri="{FF2B5EF4-FFF2-40B4-BE49-F238E27FC236}">
+                <a16:creationId xmlns:a16="http://schemas.microsoft.com/office/drawing/2014/main" id="{D720DFE2-66F9-9D38-D1B0-8E887B457346}"/>
+              </a:ext>
+            </a:extLst>
+          </p:cNvPr>
+          <p:cNvSpPr/>
+          <p:nvPr/>
+        </p:nvSpPr>
+        <p:spPr>
+          <a:xfrm>
+            <a:off x="2295193" y="610339"/>
+            <a:ext cx="7601613" cy="5637321"/>
+          </a:xfrm>
+          <a:custGeom>
+            <a:avLst/>
+            <a:gdLst>
+              <a:gd name="connsiteX0" fmla="*/ 0 w 10227076"/>
+              <a:gd name="connsiteY0" fmla="*/ 0 h 5637321"/>
+              <a:gd name="connsiteX1" fmla="*/ 35511 w 10227076"/>
+              <a:gd name="connsiteY1" fmla="*/ 5637321 h 5637321"/>
+              <a:gd name="connsiteX2" fmla="*/ 10227076 w 10227076"/>
+              <a:gd name="connsiteY2" fmla="*/ 5584055 h 5637321"/>
+            </a:gdLst>
+            <a:ahLst/>
+            <a:cxnLst>
+              <a:cxn ang="0">
+                <a:pos x="connsiteX0" y="connsiteY0"/>
+              </a:cxn>
+              <a:cxn ang="0">
+                <a:pos x="connsiteX1" y="connsiteY1"/>
+              </a:cxn>
+              <a:cxn ang="0">
+                <a:pos x="connsiteX2" y="connsiteY2"/>
+              </a:cxn>
+            </a:cxnLst>
+            <a:rect l="l" t="t" r="r" b="b"/>
+            <a:pathLst>
+              <a:path w="10227076" h="5637321">
+                <a:moveTo>
+                  <a:pt x="0" y="0"/>
+                </a:moveTo>
+                <a:lnTo>
+                  <a:pt x="35511" y="5637321"/>
+                </a:lnTo>
+                <a:lnTo>
+                  <a:pt x="10227076" y="5584055"/>
+                </a:lnTo>
+              </a:path>
+            </a:pathLst>
+          </a:custGeom>
+          <a:ln w="57150"/>
+        </p:spPr>
+        <p:style>
+          <a:lnRef idx="3">
+            <a:schemeClr val="dk1"/>
+          </a:lnRef>
+          <a:fillRef idx="0">
+            <a:schemeClr val="dk1"/>
+          </a:fillRef>
+          <a:effectRef idx="2">
+            <a:schemeClr val="dk1"/>
+          </a:effectRef>
+          <a:fontRef idx="minor">
+            <a:schemeClr val="tx1"/>
+          </a:fontRef>
+        </p:style>
+        <p:txBody>
+          <a:bodyPr rtlCol="0" anchor="ctr"/>
+          <a:lstStyle/>
+          <a:p>
+            <a:pPr algn="ctr"/>
+            <a:endParaRPr lang="en-US"/>
+          </a:p>
+        </p:txBody>
+      </p:sp>
+      <p:cxnSp>
+        <p:nvCxnSpPr>
+          <p:cNvPr id="6" name="Straight Connector 5">
+            <a:extLst>
+              <a:ext uri="{FF2B5EF4-FFF2-40B4-BE49-F238E27FC236}">
+                <a16:creationId xmlns:a16="http://schemas.microsoft.com/office/drawing/2014/main" id="{865F6F77-580A-17E5-31F0-0053289A4D4F}"/>
+              </a:ext>
+            </a:extLst>
+          </p:cNvPr>
+          <p:cNvCxnSpPr>
+            <a:cxnSpLocks/>
+            <a:stCxn id="4" idx="1"/>
+          </p:cNvCxnSpPr>
+          <p:nvPr/>
+        </p:nvCxnSpPr>
+        <p:spPr>
+          <a:xfrm flipV="1">
+            <a:off x="2321588" y="1323109"/>
+            <a:ext cx="6060412" cy="4924551"/>
+          </a:xfrm>
+          <a:prstGeom prst="line">
+            <a:avLst/>
+          </a:prstGeom>
+          <a:ln w="57150">
+            <a:solidFill>
+              <a:schemeClr val="accent6">
+                <a:lumMod val="60000"/>
+                <a:lumOff val="40000"/>
+              </a:schemeClr>
+            </a:solidFill>
+          </a:ln>
+        </p:spPr>
+        <p:style>
+          <a:lnRef idx="1">
+            <a:schemeClr val="accent1"/>
+          </a:lnRef>
+          <a:fillRef idx="0">
+            <a:schemeClr val="accent1"/>
+          </a:fillRef>
+          <a:effectRef idx="0">
+            <a:schemeClr val="accent1"/>
+          </a:effectRef>
+          <a:fontRef idx="minor">
+            <a:schemeClr val="tx1"/>
+          </a:fontRef>
+        </p:style>
+      </p:cxnSp>
+      <mc:AlternateContent xmlns:mc="http://schemas.openxmlformats.org/markup-compatibility/2006" xmlns:a14="http://schemas.microsoft.com/office/drawing/2010/main">
+        <mc:Choice Requires="a14">
+          <p:sp>
+            <p:nvSpPr>
+              <p:cNvPr id="9" name="TextBox 8">
+                <a:extLst>
+                  <a:ext uri="{FF2B5EF4-FFF2-40B4-BE49-F238E27FC236}">
+                    <a16:creationId xmlns:a16="http://schemas.microsoft.com/office/drawing/2014/main" id="{A0C47D96-5900-B9DE-A676-BD7D598F33AD}"/>
+                  </a:ext>
+                </a:extLst>
+              </p:cNvPr>
+              <p:cNvSpPr txBox="1"/>
+              <p:nvPr/>
+            </p:nvSpPr>
+            <p:spPr>
+              <a:xfrm>
+                <a:off x="8422735" y="1061499"/>
+                <a:ext cx="1227676" cy="523220"/>
+              </a:xfrm>
+              <a:prstGeom prst="rect">
+                <a:avLst/>
+              </a:prstGeom>
+              <a:noFill/>
+            </p:spPr>
+            <p:txBody>
+              <a:bodyPr wrap="square" rtlCol="0">
+                <a:spAutoFit/>
+              </a:bodyPr>
+              <a:lstStyle/>
+              <a:p>
+                <a:pPr/>
+                <a14:m>
+                  <m:oMathPara xmlns:m="http://schemas.openxmlformats.org/officeDocument/2006/math">
+                    <m:oMathParaPr>
+                      <m:jc m:val="centerGroup"/>
+                    </m:oMathParaPr>
+                    <m:oMath xmlns:m="http://schemas.openxmlformats.org/officeDocument/2006/math">
+                      <m:r>
+                        <a:rPr lang="en-US" sz="2800" b="1" i="1" smtClean="0">
+                          <a:solidFill>
+                            <a:schemeClr val="accent6"/>
+                          </a:solidFill>
+                          <a:latin typeface="Cambria Math" panose="02040503050406030204" pitchFamily="18" charset="0"/>
+                        </a:rPr>
+                        <m:t>𝑴𝑪</m:t>
+                      </m:r>
+                      <m:r>
+                        <a:rPr lang="en-US" sz="2800" b="1" i="1" smtClean="0">
+                          <a:solidFill>
+                            <a:schemeClr val="accent6"/>
+                          </a:solidFill>
+                          <a:latin typeface="Cambria Math" panose="02040503050406030204" pitchFamily="18" charset="0"/>
+                        </a:rPr>
+                        <m:t>(</m:t>
+                      </m:r>
+                      <m:r>
+                        <a:rPr lang="en-US" sz="2800" b="1" i="1" smtClean="0">
+                          <a:solidFill>
+                            <a:schemeClr val="accent6"/>
+                          </a:solidFill>
+                          <a:latin typeface="Cambria Math" panose="02040503050406030204" pitchFamily="18" charset="0"/>
+                        </a:rPr>
+                        <m:t>𝑸</m:t>
+                      </m:r>
+                      <m:r>
+                        <a:rPr lang="en-US" sz="2800" b="1" i="1" smtClean="0">
+                          <a:solidFill>
+                            <a:schemeClr val="accent6"/>
+                          </a:solidFill>
+                          <a:latin typeface="Cambria Math" panose="02040503050406030204" pitchFamily="18" charset="0"/>
+                        </a:rPr>
+                        <m:t>)</m:t>
+                      </m:r>
+                    </m:oMath>
+                  </m:oMathPara>
+                </a14:m>
+                <a:endParaRPr lang="en-US" sz="2800" b="1" dirty="0">
+                  <a:solidFill>
+                    <a:schemeClr val="accent6"/>
+                  </a:solidFill>
+                </a:endParaRPr>
+              </a:p>
+            </p:txBody>
+          </p:sp>
+        </mc:Choice>
+        <mc:Fallback xmlns="">
+          <p:sp>
+            <p:nvSpPr>
+              <p:cNvPr id="9" name="TextBox 8">
+                <a:extLst>
+                  <a:ext uri="{FF2B5EF4-FFF2-40B4-BE49-F238E27FC236}">
+                    <a16:creationId xmlns:a16="http://schemas.microsoft.com/office/drawing/2014/main" id="{A0C47D96-5900-B9DE-A676-BD7D598F33AD}"/>
+                  </a:ext>
+                </a:extLst>
+              </p:cNvPr>
+              <p:cNvSpPr txBox="1">
+                <a:spLocks noRot="1" noChangeAspect="1" noMove="1" noResize="1" noEditPoints="1" noAdjustHandles="1" noChangeArrowheads="1" noChangeShapeType="1" noTextEdit="1"/>
+              </p:cNvSpPr>
+              <p:nvPr/>
+            </p:nvSpPr>
+            <p:spPr>
+              <a:xfrm>
+                <a:off x="8422735" y="1061499"/>
+                <a:ext cx="1227676" cy="523220"/>
+              </a:xfrm>
+              <a:prstGeom prst="rect">
+                <a:avLst/>
+              </a:prstGeom>
+              <a:blipFill>
+                <a:blip r:embed="rId4"/>
+                <a:stretch>
+                  <a:fillRect/>
+                </a:stretch>
+              </a:blipFill>
+            </p:spPr>
+            <p:txBody>
+              <a:bodyPr/>
+              <a:lstStyle/>
+              <a:p>
+                <a:r>
+                  <a:rPr lang="en-US">
+                    <a:noFill/>
+                  </a:rPr>
+                  <a:t> </a:t>
+                </a:r>
+              </a:p>
+            </p:txBody>
+          </p:sp>
+        </mc:Fallback>
+      </mc:AlternateContent>
+      <p:sp>
+        <p:nvSpPr>
+          <p:cNvPr id="7" name="Freeform: Shape 6">
+            <a:extLst>
+              <a:ext uri="{FF2B5EF4-FFF2-40B4-BE49-F238E27FC236}">
+                <a16:creationId xmlns:a16="http://schemas.microsoft.com/office/drawing/2014/main" id="{3084FE33-11D6-F702-C2FB-67BC49304B29}"/>
+              </a:ext>
+            </a:extLst>
+          </p:cNvPr>
+          <p:cNvSpPr/>
+          <p:nvPr/>
+        </p:nvSpPr>
+        <p:spPr>
+          <a:xfrm>
+            <a:off x="2321588" y="1038351"/>
+            <a:ext cx="5327072" cy="5209309"/>
+          </a:xfrm>
+          <a:custGeom>
+            <a:avLst/>
+            <a:gdLst>
+              <a:gd name="connsiteX0" fmla="*/ 0 w 5327072"/>
+              <a:gd name="connsiteY0" fmla="*/ 5209309 h 5209309"/>
+              <a:gd name="connsiteX1" fmla="*/ 3803072 w 5327072"/>
+              <a:gd name="connsiteY1" fmla="*/ 4114800 h 5209309"/>
+              <a:gd name="connsiteX2" fmla="*/ 5327072 w 5327072"/>
+              <a:gd name="connsiteY2" fmla="*/ 0 h 5209309"/>
+            </a:gdLst>
+            <a:ahLst/>
+            <a:cxnLst>
+              <a:cxn ang="0">
+                <a:pos x="connsiteX0" y="connsiteY0"/>
+              </a:cxn>
+              <a:cxn ang="0">
+                <a:pos x="connsiteX1" y="connsiteY1"/>
+              </a:cxn>
+              <a:cxn ang="0">
+                <a:pos x="connsiteX2" y="connsiteY2"/>
+              </a:cxn>
+            </a:cxnLst>
+            <a:rect l="l" t="t" r="r" b="b"/>
+            <a:pathLst>
+              <a:path w="5327072" h="5209309">
+                <a:moveTo>
+                  <a:pt x="0" y="5209309"/>
+                </a:moveTo>
+                <a:cubicBezTo>
+                  <a:pt x="1457613" y="5096163"/>
+                  <a:pt x="2915227" y="4983018"/>
+                  <a:pt x="3803072" y="4114800"/>
+                </a:cubicBezTo>
+                <a:cubicBezTo>
+                  <a:pt x="4690917" y="3246582"/>
+                  <a:pt x="5008994" y="1623291"/>
+                  <a:pt x="5327072" y="0"/>
+                </a:cubicBezTo>
+              </a:path>
+            </a:pathLst>
+          </a:custGeom>
+          <a:noFill/>
+          <a:ln w="57150">
+            <a:solidFill>
+              <a:schemeClr val="accent1">
+                <a:lumMod val="60000"/>
+                <a:lumOff val="40000"/>
+              </a:schemeClr>
+            </a:solidFill>
+          </a:ln>
+        </p:spPr>
+        <p:style>
+          <a:lnRef idx="2">
+            <a:schemeClr val="accent1">
+              <a:shade val="15000"/>
+            </a:schemeClr>
+          </a:lnRef>
+          <a:fillRef idx="1">
+            <a:schemeClr val="accent1"/>
+          </a:fillRef>
+          <a:effectRef idx="0">
+            <a:schemeClr val="accent1"/>
+          </a:effectRef>
+          <a:fontRef idx="minor">
+            <a:schemeClr val="lt1"/>
+          </a:fontRef>
+        </p:style>
+        <p:txBody>
+          <a:bodyPr rtlCol="0" anchor="ctr"/>
+          <a:lstStyle/>
+          <a:p>
+            <a:pPr algn="ctr"/>
+            <a:endParaRPr lang="en-US"/>
+          </a:p>
+        </p:txBody>
+      </p:sp>
+      <mc:AlternateContent xmlns:mc="http://schemas.openxmlformats.org/markup-compatibility/2006" xmlns:a14="http://schemas.microsoft.com/office/drawing/2010/main">
+        <mc:Choice Requires="a14">
+          <p:sp>
+            <p:nvSpPr>
+              <p:cNvPr id="8" name="TextBox 7">
+                <a:extLst>
+                  <a:ext uri="{FF2B5EF4-FFF2-40B4-BE49-F238E27FC236}">
+                    <a16:creationId xmlns:a16="http://schemas.microsoft.com/office/drawing/2014/main" id="{BF617E92-EB26-94EB-67FE-10831D6ACC12}"/>
+                  </a:ext>
+                </a:extLst>
+              </p:cNvPr>
+              <p:cNvSpPr txBox="1"/>
+              <p:nvPr/>
+            </p:nvSpPr>
+            <p:spPr>
+              <a:xfrm>
+                <a:off x="6788427" y="3785384"/>
+                <a:ext cx="2861984" cy="992836"/>
+              </a:xfrm>
+              <a:prstGeom prst="rect">
+                <a:avLst/>
+              </a:prstGeom>
+              <a:noFill/>
+            </p:spPr>
+            <p:txBody>
+              <a:bodyPr wrap="square" rtlCol="0">
+                <a:spAutoFit/>
+              </a:bodyPr>
+              <a:lstStyle/>
+              <a:p>
+                <a:pPr/>
+                <a14:m>
+                  <m:oMathPara xmlns:m="http://schemas.openxmlformats.org/officeDocument/2006/math">
+                    <m:oMathParaPr>
+                      <m:jc m:val="centerGroup"/>
+                    </m:oMathParaPr>
+                    <m:oMath xmlns:m="http://schemas.openxmlformats.org/officeDocument/2006/math">
+                      <m:f>
+                        <m:fPr>
+                          <m:ctrlPr>
+                            <a:rPr lang="en-US" sz="2800" b="1" i="1" smtClean="0">
+                              <a:solidFill>
+                                <a:schemeClr val="accent1"/>
+                              </a:solidFill>
+                              <a:latin typeface="Cambria Math" panose="02040503050406030204" pitchFamily="18" charset="0"/>
+                            </a:rPr>
+                          </m:ctrlPr>
+                        </m:fPr>
+                        <m:num>
+                          <m:r>
+                            <a:rPr lang="en-US" sz="2800" b="1" i="1" smtClean="0">
+                              <a:solidFill>
+                                <a:schemeClr val="accent1"/>
+                              </a:solidFill>
+                              <a:latin typeface="Cambria Math" panose="02040503050406030204" pitchFamily="18" charset="0"/>
+                            </a:rPr>
+                            <m:t>𝝏</m:t>
+                          </m:r>
+                          <m:r>
+                            <a:rPr lang="en-US" sz="2800" b="1" i="1" smtClean="0">
+                              <a:solidFill>
+                                <a:schemeClr val="accent1"/>
+                              </a:solidFill>
+                              <a:latin typeface="Cambria Math" panose="02040503050406030204" pitchFamily="18" charset="0"/>
+                            </a:rPr>
+                            <m:t>𝑴𝑪</m:t>
+                          </m:r>
+                          <m:d>
+                            <m:dPr>
+                              <m:ctrlPr>
+                                <a:rPr lang="en-US" sz="2800" b="1" i="1" smtClean="0">
+                                  <a:solidFill>
+                                    <a:schemeClr val="accent1"/>
+                                  </a:solidFill>
+                                  <a:latin typeface="Cambria Math" panose="02040503050406030204" pitchFamily="18" charset="0"/>
+                                </a:rPr>
+                              </m:ctrlPr>
+                            </m:dPr>
+                            <m:e>
+                              <m:r>
+                                <a:rPr lang="en-US" sz="2800" b="1" i="1" smtClean="0">
+                                  <a:solidFill>
+                                    <a:schemeClr val="accent1"/>
+                                  </a:solidFill>
+                                  <a:latin typeface="Cambria Math" panose="02040503050406030204" pitchFamily="18" charset="0"/>
+                                </a:rPr>
+                                <m:t>𝑸</m:t>
+                              </m:r>
+                            </m:e>
+                          </m:d>
+                        </m:num>
+                        <m:den>
+                          <m:r>
+                            <a:rPr lang="en-US" sz="2800" b="1" i="1" smtClean="0">
+                              <a:solidFill>
+                                <a:schemeClr val="accent1"/>
+                              </a:solidFill>
+                              <a:latin typeface="Cambria Math" panose="02040503050406030204" pitchFamily="18" charset="0"/>
+                            </a:rPr>
+                            <m:t>𝝏</m:t>
+                          </m:r>
+                          <m:r>
+                            <a:rPr lang="en-US" sz="2800" b="1" i="1" smtClean="0">
+                              <a:solidFill>
+                                <a:schemeClr val="accent1"/>
+                              </a:solidFill>
+                              <a:latin typeface="Cambria Math" panose="02040503050406030204" pitchFamily="18" charset="0"/>
+                            </a:rPr>
+                            <m:t>𝑸</m:t>
+                          </m:r>
+                        </m:den>
+                      </m:f>
+                      <m:r>
+                        <a:rPr lang="en-US" sz="2800" b="1" i="1" smtClean="0">
+                          <a:solidFill>
+                            <a:schemeClr val="accent1"/>
+                          </a:solidFill>
+                          <a:latin typeface="Cambria Math" panose="02040503050406030204" pitchFamily="18" charset="0"/>
+                        </a:rPr>
+                        <m:t>&gt;</m:t>
+                      </m:r>
+                      <m:r>
+                        <a:rPr lang="en-US" sz="2800" b="1" i="1" smtClean="0">
+                          <a:solidFill>
+                            <a:schemeClr val="accent1"/>
+                          </a:solidFill>
+                          <a:latin typeface="Cambria Math" panose="02040503050406030204" pitchFamily="18" charset="0"/>
+                        </a:rPr>
+                        <m:t>𝟎</m:t>
+                      </m:r>
+                    </m:oMath>
+                  </m:oMathPara>
+                </a14:m>
+                <a:endParaRPr lang="en-US" sz="2800" b="1" dirty="0">
+                  <a:solidFill>
+                    <a:schemeClr val="accent1"/>
+                  </a:solidFill>
+                </a:endParaRPr>
+              </a:p>
+            </p:txBody>
+          </p:sp>
+        </mc:Choice>
+        <mc:Fallback xmlns="">
+          <p:sp>
+            <p:nvSpPr>
+              <p:cNvPr id="8" name="TextBox 7">
+                <a:extLst>
+                  <a:ext uri="{FF2B5EF4-FFF2-40B4-BE49-F238E27FC236}">
+                    <a16:creationId xmlns:a16="http://schemas.microsoft.com/office/drawing/2014/main" id="{BF617E92-EB26-94EB-67FE-10831D6ACC12}"/>
+                  </a:ext>
+                </a:extLst>
+              </p:cNvPr>
+              <p:cNvSpPr txBox="1">
+                <a:spLocks noRot="1" noChangeAspect="1" noMove="1" noResize="1" noEditPoints="1" noAdjustHandles="1" noChangeArrowheads="1" noChangeShapeType="1" noTextEdit="1"/>
+              </p:cNvSpPr>
+              <p:nvPr/>
+            </p:nvSpPr>
+            <p:spPr>
+              <a:xfrm>
+                <a:off x="6788427" y="3785384"/>
+                <a:ext cx="2861984" cy="992836"/>
+              </a:xfrm>
+              <a:prstGeom prst="rect">
+                <a:avLst/>
+              </a:prstGeom>
+              <a:blipFill>
+                <a:blip r:embed="rId5"/>
+                <a:stretch>
+                  <a:fillRect/>
+                </a:stretch>
+              </a:blipFill>
+            </p:spPr>
+            <p:txBody>
+              <a:bodyPr/>
+              <a:lstStyle/>
+              <a:p>
+                <a:r>
+                  <a:rPr lang="en-US">
+                    <a:noFill/>
+                  </a:rPr>
+                  <a:t> </a:t>
+                </a:r>
+              </a:p>
+            </p:txBody>
+          </p:sp>
+        </mc:Fallback>
+      </mc:AlternateContent>
+    </p:spTree>
+    <p:extLst>
+      <p:ext uri="{BB962C8B-B14F-4D97-AF65-F5344CB8AC3E}">
+        <p14:creationId xmlns:p14="http://schemas.microsoft.com/office/powerpoint/2010/main" val="719870818"/>
+      </p:ext>
+    </p:extLst>
+  </p:cSld>
+  <p:clrMapOvr>
+    <a:masterClrMapping/>
+  </p:clrMapOvr>
+</p:sld>
+</file>
+
+<file path=ppt/slides/slide21.xml><?xml version="1.0" encoding="utf-8"?>
+<p:sld xmlns:a="http://schemas.openxmlformats.org/drawingml/2006/main" xmlns:r="http://schemas.openxmlformats.org/officeDocument/2006/relationships" xmlns:p="http://schemas.openxmlformats.org/presentationml/2006/main">
+  <p:cSld>
+    <p:spTree>
+      <p:nvGrpSpPr>
+        <p:cNvPr id="1" name="">
+          <a:extLst>
+            <a:ext uri="{FF2B5EF4-FFF2-40B4-BE49-F238E27FC236}">
+              <a16:creationId xmlns:a16="http://schemas.microsoft.com/office/drawing/2014/main" id="{19EB72E6-0FF3-D9BB-6F22-1E243D57DB1E}"/>
+            </a:ext>
+          </a:extLst>
+        </p:cNvPr>
+        <p:cNvGrpSpPr/>
+        <p:nvPr/>
+      </p:nvGrpSpPr>
+      <p:grpSpPr>
+        <a:xfrm>
+          <a:off x="0" y="0"/>
+          <a:ext cx="0" cy="0"/>
+          <a:chOff x="0" y="0"/>
+          <a:chExt cx="0" cy="0"/>
+        </a:xfrm>
+      </p:grpSpPr>
+      <mc:AlternateContent xmlns:mc="http://schemas.openxmlformats.org/markup-compatibility/2006" xmlns:a14="http://schemas.microsoft.com/office/drawing/2010/main">
+        <mc:Choice Requires="a14">
+          <p:sp>
+            <p:nvSpPr>
+              <p:cNvPr id="2" name="TextBox 1">
+                <a:extLst>
+                  <a:ext uri="{FF2B5EF4-FFF2-40B4-BE49-F238E27FC236}">
+                    <a16:creationId xmlns:a16="http://schemas.microsoft.com/office/drawing/2014/main" id="{5389DEB2-BBC9-7721-3F3A-E34E7809D5E3}"/>
+                  </a:ext>
+                </a:extLst>
+              </p:cNvPr>
+              <p:cNvSpPr txBox="1"/>
+              <p:nvPr/>
+            </p:nvSpPr>
+            <p:spPr>
+              <a:xfrm>
+                <a:off x="9691147" y="6011440"/>
+                <a:ext cx="807396" cy="369332"/>
+              </a:xfrm>
+              <a:prstGeom prst="rect">
+                <a:avLst/>
+              </a:prstGeom>
+              <a:noFill/>
+            </p:spPr>
+            <p:txBody>
+              <a:bodyPr wrap="square" rtlCol="0">
+                <a:spAutoFit/>
+              </a:bodyPr>
+              <a:lstStyle/>
+              <a:p>
+                <a:pPr/>
+                <a14:m>
+                  <m:oMathPara xmlns:m="http://schemas.openxmlformats.org/officeDocument/2006/math">
+                    <m:oMathParaPr>
+                      <m:jc m:val="centerGroup"/>
+                    </m:oMathParaPr>
+                    <m:oMath xmlns:m="http://schemas.openxmlformats.org/officeDocument/2006/math">
+                      <m:r>
+                        <a:rPr lang="en-US" b="1" i="1" smtClean="0">
+                          <a:solidFill>
+                            <a:schemeClr val="tx1"/>
+                          </a:solidFill>
+                          <a:latin typeface="Cambria Math" panose="02040503050406030204" pitchFamily="18" charset="0"/>
+                        </a:rPr>
+                        <m:t>𝑸</m:t>
+                      </m:r>
+                    </m:oMath>
+                  </m:oMathPara>
+                </a14:m>
+                <a:endParaRPr lang="en-US" b="1" dirty="0">
+                  <a:solidFill>
+                    <a:schemeClr val="tx1"/>
+                  </a:solidFill>
+                </a:endParaRPr>
+              </a:p>
+            </p:txBody>
+          </p:sp>
+        </mc:Choice>
+        <mc:Fallback xmlns="">
+          <p:sp>
+            <p:nvSpPr>
+              <p:cNvPr id="2" name="TextBox 1">
+                <a:extLst>
+                  <a:ext uri="{FF2B5EF4-FFF2-40B4-BE49-F238E27FC236}">
+                    <a16:creationId xmlns:a16="http://schemas.microsoft.com/office/drawing/2014/main" id="{5389DEB2-BBC9-7721-3F3A-E34E7809D5E3}"/>
+                  </a:ext>
+                </a:extLst>
+              </p:cNvPr>
+              <p:cNvSpPr txBox="1">
+                <a:spLocks noRot="1" noChangeAspect="1" noMove="1" noResize="1" noEditPoints="1" noAdjustHandles="1" noChangeArrowheads="1" noChangeShapeType="1" noTextEdit="1"/>
+              </p:cNvSpPr>
+              <p:nvPr/>
+            </p:nvSpPr>
+            <p:spPr>
+              <a:xfrm>
+                <a:off x="9691147" y="6011440"/>
+                <a:ext cx="807396" cy="369332"/>
+              </a:xfrm>
+              <a:prstGeom prst="rect">
+                <a:avLst/>
+              </a:prstGeom>
+              <a:blipFill>
+                <a:blip r:embed="rId2"/>
+                <a:stretch>
+                  <a:fillRect b="-9836"/>
+                </a:stretch>
+              </a:blipFill>
+            </p:spPr>
+            <p:txBody>
+              <a:bodyPr/>
+              <a:lstStyle/>
+              <a:p>
+                <a:r>
+                  <a:rPr lang="en-US">
+                    <a:noFill/>
+                  </a:rPr>
+                  <a:t> </a:t>
+                </a:r>
+              </a:p>
+            </p:txBody>
+          </p:sp>
+        </mc:Fallback>
+      </mc:AlternateContent>
+      <mc:AlternateContent xmlns:mc="http://schemas.openxmlformats.org/markup-compatibility/2006" xmlns:a14="http://schemas.microsoft.com/office/drawing/2010/main">
+        <mc:Choice Requires="a14">
+          <p:sp>
+            <p:nvSpPr>
+              <p:cNvPr id="3" name="TextBox 2">
+                <a:extLst>
+                  <a:ext uri="{FF2B5EF4-FFF2-40B4-BE49-F238E27FC236}">
+                    <a16:creationId xmlns:a16="http://schemas.microsoft.com/office/drawing/2014/main" id="{74FBB3E5-7A38-0BA9-5FAE-D1BE200B1C06}"/>
+                  </a:ext>
+                </a:extLst>
+              </p:cNvPr>
+              <p:cNvSpPr txBox="1"/>
+              <p:nvPr/>
+            </p:nvSpPr>
+            <p:spPr>
+              <a:xfrm>
+                <a:off x="1370284" y="425673"/>
+                <a:ext cx="807396" cy="369332"/>
+              </a:xfrm>
+              <a:prstGeom prst="rect">
+                <a:avLst/>
+              </a:prstGeom>
+              <a:noFill/>
+            </p:spPr>
+            <p:txBody>
+              <a:bodyPr wrap="square" rtlCol="0">
+                <a:spAutoFit/>
+              </a:bodyPr>
+              <a:lstStyle/>
+              <a:p>
+                <a:pPr/>
+                <a14:m>
+                  <m:oMathPara xmlns:m="http://schemas.openxmlformats.org/officeDocument/2006/math">
+                    <m:oMathParaPr>
+                      <m:jc m:val="centerGroup"/>
+                    </m:oMathParaPr>
+                    <m:oMath xmlns:m="http://schemas.openxmlformats.org/officeDocument/2006/math">
+                      <m:r>
+                        <a:rPr lang="en-US" b="1" i="1" smtClean="0">
+                          <a:solidFill>
+                            <a:schemeClr val="tx1"/>
+                          </a:solidFill>
+                          <a:latin typeface="Cambria Math" panose="02040503050406030204" pitchFamily="18" charset="0"/>
+                        </a:rPr>
+                        <m:t>𝑪𝒐𝒔𝒕𝒔</m:t>
+                      </m:r>
+                    </m:oMath>
+                  </m:oMathPara>
+                </a14:m>
+                <a:endParaRPr lang="en-US" b="1" dirty="0">
+                  <a:solidFill>
+                    <a:schemeClr val="tx1"/>
+                  </a:solidFill>
+                </a:endParaRPr>
+              </a:p>
+            </p:txBody>
+          </p:sp>
+        </mc:Choice>
+        <mc:Fallback xmlns="">
+          <p:sp>
+            <p:nvSpPr>
+              <p:cNvPr id="3" name="TextBox 2">
+                <a:extLst>
+                  <a:ext uri="{FF2B5EF4-FFF2-40B4-BE49-F238E27FC236}">
+                    <a16:creationId xmlns:a16="http://schemas.microsoft.com/office/drawing/2014/main" id="{74FBB3E5-7A38-0BA9-5FAE-D1BE200B1C06}"/>
+                  </a:ext>
+                </a:extLst>
+              </p:cNvPr>
+              <p:cNvSpPr txBox="1">
+                <a:spLocks noRot="1" noChangeAspect="1" noMove="1" noResize="1" noEditPoints="1" noAdjustHandles="1" noChangeArrowheads="1" noChangeShapeType="1" noTextEdit="1"/>
+              </p:cNvSpPr>
+              <p:nvPr/>
+            </p:nvSpPr>
+            <p:spPr>
+              <a:xfrm>
+                <a:off x="1370284" y="425673"/>
+                <a:ext cx="807396" cy="369332"/>
+              </a:xfrm>
+              <a:prstGeom prst="rect">
+                <a:avLst/>
+              </a:prstGeom>
+              <a:blipFill>
+                <a:blip r:embed="rId3"/>
+                <a:stretch>
+                  <a:fillRect/>
+                </a:stretch>
+              </a:blipFill>
+            </p:spPr>
+            <p:txBody>
+              <a:bodyPr/>
+              <a:lstStyle/>
+              <a:p>
+                <a:r>
+                  <a:rPr lang="en-US">
+                    <a:noFill/>
+                  </a:rPr>
+                  <a:t> </a:t>
+                </a:r>
+              </a:p>
+            </p:txBody>
+          </p:sp>
+        </mc:Fallback>
+      </mc:AlternateContent>
+      <p:sp>
+        <p:nvSpPr>
+          <p:cNvPr id="4" name="Freeform: Shape 3">
+            <a:extLst>
+              <a:ext uri="{FF2B5EF4-FFF2-40B4-BE49-F238E27FC236}">
+                <a16:creationId xmlns:a16="http://schemas.microsoft.com/office/drawing/2014/main" id="{02BDED76-AABF-37E2-CF32-18ADFE38C4E6}"/>
+              </a:ext>
+            </a:extLst>
+          </p:cNvPr>
+          <p:cNvSpPr/>
+          <p:nvPr/>
+        </p:nvSpPr>
+        <p:spPr>
+          <a:xfrm>
+            <a:off x="2295193" y="610339"/>
+            <a:ext cx="7601613" cy="5637321"/>
+          </a:xfrm>
+          <a:custGeom>
+            <a:avLst/>
+            <a:gdLst>
+              <a:gd name="connsiteX0" fmla="*/ 0 w 10227076"/>
+              <a:gd name="connsiteY0" fmla="*/ 0 h 5637321"/>
+              <a:gd name="connsiteX1" fmla="*/ 35511 w 10227076"/>
+              <a:gd name="connsiteY1" fmla="*/ 5637321 h 5637321"/>
+              <a:gd name="connsiteX2" fmla="*/ 10227076 w 10227076"/>
+              <a:gd name="connsiteY2" fmla="*/ 5584055 h 5637321"/>
+            </a:gdLst>
+            <a:ahLst/>
+            <a:cxnLst>
+              <a:cxn ang="0">
+                <a:pos x="connsiteX0" y="connsiteY0"/>
+              </a:cxn>
+              <a:cxn ang="0">
+                <a:pos x="connsiteX1" y="connsiteY1"/>
+              </a:cxn>
+              <a:cxn ang="0">
+                <a:pos x="connsiteX2" y="connsiteY2"/>
+              </a:cxn>
+            </a:cxnLst>
+            <a:rect l="l" t="t" r="r" b="b"/>
+            <a:pathLst>
+              <a:path w="10227076" h="5637321">
+                <a:moveTo>
+                  <a:pt x="0" y="0"/>
+                </a:moveTo>
+                <a:lnTo>
+                  <a:pt x="35511" y="5637321"/>
+                </a:lnTo>
+                <a:lnTo>
+                  <a:pt x="10227076" y="5584055"/>
+                </a:lnTo>
+              </a:path>
+            </a:pathLst>
+          </a:custGeom>
+          <a:ln w="57150"/>
+        </p:spPr>
+        <p:style>
+          <a:lnRef idx="3">
+            <a:schemeClr val="dk1"/>
+          </a:lnRef>
+          <a:fillRef idx="0">
+            <a:schemeClr val="dk1"/>
+          </a:fillRef>
+          <a:effectRef idx="2">
+            <a:schemeClr val="dk1"/>
+          </a:effectRef>
+          <a:fontRef idx="minor">
+            <a:schemeClr val="tx1"/>
+          </a:fontRef>
+        </p:style>
+        <p:txBody>
+          <a:bodyPr rtlCol="0" anchor="ctr"/>
+          <a:lstStyle/>
+          <a:p>
+            <a:pPr algn="ctr"/>
+            <a:endParaRPr lang="en-US"/>
+          </a:p>
+        </p:txBody>
+      </p:sp>
+      <p:cxnSp>
+        <p:nvCxnSpPr>
+          <p:cNvPr id="6" name="Straight Connector 5">
+            <a:extLst>
+              <a:ext uri="{FF2B5EF4-FFF2-40B4-BE49-F238E27FC236}">
+                <a16:creationId xmlns:a16="http://schemas.microsoft.com/office/drawing/2014/main" id="{536950A9-BCDC-8D70-8106-8812BDAA517D}"/>
+              </a:ext>
+            </a:extLst>
+          </p:cNvPr>
+          <p:cNvCxnSpPr>
+            <a:cxnSpLocks/>
+            <a:stCxn id="4" idx="1"/>
+          </p:cNvCxnSpPr>
+          <p:nvPr/>
+        </p:nvCxnSpPr>
+        <p:spPr>
+          <a:xfrm flipV="1">
+            <a:off x="2321588" y="1323109"/>
+            <a:ext cx="6060412" cy="4924551"/>
+          </a:xfrm>
+          <a:prstGeom prst="line">
+            <a:avLst/>
+          </a:prstGeom>
+          <a:ln w="57150">
+            <a:solidFill>
+              <a:schemeClr val="accent6">
+                <a:lumMod val="60000"/>
+                <a:lumOff val="40000"/>
+              </a:schemeClr>
+            </a:solidFill>
+          </a:ln>
+        </p:spPr>
+        <p:style>
+          <a:lnRef idx="1">
+            <a:schemeClr val="accent1"/>
+          </a:lnRef>
+          <a:fillRef idx="0">
+            <a:schemeClr val="accent1"/>
+          </a:fillRef>
+          <a:effectRef idx="0">
+            <a:schemeClr val="accent1"/>
+          </a:effectRef>
+          <a:fontRef idx="minor">
+            <a:schemeClr val="tx1"/>
+          </a:fontRef>
+        </p:style>
+      </p:cxnSp>
+      <mc:AlternateContent xmlns:mc="http://schemas.openxmlformats.org/markup-compatibility/2006" xmlns:a14="http://schemas.microsoft.com/office/drawing/2010/main">
+        <mc:Choice Requires="a14">
+          <p:sp>
+            <p:nvSpPr>
+              <p:cNvPr id="9" name="TextBox 8">
+                <a:extLst>
+                  <a:ext uri="{FF2B5EF4-FFF2-40B4-BE49-F238E27FC236}">
+                    <a16:creationId xmlns:a16="http://schemas.microsoft.com/office/drawing/2014/main" id="{F1D7C88D-4D9A-2F77-9882-D80C695CD624}"/>
+                  </a:ext>
+                </a:extLst>
+              </p:cNvPr>
+              <p:cNvSpPr txBox="1"/>
+              <p:nvPr/>
+            </p:nvSpPr>
+            <p:spPr>
+              <a:xfrm>
+                <a:off x="8422735" y="1061499"/>
+                <a:ext cx="1227676" cy="523220"/>
+              </a:xfrm>
+              <a:prstGeom prst="rect">
+                <a:avLst/>
+              </a:prstGeom>
+              <a:noFill/>
+            </p:spPr>
+            <p:txBody>
+              <a:bodyPr wrap="square" rtlCol="0">
+                <a:spAutoFit/>
+              </a:bodyPr>
+              <a:lstStyle/>
+              <a:p>
+                <a:pPr/>
+                <a14:m>
+                  <m:oMathPara xmlns:m="http://schemas.openxmlformats.org/officeDocument/2006/math">
+                    <m:oMathParaPr>
+                      <m:jc m:val="centerGroup"/>
+                    </m:oMathParaPr>
+                    <m:oMath xmlns:m="http://schemas.openxmlformats.org/officeDocument/2006/math">
+                      <m:r>
+                        <a:rPr lang="en-US" sz="2800" b="1" i="1" smtClean="0">
+                          <a:solidFill>
+                            <a:schemeClr val="accent6"/>
+                          </a:solidFill>
+                          <a:latin typeface="Cambria Math" panose="02040503050406030204" pitchFamily="18" charset="0"/>
+                        </a:rPr>
+                        <m:t>𝑴𝑪</m:t>
+                      </m:r>
+                      <m:r>
+                        <a:rPr lang="en-US" sz="2800" b="1" i="1" smtClean="0">
+                          <a:solidFill>
+                            <a:schemeClr val="accent6"/>
+                          </a:solidFill>
+                          <a:latin typeface="Cambria Math" panose="02040503050406030204" pitchFamily="18" charset="0"/>
+                        </a:rPr>
+                        <m:t>(</m:t>
+                      </m:r>
+                      <m:r>
+                        <a:rPr lang="en-US" sz="2800" b="1" i="1" smtClean="0">
+                          <a:solidFill>
+                            <a:schemeClr val="accent6"/>
+                          </a:solidFill>
+                          <a:latin typeface="Cambria Math" panose="02040503050406030204" pitchFamily="18" charset="0"/>
+                        </a:rPr>
+                        <m:t>𝑸</m:t>
+                      </m:r>
+                      <m:r>
+                        <a:rPr lang="en-US" sz="2800" b="1" i="1" smtClean="0">
+                          <a:solidFill>
+                            <a:schemeClr val="accent6"/>
+                          </a:solidFill>
+                          <a:latin typeface="Cambria Math" panose="02040503050406030204" pitchFamily="18" charset="0"/>
+                        </a:rPr>
+                        <m:t>)</m:t>
+                      </m:r>
+                    </m:oMath>
+                  </m:oMathPara>
+                </a14:m>
+                <a:endParaRPr lang="en-US" sz="2800" b="1" dirty="0">
+                  <a:solidFill>
+                    <a:schemeClr val="accent6"/>
+                  </a:solidFill>
+                </a:endParaRPr>
+              </a:p>
+            </p:txBody>
+          </p:sp>
+        </mc:Choice>
+        <mc:Fallback xmlns="">
+          <p:sp>
+            <p:nvSpPr>
+              <p:cNvPr id="9" name="TextBox 8">
+                <a:extLst>
+                  <a:ext uri="{FF2B5EF4-FFF2-40B4-BE49-F238E27FC236}">
+                    <a16:creationId xmlns:a16="http://schemas.microsoft.com/office/drawing/2014/main" id="{F1D7C88D-4D9A-2F77-9882-D80C695CD624}"/>
+                  </a:ext>
+                </a:extLst>
+              </p:cNvPr>
+              <p:cNvSpPr txBox="1">
+                <a:spLocks noRot="1" noChangeAspect="1" noMove="1" noResize="1" noEditPoints="1" noAdjustHandles="1" noChangeArrowheads="1" noChangeShapeType="1" noTextEdit="1"/>
+              </p:cNvSpPr>
+              <p:nvPr/>
+            </p:nvSpPr>
+            <p:spPr>
+              <a:xfrm>
+                <a:off x="8422735" y="1061499"/>
+                <a:ext cx="1227676" cy="523220"/>
+              </a:xfrm>
+              <a:prstGeom prst="rect">
+                <a:avLst/>
+              </a:prstGeom>
+              <a:blipFill>
+                <a:blip r:embed="rId4"/>
+                <a:stretch>
+                  <a:fillRect/>
+                </a:stretch>
+              </a:blipFill>
+            </p:spPr>
+            <p:txBody>
+              <a:bodyPr/>
+              <a:lstStyle/>
+              <a:p>
+                <a:r>
+                  <a:rPr lang="en-US">
+                    <a:noFill/>
+                  </a:rPr>
+                  <a:t> </a:t>
+                </a:r>
+              </a:p>
+            </p:txBody>
+          </p:sp>
+        </mc:Fallback>
+      </mc:AlternateContent>
+      <p:sp>
+        <p:nvSpPr>
+          <p:cNvPr id="7" name="Freeform: Shape 6">
+            <a:extLst>
+              <a:ext uri="{FF2B5EF4-FFF2-40B4-BE49-F238E27FC236}">
+                <a16:creationId xmlns:a16="http://schemas.microsoft.com/office/drawing/2014/main" id="{6C4C4B84-46CD-AC56-8B68-32063BDAFD04}"/>
+              </a:ext>
+            </a:extLst>
+          </p:cNvPr>
+          <p:cNvSpPr/>
+          <p:nvPr/>
+        </p:nvSpPr>
+        <p:spPr>
+          <a:xfrm>
+            <a:off x="2321588" y="1038351"/>
+            <a:ext cx="5327072" cy="5209309"/>
+          </a:xfrm>
+          <a:custGeom>
+            <a:avLst/>
+            <a:gdLst>
+              <a:gd name="connsiteX0" fmla="*/ 0 w 5327072"/>
+              <a:gd name="connsiteY0" fmla="*/ 5209309 h 5209309"/>
+              <a:gd name="connsiteX1" fmla="*/ 3803072 w 5327072"/>
+              <a:gd name="connsiteY1" fmla="*/ 4114800 h 5209309"/>
+              <a:gd name="connsiteX2" fmla="*/ 5327072 w 5327072"/>
+              <a:gd name="connsiteY2" fmla="*/ 0 h 5209309"/>
+            </a:gdLst>
+            <a:ahLst/>
+            <a:cxnLst>
+              <a:cxn ang="0">
+                <a:pos x="connsiteX0" y="connsiteY0"/>
+              </a:cxn>
+              <a:cxn ang="0">
+                <a:pos x="connsiteX1" y="connsiteY1"/>
+              </a:cxn>
+              <a:cxn ang="0">
+                <a:pos x="connsiteX2" y="connsiteY2"/>
+              </a:cxn>
+            </a:cxnLst>
+            <a:rect l="l" t="t" r="r" b="b"/>
+            <a:pathLst>
+              <a:path w="5327072" h="5209309">
+                <a:moveTo>
+                  <a:pt x="0" y="5209309"/>
+                </a:moveTo>
+                <a:cubicBezTo>
+                  <a:pt x="1457613" y="5096163"/>
+                  <a:pt x="2915227" y="4983018"/>
+                  <a:pt x="3803072" y="4114800"/>
+                </a:cubicBezTo>
+                <a:cubicBezTo>
+                  <a:pt x="4690917" y="3246582"/>
+                  <a:pt x="5008994" y="1623291"/>
+                  <a:pt x="5327072" y="0"/>
+                </a:cubicBezTo>
+              </a:path>
+            </a:pathLst>
+          </a:custGeom>
+          <a:noFill/>
+          <a:ln w="57150">
+            <a:solidFill>
+              <a:schemeClr val="accent1">
+                <a:lumMod val="60000"/>
+                <a:lumOff val="40000"/>
+              </a:schemeClr>
+            </a:solidFill>
+          </a:ln>
+        </p:spPr>
+        <p:style>
+          <a:lnRef idx="2">
+            <a:schemeClr val="accent1">
+              <a:shade val="15000"/>
+            </a:schemeClr>
+          </a:lnRef>
+          <a:fillRef idx="1">
+            <a:schemeClr val="accent1"/>
+          </a:fillRef>
+          <a:effectRef idx="0">
+            <a:schemeClr val="accent1"/>
+          </a:effectRef>
+          <a:fontRef idx="minor">
+            <a:schemeClr val="lt1"/>
+          </a:fontRef>
+        </p:style>
+        <p:txBody>
+          <a:bodyPr rtlCol="0" anchor="ctr"/>
+          <a:lstStyle/>
+          <a:p>
+            <a:pPr algn="ctr"/>
+            <a:endParaRPr lang="en-US"/>
+          </a:p>
+        </p:txBody>
+      </p:sp>
+      <mc:AlternateContent xmlns:mc="http://schemas.openxmlformats.org/markup-compatibility/2006" xmlns:a14="http://schemas.microsoft.com/office/drawing/2010/main">
+        <mc:Choice Requires="a14">
+          <p:sp>
+            <p:nvSpPr>
+              <p:cNvPr id="8" name="TextBox 7">
+                <a:extLst>
+                  <a:ext uri="{FF2B5EF4-FFF2-40B4-BE49-F238E27FC236}">
+                    <a16:creationId xmlns:a16="http://schemas.microsoft.com/office/drawing/2014/main" id="{E4A1CD0B-CAE0-CE78-FF84-871D57F53E2C}"/>
+                  </a:ext>
+                </a:extLst>
+              </p:cNvPr>
+              <p:cNvSpPr txBox="1"/>
+              <p:nvPr/>
+            </p:nvSpPr>
+            <p:spPr>
+              <a:xfrm>
+                <a:off x="6788427" y="3785384"/>
+                <a:ext cx="2861984" cy="992836"/>
+              </a:xfrm>
+              <a:prstGeom prst="rect">
+                <a:avLst/>
+              </a:prstGeom>
+              <a:noFill/>
+            </p:spPr>
+            <p:txBody>
+              <a:bodyPr wrap="square" rtlCol="0">
+                <a:spAutoFit/>
+              </a:bodyPr>
+              <a:lstStyle/>
+              <a:p>
+                <a:pPr/>
+                <a14:m>
+                  <m:oMathPara xmlns:m="http://schemas.openxmlformats.org/officeDocument/2006/math">
+                    <m:oMathParaPr>
+                      <m:jc m:val="centerGroup"/>
+                    </m:oMathParaPr>
+                    <m:oMath xmlns:m="http://schemas.openxmlformats.org/officeDocument/2006/math">
+                      <m:f>
+                        <m:fPr>
+                          <m:ctrlPr>
+                            <a:rPr lang="en-US" sz="2800" b="1" i="1" smtClean="0">
+                              <a:solidFill>
+                                <a:schemeClr val="accent1"/>
+                              </a:solidFill>
+                              <a:latin typeface="Cambria Math" panose="02040503050406030204" pitchFamily="18" charset="0"/>
+                            </a:rPr>
+                          </m:ctrlPr>
+                        </m:fPr>
+                        <m:num>
+                          <m:r>
+                            <a:rPr lang="en-US" sz="2800" b="1" i="1" smtClean="0">
+                              <a:solidFill>
+                                <a:schemeClr val="accent1"/>
+                              </a:solidFill>
+                              <a:latin typeface="Cambria Math" panose="02040503050406030204" pitchFamily="18" charset="0"/>
+                            </a:rPr>
+                            <m:t>𝝏</m:t>
+                          </m:r>
+                          <m:r>
+                            <a:rPr lang="en-US" sz="2800" b="1" i="1" smtClean="0">
+                              <a:solidFill>
+                                <a:schemeClr val="accent1"/>
+                              </a:solidFill>
+                              <a:latin typeface="Cambria Math" panose="02040503050406030204" pitchFamily="18" charset="0"/>
+                            </a:rPr>
+                            <m:t>𝑴𝑪</m:t>
+                          </m:r>
+                          <m:d>
+                            <m:dPr>
+                              <m:ctrlPr>
+                                <a:rPr lang="en-US" sz="2800" b="1" i="1" smtClean="0">
+                                  <a:solidFill>
+                                    <a:schemeClr val="accent1"/>
+                                  </a:solidFill>
+                                  <a:latin typeface="Cambria Math" panose="02040503050406030204" pitchFamily="18" charset="0"/>
+                                </a:rPr>
+                              </m:ctrlPr>
+                            </m:dPr>
+                            <m:e>
+                              <m:r>
+                                <a:rPr lang="en-US" sz="2800" b="1" i="1" smtClean="0">
+                                  <a:solidFill>
+                                    <a:schemeClr val="accent1"/>
+                                  </a:solidFill>
+                                  <a:latin typeface="Cambria Math" panose="02040503050406030204" pitchFamily="18" charset="0"/>
+                                </a:rPr>
+                                <m:t>𝑸</m:t>
+                              </m:r>
+                            </m:e>
+                          </m:d>
+                        </m:num>
+                        <m:den>
+                          <m:r>
+                            <a:rPr lang="en-US" sz="2800" b="1" i="1" smtClean="0">
+                              <a:solidFill>
+                                <a:schemeClr val="accent1"/>
+                              </a:solidFill>
+                              <a:latin typeface="Cambria Math" panose="02040503050406030204" pitchFamily="18" charset="0"/>
+                            </a:rPr>
+                            <m:t>𝝏</m:t>
+                          </m:r>
+                          <m:r>
+                            <a:rPr lang="en-US" sz="2800" b="1" i="1" smtClean="0">
+                              <a:solidFill>
+                                <a:schemeClr val="accent1"/>
+                              </a:solidFill>
+                              <a:latin typeface="Cambria Math" panose="02040503050406030204" pitchFamily="18" charset="0"/>
+                            </a:rPr>
+                            <m:t>𝑸</m:t>
+                          </m:r>
+                        </m:den>
+                      </m:f>
+                      <m:r>
+                        <a:rPr lang="en-US" sz="2800" b="1" i="1" smtClean="0">
+                          <a:solidFill>
+                            <a:schemeClr val="accent1"/>
+                          </a:solidFill>
+                          <a:latin typeface="Cambria Math" panose="02040503050406030204" pitchFamily="18" charset="0"/>
+                        </a:rPr>
+                        <m:t>&gt;</m:t>
+                      </m:r>
+                      <m:r>
+                        <a:rPr lang="en-US" sz="2800" b="1" i="1" smtClean="0">
+                          <a:solidFill>
+                            <a:schemeClr val="accent1"/>
+                          </a:solidFill>
+                          <a:latin typeface="Cambria Math" panose="02040503050406030204" pitchFamily="18" charset="0"/>
+                        </a:rPr>
+                        <m:t>𝟎</m:t>
+                      </m:r>
+                    </m:oMath>
+                  </m:oMathPara>
+                </a14:m>
+                <a:endParaRPr lang="en-US" sz="2800" b="1" dirty="0">
+                  <a:solidFill>
+                    <a:schemeClr val="accent1"/>
+                  </a:solidFill>
+                </a:endParaRPr>
+              </a:p>
+            </p:txBody>
+          </p:sp>
+        </mc:Choice>
+        <mc:Fallback xmlns="">
+          <p:sp>
+            <p:nvSpPr>
+              <p:cNvPr id="8" name="TextBox 7">
+                <a:extLst>
+                  <a:ext uri="{FF2B5EF4-FFF2-40B4-BE49-F238E27FC236}">
+                    <a16:creationId xmlns:a16="http://schemas.microsoft.com/office/drawing/2014/main" id="{E4A1CD0B-CAE0-CE78-FF84-871D57F53E2C}"/>
+                  </a:ext>
+                </a:extLst>
+              </p:cNvPr>
+              <p:cNvSpPr txBox="1">
+                <a:spLocks noRot="1" noChangeAspect="1" noMove="1" noResize="1" noEditPoints="1" noAdjustHandles="1" noChangeArrowheads="1" noChangeShapeType="1" noTextEdit="1"/>
+              </p:cNvSpPr>
+              <p:nvPr/>
+            </p:nvSpPr>
+            <p:spPr>
+              <a:xfrm>
+                <a:off x="6788427" y="3785384"/>
+                <a:ext cx="2861984" cy="992836"/>
+              </a:xfrm>
+              <a:prstGeom prst="rect">
+                <a:avLst/>
+              </a:prstGeom>
+              <a:blipFill>
+                <a:blip r:embed="rId5"/>
+                <a:stretch>
+                  <a:fillRect/>
+                </a:stretch>
+              </a:blipFill>
+            </p:spPr>
+            <p:txBody>
+              <a:bodyPr/>
+              <a:lstStyle/>
+              <a:p>
+                <a:r>
+                  <a:rPr lang="en-US">
+                    <a:noFill/>
+                  </a:rPr>
+                  <a:t> </a:t>
+                </a:r>
+              </a:p>
+            </p:txBody>
+          </p:sp>
+        </mc:Fallback>
+      </mc:AlternateContent>
+      <p:sp>
+        <p:nvSpPr>
+          <p:cNvPr id="5" name="Freeform: Shape 4">
+            <a:extLst>
+              <a:ext uri="{FF2B5EF4-FFF2-40B4-BE49-F238E27FC236}">
+                <a16:creationId xmlns:a16="http://schemas.microsoft.com/office/drawing/2014/main" id="{CD9112AF-1121-8AC3-A6B8-8FE756AC0B81}"/>
+              </a:ext>
+            </a:extLst>
+          </p:cNvPr>
+          <p:cNvSpPr/>
+          <p:nvPr/>
+        </p:nvSpPr>
+        <p:spPr>
+          <a:xfrm>
+            <a:off x="2339919" y="709675"/>
+            <a:ext cx="3552739" cy="3075709"/>
+          </a:xfrm>
+          <a:custGeom>
+            <a:avLst/>
+            <a:gdLst>
+              <a:gd name="connsiteX0" fmla="*/ 0 w 5327072"/>
+              <a:gd name="connsiteY0" fmla="*/ 5209309 h 5209309"/>
+              <a:gd name="connsiteX1" fmla="*/ 3803072 w 5327072"/>
+              <a:gd name="connsiteY1" fmla="*/ 4114800 h 5209309"/>
+              <a:gd name="connsiteX2" fmla="*/ 5327072 w 5327072"/>
+              <a:gd name="connsiteY2" fmla="*/ 0 h 5209309"/>
+            </a:gdLst>
+            <a:ahLst/>
+            <a:cxnLst>
+              <a:cxn ang="0">
+                <a:pos x="connsiteX0" y="connsiteY0"/>
+              </a:cxn>
+              <a:cxn ang="0">
+                <a:pos x="connsiteX1" y="connsiteY1"/>
+              </a:cxn>
+              <a:cxn ang="0">
+                <a:pos x="connsiteX2" y="connsiteY2"/>
+              </a:cxn>
+            </a:cxnLst>
+            <a:rect l="l" t="t" r="r" b="b"/>
+            <a:pathLst>
+              <a:path w="5327072" h="5209309">
+                <a:moveTo>
+                  <a:pt x="0" y="5209309"/>
+                </a:moveTo>
+                <a:cubicBezTo>
+                  <a:pt x="1457613" y="5096163"/>
+                  <a:pt x="2915227" y="4983018"/>
+                  <a:pt x="3803072" y="4114800"/>
+                </a:cubicBezTo>
+                <a:cubicBezTo>
+                  <a:pt x="4690917" y="3246582"/>
+                  <a:pt x="5008994" y="1623291"/>
+                  <a:pt x="5327072" y="0"/>
+                </a:cubicBezTo>
+              </a:path>
+            </a:pathLst>
+          </a:custGeom>
+          <a:noFill/>
+          <a:ln w="57150">
+            <a:solidFill>
+              <a:schemeClr val="accent2">
+                <a:lumMod val="75000"/>
+              </a:schemeClr>
+            </a:solidFill>
+          </a:ln>
+        </p:spPr>
+        <p:style>
+          <a:lnRef idx="2">
+            <a:schemeClr val="accent1">
+              <a:shade val="15000"/>
+            </a:schemeClr>
+          </a:lnRef>
+          <a:fillRef idx="1">
+            <a:schemeClr val="accent1"/>
+          </a:fillRef>
+          <a:effectRef idx="0">
+            <a:schemeClr val="accent1"/>
+          </a:effectRef>
+          <a:fontRef idx="minor">
+            <a:schemeClr val="lt1"/>
+          </a:fontRef>
+        </p:style>
+        <p:txBody>
+          <a:bodyPr rtlCol="0" anchor="ctr"/>
+          <a:lstStyle/>
+          <a:p>
+            <a:pPr algn="ctr"/>
+            <a:endParaRPr lang="en-US"/>
+          </a:p>
+        </p:txBody>
+      </p:sp>
+      <p:sp>
+        <p:nvSpPr>
+          <p:cNvPr id="10" name="Left Brace 9">
+            <a:extLst>
+              <a:ext uri="{FF2B5EF4-FFF2-40B4-BE49-F238E27FC236}">
+                <a16:creationId xmlns:a16="http://schemas.microsoft.com/office/drawing/2014/main" id="{462102CF-A33A-2312-576C-7D62350E3F92}"/>
+              </a:ext>
+            </a:extLst>
+          </p:cNvPr>
+          <p:cNvSpPr/>
+          <p:nvPr/>
+        </p:nvSpPr>
+        <p:spPr>
+          <a:xfrm>
+            <a:off x="1988127" y="3785384"/>
+            <a:ext cx="279102" cy="2462276"/>
+          </a:xfrm>
+          <a:prstGeom prst="leftBrace">
+            <a:avLst>
+              <a:gd name="adj1" fmla="val 8333"/>
+              <a:gd name="adj2" fmla="val 51407"/>
+            </a:avLst>
+          </a:prstGeom>
+          <a:ln w="28575">
+            <a:solidFill>
+              <a:schemeClr val="accent2">
+                <a:lumMod val="75000"/>
+              </a:schemeClr>
+            </a:solidFill>
+          </a:ln>
+        </p:spPr>
+        <p:style>
+          <a:lnRef idx="1">
+            <a:schemeClr val="accent1"/>
+          </a:lnRef>
+          <a:fillRef idx="0">
+            <a:schemeClr val="accent1"/>
+          </a:fillRef>
+          <a:effectRef idx="0">
+            <a:schemeClr val="accent1"/>
+          </a:effectRef>
+          <a:fontRef idx="minor">
+            <a:schemeClr val="tx1"/>
+          </a:fontRef>
+        </p:style>
+        <p:txBody>
+          <a:bodyPr rtlCol="0" anchor="ctr"/>
+          <a:lstStyle/>
+          <a:p>
+            <a:pPr algn="ctr"/>
+            <a:endParaRPr lang="en-US"/>
+          </a:p>
+        </p:txBody>
+      </p:sp>
+      <p:sp>
+        <p:nvSpPr>
+          <p:cNvPr id="11" name="TextBox 10">
+            <a:extLst>
+              <a:ext uri="{FF2B5EF4-FFF2-40B4-BE49-F238E27FC236}">
+                <a16:creationId xmlns:a16="http://schemas.microsoft.com/office/drawing/2014/main" id="{32DC9858-D561-CBC5-A208-A3628B27E64D}"/>
+              </a:ext>
+            </a:extLst>
+          </p:cNvPr>
+          <p:cNvSpPr txBox="1"/>
+          <p:nvPr/>
+        </p:nvSpPr>
+        <p:spPr>
+          <a:xfrm>
+            <a:off x="926405" y="4539468"/>
+            <a:ext cx="1227676" cy="954107"/>
+          </a:xfrm>
+          <a:prstGeom prst="rect">
+            <a:avLst/>
+          </a:prstGeom>
+          <a:noFill/>
+        </p:spPr>
+        <p:txBody>
+          <a:bodyPr wrap="square" rtlCol="0">
+            <a:spAutoFit/>
+          </a:bodyPr>
+          <a:lstStyle/>
+          <a:p>
+            <a:r>
+              <a:rPr lang="en-US" sz="2800" b="1" dirty="0">
+                <a:solidFill>
+                  <a:schemeClr val="accent2">
+                    <a:lumMod val="75000"/>
+                  </a:schemeClr>
+                </a:solidFill>
+              </a:rPr>
+              <a:t>Fixed Costs</a:t>
+            </a:r>
+          </a:p>
+        </p:txBody>
+      </p:sp>
+    </p:spTree>
+    <p:extLst>
+      <p:ext uri="{BB962C8B-B14F-4D97-AF65-F5344CB8AC3E}">
+        <p14:creationId xmlns:p14="http://schemas.microsoft.com/office/powerpoint/2010/main" val="2880111711"/>
+      </p:ext>
+    </p:extLst>
+  </p:cSld>
+  <p:clrMapOvr>
+    <a:masterClrMapping/>
+  </p:clrMapOvr>
+</p:sld>
+</file>
+
+<file path=ppt/slides/slide22.xml><?xml version="1.0" encoding="utf-8"?>
+<p:sld xmlns:a="http://schemas.openxmlformats.org/drawingml/2006/main" xmlns:r="http://schemas.openxmlformats.org/officeDocument/2006/relationships" xmlns:p="http://schemas.openxmlformats.org/presentationml/2006/main">
+  <p:cSld>
+    <p:spTree>
+      <p:nvGrpSpPr>
+        <p:cNvPr id="1" name="">
+          <a:extLst>
+            <a:ext uri="{FF2B5EF4-FFF2-40B4-BE49-F238E27FC236}">
+              <a16:creationId xmlns:a16="http://schemas.microsoft.com/office/drawing/2014/main" id="{6660D803-1B7D-829C-0EB4-680EDCCE305A}"/>
+            </a:ext>
+          </a:extLst>
+        </p:cNvPr>
+        <p:cNvGrpSpPr/>
+        <p:nvPr/>
+      </p:nvGrpSpPr>
+      <p:grpSpPr>
+        <a:xfrm>
+          <a:off x="0" y="0"/>
+          <a:ext cx="0" cy="0"/>
+          <a:chOff x="0" y="0"/>
+          <a:chExt cx="0" cy="0"/>
+        </a:xfrm>
+      </p:grpSpPr>
+      <mc:AlternateContent xmlns:mc="http://schemas.openxmlformats.org/markup-compatibility/2006" xmlns:a14="http://schemas.microsoft.com/office/drawing/2010/main">
+        <mc:Choice Requires="a14">
+          <p:sp>
+            <p:nvSpPr>
+              <p:cNvPr id="2" name="TextBox 1">
+                <a:extLst>
+                  <a:ext uri="{FF2B5EF4-FFF2-40B4-BE49-F238E27FC236}">
+                    <a16:creationId xmlns:a16="http://schemas.microsoft.com/office/drawing/2014/main" id="{C0580DFB-CB4A-F123-9294-86C7CCFB2A9D}"/>
+                  </a:ext>
+                </a:extLst>
+              </p:cNvPr>
+              <p:cNvSpPr txBox="1"/>
+              <p:nvPr/>
+            </p:nvSpPr>
+            <p:spPr>
+              <a:xfrm>
+                <a:off x="9691147" y="6011440"/>
+                <a:ext cx="807396" cy="369332"/>
+              </a:xfrm>
+              <a:prstGeom prst="rect">
+                <a:avLst/>
+              </a:prstGeom>
+              <a:noFill/>
+            </p:spPr>
+            <p:txBody>
+              <a:bodyPr wrap="square" rtlCol="0">
+                <a:spAutoFit/>
+              </a:bodyPr>
+              <a:lstStyle/>
+              <a:p>
+                <a:pPr/>
+                <a14:m>
+                  <m:oMathPara xmlns:m="http://schemas.openxmlformats.org/officeDocument/2006/math">
+                    <m:oMathParaPr>
+                      <m:jc m:val="centerGroup"/>
+                    </m:oMathParaPr>
+                    <m:oMath xmlns:m="http://schemas.openxmlformats.org/officeDocument/2006/math">
+                      <m:r>
+                        <a:rPr lang="en-US" b="1" i="1" smtClean="0">
+                          <a:solidFill>
+                            <a:schemeClr val="tx1"/>
+                          </a:solidFill>
+                          <a:latin typeface="Cambria Math" panose="02040503050406030204" pitchFamily="18" charset="0"/>
+                        </a:rPr>
+                        <m:t>𝑸</m:t>
+                      </m:r>
+                    </m:oMath>
+                  </m:oMathPara>
+                </a14:m>
+                <a:endParaRPr lang="en-US" b="1" dirty="0">
+                  <a:solidFill>
+                    <a:schemeClr val="tx1"/>
+                  </a:solidFill>
+                </a:endParaRPr>
+              </a:p>
+            </p:txBody>
+          </p:sp>
+        </mc:Choice>
+        <mc:Fallback xmlns="">
+          <p:sp>
+            <p:nvSpPr>
+              <p:cNvPr id="2" name="TextBox 1">
+                <a:extLst>
+                  <a:ext uri="{FF2B5EF4-FFF2-40B4-BE49-F238E27FC236}">
+                    <a16:creationId xmlns:a16="http://schemas.microsoft.com/office/drawing/2014/main" id="{C0580DFB-CB4A-F123-9294-86C7CCFB2A9D}"/>
+                  </a:ext>
+                </a:extLst>
+              </p:cNvPr>
+              <p:cNvSpPr txBox="1">
+                <a:spLocks noRot="1" noChangeAspect="1" noMove="1" noResize="1" noEditPoints="1" noAdjustHandles="1" noChangeArrowheads="1" noChangeShapeType="1" noTextEdit="1"/>
+              </p:cNvSpPr>
+              <p:nvPr/>
+            </p:nvSpPr>
+            <p:spPr>
+              <a:xfrm>
+                <a:off x="9691147" y="6011440"/>
+                <a:ext cx="807396" cy="369332"/>
+              </a:xfrm>
+              <a:prstGeom prst="rect">
+                <a:avLst/>
+              </a:prstGeom>
+              <a:blipFill>
+                <a:blip r:embed="rId2"/>
+                <a:stretch>
+                  <a:fillRect b="-9836"/>
+                </a:stretch>
+              </a:blipFill>
+            </p:spPr>
+            <p:txBody>
+              <a:bodyPr/>
+              <a:lstStyle/>
+              <a:p>
+                <a:r>
+                  <a:rPr lang="en-US">
+                    <a:noFill/>
+                  </a:rPr>
+                  <a:t> </a:t>
+                </a:r>
+              </a:p>
+            </p:txBody>
+          </p:sp>
+        </mc:Fallback>
+      </mc:AlternateContent>
+      <mc:AlternateContent xmlns:mc="http://schemas.openxmlformats.org/markup-compatibility/2006" xmlns:a14="http://schemas.microsoft.com/office/drawing/2010/main">
+        <mc:Choice Requires="a14">
+          <p:sp>
+            <p:nvSpPr>
+              <p:cNvPr id="3" name="TextBox 2">
+                <a:extLst>
+                  <a:ext uri="{FF2B5EF4-FFF2-40B4-BE49-F238E27FC236}">
+                    <a16:creationId xmlns:a16="http://schemas.microsoft.com/office/drawing/2014/main" id="{C526E693-6D0C-9EFF-8370-A20C72D68308}"/>
+                  </a:ext>
+                </a:extLst>
+              </p:cNvPr>
+              <p:cNvSpPr txBox="1"/>
+              <p:nvPr/>
+            </p:nvSpPr>
+            <p:spPr>
+              <a:xfrm>
+                <a:off x="1370284" y="425673"/>
+                <a:ext cx="807396" cy="369332"/>
+              </a:xfrm>
+              <a:prstGeom prst="rect">
+                <a:avLst/>
+              </a:prstGeom>
+              <a:noFill/>
+            </p:spPr>
+            <p:txBody>
+              <a:bodyPr wrap="square" rtlCol="0">
+                <a:spAutoFit/>
+              </a:bodyPr>
+              <a:lstStyle/>
+              <a:p>
+                <a:pPr/>
+                <a14:m>
+                  <m:oMathPara xmlns:m="http://schemas.openxmlformats.org/officeDocument/2006/math">
+                    <m:oMathParaPr>
+                      <m:jc m:val="centerGroup"/>
+                    </m:oMathParaPr>
+                    <m:oMath xmlns:m="http://schemas.openxmlformats.org/officeDocument/2006/math">
+                      <m:r>
+                        <a:rPr lang="en-US" b="1" i="1" smtClean="0">
+                          <a:solidFill>
+                            <a:schemeClr val="tx1"/>
+                          </a:solidFill>
+                          <a:latin typeface="Cambria Math" panose="02040503050406030204" pitchFamily="18" charset="0"/>
+                        </a:rPr>
+                        <m:t>𝑪𝒐𝒔𝒕𝒔</m:t>
+                      </m:r>
+                    </m:oMath>
+                  </m:oMathPara>
+                </a14:m>
+                <a:endParaRPr lang="en-US" b="1" dirty="0">
+                  <a:solidFill>
+                    <a:schemeClr val="tx1"/>
+                  </a:solidFill>
+                </a:endParaRPr>
+              </a:p>
+            </p:txBody>
+          </p:sp>
+        </mc:Choice>
+        <mc:Fallback xmlns="">
+          <p:sp>
+            <p:nvSpPr>
+              <p:cNvPr id="3" name="TextBox 2">
+                <a:extLst>
+                  <a:ext uri="{FF2B5EF4-FFF2-40B4-BE49-F238E27FC236}">
+                    <a16:creationId xmlns:a16="http://schemas.microsoft.com/office/drawing/2014/main" id="{C526E693-6D0C-9EFF-8370-A20C72D68308}"/>
+                  </a:ext>
+                </a:extLst>
+              </p:cNvPr>
+              <p:cNvSpPr txBox="1">
+                <a:spLocks noRot="1" noChangeAspect="1" noMove="1" noResize="1" noEditPoints="1" noAdjustHandles="1" noChangeArrowheads="1" noChangeShapeType="1" noTextEdit="1"/>
+              </p:cNvSpPr>
+              <p:nvPr/>
+            </p:nvSpPr>
+            <p:spPr>
+              <a:xfrm>
+                <a:off x="1370284" y="425673"/>
+                <a:ext cx="807396" cy="369332"/>
+              </a:xfrm>
+              <a:prstGeom prst="rect">
+                <a:avLst/>
+              </a:prstGeom>
+              <a:blipFill>
+                <a:blip r:embed="rId3"/>
+                <a:stretch>
+                  <a:fillRect/>
+                </a:stretch>
+              </a:blipFill>
+            </p:spPr>
+            <p:txBody>
+              <a:bodyPr/>
+              <a:lstStyle/>
+              <a:p>
+                <a:r>
+                  <a:rPr lang="en-US">
+                    <a:noFill/>
+                  </a:rPr>
+                  <a:t> </a:t>
+                </a:r>
+              </a:p>
+            </p:txBody>
+          </p:sp>
+        </mc:Fallback>
+      </mc:AlternateContent>
+      <p:sp>
+        <p:nvSpPr>
+          <p:cNvPr id="4" name="Freeform: Shape 3">
+            <a:extLst>
+              <a:ext uri="{FF2B5EF4-FFF2-40B4-BE49-F238E27FC236}">
+                <a16:creationId xmlns:a16="http://schemas.microsoft.com/office/drawing/2014/main" id="{1E226FC5-1B7D-B507-44E7-8EF0839BE71C}"/>
+              </a:ext>
+            </a:extLst>
+          </p:cNvPr>
+          <p:cNvSpPr/>
+          <p:nvPr/>
+        </p:nvSpPr>
+        <p:spPr>
+          <a:xfrm>
+            <a:off x="2295193" y="610339"/>
+            <a:ext cx="7601613" cy="5637321"/>
+          </a:xfrm>
+          <a:custGeom>
+            <a:avLst/>
+            <a:gdLst>
+              <a:gd name="connsiteX0" fmla="*/ 0 w 10227076"/>
+              <a:gd name="connsiteY0" fmla="*/ 0 h 5637321"/>
+              <a:gd name="connsiteX1" fmla="*/ 35511 w 10227076"/>
+              <a:gd name="connsiteY1" fmla="*/ 5637321 h 5637321"/>
+              <a:gd name="connsiteX2" fmla="*/ 10227076 w 10227076"/>
+              <a:gd name="connsiteY2" fmla="*/ 5584055 h 5637321"/>
+            </a:gdLst>
+            <a:ahLst/>
+            <a:cxnLst>
+              <a:cxn ang="0">
+                <a:pos x="connsiteX0" y="connsiteY0"/>
+              </a:cxn>
+              <a:cxn ang="0">
+                <a:pos x="connsiteX1" y="connsiteY1"/>
+              </a:cxn>
+              <a:cxn ang="0">
+                <a:pos x="connsiteX2" y="connsiteY2"/>
+              </a:cxn>
+            </a:cxnLst>
+            <a:rect l="l" t="t" r="r" b="b"/>
+            <a:pathLst>
+              <a:path w="10227076" h="5637321">
+                <a:moveTo>
+                  <a:pt x="0" y="0"/>
+                </a:moveTo>
+                <a:lnTo>
+                  <a:pt x="35511" y="5637321"/>
+                </a:lnTo>
+                <a:lnTo>
+                  <a:pt x="10227076" y="5584055"/>
+                </a:lnTo>
+              </a:path>
+            </a:pathLst>
+          </a:custGeom>
+          <a:ln w="57150"/>
+        </p:spPr>
+        <p:style>
+          <a:lnRef idx="3">
+            <a:schemeClr val="dk1"/>
+          </a:lnRef>
+          <a:fillRef idx="0">
+            <a:schemeClr val="dk1"/>
+          </a:fillRef>
+          <a:effectRef idx="2">
+            <a:schemeClr val="dk1"/>
+          </a:effectRef>
+          <a:fontRef idx="minor">
+            <a:schemeClr val="tx1"/>
+          </a:fontRef>
+        </p:style>
+        <p:txBody>
+          <a:bodyPr rtlCol="0" anchor="ctr"/>
+          <a:lstStyle/>
+          <a:p>
+            <a:pPr algn="ctr"/>
+            <a:endParaRPr lang="en-US"/>
+          </a:p>
+        </p:txBody>
+      </p:sp>
+      <mc:AlternateContent xmlns:mc="http://schemas.openxmlformats.org/markup-compatibility/2006" xmlns:a14="http://schemas.microsoft.com/office/drawing/2010/main">
+        <mc:Choice Requires="a14">
+          <p:sp>
+            <p:nvSpPr>
+              <p:cNvPr id="7" name="TextBox 6">
+                <a:extLst>
+                  <a:ext uri="{FF2B5EF4-FFF2-40B4-BE49-F238E27FC236}">
+                    <a16:creationId xmlns:a16="http://schemas.microsoft.com/office/drawing/2014/main" id="{C4047012-A180-880E-1DA8-6D4100BAC950}"/>
+                  </a:ext>
+                </a:extLst>
+              </p:cNvPr>
+              <p:cNvSpPr txBox="1"/>
+              <p:nvPr/>
+            </p:nvSpPr>
+            <p:spPr>
+              <a:xfrm>
+                <a:off x="8356161" y="971445"/>
+                <a:ext cx="1227676" cy="523220"/>
+              </a:xfrm>
+              <a:prstGeom prst="rect">
+                <a:avLst/>
+              </a:prstGeom>
+              <a:noFill/>
+            </p:spPr>
+            <p:txBody>
+              <a:bodyPr wrap="square" rtlCol="0">
+                <a:spAutoFit/>
+              </a:bodyPr>
+              <a:lstStyle/>
+              <a:p>
+                <a:pPr/>
+                <a14:m>
+                  <m:oMathPara xmlns:m="http://schemas.openxmlformats.org/officeDocument/2006/math">
+                    <m:oMathParaPr>
+                      <m:jc m:val="centerGroup"/>
+                    </m:oMathParaPr>
+                    <m:oMath xmlns:m="http://schemas.openxmlformats.org/officeDocument/2006/math">
+                      <m:r>
+                        <a:rPr lang="en-US" sz="2800" b="1" i="1" smtClean="0">
+                          <a:solidFill>
+                            <a:schemeClr val="accent6"/>
+                          </a:solidFill>
+                          <a:latin typeface="Cambria Math" panose="02040503050406030204" pitchFamily="18" charset="0"/>
+                        </a:rPr>
+                        <m:t>𝑴𝑪</m:t>
+                      </m:r>
+                      <m:r>
+                        <a:rPr lang="en-US" sz="2800" b="1" i="1" smtClean="0">
+                          <a:solidFill>
+                            <a:schemeClr val="accent6"/>
+                          </a:solidFill>
+                          <a:latin typeface="Cambria Math" panose="02040503050406030204" pitchFamily="18" charset="0"/>
+                        </a:rPr>
+                        <m:t>(</m:t>
+                      </m:r>
+                      <m:r>
+                        <a:rPr lang="en-US" sz="2800" b="1" i="1" smtClean="0">
+                          <a:solidFill>
+                            <a:schemeClr val="accent6"/>
+                          </a:solidFill>
+                          <a:latin typeface="Cambria Math" panose="02040503050406030204" pitchFamily="18" charset="0"/>
+                        </a:rPr>
+                        <m:t>𝑸</m:t>
+                      </m:r>
+                      <m:r>
+                        <a:rPr lang="en-US" sz="2800" b="1" i="1" smtClean="0">
+                          <a:solidFill>
+                            <a:schemeClr val="accent6"/>
+                          </a:solidFill>
+                          <a:latin typeface="Cambria Math" panose="02040503050406030204" pitchFamily="18" charset="0"/>
+                        </a:rPr>
+                        <m:t>)</m:t>
+                      </m:r>
+                    </m:oMath>
+                  </m:oMathPara>
+                </a14:m>
+                <a:endParaRPr lang="en-US" sz="2800" b="1" dirty="0">
+                  <a:solidFill>
+                    <a:schemeClr val="accent6"/>
+                  </a:solidFill>
+                </a:endParaRPr>
+              </a:p>
+            </p:txBody>
+          </p:sp>
+        </mc:Choice>
+        <mc:Fallback xmlns="">
+          <p:sp>
+            <p:nvSpPr>
+              <p:cNvPr id="7" name="TextBox 6">
+                <a:extLst>
+                  <a:ext uri="{FF2B5EF4-FFF2-40B4-BE49-F238E27FC236}">
+                    <a16:creationId xmlns:a16="http://schemas.microsoft.com/office/drawing/2014/main" id="{C4047012-A180-880E-1DA8-6D4100BAC950}"/>
+                  </a:ext>
+                </a:extLst>
+              </p:cNvPr>
+              <p:cNvSpPr txBox="1">
+                <a:spLocks noRot="1" noChangeAspect="1" noMove="1" noResize="1" noEditPoints="1" noAdjustHandles="1" noChangeArrowheads="1" noChangeShapeType="1" noTextEdit="1"/>
+              </p:cNvSpPr>
+              <p:nvPr/>
+            </p:nvSpPr>
+            <p:spPr>
+              <a:xfrm>
+                <a:off x="8356161" y="971445"/>
+                <a:ext cx="1227676" cy="523220"/>
+              </a:xfrm>
+              <a:prstGeom prst="rect">
+                <a:avLst/>
+              </a:prstGeom>
+              <a:blipFill>
+                <a:blip r:embed="rId4"/>
+                <a:stretch>
+                  <a:fillRect/>
+                </a:stretch>
+              </a:blipFill>
+            </p:spPr>
+            <p:txBody>
+              <a:bodyPr/>
+              <a:lstStyle/>
+              <a:p>
+                <a:r>
+                  <a:rPr lang="en-US">
+                    <a:noFill/>
+                  </a:rPr>
+                  <a:t> </a:t>
+                </a:r>
+              </a:p>
+            </p:txBody>
+          </p:sp>
+        </mc:Fallback>
+      </mc:AlternateContent>
+      <p:sp>
+        <p:nvSpPr>
+          <p:cNvPr id="8" name="Freeform: Shape 7">
+            <a:extLst>
+              <a:ext uri="{FF2B5EF4-FFF2-40B4-BE49-F238E27FC236}">
+                <a16:creationId xmlns:a16="http://schemas.microsoft.com/office/drawing/2014/main" id="{5091E9CE-D707-3AC9-C494-35FC5C713545}"/>
+              </a:ext>
+            </a:extLst>
+          </p:cNvPr>
+          <p:cNvSpPr/>
+          <p:nvPr/>
+        </p:nvSpPr>
+        <p:spPr>
+          <a:xfrm>
+            <a:off x="2334491" y="1219200"/>
+            <a:ext cx="5964382" cy="4465951"/>
+          </a:xfrm>
+          <a:custGeom>
+            <a:avLst/>
+            <a:gdLst>
+              <a:gd name="connsiteX0" fmla="*/ 0 w 5964382"/>
+              <a:gd name="connsiteY0" fmla="*/ 3110345 h 4465951"/>
+              <a:gd name="connsiteX1" fmla="*/ 2923309 w 5964382"/>
+              <a:gd name="connsiteY1" fmla="*/ 4308764 h 4465951"/>
+              <a:gd name="connsiteX2" fmla="*/ 5964382 w 5964382"/>
+              <a:gd name="connsiteY2" fmla="*/ 0 h 4465951"/>
+            </a:gdLst>
+            <a:ahLst/>
+            <a:cxnLst>
+              <a:cxn ang="0">
+                <a:pos x="connsiteX0" y="connsiteY0"/>
+              </a:cxn>
+              <a:cxn ang="0">
+                <a:pos x="connsiteX1" y="connsiteY1"/>
+              </a:cxn>
+              <a:cxn ang="0">
+                <a:pos x="connsiteX2" y="connsiteY2"/>
+              </a:cxn>
+            </a:cxnLst>
+            <a:rect l="l" t="t" r="r" b="b"/>
+            <a:pathLst>
+              <a:path w="5964382" h="4465951">
+                <a:moveTo>
+                  <a:pt x="0" y="3110345"/>
+                </a:moveTo>
+                <a:cubicBezTo>
+                  <a:pt x="964622" y="3968750"/>
+                  <a:pt x="1929245" y="4827155"/>
+                  <a:pt x="2923309" y="4308764"/>
+                </a:cubicBezTo>
+                <a:cubicBezTo>
+                  <a:pt x="3917373" y="3790373"/>
+                  <a:pt x="4940877" y="1895186"/>
+                  <a:pt x="5964382" y="0"/>
+                </a:cubicBezTo>
+              </a:path>
+            </a:pathLst>
+          </a:custGeom>
+          <a:noFill/>
+          <a:ln w="57150">
+            <a:solidFill>
+              <a:schemeClr val="accent6"/>
+            </a:solidFill>
+          </a:ln>
+        </p:spPr>
+        <p:style>
+          <a:lnRef idx="2">
+            <a:schemeClr val="accent1">
+              <a:shade val="15000"/>
+            </a:schemeClr>
+          </a:lnRef>
+          <a:fillRef idx="1">
+            <a:schemeClr val="accent1"/>
+          </a:fillRef>
+          <a:effectRef idx="0">
+            <a:schemeClr val="accent1"/>
+          </a:effectRef>
+          <a:fontRef idx="minor">
+            <a:schemeClr val="lt1"/>
+          </a:fontRef>
+        </p:style>
+        <p:txBody>
+          <a:bodyPr rtlCol="0" anchor="ctr"/>
+          <a:lstStyle/>
+          <a:p>
+            <a:pPr algn="ctr"/>
+            <a:endParaRPr lang="en-US"/>
+          </a:p>
+        </p:txBody>
+      </p:sp>
+      <p:sp>
+        <p:nvSpPr>
+          <p:cNvPr id="10" name="Left Brace 9">
+            <a:extLst>
+              <a:ext uri="{FF2B5EF4-FFF2-40B4-BE49-F238E27FC236}">
+                <a16:creationId xmlns:a16="http://schemas.microsoft.com/office/drawing/2014/main" id="{9393AB0D-B1E5-F818-76FC-5F6A982EDC1A}"/>
+              </a:ext>
+            </a:extLst>
+          </p:cNvPr>
+          <p:cNvSpPr/>
+          <p:nvPr/>
+        </p:nvSpPr>
+        <p:spPr>
+          <a:xfrm>
+            <a:off x="2022763" y="4343400"/>
+            <a:ext cx="244465" cy="1904260"/>
+          </a:xfrm>
+          <a:prstGeom prst="leftBrace">
+            <a:avLst>
+              <a:gd name="adj1" fmla="val 8333"/>
+              <a:gd name="adj2" fmla="val 51407"/>
+            </a:avLst>
+          </a:prstGeom>
+          <a:ln w="28575">
+            <a:solidFill>
+              <a:schemeClr val="accent2">
+                <a:lumMod val="75000"/>
+              </a:schemeClr>
+            </a:solidFill>
+          </a:ln>
+        </p:spPr>
+        <p:style>
+          <a:lnRef idx="1">
+            <a:schemeClr val="accent1"/>
+          </a:lnRef>
+          <a:fillRef idx="0">
+            <a:schemeClr val="accent1"/>
+          </a:fillRef>
+          <a:effectRef idx="0">
+            <a:schemeClr val="accent1"/>
+          </a:effectRef>
+          <a:fontRef idx="minor">
+            <a:schemeClr val="tx1"/>
+          </a:fontRef>
+        </p:style>
+        <p:txBody>
+          <a:bodyPr rtlCol="0" anchor="ctr"/>
+          <a:lstStyle/>
+          <a:p>
+            <a:pPr algn="ctr"/>
+            <a:endParaRPr lang="en-US"/>
+          </a:p>
+        </p:txBody>
+      </p:sp>
+      <p:sp>
+        <p:nvSpPr>
+          <p:cNvPr id="11" name="TextBox 10">
+            <a:extLst>
+              <a:ext uri="{FF2B5EF4-FFF2-40B4-BE49-F238E27FC236}">
+                <a16:creationId xmlns:a16="http://schemas.microsoft.com/office/drawing/2014/main" id="{CED5DFCA-A086-0387-4CDE-0BDBE5689559}"/>
+              </a:ext>
+            </a:extLst>
+          </p:cNvPr>
+          <p:cNvSpPr txBox="1"/>
+          <p:nvPr/>
+        </p:nvSpPr>
+        <p:spPr>
+          <a:xfrm>
+            <a:off x="926405" y="4539468"/>
+            <a:ext cx="1227676" cy="954107"/>
+          </a:xfrm>
+          <a:prstGeom prst="rect">
+            <a:avLst/>
+          </a:prstGeom>
+          <a:noFill/>
+        </p:spPr>
+        <p:txBody>
+          <a:bodyPr wrap="square" rtlCol="0">
+            <a:spAutoFit/>
+          </a:bodyPr>
+          <a:lstStyle/>
+          <a:p>
+            <a:r>
+              <a:rPr lang="en-US" sz="2800" b="1" dirty="0">
+                <a:solidFill>
+                  <a:schemeClr val="accent2">
+                    <a:lumMod val="75000"/>
+                  </a:schemeClr>
+                </a:solidFill>
+              </a:rPr>
+              <a:t>Fixed Costs</a:t>
+            </a:r>
+          </a:p>
+        </p:txBody>
+      </p:sp>
+      <p:cxnSp>
+        <p:nvCxnSpPr>
+          <p:cNvPr id="13" name="Straight Arrow Connector 12">
+            <a:extLst>
+              <a:ext uri="{FF2B5EF4-FFF2-40B4-BE49-F238E27FC236}">
+                <a16:creationId xmlns:a16="http://schemas.microsoft.com/office/drawing/2014/main" id="{3F55E2C6-14EB-4132-1712-88EFF1C64469}"/>
+              </a:ext>
+            </a:extLst>
+          </p:cNvPr>
+          <p:cNvCxnSpPr>
+            <a:cxnSpLocks/>
+          </p:cNvCxnSpPr>
+          <p:nvPr/>
+        </p:nvCxnSpPr>
+        <p:spPr>
+          <a:xfrm>
+            <a:off x="2646218" y="4253345"/>
+            <a:ext cx="1482437" cy="1115291"/>
+          </a:xfrm>
+          <a:prstGeom prst="straightConnector1">
+            <a:avLst/>
+          </a:prstGeom>
+          <a:ln w="57150">
+            <a:solidFill>
+              <a:srgbClr val="C00000"/>
+            </a:solidFill>
+            <a:tailEnd type="triangle"/>
+          </a:ln>
+        </p:spPr>
+        <p:style>
+          <a:lnRef idx="1">
+            <a:schemeClr val="accent1"/>
+          </a:lnRef>
+          <a:fillRef idx="0">
+            <a:schemeClr val="accent1"/>
+          </a:fillRef>
+          <a:effectRef idx="0">
+            <a:schemeClr val="accent1"/>
+          </a:effectRef>
+          <a:fontRef idx="minor">
+            <a:schemeClr val="tx1"/>
+          </a:fontRef>
+        </p:style>
+      </p:cxnSp>
+      <p:cxnSp>
+        <p:nvCxnSpPr>
+          <p:cNvPr id="17" name="Straight Arrow Connector 16">
+            <a:extLst>
+              <a:ext uri="{FF2B5EF4-FFF2-40B4-BE49-F238E27FC236}">
+                <a16:creationId xmlns:a16="http://schemas.microsoft.com/office/drawing/2014/main" id="{05346F38-6B12-783B-F0D3-E628EABE1C6E}"/>
+              </a:ext>
+            </a:extLst>
+          </p:cNvPr>
+          <p:cNvCxnSpPr>
+            <a:cxnSpLocks/>
+          </p:cNvCxnSpPr>
+          <p:nvPr/>
+        </p:nvCxnSpPr>
+        <p:spPr>
+          <a:xfrm flipV="1">
+            <a:off x="5119255" y="2317543"/>
+            <a:ext cx="2189018" cy="2977987"/>
+          </a:xfrm>
+          <a:prstGeom prst="straightConnector1">
+            <a:avLst/>
+          </a:prstGeom>
+          <a:ln w="57150">
+            <a:solidFill>
+              <a:schemeClr val="accent5">
+                <a:lumMod val="75000"/>
+              </a:schemeClr>
+            </a:solidFill>
+            <a:tailEnd type="triangle"/>
+          </a:ln>
+        </p:spPr>
+        <p:style>
+          <a:lnRef idx="1">
+            <a:schemeClr val="accent1"/>
+          </a:lnRef>
+          <a:fillRef idx="0">
+            <a:schemeClr val="accent1"/>
+          </a:fillRef>
+          <a:effectRef idx="0">
+            <a:schemeClr val="accent1"/>
+          </a:effectRef>
+          <a:fontRef idx="minor">
+            <a:schemeClr val="tx1"/>
+          </a:fontRef>
+        </p:style>
+      </p:cxnSp>
+      <p:sp>
+        <p:nvSpPr>
+          <p:cNvPr id="19" name="TextBox 18">
+            <a:extLst>
+              <a:ext uri="{FF2B5EF4-FFF2-40B4-BE49-F238E27FC236}">
+                <a16:creationId xmlns:a16="http://schemas.microsoft.com/office/drawing/2014/main" id="{05357F9C-7A13-7A87-8990-42BA53AE69FC}"/>
+              </a:ext>
+            </a:extLst>
+          </p:cNvPr>
+          <p:cNvSpPr txBox="1"/>
+          <p:nvPr/>
+        </p:nvSpPr>
+        <p:spPr>
+          <a:xfrm>
+            <a:off x="2646218" y="3237682"/>
+            <a:ext cx="1787236" cy="1015663"/>
+          </a:xfrm>
+          <a:prstGeom prst="rect">
+            <a:avLst/>
+          </a:prstGeom>
+          <a:noFill/>
+        </p:spPr>
+        <p:txBody>
+          <a:bodyPr wrap="square" rtlCol="0">
+            <a:spAutoFit/>
+          </a:bodyPr>
+          <a:lstStyle/>
+          <a:p>
+            <a:pPr algn="ctr"/>
+            <a:r>
+              <a:rPr lang="en-US" sz="2000" b="1" dirty="0">
+                <a:solidFill>
+                  <a:schemeClr val="accent2">
+                    <a:lumMod val="75000"/>
+                  </a:schemeClr>
+                </a:solidFill>
+              </a:rPr>
+              <a:t>Positive but Decreasing Marginal Costs</a:t>
+            </a:r>
+          </a:p>
+        </p:txBody>
+      </p:sp>
+      <p:sp>
+        <p:nvSpPr>
+          <p:cNvPr id="20" name="TextBox 19">
+            <a:extLst>
+              <a:ext uri="{FF2B5EF4-FFF2-40B4-BE49-F238E27FC236}">
+                <a16:creationId xmlns:a16="http://schemas.microsoft.com/office/drawing/2014/main" id="{9662D15D-907B-64EF-5617-E19DA7D88B33}"/>
+              </a:ext>
+            </a:extLst>
+          </p:cNvPr>
+          <p:cNvSpPr txBox="1"/>
+          <p:nvPr/>
+        </p:nvSpPr>
+        <p:spPr>
+          <a:xfrm>
+            <a:off x="6909955" y="3802993"/>
+            <a:ext cx="1787236" cy="1015663"/>
+          </a:xfrm>
+          <a:prstGeom prst="rect">
+            <a:avLst/>
+          </a:prstGeom>
+          <a:noFill/>
+        </p:spPr>
+        <p:txBody>
+          <a:bodyPr wrap="square" rtlCol="0">
+            <a:spAutoFit/>
+          </a:bodyPr>
+          <a:lstStyle/>
+          <a:p>
+            <a:pPr algn="ctr"/>
+            <a:r>
+              <a:rPr lang="en-US" sz="2000" b="1" dirty="0">
+                <a:solidFill>
+                  <a:schemeClr val="accent1"/>
+                </a:solidFill>
+              </a:rPr>
+              <a:t>Positive AND Increasing Marginal Costs</a:t>
+            </a:r>
+          </a:p>
+        </p:txBody>
+      </p:sp>
+      <p:cxnSp>
+        <p:nvCxnSpPr>
+          <p:cNvPr id="22" name="Straight Connector 21">
+            <a:extLst>
+              <a:ext uri="{FF2B5EF4-FFF2-40B4-BE49-F238E27FC236}">
+                <a16:creationId xmlns:a16="http://schemas.microsoft.com/office/drawing/2014/main" id="{10FA06C0-4A61-BB12-146A-395F3698DA39}"/>
+              </a:ext>
+            </a:extLst>
+          </p:cNvPr>
+          <p:cNvCxnSpPr>
+            <a:cxnSpLocks/>
+          </p:cNvCxnSpPr>
+          <p:nvPr/>
+        </p:nvCxnSpPr>
+        <p:spPr>
+          <a:xfrm flipV="1">
+            <a:off x="4613564" y="706582"/>
+            <a:ext cx="0" cy="5489524"/>
+          </a:xfrm>
+          <a:prstGeom prst="line">
+            <a:avLst/>
+          </a:prstGeom>
+          <a:ln w="38100">
+            <a:solidFill>
+              <a:schemeClr val="tx1"/>
+            </a:solidFill>
+            <a:prstDash val="dash"/>
+          </a:ln>
+        </p:spPr>
+        <p:style>
+          <a:lnRef idx="1">
+            <a:schemeClr val="accent1"/>
+          </a:lnRef>
+          <a:fillRef idx="0">
+            <a:schemeClr val="accent1"/>
+          </a:fillRef>
+          <a:effectRef idx="0">
+            <a:schemeClr val="accent1"/>
+          </a:effectRef>
+          <a:fontRef idx="minor">
+            <a:schemeClr val="tx1"/>
+          </a:fontRef>
+        </p:style>
+      </p:cxnSp>
+    </p:spTree>
+    <p:extLst>
+      <p:ext uri="{BB962C8B-B14F-4D97-AF65-F5344CB8AC3E}">
+        <p14:creationId xmlns:p14="http://schemas.microsoft.com/office/powerpoint/2010/main" val="201839477"/>
+      </p:ext>
+    </p:extLst>
+  </p:cSld>
+  <p:clrMapOvr>
+    <a:masterClrMapping/>
+  </p:clrMapOvr>
+</p:sld>
+</file>
+
+<file path=ppt/slides/slide23.xml><?xml version="1.0" encoding="utf-8"?>
+<p:sld xmlns:a="http://schemas.openxmlformats.org/drawingml/2006/main" xmlns:r="http://schemas.openxmlformats.org/officeDocument/2006/relationships" xmlns:p="http://schemas.openxmlformats.org/presentationml/2006/main">
+  <p:cSld>
+    <p:spTree>
+      <p:nvGrpSpPr>
+        <p:cNvPr id="1" name="">
+          <a:extLst>
+            <a:ext uri="{FF2B5EF4-FFF2-40B4-BE49-F238E27FC236}">
+              <a16:creationId xmlns:a16="http://schemas.microsoft.com/office/drawing/2014/main" id="{774DEEC8-A596-F4F0-E5D4-D771A73E7069}"/>
+            </a:ext>
+          </a:extLst>
+        </p:cNvPr>
+        <p:cNvGrpSpPr/>
+        <p:nvPr/>
+      </p:nvGrpSpPr>
+      <p:grpSpPr>
+        <a:xfrm>
+          <a:off x="0" y="0"/>
+          <a:ext cx="0" cy="0"/>
+          <a:chOff x="0" y="0"/>
+          <a:chExt cx="0" cy="0"/>
+        </a:xfrm>
+      </p:grpSpPr>
+      <mc:AlternateContent xmlns:mc="http://schemas.openxmlformats.org/markup-compatibility/2006" xmlns:a14="http://schemas.microsoft.com/office/drawing/2010/main">
+        <mc:Choice Requires="a14">
+          <p:sp>
+            <p:nvSpPr>
+              <p:cNvPr id="2" name="TextBox 1">
+                <a:extLst>
+                  <a:ext uri="{FF2B5EF4-FFF2-40B4-BE49-F238E27FC236}">
+                    <a16:creationId xmlns:a16="http://schemas.microsoft.com/office/drawing/2014/main" id="{C2FE27A9-9146-93B6-8F67-7D295D77512B}"/>
+                  </a:ext>
+                </a:extLst>
+              </p:cNvPr>
+              <p:cNvSpPr txBox="1"/>
+              <p:nvPr/>
+            </p:nvSpPr>
+            <p:spPr>
+              <a:xfrm>
+                <a:off x="9691147" y="6011440"/>
+                <a:ext cx="807396" cy="369332"/>
+              </a:xfrm>
+              <a:prstGeom prst="rect">
+                <a:avLst/>
+              </a:prstGeom>
+              <a:noFill/>
+            </p:spPr>
+            <p:txBody>
+              <a:bodyPr wrap="square" rtlCol="0">
+                <a:spAutoFit/>
+              </a:bodyPr>
+              <a:lstStyle/>
+              <a:p>
+                <a:pPr/>
+                <a14:m>
+                  <m:oMathPara xmlns:m="http://schemas.openxmlformats.org/officeDocument/2006/math">
+                    <m:oMathParaPr>
+                      <m:jc m:val="centerGroup"/>
+                    </m:oMathParaPr>
+                    <m:oMath xmlns:m="http://schemas.openxmlformats.org/officeDocument/2006/math">
+                      <m:r>
+                        <a:rPr lang="en-US" b="1" i="1" smtClean="0">
+                          <a:solidFill>
+                            <a:schemeClr val="tx1"/>
+                          </a:solidFill>
+                          <a:latin typeface="Cambria Math" panose="02040503050406030204" pitchFamily="18" charset="0"/>
+                        </a:rPr>
+                        <m:t>𝑸</m:t>
+                      </m:r>
+                    </m:oMath>
+                  </m:oMathPara>
+                </a14:m>
+                <a:endParaRPr lang="en-US" b="1" dirty="0">
+                  <a:solidFill>
+                    <a:schemeClr val="tx1"/>
+                  </a:solidFill>
+                </a:endParaRPr>
+              </a:p>
+            </p:txBody>
+          </p:sp>
+        </mc:Choice>
+        <mc:Fallback xmlns="">
+          <p:sp>
+            <p:nvSpPr>
+              <p:cNvPr id="2" name="TextBox 1">
+                <a:extLst>
+                  <a:ext uri="{FF2B5EF4-FFF2-40B4-BE49-F238E27FC236}">
+                    <a16:creationId xmlns:a16="http://schemas.microsoft.com/office/drawing/2014/main" id="{C2FE27A9-9146-93B6-8F67-7D295D77512B}"/>
+                  </a:ext>
+                </a:extLst>
+              </p:cNvPr>
+              <p:cNvSpPr txBox="1">
+                <a:spLocks noRot="1" noChangeAspect="1" noMove="1" noResize="1" noEditPoints="1" noAdjustHandles="1" noChangeArrowheads="1" noChangeShapeType="1" noTextEdit="1"/>
+              </p:cNvSpPr>
+              <p:nvPr/>
+            </p:nvSpPr>
+            <p:spPr>
+              <a:xfrm>
+                <a:off x="9691147" y="6011440"/>
+                <a:ext cx="807396" cy="369332"/>
+              </a:xfrm>
+              <a:prstGeom prst="rect">
+                <a:avLst/>
+              </a:prstGeom>
+              <a:blipFill>
+                <a:blip r:embed="rId2"/>
+                <a:stretch>
+                  <a:fillRect b="-9836"/>
+                </a:stretch>
+              </a:blipFill>
+            </p:spPr>
+            <p:txBody>
+              <a:bodyPr/>
+              <a:lstStyle/>
+              <a:p>
+                <a:r>
+                  <a:rPr lang="en-US">
+                    <a:noFill/>
+                  </a:rPr>
+                  <a:t> </a:t>
+                </a:r>
+              </a:p>
+            </p:txBody>
+          </p:sp>
+        </mc:Fallback>
+      </mc:AlternateContent>
+      <mc:AlternateContent xmlns:mc="http://schemas.openxmlformats.org/markup-compatibility/2006" xmlns:a14="http://schemas.microsoft.com/office/drawing/2010/main">
+        <mc:Choice Requires="a14">
+          <p:sp>
+            <p:nvSpPr>
+              <p:cNvPr id="3" name="TextBox 2">
+                <a:extLst>
+                  <a:ext uri="{FF2B5EF4-FFF2-40B4-BE49-F238E27FC236}">
+                    <a16:creationId xmlns:a16="http://schemas.microsoft.com/office/drawing/2014/main" id="{B1D67D2C-DC0F-8234-1B05-1774AD119A58}"/>
+                  </a:ext>
+                </a:extLst>
+              </p:cNvPr>
+              <p:cNvSpPr txBox="1"/>
+              <p:nvPr/>
+            </p:nvSpPr>
+            <p:spPr>
+              <a:xfrm>
+                <a:off x="1370284" y="425673"/>
+                <a:ext cx="807396" cy="369332"/>
+              </a:xfrm>
+              <a:prstGeom prst="rect">
+                <a:avLst/>
+              </a:prstGeom>
+              <a:noFill/>
+            </p:spPr>
+            <p:txBody>
+              <a:bodyPr wrap="square" rtlCol="0">
+                <a:spAutoFit/>
+              </a:bodyPr>
+              <a:lstStyle/>
+              <a:p>
+                <a:pPr/>
+                <a14:m>
+                  <m:oMathPara xmlns:m="http://schemas.openxmlformats.org/officeDocument/2006/math">
+                    <m:oMathParaPr>
+                      <m:jc m:val="centerGroup"/>
+                    </m:oMathParaPr>
+                    <m:oMath xmlns:m="http://schemas.openxmlformats.org/officeDocument/2006/math">
+                      <m:r>
+                        <a:rPr lang="en-US" b="1" i="1" smtClean="0">
+                          <a:solidFill>
+                            <a:schemeClr val="tx1"/>
+                          </a:solidFill>
+                          <a:latin typeface="Cambria Math" panose="02040503050406030204" pitchFamily="18" charset="0"/>
+                        </a:rPr>
+                        <m:t>𝑪𝒐𝒔𝒕𝒔</m:t>
+                      </m:r>
+                    </m:oMath>
+                  </m:oMathPara>
+                </a14:m>
+                <a:endParaRPr lang="en-US" b="1" dirty="0">
+                  <a:solidFill>
+                    <a:schemeClr val="tx1"/>
+                  </a:solidFill>
+                </a:endParaRPr>
+              </a:p>
+            </p:txBody>
+          </p:sp>
+        </mc:Choice>
+        <mc:Fallback xmlns="">
+          <p:sp>
+            <p:nvSpPr>
+              <p:cNvPr id="3" name="TextBox 2">
+                <a:extLst>
+                  <a:ext uri="{FF2B5EF4-FFF2-40B4-BE49-F238E27FC236}">
+                    <a16:creationId xmlns:a16="http://schemas.microsoft.com/office/drawing/2014/main" id="{B1D67D2C-DC0F-8234-1B05-1774AD119A58}"/>
+                  </a:ext>
+                </a:extLst>
+              </p:cNvPr>
+              <p:cNvSpPr txBox="1">
+                <a:spLocks noRot="1" noChangeAspect="1" noMove="1" noResize="1" noEditPoints="1" noAdjustHandles="1" noChangeArrowheads="1" noChangeShapeType="1" noTextEdit="1"/>
+              </p:cNvSpPr>
+              <p:nvPr/>
+            </p:nvSpPr>
+            <p:spPr>
+              <a:xfrm>
+                <a:off x="1370284" y="425673"/>
+                <a:ext cx="807396" cy="369332"/>
+              </a:xfrm>
+              <a:prstGeom prst="rect">
+                <a:avLst/>
+              </a:prstGeom>
+              <a:blipFill>
+                <a:blip r:embed="rId3"/>
+                <a:stretch>
+                  <a:fillRect/>
+                </a:stretch>
+              </a:blipFill>
+            </p:spPr>
+            <p:txBody>
+              <a:bodyPr/>
+              <a:lstStyle/>
+              <a:p>
+                <a:r>
+                  <a:rPr lang="en-US">
+                    <a:noFill/>
+                  </a:rPr>
+                  <a:t> </a:t>
+                </a:r>
+              </a:p>
+            </p:txBody>
+          </p:sp>
+        </mc:Fallback>
+      </mc:AlternateContent>
+      <p:sp>
+        <p:nvSpPr>
+          <p:cNvPr id="4" name="Freeform: Shape 3">
+            <a:extLst>
+              <a:ext uri="{FF2B5EF4-FFF2-40B4-BE49-F238E27FC236}">
+                <a16:creationId xmlns:a16="http://schemas.microsoft.com/office/drawing/2014/main" id="{EB5AEF18-547D-B143-B599-0093F3AFC81D}"/>
+              </a:ext>
+            </a:extLst>
+          </p:cNvPr>
+          <p:cNvSpPr/>
+          <p:nvPr/>
+        </p:nvSpPr>
+        <p:spPr>
+          <a:xfrm>
+            <a:off x="2295193" y="610339"/>
+            <a:ext cx="7601613" cy="5637321"/>
+          </a:xfrm>
+          <a:custGeom>
+            <a:avLst/>
+            <a:gdLst>
+              <a:gd name="connsiteX0" fmla="*/ 0 w 10227076"/>
+              <a:gd name="connsiteY0" fmla="*/ 0 h 5637321"/>
+              <a:gd name="connsiteX1" fmla="*/ 35511 w 10227076"/>
+              <a:gd name="connsiteY1" fmla="*/ 5637321 h 5637321"/>
+              <a:gd name="connsiteX2" fmla="*/ 10227076 w 10227076"/>
+              <a:gd name="connsiteY2" fmla="*/ 5584055 h 5637321"/>
+            </a:gdLst>
+            <a:ahLst/>
+            <a:cxnLst>
+              <a:cxn ang="0">
+                <a:pos x="connsiteX0" y="connsiteY0"/>
+              </a:cxn>
+              <a:cxn ang="0">
+                <a:pos x="connsiteX1" y="connsiteY1"/>
+              </a:cxn>
+              <a:cxn ang="0">
+                <a:pos x="connsiteX2" y="connsiteY2"/>
+              </a:cxn>
+            </a:cxnLst>
+            <a:rect l="l" t="t" r="r" b="b"/>
+            <a:pathLst>
+              <a:path w="10227076" h="5637321">
+                <a:moveTo>
+                  <a:pt x="0" y="0"/>
+                </a:moveTo>
+                <a:lnTo>
+                  <a:pt x="35511" y="5637321"/>
+                </a:lnTo>
+                <a:lnTo>
+                  <a:pt x="10227076" y="5584055"/>
+                </a:lnTo>
+              </a:path>
+            </a:pathLst>
+          </a:custGeom>
+          <a:ln w="57150"/>
+        </p:spPr>
+        <p:style>
+          <a:lnRef idx="3">
+            <a:schemeClr val="dk1"/>
+          </a:lnRef>
+          <a:fillRef idx="0">
+            <a:schemeClr val="dk1"/>
+          </a:fillRef>
+          <a:effectRef idx="2">
+            <a:schemeClr val="dk1"/>
+          </a:effectRef>
+          <a:fontRef idx="minor">
+            <a:schemeClr val="tx1"/>
+          </a:fontRef>
+        </p:style>
+        <p:txBody>
+          <a:bodyPr rtlCol="0" anchor="ctr"/>
+          <a:lstStyle/>
+          <a:p>
+            <a:pPr algn="ctr"/>
+            <a:endParaRPr lang="en-US"/>
+          </a:p>
+        </p:txBody>
+      </p:sp>
+      <p:cxnSp>
+        <p:nvCxnSpPr>
+          <p:cNvPr id="6" name="Straight Connector 5">
+            <a:extLst>
+              <a:ext uri="{FF2B5EF4-FFF2-40B4-BE49-F238E27FC236}">
+                <a16:creationId xmlns:a16="http://schemas.microsoft.com/office/drawing/2014/main" id="{457147E9-8F86-D6E7-C955-2887E6FAE911}"/>
+              </a:ext>
+            </a:extLst>
+          </p:cNvPr>
+          <p:cNvCxnSpPr>
+            <a:cxnSpLocks/>
+            <a:stCxn id="4" idx="1"/>
+          </p:cNvCxnSpPr>
+          <p:nvPr/>
+        </p:nvCxnSpPr>
+        <p:spPr>
+          <a:xfrm flipV="1">
+            <a:off x="2321588" y="1510145"/>
+            <a:ext cx="5302891" cy="4737515"/>
+          </a:xfrm>
+          <a:prstGeom prst="line">
+            <a:avLst/>
+          </a:prstGeom>
+          <a:ln w="57150">
+            <a:solidFill>
+              <a:schemeClr val="accent6">
+                <a:lumMod val="60000"/>
+                <a:lumOff val="40000"/>
+              </a:schemeClr>
+            </a:solidFill>
+          </a:ln>
+        </p:spPr>
+        <p:style>
+          <a:lnRef idx="1">
+            <a:schemeClr val="accent1"/>
+          </a:lnRef>
+          <a:fillRef idx="0">
+            <a:schemeClr val="accent1"/>
+          </a:fillRef>
+          <a:effectRef idx="0">
+            <a:schemeClr val="accent1"/>
+          </a:effectRef>
+          <a:fontRef idx="minor">
+            <a:schemeClr val="tx1"/>
+          </a:fontRef>
+        </p:style>
+      </p:cxnSp>
+      <mc:AlternateContent xmlns:mc="http://schemas.openxmlformats.org/markup-compatibility/2006" xmlns:a14="http://schemas.microsoft.com/office/drawing/2010/main">
+        <mc:Choice Requires="a14">
+          <p:sp>
+            <p:nvSpPr>
+              <p:cNvPr id="9" name="TextBox 8">
+                <a:extLst>
+                  <a:ext uri="{FF2B5EF4-FFF2-40B4-BE49-F238E27FC236}">
+                    <a16:creationId xmlns:a16="http://schemas.microsoft.com/office/drawing/2014/main" id="{FE228F5B-AA1C-B481-CC81-43F7085A0802}"/>
+                  </a:ext>
+                </a:extLst>
+              </p:cNvPr>
+              <p:cNvSpPr txBox="1"/>
+              <p:nvPr/>
+            </p:nvSpPr>
+            <p:spPr>
+              <a:xfrm>
+                <a:off x="6129300" y="1208598"/>
+                <a:ext cx="1227676" cy="523220"/>
+              </a:xfrm>
+              <a:prstGeom prst="rect">
+                <a:avLst/>
+              </a:prstGeom>
+              <a:noFill/>
+            </p:spPr>
+            <p:txBody>
+              <a:bodyPr wrap="square" rtlCol="0">
+                <a:spAutoFit/>
+              </a:bodyPr>
+              <a:lstStyle/>
+              <a:p>
+                <a:pPr/>
+                <a14:m>
+                  <m:oMathPara xmlns:m="http://schemas.openxmlformats.org/officeDocument/2006/math">
+                    <m:oMathParaPr>
+                      <m:jc m:val="centerGroup"/>
+                    </m:oMathParaPr>
+                    <m:oMath xmlns:m="http://schemas.openxmlformats.org/officeDocument/2006/math">
+                      <m:r>
+                        <a:rPr lang="en-US" sz="2800" b="1" i="1" smtClean="0">
+                          <a:solidFill>
+                            <a:schemeClr val="accent6"/>
+                          </a:solidFill>
+                          <a:latin typeface="Cambria Math" panose="02040503050406030204" pitchFamily="18" charset="0"/>
+                        </a:rPr>
+                        <m:t>𝑴𝑪</m:t>
+                      </m:r>
+                      <m:r>
+                        <a:rPr lang="en-US" sz="2800" b="1" i="1" smtClean="0">
+                          <a:solidFill>
+                            <a:schemeClr val="accent6"/>
+                          </a:solidFill>
+                          <a:latin typeface="Cambria Math" panose="02040503050406030204" pitchFamily="18" charset="0"/>
+                        </a:rPr>
+                        <m:t>(</m:t>
+                      </m:r>
+                      <m:r>
+                        <a:rPr lang="en-US" sz="2800" b="1" i="1" smtClean="0">
+                          <a:solidFill>
+                            <a:schemeClr val="accent6"/>
+                          </a:solidFill>
+                          <a:latin typeface="Cambria Math" panose="02040503050406030204" pitchFamily="18" charset="0"/>
+                        </a:rPr>
+                        <m:t>𝑸</m:t>
+                      </m:r>
+                      <m:r>
+                        <a:rPr lang="en-US" sz="2800" b="1" i="1" smtClean="0">
+                          <a:solidFill>
+                            <a:schemeClr val="accent6"/>
+                          </a:solidFill>
+                          <a:latin typeface="Cambria Math" panose="02040503050406030204" pitchFamily="18" charset="0"/>
+                        </a:rPr>
+                        <m:t>)</m:t>
+                      </m:r>
+                    </m:oMath>
+                  </m:oMathPara>
+                </a14:m>
+                <a:endParaRPr lang="en-US" sz="2800" b="1" dirty="0">
+                  <a:solidFill>
+                    <a:schemeClr val="accent6"/>
+                  </a:solidFill>
+                </a:endParaRPr>
+              </a:p>
+            </p:txBody>
+          </p:sp>
+        </mc:Choice>
+        <mc:Fallback xmlns="">
+          <p:sp>
+            <p:nvSpPr>
+              <p:cNvPr id="9" name="TextBox 8">
+                <a:extLst>
+                  <a:ext uri="{FF2B5EF4-FFF2-40B4-BE49-F238E27FC236}">
+                    <a16:creationId xmlns:a16="http://schemas.microsoft.com/office/drawing/2014/main" id="{FE228F5B-AA1C-B481-CC81-43F7085A0802}"/>
+                  </a:ext>
+                </a:extLst>
+              </p:cNvPr>
+              <p:cNvSpPr txBox="1">
+                <a:spLocks noRot="1" noChangeAspect="1" noMove="1" noResize="1" noEditPoints="1" noAdjustHandles="1" noChangeArrowheads="1" noChangeShapeType="1" noTextEdit="1"/>
+              </p:cNvSpPr>
+              <p:nvPr/>
+            </p:nvSpPr>
+            <p:spPr>
+              <a:xfrm>
+                <a:off x="6129300" y="1208598"/>
+                <a:ext cx="1227676" cy="523220"/>
+              </a:xfrm>
+              <a:prstGeom prst="rect">
+                <a:avLst/>
+              </a:prstGeom>
+              <a:blipFill>
+                <a:blip r:embed="rId4"/>
+                <a:stretch>
+                  <a:fillRect/>
+                </a:stretch>
+              </a:blipFill>
+            </p:spPr>
+            <p:txBody>
+              <a:bodyPr/>
+              <a:lstStyle/>
+              <a:p>
+                <a:r>
+                  <a:rPr lang="en-US">
+                    <a:noFill/>
+                  </a:rPr>
+                  <a:t> </a:t>
+                </a:r>
+              </a:p>
+            </p:txBody>
+          </p:sp>
+        </mc:Fallback>
+      </mc:AlternateContent>
+      <p:sp>
+        <p:nvSpPr>
+          <p:cNvPr id="5" name="Freeform: Shape 4">
+            <a:extLst>
+              <a:ext uri="{FF2B5EF4-FFF2-40B4-BE49-F238E27FC236}">
+                <a16:creationId xmlns:a16="http://schemas.microsoft.com/office/drawing/2014/main" id="{DADA9328-CF23-5452-7DD6-2A0AD3A0961B}"/>
+              </a:ext>
+            </a:extLst>
+          </p:cNvPr>
+          <p:cNvSpPr/>
+          <p:nvPr/>
+        </p:nvSpPr>
+        <p:spPr>
+          <a:xfrm>
+            <a:off x="2320636" y="1731818"/>
+            <a:ext cx="6060412" cy="3010353"/>
+          </a:xfrm>
+          <a:custGeom>
+            <a:avLst/>
+            <a:gdLst>
+              <a:gd name="connsiteX0" fmla="*/ 0 w 6012873"/>
+              <a:gd name="connsiteY0" fmla="*/ 2632364 h 2885662"/>
+              <a:gd name="connsiteX1" fmla="*/ 2937164 w 6012873"/>
+              <a:gd name="connsiteY1" fmla="*/ 2632364 h 2885662"/>
+              <a:gd name="connsiteX2" fmla="*/ 6012873 w 6012873"/>
+              <a:gd name="connsiteY2" fmla="*/ 0 h 2885662"/>
+            </a:gdLst>
+            <a:ahLst/>
+            <a:cxnLst>
+              <a:cxn ang="0">
+                <a:pos x="connsiteX0" y="connsiteY0"/>
+              </a:cxn>
+              <a:cxn ang="0">
+                <a:pos x="connsiteX1" y="connsiteY1"/>
+              </a:cxn>
+              <a:cxn ang="0">
+                <a:pos x="connsiteX2" y="connsiteY2"/>
+              </a:cxn>
+            </a:cxnLst>
+            <a:rect l="l" t="t" r="r" b="b"/>
+            <a:pathLst>
+              <a:path w="6012873" h="2885662">
+                <a:moveTo>
+                  <a:pt x="0" y="2632364"/>
+                </a:moveTo>
+                <a:cubicBezTo>
+                  <a:pt x="967509" y="2851727"/>
+                  <a:pt x="1935019" y="3071091"/>
+                  <a:pt x="2937164" y="2632364"/>
+                </a:cubicBezTo>
+                <a:cubicBezTo>
+                  <a:pt x="3939310" y="2193637"/>
+                  <a:pt x="4976091" y="1096818"/>
+                  <a:pt x="6012873" y="0"/>
+                </a:cubicBezTo>
+              </a:path>
+            </a:pathLst>
+          </a:custGeom>
+          <a:noFill/>
+          <a:ln w="57150">
+            <a:solidFill>
+              <a:schemeClr val="accent2">
+                <a:lumMod val="75000"/>
+              </a:schemeClr>
+            </a:solidFill>
+          </a:ln>
+        </p:spPr>
+        <p:style>
+          <a:lnRef idx="2">
+            <a:schemeClr val="accent1">
+              <a:shade val="15000"/>
+            </a:schemeClr>
+          </a:lnRef>
+          <a:fillRef idx="1">
+            <a:schemeClr val="accent1"/>
+          </a:fillRef>
+          <a:effectRef idx="0">
+            <a:schemeClr val="accent1"/>
+          </a:effectRef>
+          <a:fontRef idx="minor">
+            <a:schemeClr val="lt1"/>
+          </a:fontRef>
+        </p:style>
+        <p:txBody>
+          <a:bodyPr rtlCol="0" anchor="ctr"/>
+          <a:lstStyle/>
+          <a:p>
+            <a:pPr algn="ctr"/>
+            <a:endParaRPr lang="en-US"/>
+          </a:p>
+        </p:txBody>
+      </p:sp>
+      <mc:AlternateContent xmlns:mc="http://schemas.openxmlformats.org/markup-compatibility/2006" xmlns:a14="http://schemas.microsoft.com/office/drawing/2010/main">
+        <mc:Choice Requires="a14">
+          <p:sp>
+            <p:nvSpPr>
+              <p:cNvPr id="10" name="TextBox 9">
+                <a:extLst>
+                  <a:ext uri="{FF2B5EF4-FFF2-40B4-BE49-F238E27FC236}">
+                    <a16:creationId xmlns:a16="http://schemas.microsoft.com/office/drawing/2014/main" id="{665668FD-FE59-68CA-6CA8-9353DDB32AA6}"/>
+                  </a:ext>
+                </a:extLst>
+              </p:cNvPr>
+              <p:cNvSpPr txBox="1"/>
+              <p:nvPr/>
+            </p:nvSpPr>
+            <p:spPr>
+              <a:xfrm>
+                <a:off x="8280556" y="1510145"/>
+                <a:ext cx="1227676" cy="523220"/>
+              </a:xfrm>
+              <a:prstGeom prst="rect">
+                <a:avLst/>
+              </a:prstGeom>
+              <a:noFill/>
+            </p:spPr>
+            <p:txBody>
+              <a:bodyPr wrap="square" rtlCol="0">
+                <a:spAutoFit/>
+              </a:bodyPr>
+              <a:lstStyle/>
+              <a:p>
+                <a:pPr/>
+                <a14:m>
+                  <m:oMathPara xmlns:m="http://schemas.openxmlformats.org/officeDocument/2006/math">
+                    <m:oMathParaPr>
+                      <m:jc m:val="centerGroup"/>
+                    </m:oMathParaPr>
+                    <m:oMath xmlns:m="http://schemas.openxmlformats.org/officeDocument/2006/math">
+                      <m:r>
+                        <a:rPr lang="en-US" sz="2800" b="1" i="1" smtClean="0">
+                          <a:solidFill>
+                            <a:schemeClr val="accent2">
+                              <a:lumMod val="75000"/>
+                            </a:schemeClr>
+                          </a:solidFill>
+                          <a:latin typeface="Cambria Math" panose="02040503050406030204" pitchFamily="18" charset="0"/>
+                        </a:rPr>
+                        <m:t>𝑪</m:t>
+                      </m:r>
+                      <m:r>
+                        <a:rPr lang="en-US" sz="2800" b="1" i="1" smtClean="0">
+                          <a:solidFill>
+                            <a:schemeClr val="accent2">
+                              <a:lumMod val="75000"/>
+                            </a:schemeClr>
+                          </a:solidFill>
+                          <a:latin typeface="Cambria Math" panose="02040503050406030204" pitchFamily="18" charset="0"/>
+                        </a:rPr>
+                        <m:t>(</m:t>
+                      </m:r>
+                      <m:r>
+                        <a:rPr lang="en-US" sz="2800" b="1" i="1" smtClean="0">
+                          <a:solidFill>
+                            <a:schemeClr val="accent2">
+                              <a:lumMod val="75000"/>
+                            </a:schemeClr>
+                          </a:solidFill>
+                          <a:latin typeface="Cambria Math" panose="02040503050406030204" pitchFamily="18" charset="0"/>
+                        </a:rPr>
+                        <m:t>𝑸</m:t>
+                      </m:r>
+                      <m:r>
+                        <a:rPr lang="en-US" sz="2800" b="1" i="1" smtClean="0">
+                          <a:solidFill>
+                            <a:schemeClr val="accent2">
+                              <a:lumMod val="75000"/>
+                            </a:schemeClr>
+                          </a:solidFill>
+                          <a:latin typeface="Cambria Math" panose="02040503050406030204" pitchFamily="18" charset="0"/>
+                        </a:rPr>
+                        <m:t>)</m:t>
+                      </m:r>
+                    </m:oMath>
+                  </m:oMathPara>
+                </a14:m>
+                <a:endParaRPr lang="en-US" sz="2800" b="1" dirty="0">
+                  <a:solidFill>
+                    <a:schemeClr val="accent2">
+                      <a:lumMod val="75000"/>
+                    </a:schemeClr>
+                  </a:solidFill>
+                </a:endParaRPr>
+              </a:p>
+            </p:txBody>
+          </p:sp>
+        </mc:Choice>
+        <mc:Fallback xmlns="">
+          <p:sp>
+            <p:nvSpPr>
+              <p:cNvPr id="10" name="TextBox 9">
+                <a:extLst>
+                  <a:ext uri="{FF2B5EF4-FFF2-40B4-BE49-F238E27FC236}">
+                    <a16:creationId xmlns:a16="http://schemas.microsoft.com/office/drawing/2014/main" id="{665668FD-FE59-68CA-6CA8-9353DDB32AA6}"/>
+                  </a:ext>
+                </a:extLst>
+              </p:cNvPr>
+              <p:cNvSpPr txBox="1">
+                <a:spLocks noRot="1" noChangeAspect="1" noMove="1" noResize="1" noEditPoints="1" noAdjustHandles="1" noChangeArrowheads="1" noChangeShapeType="1" noTextEdit="1"/>
+              </p:cNvSpPr>
+              <p:nvPr/>
+            </p:nvSpPr>
+            <p:spPr>
+              <a:xfrm>
+                <a:off x="8280556" y="1510145"/>
+                <a:ext cx="1227676" cy="523220"/>
+              </a:xfrm>
+              <a:prstGeom prst="rect">
+                <a:avLst/>
+              </a:prstGeom>
+              <a:blipFill>
+                <a:blip r:embed="rId5"/>
+                <a:stretch>
+                  <a:fillRect/>
+                </a:stretch>
+              </a:blipFill>
+            </p:spPr>
+            <p:txBody>
+              <a:bodyPr/>
+              <a:lstStyle/>
+              <a:p>
+                <a:r>
+                  <a:rPr lang="en-US">
+                    <a:noFill/>
+                  </a:rPr>
+                  <a:t> </a:t>
+                </a:r>
+              </a:p>
+            </p:txBody>
+          </p:sp>
+        </mc:Fallback>
+      </mc:AlternateContent>
+      <mc:AlternateContent xmlns:mc="http://schemas.openxmlformats.org/markup-compatibility/2006" xmlns:a14="http://schemas.microsoft.com/office/drawing/2010/main">
+        <mc:Choice Requires="a14">
+          <p:sp>
+            <p:nvSpPr>
+              <p:cNvPr id="12" name="TextBox 11">
+                <a:extLst>
+                  <a:ext uri="{FF2B5EF4-FFF2-40B4-BE49-F238E27FC236}">
+                    <a16:creationId xmlns:a16="http://schemas.microsoft.com/office/drawing/2014/main" id="{9B854D20-F125-E41D-6A1A-BC31CE0174E5}"/>
+                  </a:ext>
+                </a:extLst>
+              </p:cNvPr>
+              <p:cNvSpPr txBox="1"/>
+              <p:nvPr/>
+            </p:nvSpPr>
+            <p:spPr>
+              <a:xfrm>
+                <a:off x="1599654" y="4278637"/>
+                <a:ext cx="807396" cy="369332"/>
+              </a:xfrm>
+              <a:prstGeom prst="rect">
+                <a:avLst/>
+              </a:prstGeom>
+              <a:noFill/>
+            </p:spPr>
+            <p:txBody>
+              <a:bodyPr wrap="square" rtlCol="0">
+                <a:spAutoFit/>
+              </a:bodyPr>
+              <a:lstStyle/>
+              <a:p>
+                <a:pPr/>
+                <a14:m>
+                  <m:oMathPara xmlns:m="http://schemas.openxmlformats.org/officeDocument/2006/math">
+                    <m:oMathParaPr>
+                      <m:jc m:val="centerGroup"/>
+                    </m:oMathParaPr>
+                    <m:oMath xmlns:m="http://schemas.openxmlformats.org/officeDocument/2006/math">
+                      <m:r>
+                        <a:rPr lang="en-US" b="1" i="1" smtClean="0">
+                          <a:solidFill>
+                            <a:schemeClr val="tx1"/>
+                          </a:solidFill>
+                          <a:latin typeface="Cambria Math" panose="02040503050406030204" pitchFamily="18" charset="0"/>
+                        </a:rPr>
+                        <m:t>𝟏𝟎</m:t>
+                      </m:r>
+                    </m:oMath>
+                  </m:oMathPara>
+                </a14:m>
+                <a:endParaRPr lang="en-US" b="1" dirty="0">
+                  <a:solidFill>
+                    <a:schemeClr val="tx1"/>
+                  </a:solidFill>
+                </a:endParaRPr>
+              </a:p>
+            </p:txBody>
+          </p:sp>
+        </mc:Choice>
+        <mc:Fallback xmlns="">
+          <p:sp>
+            <p:nvSpPr>
+              <p:cNvPr id="12" name="TextBox 11">
+                <a:extLst>
+                  <a:ext uri="{FF2B5EF4-FFF2-40B4-BE49-F238E27FC236}">
+                    <a16:creationId xmlns:a16="http://schemas.microsoft.com/office/drawing/2014/main" id="{9B854D20-F125-E41D-6A1A-BC31CE0174E5}"/>
+                  </a:ext>
+                </a:extLst>
+              </p:cNvPr>
+              <p:cNvSpPr txBox="1">
+                <a:spLocks noRot="1" noChangeAspect="1" noMove="1" noResize="1" noEditPoints="1" noAdjustHandles="1" noChangeArrowheads="1" noChangeShapeType="1" noTextEdit="1"/>
+              </p:cNvSpPr>
+              <p:nvPr/>
+            </p:nvSpPr>
+            <p:spPr>
+              <a:xfrm>
+                <a:off x="1599654" y="4278637"/>
+                <a:ext cx="807396" cy="369332"/>
+              </a:xfrm>
+              <a:prstGeom prst="rect">
+                <a:avLst/>
+              </a:prstGeom>
+              <a:blipFill>
+                <a:blip r:embed="rId6"/>
+                <a:stretch>
+                  <a:fillRect/>
+                </a:stretch>
+              </a:blipFill>
+            </p:spPr>
+            <p:txBody>
+              <a:bodyPr/>
+              <a:lstStyle/>
+              <a:p>
+                <a:r>
+                  <a:rPr lang="en-US">
+                    <a:noFill/>
+                  </a:rPr>
+                  <a:t> </a:t>
+                </a:r>
+              </a:p>
+            </p:txBody>
+          </p:sp>
+        </mc:Fallback>
+      </mc:AlternateContent>
+    </p:spTree>
+    <p:extLst>
+      <p:ext uri="{BB962C8B-B14F-4D97-AF65-F5344CB8AC3E}">
+        <p14:creationId xmlns:p14="http://schemas.microsoft.com/office/powerpoint/2010/main" val="713786307"/>
+      </p:ext>
+    </p:extLst>
+  </p:cSld>
+  <p:clrMapOvr>
+    <a:masterClrMapping/>
+  </p:clrMapOvr>
+</p:sld>
+</file>
+
+<file path=ppt/slides/slide24.xml><?xml version="1.0" encoding="utf-8"?>
+<p:sld xmlns:a="http://schemas.openxmlformats.org/drawingml/2006/main" xmlns:r="http://schemas.openxmlformats.org/officeDocument/2006/relationships" xmlns:p="http://schemas.openxmlformats.org/presentationml/2006/main">
+  <p:cSld>
+    <p:spTree>
+      <p:nvGrpSpPr>
+        <p:cNvPr id="1" name="">
+          <a:extLst>
+            <a:ext uri="{FF2B5EF4-FFF2-40B4-BE49-F238E27FC236}">
+              <a16:creationId xmlns:a16="http://schemas.microsoft.com/office/drawing/2014/main" id="{00FFDB3D-ACE8-42D5-9AFF-2E172FD9CC43}"/>
+            </a:ext>
+          </a:extLst>
+        </p:cNvPr>
+        <p:cNvGrpSpPr/>
+        <p:nvPr/>
+      </p:nvGrpSpPr>
+      <p:grpSpPr>
+        <a:xfrm>
+          <a:off x="0" y="0"/>
+          <a:ext cx="0" cy="0"/>
+          <a:chOff x="0" y="0"/>
+          <a:chExt cx="0" cy="0"/>
+        </a:xfrm>
+      </p:grpSpPr>
+      <mc:AlternateContent xmlns:mc="http://schemas.openxmlformats.org/markup-compatibility/2006" xmlns:a14="http://schemas.microsoft.com/office/drawing/2010/main">
+        <mc:Choice Requires="a14">
+          <p:sp>
+            <p:nvSpPr>
+              <p:cNvPr id="2" name="TextBox 1">
+                <a:extLst>
+                  <a:ext uri="{FF2B5EF4-FFF2-40B4-BE49-F238E27FC236}">
+                    <a16:creationId xmlns:a16="http://schemas.microsoft.com/office/drawing/2014/main" id="{C5FC9124-0B1E-B02C-ED71-1628206848BE}"/>
+                  </a:ext>
+                </a:extLst>
+              </p:cNvPr>
+              <p:cNvSpPr txBox="1"/>
+              <p:nvPr/>
+            </p:nvSpPr>
+            <p:spPr>
+              <a:xfrm>
+                <a:off x="9691147" y="6011440"/>
+                <a:ext cx="807396" cy="369332"/>
+              </a:xfrm>
+              <a:prstGeom prst="rect">
+                <a:avLst/>
+              </a:prstGeom>
+              <a:noFill/>
+            </p:spPr>
+            <p:txBody>
+              <a:bodyPr wrap="square" rtlCol="0">
+                <a:spAutoFit/>
+              </a:bodyPr>
+              <a:lstStyle/>
+              <a:p>
+                <a:pPr/>
+                <a14:m>
+                  <m:oMathPara xmlns:m="http://schemas.openxmlformats.org/officeDocument/2006/math">
+                    <m:oMathParaPr>
+                      <m:jc m:val="centerGroup"/>
+                    </m:oMathParaPr>
+                    <m:oMath xmlns:m="http://schemas.openxmlformats.org/officeDocument/2006/math">
+                      <m:r>
+                        <a:rPr lang="en-US" b="1" i="1" smtClean="0">
+                          <a:solidFill>
+                            <a:schemeClr val="tx1"/>
+                          </a:solidFill>
+                          <a:latin typeface="Cambria Math" panose="02040503050406030204" pitchFamily="18" charset="0"/>
+                        </a:rPr>
+                        <m:t>𝑸</m:t>
+                      </m:r>
+                    </m:oMath>
+                  </m:oMathPara>
+                </a14:m>
+                <a:endParaRPr lang="en-US" b="1" dirty="0">
+                  <a:solidFill>
+                    <a:schemeClr val="tx1"/>
+                  </a:solidFill>
+                </a:endParaRPr>
+              </a:p>
+            </p:txBody>
+          </p:sp>
+        </mc:Choice>
+        <mc:Fallback xmlns="">
+          <p:sp>
+            <p:nvSpPr>
+              <p:cNvPr id="2" name="TextBox 1">
+                <a:extLst>
+                  <a:ext uri="{FF2B5EF4-FFF2-40B4-BE49-F238E27FC236}">
+                    <a16:creationId xmlns:a16="http://schemas.microsoft.com/office/drawing/2014/main" id="{C5FC9124-0B1E-B02C-ED71-1628206848BE}"/>
+                  </a:ext>
+                </a:extLst>
+              </p:cNvPr>
+              <p:cNvSpPr txBox="1">
+                <a:spLocks noRot="1" noChangeAspect="1" noMove="1" noResize="1" noEditPoints="1" noAdjustHandles="1" noChangeArrowheads="1" noChangeShapeType="1" noTextEdit="1"/>
+              </p:cNvSpPr>
+              <p:nvPr/>
+            </p:nvSpPr>
+            <p:spPr>
+              <a:xfrm>
+                <a:off x="9691147" y="6011440"/>
+                <a:ext cx="807396" cy="369332"/>
+              </a:xfrm>
+              <a:prstGeom prst="rect">
+                <a:avLst/>
+              </a:prstGeom>
+              <a:blipFill>
+                <a:blip r:embed="rId2"/>
+                <a:stretch>
+                  <a:fillRect b="-9836"/>
+                </a:stretch>
+              </a:blipFill>
+            </p:spPr>
+            <p:txBody>
+              <a:bodyPr/>
+              <a:lstStyle/>
+              <a:p>
+                <a:r>
+                  <a:rPr lang="en-US">
+                    <a:noFill/>
+                  </a:rPr>
+                  <a:t> </a:t>
+                </a:r>
+              </a:p>
+            </p:txBody>
+          </p:sp>
+        </mc:Fallback>
+      </mc:AlternateContent>
+      <mc:AlternateContent xmlns:mc="http://schemas.openxmlformats.org/markup-compatibility/2006" xmlns:a14="http://schemas.microsoft.com/office/drawing/2010/main">
+        <mc:Choice Requires="a14">
+          <p:sp>
+            <p:nvSpPr>
+              <p:cNvPr id="3" name="TextBox 2">
+                <a:extLst>
+                  <a:ext uri="{FF2B5EF4-FFF2-40B4-BE49-F238E27FC236}">
+                    <a16:creationId xmlns:a16="http://schemas.microsoft.com/office/drawing/2014/main" id="{CA68114F-CD7E-68DD-5C1D-69F832B1A263}"/>
+                  </a:ext>
+                </a:extLst>
+              </p:cNvPr>
+              <p:cNvSpPr txBox="1"/>
+              <p:nvPr/>
+            </p:nvSpPr>
+            <p:spPr>
+              <a:xfrm>
+                <a:off x="1370284" y="425673"/>
+                <a:ext cx="807396" cy="369332"/>
+              </a:xfrm>
+              <a:prstGeom prst="rect">
+                <a:avLst/>
+              </a:prstGeom>
+              <a:noFill/>
+            </p:spPr>
+            <p:txBody>
+              <a:bodyPr wrap="square" rtlCol="0">
+                <a:spAutoFit/>
+              </a:bodyPr>
+              <a:lstStyle/>
+              <a:p>
+                <a:pPr/>
+                <a14:m>
+                  <m:oMathPara xmlns:m="http://schemas.openxmlformats.org/officeDocument/2006/math">
+                    <m:oMathParaPr>
+                      <m:jc m:val="centerGroup"/>
+                    </m:oMathParaPr>
+                    <m:oMath xmlns:m="http://schemas.openxmlformats.org/officeDocument/2006/math">
+                      <m:r>
+                        <a:rPr lang="en-US" b="1" i="1" smtClean="0">
+                          <a:solidFill>
+                            <a:schemeClr val="tx1"/>
+                          </a:solidFill>
+                          <a:latin typeface="Cambria Math" panose="02040503050406030204" pitchFamily="18" charset="0"/>
+                        </a:rPr>
+                        <m:t>𝑪𝒐𝒔𝒕𝒔</m:t>
+                      </m:r>
+                    </m:oMath>
+                  </m:oMathPara>
+                </a14:m>
+                <a:endParaRPr lang="en-US" b="1" dirty="0">
+                  <a:solidFill>
+                    <a:schemeClr val="tx1"/>
+                  </a:solidFill>
+                </a:endParaRPr>
+              </a:p>
+            </p:txBody>
+          </p:sp>
+        </mc:Choice>
+        <mc:Fallback xmlns="">
+          <p:sp>
+            <p:nvSpPr>
+              <p:cNvPr id="3" name="TextBox 2">
+                <a:extLst>
+                  <a:ext uri="{FF2B5EF4-FFF2-40B4-BE49-F238E27FC236}">
+                    <a16:creationId xmlns:a16="http://schemas.microsoft.com/office/drawing/2014/main" id="{CA68114F-CD7E-68DD-5C1D-69F832B1A263}"/>
+                  </a:ext>
+                </a:extLst>
+              </p:cNvPr>
+              <p:cNvSpPr txBox="1">
+                <a:spLocks noRot="1" noChangeAspect="1" noMove="1" noResize="1" noEditPoints="1" noAdjustHandles="1" noChangeArrowheads="1" noChangeShapeType="1" noTextEdit="1"/>
+              </p:cNvSpPr>
+              <p:nvPr/>
+            </p:nvSpPr>
+            <p:spPr>
+              <a:xfrm>
+                <a:off x="1370284" y="425673"/>
+                <a:ext cx="807396" cy="369332"/>
+              </a:xfrm>
+              <a:prstGeom prst="rect">
+                <a:avLst/>
+              </a:prstGeom>
+              <a:blipFill>
+                <a:blip r:embed="rId3"/>
+                <a:stretch>
+                  <a:fillRect/>
+                </a:stretch>
+              </a:blipFill>
+            </p:spPr>
+            <p:txBody>
+              <a:bodyPr/>
+              <a:lstStyle/>
+              <a:p>
+                <a:r>
+                  <a:rPr lang="en-US">
+                    <a:noFill/>
+                  </a:rPr>
+                  <a:t> </a:t>
+                </a:r>
+              </a:p>
+            </p:txBody>
+          </p:sp>
+        </mc:Fallback>
+      </mc:AlternateContent>
+      <p:sp>
+        <p:nvSpPr>
+          <p:cNvPr id="4" name="Freeform: Shape 3">
+            <a:extLst>
+              <a:ext uri="{FF2B5EF4-FFF2-40B4-BE49-F238E27FC236}">
+                <a16:creationId xmlns:a16="http://schemas.microsoft.com/office/drawing/2014/main" id="{C6BF0B4D-8D74-7176-B24A-DB00B399D10A}"/>
+              </a:ext>
+            </a:extLst>
+          </p:cNvPr>
+          <p:cNvSpPr/>
+          <p:nvPr/>
+        </p:nvSpPr>
+        <p:spPr>
+          <a:xfrm>
+            <a:off x="2295193" y="610339"/>
+            <a:ext cx="7601613" cy="5637321"/>
+          </a:xfrm>
+          <a:custGeom>
+            <a:avLst/>
+            <a:gdLst>
+              <a:gd name="connsiteX0" fmla="*/ 0 w 10227076"/>
+              <a:gd name="connsiteY0" fmla="*/ 0 h 5637321"/>
+              <a:gd name="connsiteX1" fmla="*/ 35511 w 10227076"/>
+              <a:gd name="connsiteY1" fmla="*/ 5637321 h 5637321"/>
+              <a:gd name="connsiteX2" fmla="*/ 10227076 w 10227076"/>
+              <a:gd name="connsiteY2" fmla="*/ 5584055 h 5637321"/>
+            </a:gdLst>
+            <a:ahLst/>
+            <a:cxnLst>
+              <a:cxn ang="0">
+                <a:pos x="connsiteX0" y="connsiteY0"/>
+              </a:cxn>
+              <a:cxn ang="0">
+                <a:pos x="connsiteX1" y="connsiteY1"/>
+              </a:cxn>
+              <a:cxn ang="0">
+                <a:pos x="connsiteX2" y="connsiteY2"/>
+              </a:cxn>
+            </a:cxnLst>
+            <a:rect l="l" t="t" r="r" b="b"/>
+            <a:pathLst>
+              <a:path w="10227076" h="5637321">
+                <a:moveTo>
+                  <a:pt x="0" y="0"/>
+                </a:moveTo>
+                <a:lnTo>
+                  <a:pt x="35511" y="5637321"/>
+                </a:lnTo>
+                <a:lnTo>
+                  <a:pt x="10227076" y="5584055"/>
+                </a:lnTo>
+              </a:path>
+            </a:pathLst>
+          </a:custGeom>
+          <a:ln w="57150"/>
+        </p:spPr>
+        <p:style>
+          <a:lnRef idx="3">
+            <a:schemeClr val="dk1"/>
+          </a:lnRef>
+          <a:fillRef idx="0">
+            <a:schemeClr val="dk1"/>
+          </a:fillRef>
+          <a:effectRef idx="2">
+            <a:schemeClr val="dk1"/>
+          </a:effectRef>
+          <a:fontRef idx="minor">
+            <a:schemeClr val="tx1"/>
+          </a:fontRef>
+        </p:style>
+        <p:txBody>
+          <a:bodyPr rtlCol="0" anchor="ctr"/>
+          <a:lstStyle/>
+          <a:p>
+            <a:pPr algn="ctr"/>
+            <a:endParaRPr lang="en-US"/>
+          </a:p>
+        </p:txBody>
+      </p:sp>
+      <mc:AlternateContent xmlns:mc="http://schemas.openxmlformats.org/markup-compatibility/2006" xmlns:a14="http://schemas.microsoft.com/office/drawing/2010/main">
+        <mc:Choice Requires="a14">
+          <p:sp>
+            <p:nvSpPr>
+              <p:cNvPr id="12" name="TextBox 11">
+                <a:extLst>
+                  <a:ext uri="{FF2B5EF4-FFF2-40B4-BE49-F238E27FC236}">
+                    <a16:creationId xmlns:a16="http://schemas.microsoft.com/office/drawing/2014/main" id="{350B56AA-7EC7-C56E-2BCD-B0C2720534A5}"/>
+                  </a:ext>
+                </a:extLst>
+              </p:cNvPr>
+              <p:cNvSpPr txBox="1"/>
+              <p:nvPr/>
+            </p:nvSpPr>
+            <p:spPr>
+              <a:xfrm>
+                <a:off x="1599654" y="4278637"/>
+                <a:ext cx="807396" cy="369332"/>
+              </a:xfrm>
+              <a:prstGeom prst="rect">
+                <a:avLst/>
+              </a:prstGeom>
+              <a:noFill/>
+            </p:spPr>
+            <p:txBody>
+              <a:bodyPr wrap="square" rtlCol="0">
+                <a:spAutoFit/>
+              </a:bodyPr>
+              <a:lstStyle/>
+              <a:p>
+                <a:pPr/>
+                <a14:m>
+                  <m:oMathPara xmlns:m="http://schemas.openxmlformats.org/officeDocument/2006/math">
+                    <m:oMathParaPr>
+                      <m:jc m:val="centerGroup"/>
+                    </m:oMathParaPr>
+                    <m:oMath xmlns:m="http://schemas.openxmlformats.org/officeDocument/2006/math">
+                      <m:r>
+                        <a:rPr lang="en-US" b="1" i="1" smtClean="0">
+                          <a:solidFill>
+                            <a:schemeClr val="tx1"/>
+                          </a:solidFill>
+                          <a:latin typeface="Cambria Math" panose="02040503050406030204" pitchFamily="18" charset="0"/>
+                        </a:rPr>
+                        <m:t>𝟏𝟐</m:t>
+                      </m:r>
+                    </m:oMath>
+                  </m:oMathPara>
+                </a14:m>
+                <a:endParaRPr lang="en-US" b="1" dirty="0">
+                  <a:solidFill>
+                    <a:schemeClr val="tx1"/>
+                  </a:solidFill>
+                </a:endParaRPr>
+              </a:p>
+            </p:txBody>
+          </p:sp>
+        </mc:Choice>
+        <mc:Fallback xmlns="">
+          <p:sp>
+            <p:nvSpPr>
+              <p:cNvPr id="12" name="TextBox 11">
+                <a:extLst>
+                  <a:ext uri="{FF2B5EF4-FFF2-40B4-BE49-F238E27FC236}">
+                    <a16:creationId xmlns:a16="http://schemas.microsoft.com/office/drawing/2014/main" id="{350B56AA-7EC7-C56E-2BCD-B0C2720534A5}"/>
+                  </a:ext>
+                </a:extLst>
+              </p:cNvPr>
+              <p:cNvSpPr txBox="1">
+                <a:spLocks noRot="1" noChangeAspect="1" noMove="1" noResize="1" noEditPoints="1" noAdjustHandles="1" noChangeArrowheads="1" noChangeShapeType="1" noTextEdit="1"/>
+              </p:cNvSpPr>
+              <p:nvPr/>
+            </p:nvSpPr>
+            <p:spPr>
+              <a:xfrm>
+                <a:off x="1599654" y="4278637"/>
+                <a:ext cx="807396" cy="369332"/>
+              </a:xfrm>
+              <a:prstGeom prst="rect">
+                <a:avLst/>
+              </a:prstGeom>
+              <a:blipFill>
+                <a:blip r:embed="rId4"/>
+                <a:stretch>
+                  <a:fillRect/>
+                </a:stretch>
+              </a:blipFill>
+            </p:spPr>
+            <p:txBody>
+              <a:bodyPr/>
+              <a:lstStyle/>
+              <a:p>
+                <a:r>
+                  <a:rPr lang="en-US">
+                    <a:noFill/>
+                  </a:rPr>
+                  <a:t> </a:t>
+                </a:r>
+              </a:p>
+            </p:txBody>
+          </p:sp>
+        </mc:Fallback>
+      </mc:AlternateContent>
+      <p:sp>
+        <p:nvSpPr>
+          <p:cNvPr id="8" name="Freeform: Shape 7">
+            <a:extLst>
+              <a:ext uri="{FF2B5EF4-FFF2-40B4-BE49-F238E27FC236}">
+                <a16:creationId xmlns:a16="http://schemas.microsoft.com/office/drawing/2014/main" id="{05EE028A-6EF6-B542-59A0-42655CBD8DC2}"/>
+              </a:ext>
+            </a:extLst>
+          </p:cNvPr>
+          <p:cNvSpPr/>
+          <p:nvPr/>
+        </p:nvSpPr>
+        <p:spPr>
+          <a:xfrm>
+            <a:off x="2334491" y="1579418"/>
+            <a:ext cx="6421582" cy="2916382"/>
+          </a:xfrm>
+          <a:custGeom>
+            <a:avLst/>
+            <a:gdLst>
+              <a:gd name="connsiteX0" fmla="*/ 0 w 6421582"/>
+              <a:gd name="connsiteY0" fmla="*/ 2916382 h 2916382"/>
+              <a:gd name="connsiteX1" fmla="*/ 2382982 w 6421582"/>
+              <a:gd name="connsiteY1" fmla="*/ 2029691 h 2916382"/>
+              <a:gd name="connsiteX2" fmla="*/ 4585854 w 6421582"/>
+              <a:gd name="connsiteY2" fmla="*/ 2209800 h 2916382"/>
+              <a:gd name="connsiteX3" fmla="*/ 6421582 w 6421582"/>
+              <a:gd name="connsiteY3" fmla="*/ 0 h 2916382"/>
+            </a:gdLst>
+            <a:ahLst/>
+            <a:cxnLst>
+              <a:cxn ang="0">
+                <a:pos x="connsiteX0" y="connsiteY0"/>
+              </a:cxn>
+              <a:cxn ang="0">
+                <a:pos x="connsiteX1" y="connsiteY1"/>
+              </a:cxn>
+              <a:cxn ang="0">
+                <a:pos x="connsiteX2" y="connsiteY2"/>
+              </a:cxn>
+              <a:cxn ang="0">
+                <a:pos x="connsiteX3" y="connsiteY3"/>
+              </a:cxn>
+            </a:cxnLst>
+            <a:rect l="l" t="t" r="r" b="b"/>
+            <a:pathLst>
+              <a:path w="6421582" h="2916382">
+                <a:moveTo>
+                  <a:pt x="0" y="2916382"/>
+                </a:moveTo>
+                <a:cubicBezTo>
+                  <a:pt x="809336" y="2531918"/>
+                  <a:pt x="1618673" y="2147455"/>
+                  <a:pt x="2382982" y="2029691"/>
+                </a:cubicBezTo>
+                <a:cubicBezTo>
+                  <a:pt x="3147291" y="1911927"/>
+                  <a:pt x="3912754" y="2548082"/>
+                  <a:pt x="4585854" y="2209800"/>
+                </a:cubicBezTo>
+                <a:cubicBezTo>
+                  <a:pt x="5258954" y="1871518"/>
+                  <a:pt x="5840268" y="935759"/>
+                  <a:pt x="6421582" y="0"/>
+                </a:cubicBezTo>
+              </a:path>
+            </a:pathLst>
+          </a:custGeom>
+          <a:noFill/>
+          <a:ln w="57150">
+            <a:solidFill>
+              <a:schemeClr val="accent2">
+                <a:lumMod val="75000"/>
+              </a:schemeClr>
+            </a:solidFill>
+          </a:ln>
+        </p:spPr>
+        <p:style>
+          <a:lnRef idx="2">
+            <a:schemeClr val="accent1">
+              <a:shade val="15000"/>
+            </a:schemeClr>
+          </a:lnRef>
+          <a:fillRef idx="1">
+            <a:schemeClr val="accent1"/>
+          </a:fillRef>
+          <a:effectRef idx="0">
+            <a:schemeClr val="accent1"/>
+          </a:effectRef>
+          <a:fontRef idx="minor">
+            <a:schemeClr val="lt1"/>
+          </a:fontRef>
+        </p:style>
+        <p:txBody>
+          <a:bodyPr rtlCol="0" anchor="ctr"/>
+          <a:lstStyle/>
+          <a:p>
+            <a:pPr algn="ctr"/>
+            <a:endParaRPr lang="en-US"/>
+          </a:p>
+        </p:txBody>
+      </p:sp>
+      <mc:AlternateContent xmlns:mc="http://schemas.openxmlformats.org/markup-compatibility/2006" xmlns:a14="http://schemas.microsoft.com/office/drawing/2010/main">
+        <mc:Choice Requires="a14">
+          <p:sp>
+            <p:nvSpPr>
+              <p:cNvPr id="11" name="TextBox 10">
+                <a:extLst>
+                  <a:ext uri="{FF2B5EF4-FFF2-40B4-BE49-F238E27FC236}">
+                    <a16:creationId xmlns:a16="http://schemas.microsoft.com/office/drawing/2014/main" id="{7D8CA647-1D47-76D7-C43D-E31020535C19}"/>
+                  </a:ext>
+                </a:extLst>
+              </p:cNvPr>
+              <p:cNvSpPr txBox="1"/>
+              <p:nvPr/>
+            </p:nvSpPr>
+            <p:spPr>
+              <a:xfrm>
+                <a:off x="8653367" y="1317808"/>
+                <a:ext cx="1227676" cy="523220"/>
+              </a:xfrm>
+              <a:prstGeom prst="rect">
+                <a:avLst/>
+              </a:prstGeom>
+              <a:noFill/>
+            </p:spPr>
+            <p:txBody>
+              <a:bodyPr wrap="square" rtlCol="0">
+                <a:spAutoFit/>
+              </a:bodyPr>
+              <a:lstStyle/>
+              <a:p>
+                <a:pPr/>
+                <a14:m>
+                  <m:oMathPara xmlns:m="http://schemas.openxmlformats.org/officeDocument/2006/math">
+                    <m:oMathParaPr>
+                      <m:jc m:val="centerGroup"/>
+                    </m:oMathParaPr>
+                    <m:oMath xmlns:m="http://schemas.openxmlformats.org/officeDocument/2006/math">
+                      <m:r>
+                        <a:rPr lang="en-US" sz="2800" b="1" i="1" smtClean="0">
+                          <a:solidFill>
+                            <a:schemeClr val="accent2">
+                              <a:lumMod val="75000"/>
+                            </a:schemeClr>
+                          </a:solidFill>
+                          <a:latin typeface="Cambria Math" panose="02040503050406030204" pitchFamily="18" charset="0"/>
+                        </a:rPr>
+                        <m:t>𝑪</m:t>
+                      </m:r>
+                      <m:r>
+                        <a:rPr lang="en-US" sz="2800" b="1" i="1" smtClean="0">
+                          <a:solidFill>
+                            <a:schemeClr val="accent2">
+                              <a:lumMod val="75000"/>
+                            </a:schemeClr>
+                          </a:solidFill>
+                          <a:latin typeface="Cambria Math" panose="02040503050406030204" pitchFamily="18" charset="0"/>
+                        </a:rPr>
+                        <m:t>(</m:t>
+                      </m:r>
+                      <m:r>
+                        <a:rPr lang="en-US" sz="2800" b="1" i="1" smtClean="0">
+                          <a:solidFill>
+                            <a:schemeClr val="accent2">
+                              <a:lumMod val="75000"/>
+                            </a:schemeClr>
+                          </a:solidFill>
+                          <a:latin typeface="Cambria Math" panose="02040503050406030204" pitchFamily="18" charset="0"/>
+                        </a:rPr>
+                        <m:t>𝑸</m:t>
+                      </m:r>
+                      <m:r>
+                        <a:rPr lang="en-US" sz="2800" b="1" i="1" smtClean="0">
+                          <a:solidFill>
+                            <a:schemeClr val="accent2">
+                              <a:lumMod val="75000"/>
+                            </a:schemeClr>
+                          </a:solidFill>
+                          <a:latin typeface="Cambria Math" panose="02040503050406030204" pitchFamily="18" charset="0"/>
+                        </a:rPr>
+                        <m:t>)</m:t>
+                      </m:r>
+                    </m:oMath>
+                  </m:oMathPara>
+                </a14:m>
+                <a:endParaRPr lang="en-US" sz="2800" b="1" dirty="0">
+                  <a:solidFill>
+                    <a:schemeClr val="accent2">
+                      <a:lumMod val="75000"/>
+                    </a:schemeClr>
+                  </a:solidFill>
+                </a:endParaRPr>
+              </a:p>
+            </p:txBody>
+          </p:sp>
+        </mc:Choice>
+        <mc:Fallback xmlns="">
+          <p:sp>
+            <p:nvSpPr>
+              <p:cNvPr id="11" name="TextBox 10">
+                <a:extLst>
+                  <a:ext uri="{FF2B5EF4-FFF2-40B4-BE49-F238E27FC236}">
+                    <a16:creationId xmlns:a16="http://schemas.microsoft.com/office/drawing/2014/main" id="{7D8CA647-1D47-76D7-C43D-E31020535C19}"/>
+                  </a:ext>
+                </a:extLst>
+              </p:cNvPr>
+              <p:cNvSpPr txBox="1">
+                <a:spLocks noRot="1" noChangeAspect="1" noMove="1" noResize="1" noEditPoints="1" noAdjustHandles="1" noChangeArrowheads="1" noChangeShapeType="1" noTextEdit="1"/>
+              </p:cNvSpPr>
+              <p:nvPr/>
+            </p:nvSpPr>
+            <p:spPr>
+              <a:xfrm>
+                <a:off x="8653367" y="1317808"/>
+                <a:ext cx="1227676" cy="523220"/>
+              </a:xfrm>
+              <a:prstGeom prst="rect">
+                <a:avLst/>
+              </a:prstGeom>
+              <a:blipFill>
+                <a:blip r:embed="rId5"/>
+                <a:stretch>
+                  <a:fillRect/>
+                </a:stretch>
+              </a:blipFill>
+            </p:spPr>
+            <p:txBody>
+              <a:bodyPr/>
+              <a:lstStyle/>
+              <a:p>
+                <a:r>
+                  <a:rPr lang="en-US">
+                    <a:noFill/>
+                  </a:rPr>
+                  <a:t> </a:t>
+                </a:r>
+              </a:p>
+            </p:txBody>
+          </p:sp>
+        </mc:Fallback>
+      </mc:AlternateContent>
+      <p:sp>
+        <p:nvSpPr>
+          <p:cNvPr id="14" name="Freeform: Shape 13">
+            <a:extLst>
+              <a:ext uri="{FF2B5EF4-FFF2-40B4-BE49-F238E27FC236}">
+                <a16:creationId xmlns:a16="http://schemas.microsoft.com/office/drawing/2014/main" id="{78C42425-A42A-A4CB-A92F-DDF57D8D0826}"/>
+              </a:ext>
+            </a:extLst>
+          </p:cNvPr>
+          <p:cNvSpPr/>
+          <p:nvPr/>
+        </p:nvSpPr>
+        <p:spPr>
+          <a:xfrm>
+            <a:off x="2341418" y="2957945"/>
+            <a:ext cx="6359237" cy="3113576"/>
+          </a:xfrm>
+          <a:custGeom>
+            <a:avLst/>
+            <a:gdLst>
+              <a:gd name="connsiteX0" fmla="*/ 0 w 6359237"/>
+              <a:gd name="connsiteY0" fmla="*/ 2729346 h 3113576"/>
+              <a:gd name="connsiteX1" fmla="*/ 3927764 w 6359237"/>
+              <a:gd name="connsiteY1" fmla="*/ 2881746 h 3113576"/>
+              <a:gd name="connsiteX2" fmla="*/ 6359237 w 6359237"/>
+              <a:gd name="connsiteY2" fmla="*/ 0 h 3113576"/>
+            </a:gdLst>
+            <a:ahLst/>
+            <a:cxnLst>
+              <a:cxn ang="0">
+                <a:pos x="connsiteX0" y="connsiteY0"/>
+              </a:cxn>
+              <a:cxn ang="0">
+                <a:pos x="connsiteX1" y="connsiteY1"/>
+              </a:cxn>
+              <a:cxn ang="0">
+                <a:pos x="connsiteX2" y="connsiteY2"/>
+              </a:cxn>
+            </a:cxnLst>
+            <a:rect l="l" t="t" r="r" b="b"/>
+            <a:pathLst>
+              <a:path w="6359237" h="3113576">
+                <a:moveTo>
+                  <a:pt x="0" y="2729346"/>
+                </a:moveTo>
+                <a:cubicBezTo>
+                  <a:pt x="1433945" y="3032991"/>
+                  <a:pt x="2867891" y="3336637"/>
+                  <a:pt x="3927764" y="2881746"/>
+                </a:cubicBezTo>
+                <a:cubicBezTo>
+                  <a:pt x="4987637" y="2426855"/>
+                  <a:pt x="5673437" y="1213427"/>
+                  <a:pt x="6359237" y="0"/>
+                </a:cubicBezTo>
+              </a:path>
+            </a:pathLst>
+          </a:custGeom>
+          <a:noFill/>
+          <a:ln w="57150">
+            <a:solidFill>
+              <a:schemeClr val="accent6">
+                <a:lumMod val="60000"/>
+                <a:lumOff val="40000"/>
+              </a:schemeClr>
+            </a:solidFill>
+          </a:ln>
+        </p:spPr>
+        <p:style>
+          <a:lnRef idx="2">
+            <a:schemeClr val="accent1">
+              <a:shade val="15000"/>
+            </a:schemeClr>
+          </a:lnRef>
+          <a:fillRef idx="1">
+            <a:schemeClr val="accent1"/>
+          </a:fillRef>
+          <a:effectRef idx="0">
+            <a:schemeClr val="accent1"/>
+          </a:effectRef>
+          <a:fontRef idx="minor">
+            <a:schemeClr val="lt1"/>
+          </a:fontRef>
+        </p:style>
+        <p:txBody>
+          <a:bodyPr rtlCol="0" anchor="ctr"/>
+          <a:lstStyle/>
+          <a:p>
+            <a:pPr algn="ctr"/>
+            <a:endParaRPr lang="en-US"/>
+          </a:p>
+        </p:txBody>
+      </p:sp>
+      <mc:AlternateContent xmlns:mc="http://schemas.openxmlformats.org/markup-compatibility/2006" xmlns:a14="http://schemas.microsoft.com/office/drawing/2010/main">
+        <mc:Choice Requires="a14">
+          <p:sp>
+            <p:nvSpPr>
+              <p:cNvPr id="15" name="TextBox 14">
+                <a:extLst>
+                  <a:ext uri="{FF2B5EF4-FFF2-40B4-BE49-F238E27FC236}">
+                    <a16:creationId xmlns:a16="http://schemas.microsoft.com/office/drawing/2014/main" id="{22091ACE-DC98-4555-7A6C-49917FFDCCB6}"/>
+                  </a:ext>
+                </a:extLst>
+              </p:cNvPr>
+              <p:cNvSpPr txBox="1"/>
+              <p:nvPr/>
+            </p:nvSpPr>
+            <p:spPr>
+              <a:xfrm>
+                <a:off x="8700655" y="2696335"/>
+                <a:ext cx="1227676" cy="523220"/>
+              </a:xfrm>
+              <a:prstGeom prst="rect">
+                <a:avLst/>
+              </a:prstGeom>
+              <a:noFill/>
+            </p:spPr>
+            <p:txBody>
+              <a:bodyPr wrap="square" rtlCol="0">
+                <a:spAutoFit/>
+              </a:bodyPr>
+              <a:lstStyle/>
+              <a:p>
+                <a:pPr/>
+                <a14:m>
+                  <m:oMathPara xmlns:m="http://schemas.openxmlformats.org/officeDocument/2006/math">
+                    <m:oMathParaPr>
+                      <m:jc m:val="centerGroup"/>
+                    </m:oMathParaPr>
+                    <m:oMath xmlns:m="http://schemas.openxmlformats.org/officeDocument/2006/math">
+                      <m:r>
+                        <a:rPr lang="en-US" sz="2800" b="1" i="1" smtClean="0">
+                          <a:solidFill>
+                            <a:schemeClr val="accent6"/>
+                          </a:solidFill>
+                          <a:latin typeface="Cambria Math" panose="02040503050406030204" pitchFamily="18" charset="0"/>
+                        </a:rPr>
+                        <m:t>𝑴𝑪</m:t>
+                      </m:r>
+                      <m:r>
+                        <a:rPr lang="en-US" sz="2800" b="1" i="1" smtClean="0">
+                          <a:solidFill>
+                            <a:schemeClr val="accent6"/>
+                          </a:solidFill>
+                          <a:latin typeface="Cambria Math" panose="02040503050406030204" pitchFamily="18" charset="0"/>
+                        </a:rPr>
+                        <m:t>(</m:t>
+                      </m:r>
+                      <m:r>
+                        <a:rPr lang="en-US" sz="2800" b="1" i="1" smtClean="0">
+                          <a:solidFill>
+                            <a:schemeClr val="accent6"/>
+                          </a:solidFill>
+                          <a:latin typeface="Cambria Math" panose="02040503050406030204" pitchFamily="18" charset="0"/>
+                        </a:rPr>
+                        <m:t>𝑸</m:t>
+                      </m:r>
+                      <m:r>
+                        <a:rPr lang="en-US" sz="2800" b="1" i="1" smtClean="0">
+                          <a:solidFill>
+                            <a:schemeClr val="accent6"/>
+                          </a:solidFill>
+                          <a:latin typeface="Cambria Math" panose="02040503050406030204" pitchFamily="18" charset="0"/>
+                        </a:rPr>
+                        <m:t>)</m:t>
+                      </m:r>
+                    </m:oMath>
+                  </m:oMathPara>
+                </a14:m>
+                <a:endParaRPr lang="en-US" sz="2800" b="1" dirty="0">
+                  <a:solidFill>
+                    <a:schemeClr val="accent6"/>
+                  </a:solidFill>
+                </a:endParaRPr>
+              </a:p>
+            </p:txBody>
+          </p:sp>
+        </mc:Choice>
+        <mc:Fallback xmlns="">
+          <p:sp>
+            <p:nvSpPr>
+              <p:cNvPr id="15" name="TextBox 14">
+                <a:extLst>
+                  <a:ext uri="{FF2B5EF4-FFF2-40B4-BE49-F238E27FC236}">
+                    <a16:creationId xmlns:a16="http://schemas.microsoft.com/office/drawing/2014/main" id="{22091ACE-DC98-4555-7A6C-49917FFDCCB6}"/>
+                  </a:ext>
+                </a:extLst>
+              </p:cNvPr>
+              <p:cNvSpPr txBox="1">
+                <a:spLocks noRot="1" noChangeAspect="1" noMove="1" noResize="1" noEditPoints="1" noAdjustHandles="1" noChangeArrowheads="1" noChangeShapeType="1" noTextEdit="1"/>
+              </p:cNvSpPr>
+              <p:nvPr/>
+            </p:nvSpPr>
+            <p:spPr>
+              <a:xfrm>
+                <a:off x="8700655" y="2696335"/>
+                <a:ext cx="1227676" cy="523220"/>
+              </a:xfrm>
+              <a:prstGeom prst="rect">
+                <a:avLst/>
+              </a:prstGeom>
+              <a:blipFill>
+                <a:blip r:embed="rId6"/>
+                <a:stretch>
+                  <a:fillRect/>
+                </a:stretch>
+              </a:blipFill>
+            </p:spPr>
+            <p:txBody>
+              <a:bodyPr/>
+              <a:lstStyle/>
+              <a:p>
+                <a:r>
+                  <a:rPr lang="en-US">
+                    <a:noFill/>
+                  </a:rPr>
+                  <a:t> </a:t>
+                </a:r>
+              </a:p>
+            </p:txBody>
+          </p:sp>
+        </mc:Fallback>
+      </mc:AlternateContent>
+      <p:cxnSp>
+        <p:nvCxnSpPr>
+          <p:cNvPr id="17" name="Straight Connector 16">
+            <a:extLst>
+              <a:ext uri="{FF2B5EF4-FFF2-40B4-BE49-F238E27FC236}">
+                <a16:creationId xmlns:a16="http://schemas.microsoft.com/office/drawing/2014/main" id="{8E5FEB1D-25B6-8ECB-A45B-39C053ABB151}"/>
+              </a:ext>
+            </a:extLst>
+          </p:cNvPr>
+          <p:cNvCxnSpPr>
+            <a:cxnSpLocks/>
+          </p:cNvCxnSpPr>
+          <p:nvPr/>
+        </p:nvCxnSpPr>
+        <p:spPr>
+          <a:xfrm flipV="1">
+            <a:off x="5015345" y="3616036"/>
+            <a:ext cx="0" cy="2580070"/>
+          </a:xfrm>
+          <a:prstGeom prst="line">
+            <a:avLst/>
+          </a:prstGeom>
+          <a:ln w="38100">
+            <a:prstDash val="dash"/>
+          </a:ln>
+        </p:spPr>
+        <p:style>
+          <a:lnRef idx="1">
+            <a:schemeClr val="accent1"/>
+          </a:lnRef>
+          <a:fillRef idx="0">
+            <a:schemeClr val="accent1"/>
+          </a:fillRef>
+          <a:effectRef idx="0">
+            <a:schemeClr val="accent1"/>
+          </a:effectRef>
+          <a:fontRef idx="minor">
+            <a:schemeClr val="tx1"/>
+          </a:fontRef>
+        </p:style>
+      </p:cxnSp>
+      <mc:AlternateContent xmlns:mc="http://schemas.openxmlformats.org/markup-compatibility/2006" xmlns:a14="http://schemas.microsoft.com/office/drawing/2010/main">
+        <mc:Choice Requires="a14">
+          <p:sp>
+            <p:nvSpPr>
+              <p:cNvPr id="19" name="TextBox 18">
+                <a:extLst>
+                  <a:ext uri="{FF2B5EF4-FFF2-40B4-BE49-F238E27FC236}">
+                    <a16:creationId xmlns:a16="http://schemas.microsoft.com/office/drawing/2014/main" id="{96CED2AE-0978-96D7-ED28-5F9AA32CE80B}"/>
+                  </a:ext>
+                </a:extLst>
+              </p:cNvPr>
+              <p:cNvSpPr txBox="1"/>
+              <p:nvPr/>
+            </p:nvSpPr>
+            <p:spPr>
+              <a:xfrm>
+                <a:off x="1602170" y="5482587"/>
+                <a:ext cx="807396" cy="369332"/>
+              </a:xfrm>
+              <a:prstGeom prst="rect">
+                <a:avLst/>
+              </a:prstGeom>
+              <a:noFill/>
+            </p:spPr>
+            <p:txBody>
+              <a:bodyPr wrap="square" rtlCol="0">
+                <a:spAutoFit/>
+              </a:bodyPr>
+              <a:lstStyle/>
+              <a:p>
+                <a:pPr/>
+                <a14:m>
+                  <m:oMathPara xmlns:m="http://schemas.openxmlformats.org/officeDocument/2006/math">
+                    <m:oMathParaPr>
+                      <m:jc m:val="centerGroup"/>
+                    </m:oMathParaPr>
+                    <m:oMath xmlns:m="http://schemas.openxmlformats.org/officeDocument/2006/math">
+                      <m:r>
+                        <a:rPr lang="en-US" b="1" i="1" smtClean="0">
+                          <a:solidFill>
+                            <a:schemeClr val="tx1"/>
+                          </a:solidFill>
+                          <a:latin typeface="Cambria Math" panose="02040503050406030204" pitchFamily="18" charset="0"/>
+                        </a:rPr>
+                        <m:t>𝟐</m:t>
+                      </m:r>
+                    </m:oMath>
+                  </m:oMathPara>
+                </a14:m>
+                <a:endParaRPr lang="en-US" b="1" dirty="0">
+                  <a:solidFill>
+                    <a:schemeClr val="tx1"/>
+                  </a:solidFill>
+                </a:endParaRPr>
+              </a:p>
+            </p:txBody>
+          </p:sp>
+        </mc:Choice>
+        <mc:Fallback xmlns="">
+          <p:sp>
+            <p:nvSpPr>
+              <p:cNvPr id="19" name="TextBox 18">
+                <a:extLst>
+                  <a:ext uri="{FF2B5EF4-FFF2-40B4-BE49-F238E27FC236}">
+                    <a16:creationId xmlns:a16="http://schemas.microsoft.com/office/drawing/2014/main" id="{96CED2AE-0978-96D7-ED28-5F9AA32CE80B}"/>
+                  </a:ext>
+                </a:extLst>
+              </p:cNvPr>
+              <p:cNvSpPr txBox="1">
+                <a:spLocks noRot="1" noChangeAspect="1" noMove="1" noResize="1" noEditPoints="1" noAdjustHandles="1" noChangeArrowheads="1" noChangeShapeType="1" noTextEdit="1"/>
+              </p:cNvSpPr>
+              <p:nvPr/>
+            </p:nvSpPr>
+            <p:spPr>
+              <a:xfrm>
+                <a:off x="1602170" y="5482587"/>
+                <a:ext cx="807396" cy="369332"/>
+              </a:xfrm>
+              <a:prstGeom prst="rect">
+                <a:avLst/>
+              </a:prstGeom>
+              <a:blipFill>
+                <a:blip r:embed="rId7"/>
+                <a:stretch>
+                  <a:fillRect/>
+                </a:stretch>
+              </a:blipFill>
+            </p:spPr>
+            <p:txBody>
+              <a:bodyPr/>
+              <a:lstStyle/>
+              <a:p>
+                <a:r>
+                  <a:rPr lang="en-US">
+                    <a:noFill/>
+                  </a:rPr>
+                  <a:t> </a:t>
+                </a:r>
+              </a:p>
+            </p:txBody>
+          </p:sp>
+        </mc:Fallback>
+      </mc:AlternateContent>
+      <mc:AlternateContent xmlns:mc="http://schemas.openxmlformats.org/markup-compatibility/2006" xmlns:a14="http://schemas.microsoft.com/office/drawing/2010/main">
+        <mc:Choice Requires="a14">
+          <p:sp>
+            <p:nvSpPr>
+              <p:cNvPr id="20" name="TextBox 19">
+                <a:extLst>
+                  <a:ext uri="{FF2B5EF4-FFF2-40B4-BE49-F238E27FC236}">
+                    <a16:creationId xmlns:a16="http://schemas.microsoft.com/office/drawing/2014/main" id="{FAD88212-63A8-7AA1-C4E6-90284685EAD0}"/>
+                  </a:ext>
+                </a:extLst>
+              </p:cNvPr>
+              <p:cNvSpPr txBox="1"/>
+              <p:nvPr/>
+            </p:nvSpPr>
+            <p:spPr>
+              <a:xfrm>
+                <a:off x="4611647" y="6282295"/>
+                <a:ext cx="807396" cy="369332"/>
+              </a:xfrm>
+              <a:prstGeom prst="rect">
+                <a:avLst/>
+              </a:prstGeom>
+              <a:noFill/>
+            </p:spPr>
+            <p:txBody>
+              <a:bodyPr wrap="square" rtlCol="0">
+                <a:spAutoFit/>
+              </a:bodyPr>
+              <a:lstStyle/>
+              <a:p>
+                <a:pPr/>
+                <a14:m>
+                  <m:oMathPara xmlns:m="http://schemas.openxmlformats.org/officeDocument/2006/math">
+                    <m:oMathParaPr>
+                      <m:jc m:val="centerGroup"/>
+                    </m:oMathParaPr>
+                    <m:oMath xmlns:m="http://schemas.openxmlformats.org/officeDocument/2006/math">
+                      <m:r>
+                        <a:rPr lang="en-US" b="1" i="1" smtClean="0">
+                          <a:solidFill>
+                            <a:schemeClr val="tx1"/>
+                          </a:solidFill>
+                          <a:latin typeface="Cambria Math" panose="02040503050406030204" pitchFamily="18" charset="0"/>
+                        </a:rPr>
+                        <m:t>𝟏</m:t>
+                      </m:r>
+                    </m:oMath>
+                  </m:oMathPara>
+                </a14:m>
+                <a:endParaRPr lang="en-US" b="1" dirty="0">
+                  <a:solidFill>
+                    <a:schemeClr val="tx1"/>
+                  </a:solidFill>
+                </a:endParaRPr>
+              </a:p>
+            </p:txBody>
+          </p:sp>
+        </mc:Choice>
+        <mc:Fallback xmlns="">
+          <p:sp>
+            <p:nvSpPr>
+              <p:cNvPr id="20" name="TextBox 19">
+                <a:extLst>
+                  <a:ext uri="{FF2B5EF4-FFF2-40B4-BE49-F238E27FC236}">
+                    <a16:creationId xmlns:a16="http://schemas.microsoft.com/office/drawing/2014/main" id="{FAD88212-63A8-7AA1-C4E6-90284685EAD0}"/>
+                  </a:ext>
+                </a:extLst>
+              </p:cNvPr>
+              <p:cNvSpPr txBox="1">
+                <a:spLocks noRot="1" noChangeAspect="1" noMove="1" noResize="1" noEditPoints="1" noAdjustHandles="1" noChangeArrowheads="1" noChangeShapeType="1" noTextEdit="1"/>
+              </p:cNvSpPr>
+              <p:nvPr/>
+            </p:nvSpPr>
+            <p:spPr>
+              <a:xfrm>
+                <a:off x="4611647" y="6282295"/>
+                <a:ext cx="807396" cy="369332"/>
+              </a:xfrm>
+              <a:prstGeom prst="rect">
+                <a:avLst/>
+              </a:prstGeom>
+              <a:blipFill>
+                <a:blip r:embed="rId8"/>
+                <a:stretch>
+                  <a:fillRect/>
+                </a:stretch>
+              </a:blipFill>
+            </p:spPr>
+            <p:txBody>
+              <a:bodyPr/>
+              <a:lstStyle/>
+              <a:p>
+                <a:r>
+                  <a:rPr lang="en-US">
+                    <a:noFill/>
+                  </a:rPr>
+                  <a:t> </a:t>
+                </a:r>
+              </a:p>
+            </p:txBody>
+          </p:sp>
+        </mc:Fallback>
+      </mc:AlternateContent>
+    </p:spTree>
+    <p:extLst>
+      <p:ext uri="{BB962C8B-B14F-4D97-AF65-F5344CB8AC3E}">
+        <p14:creationId xmlns:p14="http://schemas.microsoft.com/office/powerpoint/2010/main" val="1788577280"/>
+      </p:ext>
+    </p:extLst>
+  </p:cSld>
+  <p:clrMapOvr>
+    <a:masterClrMapping/>
+  </p:clrMapOvr>
+</p:sld>
+</file>
+
+<file path=ppt/slides/slide25.xml><?xml version="1.0" encoding="utf-8"?>
+<p:sld xmlns:a="http://schemas.openxmlformats.org/drawingml/2006/main" xmlns:r="http://schemas.openxmlformats.org/officeDocument/2006/relationships" xmlns:p="http://schemas.openxmlformats.org/presentationml/2006/main">
+  <p:cSld>
+    <p:spTree>
+      <p:nvGrpSpPr>
+        <p:cNvPr id="1" name="">
+          <a:extLst>
+            <a:ext uri="{FF2B5EF4-FFF2-40B4-BE49-F238E27FC236}">
+              <a16:creationId xmlns:a16="http://schemas.microsoft.com/office/drawing/2014/main" id="{CB44097D-B75B-C685-5C59-CADC20348FAF}"/>
+            </a:ext>
+          </a:extLst>
+        </p:cNvPr>
+        <p:cNvGrpSpPr/>
+        <p:nvPr/>
+      </p:nvGrpSpPr>
+      <p:grpSpPr>
+        <a:xfrm>
+          <a:off x="0" y="0"/>
+          <a:ext cx="0" cy="0"/>
+          <a:chOff x="0" y="0"/>
+          <a:chExt cx="0" cy="0"/>
+        </a:xfrm>
+      </p:grpSpPr>
+      <mc:AlternateContent xmlns:mc="http://schemas.openxmlformats.org/markup-compatibility/2006">
+        <mc:Choice xmlns:a14="http://schemas.microsoft.com/office/drawing/2010/main" Requires="a14">
+          <p:sp>
+            <p:nvSpPr>
+              <p:cNvPr id="2" name="TextBox 1">
+                <a:extLst>
+                  <a:ext uri="{FF2B5EF4-FFF2-40B4-BE49-F238E27FC236}">
+                    <a16:creationId xmlns:a16="http://schemas.microsoft.com/office/drawing/2014/main" id="{413DD49C-432D-A318-98B6-FA456CD9629B}"/>
+                  </a:ext>
+                </a:extLst>
+              </p:cNvPr>
+              <p:cNvSpPr txBox="1"/>
+              <p:nvPr/>
+            </p:nvSpPr>
+            <p:spPr>
+              <a:xfrm>
+                <a:off x="9691147" y="6011440"/>
+                <a:ext cx="807396" cy="369332"/>
+              </a:xfrm>
+              <a:prstGeom prst="rect">
+                <a:avLst/>
+              </a:prstGeom>
+              <a:noFill/>
+            </p:spPr>
+            <p:txBody>
+              <a:bodyPr wrap="square" rtlCol="0">
+                <a:spAutoFit/>
+              </a:bodyPr>
+              <a:lstStyle/>
+              <a:p>
+                <a:pPr/>
+                <a14:m>
+                  <m:oMathPara xmlns:m="http://schemas.openxmlformats.org/officeDocument/2006/math">
+                    <m:oMathParaPr>
+                      <m:jc m:val="centerGroup"/>
+                    </m:oMathParaPr>
+                    <m:oMath xmlns:m="http://schemas.openxmlformats.org/officeDocument/2006/math">
+                      <m:r>
+                        <a:rPr lang="en-US" b="1" i="1" smtClean="0">
+                          <a:solidFill>
+                            <a:schemeClr val="tx1"/>
+                          </a:solidFill>
+                          <a:latin typeface="Cambria Math" panose="02040503050406030204" pitchFamily="18" charset="0"/>
+                        </a:rPr>
+                        <m:t>𝑸</m:t>
+                      </m:r>
+                    </m:oMath>
+                  </m:oMathPara>
+                </a14:m>
+                <a:endParaRPr lang="en-US" b="1" dirty="0">
+                  <a:solidFill>
+                    <a:schemeClr val="tx1"/>
+                  </a:solidFill>
+                </a:endParaRPr>
+              </a:p>
+            </p:txBody>
+          </p:sp>
+        </mc:Choice>
+        <mc:Fallback>
+          <p:sp>
+            <p:nvSpPr>
+              <p:cNvPr id="2" name="TextBox 1">
+                <a:extLst>
+                  <a:ext uri="{FF2B5EF4-FFF2-40B4-BE49-F238E27FC236}">
+                    <a16:creationId xmlns:a16="http://schemas.microsoft.com/office/drawing/2014/main" id="{413DD49C-432D-A318-98B6-FA456CD9629B}"/>
+                  </a:ext>
+                </a:extLst>
+              </p:cNvPr>
+              <p:cNvSpPr txBox="1">
+                <a:spLocks noRot="1" noChangeAspect="1" noMove="1" noResize="1" noEditPoints="1" noAdjustHandles="1" noChangeArrowheads="1" noChangeShapeType="1" noTextEdit="1"/>
+              </p:cNvSpPr>
+              <p:nvPr/>
+            </p:nvSpPr>
+            <p:spPr>
+              <a:xfrm>
+                <a:off x="9691147" y="6011440"/>
+                <a:ext cx="807396" cy="369332"/>
+              </a:xfrm>
+              <a:prstGeom prst="rect">
+                <a:avLst/>
+              </a:prstGeom>
+              <a:blipFill>
+                <a:blip r:embed="rId2"/>
+                <a:stretch>
+                  <a:fillRect b="-9836"/>
+                </a:stretch>
+              </a:blipFill>
+            </p:spPr>
+            <p:txBody>
+              <a:bodyPr/>
+              <a:lstStyle/>
+              <a:p>
+                <a:r>
+                  <a:rPr lang="en-US">
+                    <a:noFill/>
+                  </a:rPr>
+                  <a:t> </a:t>
+                </a:r>
+              </a:p>
+            </p:txBody>
+          </p:sp>
+        </mc:Fallback>
+      </mc:AlternateContent>
+      <mc:AlternateContent xmlns:mc="http://schemas.openxmlformats.org/markup-compatibility/2006">
+        <mc:Choice xmlns:a14="http://schemas.microsoft.com/office/drawing/2010/main" Requires="a14">
+          <p:sp>
+            <p:nvSpPr>
+              <p:cNvPr id="3" name="TextBox 2">
+                <a:extLst>
+                  <a:ext uri="{FF2B5EF4-FFF2-40B4-BE49-F238E27FC236}">
+                    <a16:creationId xmlns:a16="http://schemas.microsoft.com/office/drawing/2014/main" id="{C7FCFBA2-9B2C-6AA5-5843-CF503D86C432}"/>
+                  </a:ext>
+                </a:extLst>
+              </p:cNvPr>
+              <p:cNvSpPr txBox="1"/>
+              <p:nvPr/>
+            </p:nvSpPr>
+            <p:spPr>
+              <a:xfrm>
+                <a:off x="1370284" y="425673"/>
+                <a:ext cx="807396" cy="369332"/>
+              </a:xfrm>
+              <a:prstGeom prst="rect">
+                <a:avLst/>
+              </a:prstGeom>
+              <a:noFill/>
+            </p:spPr>
+            <p:txBody>
+              <a:bodyPr wrap="square" rtlCol="0">
+                <a:spAutoFit/>
+              </a:bodyPr>
+              <a:lstStyle/>
+              <a:p>
+                <a:pPr/>
+                <a14:m>
+                  <m:oMathPara xmlns:m="http://schemas.openxmlformats.org/officeDocument/2006/math">
+                    <m:oMathParaPr>
+                      <m:jc m:val="centerGroup"/>
+                    </m:oMathParaPr>
+                    <m:oMath xmlns:m="http://schemas.openxmlformats.org/officeDocument/2006/math">
+                      <m:r>
+                        <a:rPr lang="en-US" b="1" i="1" smtClean="0">
+                          <a:solidFill>
+                            <a:schemeClr val="tx1"/>
+                          </a:solidFill>
+                          <a:latin typeface="Cambria Math" panose="02040503050406030204" pitchFamily="18" charset="0"/>
+                        </a:rPr>
+                        <m:t>𝑪𝒐𝒔𝒕𝒔</m:t>
+                      </m:r>
+                    </m:oMath>
+                  </m:oMathPara>
+                </a14:m>
+                <a:endParaRPr lang="en-US" b="1" dirty="0">
+                  <a:solidFill>
+                    <a:schemeClr val="tx1"/>
+                  </a:solidFill>
+                </a:endParaRPr>
+              </a:p>
+            </p:txBody>
+          </p:sp>
+        </mc:Choice>
+        <mc:Fallback>
+          <p:sp>
+            <p:nvSpPr>
+              <p:cNvPr id="3" name="TextBox 2">
+                <a:extLst>
+                  <a:ext uri="{FF2B5EF4-FFF2-40B4-BE49-F238E27FC236}">
+                    <a16:creationId xmlns:a16="http://schemas.microsoft.com/office/drawing/2014/main" id="{C7FCFBA2-9B2C-6AA5-5843-CF503D86C432}"/>
+                  </a:ext>
+                </a:extLst>
+              </p:cNvPr>
+              <p:cNvSpPr txBox="1">
+                <a:spLocks noRot="1" noChangeAspect="1" noMove="1" noResize="1" noEditPoints="1" noAdjustHandles="1" noChangeArrowheads="1" noChangeShapeType="1" noTextEdit="1"/>
+              </p:cNvSpPr>
+              <p:nvPr/>
+            </p:nvSpPr>
+            <p:spPr>
+              <a:xfrm>
+                <a:off x="1370284" y="425673"/>
+                <a:ext cx="807396" cy="369332"/>
+              </a:xfrm>
+              <a:prstGeom prst="rect">
+                <a:avLst/>
+              </a:prstGeom>
+              <a:blipFill>
+                <a:blip r:embed="rId3"/>
+                <a:stretch>
+                  <a:fillRect/>
+                </a:stretch>
+              </a:blipFill>
+            </p:spPr>
+            <p:txBody>
+              <a:bodyPr/>
+              <a:lstStyle/>
+              <a:p>
+                <a:r>
+                  <a:rPr lang="en-US">
+                    <a:noFill/>
+                  </a:rPr>
+                  <a:t> </a:t>
+                </a:r>
+              </a:p>
+            </p:txBody>
+          </p:sp>
+        </mc:Fallback>
+      </mc:AlternateContent>
+      <p:sp>
+        <p:nvSpPr>
+          <p:cNvPr id="4" name="Freeform: Shape 3">
+            <a:extLst>
+              <a:ext uri="{FF2B5EF4-FFF2-40B4-BE49-F238E27FC236}">
+                <a16:creationId xmlns:a16="http://schemas.microsoft.com/office/drawing/2014/main" id="{8EB29111-DF8C-9034-D165-28DE588C8CCB}"/>
+              </a:ext>
+            </a:extLst>
+          </p:cNvPr>
+          <p:cNvSpPr/>
+          <p:nvPr/>
+        </p:nvSpPr>
+        <p:spPr>
+          <a:xfrm>
+            <a:off x="2295193" y="610339"/>
+            <a:ext cx="7601613" cy="5637321"/>
+          </a:xfrm>
+          <a:custGeom>
+            <a:avLst/>
+            <a:gdLst>
+              <a:gd name="connsiteX0" fmla="*/ 0 w 10227076"/>
+              <a:gd name="connsiteY0" fmla="*/ 0 h 5637321"/>
+              <a:gd name="connsiteX1" fmla="*/ 35511 w 10227076"/>
+              <a:gd name="connsiteY1" fmla="*/ 5637321 h 5637321"/>
+              <a:gd name="connsiteX2" fmla="*/ 10227076 w 10227076"/>
+              <a:gd name="connsiteY2" fmla="*/ 5584055 h 5637321"/>
+            </a:gdLst>
+            <a:ahLst/>
+            <a:cxnLst>
+              <a:cxn ang="0">
+                <a:pos x="connsiteX0" y="connsiteY0"/>
+              </a:cxn>
+              <a:cxn ang="0">
+                <a:pos x="connsiteX1" y="connsiteY1"/>
+              </a:cxn>
+              <a:cxn ang="0">
+                <a:pos x="connsiteX2" y="connsiteY2"/>
+              </a:cxn>
+            </a:cxnLst>
+            <a:rect l="l" t="t" r="r" b="b"/>
+            <a:pathLst>
+              <a:path w="10227076" h="5637321">
+                <a:moveTo>
+                  <a:pt x="0" y="0"/>
+                </a:moveTo>
+                <a:lnTo>
+                  <a:pt x="35511" y="5637321"/>
+                </a:lnTo>
+                <a:lnTo>
+                  <a:pt x="10227076" y="5584055"/>
+                </a:lnTo>
+              </a:path>
+            </a:pathLst>
+          </a:custGeom>
+          <a:ln w="57150"/>
+        </p:spPr>
+        <p:style>
+          <a:lnRef idx="3">
+            <a:schemeClr val="dk1"/>
+          </a:lnRef>
+          <a:fillRef idx="0">
+            <a:schemeClr val="dk1"/>
+          </a:fillRef>
+          <a:effectRef idx="2">
+            <a:schemeClr val="dk1"/>
+          </a:effectRef>
+          <a:fontRef idx="minor">
+            <a:schemeClr val="tx1"/>
+          </a:fontRef>
+        </p:style>
+        <p:txBody>
+          <a:bodyPr rtlCol="0" anchor="ctr"/>
+          <a:lstStyle/>
+          <a:p>
+            <a:pPr algn="ctr"/>
+            <a:endParaRPr lang="en-US"/>
+          </a:p>
+        </p:txBody>
+      </p:sp>
+      <p:sp>
+        <p:nvSpPr>
+          <p:cNvPr id="5" name="Freeform: Shape 4">
+            <a:extLst>
+              <a:ext uri="{FF2B5EF4-FFF2-40B4-BE49-F238E27FC236}">
+                <a16:creationId xmlns:a16="http://schemas.microsoft.com/office/drawing/2014/main" id="{A19A6528-C56D-22C7-61F7-4443CDD2996A}"/>
+              </a:ext>
+            </a:extLst>
+          </p:cNvPr>
+          <p:cNvSpPr/>
+          <p:nvPr/>
+        </p:nvSpPr>
+        <p:spPr>
+          <a:xfrm>
+            <a:off x="2348345" y="1143000"/>
+            <a:ext cx="5313219" cy="4577837"/>
+          </a:xfrm>
+          <a:custGeom>
+            <a:avLst/>
+            <a:gdLst>
+              <a:gd name="connsiteX0" fmla="*/ 0 w 5313219"/>
+              <a:gd name="connsiteY0" fmla="*/ 3574473 h 4577837"/>
+              <a:gd name="connsiteX1" fmla="*/ 2763982 w 5313219"/>
+              <a:gd name="connsiteY1" fmla="*/ 4350327 h 4577837"/>
+              <a:gd name="connsiteX2" fmla="*/ 5313219 w 5313219"/>
+              <a:gd name="connsiteY2" fmla="*/ 0 h 4577837"/>
+            </a:gdLst>
+            <a:ahLst/>
+            <a:cxnLst>
+              <a:cxn ang="0">
+                <a:pos x="connsiteX0" y="connsiteY0"/>
+              </a:cxn>
+              <a:cxn ang="0">
+                <a:pos x="connsiteX1" y="connsiteY1"/>
+              </a:cxn>
+              <a:cxn ang="0">
+                <a:pos x="connsiteX2" y="connsiteY2"/>
+              </a:cxn>
+            </a:cxnLst>
+            <a:rect l="l" t="t" r="r" b="b"/>
+            <a:pathLst>
+              <a:path w="5313219" h="4577837">
+                <a:moveTo>
+                  <a:pt x="0" y="3574473"/>
+                </a:moveTo>
+                <a:cubicBezTo>
+                  <a:pt x="939223" y="4260272"/>
+                  <a:pt x="1878446" y="4946072"/>
+                  <a:pt x="2763982" y="4350327"/>
+                </a:cubicBezTo>
+                <a:cubicBezTo>
+                  <a:pt x="3649518" y="3754582"/>
+                  <a:pt x="4481368" y="1877291"/>
+                  <a:pt x="5313219" y="0"/>
+                </a:cubicBezTo>
+              </a:path>
+            </a:pathLst>
+          </a:custGeom>
+          <a:noFill/>
+          <a:ln w="57150">
+            <a:solidFill>
+              <a:schemeClr val="accent6"/>
+            </a:solidFill>
+          </a:ln>
+        </p:spPr>
+        <p:style>
+          <a:lnRef idx="2">
+            <a:schemeClr val="accent1">
+              <a:shade val="15000"/>
+            </a:schemeClr>
+          </a:lnRef>
+          <a:fillRef idx="1">
+            <a:schemeClr val="accent1"/>
+          </a:fillRef>
+          <a:effectRef idx="0">
+            <a:schemeClr val="accent1"/>
+          </a:effectRef>
+          <a:fontRef idx="minor">
+            <a:schemeClr val="lt1"/>
+          </a:fontRef>
+        </p:style>
+        <p:txBody>
+          <a:bodyPr rtlCol="0" anchor="ctr"/>
+          <a:lstStyle/>
+          <a:p>
+            <a:pPr algn="ctr"/>
+            <a:endParaRPr lang="en-US"/>
+          </a:p>
+        </p:txBody>
+      </p:sp>
+      <mc:AlternateContent xmlns:mc="http://schemas.openxmlformats.org/markup-compatibility/2006">
+        <mc:Choice xmlns:a14="http://schemas.microsoft.com/office/drawing/2010/main" Requires="a14">
+          <p:sp>
+            <p:nvSpPr>
+              <p:cNvPr id="6" name="TextBox 5">
+                <a:extLst>
+                  <a:ext uri="{FF2B5EF4-FFF2-40B4-BE49-F238E27FC236}">
+                    <a16:creationId xmlns:a16="http://schemas.microsoft.com/office/drawing/2014/main" id="{CF6861D6-5C11-18B0-72CA-DCD80D76F962}"/>
+                  </a:ext>
+                </a:extLst>
+              </p:cNvPr>
+              <p:cNvSpPr txBox="1"/>
+              <p:nvPr/>
+            </p:nvSpPr>
+            <p:spPr>
+              <a:xfrm>
+                <a:off x="7432964" y="875553"/>
+                <a:ext cx="1227676" cy="523220"/>
+              </a:xfrm>
+              <a:prstGeom prst="rect">
+                <a:avLst/>
+              </a:prstGeom>
+              <a:noFill/>
+            </p:spPr>
+            <p:txBody>
+              <a:bodyPr wrap="square" rtlCol="0">
+                <a:spAutoFit/>
+              </a:bodyPr>
+              <a:lstStyle/>
+              <a:p>
+                <a:pPr/>
+                <a14:m>
+                  <m:oMathPara xmlns:m="http://schemas.openxmlformats.org/officeDocument/2006/math">
+                    <m:oMathParaPr>
+                      <m:jc m:val="centerGroup"/>
+                    </m:oMathParaPr>
+                    <m:oMath xmlns:m="http://schemas.openxmlformats.org/officeDocument/2006/math">
+                      <m:r>
+                        <a:rPr lang="en-US" sz="2800" b="1" i="1" smtClean="0">
+                          <a:solidFill>
+                            <a:schemeClr val="accent6"/>
+                          </a:solidFill>
+                          <a:latin typeface="Cambria Math" panose="02040503050406030204" pitchFamily="18" charset="0"/>
+                        </a:rPr>
+                        <m:t>𝑴𝑪</m:t>
+                      </m:r>
+                    </m:oMath>
+                  </m:oMathPara>
+                </a14:m>
+                <a:endParaRPr lang="en-US" sz="2800" b="1" dirty="0">
+                  <a:solidFill>
+                    <a:schemeClr val="accent6"/>
+                  </a:solidFill>
+                </a:endParaRPr>
+              </a:p>
+            </p:txBody>
+          </p:sp>
+        </mc:Choice>
+        <mc:Fallback>
+          <p:sp>
+            <p:nvSpPr>
+              <p:cNvPr id="6" name="TextBox 5">
+                <a:extLst>
+                  <a:ext uri="{FF2B5EF4-FFF2-40B4-BE49-F238E27FC236}">
+                    <a16:creationId xmlns:a16="http://schemas.microsoft.com/office/drawing/2014/main" id="{CF6861D6-5C11-18B0-72CA-DCD80D76F962}"/>
+                  </a:ext>
+                </a:extLst>
+              </p:cNvPr>
+              <p:cNvSpPr txBox="1">
+                <a:spLocks noRot="1" noChangeAspect="1" noMove="1" noResize="1" noEditPoints="1" noAdjustHandles="1" noChangeArrowheads="1" noChangeShapeType="1" noTextEdit="1"/>
+              </p:cNvSpPr>
+              <p:nvPr/>
+            </p:nvSpPr>
+            <p:spPr>
+              <a:xfrm>
+                <a:off x="7432964" y="875553"/>
+                <a:ext cx="1227676" cy="523220"/>
+              </a:xfrm>
+              <a:prstGeom prst="rect">
+                <a:avLst/>
+              </a:prstGeom>
+              <a:blipFill>
+                <a:blip r:embed="rId4"/>
+                <a:stretch>
+                  <a:fillRect/>
+                </a:stretch>
+              </a:blipFill>
+            </p:spPr>
+            <p:txBody>
+              <a:bodyPr/>
+              <a:lstStyle/>
+              <a:p>
+                <a:r>
+                  <a:rPr lang="en-US">
+                    <a:noFill/>
+                  </a:rPr>
+                  <a:t> </a:t>
+                </a:r>
+              </a:p>
+            </p:txBody>
+          </p:sp>
+        </mc:Fallback>
+      </mc:AlternateContent>
+    </p:spTree>
+    <p:extLst>
+      <p:ext uri="{BB962C8B-B14F-4D97-AF65-F5344CB8AC3E}">
+        <p14:creationId xmlns:p14="http://schemas.microsoft.com/office/powerpoint/2010/main" val="3961342221"/>
+      </p:ext>
+    </p:extLst>
+  </p:cSld>
+  <p:clrMapOvr>
+    <a:masterClrMapping/>
+  </p:clrMapOvr>
+</p:sld>
+</file>
+
+<file path=ppt/slides/slide26.xml><?xml version="1.0" encoding="utf-8"?>
+<p:sld xmlns:a="http://schemas.openxmlformats.org/drawingml/2006/main" xmlns:r="http://schemas.openxmlformats.org/officeDocument/2006/relationships" xmlns:p="http://schemas.openxmlformats.org/presentationml/2006/main">
+  <p:cSld>
+    <p:spTree>
+      <p:nvGrpSpPr>
+        <p:cNvPr id="1" name="">
+          <a:extLst>
+            <a:ext uri="{FF2B5EF4-FFF2-40B4-BE49-F238E27FC236}">
+              <a16:creationId xmlns:a16="http://schemas.microsoft.com/office/drawing/2014/main" id="{6575A054-91BB-A3D4-90E7-609DB054FB7A}"/>
+            </a:ext>
+          </a:extLst>
+        </p:cNvPr>
+        <p:cNvGrpSpPr/>
+        <p:nvPr/>
+      </p:nvGrpSpPr>
+      <p:grpSpPr>
+        <a:xfrm>
+          <a:off x="0" y="0"/>
+          <a:ext cx="0" cy="0"/>
+          <a:chOff x="0" y="0"/>
+          <a:chExt cx="0" cy="0"/>
+        </a:xfrm>
+      </p:grpSpPr>
+      <mc:AlternateContent xmlns:mc="http://schemas.openxmlformats.org/markup-compatibility/2006">
+        <mc:Choice xmlns:a14="http://schemas.microsoft.com/office/drawing/2010/main" Requires="a14">
+          <p:sp>
+            <p:nvSpPr>
+              <p:cNvPr id="2" name="TextBox 1">
+                <a:extLst>
+                  <a:ext uri="{FF2B5EF4-FFF2-40B4-BE49-F238E27FC236}">
+                    <a16:creationId xmlns:a16="http://schemas.microsoft.com/office/drawing/2014/main" id="{F0CD27A7-8964-2E0D-044E-5ED1558CE829}"/>
+                  </a:ext>
+                </a:extLst>
+              </p:cNvPr>
+              <p:cNvSpPr txBox="1"/>
+              <p:nvPr/>
+            </p:nvSpPr>
+            <p:spPr>
+              <a:xfrm>
+                <a:off x="9691147" y="6011440"/>
+                <a:ext cx="807396" cy="369332"/>
+              </a:xfrm>
+              <a:prstGeom prst="rect">
+                <a:avLst/>
+              </a:prstGeom>
+              <a:noFill/>
+            </p:spPr>
+            <p:txBody>
+              <a:bodyPr wrap="square" rtlCol="0">
+                <a:spAutoFit/>
+              </a:bodyPr>
+              <a:lstStyle/>
+              <a:p>
+                <a:pPr/>
+                <a14:m>
+                  <m:oMathPara xmlns:m="http://schemas.openxmlformats.org/officeDocument/2006/math">
+                    <m:oMathParaPr>
+                      <m:jc m:val="centerGroup"/>
+                    </m:oMathParaPr>
+                    <m:oMath xmlns:m="http://schemas.openxmlformats.org/officeDocument/2006/math">
+                      <m:r>
+                        <a:rPr lang="en-US" b="1" i="1" smtClean="0">
+                          <a:solidFill>
+                            <a:schemeClr val="tx1"/>
+                          </a:solidFill>
+                          <a:latin typeface="Cambria Math" panose="02040503050406030204" pitchFamily="18" charset="0"/>
+                        </a:rPr>
+                        <m:t>𝑸</m:t>
+                      </m:r>
+                    </m:oMath>
+                  </m:oMathPara>
+                </a14:m>
+                <a:endParaRPr lang="en-US" b="1" dirty="0">
+                  <a:solidFill>
+                    <a:schemeClr val="tx1"/>
+                  </a:solidFill>
+                </a:endParaRPr>
+              </a:p>
+            </p:txBody>
+          </p:sp>
+        </mc:Choice>
+        <mc:Fallback>
+          <p:sp>
+            <p:nvSpPr>
+              <p:cNvPr id="2" name="TextBox 1">
+                <a:extLst>
+                  <a:ext uri="{FF2B5EF4-FFF2-40B4-BE49-F238E27FC236}">
+                    <a16:creationId xmlns:a16="http://schemas.microsoft.com/office/drawing/2014/main" id="{F0CD27A7-8964-2E0D-044E-5ED1558CE829}"/>
+                  </a:ext>
+                </a:extLst>
+              </p:cNvPr>
+              <p:cNvSpPr txBox="1">
+                <a:spLocks noRot="1" noChangeAspect="1" noMove="1" noResize="1" noEditPoints="1" noAdjustHandles="1" noChangeArrowheads="1" noChangeShapeType="1" noTextEdit="1"/>
+              </p:cNvSpPr>
+              <p:nvPr/>
+            </p:nvSpPr>
+            <p:spPr>
+              <a:xfrm>
+                <a:off x="9691147" y="6011440"/>
+                <a:ext cx="807396" cy="369332"/>
+              </a:xfrm>
+              <a:prstGeom prst="rect">
+                <a:avLst/>
+              </a:prstGeom>
+              <a:blipFill>
+                <a:blip r:embed="rId2"/>
+                <a:stretch>
+                  <a:fillRect b="-9836"/>
+                </a:stretch>
+              </a:blipFill>
+            </p:spPr>
+            <p:txBody>
+              <a:bodyPr/>
+              <a:lstStyle/>
+              <a:p>
+                <a:r>
+                  <a:rPr lang="en-US">
+                    <a:noFill/>
+                  </a:rPr>
+                  <a:t> </a:t>
+                </a:r>
+              </a:p>
+            </p:txBody>
+          </p:sp>
+        </mc:Fallback>
+      </mc:AlternateContent>
+      <mc:AlternateContent xmlns:mc="http://schemas.openxmlformats.org/markup-compatibility/2006">
+        <mc:Choice xmlns:a14="http://schemas.microsoft.com/office/drawing/2010/main" Requires="a14">
+          <p:sp>
+            <p:nvSpPr>
+              <p:cNvPr id="3" name="TextBox 2">
+                <a:extLst>
+                  <a:ext uri="{FF2B5EF4-FFF2-40B4-BE49-F238E27FC236}">
+                    <a16:creationId xmlns:a16="http://schemas.microsoft.com/office/drawing/2014/main" id="{E445FF1B-9104-94F1-8DAB-7D43714A1EF0}"/>
+                  </a:ext>
+                </a:extLst>
+              </p:cNvPr>
+              <p:cNvSpPr txBox="1"/>
+              <p:nvPr/>
+            </p:nvSpPr>
+            <p:spPr>
+              <a:xfrm>
+                <a:off x="1370284" y="425673"/>
+                <a:ext cx="807396" cy="369332"/>
+              </a:xfrm>
+              <a:prstGeom prst="rect">
+                <a:avLst/>
+              </a:prstGeom>
+              <a:noFill/>
+            </p:spPr>
+            <p:txBody>
+              <a:bodyPr wrap="square" rtlCol="0">
+                <a:spAutoFit/>
+              </a:bodyPr>
+              <a:lstStyle/>
+              <a:p>
+                <a:pPr/>
+                <a14:m>
+                  <m:oMathPara xmlns:m="http://schemas.openxmlformats.org/officeDocument/2006/math">
+                    <m:oMathParaPr>
+                      <m:jc m:val="centerGroup"/>
+                    </m:oMathParaPr>
+                    <m:oMath xmlns:m="http://schemas.openxmlformats.org/officeDocument/2006/math">
+                      <m:r>
+                        <a:rPr lang="en-US" b="1" i="1" smtClean="0">
+                          <a:solidFill>
+                            <a:schemeClr val="tx1"/>
+                          </a:solidFill>
+                          <a:latin typeface="Cambria Math" panose="02040503050406030204" pitchFamily="18" charset="0"/>
+                        </a:rPr>
+                        <m:t>𝑪𝒐𝒔𝒕𝒔</m:t>
+                      </m:r>
+                    </m:oMath>
+                  </m:oMathPara>
+                </a14:m>
+                <a:endParaRPr lang="en-US" b="1" dirty="0">
+                  <a:solidFill>
+                    <a:schemeClr val="tx1"/>
+                  </a:solidFill>
+                </a:endParaRPr>
+              </a:p>
+            </p:txBody>
+          </p:sp>
+        </mc:Choice>
+        <mc:Fallback>
+          <p:sp>
+            <p:nvSpPr>
+              <p:cNvPr id="3" name="TextBox 2">
+                <a:extLst>
+                  <a:ext uri="{FF2B5EF4-FFF2-40B4-BE49-F238E27FC236}">
+                    <a16:creationId xmlns:a16="http://schemas.microsoft.com/office/drawing/2014/main" id="{E445FF1B-9104-94F1-8DAB-7D43714A1EF0}"/>
+                  </a:ext>
+                </a:extLst>
+              </p:cNvPr>
+              <p:cNvSpPr txBox="1">
+                <a:spLocks noRot="1" noChangeAspect="1" noMove="1" noResize="1" noEditPoints="1" noAdjustHandles="1" noChangeArrowheads="1" noChangeShapeType="1" noTextEdit="1"/>
+              </p:cNvSpPr>
+              <p:nvPr/>
+            </p:nvSpPr>
+            <p:spPr>
+              <a:xfrm>
+                <a:off x="1370284" y="425673"/>
+                <a:ext cx="807396" cy="369332"/>
+              </a:xfrm>
+              <a:prstGeom prst="rect">
+                <a:avLst/>
+              </a:prstGeom>
+              <a:blipFill>
+                <a:blip r:embed="rId3"/>
+                <a:stretch>
+                  <a:fillRect/>
+                </a:stretch>
+              </a:blipFill>
+            </p:spPr>
+            <p:txBody>
+              <a:bodyPr/>
+              <a:lstStyle/>
+              <a:p>
+                <a:r>
+                  <a:rPr lang="en-US">
+                    <a:noFill/>
+                  </a:rPr>
+                  <a:t> </a:t>
+                </a:r>
+              </a:p>
+            </p:txBody>
+          </p:sp>
+        </mc:Fallback>
+      </mc:AlternateContent>
+      <p:sp>
+        <p:nvSpPr>
+          <p:cNvPr id="4" name="Freeform: Shape 3">
+            <a:extLst>
+              <a:ext uri="{FF2B5EF4-FFF2-40B4-BE49-F238E27FC236}">
+                <a16:creationId xmlns:a16="http://schemas.microsoft.com/office/drawing/2014/main" id="{B8DF7F03-FFFE-9CD9-4570-8A7E7A92A5F9}"/>
+              </a:ext>
+            </a:extLst>
+          </p:cNvPr>
+          <p:cNvSpPr/>
+          <p:nvPr/>
+        </p:nvSpPr>
+        <p:spPr>
+          <a:xfrm>
+            <a:off x="2295193" y="610339"/>
+            <a:ext cx="7601613" cy="5637321"/>
+          </a:xfrm>
+          <a:custGeom>
+            <a:avLst/>
+            <a:gdLst>
+              <a:gd name="connsiteX0" fmla="*/ 0 w 10227076"/>
+              <a:gd name="connsiteY0" fmla="*/ 0 h 5637321"/>
+              <a:gd name="connsiteX1" fmla="*/ 35511 w 10227076"/>
+              <a:gd name="connsiteY1" fmla="*/ 5637321 h 5637321"/>
+              <a:gd name="connsiteX2" fmla="*/ 10227076 w 10227076"/>
+              <a:gd name="connsiteY2" fmla="*/ 5584055 h 5637321"/>
+            </a:gdLst>
+            <a:ahLst/>
+            <a:cxnLst>
+              <a:cxn ang="0">
+                <a:pos x="connsiteX0" y="connsiteY0"/>
+              </a:cxn>
+              <a:cxn ang="0">
+                <a:pos x="connsiteX1" y="connsiteY1"/>
+              </a:cxn>
+              <a:cxn ang="0">
+                <a:pos x="connsiteX2" y="connsiteY2"/>
+              </a:cxn>
+            </a:cxnLst>
+            <a:rect l="l" t="t" r="r" b="b"/>
+            <a:pathLst>
+              <a:path w="10227076" h="5637321">
+                <a:moveTo>
+                  <a:pt x="0" y="0"/>
+                </a:moveTo>
+                <a:lnTo>
+                  <a:pt x="35511" y="5637321"/>
+                </a:lnTo>
+                <a:lnTo>
+                  <a:pt x="10227076" y="5584055"/>
+                </a:lnTo>
+              </a:path>
+            </a:pathLst>
+          </a:custGeom>
+          <a:ln w="57150"/>
+        </p:spPr>
+        <p:style>
+          <a:lnRef idx="3">
+            <a:schemeClr val="dk1"/>
+          </a:lnRef>
+          <a:fillRef idx="0">
+            <a:schemeClr val="dk1"/>
+          </a:fillRef>
+          <a:effectRef idx="2">
+            <a:schemeClr val="dk1"/>
+          </a:effectRef>
+          <a:fontRef idx="minor">
+            <a:schemeClr val="tx1"/>
+          </a:fontRef>
+        </p:style>
+        <p:txBody>
+          <a:bodyPr rtlCol="0" anchor="ctr"/>
+          <a:lstStyle/>
+          <a:p>
+            <a:pPr algn="ctr"/>
+            <a:endParaRPr lang="en-US"/>
+          </a:p>
+        </p:txBody>
+      </p:sp>
+      <p:sp>
+        <p:nvSpPr>
+          <p:cNvPr id="7" name="Freeform: Shape 6">
+            <a:extLst>
+              <a:ext uri="{FF2B5EF4-FFF2-40B4-BE49-F238E27FC236}">
+                <a16:creationId xmlns:a16="http://schemas.microsoft.com/office/drawing/2014/main" id="{7533238B-D9F4-74CD-2805-C6ACE8E243B8}"/>
+              </a:ext>
+            </a:extLst>
+          </p:cNvPr>
+          <p:cNvSpPr/>
+          <p:nvPr/>
+        </p:nvSpPr>
+        <p:spPr>
+          <a:xfrm>
+            <a:off x="2632364" y="1059873"/>
+            <a:ext cx="7058891" cy="4772891"/>
+          </a:xfrm>
+          <a:custGeom>
+            <a:avLst/>
+            <a:gdLst>
+              <a:gd name="connsiteX0" fmla="*/ 0 w 7058891"/>
+              <a:gd name="connsiteY0" fmla="*/ 0 h 4772891"/>
+              <a:gd name="connsiteX1" fmla="*/ 2493818 w 7058891"/>
+              <a:gd name="connsiteY1" fmla="*/ 3754582 h 4772891"/>
+              <a:gd name="connsiteX2" fmla="*/ 7058891 w 7058891"/>
+              <a:gd name="connsiteY2" fmla="*/ 4772891 h 4772891"/>
+            </a:gdLst>
+            <a:ahLst/>
+            <a:cxnLst>
+              <a:cxn ang="0">
+                <a:pos x="connsiteX0" y="connsiteY0"/>
+              </a:cxn>
+              <a:cxn ang="0">
+                <a:pos x="connsiteX1" y="connsiteY1"/>
+              </a:cxn>
+              <a:cxn ang="0">
+                <a:pos x="connsiteX2" y="connsiteY2"/>
+              </a:cxn>
+            </a:cxnLst>
+            <a:rect l="l" t="t" r="r" b="b"/>
+            <a:pathLst>
+              <a:path w="7058891" h="4772891">
+                <a:moveTo>
+                  <a:pt x="0" y="0"/>
+                </a:moveTo>
+                <a:cubicBezTo>
+                  <a:pt x="658668" y="1479550"/>
+                  <a:pt x="1317336" y="2959100"/>
+                  <a:pt x="2493818" y="3754582"/>
+                </a:cubicBezTo>
+                <a:cubicBezTo>
+                  <a:pt x="3670300" y="4550064"/>
+                  <a:pt x="5364595" y="4661477"/>
+                  <a:pt x="7058891" y="4772891"/>
+                </a:cubicBezTo>
+              </a:path>
+            </a:pathLst>
+          </a:custGeom>
+          <a:noFill/>
+          <a:ln w="57150">
+            <a:solidFill>
+              <a:schemeClr val="accent2">
+                <a:lumMod val="75000"/>
+              </a:schemeClr>
+            </a:solidFill>
+          </a:ln>
+        </p:spPr>
+        <p:style>
+          <a:lnRef idx="2">
+            <a:schemeClr val="accent1">
+              <a:shade val="15000"/>
+            </a:schemeClr>
+          </a:lnRef>
+          <a:fillRef idx="1">
+            <a:schemeClr val="accent1"/>
+          </a:fillRef>
+          <a:effectRef idx="0">
+            <a:schemeClr val="accent1"/>
+          </a:effectRef>
+          <a:fontRef idx="minor">
+            <a:schemeClr val="lt1"/>
+          </a:fontRef>
+        </p:style>
+        <p:txBody>
+          <a:bodyPr rtlCol="0" anchor="ctr"/>
+          <a:lstStyle/>
+          <a:p>
+            <a:pPr algn="ctr"/>
+            <a:endParaRPr lang="en-US"/>
+          </a:p>
+        </p:txBody>
+      </p:sp>
+      <mc:AlternateContent xmlns:mc="http://schemas.openxmlformats.org/markup-compatibility/2006">
+        <mc:Choice xmlns:a14="http://schemas.microsoft.com/office/drawing/2010/main" Requires="a14">
+          <p:sp>
+            <p:nvSpPr>
+              <p:cNvPr id="8" name="TextBox 7">
+                <a:extLst>
+                  <a:ext uri="{FF2B5EF4-FFF2-40B4-BE49-F238E27FC236}">
+                    <a16:creationId xmlns:a16="http://schemas.microsoft.com/office/drawing/2014/main" id="{5A78B3DD-F382-B48C-E732-C8E1E06D01AA}"/>
+                  </a:ext>
+                </a:extLst>
+              </p:cNvPr>
+              <p:cNvSpPr txBox="1"/>
+              <p:nvPr/>
+            </p:nvSpPr>
+            <p:spPr>
+              <a:xfrm>
+                <a:off x="9006301" y="5204202"/>
+                <a:ext cx="1227676" cy="523220"/>
+              </a:xfrm>
+              <a:prstGeom prst="rect">
+                <a:avLst/>
+              </a:prstGeom>
+              <a:noFill/>
+            </p:spPr>
+            <p:txBody>
+              <a:bodyPr wrap="square" rtlCol="0">
+                <a:spAutoFit/>
+              </a:bodyPr>
+              <a:lstStyle/>
+              <a:p>
+                <a:pPr/>
+                <a14:m>
+                  <m:oMathPara xmlns:m="http://schemas.openxmlformats.org/officeDocument/2006/math">
+                    <m:oMathParaPr>
+                      <m:jc m:val="centerGroup"/>
+                    </m:oMathParaPr>
+                    <m:oMath xmlns:m="http://schemas.openxmlformats.org/officeDocument/2006/math">
+                      <m:r>
+                        <a:rPr lang="en-US" sz="2800" b="1" i="1" smtClean="0">
+                          <a:solidFill>
+                            <a:schemeClr val="accent2">
+                              <a:lumMod val="75000"/>
+                            </a:schemeClr>
+                          </a:solidFill>
+                          <a:latin typeface="Cambria Math" panose="02040503050406030204" pitchFamily="18" charset="0"/>
+                        </a:rPr>
+                        <m:t>𝑨𝑭𝑪</m:t>
+                      </m:r>
+                    </m:oMath>
+                  </m:oMathPara>
+                </a14:m>
+                <a:endParaRPr lang="en-US" sz="2800" b="1" dirty="0">
+                  <a:solidFill>
+                    <a:schemeClr val="accent2">
+                      <a:lumMod val="75000"/>
+                    </a:schemeClr>
+                  </a:solidFill>
+                </a:endParaRPr>
+              </a:p>
+            </p:txBody>
+          </p:sp>
+        </mc:Choice>
+        <mc:Fallback>
+          <p:sp>
+            <p:nvSpPr>
+              <p:cNvPr id="8" name="TextBox 7">
+                <a:extLst>
+                  <a:ext uri="{FF2B5EF4-FFF2-40B4-BE49-F238E27FC236}">
+                    <a16:creationId xmlns:a16="http://schemas.microsoft.com/office/drawing/2014/main" id="{5A78B3DD-F382-B48C-E732-C8E1E06D01AA}"/>
+                  </a:ext>
+                </a:extLst>
+              </p:cNvPr>
+              <p:cNvSpPr txBox="1">
+                <a:spLocks noRot="1" noChangeAspect="1" noMove="1" noResize="1" noEditPoints="1" noAdjustHandles="1" noChangeArrowheads="1" noChangeShapeType="1" noTextEdit="1"/>
+              </p:cNvSpPr>
+              <p:nvPr/>
+            </p:nvSpPr>
+            <p:spPr>
+              <a:xfrm>
+                <a:off x="9006301" y="5204202"/>
+                <a:ext cx="1227676" cy="523220"/>
+              </a:xfrm>
+              <a:prstGeom prst="rect">
+                <a:avLst/>
+              </a:prstGeom>
+              <a:blipFill>
+                <a:blip r:embed="rId4"/>
+                <a:stretch>
+                  <a:fillRect/>
+                </a:stretch>
+              </a:blipFill>
+            </p:spPr>
+            <p:txBody>
+              <a:bodyPr/>
+              <a:lstStyle/>
+              <a:p>
+                <a:r>
+                  <a:rPr lang="en-US">
+                    <a:noFill/>
+                  </a:rPr>
+                  <a:t> </a:t>
+                </a:r>
+              </a:p>
+            </p:txBody>
+          </p:sp>
+        </mc:Fallback>
+      </mc:AlternateContent>
+    </p:spTree>
+    <p:extLst>
+      <p:ext uri="{BB962C8B-B14F-4D97-AF65-F5344CB8AC3E}">
+        <p14:creationId xmlns:p14="http://schemas.microsoft.com/office/powerpoint/2010/main" val="337314652"/>
+      </p:ext>
+    </p:extLst>
+  </p:cSld>
+  <p:clrMapOvr>
+    <a:masterClrMapping/>
+  </p:clrMapOvr>
+</p:sld>
+</file>
+
+<file path=ppt/slides/slide27.xml><?xml version="1.0" encoding="utf-8"?>
+<p:sld xmlns:a="http://schemas.openxmlformats.org/drawingml/2006/main" xmlns:r="http://schemas.openxmlformats.org/officeDocument/2006/relationships" xmlns:p="http://schemas.openxmlformats.org/presentationml/2006/main">
+  <p:cSld>
+    <p:spTree>
+      <p:nvGrpSpPr>
+        <p:cNvPr id="1" name="">
+          <a:extLst>
+            <a:ext uri="{FF2B5EF4-FFF2-40B4-BE49-F238E27FC236}">
+              <a16:creationId xmlns:a16="http://schemas.microsoft.com/office/drawing/2014/main" id="{DEB48371-0604-4CC4-97E3-C06516A48F4B}"/>
+            </a:ext>
+          </a:extLst>
+        </p:cNvPr>
+        <p:cNvGrpSpPr/>
+        <p:nvPr/>
+      </p:nvGrpSpPr>
+      <p:grpSpPr>
+        <a:xfrm>
+          <a:off x="0" y="0"/>
+          <a:ext cx="0" cy="0"/>
+          <a:chOff x="0" y="0"/>
+          <a:chExt cx="0" cy="0"/>
+        </a:xfrm>
+      </p:grpSpPr>
+      <mc:AlternateContent xmlns:mc="http://schemas.openxmlformats.org/markup-compatibility/2006">
+        <mc:Choice xmlns:a14="http://schemas.microsoft.com/office/drawing/2010/main" Requires="a14">
+          <p:sp>
+            <p:nvSpPr>
+              <p:cNvPr id="2" name="TextBox 1">
+                <a:extLst>
+                  <a:ext uri="{FF2B5EF4-FFF2-40B4-BE49-F238E27FC236}">
+                    <a16:creationId xmlns:a16="http://schemas.microsoft.com/office/drawing/2014/main" id="{1EE895CE-8473-EE5D-0DF0-DD2B73118FAF}"/>
+                  </a:ext>
+                </a:extLst>
+              </p:cNvPr>
+              <p:cNvSpPr txBox="1"/>
+              <p:nvPr/>
+            </p:nvSpPr>
+            <p:spPr>
+              <a:xfrm>
+                <a:off x="9691147" y="6011440"/>
+                <a:ext cx="807396" cy="369332"/>
+              </a:xfrm>
+              <a:prstGeom prst="rect">
+                <a:avLst/>
+              </a:prstGeom>
+              <a:noFill/>
+            </p:spPr>
+            <p:txBody>
+              <a:bodyPr wrap="square" rtlCol="0">
+                <a:spAutoFit/>
+              </a:bodyPr>
+              <a:lstStyle/>
+              <a:p>
+                <a:pPr/>
+                <a14:m>
+                  <m:oMathPara xmlns:m="http://schemas.openxmlformats.org/officeDocument/2006/math">
+                    <m:oMathParaPr>
+                      <m:jc m:val="centerGroup"/>
+                    </m:oMathParaPr>
+                    <m:oMath xmlns:m="http://schemas.openxmlformats.org/officeDocument/2006/math">
+                      <m:r>
+                        <a:rPr lang="en-US" b="1" i="1" smtClean="0">
+                          <a:solidFill>
+                            <a:schemeClr val="tx1"/>
+                          </a:solidFill>
+                          <a:latin typeface="Cambria Math" panose="02040503050406030204" pitchFamily="18" charset="0"/>
+                        </a:rPr>
+                        <m:t>𝑸</m:t>
+                      </m:r>
+                    </m:oMath>
+                  </m:oMathPara>
+                </a14:m>
+                <a:endParaRPr lang="en-US" b="1" dirty="0">
+                  <a:solidFill>
+                    <a:schemeClr val="tx1"/>
+                  </a:solidFill>
+                </a:endParaRPr>
+              </a:p>
+            </p:txBody>
+          </p:sp>
+        </mc:Choice>
+        <mc:Fallback>
+          <p:sp>
+            <p:nvSpPr>
+              <p:cNvPr id="2" name="TextBox 1">
+                <a:extLst>
+                  <a:ext uri="{FF2B5EF4-FFF2-40B4-BE49-F238E27FC236}">
+                    <a16:creationId xmlns:a16="http://schemas.microsoft.com/office/drawing/2014/main" id="{1EE895CE-8473-EE5D-0DF0-DD2B73118FAF}"/>
+                  </a:ext>
+                </a:extLst>
+              </p:cNvPr>
+              <p:cNvSpPr txBox="1">
+                <a:spLocks noRot="1" noChangeAspect="1" noMove="1" noResize="1" noEditPoints="1" noAdjustHandles="1" noChangeArrowheads="1" noChangeShapeType="1" noTextEdit="1"/>
+              </p:cNvSpPr>
+              <p:nvPr/>
+            </p:nvSpPr>
+            <p:spPr>
+              <a:xfrm>
+                <a:off x="9691147" y="6011440"/>
+                <a:ext cx="807396" cy="369332"/>
+              </a:xfrm>
+              <a:prstGeom prst="rect">
+                <a:avLst/>
+              </a:prstGeom>
+              <a:blipFill>
+                <a:blip r:embed="rId2"/>
+                <a:stretch>
+                  <a:fillRect b="-9836"/>
+                </a:stretch>
+              </a:blipFill>
+            </p:spPr>
+            <p:txBody>
+              <a:bodyPr/>
+              <a:lstStyle/>
+              <a:p>
+                <a:r>
+                  <a:rPr lang="en-US">
+                    <a:noFill/>
+                  </a:rPr>
+                  <a:t> </a:t>
+                </a:r>
+              </a:p>
+            </p:txBody>
+          </p:sp>
+        </mc:Fallback>
+      </mc:AlternateContent>
+      <mc:AlternateContent xmlns:mc="http://schemas.openxmlformats.org/markup-compatibility/2006">
+        <mc:Choice xmlns:a14="http://schemas.microsoft.com/office/drawing/2010/main" Requires="a14">
+          <p:sp>
+            <p:nvSpPr>
+              <p:cNvPr id="3" name="TextBox 2">
+                <a:extLst>
+                  <a:ext uri="{FF2B5EF4-FFF2-40B4-BE49-F238E27FC236}">
+                    <a16:creationId xmlns:a16="http://schemas.microsoft.com/office/drawing/2014/main" id="{2E7DA897-998A-7161-0BD7-7D04270243C4}"/>
+                  </a:ext>
+                </a:extLst>
+              </p:cNvPr>
+              <p:cNvSpPr txBox="1"/>
+              <p:nvPr/>
+            </p:nvSpPr>
+            <p:spPr>
+              <a:xfrm>
+                <a:off x="1370284" y="425673"/>
+                <a:ext cx="807396" cy="369332"/>
+              </a:xfrm>
+              <a:prstGeom prst="rect">
+                <a:avLst/>
+              </a:prstGeom>
+              <a:noFill/>
+            </p:spPr>
+            <p:txBody>
+              <a:bodyPr wrap="square" rtlCol="0">
+                <a:spAutoFit/>
+              </a:bodyPr>
+              <a:lstStyle/>
+              <a:p>
+                <a:pPr/>
+                <a14:m>
+                  <m:oMathPara xmlns:m="http://schemas.openxmlformats.org/officeDocument/2006/math">
+                    <m:oMathParaPr>
+                      <m:jc m:val="centerGroup"/>
+                    </m:oMathParaPr>
+                    <m:oMath xmlns:m="http://schemas.openxmlformats.org/officeDocument/2006/math">
+                      <m:r>
+                        <a:rPr lang="en-US" b="1" i="1" smtClean="0">
+                          <a:solidFill>
+                            <a:schemeClr val="tx1"/>
+                          </a:solidFill>
+                          <a:latin typeface="Cambria Math" panose="02040503050406030204" pitchFamily="18" charset="0"/>
+                        </a:rPr>
+                        <m:t>𝑪𝒐𝒔𝒕𝒔</m:t>
+                      </m:r>
+                    </m:oMath>
+                  </m:oMathPara>
+                </a14:m>
+                <a:endParaRPr lang="en-US" b="1" dirty="0">
+                  <a:solidFill>
+                    <a:schemeClr val="tx1"/>
+                  </a:solidFill>
+                </a:endParaRPr>
+              </a:p>
+            </p:txBody>
+          </p:sp>
+        </mc:Choice>
+        <mc:Fallback>
+          <p:sp>
+            <p:nvSpPr>
+              <p:cNvPr id="3" name="TextBox 2">
+                <a:extLst>
+                  <a:ext uri="{FF2B5EF4-FFF2-40B4-BE49-F238E27FC236}">
+                    <a16:creationId xmlns:a16="http://schemas.microsoft.com/office/drawing/2014/main" id="{2E7DA897-998A-7161-0BD7-7D04270243C4}"/>
+                  </a:ext>
+                </a:extLst>
+              </p:cNvPr>
+              <p:cNvSpPr txBox="1">
+                <a:spLocks noRot="1" noChangeAspect="1" noMove="1" noResize="1" noEditPoints="1" noAdjustHandles="1" noChangeArrowheads="1" noChangeShapeType="1" noTextEdit="1"/>
+              </p:cNvSpPr>
+              <p:nvPr/>
+            </p:nvSpPr>
+            <p:spPr>
+              <a:xfrm>
+                <a:off x="1370284" y="425673"/>
+                <a:ext cx="807396" cy="369332"/>
+              </a:xfrm>
+              <a:prstGeom prst="rect">
+                <a:avLst/>
+              </a:prstGeom>
+              <a:blipFill>
+                <a:blip r:embed="rId3"/>
+                <a:stretch>
+                  <a:fillRect/>
+                </a:stretch>
+              </a:blipFill>
+            </p:spPr>
+            <p:txBody>
+              <a:bodyPr/>
+              <a:lstStyle/>
+              <a:p>
+                <a:r>
+                  <a:rPr lang="en-US">
+                    <a:noFill/>
+                  </a:rPr>
+                  <a:t> </a:t>
+                </a:r>
+              </a:p>
+            </p:txBody>
+          </p:sp>
+        </mc:Fallback>
+      </mc:AlternateContent>
+      <p:sp>
+        <p:nvSpPr>
+          <p:cNvPr id="4" name="Freeform: Shape 3">
+            <a:extLst>
+              <a:ext uri="{FF2B5EF4-FFF2-40B4-BE49-F238E27FC236}">
+                <a16:creationId xmlns:a16="http://schemas.microsoft.com/office/drawing/2014/main" id="{0A7E7729-52B5-462C-F182-822250C3F50D}"/>
+              </a:ext>
+            </a:extLst>
+          </p:cNvPr>
+          <p:cNvSpPr/>
+          <p:nvPr/>
+        </p:nvSpPr>
+        <p:spPr>
+          <a:xfrm>
+            <a:off x="2295193" y="610339"/>
+            <a:ext cx="7601613" cy="5637321"/>
+          </a:xfrm>
+          <a:custGeom>
+            <a:avLst/>
+            <a:gdLst>
+              <a:gd name="connsiteX0" fmla="*/ 0 w 10227076"/>
+              <a:gd name="connsiteY0" fmla="*/ 0 h 5637321"/>
+              <a:gd name="connsiteX1" fmla="*/ 35511 w 10227076"/>
+              <a:gd name="connsiteY1" fmla="*/ 5637321 h 5637321"/>
+              <a:gd name="connsiteX2" fmla="*/ 10227076 w 10227076"/>
+              <a:gd name="connsiteY2" fmla="*/ 5584055 h 5637321"/>
+            </a:gdLst>
+            <a:ahLst/>
+            <a:cxnLst>
+              <a:cxn ang="0">
+                <a:pos x="connsiteX0" y="connsiteY0"/>
+              </a:cxn>
+              <a:cxn ang="0">
+                <a:pos x="connsiteX1" y="connsiteY1"/>
+              </a:cxn>
+              <a:cxn ang="0">
+                <a:pos x="connsiteX2" y="connsiteY2"/>
+              </a:cxn>
+            </a:cxnLst>
+            <a:rect l="l" t="t" r="r" b="b"/>
+            <a:pathLst>
+              <a:path w="10227076" h="5637321">
+                <a:moveTo>
+                  <a:pt x="0" y="0"/>
+                </a:moveTo>
+                <a:lnTo>
+                  <a:pt x="35511" y="5637321"/>
+                </a:lnTo>
+                <a:lnTo>
+                  <a:pt x="10227076" y="5584055"/>
+                </a:lnTo>
+              </a:path>
+            </a:pathLst>
+          </a:custGeom>
+          <a:ln w="57150"/>
+        </p:spPr>
+        <p:style>
+          <a:lnRef idx="3">
+            <a:schemeClr val="dk1"/>
+          </a:lnRef>
+          <a:fillRef idx="0">
+            <a:schemeClr val="dk1"/>
+          </a:fillRef>
+          <a:effectRef idx="2">
+            <a:schemeClr val="dk1"/>
+          </a:effectRef>
+          <a:fontRef idx="minor">
+            <a:schemeClr val="tx1"/>
+          </a:fontRef>
+        </p:style>
+        <p:txBody>
+          <a:bodyPr rtlCol="0" anchor="ctr"/>
+          <a:lstStyle/>
+          <a:p>
+            <a:pPr algn="ctr"/>
+            <a:endParaRPr lang="en-US"/>
+          </a:p>
+        </p:txBody>
+      </p:sp>
+      <p:sp>
+        <p:nvSpPr>
+          <p:cNvPr id="10" name="Freeform: Shape 9">
+            <a:extLst>
+              <a:ext uri="{FF2B5EF4-FFF2-40B4-BE49-F238E27FC236}">
+                <a16:creationId xmlns:a16="http://schemas.microsoft.com/office/drawing/2014/main" id="{85800928-42B1-7E81-FE14-027E51860A78}"/>
+              </a:ext>
+            </a:extLst>
+          </p:cNvPr>
+          <p:cNvSpPr/>
+          <p:nvPr/>
+        </p:nvSpPr>
+        <p:spPr>
+          <a:xfrm>
+            <a:off x="3061854" y="2255007"/>
+            <a:ext cx="6497782" cy="2370112"/>
+          </a:xfrm>
+          <a:custGeom>
+            <a:avLst/>
+            <a:gdLst>
+              <a:gd name="connsiteX0" fmla="*/ 0 w 6497782"/>
+              <a:gd name="connsiteY0" fmla="*/ 1918855 h 2370112"/>
+              <a:gd name="connsiteX1" fmla="*/ 3574473 w 6497782"/>
+              <a:gd name="connsiteY1" fmla="*/ 2237509 h 2370112"/>
+              <a:gd name="connsiteX2" fmla="*/ 6497782 w 6497782"/>
+              <a:gd name="connsiteY2" fmla="*/ 0 h 2370112"/>
+            </a:gdLst>
+            <a:ahLst/>
+            <a:cxnLst>
+              <a:cxn ang="0">
+                <a:pos x="connsiteX0" y="connsiteY0"/>
+              </a:cxn>
+              <a:cxn ang="0">
+                <a:pos x="connsiteX1" y="connsiteY1"/>
+              </a:cxn>
+              <a:cxn ang="0">
+                <a:pos x="connsiteX2" y="connsiteY2"/>
+              </a:cxn>
+            </a:cxnLst>
+            <a:rect l="l" t="t" r="r" b="b"/>
+            <a:pathLst>
+              <a:path w="6497782" h="2370112">
+                <a:moveTo>
+                  <a:pt x="0" y="1918855"/>
+                </a:moveTo>
+                <a:cubicBezTo>
+                  <a:pt x="1245754" y="2238086"/>
+                  <a:pt x="2491509" y="2557318"/>
+                  <a:pt x="3574473" y="2237509"/>
+                </a:cubicBezTo>
+                <a:cubicBezTo>
+                  <a:pt x="4657437" y="1917700"/>
+                  <a:pt x="5577609" y="958850"/>
+                  <a:pt x="6497782" y="0"/>
+                </a:cubicBezTo>
+              </a:path>
+            </a:pathLst>
+          </a:custGeom>
+          <a:noFill/>
+          <a:ln w="57150">
+            <a:solidFill>
+              <a:schemeClr val="accent5"/>
+            </a:solidFill>
+          </a:ln>
+        </p:spPr>
+        <p:style>
+          <a:lnRef idx="2">
+            <a:schemeClr val="accent1">
+              <a:shade val="15000"/>
+            </a:schemeClr>
+          </a:lnRef>
+          <a:fillRef idx="1">
+            <a:schemeClr val="accent1"/>
+          </a:fillRef>
+          <a:effectRef idx="0">
+            <a:schemeClr val="accent1"/>
+          </a:effectRef>
+          <a:fontRef idx="minor">
+            <a:schemeClr val="lt1"/>
+          </a:fontRef>
+        </p:style>
+        <p:txBody>
+          <a:bodyPr rtlCol="0" anchor="ctr"/>
+          <a:lstStyle/>
+          <a:p>
+            <a:pPr algn="ctr"/>
+            <a:endParaRPr lang="en-US"/>
+          </a:p>
+        </p:txBody>
+      </p:sp>
+      <mc:AlternateContent xmlns:mc="http://schemas.openxmlformats.org/markup-compatibility/2006">
+        <mc:Choice xmlns:a14="http://schemas.microsoft.com/office/drawing/2010/main" Requires="a14">
+          <p:sp>
+            <p:nvSpPr>
+              <p:cNvPr id="11" name="TextBox 10">
+                <a:extLst>
+                  <a:ext uri="{FF2B5EF4-FFF2-40B4-BE49-F238E27FC236}">
+                    <a16:creationId xmlns:a16="http://schemas.microsoft.com/office/drawing/2014/main" id="{B8B61B06-5B75-3B86-F9BD-3729BFC8A2D4}"/>
+                  </a:ext>
+                </a:extLst>
+              </p:cNvPr>
+              <p:cNvSpPr txBox="1"/>
+              <p:nvPr/>
+            </p:nvSpPr>
+            <p:spPr>
+              <a:xfrm>
+                <a:off x="9392564" y="1954207"/>
+                <a:ext cx="1227676" cy="523220"/>
+              </a:xfrm>
+              <a:prstGeom prst="rect">
+                <a:avLst/>
+              </a:prstGeom>
+              <a:noFill/>
+            </p:spPr>
+            <p:txBody>
+              <a:bodyPr wrap="square" rtlCol="0">
+                <a:spAutoFit/>
+              </a:bodyPr>
+              <a:lstStyle/>
+              <a:p>
+                <a:pPr/>
+                <a14:m>
+                  <m:oMathPara xmlns:m="http://schemas.openxmlformats.org/officeDocument/2006/math">
+                    <m:oMathParaPr>
+                      <m:jc m:val="centerGroup"/>
+                    </m:oMathParaPr>
+                    <m:oMath xmlns:m="http://schemas.openxmlformats.org/officeDocument/2006/math">
+                      <m:r>
+                        <a:rPr lang="en-US" sz="2800" b="1" i="1" smtClean="0">
+                          <a:solidFill>
+                            <a:schemeClr val="accent5"/>
+                          </a:solidFill>
+                          <a:latin typeface="Cambria Math" panose="02040503050406030204" pitchFamily="18" charset="0"/>
+                        </a:rPr>
+                        <m:t>𝑨𝑽𝑪</m:t>
+                      </m:r>
+                    </m:oMath>
+                  </m:oMathPara>
+                </a14:m>
+                <a:endParaRPr lang="en-US" sz="2800" b="1" dirty="0">
+                  <a:solidFill>
+                    <a:schemeClr val="accent5"/>
+                  </a:solidFill>
+                </a:endParaRPr>
+              </a:p>
+            </p:txBody>
+          </p:sp>
+        </mc:Choice>
+        <mc:Fallback>
+          <p:sp>
+            <p:nvSpPr>
+              <p:cNvPr id="11" name="TextBox 10">
+                <a:extLst>
+                  <a:ext uri="{FF2B5EF4-FFF2-40B4-BE49-F238E27FC236}">
+                    <a16:creationId xmlns:a16="http://schemas.microsoft.com/office/drawing/2014/main" id="{B8B61B06-5B75-3B86-F9BD-3729BFC8A2D4}"/>
+                  </a:ext>
+                </a:extLst>
+              </p:cNvPr>
+              <p:cNvSpPr txBox="1">
+                <a:spLocks noRot="1" noChangeAspect="1" noMove="1" noResize="1" noEditPoints="1" noAdjustHandles="1" noChangeArrowheads="1" noChangeShapeType="1" noTextEdit="1"/>
+              </p:cNvSpPr>
+              <p:nvPr/>
+            </p:nvSpPr>
+            <p:spPr>
+              <a:xfrm>
+                <a:off x="9392564" y="1954207"/>
+                <a:ext cx="1227676" cy="523220"/>
+              </a:xfrm>
+              <a:prstGeom prst="rect">
+                <a:avLst/>
+              </a:prstGeom>
+              <a:blipFill>
+                <a:blip r:embed="rId4"/>
+                <a:stretch>
+                  <a:fillRect/>
+                </a:stretch>
+              </a:blipFill>
+            </p:spPr>
+            <p:txBody>
+              <a:bodyPr/>
+              <a:lstStyle/>
+              <a:p>
+                <a:r>
+                  <a:rPr lang="en-US">
+                    <a:noFill/>
+                  </a:rPr>
+                  <a:t> </a:t>
+                </a:r>
+              </a:p>
+            </p:txBody>
+          </p:sp>
+        </mc:Fallback>
+      </mc:AlternateContent>
+    </p:spTree>
+    <p:extLst>
+      <p:ext uri="{BB962C8B-B14F-4D97-AF65-F5344CB8AC3E}">
+        <p14:creationId xmlns:p14="http://schemas.microsoft.com/office/powerpoint/2010/main" val="3219402874"/>
+      </p:ext>
+    </p:extLst>
+  </p:cSld>
+  <p:clrMapOvr>
+    <a:masterClrMapping/>
+  </p:clrMapOvr>
+</p:sld>
+</file>
+
+<file path=ppt/slides/slide28.xml><?xml version="1.0" encoding="utf-8"?>
+<p:sld xmlns:a="http://schemas.openxmlformats.org/drawingml/2006/main" xmlns:r="http://schemas.openxmlformats.org/officeDocument/2006/relationships" xmlns:p="http://schemas.openxmlformats.org/presentationml/2006/main">
+  <p:cSld>
+    <p:spTree>
+      <p:nvGrpSpPr>
+        <p:cNvPr id="1" name="">
+          <a:extLst>
+            <a:ext uri="{FF2B5EF4-FFF2-40B4-BE49-F238E27FC236}">
+              <a16:creationId xmlns:a16="http://schemas.microsoft.com/office/drawing/2014/main" id="{2E9BC657-F9C4-6FCB-FF55-554DC86C79BA}"/>
+            </a:ext>
+          </a:extLst>
+        </p:cNvPr>
+        <p:cNvGrpSpPr/>
+        <p:nvPr/>
+      </p:nvGrpSpPr>
+      <p:grpSpPr>
+        <a:xfrm>
+          <a:off x="0" y="0"/>
+          <a:ext cx="0" cy="0"/>
+          <a:chOff x="0" y="0"/>
+          <a:chExt cx="0" cy="0"/>
+        </a:xfrm>
+      </p:grpSpPr>
+      <mc:AlternateContent xmlns:mc="http://schemas.openxmlformats.org/markup-compatibility/2006">
+        <mc:Choice xmlns:a14="http://schemas.microsoft.com/office/drawing/2010/main" Requires="a14">
+          <p:sp>
+            <p:nvSpPr>
+              <p:cNvPr id="2" name="TextBox 1">
+                <a:extLst>
+                  <a:ext uri="{FF2B5EF4-FFF2-40B4-BE49-F238E27FC236}">
+                    <a16:creationId xmlns:a16="http://schemas.microsoft.com/office/drawing/2014/main" id="{54D3BB4A-9972-5764-70E3-77F49528B33F}"/>
+                  </a:ext>
+                </a:extLst>
+              </p:cNvPr>
+              <p:cNvSpPr txBox="1"/>
+              <p:nvPr/>
+            </p:nvSpPr>
+            <p:spPr>
+              <a:xfrm>
+                <a:off x="9691147" y="6011440"/>
+                <a:ext cx="807396" cy="369332"/>
+              </a:xfrm>
+              <a:prstGeom prst="rect">
+                <a:avLst/>
+              </a:prstGeom>
+              <a:noFill/>
+            </p:spPr>
+            <p:txBody>
+              <a:bodyPr wrap="square" rtlCol="0">
+                <a:spAutoFit/>
+              </a:bodyPr>
+              <a:lstStyle/>
+              <a:p>
+                <a:pPr/>
+                <a14:m>
+                  <m:oMathPara xmlns:m="http://schemas.openxmlformats.org/officeDocument/2006/math">
+                    <m:oMathParaPr>
+                      <m:jc m:val="centerGroup"/>
+                    </m:oMathParaPr>
+                    <m:oMath xmlns:m="http://schemas.openxmlformats.org/officeDocument/2006/math">
+                      <m:r>
+                        <a:rPr lang="en-US" b="1" i="1" smtClean="0">
+                          <a:solidFill>
+                            <a:schemeClr val="tx1"/>
+                          </a:solidFill>
+                          <a:latin typeface="Cambria Math" panose="02040503050406030204" pitchFamily="18" charset="0"/>
+                        </a:rPr>
+                        <m:t>𝑸</m:t>
+                      </m:r>
+                    </m:oMath>
+                  </m:oMathPara>
+                </a14:m>
+                <a:endParaRPr lang="en-US" b="1" dirty="0">
+                  <a:solidFill>
+                    <a:schemeClr val="tx1"/>
+                  </a:solidFill>
+                </a:endParaRPr>
+              </a:p>
+            </p:txBody>
+          </p:sp>
+        </mc:Choice>
+        <mc:Fallback>
+          <p:sp>
+            <p:nvSpPr>
+              <p:cNvPr id="2" name="TextBox 1">
+                <a:extLst>
+                  <a:ext uri="{FF2B5EF4-FFF2-40B4-BE49-F238E27FC236}">
+                    <a16:creationId xmlns:a16="http://schemas.microsoft.com/office/drawing/2014/main" id="{54D3BB4A-9972-5764-70E3-77F49528B33F}"/>
+                  </a:ext>
+                </a:extLst>
+              </p:cNvPr>
+              <p:cNvSpPr txBox="1">
+                <a:spLocks noRot="1" noChangeAspect="1" noMove="1" noResize="1" noEditPoints="1" noAdjustHandles="1" noChangeArrowheads="1" noChangeShapeType="1" noTextEdit="1"/>
+              </p:cNvSpPr>
+              <p:nvPr/>
+            </p:nvSpPr>
+            <p:spPr>
+              <a:xfrm>
+                <a:off x="9691147" y="6011440"/>
+                <a:ext cx="807396" cy="369332"/>
+              </a:xfrm>
+              <a:prstGeom prst="rect">
+                <a:avLst/>
+              </a:prstGeom>
+              <a:blipFill>
+                <a:blip r:embed="rId2"/>
+                <a:stretch>
+                  <a:fillRect b="-9836"/>
+                </a:stretch>
+              </a:blipFill>
+            </p:spPr>
+            <p:txBody>
+              <a:bodyPr/>
+              <a:lstStyle/>
+              <a:p>
+                <a:r>
+                  <a:rPr lang="en-US">
+                    <a:noFill/>
+                  </a:rPr>
+                  <a:t> </a:t>
+                </a:r>
+              </a:p>
+            </p:txBody>
+          </p:sp>
+        </mc:Fallback>
+      </mc:AlternateContent>
+      <mc:AlternateContent xmlns:mc="http://schemas.openxmlformats.org/markup-compatibility/2006">
+        <mc:Choice xmlns:a14="http://schemas.microsoft.com/office/drawing/2010/main" Requires="a14">
+          <p:sp>
+            <p:nvSpPr>
+              <p:cNvPr id="3" name="TextBox 2">
+                <a:extLst>
+                  <a:ext uri="{FF2B5EF4-FFF2-40B4-BE49-F238E27FC236}">
+                    <a16:creationId xmlns:a16="http://schemas.microsoft.com/office/drawing/2014/main" id="{D88E5FC7-4C15-2D86-FF2E-78D2A24F0145}"/>
+                  </a:ext>
+                </a:extLst>
+              </p:cNvPr>
+              <p:cNvSpPr txBox="1"/>
+              <p:nvPr/>
+            </p:nvSpPr>
+            <p:spPr>
+              <a:xfrm>
+                <a:off x="1370284" y="425673"/>
+                <a:ext cx="807396" cy="369332"/>
+              </a:xfrm>
+              <a:prstGeom prst="rect">
+                <a:avLst/>
+              </a:prstGeom>
+              <a:noFill/>
+            </p:spPr>
+            <p:txBody>
+              <a:bodyPr wrap="square" rtlCol="0">
+                <a:spAutoFit/>
+              </a:bodyPr>
+              <a:lstStyle/>
+              <a:p>
+                <a:pPr/>
+                <a14:m>
+                  <m:oMathPara xmlns:m="http://schemas.openxmlformats.org/officeDocument/2006/math">
+                    <m:oMathParaPr>
+                      <m:jc m:val="centerGroup"/>
+                    </m:oMathParaPr>
+                    <m:oMath xmlns:m="http://schemas.openxmlformats.org/officeDocument/2006/math">
+                      <m:r>
+                        <a:rPr lang="en-US" b="1" i="1" smtClean="0">
+                          <a:solidFill>
+                            <a:schemeClr val="tx1"/>
+                          </a:solidFill>
+                          <a:latin typeface="Cambria Math" panose="02040503050406030204" pitchFamily="18" charset="0"/>
+                        </a:rPr>
+                        <m:t>𝑪𝒐𝒔𝒕𝒔</m:t>
+                      </m:r>
+                    </m:oMath>
+                  </m:oMathPara>
+                </a14:m>
+                <a:endParaRPr lang="en-US" b="1" dirty="0">
+                  <a:solidFill>
+                    <a:schemeClr val="tx1"/>
+                  </a:solidFill>
+                </a:endParaRPr>
+              </a:p>
+            </p:txBody>
+          </p:sp>
+        </mc:Choice>
+        <mc:Fallback>
+          <p:sp>
+            <p:nvSpPr>
+              <p:cNvPr id="3" name="TextBox 2">
+                <a:extLst>
+                  <a:ext uri="{FF2B5EF4-FFF2-40B4-BE49-F238E27FC236}">
+                    <a16:creationId xmlns:a16="http://schemas.microsoft.com/office/drawing/2014/main" id="{D88E5FC7-4C15-2D86-FF2E-78D2A24F0145}"/>
+                  </a:ext>
+                </a:extLst>
+              </p:cNvPr>
+              <p:cNvSpPr txBox="1">
+                <a:spLocks noRot="1" noChangeAspect="1" noMove="1" noResize="1" noEditPoints="1" noAdjustHandles="1" noChangeArrowheads="1" noChangeShapeType="1" noTextEdit="1"/>
+              </p:cNvSpPr>
+              <p:nvPr/>
+            </p:nvSpPr>
+            <p:spPr>
+              <a:xfrm>
+                <a:off x="1370284" y="425673"/>
+                <a:ext cx="807396" cy="369332"/>
+              </a:xfrm>
+              <a:prstGeom prst="rect">
+                <a:avLst/>
+              </a:prstGeom>
+              <a:blipFill>
+                <a:blip r:embed="rId3"/>
+                <a:stretch>
+                  <a:fillRect/>
+                </a:stretch>
+              </a:blipFill>
+            </p:spPr>
+            <p:txBody>
+              <a:bodyPr/>
+              <a:lstStyle/>
+              <a:p>
+                <a:r>
+                  <a:rPr lang="en-US">
+                    <a:noFill/>
+                  </a:rPr>
+                  <a:t> </a:t>
+                </a:r>
+              </a:p>
+            </p:txBody>
+          </p:sp>
+        </mc:Fallback>
+      </mc:AlternateContent>
+      <p:sp>
+        <p:nvSpPr>
+          <p:cNvPr id="4" name="Freeform: Shape 3">
+            <a:extLst>
+              <a:ext uri="{FF2B5EF4-FFF2-40B4-BE49-F238E27FC236}">
+                <a16:creationId xmlns:a16="http://schemas.microsoft.com/office/drawing/2014/main" id="{F352A3E0-3866-B993-C697-343CD9EEC2B4}"/>
+              </a:ext>
+            </a:extLst>
+          </p:cNvPr>
+          <p:cNvSpPr/>
+          <p:nvPr/>
+        </p:nvSpPr>
+        <p:spPr>
+          <a:xfrm>
+            <a:off x="2295193" y="610339"/>
+            <a:ext cx="7601613" cy="5637321"/>
+          </a:xfrm>
+          <a:custGeom>
+            <a:avLst/>
+            <a:gdLst>
+              <a:gd name="connsiteX0" fmla="*/ 0 w 10227076"/>
+              <a:gd name="connsiteY0" fmla="*/ 0 h 5637321"/>
+              <a:gd name="connsiteX1" fmla="*/ 35511 w 10227076"/>
+              <a:gd name="connsiteY1" fmla="*/ 5637321 h 5637321"/>
+              <a:gd name="connsiteX2" fmla="*/ 10227076 w 10227076"/>
+              <a:gd name="connsiteY2" fmla="*/ 5584055 h 5637321"/>
+            </a:gdLst>
+            <a:ahLst/>
+            <a:cxnLst>
+              <a:cxn ang="0">
+                <a:pos x="connsiteX0" y="connsiteY0"/>
+              </a:cxn>
+              <a:cxn ang="0">
+                <a:pos x="connsiteX1" y="connsiteY1"/>
+              </a:cxn>
+              <a:cxn ang="0">
+                <a:pos x="connsiteX2" y="connsiteY2"/>
+              </a:cxn>
+            </a:cxnLst>
+            <a:rect l="l" t="t" r="r" b="b"/>
+            <a:pathLst>
+              <a:path w="10227076" h="5637321">
+                <a:moveTo>
+                  <a:pt x="0" y="0"/>
+                </a:moveTo>
+                <a:lnTo>
+                  <a:pt x="35511" y="5637321"/>
+                </a:lnTo>
+                <a:lnTo>
+                  <a:pt x="10227076" y="5584055"/>
+                </a:lnTo>
+              </a:path>
+            </a:pathLst>
+          </a:custGeom>
+          <a:ln w="57150"/>
+        </p:spPr>
+        <p:style>
+          <a:lnRef idx="3">
+            <a:schemeClr val="dk1"/>
+          </a:lnRef>
+          <a:fillRef idx="0">
+            <a:schemeClr val="dk1"/>
+          </a:fillRef>
+          <a:effectRef idx="2">
+            <a:schemeClr val="dk1"/>
+          </a:effectRef>
+          <a:fontRef idx="minor">
+            <a:schemeClr val="tx1"/>
+          </a:fontRef>
+        </p:style>
+        <p:txBody>
+          <a:bodyPr rtlCol="0" anchor="ctr"/>
+          <a:lstStyle/>
+          <a:p>
+            <a:pPr algn="ctr"/>
+            <a:endParaRPr lang="en-US"/>
+          </a:p>
+        </p:txBody>
+      </p:sp>
+      <mc:AlternateContent xmlns:mc="http://schemas.openxmlformats.org/markup-compatibility/2006">
+        <mc:Choice xmlns:a14="http://schemas.microsoft.com/office/drawing/2010/main" Requires="a14">
+          <p:sp>
+            <p:nvSpPr>
+              <p:cNvPr id="8" name="TextBox 7">
+                <a:extLst>
+                  <a:ext uri="{FF2B5EF4-FFF2-40B4-BE49-F238E27FC236}">
+                    <a16:creationId xmlns:a16="http://schemas.microsoft.com/office/drawing/2014/main" id="{A8ADDEDC-BEDF-5FEA-15D3-3AEC2DFA5A12}"/>
+                  </a:ext>
+                </a:extLst>
+              </p:cNvPr>
+              <p:cNvSpPr txBox="1"/>
+              <p:nvPr/>
+            </p:nvSpPr>
+            <p:spPr>
+              <a:xfrm>
+                <a:off x="8984988" y="1466574"/>
+                <a:ext cx="1227676" cy="523220"/>
+              </a:xfrm>
+              <a:prstGeom prst="rect">
+                <a:avLst/>
+              </a:prstGeom>
+              <a:noFill/>
+            </p:spPr>
+            <p:txBody>
+              <a:bodyPr wrap="square" rtlCol="0">
+                <a:spAutoFit/>
+              </a:bodyPr>
+              <a:lstStyle/>
+              <a:p>
+                <a:pPr/>
+                <a14:m>
+                  <m:oMathPara xmlns:m="http://schemas.openxmlformats.org/officeDocument/2006/math">
+                    <m:oMathParaPr>
+                      <m:jc m:val="centerGroup"/>
+                    </m:oMathParaPr>
+                    <m:oMath xmlns:m="http://schemas.openxmlformats.org/officeDocument/2006/math">
+                      <m:r>
+                        <a:rPr lang="en-US" sz="2800" b="1" i="1" smtClean="0">
+                          <a:solidFill>
+                            <a:schemeClr val="accent4"/>
+                          </a:solidFill>
+                          <a:latin typeface="Cambria Math" panose="02040503050406030204" pitchFamily="18" charset="0"/>
+                        </a:rPr>
+                        <m:t>𝑨𝑻𝑪</m:t>
+                      </m:r>
+                    </m:oMath>
+                  </m:oMathPara>
+                </a14:m>
+                <a:endParaRPr lang="en-US" sz="2800" b="1" dirty="0">
+                  <a:solidFill>
+                    <a:schemeClr val="accent4"/>
+                  </a:solidFill>
+                </a:endParaRPr>
+              </a:p>
+            </p:txBody>
+          </p:sp>
+        </mc:Choice>
+        <mc:Fallback>
+          <p:sp>
+            <p:nvSpPr>
+              <p:cNvPr id="8" name="TextBox 7">
+                <a:extLst>
+                  <a:ext uri="{FF2B5EF4-FFF2-40B4-BE49-F238E27FC236}">
+                    <a16:creationId xmlns:a16="http://schemas.microsoft.com/office/drawing/2014/main" id="{A8ADDEDC-BEDF-5FEA-15D3-3AEC2DFA5A12}"/>
+                  </a:ext>
+                </a:extLst>
+              </p:cNvPr>
+              <p:cNvSpPr txBox="1">
+                <a:spLocks noRot="1" noChangeAspect="1" noMove="1" noResize="1" noEditPoints="1" noAdjustHandles="1" noChangeArrowheads="1" noChangeShapeType="1" noTextEdit="1"/>
+              </p:cNvSpPr>
+              <p:nvPr/>
+            </p:nvSpPr>
+            <p:spPr>
+              <a:xfrm>
+                <a:off x="8984988" y="1466574"/>
+                <a:ext cx="1227676" cy="523220"/>
+              </a:xfrm>
+              <a:prstGeom prst="rect">
+                <a:avLst/>
+              </a:prstGeom>
+              <a:blipFill>
+                <a:blip r:embed="rId4"/>
+                <a:stretch>
+                  <a:fillRect/>
+                </a:stretch>
+              </a:blipFill>
+            </p:spPr>
+            <p:txBody>
+              <a:bodyPr/>
+              <a:lstStyle/>
+              <a:p>
+                <a:r>
+                  <a:rPr lang="en-US">
+                    <a:noFill/>
+                  </a:rPr>
+                  <a:t> </a:t>
+                </a:r>
+              </a:p>
+            </p:txBody>
+          </p:sp>
+        </mc:Fallback>
+      </mc:AlternateContent>
+      <p:sp>
+        <p:nvSpPr>
+          <p:cNvPr id="10" name="Freeform: Shape 9">
+            <a:extLst>
+              <a:ext uri="{FF2B5EF4-FFF2-40B4-BE49-F238E27FC236}">
+                <a16:creationId xmlns:a16="http://schemas.microsoft.com/office/drawing/2014/main" id="{9B21783D-0477-5929-BB82-1F7CC8F71CAF}"/>
+              </a:ext>
+            </a:extLst>
+          </p:cNvPr>
+          <p:cNvSpPr/>
+          <p:nvPr/>
+        </p:nvSpPr>
+        <p:spPr>
+          <a:xfrm>
+            <a:off x="3331910" y="1728184"/>
+            <a:ext cx="5715000" cy="1359998"/>
+          </a:xfrm>
+          <a:custGeom>
+            <a:avLst/>
+            <a:gdLst>
+              <a:gd name="connsiteX0" fmla="*/ 0 w 5715000"/>
+              <a:gd name="connsiteY0" fmla="*/ 256309 h 1359998"/>
+              <a:gd name="connsiteX1" fmla="*/ 2798618 w 5715000"/>
+              <a:gd name="connsiteY1" fmla="*/ 1357746 h 1359998"/>
+              <a:gd name="connsiteX2" fmla="*/ 5715000 w 5715000"/>
+              <a:gd name="connsiteY2" fmla="*/ 0 h 1359998"/>
+            </a:gdLst>
+            <a:ahLst/>
+            <a:cxnLst>
+              <a:cxn ang="0">
+                <a:pos x="connsiteX0" y="connsiteY0"/>
+              </a:cxn>
+              <a:cxn ang="0">
+                <a:pos x="connsiteX1" y="connsiteY1"/>
+              </a:cxn>
+              <a:cxn ang="0">
+                <a:pos x="connsiteX2" y="connsiteY2"/>
+              </a:cxn>
+            </a:cxnLst>
+            <a:rect l="l" t="t" r="r" b="b"/>
+            <a:pathLst>
+              <a:path w="5715000" h="1359998">
+                <a:moveTo>
+                  <a:pt x="0" y="256309"/>
+                </a:moveTo>
+                <a:cubicBezTo>
+                  <a:pt x="923059" y="828386"/>
+                  <a:pt x="1846118" y="1400464"/>
+                  <a:pt x="2798618" y="1357746"/>
+                </a:cubicBezTo>
+                <a:cubicBezTo>
+                  <a:pt x="3751118" y="1315028"/>
+                  <a:pt x="4733059" y="657514"/>
+                  <a:pt x="5715000" y="0"/>
+                </a:cubicBezTo>
+              </a:path>
+            </a:pathLst>
+          </a:custGeom>
+          <a:noFill/>
+          <a:ln w="57150">
+            <a:solidFill>
+              <a:schemeClr val="accent4"/>
+            </a:solidFill>
+          </a:ln>
+        </p:spPr>
+        <p:style>
+          <a:lnRef idx="2">
+            <a:schemeClr val="accent1">
+              <a:shade val="15000"/>
+            </a:schemeClr>
+          </a:lnRef>
+          <a:fillRef idx="1">
+            <a:schemeClr val="accent1"/>
+          </a:fillRef>
+          <a:effectRef idx="0">
+            <a:schemeClr val="accent1"/>
+          </a:effectRef>
+          <a:fontRef idx="minor">
+            <a:schemeClr val="lt1"/>
+          </a:fontRef>
+        </p:style>
+        <p:txBody>
+          <a:bodyPr rtlCol="0" anchor="ctr"/>
+          <a:lstStyle/>
+          <a:p>
+            <a:pPr algn="ctr"/>
+            <a:endParaRPr lang="en-US"/>
+          </a:p>
+        </p:txBody>
+      </p:sp>
+    </p:spTree>
+    <p:extLst>
+      <p:ext uri="{BB962C8B-B14F-4D97-AF65-F5344CB8AC3E}">
+        <p14:creationId xmlns:p14="http://schemas.microsoft.com/office/powerpoint/2010/main" val="773205205"/>
+      </p:ext>
+    </p:extLst>
+  </p:cSld>
+  <p:clrMapOvr>
+    <a:masterClrMapping/>
+  </p:clrMapOvr>
+</p:sld>
+</file>
+
+<file path=ppt/slides/slide29.xml><?xml version="1.0" encoding="utf-8"?>
+<p:sld xmlns:a="http://schemas.openxmlformats.org/drawingml/2006/main" xmlns:r="http://schemas.openxmlformats.org/officeDocument/2006/relationships" xmlns:p="http://schemas.openxmlformats.org/presentationml/2006/main">
+  <p:cSld>
+    <p:spTree>
+      <p:nvGrpSpPr>
+        <p:cNvPr id="1" name="">
+          <a:extLst>
+            <a:ext uri="{FF2B5EF4-FFF2-40B4-BE49-F238E27FC236}">
+              <a16:creationId xmlns:a16="http://schemas.microsoft.com/office/drawing/2014/main" id="{0A057823-E5C8-E8A7-125D-91467CE8DB83}"/>
+            </a:ext>
+          </a:extLst>
+        </p:cNvPr>
+        <p:cNvGrpSpPr/>
+        <p:nvPr/>
+      </p:nvGrpSpPr>
+      <p:grpSpPr>
+        <a:xfrm>
+          <a:off x="0" y="0"/>
+          <a:ext cx="0" cy="0"/>
+          <a:chOff x="0" y="0"/>
+          <a:chExt cx="0" cy="0"/>
+        </a:xfrm>
+      </p:grpSpPr>
+      <mc:AlternateContent xmlns:mc="http://schemas.openxmlformats.org/markup-compatibility/2006">
+        <mc:Choice xmlns:a14="http://schemas.microsoft.com/office/drawing/2010/main" Requires="a14">
+          <p:sp>
+            <p:nvSpPr>
+              <p:cNvPr id="2" name="TextBox 1">
+                <a:extLst>
+                  <a:ext uri="{FF2B5EF4-FFF2-40B4-BE49-F238E27FC236}">
+                    <a16:creationId xmlns:a16="http://schemas.microsoft.com/office/drawing/2014/main" id="{63BEF1D0-422A-BEEA-4D2F-7213046ECCB5}"/>
+                  </a:ext>
+                </a:extLst>
+              </p:cNvPr>
+              <p:cNvSpPr txBox="1"/>
+              <p:nvPr/>
+            </p:nvSpPr>
+            <p:spPr>
+              <a:xfrm>
+                <a:off x="9691147" y="6011440"/>
+                <a:ext cx="807396" cy="369332"/>
+              </a:xfrm>
+              <a:prstGeom prst="rect">
+                <a:avLst/>
+              </a:prstGeom>
+              <a:noFill/>
+            </p:spPr>
+            <p:txBody>
+              <a:bodyPr wrap="square" rtlCol="0">
+                <a:spAutoFit/>
+              </a:bodyPr>
+              <a:lstStyle/>
+              <a:p>
+                <a:pPr/>
+                <a14:m>
+                  <m:oMathPara xmlns:m="http://schemas.openxmlformats.org/officeDocument/2006/math">
+                    <m:oMathParaPr>
+                      <m:jc m:val="centerGroup"/>
+                    </m:oMathParaPr>
+                    <m:oMath xmlns:m="http://schemas.openxmlformats.org/officeDocument/2006/math">
+                      <m:r>
+                        <a:rPr lang="en-US" b="1" i="1" smtClean="0">
+                          <a:solidFill>
+                            <a:schemeClr val="tx1"/>
+                          </a:solidFill>
+                          <a:latin typeface="Cambria Math" panose="02040503050406030204" pitchFamily="18" charset="0"/>
+                        </a:rPr>
+                        <m:t>𝑸</m:t>
+                      </m:r>
+                    </m:oMath>
+                  </m:oMathPara>
+                </a14:m>
+                <a:endParaRPr lang="en-US" b="1" dirty="0">
+                  <a:solidFill>
+                    <a:schemeClr val="tx1"/>
+                  </a:solidFill>
+                </a:endParaRPr>
+              </a:p>
+            </p:txBody>
+          </p:sp>
+        </mc:Choice>
+        <mc:Fallback>
+          <p:sp>
+            <p:nvSpPr>
+              <p:cNvPr id="2" name="TextBox 1">
+                <a:extLst>
+                  <a:ext uri="{FF2B5EF4-FFF2-40B4-BE49-F238E27FC236}">
+                    <a16:creationId xmlns:a16="http://schemas.microsoft.com/office/drawing/2014/main" id="{63BEF1D0-422A-BEEA-4D2F-7213046ECCB5}"/>
+                  </a:ext>
+                </a:extLst>
+              </p:cNvPr>
+              <p:cNvSpPr txBox="1">
+                <a:spLocks noRot="1" noChangeAspect="1" noMove="1" noResize="1" noEditPoints="1" noAdjustHandles="1" noChangeArrowheads="1" noChangeShapeType="1" noTextEdit="1"/>
+              </p:cNvSpPr>
+              <p:nvPr/>
+            </p:nvSpPr>
+            <p:spPr>
+              <a:xfrm>
+                <a:off x="9691147" y="6011440"/>
+                <a:ext cx="807396" cy="369332"/>
+              </a:xfrm>
+              <a:prstGeom prst="rect">
+                <a:avLst/>
+              </a:prstGeom>
+              <a:blipFill>
+                <a:blip r:embed="rId2"/>
+                <a:stretch>
+                  <a:fillRect b="-9836"/>
+                </a:stretch>
+              </a:blipFill>
+            </p:spPr>
+            <p:txBody>
+              <a:bodyPr/>
+              <a:lstStyle/>
+              <a:p>
+                <a:r>
+                  <a:rPr lang="en-US">
+                    <a:noFill/>
+                  </a:rPr>
+                  <a:t> </a:t>
+                </a:r>
+              </a:p>
+            </p:txBody>
+          </p:sp>
+        </mc:Fallback>
+      </mc:AlternateContent>
+      <mc:AlternateContent xmlns:mc="http://schemas.openxmlformats.org/markup-compatibility/2006">
+        <mc:Choice xmlns:a14="http://schemas.microsoft.com/office/drawing/2010/main" Requires="a14">
+          <p:sp>
+            <p:nvSpPr>
+              <p:cNvPr id="3" name="TextBox 2">
+                <a:extLst>
+                  <a:ext uri="{FF2B5EF4-FFF2-40B4-BE49-F238E27FC236}">
+                    <a16:creationId xmlns:a16="http://schemas.microsoft.com/office/drawing/2014/main" id="{D81620E0-2547-1BE1-4C80-63FD382B8DBD}"/>
+                  </a:ext>
+                </a:extLst>
+              </p:cNvPr>
+              <p:cNvSpPr txBox="1"/>
+              <p:nvPr/>
+            </p:nvSpPr>
+            <p:spPr>
+              <a:xfrm>
+                <a:off x="1370284" y="425673"/>
+                <a:ext cx="807396" cy="369332"/>
+              </a:xfrm>
+              <a:prstGeom prst="rect">
+                <a:avLst/>
+              </a:prstGeom>
+              <a:noFill/>
+            </p:spPr>
+            <p:txBody>
+              <a:bodyPr wrap="square" rtlCol="0">
+                <a:spAutoFit/>
+              </a:bodyPr>
+              <a:lstStyle/>
+              <a:p>
+                <a:pPr/>
+                <a14:m>
+                  <m:oMathPara xmlns:m="http://schemas.openxmlformats.org/officeDocument/2006/math">
+                    <m:oMathParaPr>
+                      <m:jc m:val="centerGroup"/>
+                    </m:oMathParaPr>
+                    <m:oMath xmlns:m="http://schemas.openxmlformats.org/officeDocument/2006/math">
+                      <m:r>
+                        <a:rPr lang="en-US" b="1" i="1" smtClean="0">
+                          <a:solidFill>
+                            <a:schemeClr val="tx1"/>
+                          </a:solidFill>
+                          <a:latin typeface="Cambria Math" panose="02040503050406030204" pitchFamily="18" charset="0"/>
+                        </a:rPr>
+                        <m:t>𝑪𝒐𝒔𝒕𝒔</m:t>
+                      </m:r>
+                    </m:oMath>
+                  </m:oMathPara>
+                </a14:m>
+                <a:endParaRPr lang="en-US" b="1" dirty="0">
+                  <a:solidFill>
+                    <a:schemeClr val="tx1"/>
+                  </a:solidFill>
+                </a:endParaRPr>
+              </a:p>
+            </p:txBody>
+          </p:sp>
+        </mc:Choice>
+        <mc:Fallback>
+          <p:sp>
+            <p:nvSpPr>
+              <p:cNvPr id="3" name="TextBox 2">
+                <a:extLst>
+                  <a:ext uri="{FF2B5EF4-FFF2-40B4-BE49-F238E27FC236}">
+                    <a16:creationId xmlns:a16="http://schemas.microsoft.com/office/drawing/2014/main" id="{D81620E0-2547-1BE1-4C80-63FD382B8DBD}"/>
+                  </a:ext>
+                </a:extLst>
+              </p:cNvPr>
+              <p:cNvSpPr txBox="1">
+                <a:spLocks noRot="1" noChangeAspect="1" noMove="1" noResize="1" noEditPoints="1" noAdjustHandles="1" noChangeArrowheads="1" noChangeShapeType="1" noTextEdit="1"/>
+              </p:cNvSpPr>
+              <p:nvPr/>
+            </p:nvSpPr>
+            <p:spPr>
+              <a:xfrm>
+                <a:off x="1370284" y="425673"/>
+                <a:ext cx="807396" cy="369332"/>
+              </a:xfrm>
+              <a:prstGeom prst="rect">
+                <a:avLst/>
+              </a:prstGeom>
+              <a:blipFill>
+                <a:blip r:embed="rId3"/>
+                <a:stretch>
+                  <a:fillRect/>
+                </a:stretch>
+              </a:blipFill>
+            </p:spPr>
+            <p:txBody>
+              <a:bodyPr/>
+              <a:lstStyle/>
+              <a:p>
+                <a:r>
+                  <a:rPr lang="en-US">
+                    <a:noFill/>
+                  </a:rPr>
+                  <a:t> </a:t>
+                </a:r>
+              </a:p>
+            </p:txBody>
+          </p:sp>
+        </mc:Fallback>
+      </mc:AlternateContent>
+      <p:sp>
+        <p:nvSpPr>
+          <p:cNvPr id="4" name="Freeform: Shape 3">
+            <a:extLst>
+              <a:ext uri="{FF2B5EF4-FFF2-40B4-BE49-F238E27FC236}">
+                <a16:creationId xmlns:a16="http://schemas.microsoft.com/office/drawing/2014/main" id="{D010D795-108C-9877-6212-AE26C4B7D79C}"/>
+              </a:ext>
+            </a:extLst>
+          </p:cNvPr>
+          <p:cNvSpPr/>
+          <p:nvPr/>
+        </p:nvSpPr>
+        <p:spPr>
+          <a:xfrm>
+            <a:off x="2295193" y="610339"/>
+            <a:ext cx="7601613" cy="5637321"/>
+          </a:xfrm>
+          <a:custGeom>
+            <a:avLst/>
+            <a:gdLst>
+              <a:gd name="connsiteX0" fmla="*/ 0 w 10227076"/>
+              <a:gd name="connsiteY0" fmla="*/ 0 h 5637321"/>
+              <a:gd name="connsiteX1" fmla="*/ 35511 w 10227076"/>
+              <a:gd name="connsiteY1" fmla="*/ 5637321 h 5637321"/>
+              <a:gd name="connsiteX2" fmla="*/ 10227076 w 10227076"/>
+              <a:gd name="connsiteY2" fmla="*/ 5584055 h 5637321"/>
+            </a:gdLst>
+            <a:ahLst/>
+            <a:cxnLst>
+              <a:cxn ang="0">
+                <a:pos x="connsiteX0" y="connsiteY0"/>
+              </a:cxn>
+              <a:cxn ang="0">
+                <a:pos x="connsiteX1" y="connsiteY1"/>
+              </a:cxn>
+              <a:cxn ang="0">
+                <a:pos x="connsiteX2" y="connsiteY2"/>
+              </a:cxn>
+            </a:cxnLst>
+            <a:rect l="l" t="t" r="r" b="b"/>
+            <a:pathLst>
+              <a:path w="10227076" h="5637321">
+                <a:moveTo>
+                  <a:pt x="0" y="0"/>
+                </a:moveTo>
+                <a:lnTo>
+                  <a:pt x="35511" y="5637321"/>
+                </a:lnTo>
+                <a:lnTo>
+                  <a:pt x="10227076" y="5584055"/>
+                </a:lnTo>
+              </a:path>
+            </a:pathLst>
+          </a:custGeom>
+          <a:ln w="57150"/>
+        </p:spPr>
+        <p:style>
+          <a:lnRef idx="3">
+            <a:schemeClr val="dk1"/>
+          </a:lnRef>
+          <a:fillRef idx="0">
+            <a:schemeClr val="dk1"/>
+          </a:fillRef>
+          <a:effectRef idx="2">
+            <a:schemeClr val="dk1"/>
+          </a:effectRef>
+          <a:fontRef idx="minor">
+            <a:schemeClr val="tx1"/>
+          </a:fontRef>
+        </p:style>
+        <p:txBody>
+          <a:bodyPr rtlCol="0" anchor="ctr"/>
+          <a:lstStyle/>
+          <a:p>
+            <a:pPr algn="ctr"/>
+            <a:endParaRPr lang="en-US"/>
+          </a:p>
+        </p:txBody>
+      </p:sp>
+      <mc:AlternateContent xmlns:mc="http://schemas.openxmlformats.org/markup-compatibility/2006">
+        <mc:Choice xmlns:a14="http://schemas.microsoft.com/office/drawing/2010/main" Requires="a14">
+          <p:sp>
+            <p:nvSpPr>
+              <p:cNvPr id="6" name="TextBox 5">
+                <a:extLst>
+                  <a:ext uri="{FF2B5EF4-FFF2-40B4-BE49-F238E27FC236}">
+                    <a16:creationId xmlns:a16="http://schemas.microsoft.com/office/drawing/2014/main" id="{AD29BE43-563D-C541-5CA2-688CD032732F}"/>
+                  </a:ext>
+                </a:extLst>
+              </p:cNvPr>
+              <p:cNvSpPr txBox="1"/>
+              <p:nvPr/>
+            </p:nvSpPr>
+            <p:spPr>
+              <a:xfrm>
+                <a:off x="9629225" y="1466574"/>
+                <a:ext cx="1227676" cy="523220"/>
+              </a:xfrm>
+              <a:prstGeom prst="rect">
+                <a:avLst/>
+              </a:prstGeom>
+              <a:noFill/>
+            </p:spPr>
+            <p:txBody>
+              <a:bodyPr wrap="square" rtlCol="0">
+                <a:spAutoFit/>
+              </a:bodyPr>
+              <a:lstStyle/>
+              <a:p>
+                <a:pPr/>
+                <a14:m>
+                  <m:oMathPara xmlns:m="http://schemas.openxmlformats.org/officeDocument/2006/math">
+                    <m:oMathParaPr>
+                      <m:jc m:val="centerGroup"/>
+                    </m:oMathParaPr>
+                    <m:oMath xmlns:m="http://schemas.openxmlformats.org/officeDocument/2006/math">
+                      <m:r>
+                        <a:rPr lang="en-US" sz="2800" b="1" i="1" smtClean="0">
+                          <a:solidFill>
+                            <a:schemeClr val="accent4"/>
+                          </a:solidFill>
+                          <a:latin typeface="Cambria Math" panose="02040503050406030204" pitchFamily="18" charset="0"/>
+                        </a:rPr>
+                        <m:t>𝑨𝑻𝑪</m:t>
+                      </m:r>
+                    </m:oMath>
+                  </m:oMathPara>
+                </a14:m>
+                <a:endParaRPr lang="en-US" sz="2800" b="1" dirty="0">
+                  <a:solidFill>
+                    <a:schemeClr val="accent4"/>
+                  </a:solidFill>
+                </a:endParaRPr>
+              </a:p>
+            </p:txBody>
+          </p:sp>
+        </mc:Choice>
+        <mc:Fallback>
+          <p:sp>
+            <p:nvSpPr>
+              <p:cNvPr id="6" name="TextBox 5">
+                <a:extLst>
+                  <a:ext uri="{FF2B5EF4-FFF2-40B4-BE49-F238E27FC236}">
+                    <a16:creationId xmlns:a16="http://schemas.microsoft.com/office/drawing/2014/main" id="{AD29BE43-563D-C541-5CA2-688CD032732F}"/>
+                  </a:ext>
+                </a:extLst>
+              </p:cNvPr>
+              <p:cNvSpPr txBox="1">
+                <a:spLocks noRot="1" noChangeAspect="1" noMove="1" noResize="1" noEditPoints="1" noAdjustHandles="1" noChangeArrowheads="1" noChangeShapeType="1" noTextEdit="1"/>
+              </p:cNvSpPr>
+              <p:nvPr/>
+            </p:nvSpPr>
+            <p:spPr>
+              <a:xfrm>
+                <a:off x="9629225" y="1466574"/>
+                <a:ext cx="1227676" cy="523220"/>
+              </a:xfrm>
+              <a:prstGeom prst="rect">
+                <a:avLst/>
+              </a:prstGeom>
+              <a:blipFill>
+                <a:blip r:embed="rId4"/>
+                <a:stretch>
+                  <a:fillRect/>
+                </a:stretch>
+              </a:blipFill>
+            </p:spPr>
+            <p:txBody>
+              <a:bodyPr/>
+              <a:lstStyle/>
+              <a:p>
+                <a:r>
+                  <a:rPr lang="en-US">
+                    <a:noFill/>
+                  </a:rPr>
+                  <a:t> </a:t>
+                </a:r>
+              </a:p>
+            </p:txBody>
+          </p:sp>
+        </mc:Fallback>
+      </mc:AlternateContent>
+      <p:sp>
+        <p:nvSpPr>
+          <p:cNvPr id="7" name="Freeform: Shape 6">
+            <a:extLst>
+              <a:ext uri="{FF2B5EF4-FFF2-40B4-BE49-F238E27FC236}">
+                <a16:creationId xmlns:a16="http://schemas.microsoft.com/office/drawing/2014/main" id="{4F432609-3E20-C081-D5D3-34353B4F8CE2}"/>
+              </a:ext>
+            </a:extLst>
+          </p:cNvPr>
+          <p:cNvSpPr/>
+          <p:nvPr/>
+        </p:nvSpPr>
+        <p:spPr>
+          <a:xfrm>
+            <a:off x="3976147" y="1728184"/>
+            <a:ext cx="5715000" cy="1359998"/>
+          </a:xfrm>
+          <a:custGeom>
+            <a:avLst/>
+            <a:gdLst>
+              <a:gd name="connsiteX0" fmla="*/ 0 w 5715000"/>
+              <a:gd name="connsiteY0" fmla="*/ 256309 h 1359998"/>
+              <a:gd name="connsiteX1" fmla="*/ 2798618 w 5715000"/>
+              <a:gd name="connsiteY1" fmla="*/ 1357746 h 1359998"/>
+              <a:gd name="connsiteX2" fmla="*/ 5715000 w 5715000"/>
+              <a:gd name="connsiteY2" fmla="*/ 0 h 1359998"/>
+            </a:gdLst>
+            <a:ahLst/>
+            <a:cxnLst>
+              <a:cxn ang="0">
+                <a:pos x="connsiteX0" y="connsiteY0"/>
+              </a:cxn>
+              <a:cxn ang="0">
+                <a:pos x="connsiteX1" y="connsiteY1"/>
+              </a:cxn>
+              <a:cxn ang="0">
+                <a:pos x="connsiteX2" y="connsiteY2"/>
+              </a:cxn>
+            </a:cxnLst>
+            <a:rect l="l" t="t" r="r" b="b"/>
+            <a:pathLst>
+              <a:path w="5715000" h="1359998">
+                <a:moveTo>
+                  <a:pt x="0" y="256309"/>
+                </a:moveTo>
+                <a:cubicBezTo>
+                  <a:pt x="923059" y="828386"/>
+                  <a:pt x="1846118" y="1400464"/>
+                  <a:pt x="2798618" y="1357746"/>
+                </a:cubicBezTo>
+                <a:cubicBezTo>
+                  <a:pt x="3751118" y="1315028"/>
+                  <a:pt x="4733059" y="657514"/>
+                  <a:pt x="5715000" y="0"/>
+                </a:cubicBezTo>
+              </a:path>
+            </a:pathLst>
+          </a:custGeom>
+          <a:noFill/>
+          <a:ln w="57150">
+            <a:solidFill>
+              <a:schemeClr val="accent4"/>
+            </a:solidFill>
+          </a:ln>
+        </p:spPr>
+        <p:style>
+          <a:lnRef idx="2">
+            <a:schemeClr val="accent1">
+              <a:shade val="15000"/>
+            </a:schemeClr>
+          </a:lnRef>
+          <a:fillRef idx="1">
+            <a:schemeClr val="accent1"/>
+          </a:fillRef>
+          <a:effectRef idx="0">
+            <a:schemeClr val="accent1"/>
+          </a:effectRef>
+          <a:fontRef idx="minor">
+            <a:schemeClr val="lt1"/>
+          </a:fontRef>
+        </p:style>
+        <p:txBody>
+          <a:bodyPr rtlCol="0" anchor="ctr"/>
+          <a:lstStyle/>
+          <a:p>
+            <a:pPr algn="ctr"/>
+            <a:endParaRPr lang="en-US"/>
+          </a:p>
+        </p:txBody>
+      </p:sp>
+      <p:sp>
+        <p:nvSpPr>
+          <p:cNvPr id="5" name="Freeform: Shape 4">
+            <a:extLst>
+              <a:ext uri="{FF2B5EF4-FFF2-40B4-BE49-F238E27FC236}">
+                <a16:creationId xmlns:a16="http://schemas.microsoft.com/office/drawing/2014/main" id="{BB052DA3-0FED-4B6D-F2E3-23B665BDEC5A}"/>
+              </a:ext>
+            </a:extLst>
+          </p:cNvPr>
+          <p:cNvSpPr/>
+          <p:nvPr/>
+        </p:nvSpPr>
+        <p:spPr>
+          <a:xfrm>
+            <a:off x="3061854" y="2255007"/>
+            <a:ext cx="6497782" cy="2370112"/>
+          </a:xfrm>
+          <a:custGeom>
+            <a:avLst/>
+            <a:gdLst>
+              <a:gd name="connsiteX0" fmla="*/ 0 w 6497782"/>
+              <a:gd name="connsiteY0" fmla="*/ 1918855 h 2370112"/>
+              <a:gd name="connsiteX1" fmla="*/ 3574473 w 6497782"/>
+              <a:gd name="connsiteY1" fmla="*/ 2237509 h 2370112"/>
+              <a:gd name="connsiteX2" fmla="*/ 6497782 w 6497782"/>
+              <a:gd name="connsiteY2" fmla="*/ 0 h 2370112"/>
+            </a:gdLst>
+            <a:ahLst/>
+            <a:cxnLst>
+              <a:cxn ang="0">
+                <a:pos x="connsiteX0" y="connsiteY0"/>
+              </a:cxn>
+              <a:cxn ang="0">
+                <a:pos x="connsiteX1" y="connsiteY1"/>
+              </a:cxn>
+              <a:cxn ang="0">
+                <a:pos x="connsiteX2" y="connsiteY2"/>
+              </a:cxn>
+            </a:cxnLst>
+            <a:rect l="l" t="t" r="r" b="b"/>
+            <a:pathLst>
+              <a:path w="6497782" h="2370112">
+                <a:moveTo>
+                  <a:pt x="0" y="1918855"/>
+                </a:moveTo>
+                <a:cubicBezTo>
+                  <a:pt x="1245754" y="2238086"/>
+                  <a:pt x="2491509" y="2557318"/>
+                  <a:pt x="3574473" y="2237509"/>
+                </a:cubicBezTo>
+                <a:cubicBezTo>
+                  <a:pt x="4657437" y="1917700"/>
+                  <a:pt x="5577609" y="958850"/>
+                  <a:pt x="6497782" y="0"/>
+                </a:cubicBezTo>
+              </a:path>
+            </a:pathLst>
+          </a:custGeom>
+          <a:noFill/>
+          <a:ln w="57150">
+            <a:solidFill>
+              <a:schemeClr val="accent5"/>
+            </a:solidFill>
+          </a:ln>
+        </p:spPr>
+        <p:style>
+          <a:lnRef idx="2">
+            <a:schemeClr val="accent1">
+              <a:shade val="15000"/>
+            </a:schemeClr>
+          </a:lnRef>
+          <a:fillRef idx="1">
+            <a:schemeClr val="accent1"/>
+          </a:fillRef>
+          <a:effectRef idx="0">
+            <a:schemeClr val="accent1"/>
+          </a:effectRef>
+          <a:fontRef idx="minor">
+            <a:schemeClr val="lt1"/>
+          </a:fontRef>
+        </p:style>
+        <p:txBody>
+          <a:bodyPr rtlCol="0" anchor="ctr"/>
+          <a:lstStyle/>
+          <a:p>
+            <a:pPr algn="ctr"/>
+            <a:endParaRPr lang="en-US"/>
+          </a:p>
+        </p:txBody>
+      </p:sp>
+      <mc:AlternateContent xmlns:mc="http://schemas.openxmlformats.org/markup-compatibility/2006">
+        <mc:Choice xmlns:a14="http://schemas.microsoft.com/office/drawing/2010/main" Requires="a14">
+          <p:sp>
+            <p:nvSpPr>
+              <p:cNvPr id="8" name="TextBox 7">
+                <a:extLst>
+                  <a:ext uri="{FF2B5EF4-FFF2-40B4-BE49-F238E27FC236}">
+                    <a16:creationId xmlns:a16="http://schemas.microsoft.com/office/drawing/2014/main" id="{ABD4AD3F-A74A-D45E-E15D-D64203557684}"/>
+                  </a:ext>
+                </a:extLst>
+              </p:cNvPr>
+              <p:cNvSpPr txBox="1"/>
+              <p:nvPr/>
+            </p:nvSpPr>
+            <p:spPr>
+              <a:xfrm>
+                <a:off x="9392564" y="1954207"/>
+                <a:ext cx="1227676" cy="523220"/>
+              </a:xfrm>
+              <a:prstGeom prst="rect">
+                <a:avLst/>
+              </a:prstGeom>
+              <a:noFill/>
+            </p:spPr>
+            <p:txBody>
+              <a:bodyPr wrap="square" rtlCol="0">
+                <a:spAutoFit/>
+              </a:bodyPr>
+              <a:lstStyle/>
+              <a:p>
+                <a:pPr/>
+                <a14:m>
+                  <m:oMathPara xmlns:m="http://schemas.openxmlformats.org/officeDocument/2006/math">
+                    <m:oMathParaPr>
+                      <m:jc m:val="centerGroup"/>
+                    </m:oMathParaPr>
+                    <m:oMath xmlns:m="http://schemas.openxmlformats.org/officeDocument/2006/math">
+                      <m:r>
+                        <a:rPr lang="en-US" sz="2800" b="1" i="1" smtClean="0">
+                          <a:solidFill>
+                            <a:schemeClr val="accent5"/>
+                          </a:solidFill>
+                          <a:latin typeface="Cambria Math" panose="02040503050406030204" pitchFamily="18" charset="0"/>
+                        </a:rPr>
+                        <m:t>𝑨𝑽𝑪</m:t>
+                      </m:r>
+                    </m:oMath>
+                  </m:oMathPara>
+                </a14:m>
+                <a:endParaRPr lang="en-US" sz="2800" b="1" dirty="0">
+                  <a:solidFill>
+                    <a:schemeClr val="accent5"/>
+                  </a:solidFill>
+                </a:endParaRPr>
+              </a:p>
+            </p:txBody>
+          </p:sp>
+        </mc:Choice>
+        <mc:Fallback>
+          <p:sp>
+            <p:nvSpPr>
+              <p:cNvPr id="8" name="TextBox 7">
+                <a:extLst>
+                  <a:ext uri="{FF2B5EF4-FFF2-40B4-BE49-F238E27FC236}">
+                    <a16:creationId xmlns:a16="http://schemas.microsoft.com/office/drawing/2014/main" id="{ABD4AD3F-A74A-D45E-E15D-D64203557684}"/>
+                  </a:ext>
+                </a:extLst>
+              </p:cNvPr>
+              <p:cNvSpPr txBox="1">
+                <a:spLocks noRot="1" noChangeAspect="1" noMove="1" noResize="1" noEditPoints="1" noAdjustHandles="1" noChangeArrowheads="1" noChangeShapeType="1" noTextEdit="1"/>
+              </p:cNvSpPr>
+              <p:nvPr/>
+            </p:nvSpPr>
+            <p:spPr>
+              <a:xfrm>
+                <a:off x="9392564" y="1954207"/>
+                <a:ext cx="1227676" cy="523220"/>
+              </a:xfrm>
+              <a:prstGeom prst="rect">
+                <a:avLst/>
+              </a:prstGeom>
+              <a:blipFill>
+                <a:blip r:embed="rId5"/>
+                <a:stretch>
+                  <a:fillRect/>
+                </a:stretch>
+              </a:blipFill>
+            </p:spPr>
+            <p:txBody>
+              <a:bodyPr/>
+              <a:lstStyle/>
+              <a:p>
+                <a:r>
+                  <a:rPr lang="en-US">
+                    <a:noFill/>
+                  </a:rPr>
+                  <a:t> </a:t>
+                </a:r>
+              </a:p>
+            </p:txBody>
+          </p:sp>
+        </mc:Fallback>
+      </mc:AlternateContent>
+      <p:sp>
+        <p:nvSpPr>
+          <p:cNvPr id="9" name="Freeform: Shape 8">
+            <a:extLst>
+              <a:ext uri="{FF2B5EF4-FFF2-40B4-BE49-F238E27FC236}">
+                <a16:creationId xmlns:a16="http://schemas.microsoft.com/office/drawing/2014/main" id="{10DB2580-ABD4-0942-A3E2-42D52988BF89}"/>
+              </a:ext>
+            </a:extLst>
+          </p:cNvPr>
+          <p:cNvSpPr/>
+          <p:nvPr/>
+        </p:nvSpPr>
+        <p:spPr>
+          <a:xfrm>
+            <a:off x="2632364" y="1059873"/>
+            <a:ext cx="7058891" cy="4772891"/>
+          </a:xfrm>
+          <a:custGeom>
+            <a:avLst/>
+            <a:gdLst>
+              <a:gd name="connsiteX0" fmla="*/ 0 w 7058891"/>
+              <a:gd name="connsiteY0" fmla="*/ 0 h 4772891"/>
+              <a:gd name="connsiteX1" fmla="*/ 2493818 w 7058891"/>
+              <a:gd name="connsiteY1" fmla="*/ 3754582 h 4772891"/>
+              <a:gd name="connsiteX2" fmla="*/ 7058891 w 7058891"/>
+              <a:gd name="connsiteY2" fmla="*/ 4772891 h 4772891"/>
+            </a:gdLst>
+            <a:ahLst/>
+            <a:cxnLst>
+              <a:cxn ang="0">
+                <a:pos x="connsiteX0" y="connsiteY0"/>
+              </a:cxn>
+              <a:cxn ang="0">
+                <a:pos x="connsiteX1" y="connsiteY1"/>
+              </a:cxn>
+              <a:cxn ang="0">
+                <a:pos x="connsiteX2" y="connsiteY2"/>
+              </a:cxn>
+            </a:cxnLst>
+            <a:rect l="l" t="t" r="r" b="b"/>
+            <a:pathLst>
+              <a:path w="7058891" h="4772891">
+                <a:moveTo>
+                  <a:pt x="0" y="0"/>
+                </a:moveTo>
+                <a:cubicBezTo>
+                  <a:pt x="658668" y="1479550"/>
+                  <a:pt x="1317336" y="2959100"/>
+                  <a:pt x="2493818" y="3754582"/>
+                </a:cubicBezTo>
+                <a:cubicBezTo>
+                  <a:pt x="3670300" y="4550064"/>
+                  <a:pt x="5364595" y="4661477"/>
+                  <a:pt x="7058891" y="4772891"/>
+                </a:cubicBezTo>
+              </a:path>
+            </a:pathLst>
+          </a:custGeom>
+          <a:noFill/>
+          <a:ln w="57150">
+            <a:solidFill>
+              <a:schemeClr val="accent2">
+                <a:lumMod val="75000"/>
+              </a:schemeClr>
+            </a:solidFill>
+          </a:ln>
+        </p:spPr>
+        <p:style>
+          <a:lnRef idx="2">
+            <a:schemeClr val="accent1">
+              <a:shade val="15000"/>
+            </a:schemeClr>
+          </a:lnRef>
+          <a:fillRef idx="1">
+            <a:schemeClr val="accent1"/>
+          </a:fillRef>
+          <a:effectRef idx="0">
+            <a:schemeClr val="accent1"/>
+          </a:effectRef>
+          <a:fontRef idx="minor">
+            <a:schemeClr val="lt1"/>
+          </a:fontRef>
+        </p:style>
+        <p:txBody>
+          <a:bodyPr rtlCol="0" anchor="ctr"/>
+          <a:lstStyle/>
+          <a:p>
+            <a:pPr algn="ctr"/>
+            <a:endParaRPr lang="en-US"/>
+          </a:p>
+        </p:txBody>
+      </p:sp>
+      <mc:AlternateContent xmlns:mc="http://schemas.openxmlformats.org/markup-compatibility/2006">
+        <mc:Choice xmlns:a14="http://schemas.microsoft.com/office/drawing/2010/main" Requires="a14">
+          <p:sp>
+            <p:nvSpPr>
+              <p:cNvPr id="10" name="TextBox 9">
+                <a:extLst>
+                  <a:ext uri="{FF2B5EF4-FFF2-40B4-BE49-F238E27FC236}">
+                    <a16:creationId xmlns:a16="http://schemas.microsoft.com/office/drawing/2014/main" id="{2F3B2EA7-66DB-B9D4-DE76-BBB7F1C9676F}"/>
+                  </a:ext>
+                </a:extLst>
+              </p:cNvPr>
+              <p:cNvSpPr txBox="1"/>
+              <p:nvPr/>
+            </p:nvSpPr>
+            <p:spPr>
+              <a:xfrm>
+                <a:off x="9006301" y="5204202"/>
+                <a:ext cx="1227676" cy="523220"/>
+              </a:xfrm>
+              <a:prstGeom prst="rect">
+                <a:avLst/>
+              </a:prstGeom>
+              <a:noFill/>
+            </p:spPr>
+            <p:txBody>
+              <a:bodyPr wrap="square" rtlCol="0">
+                <a:spAutoFit/>
+              </a:bodyPr>
+              <a:lstStyle/>
+              <a:p>
+                <a:pPr/>
+                <a14:m>
+                  <m:oMathPara xmlns:m="http://schemas.openxmlformats.org/officeDocument/2006/math">
+                    <m:oMathParaPr>
+                      <m:jc m:val="centerGroup"/>
+                    </m:oMathParaPr>
+                    <m:oMath xmlns:m="http://schemas.openxmlformats.org/officeDocument/2006/math">
+                      <m:r>
+                        <a:rPr lang="en-US" sz="2800" b="1" i="1" smtClean="0">
+                          <a:solidFill>
+                            <a:schemeClr val="accent2">
+                              <a:lumMod val="75000"/>
+                            </a:schemeClr>
+                          </a:solidFill>
+                          <a:latin typeface="Cambria Math" panose="02040503050406030204" pitchFamily="18" charset="0"/>
+                        </a:rPr>
+                        <m:t>𝑨𝑭𝑪</m:t>
+                      </m:r>
+                    </m:oMath>
+                  </m:oMathPara>
+                </a14:m>
+                <a:endParaRPr lang="en-US" sz="2800" b="1" dirty="0">
+                  <a:solidFill>
+                    <a:schemeClr val="accent2">
+                      <a:lumMod val="75000"/>
+                    </a:schemeClr>
+                  </a:solidFill>
+                </a:endParaRPr>
+              </a:p>
+            </p:txBody>
+          </p:sp>
+        </mc:Choice>
+        <mc:Fallback>
+          <p:sp>
+            <p:nvSpPr>
+              <p:cNvPr id="10" name="TextBox 9">
+                <a:extLst>
+                  <a:ext uri="{FF2B5EF4-FFF2-40B4-BE49-F238E27FC236}">
+                    <a16:creationId xmlns:a16="http://schemas.microsoft.com/office/drawing/2014/main" id="{2F3B2EA7-66DB-B9D4-DE76-BBB7F1C9676F}"/>
+                  </a:ext>
+                </a:extLst>
+              </p:cNvPr>
+              <p:cNvSpPr txBox="1">
+                <a:spLocks noRot="1" noChangeAspect="1" noMove="1" noResize="1" noEditPoints="1" noAdjustHandles="1" noChangeArrowheads="1" noChangeShapeType="1" noTextEdit="1"/>
+              </p:cNvSpPr>
+              <p:nvPr/>
+            </p:nvSpPr>
+            <p:spPr>
+              <a:xfrm>
+                <a:off x="9006301" y="5204202"/>
+                <a:ext cx="1227676" cy="523220"/>
+              </a:xfrm>
+              <a:prstGeom prst="rect">
+                <a:avLst/>
+              </a:prstGeom>
+              <a:blipFill>
+                <a:blip r:embed="rId6"/>
+                <a:stretch>
+                  <a:fillRect/>
+                </a:stretch>
+              </a:blipFill>
+            </p:spPr>
+            <p:txBody>
+              <a:bodyPr/>
+              <a:lstStyle/>
+              <a:p>
+                <a:r>
+                  <a:rPr lang="en-US">
+                    <a:noFill/>
+                  </a:rPr>
+                  <a:t> </a:t>
+                </a:r>
+              </a:p>
+            </p:txBody>
+          </p:sp>
+        </mc:Fallback>
+      </mc:AlternateContent>
+      <p:sp>
+        <p:nvSpPr>
+          <p:cNvPr id="11" name="Freeform: Shape 10">
+            <a:extLst>
+              <a:ext uri="{FF2B5EF4-FFF2-40B4-BE49-F238E27FC236}">
+                <a16:creationId xmlns:a16="http://schemas.microsoft.com/office/drawing/2014/main" id="{65205C2C-BD0B-DFC5-E6AB-ADD2B0A7A42C}"/>
+              </a:ext>
+            </a:extLst>
+          </p:cNvPr>
+          <p:cNvSpPr/>
+          <p:nvPr/>
+        </p:nvSpPr>
+        <p:spPr>
+          <a:xfrm>
+            <a:off x="2348345" y="1143000"/>
+            <a:ext cx="5313219" cy="4577837"/>
+          </a:xfrm>
+          <a:custGeom>
+            <a:avLst/>
+            <a:gdLst>
+              <a:gd name="connsiteX0" fmla="*/ 0 w 5313219"/>
+              <a:gd name="connsiteY0" fmla="*/ 3574473 h 4577837"/>
+              <a:gd name="connsiteX1" fmla="*/ 2763982 w 5313219"/>
+              <a:gd name="connsiteY1" fmla="*/ 4350327 h 4577837"/>
+              <a:gd name="connsiteX2" fmla="*/ 5313219 w 5313219"/>
+              <a:gd name="connsiteY2" fmla="*/ 0 h 4577837"/>
+            </a:gdLst>
+            <a:ahLst/>
+            <a:cxnLst>
+              <a:cxn ang="0">
+                <a:pos x="connsiteX0" y="connsiteY0"/>
+              </a:cxn>
+              <a:cxn ang="0">
+                <a:pos x="connsiteX1" y="connsiteY1"/>
+              </a:cxn>
+              <a:cxn ang="0">
+                <a:pos x="connsiteX2" y="connsiteY2"/>
+              </a:cxn>
+            </a:cxnLst>
+            <a:rect l="l" t="t" r="r" b="b"/>
+            <a:pathLst>
+              <a:path w="5313219" h="4577837">
+                <a:moveTo>
+                  <a:pt x="0" y="3574473"/>
+                </a:moveTo>
+                <a:cubicBezTo>
+                  <a:pt x="939223" y="4260272"/>
+                  <a:pt x="1878446" y="4946072"/>
+                  <a:pt x="2763982" y="4350327"/>
+                </a:cubicBezTo>
+                <a:cubicBezTo>
+                  <a:pt x="3649518" y="3754582"/>
+                  <a:pt x="4481368" y="1877291"/>
+                  <a:pt x="5313219" y="0"/>
+                </a:cubicBezTo>
+              </a:path>
+            </a:pathLst>
+          </a:custGeom>
+          <a:noFill/>
+          <a:ln w="57150">
+            <a:solidFill>
+              <a:schemeClr val="accent6"/>
+            </a:solidFill>
+          </a:ln>
+        </p:spPr>
+        <p:style>
+          <a:lnRef idx="2">
+            <a:schemeClr val="accent1">
+              <a:shade val="15000"/>
+            </a:schemeClr>
+          </a:lnRef>
+          <a:fillRef idx="1">
+            <a:schemeClr val="accent1"/>
+          </a:fillRef>
+          <a:effectRef idx="0">
+            <a:schemeClr val="accent1"/>
+          </a:effectRef>
+          <a:fontRef idx="minor">
+            <a:schemeClr val="lt1"/>
+          </a:fontRef>
+        </p:style>
+        <p:txBody>
+          <a:bodyPr rtlCol="0" anchor="ctr"/>
+          <a:lstStyle/>
+          <a:p>
+            <a:pPr algn="ctr"/>
+            <a:endParaRPr lang="en-US"/>
+          </a:p>
+        </p:txBody>
+      </p:sp>
+      <mc:AlternateContent xmlns:mc="http://schemas.openxmlformats.org/markup-compatibility/2006">
+        <mc:Choice xmlns:a14="http://schemas.microsoft.com/office/drawing/2010/main" Requires="a14">
+          <p:sp>
+            <p:nvSpPr>
+              <p:cNvPr id="12" name="TextBox 11">
+                <a:extLst>
+                  <a:ext uri="{FF2B5EF4-FFF2-40B4-BE49-F238E27FC236}">
+                    <a16:creationId xmlns:a16="http://schemas.microsoft.com/office/drawing/2014/main" id="{37D1C028-B2E4-F200-F8B3-6E8F484EE8AF}"/>
+                  </a:ext>
+                </a:extLst>
+              </p:cNvPr>
+              <p:cNvSpPr txBox="1"/>
+              <p:nvPr/>
+            </p:nvSpPr>
+            <p:spPr>
+              <a:xfrm>
+                <a:off x="7432964" y="875553"/>
+                <a:ext cx="1227676" cy="523220"/>
+              </a:xfrm>
+              <a:prstGeom prst="rect">
+                <a:avLst/>
+              </a:prstGeom>
+              <a:noFill/>
+            </p:spPr>
+            <p:txBody>
+              <a:bodyPr wrap="square" rtlCol="0">
+                <a:spAutoFit/>
+              </a:bodyPr>
+              <a:lstStyle/>
+              <a:p>
+                <a:pPr/>
+                <a14:m>
+                  <m:oMathPara xmlns:m="http://schemas.openxmlformats.org/officeDocument/2006/math">
+                    <m:oMathParaPr>
+                      <m:jc m:val="centerGroup"/>
+                    </m:oMathParaPr>
+                    <m:oMath xmlns:m="http://schemas.openxmlformats.org/officeDocument/2006/math">
+                      <m:r>
+                        <a:rPr lang="en-US" sz="2800" b="1" i="1" smtClean="0">
+                          <a:solidFill>
+                            <a:schemeClr val="accent6"/>
+                          </a:solidFill>
+                          <a:latin typeface="Cambria Math" panose="02040503050406030204" pitchFamily="18" charset="0"/>
+                        </a:rPr>
+                        <m:t>𝑴𝑪</m:t>
+                      </m:r>
+                    </m:oMath>
+                  </m:oMathPara>
+                </a14:m>
+                <a:endParaRPr lang="en-US" sz="2800" b="1" dirty="0">
+                  <a:solidFill>
+                    <a:schemeClr val="accent6"/>
+                  </a:solidFill>
+                </a:endParaRPr>
+              </a:p>
+            </p:txBody>
+          </p:sp>
+        </mc:Choice>
+        <mc:Fallback>
+          <p:sp>
+            <p:nvSpPr>
+              <p:cNvPr id="12" name="TextBox 11">
+                <a:extLst>
+                  <a:ext uri="{FF2B5EF4-FFF2-40B4-BE49-F238E27FC236}">
+                    <a16:creationId xmlns:a16="http://schemas.microsoft.com/office/drawing/2014/main" id="{37D1C028-B2E4-F200-F8B3-6E8F484EE8AF}"/>
+                  </a:ext>
+                </a:extLst>
+              </p:cNvPr>
+              <p:cNvSpPr txBox="1">
+                <a:spLocks noRot="1" noChangeAspect="1" noMove="1" noResize="1" noEditPoints="1" noAdjustHandles="1" noChangeArrowheads="1" noChangeShapeType="1" noTextEdit="1"/>
+              </p:cNvSpPr>
+              <p:nvPr/>
+            </p:nvSpPr>
+            <p:spPr>
+              <a:xfrm>
+                <a:off x="7432964" y="875553"/>
+                <a:ext cx="1227676" cy="523220"/>
+              </a:xfrm>
+              <a:prstGeom prst="rect">
+                <a:avLst/>
+              </a:prstGeom>
+              <a:blipFill>
+                <a:blip r:embed="rId7"/>
+                <a:stretch>
+                  <a:fillRect/>
+                </a:stretch>
+              </a:blipFill>
+            </p:spPr>
+            <p:txBody>
+              <a:bodyPr/>
+              <a:lstStyle/>
+              <a:p>
+                <a:r>
+                  <a:rPr lang="en-US">
+                    <a:noFill/>
+                  </a:rPr>
+                  <a:t> </a:t>
+                </a:r>
+              </a:p>
+            </p:txBody>
+          </p:sp>
+        </mc:Fallback>
+      </mc:AlternateContent>
+    </p:spTree>
+    <p:extLst>
+      <p:ext uri="{BB962C8B-B14F-4D97-AF65-F5344CB8AC3E}">
+        <p14:creationId xmlns:p14="http://schemas.microsoft.com/office/powerpoint/2010/main" val="3641540498"/>
+      </p:ext>
+    </p:extLst>
+  </p:cSld>
+  <p:clrMapOvr>
+    <a:masterClrMapping/>
+  </p:clrMapOvr>
+</p:sld>
+</file>
+
 <file path=ppt/slides/slide3.xml><?xml version="1.0" encoding="utf-8"?>
 <p:sld xmlns:a="http://schemas.openxmlformats.org/drawingml/2006/main" xmlns:r="http://schemas.openxmlformats.org/officeDocument/2006/relationships" xmlns:p="http://schemas.openxmlformats.org/presentationml/2006/main">
   <p:cSld>
@@ -15607,6 +23929,428 @@
     <p:extLst>
       <p:ext uri="{BB962C8B-B14F-4D97-AF65-F5344CB8AC3E}">
         <p14:creationId xmlns:p14="http://schemas.microsoft.com/office/powerpoint/2010/main" val="2243848489"/>
+      </p:ext>
+    </p:extLst>
+  </p:cSld>
+  <p:clrMapOvr>
+    <a:masterClrMapping/>
+  </p:clrMapOvr>
+</p:sld>
+</file>
+
+<file path=ppt/slides/slide30.xml><?xml version="1.0" encoding="utf-8"?>
+<p:sld xmlns:a="http://schemas.openxmlformats.org/drawingml/2006/main" xmlns:r="http://schemas.openxmlformats.org/officeDocument/2006/relationships" xmlns:p="http://schemas.openxmlformats.org/presentationml/2006/main">
+  <p:cSld>
+    <p:spTree>
+      <p:nvGrpSpPr>
+        <p:cNvPr id="1" name="">
+          <a:extLst>
+            <a:ext uri="{FF2B5EF4-FFF2-40B4-BE49-F238E27FC236}">
+              <a16:creationId xmlns:a16="http://schemas.microsoft.com/office/drawing/2014/main" id="{20B18BFF-9EA8-DC99-792C-3721C675A14F}"/>
+            </a:ext>
+          </a:extLst>
+        </p:cNvPr>
+        <p:cNvGrpSpPr/>
+        <p:nvPr/>
+      </p:nvGrpSpPr>
+      <p:grpSpPr>
+        <a:xfrm>
+          <a:off x="0" y="0"/>
+          <a:ext cx="0" cy="0"/>
+          <a:chOff x="0" y="0"/>
+          <a:chExt cx="0" cy="0"/>
+        </a:xfrm>
+      </p:grpSpPr>
+      <mc:AlternateContent xmlns:mc="http://schemas.openxmlformats.org/markup-compatibility/2006">
+        <mc:Choice xmlns:a14="http://schemas.microsoft.com/office/drawing/2010/main" Requires="a14">
+          <p:sp>
+            <p:nvSpPr>
+              <p:cNvPr id="6" name="TextBox 5">
+                <a:extLst>
+                  <a:ext uri="{FF2B5EF4-FFF2-40B4-BE49-F238E27FC236}">
+                    <a16:creationId xmlns:a16="http://schemas.microsoft.com/office/drawing/2014/main" id="{9E21B094-9D3E-D1F9-3430-3FC271197F66}"/>
+                  </a:ext>
+                </a:extLst>
+              </p:cNvPr>
+              <p:cNvSpPr txBox="1"/>
+              <p:nvPr/>
+            </p:nvSpPr>
+            <p:spPr>
+              <a:xfrm>
+                <a:off x="9428334" y="1999974"/>
+                <a:ext cx="1227676" cy="523220"/>
+              </a:xfrm>
+              <a:prstGeom prst="rect">
+                <a:avLst/>
+              </a:prstGeom>
+              <a:noFill/>
+            </p:spPr>
+            <p:txBody>
+              <a:bodyPr wrap="square" rtlCol="0">
+                <a:spAutoFit/>
+              </a:bodyPr>
+              <a:lstStyle/>
+              <a:p>
+                <a:pPr/>
+                <a14:m>
+                  <m:oMathPara xmlns:m="http://schemas.openxmlformats.org/officeDocument/2006/math">
+                    <m:oMathParaPr>
+                      <m:jc m:val="centerGroup"/>
+                    </m:oMathParaPr>
+                    <m:oMath xmlns:m="http://schemas.openxmlformats.org/officeDocument/2006/math">
+                      <m:r>
+                        <a:rPr lang="en-US" sz="2800" b="1" i="1" smtClean="0">
+                          <a:solidFill>
+                            <a:schemeClr val="accent4"/>
+                          </a:solidFill>
+                          <a:latin typeface="Cambria Math" panose="02040503050406030204" pitchFamily="18" charset="0"/>
+                        </a:rPr>
+                        <m:t>𝑨𝑻𝑪</m:t>
+                      </m:r>
+                    </m:oMath>
+                  </m:oMathPara>
+                </a14:m>
+                <a:endParaRPr lang="en-US" sz="2800" b="1" dirty="0">
+                  <a:solidFill>
+                    <a:schemeClr val="accent4"/>
+                  </a:solidFill>
+                </a:endParaRPr>
+              </a:p>
+            </p:txBody>
+          </p:sp>
+        </mc:Choice>
+        <mc:Fallback>
+          <p:sp>
+            <p:nvSpPr>
+              <p:cNvPr id="6" name="TextBox 5">
+                <a:extLst>
+                  <a:ext uri="{FF2B5EF4-FFF2-40B4-BE49-F238E27FC236}">
+                    <a16:creationId xmlns:a16="http://schemas.microsoft.com/office/drawing/2014/main" id="{9E21B094-9D3E-D1F9-3430-3FC271197F66}"/>
+                  </a:ext>
+                </a:extLst>
+              </p:cNvPr>
+              <p:cNvSpPr txBox="1">
+                <a:spLocks noRot="1" noChangeAspect="1" noMove="1" noResize="1" noEditPoints="1" noAdjustHandles="1" noChangeArrowheads="1" noChangeShapeType="1" noTextEdit="1"/>
+              </p:cNvSpPr>
+              <p:nvPr/>
+            </p:nvSpPr>
+            <p:spPr>
+              <a:xfrm>
+                <a:off x="9428334" y="1999974"/>
+                <a:ext cx="1227676" cy="523220"/>
+              </a:xfrm>
+              <a:prstGeom prst="rect">
+                <a:avLst/>
+              </a:prstGeom>
+              <a:blipFill>
+                <a:blip r:embed="rId2"/>
+                <a:stretch>
+                  <a:fillRect/>
+                </a:stretch>
+              </a:blipFill>
+            </p:spPr>
+            <p:txBody>
+              <a:bodyPr/>
+              <a:lstStyle/>
+              <a:p>
+                <a:r>
+                  <a:rPr lang="en-US">
+                    <a:noFill/>
+                  </a:rPr>
+                  <a:t> </a:t>
+                </a:r>
+              </a:p>
+            </p:txBody>
+          </p:sp>
+        </mc:Fallback>
+      </mc:AlternateContent>
+      <p:sp>
+        <p:nvSpPr>
+          <p:cNvPr id="7" name="Freeform: Shape 6">
+            <a:extLst>
+              <a:ext uri="{FF2B5EF4-FFF2-40B4-BE49-F238E27FC236}">
+                <a16:creationId xmlns:a16="http://schemas.microsoft.com/office/drawing/2014/main" id="{A3C4CE89-4F3A-CEF7-6B80-5E97D3644B50}"/>
+              </a:ext>
+            </a:extLst>
+          </p:cNvPr>
+          <p:cNvSpPr/>
+          <p:nvPr/>
+        </p:nvSpPr>
+        <p:spPr>
+          <a:xfrm>
+            <a:off x="3775256" y="2261584"/>
+            <a:ext cx="5715000" cy="1359998"/>
+          </a:xfrm>
+          <a:custGeom>
+            <a:avLst/>
+            <a:gdLst>
+              <a:gd name="connsiteX0" fmla="*/ 0 w 5715000"/>
+              <a:gd name="connsiteY0" fmla="*/ 256309 h 1359998"/>
+              <a:gd name="connsiteX1" fmla="*/ 2798618 w 5715000"/>
+              <a:gd name="connsiteY1" fmla="*/ 1357746 h 1359998"/>
+              <a:gd name="connsiteX2" fmla="*/ 5715000 w 5715000"/>
+              <a:gd name="connsiteY2" fmla="*/ 0 h 1359998"/>
+            </a:gdLst>
+            <a:ahLst/>
+            <a:cxnLst>
+              <a:cxn ang="0">
+                <a:pos x="connsiteX0" y="connsiteY0"/>
+              </a:cxn>
+              <a:cxn ang="0">
+                <a:pos x="connsiteX1" y="connsiteY1"/>
+              </a:cxn>
+              <a:cxn ang="0">
+                <a:pos x="connsiteX2" y="connsiteY2"/>
+              </a:cxn>
+            </a:cxnLst>
+            <a:rect l="l" t="t" r="r" b="b"/>
+            <a:pathLst>
+              <a:path w="5715000" h="1359998">
+                <a:moveTo>
+                  <a:pt x="0" y="256309"/>
+                </a:moveTo>
+                <a:cubicBezTo>
+                  <a:pt x="923059" y="828386"/>
+                  <a:pt x="1846118" y="1400464"/>
+                  <a:pt x="2798618" y="1357746"/>
+                </a:cubicBezTo>
+                <a:cubicBezTo>
+                  <a:pt x="3751118" y="1315028"/>
+                  <a:pt x="4733059" y="657514"/>
+                  <a:pt x="5715000" y="0"/>
+                </a:cubicBezTo>
+              </a:path>
+            </a:pathLst>
+          </a:custGeom>
+          <a:noFill/>
+          <a:ln w="57150">
+            <a:solidFill>
+              <a:schemeClr val="accent4"/>
+            </a:solidFill>
+          </a:ln>
+        </p:spPr>
+        <p:style>
+          <a:lnRef idx="2">
+            <a:schemeClr val="accent1">
+              <a:shade val="15000"/>
+            </a:schemeClr>
+          </a:lnRef>
+          <a:fillRef idx="1">
+            <a:schemeClr val="accent1"/>
+          </a:fillRef>
+          <a:effectRef idx="0">
+            <a:schemeClr val="accent1"/>
+          </a:effectRef>
+          <a:fontRef idx="minor">
+            <a:schemeClr val="lt1"/>
+          </a:fontRef>
+        </p:style>
+        <p:txBody>
+          <a:bodyPr rtlCol="0" anchor="ctr"/>
+          <a:lstStyle/>
+          <a:p>
+            <a:pPr algn="ctr"/>
+            <a:endParaRPr lang="en-US"/>
+          </a:p>
+        </p:txBody>
+      </p:sp>
+      <p:sp>
+        <p:nvSpPr>
+          <p:cNvPr id="11" name="Freeform: Shape 10">
+            <a:extLst>
+              <a:ext uri="{FF2B5EF4-FFF2-40B4-BE49-F238E27FC236}">
+                <a16:creationId xmlns:a16="http://schemas.microsoft.com/office/drawing/2014/main" id="{4ED52DF5-E904-8614-C258-848BF35E4754}"/>
+              </a:ext>
+            </a:extLst>
+          </p:cNvPr>
+          <p:cNvSpPr/>
+          <p:nvPr/>
+        </p:nvSpPr>
+        <p:spPr>
+          <a:xfrm>
+            <a:off x="2348345" y="1143000"/>
+            <a:ext cx="5313219" cy="4577837"/>
+          </a:xfrm>
+          <a:custGeom>
+            <a:avLst/>
+            <a:gdLst>
+              <a:gd name="connsiteX0" fmla="*/ 0 w 5313219"/>
+              <a:gd name="connsiteY0" fmla="*/ 3574473 h 4577837"/>
+              <a:gd name="connsiteX1" fmla="*/ 2763982 w 5313219"/>
+              <a:gd name="connsiteY1" fmla="*/ 4350327 h 4577837"/>
+              <a:gd name="connsiteX2" fmla="*/ 5313219 w 5313219"/>
+              <a:gd name="connsiteY2" fmla="*/ 0 h 4577837"/>
+            </a:gdLst>
+            <a:ahLst/>
+            <a:cxnLst>
+              <a:cxn ang="0">
+                <a:pos x="connsiteX0" y="connsiteY0"/>
+              </a:cxn>
+              <a:cxn ang="0">
+                <a:pos x="connsiteX1" y="connsiteY1"/>
+              </a:cxn>
+              <a:cxn ang="0">
+                <a:pos x="connsiteX2" y="connsiteY2"/>
+              </a:cxn>
+            </a:cxnLst>
+            <a:rect l="l" t="t" r="r" b="b"/>
+            <a:pathLst>
+              <a:path w="5313219" h="4577837">
+                <a:moveTo>
+                  <a:pt x="0" y="3574473"/>
+                </a:moveTo>
+                <a:cubicBezTo>
+                  <a:pt x="939223" y="4260272"/>
+                  <a:pt x="1878446" y="4946072"/>
+                  <a:pt x="2763982" y="4350327"/>
+                </a:cubicBezTo>
+                <a:cubicBezTo>
+                  <a:pt x="3649518" y="3754582"/>
+                  <a:pt x="4481368" y="1877291"/>
+                  <a:pt x="5313219" y="0"/>
+                </a:cubicBezTo>
+              </a:path>
+            </a:pathLst>
+          </a:custGeom>
+          <a:noFill/>
+          <a:ln w="57150">
+            <a:solidFill>
+              <a:schemeClr val="accent6"/>
+            </a:solidFill>
+          </a:ln>
+        </p:spPr>
+        <p:style>
+          <a:lnRef idx="2">
+            <a:schemeClr val="accent1">
+              <a:shade val="15000"/>
+            </a:schemeClr>
+          </a:lnRef>
+          <a:fillRef idx="1">
+            <a:schemeClr val="accent1"/>
+          </a:fillRef>
+          <a:effectRef idx="0">
+            <a:schemeClr val="accent1"/>
+          </a:effectRef>
+          <a:fontRef idx="minor">
+            <a:schemeClr val="lt1"/>
+          </a:fontRef>
+        </p:style>
+        <p:txBody>
+          <a:bodyPr rtlCol="0" anchor="ctr"/>
+          <a:lstStyle/>
+          <a:p>
+            <a:pPr algn="ctr"/>
+            <a:endParaRPr lang="en-US"/>
+          </a:p>
+        </p:txBody>
+      </p:sp>
+      <mc:AlternateContent xmlns:mc="http://schemas.openxmlformats.org/markup-compatibility/2006">
+        <mc:Choice xmlns:a14="http://schemas.microsoft.com/office/drawing/2010/main" Requires="a14">
+          <p:sp>
+            <p:nvSpPr>
+              <p:cNvPr id="12" name="TextBox 11">
+                <a:extLst>
+                  <a:ext uri="{FF2B5EF4-FFF2-40B4-BE49-F238E27FC236}">
+                    <a16:creationId xmlns:a16="http://schemas.microsoft.com/office/drawing/2014/main" id="{20F2E199-F6BA-D6FC-94BB-4FE3C558AE09}"/>
+                  </a:ext>
+                </a:extLst>
+              </p:cNvPr>
+              <p:cNvSpPr txBox="1"/>
+              <p:nvPr/>
+            </p:nvSpPr>
+            <p:spPr>
+              <a:xfrm>
+                <a:off x="7432964" y="875553"/>
+                <a:ext cx="1227676" cy="523220"/>
+              </a:xfrm>
+              <a:prstGeom prst="rect">
+                <a:avLst/>
+              </a:prstGeom>
+              <a:noFill/>
+            </p:spPr>
+            <p:txBody>
+              <a:bodyPr wrap="square" rtlCol="0">
+                <a:spAutoFit/>
+              </a:bodyPr>
+              <a:lstStyle/>
+              <a:p>
+                <a:pPr/>
+                <a14:m>
+                  <m:oMathPara xmlns:m="http://schemas.openxmlformats.org/officeDocument/2006/math">
+                    <m:oMathParaPr>
+                      <m:jc m:val="centerGroup"/>
+                    </m:oMathParaPr>
+                    <m:oMath xmlns:m="http://schemas.openxmlformats.org/officeDocument/2006/math">
+                      <m:r>
+                        <a:rPr lang="en-US" sz="2800" b="1" i="1" smtClean="0">
+                          <a:solidFill>
+                            <a:schemeClr val="accent6"/>
+                          </a:solidFill>
+                          <a:latin typeface="Cambria Math" panose="02040503050406030204" pitchFamily="18" charset="0"/>
+                        </a:rPr>
+                        <m:t>𝑴𝑪</m:t>
+                      </m:r>
+                    </m:oMath>
+                  </m:oMathPara>
+                </a14:m>
+                <a:endParaRPr lang="en-US" sz="2800" b="1" dirty="0">
+                  <a:solidFill>
+                    <a:schemeClr val="accent6"/>
+                  </a:solidFill>
+                </a:endParaRPr>
+              </a:p>
+            </p:txBody>
+          </p:sp>
+        </mc:Choice>
+        <mc:Fallback>
+          <p:sp>
+            <p:nvSpPr>
+              <p:cNvPr id="12" name="TextBox 11">
+                <a:extLst>
+                  <a:ext uri="{FF2B5EF4-FFF2-40B4-BE49-F238E27FC236}">
+                    <a16:creationId xmlns:a16="http://schemas.microsoft.com/office/drawing/2014/main" id="{20F2E199-F6BA-D6FC-94BB-4FE3C558AE09}"/>
+                  </a:ext>
+                </a:extLst>
+              </p:cNvPr>
+              <p:cNvSpPr txBox="1">
+                <a:spLocks noRot="1" noChangeAspect="1" noMove="1" noResize="1" noEditPoints="1" noAdjustHandles="1" noChangeArrowheads="1" noChangeShapeType="1" noTextEdit="1"/>
+              </p:cNvSpPr>
+              <p:nvPr/>
+            </p:nvSpPr>
+            <p:spPr>
+              <a:xfrm>
+                <a:off x="7432964" y="875553"/>
+                <a:ext cx="1227676" cy="523220"/>
+              </a:xfrm>
+              <a:prstGeom prst="rect">
+                <a:avLst/>
+              </a:prstGeom>
+              <a:blipFill>
+                <a:blip r:embed="rId3"/>
+                <a:stretch>
+                  <a:fillRect/>
+                </a:stretch>
+              </a:blipFill>
+            </p:spPr>
+            <p:txBody>
+              <a:bodyPr/>
+              <a:lstStyle/>
+              <a:p>
+                <a:r>
+                  <a:rPr lang="en-US">
+                    <a:noFill/>
+                  </a:rPr>
+                  <a:t> </a:t>
+                </a:r>
+              </a:p>
+            </p:txBody>
+          </p:sp>
+        </mc:Fallback>
+      </mc:AlternateContent>
+    </p:spTree>
+    <p:extLst>
+      <p:ext uri="{BB962C8B-B14F-4D97-AF65-F5344CB8AC3E}">
+        <p14:creationId xmlns:p14="http://schemas.microsoft.com/office/powerpoint/2010/main" val="68324578"/>
       </p:ext>
     </p:extLst>
   </p:cSld>

--- a/Slides/graph-maker.pptx
+++ b/Slides/graph-maker.pptx
@@ -35,6 +35,9 @@
     <p:sldId id="283" r:id="rId29"/>
     <p:sldId id="284" r:id="rId30"/>
     <p:sldId id="285" r:id="rId31"/>
+    <p:sldId id="286" r:id="rId32"/>
+    <p:sldId id="287" r:id="rId33"/>
+    <p:sldId id="288" r:id="rId34"/>
   </p:sldIdLst>
   <p:sldSz cx="12192000" cy="6858000"/>
   <p:notesSz cx="6858000" cy="9144000"/>
@@ -288,7 +291,7 @@
           <a:p>
             <a:fld id="{B3C0BABF-8EDA-4B51-8A1B-0A9A6121571D}" type="datetimeFigureOut">
               <a:rPr lang="en-US" smtClean="0"/>
-              <a:t>2/19/2024</a:t>
+              <a:t>2/21/2024</a:t>
             </a:fld>
             <a:endParaRPr lang="en-US"/>
           </a:p>
@@ -486,7 +489,7 @@
           <a:p>
             <a:fld id="{B3C0BABF-8EDA-4B51-8A1B-0A9A6121571D}" type="datetimeFigureOut">
               <a:rPr lang="en-US" smtClean="0"/>
-              <a:t>2/19/2024</a:t>
+              <a:t>2/21/2024</a:t>
             </a:fld>
             <a:endParaRPr lang="en-US"/>
           </a:p>
@@ -694,7 +697,7 @@
           <a:p>
             <a:fld id="{B3C0BABF-8EDA-4B51-8A1B-0A9A6121571D}" type="datetimeFigureOut">
               <a:rPr lang="en-US" smtClean="0"/>
-              <a:t>2/19/2024</a:t>
+              <a:t>2/21/2024</a:t>
             </a:fld>
             <a:endParaRPr lang="en-US"/>
           </a:p>
@@ -892,7 +895,7 @@
           <a:p>
             <a:fld id="{B3C0BABF-8EDA-4B51-8A1B-0A9A6121571D}" type="datetimeFigureOut">
               <a:rPr lang="en-US" smtClean="0"/>
-              <a:t>2/19/2024</a:t>
+              <a:t>2/21/2024</a:t>
             </a:fld>
             <a:endParaRPr lang="en-US"/>
           </a:p>
@@ -1167,7 +1170,7 @@
           <a:p>
             <a:fld id="{B3C0BABF-8EDA-4B51-8A1B-0A9A6121571D}" type="datetimeFigureOut">
               <a:rPr lang="en-US" smtClean="0"/>
-              <a:t>2/19/2024</a:t>
+              <a:t>2/21/2024</a:t>
             </a:fld>
             <a:endParaRPr lang="en-US"/>
           </a:p>
@@ -1432,7 +1435,7 @@
           <a:p>
             <a:fld id="{B3C0BABF-8EDA-4B51-8A1B-0A9A6121571D}" type="datetimeFigureOut">
               <a:rPr lang="en-US" smtClean="0"/>
-              <a:t>2/19/2024</a:t>
+              <a:t>2/21/2024</a:t>
             </a:fld>
             <a:endParaRPr lang="en-US"/>
           </a:p>
@@ -1844,7 +1847,7 @@
           <a:p>
             <a:fld id="{B3C0BABF-8EDA-4B51-8A1B-0A9A6121571D}" type="datetimeFigureOut">
               <a:rPr lang="en-US" smtClean="0"/>
-              <a:t>2/19/2024</a:t>
+              <a:t>2/21/2024</a:t>
             </a:fld>
             <a:endParaRPr lang="en-US"/>
           </a:p>
@@ -1985,7 +1988,7 @@
           <a:p>
             <a:fld id="{B3C0BABF-8EDA-4B51-8A1B-0A9A6121571D}" type="datetimeFigureOut">
               <a:rPr lang="en-US" smtClean="0"/>
-              <a:t>2/19/2024</a:t>
+              <a:t>2/21/2024</a:t>
             </a:fld>
             <a:endParaRPr lang="en-US"/>
           </a:p>
@@ -2098,7 +2101,7 @@
           <a:p>
             <a:fld id="{B3C0BABF-8EDA-4B51-8A1B-0A9A6121571D}" type="datetimeFigureOut">
               <a:rPr lang="en-US" smtClean="0"/>
-              <a:t>2/19/2024</a:t>
+              <a:t>2/21/2024</a:t>
             </a:fld>
             <a:endParaRPr lang="en-US"/>
           </a:p>
@@ -2409,7 +2412,7 @@
           <a:p>
             <a:fld id="{B3C0BABF-8EDA-4B51-8A1B-0A9A6121571D}" type="datetimeFigureOut">
               <a:rPr lang="en-US" smtClean="0"/>
-              <a:t>2/19/2024</a:t>
+              <a:t>2/21/2024</a:t>
             </a:fld>
             <a:endParaRPr lang="en-US"/>
           </a:p>
@@ -2697,7 +2700,7 @@
           <a:p>
             <a:fld id="{B3C0BABF-8EDA-4B51-8A1B-0A9A6121571D}" type="datetimeFigureOut">
               <a:rPr lang="en-US" smtClean="0"/>
-              <a:t>2/19/2024</a:t>
+              <a:t>2/21/2024</a:t>
             </a:fld>
             <a:endParaRPr lang="en-US"/>
           </a:p>
@@ -2938,7 +2941,7 @@
           <a:p>
             <a:fld id="{B3C0BABF-8EDA-4B51-8A1B-0A9A6121571D}" type="datetimeFigureOut">
               <a:rPr lang="en-US" smtClean="0"/>
-              <a:t>2/19/2024</a:t>
+              <a:t>2/21/2024</a:t>
             </a:fld>
             <a:endParaRPr lang="en-US"/>
           </a:p>
@@ -20036,8 +20039,8 @@
           <a:chExt cx="0" cy="0"/>
         </a:xfrm>
       </p:grpSpPr>
-      <mc:AlternateContent xmlns:mc="http://schemas.openxmlformats.org/markup-compatibility/2006">
-        <mc:Choice xmlns:a14="http://schemas.microsoft.com/office/drawing/2010/main" Requires="a14">
+      <mc:AlternateContent xmlns:mc="http://schemas.openxmlformats.org/markup-compatibility/2006" xmlns:a14="http://schemas.microsoft.com/office/drawing/2010/main">
+        <mc:Choice Requires="a14">
           <p:sp>
             <p:nvSpPr>
               <p:cNvPr id="2" name="TextBox 1">
@@ -20094,7 +20097,7 @@
             </p:txBody>
           </p:sp>
         </mc:Choice>
-        <mc:Fallback>
+        <mc:Fallback xmlns="">
           <p:sp>
             <p:nvSpPr>
               <p:cNvPr id="2" name="TextBox 1">
@@ -20139,8 +20142,8 @@
           </p:sp>
         </mc:Fallback>
       </mc:AlternateContent>
-      <mc:AlternateContent xmlns:mc="http://schemas.openxmlformats.org/markup-compatibility/2006">
-        <mc:Choice xmlns:a14="http://schemas.microsoft.com/office/drawing/2010/main" Requires="a14">
+      <mc:AlternateContent xmlns:mc="http://schemas.openxmlformats.org/markup-compatibility/2006" xmlns:a14="http://schemas.microsoft.com/office/drawing/2010/main">
+        <mc:Choice Requires="a14">
           <p:sp>
             <p:nvSpPr>
               <p:cNvPr id="3" name="TextBox 2">
@@ -20197,7 +20200,7 @@
             </p:txBody>
           </p:sp>
         </mc:Choice>
-        <mc:Fallback>
+        <mc:Fallback xmlns="">
           <p:sp>
             <p:nvSpPr>
               <p:cNvPr id="3" name="TextBox 2">
@@ -20411,8 +20414,8 @@
           </a:p>
         </p:txBody>
       </p:sp>
-      <mc:AlternateContent xmlns:mc="http://schemas.openxmlformats.org/markup-compatibility/2006">
-        <mc:Choice xmlns:a14="http://schemas.microsoft.com/office/drawing/2010/main" Requires="a14">
+      <mc:AlternateContent xmlns:mc="http://schemas.openxmlformats.org/markup-compatibility/2006" xmlns:a14="http://schemas.microsoft.com/office/drawing/2010/main">
+        <mc:Choice Requires="a14">
           <p:sp>
             <p:nvSpPr>
               <p:cNvPr id="6" name="TextBox 5">
@@ -20469,7 +20472,7 @@
             </p:txBody>
           </p:sp>
         </mc:Choice>
-        <mc:Fallback>
+        <mc:Fallback xmlns="">
           <p:sp>
             <p:nvSpPr>
               <p:cNvPr id="6" name="TextBox 5">
@@ -20550,8 +20553,8 @@
           <a:chExt cx="0" cy="0"/>
         </a:xfrm>
       </p:grpSpPr>
-      <mc:AlternateContent xmlns:mc="http://schemas.openxmlformats.org/markup-compatibility/2006">
-        <mc:Choice xmlns:a14="http://schemas.microsoft.com/office/drawing/2010/main" Requires="a14">
+      <mc:AlternateContent xmlns:mc="http://schemas.openxmlformats.org/markup-compatibility/2006" xmlns:a14="http://schemas.microsoft.com/office/drawing/2010/main">
+        <mc:Choice Requires="a14">
           <p:sp>
             <p:nvSpPr>
               <p:cNvPr id="2" name="TextBox 1">
@@ -20608,7 +20611,7 @@
             </p:txBody>
           </p:sp>
         </mc:Choice>
-        <mc:Fallback>
+        <mc:Fallback xmlns="">
           <p:sp>
             <p:nvSpPr>
               <p:cNvPr id="2" name="TextBox 1">
@@ -20653,8 +20656,8 @@
           </p:sp>
         </mc:Fallback>
       </mc:AlternateContent>
-      <mc:AlternateContent xmlns:mc="http://schemas.openxmlformats.org/markup-compatibility/2006">
-        <mc:Choice xmlns:a14="http://schemas.microsoft.com/office/drawing/2010/main" Requires="a14">
+      <mc:AlternateContent xmlns:mc="http://schemas.openxmlformats.org/markup-compatibility/2006" xmlns:a14="http://schemas.microsoft.com/office/drawing/2010/main">
+        <mc:Choice Requires="a14">
           <p:sp>
             <p:nvSpPr>
               <p:cNvPr id="3" name="TextBox 2">
@@ -20711,7 +20714,7 @@
             </p:txBody>
           </p:sp>
         </mc:Choice>
-        <mc:Fallback>
+        <mc:Fallback xmlns="">
           <p:sp>
             <p:nvSpPr>
               <p:cNvPr id="3" name="TextBox 2">
@@ -20927,8 +20930,8 @@
           </a:p>
         </p:txBody>
       </p:sp>
-      <mc:AlternateContent xmlns:mc="http://schemas.openxmlformats.org/markup-compatibility/2006">
-        <mc:Choice xmlns:a14="http://schemas.microsoft.com/office/drawing/2010/main" Requires="a14">
+      <mc:AlternateContent xmlns:mc="http://schemas.openxmlformats.org/markup-compatibility/2006" xmlns:a14="http://schemas.microsoft.com/office/drawing/2010/main">
+        <mc:Choice Requires="a14">
           <p:sp>
             <p:nvSpPr>
               <p:cNvPr id="8" name="TextBox 7">
@@ -20989,7 +20992,7 @@
             </p:txBody>
           </p:sp>
         </mc:Choice>
-        <mc:Fallback>
+        <mc:Fallback xmlns="">
           <p:sp>
             <p:nvSpPr>
               <p:cNvPr id="8" name="TextBox 7">
@@ -21070,8 +21073,8 @@
           <a:chExt cx="0" cy="0"/>
         </a:xfrm>
       </p:grpSpPr>
-      <mc:AlternateContent xmlns:mc="http://schemas.openxmlformats.org/markup-compatibility/2006">
-        <mc:Choice xmlns:a14="http://schemas.microsoft.com/office/drawing/2010/main" Requires="a14">
+      <mc:AlternateContent xmlns:mc="http://schemas.openxmlformats.org/markup-compatibility/2006" xmlns:a14="http://schemas.microsoft.com/office/drawing/2010/main">
+        <mc:Choice Requires="a14">
           <p:sp>
             <p:nvSpPr>
               <p:cNvPr id="2" name="TextBox 1">
@@ -21128,7 +21131,7 @@
             </p:txBody>
           </p:sp>
         </mc:Choice>
-        <mc:Fallback>
+        <mc:Fallback xmlns="">
           <p:sp>
             <p:nvSpPr>
               <p:cNvPr id="2" name="TextBox 1">
@@ -21173,8 +21176,8 @@
           </p:sp>
         </mc:Fallback>
       </mc:AlternateContent>
-      <mc:AlternateContent xmlns:mc="http://schemas.openxmlformats.org/markup-compatibility/2006">
-        <mc:Choice xmlns:a14="http://schemas.microsoft.com/office/drawing/2010/main" Requires="a14">
+      <mc:AlternateContent xmlns:mc="http://schemas.openxmlformats.org/markup-compatibility/2006" xmlns:a14="http://schemas.microsoft.com/office/drawing/2010/main">
+        <mc:Choice Requires="a14">
           <p:sp>
             <p:nvSpPr>
               <p:cNvPr id="3" name="TextBox 2">
@@ -21231,7 +21234,7 @@
             </p:txBody>
           </p:sp>
         </mc:Choice>
-        <mc:Fallback>
+        <mc:Fallback xmlns="">
           <p:sp>
             <p:nvSpPr>
               <p:cNvPr id="3" name="TextBox 2">
@@ -21445,8 +21448,8 @@
           </a:p>
         </p:txBody>
       </p:sp>
-      <mc:AlternateContent xmlns:mc="http://schemas.openxmlformats.org/markup-compatibility/2006">
-        <mc:Choice xmlns:a14="http://schemas.microsoft.com/office/drawing/2010/main" Requires="a14">
+      <mc:AlternateContent xmlns:mc="http://schemas.openxmlformats.org/markup-compatibility/2006" xmlns:a14="http://schemas.microsoft.com/office/drawing/2010/main">
+        <mc:Choice Requires="a14">
           <p:sp>
             <p:nvSpPr>
               <p:cNvPr id="11" name="TextBox 10">
@@ -21503,7 +21506,7 @@
             </p:txBody>
           </p:sp>
         </mc:Choice>
-        <mc:Fallback>
+        <mc:Fallback xmlns="">
           <p:sp>
             <p:nvSpPr>
               <p:cNvPr id="11" name="TextBox 10">
@@ -21584,8 +21587,8 @@
           <a:chExt cx="0" cy="0"/>
         </a:xfrm>
       </p:grpSpPr>
-      <mc:AlternateContent xmlns:mc="http://schemas.openxmlformats.org/markup-compatibility/2006">
-        <mc:Choice xmlns:a14="http://schemas.microsoft.com/office/drawing/2010/main" Requires="a14">
+      <mc:AlternateContent xmlns:mc="http://schemas.openxmlformats.org/markup-compatibility/2006" xmlns:a14="http://schemas.microsoft.com/office/drawing/2010/main">
+        <mc:Choice Requires="a14">
           <p:sp>
             <p:nvSpPr>
               <p:cNvPr id="2" name="TextBox 1">
@@ -21642,7 +21645,7 @@
             </p:txBody>
           </p:sp>
         </mc:Choice>
-        <mc:Fallback>
+        <mc:Fallback xmlns="">
           <p:sp>
             <p:nvSpPr>
               <p:cNvPr id="2" name="TextBox 1">
@@ -21687,8 +21690,8 @@
           </p:sp>
         </mc:Fallback>
       </mc:AlternateContent>
-      <mc:AlternateContent xmlns:mc="http://schemas.openxmlformats.org/markup-compatibility/2006">
-        <mc:Choice xmlns:a14="http://schemas.microsoft.com/office/drawing/2010/main" Requires="a14">
+      <mc:AlternateContent xmlns:mc="http://schemas.openxmlformats.org/markup-compatibility/2006" xmlns:a14="http://schemas.microsoft.com/office/drawing/2010/main">
+        <mc:Choice Requires="a14">
           <p:sp>
             <p:nvSpPr>
               <p:cNvPr id="3" name="TextBox 2">
@@ -21745,7 +21748,7 @@
             </p:txBody>
           </p:sp>
         </mc:Choice>
-        <mc:Fallback>
+        <mc:Fallback xmlns="">
           <p:sp>
             <p:nvSpPr>
               <p:cNvPr id="3" name="TextBox 2">
@@ -21869,8 +21872,8 @@
           </a:p>
         </p:txBody>
       </p:sp>
-      <mc:AlternateContent xmlns:mc="http://schemas.openxmlformats.org/markup-compatibility/2006">
-        <mc:Choice xmlns:a14="http://schemas.microsoft.com/office/drawing/2010/main" Requires="a14">
+      <mc:AlternateContent xmlns:mc="http://schemas.openxmlformats.org/markup-compatibility/2006" xmlns:a14="http://schemas.microsoft.com/office/drawing/2010/main">
+        <mc:Choice Requires="a14">
           <p:sp>
             <p:nvSpPr>
               <p:cNvPr id="8" name="TextBox 7">
@@ -21927,7 +21930,7 @@
             </p:txBody>
           </p:sp>
         </mc:Choice>
-        <mc:Fallback>
+        <mc:Fallback xmlns="">
           <p:sp>
             <p:nvSpPr>
               <p:cNvPr id="8" name="TextBox 7">
@@ -22098,8 +22101,8 @@
           <a:chExt cx="0" cy="0"/>
         </a:xfrm>
       </p:grpSpPr>
-      <mc:AlternateContent xmlns:mc="http://schemas.openxmlformats.org/markup-compatibility/2006">
-        <mc:Choice xmlns:a14="http://schemas.microsoft.com/office/drawing/2010/main" Requires="a14">
+      <mc:AlternateContent xmlns:mc="http://schemas.openxmlformats.org/markup-compatibility/2006" xmlns:a14="http://schemas.microsoft.com/office/drawing/2010/main">
+        <mc:Choice Requires="a14">
           <p:sp>
             <p:nvSpPr>
               <p:cNvPr id="2" name="TextBox 1">
@@ -22156,7 +22159,7 @@
             </p:txBody>
           </p:sp>
         </mc:Choice>
-        <mc:Fallback>
+        <mc:Fallback xmlns="">
           <p:sp>
             <p:nvSpPr>
               <p:cNvPr id="2" name="TextBox 1">
@@ -22201,8 +22204,8 @@
           </p:sp>
         </mc:Fallback>
       </mc:AlternateContent>
-      <mc:AlternateContent xmlns:mc="http://schemas.openxmlformats.org/markup-compatibility/2006">
-        <mc:Choice xmlns:a14="http://schemas.microsoft.com/office/drawing/2010/main" Requires="a14">
+      <mc:AlternateContent xmlns:mc="http://schemas.openxmlformats.org/markup-compatibility/2006" xmlns:a14="http://schemas.microsoft.com/office/drawing/2010/main">
+        <mc:Choice Requires="a14">
           <p:sp>
             <p:nvSpPr>
               <p:cNvPr id="3" name="TextBox 2">
@@ -22259,7 +22262,7 @@
             </p:txBody>
           </p:sp>
         </mc:Choice>
-        <mc:Fallback>
+        <mc:Fallback xmlns="">
           <p:sp>
             <p:nvSpPr>
               <p:cNvPr id="3" name="TextBox 2">
@@ -22383,8 +22386,8 @@
           </a:p>
         </p:txBody>
       </p:sp>
-      <mc:AlternateContent xmlns:mc="http://schemas.openxmlformats.org/markup-compatibility/2006">
-        <mc:Choice xmlns:a14="http://schemas.microsoft.com/office/drawing/2010/main" Requires="a14">
+      <mc:AlternateContent xmlns:mc="http://schemas.openxmlformats.org/markup-compatibility/2006" xmlns:a14="http://schemas.microsoft.com/office/drawing/2010/main">
+        <mc:Choice Requires="a14">
           <p:sp>
             <p:nvSpPr>
               <p:cNvPr id="6" name="TextBox 5">
@@ -22441,7 +22444,7 @@
             </p:txBody>
           </p:sp>
         </mc:Choice>
-        <mc:Fallback>
+        <mc:Fallback xmlns="">
           <p:sp>
             <p:nvSpPr>
               <p:cNvPr id="6" name="TextBox 5">
@@ -22666,8 +22669,8 @@
           </a:p>
         </p:txBody>
       </p:sp>
-      <mc:AlternateContent xmlns:mc="http://schemas.openxmlformats.org/markup-compatibility/2006">
-        <mc:Choice xmlns:a14="http://schemas.microsoft.com/office/drawing/2010/main" Requires="a14">
+      <mc:AlternateContent xmlns:mc="http://schemas.openxmlformats.org/markup-compatibility/2006" xmlns:a14="http://schemas.microsoft.com/office/drawing/2010/main">
+        <mc:Choice Requires="a14">
           <p:sp>
             <p:nvSpPr>
               <p:cNvPr id="8" name="TextBox 7">
@@ -22724,7 +22727,7 @@
             </p:txBody>
           </p:sp>
         </mc:Choice>
-        <mc:Fallback>
+        <mc:Fallback xmlns="">
           <p:sp>
             <p:nvSpPr>
               <p:cNvPr id="8" name="TextBox 7">
@@ -22861,8 +22864,8 @@
           </a:p>
         </p:txBody>
       </p:sp>
-      <mc:AlternateContent xmlns:mc="http://schemas.openxmlformats.org/markup-compatibility/2006">
-        <mc:Choice xmlns:a14="http://schemas.microsoft.com/office/drawing/2010/main" Requires="a14">
+      <mc:AlternateContent xmlns:mc="http://schemas.openxmlformats.org/markup-compatibility/2006" xmlns:a14="http://schemas.microsoft.com/office/drawing/2010/main">
+        <mc:Choice Requires="a14">
           <p:sp>
             <p:nvSpPr>
               <p:cNvPr id="10" name="TextBox 9">
@@ -22923,7 +22926,7 @@
             </p:txBody>
           </p:sp>
         </mc:Choice>
-        <mc:Fallback>
+        <mc:Fallback xmlns="">
           <p:sp>
             <p:nvSpPr>
               <p:cNvPr id="10" name="TextBox 9">
@@ -23058,8 +23061,8 @@
           </a:p>
         </p:txBody>
       </p:sp>
-      <mc:AlternateContent xmlns:mc="http://schemas.openxmlformats.org/markup-compatibility/2006">
-        <mc:Choice xmlns:a14="http://schemas.microsoft.com/office/drawing/2010/main" Requires="a14">
+      <mc:AlternateContent xmlns:mc="http://schemas.openxmlformats.org/markup-compatibility/2006" xmlns:a14="http://schemas.microsoft.com/office/drawing/2010/main">
+        <mc:Choice Requires="a14">
           <p:sp>
             <p:nvSpPr>
               <p:cNvPr id="12" name="TextBox 11">
@@ -23116,7 +23119,7 @@
             </p:txBody>
           </p:sp>
         </mc:Choice>
-        <mc:Fallback>
+        <mc:Fallback xmlns="">
           <p:sp>
             <p:nvSpPr>
               <p:cNvPr id="12" name="TextBox 11">
@@ -23961,8 +23964,8 @@
           <a:chExt cx="0" cy="0"/>
         </a:xfrm>
       </p:grpSpPr>
-      <mc:AlternateContent xmlns:mc="http://schemas.openxmlformats.org/markup-compatibility/2006">
-        <mc:Choice xmlns:a14="http://schemas.microsoft.com/office/drawing/2010/main" Requires="a14">
+      <mc:AlternateContent xmlns:mc="http://schemas.openxmlformats.org/markup-compatibility/2006" xmlns:a14="http://schemas.microsoft.com/office/drawing/2010/main">
+        <mc:Choice Requires="a14">
           <p:sp>
             <p:nvSpPr>
               <p:cNvPr id="6" name="TextBox 5">
@@ -24019,7 +24022,7 @@
             </p:txBody>
           </p:sp>
         </mc:Choice>
-        <mc:Fallback>
+        <mc:Fallback xmlns="">
           <p:sp>
             <p:nvSpPr>
               <p:cNvPr id="6" name="TextBox 5">
@@ -24244,8 +24247,8 @@
           </a:p>
         </p:txBody>
       </p:sp>
-      <mc:AlternateContent xmlns:mc="http://schemas.openxmlformats.org/markup-compatibility/2006">
-        <mc:Choice xmlns:a14="http://schemas.microsoft.com/office/drawing/2010/main" Requires="a14">
+      <mc:AlternateContent xmlns:mc="http://schemas.openxmlformats.org/markup-compatibility/2006" xmlns:a14="http://schemas.microsoft.com/office/drawing/2010/main">
+        <mc:Choice Requires="a14">
           <p:sp>
             <p:nvSpPr>
               <p:cNvPr id="12" name="TextBox 11">
@@ -24302,7 +24305,7 @@
             </p:txBody>
           </p:sp>
         </mc:Choice>
-        <mc:Fallback>
+        <mc:Fallback xmlns="">
           <p:sp>
             <p:nvSpPr>
               <p:cNvPr id="12" name="TextBox 11">
@@ -24351,6 +24354,1347 @@
     <p:extLst>
       <p:ext uri="{BB962C8B-B14F-4D97-AF65-F5344CB8AC3E}">
         <p14:creationId xmlns:p14="http://schemas.microsoft.com/office/powerpoint/2010/main" val="68324578"/>
+      </p:ext>
+    </p:extLst>
+  </p:cSld>
+  <p:clrMapOvr>
+    <a:masterClrMapping/>
+  </p:clrMapOvr>
+</p:sld>
+</file>
+
+<file path=ppt/slides/slide31.xml><?xml version="1.0" encoding="utf-8"?>
+<p:sld xmlns:a="http://schemas.openxmlformats.org/drawingml/2006/main" xmlns:r="http://schemas.openxmlformats.org/officeDocument/2006/relationships" xmlns:p="http://schemas.openxmlformats.org/presentationml/2006/main">
+  <p:cSld>
+    <p:spTree>
+      <p:nvGrpSpPr>
+        <p:cNvPr id="1" name=""/>
+        <p:cNvGrpSpPr/>
+        <p:nvPr/>
+      </p:nvGrpSpPr>
+      <p:grpSpPr>
+        <a:xfrm>
+          <a:off x="0" y="0"/>
+          <a:ext cx="0" cy="0"/>
+          <a:chOff x="0" y="0"/>
+          <a:chExt cx="0" cy="0"/>
+        </a:xfrm>
+      </p:grpSpPr>
+      <p:graphicFrame>
+        <p:nvGraphicFramePr>
+          <p:cNvPr id="2" name="Table 1">
+            <a:extLst>
+              <a:ext uri="{FF2B5EF4-FFF2-40B4-BE49-F238E27FC236}">
+                <a16:creationId xmlns:a16="http://schemas.microsoft.com/office/drawing/2014/main" id="{750B136C-B830-B40F-811E-286E98E71E15}"/>
+              </a:ext>
+            </a:extLst>
+          </p:cNvPr>
+          <p:cNvGraphicFramePr>
+            <a:graphicFrameLocks noGrp="1"/>
+          </p:cNvGraphicFramePr>
+          <p:nvPr>
+            <p:extLst>
+              <p:ext uri="{D42A27DB-BD31-4B8C-83A1-F6EECF244321}">
+                <p14:modId xmlns:p14="http://schemas.microsoft.com/office/powerpoint/2010/main" val="3185586469"/>
+              </p:ext>
+            </p:extLst>
+          </p:nvPr>
+        </p:nvGraphicFramePr>
+        <p:xfrm>
+          <a:off x="981967" y="586500"/>
+          <a:ext cx="10228065" cy="5539091"/>
+        </p:xfrm>
+        <a:graphic>
+          <a:graphicData uri="http://schemas.openxmlformats.org/drawingml/2006/table">
+            <a:tbl>
+              <a:tblPr firstRow="1" bandRow="1">
+                <a:tableStyleId>{5C22544A-7EE6-4342-B048-85BDC9FD1C3A}</a:tableStyleId>
+              </a:tblPr>
+              <a:tblGrid>
+                <a:gridCol w="2045613">
+                  <a:extLst>
+                    <a:ext uri="{9D8B030D-6E8A-4147-A177-3AD203B41FA5}">
+                      <a16:colId xmlns:a16="http://schemas.microsoft.com/office/drawing/2014/main" val="4047812382"/>
+                    </a:ext>
+                  </a:extLst>
+                </a:gridCol>
+                <a:gridCol w="2045613">
+                  <a:extLst>
+                    <a:ext uri="{9D8B030D-6E8A-4147-A177-3AD203B41FA5}">
+                      <a16:colId xmlns:a16="http://schemas.microsoft.com/office/drawing/2014/main" val="1548178552"/>
+                    </a:ext>
+                  </a:extLst>
+                </a:gridCol>
+                <a:gridCol w="2045613">
+                  <a:extLst>
+                    <a:ext uri="{9D8B030D-6E8A-4147-A177-3AD203B41FA5}">
+                      <a16:colId xmlns:a16="http://schemas.microsoft.com/office/drawing/2014/main" val="21276872"/>
+                    </a:ext>
+                  </a:extLst>
+                </a:gridCol>
+                <a:gridCol w="2045613">
+                  <a:extLst>
+                    <a:ext uri="{9D8B030D-6E8A-4147-A177-3AD203B41FA5}">
+                      <a16:colId xmlns:a16="http://schemas.microsoft.com/office/drawing/2014/main" val="891291576"/>
+                    </a:ext>
+                  </a:extLst>
+                </a:gridCol>
+                <a:gridCol w="2045613">
+                  <a:extLst>
+                    <a:ext uri="{9D8B030D-6E8A-4147-A177-3AD203B41FA5}">
+                      <a16:colId xmlns:a16="http://schemas.microsoft.com/office/drawing/2014/main" val="357571672"/>
+                    </a:ext>
+                  </a:extLst>
+                </a:gridCol>
+              </a:tblGrid>
+              <a:tr h="925283">
+                <a:tc>
+                  <a:txBody>
+                    <a:bodyPr/>
+                    <a:lstStyle/>
+                    <a:p>
+                      <a:pPr algn="ctr"/>
+                      <a:endParaRPr lang="en-US" b="1" dirty="0">
+                        <a:solidFill>
+                          <a:schemeClr val="tx1"/>
+                        </a:solidFill>
+                        <a:latin typeface="Boucherie Block" panose="02000506000000020004" pitchFamily="2" charset="0"/>
+                      </a:endParaRPr>
+                    </a:p>
+                  </a:txBody>
+                  <a:tcPr anchor="ctr"/>
+                </a:tc>
+                <a:tc>
+                  <a:txBody>
+                    <a:bodyPr/>
+                    <a:lstStyle/>
+                    <a:p>
+                      <a:pPr algn="ctr"/>
+                      <a:r>
+                        <a:rPr lang="en-US" b="1" dirty="0">
+                          <a:latin typeface="Boucherie Block" panose="02000506000000020004" pitchFamily="2" charset="0"/>
+                        </a:rPr>
+                        <a:t>Perfect competition</a:t>
+                      </a:r>
+                    </a:p>
+                  </a:txBody>
+                  <a:tcPr anchor="ctr"/>
+                </a:tc>
+                <a:tc>
+                  <a:txBody>
+                    <a:bodyPr/>
+                    <a:lstStyle/>
+                    <a:p>
+                      <a:pPr algn="ctr"/>
+                      <a:r>
+                        <a:rPr lang="en-US" b="1" dirty="0">
+                          <a:latin typeface="Boucherie Block" panose="02000506000000020004" pitchFamily="2" charset="0"/>
+                        </a:rPr>
+                        <a:t>Monopolistic competition</a:t>
+                      </a:r>
+                    </a:p>
+                  </a:txBody>
+                  <a:tcPr anchor="ctr"/>
+                </a:tc>
+                <a:tc>
+                  <a:txBody>
+                    <a:bodyPr/>
+                    <a:lstStyle/>
+                    <a:p>
+                      <a:pPr algn="ctr"/>
+                      <a:r>
+                        <a:rPr lang="en-US" b="1" dirty="0">
+                          <a:latin typeface="Boucherie Block" panose="02000506000000020004" pitchFamily="2" charset="0"/>
+                        </a:rPr>
+                        <a:t>Oligopoly</a:t>
+                      </a:r>
+                    </a:p>
+                  </a:txBody>
+                  <a:tcPr anchor="ctr"/>
+                </a:tc>
+                <a:tc>
+                  <a:txBody>
+                    <a:bodyPr/>
+                    <a:lstStyle/>
+                    <a:p>
+                      <a:pPr algn="ctr"/>
+                      <a:r>
+                        <a:rPr lang="en-US" b="1" dirty="0">
+                          <a:latin typeface="Boucherie Block" panose="02000506000000020004" pitchFamily="2" charset="0"/>
+                        </a:rPr>
+                        <a:t>monopoly</a:t>
+                      </a:r>
+                    </a:p>
+                  </a:txBody>
+                  <a:tcPr anchor="ctr"/>
+                </a:tc>
+                <a:extLst>
+                  <a:ext uri="{0D108BD9-81ED-4DB2-BD59-A6C34878D82A}">
+                    <a16:rowId xmlns:a16="http://schemas.microsoft.com/office/drawing/2014/main" val="3509692546"/>
+                  </a:ext>
+                </a:extLst>
+              </a:tr>
+              <a:tr h="1537936">
+                <a:tc>
+                  <a:txBody>
+                    <a:bodyPr/>
+                    <a:lstStyle/>
+                    <a:p>
+                      <a:pPr algn="ctr"/>
+                      <a:r>
+                        <a:rPr lang="en-US" b="1" dirty="0">
+                          <a:latin typeface="Boucherie Block" panose="02000506000000020004" pitchFamily="2" charset="0"/>
+                        </a:rPr>
+                        <a:t>Number of Firms</a:t>
+                      </a:r>
+                    </a:p>
+                  </a:txBody>
+                  <a:tcPr anchor="ctr"/>
+                </a:tc>
+                <a:tc>
+                  <a:txBody>
+                    <a:bodyPr/>
+                    <a:lstStyle/>
+                    <a:p>
+                      <a:pPr algn="ctr"/>
+                      <a:r>
+                        <a:rPr lang="en-US" b="1" dirty="0">
+                          <a:latin typeface="Boucherie Block" panose="02000506000000020004" pitchFamily="2" charset="0"/>
+                        </a:rPr>
+                        <a:t>Many</a:t>
+                      </a:r>
+                    </a:p>
+                  </a:txBody>
+                  <a:tcPr anchor="ctr"/>
+                </a:tc>
+                <a:tc>
+                  <a:txBody>
+                    <a:bodyPr/>
+                    <a:lstStyle/>
+                    <a:p>
+                      <a:pPr algn="ctr"/>
+                      <a:r>
+                        <a:rPr lang="en-US" b="1" dirty="0">
+                          <a:latin typeface="Boucherie Block" panose="02000506000000020004" pitchFamily="2" charset="0"/>
+                        </a:rPr>
+                        <a:t>many</a:t>
+                      </a:r>
+                    </a:p>
+                  </a:txBody>
+                  <a:tcPr anchor="ctr"/>
+                </a:tc>
+                <a:tc>
+                  <a:txBody>
+                    <a:bodyPr/>
+                    <a:lstStyle/>
+                    <a:p>
+                      <a:pPr algn="ctr"/>
+                      <a:r>
+                        <a:rPr lang="en-US" b="1" dirty="0">
+                          <a:latin typeface="Boucherie Block" panose="02000506000000020004" pitchFamily="2" charset="0"/>
+                        </a:rPr>
+                        <a:t>few</a:t>
+                      </a:r>
+                    </a:p>
+                  </a:txBody>
+                  <a:tcPr anchor="ctr"/>
+                </a:tc>
+                <a:tc>
+                  <a:txBody>
+                    <a:bodyPr/>
+                    <a:lstStyle/>
+                    <a:p>
+                      <a:pPr algn="ctr"/>
+                      <a:r>
+                        <a:rPr lang="en-US" b="1" dirty="0">
+                          <a:latin typeface="Boucherie Block" panose="02000506000000020004" pitchFamily="2" charset="0"/>
+                        </a:rPr>
+                        <a:t>one</a:t>
+                      </a:r>
+                    </a:p>
+                  </a:txBody>
+                  <a:tcPr anchor="ctr"/>
+                </a:tc>
+                <a:extLst>
+                  <a:ext uri="{0D108BD9-81ED-4DB2-BD59-A6C34878D82A}">
+                    <a16:rowId xmlns:a16="http://schemas.microsoft.com/office/drawing/2014/main" val="242964532"/>
+                  </a:ext>
+                </a:extLst>
+              </a:tr>
+              <a:tr h="1537936">
+                <a:tc>
+                  <a:txBody>
+                    <a:bodyPr/>
+                    <a:lstStyle/>
+                    <a:p>
+                      <a:pPr algn="ctr"/>
+                      <a:r>
+                        <a:rPr lang="en-US" b="1" dirty="0">
+                          <a:latin typeface="Boucherie Block" panose="02000506000000020004" pitchFamily="2" charset="0"/>
+                        </a:rPr>
+                        <a:t>Type of products sold</a:t>
+                      </a:r>
+                    </a:p>
+                  </a:txBody>
+                  <a:tcPr anchor="ctr"/>
+                </a:tc>
+                <a:tc>
+                  <a:txBody>
+                    <a:bodyPr/>
+                    <a:lstStyle/>
+                    <a:p>
+                      <a:pPr algn="ctr"/>
+                      <a:r>
+                        <a:rPr lang="en-US" b="1" dirty="0">
+                          <a:latin typeface="Boucherie Block" panose="02000506000000020004" pitchFamily="2" charset="0"/>
+                        </a:rPr>
+                        <a:t>Identical</a:t>
+                      </a:r>
+                    </a:p>
+                  </a:txBody>
+                  <a:tcPr anchor="ctr"/>
+                </a:tc>
+                <a:tc>
+                  <a:txBody>
+                    <a:bodyPr/>
+                    <a:lstStyle/>
+                    <a:p>
+                      <a:pPr algn="ctr"/>
+                      <a:r>
+                        <a:rPr lang="en-US" b="1" dirty="0">
+                          <a:latin typeface="Boucherie Block" panose="02000506000000020004" pitchFamily="2" charset="0"/>
+                        </a:rPr>
+                        <a:t>Differentiated</a:t>
+                      </a:r>
+                    </a:p>
+                  </a:txBody>
+                  <a:tcPr anchor="ctr"/>
+                </a:tc>
+                <a:tc>
+                  <a:txBody>
+                    <a:bodyPr/>
+                    <a:lstStyle/>
+                    <a:p>
+                      <a:pPr algn="ctr"/>
+                      <a:r>
+                        <a:rPr lang="en-US" b="1" dirty="0">
+                          <a:latin typeface="Boucherie Block" panose="02000506000000020004" pitchFamily="2" charset="0"/>
+                        </a:rPr>
+                        <a:t>Identical or differentiated</a:t>
+                      </a:r>
+                    </a:p>
+                  </a:txBody>
+                  <a:tcPr anchor="ctr"/>
+                </a:tc>
+                <a:tc>
+                  <a:txBody>
+                    <a:bodyPr/>
+                    <a:lstStyle/>
+                    <a:p>
+                      <a:pPr algn="ctr"/>
+                      <a:r>
+                        <a:rPr lang="en-US" b="1" dirty="0">
+                          <a:latin typeface="Boucherie Block" panose="02000506000000020004" pitchFamily="2" charset="0"/>
+                        </a:rPr>
+                        <a:t>Unique</a:t>
+                      </a:r>
+                    </a:p>
+                  </a:txBody>
+                  <a:tcPr anchor="ctr"/>
+                </a:tc>
+                <a:extLst>
+                  <a:ext uri="{0D108BD9-81ED-4DB2-BD59-A6C34878D82A}">
+                    <a16:rowId xmlns:a16="http://schemas.microsoft.com/office/drawing/2014/main" val="3052610449"/>
+                  </a:ext>
+                </a:extLst>
+              </a:tr>
+              <a:tr h="1537936">
+                <a:tc>
+                  <a:txBody>
+                    <a:bodyPr/>
+                    <a:lstStyle/>
+                    <a:p>
+                      <a:pPr algn="ctr"/>
+                      <a:r>
+                        <a:rPr lang="en-US" b="1" dirty="0">
+                          <a:latin typeface="Boucherie Block" panose="02000506000000020004" pitchFamily="2" charset="0"/>
+                        </a:rPr>
+                        <a:t>Barriers to entry</a:t>
+                      </a:r>
+                    </a:p>
+                  </a:txBody>
+                  <a:tcPr anchor="ctr"/>
+                </a:tc>
+                <a:tc>
+                  <a:txBody>
+                    <a:bodyPr/>
+                    <a:lstStyle/>
+                    <a:p>
+                      <a:pPr algn="ctr"/>
+                      <a:r>
+                        <a:rPr lang="en-US" b="1" dirty="0">
+                          <a:latin typeface="Boucherie Block" panose="02000506000000020004" pitchFamily="2" charset="0"/>
+                        </a:rPr>
+                        <a:t>None</a:t>
+                      </a:r>
+                    </a:p>
+                  </a:txBody>
+                  <a:tcPr anchor="ctr"/>
+                </a:tc>
+                <a:tc>
+                  <a:txBody>
+                    <a:bodyPr/>
+                    <a:lstStyle/>
+                    <a:p>
+                      <a:pPr algn="ctr"/>
+                      <a:r>
+                        <a:rPr lang="en-US" b="1" dirty="0">
+                          <a:latin typeface="Boucherie Block" panose="02000506000000020004" pitchFamily="2" charset="0"/>
+                        </a:rPr>
+                        <a:t>None</a:t>
+                      </a:r>
+                    </a:p>
+                  </a:txBody>
+                  <a:tcPr anchor="ctr"/>
+                </a:tc>
+                <a:tc>
+                  <a:txBody>
+                    <a:bodyPr/>
+                    <a:lstStyle/>
+                    <a:p>
+                      <a:pPr algn="ctr"/>
+                      <a:r>
+                        <a:rPr lang="en-US" b="1" dirty="0">
+                          <a:latin typeface="Boucherie Block" panose="02000506000000020004" pitchFamily="2" charset="0"/>
+                        </a:rPr>
+                        <a:t>Some</a:t>
+                      </a:r>
+                    </a:p>
+                  </a:txBody>
+                  <a:tcPr anchor="ctr"/>
+                </a:tc>
+                <a:tc>
+                  <a:txBody>
+                    <a:bodyPr/>
+                    <a:lstStyle/>
+                    <a:p>
+                      <a:pPr algn="ctr"/>
+                      <a:r>
+                        <a:rPr lang="en-US" b="1" dirty="0">
+                          <a:latin typeface="Boucherie Block" panose="02000506000000020004" pitchFamily="2" charset="0"/>
+                        </a:rPr>
+                        <a:t>many</a:t>
+                      </a:r>
+                    </a:p>
+                  </a:txBody>
+                  <a:tcPr anchor="ctr"/>
+                </a:tc>
+                <a:extLst>
+                  <a:ext uri="{0D108BD9-81ED-4DB2-BD59-A6C34878D82A}">
+                    <a16:rowId xmlns:a16="http://schemas.microsoft.com/office/drawing/2014/main" val="1652255047"/>
+                  </a:ext>
+                </a:extLst>
+              </a:tr>
+            </a:tbl>
+          </a:graphicData>
+        </a:graphic>
+      </p:graphicFrame>
+    </p:spTree>
+    <p:extLst>
+      <p:ext uri="{BB962C8B-B14F-4D97-AF65-F5344CB8AC3E}">
+        <p14:creationId xmlns:p14="http://schemas.microsoft.com/office/powerpoint/2010/main" val="2373341339"/>
+      </p:ext>
+    </p:extLst>
+  </p:cSld>
+  <p:clrMapOvr>
+    <a:masterClrMapping/>
+  </p:clrMapOvr>
+</p:sld>
+</file>
+
+<file path=ppt/slides/slide32.xml><?xml version="1.0" encoding="utf-8"?>
+<p:sld xmlns:a="http://schemas.openxmlformats.org/drawingml/2006/main" xmlns:r="http://schemas.openxmlformats.org/officeDocument/2006/relationships" xmlns:p="http://schemas.openxmlformats.org/presentationml/2006/main">
+  <p:cSld>
+    <p:spTree>
+      <p:nvGrpSpPr>
+        <p:cNvPr id="1" name=""/>
+        <p:cNvGrpSpPr/>
+        <p:nvPr/>
+      </p:nvGrpSpPr>
+      <p:grpSpPr>
+        <a:xfrm>
+          <a:off x="0" y="0"/>
+          <a:ext cx="0" cy="0"/>
+          <a:chOff x="0" y="0"/>
+          <a:chExt cx="0" cy="0"/>
+        </a:xfrm>
+      </p:grpSpPr>
+      <p:sp>
+        <p:nvSpPr>
+          <p:cNvPr id="3" name="Rectangle: Rounded Corners 2">
+            <a:extLst>
+              <a:ext uri="{FF2B5EF4-FFF2-40B4-BE49-F238E27FC236}">
+                <a16:creationId xmlns:a16="http://schemas.microsoft.com/office/drawing/2014/main" id="{1475EBFA-939E-E94A-5998-314FB21F82C1}"/>
+              </a:ext>
+            </a:extLst>
+          </p:cNvPr>
+          <p:cNvSpPr/>
+          <p:nvPr/>
+        </p:nvSpPr>
+        <p:spPr>
+          <a:xfrm>
+            <a:off x="1722268" y="2603376"/>
+            <a:ext cx="1775534" cy="825624"/>
+          </a:xfrm>
+          <a:prstGeom prst="roundRect">
+            <a:avLst/>
+          </a:prstGeom>
+          <a:solidFill>
+            <a:schemeClr val="accent2">
+              <a:alpha val="50000"/>
+            </a:schemeClr>
+          </a:solidFill>
+          <a:ln>
+            <a:noFill/>
+          </a:ln>
+        </p:spPr>
+        <p:style>
+          <a:lnRef idx="0">
+            <a:scrgbClr r="0" g="0" b="0"/>
+          </a:lnRef>
+          <a:fillRef idx="0">
+            <a:scrgbClr r="0" g="0" b="0"/>
+          </a:fillRef>
+          <a:effectRef idx="0">
+            <a:scrgbClr r="0" g="0" b="0"/>
+          </a:effectRef>
+          <a:fontRef idx="minor">
+            <a:schemeClr val="lt1"/>
+          </a:fontRef>
+        </p:style>
+        <p:txBody>
+          <a:bodyPr rtlCol="0" anchor="ctr"/>
+          <a:lstStyle/>
+          <a:p>
+            <a:pPr algn="ctr"/>
+            <a:r>
+              <a:rPr lang="en-US" b="1" dirty="0">
+                <a:solidFill>
+                  <a:schemeClr val="tx1"/>
+                </a:solidFill>
+                <a:latin typeface="Boucherie Block" panose="02000506000000020004" pitchFamily="2" charset="0"/>
+              </a:rPr>
+              <a:t>PERFECT COMPETITION</a:t>
+            </a:r>
+          </a:p>
+        </p:txBody>
+      </p:sp>
+      <p:sp>
+        <p:nvSpPr>
+          <p:cNvPr id="4" name="Rectangle: Rounded Corners 3">
+            <a:extLst>
+              <a:ext uri="{FF2B5EF4-FFF2-40B4-BE49-F238E27FC236}">
+                <a16:creationId xmlns:a16="http://schemas.microsoft.com/office/drawing/2014/main" id="{53E9B4B1-F2C0-A79D-FF6F-56358612B0DA}"/>
+              </a:ext>
+            </a:extLst>
+          </p:cNvPr>
+          <p:cNvSpPr/>
+          <p:nvPr/>
+        </p:nvSpPr>
+        <p:spPr>
+          <a:xfrm>
+            <a:off x="3974237" y="2603376"/>
+            <a:ext cx="1775534" cy="825624"/>
+          </a:xfrm>
+          <a:prstGeom prst="roundRect">
+            <a:avLst/>
+          </a:prstGeom>
+          <a:solidFill>
+            <a:schemeClr val="accent2">
+              <a:alpha val="50000"/>
+            </a:schemeClr>
+          </a:solidFill>
+          <a:ln>
+            <a:noFill/>
+          </a:ln>
+        </p:spPr>
+        <p:style>
+          <a:lnRef idx="0">
+            <a:scrgbClr r="0" g="0" b="0"/>
+          </a:lnRef>
+          <a:fillRef idx="0">
+            <a:scrgbClr r="0" g="0" b="0"/>
+          </a:fillRef>
+          <a:effectRef idx="0">
+            <a:scrgbClr r="0" g="0" b="0"/>
+          </a:effectRef>
+          <a:fontRef idx="minor">
+            <a:schemeClr val="lt1"/>
+          </a:fontRef>
+        </p:style>
+        <p:txBody>
+          <a:bodyPr rtlCol="0" anchor="ctr"/>
+          <a:lstStyle/>
+          <a:p>
+            <a:pPr algn="ctr"/>
+            <a:r>
+              <a:rPr lang="en-US" b="1" dirty="0">
+                <a:solidFill>
+                  <a:schemeClr val="tx1"/>
+                </a:solidFill>
+                <a:latin typeface="Boucherie Block" panose="02000506000000020004" pitchFamily="2" charset="0"/>
+              </a:rPr>
+              <a:t>MONOPOLISTIC COMPETITION</a:t>
+            </a:r>
+          </a:p>
+        </p:txBody>
+      </p:sp>
+      <p:sp>
+        <p:nvSpPr>
+          <p:cNvPr id="5" name="Rectangle: Rounded Corners 4">
+            <a:extLst>
+              <a:ext uri="{FF2B5EF4-FFF2-40B4-BE49-F238E27FC236}">
+                <a16:creationId xmlns:a16="http://schemas.microsoft.com/office/drawing/2014/main" id="{40280843-F91E-92A5-A757-77B2F89F50A8}"/>
+              </a:ext>
+            </a:extLst>
+          </p:cNvPr>
+          <p:cNvSpPr/>
+          <p:nvPr/>
+        </p:nvSpPr>
+        <p:spPr>
+          <a:xfrm>
+            <a:off x="6226206" y="2603376"/>
+            <a:ext cx="1775534" cy="825624"/>
+          </a:xfrm>
+          <a:prstGeom prst="roundRect">
+            <a:avLst/>
+          </a:prstGeom>
+          <a:solidFill>
+            <a:schemeClr val="accent2">
+              <a:alpha val="50000"/>
+            </a:schemeClr>
+          </a:solidFill>
+          <a:ln>
+            <a:noFill/>
+          </a:ln>
+        </p:spPr>
+        <p:style>
+          <a:lnRef idx="0">
+            <a:scrgbClr r="0" g="0" b="0"/>
+          </a:lnRef>
+          <a:fillRef idx="0">
+            <a:scrgbClr r="0" g="0" b="0"/>
+          </a:fillRef>
+          <a:effectRef idx="0">
+            <a:scrgbClr r="0" g="0" b="0"/>
+          </a:effectRef>
+          <a:fontRef idx="minor">
+            <a:schemeClr val="lt1"/>
+          </a:fontRef>
+        </p:style>
+        <p:txBody>
+          <a:bodyPr rtlCol="0" anchor="ctr"/>
+          <a:lstStyle/>
+          <a:p>
+            <a:pPr algn="ctr"/>
+            <a:r>
+              <a:rPr lang="en-US" b="1" dirty="0">
+                <a:solidFill>
+                  <a:schemeClr val="tx1"/>
+                </a:solidFill>
+                <a:latin typeface="Boucherie Block" panose="02000506000000020004" pitchFamily="2" charset="0"/>
+              </a:rPr>
+              <a:t>OLIGOPOLY</a:t>
+            </a:r>
+          </a:p>
+        </p:txBody>
+      </p:sp>
+      <p:sp>
+        <p:nvSpPr>
+          <p:cNvPr id="6" name="Rectangle: Rounded Corners 5">
+            <a:extLst>
+              <a:ext uri="{FF2B5EF4-FFF2-40B4-BE49-F238E27FC236}">
+                <a16:creationId xmlns:a16="http://schemas.microsoft.com/office/drawing/2014/main" id="{31CD433A-71EF-34F7-B896-327849E93269}"/>
+              </a:ext>
+            </a:extLst>
+          </p:cNvPr>
+          <p:cNvSpPr/>
+          <p:nvPr/>
+        </p:nvSpPr>
+        <p:spPr>
+          <a:xfrm>
+            <a:off x="8478175" y="2603376"/>
+            <a:ext cx="1775534" cy="825624"/>
+          </a:xfrm>
+          <a:prstGeom prst="roundRect">
+            <a:avLst/>
+          </a:prstGeom>
+          <a:solidFill>
+            <a:schemeClr val="accent2">
+              <a:alpha val="50000"/>
+            </a:schemeClr>
+          </a:solidFill>
+          <a:ln>
+            <a:noFill/>
+          </a:ln>
+        </p:spPr>
+        <p:style>
+          <a:lnRef idx="0">
+            <a:scrgbClr r="0" g="0" b="0"/>
+          </a:lnRef>
+          <a:fillRef idx="0">
+            <a:scrgbClr r="0" g="0" b="0"/>
+          </a:fillRef>
+          <a:effectRef idx="0">
+            <a:scrgbClr r="0" g="0" b="0"/>
+          </a:effectRef>
+          <a:fontRef idx="minor">
+            <a:schemeClr val="lt1"/>
+          </a:fontRef>
+        </p:style>
+        <p:txBody>
+          <a:bodyPr rtlCol="0" anchor="ctr"/>
+          <a:lstStyle/>
+          <a:p>
+            <a:pPr algn="ctr"/>
+            <a:r>
+              <a:rPr lang="en-US" b="1" dirty="0">
+                <a:solidFill>
+                  <a:schemeClr val="tx1"/>
+                </a:solidFill>
+                <a:latin typeface="Boucherie Block" panose="02000506000000020004" pitchFamily="2" charset="0"/>
+              </a:rPr>
+              <a:t>MONOPOLY</a:t>
+            </a:r>
+          </a:p>
+        </p:txBody>
+      </p:sp>
+      <p:sp>
+        <p:nvSpPr>
+          <p:cNvPr id="12" name="Arrow: Left 11">
+            <a:extLst>
+              <a:ext uri="{FF2B5EF4-FFF2-40B4-BE49-F238E27FC236}">
+                <a16:creationId xmlns:a16="http://schemas.microsoft.com/office/drawing/2014/main" id="{F16CD286-6934-0AE9-3045-3B83891575A4}"/>
+              </a:ext>
+            </a:extLst>
+          </p:cNvPr>
+          <p:cNvSpPr/>
+          <p:nvPr/>
+        </p:nvSpPr>
+        <p:spPr>
+          <a:xfrm>
+            <a:off x="1485530" y="2228193"/>
+            <a:ext cx="8966446" cy="289634"/>
+          </a:xfrm>
+          <a:prstGeom prst="leftArrow">
+            <a:avLst>
+              <a:gd name="adj1" fmla="val 50000"/>
+              <a:gd name="adj2" fmla="val 123077"/>
+            </a:avLst>
+          </a:prstGeom>
+          <a:solidFill>
+            <a:srgbClr val="C00000"/>
+          </a:solidFill>
+        </p:spPr>
+        <p:style>
+          <a:lnRef idx="2">
+            <a:schemeClr val="accent1">
+              <a:shade val="15000"/>
+            </a:schemeClr>
+          </a:lnRef>
+          <a:fillRef idx="1">
+            <a:schemeClr val="accent1"/>
+          </a:fillRef>
+          <a:effectRef idx="0">
+            <a:schemeClr val="accent1"/>
+          </a:effectRef>
+          <a:fontRef idx="minor">
+            <a:schemeClr val="lt1"/>
+          </a:fontRef>
+        </p:style>
+        <p:txBody>
+          <a:bodyPr rtlCol="0" anchor="ctr"/>
+          <a:lstStyle/>
+          <a:p>
+            <a:pPr algn="ctr"/>
+            <a:endParaRPr lang="en-US"/>
+          </a:p>
+        </p:txBody>
+      </p:sp>
+      <p:sp>
+        <p:nvSpPr>
+          <p:cNvPr id="14" name="Arrow: Left 13">
+            <a:extLst>
+              <a:ext uri="{FF2B5EF4-FFF2-40B4-BE49-F238E27FC236}">
+                <a16:creationId xmlns:a16="http://schemas.microsoft.com/office/drawing/2014/main" id="{25715F9C-5756-BF6B-F282-B044CD3635D9}"/>
+              </a:ext>
+            </a:extLst>
+          </p:cNvPr>
+          <p:cNvSpPr/>
+          <p:nvPr/>
+        </p:nvSpPr>
+        <p:spPr>
+          <a:xfrm rot="10800000">
+            <a:off x="1540279" y="3514447"/>
+            <a:ext cx="8966446" cy="289634"/>
+          </a:xfrm>
+          <a:prstGeom prst="leftArrow">
+            <a:avLst>
+              <a:gd name="adj1" fmla="val 50000"/>
+              <a:gd name="adj2" fmla="val 123077"/>
+            </a:avLst>
+          </a:prstGeom>
+        </p:spPr>
+        <p:style>
+          <a:lnRef idx="2">
+            <a:schemeClr val="accent1">
+              <a:shade val="15000"/>
+            </a:schemeClr>
+          </a:lnRef>
+          <a:fillRef idx="1">
+            <a:schemeClr val="accent1"/>
+          </a:fillRef>
+          <a:effectRef idx="0">
+            <a:schemeClr val="accent1"/>
+          </a:effectRef>
+          <a:fontRef idx="minor">
+            <a:schemeClr val="lt1"/>
+          </a:fontRef>
+        </p:style>
+        <p:txBody>
+          <a:bodyPr rtlCol="0" anchor="ctr"/>
+          <a:lstStyle/>
+          <a:p>
+            <a:pPr algn="ctr"/>
+            <a:endParaRPr lang="en-US"/>
+          </a:p>
+        </p:txBody>
+      </p:sp>
+      <p:sp>
+        <p:nvSpPr>
+          <p:cNvPr id="15" name="TextBox 14">
+            <a:extLst>
+              <a:ext uri="{FF2B5EF4-FFF2-40B4-BE49-F238E27FC236}">
+                <a16:creationId xmlns:a16="http://schemas.microsoft.com/office/drawing/2014/main" id="{8EE40BF7-8379-6D47-D4A8-2CCC2B79C3C4}"/>
+              </a:ext>
+            </a:extLst>
+          </p:cNvPr>
+          <p:cNvSpPr txBox="1"/>
+          <p:nvPr/>
+        </p:nvSpPr>
+        <p:spPr>
+          <a:xfrm>
+            <a:off x="1685277" y="1918232"/>
+            <a:ext cx="2281562" cy="369332"/>
+          </a:xfrm>
+          <a:prstGeom prst="rect">
+            <a:avLst/>
+          </a:prstGeom>
+          <a:noFill/>
+        </p:spPr>
+        <p:txBody>
+          <a:bodyPr wrap="square" rtlCol="0">
+            <a:spAutoFit/>
+          </a:bodyPr>
+          <a:lstStyle/>
+          <a:p>
+            <a:pPr algn="ctr"/>
+            <a:r>
+              <a:rPr lang="en-US" b="1" dirty="0">
+                <a:latin typeface="Boucherie Block" panose="02000506000000020004" pitchFamily="2" charset="0"/>
+              </a:rPr>
+              <a:t>MORE COMPETITION</a:t>
+            </a:r>
+          </a:p>
+        </p:txBody>
+      </p:sp>
+      <p:sp>
+        <p:nvSpPr>
+          <p:cNvPr id="16" name="TextBox 15">
+            <a:extLst>
+              <a:ext uri="{FF2B5EF4-FFF2-40B4-BE49-F238E27FC236}">
+                <a16:creationId xmlns:a16="http://schemas.microsoft.com/office/drawing/2014/main" id="{432455D9-1F64-7D53-AED0-D9A1104E9AC6}"/>
+              </a:ext>
+            </a:extLst>
+          </p:cNvPr>
+          <p:cNvSpPr txBox="1"/>
+          <p:nvPr/>
+        </p:nvSpPr>
+        <p:spPr>
+          <a:xfrm>
+            <a:off x="8225163" y="1918232"/>
+            <a:ext cx="2281562" cy="369332"/>
+          </a:xfrm>
+          <a:prstGeom prst="rect">
+            <a:avLst/>
+          </a:prstGeom>
+          <a:noFill/>
+        </p:spPr>
+        <p:txBody>
+          <a:bodyPr wrap="square" rtlCol="0">
+            <a:spAutoFit/>
+          </a:bodyPr>
+          <a:lstStyle/>
+          <a:p>
+            <a:pPr algn="ctr"/>
+            <a:r>
+              <a:rPr lang="en-US" b="1" dirty="0">
+                <a:latin typeface="Boucherie Block" panose="02000506000000020004" pitchFamily="2" charset="0"/>
+              </a:rPr>
+              <a:t>LESS COMPETITION</a:t>
+            </a:r>
+          </a:p>
+        </p:txBody>
+      </p:sp>
+      <p:sp>
+        <p:nvSpPr>
+          <p:cNvPr id="17" name="TextBox 16">
+            <a:extLst>
+              <a:ext uri="{FF2B5EF4-FFF2-40B4-BE49-F238E27FC236}">
+                <a16:creationId xmlns:a16="http://schemas.microsoft.com/office/drawing/2014/main" id="{B56E4D91-ECC4-1473-D288-455162EE1269}"/>
+              </a:ext>
+            </a:extLst>
+          </p:cNvPr>
+          <p:cNvSpPr txBox="1"/>
+          <p:nvPr/>
+        </p:nvSpPr>
+        <p:spPr>
+          <a:xfrm>
+            <a:off x="1645324" y="3862896"/>
+            <a:ext cx="2281562" cy="369332"/>
+          </a:xfrm>
+          <a:prstGeom prst="rect">
+            <a:avLst/>
+          </a:prstGeom>
+          <a:noFill/>
+        </p:spPr>
+        <p:txBody>
+          <a:bodyPr wrap="square" rtlCol="0">
+            <a:spAutoFit/>
+          </a:bodyPr>
+          <a:lstStyle/>
+          <a:p>
+            <a:pPr algn="ctr"/>
+            <a:r>
+              <a:rPr lang="en-US" b="1" dirty="0">
+                <a:latin typeface="Boucherie Block" panose="02000506000000020004" pitchFamily="2" charset="0"/>
+              </a:rPr>
+              <a:t>LESS CONCENTRATION</a:t>
+            </a:r>
+          </a:p>
+        </p:txBody>
+      </p:sp>
+      <p:sp>
+        <p:nvSpPr>
+          <p:cNvPr id="18" name="TextBox 17">
+            <a:extLst>
+              <a:ext uri="{FF2B5EF4-FFF2-40B4-BE49-F238E27FC236}">
+                <a16:creationId xmlns:a16="http://schemas.microsoft.com/office/drawing/2014/main" id="{0AB5AE86-9811-91A4-9702-EC6D42A745E1}"/>
+              </a:ext>
+            </a:extLst>
+          </p:cNvPr>
+          <p:cNvSpPr txBox="1"/>
+          <p:nvPr/>
+        </p:nvSpPr>
+        <p:spPr>
+          <a:xfrm>
+            <a:off x="8185210" y="3862896"/>
+            <a:ext cx="2281562" cy="369332"/>
+          </a:xfrm>
+          <a:prstGeom prst="rect">
+            <a:avLst/>
+          </a:prstGeom>
+          <a:noFill/>
+        </p:spPr>
+        <p:txBody>
+          <a:bodyPr wrap="square" rtlCol="0">
+            <a:spAutoFit/>
+          </a:bodyPr>
+          <a:lstStyle/>
+          <a:p>
+            <a:pPr algn="ctr"/>
+            <a:r>
+              <a:rPr lang="en-US" b="1" dirty="0">
+                <a:latin typeface="Boucherie Block" panose="02000506000000020004" pitchFamily="2" charset="0"/>
+              </a:rPr>
+              <a:t>MORE CONCENTRATION</a:t>
+            </a:r>
+          </a:p>
+        </p:txBody>
+      </p:sp>
+    </p:spTree>
+    <p:extLst>
+      <p:ext uri="{BB962C8B-B14F-4D97-AF65-F5344CB8AC3E}">
+        <p14:creationId xmlns:p14="http://schemas.microsoft.com/office/powerpoint/2010/main" val="841582279"/>
+      </p:ext>
+    </p:extLst>
+  </p:cSld>
+  <p:clrMapOvr>
+    <a:masterClrMapping/>
+  </p:clrMapOvr>
+</p:sld>
+</file>
+
+<file path=ppt/slides/slide33.xml><?xml version="1.0" encoding="utf-8"?>
+<p:sld xmlns:a="http://schemas.openxmlformats.org/drawingml/2006/main" xmlns:r="http://schemas.openxmlformats.org/officeDocument/2006/relationships" xmlns:p="http://schemas.openxmlformats.org/presentationml/2006/main">
+  <p:cSld>
+    <p:spTree>
+      <p:nvGrpSpPr>
+        <p:cNvPr id="1" name=""/>
+        <p:cNvGrpSpPr/>
+        <p:nvPr/>
+      </p:nvGrpSpPr>
+      <p:grpSpPr>
+        <a:xfrm>
+          <a:off x="0" y="0"/>
+          <a:ext cx="0" cy="0"/>
+          <a:chOff x="0" y="0"/>
+          <a:chExt cx="0" cy="0"/>
+        </a:xfrm>
+      </p:grpSpPr>
+      <p:sp>
+        <p:nvSpPr>
+          <p:cNvPr id="3" name="Freeform: Shape 2">
+            <a:extLst>
+              <a:ext uri="{FF2B5EF4-FFF2-40B4-BE49-F238E27FC236}">
+                <a16:creationId xmlns:a16="http://schemas.microsoft.com/office/drawing/2014/main" id="{6354D596-2819-493E-F92B-A669C24BAE35}"/>
+              </a:ext>
+            </a:extLst>
+          </p:cNvPr>
+          <p:cNvSpPr/>
+          <p:nvPr/>
+        </p:nvSpPr>
+        <p:spPr>
+          <a:xfrm>
+            <a:off x="3160451" y="1242874"/>
+            <a:ext cx="4287914" cy="3759683"/>
+          </a:xfrm>
+          <a:custGeom>
+            <a:avLst/>
+            <a:gdLst>
+              <a:gd name="connsiteX0" fmla="*/ 0 w 4287914"/>
+              <a:gd name="connsiteY0" fmla="*/ 2219417 h 3759683"/>
+              <a:gd name="connsiteX1" fmla="*/ 2139518 w 4287914"/>
+              <a:gd name="connsiteY1" fmla="*/ 3675355 h 3759683"/>
+              <a:gd name="connsiteX2" fmla="*/ 4287914 w 4287914"/>
+              <a:gd name="connsiteY2" fmla="*/ 0 h 3759683"/>
+            </a:gdLst>
+            <a:ahLst/>
+            <a:cxnLst>
+              <a:cxn ang="0">
+                <a:pos x="connsiteX0" y="connsiteY0"/>
+              </a:cxn>
+              <a:cxn ang="0">
+                <a:pos x="connsiteX1" y="connsiteY1"/>
+              </a:cxn>
+              <a:cxn ang="0">
+                <a:pos x="connsiteX2" y="connsiteY2"/>
+              </a:cxn>
+            </a:cxnLst>
+            <a:rect l="l" t="t" r="r" b="b"/>
+            <a:pathLst>
+              <a:path w="4287914" h="3759683">
+                <a:moveTo>
+                  <a:pt x="0" y="2219417"/>
+                </a:moveTo>
+                <a:cubicBezTo>
+                  <a:pt x="712433" y="3132337"/>
+                  <a:pt x="1424866" y="4045258"/>
+                  <a:pt x="2139518" y="3675355"/>
+                </a:cubicBezTo>
+                <a:cubicBezTo>
+                  <a:pt x="2854170" y="3305452"/>
+                  <a:pt x="3571042" y="1652726"/>
+                  <a:pt x="4287914" y="0"/>
+                </a:cubicBezTo>
+              </a:path>
+            </a:pathLst>
+          </a:custGeom>
+          <a:noFill/>
+          <a:ln w="57150">
+            <a:solidFill>
+              <a:schemeClr val="accent6"/>
+            </a:solidFill>
+          </a:ln>
+        </p:spPr>
+        <p:style>
+          <a:lnRef idx="2">
+            <a:schemeClr val="accent1">
+              <a:shade val="15000"/>
+            </a:schemeClr>
+          </a:lnRef>
+          <a:fillRef idx="1">
+            <a:schemeClr val="accent1"/>
+          </a:fillRef>
+          <a:effectRef idx="0">
+            <a:schemeClr val="accent1"/>
+          </a:effectRef>
+          <a:fontRef idx="minor">
+            <a:schemeClr val="lt1"/>
+          </a:fontRef>
+        </p:style>
+        <p:txBody>
+          <a:bodyPr rtlCol="0" anchor="ctr"/>
+          <a:lstStyle/>
+          <a:p>
+            <a:pPr algn="ctr"/>
+            <a:endParaRPr lang="en-US"/>
+          </a:p>
+        </p:txBody>
+      </p:sp>
+      <mc:AlternateContent xmlns:mc="http://schemas.openxmlformats.org/markup-compatibility/2006">
+        <mc:Choice xmlns:a14="http://schemas.microsoft.com/office/drawing/2010/main" Requires="a14">
+          <p:sp>
+            <p:nvSpPr>
+              <p:cNvPr id="4" name="TextBox 3">
+                <a:extLst>
+                  <a:ext uri="{FF2B5EF4-FFF2-40B4-BE49-F238E27FC236}">
+                    <a16:creationId xmlns:a16="http://schemas.microsoft.com/office/drawing/2014/main" id="{A68BF27D-6AB7-6EB9-10AE-D7DE0A0A6C95}"/>
+                  </a:ext>
+                </a:extLst>
+              </p:cNvPr>
+              <p:cNvSpPr txBox="1"/>
+              <p:nvPr/>
+            </p:nvSpPr>
+            <p:spPr>
+              <a:xfrm>
+                <a:off x="7104491" y="3724464"/>
+                <a:ext cx="1227676" cy="523220"/>
+              </a:xfrm>
+              <a:prstGeom prst="rect">
+                <a:avLst/>
+              </a:prstGeom>
+              <a:noFill/>
+            </p:spPr>
+            <p:txBody>
+              <a:bodyPr wrap="square" rtlCol="0">
+                <a:spAutoFit/>
+              </a:bodyPr>
+              <a:lstStyle/>
+              <a:p>
+                <a:pPr/>
+                <a14:m>
+                  <m:oMathPara xmlns:m="http://schemas.openxmlformats.org/officeDocument/2006/math">
+                    <m:oMathParaPr>
+                      <m:jc m:val="centerGroup"/>
+                    </m:oMathParaPr>
+                    <m:oMath xmlns:m="http://schemas.openxmlformats.org/officeDocument/2006/math">
+                      <m:r>
+                        <a:rPr lang="en-US" sz="2800" b="1" i="1" smtClean="0">
+                          <a:solidFill>
+                            <a:schemeClr val="accent2"/>
+                          </a:solidFill>
+                          <a:latin typeface="Cambria Math" panose="02040503050406030204" pitchFamily="18" charset="0"/>
+                        </a:rPr>
+                        <m:t>𝑷</m:t>
+                      </m:r>
+                    </m:oMath>
+                  </m:oMathPara>
+                </a14:m>
+                <a:endParaRPr lang="en-US" sz="2800" b="1" dirty="0">
+                  <a:solidFill>
+                    <a:schemeClr val="accent2"/>
+                  </a:solidFill>
+                </a:endParaRPr>
+              </a:p>
+            </p:txBody>
+          </p:sp>
+        </mc:Choice>
+        <mc:Fallback>
+          <p:sp>
+            <p:nvSpPr>
+              <p:cNvPr id="4" name="TextBox 3">
+                <a:extLst>
+                  <a:ext uri="{FF2B5EF4-FFF2-40B4-BE49-F238E27FC236}">
+                    <a16:creationId xmlns:a16="http://schemas.microsoft.com/office/drawing/2014/main" id="{A68BF27D-6AB7-6EB9-10AE-D7DE0A0A6C95}"/>
+                  </a:ext>
+                </a:extLst>
+              </p:cNvPr>
+              <p:cNvSpPr txBox="1">
+                <a:spLocks noRot="1" noChangeAspect="1" noMove="1" noResize="1" noEditPoints="1" noAdjustHandles="1" noChangeArrowheads="1" noChangeShapeType="1" noTextEdit="1"/>
+              </p:cNvSpPr>
+              <p:nvPr/>
+            </p:nvSpPr>
+            <p:spPr>
+              <a:xfrm>
+                <a:off x="7104491" y="3724464"/>
+                <a:ext cx="1227676" cy="523220"/>
+              </a:xfrm>
+              <a:prstGeom prst="rect">
+                <a:avLst/>
+              </a:prstGeom>
+              <a:blipFill>
+                <a:blip r:embed="rId2"/>
+                <a:stretch>
+                  <a:fillRect/>
+                </a:stretch>
+              </a:blipFill>
+            </p:spPr>
+            <p:txBody>
+              <a:bodyPr/>
+              <a:lstStyle/>
+              <a:p>
+                <a:r>
+                  <a:rPr lang="en-US">
+                    <a:noFill/>
+                  </a:rPr>
+                  <a:t> </a:t>
+                </a:r>
+              </a:p>
+            </p:txBody>
+          </p:sp>
+        </mc:Fallback>
+      </mc:AlternateContent>
+      <p:cxnSp>
+        <p:nvCxnSpPr>
+          <p:cNvPr id="6" name="Straight Connector 5">
+            <a:extLst>
+              <a:ext uri="{FF2B5EF4-FFF2-40B4-BE49-F238E27FC236}">
+                <a16:creationId xmlns:a16="http://schemas.microsoft.com/office/drawing/2014/main" id="{C74F5012-2FF6-1915-EE2F-A0D9CD34EB72}"/>
+              </a:ext>
+            </a:extLst>
+          </p:cNvPr>
+          <p:cNvCxnSpPr>
+            <a:cxnSpLocks/>
+          </p:cNvCxnSpPr>
+          <p:nvPr/>
+        </p:nvCxnSpPr>
+        <p:spPr>
+          <a:xfrm>
+            <a:off x="2654423" y="3986074"/>
+            <a:ext cx="4793942" cy="0"/>
+          </a:xfrm>
+          <a:prstGeom prst="line">
+            <a:avLst/>
+          </a:prstGeom>
+          <a:ln w="57150">
+            <a:solidFill>
+              <a:schemeClr val="accent2"/>
+            </a:solidFill>
+          </a:ln>
+        </p:spPr>
+        <p:style>
+          <a:lnRef idx="1">
+            <a:schemeClr val="accent1"/>
+          </a:lnRef>
+          <a:fillRef idx="0">
+            <a:schemeClr val="accent1"/>
+          </a:fillRef>
+          <a:effectRef idx="0">
+            <a:schemeClr val="accent1"/>
+          </a:effectRef>
+          <a:fontRef idx="minor">
+            <a:schemeClr val="tx1"/>
+          </a:fontRef>
+        </p:style>
+      </p:cxnSp>
+      <mc:AlternateContent xmlns:mc="http://schemas.openxmlformats.org/markup-compatibility/2006">
+        <mc:Choice xmlns:a14="http://schemas.microsoft.com/office/drawing/2010/main" Requires="a14">
+          <p:sp>
+            <p:nvSpPr>
+              <p:cNvPr id="9" name="TextBox 8">
+                <a:extLst>
+                  <a:ext uri="{FF2B5EF4-FFF2-40B4-BE49-F238E27FC236}">
+                    <a16:creationId xmlns:a16="http://schemas.microsoft.com/office/drawing/2014/main" id="{B80AF495-82B8-87D8-2E85-532EE4D48ED9}"/>
+                  </a:ext>
+                </a:extLst>
+              </p:cNvPr>
+              <p:cNvSpPr txBox="1"/>
+              <p:nvPr/>
+            </p:nvSpPr>
+            <p:spPr>
+              <a:xfrm>
+                <a:off x="7276428" y="981264"/>
+                <a:ext cx="1227676" cy="523220"/>
+              </a:xfrm>
+              <a:prstGeom prst="rect">
+                <a:avLst/>
+              </a:prstGeom>
+              <a:noFill/>
+            </p:spPr>
+            <p:txBody>
+              <a:bodyPr wrap="square" rtlCol="0">
+                <a:spAutoFit/>
+              </a:bodyPr>
+              <a:lstStyle/>
+              <a:p>
+                <a:pPr/>
+                <a14:m>
+                  <m:oMathPara xmlns:m="http://schemas.openxmlformats.org/officeDocument/2006/math">
+                    <m:oMathParaPr>
+                      <m:jc m:val="centerGroup"/>
+                    </m:oMathParaPr>
+                    <m:oMath xmlns:m="http://schemas.openxmlformats.org/officeDocument/2006/math">
+                      <m:r>
+                        <a:rPr lang="en-US" sz="2800" b="1" i="1" smtClean="0">
+                          <a:solidFill>
+                            <a:schemeClr val="accent6"/>
+                          </a:solidFill>
+                          <a:latin typeface="Cambria Math" panose="02040503050406030204" pitchFamily="18" charset="0"/>
+                        </a:rPr>
+                        <m:t>𝑴𝑪</m:t>
+                      </m:r>
+                    </m:oMath>
+                  </m:oMathPara>
+                </a14:m>
+                <a:endParaRPr lang="en-US" sz="2800" b="1" dirty="0">
+                  <a:solidFill>
+                    <a:schemeClr val="accent6"/>
+                  </a:solidFill>
+                </a:endParaRPr>
+              </a:p>
+            </p:txBody>
+          </p:sp>
+        </mc:Choice>
+        <mc:Fallback>
+          <p:sp>
+            <p:nvSpPr>
+              <p:cNvPr id="9" name="TextBox 8">
+                <a:extLst>
+                  <a:ext uri="{FF2B5EF4-FFF2-40B4-BE49-F238E27FC236}">
+                    <a16:creationId xmlns:a16="http://schemas.microsoft.com/office/drawing/2014/main" id="{B80AF495-82B8-87D8-2E85-532EE4D48ED9}"/>
+                  </a:ext>
+                </a:extLst>
+              </p:cNvPr>
+              <p:cNvSpPr txBox="1">
+                <a:spLocks noRot="1" noChangeAspect="1" noMove="1" noResize="1" noEditPoints="1" noAdjustHandles="1" noChangeArrowheads="1" noChangeShapeType="1" noTextEdit="1"/>
+              </p:cNvSpPr>
+              <p:nvPr/>
+            </p:nvSpPr>
+            <p:spPr>
+              <a:xfrm>
+                <a:off x="7276428" y="981264"/>
+                <a:ext cx="1227676" cy="523220"/>
+              </a:xfrm>
+              <a:prstGeom prst="rect">
+                <a:avLst/>
+              </a:prstGeom>
+              <a:blipFill>
+                <a:blip r:embed="rId3"/>
+                <a:stretch>
+                  <a:fillRect/>
+                </a:stretch>
+              </a:blipFill>
+            </p:spPr>
+            <p:txBody>
+              <a:bodyPr/>
+              <a:lstStyle/>
+              <a:p>
+                <a:r>
+                  <a:rPr lang="en-US">
+                    <a:noFill/>
+                  </a:rPr>
+                  <a:t> </a:t>
+                </a:r>
+              </a:p>
+            </p:txBody>
+          </p:sp>
+        </mc:Fallback>
+      </mc:AlternateContent>
+    </p:spTree>
+    <p:extLst>
+      <p:ext uri="{BB962C8B-B14F-4D97-AF65-F5344CB8AC3E}">
+        <p14:creationId xmlns:p14="http://schemas.microsoft.com/office/powerpoint/2010/main" val="1036539882"/>
       </p:ext>
     </p:extLst>
   </p:cSld>

--- a/Slides/graph-maker.pptx
+++ b/Slides/graph-maker.pptx
@@ -47,6 +47,8 @@
     <p:sldId id="295" r:id="rId41"/>
     <p:sldId id="296" r:id="rId42"/>
     <p:sldId id="297" r:id="rId43"/>
+    <p:sldId id="298" r:id="rId44"/>
+    <p:sldId id="299" r:id="rId45"/>
   </p:sldIdLst>
   <p:sldSz cx="12192000" cy="6858000"/>
   <p:notesSz cx="6858000" cy="9144000"/>
@@ -300,7 +302,7 @@
           <a:p>
             <a:fld id="{B3C0BABF-8EDA-4B51-8A1B-0A9A6121571D}" type="datetimeFigureOut">
               <a:rPr lang="en-US" smtClean="0"/>
-              <a:t>2/23/2024</a:t>
+              <a:t>2/24/2024</a:t>
             </a:fld>
             <a:endParaRPr lang="en-US"/>
           </a:p>
@@ -498,7 +500,7 @@
           <a:p>
             <a:fld id="{B3C0BABF-8EDA-4B51-8A1B-0A9A6121571D}" type="datetimeFigureOut">
               <a:rPr lang="en-US" smtClean="0"/>
-              <a:t>2/23/2024</a:t>
+              <a:t>2/24/2024</a:t>
             </a:fld>
             <a:endParaRPr lang="en-US"/>
           </a:p>
@@ -706,7 +708,7 @@
           <a:p>
             <a:fld id="{B3C0BABF-8EDA-4B51-8A1B-0A9A6121571D}" type="datetimeFigureOut">
               <a:rPr lang="en-US" smtClean="0"/>
-              <a:t>2/23/2024</a:t>
+              <a:t>2/24/2024</a:t>
             </a:fld>
             <a:endParaRPr lang="en-US"/>
           </a:p>
@@ -904,7 +906,7 @@
           <a:p>
             <a:fld id="{B3C0BABF-8EDA-4B51-8A1B-0A9A6121571D}" type="datetimeFigureOut">
               <a:rPr lang="en-US" smtClean="0"/>
-              <a:t>2/23/2024</a:t>
+              <a:t>2/24/2024</a:t>
             </a:fld>
             <a:endParaRPr lang="en-US"/>
           </a:p>
@@ -1179,7 +1181,7 @@
           <a:p>
             <a:fld id="{B3C0BABF-8EDA-4B51-8A1B-0A9A6121571D}" type="datetimeFigureOut">
               <a:rPr lang="en-US" smtClean="0"/>
-              <a:t>2/23/2024</a:t>
+              <a:t>2/24/2024</a:t>
             </a:fld>
             <a:endParaRPr lang="en-US"/>
           </a:p>
@@ -1444,7 +1446,7 @@
           <a:p>
             <a:fld id="{B3C0BABF-8EDA-4B51-8A1B-0A9A6121571D}" type="datetimeFigureOut">
               <a:rPr lang="en-US" smtClean="0"/>
-              <a:t>2/23/2024</a:t>
+              <a:t>2/24/2024</a:t>
             </a:fld>
             <a:endParaRPr lang="en-US"/>
           </a:p>
@@ -1856,7 +1858,7 @@
           <a:p>
             <a:fld id="{B3C0BABF-8EDA-4B51-8A1B-0A9A6121571D}" type="datetimeFigureOut">
               <a:rPr lang="en-US" smtClean="0"/>
-              <a:t>2/23/2024</a:t>
+              <a:t>2/24/2024</a:t>
             </a:fld>
             <a:endParaRPr lang="en-US"/>
           </a:p>
@@ -1997,7 +1999,7 @@
           <a:p>
             <a:fld id="{B3C0BABF-8EDA-4B51-8A1B-0A9A6121571D}" type="datetimeFigureOut">
               <a:rPr lang="en-US" smtClean="0"/>
-              <a:t>2/23/2024</a:t>
+              <a:t>2/24/2024</a:t>
             </a:fld>
             <a:endParaRPr lang="en-US"/>
           </a:p>
@@ -2110,7 +2112,7 @@
           <a:p>
             <a:fld id="{B3C0BABF-8EDA-4B51-8A1B-0A9A6121571D}" type="datetimeFigureOut">
               <a:rPr lang="en-US" smtClean="0"/>
-              <a:t>2/23/2024</a:t>
+              <a:t>2/24/2024</a:t>
             </a:fld>
             <a:endParaRPr lang="en-US"/>
           </a:p>
@@ -2421,7 +2423,7 @@
           <a:p>
             <a:fld id="{B3C0BABF-8EDA-4B51-8A1B-0A9A6121571D}" type="datetimeFigureOut">
               <a:rPr lang="en-US" smtClean="0"/>
-              <a:t>2/23/2024</a:t>
+              <a:t>2/24/2024</a:t>
             </a:fld>
             <a:endParaRPr lang="en-US"/>
           </a:p>
@@ -2709,7 +2711,7 @@
           <a:p>
             <a:fld id="{B3C0BABF-8EDA-4B51-8A1B-0A9A6121571D}" type="datetimeFigureOut">
               <a:rPr lang="en-US" smtClean="0"/>
-              <a:t>2/23/2024</a:t>
+              <a:t>2/24/2024</a:t>
             </a:fld>
             <a:endParaRPr lang="en-US"/>
           </a:p>
@@ -2950,7 +2952,7 @@
           <a:p>
             <a:fld id="{B3C0BABF-8EDA-4B51-8A1B-0A9A6121571D}" type="datetimeFigureOut">
               <a:rPr lang="en-US" smtClean="0"/>
-              <a:t>2/23/2024</a:t>
+              <a:t>2/24/2024</a:t>
             </a:fld>
             <a:endParaRPr lang="en-US"/>
           </a:p>
@@ -25736,8 +25738,8 @@
           <a:chExt cx="0" cy="0"/>
         </a:xfrm>
       </p:grpSpPr>
-      <mc:AlternateContent xmlns:mc="http://schemas.openxmlformats.org/markup-compatibility/2006">
-        <mc:Choice xmlns:a14="http://schemas.microsoft.com/office/drawing/2010/main" Requires="a14">
+      <mc:AlternateContent xmlns:mc="http://schemas.openxmlformats.org/markup-compatibility/2006" xmlns:a14="http://schemas.microsoft.com/office/drawing/2010/main">
+        <mc:Choice Requires="a14">
           <p:sp>
             <p:nvSpPr>
               <p:cNvPr id="2" name="TextBox 1">
@@ -25794,7 +25796,7 @@
             </p:txBody>
           </p:sp>
         </mc:Choice>
-        <mc:Fallback>
+        <mc:Fallback xmlns="">
           <p:sp>
             <p:nvSpPr>
               <p:cNvPr id="2" name="TextBox 1">
@@ -25882,8 +25884,8 @@
           </a:fontRef>
         </p:style>
       </p:cxnSp>
-      <mc:AlternateContent xmlns:mc="http://schemas.openxmlformats.org/markup-compatibility/2006">
-        <mc:Choice xmlns:a14="http://schemas.microsoft.com/office/drawing/2010/main" Requires="a14">
+      <mc:AlternateContent xmlns:mc="http://schemas.openxmlformats.org/markup-compatibility/2006" xmlns:a14="http://schemas.microsoft.com/office/drawing/2010/main">
+        <mc:Choice Requires="a14">
           <p:sp>
             <p:nvSpPr>
               <p:cNvPr id="16" name="TextBox 15">
@@ -25940,7 +25942,7 @@
             </p:txBody>
           </p:sp>
         </mc:Choice>
-        <mc:Fallback>
+        <mc:Fallback xmlns="">
           <p:sp>
             <p:nvSpPr>
               <p:cNvPr id="16" name="TextBox 15">
@@ -25985,8 +25987,8 @@
           </p:sp>
         </mc:Fallback>
       </mc:AlternateContent>
-      <mc:AlternateContent xmlns:mc="http://schemas.openxmlformats.org/markup-compatibility/2006">
-        <mc:Choice xmlns:a14="http://schemas.microsoft.com/office/drawing/2010/main" Requires="a14">
+      <mc:AlternateContent xmlns:mc="http://schemas.openxmlformats.org/markup-compatibility/2006" xmlns:a14="http://schemas.microsoft.com/office/drawing/2010/main">
+        <mc:Choice Requires="a14">
           <p:sp>
             <p:nvSpPr>
               <p:cNvPr id="17" name="TextBox 16">
@@ -26043,7 +26045,7 @@
             </p:txBody>
           </p:sp>
         </mc:Choice>
-        <mc:Fallback>
+        <mc:Fallback xmlns="">
           <p:sp>
             <p:nvSpPr>
               <p:cNvPr id="17" name="TextBox 16">
@@ -26167,8 +26169,8 @@
           </a:p>
         </p:txBody>
       </p:sp>
-      <mc:AlternateContent xmlns:mc="http://schemas.openxmlformats.org/markup-compatibility/2006">
-        <mc:Choice xmlns:a14="http://schemas.microsoft.com/office/drawing/2010/main" Requires="a14">
+      <mc:AlternateContent xmlns:mc="http://schemas.openxmlformats.org/markup-compatibility/2006" xmlns:a14="http://schemas.microsoft.com/office/drawing/2010/main">
+        <mc:Choice Requires="a14">
           <p:sp>
             <p:nvSpPr>
               <p:cNvPr id="18" name="TextBox 17">
@@ -26225,7 +26227,7 @@
             </p:txBody>
           </p:sp>
         </mc:Choice>
-        <mc:Fallback>
+        <mc:Fallback xmlns="">
           <p:sp>
             <p:nvSpPr>
               <p:cNvPr id="18" name="TextBox 17">
@@ -26306,8 +26308,8 @@
           <a:chExt cx="0" cy="0"/>
         </a:xfrm>
       </p:grpSpPr>
-      <mc:AlternateContent xmlns:mc="http://schemas.openxmlformats.org/markup-compatibility/2006">
-        <mc:Choice xmlns:a14="http://schemas.microsoft.com/office/drawing/2010/main" Requires="a14">
+      <mc:AlternateContent xmlns:mc="http://schemas.openxmlformats.org/markup-compatibility/2006" xmlns:a14="http://schemas.microsoft.com/office/drawing/2010/main">
+        <mc:Choice Requires="a14">
           <p:sp>
             <p:nvSpPr>
               <p:cNvPr id="2" name="TextBox 1">
@@ -26364,7 +26366,7 @@
             </p:txBody>
           </p:sp>
         </mc:Choice>
-        <mc:Fallback>
+        <mc:Fallback xmlns="">
           <p:sp>
             <p:nvSpPr>
               <p:cNvPr id="2" name="TextBox 1">
@@ -26409,8 +26411,8 @@
           </p:sp>
         </mc:Fallback>
       </mc:AlternateContent>
-      <mc:AlternateContent xmlns:mc="http://schemas.openxmlformats.org/markup-compatibility/2006">
-        <mc:Choice xmlns:a14="http://schemas.microsoft.com/office/drawing/2010/main" Requires="a14">
+      <mc:AlternateContent xmlns:mc="http://schemas.openxmlformats.org/markup-compatibility/2006" xmlns:a14="http://schemas.microsoft.com/office/drawing/2010/main">
+        <mc:Choice Requires="a14">
           <p:sp>
             <p:nvSpPr>
               <p:cNvPr id="16" name="TextBox 15">
@@ -26467,7 +26469,7 @@
             </p:txBody>
           </p:sp>
         </mc:Choice>
-        <mc:Fallback>
+        <mc:Fallback xmlns="">
           <p:sp>
             <p:nvSpPr>
               <p:cNvPr id="16" name="TextBox 15">
@@ -26681,8 +26683,8 @@
           </a:p>
         </p:txBody>
       </p:sp>
-      <mc:AlternateContent xmlns:mc="http://schemas.openxmlformats.org/markup-compatibility/2006">
-        <mc:Choice xmlns:a14="http://schemas.microsoft.com/office/drawing/2010/main" Requires="a14">
+      <mc:AlternateContent xmlns:mc="http://schemas.openxmlformats.org/markup-compatibility/2006" xmlns:a14="http://schemas.microsoft.com/office/drawing/2010/main">
+        <mc:Choice Requires="a14">
           <p:sp>
             <p:nvSpPr>
               <p:cNvPr id="6" name="TextBox 5">
@@ -26739,7 +26741,7 @@
             </p:txBody>
           </p:sp>
         </mc:Choice>
-        <mc:Fallback>
+        <mc:Fallback xmlns="">
           <p:sp>
             <p:nvSpPr>
               <p:cNvPr id="6" name="TextBox 5">
@@ -26820,8 +26822,8 @@
           <a:chExt cx="0" cy="0"/>
         </a:xfrm>
       </p:grpSpPr>
-      <mc:AlternateContent xmlns:mc="http://schemas.openxmlformats.org/markup-compatibility/2006">
-        <mc:Choice xmlns:a14="http://schemas.microsoft.com/office/drawing/2010/main" Requires="a14">
+      <mc:AlternateContent xmlns:mc="http://schemas.openxmlformats.org/markup-compatibility/2006" xmlns:a14="http://schemas.microsoft.com/office/drawing/2010/main">
+        <mc:Choice Requires="a14">
           <p:sp>
             <p:nvSpPr>
               <p:cNvPr id="2" name="TextBox 1">
@@ -26878,7 +26880,7 @@
             </p:txBody>
           </p:sp>
         </mc:Choice>
-        <mc:Fallback>
+        <mc:Fallback xmlns="">
           <p:sp>
             <p:nvSpPr>
               <p:cNvPr id="2" name="TextBox 1">
@@ -26966,8 +26968,8 @@
           </a:fontRef>
         </p:style>
       </p:cxnSp>
-      <mc:AlternateContent xmlns:mc="http://schemas.openxmlformats.org/markup-compatibility/2006">
-        <mc:Choice xmlns:a14="http://schemas.microsoft.com/office/drawing/2010/main" Requires="a14">
+      <mc:AlternateContent xmlns:mc="http://schemas.openxmlformats.org/markup-compatibility/2006" xmlns:a14="http://schemas.microsoft.com/office/drawing/2010/main">
+        <mc:Choice Requires="a14">
           <p:sp>
             <p:nvSpPr>
               <p:cNvPr id="16" name="TextBox 15">
@@ -27024,7 +27026,7 @@
             </p:txBody>
           </p:sp>
         </mc:Choice>
-        <mc:Fallback>
+        <mc:Fallback xmlns="">
           <p:sp>
             <p:nvSpPr>
               <p:cNvPr id="16" name="TextBox 15">
@@ -27069,8 +27071,8 @@
           </p:sp>
         </mc:Fallback>
       </mc:AlternateContent>
-      <mc:AlternateContent xmlns:mc="http://schemas.openxmlformats.org/markup-compatibility/2006">
-        <mc:Choice xmlns:a14="http://schemas.microsoft.com/office/drawing/2010/main" Requires="a14">
+      <mc:AlternateContent xmlns:mc="http://schemas.openxmlformats.org/markup-compatibility/2006" xmlns:a14="http://schemas.microsoft.com/office/drawing/2010/main">
+        <mc:Choice Requires="a14">
           <p:sp>
             <p:nvSpPr>
               <p:cNvPr id="17" name="TextBox 16">
@@ -27127,7 +27129,7 @@
             </p:txBody>
           </p:sp>
         </mc:Choice>
-        <mc:Fallback>
+        <mc:Fallback xmlns="">
           <p:sp>
             <p:nvSpPr>
               <p:cNvPr id="17" name="TextBox 16">
@@ -27251,8 +27253,8 @@
           </a:p>
         </p:txBody>
       </p:sp>
-      <mc:AlternateContent xmlns:mc="http://schemas.openxmlformats.org/markup-compatibility/2006">
-        <mc:Choice xmlns:a14="http://schemas.microsoft.com/office/drawing/2010/main" Requires="a14">
+      <mc:AlternateContent xmlns:mc="http://schemas.openxmlformats.org/markup-compatibility/2006" xmlns:a14="http://schemas.microsoft.com/office/drawing/2010/main">
+        <mc:Choice Requires="a14">
           <p:sp>
             <p:nvSpPr>
               <p:cNvPr id="6" name="TextBox 5">
@@ -27309,7 +27311,7 @@
             </p:txBody>
           </p:sp>
         </mc:Choice>
-        <mc:Fallback>
+        <mc:Fallback xmlns="">
           <p:sp>
             <p:nvSpPr>
               <p:cNvPr id="6" name="TextBox 5">
@@ -27390,8 +27392,8 @@
           <a:chExt cx="0" cy="0"/>
         </a:xfrm>
       </p:grpSpPr>
-      <mc:AlternateContent xmlns:mc="http://schemas.openxmlformats.org/markup-compatibility/2006">
-        <mc:Choice xmlns:a14="http://schemas.microsoft.com/office/drawing/2010/main" Requires="a14">
+      <mc:AlternateContent xmlns:mc="http://schemas.openxmlformats.org/markup-compatibility/2006" xmlns:a14="http://schemas.microsoft.com/office/drawing/2010/main">
+        <mc:Choice Requires="a14">
           <p:sp>
             <p:nvSpPr>
               <p:cNvPr id="2" name="TextBox 1">
@@ -27448,7 +27450,7 @@
             </p:txBody>
           </p:sp>
         </mc:Choice>
-        <mc:Fallback>
+        <mc:Fallback xmlns="">
           <p:sp>
             <p:nvSpPr>
               <p:cNvPr id="2" name="TextBox 1">
@@ -27572,8 +27574,8 @@
           </a:p>
         </p:txBody>
       </p:sp>
-      <mc:AlternateContent xmlns:mc="http://schemas.openxmlformats.org/markup-compatibility/2006">
-        <mc:Choice xmlns:a14="http://schemas.microsoft.com/office/drawing/2010/main" Requires="a14">
+      <mc:AlternateContent xmlns:mc="http://schemas.openxmlformats.org/markup-compatibility/2006" xmlns:a14="http://schemas.microsoft.com/office/drawing/2010/main">
+        <mc:Choice Requires="a14">
           <p:sp>
             <p:nvSpPr>
               <p:cNvPr id="7" name="TextBox 6">
@@ -27630,7 +27632,7 @@
             </p:txBody>
           </p:sp>
         </mc:Choice>
-        <mc:Fallback>
+        <mc:Fallback xmlns="">
           <p:sp>
             <p:nvSpPr>
               <p:cNvPr id="7" name="TextBox 6">
@@ -27765,8 +27767,8 @@
           </a:p>
         </p:txBody>
       </p:sp>
-      <mc:AlternateContent xmlns:mc="http://schemas.openxmlformats.org/markup-compatibility/2006">
-        <mc:Choice xmlns:a14="http://schemas.microsoft.com/office/drawing/2010/main" Requires="a14">
+      <mc:AlternateContent xmlns:mc="http://schemas.openxmlformats.org/markup-compatibility/2006" xmlns:a14="http://schemas.microsoft.com/office/drawing/2010/main">
+        <mc:Choice Requires="a14">
           <p:sp>
             <p:nvSpPr>
               <p:cNvPr id="9" name="TextBox 8">
@@ -27823,7 +27825,7 @@
             </p:txBody>
           </p:sp>
         </mc:Choice>
-        <mc:Fallback>
+        <mc:Fallback xmlns="">
           <p:sp>
             <p:nvSpPr>
               <p:cNvPr id="9" name="TextBox 8">
@@ -27904,8 +27906,8 @@
           <a:chExt cx="0" cy="0"/>
         </a:xfrm>
       </p:grpSpPr>
-      <mc:AlternateContent xmlns:mc="http://schemas.openxmlformats.org/markup-compatibility/2006">
-        <mc:Choice xmlns:a14="http://schemas.microsoft.com/office/drawing/2010/main" Requires="a14">
+      <mc:AlternateContent xmlns:mc="http://schemas.openxmlformats.org/markup-compatibility/2006" xmlns:a14="http://schemas.microsoft.com/office/drawing/2010/main">
+        <mc:Choice Requires="a14">
           <p:sp>
             <p:nvSpPr>
               <p:cNvPr id="2" name="TextBox 1">
@@ -27962,7 +27964,7 @@
             </p:txBody>
           </p:sp>
         </mc:Choice>
-        <mc:Fallback>
+        <mc:Fallback xmlns="">
           <p:sp>
             <p:nvSpPr>
               <p:cNvPr id="2" name="TextBox 1">
@@ -28007,8 +28009,8 @@
           </p:sp>
         </mc:Fallback>
       </mc:AlternateContent>
-      <mc:AlternateContent xmlns:mc="http://schemas.openxmlformats.org/markup-compatibility/2006">
-        <mc:Choice xmlns:a14="http://schemas.microsoft.com/office/drawing/2010/main" Requires="a14">
+      <mc:AlternateContent xmlns:mc="http://schemas.openxmlformats.org/markup-compatibility/2006" xmlns:a14="http://schemas.microsoft.com/office/drawing/2010/main">
+        <mc:Choice Requires="a14">
           <p:sp>
             <p:nvSpPr>
               <p:cNvPr id="3" name="TextBox 2">
@@ -28065,7 +28067,7 @@
             </p:txBody>
           </p:sp>
         </mc:Choice>
-        <mc:Fallback>
+        <mc:Fallback xmlns="">
           <p:sp>
             <p:nvSpPr>
               <p:cNvPr id="3" name="TextBox 2">
@@ -28110,8 +28112,8 @@
           </p:sp>
         </mc:Fallback>
       </mc:AlternateContent>
-      <mc:AlternateContent xmlns:mc="http://schemas.openxmlformats.org/markup-compatibility/2006">
-        <mc:Choice xmlns:a14="http://schemas.microsoft.com/office/drawing/2010/main" Requires="a14">
+      <mc:AlternateContent xmlns:mc="http://schemas.openxmlformats.org/markup-compatibility/2006" xmlns:a14="http://schemas.microsoft.com/office/drawing/2010/main">
+        <mc:Choice Requires="a14">
           <p:sp>
             <p:nvSpPr>
               <p:cNvPr id="16" name="TextBox 15">
@@ -28168,7 +28170,7 @@
             </p:txBody>
           </p:sp>
         </mc:Choice>
-        <mc:Fallback>
+        <mc:Fallback xmlns="">
           <p:sp>
             <p:nvSpPr>
               <p:cNvPr id="16" name="TextBox 15">
@@ -28425,8 +28427,8 @@
           </a:fontRef>
         </p:style>
       </p:cxnSp>
-      <mc:AlternateContent xmlns:mc="http://schemas.openxmlformats.org/markup-compatibility/2006">
-        <mc:Choice xmlns:a14="http://schemas.microsoft.com/office/drawing/2010/main" Requires="a14">
+      <mc:AlternateContent xmlns:mc="http://schemas.openxmlformats.org/markup-compatibility/2006" xmlns:a14="http://schemas.microsoft.com/office/drawing/2010/main">
+        <mc:Choice Requires="a14">
           <p:sp>
             <p:nvSpPr>
               <p:cNvPr id="7" name="TextBox 6">
@@ -28483,7 +28485,7 @@
             </p:txBody>
           </p:sp>
         </mc:Choice>
-        <mc:Fallback>
+        <mc:Fallback xmlns="">
           <p:sp>
             <p:nvSpPr>
               <p:cNvPr id="7" name="TextBox 6">
@@ -28528,8 +28530,8 @@
           </p:sp>
         </mc:Fallback>
       </mc:AlternateContent>
-      <mc:AlternateContent xmlns:mc="http://schemas.openxmlformats.org/markup-compatibility/2006">
-        <mc:Choice xmlns:a14="http://schemas.microsoft.com/office/drawing/2010/main" Requires="a14">
+      <mc:AlternateContent xmlns:mc="http://schemas.openxmlformats.org/markup-compatibility/2006" xmlns:a14="http://schemas.microsoft.com/office/drawing/2010/main">
+        <mc:Choice Requires="a14">
           <p:sp>
             <p:nvSpPr>
               <p:cNvPr id="8" name="TextBox 7">
@@ -28586,7 +28588,7 @@
             </p:txBody>
           </p:sp>
         </mc:Choice>
-        <mc:Fallback>
+        <mc:Fallback xmlns="">
           <p:sp>
             <p:nvSpPr>
               <p:cNvPr id="8" name="TextBox 7">
@@ -28631,8 +28633,8 @@
           </p:sp>
         </mc:Fallback>
       </mc:AlternateContent>
-      <mc:AlternateContent xmlns:mc="http://schemas.openxmlformats.org/markup-compatibility/2006">
-        <mc:Choice xmlns:a14="http://schemas.microsoft.com/office/drawing/2010/main" Requires="a14">
+      <mc:AlternateContent xmlns:mc="http://schemas.openxmlformats.org/markup-compatibility/2006" xmlns:a14="http://schemas.microsoft.com/office/drawing/2010/main">
+        <mc:Choice Requires="a14">
           <p:sp>
             <p:nvSpPr>
               <p:cNvPr id="9" name="TextBox 8">
@@ -28689,7 +28691,7 @@
             </p:txBody>
           </p:sp>
         </mc:Choice>
-        <mc:Fallback>
+        <mc:Fallback xmlns="">
           <p:sp>
             <p:nvSpPr>
               <p:cNvPr id="9" name="TextBox 8">
@@ -28867,8 +28869,8 @@
           </a:fontRef>
         </p:style>
       </p:cxnSp>
-      <mc:AlternateContent xmlns:mc="http://schemas.openxmlformats.org/markup-compatibility/2006">
-        <mc:Choice xmlns:a14="http://schemas.microsoft.com/office/drawing/2010/main" Requires="a14">
+      <mc:AlternateContent xmlns:mc="http://schemas.openxmlformats.org/markup-compatibility/2006" xmlns:a14="http://schemas.microsoft.com/office/drawing/2010/main">
+        <mc:Choice Requires="a14">
           <p:sp>
             <p:nvSpPr>
               <p:cNvPr id="12" name="TextBox 11">
@@ -28925,7 +28927,7 @@
             </p:txBody>
           </p:sp>
         </mc:Choice>
-        <mc:Fallback>
+        <mc:Fallback xmlns="">
           <p:sp>
             <p:nvSpPr>
               <p:cNvPr id="12" name="TextBox 11">
@@ -29006,8 +29008,8 @@
           <a:chExt cx="0" cy="0"/>
         </a:xfrm>
       </p:grpSpPr>
-      <mc:AlternateContent xmlns:mc="http://schemas.openxmlformats.org/markup-compatibility/2006">
-        <mc:Choice xmlns:a14="http://schemas.microsoft.com/office/drawing/2010/main" Requires="a14">
+      <mc:AlternateContent xmlns:mc="http://schemas.openxmlformats.org/markup-compatibility/2006" xmlns:a14="http://schemas.microsoft.com/office/drawing/2010/main">
+        <mc:Choice Requires="a14">
           <p:sp>
             <p:nvSpPr>
               <p:cNvPr id="2" name="TextBox 1">
@@ -29064,7 +29066,7 @@
             </p:txBody>
           </p:sp>
         </mc:Choice>
-        <mc:Fallback>
+        <mc:Fallback xmlns="">
           <p:sp>
             <p:nvSpPr>
               <p:cNvPr id="2" name="TextBox 1">
@@ -29109,8 +29111,8 @@
           </p:sp>
         </mc:Fallback>
       </mc:AlternateContent>
-      <mc:AlternateContent xmlns:mc="http://schemas.openxmlformats.org/markup-compatibility/2006">
-        <mc:Choice xmlns:a14="http://schemas.microsoft.com/office/drawing/2010/main" Requires="a14">
+      <mc:AlternateContent xmlns:mc="http://schemas.openxmlformats.org/markup-compatibility/2006" xmlns:a14="http://schemas.microsoft.com/office/drawing/2010/main">
+        <mc:Choice Requires="a14">
           <p:sp>
             <p:nvSpPr>
               <p:cNvPr id="3" name="TextBox 2">
@@ -29167,7 +29169,7 @@
             </p:txBody>
           </p:sp>
         </mc:Choice>
-        <mc:Fallback>
+        <mc:Fallback xmlns="">
           <p:sp>
             <p:nvSpPr>
               <p:cNvPr id="3" name="TextBox 2">
@@ -29212,8 +29214,8 @@
           </p:sp>
         </mc:Fallback>
       </mc:AlternateContent>
-      <mc:AlternateContent xmlns:mc="http://schemas.openxmlformats.org/markup-compatibility/2006">
-        <mc:Choice xmlns:a14="http://schemas.microsoft.com/office/drawing/2010/main" Requires="a14">
+      <mc:AlternateContent xmlns:mc="http://schemas.openxmlformats.org/markup-compatibility/2006" xmlns:a14="http://schemas.microsoft.com/office/drawing/2010/main">
+        <mc:Choice Requires="a14">
           <p:sp>
             <p:nvSpPr>
               <p:cNvPr id="16" name="TextBox 15">
@@ -29270,7 +29272,7 @@
             </p:txBody>
           </p:sp>
         </mc:Choice>
-        <mc:Fallback>
+        <mc:Fallback xmlns="">
           <p:sp>
             <p:nvSpPr>
               <p:cNvPr id="16" name="TextBox 15">
@@ -29527,8 +29529,8 @@
           </a:fontRef>
         </p:style>
       </p:cxnSp>
-      <mc:AlternateContent xmlns:mc="http://schemas.openxmlformats.org/markup-compatibility/2006">
-        <mc:Choice xmlns:a14="http://schemas.microsoft.com/office/drawing/2010/main" Requires="a14">
+      <mc:AlternateContent xmlns:mc="http://schemas.openxmlformats.org/markup-compatibility/2006" xmlns:a14="http://schemas.microsoft.com/office/drawing/2010/main">
+        <mc:Choice Requires="a14">
           <p:sp>
             <p:nvSpPr>
               <p:cNvPr id="7" name="TextBox 6">
@@ -29585,7 +29587,7 @@
             </p:txBody>
           </p:sp>
         </mc:Choice>
-        <mc:Fallback>
+        <mc:Fallback xmlns="">
           <p:sp>
             <p:nvSpPr>
               <p:cNvPr id="7" name="TextBox 6">
@@ -29630,8 +29632,8 @@
           </p:sp>
         </mc:Fallback>
       </mc:AlternateContent>
-      <mc:AlternateContent xmlns:mc="http://schemas.openxmlformats.org/markup-compatibility/2006">
-        <mc:Choice xmlns:a14="http://schemas.microsoft.com/office/drawing/2010/main" Requires="a14">
+      <mc:AlternateContent xmlns:mc="http://schemas.openxmlformats.org/markup-compatibility/2006" xmlns:a14="http://schemas.microsoft.com/office/drawing/2010/main">
+        <mc:Choice Requires="a14">
           <p:sp>
             <p:nvSpPr>
               <p:cNvPr id="8" name="TextBox 7">
@@ -29688,7 +29690,7 @@
             </p:txBody>
           </p:sp>
         </mc:Choice>
-        <mc:Fallback>
+        <mc:Fallback xmlns="">
           <p:sp>
             <p:nvSpPr>
               <p:cNvPr id="8" name="TextBox 7">
@@ -29733,8 +29735,8 @@
           </p:sp>
         </mc:Fallback>
       </mc:AlternateContent>
-      <mc:AlternateContent xmlns:mc="http://schemas.openxmlformats.org/markup-compatibility/2006">
-        <mc:Choice xmlns:a14="http://schemas.microsoft.com/office/drawing/2010/main" Requires="a14">
+      <mc:AlternateContent xmlns:mc="http://schemas.openxmlformats.org/markup-compatibility/2006" xmlns:a14="http://schemas.microsoft.com/office/drawing/2010/main">
+        <mc:Choice Requires="a14">
           <p:sp>
             <p:nvSpPr>
               <p:cNvPr id="9" name="TextBox 8">
@@ -29791,7 +29793,7 @@
             </p:txBody>
           </p:sp>
         </mc:Choice>
-        <mc:Fallback>
+        <mc:Fallback xmlns="">
           <p:sp>
             <p:nvSpPr>
               <p:cNvPr id="9" name="TextBox 8">
@@ -29969,8 +29971,8 @@
           </a:fontRef>
         </p:style>
       </p:cxnSp>
-      <mc:AlternateContent xmlns:mc="http://schemas.openxmlformats.org/markup-compatibility/2006">
-        <mc:Choice xmlns:a14="http://schemas.microsoft.com/office/drawing/2010/main" Requires="a14">
+      <mc:AlternateContent xmlns:mc="http://schemas.openxmlformats.org/markup-compatibility/2006" xmlns:a14="http://schemas.microsoft.com/office/drawing/2010/main">
+        <mc:Choice Requires="a14">
           <p:sp>
             <p:nvSpPr>
               <p:cNvPr id="12" name="TextBox 11">
@@ -30027,7 +30029,7 @@
             </p:txBody>
           </p:sp>
         </mc:Choice>
-        <mc:Fallback>
+        <mc:Fallback xmlns="">
           <p:sp>
             <p:nvSpPr>
               <p:cNvPr id="12" name="TextBox 11">
@@ -30336,8 +30338,8 @@
           </a:fontRef>
         </p:style>
       </p:cxnSp>
-      <mc:AlternateContent xmlns:mc="http://schemas.openxmlformats.org/markup-compatibility/2006">
-        <mc:Choice xmlns:a14="http://schemas.microsoft.com/office/drawing/2010/main" Requires="a14">
+      <mc:AlternateContent xmlns:mc="http://schemas.openxmlformats.org/markup-compatibility/2006" xmlns:a14="http://schemas.microsoft.com/office/drawing/2010/main">
+        <mc:Choice Requires="a14">
           <p:sp>
             <p:nvSpPr>
               <p:cNvPr id="39" name="TextBox 38">
@@ -30380,16 +30382,7 @@
                           </a:solidFill>
                           <a:latin typeface="Cambria Math" panose="02040503050406030204" pitchFamily="18" charset="0"/>
                         </a:rPr>
-                        <m:t>𝟐</m:t>
-                      </m:r>
-                      <m:r>
-                        <a:rPr lang="en-US" b="1" i="1" smtClean="0">
-                          <a:solidFill>
-                            <a:schemeClr val="tx1"/>
-                          </a:solidFill>
-                          <a:latin typeface="Cambria Math" panose="02040503050406030204" pitchFamily="18" charset="0"/>
-                        </a:rPr>
-                        <m:t>𝟎</m:t>
+                        <m:t>𝟐𝟎</m:t>
                       </m:r>
                     </m:oMath>
                   </m:oMathPara>
@@ -30403,7 +30396,7 @@
             </p:txBody>
           </p:sp>
         </mc:Choice>
-        <mc:Fallback>
+        <mc:Fallback xmlns="">
           <p:sp>
             <p:nvSpPr>
               <p:cNvPr id="39" name="TextBox 38">
@@ -30448,8 +30441,8 @@
           </p:sp>
         </mc:Fallback>
       </mc:AlternateContent>
-      <mc:AlternateContent xmlns:mc="http://schemas.openxmlformats.org/markup-compatibility/2006">
-        <mc:Choice xmlns:a14="http://schemas.microsoft.com/office/drawing/2010/main" Requires="a14">
+      <mc:AlternateContent xmlns:mc="http://schemas.openxmlformats.org/markup-compatibility/2006" xmlns:a14="http://schemas.microsoft.com/office/drawing/2010/main">
+        <mc:Choice Requires="a14">
           <p:sp>
             <p:nvSpPr>
               <p:cNvPr id="40" name="TextBox 39">
@@ -30506,7 +30499,7 @@
             </p:txBody>
           </p:sp>
         </mc:Choice>
-        <mc:Fallback>
+        <mc:Fallback xmlns="">
           <p:sp>
             <p:nvSpPr>
               <p:cNvPr id="40" name="TextBox 39">
@@ -30551,8 +30544,8 @@
           </p:sp>
         </mc:Fallback>
       </mc:AlternateContent>
-      <mc:AlternateContent xmlns:mc="http://schemas.openxmlformats.org/markup-compatibility/2006">
-        <mc:Choice xmlns:a14="http://schemas.microsoft.com/office/drawing/2010/main" Requires="a14">
+      <mc:AlternateContent xmlns:mc="http://schemas.openxmlformats.org/markup-compatibility/2006" xmlns:a14="http://schemas.microsoft.com/office/drawing/2010/main">
+        <mc:Choice Requires="a14">
           <p:sp>
             <p:nvSpPr>
               <p:cNvPr id="41" name="TextBox 40">
@@ -30609,7 +30602,7 @@
             </p:txBody>
           </p:sp>
         </mc:Choice>
-        <mc:Fallback>
+        <mc:Fallback xmlns="">
           <p:sp>
             <p:nvSpPr>
               <p:cNvPr id="41" name="TextBox 40">
@@ -30654,8 +30647,8 @@
           </p:sp>
         </mc:Fallback>
       </mc:AlternateContent>
-      <mc:AlternateContent xmlns:mc="http://schemas.openxmlformats.org/markup-compatibility/2006">
-        <mc:Choice xmlns:a14="http://schemas.microsoft.com/office/drawing/2010/main" Requires="a14">
+      <mc:AlternateContent xmlns:mc="http://schemas.openxmlformats.org/markup-compatibility/2006" xmlns:a14="http://schemas.microsoft.com/office/drawing/2010/main">
+        <mc:Choice Requires="a14">
           <p:sp>
             <p:nvSpPr>
               <p:cNvPr id="42" name="TextBox 41">
@@ -30712,7 +30705,7 @@
             </p:txBody>
           </p:sp>
         </mc:Choice>
-        <mc:Fallback>
+        <mc:Fallback xmlns="">
           <p:sp>
             <p:nvSpPr>
               <p:cNvPr id="42" name="TextBox 41">
@@ -30757,8 +30750,8 @@
           </p:sp>
         </mc:Fallback>
       </mc:AlternateContent>
-      <mc:AlternateContent xmlns:mc="http://schemas.openxmlformats.org/markup-compatibility/2006">
-        <mc:Choice xmlns:a14="http://schemas.microsoft.com/office/drawing/2010/main" Requires="a14">
+      <mc:AlternateContent xmlns:mc="http://schemas.openxmlformats.org/markup-compatibility/2006" xmlns:a14="http://schemas.microsoft.com/office/drawing/2010/main">
+        <mc:Choice Requires="a14">
           <p:sp>
             <p:nvSpPr>
               <p:cNvPr id="43" name="TextBox 42">
@@ -30815,7 +30808,7 @@
             </p:txBody>
           </p:sp>
         </mc:Choice>
-        <mc:Fallback>
+        <mc:Fallback xmlns="">
           <p:sp>
             <p:nvSpPr>
               <p:cNvPr id="43" name="TextBox 42">
@@ -30860,8 +30853,8 @@
           </p:sp>
         </mc:Fallback>
       </mc:AlternateContent>
-      <mc:AlternateContent xmlns:mc="http://schemas.openxmlformats.org/markup-compatibility/2006">
-        <mc:Choice xmlns:a14="http://schemas.microsoft.com/office/drawing/2010/main" Requires="a14">
+      <mc:AlternateContent xmlns:mc="http://schemas.openxmlformats.org/markup-compatibility/2006" xmlns:a14="http://schemas.microsoft.com/office/drawing/2010/main">
+        <mc:Choice Requires="a14">
           <p:sp>
             <p:nvSpPr>
               <p:cNvPr id="44" name="TextBox 43">
@@ -30918,7 +30911,7 @@
             </p:txBody>
           </p:sp>
         </mc:Choice>
-        <mc:Fallback>
+        <mc:Fallback xmlns="">
           <p:sp>
             <p:nvSpPr>
               <p:cNvPr id="44" name="TextBox 43">
@@ -32631,8 +32624,8 @@
           </a:p>
         </p:txBody>
       </p:sp>
-      <mc:AlternateContent xmlns:mc="http://schemas.openxmlformats.org/markup-compatibility/2006">
-        <mc:Choice xmlns:a14="http://schemas.microsoft.com/office/drawing/2010/main" Requires="a14">
+      <mc:AlternateContent xmlns:mc="http://schemas.openxmlformats.org/markup-compatibility/2006" xmlns:a14="http://schemas.microsoft.com/office/drawing/2010/main">
+        <mc:Choice Requires="a14">
           <p:sp>
             <p:nvSpPr>
               <p:cNvPr id="2" name="TextBox 1">
@@ -32689,7 +32682,7 @@
             </p:txBody>
           </p:sp>
         </mc:Choice>
-        <mc:Fallback>
+        <mc:Fallback xmlns="">
           <p:sp>
             <p:nvSpPr>
               <p:cNvPr id="2" name="TextBox 1">
@@ -32734,8 +32727,8 @@
           </p:sp>
         </mc:Fallback>
       </mc:AlternateContent>
-      <mc:AlternateContent xmlns:mc="http://schemas.openxmlformats.org/markup-compatibility/2006">
-        <mc:Choice xmlns:a14="http://schemas.microsoft.com/office/drawing/2010/main" Requires="a14">
+      <mc:AlternateContent xmlns:mc="http://schemas.openxmlformats.org/markup-compatibility/2006" xmlns:a14="http://schemas.microsoft.com/office/drawing/2010/main">
+        <mc:Choice Requires="a14">
           <p:sp>
             <p:nvSpPr>
               <p:cNvPr id="3" name="TextBox 2">
@@ -32792,7 +32785,7 @@
             </p:txBody>
           </p:sp>
         </mc:Choice>
-        <mc:Fallback>
+        <mc:Fallback xmlns="">
           <p:sp>
             <p:nvSpPr>
               <p:cNvPr id="3" name="TextBox 2">
@@ -32837,8 +32830,8 @@
           </p:sp>
         </mc:Fallback>
       </mc:AlternateContent>
-      <mc:AlternateContent xmlns:mc="http://schemas.openxmlformats.org/markup-compatibility/2006">
-        <mc:Choice xmlns:a14="http://schemas.microsoft.com/office/drawing/2010/main" Requires="a14">
+      <mc:AlternateContent xmlns:mc="http://schemas.openxmlformats.org/markup-compatibility/2006" xmlns:a14="http://schemas.microsoft.com/office/drawing/2010/main">
+        <mc:Choice Requires="a14">
           <p:sp>
             <p:nvSpPr>
               <p:cNvPr id="16" name="TextBox 15">
@@ -32895,7 +32888,7 @@
             </p:txBody>
           </p:sp>
         </mc:Choice>
-        <mc:Fallback>
+        <mc:Fallback xmlns="">
           <p:sp>
             <p:nvSpPr>
               <p:cNvPr id="16" name="TextBox 15">
@@ -33152,8 +33145,8 @@
           </a:fontRef>
         </p:style>
       </p:cxnSp>
-      <mc:AlternateContent xmlns:mc="http://schemas.openxmlformats.org/markup-compatibility/2006">
-        <mc:Choice xmlns:a14="http://schemas.microsoft.com/office/drawing/2010/main" Requires="a14">
+      <mc:AlternateContent xmlns:mc="http://schemas.openxmlformats.org/markup-compatibility/2006" xmlns:a14="http://schemas.microsoft.com/office/drawing/2010/main">
+        <mc:Choice Requires="a14">
           <p:sp>
             <p:nvSpPr>
               <p:cNvPr id="7" name="TextBox 6">
@@ -33210,7 +33203,7 @@
             </p:txBody>
           </p:sp>
         </mc:Choice>
-        <mc:Fallback>
+        <mc:Fallback xmlns="">
           <p:sp>
             <p:nvSpPr>
               <p:cNvPr id="7" name="TextBox 6">
@@ -33255,8 +33248,8 @@
           </p:sp>
         </mc:Fallback>
       </mc:AlternateContent>
-      <mc:AlternateContent xmlns:mc="http://schemas.openxmlformats.org/markup-compatibility/2006">
-        <mc:Choice xmlns:a14="http://schemas.microsoft.com/office/drawing/2010/main" Requires="a14">
+      <mc:AlternateContent xmlns:mc="http://schemas.openxmlformats.org/markup-compatibility/2006" xmlns:a14="http://schemas.microsoft.com/office/drawing/2010/main">
+        <mc:Choice Requires="a14">
           <p:sp>
             <p:nvSpPr>
               <p:cNvPr id="8" name="TextBox 7">
@@ -33313,7 +33306,7 @@
             </p:txBody>
           </p:sp>
         </mc:Choice>
-        <mc:Fallback>
+        <mc:Fallback xmlns="">
           <p:sp>
             <p:nvSpPr>
               <p:cNvPr id="8" name="TextBox 7">
@@ -33358,8 +33351,8 @@
           </p:sp>
         </mc:Fallback>
       </mc:AlternateContent>
-      <mc:AlternateContent xmlns:mc="http://schemas.openxmlformats.org/markup-compatibility/2006">
-        <mc:Choice xmlns:a14="http://schemas.microsoft.com/office/drawing/2010/main" Requires="a14">
+      <mc:AlternateContent xmlns:mc="http://schemas.openxmlformats.org/markup-compatibility/2006" xmlns:a14="http://schemas.microsoft.com/office/drawing/2010/main">
+        <mc:Choice Requires="a14">
           <p:sp>
             <p:nvSpPr>
               <p:cNvPr id="9" name="TextBox 8">
@@ -33416,7 +33409,7 @@
             </p:txBody>
           </p:sp>
         </mc:Choice>
-        <mc:Fallback>
+        <mc:Fallback xmlns="">
           <p:sp>
             <p:nvSpPr>
               <p:cNvPr id="9" name="TextBox 8">
@@ -33594,8 +33587,8 @@
           </a:fontRef>
         </p:style>
       </p:cxnSp>
-      <mc:AlternateContent xmlns:mc="http://schemas.openxmlformats.org/markup-compatibility/2006">
-        <mc:Choice xmlns:a14="http://schemas.microsoft.com/office/drawing/2010/main" Requires="a14">
+      <mc:AlternateContent xmlns:mc="http://schemas.openxmlformats.org/markup-compatibility/2006" xmlns:a14="http://schemas.microsoft.com/office/drawing/2010/main">
+        <mc:Choice Requires="a14">
           <p:sp>
             <p:nvSpPr>
               <p:cNvPr id="12" name="TextBox 11">
@@ -33652,7 +33645,7 @@
             </p:txBody>
           </p:sp>
         </mc:Choice>
-        <mc:Fallback>
+        <mc:Fallback xmlns="">
           <p:sp>
             <p:nvSpPr>
               <p:cNvPr id="12" name="TextBox 11">
@@ -33785,8 +33778,8 @@
           </a:fontRef>
         </p:style>
       </p:cxnSp>
-      <mc:AlternateContent xmlns:mc="http://schemas.openxmlformats.org/markup-compatibility/2006">
-        <mc:Choice xmlns:a14="http://schemas.microsoft.com/office/drawing/2010/main" Requires="a14">
+      <mc:AlternateContent xmlns:mc="http://schemas.openxmlformats.org/markup-compatibility/2006" xmlns:a14="http://schemas.microsoft.com/office/drawing/2010/main">
+        <mc:Choice Requires="a14">
           <p:sp>
             <p:nvSpPr>
               <p:cNvPr id="41" name="TextBox 40">
@@ -33843,7 +33836,7 @@
             </p:txBody>
           </p:sp>
         </mc:Choice>
-        <mc:Fallback>
+        <mc:Fallback xmlns="">
           <p:sp>
             <p:nvSpPr>
               <p:cNvPr id="41" name="TextBox 40">
@@ -33888,8 +33881,8 @@
           </p:sp>
         </mc:Fallback>
       </mc:AlternateContent>
-      <mc:AlternateContent xmlns:mc="http://schemas.openxmlformats.org/markup-compatibility/2006">
-        <mc:Choice xmlns:a14="http://schemas.microsoft.com/office/drawing/2010/main" Requires="a14">
+      <mc:AlternateContent xmlns:mc="http://schemas.openxmlformats.org/markup-compatibility/2006" xmlns:a14="http://schemas.microsoft.com/office/drawing/2010/main">
+        <mc:Choice Requires="a14">
           <p:sp>
             <p:nvSpPr>
               <p:cNvPr id="44" name="TextBox 43">
@@ -33946,7 +33939,7 @@
             </p:txBody>
           </p:sp>
         </mc:Choice>
-        <mc:Fallback>
+        <mc:Fallback xmlns="">
           <p:sp>
             <p:nvSpPr>
               <p:cNvPr id="44" name="TextBox 43">
@@ -34082,8 +34075,8 @@
           </a:p>
         </p:txBody>
       </p:sp>
-      <mc:AlternateContent xmlns:mc="http://schemas.openxmlformats.org/markup-compatibility/2006">
-        <mc:Choice xmlns:a14="http://schemas.microsoft.com/office/drawing/2010/main" Requires="a14">
+      <mc:AlternateContent xmlns:mc="http://schemas.openxmlformats.org/markup-compatibility/2006" xmlns:a14="http://schemas.microsoft.com/office/drawing/2010/main">
+        <mc:Choice Requires="a14">
           <p:sp>
             <p:nvSpPr>
               <p:cNvPr id="17" name="TextBox 16">
@@ -34138,7 +34131,7 @@
             </p:txBody>
           </p:sp>
         </mc:Choice>
-        <mc:Fallback>
+        <mc:Fallback xmlns="">
           <p:sp>
             <p:nvSpPr>
               <p:cNvPr id="17" name="TextBox 16">
@@ -34271,8 +34264,8 @@
           </a:p>
         </p:txBody>
       </p:sp>
-      <mc:AlternateContent xmlns:mc="http://schemas.openxmlformats.org/markup-compatibility/2006">
-        <mc:Choice xmlns:a14="http://schemas.microsoft.com/office/drawing/2010/main" Requires="a14">
+      <mc:AlternateContent xmlns:mc="http://schemas.openxmlformats.org/markup-compatibility/2006" xmlns:a14="http://schemas.microsoft.com/office/drawing/2010/main">
+        <mc:Choice Requires="a14">
           <p:sp>
             <p:nvSpPr>
               <p:cNvPr id="2" name="TextBox 1">
@@ -34329,7 +34322,7 @@
             </p:txBody>
           </p:sp>
         </mc:Choice>
-        <mc:Fallback>
+        <mc:Fallback xmlns="">
           <p:sp>
             <p:nvSpPr>
               <p:cNvPr id="2" name="TextBox 1">
@@ -34374,8 +34367,8 @@
           </p:sp>
         </mc:Fallback>
       </mc:AlternateContent>
-      <mc:AlternateContent xmlns:mc="http://schemas.openxmlformats.org/markup-compatibility/2006">
-        <mc:Choice xmlns:a14="http://schemas.microsoft.com/office/drawing/2010/main" Requires="a14">
+      <mc:AlternateContent xmlns:mc="http://schemas.openxmlformats.org/markup-compatibility/2006" xmlns:a14="http://schemas.microsoft.com/office/drawing/2010/main">
+        <mc:Choice Requires="a14">
           <p:sp>
             <p:nvSpPr>
               <p:cNvPr id="3" name="TextBox 2">
@@ -34432,7 +34425,7 @@
             </p:txBody>
           </p:sp>
         </mc:Choice>
-        <mc:Fallback>
+        <mc:Fallback xmlns="">
           <p:sp>
             <p:nvSpPr>
               <p:cNvPr id="3" name="TextBox 2">
@@ -34477,8 +34470,8 @@
           </p:sp>
         </mc:Fallback>
       </mc:AlternateContent>
-      <mc:AlternateContent xmlns:mc="http://schemas.openxmlformats.org/markup-compatibility/2006">
-        <mc:Choice xmlns:a14="http://schemas.microsoft.com/office/drawing/2010/main" Requires="a14">
+      <mc:AlternateContent xmlns:mc="http://schemas.openxmlformats.org/markup-compatibility/2006" xmlns:a14="http://schemas.microsoft.com/office/drawing/2010/main">
+        <mc:Choice Requires="a14">
           <p:sp>
             <p:nvSpPr>
               <p:cNvPr id="16" name="TextBox 15">
@@ -34535,7 +34528,7 @@
             </p:txBody>
           </p:sp>
         </mc:Choice>
-        <mc:Fallback>
+        <mc:Fallback xmlns="">
           <p:sp>
             <p:nvSpPr>
               <p:cNvPr id="16" name="TextBox 15">
@@ -34792,8 +34785,8 @@
           </a:fontRef>
         </p:style>
       </p:cxnSp>
-      <mc:AlternateContent xmlns:mc="http://schemas.openxmlformats.org/markup-compatibility/2006">
-        <mc:Choice xmlns:a14="http://schemas.microsoft.com/office/drawing/2010/main" Requires="a14">
+      <mc:AlternateContent xmlns:mc="http://schemas.openxmlformats.org/markup-compatibility/2006" xmlns:a14="http://schemas.microsoft.com/office/drawing/2010/main">
+        <mc:Choice Requires="a14">
           <p:sp>
             <p:nvSpPr>
               <p:cNvPr id="7" name="TextBox 6">
@@ -34850,7 +34843,7 @@
             </p:txBody>
           </p:sp>
         </mc:Choice>
-        <mc:Fallback>
+        <mc:Fallback xmlns="">
           <p:sp>
             <p:nvSpPr>
               <p:cNvPr id="7" name="TextBox 6">
@@ -34895,8 +34888,8 @@
           </p:sp>
         </mc:Fallback>
       </mc:AlternateContent>
-      <mc:AlternateContent xmlns:mc="http://schemas.openxmlformats.org/markup-compatibility/2006">
-        <mc:Choice xmlns:a14="http://schemas.microsoft.com/office/drawing/2010/main" Requires="a14">
+      <mc:AlternateContent xmlns:mc="http://schemas.openxmlformats.org/markup-compatibility/2006" xmlns:a14="http://schemas.microsoft.com/office/drawing/2010/main">
+        <mc:Choice Requires="a14">
           <p:sp>
             <p:nvSpPr>
               <p:cNvPr id="8" name="TextBox 7">
@@ -34953,7 +34946,7 @@
             </p:txBody>
           </p:sp>
         </mc:Choice>
-        <mc:Fallback>
+        <mc:Fallback xmlns="">
           <p:sp>
             <p:nvSpPr>
               <p:cNvPr id="8" name="TextBox 7">
@@ -34998,8 +34991,8 @@
           </p:sp>
         </mc:Fallback>
       </mc:AlternateContent>
-      <mc:AlternateContent xmlns:mc="http://schemas.openxmlformats.org/markup-compatibility/2006">
-        <mc:Choice xmlns:a14="http://schemas.microsoft.com/office/drawing/2010/main" Requires="a14">
+      <mc:AlternateContent xmlns:mc="http://schemas.openxmlformats.org/markup-compatibility/2006" xmlns:a14="http://schemas.microsoft.com/office/drawing/2010/main">
+        <mc:Choice Requires="a14">
           <p:sp>
             <p:nvSpPr>
               <p:cNvPr id="9" name="TextBox 8">
@@ -35056,7 +35049,7 @@
             </p:txBody>
           </p:sp>
         </mc:Choice>
-        <mc:Fallback>
+        <mc:Fallback xmlns="">
           <p:sp>
             <p:nvSpPr>
               <p:cNvPr id="9" name="TextBox 8">
@@ -35234,8 +35227,8 @@
           </a:fontRef>
         </p:style>
       </p:cxnSp>
-      <mc:AlternateContent xmlns:mc="http://schemas.openxmlformats.org/markup-compatibility/2006">
-        <mc:Choice xmlns:a14="http://schemas.microsoft.com/office/drawing/2010/main" Requires="a14">
+      <mc:AlternateContent xmlns:mc="http://schemas.openxmlformats.org/markup-compatibility/2006" xmlns:a14="http://schemas.microsoft.com/office/drawing/2010/main">
+        <mc:Choice Requires="a14">
           <p:sp>
             <p:nvSpPr>
               <p:cNvPr id="12" name="TextBox 11">
@@ -35292,7 +35285,7 @@
             </p:txBody>
           </p:sp>
         </mc:Choice>
-        <mc:Fallback>
+        <mc:Fallback xmlns="">
           <p:sp>
             <p:nvSpPr>
               <p:cNvPr id="12" name="TextBox 11">
@@ -35425,8 +35418,8 @@
           </a:fontRef>
         </p:style>
       </p:cxnSp>
-      <mc:AlternateContent xmlns:mc="http://schemas.openxmlformats.org/markup-compatibility/2006">
-        <mc:Choice xmlns:a14="http://schemas.microsoft.com/office/drawing/2010/main" Requires="a14">
+      <mc:AlternateContent xmlns:mc="http://schemas.openxmlformats.org/markup-compatibility/2006" xmlns:a14="http://schemas.microsoft.com/office/drawing/2010/main">
+        <mc:Choice Requires="a14">
           <p:sp>
             <p:nvSpPr>
               <p:cNvPr id="41" name="TextBox 40">
@@ -35483,7 +35476,7 @@
             </p:txBody>
           </p:sp>
         </mc:Choice>
-        <mc:Fallback>
+        <mc:Fallback xmlns="">
           <p:sp>
             <p:nvSpPr>
               <p:cNvPr id="41" name="TextBox 40">
@@ -35528,8 +35521,8 @@
           </p:sp>
         </mc:Fallback>
       </mc:AlternateContent>
-      <mc:AlternateContent xmlns:mc="http://schemas.openxmlformats.org/markup-compatibility/2006">
-        <mc:Choice xmlns:a14="http://schemas.microsoft.com/office/drawing/2010/main" Requires="a14">
+      <mc:AlternateContent xmlns:mc="http://schemas.openxmlformats.org/markup-compatibility/2006" xmlns:a14="http://schemas.microsoft.com/office/drawing/2010/main">
+        <mc:Choice Requires="a14">
           <p:sp>
             <p:nvSpPr>
               <p:cNvPr id="44" name="TextBox 43">
@@ -35586,7 +35579,7 @@
             </p:txBody>
           </p:sp>
         </mc:Choice>
-        <mc:Fallback>
+        <mc:Fallback xmlns="">
           <p:sp>
             <p:nvSpPr>
               <p:cNvPr id="44" name="TextBox 43">
@@ -35722,8 +35715,8 @@
           </a:p>
         </p:txBody>
       </p:sp>
-      <mc:AlternateContent xmlns:mc="http://schemas.openxmlformats.org/markup-compatibility/2006">
-        <mc:Choice xmlns:a14="http://schemas.microsoft.com/office/drawing/2010/main" Requires="a14">
+      <mc:AlternateContent xmlns:mc="http://schemas.openxmlformats.org/markup-compatibility/2006" xmlns:a14="http://schemas.microsoft.com/office/drawing/2010/main">
+        <mc:Choice Requires="a14">
           <p:sp>
             <p:nvSpPr>
               <p:cNvPr id="15" name="TextBox 14">
@@ -35778,7 +35771,7 @@
             </p:txBody>
           </p:sp>
         </mc:Choice>
-        <mc:Fallback>
+        <mc:Fallback xmlns="">
           <p:sp>
             <p:nvSpPr>
               <p:cNvPr id="15" name="TextBox 14">
@@ -35911,8 +35904,8 @@
           </a:p>
         </p:txBody>
       </p:sp>
-      <mc:AlternateContent xmlns:mc="http://schemas.openxmlformats.org/markup-compatibility/2006">
-        <mc:Choice xmlns:a14="http://schemas.microsoft.com/office/drawing/2010/main" Requires="a14">
+      <mc:AlternateContent xmlns:mc="http://schemas.openxmlformats.org/markup-compatibility/2006" xmlns:a14="http://schemas.microsoft.com/office/drawing/2010/main">
+        <mc:Choice Requires="a14">
           <p:sp>
             <p:nvSpPr>
               <p:cNvPr id="2" name="TextBox 1">
@@ -35969,7 +35962,7 @@
             </p:txBody>
           </p:sp>
         </mc:Choice>
-        <mc:Fallback>
+        <mc:Fallback xmlns="">
           <p:sp>
             <p:nvSpPr>
               <p:cNvPr id="2" name="TextBox 1">
@@ -36014,8 +36007,8 @@
           </p:sp>
         </mc:Fallback>
       </mc:AlternateContent>
-      <mc:AlternateContent xmlns:mc="http://schemas.openxmlformats.org/markup-compatibility/2006">
-        <mc:Choice xmlns:a14="http://schemas.microsoft.com/office/drawing/2010/main" Requires="a14">
+      <mc:AlternateContent xmlns:mc="http://schemas.openxmlformats.org/markup-compatibility/2006" xmlns:a14="http://schemas.microsoft.com/office/drawing/2010/main">
+        <mc:Choice Requires="a14">
           <p:sp>
             <p:nvSpPr>
               <p:cNvPr id="3" name="TextBox 2">
@@ -36072,7 +36065,7 @@
             </p:txBody>
           </p:sp>
         </mc:Choice>
-        <mc:Fallback>
+        <mc:Fallback xmlns="">
           <p:sp>
             <p:nvSpPr>
               <p:cNvPr id="3" name="TextBox 2">
@@ -36117,8 +36110,8 @@
           </p:sp>
         </mc:Fallback>
       </mc:AlternateContent>
-      <mc:AlternateContent xmlns:mc="http://schemas.openxmlformats.org/markup-compatibility/2006">
-        <mc:Choice xmlns:a14="http://schemas.microsoft.com/office/drawing/2010/main" Requires="a14">
+      <mc:AlternateContent xmlns:mc="http://schemas.openxmlformats.org/markup-compatibility/2006" xmlns:a14="http://schemas.microsoft.com/office/drawing/2010/main">
+        <mc:Choice Requires="a14">
           <p:sp>
             <p:nvSpPr>
               <p:cNvPr id="16" name="TextBox 15">
@@ -36175,7 +36168,7 @@
             </p:txBody>
           </p:sp>
         </mc:Choice>
-        <mc:Fallback>
+        <mc:Fallback xmlns="">
           <p:sp>
             <p:nvSpPr>
               <p:cNvPr id="16" name="TextBox 15">
@@ -36432,8 +36425,8 @@
           </a:fontRef>
         </p:style>
       </p:cxnSp>
-      <mc:AlternateContent xmlns:mc="http://schemas.openxmlformats.org/markup-compatibility/2006">
-        <mc:Choice xmlns:a14="http://schemas.microsoft.com/office/drawing/2010/main" Requires="a14">
+      <mc:AlternateContent xmlns:mc="http://schemas.openxmlformats.org/markup-compatibility/2006" xmlns:a14="http://schemas.microsoft.com/office/drawing/2010/main">
+        <mc:Choice Requires="a14">
           <p:sp>
             <p:nvSpPr>
               <p:cNvPr id="7" name="TextBox 6">
@@ -36490,7 +36483,7 @@
             </p:txBody>
           </p:sp>
         </mc:Choice>
-        <mc:Fallback>
+        <mc:Fallback xmlns="">
           <p:sp>
             <p:nvSpPr>
               <p:cNvPr id="7" name="TextBox 6">
@@ -36535,8 +36528,8 @@
           </p:sp>
         </mc:Fallback>
       </mc:AlternateContent>
-      <mc:AlternateContent xmlns:mc="http://schemas.openxmlformats.org/markup-compatibility/2006">
-        <mc:Choice xmlns:a14="http://schemas.microsoft.com/office/drawing/2010/main" Requires="a14">
+      <mc:AlternateContent xmlns:mc="http://schemas.openxmlformats.org/markup-compatibility/2006" xmlns:a14="http://schemas.microsoft.com/office/drawing/2010/main">
+        <mc:Choice Requires="a14">
           <p:sp>
             <p:nvSpPr>
               <p:cNvPr id="8" name="TextBox 7">
@@ -36593,7 +36586,7 @@
             </p:txBody>
           </p:sp>
         </mc:Choice>
-        <mc:Fallback>
+        <mc:Fallback xmlns="">
           <p:sp>
             <p:nvSpPr>
               <p:cNvPr id="8" name="TextBox 7">
@@ -36638,8 +36631,8 @@
           </p:sp>
         </mc:Fallback>
       </mc:AlternateContent>
-      <mc:AlternateContent xmlns:mc="http://schemas.openxmlformats.org/markup-compatibility/2006">
-        <mc:Choice xmlns:a14="http://schemas.microsoft.com/office/drawing/2010/main" Requires="a14">
+      <mc:AlternateContent xmlns:mc="http://schemas.openxmlformats.org/markup-compatibility/2006" xmlns:a14="http://schemas.microsoft.com/office/drawing/2010/main">
+        <mc:Choice Requires="a14">
           <p:sp>
             <p:nvSpPr>
               <p:cNvPr id="9" name="TextBox 8">
@@ -36696,7 +36689,7 @@
             </p:txBody>
           </p:sp>
         </mc:Choice>
-        <mc:Fallback>
+        <mc:Fallback xmlns="">
           <p:sp>
             <p:nvSpPr>
               <p:cNvPr id="9" name="TextBox 8">
@@ -36874,8 +36867,8 @@
           </a:fontRef>
         </p:style>
       </p:cxnSp>
-      <mc:AlternateContent xmlns:mc="http://schemas.openxmlformats.org/markup-compatibility/2006">
-        <mc:Choice xmlns:a14="http://schemas.microsoft.com/office/drawing/2010/main" Requires="a14">
+      <mc:AlternateContent xmlns:mc="http://schemas.openxmlformats.org/markup-compatibility/2006" xmlns:a14="http://schemas.microsoft.com/office/drawing/2010/main">
+        <mc:Choice Requires="a14">
           <p:sp>
             <p:nvSpPr>
               <p:cNvPr id="12" name="TextBox 11">
@@ -36932,7 +36925,7 @@
             </p:txBody>
           </p:sp>
         </mc:Choice>
-        <mc:Fallback>
+        <mc:Fallback xmlns="">
           <p:sp>
             <p:nvSpPr>
               <p:cNvPr id="12" name="TextBox 11">
@@ -37065,8 +37058,8 @@
           </a:fontRef>
         </p:style>
       </p:cxnSp>
-      <mc:AlternateContent xmlns:mc="http://schemas.openxmlformats.org/markup-compatibility/2006">
-        <mc:Choice xmlns:a14="http://schemas.microsoft.com/office/drawing/2010/main" Requires="a14">
+      <mc:AlternateContent xmlns:mc="http://schemas.openxmlformats.org/markup-compatibility/2006" xmlns:a14="http://schemas.microsoft.com/office/drawing/2010/main">
+        <mc:Choice Requires="a14">
           <p:sp>
             <p:nvSpPr>
               <p:cNvPr id="41" name="TextBox 40">
@@ -37123,7 +37116,7 @@
             </p:txBody>
           </p:sp>
         </mc:Choice>
-        <mc:Fallback>
+        <mc:Fallback xmlns="">
           <p:sp>
             <p:nvSpPr>
               <p:cNvPr id="41" name="TextBox 40">
@@ -37168,8 +37161,8 @@
           </p:sp>
         </mc:Fallback>
       </mc:AlternateContent>
-      <mc:AlternateContent xmlns:mc="http://schemas.openxmlformats.org/markup-compatibility/2006">
-        <mc:Choice xmlns:a14="http://schemas.microsoft.com/office/drawing/2010/main" Requires="a14">
+      <mc:AlternateContent xmlns:mc="http://schemas.openxmlformats.org/markup-compatibility/2006" xmlns:a14="http://schemas.microsoft.com/office/drawing/2010/main">
+        <mc:Choice Requires="a14">
           <p:sp>
             <p:nvSpPr>
               <p:cNvPr id="44" name="TextBox 43">
@@ -37226,7 +37219,7 @@
             </p:txBody>
           </p:sp>
         </mc:Choice>
-        <mc:Fallback>
+        <mc:Fallback xmlns="">
           <p:sp>
             <p:nvSpPr>
               <p:cNvPr id="44" name="TextBox 43">
@@ -37509,6 +37502,4074 @@
     <p:extLst>
       <p:ext uri="{BB962C8B-B14F-4D97-AF65-F5344CB8AC3E}">
         <p14:creationId xmlns:p14="http://schemas.microsoft.com/office/powerpoint/2010/main" val="2280625365"/>
+      </p:ext>
+    </p:extLst>
+  </p:cSld>
+  <p:clrMapOvr>
+    <a:masterClrMapping/>
+  </p:clrMapOvr>
+</p:sld>
+</file>
+
+<file path=ppt/slides/slide43.xml><?xml version="1.0" encoding="utf-8"?>
+<p:sld xmlns:a="http://schemas.openxmlformats.org/drawingml/2006/main" xmlns:r="http://schemas.openxmlformats.org/officeDocument/2006/relationships" xmlns:p="http://schemas.openxmlformats.org/presentationml/2006/main">
+  <p:cSld>
+    <p:spTree>
+      <p:nvGrpSpPr>
+        <p:cNvPr id="1" name="">
+          <a:extLst>
+            <a:ext uri="{FF2B5EF4-FFF2-40B4-BE49-F238E27FC236}">
+              <a16:creationId xmlns:a16="http://schemas.microsoft.com/office/drawing/2014/main" id="{29488CE8-E046-81C6-F898-1FEBC56B3B3B}"/>
+            </a:ext>
+          </a:extLst>
+        </p:cNvPr>
+        <p:cNvGrpSpPr/>
+        <p:nvPr/>
+      </p:nvGrpSpPr>
+      <p:grpSpPr>
+        <a:xfrm>
+          <a:off x="0" y="0"/>
+          <a:ext cx="0" cy="0"/>
+          <a:chOff x="0" y="0"/>
+          <a:chExt cx="0" cy="0"/>
+        </a:xfrm>
+      </p:grpSpPr>
+      <mc:AlternateContent xmlns:mc="http://schemas.openxmlformats.org/markup-compatibility/2006">
+        <mc:Choice xmlns:a14="http://schemas.microsoft.com/office/drawing/2010/main" Requires="a14">
+          <p:sp>
+            <p:nvSpPr>
+              <p:cNvPr id="13" name="TextBox 12">
+                <a:extLst>
+                  <a:ext uri="{FF2B5EF4-FFF2-40B4-BE49-F238E27FC236}">
+                    <a16:creationId xmlns:a16="http://schemas.microsoft.com/office/drawing/2014/main" id="{52972788-0A23-50DE-F46A-385EE49CD51E}"/>
+                  </a:ext>
+                </a:extLst>
+              </p:cNvPr>
+              <p:cNvSpPr txBox="1"/>
+              <p:nvPr/>
+            </p:nvSpPr>
+            <p:spPr>
+              <a:xfrm>
+                <a:off x="10977022" y="6000377"/>
+                <a:ext cx="807396" cy="369332"/>
+              </a:xfrm>
+              <a:prstGeom prst="rect">
+                <a:avLst/>
+              </a:prstGeom>
+              <a:noFill/>
+            </p:spPr>
+            <p:txBody>
+              <a:bodyPr wrap="square" rtlCol="0">
+                <a:spAutoFit/>
+              </a:bodyPr>
+              <a:lstStyle/>
+              <a:p>
+                <a:pPr/>
+                <a14:m>
+                  <m:oMathPara xmlns:m="http://schemas.openxmlformats.org/officeDocument/2006/math">
+                    <m:oMathParaPr>
+                      <m:jc m:val="centerGroup"/>
+                    </m:oMathParaPr>
+                    <m:oMath xmlns:m="http://schemas.openxmlformats.org/officeDocument/2006/math">
+                      <m:r>
+                        <a:rPr lang="en-US" b="1" i="1" smtClean="0">
+                          <a:solidFill>
+                            <a:schemeClr val="tx1"/>
+                          </a:solidFill>
+                          <a:latin typeface="Cambria Math" panose="02040503050406030204" pitchFamily="18" charset="0"/>
+                        </a:rPr>
+                        <m:t>𝑸</m:t>
+                      </m:r>
+                    </m:oMath>
+                  </m:oMathPara>
+                </a14:m>
+                <a:endParaRPr lang="en-US" b="1" dirty="0">
+                  <a:solidFill>
+                    <a:schemeClr val="tx1"/>
+                  </a:solidFill>
+                </a:endParaRPr>
+              </a:p>
+            </p:txBody>
+          </p:sp>
+        </mc:Choice>
+        <mc:Fallback>
+          <p:sp>
+            <p:nvSpPr>
+              <p:cNvPr id="13" name="TextBox 12">
+                <a:extLst>
+                  <a:ext uri="{FF2B5EF4-FFF2-40B4-BE49-F238E27FC236}">
+                    <a16:creationId xmlns:a16="http://schemas.microsoft.com/office/drawing/2014/main" id="{52972788-0A23-50DE-F46A-385EE49CD51E}"/>
+                  </a:ext>
+                </a:extLst>
+              </p:cNvPr>
+              <p:cNvSpPr txBox="1">
+                <a:spLocks noRot="1" noChangeAspect="1" noMove="1" noResize="1" noEditPoints="1" noAdjustHandles="1" noChangeArrowheads="1" noChangeShapeType="1" noTextEdit="1"/>
+              </p:cNvSpPr>
+              <p:nvPr/>
+            </p:nvSpPr>
+            <p:spPr>
+              <a:xfrm>
+                <a:off x="10977022" y="6000377"/>
+                <a:ext cx="807396" cy="369332"/>
+              </a:xfrm>
+              <a:prstGeom prst="rect">
+                <a:avLst/>
+              </a:prstGeom>
+              <a:blipFill>
+                <a:blip r:embed="rId2"/>
+                <a:stretch>
+                  <a:fillRect b="-9836"/>
+                </a:stretch>
+              </a:blipFill>
+            </p:spPr>
+            <p:txBody>
+              <a:bodyPr/>
+              <a:lstStyle/>
+              <a:p>
+                <a:r>
+                  <a:rPr lang="en-US">
+                    <a:noFill/>
+                  </a:rPr>
+                  <a:t> </a:t>
+                </a:r>
+              </a:p>
+            </p:txBody>
+          </p:sp>
+        </mc:Fallback>
+      </mc:AlternateContent>
+      <mc:AlternateContent xmlns:mc="http://schemas.openxmlformats.org/markup-compatibility/2006">
+        <mc:Choice xmlns:a14="http://schemas.microsoft.com/office/drawing/2010/main" Requires="a14">
+          <p:sp>
+            <p:nvSpPr>
+              <p:cNvPr id="14" name="TextBox 13">
+                <a:extLst>
+                  <a:ext uri="{FF2B5EF4-FFF2-40B4-BE49-F238E27FC236}">
+                    <a16:creationId xmlns:a16="http://schemas.microsoft.com/office/drawing/2014/main" id="{76FF05C5-A54B-9AFB-31CA-F22A284D5406}"/>
+                  </a:ext>
+                </a:extLst>
+              </p:cNvPr>
+              <p:cNvSpPr txBox="1"/>
+              <p:nvPr/>
+            </p:nvSpPr>
+            <p:spPr>
+              <a:xfrm>
+                <a:off x="2912468" y="414610"/>
+                <a:ext cx="807396" cy="369332"/>
+              </a:xfrm>
+              <a:prstGeom prst="rect">
+                <a:avLst/>
+              </a:prstGeom>
+              <a:noFill/>
+            </p:spPr>
+            <p:txBody>
+              <a:bodyPr wrap="square" rtlCol="0">
+                <a:spAutoFit/>
+              </a:bodyPr>
+              <a:lstStyle/>
+              <a:p>
+                <a:pPr/>
+                <a14:m>
+                  <m:oMathPara xmlns:m="http://schemas.openxmlformats.org/officeDocument/2006/math">
+                    <m:oMathParaPr>
+                      <m:jc m:val="centerGroup"/>
+                    </m:oMathParaPr>
+                    <m:oMath xmlns:m="http://schemas.openxmlformats.org/officeDocument/2006/math">
+                      <m:r>
+                        <a:rPr lang="en-US" b="1" i="1" smtClean="0">
+                          <a:solidFill>
+                            <a:schemeClr val="tx1"/>
+                          </a:solidFill>
+                          <a:latin typeface="Cambria Math" panose="02040503050406030204" pitchFamily="18" charset="0"/>
+                        </a:rPr>
+                        <m:t>𝑷</m:t>
+                      </m:r>
+                    </m:oMath>
+                  </m:oMathPara>
+                </a14:m>
+                <a:endParaRPr lang="en-US" b="1" dirty="0">
+                  <a:solidFill>
+                    <a:schemeClr val="tx1"/>
+                  </a:solidFill>
+                </a:endParaRPr>
+              </a:p>
+            </p:txBody>
+          </p:sp>
+        </mc:Choice>
+        <mc:Fallback>
+          <p:sp>
+            <p:nvSpPr>
+              <p:cNvPr id="14" name="TextBox 13">
+                <a:extLst>
+                  <a:ext uri="{FF2B5EF4-FFF2-40B4-BE49-F238E27FC236}">
+                    <a16:creationId xmlns:a16="http://schemas.microsoft.com/office/drawing/2014/main" id="{76FF05C5-A54B-9AFB-31CA-F22A284D5406}"/>
+                  </a:ext>
+                </a:extLst>
+              </p:cNvPr>
+              <p:cNvSpPr txBox="1">
+                <a:spLocks noRot="1" noChangeAspect="1" noMove="1" noResize="1" noEditPoints="1" noAdjustHandles="1" noChangeArrowheads="1" noChangeShapeType="1" noTextEdit="1"/>
+              </p:cNvSpPr>
+              <p:nvPr/>
+            </p:nvSpPr>
+            <p:spPr>
+              <a:xfrm>
+                <a:off x="2912468" y="414610"/>
+                <a:ext cx="807396" cy="369332"/>
+              </a:xfrm>
+              <a:prstGeom prst="rect">
+                <a:avLst/>
+              </a:prstGeom>
+              <a:blipFill>
+                <a:blip r:embed="rId3"/>
+                <a:stretch>
+                  <a:fillRect/>
+                </a:stretch>
+              </a:blipFill>
+            </p:spPr>
+            <p:txBody>
+              <a:bodyPr/>
+              <a:lstStyle/>
+              <a:p>
+                <a:r>
+                  <a:rPr lang="en-US">
+                    <a:noFill/>
+                  </a:rPr>
+                  <a:t> </a:t>
+                </a:r>
+              </a:p>
+            </p:txBody>
+          </p:sp>
+        </mc:Fallback>
+      </mc:AlternateContent>
+      <p:sp>
+        <p:nvSpPr>
+          <p:cNvPr id="15" name="Freeform: Shape 14">
+            <a:extLst>
+              <a:ext uri="{FF2B5EF4-FFF2-40B4-BE49-F238E27FC236}">
+                <a16:creationId xmlns:a16="http://schemas.microsoft.com/office/drawing/2014/main" id="{C1494971-745E-6217-A284-B8CEA648FA66}"/>
+              </a:ext>
+            </a:extLst>
+          </p:cNvPr>
+          <p:cNvSpPr/>
+          <p:nvPr/>
+        </p:nvSpPr>
+        <p:spPr>
+          <a:xfrm>
+            <a:off x="3581068" y="599276"/>
+            <a:ext cx="7601613" cy="5637321"/>
+          </a:xfrm>
+          <a:custGeom>
+            <a:avLst/>
+            <a:gdLst>
+              <a:gd name="connsiteX0" fmla="*/ 0 w 10227076"/>
+              <a:gd name="connsiteY0" fmla="*/ 0 h 5637321"/>
+              <a:gd name="connsiteX1" fmla="*/ 35511 w 10227076"/>
+              <a:gd name="connsiteY1" fmla="*/ 5637321 h 5637321"/>
+              <a:gd name="connsiteX2" fmla="*/ 10227076 w 10227076"/>
+              <a:gd name="connsiteY2" fmla="*/ 5584055 h 5637321"/>
+            </a:gdLst>
+            <a:ahLst/>
+            <a:cxnLst>
+              <a:cxn ang="0">
+                <a:pos x="connsiteX0" y="connsiteY0"/>
+              </a:cxn>
+              <a:cxn ang="0">
+                <a:pos x="connsiteX1" y="connsiteY1"/>
+              </a:cxn>
+              <a:cxn ang="0">
+                <a:pos x="connsiteX2" y="connsiteY2"/>
+              </a:cxn>
+            </a:cxnLst>
+            <a:rect l="l" t="t" r="r" b="b"/>
+            <a:pathLst>
+              <a:path w="10227076" h="5637321">
+                <a:moveTo>
+                  <a:pt x="0" y="0"/>
+                </a:moveTo>
+                <a:lnTo>
+                  <a:pt x="35511" y="5637321"/>
+                </a:lnTo>
+                <a:lnTo>
+                  <a:pt x="10227076" y="5584055"/>
+                </a:lnTo>
+              </a:path>
+            </a:pathLst>
+          </a:custGeom>
+          <a:ln w="57150"/>
+        </p:spPr>
+        <p:style>
+          <a:lnRef idx="3">
+            <a:schemeClr val="dk1"/>
+          </a:lnRef>
+          <a:fillRef idx="0">
+            <a:schemeClr val="dk1"/>
+          </a:fillRef>
+          <a:effectRef idx="2">
+            <a:schemeClr val="dk1"/>
+          </a:effectRef>
+          <a:fontRef idx="minor">
+            <a:schemeClr val="tx1"/>
+          </a:fontRef>
+        </p:style>
+        <p:txBody>
+          <a:bodyPr rtlCol="0" anchor="ctr"/>
+          <a:lstStyle/>
+          <a:p>
+            <a:pPr algn="ctr"/>
+            <a:endParaRPr lang="en-US"/>
+          </a:p>
+        </p:txBody>
+      </p:sp>
+      <mc:AlternateContent xmlns:mc="http://schemas.openxmlformats.org/markup-compatibility/2006">
+        <mc:Choice xmlns:a14="http://schemas.microsoft.com/office/drawing/2010/main" Requires="a14">
+          <p:sp>
+            <p:nvSpPr>
+              <p:cNvPr id="17" name="TextBox 16">
+                <a:extLst>
+                  <a:ext uri="{FF2B5EF4-FFF2-40B4-BE49-F238E27FC236}">
+                    <a16:creationId xmlns:a16="http://schemas.microsoft.com/office/drawing/2014/main" id="{E7D6DE82-3034-9A5D-CC6F-D6B708FC703E}"/>
+                  </a:ext>
+                </a:extLst>
+              </p:cNvPr>
+              <p:cNvSpPr txBox="1"/>
+              <p:nvPr/>
+            </p:nvSpPr>
+            <p:spPr>
+              <a:xfrm>
+                <a:off x="10899117" y="1338684"/>
+                <a:ext cx="1227676" cy="523220"/>
+              </a:xfrm>
+              <a:prstGeom prst="rect">
+                <a:avLst/>
+              </a:prstGeom>
+              <a:noFill/>
+            </p:spPr>
+            <p:txBody>
+              <a:bodyPr wrap="square" rtlCol="0">
+                <a:spAutoFit/>
+              </a:bodyPr>
+              <a:lstStyle/>
+              <a:p>
+                <a:pPr/>
+                <a14:m>
+                  <m:oMathPara xmlns:m="http://schemas.openxmlformats.org/officeDocument/2006/math">
+                    <m:oMathParaPr>
+                      <m:jc m:val="centerGroup"/>
+                    </m:oMathParaPr>
+                    <m:oMath xmlns:m="http://schemas.openxmlformats.org/officeDocument/2006/math">
+                      <m:r>
+                        <a:rPr lang="en-US" sz="2800" b="1" i="1" smtClean="0">
+                          <a:solidFill>
+                            <a:schemeClr val="accent4"/>
+                          </a:solidFill>
+                          <a:latin typeface="Cambria Math" panose="02040503050406030204" pitchFamily="18" charset="0"/>
+                        </a:rPr>
+                        <m:t>𝑨𝑻𝑪</m:t>
+                      </m:r>
+                    </m:oMath>
+                  </m:oMathPara>
+                </a14:m>
+                <a:endParaRPr lang="en-US" sz="2800" b="1" dirty="0">
+                  <a:solidFill>
+                    <a:schemeClr val="accent4"/>
+                  </a:solidFill>
+                </a:endParaRPr>
+              </a:p>
+            </p:txBody>
+          </p:sp>
+        </mc:Choice>
+        <mc:Fallback>
+          <p:sp>
+            <p:nvSpPr>
+              <p:cNvPr id="17" name="TextBox 16">
+                <a:extLst>
+                  <a:ext uri="{FF2B5EF4-FFF2-40B4-BE49-F238E27FC236}">
+                    <a16:creationId xmlns:a16="http://schemas.microsoft.com/office/drawing/2014/main" id="{E7D6DE82-3034-9A5D-CC6F-D6B708FC703E}"/>
+                  </a:ext>
+                </a:extLst>
+              </p:cNvPr>
+              <p:cNvSpPr txBox="1">
+                <a:spLocks noRot="1" noChangeAspect="1" noMove="1" noResize="1" noEditPoints="1" noAdjustHandles="1" noChangeArrowheads="1" noChangeShapeType="1" noTextEdit="1"/>
+              </p:cNvSpPr>
+              <p:nvPr/>
+            </p:nvSpPr>
+            <p:spPr>
+              <a:xfrm>
+                <a:off x="10899117" y="1338684"/>
+                <a:ext cx="1227676" cy="523220"/>
+              </a:xfrm>
+              <a:prstGeom prst="rect">
+                <a:avLst/>
+              </a:prstGeom>
+              <a:blipFill>
+                <a:blip r:embed="rId4"/>
+                <a:stretch>
+                  <a:fillRect/>
+                </a:stretch>
+              </a:blipFill>
+            </p:spPr>
+            <p:txBody>
+              <a:bodyPr/>
+              <a:lstStyle/>
+              <a:p>
+                <a:r>
+                  <a:rPr lang="en-US">
+                    <a:noFill/>
+                  </a:rPr>
+                  <a:t> </a:t>
+                </a:r>
+              </a:p>
+            </p:txBody>
+          </p:sp>
+        </mc:Fallback>
+      </mc:AlternateContent>
+      <p:sp>
+        <p:nvSpPr>
+          <p:cNvPr id="18" name="Freeform: Shape 17">
+            <a:extLst>
+              <a:ext uri="{FF2B5EF4-FFF2-40B4-BE49-F238E27FC236}">
+                <a16:creationId xmlns:a16="http://schemas.microsoft.com/office/drawing/2014/main" id="{5577202E-E058-24F1-B756-B733C998D889}"/>
+              </a:ext>
+            </a:extLst>
+          </p:cNvPr>
+          <p:cNvSpPr/>
+          <p:nvPr/>
+        </p:nvSpPr>
+        <p:spPr>
+          <a:xfrm>
+            <a:off x="5364906" y="1641857"/>
+            <a:ext cx="5715000" cy="1359998"/>
+          </a:xfrm>
+          <a:custGeom>
+            <a:avLst/>
+            <a:gdLst>
+              <a:gd name="connsiteX0" fmla="*/ 0 w 5715000"/>
+              <a:gd name="connsiteY0" fmla="*/ 256309 h 1359998"/>
+              <a:gd name="connsiteX1" fmla="*/ 2798618 w 5715000"/>
+              <a:gd name="connsiteY1" fmla="*/ 1357746 h 1359998"/>
+              <a:gd name="connsiteX2" fmla="*/ 5715000 w 5715000"/>
+              <a:gd name="connsiteY2" fmla="*/ 0 h 1359998"/>
+            </a:gdLst>
+            <a:ahLst/>
+            <a:cxnLst>
+              <a:cxn ang="0">
+                <a:pos x="connsiteX0" y="connsiteY0"/>
+              </a:cxn>
+              <a:cxn ang="0">
+                <a:pos x="connsiteX1" y="connsiteY1"/>
+              </a:cxn>
+              <a:cxn ang="0">
+                <a:pos x="connsiteX2" y="connsiteY2"/>
+              </a:cxn>
+            </a:cxnLst>
+            <a:rect l="l" t="t" r="r" b="b"/>
+            <a:pathLst>
+              <a:path w="5715000" h="1359998">
+                <a:moveTo>
+                  <a:pt x="0" y="256309"/>
+                </a:moveTo>
+                <a:cubicBezTo>
+                  <a:pt x="923059" y="828386"/>
+                  <a:pt x="1846118" y="1400464"/>
+                  <a:pt x="2798618" y="1357746"/>
+                </a:cubicBezTo>
+                <a:cubicBezTo>
+                  <a:pt x="3751118" y="1315028"/>
+                  <a:pt x="4733059" y="657514"/>
+                  <a:pt x="5715000" y="0"/>
+                </a:cubicBezTo>
+              </a:path>
+            </a:pathLst>
+          </a:custGeom>
+          <a:noFill/>
+          <a:ln w="57150">
+            <a:solidFill>
+              <a:schemeClr val="accent4"/>
+            </a:solidFill>
+          </a:ln>
+        </p:spPr>
+        <p:style>
+          <a:lnRef idx="2">
+            <a:schemeClr val="accent1">
+              <a:shade val="15000"/>
+            </a:schemeClr>
+          </a:lnRef>
+          <a:fillRef idx="1">
+            <a:schemeClr val="accent1"/>
+          </a:fillRef>
+          <a:effectRef idx="0">
+            <a:schemeClr val="accent1"/>
+          </a:effectRef>
+          <a:fontRef idx="minor">
+            <a:schemeClr val="lt1"/>
+          </a:fontRef>
+        </p:style>
+        <p:txBody>
+          <a:bodyPr rtlCol="0" anchor="ctr"/>
+          <a:lstStyle/>
+          <a:p>
+            <a:pPr algn="ctr"/>
+            <a:endParaRPr lang="en-US"/>
+          </a:p>
+        </p:txBody>
+      </p:sp>
+      <p:sp>
+        <p:nvSpPr>
+          <p:cNvPr id="19" name="Freeform: Shape 18">
+            <a:extLst>
+              <a:ext uri="{FF2B5EF4-FFF2-40B4-BE49-F238E27FC236}">
+                <a16:creationId xmlns:a16="http://schemas.microsoft.com/office/drawing/2014/main" id="{9729C443-FFB7-6A3D-226E-C949A0C0D636}"/>
+              </a:ext>
+            </a:extLst>
+          </p:cNvPr>
+          <p:cNvSpPr/>
+          <p:nvPr/>
+        </p:nvSpPr>
+        <p:spPr>
+          <a:xfrm>
+            <a:off x="4347729" y="2243944"/>
+            <a:ext cx="6497782" cy="2370112"/>
+          </a:xfrm>
+          <a:custGeom>
+            <a:avLst/>
+            <a:gdLst>
+              <a:gd name="connsiteX0" fmla="*/ 0 w 6497782"/>
+              <a:gd name="connsiteY0" fmla="*/ 1918855 h 2370112"/>
+              <a:gd name="connsiteX1" fmla="*/ 3574473 w 6497782"/>
+              <a:gd name="connsiteY1" fmla="*/ 2237509 h 2370112"/>
+              <a:gd name="connsiteX2" fmla="*/ 6497782 w 6497782"/>
+              <a:gd name="connsiteY2" fmla="*/ 0 h 2370112"/>
+            </a:gdLst>
+            <a:ahLst/>
+            <a:cxnLst>
+              <a:cxn ang="0">
+                <a:pos x="connsiteX0" y="connsiteY0"/>
+              </a:cxn>
+              <a:cxn ang="0">
+                <a:pos x="connsiteX1" y="connsiteY1"/>
+              </a:cxn>
+              <a:cxn ang="0">
+                <a:pos x="connsiteX2" y="connsiteY2"/>
+              </a:cxn>
+            </a:cxnLst>
+            <a:rect l="l" t="t" r="r" b="b"/>
+            <a:pathLst>
+              <a:path w="6497782" h="2370112">
+                <a:moveTo>
+                  <a:pt x="0" y="1918855"/>
+                </a:moveTo>
+                <a:cubicBezTo>
+                  <a:pt x="1245754" y="2238086"/>
+                  <a:pt x="2491509" y="2557318"/>
+                  <a:pt x="3574473" y="2237509"/>
+                </a:cubicBezTo>
+                <a:cubicBezTo>
+                  <a:pt x="4657437" y="1917700"/>
+                  <a:pt x="5577609" y="958850"/>
+                  <a:pt x="6497782" y="0"/>
+                </a:cubicBezTo>
+              </a:path>
+            </a:pathLst>
+          </a:custGeom>
+          <a:noFill/>
+          <a:ln w="57150">
+            <a:solidFill>
+              <a:schemeClr val="accent5"/>
+            </a:solidFill>
+          </a:ln>
+        </p:spPr>
+        <p:style>
+          <a:lnRef idx="2">
+            <a:schemeClr val="accent1">
+              <a:shade val="15000"/>
+            </a:schemeClr>
+          </a:lnRef>
+          <a:fillRef idx="1">
+            <a:schemeClr val="accent1"/>
+          </a:fillRef>
+          <a:effectRef idx="0">
+            <a:schemeClr val="accent1"/>
+          </a:effectRef>
+          <a:fontRef idx="minor">
+            <a:schemeClr val="lt1"/>
+          </a:fontRef>
+        </p:style>
+        <p:txBody>
+          <a:bodyPr rtlCol="0" anchor="ctr"/>
+          <a:lstStyle/>
+          <a:p>
+            <a:pPr algn="ctr"/>
+            <a:endParaRPr lang="en-US"/>
+          </a:p>
+        </p:txBody>
+      </p:sp>
+      <mc:AlternateContent xmlns:mc="http://schemas.openxmlformats.org/markup-compatibility/2006">
+        <mc:Choice xmlns:a14="http://schemas.microsoft.com/office/drawing/2010/main" Requires="a14">
+          <p:sp>
+            <p:nvSpPr>
+              <p:cNvPr id="20" name="TextBox 19">
+                <a:extLst>
+                  <a:ext uri="{FF2B5EF4-FFF2-40B4-BE49-F238E27FC236}">
+                    <a16:creationId xmlns:a16="http://schemas.microsoft.com/office/drawing/2014/main" id="{AE1B7382-CB1A-4B6C-7B49-F82C74007475}"/>
+                  </a:ext>
+                </a:extLst>
+              </p:cNvPr>
+              <p:cNvSpPr txBox="1"/>
+              <p:nvPr/>
+            </p:nvSpPr>
+            <p:spPr>
+              <a:xfrm>
+                <a:off x="10678439" y="1943144"/>
+                <a:ext cx="1227676" cy="523220"/>
+              </a:xfrm>
+              <a:prstGeom prst="rect">
+                <a:avLst/>
+              </a:prstGeom>
+              <a:noFill/>
+            </p:spPr>
+            <p:txBody>
+              <a:bodyPr wrap="square" rtlCol="0">
+                <a:spAutoFit/>
+              </a:bodyPr>
+              <a:lstStyle/>
+              <a:p>
+                <a:pPr/>
+                <a14:m>
+                  <m:oMathPara xmlns:m="http://schemas.openxmlformats.org/officeDocument/2006/math">
+                    <m:oMathParaPr>
+                      <m:jc m:val="centerGroup"/>
+                    </m:oMathParaPr>
+                    <m:oMath xmlns:m="http://schemas.openxmlformats.org/officeDocument/2006/math">
+                      <m:r>
+                        <a:rPr lang="en-US" sz="2800" b="1" i="1" smtClean="0">
+                          <a:solidFill>
+                            <a:schemeClr val="accent5"/>
+                          </a:solidFill>
+                          <a:latin typeface="Cambria Math" panose="02040503050406030204" pitchFamily="18" charset="0"/>
+                        </a:rPr>
+                        <m:t>𝑨𝑽𝑪</m:t>
+                      </m:r>
+                    </m:oMath>
+                  </m:oMathPara>
+                </a14:m>
+                <a:endParaRPr lang="en-US" sz="2800" b="1" dirty="0">
+                  <a:solidFill>
+                    <a:schemeClr val="accent5"/>
+                  </a:solidFill>
+                </a:endParaRPr>
+              </a:p>
+            </p:txBody>
+          </p:sp>
+        </mc:Choice>
+        <mc:Fallback>
+          <p:sp>
+            <p:nvSpPr>
+              <p:cNvPr id="20" name="TextBox 19">
+                <a:extLst>
+                  <a:ext uri="{FF2B5EF4-FFF2-40B4-BE49-F238E27FC236}">
+                    <a16:creationId xmlns:a16="http://schemas.microsoft.com/office/drawing/2014/main" id="{AE1B7382-CB1A-4B6C-7B49-F82C74007475}"/>
+                  </a:ext>
+                </a:extLst>
+              </p:cNvPr>
+              <p:cNvSpPr txBox="1">
+                <a:spLocks noRot="1" noChangeAspect="1" noMove="1" noResize="1" noEditPoints="1" noAdjustHandles="1" noChangeArrowheads="1" noChangeShapeType="1" noTextEdit="1"/>
+              </p:cNvSpPr>
+              <p:nvPr/>
+            </p:nvSpPr>
+            <p:spPr>
+              <a:xfrm>
+                <a:off x="10678439" y="1943144"/>
+                <a:ext cx="1227676" cy="523220"/>
+              </a:xfrm>
+              <a:prstGeom prst="rect">
+                <a:avLst/>
+              </a:prstGeom>
+              <a:blipFill>
+                <a:blip r:embed="rId5"/>
+                <a:stretch>
+                  <a:fillRect/>
+                </a:stretch>
+              </a:blipFill>
+            </p:spPr>
+            <p:txBody>
+              <a:bodyPr/>
+              <a:lstStyle/>
+              <a:p>
+                <a:r>
+                  <a:rPr lang="en-US">
+                    <a:noFill/>
+                  </a:rPr>
+                  <a:t> </a:t>
+                </a:r>
+              </a:p>
+            </p:txBody>
+          </p:sp>
+        </mc:Fallback>
+      </mc:AlternateContent>
+      <p:sp>
+        <p:nvSpPr>
+          <p:cNvPr id="21" name="Freeform: Shape 20">
+            <a:extLst>
+              <a:ext uri="{FF2B5EF4-FFF2-40B4-BE49-F238E27FC236}">
+                <a16:creationId xmlns:a16="http://schemas.microsoft.com/office/drawing/2014/main" id="{CE9E173E-45D4-AB55-7941-B393B6CFEBA5}"/>
+              </a:ext>
+            </a:extLst>
+          </p:cNvPr>
+          <p:cNvSpPr/>
+          <p:nvPr/>
+        </p:nvSpPr>
+        <p:spPr>
+          <a:xfrm>
+            <a:off x="3918239" y="1048810"/>
+            <a:ext cx="7058891" cy="4772891"/>
+          </a:xfrm>
+          <a:custGeom>
+            <a:avLst/>
+            <a:gdLst>
+              <a:gd name="connsiteX0" fmla="*/ 0 w 7058891"/>
+              <a:gd name="connsiteY0" fmla="*/ 0 h 4772891"/>
+              <a:gd name="connsiteX1" fmla="*/ 2493818 w 7058891"/>
+              <a:gd name="connsiteY1" fmla="*/ 3754582 h 4772891"/>
+              <a:gd name="connsiteX2" fmla="*/ 7058891 w 7058891"/>
+              <a:gd name="connsiteY2" fmla="*/ 4772891 h 4772891"/>
+            </a:gdLst>
+            <a:ahLst/>
+            <a:cxnLst>
+              <a:cxn ang="0">
+                <a:pos x="connsiteX0" y="connsiteY0"/>
+              </a:cxn>
+              <a:cxn ang="0">
+                <a:pos x="connsiteX1" y="connsiteY1"/>
+              </a:cxn>
+              <a:cxn ang="0">
+                <a:pos x="connsiteX2" y="connsiteY2"/>
+              </a:cxn>
+            </a:cxnLst>
+            <a:rect l="l" t="t" r="r" b="b"/>
+            <a:pathLst>
+              <a:path w="7058891" h="4772891">
+                <a:moveTo>
+                  <a:pt x="0" y="0"/>
+                </a:moveTo>
+                <a:cubicBezTo>
+                  <a:pt x="658668" y="1479550"/>
+                  <a:pt x="1317336" y="2959100"/>
+                  <a:pt x="2493818" y="3754582"/>
+                </a:cubicBezTo>
+                <a:cubicBezTo>
+                  <a:pt x="3670300" y="4550064"/>
+                  <a:pt x="5364595" y="4661477"/>
+                  <a:pt x="7058891" y="4772891"/>
+                </a:cubicBezTo>
+              </a:path>
+            </a:pathLst>
+          </a:custGeom>
+          <a:noFill/>
+          <a:ln w="57150">
+            <a:solidFill>
+              <a:schemeClr val="accent2">
+                <a:lumMod val="75000"/>
+              </a:schemeClr>
+            </a:solidFill>
+          </a:ln>
+        </p:spPr>
+        <p:style>
+          <a:lnRef idx="2">
+            <a:schemeClr val="accent1">
+              <a:shade val="15000"/>
+            </a:schemeClr>
+          </a:lnRef>
+          <a:fillRef idx="1">
+            <a:schemeClr val="accent1"/>
+          </a:fillRef>
+          <a:effectRef idx="0">
+            <a:schemeClr val="accent1"/>
+          </a:effectRef>
+          <a:fontRef idx="minor">
+            <a:schemeClr val="lt1"/>
+          </a:fontRef>
+        </p:style>
+        <p:txBody>
+          <a:bodyPr rtlCol="0" anchor="ctr"/>
+          <a:lstStyle/>
+          <a:p>
+            <a:pPr algn="ctr"/>
+            <a:endParaRPr lang="en-US"/>
+          </a:p>
+        </p:txBody>
+      </p:sp>
+      <mc:AlternateContent xmlns:mc="http://schemas.openxmlformats.org/markup-compatibility/2006">
+        <mc:Choice xmlns:a14="http://schemas.microsoft.com/office/drawing/2010/main" Requires="a14">
+          <p:sp>
+            <p:nvSpPr>
+              <p:cNvPr id="22" name="TextBox 21">
+                <a:extLst>
+                  <a:ext uri="{FF2B5EF4-FFF2-40B4-BE49-F238E27FC236}">
+                    <a16:creationId xmlns:a16="http://schemas.microsoft.com/office/drawing/2014/main" id="{457A9968-29BE-370B-E476-5345EEDD5D8F}"/>
+                  </a:ext>
+                </a:extLst>
+              </p:cNvPr>
+              <p:cNvSpPr txBox="1"/>
+              <p:nvPr/>
+            </p:nvSpPr>
+            <p:spPr>
+              <a:xfrm>
+                <a:off x="10292176" y="5193139"/>
+                <a:ext cx="1227676" cy="523220"/>
+              </a:xfrm>
+              <a:prstGeom prst="rect">
+                <a:avLst/>
+              </a:prstGeom>
+              <a:noFill/>
+            </p:spPr>
+            <p:txBody>
+              <a:bodyPr wrap="square" rtlCol="0">
+                <a:spAutoFit/>
+              </a:bodyPr>
+              <a:lstStyle/>
+              <a:p>
+                <a:pPr/>
+                <a14:m>
+                  <m:oMathPara xmlns:m="http://schemas.openxmlformats.org/officeDocument/2006/math">
+                    <m:oMathParaPr>
+                      <m:jc m:val="centerGroup"/>
+                    </m:oMathParaPr>
+                    <m:oMath xmlns:m="http://schemas.openxmlformats.org/officeDocument/2006/math">
+                      <m:r>
+                        <a:rPr lang="en-US" sz="2800" b="1" i="1" smtClean="0">
+                          <a:solidFill>
+                            <a:schemeClr val="accent2">
+                              <a:lumMod val="75000"/>
+                            </a:schemeClr>
+                          </a:solidFill>
+                          <a:latin typeface="Cambria Math" panose="02040503050406030204" pitchFamily="18" charset="0"/>
+                        </a:rPr>
+                        <m:t>𝑨𝑭𝑪</m:t>
+                      </m:r>
+                    </m:oMath>
+                  </m:oMathPara>
+                </a14:m>
+                <a:endParaRPr lang="en-US" sz="2800" b="1" dirty="0">
+                  <a:solidFill>
+                    <a:schemeClr val="accent2">
+                      <a:lumMod val="75000"/>
+                    </a:schemeClr>
+                  </a:solidFill>
+                </a:endParaRPr>
+              </a:p>
+            </p:txBody>
+          </p:sp>
+        </mc:Choice>
+        <mc:Fallback>
+          <p:sp>
+            <p:nvSpPr>
+              <p:cNvPr id="22" name="TextBox 21">
+                <a:extLst>
+                  <a:ext uri="{FF2B5EF4-FFF2-40B4-BE49-F238E27FC236}">
+                    <a16:creationId xmlns:a16="http://schemas.microsoft.com/office/drawing/2014/main" id="{457A9968-29BE-370B-E476-5345EEDD5D8F}"/>
+                  </a:ext>
+                </a:extLst>
+              </p:cNvPr>
+              <p:cNvSpPr txBox="1">
+                <a:spLocks noRot="1" noChangeAspect="1" noMove="1" noResize="1" noEditPoints="1" noAdjustHandles="1" noChangeArrowheads="1" noChangeShapeType="1" noTextEdit="1"/>
+              </p:cNvSpPr>
+              <p:nvPr/>
+            </p:nvSpPr>
+            <p:spPr>
+              <a:xfrm>
+                <a:off x="10292176" y="5193139"/>
+                <a:ext cx="1227676" cy="523220"/>
+              </a:xfrm>
+              <a:prstGeom prst="rect">
+                <a:avLst/>
+              </a:prstGeom>
+              <a:blipFill>
+                <a:blip r:embed="rId6"/>
+                <a:stretch>
+                  <a:fillRect/>
+                </a:stretch>
+              </a:blipFill>
+            </p:spPr>
+            <p:txBody>
+              <a:bodyPr/>
+              <a:lstStyle/>
+              <a:p>
+                <a:r>
+                  <a:rPr lang="en-US">
+                    <a:noFill/>
+                  </a:rPr>
+                  <a:t> </a:t>
+                </a:r>
+              </a:p>
+            </p:txBody>
+          </p:sp>
+        </mc:Fallback>
+      </mc:AlternateContent>
+      <p:sp>
+        <p:nvSpPr>
+          <p:cNvPr id="23" name="Freeform: Shape 22">
+            <a:extLst>
+              <a:ext uri="{FF2B5EF4-FFF2-40B4-BE49-F238E27FC236}">
+                <a16:creationId xmlns:a16="http://schemas.microsoft.com/office/drawing/2014/main" id="{88432A1A-4BD0-184C-3530-C942441EBD18}"/>
+              </a:ext>
+            </a:extLst>
+          </p:cNvPr>
+          <p:cNvSpPr/>
+          <p:nvPr/>
+        </p:nvSpPr>
+        <p:spPr>
+          <a:xfrm>
+            <a:off x="3634220" y="1131937"/>
+            <a:ext cx="5313219" cy="4577837"/>
+          </a:xfrm>
+          <a:custGeom>
+            <a:avLst/>
+            <a:gdLst>
+              <a:gd name="connsiteX0" fmla="*/ 0 w 5313219"/>
+              <a:gd name="connsiteY0" fmla="*/ 3574473 h 4577837"/>
+              <a:gd name="connsiteX1" fmla="*/ 2763982 w 5313219"/>
+              <a:gd name="connsiteY1" fmla="*/ 4350327 h 4577837"/>
+              <a:gd name="connsiteX2" fmla="*/ 5313219 w 5313219"/>
+              <a:gd name="connsiteY2" fmla="*/ 0 h 4577837"/>
+            </a:gdLst>
+            <a:ahLst/>
+            <a:cxnLst>
+              <a:cxn ang="0">
+                <a:pos x="connsiteX0" y="connsiteY0"/>
+              </a:cxn>
+              <a:cxn ang="0">
+                <a:pos x="connsiteX1" y="connsiteY1"/>
+              </a:cxn>
+              <a:cxn ang="0">
+                <a:pos x="connsiteX2" y="connsiteY2"/>
+              </a:cxn>
+            </a:cxnLst>
+            <a:rect l="l" t="t" r="r" b="b"/>
+            <a:pathLst>
+              <a:path w="5313219" h="4577837">
+                <a:moveTo>
+                  <a:pt x="0" y="3574473"/>
+                </a:moveTo>
+                <a:cubicBezTo>
+                  <a:pt x="939223" y="4260272"/>
+                  <a:pt x="1878446" y="4946072"/>
+                  <a:pt x="2763982" y="4350327"/>
+                </a:cubicBezTo>
+                <a:cubicBezTo>
+                  <a:pt x="3649518" y="3754582"/>
+                  <a:pt x="4481368" y="1877291"/>
+                  <a:pt x="5313219" y="0"/>
+                </a:cubicBezTo>
+              </a:path>
+            </a:pathLst>
+          </a:custGeom>
+          <a:noFill/>
+          <a:ln w="57150">
+            <a:solidFill>
+              <a:schemeClr val="accent6"/>
+            </a:solidFill>
+          </a:ln>
+        </p:spPr>
+        <p:style>
+          <a:lnRef idx="2">
+            <a:schemeClr val="accent1">
+              <a:shade val="15000"/>
+            </a:schemeClr>
+          </a:lnRef>
+          <a:fillRef idx="1">
+            <a:schemeClr val="accent1"/>
+          </a:fillRef>
+          <a:effectRef idx="0">
+            <a:schemeClr val="accent1"/>
+          </a:effectRef>
+          <a:fontRef idx="minor">
+            <a:schemeClr val="lt1"/>
+          </a:fontRef>
+        </p:style>
+        <p:txBody>
+          <a:bodyPr rtlCol="0" anchor="ctr"/>
+          <a:lstStyle/>
+          <a:p>
+            <a:pPr algn="ctr"/>
+            <a:endParaRPr lang="en-US"/>
+          </a:p>
+        </p:txBody>
+      </p:sp>
+      <mc:AlternateContent xmlns:mc="http://schemas.openxmlformats.org/markup-compatibility/2006">
+        <mc:Choice xmlns:a14="http://schemas.microsoft.com/office/drawing/2010/main" Requires="a14">
+          <p:sp>
+            <p:nvSpPr>
+              <p:cNvPr id="24" name="TextBox 23">
+                <a:extLst>
+                  <a:ext uri="{FF2B5EF4-FFF2-40B4-BE49-F238E27FC236}">
+                    <a16:creationId xmlns:a16="http://schemas.microsoft.com/office/drawing/2014/main" id="{0E04F2D4-4693-7257-E7D6-DEE440BAB08B}"/>
+                  </a:ext>
+                </a:extLst>
+              </p:cNvPr>
+              <p:cNvSpPr txBox="1"/>
+              <p:nvPr/>
+            </p:nvSpPr>
+            <p:spPr>
+              <a:xfrm>
+                <a:off x="8718839" y="864490"/>
+                <a:ext cx="1227676" cy="523220"/>
+              </a:xfrm>
+              <a:prstGeom prst="rect">
+                <a:avLst/>
+              </a:prstGeom>
+              <a:noFill/>
+            </p:spPr>
+            <p:txBody>
+              <a:bodyPr wrap="square" rtlCol="0">
+                <a:spAutoFit/>
+              </a:bodyPr>
+              <a:lstStyle/>
+              <a:p>
+                <a:pPr/>
+                <a14:m>
+                  <m:oMathPara xmlns:m="http://schemas.openxmlformats.org/officeDocument/2006/math">
+                    <m:oMathParaPr>
+                      <m:jc m:val="centerGroup"/>
+                    </m:oMathParaPr>
+                    <m:oMath xmlns:m="http://schemas.openxmlformats.org/officeDocument/2006/math">
+                      <m:r>
+                        <a:rPr lang="en-US" sz="2800" b="1" i="1" smtClean="0">
+                          <a:solidFill>
+                            <a:schemeClr val="accent6"/>
+                          </a:solidFill>
+                          <a:latin typeface="Cambria Math" panose="02040503050406030204" pitchFamily="18" charset="0"/>
+                        </a:rPr>
+                        <m:t>𝑴𝑪</m:t>
+                      </m:r>
+                    </m:oMath>
+                  </m:oMathPara>
+                </a14:m>
+                <a:endParaRPr lang="en-US" sz="2800" b="1" dirty="0">
+                  <a:solidFill>
+                    <a:schemeClr val="accent6"/>
+                  </a:solidFill>
+                </a:endParaRPr>
+              </a:p>
+            </p:txBody>
+          </p:sp>
+        </mc:Choice>
+        <mc:Fallback>
+          <p:sp>
+            <p:nvSpPr>
+              <p:cNvPr id="24" name="TextBox 23">
+                <a:extLst>
+                  <a:ext uri="{FF2B5EF4-FFF2-40B4-BE49-F238E27FC236}">
+                    <a16:creationId xmlns:a16="http://schemas.microsoft.com/office/drawing/2014/main" id="{0E04F2D4-4693-7257-E7D6-DEE440BAB08B}"/>
+                  </a:ext>
+                </a:extLst>
+              </p:cNvPr>
+              <p:cNvSpPr txBox="1">
+                <a:spLocks noRot="1" noChangeAspect="1" noMove="1" noResize="1" noEditPoints="1" noAdjustHandles="1" noChangeArrowheads="1" noChangeShapeType="1" noTextEdit="1"/>
+              </p:cNvSpPr>
+              <p:nvPr/>
+            </p:nvSpPr>
+            <p:spPr>
+              <a:xfrm>
+                <a:off x="8718839" y="864490"/>
+                <a:ext cx="1227676" cy="523220"/>
+              </a:xfrm>
+              <a:prstGeom prst="rect">
+                <a:avLst/>
+              </a:prstGeom>
+              <a:blipFill>
+                <a:blip r:embed="rId7"/>
+                <a:stretch>
+                  <a:fillRect/>
+                </a:stretch>
+              </a:blipFill>
+            </p:spPr>
+            <p:txBody>
+              <a:bodyPr/>
+              <a:lstStyle/>
+              <a:p>
+                <a:r>
+                  <a:rPr lang="en-US">
+                    <a:noFill/>
+                  </a:rPr>
+                  <a:t> </a:t>
+                </a:r>
+              </a:p>
+            </p:txBody>
+          </p:sp>
+        </mc:Fallback>
+      </mc:AlternateContent>
+      <p:cxnSp>
+        <p:nvCxnSpPr>
+          <p:cNvPr id="26" name="Straight Connector 25">
+            <a:extLst>
+              <a:ext uri="{FF2B5EF4-FFF2-40B4-BE49-F238E27FC236}">
+                <a16:creationId xmlns:a16="http://schemas.microsoft.com/office/drawing/2014/main" id="{B1F4B653-084B-4CE8-2F48-1A9604A4616F}"/>
+              </a:ext>
+            </a:extLst>
+          </p:cNvPr>
+          <p:cNvCxnSpPr>
+            <a:cxnSpLocks/>
+          </p:cNvCxnSpPr>
+          <p:nvPr/>
+        </p:nvCxnSpPr>
+        <p:spPr>
+          <a:xfrm flipH="1">
+            <a:off x="3613017" y="3043418"/>
+            <a:ext cx="4438116" cy="0"/>
+          </a:xfrm>
+          <a:prstGeom prst="line">
+            <a:avLst/>
+          </a:prstGeom>
+          <a:ln w="28575">
+            <a:solidFill>
+              <a:schemeClr val="tx1"/>
+            </a:solidFill>
+            <a:prstDash val="dash"/>
+          </a:ln>
+        </p:spPr>
+        <p:style>
+          <a:lnRef idx="1">
+            <a:schemeClr val="accent1"/>
+          </a:lnRef>
+          <a:fillRef idx="0">
+            <a:schemeClr val="accent1"/>
+          </a:fillRef>
+          <a:effectRef idx="0">
+            <a:schemeClr val="accent1"/>
+          </a:effectRef>
+          <a:fontRef idx="minor">
+            <a:schemeClr val="tx1"/>
+          </a:fontRef>
+        </p:style>
+      </p:cxnSp>
+      <p:cxnSp>
+        <p:nvCxnSpPr>
+          <p:cNvPr id="29" name="Straight Connector 28">
+            <a:extLst>
+              <a:ext uri="{FF2B5EF4-FFF2-40B4-BE49-F238E27FC236}">
+                <a16:creationId xmlns:a16="http://schemas.microsoft.com/office/drawing/2014/main" id="{83B6BE8C-88D4-F7B7-DA4C-C503F6355B9B}"/>
+              </a:ext>
+            </a:extLst>
+          </p:cNvPr>
+          <p:cNvCxnSpPr>
+            <a:cxnSpLocks/>
+          </p:cNvCxnSpPr>
+          <p:nvPr/>
+        </p:nvCxnSpPr>
+        <p:spPr>
+          <a:xfrm>
+            <a:off x="8051133" y="3043418"/>
+            <a:ext cx="0" cy="3126278"/>
+          </a:xfrm>
+          <a:prstGeom prst="line">
+            <a:avLst/>
+          </a:prstGeom>
+          <a:ln w="28575">
+            <a:solidFill>
+              <a:schemeClr val="tx1"/>
+            </a:solidFill>
+            <a:prstDash val="dash"/>
+          </a:ln>
+        </p:spPr>
+        <p:style>
+          <a:lnRef idx="1">
+            <a:schemeClr val="accent1"/>
+          </a:lnRef>
+          <a:fillRef idx="0">
+            <a:schemeClr val="accent1"/>
+          </a:fillRef>
+          <a:effectRef idx="0">
+            <a:schemeClr val="accent1"/>
+          </a:effectRef>
+          <a:fontRef idx="minor">
+            <a:schemeClr val="tx1"/>
+          </a:fontRef>
+        </p:style>
+      </p:cxnSp>
+      <p:cxnSp>
+        <p:nvCxnSpPr>
+          <p:cNvPr id="34" name="Straight Connector 33">
+            <a:extLst>
+              <a:ext uri="{FF2B5EF4-FFF2-40B4-BE49-F238E27FC236}">
+                <a16:creationId xmlns:a16="http://schemas.microsoft.com/office/drawing/2014/main" id="{197E846E-16A6-13B3-C3D5-EF076658A70A}"/>
+              </a:ext>
+            </a:extLst>
+          </p:cNvPr>
+          <p:cNvCxnSpPr>
+            <a:cxnSpLocks/>
+          </p:cNvCxnSpPr>
+          <p:nvPr/>
+        </p:nvCxnSpPr>
+        <p:spPr>
+          <a:xfrm>
+            <a:off x="7180759" y="4621904"/>
+            <a:ext cx="0" cy="1563139"/>
+          </a:xfrm>
+          <a:prstGeom prst="line">
+            <a:avLst/>
+          </a:prstGeom>
+          <a:ln w="28575">
+            <a:solidFill>
+              <a:schemeClr val="tx1"/>
+            </a:solidFill>
+            <a:prstDash val="dash"/>
+          </a:ln>
+        </p:spPr>
+        <p:style>
+          <a:lnRef idx="1">
+            <a:schemeClr val="accent1"/>
+          </a:lnRef>
+          <a:fillRef idx="0">
+            <a:schemeClr val="accent1"/>
+          </a:fillRef>
+          <a:effectRef idx="0">
+            <a:schemeClr val="accent1"/>
+          </a:effectRef>
+          <a:fontRef idx="minor">
+            <a:schemeClr val="tx1"/>
+          </a:fontRef>
+        </p:style>
+      </p:cxnSp>
+      <mc:AlternateContent xmlns:mc="http://schemas.openxmlformats.org/markup-compatibility/2006">
+        <mc:Choice xmlns:a14="http://schemas.microsoft.com/office/drawing/2010/main" Requires="a14">
+          <p:sp>
+            <p:nvSpPr>
+              <p:cNvPr id="41" name="TextBox 40">
+                <a:extLst>
+                  <a:ext uri="{FF2B5EF4-FFF2-40B4-BE49-F238E27FC236}">
+                    <a16:creationId xmlns:a16="http://schemas.microsoft.com/office/drawing/2014/main" id="{389C4F73-87E3-F32B-9E36-DF1C1DB30143}"/>
+                  </a:ext>
+                </a:extLst>
+              </p:cNvPr>
+              <p:cNvSpPr txBox="1"/>
+              <p:nvPr/>
+            </p:nvSpPr>
+            <p:spPr>
+              <a:xfrm>
+                <a:off x="1893476" y="2863938"/>
+                <a:ext cx="1726455" cy="646331"/>
+              </a:xfrm>
+              <a:prstGeom prst="rect">
+                <a:avLst/>
+              </a:prstGeom>
+              <a:noFill/>
+            </p:spPr>
+            <p:txBody>
+              <a:bodyPr wrap="square" rtlCol="0">
+                <a:spAutoFit/>
+              </a:bodyPr>
+              <a:lstStyle/>
+              <a:p>
+                <a:pPr/>
+                <a14:m>
+                  <m:oMathPara xmlns:m="http://schemas.openxmlformats.org/officeDocument/2006/math">
+                    <m:oMathParaPr>
+                      <m:jc m:val="centerGroup"/>
+                    </m:oMathParaPr>
+                    <m:oMath xmlns:m="http://schemas.openxmlformats.org/officeDocument/2006/math">
+                      <m:r>
+                        <a:rPr lang="en-US" b="1" i="1" smtClean="0">
+                          <a:solidFill>
+                            <a:schemeClr val="accent2">
+                              <a:lumMod val="75000"/>
+                            </a:schemeClr>
+                          </a:solidFill>
+                          <a:latin typeface="Cambria Math" panose="02040503050406030204" pitchFamily="18" charset="0"/>
+                        </a:rPr>
+                        <m:t>𝑷</m:t>
+                      </m:r>
+                      <m:r>
+                        <a:rPr lang="en-US" b="1" i="1" smtClean="0">
+                          <a:solidFill>
+                            <a:schemeClr val="accent2">
+                              <a:lumMod val="75000"/>
+                            </a:schemeClr>
+                          </a:solidFill>
+                          <a:latin typeface="Cambria Math" panose="02040503050406030204" pitchFamily="18" charset="0"/>
+                        </a:rPr>
+                        <m:t>=</m:t>
+                      </m:r>
+                      <m:r>
+                        <a:rPr lang="en-US" b="1" i="1" smtClean="0">
+                          <a:solidFill>
+                            <a:schemeClr val="accent2">
+                              <a:lumMod val="75000"/>
+                            </a:schemeClr>
+                          </a:solidFill>
+                          <a:latin typeface="Cambria Math" panose="02040503050406030204" pitchFamily="18" charset="0"/>
+                        </a:rPr>
+                        <m:t>𝒎𝒊𝒏</m:t>
+                      </m:r>
+                      <m:r>
+                        <a:rPr lang="en-US" b="1" i="1" smtClean="0">
+                          <a:solidFill>
+                            <a:schemeClr val="accent2">
+                              <a:lumMod val="75000"/>
+                            </a:schemeClr>
+                          </a:solidFill>
+                          <a:latin typeface="Cambria Math" panose="02040503050406030204" pitchFamily="18" charset="0"/>
+                        </a:rPr>
+                        <m:t>{</m:t>
+                      </m:r>
+                      <m:r>
+                        <a:rPr lang="en-US" b="1" i="1" smtClean="0">
+                          <a:solidFill>
+                            <a:schemeClr val="accent2">
+                              <a:lumMod val="75000"/>
+                            </a:schemeClr>
+                          </a:solidFill>
+                          <a:latin typeface="Cambria Math" panose="02040503050406030204" pitchFamily="18" charset="0"/>
+                        </a:rPr>
+                        <m:t>𝑨𝑻𝑪</m:t>
+                      </m:r>
+                      <m:r>
+                        <a:rPr lang="en-US" b="1" i="1" smtClean="0">
+                          <a:solidFill>
+                            <a:schemeClr val="accent2">
+                              <a:lumMod val="75000"/>
+                            </a:schemeClr>
+                          </a:solidFill>
+                          <a:latin typeface="Cambria Math" panose="02040503050406030204" pitchFamily="18" charset="0"/>
+                        </a:rPr>
+                        <m:t>}</m:t>
+                      </m:r>
+                    </m:oMath>
+                  </m:oMathPara>
+                </a14:m>
+                <a:endParaRPr lang="en-US" b="1" dirty="0">
+                  <a:solidFill>
+                    <a:schemeClr val="accent2">
+                      <a:lumMod val="75000"/>
+                    </a:schemeClr>
+                  </a:solidFill>
+                </a:endParaRPr>
+              </a:p>
+              <a:p>
+                <a:pPr/>
+                <a:endParaRPr lang="en-US" b="1" dirty="0">
+                  <a:solidFill>
+                    <a:schemeClr val="accent2">
+                      <a:lumMod val="75000"/>
+                    </a:schemeClr>
+                  </a:solidFill>
+                </a:endParaRPr>
+              </a:p>
+            </p:txBody>
+          </p:sp>
+        </mc:Choice>
+        <mc:Fallback>
+          <p:sp>
+            <p:nvSpPr>
+              <p:cNvPr id="41" name="TextBox 40">
+                <a:extLst>
+                  <a:ext uri="{FF2B5EF4-FFF2-40B4-BE49-F238E27FC236}">
+                    <a16:creationId xmlns:a16="http://schemas.microsoft.com/office/drawing/2014/main" id="{389C4F73-87E3-F32B-9E36-DF1C1DB30143}"/>
+                  </a:ext>
+                </a:extLst>
+              </p:cNvPr>
+              <p:cNvSpPr txBox="1">
+                <a:spLocks noRot="1" noChangeAspect="1" noMove="1" noResize="1" noEditPoints="1" noAdjustHandles="1" noChangeArrowheads="1" noChangeShapeType="1" noTextEdit="1"/>
+              </p:cNvSpPr>
+              <p:nvPr/>
+            </p:nvSpPr>
+            <p:spPr>
+              <a:xfrm>
+                <a:off x="1893476" y="2863938"/>
+                <a:ext cx="1726455" cy="646331"/>
+              </a:xfrm>
+              <a:prstGeom prst="rect">
+                <a:avLst/>
+              </a:prstGeom>
+              <a:blipFill>
+                <a:blip r:embed="rId8"/>
+                <a:stretch>
+                  <a:fillRect r="-707"/>
+                </a:stretch>
+              </a:blipFill>
+            </p:spPr>
+            <p:txBody>
+              <a:bodyPr/>
+              <a:lstStyle/>
+              <a:p>
+                <a:r>
+                  <a:rPr lang="en-US">
+                    <a:noFill/>
+                  </a:rPr>
+                  <a:t> </a:t>
+                </a:r>
+              </a:p>
+            </p:txBody>
+          </p:sp>
+        </mc:Fallback>
+      </mc:AlternateContent>
+      <mc:AlternateContent xmlns:mc="http://schemas.openxmlformats.org/markup-compatibility/2006">
+        <mc:Choice xmlns:a14="http://schemas.microsoft.com/office/drawing/2010/main" Requires="a14">
+          <p:sp>
+            <p:nvSpPr>
+              <p:cNvPr id="46" name="TextBox 45">
+                <a:extLst>
+                  <a:ext uri="{FF2B5EF4-FFF2-40B4-BE49-F238E27FC236}">
+                    <a16:creationId xmlns:a16="http://schemas.microsoft.com/office/drawing/2014/main" id="{668DFA39-215A-3ECD-EBD9-D946CD7F43CA}"/>
+                  </a:ext>
+                </a:extLst>
+              </p:cNvPr>
+              <p:cNvSpPr txBox="1"/>
+              <p:nvPr/>
+            </p:nvSpPr>
+            <p:spPr>
+              <a:xfrm>
+                <a:off x="663263" y="4385896"/>
+                <a:ext cx="1726455" cy="646331"/>
+              </a:xfrm>
+              <a:prstGeom prst="rect">
+                <a:avLst/>
+              </a:prstGeom>
+              <a:noFill/>
+            </p:spPr>
+            <p:txBody>
+              <a:bodyPr wrap="square" rtlCol="0">
+                <a:spAutoFit/>
+              </a:bodyPr>
+              <a:lstStyle/>
+              <a:p>
+                <a:pPr/>
+                <a14:m>
+                  <m:oMathPara xmlns:m="http://schemas.openxmlformats.org/officeDocument/2006/math">
+                    <m:oMathParaPr>
+                      <m:jc m:val="centerGroup"/>
+                    </m:oMathParaPr>
+                    <m:oMath xmlns:m="http://schemas.openxmlformats.org/officeDocument/2006/math">
+                      <m:r>
+                        <a:rPr lang="en-US" b="1" i="1" smtClean="0">
+                          <a:solidFill>
+                            <a:schemeClr val="accent1">
+                              <a:lumMod val="75000"/>
+                            </a:schemeClr>
+                          </a:solidFill>
+                          <a:latin typeface="Cambria Math" panose="02040503050406030204" pitchFamily="18" charset="0"/>
+                        </a:rPr>
+                        <m:t>𝑷</m:t>
+                      </m:r>
+                      <m:r>
+                        <a:rPr lang="en-US" b="1" i="1" smtClean="0">
+                          <a:solidFill>
+                            <a:schemeClr val="accent1">
+                              <a:lumMod val="75000"/>
+                            </a:schemeClr>
+                          </a:solidFill>
+                          <a:latin typeface="Cambria Math" panose="02040503050406030204" pitchFamily="18" charset="0"/>
+                        </a:rPr>
+                        <m:t>=</m:t>
+                      </m:r>
+                      <m:r>
+                        <a:rPr lang="en-US" b="1" i="1" smtClean="0">
+                          <a:solidFill>
+                            <a:schemeClr val="accent1">
+                              <a:lumMod val="75000"/>
+                            </a:schemeClr>
+                          </a:solidFill>
+                          <a:latin typeface="Cambria Math" panose="02040503050406030204" pitchFamily="18" charset="0"/>
+                        </a:rPr>
+                        <m:t>𝒎𝒊𝒏</m:t>
+                      </m:r>
+                      <m:r>
+                        <a:rPr lang="en-US" b="1" i="1" smtClean="0">
+                          <a:solidFill>
+                            <a:schemeClr val="accent1">
+                              <a:lumMod val="75000"/>
+                            </a:schemeClr>
+                          </a:solidFill>
+                          <a:latin typeface="Cambria Math" panose="02040503050406030204" pitchFamily="18" charset="0"/>
+                        </a:rPr>
+                        <m:t>{</m:t>
+                      </m:r>
+                      <m:r>
+                        <a:rPr lang="en-US" b="1" i="1" smtClean="0">
+                          <a:solidFill>
+                            <a:schemeClr val="accent1">
+                              <a:lumMod val="75000"/>
+                            </a:schemeClr>
+                          </a:solidFill>
+                          <a:latin typeface="Cambria Math" panose="02040503050406030204" pitchFamily="18" charset="0"/>
+                        </a:rPr>
+                        <m:t>𝑨𝑽𝑪</m:t>
+                      </m:r>
+                      <m:r>
+                        <a:rPr lang="en-US" b="1" i="1" smtClean="0">
+                          <a:solidFill>
+                            <a:schemeClr val="accent1">
+                              <a:lumMod val="75000"/>
+                            </a:schemeClr>
+                          </a:solidFill>
+                          <a:latin typeface="Cambria Math" panose="02040503050406030204" pitchFamily="18" charset="0"/>
+                        </a:rPr>
+                        <m:t>}</m:t>
+                      </m:r>
+                    </m:oMath>
+                  </m:oMathPara>
+                </a14:m>
+                <a:endParaRPr lang="en-US" b="1" dirty="0">
+                  <a:solidFill>
+                    <a:schemeClr val="accent1">
+                      <a:lumMod val="75000"/>
+                    </a:schemeClr>
+                  </a:solidFill>
+                </a:endParaRPr>
+              </a:p>
+              <a:p>
+                <a:pPr/>
+                <a:endParaRPr lang="en-US" b="1" dirty="0">
+                  <a:solidFill>
+                    <a:schemeClr val="accent1">
+                      <a:lumMod val="75000"/>
+                    </a:schemeClr>
+                  </a:solidFill>
+                </a:endParaRPr>
+              </a:p>
+            </p:txBody>
+          </p:sp>
+        </mc:Choice>
+        <mc:Fallback>
+          <p:sp>
+            <p:nvSpPr>
+              <p:cNvPr id="46" name="TextBox 45">
+                <a:extLst>
+                  <a:ext uri="{FF2B5EF4-FFF2-40B4-BE49-F238E27FC236}">
+                    <a16:creationId xmlns:a16="http://schemas.microsoft.com/office/drawing/2014/main" id="{668DFA39-215A-3ECD-EBD9-D946CD7F43CA}"/>
+                  </a:ext>
+                </a:extLst>
+              </p:cNvPr>
+              <p:cNvSpPr txBox="1">
+                <a:spLocks noRot="1" noChangeAspect="1" noMove="1" noResize="1" noEditPoints="1" noAdjustHandles="1" noChangeArrowheads="1" noChangeShapeType="1" noTextEdit="1"/>
+              </p:cNvSpPr>
+              <p:nvPr/>
+            </p:nvSpPr>
+            <p:spPr>
+              <a:xfrm>
+                <a:off x="663263" y="4385896"/>
+                <a:ext cx="1726455" cy="646331"/>
+              </a:xfrm>
+              <a:prstGeom prst="rect">
+                <a:avLst/>
+              </a:prstGeom>
+              <a:blipFill>
+                <a:blip r:embed="rId9"/>
+                <a:stretch>
+                  <a:fillRect r="-707"/>
+                </a:stretch>
+              </a:blipFill>
+            </p:spPr>
+            <p:txBody>
+              <a:bodyPr/>
+              <a:lstStyle/>
+              <a:p>
+                <a:r>
+                  <a:rPr lang="en-US">
+                    <a:noFill/>
+                  </a:rPr>
+                  <a:t> </a:t>
+                </a:r>
+              </a:p>
+            </p:txBody>
+          </p:sp>
+        </mc:Fallback>
+      </mc:AlternateContent>
+      <p:cxnSp>
+        <p:nvCxnSpPr>
+          <p:cNvPr id="48" name="Straight Arrow Connector 47">
+            <a:extLst>
+              <a:ext uri="{FF2B5EF4-FFF2-40B4-BE49-F238E27FC236}">
+                <a16:creationId xmlns:a16="http://schemas.microsoft.com/office/drawing/2014/main" id="{5F286A68-F916-1753-BA11-AE8D8462142A}"/>
+              </a:ext>
+            </a:extLst>
+          </p:cNvPr>
+          <p:cNvCxnSpPr>
+            <a:cxnSpLocks/>
+          </p:cNvCxnSpPr>
+          <p:nvPr/>
+        </p:nvCxnSpPr>
+        <p:spPr>
+          <a:xfrm flipV="1">
+            <a:off x="2735000" y="791790"/>
+            <a:ext cx="17159" cy="1920664"/>
+          </a:xfrm>
+          <a:prstGeom prst="straightConnector1">
+            <a:avLst/>
+          </a:prstGeom>
+          <a:ln w="57150">
+            <a:solidFill>
+              <a:schemeClr val="accent2">
+                <a:lumMod val="75000"/>
+              </a:schemeClr>
+            </a:solidFill>
+            <a:tailEnd type="triangle"/>
+          </a:ln>
+        </p:spPr>
+        <p:style>
+          <a:lnRef idx="1">
+            <a:schemeClr val="accent1"/>
+          </a:lnRef>
+          <a:fillRef idx="0">
+            <a:schemeClr val="accent1"/>
+          </a:fillRef>
+          <a:effectRef idx="0">
+            <a:schemeClr val="accent1"/>
+          </a:effectRef>
+          <a:fontRef idx="minor">
+            <a:schemeClr val="tx1"/>
+          </a:fontRef>
+        </p:style>
+      </p:cxnSp>
+      <p:cxnSp>
+        <p:nvCxnSpPr>
+          <p:cNvPr id="51" name="Straight Arrow Connector 50">
+            <a:extLst>
+              <a:ext uri="{FF2B5EF4-FFF2-40B4-BE49-F238E27FC236}">
+                <a16:creationId xmlns:a16="http://schemas.microsoft.com/office/drawing/2014/main" id="{15B7F6F1-F60E-9D11-B459-130AC91059FC}"/>
+              </a:ext>
+            </a:extLst>
+          </p:cNvPr>
+          <p:cNvCxnSpPr>
+            <a:cxnSpLocks/>
+          </p:cNvCxnSpPr>
+          <p:nvPr/>
+        </p:nvCxnSpPr>
+        <p:spPr>
+          <a:xfrm>
+            <a:off x="2743579" y="3336131"/>
+            <a:ext cx="8580" cy="2833565"/>
+          </a:xfrm>
+          <a:prstGeom prst="straightConnector1">
+            <a:avLst/>
+          </a:prstGeom>
+          <a:ln w="57150">
+            <a:solidFill>
+              <a:schemeClr val="accent2">
+                <a:lumMod val="75000"/>
+              </a:schemeClr>
+            </a:solidFill>
+            <a:tailEnd type="triangle"/>
+          </a:ln>
+        </p:spPr>
+        <p:style>
+          <a:lnRef idx="1">
+            <a:schemeClr val="accent1"/>
+          </a:lnRef>
+          <a:fillRef idx="0">
+            <a:schemeClr val="accent1"/>
+          </a:fillRef>
+          <a:effectRef idx="0">
+            <a:schemeClr val="accent1"/>
+          </a:effectRef>
+          <a:fontRef idx="minor">
+            <a:schemeClr val="tx1"/>
+          </a:fontRef>
+        </p:style>
+      </p:cxnSp>
+      <p:cxnSp>
+        <p:nvCxnSpPr>
+          <p:cNvPr id="55" name="Straight Arrow Connector 54">
+            <a:extLst>
+              <a:ext uri="{FF2B5EF4-FFF2-40B4-BE49-F238E27FC236}">
+                <a16:creationId xmlns:a16="http://schemas.microsoft.com/office/drawing/2014/main" id="{7296B11B-20D4-64EB-A07D-1D554BA57F01}"/>
+              </a:ext>
+            </a:extLst>
+          </p:cNvPr>
+          <p:cNvCxnSpPr>
+            <a:cxnSpLocks/>
+          </p:cNvCxnSpPr>
+          <p:nvPr/>
+        </p:nvCxnSpPr>
+        <p:spPr>
+          <a:xfrm flipH="1" flipV="1">
+            <a:off x="1428612" y="783942"/>
+            <a:ext cx="4545" cy="3492960"/>
+          </a:xfrm>
+          <a:prstGeom prst="straightConnector1">
+            <a:avLst/>
+          </a:prstGeom>
+          <a:ln w="57150">
+            <a:solidFill>
+              <a:schemeClr val="accent5">
+                <a:lumMod val="75000"/>
+              </a:schemeClr>
+            </a:solidFill>
+            <a:tailEnd type="triangle"/>
+          </a:ln>
+        </p:spPr>
+        <p:style>
+          <a:lnRef idx="1">
+            <a:schemeClr val="accent1"/>
+          </a:lnRef>
+          <a:fillRef idx="0">
+            <a:schemeClr val="accent1"/>
+          </a:fillRef>
+          <a:effectRef idx="0">
+            <a:schemeClr val="accent1"/>
+          </a:effectRef>
+          <a:fontRef idx="minor">
+            <a:schemeClr val="tx1"/>
+          </a:fontRef>
+        </p:style>
+      </p:cxnSp>
+      <p:cxnSp>
+        <p:nvCxnSpPr>
+          <p:cNvPr id="57" name="Straight Arrow Connector 56">
+            <a:extLst>
+              <a:ext uri="{FF2B5EF4-FFF2-40B4-BE49-F238E27FC236}">
+                <a16:creationId xmlns:a16="http://schemas.microsoft.com/office/drawing/2014/main" id="{24A932A6-7778-5129-C11D-EC8D58DE2D5C}"/>
+              </a:ext>
+            </a:extLst>
+          </p:cNvPr>
+          <p:cNvCxnSpPr>
+            <a:cxnSpLocks/>
+          </p:cNvCxnSpPr>
+          <p:nvPr/>
+        </p:nvCxnSpPr>
+        <p:spPr>
+          <a:xfrm>
+            <a:off x="1428612" y="4888647"/>
+            <a:ext cx="0" cy="1296396"/>
+          </a:xfrm>
+          <a:prstGeom prst="straightConnector1">
+            <a:avLst/>
+          </a:prstGeom>
+          <a:ln w="57150">
+            <a:solidFill>
+              <a:schemeClr val="accent5">
+                <a:lumMod val="75000"/>
+              </a:schemeClr>
+            </a:solidFill>
+            <a:tailEnd type="triangle"/>
+          </a:ln>
+        </p:spPr>
+        <p:style>
+          <a:lnRef idx="1">
+            <a:schemeClr val="accent1"/>
+          </a:lnRef>
+          <a:fillRef idx="0">
+            <a:schemeClr val="accent1"/>
+          </a:fillRef>
+          <a:effectRef idx="0">
+            <a:schemeClr val="accent1"/>
+          </a:effectRef>
+          <a:fontRef idx="minor">
+            <a:schemeClr val="tx1"/>
+          </a:fontRef>
+        </p:style>
+      </p:cxnSp>
+      <mc:AlternateContent xmlns:mc="http://schemas.openxmlformats.org/markup-compatibility/2006">
+        <mc:Choice xmlns:a14="http://schemas.microsoft.com/office/drawing/2010/main" Requires="a14">
+          <p:sp>
+            <p:nvSpPr>
+              <p:cNvPr id="60" name="TextBox 59">
+                <a:extLst>
+                  <a:ext uri="{FF2B5EF4-FFF2-40B4-BE49-F238E27FC236}">
+                    <a16:creationId xmlns:a16="http://schemas.microsoft.com/office/drawing/2014/main" id="{7E7BD93A-1A27-40D8-AABB-65C1FCB98761}"/>
+                  </a:ext>
+                </a:extLst>
+              </p:cNvPr>
+              <p:cNvSpPr txBox="1"/>
+              <p:nvPr/>
+            </p:nvSpPr>
+            <p:spPr>
+              <a:xfrm>
+                <a:off x="244834" y="2343122"/>
+                <a:ext cx="1102893" cy="369332"/>
+              </a:xfrm>
+              <a:prstGeom prst="rect">
+                <a:avLst/>
+              </a:prstGeom>
+              <a:noFill/>
+            </p:spPr>
+            <p:txBody>
+              <a:bodyPr wrap="square" rtlCol="0">
+                <a:spAutoFit/>
+              </a:bodyPr>
+              <a:lstStyle/>
+              <a:p>
+                <a:pPr/>
+                <a14:m>
+                  <m:oMathPara xmlns:m="http://schemas.openxmlformats.org/officeDocument/2006/math">
+                    <m:oMathParaPr>
+                      <m:jc m:val="centerGroup"/>
+                    </m:oMathParaPr>
+                    <m:oMath xmlns:m="http://schemas.openxmlformats.org/officeDocument/2006/math">
+                      <m:r>
+                        <a:rPr lang="en-US" b="1" i="1" smtClean="0">
+                          <a:solidFill>
+                            <a:schemeClr val="accent1">
+                              <a:lumMod val="75000"/>
+                            </a:schemeClr>
+                          </a:solidFill>
+                          <a:latin typeface="Cambria Math" panose="02040503050406030204" pitchFamily="18" charset="0"/>
+                        </a:rPr>
+                        <m:t>𝑸</m:t>
+                      </m:r>
+                      <m:r>
+                        <a:rPr lang="en-US" b="1" i="1" smtClean="0">
+                          <a:solidFill>
+                            <a:schemeClr val="accent1">
+                              <a:lumMod val="75000"/>
+                            </a:schemeClr>
+                          </a:solidFill>
+                          <a:latin typeface="Cambria Math" panose="02040503050406030204" pitchFamily="18" charset="0"/>
+                        </a:rPr>
+                        <m:t>&gt;</m:t>
+                      </m:r>
+                      <m:r>
+                        <a:rPr lang="en-US" b="1" i="1" smtClean="0">
+                          <a:solidFill>
+                            <a:schemeClr val="accent1">
+                              <a:lumMod val="75000"/>
+                            </a:schemeClr>
+                          </a:solidFill>
+                          <a:latin typeface="Cambria Math" panose="02040503050406030204" pitchFamily="18" charset="0"/>
+                        </a:rPr>
+                        <m:t>𝟎</m:t>
+                      </m:r>
+                    </m:oMath>
+                  </m:oMathPara>
+                </a14:m>
+                <a:endParaRPr lang="en-US" b="1" dirty="0">
+                  <a:solidFill>
+                    <a:schemeClr val="accent1">
+                      <a:lumMod val="75000"/>
+                    </a:schemeClr>
+                  </a:solidFill>
+                </a:endParaRPr>
+              </a:p>
+            </p:txBody>
+          </p:sp>
+        </mc:Choice>
+        <mc:Fallback>
+          <p:sp>
+            <p:nvSpPr>
+              <p:cNvPr id="60" name="TextBox 59">
+                <a:extLst>
+                  <a:ext uri="{FF2B5EF4-FFF2-40B4-BE49-F238E27FC236}">
+                    <a16:creationId xmlns:a16="http://schemas.microsoft.com/office/drawing/2014/main" id="{7E7BD93A-1A27-40D8-AABB-65C1FCB98761}"/>
+                  </a:ext>
+                </a:extLst>
+              </p:cNvPr>
+              <p:cNvSpPr txBox="1">
+                <a:spLocks noRot="1" noChangeAspect="1" noMove="1" noResize="1" noEditPoints="1" noAdjustHandles="1" noChangeArrowheads="1" noChangeShapeType="1" noTextEdit="1"/>
+              </p:cNvSpPr>
+              <p:nvPr/>
+            </p:nvSpPr>
+            <p:spPr>
+              <a:xfrm>
+                <a:off x="244834" y="2343122"/>
+                <a:ext cx="1102893" cy="369332"/>
+              </a:xfrm>
+              <a:prstGeom prst="rect">
+                <a:avLst/>
+              </a:prstGeom>
+              <a:blipFill>
+                <a:blip r:embed="rId10"/>
+                <a:stretch>
+                  <a:fillRect b="-9836"/>
+                </a:stretch>
+              </a:blipFill>
+            </p:spPr>
+            <p:txBody>
+              <a:bodyPr/>
+              <a:lstStyle/>
+              <a:p>
+                <a:r>
+                  <a:rPr lang="en-US">
+                    <a:noFill/>
+                  </a:rPr>
+                  <a:t> </a:t>
+                </a:r>
+              </a:p>
+            </p:txBody>
+          </p:sp>
+        </mc:Fallback>
+      </mc:AlternateContent>
+      <mc:AlternateContent xmlns:mc="http://schemas.openxmlformats.org/markup-compatibility/2006">
+        <mc:Choice xmlns:a14="http://schemas.microsoft.com/office/drawing/2010/main" Requires="a14">
+          <p:sp>
+            <p:nvSpPr>
+              <p:cNvPr id="61" name="TextBox 60">
+                <a:extLst>
+                  <a:ext uri="{FF2B5EF4-FFF2-40B4-BE49-F238E27FC236}">
+                    <a16:creationId xmlns:a16="http://schemas.microsoft.com/office/drawing/2014/main" id="{F427B17D-A54D-AFEA-2236-BC5CC33CAF36}"/>
+                  </a:ext>
+                </a:extLst>
+              </p:cNvPr>
+              <p:cNvSpPr txBox="1"/>
+              <p:nvPr/>
+            </p:nvSpPr>
+            <p:spPr>
+              <a:xfrm>
+                <a:off x="220584" y="5270083"/>
+                <a:ext cx="1102893" cy="369332"/>
+              </a:xfrm>
+              <a:prstGeom prst="rect">
+                <a:avLst/>
+              </a:prstGeom>
+              <a:noFill/>
+            </p:spPr>
+            <p:txBody>
+              <a:bodyPr wrap="square" rtlCol="0">
+                <a:spAutoFit/>
+              </a:bodyPr>
+              <a:lstStyle/>
+              <a:p>
+                <a:pPr/>
+                <a14:m>
+                  <m:oMathPara xmlns:m="http://schemas.openxmlformats.org/officeDocument/2006/math">
+                    <m:oMathParaPr>
+                      <m:jc m:val="centerGroup"/>
+                    </m:oMathParaPr>
+                    <m:oMath xmlns:m="http://schemas.openxmlformats.org/officeDocument/2006/math">
+                      <m:r>
+                        <a:rPr lang="en-US" b="1" i="1" smtClean="0">
+                          <a:solidFill>
+                            <a:schemeClr val="accent1">
+                              <a:lumMod val="75000"/>
+                            </a:schemeClr>
+                          </a:solidFill>
+                          <a:latin typeface="Cambria Math" panose="02040503050406030204" pitchFamily="18" charset="0"/>
+                        </a:rPr>
+                        <m:t>𝑸</m:t>
+                      </m:r>
+                      <m:r>
+                        <a:rPr lang="en-US" b="1" i="1" smtClean="0">
+                          <a:solidFill>
+                            <a:schemeClr val="accent1">
+                              <a:lumMod val="75000"/>
+                            </a:schemeClr>
+                          </a:solidFill>
+                          <a:latin typeface="Cambria Math" panose="02040503050406030204" pitchFamily="18" charset="0"/>
+                        </a:rPr>
+                        <m:t>&lt;</m:t>
+                      </m:r>
+                      <m:r>
+                        <a:rPr lang="en-US" b="1" i="1" smtClean="0">
+                          <a:solidFill>
+                            <a:schemeClr val="accent1">
+                              <a:lumMod val="75000"/>
+                            </a:schemeClr>
+                          </a:solidFill>
+                          <a:latin typeface="Cambria Math" panose="02040503050406030204" pitchFamily="18" charset="0"/>
+                        </a:rPr>
+                        <m:t>𝟎</m:t>
+                      </m:r>
+                    </m:oMath>
+                  </m:oMathPara>
+                </a14:m>
+                <a:endParaRPr lang="en-US" b="1" dirty="0">
+                  <a:solidFill>
+                    <a:schemeClr val="accent1">
+                      <a:lumMod val="75000"/>
+                    </a:schemeClr>
+                  </a:solidFill>
+                </a:endParaRPr>
+              </a:p>
+            </p:txBody>
+          </p:sp>
+        </mc:Choice>
+        <mc:Fallback>
+          <p:sp>
+            <p:nvSpPr>
+              <p:cNvPr id="61" name="TextBox 60">
+                <a:extLst>
+                  <a:ext uri="{FF2B5EF4-FFF2-40B4-BE49-F238E27FC236}">
+                    <a16:creationId xmlns:a16="http://schemas.microsoft.com/office/drawing/2014/main" id="{F427B17D-A54D-AFEA-2236-BC5CC33CAF36}"/>
+                  </a:ext>
+                </a:extLst>
+              </p:cNvPr>
+              <p:cNvSpPr txBox="1">
+                <a:spLocks noRot="1" noChangeAspect="1" noMove="1" noResize="1" noEditPoints="1" noAdjustHandles="1" noChangeArrowheads="1" noChangeShapeType="1" noTextEdit="1"/>
+              </p:cNvSpPr>
+              <p:nvPr/>
+            </p:nvSpPr>
+            <p:spPr>
+              <a:xfrm>
+                <a:off x="220584" y="5270083"/>
+                <a:ext cx="1102893" cy="369332"/>
+              </a:xfrm>
+              <a:prstGeom prst="rect">
+                <a:avLst/>
+              </a:prstGeom>
+              <a:blipFill>
+                <a:blip r:embed="rId11"/>
+                <a:stretch>
+                  <a:fillRect b="-10000"/>
+                </a:stretch>
+              </a:blipFill>
+            </p:spPr>
+            <p:txBody>
+              <a:bodyPr/>
+              <a:lstStyle/>
+              <a:p>
+                <a:r>
+                  <a:rPr lang="en-US">
+                    <a:noFill/>
+                  </a:rPr>
+                  <a:t> </a:t>
+                </a:r>
+              </a:p>
+            </p:txBody>
+          </p:sp>
+        </mc:Fallback>
+      </mc:AlternateContent>
+      <mc:AlternateContent xmlns:mc="http://schemas.openxmlformats.org/markup-compatibility/2006">
+        <mc:Choice xmlns:a14="http://schemas.microsoft.com/office/drawing/2010/main" Requires="a14">
+          <p:sp>
+            <p:nvSpPr>
+              <p:cNvPr id="62" name="TextBox 61">
+                <a:extLst>
+                  <a:ext uri="{FF2B5EF4-FFF2-40B4-BE49-F238E27FC236}">
+                    <a16:creationId xmlns:a16="http://schemas.microsoft.com/office/drawing/2014/main" id="{6AAF120C-FFF0-9A9A-E40E-876124966E02}"/>
+                  </a:ext>
+                </a:extLst>
+              </p:cNvPr>
+              <p:cNvSpPr txBox="1"/>
+              <p:nvPr/>
+            </p:nvSpPr>
+            <p:spPr>
+              <a:xfrm>
+                <a:off x="1665827" y="1677238"/>
+                <a:ext cx="1102893" cy="369332"/>
+              </a:xfrm>
+              <a:prstGeom prst="rect">
+                <a:avLst/>
+              </a:prstGeom>
+              <a:noFill/>
+            </p:spPr>
+            <p:txBody>
+              <a:bodyPr wrap="square" rtlCol="0">
+                <a:spAutoFit/>
+              </a:bodyPr>
+              <a:lstStyle/>
+              <a:p>
+                <a:pPr/>
+                <a14:m>
+                  <m:oMathPara xmlns:m="http://schemas.openxmlformats.org/officeDocument/2006/math">
+                    <m:oMathParaPr>
+                      <m:jc m:val="centerGroup"/>
+                    </m:oMathParaPr>
+                    <m:oMath xmlns:m="http://schemas.openxmlformats.org/officeDocument/2006/math">
+                      <m:r>
+                        <a:rPr lang="en-US" b="1" i="1" smtClean="0">
+                          <a:solidFill>
+                            <a:schemeClr val="accent2">
+                              <a:lumMod val="75000"/>
+                            </a:schemeClr>
+                          </a:solidFill>
+                          <a:latin typeface="Cambria Math" panose="02040503050406030204" pitchFamily="18" charset="0"/>
+                        </a:rPr>
+                        <m:t>𝝅</m:t>
+                      </m:r>
+                      <m:r>
+                        <a:rPr lang="en-US" b="1" i="1" smtClean="0">
+                          <a:solidFill>
+                            <a:schemeClr val="accent2">
+                              <a:lumMod val="75000"/>
+                            </a:schemeClr>
+                          </a:solidFill>
+                          <a:latin typeface="Cambria Math" panose="02040503050406030204" pitchFamily="18" charset="0"/>
+                        </a:rPr>
+                        <m:t>&gt;</m:t>
+                      </m:r>
+                      <m:r>
+                        <a:rPr lang="en-US" b="1" i="1" smtClean="0">
+                          <a:solidFill>
+                            <a:schemeClr val="accent2">
+                              <a:lumMod val="75000"/>
+                            </a:schemeClr>
+                          </a:solidFill>
+                          <a:latin typeface="Cambria Math" panose="02040503050406030204" pitchFamily="18" charset="0"/>
+                        </a:rPr>
+                        <m:t>𝟎</m:t>
+                      </m:r>
+                    </m:oMath>
+                  </m:oMathPara>
+                </a14:m>
+                <a:endParaRPr lang="en-US" b="1" dirty="0">
+                  <a:solidFill>
+                    <a:schemeClr val="accent2">
+                      <a:lumMod val="75000"/>
+                    </a:schemeClr>
+                  </a:solidFill>
+                </a:endParaRPr>
+              </a:p>
+            </p:txBody>
+          </p:sp>
+        </mc:Choice>
+        <mc:Fallback>
+          <p:sp>
+            <p:nvSpPr>
+              <p:cNvPr id="62" name="TextBox 61">
+                <a:extLst>
+                  <a:ext uri="{FF2B5EF4-FFF2-40B4-BE49-F238E27FC236}">
+                    <a16:creationId xmlns:a16="http://schemas.microsoft.com/office/drawing/2014/main" id="{6AAF120C-FFF0-9A9A-E40E-876124966E02}"/>
+                  </a:ext>
+                </a:extLst>
+              </p:cNvPr>
+              <p:cNvSpPr txBox="1">
+                <a:spLocks noRot="1" noChangeAspect="1" noMove="1" noResize="1" noEditPoints="1" noAdjustHandles="1" noChangeArrowheads="1" noChangeShapeType="1" noTextEdit="1"/>
+              </p:cNvSpPr>
+              <p:nvPr/>
+            </p:nvSpPr>
+            <p:spPr>
+              <a:xfrm>
+                <a:off x="1665827" y="1677238"/>
+                <a:ext cx="1102893" cy="369332"/>
+              </a:xfrm>
+              <a:prstGeom prst="rect">
+                <a:avLst/>
+              </a:prstGeom>
+              <a:blipFill>
+                <a:blip r:embed="rId12"/>
+                <a:stretch>
+                  <a:fillRect/>
+                </a:stretch>
+              </a:blipFill>
+            </p:spPr>
+            <p:txBody>
+              <a:bodyPr/>
+              <a:lstStyle/>
+              <a:p>
+                <a:r>
+                  <a:rPr lang="en-US">
+                    <a:noFill/>
+                  </a:rPr>
+                  <a:t> </a:t>
+                </a:r>
+              </a:p>
+            </p:txBody>
+          </p:sp>
+        </mc:Fallback>
+      </mc:AlternateContent>
+      <mc:AlternateContent xmlns:mc="http://schemas.openxmlformats.org/markup-compatibility/2006">
+        <mc:Choice xmlns:a14="http://schemas.microsoft.com/office/drawing/2010/main" Requires="a14">
+          <p:sp>
+            <p:nvSpPr>
+              <p:cNvPr id="63" name="TextBox 62">
+                <a:extLst>
+                  <a:ext uri="{FF2B5EF4-FFF2-40B4-BE49-F238E27FC236}">
+                    <a16:creationId xmlns:a16="http://schemas.microsoft.com/office/drawing/2014/main" id="{547CB405-D16A-46C1-9A55-CFDCD1CC422B}"/>
+                  </a:ext>
+                </a:extLst>
+              </p:cNvPr>
+              <p:cNvSpPr txBox="1"/>
+              <p:nvPr/>
+            </p:nvSpPr>
+            <p:spPr>
+              <a:xfrm>
+                <a:off x="1665826" y="3839943"/>
+                <a:ext cx="1102893" cy="369332"/>
+              </a:xfrm>
+              <a:prstGeom prst="rect">
+                <a:avLst/>
+              </a:prstGeom>
+              <a:noFill/>
+            </p:spPr>
+            <p:txBody>
+              <a:bodyPr wrap="square" rtlCol="0">
+                <a:spAutoFit/>
+              </a:bodyPr>
+              <a:lstStyle/>
+              <a:p>
+                <a:pPr/>
+                <a14:m>
+                  <m:oMathPara xmlns:m="http://schemas.openxmlformats.org/officeDocument/2006/math">
+                    <m:oMathParaPr>
+                      <m:jc m:val="centerGroup"/>
+                    </m:oMathParaPr>
+                    <m:oMath xmlns:m="http://schemas.openxmlformats.org/officeDocument/2006/math">
+                      <m:r>
+                        <a:rPr lang="en-US" b="1" i="1" smtClean="0">
+                          <a:solidFill>
+                            <a:schemeClr val="accent2">
+                              <a:lumMod val="75000"/>
+                            </a:schemeClr>
+                          </a:solidFill>
+                          <a:latin typeface="Cambria Math" panose="02040503050406030204" pitchFamily="18" charset="0"/>
+                        </a:rPr>
+                        <m:t>𝝅</m:t>
+                      </m:r>
+                      <m:r>
+                        <a:rPr lang="en-US" b="1" i="1" smtClean="0">
+                          <a:solidFill>
+                            <a:schemeClr val="accent2">
+                              <a:lumMod val="75000"/>
+                            </a:schemeClr>
+                          </a:solidFill>
+                          <a:latin typeface="Cambria Math" panose="02040503050406030204" pitchFamily="18" charset="0"/>
+                        </a:rPr>
+                        <m:t>&lt;</m:t>
+                      </m:r>
+                      <m:r>
+                        <a:rPr lang="en-US" b="1" i="1" smtClean="0">
+                          <a:solidFill>
+                            <a:schemeClr val="accent2">
+                              <a:lumMod val="75000"/>
+                            </a:schemeClr>
+                          </a:solidFill>
+                          <a:latin typeface="Cambria Math" panose="02040503050406030204" pitchFamily="18" charset="0"/>
+                        </a:rPr>
+                        <m:t>𝟎</m:t>
+                      </m:r>
+                    </m:oMath>
+                  </m:oMathPara>
+                </a14:m>
+                <a:endParaRPr lang="en-US" b="1" dirty="0">
+                  <a:solidFill>
+                    <a:schemeClr val="accent2">
+                      <a:lumMod val="75000"/>
+                    </a:schemeClr>
+                  </a:solidFill>
+                </a:endParaRPr>
+              </a:p>
+            </p:txBody>
+          </p:sp>
+        </mc:Choice>
+        <mc:Fallback>
+          <p:sp>
+            <p:nvSpPr>
+              <p:cNvPr id="63" name="TextBox 62">
+                <a:extLst>
+                  <a:ext uri="{FF2B5EF4-FFF2-40B4-BE49-F238E27FC236}">
+                    <a16:creationId xmlns:a16="http://schemas.microsoft.com/office/drawing/2014/main" id="{547CB405-D16A-46C1-9A55-CFDCD1CC422B}"/>
+                  </a:ext>
+                </a:extLst>
+              </p:cNvPr>
+              <p:cNvSpPr txBox="1">
+                <a:spLocks noRot="1" noChangeAspect="1" noMove="1" noResize="1" noEditPoints="1" noAdjustHandles="1" noChangeArrowheads="1" noChangeShapeType="1" noTextEdit="1"/>
+              </p:cNvSpPr>
+              <p:nvPr/>
+            </p:nvSpPr>
+            <p:spPr>
+              <a:xfrm>
+                <a:off x="1665826" y="3839943"/>
+                <a:ext cx="1102893" cy="369332"/>
+              </a:xfrm>
+              <a:prstGeom prst="rect">
+                <a:avLst/>
+              </a:prstGeom>
+              <a:blipFill>
+                <a:blip r:embed="rId13"/>
+                <a:stretch>
+                  <a:fillRect/>
+                </a:stretch>
+              </a:blipFill>
+            </p:spPr>
+            <p:txBody>
+              <a:bodyPr/>
+              <a:lstStyle/>
+              <a:p>
+                <a:r>
+                  <a:rPr lang="en-US">
+                    <a:noFill/>
+                  </a:rPr>
+                  <a:t> </a:t>
+                </a:r>
+              </a:p>
+            </p:txBody>
+          </p:sp>
+        </mc:Fallback>
+      </mc:AlternateContent>
+      <p:cxnSp>
+        <p:nvCxnSpPr>
+          <p:cNvPr id="33" name="Straight Connector 32">
+            <a:extLst>
+              <a:ext uri="{FF2B5EF4-FFF2-40B4-BE49-F238E27FC236}">
+                <a16:creationId xmlns:a16="http://schemas.microsoft.com/office/drawing/2014/main" id="{C6D36406-4CDA-394F-3599-81E613C7FD8E}"/>
+              </a:ext>
+            </a:extLst>
+          </p:cNvPr>
+          <p:cNvCxnSpPr>
+            <a:cxnSpLocks/>
+          </p:cNvCxnSpPr>
+          <p:nvPr/>
+        </p:nvCxnSpPr>
+        <p:spPr>
+          <a:xfrm flipH="1" flipV="1">
+            <a:off x="2389718" y="4606557"/>
+            <a:ext cx="4791041" cy="15347"/>
+          </a:xfrm>
+          <a:prstGeom prst="line">
+            <a:avLst/>
+          </a:prstGeom>
+          <a:ln w="28575">
+            <a:solidFill>
+              <a:schemeClr val="tx1"/>
+            </a:solidFill>
+            <a:prstDash val="dash"/>
+          </a:ln>
+        </p:spPr>
+        <p:style>
+          <a:lnRef idx="1">
+            <a:schemeClr val="accent1"/>
+          </a:lnRef>
+          <a:fillRef idx="0">
+            <a:schemeClr val="accent1"/>
+          </a:fillRef>
+          <a:effectRef idx="0">
+            <a:schemeClr val="accent1"/>
+          </a:effectRef>
+          <a:fontRef idx="minor">
+            <a:schemeClr val="tx1"/>
+          </a:fontRef>
+        </p:style>
+      </p:cxnSp>
+      <mc:AlternateContent xmlns:mc="http://schemas.openxmlformats.org/markup-compatibility/2006">
+        <mc:Choice xmlns:a14="http://schemas.microsoft.com/office/drawing/2010/main" Requires="a14">
+          <p:sp>
+            <p:nvSpPr>
+              <p:cNvPr id="68" name="TextBox 67">
+                <a:extLst>
+                  <a:ext uri="{FF2B5EF4-FFF2-40B4-BE49-F238E27FC236}">
+                    <a16:creationId xmlns:a16="http://schemas.microsoft.com/office/drawing/2014/main" id="{E2D3B088-F651-C401-E3DF-57E0FF12E311}"/>
+                  </a:ext>
+                </a:extLst>
+              </p:cNvPr>
+              <p:cNvSpPr txBox="1"/>
+              <p:nvPr/>
+            </p:nvSpPr>
+            <p:spPr>
+              <a:xfrm>
+                <a:off x="6789224" y="6215260"/>
+                <a:ext cx="807396" cy="369332"/>
+              </a:xfrm>
+              <a:prstGeom prst="rect">
+                <a:avLst/>
+              </a:prstGeom>
+              <a:noFill/>
+            </p:spPr>
+            <p:txBody>
+              <a:bodyPr wrap="square" rtlCol="0">
+                <a:spAutoFit/>
+              </a:bodyPr>
+              <a:lstStyle/>
+              <a:p>
+                <a:pPr/>
+                <a14:m>
+                  <m:oMathPara xmlns:m="http://schemas.openxmlformats.org/officeDocument/2006/math">
+                    <m:oMathParaPr>
+                      <m:jc m:val="centerGroup"/>
+                    </m:oMathParaPr>
+                    <m:oMath xmlns:m="http://schemas.openxmlformats.org/officeDocument/2006/math">
+                      <m:sSub>
+                        <m:sSubPr>
+                          <m:ctrlPr>
+                            <a:rPr lang="en-US" b="1" i="1" smtClean="0">
+                              <a:solidFill>
+                                <a:schemeClr val="tx1"/>
+                              </a:solidFill>
+                              <a:latin typeface="Cambria Math" panose="02040503050406030204" pitchFamily="18" charset="0"/>
+                            </a:rPr>
+                          </m:ctrlPr>
+                        </m:sSubPr>
+                        <m:e>
+                          <m:r>
+                            <a:rPr lang="en-US" b="1" i="1" smtClean="0">
+                              <a:solidFill>
+                                <a:schemeClr val="tx1"/>
+                              </a:solidFill>
+                              <a:latin typeface="Cambria Math" panose="02040503050406030204" pitchFamily="18" charset="0"/>
+                            </a:rPr>
+                            <m:t>𝑸</m:t>
+                          </m:r>
+                        </m:e>
+                        <m:sub>
+                          <m:r>
+                            <a:rPr lang="en-US" b="1" i="1" smtClean="0">
+                              <a:solidFill>
+                                <a:schemeClr val="tx1"/>
+                              </a:solidFill>
+                              <a:latin typeface="Cambria Math" panose="02040503050406030204" pitchFamily="18" charset="0"/>
+                            </a:rPr>
+                            <m:t>𝟐</m:t>
+                          </m:r>
+                        </m:sub>
+                      </m:sSub>
+                    </m:oMath>
+                  </m:oMathPara>
+                </a14:m>
+                <a:endParaRPr lang="en-US" b="1" dirty="0">
+                  <a:solidFill>
+                    <a:schemeClr val="tx1"/>
+                  </a:solidFill>
+                </a:endParaRPr>
+              </a:p>
+            </p:txBody>
+          </p:sp>
+        </mc:Choice>
+        <mc:Fallback>
+          <p:sp>
+            <p:nvSpPr>
+              <p:cNvPr id="68" name="TextBox 67">
+                <a:extLst>
+                  <a:ext uri="{FF2B5EF4-FFF2-40B4-BE49-F238E27FC236}">
+                    <a16:creationId xmlns:a16="http://schemas.microsoft.com/office/drawing/2014/main" id="{E2D3B088-F651-C401-E3DF-57E0FF12E311}"/>
+                  </a:ext>
+                </a:extLst>
+              </p:cNvPr>
+              <p:cNvSpPr txBox="1">
+                <a:spLocks noRot="1" noChangeAspect="1" noMove="1" noResize="1" noEditPoints="1" noAdjustHandles="1" noChangeArrowheads="1" noChangeShapeType="1" noTextEdit="1"/>
+              </p:cNvSpPr>
+              <p:nvPr/>
+            </p:nvSpPr>
+            <p:spPr>
+              <a:xfrm>
+                <a:off x="6789224" y="6215260"/>
+                <a:ext cx="807396" cy="369332"/>
+              </a:xfrm>
+              <a:prstGeom prst="rect">
+                <a:avLst/>
+              </a:prstGeom>
+              <a:blipFill>
+                <a:blip r:embed="rId14"/>
+                <a:stretch>
+                  <a:fillRect b="-10000"/>
+                </a:stretch>
+              </a:blipFill>
+            </p:spPr>
+            <p:txBody>
+              <a:bodyPr/>
+              <a:lstStyle/>
+              <a:p>
+                <a:r>
+                  <a:rPr lang="en-US">
+                    <a:noFill/>
+                  </a:rPr>
+                  <a:t> </a:t>
+                </a:r>
+              </a:p>
+            </p:txBody>
+          </p:sp>
+        </mc:Fallback>
+      </mc:AlternateContent>
+      <mc:AlternateContent xmlns:mc="http://schemas.openxmlformats.org/markup-compatibility/2006">
+        <mc:Choice xmlns:a14="http://schemas.microsoft.com/office/drawing/2010/main" Requires="a14">
+          <p:sp>
+            <p:nvSpPr>
+              <p:cNvPr id="69" name="TextBox 68">
+                <a:extLst>
+                  <a:ext uri="{FF2B5EF4-FFF2-40B4-BE49-F238E27FC236}">
+                    <a16:creationId xmlns:a16="http://schemas.microsoft.com/office/drawing/2014/main" id="{83882549-D720-1E7E-57FD-B217B5CB7069}"/>
+                  </a:ext>
+                </a:extLst>
+              </p:cNvPr>
+              <p:cNvSpPr txBox="1"/>
+              <p:nvPr/>
+            </p:nvSpPr>
+            <p:spPr>
+              <a:xfrm>
+                <a:off x="7647435" y="6221879"/>
+                <a:ext cx="807396" cy="369332"/>
+              </a:xfrm>
+              <a:prstGeom prst="rect">
+                <a:avLst/>
+              </a:prstGeom>
+              <a:noFill/>
+            </p:spPr>
+            <p:txBody>
+              <a:bodyPr wrap="square" rtlCol="0">
+                <a:spAutoFit/>
+              </a:bodyPr>
+              <a:lstStyle/>
+              <a:p>
+                <a:pPr/>
+                <a14:m>
+                  <m:oMathPara xmlns:m="http://schemas.openxmlformats.org/officeDocument/2006/math">
+                    <m:oMathParaPr>
+                      <m:jc m:val="centerGroup"/>
+                    </m:oMathParaPr>
+                    <m:oMath xmlns:m="http://schemas.openxmlformats.org/officeDocument/2006/math">
+                      <m:sSub>
+                        <m:sSubPr>
+                          <m:ctrlPr>
+                            <a:rPr lang="en-US" b="1" i="1" smtClean="0">
+                              <a:solidFill>
+                                <a:schemeClr val="tx1"/>
+                              </a:solidFill>
+                              <a:latin typeface="Cambria Math" panose="02040503050406030204" pitchFamily="18" charset="0"/>
+                            </a:rPr>
+                          </m:ctrlPr>
+                        </m:sSubPr>
+                        <m:e>
+                          <m:r>
+                            <a:rPr lang="en-US" b="1" i="1" smtClean="0">
+                              <a:solidFill>
+                                <a:schemeClr val="tx1"/>
+                              </a:solidFill>
+                              <a:latin typeface="Cambria Math" panose="02040503050406030204" pitchFamily="18" charset="0"/>
+                            </a:rPr>
+                            <m:t>𝑸</m:t>
+                          </m:r>
+                        </m:e>
+                        <m:sub>
+                          <m:r>
+                            <a:rPr lang="en-US" b="1" i="1" smtClean="0">
+                              <a:solidFill>
+                                <a:schemeClr val="tx1"/>
+                              </a:solidFill>
+                              <a:latin typeface="Cambria Math" panose="02040503050406030204" pitchFamily="18" charset="0"/>
+                            </a:rPr>
+                            <m:t>𝟏</m:t>
+                          </m:r>
+                        </m:sub>
+                      </m:sSub>
+                    </m:oMath>
+                  </m:oMathPara>
+                </a14:m>
+                <a:endParaRPr lang="en-US" b="1" dirty="0">
+                  <a:solidFill>
+                    <a:schemeClr val="tx1"/>
+                  </a:solidFill>
+                </a:endParaRPr>
+              </a:p>
+            </p:txBody>
+          </p:sp>
+        </mc:Choice>
+        <mc:Fallback>
+          <p:sp>
+            <p:nvSpPr>
+              <p:cNvPr id="69" name="TextBox 68">
+                <a:extLst>
+                  <a:ext uri="{FF2B5EF4-FFF2-40B4-BE49-F238E27FC236}">
+                    <a16:creationId xmlns:a16="http://schemas.microsoft.com/office/drawing/2014/main" id="{83882549-D720-1E7E-57FD-B217B5CB7069}"/>
+                  </a:ext>
+                </a:extLst>
+              </p:cNvPr>
+              <p:cNvSpPr txBox="1">
+                <a:spLocks noRot="1" noChangeAspect="1" noMove="1" noResize="1" noEditPoints="1" noAdjustHandles="1" noChangeArrowheads="1" noChangeShapeType="1" noTextEdit="1"/>
+              </p:cNvSpPr>
+              <p:nvPr/>
+            </p:nvSpPr>
+            <p:spPr>
+              <a:xfrm>
+                <a:off x="7647435" y="6221879"/>
+                <a:ext cx="807396" cy="369332"/>
+              </a:xfrm>
+              <a:prstGeom prst="rect">
+                <a:avLst/>
+              </a:prstGeom>
+              <a:blipFill>
+                <a:blip r:embed="rId15"/>
+                <a:stretch>
+                  <a:fillRect b="-10000"/>
+                </a:stretch>
+              </a:blipFill>
+            </p:spPr>
+            <p:txBody>
+              <a:bodyPr/>
+              <a:lstStyle/>
+              <a:p>
+                <a:r>
+                  <a:rPr lang="en-US">
+                    <a:noFill/>
+                  </a:rPr>
+                  <a:t> </a:t>
+                </a:r>
+              </a:p>
+            </p:txBody>
+          </p:sp>
+        </mc:Fallback>
+      </mc:AlternateContent>
+    </p:spTree>
+    <p:extLst>
+      <p:ext uri="{BB962C8B-B14F-4D97-AF65-F5344CB8AC3E}">
+        <p14:creationId xmlns:p14="http://schemas.microsoft.com/office/powerpoint/2010/main" val="3978507843"/>
+      </p:ext>
+    </p:extLst>
+  </p:cSld>
+  <p:clrMapOvr>
+    <a:masterClrMapping/>
+  </p:clrMapOvr>
+</p:sld>
+</file>
+
+<file path=ppt/slides/slide44.xml><?xml version="1.0" encoding="utf-8"?>
+<p:sld xmlns:a="http://schemas.openxmlformats.org/drawingml/2006/main" xmlns:r="http://schemas.openxmlformats.org/officeDocument/2006/relationships" xmlns:p="http://schemas.openxmlformats.org/presentationml/2006/main">
+  <p:cSld>
+    <p:spTree>
+      <p:nvGrpSpPr>
+        <p:cNvPr id="1" name="">
+          <a:extLst>
+            <a:ext uri="{FF2B5EF4-FFF2-40B4-BE49-F238E27FC236}">
+              <a16:creationId xmlns:a16="http://schemas.microsoft.com/office/drawing/2014/main" id="{574F483E-DC02-A22F-5E46-9C97EA27D547}"/>
+            </a:ext>
+          </a:extLst>
+        </p:cNvPr>
+        <p:cNvGrpSpPr/>
+        <p:nvPr/>
+      </p:nvGrpSpPr>
+      <p:grpSpPr>
+        <a:xfrm>
+          <a:off x="0" y="0"/>
+          <a:ext cx="0" cy="0"/>
+          <a:chOff x="0" y="0"/>
+          <a:chExt cx="0" cy="0"/>
+        </a:xfrm>
+      </p:grpSpPr>
+      <mc:AlternateContent xmlns:mc="http://schemas.openxmlformats.org/markup-compatibility/2006">
+        <mc:Choice xmlns:a14="http://schemas.microsoft.com/office/drawing/2010/main" Requires="a14">
+          <p:sp>
+            <p:nvSpPr>
+              <p:cNvPr id="13" name="TextBox 12">
+                <a:extLst>
+                  <a:ext uri="{FF2B5EF4-FFF2-40B4-BE49-F238E27FC236}">
+                    <a16:creationId xmlns:a16="http://schemas.microsoft.com/office/drawing/2014/main" id="{9E0106E9-426C-875A-ECAC-DDE2528BA490}"/>
+                  </a:ext>
+                </a:extLst>
+              </p:cNvPr>
+              <p:cNvSpPr txBox="1"/>
+              <p:nvPr/>
+            </p:nvSpPr>
+            <p:spPr>
+              <a:xfrm>
+                <a:off x="10977022" y="6000377"/>
+                <a:ext cx="807396" cy="369332"/>
+              </a:xfrm>
+              <a:prstGeom prst="rect">
+                <a:avLst/>
+              </a:prstGeom>
+              <a:noFill/>
+            </p:spPr>
+            <p:txBody>
+              <a:bodyPr wrap="square" rtlCol="0">
+                <a:spAutoFit/>
+              </a:bodyPr>
+              <a:lstStyle/>
+              <a:p>
+                <a:pPr/>
+                <a14:m>
+                  <m:oMathPara xmlns:m="http://schemas.openxmlformats.org/officeDocument/2006/math">
+                    <m:oMathParaPr>
+                      <m:jc m:val="centerGroup"/>
+                    </m:oMathParaPr>
+                    <m:oMath xmlns:m="http://schemas.openxmlformats.org/officeDocument/2006/math">
+                      <m:r>
+                        <a:rPr lang="en-US" b="1" i="1" smtClean="0">
+                          <a:solidFill>
+                            <a:schemeClr val="tx1"/>
+                          </a:solidFill>
+                          <a:latin typeface="Cambria Math" panose="02040503050406030204" pitchFamily="18" charset="0"/>
+                        </a:rPr>
+                        <m:t>𝑸</m:t>
+                      </m:r>
+                    </m:oMath>
+                  </m:oMathPara>
+                </a14:m>
+                <a:endParaRPr lang="en-US" b="1" dirty="0">
+                  <a:solidFill>
+                    <a:schemeClr val="tx1"/>
+                  </a:solidFill>
+                </a:endParaRPr>
+              </a:p>
+            </p:txBody>
+          </p:sp>
+        </mc:Choice>
+        <mc:Fallback>
+          <p:sp>
+            <p:nvSpPr>
+              <p:cNvPr id="13" name="TextBox 12">
+                <a:extLst>
+                  <a:ext uri="{FF2B5EF4-FFF2-40B4-BE49-F238E27FC236}">
+                    <a16:creationId xmlns:a16="http://schemas.microsoft.com/office/drawing/2014/main" id="{9E0106E9-426C-875A-ECAC-DDE2528BA490}"/>
+                  </a:ext>
+                </a:extLst>
+              </p:cNvPr>
+              <p:cNvSpPr txBox="1">
+                <a:spLocks noRot="1" noChangeAspect="1" noMove="1" noResize="1" noEditPoints="1" noAdjustHandles="1" noChangeArrowheads="1" noChangeShapeType="1" noTextEdit="1"/>
+              </p:cNvSpPr>
+              <p:nvPr/>
+            </p:nvSpPr>
+            <p:spPr>
+              <a:xfrm>
+                <a:off x="10977022" y="6000377"/>
+                <a:ext cx="807396" cy="369332"/>
+              </a:xfrm>
+              <a:prstGeom prst="rect">
+                <a:avLst/>
+              </a:prstGeom>
+              <a:blipFill>
+                <a:blip r:embed="rId2"/>
+                <a:stretch>
+                  <a:fillRect b="-9836"/>
+                </a:stretch>
+              </a:blipFill>
+            </p:spPr>
+            <p:txBody>
+              <a:bodyPr/>
+              <a:lstStyle/>
+              <a:p>
+                <a:r>
+                  <a:rPr lang="en-US">
+                    <a:noFill/>
+                  </a:rPr>
+                  <a:t> </a:t>
+                </a:r>
+              </a:p>
+            </p:txBody>
+          </p:sp>
+        </mc:Fallback>
+      </mc:AlternateContent>
+      <mc:AlternateContent xmlns:mc="http://schemas.openxmlformats.org/markup-compatibility/2006">
+        <mc:Choice xmlns:a14="http://schemas.microsoft.com/office/drawing/2010/main" Requires="a14">
+          <p:sp>
+            <p:nvSpPr>
+              <p:cNvPr id="14" name="TextBox 13">
+                <a:extLst>
+                  <a:ext uri="{FF2B5EF4-FFF2-40B4-BE49-F238E27FC236}">
+                    <a16:creationId xmlns:a16="http://schemas.microsoft.com/office/drawing/2014/main" id="{8A0965AE-3061-756D-BED9-59912E4ADE4A}"/>
+                  </a:ext>
+                </a:extLst>
+              </p:cNvPr>
+              <p:cNvSpPr txBox="1"/>
+              <p:nvPr/>
+            </p:nvSpPr>
+            <p:spPr>
+              <a:xfrm>
+                <a:off x="2912468" y="414610"/>
+                <a:ext cx="807396" cy="369332"/>
+              </a:xfrm>
+              <a:prstGeom prst="rect">
+                <a:avLst/>
+              </a:prstGeom>
+              <a:noFill/>
+            </p:spPr>
+            <p:txBody>
+              <a:bodyPr wrap="square" rtlCol="0">
+                <a:spAutoFit/>
+              </a:bodyPr>
+              <a:lstStyle/>
+              <a:p>
+                <a:pPr/>
+                <a14:m>
+                  <m:oMathPara xmlns:m="http://schemas.openxmlformats.org/officeDocument/2006/math">
+                    <m:oMathParaPr>
+                      <m:jc m:val="centerGroup"/>
+                    </m:oMathParaPr>
+                    <m:oMath xmlns:m="http://schemas.openxmlformats.org/officeDocument/2006/math">
+                      <m:r>
+                        <a:rPr lang="en-US" b="1" i="1" smtClean="0">
+                          <a:solidFill>
+                            <a:schemeClr val="tx1"/>
+                          </a:solidFill>
+                          <a:latin typeface="Cambria Math" panose="02040503050406030204" pitchFamily="18" charset="0"/>
+                        </a:rPr>
+                        <m:t>𝑷</m:t>
+                      </m:r>
+                    </m:oMath>
+                  </m:oMathPara>
+                </a14:m>
+                <a:endParaRPr lang="en-US" b="1" dirty="0">
+                  <a:solidFill>
+                    <a:schemeClr val="tx1"/>
+                  </a:solidFill>
+                </a:endParaRPr>
+              </a:p>
+            </p:txBody>
+          </p:sp>
+        </mc:Choice>
+        <mc:Fallback>
+          <p:sp>
+            <p:nvSpPr>
+              <p:cNvPr id="14" name="TextBox 13">
+                <a:extLst>
+                  <a:ext uri="{FF2B5EF4-FFF2-40B4-BE49-F238E27FC236}">
+                    <a16:creationId xmlns:a16="http://schemas.microsoft.com/office/drawing/2014/main" id="{8A0965AE-3061-756D-BED9-59912E4ADE4A}"/>
+                  </a:ext>
+                </a:extLst>
+              </p:cNvPr>
+              <p:cNvSpPr txBox="1">
+                <a:spLocks noRot="1" noChangeAspect="1" noMove="1" noResize="1" noEditPoints="1" noAdjustHandles="1" noChangeArrowheads="1" noChangeShapeType="1" noTextEdit="1"/>
+              </p:cNvSpPr>
+              <p:nvPr/>
+            </p:nvSpPr>
+            <p:spPr>
+              <a:xfrm>
+                <a:off x="2912468" y="414610"/>
+                <a:ext cx="807396" cy="369332"/>
+              </a:xfrm>
+              <a:prstGeom prst="rect">
+                <a:avLst/>
+              </a:prstGeom>
+              <a:blipFill>
+                <a:blip r:embed="rId3"/>
+                <a:stretch>
+                  <a:fillRect/>
+                </a:stretch>
+              </a:blipFill>
+            </p:spPr>
+            <p:txBody>
+              <a:bodyPr/>
+              <a:lstStyle/>
+              <a:p>
+                <a:r>
+                  <a:rPr lang="en-US">
+                    <a:noFill/>
+                  </a:rPr>
+                  <a:t> </a:t>
+                </a:r>
+              </a:p>
+            </p:txBody>
+          </p:sp>
+        </mc:Fallback>
+      </mc:AlternateContent>
+      <p:sp>
+        <p:nvSpPr>
+          <p:cNvPr id="15" name="Freeform: Shape 14">
+            <a:extLst>
+              <a:ext uri="{FF2B5EF4-FFF2-40B4-BE49-F238E27FC236}">
+                <a16:creationId xmlns:a16="http://schemas.microsoft.com/office/drawing/2014/main" id="{49410208-3E97-EDD1-00AD-E7816A78C22C}"/>
+              </a:ext>
+            </a:extLst>
+          </p:cNvPr>
+          <p:cNvSpPr/>
+          <p:nvPr/>
+        </p:nvSpPr>
+        <p:spPr>
+          <a:xfrm>
+            <a:off x="3581068" y="599276"/>
+            <a:ext cx="7601613" cy="5637321"/>
+          </a:xfrm>
+          <a:custGeom>
+            <a:avLst/>
+            <a:gdLst>
+              <a:gd name="connsiteX0" fmla="*/ 0 w 10227076"/>
+              <a:gd name="connsiteY0" fmla="*/ 0 h 5637321"/>
+              <a:gd name="connsiteX1" fmla="*/ 35511 w 10227076"/>
+              <a:gd name="connsiteY1" fmla="*/ 5637321 h 5637321"/>
+              <a:gd name="connsiteX2" fmla="*/ 10227076 w 10227076"/>
+              <a:gd name="connsiteY2" fmla="*/ 5584055 h 5637321"/>
+            </a:gdLst>
+            <a:ahLst/>
+            <a:cxnLst>
+              <a:cxn ang="0">
+                <a:pos x="connsiteX0" y="connsiteY0"/>
+              </a:cxn>
+              <a:cxn ang="0">
+                <a:pos x="connsiteX1" y="connsiteY1"/>
+              </a:cxn>
+              <a:cxn ang="0">
+                <a:pos x="connsiteX2" y="connsiteY2"/>
+              </a:cxn>
+            </a:cxnLst>
+            <a:rect l="l" t="t" r="r" b="b"/>
+            <a:pathLst>
+              <a:path w="10227076" h="5637321">
+                <a:moveTo>
+                  <a:pt x="0" y="0"/>
+                </a:moveTo>
+                <a:lnTo>
+                  <a:pt x="35511" y="5637321"/>
+                </a:lnTo>
+                <a:lnTo>
+                  <a:pt x="10227076" y="5584055"/>
+                </a:lnTo>
+              </a:path>
+            </a:pathLst>
+          </a:custGeom>
+          <a:ln w="57150"/>
+        </p:spPr>
+        <p:style>
+          <a:lnRef idx="3">
+            <a:schemeClr val="dk1"/>
+          </a:lnRef>
+          <a:fillRef idx="0">
+            <a:schemeClr val="dk1"/>
+          </a:fillRef>
+          <a:effectRef idx="2">
+            <a:schemeClr val="dk1"/>
+          </a:effectRef>
+          <a:fontRef idx="minor">
+            <a:schemeClr val="tx1"/>
+          </a:fontRef>
+        </p:style>
+        <p:txBody>
+          <a:bodyPr rtlCol="0" anchor="ctr"/>
+          <a:lstStyle/>
+          <a:p>
+            <a:pPr algn="ctr"/>
+            <a:endParaRPr lang="en-US"/>
+          </a:p>
+        </p:txBody>
+      </p:sp>
+      <p:sp>
+        <p:nvSpPr>
+          <p:cNvPr id="18" name="Freeform: Shape 17">
+            <a:extLst>
+              <a:ext uri="{FF2B5EF4-FFF2-40B4-BE49-F238E27FC236}">
+                <a16:creationId xmlns:a16="http://schemas.microsoft.com/office/drawing/2014/main" id="{BB85869D-6F70-32C6-CBEB-1C560F1425E1}"/>
+              </a:ext>
+            </a:extLst>
+          </p:cNvPr>
+          <p:cNvSpPr/>
+          <p:nvPr/>
+        </p:nvSpPr>
+        <p:spPr>
+          <a:xfrm>
+            <a:off x="5364906" y="1641857"/>
+            <a:ext cx="5715000" cy="1359998"/>
+          </a:xfrm>
+          <a:custGeom>
+            <a:avLst/>
+            <a:gdLst>
+              <a:gd name="connsiteX0" fmla="*/ 0 w 5715000"/>
+              <a:gd name="connsiteY0" fmla="*/ 256309 h 1359998"/>
+              <a:gd name="connsiteX1" fmla="*/ 2798618 w 5715000"/>
+              <a:gd name="connsiteY1" fmla="*/ 1357746 h 1359998"/>
+              <a:gd name="connsiteX2" fmla="*/ 5715000 w 5715000"/>
+              <a:gd name="connsiteY2" fmla="*/ 0 h 1359998"/>
+            </a:gdLst>
+            <a:ahLst/>
+            <a:cxnLst>
+              <a:cxn ang="0">
+                <a:pos x="connsiteX0" y="connsiteY0"/>
+              </a:cxn>
+              <a:cxn ang="0">
+                <a:pos x="connsiteX1" y="connsiteY1"/>
+              </a:cxn>
+              <a:cxn ang="0">
+                <a:pos x="connsiteX2" y="connsiteY2"/>
+              </a:cxn>
+            </a:cxnLst>
+            <a:rect l="l" t="t" r="r" b="b"/>
+            <a:pathLst>
+              <a:path w="5715000" h="1359998">
+                <a:moveTo>
+                  <a:pt x="0" y="256309"/>
+                </a:moveTo>
+                <a:cubicBezTo>
+                  <a:pt x="923059" y="828386"/>
+                  <a:pt x="1846118" y="1400464"/>
+                  <a:pt x="2798618" y="1357746"/>
+                </a:cubicBezTo>
+                <a:cubicBezTo>
+                  <a:pt x="3751118" y="1315028"/>
+                  <a:pt x="4733059" y="657514"/>
+                  <a:pt x="5715000" y="0"/>
+                </a:cubicBezTo>
+              </a:path>
+            </a:pathLst>
+          </a:custGeom>
+          <a:noFill/>
+          <a:ln w="57150">
+            <a:solidFill>
+              <a:schemeClr val="accent4"/>
+            </a:solidFill>
+          </a:ln>
+        </p:spPr>
+        <p:style>
+          <a:lnRef idx="2">
+            <a:schemeClr val="accent1">
+              <a:shade val="15000"/>
+            </a:schemeClr>
+          </a:lnRef>
+          <a:fillRef idx="1">
+            <a:schemeClr val="accent1"/>
+          </a:fillRef>
+          <a:effectRef idx="0">
+            <a:schemeClr val="accent1"/>
+          </a:effectRef>
+          <a:fontRef idx="minor">
+            <a:schemeClr val="lt1"/>
+          </a:fontRef>
+        </p:style>
+        <p:txBody>
+          <a:bodyPr rtlCol="0" anchor="ctr"/>
+          <a:lstStyle/>
+          <a:p>
+            <a:pPr algn="ctr"/>
+            <a:endParaRPr lang="en-US"/>
+          </a:p>
+        </p:txBody>
+      </p:sp>
+      <p:sp>
+        <p:nvSpPr>
+          <p:cNvPr id="19" name="Freeform: Shape 18">
+            <a:extLst>
+              <a:ext uri="{FF2B5EF4-FFF2-40B4-BE49-F238E27FC236}">
+                <a16:creationId xmlns:a16="http://schemas.microsoft.com/office/drawing/2014/main" id="{CB234675-F138-8F0B-3AEC-1C3C9DBC4758}"/>
+              </a:ext>
+            </a:extLst>
+          </p:cNvPr>
+          <p:cNvSpPr/>
+          <p:nvPr/>
+        </p:nvSpPr>
+        <p:spPr>
+          <a:xfrm>
+            <a:off x="4347729" y="2243944"/>
+            <a:ext cx="6497782" cy="2370112"/>
+          </a:xfrm>
+          <a:custGeom>
+            <a:avLst/>
+            <a:gdLst>
+              <a:gd name="connsiteX0" fmla="*/ 0 w 6497782"/>
+              <a:gd name="connsiteY0" fmla="*/ 1918855 h 2370112"/>
+              <a:gd name="connsiteX1" fmla="*/ 3574473 w 6497782"/>
+              <a:gd name="connsiteY1" fmla="*/ 2237509 h 2370112"/>
+              <a:gd name="connsiteX2" fmla="*/ 6497782 w 6497782"/>
+              <a:gd name="connsiteY2" fmla="*/ 0 h 2370112"/>
+            </a:gdLst>
+            <a:ahLst/>
+            <a:cxnLst>
+              <a:cxn ang="0">
+                <a:pos x="connsiteX0" y="connsiteY0"/>
+              </a:cxn>
+              <a:cxn ang="0">
+                <a:pos x="connsiteX1" y="connsiteY1"/>
+              </a:cxn>
+              <a:cxn ang="0">
+                <a:pos x="connsiteX2" y="connsiteY2"/>
+              </a:cxn>
+            </a:cxnLst>
+            <a:rect l="l" t="t" r="r" b="b"/>
+            <a:pathLst>
+              <a:path w="6497782" h="2370112">
+                <a:moveTo>
+                  <a:pt x="0" y="1918855"/>
+                </a:moveTo>
+                <a:cubicBezTo>
+                  <a:pt x="1245754" y="2238086"/>
+                  <a:pt x="2491509" y="2557318"/>
+                  <a:pt x="3574473" y="2237509"/>
+                </a:cubicBezTo>
+                <a:cubicBezTo>
+                  <a:pt x="4657437" y="1917700"/>
+                  <a:pt x="5577609" y="958850"/>
+                  <a:pt x="6497782" y="0"/>
+                </a:cubicBezTo>
+              </a:path>
+            </a:pathLst>
+          </a:custGeom>
+          <a:noFill/>
+          <a:ln w="57150">
+            <a:solidFill>
+              <a:schemeClr val="accent5"/>
+            </a:solidFill>
+          </a:ln>
+        </p:spPr>
+        <p:style>
+          <a:lnRef idx="2">
+            <a:schemeClr val="accent1">
+              <a:shade val="15000"/>
+            </a:schemeClr>
+          </a:lnRef>
+          <a:fillRef idx="1">
+            <a:schemeClr val="accent1"/>
+          </a:fillRef>
+          <a:effectRef idx="0">
+            <a:schemeClr val="accent1"/>
+          </a:effectRef>
+          <a:fontRef idx="minor">
+            <a:schemeClr val="lt1"/>
+          </a:fontRef>
+        </p:style>
+        <p:txBody>
+          <a:bodyPr rtlCol="0" anchor="ctr"/>
+          <a:lstStyle/>
+          <a:p>
+            <a:pPr algn="ctr"/>
+            <a:endParaRPr lang="en-US"/>
+          </a:p>
+        </p:txBody>
+      </p:sp>
+      <p:sp>
+        <p:nvSpPr>
+          <p:cNvPr id="23" name="Freeform: Shape 22">
+            <a:extLst>
+              <a:ext uri="{FF2B5EF4-FFF2-40B4-BE49-F238E27FC236}">
+                <a16:creationId xmlns:a16="http://schemas.microsoft.com/office/drawing/2014/main" id="{4B2A80CC-0E01-B916-FBA2-C370B19B22B9}"/>
+              </a:ext>
+            </a:extLst>
+          </p:cNvPr>
+          <p:cNvSpPr/>
+          <p:nvPr/>
+        </p:nvSpPr>
+        <p:spPr>
+          <a:xfrm>
+            <a:off x="3634220" y="1131937"/>
+            <a:ext cx="5313219" cy="4577837"/>
+          </a:xfrm>
+          <a:custGeom>
+            <a:avLst/>
+            <a:gdLst>
+              <a:gd name="connsiteX0" fmla="*/ 0 w 5313219"/>
+              <a:gd name="connsiteY0" fmla="*/ 3574473 h 4577837"/>
+              <a:gd name="connsiteX1" fmla="*/ 2763982 w 5313219"/>
+              <a:gd name="connsiteY1" fmla="*/ 4350327 h 4577837"/>
+              <a:gd name="connsiteX2" fmla="*/ 5313219 w 5313219"/>
+              <a:gd name="connsiteY2" fmla="*/ 0 h 4577837"/>
+            </a:gdLst>
+            <a:ahLst/>
+            <a:cxnLst>
+              <a:cxn ang="0">
+                <a:pos x="connsiteX0" y="connsiteY0"/>
+              </a:cxn>
+              <a:cxn ang="0">
+                <a:pos x="connsiteX1" y="connsiteY1"/>
+              </a:cxn>
+              <a:cxn ang="0">
+                <a:pos x="connsiteX2" y="connsiteY2"/>
+              </a:cxn>
+            </a:cxnLst>
+            <a:rect l="l" t="t" r="r" b="b"/>
+            <a:pathLst>
+              <a:path w="5313219" h="4577837">
+                <a:moveTo>
+                  <a:pt x="0" y="3574473"/>
+                </a:moveTo>
+                <a:cubicBezTo>
+                  <a:pt x="939223" y="4260272"/>
+                  <a:pt x="1878446" y="4946072"/>
+                  <a:pt x="2763982" y="4350327"/>
+                </a:cubicBezTo>
+                <a:cubicBezTo>
+                  <a:pt x="3649518" y="3754582"/>
+                  <a:pt x="4481368" y="1877291"/>
+                  <a:pt x="5313219" y="0"/>
+                </a:cubicBezTo>
+              </a:path>
+            </a:pathLst>
+          </a:custGeom>
+          <a:noFill/>
+          <a:ln w="57150">
+            <a:solidFill>
+              <a:schemeClr val="accent6"/>
+            </a:solidFill>
+          </a:ln>
+        </p:spPr>
+        <p:style>
+          <a:lnRef idx="2">
+            <a:schemeClr val="accent1">
+              <a:shade val="15000"/>
+            </a:schemeClr>
+          </a:lnRef>
+          <a:fillRef idx="1">
+            <a:schemeClr val="accent1"/>
+          </a:fillRef>
+          <a:effectRef idx="0">
+            <a:schemeClr val="accent1"/>
+          </a:effectRef>
+          <a:fontRef idx="minor">
+            <a:schemeClr val="lt1"/>
+          </a:fontRef>
+        </p:style>
+        <p:txBody>
+          <a:bodyPr rtlCol="0" anchor="ctr"/>
+          <a:lstStyle/>
+          <a:p>
+            <a:pPr algn="ctr"/>
+            <a:endParaRPr lang="en-US"/>
+          </a:p>
+        </p:txBody>
+      </p:sp>
+      <p:sp>
+        <p:nvSpPr>
+          <p:cNvPr id="24" name="TextBox 23">
+            <a:extLst>
+              <a:ext uri="{FF2B5EF4-FFF2-40B4-BE49-F238E27FC236}">
+                <a16:creationId xmlns:a16="http://schemas.microsoft.com/office/drawing/2014/main" id="{05BAE58E-9774-DEB3-5A02-CFFB6AAA40F8}"/>
+              </a:ext>
+            </a:extLst>
+          </p:cNvPr>
+          <p:cNvSpPr txBox="1"/>
+          <p:nvPr/>
+        </p:nvSpPr>
+        <p:spPr>
+          <a:xfrm>
+            <a:off x="9152715" y="629802"/>
+            <a:ext cx="1227676" cy="954107"/>
+          </a:xfrm>
+          <a:prstGeom prst="rect">
+            <a:avLst/>
+          </a:prstGeom>
+          <a:noFill/>
+        </p:spPr>
+        <p:txBody>
+          <a:bodyPr wrap="square" rtlCol="0">
+            <a:spAutoFit/>
+          </a:bodyPr>
+          <a:lstStyle/>
+          <a:p>
+            <a:pPr/>
+            <a:r>
+              <a:rPr lang="en-US" sz="2800" b="1" dirty="0">
+                <a:solidFill>
+                  <a:srgbClr val="7030A0"/>
+                </a:solidFill>
+                <a:latin typeface="Boucherie Block" panose="02000506000000020004" pitchFamily="2" charset="0"/>
+              </a:rPr>
+              <a:t>Supply Curve</a:t>
+            </a:r>
+          </a:p>
+        </p:txBody>
+      </p:sp>
+      <p:cxnSp>
+        <p:nvCxnSpPr>
+          <p:cNvPr id="34" name="Straight Connector 33">
+            <a:extLst>
+              <a:ext uri="{FF2B5EF4-FFF2-40B4-BE49-F238E27FC236}">
+                <a16:creationId xmlns:a16="http://schemas.microsoft.com/office/drawing/2014/main" id="{4E880803-EBEC-3A1E-892A-6426F8B40B3B}"/>
+              </a:ext>
+            </a:extLst>
+          </p:cNvPr>
+          <p:cNvCxnSpPr>
+            <a:cxnSpLocks/>
+          </p:cNvCxnSpPr>
+          <p:nvPr/>
+        </p:nvCxnSpPr>
+        <p:spPr>
+          <a:xfrm>
+            <a:off x="7180759" y="4621904"/>
+            <a:ext cx="0" cy="1563139"/>
+          </a:xfrm>
+          <a:prstGeom prst="line">
+            <a:avLst/>
+          </a:prstGeom>
+          <a:ln w="28575">
+            <a:solidFill>
+              <a:schemeClr val="tx1"/>
+            </a:solidFill>
+            <a:prstDash val="dash"/>
+          </a:ln>
+        </p:spPr>
+        <p:style>
+          <a:lnRef idx="1">
+            <a:schemeClr val="accent1"/>
+          </a:lnRef>
+          <a:fillRef idx="0">
+            <a:schemeClr val="accent1"/>
+          </a:fillRef>
+          <a:effectRef idx="0">
+            <a:schemeClr val="accent1"/>
+          </a:effectRef>
+          <a:fontRef idx="minor">
+            <a:schemeClr val="tx1"/>
+          </a:fontRef>
+        </p:style>
+      </p:cxnSp>
+      <mc:AlternateContent xmlns:mc="http://schemas.openxmlformats.org/markup-compatibility/2006">
+        <mc:Choice xmlns:a14="http://schemas.microsoft.com/office/drawing/2010/main" Requires="a14">
+          <p:sp>
+            <p:nvSpPr>
+              <p:cNvPr id="46" name="TextBox 45">
+                <a:extLst>
+                  <a:ext uri="{FF2B5EF4-FFF2-40B4-BE49-F238E27FC236}">
+                    <a16:creationId xmlns:a16="http://schemas.microsoft.com/office/drawing/2014/main" id="{E81F67F4-50AA-477B-9A94-07387D248271}"/>
+                  </a:ext>
+                </a:extLst>
+              </p:cNvPr>
+              <p:cNvSpPr txBox="1"/>
+              <p:nvPr/>
+            </p:nvSpPr>
+            <p:spPr>
+              <a:xfrm>
+                <a:off x="1835574" y="4421891"/>
+                <a:ext cx="1726455" cy="369332"/>
+              </a:xfrm>
+              <a:prstGeom prst="rect">
+                <a:avLst/>
+              </a:prstGeom>
+              <a:noFill/>
+            </p:spPr>
+            <p:txBody>
+              <a:bodyPr wrap="square" rtlCol="0">
+                <a:spAutoFit/>
+              </a:bodyPr>
+              <a:lstStyle/>
+              <a:p>
+                <a:pPr/>
+                <a14:m>
+                  <m:oMathPara xmlns:m="http://schemas.openxmlformats.org/officeDocument/2006/math">
+                    <m:oMathParaPr>
+                      <m:jc m:val="centerGroup"/>
+                    </m:oMathParaPr>
+                    <m:oMath xmlns:m="http://schemas.openxmlformats.org/officeDocument/2006/math">
+                      <m:r>
+                        <a:rPr lang="en-US" b="1" i="1" smtClean="0">
+                          <a:solidFill>
+                            <a:schemeClr val="accent1">
+                              <a:lumMod val="75000"/>
+                            </a:schemeClr>
+                          </a:solidFill>
+                          <a:latin typeface="Cambria Math" panose="02040503050406030204" pitchFamily="18" charset="0"/>
+                        </a:rPr>
+                        <m:t>𝑷</m:t>
+                      </m:r>
+                      <m:r>
+                        <a:rPr lang="en-US" b="1" i="1" smtClean="0">
+                          <a:solidFill>
+                            <a:schemeClr val="accent1">
+                              <a:lumMod val="75000"/>
+                            </a:schemeClr>
+                          </a:solidFill>
+                          <a:latin typeface="Cambria Math" panose="02040503050406030204" pitchFamily="18" charset="0"/>
+                        </a:rPr>
+                        <m:t>=</m:t>
+                      </m:r>
+                      <m:r>
+                        <a:rPr lang="en-US" b="1" i="1" smtClean="0">
+                          <a:solidFill>
+                            <a:schemeClr val="accent1">
+                              <a:lumMod val="75000"/>
+                            </a:schemeClr>
+                          </a:solidFill>
+                          <a:latin typeface="Cambria Math" panose="02040503050406030204" pitchFamily="18" charset="0"/>
+                        </a:rPr>
+                        <m:t>𝒎𝒊𝒏</m:t>
+                      </m:r>
+                      <m:r>
+                        <a:rPr lang="en-US" b="1" i="1" smtClean="0">
+                          <a:solidFill>
+                            <a:schemeClr val="accent1">
+                              <a:lumMod val="75000"/>
+                            </a:schemeClr>
+                          </a:solidFill>
+                          <a:latin typeface="Cambria Math" panose="02040503050406030204" pitchFamily="18" charset="0"/>
+                        </a:rPr>
+                        <m:t>{</m:t>
+                      </m:r>
+                      <m:r>
+                        <a:rPr lang="en-US" b="1" i="1" smtClean="0">
+                          <a:solidFill>
+                            <a:schemeClr val="accent1">
+                              <a:lumMod val="75000"/>
+                            </a:schemeClr>
+                          </a:solidFill>
+                          <a:latin typeface="Cambria Math" panose="02040503050406030204" pitchFamily="18" charset="0"/>
+                        </a:rPr>
+                        <m:t>𝑨𝑽𝑪</m:t>
+                      </m:r>
+                      <m:r>
+                        <a:rPr lang="en-US" b="1" i="1" smtClean="0">
+                          <a:solidFill>
+                            <a:schemeClr val="accent1">
+                              <a:lumMod val="75000"/>
+                            </a:schemeClr>
+                          </a:solidFill>
+                          <a:latin typeface="Cambria Math" panose="02040503050406030204" pitchFamily="18" charset="0"/>
+                        </a:rPr>
+                        <m:t>}</m:t>
+                      </m:r>
+                    </m:oMath>
+                  </m:oMathPara>
+                </a14:m>
+                <a:endParaRPr lang="en-US" b="1" dirty="0">
+                  <a:solidFill>
+                    <a:schemeClr val="accent1">
+                      <a:lumMod val="75000"/>
+                    </a:schemeClr>
+                  </a:solidFill>
+                </a:endParaRPr>
+              </a:p>
+            </p:txBody>
+          </p:sp>
+        </mc:Choice>
+        <mc:Fallback>
+          <p:sp>
+            <p:nvSpPr>
+              <p:cNvPr id="46" name="TextBox 45">
+                <a:extLst>
+                  <a:ext uri="{FF2B5EF4-FFF2-40B4-BE49-F238E27FC236}">
+                    <a16:creationId xmlns:a16="http://schemas.microsoft.com/office/drawing/2014/main" id="{E81F67F4-50AA-477B-9A94-07387D248271}"/>
+                  </a:ext>
+                </a:extLst>
+              </p:cNvPr>
+              <p:cNvSpPr txBox="1">
+                <a:spLocks noRot="1" noChangeAspect="1" noMove="1" noResize="1" noEditPoints="1" noAdjustHandles="1" noChangeArrowheads="1" noChangeShapeType="1" noTextEdit="1"/>
+              </p:cNvSpPr>
+              <p:nvPr/>
+            </p:nvSpPr>
+            <p:spPr>
+              <a:xfrm>
+                <a:off x="1835574" y="4421891"/>
+                <a:ext cx="1726455" cy="369332"/>
+              </a:xfrm>
+              <a:prstGeom prst="rect">
+                <a:avLst/>
+              </a:prstGeom>
+              <a:blipFill>
+                <a:blip r:embed="rId4"/>
+                <a:stretch>
+                  <a:fillRect r="-1060" b="-14754"/>
+                </a:stretch>
+              </a:blipFill>
+            </p:spPr>
+            <p:txBody>
+              <a:bodyPr/>
+              <a:lstStyle/>
+              <a:p>
+                <a:r>
+                  <a:rPr lang="en-US">
+                    <a:noFill/>
+                  </a:rPr>
+                  <a:t> </a:t>
+                </a:r>
+              </a:p>
+            </p:txBody>
+          </p:sp>
+        </mc:Fallback>
+      </mc:AlternateContent>
+      <mc:AlternateContent xmlns:mc="http://schemas.openxmlformats.org/markup-compatibility/2006">
+        <mc:Choice xmlns:a14="http://schemas.microsoft.com/office/drawing/2010/main" Requires="a14">
+          <p:sp>
+            <p:nvSpPr>
+              <p:cNvPr id="68" name="TextBox 67">
+                <a:extLst>
+                  <a:ext uri="{FF2B5EF4-FFF2-40B4-BE49-F238E27FC236}">
+                    <a16:creationId xmlns:a16="http://schemas.microsoft.com/office/drawing/2014/main" id="{FA319A7C-E234-6ED7-C721-10CC9946250F}"/>
+                  </a:ext>
+                </a:extLst>
+              </p:cNvPr>
+              <p:cNvSpPr txBox="1"/>
+              <p:nvPr/>
+            </p:nvSpPr>
+            <p:spPr>
+              <a:xfrm>
+                <a:off x="6789224" y="6215260"/>
+                <a:ext cx="807396" cy="369332"/>
+              </a:xfrm>
+              <a:prstGeom prst="rect">
+                <a:avLst/>
+              </a:prstGeom>
+              <a:noFill/>
+            </p:spPr>
+            <p:txBody>
+              <a:bodyPr wrap="square" rtlCol="0">
+                <a:spAutoFit/>
+              </a:bodyPr>
+              <a:lstStyle/>
+              <a:p>
+                <a:pPr/>
+                <a14:m>
+                  <m:oMathPara xmlns:m="http://schemas.openxmlformats.org/officeDocument/2006/math">
+                    <m:oMathParaPr>
+                      <m:jc m:val="centerGroup"/>
+                    </m:oMathParaPr>
+                    <m:oMath xmlns:m="http://schemas.openxmlformats.org/officeDocument/2006/math">
+                      <m:sSub>
+                        <m:sSubPr>
+                          <m:ctrlPr>
+                            <a:rPr lang="en-US" b="1" i="1" smtClean="0">
+                              <a:solidFill>
+                                <a:schemeClr val="tx1"/>
+                              </a:solidFill>
+                              <a:latin typeface="Cambria Math" panose="02040503050406030204" pitchFamily="18" charset="0"/>
+                            </a:rPr>
+                          </m:ctrlPr>
+                        </m:sSubPr>
+                        <m:e>
+                          <m:r>
+                            <a:rPr lang="en-US" b="1" i="1" smtClean="0">
+                              <a:solidFill>
+                                <a:schemeClr val="tx1"/>
+                              </a:solidFill>
+                              <a:latin typeface="Cambria Math" panose="02040503050406030204" pitchFamily="18" charset="0"/>
+                            </a:rPr>
+                            <m:t>𝑸</m:t>
+                          </m:r>
+                        </m:e>
+                        <m:sub>
+                          <m:r>
+                            <a:rPr lang="en-US" b="1" i="1" smtClean="0">
+                              <a:solidFill>
+                                <a:schemeClr val="tx1"/>
+                              </a:solidFill>
+                              <a:latin typeface="Cambria Math" panose="02040503050406030204" pitchFamily="18" charset="0"/>
+                            </a:rPr>
+                            <m:t>𝟐</m:t>
+                          </m:r>
+                        </m:sub>
+                      </m:sSub>
+                    </m:oMath>
+                  </m:oMathPara>
+                </a14:m>
+                <a:endParaRPr lang="en-US" b="1" dirty="0">
+                  <a:solidFill>
+                    <a:schemeClr val="tx1"/>
+                  </a:solidFill>
+                </a:endParaRPr>
+              </a:p>
+            </p:txBody>
+          </p:sp>
+        </mc:Choice>
+        <mc:Fallback>
+          <p:sp>
+            <p:nvSpPr>
+              <p:cNvPr id="68" name="TextBox 67">
+                <a:extLst>
+                  <a:ext uri="{FF2B5EF4-FFF2-40B4-BE49-F238E27FC236}">
+                    <a16:creationId xmlns:a16="http://schemas.microsoft.com/office/drawing/2014/main" id="{FA319A7C-E234-6ED7-C721-10CC9946250F}"/>
+                  </a:ext>
+                </a:extLst>
+              </p:cNvPr>
+              <p:cNvSpPr txBox="1">
+                <a:spLocks noRot="1" noChangeAspect="1" noMove="1" noResize="1" noEditPoints="1" noAdjustHandles="1" noChangeArrowheads="1" noChangeShapeType="1" noTextEdit="1"/>
+              </p:cNvSpPr>
+              <p:nvPr/>
+            </p:nvSpPr>
+            <p:spPr>
+              <a:xfrm>
+                <a:off x="6789224" y="6215260"/>
+                <a:ext cx="807396" cy="369332"/>
+              </a:xfrm>
+              <a:prstGeom prst="rect">
+                <a:avLst/>
+              </a:prstGeom>
+              <a:blipFill>
+                <a:blip r:embed="rId5"/>
+                <a:stretch>
+                  <a:fillRect b="-10000"/>
+                </a:stretch>
+              </a:blipFill>
+            </p:spPr>
+            <p:txBody>
+              <a:bodyPr/>
+              <a:lstStyle/>
+              <a:p>
+                <a:r>
+                  <a:rPr lang="en-US">
+                    <a:noFill/>
+                  </a:rPr>
+                  <a:t> </a:t>
+                </a:r>
+              </a:p>
+            </p:txBody>
+          </p:sp>
+        </mc:Fallback>
+      </mc:AlternateContent>
+      <p:cxnSp>
+        <p:nvCxnSpPr>
+          <p:cNvPr id="3" name="Straight Connector 2">
+            <a:extLst>
+              <a:ext uri="{FF2B5EF4-FFF2-40B4-BE49-F238E27FC236}">
+                <a16:creationId xmlns:a16="http://schemas.microsoft.com/office/drawing/2014/main" id="{BAA0A6B0-9CD1-6688-45EF-A003C3915DC8}"/>
+              </a:ext>
+            </a:extLst>
+          </p:cNvPr>
+          <p:cNvCxnSpPr>
+            <a:cxnSpLocks/>
+            <a:stCxn id="15" idx="1"/>
+          </p:cNvCxnSpPr>
+          <p:nvPr/>
+        </p:nvCxnSpPr>
+        <p:spPr>
+          <a:xfrm flipV="1">
+            <a:off x="3607463" y="4621904"/>
+            <a:ext cx="0" cy="1614693"/>
+          </a:xfrm>
+          <a:prstGeom prst="line">
+            <a:avLst/>
+          </a:prstGeom>
+          <a:ln w="190500">
+            <a:solidFill>
+              <a:srgbClr val="7030A0"/>
+            </a:solidFill>
+          </a:ln>
+        </p:spPr>
+        <p:style>
+          <a:lnRef idx="1">
+            <a:schemeClr val="accent1"/>
+          </a:lnRef>
+          <a:fillRef idx="0">
+            <a:schemeClr val="accent1"/>
+          </a:fillRef>
+          <a:effectRef idx="0">
+            <a:schemeClr val="accent1"/>
+          </a:effectRef>
+          <a:fontRef idx="minor">
+            <a:schemeClr val="tx1"/>
+          </a:fontRef>
+        </p:style>
+      </p:cxnSp>
+      <p:sp>
+        <p:nvSpPr>
+          <p:cNvPr id="11" name="Freeform: Shape 10">
+            <a:extLst>
+              <a:ext uri="{FF2B5EF4-FFF2-40B4-BE49-F238E27FC236}">
+                <a16:creationId xmlns:a16="http://schemas.microsoft.com/office/drawing/2014/main" id="{E321AE00-9314-D87F-1D6B-4865CCA9695F}"/>
+              </a:ext>
+            </a:extLst>
+          </p:cNvPr>
+          <p:cNvSpPr/>
+          <p:nvPr/>
+        </p:nvSpPr>
+        <p:spPr>
+          <a:xfrm>
+            <a:off x="7163851" y="1160342"/>
+            <a:ext cx="1784657" cy="3474720"/>
+          </a:xfrm>
+          <a:custGeom>
+            <a:avLst/>
+            <a:gdLst>
+              <a:gd name="connsiteX0" fmla="*/ 0 w 1784657"/>
+              <a:gd name="connsiteY0" fmla="*/ 3474720 h 3474720"/>
+              <a:gd name="connsiteX1" fmla="*/ 945931 w 1784657"/>
+              <a:gd name="connsiteY1" fmla="*/ 1835106 h 3474720"/>
+              <a:gd name="connsiteX2" fmla="*/ 1784657 w 1784657"/>
+              <a:gd name="connsiteY2" fmla="*/ 0 h 3474720"/>
+            </a:gdLst>
+            <a:ahLst/>
+            <a:cxnLst>
+              <a:cxn ang="0">
+                <a:pos x="connsiteX0" y="connsiteY0"/>
+              </a:cxn>
+              <a:cxn ang="0">
+                <a:pos x="connsiteX1" y="connsiteY1"/>
+              </a:cxn>
+              <a:cxn ang="0">
+                <a:pos x="connsiteX2" y="connsiteY2"/>
+              </a:cxn>
+            </a:cxnLst>
+            <a:rect l="l" t="t" r="r" b="b"/>
+            <a:pathLst>
+              <a:path w="1784657" h="3474720">
+                <a:moveTo>
+                  <a:pt x="0" y="3474720"/>
+                </a:moveTo>
+                <a:cubicBezTo>
+                  <a:pt x="324244" y="2944473"/>
+                  <a:pt x="648488" y="2414226"/>
+                  <a:pt x="945931" y="1835106"/>
+                </a:cubicBezTo>
+                <a:cubicBezTo>
+                  <a:pt x="1243374" y="1255986"/>
+                  <a:pt x="1514015" y="627993"/>
+                  <a:pt x="1784657" y="0"/>
+                </a:cubicBezTo>
+              </a:path>
+            </a:pathLst>
+          </a:custGeom>
+          <a:noFill/>
+          <a:ln w="190500">
+            <a:solidFill>
+              <a:srgbClr val="7030A0"/>
+            </a:solidFill>
+          </a:ln>
+        </p:spPr>
+        <p:style>
+          <a:lnRef idx="2">
+            <a:schemeClr val="accent1">
+              <a:shade val="15000"/>
+            </a:schemeClr>
+          </a:lnRef>
+          <a:fillRef idx="1">
+            <a:schemeClr val="accent1"/>
+          </a:fillRef>
+          <a:effectRef idx="0">
+            <a:schemeClr val="accent1"/>
+          </a:effectRef>
+          <a:fontRef idx="minor">
+            <a:schemeClr val="lt1"/>
+          </a:fontRef>
+        </p:style>
+        <p:txBody>
+          <a:bodyPr rtlCol="0" anchor="ctr"/>
+          <a:lstStyle/>
+          <a:p>
+            <a:pPr algn="ctr"/>
+            <a:endParaRPr lang="en-US"/>
+          </a:p>
+        </p:txBody>
+      </p:sp>
+      <p:cxnSp>
+        <p:nvCxnSpPr>
+          <p:cNvPr id="16" name="Straight Connector 15">
+            <a:extLst>
+              <a:ext uri="{FF2B5EF4-FFF2-40B4-BE49-F238E27FC236}">
+                <a16:creationId xmlns:a16="http://schemas.microsoft.com/office/drawing/2014/main" id="{6A69A498-1659-FC2B-B3BA-2DBA8950052C}"/>
+              </a:ext>
+            </a:extLst>
+          </p:cNvPr>
+          <p:cNvCxnSpPr>
+            <a:cxnSpLocks/>
+          </p:cNvCxnSpPr>
+          <p:nvPr/>
+        </p:nvCxnSpPr>
+        <p:spPr>
+          <a:xfrm>
+            <a:off x="3607463" y="4606557"/>
+            <a:ext cx="3551283" cy="22846"/>
+          </a:xfrm>
+          <a:prstGeom prst="line">
+            <a:avLst/>
+          </a:prstGeom>
+          <a:ln w="57150">
+            <a:solidFill>
+              <a:srgbClr val="7030A0"/>
+            </a:solidFill>
+          </a:ln>
+        </p:spPr>
+        <p:style>
+          <a:lnRef idx="1">
+            <a:schemeClr val="accent1"/>
+          </a:lnRef>
+          <a:fillRef idx="0">
+            <a:schemeClr val="accent1"/>
+          </a:fillRef>
+          <a:effectRef idx="0">
+            <a:schemeClr val="accent1"/>
+          </a:effectRef>
+          <a:fontRef idx="minor">
+            <a:schemeClr val="tx1"/>
+          </a:fontRef>
+        </p:style>
+      </p:cxnSp>
+      <p:cxnSp>
+        <p:nvCxnSpPr>
+          <p:cNvPr id="27" name="Straight Arrow Connector 26">
+            <a:extLst>
+              <a:ext uri="{FF2B5EF4-FFF2-40B4-BE49-F238E27FC236}">
+                <a16:creationId xmlns:a16="http://schemas.microsoft.com/office/drawing/2014/main" id="{8CBE7760-346E-8151-542F-E4512CD01AEB}"/>
+              </a:ext>
+            </a:extLst>
+          </p:cNvPr>
+          <p:cNvCxnSpPr>
+            <a:cxnSpLocks/>
+          </p:cNvCxnSpPr>
+          <p:nvPr/>
+        </p:nvCxnSpPr>
+        <p:spPr>
+          <a:xfrm flipH="1" flipV="1">
+            <a:off x="2987799" y="835496"/>
+            <a:ext cx="4545" cy="3492960"/>
+          </a:xfrm>
+          <a:prstGeom prst="straightConnector1">
+            <a:avLst/>
+          </a:prstGeom>
+          <a:ln w="57150">
+            <a:solidFill>
+              <a:schemeClr val="accent5">
+                <a:lumMod val="75000"/>
+              </a:schemeClr>
+            </a:solidFill>
+            <a:tailEnd type="triangle"/>
+          </a:ln>
+        </p:spPr>
+        <p:style>
+          <a:lnRef idx="1">
+            <a:schemeClr val="accent1"/>
+          </a:lnRef>
+          <a:fillRef idx="0">
+            <a:schemeClr val="accent1"/>
+          </a:fillRef>
+          <a:effectRef idx="0">
+            <a:schemeClr val="accent1"/>
+          </a:effectRef>
+          <a:fontRef idx="minor">
+            <a:schemeClr val="tx1"/>
+          </a:fontRef>
+        </p:style>
+      </p:cxnSp>
+      <p:cxnSp>
+        <p:nvCxnSpPr>
+          <p:cNvPr id="28" name="Straight Arrow Connector 27">
+            <a:extLst>
+              <a:ext uri="{FF2B5EF4-FFF2-40B4-BE49-F238E27FC236}">
+                <a16:creationId xmlns:a16="http://schemas.microsoft.com/office/drawing/2014/main" id="{351CB30C-646B-782D-04CC-E91F449B33C2}"/>
+              </a:ext>
+            </a:extLst>
+          </p:cNvPr>
+          <p:cNvCxnSpPr>
+            <a:cxnSpLocks/>
+          </p:cNvCxnSpPr>
+          <p:nvPr/>
+        </p:nvCxnSpPr>
+        <p:spPr>
+          <a:xfrm>
+            <a:off x="2987799" y="4940201"/>
+            <a:ext cx="0" cy="1296396"/>
+          </a:xfrm>
+          <a:prstGeom prst="straightConnector1">
+            <a:avLst/>
+          </a:prstGeom>
+          <a:ln w="57150">
+            <a:solidFill>
+              <a:schemeClr val="accent5">
+                <a:lumMod val="75000"/>
+              </a:schemeClr>
+            </a:solidFill>
+            <a:tailEnd type="triangle"/>
+          </a:ln>
+        </p:spPr>
+        <p:style>
+          <a:lnRef idx="1">
+            <a:schemeClr val="accent1"/>
+          </a:lnRef>
+          <a:fillRef idx="0">
+            <a:schemeClr val="accent1"/>
+          </a:fillRef>
+          <a:effectRef idx="0">
+            <a:schemeClr val="accent1"/>
+          </a:effectRef>
+          <a:fontRef idx="minor">
+            <a:schemeClr val="tx1"/>
+          </a:fontRef>
+        </p:style>
+      </p:cxnSp>
+      <mc:AlternateContent xmlns:mc="http://schemas.openxmlformats.org/markup-compatibility/2006">
+        <mc:Choice xmlns:a14="http://schemas.microsoft.com/office/drawing/2010/main" Requires="a14">
+          <p:sp>
+            <p:nvSpPr>
+              <p:cNvPr id="30" name="TextBox 29">
+                <a:extLst>
+                  <a:ext uri="{FF2B5EF4-FFF2-40B4-BE49-F238E27FC236}">
+                    <a16:creationId xmlns:a16="http://schemas.microsoft.com/office/drawing/2014/main" id="{415E14EE-6458-7706-55FF-4050B4801441}"/>
+                  </a:ext>
+                </a:extLst>
+              </p:cNvPr>
+              <p:cNvSpPr txBox="1"/>
+              <p:nvPr/>
+            </p:nvSpPr>
+            <p:spPr>
+              <a:xfrm>
+                <a:off x="1804021" y="2394676"/>
+                <a:ext cx="1102893" cy="369332"/>
+              </a:xfrm>
+              <a:prstGeom prst="rect">
+                <a:avLst/>
+              </a:prstGeom>
+              <a:noFill/>
+            </p:spPr>
+            <p:txBody>
+              <a:bodyPr wrap="square" rtlCol="0">
+                <a:spAutoFit/>
+              </a:bodyPr>
+              <a:lstStyle/>
+              <a:p>
+                <a:pPr/>
+                <a14:m>
+                  <m:oMathPara xmlns:m="http://schemas.openxmlformats.org/officeDocument/2006/math">
+                    <m:oMathParaPr>
+                      <m:jc m:val="centerGroup"/>
+                    </m:oMathParaPr>
+                    <m:oMath xmlns:m="http://schemas.openxmlformats.org/officeDocument/2006/math">
+                      <m:r>
+                        <a:rPr lang="en-US" b="1" i="1" smtClean="0">
+                          <a:solidFill>
+                            <a:schemeClr val="accent1">
+                              <a:lumMod val="75000"/>
+                            </a:schemeClr>
+                          </a:solidFill>
+                          <a:latin typeface="Cambria Math" panose="02040503050406030204" pitchFamily="18" charset="0"/>
+                        </a:rPr>
+                        <m:t>𝑸</m:t>
+                      </m:r>
+                      <m:r>
+                        <a:rPr lang="en-US" b="1" i="1" smtClean="0">
+                          <a:solidFill>
+                            <a:schemeClr val="accent1">
+                              <a:lumMod val="75000"/>
+                            </a:schemeClr>
+                          </a:solidFill>
+                          <a:latin typeface="Cambria Math" panose="02040503050406030204" pitchFamily="18" charset="0"/>
+                        </a:rPr>
+                        <m:t>&gt;</m:t>
+                      </m:r>
+                      <m:r>
+                        <a:rPr lang="en-US" b="1" i="1" smtClean="0">
+                          <a:solidFill>
+                            <a:schemeClr val="accent1">
+                              <a:lumMod val="75000"/>
+                            </a:schemeClr>
+                          </a:solidFill>
+                          <a:latin typeface="Cambria Math" panose="02040503050406030204" pitchFamily="18" charset="0"/>
+                        </a:rPr>
+                        <m:t>𝟎</m:t>
+                      </m:r>
+                    </m:oMath>
+                  </m:oMathPara>
+                </a14:m>
+                <a:endParaRPr lang="en-US" b="1" dirty="0">
+                  <a:solidFill>
+                    <a:schemeClr val="accent1">
+                      <a:lumMod val="75000"/>
+                    </a:schemeClr>
+                  </a:solidFill>
+                </a:endParaRPr>
+              </a:p>
+            </p:txBody>
+          </p:sp>
+        </mc:Choice>
+        <mc:Fallback>
+          <p:sp>
+            <p:nvSpPr>
+              <p:cNvPr id="30" name="TextBox 29">
+                <a:extLst>
+                  <a:ext uri="{FF2B5EF4-FFF2-40B4-BE49-F238E27FC236}">
+                    <a16:creationId xmlns:a16="http://schemas.microsoft.com/office/drawing/2014/main" id="{415E14EE-6458-7706-55FF-4050B4801441}"/>
+                  </a:ext>
+                </a:extLst>
+              </p:cNvPr>
+              <p:cNvSpPr txBox="1">
+                <a:spLocks noRot="1" noChangeAspect="1" noMove="1" noResize="1" noEditPoints="1" noAdjustHandles="1" noChangeArrowheads="1" noChangeShapeType="1" noTextEdit="1"/>
+              </p:cNvSpPr>
+              <p:nvPr/>
+            </p:nvSpPr>
+            <p:spPr>
+              <a:xfrm>
+                <a:off x="1804021" y="2394676"/>
+                <a:ext cx="1102893" cy="369332"/>
+              </a:xfrm>
+              <a:prstGeom prst="rect">
+                <a:avLst/>
+              </a:prstGeom>
+              <a:blipFill>
+                <a:blip r:embed="rId6"/>
+                <a:stretch>
+                  <a:fillRect b="-10000"/>
+                </a:stretch>
+              </a:blipFill>
+            </p:spPr>
+            <p:txBody>
+              <a:bodyPr/>
+              <a:lstStyle/>
+              <a:p>
+                <a:r>
+                  <a:rPr lang="en-US">
+                    <a:noFill/>
+                  </a:rPr>
+                  <a:t> </a:t>
+                </a:r>
+              </a:p>
+            </p:txBody>
+          </p:sp>
+        </mc:Fallback>
+      </mc:AlternateContent>
+      <mc:AlternateContent xmlns:mc="http://schemas.openxmlformats.org/markup-compatibility/2006">
+        <mc:Choice xmlns:a14="http://schemas.microsoft.com/office/drawing/2010/main" Requires="a14">
+          <p:sp>
+            <p:nvSpPr>
+              <p:cNvPr id="31" name="TextBox 30">
+                <a:extLst>
+                  <a:ext uri="{FF2B5EF4-FFF2-40B4-BE49-F238E27FC236}">
+                    <a16:creationId xmlns:a16="http://schemas.microsoft.com/office/drawing/2014/main" id="{C59191EE-3967-DD32-3477-57D80CA1C943}"/>
+                  </a:ext>
+                </a:extLst>
+              </p:cNvPr>
+              <p:cNvSpPr txBox="1"/>
+              <p:nvPr/>
+            </p:nvSpPr>
+            <p:spPr>
+              <a:xfrm>
+                <a:off x="1779771" y="5321637"/>
+                <a:ext cx="1102893" cy="369332"/>
+              </a:xfrm>
+              <a:prstGeom prst="rect">
+                <a:avLst/>
+              </a:prstGeom>
+              <a:noFill/>
+            </p:spPr>
+            <p:txBody>
+              <a:bodyPr wrap="square" rtlCol="0">
+                <a:spAutoFit/>
+              </a:bodyPr>
+              <a:lstStyle/>
+              <a:p>
+                <a:pPr/>
+                <a14:m>
+                  <m:oMathPara xmlns:m="http://schemas.openxmlformats.org/officeDocument/2006/math">
+                    <m:oMathParaPr>
+                      <m:jc m:val="centerGroup"/>
+                    </m:oMathParaPr>
+                    <m:oMath xmlns:m="http://schemas.openxmlformats.org/officeDocument/2006/math">
+                      <m:r>
+                        <a:rPr lang="en-US" b="1" i="1" smtClean="0">
+                          <a:solidFill>
+                            <a:schemeClr val="accent1">
+                              <a:lumMod val="75000"/>
+                            </a:schemeClr>
+                          </a:solidFill>
+                          <a:latin typeface="Cambria Math" panose="02040503050406030204" pitchFamily="18" charset="0"/>
+                        </a:rPr>
+                        <m:t>𝑸</m:t>
+                      </m:r>
+                      <m:r>
+                        <a:rPr lang="en-US" b="1" i="1" smtClean="0">
+                          <a:solidFill>
+                            <a:schemeClr val="accent1">
+                              <a:lumMod val="75000"/>
+                            </a:schemeClr>
+                          </a:solidFill>
+                          <a:latin typeface="Cambria Math" panose="02040503050406030204" pitchFamily="18" charset="0"/>
+                        </a:rPr>
+                        <m:t>&lt;</m:t>
+                      </m:r>
+                      <m:r>
+                        <a:rPr lang="en-US" b="1" i="1" smtClean="0">
+                          <a:solidFill>
+                            <a:schemeClr val="accent1">
+                              <a:lumMod val="75000"/>
+                            </a:schemeClr>
+                          </a:solidFill>
+                          <a:latin typeface="Cambria Math" panose="02040503050406030204" pitchFamily="18" charset="0"/>
+                        </a:rPr>
+                        <m:t>𝟎</m:t>
+                      </m:r>
+                    </m:oMath>
+                  </m:oMathPara>
+                </a14:m>
+                <a:endParaRPr lang="en-US" b="1" dirty="0">
+                  <a:solidFill>
+                    <a:schemeClr val="accent1">
+                      <a:lumMod val="75000"/>
+                    </a:schemeClr>
+                  </a:solidFill>
+                </a:endParaRPr>
+              </a:p>
+            </p:txBody>
+          </p:sp>
+        </mc:Choice>
+        <mc:Fallback>
+          <p:sp>
+            <p:nvSpPr>
+              <p:cNvPr id="31" name="TextBox 30">
+                <a:extLst>
+                  <a:ext uri="{FF2B5EF4-FFF2-40B4-BE49-F238E27FC236}">
+                    <a16:creationId xmlns:a16="http://schemas.microsoft.com/office/drawing/2014/main" id="{C59191EE-3967-DD32-3477-57D80CA1C943}"/>
+                  </a:ext>
+                </a:extLst>
+              </p:cNvPr>
+              <p:cNvSpPr txBox="1">
+                <a:spLocks noRot="1" noChangeAspect="1" noMove="1" noResize="1" noEditPoints="1" noAdjustHandles="1" noChangeArrowheads="1" noChangeShapeType="1" noTextEdit="1"/>
+              </p:cNvSpPr>
+              <p:nvPr/>
+            </p:nvSpPr>
+            <p:spPr>
+              <a:xfrm>
+                <a:off x="1779771" y="5321637"/>
+                <a:ext cx="1102893" cy="369332"/>
+              </a:xfrm>
+              <a:prstGeom prst="rect">
+                <a:avLst/>
+              </a:prstGeom>
+              <a:blipFill>
+                <a:blip r:embed="rId7"/>
+                <a:stretch>
+                  <a:fillRect b="-8197"/>
+                </a:stretch>
+              </a:blipFill>
+            </p:spPr>
+            <p:txBody>
+              <a:bodyPr/>
+              <a:lstStyle/>
+              <a:p>
+                <a:r>
+                  <a:rPr lang="en-US">
+                    <a:noFill/>
+                  </a:rPr>
+                  <a:t> </a:t>
+                </a:r>
+              </a:p>
+            </p:txBody>
+          </p:sp>
+        </mc:Fallback>
+      </mc:AlternateContent>
+    </p:spTree>
+    <p:extLst>
+      <p:ext uri="{BB962C8B-B14F-4D97-AF65-F5344CB8AC3E}">
+        <p14:creationId xmlns:p14="http://schemas.microsoft.com/office/powerpoint/2010/main" val="3627808079"/>
       </p:ext>
     </p:extLst>
   </p:cSld>

--- a/Slides/graph-maker.pptx
+++ b/Slides/graph-maker.pptx
@@ -49,6 +49,8 @@
     <p:sldId id="297" r:id="rId43"/>
     <p:sldId id="298" r:id="rId44"/>
     <p:sldId id="299" r:id="rId45"/>
+    <p:sldId id="300" r:id="rId46"/>
+    <p:sldId id="301" r:id="rId47"/>
   </p:sldIdLst>
   <p:sldSz cx="12192000" cy="6858000"/>
   <p:notesSz cx="6858000" cy="9144000"/>
@@ -302,7 +304,7 @@
           <a:p>
             <a:fld id="{B3C0BABF-8EDA-4B51-8A1B-0A9A6121571D}" type="datetimeFigureOut">
               <a:rPr lang="en-US" smtClean="0"/>
-              <a:t>2/24/2024</a:t>
+              <a:t>2/26/2024</a:t>
             </a:fld>
             <a:endParaRPr lang="en-US"/>
           </a:p>
@@ -500,7 +502,7 @@
           <a:p>
             <a:fld id="{B3C0BABF-8EDA-4B51-8A1B-0A9A6121571D}" type="datetimeFigureOut">
               <a:rPr lang="en-US" smtClean="0"/>
-              <a:t>2/24/2024</a:t>
+              <a:t>2/26/2024</a:t>
             </a:fld>
             <a:endParaRPr lang="en-US"/>
           </a:p>
@@ -708,7 +710,7 @@
           <a:p>
             <a:fld id="{B3C0BABF-8EDA-4B51-8A1B-0A9A6121571D}" type="datetimeFigureOut">
               <a:rPr lang="en-US" smtClean="0"/>
-              <a:t>2/24/2024</a:t>
+              <a:t>2/26/2024</a:t>
             </a:fld>
             <a:endParaRPr lang="en-US"/>
           </a:p>
@@ -906,7 +908,7 @@
           <a:p>
             <a:fld id="{B3C0BABF-8EDA-4B51-8A1B-0A9A6121571D}" type="datetimeFigureOut">
               <a:rPr lang="en-US" smtClean="0"/>
-              <a:t>2/24/2024</a:t>
+              <a:t>2/26/2024</a:t>
             </a:fld>
             <a:endParaRPr lang="en-US"/>
           </a:p>
@@ -1181,7 +1183,7 @@
           <a:p>
             <a:fld id="{B3C0BABF-8EDA-4B51-8A1B-0A9A6121571D}" type="datetimeFigureOut">
               <a:rPr lang="en-US" smtClean="0"/>
-              <a:t>2/24/2024</a:t>
+              <a:t>2/26/2024</a:t>
             </a:fld>
             <a:endParaRPr lang="en-US"/>
           </a:p>
@@ -1446,7 +1448,7 @@
           <a:p>
             <a:fld id="{B3C0BABF-8EDA-4B51-8A1B-0A9A6121571D}" type="datetimeFigureOut">
               <a:rPr lang="en-US" smtClean="0"/>
-              <a:t>2/24/2024</a:t>
+              <a:t>2/26/2024</a:t>
             </a:fld>
             <a:endParaRPr lang="en-US"/>
           </a:p>
@@ -1858,7 +1860,7 @@
           <a:p>
             <a:fld id="{B3C0BABF-8EDA-4B51-8A1B-0A9A6121571D}" type="datetimeFigureOut">
               <a:rPr lang="en-US" smtClean="0"/>
-              <a:t>2/24/2024</a:t>
+              <a:t>2/26/2024</a:t>
             </a:fld>
             <a:endParaRPr lang="en-US"/>
           </a:p>
@@ -1999,7 +2001,7 @@
           <a:p>
             <a:fld id="{B3C0BABF-8EDA-4B51-8A1B-0A9A6121571D}" type="datetimeFigureOut">
               <a:rPr lang="en-US" smtClean="0"/>
-              <a:t>2/24/2024</a:t>
+              <a:t>2/26/2024</a:t>
             </a:fld>
             <a:endParaRPr lang="en-US"/>
           </a:p>
@@ -2112,7 +2114,7 @@
           <a:p>
             <a:fld id="{B3C0BABF-8EDA-4B51-8A1B-0A9A6121571D}" type="datetimeFigureOut">
               <a:rPr lang="en-US" smtClean="0"/>
-              <a:t>2/24/2024</a:t>
+              <a:t>2/26/2024</a:t>
             </a:fld>
             <a:endParaRPr lang="en-US"/>
           </a:p>
@@ -2423,7 +2425,7 @@
           <a:p>
             <a:fld id="{B3C0BABF-8EDA-4B51-8A1B-0A9A6121571D}" type="datetimeFigureOut">
               <a:rPr lang="en-US" smtClean="0"/>
-              <a:t>2/24/2024</a:t>
+              <a:t>2/26/2024</a:t>
             </a:fld>
             <a:endParaRPr lang="en-US"/>
           </a:p>
@@ -2711,7 +2713,7 @@
           <a:p>
             <a:fld id="{B3C0BABF-8EDA-4B51-8A1B-0A9A6121571D}" type="datetimeFigureOut">
               <a:rPr lang="en-US" smtClean="0"/>
-              <a:t>2/24/2024</a:t>
+              <a:t>2/26/2024</a:t>
             </a:fld>
             <a:endParaRPr lang="en-US"/>
           </a:p>
@@ -2952,7 +2954,7 @@
           <a:p>
             <a:fld id="{B3C0BABF-8EDA-4B51-8A1B-0A9A6121571D}" type="datetimeFigureOut">
               <a:rPr lang="en-US" smtClean="0"/>
-              <a:t>2/24/2024</a:t>
+              <a:t>2/26/2024</a:t>
             </a:fld>
             <a:endParaRPr lang="en-US"/>
           </a:p>
@@ -37534,8 +37536,8 @@
           <a:chExt cx="0" cy="0"/>
         </a:xfrm>
       </p:grpSpPr>
-      <mc:AlternateContent xmlns:mc="http://schemas.openxmlformats.org/markup-compatibility/2006">
-        <mc:Choice xmlns:a14="http://schemas.microsoft.com/office/drawing/2010/main" Requires="a14">
+      <mc:AlternateContent xmlns:mc="http://schemas.openxmlformats.org/markup-compatibility/2006" xmlns:a14="http://schemas.microsoft.com/office/drawing/2010/main">
+        <mc:Choice Requires="a14">
           <p:sp>
             <p:nvSpPr>
               <p:cNvPr id="13" name="TextBox 12">
@@ -37592,7 +37594,7 @@
             </p:txBody>
           </p:sp>
         </mc:Choice>
-        <mc:Fallback>
+        <mc:Fallback xmlns="">
           <p:sp>
             <p:nvSpPr>
               <p:cNvPr id="13" name="TextBox 12">
@@ -37637,8 +37639,8 @@
           </p:sp>
         </mc:Fallback>
       </mc:AlternateContent>
-      <mc:AlternateContent xmlns:mc="http://schemas.openxmlformats.org/markup-compatibility/2006">
-        <mc:Choice xmlns:a14="http://schemas.microsoft.com/office/drawing/2010/main" Requires="a14">
+      <mc:AlternateContent xmlns:mc="http://schemas.openxmlformats.org/markup-compatibility/2006" xmlns:a14="http://schemas.microsoft.com/office/drawing/2010/main">
+        <mc:Choice Requires="a14">
           <p:sp>
             <p:nvSpPr>
               <p:cNvPr id="14" name="TextBox 13">
@@ -37695,7 +37697,7 @@
             </p:txBody>
           </p:sp>
         </mc:Choice>
-        <mc:Fallback>
+        <mc:Fallback xmlns="">
           <p:sp>
             <p:nvSpPr>
               <p:cNvPr id="14" name="TextBox 13">
@@ -37819,8 +37821,8 @@
           </a:p>
         </p:txBody>
       </p:sp>
-      <mc:AlternateContent xmlns:mc="http://schemas.openxmlformats.org/markup-compatibility/2006">
-        <mc:Choice xmlns:a14="http://schemas.microsoft.com/office/drawing/2010/main" Requires="a14">
+      <mc:AlternateContent xmlns:mc="http://schemas.openxmlformats.org/markup-compatibility/2006" xmlns:a14="http://schemas.microsoft.com/office/drawing/2010/main">
+        <mc:Choice Requires="a14">
           <p:sp>
             <p:nvSpPr>
               <p:cNvPr id="17" name="TextBox 16">
@@ -37877,7 +37879,7 @@
             </p:txBody>
           </p:sp>
         </mc:Choice>
-        <mc:Fallback>
+        <mc:Fallback xmlns="">
           <p:sp>
             <p:nvSpPr>
               <p:cNvPr id="17" name="TextBox 16">
@@ -38102,8 +38104,8 @@
           </a:p>
         </p:txBody>
       </p:sp>
-      <mc:AlternateContent xmlns:mc="http://schemas.openxmlformats.org/markup-compatibility/2006">
-        <mc:Choice xmlns:a14="http://schemas.microsoft.com/office/drawing/2010/main" Requires="a14">
+      <mc:AlternateContent xmlns:mc="http://schemas.openxmlformats.org/markup-compatibility/2006" xmlns:a14="http://schemas.microsoft.com/office/drawing/2010/main">
+        <mc:Choice Requires="a14">
           <p:sp>
             <p:nvSpPr>
               <p:cNvPr id="20" name="TextBox 19">
@@ -38160,7 +38162,7 @@
             </p:txBody>
           </p:sp>
         </mc:Choice>
-        <mc:Fallback>
+        <mc:Fallback xmlns="">
           <p:sp>
             <p:nvSpPr>
               <p:cNvPr id="20" name="TextBox 19">
@@ -38297,8 +38299,8 @@
           </a:p>
         </p:txBody>
       </p:sp>
-      <mc:AlternateContent xmlns:mc="http://schemas.openxmlformats.org/markup-compatibility/2006">
-        <mc:Choice xmlns:a14="http://schemas.microsoft.com/office/drawing/2010/main" Requires="a14">
+      <mc:AlternateContent xmlns:mc="http://schemas.openxmlformats.org/markup-compatibility/2006" xmlns:a14="http://schemas.microsoft.com/office/drawing/2010/main">
+        <mc:Choice Requires="a14">
           <p:sp>
             <p:nvSpPr>
               <p:cNvPr id="22" name="TextBox 21">
@@ -38359,7 +38361,7 @@
             </p:txBody>
           </p:sp>
         </mc:Choice>
-        <mc:Fallback>
+        <mc:Fallback xmlns="">
           <p:sp>
             <p:nvSpPr>
               <p:cNvPr id="22" name="TextBox 21">
@@ -38494,8 +38496,8 @@
           </a:p>
         </p:txBody>
       </p:sp>
-      <mc:AlternateContent xmlns:mc="http://schemas.openxmlformats.org/markup-compatibility/2006">
-        <mc:Choice xmlns:a14="http://schemas.microsoft.com/office/drawing/2010/main" Requires="a14">
+      <mc:AlternateContent xmlns:mc="http://schemas.openxmlformats.org/markup-compatibility/2006" xmlns:a14="http://schemas.microsoft.com/office/drawing/2010/main">
+        <mc:Choice Requires="a14">
           <p:sp>
             <p:nvSpPr>
               <p:cNvPr id="24" name="TextBox 23">
@@ -38552,7 +38554,7 @@
             </p:txBody>
           </p:sp>
         </mc:Choice>
-        <mc:Fallback>
+        <mc:Fallback xmlns="">
           <p:sp>
             <p:nvSpPr>
               <p:cNvPr id="24" name="TextBox 23">
@@ -38729,8 +38731,8 @@
           </a:fontRef>
         </p:style>
       </p:cxnSp>
-      <mc:AlternateContent xmlns:mc="http://schemas.openxmlformats.org/markup-compatibility/2006">
-        <mc:Choice xmlns:a14="http://schemas.microsoft.com/office/drawing/2010/main" Requires="a14">
+      <mc:AlternateContent xmlns:mc="http://schemas.openxmlformats.org/markup-compatibility/2006" xmlns:a14="http://schemas.microsoft.com/office/drawing/2010/main">
+        <mc:Choice Requires="a14">
           <p:sp>
             <p:nvSpPr>
               <p:cNvPr id="41" name="TextBox 40">
@@ -38844,7 +38846,6 @@
                 </a:endParaRPr>
               </a:p>
               <a:p>
-                <a:pPr/>
                 <a:endParaRPr lang="en-US" b="1" dirty="0">
                   <a:solidFill>
                     <a:schemeClr val="accent2">
@@ -38856,7 +38857,7 @@
             </p:txBody>
           </p:sp>
         </mc:Choice>
-        <mc:Fallback>
+        <mc:Fallback xmlns="">
           <p:sp>
             <p:nvSpPr>
               <p:cNvPr id="41" name="TextBox 40">
@@ -38901,8 +38902,8 @@
           </p:sp>
         </mc:Fallback>
       </mc:AlternateContent>
-      <mc:AlternateContent xmlns:mc="http://schemas.openxmlformats.org/markup-compatibility/2006">
-        <mc:Choice xmlns:a14="http://schemas.microsoft.com/office/drawing/2010/main" Requires="a14">
+      <mc:AlternateContent xmlns:mc="http://schemas.openxmlformats.org/markup-compatibility/2006" xmlns:a14="http://schemas.microsoft.com/office/drawing/2010/main">
+        <mc:Choice Requires="a14">
           <p:sp>
             <p:nvSpPr>
               <p:cNvPr id="46" name="TextBox 45">
@@ -39016,7 +39017,6 @@
                 </a:endParaRPr>
               </a:p>
               <a:p>
-                <a:pPr/>
                 <a:endParaRPr lang="en-US" b="1" dirty="0">
                   <a:solidFill>
                     <a:schemeClr val="accent1">
@@ -39028,7 +39028,7 @@
             </p:txBody>
           </p:sp>
         </mc:Choice>
-        <mc:Fallback>
+        <mc:Fallback xmlns="">
           <p:sp>
             <p:nvSpPr>
               <p:cNvPr id="46" name="TextBox 45">
@@ -39257,8 +39257,8 @@
           </a:fontRef>
         </p:style>
       </p:cxnSp>
-      <mc:AlternateContent xmlns:mc="http://schemas.openxmlformats.org/markup-compatibility/2006">
-        <mc:Choice xmlns:a14="http://schemas.microsoft.com/office/drawing/2010/main" Requires="a14">
+      <mc:AlternateContent xmlns:mc="http://schemas.openxmlformats.org/markup-compatibility/2006" xmlns:a14="http://schemas.microsoft.com/office/drawing/2010/main">
+        <mc:Choice Requires="a14">
           <p:sp>
             <p:nvSpPr>
               <p:cNvPr id="60" name="TextBox 59">
@@ -39341,7 +39341,7 @@
             </p:txBody>
           </p:sp>
         </mc:Choice>
-        <mc:Fallback>
+        <mc:Fallback xmlns="">
           <p:sp>
             <p:nvSpPr>
               <p:cNvPr id="60" name="TextBox 59">
@@ -39386,8 +39386,8 @@
           </p:sp>
         </mc:Fallback>
       </mc:AlternateContent>
-      <mc:AlternateContent xmlns:mc="http://schemas.openxmlformats.org/markup-compatibility/2006">
-        <mc:Choice xmlns:a14="http://schemas.microsoft.com/office/drawing/2010/main" Requires="a14">
+      <mc:AlternateContent xmlns:mc="http://schemas.openxmlformats.org/markup-compatibility/2006" xmlns:a14="http://schemas.microsoft.com/office/drawing/2010/main">
+        <mc:Choice Requires="a14">
           <p:sp>
             <p:nvSpPr>
               <p:cNvPr id="61" name="TextBox 60">
@@ -39470,7 +39470,7 @@
             </p:txBody>
           </p:sp>
         </mc:Choice>
-        <mc:Fallback>
+        <mc:Fallback xmlns="">
           <p:sp>
             <p:nvSpPr>
               <p:cNvPr id="61" name="TextBox 60">
@@ -39515,8 +39515,8 @@
           </p:sp>
         </mc:Fallback>
       </mc:AlternateContent>
-      <mc:AlternateContent xmlns:mc="http://schemas.openxmlformats.org/markup-compatibility/2006">
-        <mc:Choice xmlns:a14="http://schemas.microsoft.com/office/drawing/2010/main" Requires="a14">
+      <mc:AlternateContent xmlns:mc="http://schemas.openxmlformats.org/markup-compatibility/2006" xmlns:a14="http://schemas.microsoft.com/office/drawing/2010/main">
+        <mc:Choice Requires="a14">
           <p:sp>
             <p:nvSpPr>
               <p:cNvPr id="62" name="TextBox 61">
@@ -39599,7 +39599,7 @@
             </p:txBody>
           </p:sp>
         </mc:Choice>
-        <mc:Fallback>
+        <mc:Fallback xmlns="">
           <p:sp>
             <p:nvSpPr>
               <p:cNvPr id="62" name="TextBox 61">
@@ -39644,8 +39644,8 @@
           </p:sp>
         </mc:Fallback>
       </mc:AlternateContent>
-      <mc:AlternateContent xmlns:mc="http://schemas.openxmlformats.org/markup-compatibility/2006">
-        <mc:Choice xmlns:a14="http://schemas.microsoft.com/office/drawing/2010/main" Requires="a14">
+      <mc:AlternateContent xmlns:mc="http://schemas.openxmlformats.org/markup-compatibility/2006" xmlns:a14="http://schemas.microsoft.com/office/drawing/2010/main">
+        <mc:Choice Requires="a14">
           <p:sp>
             <p:nvSpPr>
               <p:cNvPr id="63" name="TextBox 62">
@@ -39728,7 +39728,7 @@
             </p:txBody>
           </p:sp>
         </mc:Choice>
-        <mc:Fallback>
+        <mc:Fallback xmlns="">
           <p:sp>
             <p:nvSpPr>
               <p:cNvPr id="63" name="TextBox 62">
@@ -39817,8 +39817,8 @@
           </a:fontRef>
         </p:style>
       </p:cxnSp>
-      <mc:AlternateContent xmlns:mc="http://schemas.openxmlformats.org/markup-compatibility/2006">
-        <mc:Choice xmlns:a14="http://schemas.microsoft.com/office/drawing/2010/main" Requires="a14">
+      <mc:AlternateContent xmlns:mc="http://schemas.openxmlformats.org/markup-compatibility/2006" xmlns:a14="http://schemas.microsoft.com/office/drawing/2010/main">
+        <mc:Choice Requires="a14">
           <p:sp>
             <p:nvSpPr>
               <p:cNvPr id="68" name="TextBox 67">
@@ -39900,7 +39900,7 @@
             </p:txBody>
           </p:sp>
         </mc:Choice>
-        <mc:Fallback>
+        <mc:Fallback xmlns="">
           <p:sp>
             <p:nvSpPr>
               <p:cNvPr id="68" name="TextBox 67">
@@ -39945,8 +39945,8 @@
           </p:sp>
         </mc:Fallback>
       </mc:AlternateContent>
-      <mc:AlternateContent xmlns:mc="http://schemas.openxmlformats.org/markup-compatibility/2006">
-        <mc:Choice xmlns:a14="http://schemas.microsoft.com/office/drawing/2010/main" Requires="a14">
+      <mc:AlternateContent xmlns:mc="http://schemas.openxmlformats.org/markup-compatibility/2006" xmlns:a14="http://schemas.microsoft.com/office/drawing/2010/main">
+        <mc:Choice Requires="a14">
           <p:sp>
             <p:nvSpPr>
               <p:cNvPr id="69" name="TextBox 68">
@@ -40028,7 +40028,7 @@
             </p:txBody>
           </p:sp>
         </mc:Choice>
-        <mc:Fallback>
+        <mc:Fallback xmlns="">
           <p:sp>
             <p:nvSpPr>
               <p:cNvPr id="69" name="TextBox 68">
@@ -40109,8 +40109,8 @@
           <a:chExt cx="0" cy="0"/>
         </a:xfrm>
       </p:grpSpPr>
-      <mc:AlternateContent xmlns:mc="http://schemas.openxmlformats.org/markup-compatibility/2006">
-        <mc:Choice xmlns:a14="http://schemas.microsoft.com/office/drawing/2010/main" Requires="a14">
+      <mc:AlternateContent xmlns:mc="http://schemas.openxmlformats.org/markup-compatibility/2006" xmlns:a14="http://schemas.microsoft.com/office/drawing/2010/main">
+        <mc:Choice Requires="a14">
           <p:sp>
             <p:nvSpPr>
               <p:cNvPr id="13" name="TextBox 12">
@@ -40167,7 +40167,7 @@
             </p:txBody>
           </p:sp>
         </mc:Choice>
-        <mc:Fallback>
+        <mc:Fallback xmlns="">
           <p:sp>
             <p:nvSpPr>
               <p:cNvPr id="13" name="TextBox 12">
@@ -40212,8 +40212,8 @@
           </p:sp>
         </mc:Fallback>
       </mc:AlternateContent>
-      <mc:AlternateContent xmlns:mc="http://schemas.openxmlformats.org/markup-compatibility/2006">
-        <mc:Choice xmlns:a14="http://schemas.microsoft.com/office/drawing/2010/main" Requires="a14">
+      <mc:AlternateContent xmlns:mc="http://schemas.openxmlformats.org/markup-compatibility/2006" xmlns:a14="http://schemas.microsoft.com/office/drawing/2010/main">
+        <mc:Choice Requires="a14">
           <p:sp>
             <p:nvSpPr>
               <p:cNvPr id="14" name="TextBox 13">
@@ -40270,7 +40270,7 @@
             </p:txBody>
           </p:sp>
         </mc:Choice>
-        <mc:Fallback>
+        <mc:Fallback xmlns="">
           <p:sp>
             <p:nvSpPr>
               <p:cNvPr id="14" name="TextBox 13">
@@ -40692,7 +40692,6 @@
           </a:bodyPr>
           <a:lstStyle/>
           <a:p>
-            <a:pPr/>
             <a:r>
               <a:rPr lang="en-US" sz="2800" b="1" dirty="0">
                 <a:solidFill>
@@ -40749,8 +40748,8 @@
           </a:fontRef>
         </p:style>
       </p:cxnSp>
-      <mc:AlternateContent xmlns:mc="http://schemas.openxmlformats.org/markup-compatibility/2006">
-        <mc:Choice xmlns:a14="http://schemas.microsoft.com/office/drawing/2010/main" Requires="a14">
+      <mc:AlternateContent xmlns:mc="http://schemas.openxmlformats.org/markup-compatibility/2006" xmlns:a14="http://schemas.microsoft.com/office/drawing/2010/main">
+        <mc:Choice Requires="a14">
           <p:sp>
             <p:nvSpPr>
               <p:cNvPr id="46" name="TextBox 45">
@@ -40866,7 +40865,7 @@
             </p:txBody>
           </p:sp>
         </mc:Choice>
-        <mc:Fallback>
+        <mc:Fallback xmlns="">
           <p:sp>
             <p:nvSpPr>
               <p:cNvPr id="46" name="TextBox 45">
@@ -40911,8 +40910,8 @@
           </p:sp>
         </mc:Fallback>
       </mc:AlternateContent>
-      <mc:AlternateContent xmlns:mc="http://schemas.openxmlformats.org/markup-compatibility/2006">
-        <mc:Choice xmlns:a14="http://schemas.microsoft.com/office/drawing/2010/main" Requires="a14">
+      <mc:AlternateContent xmlns:mc="http://schemas.openxmlformats.org/markup-compatibility/2006" xmlns:a14="http://schemas.microsoft.com/office/drawing/2010/main">
+        <mc:Choice Requires="a14">
           <p:sp>
             <p:nvSpPr>
               <p:cNvPr id="68" name="TextBox 67">
@@ -40994,7 +40993,7 @@
             </p:txBody>
           </p:sp>
         </mc:Choice>
-        <mc:Fallback>
+        <mc:Fallback xmlns="">
           <p:sp>
             <p:nvSpPr>
               <p:cNvPr id="68" name="TextBox 67">
@@ -41308,8 +41307,8 @@
           </a:fontRef>
         </p:style>
       </p:cxnSp>
-      <mc:AlternateContent xmlns:mc="http://schemas.openxmlformats.org/markup-compatibility/2006">
-        <mc:Choice xmlns:a14="http://schemas.microsoft.com/office/drawing/2010/main" Requires="a14">
+      <mc:AlternateContent xmlns:mc="http://schemas.openxmlformats.org/markup-compatibility/2006" xmlns:a14="http://schemas.microsoft.com/office/drawing/2010/main">
+        <mc:Choice Requires="a14">
           <p:sp>
             <p:nvSpPr>
               <p:cNvPr id="30" name="TextBox 29">
@@ -41392,7 +41391,7 @@
             </p:txBody>
           </p:sp>
         </mc:Choice>
-        <mc:Fallback>
+        <mc:Fallback xmlns="">
           <p:sp>
             <p:nvSpPr>
               <p:cNvPr id="30" name="TextBox 29">
@@ -41437,8 +41436,8 @@
           </p:sp>
         </mc:Fallback>
       </mc:AlternateContent>
-      <mc:AlternateContent xmlns:mc="http://schemas.openxmlformats.org/markup-compatibility/2006">
-        <mc:Choice xmlns:a14="http://schemas.microsoft.com/office/drawing/2010/main" Requires="a14">
+      <mc:AlternateContent xmlns:mc="http://schemas.openxmlformats.org/markup-compatibility/2006" xmlns:a14="http://schemas.microsoft.com/office/drawing/2010/main">
+        <mc:Choice Requires="a14">
           <p:sp>
             <p:nvSpPr>
               <p:cNvPr id="31" name="TextBox 30">
@@ -41521,7 +41520,7 @@
             </p:txBody>
           </p:sp>
         </mc:Choice>
-        <mc:Fallback>
+        <mc:Fallback xmlns="">
           <p:sp>
             <p:nvSpPr>
               <p:cNvPr id="31" name="TextBox 30">
@@ -41570,6 +41569,440 @@
     <p:extLst>
       <p:ext uri="{BB962C8B-B14F-4D97-AF65-F5344CB8AC3E}">
         <p14:creationId xmlns:p14="http://schemas.microsoft.com/office/powerpoint/2010/main" val="3627808079"/>
+      </p:ext>
+    </p:extLst>
+  </p:cSld>
+  <p:clrMapOvr>
+    <a:masterClrMapping/>
+  </p:clrMapOvr>
+</p:sld>
+</file>
+
+<file path=ppt/slides/slide45.xml><?xml version="1.0" encoding="utf-8"?>
+<p:sld xmlns:a="http://schemas.openxmlformats.org/drawingml/2006/main" xmlns:r="http://schemas.openxmlformats.org/officeDocument/2006/relationships" xmlns:p="http://schemas.openxmlformats.org/presentationml/2006/main">
+  <p:cSld>
+    <p:spTree>
+      <p:nvGrpSpPr>
+        <p:cNvPr id="1" name=""/>
+        <p:cNvGrpSpPr/>
+        <p:nvPr/>
+      </p:nvGrpSpPr>
+      <p:grpSpPr>
+        <a:xfrm>
+          <a:off x="0" y="0"/>
+          <a:ext cx="0" cy="0"/>
+          <a:chOff x="0" y="0"/>
+          <a:chExt cx="0" cy="0"/>
+        </a:xfrm>
+      </p:grpSpPr>
+      <p:pic>
+        <p:nvPicPr>
+          <p:cNvPr id="3" name="Picture 2" descr="A graph of different colored squares&#10;&#10;Description automatically generated">
+            <a:extLst>
+              <a:ext uri="{FF2B5EF4-FFF2-40B4-BE49-F238E27FC236}">
+                <a16:creationId xmlns:a16="http://schemas.microsoft.com/office/drawing/2014/main" id="{B974D7FE-DF95-F3C0-0746-C746F3CAE9A7}"/>
+              </a:ext>
+            </a:extLst>
+          </p:cNvPr>
+          <p:cNvPicPr>
+            <a:picLocks noChangeAspect="1"/>
+          </p:cNvPicPr>
+          <p:nvPr/>
+        </p:nvPicPr>
+        <p:blipFill rotWithShape="1">
+          <a:blip r:embed="rId2">
+            <a:extLst>
+              <a:ext uri="{28A0092B-C50C-407E-A947-70E740481C1C}">
+                <a14:useLocalDpi xmlns:a14="http://schemas.microsoft.com/office/drawing/2010/main" val="0"/>
+              </a:ext>
+            </a:extLst>
+          </a:blip>
+          <a:srcRect t="4114"/>
+          <a:stretch/>
+        </p:blipFill>
+        <p:spPr>
+          <a:xfrm>
+            <a:off x="1712458" y="665018"/>
+            <a:ext cx="7831939" cy="6007366"/>
+          </a:xfrm>
+          <a:prstGeom prst="rect">
+            <a:avLst/>
+          </a:prstGeom>
+        </p:spPr>
+      </p:pic>
+      <p:sp>
+        <p:nvSpPr>
+          <p:cNvPr id="4" name="TextBox 3">
+            <a:extLst>
+              <a:ext uri="{FF2B5EF4-FFF2-40B4-BE49-F238E27FC236}">
+                <a16:creationId xmlns:a16="http://schemas.microsoft.com/office/drawing/2014/main" id="{A7B049F9-37DE-19C4-9D5D-925A30955E52}"/>
+              </a:ext>
+            </a:extLst>
+          </p:cNvPr>
+          <p:cNvSpPr txBox="1"/>
+          <p:nvPr/>
+        </p:nvSpPr>
+        <p:spPr>
+          <a:xfrm>
+            <a:off x="2647603" y="279497"/>
+            <a:ext cx="2141591" cy="369332"/>
+          </a:xfrm>
+          <a:prstGeom prst="rect">
+            <a:avLst/>
+          </a:prstGeom>
+          <a:noFill/>
+        </p:spPr>
+        <p:txBody>
+          <a:bodyPr wrap="square" rtlCol="0">
+            <a:spAutoFit/>
+          </a:bodyPr>
+          <a:lstStyle/>
+          <a:p>
+            <a:pPr algn="ctr"/>
+            <a:r>
+              <a:rPr lang="en-US" b="1" dirty="0">
+                <a:latin typeface="Boucherie Block" panose="02000506000000020004" pitchFamily="2" charset="0"/>
+              </a:rPr>
+              <a:t>D and below range</a:t>
+            </a:r>
+          </a:p>
+        </p:txBody>
+      </p:sp>
+      <p:sp>
+        <p:nvSpPr>
+          <p:cNvPr id="5" name="TextBox 4">
+            <a:extLst>
+              <a:ext uri="{FF2B5EF4-FFF2-40B4-BE49-F238E27FC236}">
+                <a16:creationId xmlns:a16="http://schemas.microsoft.com/office/drawing/2014/main" id="{14DB03D6-A63A-5C81-3F77-7EFA2ABAB085}"/>
+              </a:ext>
+            </a:extLst>
+          </p:cNvPr>
+          <p:cNvSpPr txBox="1"/>
+          <p:nvPr/>
+        </p:nvSpPr>
+        <p:spPr>
+          <a:xfrm>
+            <a:off x="4793720" y="295686"/>
+            <a:ext cx="1073018" cy="369332"/>
+          </a:xfrm>
+          <a:prstGeom prst="rect">
+            <a:avLst/>
+          </a:prstGeom>
+          <a:noFill/>
+        </p:spPr>
+        <p:txBody>
+          <a:bodyPr wrap="square" rtlCol="0">
+            <a:spAutoFit/>
+          </a:bodyPr>
+          <a:lstStyle/>
+          <a:p>
+            <a:pPr algn="ctr"/>
+            <a:r>
+              <a:rPr lang="en-US" b="1" dirty="0">
+                <a:latin typeface="Boucherie Block" panose="02000506000000020004" pitchFamily="2" charset="0"/>
+              </a:rPr>
+              <a:t>C range</a:t>
+            </a:r>
+          </a:p>
+        </p:txBody>
+      </p:sp>
+      <p:sp>
+        <p:nvSpPr>
+          <p:cNvPr id="6" name="TextBox 5">
+            <a:extLst>
+              <a:ext uri="{FF2B5EF4-FFF2-40B4-BE49-F238E27FC236}">
+                <a16:creationId xmlns:a16="http://schemas.microsoft.com/office/drawing/2014/main" id="{9FE412CF-A5BD-0D77-3051-9CE6CA47229A}"/>
+              </a:ext>
+            </a:extLst>
+          </p:cNvPr>
+          <p:cNvSpPr txBox="1"/>
+          <p:nvPr/>
+        </p:nvSpPr>
+        <p:spPr>
+          <a:xfrm>
+            <a:off x="6600500" y="279497"/>
+            <a:ext cx="1073018" cy="369332"/>
+          </a:xfrm>
+          <a:prstGeom prst="rect">
+            <a:avLst/>
+          </a:prstGeom>
+          <a:noFill/>
+        </p:spPr>
+        <p:txBody>
+          <a:bodyPr wrap="square" rtlCol="0">
+            <a:spAutoFit/>
+          </a:bodyPr>
+          <a:lstStyle/>
+          <a:p>
+            <a:pPr algn="ctr"/>
+            <a:r>
+              <a:rPr lang="en-US" b="1" dirty="0">
+                <a:latin typeface="Boucherie Block" panose="02000506000000020004" pitchFamily="2" charset="0"/>
+              </a:rPr>
+              <a:t>B range</a:t>
+            </a:r>
+          </a:p>
+        </p:txBody>
+      </p:sp>
+      <p:sp>
+        <p:nvSpPr>
+          <p:cNvPr id="7" name="TextBox 6">
+            <a:extLst>
+              <a:ext uri="{FF2B5EF4-FFF2-40B4-BE49-F238E27FC236}">
+                <a16:creationId xmlns:a16="http://schemas.microsoft.com/office/drawing/2014/main" id="{A6B6AE05-276A-D88C-0BA2-BF4DF9231F53}"/>
+              </a:ext>
+            </a:extLst>
+          </p:cNvPr>
+          <p:cNvSpPr txBox="1"/>
+          <p:nvPr/>
+        </p:nvSpPr>
+        <p:spPr>
+          <a:xfrm>
+            <a:off x="8301751" y="295686"/>
+            <a:ext cx="1073018" cy="369332"/>
+          </a:xfrm>
+          <a:prstGeom prst="rect">
+            <a:avLst/>
+          </a:prstGeom>
+          <a:noFill/>
+        </p:spPr>
+        <p:txBody>
+          <a:bodyPr wrap="square" rtlCol="0">
+            <a:spAutoFit/>
+          </a:bodyPr>
+          <a:lstStyle/>
+          <a:p>
+            <a:pPr algn="ctr"/>
+            <a:r>
+              <a:rPr lang="en-US" b="1" dirty="0">
+                <a:latin typeface="Boucherie Block" panose="02000506000000020004" pitchFamily="2" charset="0"/>
+              </a:rPr>
+              <a:t>a range</a:t>
+            </a:r>
+          </a:p>
+        </p:txBody>
+      </p:sp>
+    </p:spTree>
+    <p:extLst>
+      <p:ext uri="{BB962C8B-B14F-4D97-AF65-F5344CB8AC3E}">
+        <p14:creationId xmlns:p14="http://schemas.microsoft.com/office/powerpoint/2010/main" val="2150116344"/>
+      </p:ext>
+    </p:extLst>
+  </p:cSld>
+  <p:clrMapOvr>
+    <a:masterClrMapping/>
+  </p:clrMapOvr>
+</p:sld>
+</file>
+
+<file path=ppt/slides/slide46.xml><?xml version="1.0" encoding="utf-8"?>
+<p:sld xmlns:a="http://schemas.openxmlformats.org/drawingml/2006/main" xmlns:r="http://schemas.openxmlformats.org/officeDocument/2006/relationships" xmlns:p="http://schemas.openxmlformats.org/presentationml/2006/main">
+  <p:cSld>
+    <p:spTree>
+      <p:nvGrpSpPr>
+        <p:cNvPr id="1" name=""/>
+        <p:cNvGrpSpPr/>
+        <p:nvPr/>
+      </p:nvGrpSpPr>
+      <p:grpSpPr>
+        <a:xfrm>
+          <a:off x="0" y="0"/>
+          <a:ext cx="0" cy="0"/>
+          <a:chOff x="0" y="0"/>
+          <a:chExt cx="0" cy="0"/>
+        </a:xfrm>
+      </p:grpSpPr>
+      <p:pic>
+        <p:nvPicPr>
+          <p:cNvPr id="3" name="Picture 2" descr="A graph of different colored squares&#10;&#10;Description automatically generated">
+            <a:extLst>
+              <a:ext uri="{FF2B5EF4-FFF2-40B4-BE49-F238E27FC236}">
+                <a16:creationId xmlns:a16="http://schemas.microsoft.com/office/drawing/2014/main" id="{2E48C944-497B-E5B5-8404-B33C27D8EC50}"/>
+              </a:ext>
+            </a:extLst>
+          </p:cNvPr>
+          <p:cNvPicPr>
+            <a:picLocks noChangeAspect="1"/>
+          </p:cNvPicPr>
+          <p:nvPr/>
+        </p:nvPicPr>
+        <p:blipFill rotWithShape="1">
+          <a:blip r:embed="rId2">
+            <a:extLst>
+              <a:ext uri="{28A0092B-C50C-407E-A947-70E740481C1C}">
+                <a14:useLocalDpi xmlns:a14="http://schemas.microsoft.com/office/drawing/2010/main" val="0"/>
+              </a:ext>
+            </a:extLst>
+          </a:blip>
+          <a:srcRect t="4706"/>
+          <a:stretch/>
+        </p:blipFill>
+        <p:spPr>
+          <a:xfrm>
+            <a:off x="1747093" y="914252"/>
+            <a:ext cx="7667070" cy="5844590"/>
+          </a:xfrm>
+          <a:prstGeom prst="rect">
+            <a:avLst/>
+          </a:prstGeom>
+        </p:spPr>
+      </p:pic>
+      <p:sp>
+        <p:nvSpPr>
+          <p:cNvPr id="4" name="TextBox 3">
+            <a:extLst>
+              <a:ext uri="{FF2B5EF4-FFF2-40B4-BE49-F238E27FC236}">
+                <a16:creationId xmlns:a16="http://schemas.microsoft.com/office/drawing/2014/main" id="{08496662-8C1D-4038-E457-17E8670FC9C0}"/>
+              </a:ext>
+            </a:extLst>
+          </p:cNvPr>
+          <p:cNvSpPr txBox="1"/>
+          <p:nvPr/>
+        </p:nvSpPr>
+        <p:spPr>
+          <a:xfrm>
+            <a:off x="2656432" y="528731"/>
+            <a:ext cx="2141591" cy="369332"/>
+          </a:xfrm>
+          <a:prstGeom prst="rect">
+            <a:avLst/>
+          </a:prstGeom>
+          <a:noFill/>
+        </p:spPr>
+        <p:txBody>
+          <a:bodyPr wrap="square" rtlCol="0">
+            <a:spAutoFit/>
+          </a:bodyPr>
+          <a:lstStyle/>
+          <a:p>
+            <a:pPr algn="ctr"/>
+            <a:r>
+              <a:rPr lang="en-US" b="1" dirty="0">
+                <a:latin typeface="Boucherie Block" panose="02000506000000020004" pitchFamily="2" charset="0"/>
+              </a:rPr>
+              <a:t>D and below range</a:t>
+            </a:r>
+          </a:p>
+        </p:txBody>
+      </p:sp>
+      <p:sp>
+        <p:nvSpPr>
+          <p:cNvPr id="5" name="TextBox 4">
+            <a:extLst>
+              <a:ext uri="{FF2B5EF4-FFF2-40B4-BE49-F238E27FC236}">
+                <a16:creationId xmlns:a16="http://schemas.microsoft.com/office/drawing/2014/main" id="{82844350-2CB5-3BED-D841-E73875799A56}"/>
+              </a:ext>
+            </a:extLst>
+          </p:cNvPr>
+          <p:cNvSpPr txBox="1"/>
+          <p:nvPr/>
+        </p:nvSpPr>
+        <p:spPr>
+          <a:xfrm>
+            <a:off x="5044119" y="544920"/>
+            <a:ext cx="1073018" cy="369332"/>
+          </a:xfrm>
+          <a:prstGeom prst="rect">
+            <a:avLst/>
+          </a:prstGeom>
+          <a:noFill/>
+        </p:spPr>
+        <p:txBody>
+          <a:bodyPr wrap="square" rtlCol="0">
+            <a:spAutoFit/>
+          </a:bodyPr>
+          <a:lstStyle/>
+          <a:p>
+            <a:pPr algn="ctr"/>
+            <a:r>
+              <a:rPr lang="en-US" b="1" dirty="0">
+                <a:latin typeface="Boucherie Block" panose="02000506000000020004" pitchFamily="2" charset="0"/>
+              </a:rPr>
+              <a:t>C range</a:t>
+            </a:r>
+          </a:p>
+        </p:txBody>
+      </p:sp>
+      <p:sp>
+        <p:nvSpPr>
+          <p:cNvPr id="6" name="TextBox 5">
+            <a:extLst>
+              <a:ext uri="{FF2B5EF4-FFF2-40B4-BE49-F238E27FC236}">
+                <a16:creationId xmlns:a16="http://schemas.microsoft.com/office/drawing/2014/main" id="{B9C7772F-F79A-DE4D-62A0-D33143D6B4BF}"/>
+              </a:ext>
+            </a:extLst>
+          </p:cNvPr>
+          <p:cNvSpPr txBox="1"/>
+          <p:nvPr/>
+        </p:nvSpPr>
+        <p:spPr>
+          <a:xfrm>
+            <a:off x="6609329" y="544920"/>
+            <a:ext cx="1073018" cy="369332"/>
+          </a:xfrm>
+          <a:prstGeom prst="rect">
+            <a:avLst/>
+          </a:prstGeom>
+          <a:noFill/>
+        </p:spPr>
+        <p:txBody>
+          <a:bodyPr wrap="square" rtlCol="0">
+            <a:spAutoFit/>
+          </a:bodyPr>
+          <a:lstStyle/>
+          <a:p>
+            <a:pPr algn="ctr"/>
+            <a:r>
+              <a:rPr lang="en-US" b="1" dirty="0">
+                <a:latin typeface="Boucherie Block" panose="02000506000000020004" pitchFamily="2" charset="0"/>
+              </a:rPr>
+              <a:t>B range</a:t>
+            </a:r>
+          </a:p>
+        </p:txBody>
+      </p:sp>
+      <p:sp>
+        <p:nvSpPr>
+          <p:cNvPr id="7" name="TextBox 6">
+            <a:extLst>
+              <a:ext uri="{FF2B5EF4-FFF2-40B4-BE49-F238E27FC236}">
+                <a16:creationId xmlns:a16="http://schemas.microsoft.com/office/drawing/2014/main" id="{2A88645D-1007-F6BA-D5E2-E9E52FEB5127}"/>
+              </a:ext>
+            </a:extLst>
+          </p:cNvPr>
+          <p:cNvSpPr txBox="1"/>
+          <p:nvPr/>
+        </p:nvSpPr>
+        <p:spPr>
+          <a:xfrm>
+            <a:off x="8223382" y="544920"/>
+            <a:ext cx="1073018" cy="369332"/>
+          </a:xfrm>
+          <a:prstGeom prst="rect">
+            <a:avLst/>
+          </a:prstGeom>
+          <a:noFill/>
+        </p:spPr>
+        <p:txBody>
+          <a:bodyPr wrap="square" rtlCol="0">
+            <a:spAutoFit/>
+          </a:bodyPr>
+          <a:lstStyle/>
+          <a:p>
+            <a:pPr algn="ctr"/>
+            <a:r>
+              <a:rPr lang="en-US" b="1" dirty="0">
+                <a:latin typeface="Boucherie Block" panose="02000506000000020004" pitchFamily="2" charset="0"/>
+              </a:rPr>
+              <a:t>a range</a:t>
+            </a:r>
+          </a:p>
+        </p:txBody>
+      </p:sp>
+    </p:spTree>
+    <p:extLst>
+      <p:ext uri="{BB962C8B-B14F-4D97-AF65-F5344CB8AC3E}">
+        <p14:creationId xmlns:p14="http://schemas.microsoft.com/office/powerpoint/2010/main" val="1886886479"/>
       </p:ext>
     </p:extLst>
   </p:cSld>
